--- a/doc/tsduck-diagrams.pptx
+++ b/doc/tsduck-diagrams.pptx
@@ -238,7 +238,7 @@
           <a:p>
             <a:fld id="{58A7CDC3-5B40-B341-B3D1-EE720DBB9E8A}" type="datetimeFigureOut">
               <a:rPr lang="fr-FR" smtClean="0"/>
-              <a:t>20/05/2017</a:t>
+              <a:t>31/05/2017</a:t>
             </a:fld>
             <a:endParaRPr lang="fr-FR"/>
           </a:p>
@@ -280,7 +280,7 @@
           <a:p>
             <a:fld id="{E5FAB097-52E0-D74A-86FC-FBBF9AD0CE6C}" type="slidenum">
               <a:rPr lang="fr-FR" smtClean="0"/>
-              <a:t>‹#›</a:t>
+              <a:t>‹N°›</a:t>
             </a:fld>
             <a:endParaRPr lang="fr-FR"/>
           </a:p>
@@ -403,7 +403,7 @@
           <a:p>
             <a:fld id="{58A7CDC3-5B40-B341-B3D1-EE720DBB9E8A}" type="datetimeFigureOut">
               <a:rPr lang="fr-FR" smtClean="0"/>
-              <a:t>20/05/2017</a:t>
+              <a:t>31/05/2017</a:t>
             </a:fld>
             <a:endParaRPr lang="fr-FR"/>
           </a:p>
@@ -445,7 +445,7 @@
           <a:p>
             <a:fld id="{E5FAB097-52E0-D74A-86FC-FBBF9AD0CE6C}" type="slidenum">
               <a:rPr lang="fr-FR" smtClean="0"/>
-              <a:t>‹#›</a:t>
+              <a:t>‹N°›</a:t>
             </a:fld>
             <a:endParaRPr lang="fr-FR"/>
           </a:p>
@@ -578,7 +578,7 @@
           <a:p>
             <a:fld id="{58A7CDC3-5B40-B341-B3D1-EE720DBB9E8A}" type="datetimeFigureOut">
               <a:rPr lang="fr-FR" smtClean="0"/>
-              <a:t>20/05/2017</a:t>
+              <a:t>31/05/2017</a:t>
             </a:fld>
             <a:endParaRPr lang="fr-FR"/>
           </a:p>
@@ -620,7 +620,7 @@
           <a:p>
             <a:fld id="{E5FAB097-52E0-D74A-86FC-FBBF9AD0CE6C}" type="slidenum">
               <a:rPr lang="fr-FR" smtClean="0"/>
-              <a:t>‹#›</a:t>
+              <a:t>‹N°›</a:t>
             </a:fld>
             <a:endParaRPr lang="fr-FR"/>
           </a:p>
@@ -743,7 +743,7 @@
           <a:p>
             <a:fld id="{58A7CDC3-5B40-B341-B3D1-EE720DBB9E8A}" type="datetimeFigureOut">
               <a:rPr lang="fr-FR" smtClean="0"/>
-              <a:t>20/05/2017</a:t>
+              <a:t>31/05/2017</a:t>
             </a:fld>
             <a:endParaRPr lang="fr-FR"/>
           </a:p>
@@ -785,7 +785,7 @@
           <a:p>
             <a:fld id="{E5FAB097-52E0-D74A-86FC-FBBF9AD0CE6C}" type="slidenum">
               <a:rPr lang="fr-FR" smtClean="0"/>
-              <a:t>‹#›</a:t>
+              <a:t>‹N°›</a:t>
             </a:fld>
             <a:endParaRPr lang="fr-FR"/>
           </a:p>
@@ -982,7 +982,7 @@
           <a:p>
             <a:fld id="{58A7CDC3-5B40-B341-B3D1-EE720DBB9E8A}" type="datetimeFigureOut">
               <a:rPr lang="fr-FR" smtClean="0"/>
-              <a:t>20/05/2017</a:t>
+              <a:t>31/05/2017</a:t>
             </a:fld>
             <a:endParaRPr lang="fr-FR"/>
           </a:p>
@@ -1024,7 +1024,7 @@
           <a:p>
             <a:fld id="{E5FAB097-52E0-D74A-86FC-FBBF9AD0CE6C}" type="slidenum">
               <a:rPr lang="fr-FR" smtClean="0"/>
-              <a:t>‹#›</a:t>
+              <a:t>‹N°›</a:t>
             </a:fld>
             <a:endParaRPr lang="fr-FR"/>
           </a:p>
@@ -1209,7 +1209,7 @@
           <a:p>
             <a:fld id="{58A7CDC3-5B40-B341-B3D1-EE720DBB9E8A}" type="datetimeFigureOut">
               <a:rPr lang="fr-FR" smtClean="0"/>
-              <a:t>20/05/2017</a:t>
+              <a:t>31/05/2017</a:t>
             </a:fld>
             <a:endParaRPr lang="fr-FR"/>
           </a:p>
@@ -1251,7 +1251,7 @@
           <a:p>
             <a:fld id="{E5FAB097-52E0-D74A-86FC-FBBF9AD0CE6C}" type="slidenum">
               <a:rPr lang="fr-FR" smtClean="0"/>
-              <a:t>‹#›</a:t>
+              <a:t>‹N°›</a:t>
             </a:fld>
             <a:endParaRPr lang="fr-FR"/>
           </a:p>
@@ -1571,7 +1571,7 @@
           <a:p>
             <a:fld id="{58A7CDC3-5B40-B341-B3D1-EE720DBB9E8A}" type="datetimeFigureOut">
               <a:rPr lang="fr-FR" smtClean="0"/>
-              <a:t>20/05/2017</a:t>
+              <a:t>31/05/2017</a:t>
             </a:fld>
             <a:endParaRPr lang="fr-FR"/>
           </a:p>
@@ -1613,7 +1613,7 @@
           <a:p>
             <a:fld id="{E5FAB097-52E0-D74A-86FC-FBBF9AD0CE6C}" type="slidenum">
               <a:rPr lang="fr-FR" smtClean="0"/>
-              <a:t>‹#›</a:t>
+              <a:t>‹N°›</a:t>
             </a:fld>
             <a:endParaRPr lang="fr-FR"/>
           </a:p>
@@ -1684,7 +1684,7 @@
           <a:p>
             <a:fld id="{58A7CDC3-5B40-B341-B3D1-EE720DBB9E8A}" type="datetimeFigureOut">
               <a:rPr lang="fr-FR" smtClean="0"/>
-              <a:t>20/05/2017</a:t>
+              <a:t>31/05/2017</a:t>
             </a:fld>
             <a:endParaRPr lang="fr-FR"/>
           </a:p>
@@ -1726,7 +1726,7 @@
           <a:p>
             <a:fld id="{E5FAB097-52E0-D74A-86FC-FBBF9AD0CE6C}" type="slidenum">
               <a:rPr lang="fr-FR" smtClean="0"/>
-              <a:t>‹#›</a:t>
+              <a:t>‹N°›</a:t>
             </a:fld>
             <a:endParaRPr lang="fr-FR"/>
           </a:p>
@@ -1774,7 +1774,7 @@
           <a:p>
             <a:fld id="{58A7CDC3-5B40-B341-B3D1-EE720DBB9E8A}" type="datetimeFigureOut">
               <a:rPr lang="fr-FR" smtClean="0"/>
-              <a:t>20/05/2017</a:t>
+              <a:t>31/05/2017</a:t>
             </a:fld>
             <a:endParaRPr lang="fr-FR"/>
           </a:p>
@@ -1816,7 +1816,7 @@
           <a:p>
             <a:fld id="{E5FAB097-52E0-D74A-86FC-FBBF9AD0CE6C}" type="slidenum">
               <a:rPr lang="fr-FR" smtClean="0"/>
-              <a:t>‹#›</a:t>
+              <a:t>‹N°›</a:t>
             </a:fld>
             <a:endParaRPr lang="fr-FR"/>
           </a:p>
@@ -2046,7 +2046,7 @@
           <a:p>
             <a:fld id="{58A7CDC3-5B40-B341-B3D1-EE720DBB9E8A}" type="datetimeFigureOut">
               <a:rPr lang="fr-FR" smtClean="0"/>
-              <a:t>20/05/2017</a:t>
+              <a:t>31/05/2017</a:t>
             </a:fld>
             <a:endParaRPr lang="fr-FR"/>
           </a:p>
@@ -2088,7 +2088,7 @@
           <a:p>
             <a:fld id="{E5FAB097-52E0-D74A-86FC-FBBF9AD0CE6C}" type="slidenum">
               <a:rPr lang="fr-FR" smtClean="0"/>
-              <a:t>‹#›</a:t>
+              <a:t>‹N°›</a:t>
             </a:fld>
             <a:endParaRPr lang="fr-FR"/>
           </a:p>
@@ -2298,7 +2298,7 @@
           <a:p>
             <a:fld id="{58A7CDC3-5B40-B341-B3D1-EE720DBB9E8A}" type="datetimeFigureOut">
               <a:rPr lang="fr-FR" smtClean="0"/>
-              <a:t>20/05/2017</a:t>
+              <a:t>31/05/2017</a:t>
             </a:fld>
             <a:endParaRPr lang="fr-FR"/>
           </a:p>
@@ -2340,7 +2340,7 @@
           <a:p>
             <a:fld id="{E5FAB097-52E0-D74A-86FC-FBBF9AD0CE6C}" type="slidenum">
               <a:rPr lang="fr-FR" smtClean="0"/>
-              <a:t>‹#›</a:t>
+              <a:t>‹N°›</a:t>
             </a:fld>
             <a:endParaRPr lang="fr-FR"/>
           </a:p>
@@ -2506,7 +2506,7 @@
           <a:p>
             <a:fld id="{58A7CDC3-5B40-B341-B3D1-EE720DBB9E8A}" type="datetimeFigureOut">
               <a:rPr lang="fr-FR" smtClean="0"/>
-              <a:t>20/05/2017</a:t>
+              <a:t>31/05/2017</a:t>
             </a:fld>
             <a:endParaRPr lang="fr-FR"/>
           </a:p>
@@ -2584,7 +2584,7 @@
           <a:p>
             <a:fld id="{E5FAB097-52E0-D74A-86FC-FBBF9AD0CE6C}" type="slidenum">
               <a:rPr lang="fr-FR" smtClean="0"/>
-              <a:t>‹#›</a:t>
+              <a:t>‹N°›</a:t>
             </a:fld>
             <a:endParaRPr lang="fr-FR"/>
           </a:p>
@@ -2913,7 +2913,7 @@
       </p:grpSpPr>
       <p:grpSp>
         <p:nvGrpSpPr>
-          <p:cNvPr id="115" name="Grouper 114"/>
+          <p:cNvPr id="2" name="Groupe 1"/>
           <p:cNvGrpSpPr/>
           <p:nvPr/>
         </p:nvGrpSpPr>
@@ -2970,31 +2970,31 @@
             <a:p>
               <a:pPr algn="ctr"/>
               <a:r>
-                <a:rPr lang="fr-FR" sz="1200" dirty="0" err="1" smtClean="0">
-                  <a:latin typeface="Arial Rounded MT Bold" charset="0"/>
+                <a:rPr lang="fr-FR" sz="1200" b="1" dirty="0" err="1" smtClean="0">
+                  <a:latin typeface="Cambria" panose="02040503050406030204" pitchFamily="18" charset="0"/>
                   <a:ea typeface="Arial Rounded MT Bold" charset="0"/>
                   <a:cs typeface="Arial Rounded MT Bold" charset="0"/>
                 </a:rPr>
                 <a:t>tsp</a:t>
               </a:r>
               <a:r>
-                <a:rPr lang="fr-FR" sz="1200" dirty="0" smtClean="0">
-                  <a:latin typeface="Arial Rounded MT Bold" charset="0"/>
+                <a:rPr lang="fr-FR" sz="1200" b="1" dirty="0" smtClean="0">
+                  <a:latin typeface="Cambria" panose="02040503050406030204" pitchFamily="18" charset="0"/>
                   <a:ea typeface="Arial Rounded MT Bold" charset="0"/>
                   <a:cs typeface="Arial Rounded MT Bold" charset="0"/>
                 </a:rPr>
                 <a:t> </a:t>
               </a:r>
               <a:r>
-                <a:rPr lang="fr-FR" sz="1000" dirty="0" err="1" smtClean="0">
-                  <a:latin typeface="Arial Rounded MT Bold" charset="0"/>
+                <a:rPr lang="fr-FR" sz="1200" b="1" dirty="0" err="1" smtClean="0">
+                  <a:latin typeface="Cambria" panose="02040503050406030204" pitchFamily="18" charset="0"/>
                   <a:ea typeface="Arial Rounded MT Bold" charset="0"/>
                   <a:cs typeface="Arial Rounded MT Bold" charset="0"/>
                 </a:rPr>
                 <a:t>process</a:t>
               </a:r>
-              <a:endParaRPr lang="fr-FR" sz="1000" dirty="0">
-                <a:latin typeface="Arial Rounded MT Bold" charset="0"/>
+              <a:endParaRPr lang="fr-FR" sz="1200" b="1" dirty="0">
+                <a:latin typeface="Cambria" panose="02040503050406030204" pitchFamily="18" charset="0"/>
                 <a:ea typeface="Arial Rounded MT Bold" charset="0"/>
                 <a:cs typeface="Arial Rounded MT Bold" charset="0"/>
               </a:endParaRPr>
@@ -3039,44 +3039,44 @@
             </a:fontRef>
           </p:style>
           <p:txBody>
-            <a:bodyPr rtlCol="0" anchor="t" anchorCtr="0"/>
+            <a:bodyPr tIns="0" rtlCol="0" anchor="t" anchorCtr="0"/>
             <a:lstStyle/>
             <a:p>
               <a:pPr algn="ctr"/>
               <a:r>
-                <a:rPr lang="fr-FR" sz="900" dirty="0" err="1">
-                  <a:latin typeface="Arial Rounded MT Bold" charset="0"/>
+                <a:rPr lang="fr-FR" sz="1000" dirty="0" err="1">
+                  <a:latin typeface="Cambria" panose="02040503050406030204" pitchFamily="18" charset="0"/>
                   <a:ea typeface="Arial Rounded MT Bold" charset="0"/>
                   <a:cs typeface="Arial Rounded MT Bold" charset="0"/>
                 </a:rPr>
                 <a:t>t</a:t>
               </a:r>
               <a:r>
-                <a:rPr lang="fr-FR" sz="900" dirty="0" err="1" smtClean="0">
-                  <a:latin typeface="Arial Rounded MT Bold" charset="0"/>
+                <a:rPr lang="fr-FR" sz="1000" dirty="0" err="1" smtClean="0">
+                  <a:latin typeface="Cambria" panose="02040503050406030204" pitchFamily="18" charset="0"/>
                   <a:ea typeface="Arial Rounded MT Bold" charset="0"/>
                   <a:cs typeface="Arial Rounded MT Bold" charset="0"/>
                 </a:rPr>
                 <a:t>sp</a:t>
               </a:r>
               <a:r>
-                <a:rPr lang="fr-FR" sz="900" dirty="0" smtClean="0">
-                  <a:latin typeface="Arial Rounded MT Bold" charset="0"/>
+                <a:rPr lang="fr-FR" sz="1000" dirty="0" smtClean="0">
+                  <a:latin typeface="Cambria" panose="02040503050406030204" pitchFamily="18" charset="0"/>
                   <a:ea typeface="Arial Rounded MT Bold" charset="0"/>
                   <a:cs typeface="Arial Rounded MT Bold" charset="0"/>
                 </a:rPr>
                 <a:t> </a:t>
               </a:r>
               <a:r>
-                <a:rPr lang="fr-FR" sz="800" dirty="0" err="1" smtClean="0">
-                  <a:latin typeface="Arial Rounded MT Bold" charset="0"/>
+                <a:rPr lang="fr-FR" sz="1000" dirty="0" err="1" smtClean="0">
+                  <a:latin typeface="Cambria" panose="02040503050406030204" pitchFamily="18" charset="0"/>
                   <a:ea typeface="Arial Rounded MT Bold" charset="0"/>
                   <a:cs typeface="Arial Rounded MT Bold" charset="0"/>
                 </a:rPr>
                 <a:t>executable</a:t>
               </a:r>
-              <a:endParaRPr lang="fr-FR" sz="800" dirty="0">
-                <a:latin typeface="Arial Rounded MT Bold" charset="0"/>
+              <a:endParaRPr lang="fr-FR" sz="1000" dirty="0">
+                <a:latin typeface="Cambria" panose="02040503050406030204" pitchFamily="18" charset="0"/>
                 <a:ea typeface="Arial Rounded MT Bold" charset="0"/>
                 <a:cs typeface="Arial Rounded MT Bold" charset="0"/>
               </a:endParaRPr>
@@ -3126,39 +3126,39 @@
             <a:p>
               <a:pPr algn="ctr"/>
               <a:r>
-                <a:rPr lang="fr-FR" sz="800" dirty="0" err="1" smtClean="0">
-                  <a:latin typeface="Arial Rounded MT Bold" charset="0"/>
+                <a:rPr lang="fr-FR" sz="900" dirty="0" err="1" smtClean="0">
+                  <a:latin typeface="Cambria" panose="02040503050406030204" pitchFamily="18" charset="0"/>
                   <a:ea typeface="Arial Rounded MT Bold" charset="0"/>
                   <a:cs typeface="Arial Rounded MT Bold" charset="0"/>
                 </a:rPr>
                 <a:t>packet</a:t>
               </a:r>
               <a:r>
-                <a:rPr lang="fr-FR" sz="800" dirty="0">
-                  <a:latin typeface="Arial Rounded MT Bold" charset="0"/>
+                <a:rPr lang="fr-FR" sz="900" dirty="0">
+                  <a:latin typeface="Cambria" panose="02040503050406030204" pitchFamily="18" charset="0"/>
                   <a:ea typeface="Arial Rounded MT Bold" charset="0"/>
                   <a:cs typeface="Arial Rounded MT Bold" charset="0"/>
                 </a:rPr>
                 <a:t> </a:t>
               </a:r>
               <a:r>
-                <a:rPr lang="fr-FR" sz="800" dirty="0" err="1" smtClean="0">
-                  <a:latin typeface="Arial Rounded MT Bold" charset="0"/>
+                <a:rPr lang="fr-FR" sz="900" dirty="0" err="1" smtClean="0">
+                  <a:latin typeface="Cambria" panose="02040503050406030204" pitchFamily="18" charset="0"/>
                   <a:ea typeface="Arial Rounded MT Bold" charset="0"/>
                   <a:cs typeface="Arial Rounded MT Bold" charset="0"/>
                 </a:rPr>
                 <a:t>processing</a:t>
               </a:r>
               <a:r>
-                <a:rPr lang="fr-FR" sz="800" dirty="0" smtClean="0">
-                  <a:latin typeface="Arial Rounded MT Bold" charset="0"/>
+                <a:rPr lang="fr-FR" sz="900" dirty="0" smtClean="0">
+                  <a:latin typeface="Cambria" panose="02040503050406030204" pitchFamily="18" charset="0"/>
                   <a:ea typeface="Arial Rounded MT Bold" charset="0"/>
                   <a:cs typeface="Arial Rounded MT Bold" charset="0"/>
                 </a:rPr>
                 <a:t> plugin 2</a:t>
               </a:r>
-              <a:endParaRPr lang="fr-FR" sz="800" dirty="0">
-                <a:latin typeface="Arial Rounded MT Bold" charset="0"/>
+              <a:endParaRPr lang="fr-FR" sz="900" dirty="0">
+                <a:latin typeface="Cambria" panose="02040503050406030204" pitchFamily="18" charset="0"/>
                 <a:ea typeface="Arial Rounded MT Bold" charset="0"/>
                 <a:cs typeface="Arial Rounded MT Bold" charset="0"/>
               </a:endParaRPr>
@@ -3208,39 +3208,39 @@
             <a:p>
               <a:pPr algn="ctr"/>
               <a:r>
-                <a:rPr lang="fr-FR" sz="800" dirty="0" err="1" smtClean="0">
-                  <a:latin typeface="Arial Rounded MT Bold" charset="0"/>
+                <a:rPr lang="fr-FR" sz="900" dirty="0" err="1" smtClean="0">
+                  <a:latin typeface="Cambria" panose="02040503050406030204" pitchFamily="18" charset="0"/>
                   <a:ea typeface="Arial Rounded MT Bold" charset="0"/>
                   <a:cs typeface="Arial Rounded MT Bold" charset="0"/>
                 </a:rPr>
                 <a:t>packet</a:t>
               </a:r>
               <a:r>
-                <a:rPr lang="fr-FR" sz="800" dirty="0">
-                  <a:latin typeface="Arial Rounded MT Bold" charset="0"/>
+                <a:rPr lang="fr-FR" sz="900" dirty="0">
+                  <a:latin typeface="Cambria" panose="02040503050406030204" pitchFamily="18" charset="0"/>
                   <a:ea typeface="Arial Rounded MT Bold" charset="0"/>
                   <a:cs typeface="Arial Rounded MT Bold" charset="0"/>
                 </a:rPr>
                 <a:t> </a:t>
               </a:r>
               <a:r>
-                <a:rPr lang="fr-FR" sz="800" dirty="0" err="1" smtClean="0">
-                  <a:latin typeface="Arial Rounded MT Bold" charset="0"/>
+                <a:rPr lang="fr-FR" sz="900" dirty="0" err="1" smtClean="0">
+                  <a:latin typeface="Cambria" panose="02040503050406030204" pitchFamily="18" charset="0"/>
                   <a:ea typeface="Arial Rounded MT Bold" charset="0"/>
                   <a:cs typeface="Arial Rounded MT Bold" charset="0"/>
                 </a:rPr>
                 <a:t>processing</a:t>
               </a:r>
               <a:r>
-                <a:rPr lang="fr-FR" sz="800" dirty="0" smtClean="0">
-                  <a:latin typeface="Arial Rounded MT Bold" charset="0"/>
+                <a:rPr lang="fr-FR" sz="900" dirty="0" smtClean="0">
+                  <a:latin typeface="Cambria" panose="02040503050406030204" pitchFamily="18" charset="0"/>
                   <a:ea typeface="Arial Rounded MT Bold" charset="0"/>
                   <a:cs typeface="Arial Rounded MT Bold" charset="0"/>
                 </a:rPr>
                 <a:t> plugin 1</a:t>
               </a:r>
-              <a:endParaRPr lang="fr-FR" sz="800" dirty="0">
-                <a:latin typeface="Arial Rounded MT Bold" charset="0"/>
+              <a:endParaRPr lang="fr-FR" sz="900" dirty="0">
+                <a:latin typeface="Cambria" panose="02040503050406030204" pitchFamily="18" charset="0"/>
                 <a:ea typeface="Arial Rounded MT Bold" charset="0"/>
                 <a:cs typeface="Arial Rounded MT Bold" charset="0"/>
               </a:endParaRPr>
@@ -3290,39 +3290,39 @@
             <a:p>
               <a:pPr algn="ctr"/>
               <a:r>
-                <a:rPr lang="fr-FR" sz="800" dirty="0" err="1" smtClean="0">
-                  <a:latin typeface="Arial Rounded MT Bold" charset="0"/>
+                <a:rPr lang="fr-FR" sz="900" dirty="0" err="1" smtClean="0">
+                  <a:latin typeface="Cambria" panose="02040503050406030204" pitchFamily="18" charset="0"/>
                   <a:ea typeface="Arial Rounded MT Bold" charset="0"/>
                   <a:cs typeface="Arial Rounded MT Bold" charset="0"/>
                 </a:rPr>
                 <a:t>packet</a:t>
               </a:r>
               <a:r>
-                <a:rPr lang="fr-FR" sz="800" dirty="0">
-                  <a:latin typeface="Arial Rounded MT Bold" charset="0"/>
+                <a:rPr lang="fr-FR" sz="900" dirty="0">
+                  <a:latin typeface="Cambria" panose="02040503050406030204" pitchFamily="18" charset="0"/>
                   <a:ea typeface="Arial Rounded MT Bold" charset="0"/>
                   <a:cs typeface="Arial Rounded MT Bold" charset="0"/>
                 </a:rPr>
                 <a:t> </a:t>
               </a:r>
               <a:r>
-                <a:rPr lang="fr-FR" sz="800" dirty="0" err="1" smtClean="0">
-                  <a:latin typeface="Arial Rounded MT Bold" charset="0"/>
+                <a:rPr lang="fr-FR" sz="900" dirty="0" err="1" smtClean="0">
+                  <a:latin typeface="Cambria" panose="02040503050406030204" pitchFamily="18" charset="0"/>
                   <a:ea typeface="Arial Rounded MT Bold" charset="0"/>
                   <a:cs typeface="Arial Rounded MT Bold" charset="0"/>
                 </a:rPr>
                 <a:t>processing</a:t>
               </a:r>
               <a:r>
-                <a:rPr lang="fr-FR" sz="800" dirty="0" smtClean="0">
-                  <a:latin typeface="Arial Rounded MT Bold" charset="0"/>
+                <a:rPr lang="fr-FR" sz="900" dirty="0" smtClean="0">
+                  <a:latin typeface="Cambria" panose="02040503050406030204" pitchFamily="18" charset="0"/>
                   <a:ea typeface="Arial Rounded MT Bold" charset="0"/>
                   <a:cs typeface="Arial Rounded MT Bold" charset="0"/>
                 </a:rPr>
                 <a:t> plugin 3</a:t>
               </a:r>
-              <a:endParaRPr lang="fr-FR" sz="800" dirty="0">
-                <a:latin typeface="Arial Rounded MT Bold" charset="0"/>
+              <a:endParaRPr lang="fr-FR" sz="900" dirty="0">
+                <a:latin typeface="Cambria" panose="02040503050406030204" pitchFamily="18" charset="0"/>
                 <a:ea typeface="Arial Rounded MT Bold" charset="0"/>
                 <a:cs typeface="Arial Rounded MT Bold" charset="0"/>
               </a:endParaRPr>
@@ -3372,15 +3372,15 @@
             <a:p>
               <a:pPr algn="ctr"/>
               <a:r>
-                <a:rPr lang="fr-FR" sz="800" dirty="0" smtClean="0">
-                  <a:latin typeface="Arial Rounded MT Bold" charset="0"/>
+                <a:rPr lang="fr-FR" sz="900" dirty="0" smtClean="0">
+                  <a:latin typeface="Cambria" panose="02040503050406030204" pitchFamily="18" charset="0"/>
                   <a:ea typeface="Arial Rounded MT Bold" charset="0"/>
                   <a:cs typeface="Arial Rounded MT Bold" charset="0"/>
                 </a:rPr>
                 <a:t>input plugin</a:t>
               </a:r>
-              <a:endParaRPr lang="fr-FR" sz="800" dirty="0">
-                <a:latin typeface="Arial Rounded MT Bold" charset="0"/>
+              <a:endParaRPr lang="fr-FR" sz="900" dirty="0">
+                <a:latin typeface="Cambria" panose="02040503050406030204" pitchFamily="18" charset="0"/>
                 <a:ea typeface="Arial Rounded MT Bold" charset="0"/>
                 <a:cs typeface="Arial Rounded MT Bold" charset="0"/>
               </a:endParaRPr>
@@ -3430,15 +3430,15 @@
             <a:p>
               <a:pPr algn="ctr"/>
               <a:r>
-                <a:rPr lang="fr-FR" sz="800" dirty="0" smtClean="0">
-                  <a:latin typeface="Arial Rounded MT Bold" charset="0"/>
+                <a:rPr lang="fr-FR" sz="900" dirty="0" smtClean="0">
+                  <a:latin typeface="Cambria" panose="02040503050406030204" pitchFamily="18" charset="0"/>
                   <a:ea typeface="Arial Rounded MT Bold" charset="0"/>
                   <a:cs typeface="Arial Rounded MT Bold" charset="0"/>
                 </a:rPr>
                 <a:t>output plugin</a:t>
               </a:r>
-              <a:endParaRPr lang="fr-FR" sz="800" dirty="0">
-                <a:latin typeface="Arial Rounded MT Bold" charset="0"/>
+              <a:endParaRPr lang="fr-FR" sz="900" dirty="0">
+                <a:latin typeface="Cambria" panose="02040503050406030204" pitchFamily="18" charset="0"/>
                 <a:ea typeface="Arial Rounded MT Bold" charset="0"/>
                 <a:cs typeface="Arial Rounded MT Bold" charset="0"/>
               </a:endParaRPr>
@@ -3547,7 +3547,7 @@
             <a:p>
               <a:r>
                 <a:rPr lang="fr-FR" sz="900" dirty="0">
-                  <a:latin typeface="Arial Rounded MT Bold" charset="0"/>
+                  <a:latin typeface="Cambria" panose="02040503050406030204" pitchFamily="18" charset="0"/>
                   <a:ea typeface="Arial Rounded MT Bold" charset="0"/>
                   <a:cs typeface="Arial Rounded MT Bold" charset="0"/>
                 </a:rPr>
@@ -3555,14 +3555,14 @@
               </a:r>
               <a:r>
                 <a:rPr lang="fr-FR" sz="900" dirty="0" smtClean="0">
-                  <a:latin typeface="Arial Rounded MT Bold" charset="0"/>
+                  <a:latin typeface="Cambria" panose="02040503050406030204" pitchFamily="18" charset="0"/>
                   <a:ea typeface="Arial Rounded MT Bold" charset="0"/>
                   <a:cs typeface="Arial Rounded MT Bold" charset="0"/>
                 </a:rPr>
                 <a:t>nput TS</a:t>
               </a:r>
               <a:endParaRPr lang="fr-FR" sz="900" dirty="0">
-                <a:latin typeface="Arial Rounded MT Bold" charset="0"/>
+                <a:latin typeface="Cambria" panose="02040503050406030204" pitchFamily="18" charset="0"/>
                 <a:ea typeface="Arial Rounded MT Bold" charset="0"/>
                 <a:cs typeface="Arial Rounded MT Bold" charset="0"/>
               </a:endParaRPr>
@@ -3594,14 +3594,14 @@
               <a:pPr algn="r"/>
               <a:r>
                 <a:rPr lang="fr-FR" sz="900" dirty="0" smtClean="0">
-                  <a:latin typeface="Arial Rounded MT Bold" charset="0"/>
+                  <a:latin typeface="Cambria" panose="02040503050406030204" pitchFamily="18" charset="0"/>
                   <a:ea typeface="Arial Rounded MT Bold" charset="0"/>
                   <a:cs typeface="Arial Rounded MT Bold" charset="0"/>
                 </a:rPr>
                 <a:t>output TS</a:t>
               </a:r>
               <a:endParaRPr lang="fr-FR" sz="900" dirty="0">
-                <a:latin typeface="Arial Rounded MT Bold" charset="0"/>
+                <a:latin typeface="Cambria" panose="02040503050406030204" pitchFamily="18" charset="0"/>
                 <a:ea typeface="Arial Rounded MT Bold" charset="0"/>
                 <a:cs typeface="Arial Rounded MT Bold" charset="0"/>
               </a:endParaRPr>
@@ -3653,7 +3653,7 @@
             <a:p>
               <a:pPr algn="ctr"/>
               <a:endParaRPr lang="fr-FR">
-                <a:latin typeface="Arial Rounded MT Bold" charset="0"/>
+                <a:latin typeface="Cambria" panose="02040503050406030204" pitchFamily="18" charset="0"/>
                 <a:ea typeface="Arial Rounded MT Bold" charset="0"/>
                 <a:cs typeface="Arial Rounded MT Bold" charset="0"/>
               </a:endParaRPr>
@@ -3705,7 +3705,7 @@
             <a:p>
               <a:pPr algn="ctr"/>
               <a:endParaRPr lang="fr-FR">
-                <a:latin typeface="Arial Rounded MT Bold" charset="0"/>
+                <a:latin typeface="Cambria" panose="02040503050406030204" pitchFamily="18" charset="0"/>
                 <a:ea typeface="Arial Rounded MT Bold" charset="0"/>
                 <a:cs typeface="Arial Rounded MT Bold" charset="0"/>
               </a:endParaRPr>
@@ -3757,7 +3757,7 @@
             <a:p>
               <a:pPr algn="ctr"/>
               <a:endParaRPr lang="fr-FR">
-                <a:latin typeface="Arial Rounded MT Bold" charset="0"/>
+                <a:latin typeface="Cambria" panose="02040503050406030204" pitchFamily="18" charset="0"/>
                 <a:ea typeface="Arial Rounded MT Bold" charset="0"/>
                 <a:cs typeface="Arial Rounded MT Bold" charset="0"/>
               </a:endParaRPr>
@@ -3809,7 +3809,7 @@
             <a:p>
               <a:pPr algn="ctr"/>
               <a:endParaRPr lang="fr-FR">
-                <a:latin typeface="Arial Rounded MT Bold" charset="0"/>
+                <a:latin typeface="Cambria" panose="02040503050406030204" pitchFamily="18" charset="0"/>
                 <a:ea typeface="Arial Rounded MT Bold" charset="0"/>
                 <a:cs typeface="Arial Rounded MT Bold" charset="0"/>
               </a:endParaRPr>
@@ -3819,7 +3819,7 @@
       </p:grpSp>
       <p:grpSp>
         <p:nvGrpSpPr>
-          <p:cNvPr id="114" name="Grouper 113"/>
+          <p:cNvPr id="3" name="Groupe 2"/>
           <p:cNvGrpSpPr/>
           <p:nvPr/>
         </p:nvGrpSpPr>
@@ -3874,7 +3874,7 @@
             <a:p>
               <a:pPr algn="ctr"/>
               <a:endParaRPr lang="fr-FR" sz="800" dirty="0">
-                <a:latin typeface="Arial Rounded MT Bold" charset="0"/>
+                <a:latin typeface="Cambria" panose="02040503050406030204" pitchFamily="18" charset="0"/>
                 <a:ea typeface="Arial Rounded MT Bold" charset="0"/>
                 <a:cs typeface="Arial Rounded MT Bold" charset="0"/>
               </a:endParaRPr>
@@ -4206,15 +4206,15 @@
             <a:p>
               <a:pPr algn="ctr"/>
               <a:r>
-                <a:rPr lang="fr-FR" sz="900" i="1" dirty="0" smtClean="0">
-                  <a:latin typeface="Arial Rounded MT Bold" charset="0"/>
+                <a:rPr lang="fr-FR" sz="1000" b="1" dirty="0" smtClean="0">
+                  <a:latin typeface="Cambria" panose="02040503050406030204" pitchFamily="18" charset="0"/>
                   <a:ea typeface="Arial Rounded MT Bold" charset="0"/>
                   <a:cs typeface="Arial Rounded MT Bold" charset="0"/>
                 </a:rPr>
                 <a:t>Linux or Windows computer</a:t>
               </a:r>
-              <a:endParaRPr lang="fr-FR" sz="900" i="1" dirty="0">
-                <a:latin typeface="Arial Rounded MT Bold" charset="0"/>
+              <a:endParaRPr lang="fr-FR" sz="1000" b="1" dirty="0">
+                <a:latin typeface="Cambria" panose="02040503050406030204" pitchFamily="18" charset="0"/>
                 <a:ea typeface="Arial Rounded MT Bold" charset="0"/>
                 <a:cs typeface="Arial Rounded MT Bold" charset="0"/>
               </a:endParaRPr>
@@ -4269,15 +4269,15 @@
             <a:p>
               <a:pPr algn="ctr"/>
               <a:r>
-                <a:rPr lang="fr-FR" sz="800" i="1" smtClean="0">
-                  <a:latin typeface="Arial Rounded MT Bold" charset="0"/>
+                <a:rPr lang="fr-FR" sz="900" i="1" smtClean="0">
+                  <a:latin typeface="Cambria" panose="02040503050406030204" pitchFamily="18" charset="0"/>
                   <a:ea typeface="Arial Rounded MT Bold" charset="0"/>
                   <a:cs typeface="Arial Rounded MT Bold" charset="0"/>
                 </a:rPr>
                 <a:t>tsp</a:t>
               </a:r>
-              <a:endParaRPr lang="fr-FR" sz="800" i="1" dirty="0">
-                <a:latin typeface="Arial Rounded MT Bold" charset="0"/>
+              <a:endParaRPr lang="fr-FR" sz="900" i="1" dirty="0">
+                <a:latin typeface="Cambria" panose="02040503050406030204" pitchFamily="18" charset="0"/>
                 <a:ea typeface="Arial Rounded MT Bold" charset="0"/>
                 <a:cs typeface="Arial Rounded MT Bold" charset="0"/>
               </a:endParaRPr>
@@ -4327,8 +4327,8 @@
             <a:p>
               <a:pPr algn="ctr"/>
               <a:r>
-                <a:rPr lang="fr-FR" sz="800" dirty="0" smtClean="0">
-                  <a:latin typeface="Arial Rounded MT Bold" charset="0"/>
+                <a:rPr lang="fr-FR" sz="900" dirty="0" smtClean="0">
+                  <a:latin typeface="Cambria" panose="02040503050406030204" pitchFamily="18" charset="0"/>
                   <a:ea typeface="Arial Rounded MT Bold" charset="0"/>
                   <a:cs typeface="Arial Rounded MT Bold" charset="0"/>
                 </a:rPr>
@@ -4338,15 +4338,15 @@
             <a:p>
               <a:pPr algn="ctr"/>
               <a:r>
-                <a:rPr lang="fr-FR" sz="800" dirty="0" smtClean="0">
-                  <a:latin typeface="Arial Rounded MT Bold" charset="0"/>
+                <a:rPr lang="fr-FR" sz="900" dirty="0" smtClean="0">
+                  <a:latin typeface="Cambria" panose="02040503050406030204" pitchFamily="18" charset="0"/>
                   <a:ea typeface="Arial Rounded MT Bold" charset="0"/>
                   <a:cs typeface="Arial Rounded MT Bold" charset="0"/>
                 </a:rPr>
                 <a:t>tuner</a:t>
               </a:r>
-              <a:endParaRPr lang="fr-FR" sz="800" dirty="0">
-                <a:latin typeface="Arial Rounded MT Bold" charset="0"/>
+              <a:endParaRPr lang="fr-FR" sz="900" dirty="0">
+                <a:latin typeface="Cambria" panose="02040503050406030204" pitchFamily="18" charset="0"/>
                 <a:ea typeface="Arial Rounded MT Bold" charset="0"/>
                 <a:cs typeface="Arial Rounded MT Bold" charset="0"/>
               </a:endParaRPr>
@@ -4396,8 +4396,8 @@
             <a:p>
               <a:pPr algn="ctr"/>
               <a:r>
-                <a:rPr lang="fr-FR" sz="800" dirty="0" smtClean="0">
-                  <a:latin typeface="Arial Rounded MT Bold" charset="0"/>
+                <a:rPr lang="fr-FR" sz="900" dirty="0" smtClean="0">
+                  <a:latin typeface="Cambria" panose="02040503050406030204" pitchFamily="18" charset="0"/>
                   <a:ea typeface="Arial Rounded MT Bold" charset="0"/>
                   <a:cs typeface="Arial Rounded MT Bold" charset="0"/>
                 </a:rPr>
@@ -4407,8 +4407,8 @@
             <a:p>
               <a:pPr algn="ctr"/>
               <a:r>
-                <a:rPr lang="fr-FR" sz="800" dirty="0" smtClean="0">
-                  <a:latin typeface="Arial Rounded MT Bold" charset="0"/>
+                <a:rPr lang="fr-FR" sz="900" dirty="0" smtClean="0">
+                  <a:latin typeface="Cambria" panose="02040503050406030204" pitchFamily="18" charset="0"/>
                   <a:ea typeface="Arial Rounded MT Bold" charset="0"/>
                   <a:cs typeface="Arial Rounded MT Bold" charset="0"/>
                 </a:rPr>
@@ -4418,15 +4418,15 @@
             <a:p>
               <a:pPr algn="ctr"/>
               <a:r>
-                <a:rPr lang="fr-FR" sz="800" dirty="0" err="1" smtClean="0">
-                  <a:latin typeface="Arial Rounded MT Bold" charset="0"/>
+                <a:rPr lang="fr-FR" sz="900" dirty="0" err="1" smtClean="0">
+                  <a:latin typeface="Cambria" panose="02040503050406030204" pitchFamily="18" charset="0"/>
                   <a:ea typeface="Arial Rounded MT Bold" charset="0"/>
                   <a:cs typeface="Arial Rounded MT Bold" charset="0"/>
                 </a:rPr>
                 <a:t>modulator</a:t>
               </a:r>
-              <a:endParaRPr lang="fr-FR" sz="800" dirty="0">
-                <a:latin typeface="Arial Rounded MT Bold" charset="0"/>
+              <a:endParaRPr lang="fr-FR" sz="900" dirty="0">
+                <a:latin typeface="Cambria" panose="02040503050406030204" pitchFamily="18" charset="0"/>
                 <a:ea typeface="Arial Rounded MT Bold" charset="0"/>
                 <a:cs typeface="Arial Rounded MT Bold" charset="0"/>
               </a:endParaRPr>
@@ -4478,15 +4478,15 @@
             <a:p>
               <a:pPr algn="ctr"/>
               <a:r>
-                <a:rPr lang="fr-FR" sz="900" smtClean="0">
-                  <a:latin typeface="Arial Rounded MT Bold" charset="0"/>
+                <a:rPr lang="fr-FR" sz="1000" b="1" smtClean="0">
+                  <a:latin typeface="Cambria" panose="02040503050406030204" pitchFamily="18" charset="0"/>
                   <a:ea typeface="Arial Rounded MT Bold" charset="0"/>
                   <a:cs typeface="Arial Rounded MT Bold" charset="0"/>
                 </a:rPr>
                 <a:t>ECMG</a:t>
               </a:r>
-              <a:endParaRPr lang="fr-FR" sz="900" dirty="0">
-                <a:latin typeface="Arial Rounded MT Bold" charset="0"/>
+              <a:endParaRPr lang="fr-FR" sz="1000" b="1" dirty="0">
+                <a:latin typeface="Cambria" panose="02040503050406030204" pitchFamily="18" charset="0"/>
                 <a:ea typeface="Arial Rounded MT Bold" charset="0"/>
                 <a:cs typeface="Arial Rounded MT Bold" charset="0"/>
               </a:endParaRPr>
@@ -4538,15 +4538,15 @@
             <a:p>
               <a:pPr algn="ctr"/>
               <a:r>
-                <a:rPr lang="fr-FR" sz="900" dirty="0" smtClean="0">
-                  <a:latin typeface="Arial Rounded MT Bold" charset="0"/>
+                <a:rPr lang="fr-FR" sz="1000" b="1" dirty="0" smtClean="0">
+                  <a:latin typeface="Cambria" panose="02040503050406030204" pitchFamily="18" charset="0"/>
                   <a:ea typeface="Arial Rounded MT Bold" charset="0"/>
                   <a:cs typeface="Arial Rounded MT Bold" charset="0"/>
                 </a:rPr>
                 <a:t>EMMG</a:t>
               </a:r>
-              <a:endParaRPr lang="fr-FR" sz="900" dirty="0">
-                <a:latin typeface="Arial Rounded MT Bold" charset="0"/>
+              <a:endParaRPr lang="fr-FR" sz="1000" b="1" dirty="0">
+                <a:latin typeface="Cambria" panose="02040503050406030204" pitchFamily="18" charset="0"/>
                 <a:ea typeface="Arial Rounded MT Bold" charset="0"/>
                 <a:cs typeface="Arial Rounded MT Bold" charset="0"/>
               </a:endParaRPr>
@@ -4864,15 +4864,15 @@
             <a:p>
               <a:pPr algn="ctr"/>
               <a:r>
-                <a:rPr lang="fr-FR" sz="900" smtClean="0">
-                  <a:latin typeface="Arial Rounded MT Bold" charset="0"/>
+                <a:rPr lang="fr-FR" sz="1000" b="1" smtClean="0">
+                  <a:latin typeface="Cambria" panose="02040503050406030204" pitchFamily="18" charset="0"/>
                   <a:ea typeface="Arial Rounded MT Bold" charset="0"/>
                   <a:cs typeface="Arial Rounded MT Bold" charset="0"/>
                 </a:rPr>
                 <a:t>STB</a:t>
               </a:r>
-              <a:endParaRPr lang="fr-FR" sz="900" dirty="0">
-                <a:latin typeface="Arial Rounded MT Bold" charset="0"/>
+              <a:endParaRPr lang="fr-FR" sz="1000" b="1" dirty="0">
+                <a:latin typeface="Cambria" panose="02040503050406030204" pitchFamily="18" charset="0"/>
                 <a:ea typeface="Arial Rounded MT Bold" charset="0"/>
                 <a:cs typeface="Arial Rounded MT Bold" charset="0"/>
               </a:endParaRPr>
@@ -4888,7 +4888,7 @@
           <p:spPr>
             <a:xfrm>
               <a:off x="5024562" y="4444759"/>
-              <a:ext cx="647700" cy="246221"/>
+              <a:ext cx="647700" cy="276999"/>
             </a:xfrm>
             <a:prstGeom prst="rect">
               <a:avLst/>
@@ -4903,8 +4903,8 @@
             <a:p>
               <a:pPr algn="ctr"/>
               <a:r>
-                <a:rPr lang="fr-FR" sz="800" i="1" dirty="0" smtClean="0">
-                  <a:latin typeface="Arial Rounded MT Bold" charset="0"/>
+                <a:rPr lang="fr-FR" sz="900" i="1" dirty="0" smtClean="0">
+                  <a:latin typeface="Cambria" panose="02040503050406030204" pitchFamily="18" charset="0"/>
                   <a:ea typeface="Arial Rounded MT Bold" charset="0"/>
                   <a:cs typeface="Arial Rounded MT Bold" charset="0"/>
                 </a:rPr>
@@ -4914,15 +4914,15 @@
             <a:p>
               <a:pPr algn="ctr"/>
               <a:r>
-                <a:rPr lang="fr-FR" sz="800" i="1" dirty="0" smtClean="0">
-                  <a:latin typeface="Arial Rounded MT Bold" charset="0"/>
+                <a:rPr lang="fr-FR" sz="900" i="1" dirty="0" smtClean="0">
+                  <a:latin typeface="Cambria" panose="02040503050406030204" pitchFamily="18" charset="0"/>
                   <a:ea typeface="Arial Rounded MT Bold" charset="0"/>
                   <a:cs typeface="Arial Rounded MT Bold" charset="0"/>
                 </a:rPr>
                 <a:t>coupler</a:t>
               </a:r>
-              <a:endParaRPr lang="fr-FR" sz="800" i="1" dirty="0">
-                <a:latin typeface="Arial Rounded MT Bold" charset="0"/>
+              <a:endParaRPr lang="fr-FR" sz="900" i="1" dirty="0">
+                <a:latin typeface="Cambria" panose="02040503050406030204" pitchFamily="18" charset="0"/>
                 <a:ea typeface="Arial Rounded MT Bold" charset="0"/>
                 <a:cs typeface="Arial Rounded MT Bold" charset="0"/>
               </a:endParaRPr>
@@ -5019,7 +5019,7 @@
           <p:spPr>
             <a:xfrm>
               <a:off x="741662" y="4046378"/>
-              <a:ext cx="647700" cy="246221"/>
+              <a:ext cx="647700" cy="276999"/>
             </a:xfrm>
             <a:prstGeom prst="rect">
               <a:avLst/>
@@ -5034,8 +5034,8 @@
             <a:p>
               <a:pPr algn="ctr"/>
               <a:r>
-                <a:rPr lang="fr-FR" sz="800" i="1" dirty="0" smtClean="0">
-                  <a:latin typeface="Arial Rounded MT Bold" charset="0"/>
+                <a:rPr lang="fr-FR" sz="900" i="1" dirty="0" smtClean="0">
+                  <a:latin typeface="Cambria" panose="02040503050406030204" pitchFamily="18" charset="0"/>
                   <a:ea typeface="Arial Rounded MT Bold" charset="0"/>
                   <a:cs typeface="Arial Rounded MT Bold" charset="0"/>
                 </a:rPr>
@@ -5045,15 +5045,15 @@
             <a:p>
               <a:pPr algn="ctr"/>
               <a:r>
-                <a:rPr lang="fr-FR" sz="800" i="1" dirty="0" err="1" smtClean="0">
-                  <a:latin typeface="Arial Rounded MT Bold" charset="0"/>
+                <a:rPr lang="fr-FR" sz="900" i="1" dirty="0" err="1" smtClean="0">
+                  <a:latin typeface="Cambria" panose="02040503050406030204" pitchFamily="18" charset="0"/>
                   <a:ea typeface="Arial Rounded MT Bold" charset="0"/>
                   <a:cs typeface="Arial Rounded MT Bold" charset="0"/>
                 </a:rPr>
                 <a:t>antenna</a:t>
               </a:r>
-              <a:endParaRPr lang="fr-FR" sz="800" i="1" dirty="0">
-                <a:latin typeface="Arial Rounded MT Bold" charset="0"/>
+              <a:endParaRPr lang="fr-FR" sz="900" i="1" dirty="0">
+                <a:latin typeface="Cambria" panose="02040503050406030204" pitchFamily="18" charset="0"/>
                 <a:ea typeface="Arial Rounded MT Bold" charset="0"/>
                 <a:cs typeface="Arial Rounded MT Bold" charset="0"/>
               </a:endParaRPr>
@@ -5107,8 +5107,8 @@
           </p:nvSpPr>
           <p:spPr>
             <a:xfrm>
-              <a:off x="3387474" y="4423002"/>
-              <a:ext cx="1539380" cy="123111"/>
+              <a:off x="3400174" y="4410302"/>
+              <a:ext cx="1539380" cy="138499"/>
             </a:xfrm>
             <a:prstGeom prst="rect">
               <a:avLst/>
@@ -5123,15 +5123,15 @@
             <a:p>
               <a:pPr algn="r"/>
               <a:r>
-                <a:rPr lang="fr-FR" sz="800" i="1" dirty="0" smtClean="0">
-                  <a:latin typeface="Arial Rounded MT Bold" charset="0"/>
+                <a:rPr lang="fr-FR" sz="900" i="1" dirty="0" smtClean="0">
+                  <a:latin typeface="Cambria" panose="02040503050406030204" pitchFamily="18" charset="0"/>
                   <a:ea typeface="Arial Rounded MT Bold" charset="0"/>
                   <a:cs typeface="Arial Rounded MT Bold" charset="0"/>
                 </a:rPr>
                 <a:t>MUX: R1, R2, R3, R4, R5, R6</a:t>
               </a:r>
-              <a:endParaRPr lang="fr-FR" sz="800" i="1" dirty="0">
-                <a:latin typeface="Arial Rounded MT Bold" charset="0"/>
+              <a:endParaRPr lang="fr-FR" sz="900" i="1" dirty="0">
+                <a:latin typeface="Cambria" panose="02040503050406030204" pitchFamily="18" charset="0"/>
                 <a:ea typeface="Arial Rounded MT Bold" charset="0"/>
                 <a:cs typeface="Arial Rounded MT Bold" charset="0"/>
               </a:endParaRPr>
@@ -5146,8 +5146,8 @@
           </p:nvSpPr>
           <p:spPr>
             <a:xfrm>
-              <a:off x="4318937" y="5350459"/>
-              <a:ext cx="590623" cy="123111"/>
+              <a:off x="4357037" y="5350459"/>
+              <a:ext cx="590623" cy="138499"/>
             </a:xfrm>
             <a:prstGeom prst="rect">
               <a:avLst/>
@@ -5162,15 +5162,15 @@
             <a:p>
               <a:pPr algn="r"/>
               <a:r>
-                <a:rPr lang="fr-FR" sz="800" i="1" dirty="0" smtClean="0">
-                  <a:latin typeface="Arial Rounded MT Bold" charset="0"/>
+                <a:rPr lang="fr-FR" sz="900" i="1" dirty="0" smtClean="0">
+                  <a:latin typeface="Cambria" panose="02040503050406030204" pitchFamily="18" charset="0"/>
                   <a:ea typeface="Arial Rounded MT Bold" charset="0"/>
                   <a:cs typeface="Arial Rounded MT Bold" charset="0"/>
                 </a:rPr>
                 <a:t>MUX: R9</a:t>
               </a:r>
-              <a:endParaRPr lang="fr-FR" sz="800" i="1" dirty="0">
-                <a:latin typeface="Arial Rounded MT Bold" charset="0"/>
+              <a:endParaRPr lang="fr-FR" sz="900" i="1" dirty="0">
+                <a:latin typeface="Cambria" panose="02040503050406030204" pitchFamily="18" charset="0"/>
                 <a:ea typeface="Arial Rounded MT Bold" charset="0"/>
                 <a:cs typeface="Arial Rounded MT Bold" charset="0"/>
               </a:endParaRPr>
@@ -5453,7 +5453,7 @@
   <a:extraClrSchemeLst/>
   <a:extLst>
     <a:ext uri="{05A4C25C-085E-4340-85A3-A5531E510DB2}">
-      <thm15:themeFamily xmlns:thm15="http://schemas.microsoft.com/office/thememl/2012/main" name="Office Theme" id="{62F939B6-93AF-4DB8-9C6B-D6C7DFDC589F}" vid="{4A3C46E8-61CC-4603-A589-7422A47A8E4A}"/>
+      <thm15:themeFamily xmlns="" xmlns:thm15="http://schemas.microsoft.com/office/thememl/2012/main" name="Office Theme" id="{62F939B6-93AF-4DB8-9C6B-D6C7DFDC589F}" vid="{4A3C46E8-61CC-4603-A589-7422A47A8E4A}"/>
     </a:ext>
   </a:extLst>
 </a:theme>

--- a/doc/tsduck-diagrams.pptx
+++ b/doc/tsduck-diagrams.pptx
@@ -238,7 +238,7 @@
           <a:p>
             <a:fld id="{58A7CDC3-5B40-B341-B3D1-EE720DBB9E8A}" type="datetimeFigureOut">
               <a:rPr lang="fr-FR" smtClean="0"/>
-              <a:t>31/05/2017</a:t>
+              <a:t>01/06/2017</a:t>
             </a:fld>
             <a:endParaRPr lang="fr-FR"/>
           </a:p>
@@ -403,7 +403,7 @@
           <a:p>
             <a:fld id="{58A7CDC3-5B40-B341-B3D1-EE720DBB9E8A}" type="datetimeFigureOut">
               <a:rPr lang="fr-FR" smtClean="0"/>
-              <a:t>31/05/2017</a:t>
+              <a:t>01/06/2017</a:t>
             </a:fld>
             <a:endParaRPr lang="fr-FR"/>
           </a:p>
@@ -578,7 +578,7 @@
           <a:p>
             <a:fld id="{58A7CDC3-5B40-B341-B3D1-EE720DBB9E8A}" type="datetimeFigureOut">
               <a:rPr lang="fr-FR" smtClean="0"/>
-              <a:t>31/05/2017</a:t>
+              <a:t>01/06/2017</a:t>
             </a:fld>
             <a:endParaRPr lang="fr-FR"/>
           </a:p>
@@ -743,7 +743,7 @@
           <a:p>
             <a:fld id="{58A7CDC3-5B40-B341-B3D1-EE720DBB9E8A}" type="datetimeFigureOut">
               <a:rPr lang="fr-FR" smtClean="0"/>
-              <a:t>31/05/2017</a:t>
+              <a:t>01/06/2017</a:t>
             </a:fld>
             <a:endParaRPr lang="fr-FR"/>
           </a:p>
@@ -982,7 +982,7 @@
           <a:p>
             <a:fld id="{58A7CDC3-5B40-B341-B3D1-EE720DBB9E8A}" type="datetimeFigureOut">
               <a:rPr lang="fr-FR" smtClean="0"/>
-              <a:t>31/05/2017</a:t>
+              <a:t>01/06/2017</a:t>
             </a:fld>
             <a:endParaRPr lang="fr-FR"/>
           </a:p>
@@ -1209,7 +1209,7 @@
           <a:p>
             <a:fld id="{58A7CDC3-5B40-B341-B3D1-EE720DBB9E8A}" type="datetimeFigureOut">
               <a:rPr lang="fr-FR" smtClean="0"/>
-              <a:t>31/05/2017</a:t>
+              <a:t>01/06/2017</a:t>
             </a:fld>
             <a:endParaRPr lang="fr-FR"/>
           </a:p>
@@ -1571,7 +1571,7 @@
           <a:p>
             <a:fld id="{58A7CDC3-5B40-B341-B3D1-EE720DBB9E8A}" type="datetimeFigureOut">
               <a:rPr lang="fr-FR" smtClean="0"/>
-              <a:t>31/05/2017</a:t>
+              <a:t>01/06/2017</a:t>
             </a:fld>
             <a:endParaRPr lang="fr-FR"/>
           </a:p>
@@ -1684,7 +1684,7 @@
           <a:p>
             <a:fld id="{58A7CDC3-5B40-B341-B3D1-EE720DBB9E8A}" type="datetimeFigureOut">
               <a:rPr lang="fr-FR" smtClean="0"/>
-              <a:t>31/05/2017</a:t>
+              <a:t>01/06/2017</a:t>
             </a:fld>
             <a:endParaRPr lang="fr-FR"/>
           </a:p>
@@ -1774,7 +1774,7 @@
           <a:p>
             <a:fld id="{58A7CDC3-5B40-B341-B3D1-EE720DBB9E8A}" type="datetimeFigureOut">
               <a:rPr lang="fr-FR" smtClean="0"/>
-              <a:t>31/05/2017</a:t>
+              <a:t>01/06/2017</a:t>
             </a:fld>
             <a:endParaRPr lang="fr-FR"/>
           </a:p>
@@ -2046,7 +2046,7 @@
           <a:p>
             <a:fld id="{58A7CDC3-5B40-B341-B3D1-EE720DBB9E8A}" type="datetimeFigureOut">
               <a:rPr lang="fr-FR" smtClean="0"/>
-              <a:t>31/05/2017</a:t>
+              <a:t>01/06/2017</a:t>
             </a:fld>
             <a:endParaRPr lang="fr-FR"/>
           </a:p>
@@ -2298,7 +2298,7 @@
           <a:p>
             <a:fld id="{58A7CDC3-5B40-B341-B3D1-EE720DBB9E8A}" type="datetimeFigureOut">
               <a:rPr lang="fr-FR" smtClean="0"/>
-              <a:t>31/05/2017</a:t>
+              <a:t>01/06/2017</a:t>
             </a:fld>
             <a:endParaRPr lang="fr-FR"/>
           </a:p>
@@ -2506,7 +2506,7 @@
           <a:p>
             <a:fld id="{58A7CDC3-5B40-B341-B3D1-EE720DBB9E8A}" type="datetimeFigureOut">
               <a:rPr lang="fr-FR" smtClean="0"/>
-              <a:t>31/05/2017</a:t>
+              <a:t>01/06/2017</a:t>
             </a:fld>
             <a:endParaRPr lang="fr-FR"/>
           </a:p>
@@ -2911,18 +2911,305 @@
           <a:chExt cx="0" cy="0"/>
         </a:xfrm>
       </p:grpSpPr>
+      <p:pic>
+        <p:nvPicPr>
+          <p:cNvPr id="1028" name="Picture 4" descr="D:\Devel\tsduck\images\tsduck-512.png"/>
+          <p:cNvPicPr>
+            <a:picLocks noChangeAspect="1" noChangeArrowheads="1"/>
+          </p:cNvPicPr>
+          <p:nvPr/>
+        </p:nvPicPr>
+        <p:blipFill>
+          <a:blip r:embed="rId2">
+            <a:extLst>
+              <a:ext uri="{28A0092B-C50C-407E-A947-70E740481C1C}">
+                <a14:useLocalDpi xmlns:a14="http://schemas.microsoft.com/office/drawing/2010/main" val="0"/>
+              </a:ext>
+            </a:extLst>
+          </a:blip>
+          <a:srcRect/>
+          <a:stretch>
+            <a:fillRect/>
+          </a:stretch>
+        </p:blipFill>
+        <p:spPr bwMode="auto">
+          <a:xfrm>
+            <a:off x="4686402" y="723902"/>
+            <a:ext cx="1560512" cy="1560512"/>
+          </a:xfrm>
+          <a:prstGeom prst="rect">
+            <a:avLst/>
+          </a:prstGeom>
+          <a:noFill/>
+          <a:extLst>
+            <a:ext uri="{909E8E84-426E-40DD-AFC4-6F175D3DCCD1}">
+              <a14:hiddenFill xmlns:a14="http://schemas.microsoft.com/office/drawing/2010/main">
+                <a:solidFill>
+                  <a:srgbClr val="FFFFFF"/>
+                </a:solidFill>
+              </a14:hiddenFill>
+            </a:ext>
+          </a:extLst>
+        </p:spPr>
+      </p:pic>
+      <p:pic>
+        <p:nvPicPr>
+          <p:cNvPr id="1029" name="Picture 5" descr="D:\Devel\tsduck\images\tsduck-16.png"/>
+          <p:cNvPicPr>
+            <a:picLocks noChangeAspect="1" noChangeArrowheads="1"/>
+          </p:cNvPicPr>
+          <p:nvPr/>
+        </p:nvPicPr>
+        <p:blipFill>
+          <a:blip r:embed="rId3">
+            <a:extLst>
+              <a:ext uri="{28A0092B-C50C-407E-A947-70E740481C1C}">
+                <a14:useLocalDpi xmlns:a14="http://schemas.microsoft.com/office/drawing/2010/main" val="0"/>
+              </a:ext>
+            </a:extLst>
+          </a:blip>
+          <a:srcRect/>
+          <a:stretch>
+            <a:fillRect/>
+          </a:stretch>
+        </p:blipFill>
+        <p:spPr bwMode="auto">
+          <a:xfrm>
+            <a:off x="851694" y="1479552"/>
+            <a:ext cx="49212" cy="49212"/>
+          </a:xfrm>
+          <a:prstGeom prst="rect">
+            <a:avLst/>
+          </a:prstGeom>
+          <a:noFill/>
+          <a:extLst>
+            <a:ext uri="{909E8E84-426E-40DD-AFC4-6F175D3DCCD1}">
+              <a14:hiddenFill xmlns:a14="http://schemas.microsoft.com/office/drawing/2010/main">
+                <a:solidFill>
+                  <a:srgbClr val="FFFFFF"/>
+                </a:solidFill>
+              </a14:hiddenFill>
+            </a:ext>
+          </a:extLst>
+        </p:spPr>
+      </p:pic>
+      <p:pic>
+        <p:nvPicPr>
+          <p:cNvPr id="1030" name="Picture 6" descr="D:\Devel\tsduck\images\tsduck-32.png"/>
+          <p:cNvPicPr>
+            <a:picLocks noChangeAspect="1" noChangeArrowheads="1"/>
+          </p:cNvPicPr>
+          <p:nvPr/>
+        </p:nvPicPr>
+        <p:blipFill>
+          <a:blip r:embed="rId4">
+            <a:extLst>
+              <a:ext uri="{28A0092B-C50C-407E-A947-70E740481C1C}">
+                <a14:useLocalDpi xmlns:a14="http://schemas.microsoft.com/office/drawing/2010/main" val="0"/>
+              </a:ext>
+            </a:extLst>
+          </a:blip>
+          <a:srcRect/>
+          <a:stretch>
+            <a:fillRect/>
+          </a:stretch>
+        </p:blipFill>
+        <p:spPr bwMode="auto">
+          <a:xfrm>
+            <a:off x="1263535" y="1455739"/>
+            <a:ext cx="96838" cy="96838"/>
+          </a:xfrm>
+          <a:prstGeom prst="rect">
+            <a:avLst/>
+          </a:prstGeom>
+          <a:noFill/>
+          <a:extLst>
+            <a:ext uri="{909E8E84-426E-40DD-AFC4-6F175D3DCCD1}">
+              <a14:hiddenFill xmlns:a14="http://schemas.microsoft.com/office/drawing/2010/main">
+                <a:solidFill>
+                  <a:srgbClr val="FFFFFF"/>
+                </a:solidFill>
+              </a14:hiddenFill>
+            </a:ext>
+          </a:extLst>
+        </p:spPr>
+      </p:pic>
+      <p:pic>
+        <p:nvPicPr>
+          <p:cNvPr id="1031" name="Picture 7" descr="D:\Devel\tsduck\images\tsduck-48.png"/>
+          <p:cNvPicPr>
+            <a:picLocks noChangeAspect="1" noChangeArrowheads="1"/>
+          </p:cNvPicPr>
+          <p:nvPr/>
+        </p:nvPicPr>
+        <p:blipFill>
+          <a:blip r:embed="rId5">
+            <a:extLst>
+              <a:ext uri="{28A0092B-C50C-407E-A947-70E740481C1C}">
+                <a14:useLocalDpi xmlns:a14="http://schemas.microsoft.com/office/drawing/2010/main" val="0"/>
+              </a:ext>
+            </a:extLst>
+          </a:blip>
+          <a:srcRect/>
+          <a:stretch>
+            <a:fillRect/>
+          </a:stretch>
+        </p:blipFill>
+        <p:spPr bwMode="auto">
+          <a:xfrm>
+            <a:off x="1723002" y="1431133"/>
+            <a:ext cx="146050" cy="146050"/>
+          </a:xfrm>
+          <a:prstGeom prst="rect">
+            <a:avLst/>
+          </a:prstGeom>
+          <a:noFill/>
+          <a:extLst>
+            <a:ext uri="{909E8E84-426E-40DD-AFC4-6F175D3DCCD1}">
+              <a14:hiddenFill xmlns:a14="http://schemas.microsoft.com/office/drawing/2010/main">
+                <a:solidFill>
+                  <a:srgbClr val="FFFFFF"/>
+                </a:solidFill>
+              </a14:hiddenFill>
+            </a:ext>
+          </a:extLst>
+        </p:spPr>
+      </p:pic>
+      <p:pic>
+        <p:nvPicPr>
+          <p:cNvPr id="1032" name="Picture 8" descr="D:\Devel\tsduck\images\tsduck-64.png"/>
+          <p:cNvPicPr>
+            <a:picLocks noChangeAspect="1" noChangeArrowheads="1"/>
+          </p:cNvPicPr>
+          <p:nvPr/>
+        </p:nvPicPr>
+        <p:blipFill>
+          <a:blip r:embed="rId6">
+            <a:extLst>
+              <a:ext uri="{28A0092B-C50C-407E-A947-70E740481C1C}">
+                <a14:useLocalDpi xmlns:a14="http://schemas.microsoft.com/office/drawing/2010/main" val="0"/>
+              </a:ext>
+            </a:extLst>
+          </a:blip>
+          <a:srcRect/>
+          <a:stretch>
+            <a:fillRect/>
+          </a:stretch>
+        </p:blipFill>
+        <p:spPr bwMode="auto">
+          <a:xfrm>
+            <a:off x="2231681" y="1406527"/>
+            <a:ext cx="195262" cy="195262"/>
+          </a:xfrm>
+          <a:prstGeom prst="rect">
+            <a:avLst/>
+          </a:prstGeom>
+          <a:noFill/>
+          <a:extLst>
+            <a:ext uri="{909E8E84-426E-40DD-AFC4-6F175D3DCCD1}">
+              <a14:hiddenFill xmlns:a14="http://schemas.microsoft.com/office/drawing/2010/main">
+                <a:solidFill>
+                  <a:srgbClr val="FFFFFF"/>
+                </a:solidFill>
+              </a14:hiddenFill>
+            </a:ext>
+          </a:extLst>
+        </p:spPr>
+      </p:pic>
+      <p:pic>
+        <p:nvPicPr>
+          <p:cNvPr id="1033" name="Picture 9" descr="D:\Devel\tsduck\images\tsduck-128.png"/>
+          <p:cNvPicPr>
+            <a:picLocks noChangeAspect="1" noChangeArrowheads="1"/>
+          </p:cNvPicPr>
+          <p:nvPr/>
+        </p:nvPicPr>
+        <p:blipFill>
+          <a:blip r:embed="rId7">
+            <a:extLst>
+              <a:ext uri="{28A0092B-C50C-407E-A947-70E740481C1C}">
+                <a14:useLocalDpi xmlns:a14="http://schemas.microsoft.com/office/drawing/2010/main" val="0"/>
+              </a:ext>
+            </a:extLst>
+          </a:blip>
+          <a:srcRect/>
+          <a:stretch>
+            <a:fillRect/>
+          </a:stretch>
+        </p:blipFill>
+        <p:spPr bwMode="auto">
+          <a:xfrm>
+            <a:off x="2789572" y="1308896"/>
+            <a:ext cx="390525" cy="390525"/>
+          </a:xfrm>
+          <a:prstGeom prst="rect">
+            <a:avLst/>
+          </a:prstGeom>
+          <a:noFill/>
+          <a:extLst>
+            <a:ext uri="{909E8E84-426E-40DD-AFC4-6F175D3DCCD1}">
+              <a14:hiddenFill xmlns:a14="http://schemas.microsoft.com/office/drawing/2010/main">
+                <a:solidFill>
+                  <a:srgbClr val="FFFFFF"/>
+                </a:solidFill>
+              </a14:hiddenFill>
+            </a:ext>
+          </a:extLst>
+        </p:spPr>
+      </p:pic>
+      <p:pic>
+        <p:nvPicPr>
+          <p:cNvPr id="1034" name="Picture 10" descr="D:\Devel\tsduck\images\tsduck-256.png"/>
+          <p:cNvPicPr>
+            <a:picLocks noChangeAspect="1" noChangeArrowheads="1"/>
+          </p:cNvPicPr>
+          <p:nvPr/>
+        </p:nvPicPr>
+        <p:blipFill>
+          <a:blip r:embed="rId8">
+            <a:extLst>
+              <a:ext uri="{28A0092B-C50C-407E-A947-70E740481C1C}">
+                <a14:useLocalDpi xmlns:a14="http://schemas.microsoft.com/office/drawing/2010/main" val="0"/>
+              </a:ext>
+            </a:extLst>
+          </a:blip>
+          <a:srcRect/>
+          <a:stretch>
+            <a:fillRect/>
+          </a:stretch>
+        </p:blipFill>
+        <p:spPr bwMode="auto">
+          <a:xfrm>
+            <a:off x="3542726" y="1113633"/>
+            <a:ext cx="781050" cy="781050"/>
+          </a:xfrm>
+          <a:prstGeom prst="rect">
+            <a:avLst/>
+          </a:prstGeom>
+          <a:noFill/>
+          <a:extLst>
+            <a:ext uri="{909E8E84-426E-40DD-AFC4-6F175D3DCCD1}">
+              <a14:hiddenFill xmlns:a14="http://schemas.microsoft.com/office/drawing/2010/main">
+                <a:solidFill>
+                  <a:srgbClr val="FFFFFF"/>
+                </a:solidFill>
+              </a14:hiddenFill>
+            </a:ext>
+          </a:extLst>
+        </p:spPr>
+      </p:pic>
       <p:grpSp>
         <p:nvGrpSpPr>
-          <p:cNvPr id="2" name="Groupe 1"/>
+          <p:cNvPr id="14" name="Groupe 13"/>
           <p:cNvGrpSpPr/>
           <p:nvPr/>
         </p:nvGrpSpPr>
         <p:grpSpPr>
           <a:xfrm>
-            <a:off x="901700" y="863600"/>
-            <a:ext cx="5080000" cy="1847592"/>
-            <a:chOff x="901700" y="863600"/>
-            <a:chExt cx="5080000" cy="1847592"/>
+            <a:off x="901700" y="3136900"/>
+            <a:ext cx="5167382" cy="1895475"/>
+            <a:chOff x="901700" y="3136900"/>
+            <a:chExt cx="5167382" cy="1895475"/>
           </a:xfrm>
         </p:grpSpPr>
         <p:sp>
@@ -2933,7 +3220,7 @@
           </p:nvSpPr>
           <p:spPr>
             <a:xfrm>
-              <a:off x="901700" y="863600"/>
+              <a:off x="901700" y="3136900"/>
               <a:ext cx="5080000" cy="1504950"/>
             </a:xfrm>
             <a:prstGeom prst="roundRect">
@@ -2942,7 +3229,10 @@
               </a:avLst>
             </a:prstGeom>
             <a:solidFill>
-              <a:srgbClr val="2EBF6B"/>
+              <a:schemeClr val="accent6">
+                <a:lumMod val="40000"/>
+                <a:lumOff val="60000"/>
+              </a:schemeClr>
             </a:solidFill>
             <a:ln>
               <a:noFill/>
@@ -2971,6 +3261,9 @@
               <a:pPr algn="ctr"/>
               <a:r>
                 <a:rPr lang="fr-FR" sz="1200" b="1" dirty="0" err="1" smtClean="0">
+                  <a:solidFill>
+                    <a:schemeClr val="tx1"/>
+                  </a:solidFill>
                   <a:latin typeface="Cambria" panose="02040503050406030204" pitchFamily="18" charset="0"/>
                   <a:ea typeface="Arial Rounded MT Bold" charset="0"/>
                   <a:cs typeface="Arial Rounded MT Bold" charset="0"/>
@@ -2979,6 +3272,9 @@
               </a:r>
               <a:r>
                 <a:rPr lang="fr-FR" sz="1200" b="1" dirty="0" smtClean="0">
+                  <a:solidFill>
+                    <a:schemeClr val="tx1"/>
+                  </a:solidFill>
                   <a:latin typeface="Cambria" panose="02040503050406030204" pitchFamily="18" charset="0"/>
                   <a:ea typeface="Arial Rounded MT Bold" charset="0"/>
                   <a:cs typeface="Arial Rounded MT Bold" charset="0"/>
@@ -2987,6 +3283,9 @@
               </a:r>
               <a:r>
                 <a:rPr lang="fr-FR" sz="1200" b="1" dirty="0" err="1" smtClean="0">
+                  <a:solidFill>
+                    <a:schemeClr val="tx1"/>
+                  </a:solidFill>
                   <a:latin typeface="Cambria" panose="02040503050406030204" pitchFamily="18" charset="0"/>
                   <a:ea typeface="Arial Rounded MT Bold" charset="0"/>
                   <a:cs typeface="Arial Rounded MT Bold" charset="0"/>
@@ -2994,6 +3293,9 @@
                 <a:t>process</a:t>
               </a:r>
               <a:endParaRPr lang="fr-FR" sz="1200" b="1" dirty="0">
+                <a:solidFill>
+                  <a:schemeClr val="tx1"/>
+                </a:solidFill>
                 <a:latin typeface="Cambria" panose="02040503050406030204" pitchFamily="18" charset="0"/>
                 <a:ea typeface="Arial Rounded MT Bold" charset="0"/>
                 <a:cs typeface="Arial Rounded MT Bold" charset="0"/>
@@ -3009,7 +3311,7 @@
           </p:nvSpPr>
           <p:spPr>
             <a:xfrm>
-              <a:off x="1108075" y="1111250"/>
+              <a:off x="1108075" y="3384550"/>
               <a:ext cx="4667250" cy="374650"/>
             </a:xfrm>
             <a:prstGeom prst="roundRect">
@@ -3091,7 +3393,7 @@
           </p:nvSpPr>
           <p:spPr>
             <a:xfrm>
-              <a:off x="3086697" y="1636712"/>
+              <a:off x="3086697" y="3910012"/>
               <a:ext cx="708024" cy="552450"/>
             </a:xfrm>
             <a:prstGeom prst="roundRect">
@@ -3173,7 +3475,7 @@
           </p:nvSpPr>
           <p:spPr>
             <a:xfrm>
-              <a:off x="2097386" y="1636712"/>
+              <a:off x="2097386" y="3910012"/>
               <a:ext cx="708024" cy="552450"/>
             </a:xfrm>
             <a:prstGeom prst="roundRect">
@@ -3255,7 +3557,7 @@
           </p:nvSpPr>
           <p:spPr>
             <a:xfrm>
-              <a:off x="4076008" y="1636712"/>
+              <a:off x="4076008" y="3910012"/>
               <a:ext cx="708024" cy="552450"/>
             </a:xfrm>
             <a:prstGeom prst="roundRect">
@@ -3337,7 +3639,7 @@
           </p:nvSpPr>
           <p:spPr>
             <a:xfrm>
-              <a:off x="1108075" y="1636712"/>
+              <a:off x="1108075" y="3910012"/>
               <a:ext cx="708024" cy="552450"/>
             </a:xfrm>
             <a:prstGeom prst="roundRect">
@@ -3395,7 +3697,7 @@
           </p:nvSpPr>
           <p:spPr>
             <a:xfrm>
-              <a:off x="5065318" y="1636712"/>
+              <a:off x="5065318" y="3910012"/>
               <a:ext cx="708024" cy="552450"/>
             </a:xfrm>
             <a:prstGeom prst="roundRect">
@@ -3455,7 +3757,7 @@
           </p:nvCxnSpPr>
           <p:spPr>
             <a:xfrm flipV="1">
-              <a:off x="1462087" y="2189162"/>
+              <a:off x="1462087" y="4462462"/>
               <a:ext cx="0" cy="496888"/>
             </a:xfrm>
             <a:prstGeom prst="straightConnector1">
@@ -3494,7 +3796,7 @@
           </p:nvCxnSpPr>
           <p:spPr>
             <a:xfrm>
-              <a:off x="5419330" y="2189162"/>
+              <a:off x="5419330" y="4462462"/>
               <a:ext cx="0" cy="496888"/>
             </a:xfrm>
             <a:prstGeom prst="straightConnector1">
@@ -3531,7 +3833,7 @@
           </p:nvSpPr>
           <p:spPr>
             <a:xfrm>
-              <a:off x="1538586" y="2572693"/>
+              <a:off x="1538586" y="4845993"/>
               <a:ext cx="647700" cy="138499"/>
             </a:xfrm>
             <a:prstGeom prst="rect">
@@ -3577,7 +3879,7 @@
           </p:nvSpPr>
           <p:spPr>
             <a:xfrm>
-              <a:off x="4686402" y="2572693"/>
+              <a:off x="4686402" y="4845993"/>
               <a:ext cx="647700" cy="138499"/>
             </a:xfrm>
             <a:prstGeom prst="rect">
@@ -3616,7 +3918,7 @@
           </p:nvSpPr>
           <p:spPr>
             <a:xfrm>
-              <a:off x="1538585" y="1371600"/>
+              <a:off x="1538585" y="3644900"/>
               <a:ext cx="822027" cy="565149"/>
             </a:xfrm>
             <a:prstGeom prst="arc">
@@ -3668,7 +3970,7 @@
           </p:nvSpPr>
           <p:spPr>
             <a:xfrm>
-              <a:off x="2522537" y="1362076"/>
+              <a:off x="2522537" y="3635376"/>
               <a:ext cx="822027" cy="565149"/>
             </a:xfrm>
             <a:prstGeom prst="arc">
@@ -3720,7 +4022,7 @@
           </p:nvSpPr>
           <p:spPr>
             <a:xfrm>
-              <a:off x="3525539" y="1352552"/>
+              <a:off x="3525539" y="3625852"/>
               <a:ext cx="822027" cy="565149"/>
             </a:xfrm>
             <a:prstGeom prst="arc">
@@ -3772,7 +4074,7 @@
           </p:nvSpPr>
           <p:spPr>
             <a:xfrm>
-              <a:off x="4515841" y="1343028"/>
+              <a:off x="4515841" y="3616328"/>
               <a:ext cx="822027" cy="565149"/>
             </a:xfrm>
             <a:prstGeom prst="arc">
@@ -3816,18 +4118,97 @@
             </a:p>
           </p:txBody>
         </p:sp>
+        <p:pic>
+          <p:nvPicPr>
+            <p:cNvPr id="62" name="Picture 7" descr="D:\Devel\tsduck\images\tsduck-48.png"/>
+            <p:cNvPicPr>
+              <a:picLocks noChangeAspect="1" noChangeArrowheads="1"/>
+            </p:cNvPicPr>
+            <p:nvPr/>
+          </p:nvPicPr>
+          <p:blipFill>
+            <a:blip r:embed="rId5">
+              <a:extLst>
+                <a:ext uri="{28A0092B-C50C-407E-A947-70E740481C1C}">
+                  <a14:useLocalDpi xmlns:a14="http://schemas.microsoft.com/office/drawing/2010/main" val="0"/>
+                </a:ext>
+              </a:extLst>
+            </a:blip>
+            <a:srcRect/>
+            <a:stretch>
+              <a:fillRect/>
+            </a:stretch>
+          </p:blipFill>
+          <p:spPr bwMode="auto">
+            <a:xfrm>
+              <a:off x="5603677" y="4886325"/>
+              <a:ext cx="146050" cy="146050"/>
+            </a:xfrm>
+            <a:prstGeom prst="rect">
+              <a:avLst/>
+            </a:prstGeom>
+            <a:noFill/>
+            <a:extLst>
+              <a:ext uri="{909E8E84-426E-40DD-AFC4-6F175D3DCCD1}">
+                <a14:hiddenFill xmlns:a14="http://schemas.microsoft.com/office/drawing/2010/main">
+                  <a:solidFill>
+                    <a:srgbClr val="FFFFFF"/>
+                  </a:solidFill>
+                </a14:hiddenFill>
+              </a:ext>
+            </a:extLst>
+          </p:spPr>
+        </p:pic>
+        <p:sp>
+          <p:nvSpPr>
+            <p:cNvPr id="63" name="ZoneTexte 62"/>
+            <p:cNvSpPr txBox="1"/>
+            <p:nvPr/>
+          </p:nvSpPr>
+          <p:spPr>
+            <a:xfrm>
+              <a:off x="5766926" y="4905489"/>
+              <a:ext cx="302156" cy="107722"/>
+            </a:xfrm>
+            <a:prstGeom prst="rect">
+              <a:avLst/>
+            </a:prstGeom>
+            <a:noFill/>
+          </p:spPr>
+          <p:txBody>
+            <a:bodyPr wrap="square" lIns="0" tIns="0" rIns="0" bIns="0" rtlCol="0">
+              <a:spAutoFit/>
+            </a:bodyPr>
+            <a:lstStyle/>
+            <a:p>
+              <a:r>
+                <a:rPr lang="fr-FR" sz="700" dirty="0" smtClean="0">
+                  <a:latin typeface="Cambria" panose="02040503050406030204" pitchFamily="18" charset="0"/>
+                  <a:ea typeface="Arial Rounded MT Bold" charset="0"/>
+                  <a:cs typeface="Arial Rounded MT Bold" charset="0"/>
+                </a:rPr>
+                <a:t>TSDuck</a:t>
+              </a:r>
+              <a:endParaRPr lang="fr-FR" sz="700" dirty="0">
+                <a:latin typeface="Cambria" panose="02040503050406030204" pitchFamily="18" charset="0"/>
+                <a:ea typeface="Arial Rounded MT Bold" charset="0"/>
+                <a:cs typeface="Arial Rounded MT Bold" charset="0"/>
+              </a:endParaRPr>
+            </a:p>
+          </p:txBody>
+        </p:sp>
       </p:grpSp>
       <p:grpSp>
         <p:nvGrpSpPr>
-          <p:cNvPr id="3" name="Groupe 2"/>
+          <p:cNvPr id="16" name="Groupe 15"/>
           <p:cNvGrpSpPr/>
           <p:nvPr/>
         </p:nvGrpSpPr>
         <p:grpSpPr>
           <a:xfrm>
-            <a:off x="741662" y="3714750"/>
+            <a:off x="741662" y="5988050"/>
             <a:ext cx="5719581" cy="2841625"/>
-            <a:chOff x="741662" y="3714750"/>
+            <a:chOff x="741662" y="5988050"/>
             <a:chExt cx="5719581" cy="2841625"/>
           </a:xfrm>
         </p:grpSpPr>
@@ -3839,7 +4220,7 @@
           </p:nvSpPr>
           <p:spPr>
             <a:xfrm>
-              <a:off x="5264232" y="4734491"/>
+              <a:off x="5264232" y="7007791"/>
               <a:ext cx="176715" cy="420623"/>
             </a:xfrm>
             <a:prstGeom prst="roundRect">
@@ -3889,7 +4270,7 @@
           </p:nvCxnSpPr>
           <p:spPr>
             <a:xfrm>
-              <a:off x="1193800" y="3714750"/>
+              <a:off x="1193800" y="5988050"/>
               <a:ext cx="385719" cy="495300"/>
             </a:xfrm>
             <a:prstGeom prst="line">
@@ -3924,7 +4305,7 @@
           </p:nvCxnSpPr>
           <p:spPr>
             <a:xfrm>
-              <a:off x="1053156" y="3714750"/>
+              <a:off x="1053156" y="5988050"/>
               <a:ext cx="281287" cy="0"/>
             </a:xfrm>
             <a:prstGeom prst="line">
@@ -3959,7 +4340,7 @@
           </p:nvCxnSpPr>
           <p:spPr>
             <a:xfrm>
-              <a:off x="1114425" y="3797300"/>
+              <a:off x="1114425" y="6070600"/>
               <a:ext cx="281287" cy="0"/>
             </a:xfrm>
             <a:prstGeom prst="line">
@@ -3994,7 +4375,7 @@
           </p:nvCxnSpPr>
           <p:spPr>
             <a:xfrm>
-              <a:off x="1175694" y="3879850"/>
+              <a:off x="1175694" y="6153150"/>
               <a:ext cx="281287" cy="0"/>
             </a:xfrm>
             <a:prstGeom prst="line">
@@ -4029,7 +4410,7 @@
           </p:nvCxnSpPr>
           <p:spPr>
             <a:xfrm>
-              <a:off x="1236963" y="3962400"/>
+              <a:off x="1236963" y="6235700"/>
               <a:ext cx="281287" cy="0"/>
             </a:xfrm>
             <a:prstGeom prst="line">
@@ -4064,7 +4445,7 @@
           </p:nvCxnSpPr>
           <p:spPr>
             <a:xfrm>
-              <a:off x="1298232" y="4044950"/>
+              <a:off x="1298232" y="6318250"/>
               <a:ext cx="281287" cy="0"/>
             </a:xfrm>
             <a:prstGeom prst="line">
@@ -4099,7 +4480,7 @@
           </p:nvCxnSpPr>
           <p:spPr>
             <a:xfrm>
-              <a:off x="1359501" y="4127500"/>
+              <a:off x="1359501" y="6400800"/>
               <a:ext cx="281287" cy="0"/>
             </a:xfrm>
             <a:prstGeom prst="line">
@@ -4134,7 +4515,7 @@
           </p:nvCxnSpPr>
           <p:spPr>
             <a:xfrm>
-              <a:off x="1420770" y="4210050"/>
+              <a:off x="1420770" y="6483350"/>
               <a:ext cx="281287" cy="0"/>
             </a:xfrm>
             <a:prstGeom prst="line">
@@ -4169,7 +4550,7 @@
           </p:nvSpPr>
           <p:spPr>
             <a:xfrm>
-              <a:off x="1979464" y="4762500"/>
+              <a:off x="1979464" y="7035800"/>
               <a:ext cx="2317058" cy="1041400"/>
             </a:xfrm>
             <a:prstGeom prst="roundRect">
@@ -4178,7 +4559,7 @@
               </a:avLst>
             </a:prstGeom>
             <a:solidFill>
-              <a:srgbClr val="2EBF6B"/>
+              <a:srgbClr val="1F8A4C"/>
             </a:solidFill>
             <a:ln>
               <a:noFill/>
@@ -4223,225 +4604,13 @@
         </p:sp>
         <p:sp>
           <p:nvSpPr>
-            <p:cNvPr id="41" name="Ellipse 40"/>
-            <p:cNvSpPr/>
-            <p:nvPr/>
-          </p:nvSpPr>
-          <p:spPr>
-            <a:xfrm>
-              <a:off x="2747092" y="5144958"/>
-              <a:ext cx="775990" cy="381000"/>
-            </a:xfrm>
-            <a:prstGeom prst="ellipse">
-              <a:avLst/>
-            </a:prstGeom>
-            <a:solidFill>
-              <a:srgbClr val="1F8A4C"/>
-            </a:solidFill>
-            <a:ln>
-              <a:noFill/>
-            </a:ln>
-          </p:spPr>
-          <p:style>
-            <a:lnRef idx="2">
-              <a:schemeClr val="accent1">
-                <a:shade val="50000"/>
-              </a:schemeClr>
-            </a:lnRef>
-            <a:fillRef idx="1">
-              <a:schemeClr val="accent1"/>
-            </a:fillRef>
-            <a:effectRef idx="0">
-              <a:schemeClr val="accent1"/>
-            </a:effectRef>
-            <a:fontRef idx="minor">
-              <a:schemeClr val="lt1"/>
-            </a:fontRef>
-          </p:style>
-          <p:txBody>
-            <a:bodyPr rot="0" spcFirstLastPara="0" vertOverflow="overflow" horzOverflow="overflow" vert="horz" wrap="square" lIns="36000" tIns="45720" rIns="36000" bIns="45720" numCol="1" spcCol="0" rtlCol="0" fromWordArt="0" anchor="ctr" anchorCtr="0" forceAA="0" compatLnSpc="1">
-              <a:prstTxWarp prst="textNoShape">
-                <a:avLst/>
-              </a:prstTxWarp>
-              <a:noAutofit/>
-            </a:bodyPr>
-            <a:lstStyle/>
-            <a:p>
-              <a:pPr algn="ctr"/>
-              <a:r>
-                <a:rPr lang="fr-FR" sz="900" i="1" smtClean="0">
-                  <a:latin typeface="Cambria" panose="02040503050406030204" pitchFamily="18" charset="0"/>
-                  <a:ea typeface="Arial Rounded MT Bold" charset="0"/>
-                  <a:cs typeface="Arial Rounded MT Bold" charset="0"/>
-                </a:rPr>
-                <a:t>tsp</a:t>
-              </a:r>
-              <a:endParaRPr lang="fr-FR" sz="900" i="1" dirty="0">
-                <a:latin typeface="Cambria" panose="02040503050406030204" pitchFamily="18" charset="0"/>
-                <a:ea typeface="Arial Rounded MT Bold" charset="0"/>
-                <a:cs typeface="Arial Rounded MT Bold" charset="0"/>
-              </a:endParaRPr>
-            </a:p>
-          </p:txBody>
-        </p:sp>
-        <p:sp>
-          <p:nvSpPr>
-            <p:cNvPr id="42" name="Rectangle à coins arrondis 41"/>
-            <p:cNvSpPr/>
-            <p:nvPr/>
-          </p:nvSpPr>
-          <p:spPr>
-            <a:xfrm>
-              <a:off x="1816099" y="5059233"/>
-              <a:ext cx="708024" cy="552450"/>
-            </a:xfrm>
-            <a:prstGeom prst="roundRect">
-              <a:avLst/>
-            </a:prstGeom>
-            <a:solidFill>
-              <a:srgbClr val="1F8A4C"/>
-            </a:solidFill>
-            <a:ln>
-              <a:noFill/>
-            </a:ln>
-          </p:spPr>
-          <p:style>
-            <a:lnRef idx="2">
-              <a:schemeClr val="accent1">
-                <a:shade val="50000"/>
-              </a:schemeClr>
-            </a:lnRef>
-            <a:fillRef idx="1">
-              <a:schemeClr val="accent1"/>
-            </a:fillRef>
-            <a:effectRef idx="0">
-              <a:schemeClr val="accent1"/>
-            </a:effectRef>
-            <a:fontRef idx="minor">
-              <a:schemeClr val="lt1"/>
-            </a:fontRef>
-          </p:style>
-          <p:txBody>
-            <a:bodyPr lIns="36000" rIns="36000" rtlCol="0" anchor="ctr"/>
-            <a:lstStyle/>
-            <a:p>
-              <a:pPr algn="ctr"/>
-              <a:r>
-                <a:rPr lang="fr-FR" sz="900" dirty="0" smtClean="0">
-                  <a:latin typeface="Cambria" panose="02040503050406030204" pitchFamily="18" charset="0"/>
-                  <a:ea typeface="Arial Rounded MT Bold" charset="0"/>
-                  <a:cs typeface="Arial Rounded MT Bold" charset="0"/>
-                </a:rPr>
-                <a:t>DVB-T</a:t>
-              </a:r>
-            </a:p>
-            <a:p>
-              <a:pPr algn="ctr"/>
-              <a:r>
-                <a:rPr lang="fr-FR" sz="900" dirty="0" smtClean="0">
-                  <a:latin typeface="Cambria" panose="02040503050406030204" pitchFamily="18" charset="0"/>
-                  <a:ea typeface="Arial Rounded MT Bold" charset="0"/>
-                  <a:cs typeface="Arial Rounded MT Bold" charset="0"/>
-                </a:rPr>
-                <a:t>tuner</a:t>
-              </a:r>
-              <a:endParaRPr lang="fr-FR" sz="900" dirty="0">
-                <a:latin typeface="Cambria" panose="02040503050406030204" pitchFamily="18" charset="0"/>
-                <a:ea typeface="Arial Rounded MT Bold" charset="0"/>
-                <a:cs typeface="Arial Rounded MT Bold" charset="0"/>
-              </a:endParaRPr>
-            </a:p>
-          </p:txBody>
-        </p:sp>
-        <p:sp>
-          <p:nvSpPr>
-            <p:cNvPr id="43" name="Rectangle à coins arrondis 42"/>
-            <p:cNvSpPr/>
-            <p:nvPr/>
-          </p:nvSpPr>
-          <p:spPr>
-            <a:xfrm>
-              <a:off x="3746052" y="5059233"/>
-              <a:ext cx="708024" cy="552450"/>
-            </a:xfrm>
-            <a:prstGeom prst="roundRect">
-              <a:avLst/>
-            </a:prstGeom>
-            <a:solidFill>
-              <a:srgbClr val="1F8A4C"/>
-            </a:solidFill>
-            <a:ln>
-              <a:noFill/>
-            </a:ln>
-          </p:spPr>
-          <p:style>
-            <a:lnRef idx="2">
-              <a:schemeClr val="accent1">
-                <a:shade val="50000"/>
-              </a:schemeClr>
-            </a:lnRef>
-            <a:fillRef idx="1">
-              <a:schemeClr val="accent1"/>
-            </a:fillRef>
-            <a:effectRef idx="0">
-              <a:schemeClr val="accent1"/>
-            </a:effectRef>
-            <a:fontRef idx="minor">
-              <a:schemeClr val="lt1"/>
-            </a:fontRef>
-          </p:style>
-          <p:txBody>
-            <a:bodyPr lIns="36000" rIns="36000" rtlCol="0" anchor="ctr"/>
-            <a:lstStyle/>
-            <a:p>
-              <a:pPr algn="ctr"/>
-              <a:r>
-                <a:rPr lang="fr-FR" sz="900" dirty="0" smtClean="0">
-                  <a:latin typeface="Cambria" panose="02040503050406030204" pitchFamily="18" charset="0"/>
-                  <a:ea typeface="Arial Rounded MT Bold" charset="0"/>
-                  <a:cs typeface="Arial Rounded MT Bold" charset="0"/>
-                </a:rPr>
-                <a:t>Dektec</a:t>
-              </a:r>
-            </a:p>
-            <a:p>
-              <a:pPr algn="ctr"/>
-              <a:r>
-                <a:rPr lang="fr-FR" sz="900" dirty="0" smtClean="0">
-                  <a:latin typeface="Cambria" panose="02040503050406030204" pitchFamily="18" charset="0"/>
-                  <a:ea typeface="Arial Rounded MT Bold" charset="0"/>
-                  <a:cs typeface="Arial Rounded MT Bold" charset="0"/>
-                </a:rPr>
-                <a:t>DTA-110T</a:t>
-              </a:r>
-            </a:p>
-            <a:p>
-              <a:pPr algn="ctr"/>
-              <a:r>
-                <a:rPr lang="fr-FR" sz="900" dirty="0" err="1" smtClean="0">
-                  <a:latin typeface="Cambria" panose="02040503050406030204" pitchFamily="18" charset="0"/>
-                  <a:ea typeface="Arial Rounded MT Bold" charset="0"/>
-                  <a:cs typeface="Arial Rounded MT Bold" charset="0"/>
-                </a:rPr>
-                <a:t>modulator</a:t>
-              </a:r>
-              <a:endParaRPr lang="fr-FR" sz="900" dirty="0">
-                <a:latin typeface="Cambria" panose="02040503050406030204" pitchFamily="18" charset="0"/>
-                <a:ea typeface="Arial Rounded MT Bold" charset="0"/>
-                <a:cs typeface="Arial Rounded MT Bold" charset="0"/>
-              </a:endParaRPr>
-            </a:p>
-          </p:txBody>
-        </p:sp>
-        <p:sp>
-          <p:nvSpPr>
             <p:cNvPr id="44" name="Rectangle à coins arrondis 43"/>
             <p:cNvSpPr/>
             <p:nvPr/>
           </p:nvSpPr>
           <p:spPr>
             <a:xfrm>
-              <a:off x="2186286" y="6159241"/>
+              <a:off x="2186286" y="8432541"/>
               <a:ext cx="770534" cy="397134"/>
             </a:xfrm>
             <a:prstGeom prst="roundRect">
@@ -4450,7 +4619,7 @@
               </a:avLst>
             </a:prstGeom>
             <a:solidFill>
-              <a:srgbClr val="2EBF6B"/>
+              <a:srgbClr val="1F8A4C"/>
             </a:solidFill>
             <a:ln>
               <a:noFill/>
@@ -4501,7 +4670,7 @@
           </p:nvSpPr>
           <p:spPr>
             <a:xfrm>
-              <a:off x="3329530" y="6159241"/>
+              <a:off x="3329530" y="8432541"/>
               <a:ext cx="770534" cy="397134"/>
             </a:xfrm>
             <a:prstGeom prst="roundRect">
@@ -4510,7 +4679,7 @@
               </a:avLst>
             </a:prstGeom>
             <a:solidFill>
-              <a:srgbClr val="2EBF6B"/>
+              <a:srgbClr val="1F8A4C"/>
             </a:solidFill>
             <a:ln>
               <a:noFill/>
@@ -4564,7 +4733,7 @@
           </p:nvCxnSpPr>
           <p:spPr>
             <a:xfrm>
-              <a:off x="2524123" y="5335458"/>
+              <a:off x="2524123" y="7608758"/>
               <a:ext cx="222969" cy="0"/>
             </a:xfrm>
             <a:prstGeom prst="line">
@@ -4601,7 +4770,7 @@
           </p:nvCxnSpPr>
           <p:spPr>
             <a:xfrm>
-              <a:off x="3523082" y="5335458"/>
+              <a:off x="3523082" y="7608758"/>
               <a:ext cx="222970" cy="0"/>
             </a:xfrm>
             <a:prstGeom prst="line">
@@ -4638,7 +4807,7 @@
           </p:nvCxnSpPr>
           <p:spPr>
             <a:xfrm flipH="1">
-              <a:off x="2570377" y="5470162"/>
+              <a:off x="2570377" y="7743462"/>
               <a:ext cx="290356" cy="331762"/>
             </a:xfrm>
             <a:prstGeom prst="line">
@@ -4675,7 +4844,7 @@
           </p:nvCxnSpPr>
           <p:spPr>
             <a:xfrm>
-              <a:off x="3409441" y="5470162"/>
+              <a:off x="3409441" y="7743462"/>
               <a:ext cx="305356" cy="331762"/>
             </a:xfrm>
             <a:prstGeom prst="line">
@@ -4714,7 +4883,7 @@
           </p:nvCxnSpPr>
           <p:spPr>
             <a:xfrm>
-              <a:off x="2570377" y="5801924"/>
+              <a:off x="2570377" y="8075224"/>
               <a:ext cx="1176" cy="357317"/>
             </a:xfrm>
             <a:prstGeom prst="line">
@@ -4753,7 +4922,7 @@
           </p:nvCxnSpPr>
           <p:spPr>
             <a:xfrm>
-              <a:off x="3714797" y="5801924"/>
+              <a:off x="3714797" y="8075224"/>
               <a:ext cx="0" cy="357317"/>
             </a:xfrm>
             <a:prstGeom prst="line">
@@ -4790,7 +4959,7 @@
           </p:nvCxnSpPr>
           <p:spPr>
             <a:xfrm rot="16200000" flipH="1">
-              <a:off x="988111" y="4507470"/>
+              <a:off x="988111" y="6780770"/>
               <a:ext cx="1290508" cy="365468"/>
             </a:xfrm>
             <a:prstGeom prst="bentConnector2">
@@ -4827,7 +4996,7 @@
           </p:nvSpPr>
           <p:spPr>
             <a:xfrm>
-              <a:off x="5690709" y="4817674"/>
+              <a:off x="5690709" y="7090974"/>
               <a:ext cx="770534" cy="254259"/>
             </a:xfrm>
             <a:prstGeom prst="roundRect">
@@ -4836,7 +5005,7 @@
               </a:avLst>
             </a:prstGeom>
             <a:solidFill>
-              <a:srgbClr val="2EBF6B"/>
+              <a:srgbClr val="1F8A4C"/>
             </a:solidFill>
             <a:ln>
               <a:noFill/>
@@ -4887,7 +5056,7 @@
           </p:nvSpPr>
           <p:spPr>
             <a:xfrm>
-              <a:off x="5024562" y="4444759"/>
+              <a:off x="5024562" y="6718059"/>
               <a:ext cx="647700" cy="276999"/>
             </a:xfrm>
             <a:prstGeom prst="rect">
@@ -4940,7 +5109,7 @@
           </p:nvCxnSpPr>
           <p:spPr>
             <a:xfrm>
-              <a:off x="5440947" y="4944803"/>
+              <a:off x="5440947" y="7218103"/>
               <a:ext cx="249762" cy="1"/>
             </a:xfrm>
             <a:prstGeom prst="line">
@@ -4979,7 +5148,7 @@
           </p:nvCxnSpPr>
           <p:spPr>
             <a:xfrm flipV="1">
-              <a:off x="4454076" y="5007852"/>
+              <a:off x="4454076" y="7281152"/>
               <a:ext cx="806981" cy="327606"/>
             </a:xfrm>
             <a:prstGeom prst="bentConnector3">
@@ -5018,7 +5187,7 @@
           </p:nvSpPr>
           <p:spPr>
             <a:xfrm>
-              <a:off x="741662" y="4046378"/>
+              <a:off x="741662" y="6319678"/>
               <a:ext cx="647700" cy="276999"/>
             </a:xfrm>
             <a:prstGeom prst="rect">
@@ -5068,7 +5237,7 @@
           </p:nvCxnSpPr>
           <p:spPr>
             <a:xfrm>
-              <a:off x="1450631" y="4564679"/>
+              <a:off x="1450631" y="6837979"/>
               <a:ext cx="3810426" cy="316884"/>
             </a:xfrm>
             <a:prstGeom prst="bentConnector3">
@@ -5107,7 +5276,7 @@
           </p:nvSpPr>
           <p:spPr>
             <a:xfrm>
-              <a:off x="3400174" y="4410302"/>
+              <a:off x="3400174" y="6683602"/>
               <a:ext cx="1539380" cy="138499"/>
             </a:xfrm>
             <a:prstGeom prst="rect">
@@ -5146,7 +5315,7 @@
           </p:nvSpPr>
           <p:spPr>
             <a:xfrm>
-              <a:off x="4357037" y="5350459"/>
+              <a:off x="4357037" y="7623759"/>
               <a:ext cx="590623" cy="138499"/>
             </a:xfrm>
             <a:prstGeom prst="rect">
@@ -5170,6 +5339,339 @@
                 <a:t>MUX: R9</a:t>
               </a:r>
               <a:endParaRPr lang="fr-FR" sz="900" i="1" dirty="0">
+                <a:latin typeface="Cambria" panose="02040503050406030204" pitchFamily="18" charset="0"/>
+                <a:ea typeface="Arial Rounded MT Bold" charset="0"/>
+                <a:cs typeface="Arial Rounded MT Bold" charset="0"/>
+              </a:endParaRPr>
+            </a:p>
+          </p:txBody>
+        </p:sp>
+        <p:sp>
+          <p:nvSpPr>
+            <p:cNvPr id="41" name="Ellipse 40"/>
+            <p:cNvSpPr/>
+            <p:nvPr/>
+          </p:nvSpPr>
+          <p:spPr>
+            <a:xfrm>
+              <a:off x="2747092" y="7418258"/>
+              <a:ext cx="775990" cy="381000"/>
+            </a:xfrm>
+            <a:prstGeom prst="ellipse">
+              <a:avLst/>
+            </a:prstGeom>
+            <a:solidFill>
+              <a:schemeClr val="accent6">
+                <a:lumMod val="40000"/>
+                <a:lumOff val="60000"/>
+              </a:schemeClr>
+            </a:solidFill>
+            <a:ln>
+              <a:solidFill>
+                <a:schemeClr val="bg1"/>
+              </a:solidFill>
+            </a:ln>
+          </p:spPr>
+          <p:style>
+            <a:lnRef idx="2">
+              <a:schemeClr val="accent1">
+                <a:shade val="50000"/>
+              </a:schemeClr>
+            </a:lnRef>
+            <a:fillRef idx="1">
+              <a:schemeClr val="accent1"/>
+            </a:fillRef>
+            <a:effectRef idx="0">
+              <a:schemeClr val="accent1"/>
+            </a:effectRef>
+            <a:fontRef idx="minor">
+              <a:schemeClr val="lt1"/>
+            </a:fontRef>
+          </p:style>
+          <p:txBody>
+            <a:bodyPr rot="0" spcFirstLastPara="0" vertOverflow="overflow" horzOverflow="overflow" vert="horz" wrap="square" lIns="36000" tIns="45720" rIns="36000" bIns="45720" numCol="1" spcCol="0" rtlCol="0" fromWordArt="0" anchor="ctr" anchorCtr="0" forceAA="0" compatLnSpc="1">
+              <a:prstTxWarp prst="textNoShape">
+                <a:avLst/>
+              </a:prstTxWarp>
+              <a:noAutofit/>
+            </a:bodyPr>
+            <a:lstStyle/>
+            <a:p>
+              <a:pPr algn="ctr"/>
+              <a:r>
+                <a:rPr lang="fr-FR" sz="900" i="1" smtClean="0">
+                  <a:solidFill>
+                    <a:schemeClr val="tx1"/>
+                  </a:solidFill>
+                  <a:latin typeface="Cambria" panose="02040503050406030204" pitchFamily="18" charset="0"/>
+                  <a:ea typeface="Arial Rounded MT Bold" charset="0"/>
+                  <a:cs typeface="Arial Rounded MT Bold" charset="0"/>
+                </a:rPr>
+                <a:t>tsp</a:t>
+              </a:r>
+              <a:endParaRPr lang="fr-FR" sz="900" i="1" dirty="0">
+                <a:solidFill>
+                  <a:schemeClr val="tx1"/>
+                </a:solidFill>
+                <a:latin typeface="Cambria" panose="02040503050406030204" pitchFamily="18" charset="0"/>
+                <a:ea typeface="Arial Rounded MT Bold" charset="0"/>
+                <a:cs typeface="Arial Rounded MT Bold" charset="0"/>
+              </a:endParaRPr>
+            </a:p>
+          </p:txBody>
+        </p:sp>
+        <p:sp>
+          <p:nvSpPr>
+            <p:cNvPr id="42" name="Rectangle à coins arrondis 41"/>
+            <p:cNvSpPr/>
+            <p:nvPr/>
+          </p:nvSpPr>
+          <p:spPr>
+            <a:xfrm>
+              <a:off x="1816099" y="7332533"/>
+              <a:ext cx="708024" cy="552450"/>
+            </a:xfrm>
+            <a:prstGeom prst="roundRect">
+              <a:avLst/>
+            </a:prstGeom>
+            <a:solidFill>
+              <a:schemeClr val="accent6">
+                <a:lumMod val="40000"/>
+                <a:lumOff val="60000"/>
+              </a:schemeClr>
+            </a:solidFill>
+            <a:ln>
+              <a:solidFill>
+                <a:schemeClr val="bg1"/>
+              </a:solidFill>
+            </a:ln>
+          </p:spPr>
+          <p:style>
+            <a:lnRef idx="2">
+              <a:schemeClr val="accent1">
+                <a:shade val="50000"/>
+              </a:schemeClr>
+            </a:lnRef>
+            <a:fillRef idx="1">
+              <a:schemeClr val="accent1"/>
+            </a:fillRef>
+            <a:effectRef idx="0">
+              <a:schemeClr val="accent1"/>
+            </a:effectRef>
+            <a:fontRef idx="minor">
+              <a:schemeClr val="lt1"/>
+            </a:fontRef>
+          </p:style>
+          <p:txBody>
+            <a:bodyPr lIns="36000" rIns="36000" rtlCol="0" anchor="ctr"/>
+            <a:lstStyle/>
+            <a:p>
+              <a:pPr algn="ctr"/>
+              <a:r>
+                <a:rPr lang="fr-FR" sz="900" dirty="0" smtClean="0">
+                  <a:solidFill>
+                    <a:schemeClr val="tx1"/>
+                  </a:solidFill>
+                  <a:latin typeface="Cambria" panose="02040503050406030204" pitchFamily="18" charset="0"/>
+                  <a:ea typeface="Arial Rounded MT Bold" charset="0"/>
+                  <a:cs typeface="Arial Rounded MT Bold" charset="0"/>
+                </a:rPr>
+                <a:t>DVB-T</a:t>
+              </a:r>
+            </a:p>
+            <a:p>
+              <a:pPr algn="ctr"/>
+              <a:r>
+                <a:rPr lang="fr-FR" sz="900" dirty="0" smtClean="0">
+                  <a:solidFill>
+                    <a:schemeClr val="tx1"/>
+                  </a:solidFill>
+                  <a:latin typeface="Cambria" panose="02040503050406030204" pitchFamily="18" charset="0"/>
+                  <a:ea typeface="Arial Rounded MT Bold" charset="0"/>
+                  <a:cs typeface="Arial Rounded MT Bold" charset="0"/>
+                </a:rPr>
+                <a:t>tuner</a:t>
+              </a:r>
+              <a:endParaRPr lang="fr-FR" sz="900" dirty="0">
+                <a:solidFill>
+                  <a:schemeClr val="tx1"/>
+                </a:solidFill>
+                <a:latin typeface="Cambria" panose="02040503050406030204" pitchFamily="18" charset="0"/>
+                <a:ea typeface="Arial Rounded MT Bold" charset="0"/>
+                <a:cs typeface="Arial Rounded MT Bold" charset="0"/>
+              </a:endParaRPr>
+            </a:p>
+          </p:txBody>
+        </p:sp>
+        <p:sp>
+          <p:nvSpPr>
+            <p:cNvPr id="43" name="Rectangle à coins arrondis 42"/>
+            <p:cNvSpPr/>
+            <p:nvPr/>
+          </p:nvSpPr>
+          <p:spPr>
+            <a:xfrm>
+              <a:off x="3746052" y="7332533"/>
+              <a:ext cx="708024" cy="552450"/>
+            </a:xfrm>
+            <a:prstGeom prst="roundRect">
+              <a:avLst/>
+            </a:prstGeom>
+            <a:solidFill>
+              <a:schemeClr val="accent6">
+                <a:lumMod val="40000"/>
+                <a:lumOff val="60000"/>
+              </a:schemeClr>
+            </a:solidFill>
+            <a:ln>
+              <a:solidFill>
+                <a:schemeClr val="bg1"/>
+              </a:solidFill>
+            </a:ln>
+          </p:spPr>
+          <p:style>
+            <a:lnRef idx="2">
+              <a:schemeClr val="accent1">
+                <a:shade val="50000"/>
+              </a:schemeClr>
+            </a:lnRef>
+            <a:fillRef idx="1">
+              <a:schemeClr val="accent1"/>
+            </a:fillRef>
+            <a:effectRef idx="0">
+              <a:schemeClr val="accent1"/>
+            </a:effectRef>
+            <a:fontRef idx="minor">
+              <a:schemeClr val="lt1"/>
+            </a:fontRef>
+          </p:style>
+          <p:txBody>
+            <a:bodyPr lIns="36000" rIns="36000" rtlCol="0" anchor="ctr"/>
+            <a:lstStyle/>
+            <a:p>
+              <a:pPr algn="ctr"/>
+              <a:r>
+                <a:rPr lang="fr-FR" sz="900" dirty="0" smtClean="0">
+                  <a:solidFill>
+                    <a:schemeClr val="tx1"/>
+                  </a:solidFill>
+                  <a:latin typeface="Cambria" panose="02040503050406030204" pitchFamily="18" charset="0"/>
+                  <a:ea typeface="Arial Rounded MT Bold" charset="0"/>
+                  <a:cs typeface="Arial Rounded MT Bold" charset="0"/>
+                </a:rPr>
+                <a:t>Dektec</a:t>
+              </a:r>
+            </a:p>
+            <a:p>
+              <a:pPr algn="ctr"/>
+              <a:r>
+                <a:rPr lang="fr-FR" sz="900" dirty="0" smtClean="0">
+                  <a:solidFill>
+                    <a:schemeClr val="tx1"/>
+                  </a:solidFill>
+                  <a:latin typeface="Cambria" panose="02040503050406030204" pitchFamily="18" charset="0"/>
+                  <a:ea typeface="Arial Rounded MT Bold" charset="0"/>
+                  <a:cs typeface="Arial Rounded MT Bold" charset="0"/>
+                </a:rPr>
+                <a:t>DTA-110T</a:t>
+              </a:r>
+            </a:p>
+            <a:p>
+              <a:pPr algn="ctr"/>
+              <a:r>
+                <a:rPr lang="fr-FR" sz="900" dirty="0" err="1" smtClean="0">
+                  <a:solidFill>
+                    <a:schemeClr val="tx1"/>
+                  </a:solidFill>
+                  <a:latin typeface="Cambria" panose="02040503050406030204" pitchFamily="18" charset="0"/>
+                  <a:ea typeface="Arial Rounded MT Bold" charset="0"/>
+                  <a:cs typeface="Arial Rounded MT Bold" charset="0"/>
+                </a:rPr>
+                <a:t>modulator</a:t>
+              </a:r>
+              <a:endParaRPr lang="fr-FR" sz="900" dirty="0">
+                <a:solidFill>
+                  <a:schemeClr val="tx1"/>
+                </a:solidFill>
+                <a:latin typeface="Cambria" panose="02040503050406030204" pitchFamily="18" charset="0"/>
+                <a:ea typeface="Arial Rounded MT Bold" charset="0"/>
+                <a:cs typeface="Arial Rounded MT Bold" charset="0"/>
+              </a:endParaRPr>
+            </a:p>
+          </p:txBody>
+        </p:sp>
+        <p:pic>
+          <p:nvPicPr>
+            <p:cNvPr id="64" name="Picture 7" descr="D:\Devel\tsduck\images\tsduck-48.png"/>
+            <p:cNvPicPr>
+              <a:picLocks noChangeAspect="1" noChangeArrowheads="1"/>
+            </p:cNvPicPr>
+            <p:nvPr/>
+          </p:nvPicPr>
+          <p:blipFill>
+            <a:blip r:embed="rId5">
+              <a:extLst>
+                <a:ext uri="{28A0092B-C50C-407E-A947-70E740481C1C}">
+                  <a14:useLocalDpi xmlns:a14="http://schemas.microsoft.com/office/drawing/2010/main" val="0"/>
+                </a:ext>
+              </a:extLst>
+            </a:blip>
+            <a:srcRect/>
+            <a:stretch>
+              <a:fillRect/>
+            </a:stretch>
+          </p:blipFill>
+          <p:spPr bwMode="auto">
+            <a:xfrm>
+              <a:off x="5787661" y="8558083"/>
+              <a:ext cx="146050" cy="146050"/>
+            </a:xfrm>
+            <a:prstGeom prst="rect">
+              <a:avLst/>
+            </a:prstGeom>
+            <a:noFill/>
+            <a:extLst>
+              <a:ext uri="{909E8E84-426E-40DD-AFC4-6F175D3DCCD1}">
+                <a14:hiddenFill xmlns:a14="http://schemas.microsoft.com/office/drawing/2010/main">
+                  <a:solidFill>
+                    <a:srgbClr val="FFFFFF"/>
+                  </a:solidFill>
+                </a14:hiddenFill>
+              </a:ext>
+            </a:extLst>
+          </p:spPr>
+        </p:pic>
+        <p:sp>
+          <p:nvSpPr>
+            <p:cNvPr id="65" name="ZoneTexte 64"/>
+            <p:cNvSpPr txBox="1"/>
+            <p:nvPr/>
+          </p:nvSpPr>
+          <p:spPr>
+            <a:xfrm>
+              <a:off x="5950910" y="8577247"/>
+              <a:ext cx="302156" cy="107722"/>
+            </a:xfrm>
+            <a:prstGeom prst="rect">
+              <a:avLst/>
+            </a:prstGeom>
+            <a:noFill/>
+          </p:spPr>
+          <p:txBody>
+            <a:bodyPr wrap="square" lIns="0" tIns="0" rIns="0" bIns="0" rtlCol="0">
+              <a:spAutoFit/>
+            </a:bodyPr>
+            <a:lstStyle/>
+            <a:p>
+              <a:r>
+                <a:rPr lang="fr-FR" sz="700" dirty="0" smtClean="0">
+                  <a:latin typeface="Cambria" panose="02040503050406030204" pitchFamily="18" charset="0"/>
+                  <a:ea typeface="Arial Rounded MT Bold" charset="0"/>
+                  <a:cs typeface="Arial Rounded MT Bold" charset="0"/>
+                </a:rPr>
+                <a:t>TSDuck</a:t>
+              </a:r>
+              <a:endParaRPr lang="fr-FR" sz="700" dirty="0">
                 <a:latin typeface="Cambria" panose="02040503050406030204" pitchFamily="18" charset="0"/>
                 <a:ea typeface="Arial Rounded MT Bold" charset="0"/>
                 <a:cs typeface="Arial Rounded MT Bold" charset="0"/>
@@ -5453,7 +5955,7 @@
   <a:extraClrSchemeLst/>
   <a:extLst>
     <a:ext uri="{05A4C25C-085E-4340-85A3-A5531E510DB2}">
-      <thm15:themeFamily xmlns="" xmlns:thm15="http://schemas.microsoft.com/office/thememl/2012/main" name="Office Theme" id="{62F939B6-93AF-4DB8-9C6B-D6C7DFDC589F}" vid="{4A3C46E8-61CC-4603-A589-7422A47A8E4A}"/>
+      <thm15:themeFamily xmlns:thm15="http://schemas.microsoft.com/office/thememl/2012/main" xmlns="" name="Office Theme" id="{62F939B6-93AF-4DB8-9C6B-D6C7DFDC589F}" vid="{4A3C46E8-61CC-4603-A589-7422A47A8E4A}"/>
     </a:ext>
   </a:extLst>
 </a:theme>

--- a/doc/tsduck-diagrams.pptx
+++ b/doc/tsduck-diagrams.pptx
@@ -6,6 +6,7 @@
   </p:sldMasterIdLst>
   <p:sldIdLst>
     <p:sldId id="256" r:id="rId2"/>
+    <p:sldId id="257" r:id="rId3"/>
   </p:sldIdLst>
   <p:sldSz cx="6858000" cy="9906000" type="A4"/>
   <p:notesSz cx="6858000" cy="9144000"/>
@@ -238,7 +239,7 @@
           <a:p>
             <a:fld id="{58A7CDC3-5B40-B341-B3D1-EE720DBB9E8A}" type="datetimeFigureOut">
               <a:rPr lang="fr-FR" smtClean="0"/>
-              <a:t>01/06/2017</a:t>
+              <a:t>13/03/2018</a:t>
             </a:fld>
             <a:endParaRPr lang="fr-FR"/>
           </a:p>
@@ -403,7 +404,7 @@
           <a:p>
             <a:fld id="{58A7CDC3-5B40-B341-B3D1-EE720DBB9E8A}" type="datetimeFigureOut">
               <a:rPr lang="fr-FR" smtClean="0"/>
-              <a:t>01/06/2017</a:t>
+              <a:t>13/03/2018</a:t>
             </a:fld>
             <a:endParaRPr lang="fr-FR"/>
           </a:p>
@@ -578,7 +579,7 @@
           <a:p>
             <a:fld id="{58A7CDC3-5B40-B341-B3D1-EE720DBB9E8A}" type="datetimeFigureOut">
               <a:rPr lang="fr-FR" smtClean="0"/>
-              <a:t>01/06/2017</a:t>
+              <a:t>13/03/2018</a:t>
             </a:fld>
             <a:endParaRPr lang="fr-FR"/>
           </a:p>
@@ -743,7 +744,7 @@
           <a:p>
             <a:fld id="{58A7CDC3-5B40-B341-B3D1-EE720DBB9E8A}" type="datetimeFigureOut">
               <a:rPr lang="fr-FR" smtClean="0"/>
-              <a:t>01/06/2017</a:t>
+              <a:t>13/03/2018</a:t>
             </a:fld>
             <a:endParaRPr lang="fr-FR"/>
           </a:p>
@@ -982,7 +983,7 @@
           <a:p>
             <a:fld id="{58A7CDC3-5B40-B341-B3D1-EE720DBB9E8A}" type="datetimeFigureOut">
               <a:rPr lang="fr-FR" smtClean="0"/>
-              <a:t>01/06/2017</a:t>
+              <a:t>13/03/2018</a:t>
             </a:fld>
             <a:endParaRPr lang="fr-FR"/>
           </a:p>
@@ -1209,7 +1210,7 @@
           <a:p>
             <a:fld id="{58A7CDC3-5B40-B341-B3D1-EE720DBB9E8A}" type="datetimeFigureOut">
               <a:rPr lang="fr-FR" smtClean="0"/>
-              <a:t>01/06/2017</a:t>
+              <a:t>13/03/2018</a:t>
             </a:fld>
             <a:endParaRPr lang="fr-FR"/>
           </a:p>
@@ -1571,7 +1572,7 @@
           <a:p>
             <a:fld id="{58A7CDC3-5B40-B341-B3D1-EE720DBB9E8A}" type="datetimeFigureOut">
               <a:rPr lang="fr-FR" smtClean="0"/>
-              <a:t>01/06/2017</a:t>
+              <a:t>13/03/2018</a:t>
             </a:fld>
             <a:endParaRPr lang="fr-FR"/>
           </a:p>
@@ -1684,7 +1685,7 @@
           <a:p>
             <a:fld id="{58A7CDC3-5B40-B341-B3D1-EE720DBB9E8A}" type="datetimeFigureOut">
               <a:rPr lang="fr-FR" smtClean="0"/>
-              <a:t>01/06/2017</a:t>
+              <a:t>13/03/2018</a:t>
             </a:fld>
             <a:endParaRPr lang="fr-FR"/>
           </a:p>
@@ -1774,7 +1775,7 @@
           <a:p>
             <a:fld id="{58A7CDC3-5B40-B341-B3D1-EE720DBB9E8A}" type="datetimeFigureOut">
               <a:rPr lang="fr-FR" smtClean="0"/>
-              <a:t>01/06/2017</a:t>
+              <a:t>13/03/2018</a:t>
             </a:fld>
             <a:endParaRPr lang="fr-FR"/>
           </a:p>
@@ -2046,7 +2047,7 @@
           <a:p>
             <a:fld id="{58A7CDC3-5B40-B341-B3D1-EE720DBB9E8A}" type="datetimeFigureOut">
               <a:rPr lang="fr-FR" smtClean="0"/>
-              <a:t>01/06/2017</a:t>
+              <a:t>13/03/2018</a:t>
             </a:fld>
             <a:endParaRPr lang="fr-FR"/>
           </a:p>
@@ -2298,7 +2299,7 @@
           <a:p>
             <a:fld id="{58A7CDC3-5B40-B341-B3D1-EE720DBB9E8A}" type="datetimeFigureOut">
               <a:rPr lang="fr-FR" smtClean="0"/>
-              <a:t>01/06/2017</a:t>
+              <a:t>13/03/2018</a:t>
             </a:fld>
             <a:endParaRPr lang="fr-FR"/>
           </a:p>
@@ -2506,7 +2507,7 @@
           <a:p>
             <a:fld id="{58A7CDC3-5B40-B341-B3D1-EE720DBB9E8A}" type="datetimeFigureOut">
               <a:rPr lang="fr-FR" smtClean="0"/>
-              <a:t>01/06/2017</a:t>
+              <a:t>13/03/2018</a:t>
             </a:fld>
             <a:endParaRPr lang="fr-FR"/>
           </a:p>
@@ -5700,6 +5701,2330 @@
 </p:sld>
 </file>
 
+<file path=ppt/slides/slide2.xml><?xml version="1.0" encoding="utf-8"?>
+<p:sld xmlns:a="http://schemas.openxmlformats.org/drawingml/2006/main" xmlns:r="http://schemas.openxmlformats.org/officeDocument/2006/relationships" xmlns:p="http://schemas.openxmlformats.org/presentationml/2006/main">
+  <p:cSld>
+    <p:spTree>
+      <p:nvGrpSpPr>
+        <p:cNvPr id="1" name=""/>
+        <p:cNvGrpSpPr/>
+        <p:nvPr/>
+      </p:nvGrpSpPr>
+      <p:grpSpPr>
+        <a:xfrm>
+          <a:off x="0" y="0"/>
+          <a:ext cx="0" cy="0"/>
+          <a:chOff x="0" y="0"/>
+          <a:chExt cx="0" cy="0"/>
+        </a:xfrm>
+      </p:grpSpPr>
+      <p:grpSp>
+        <p:nvGrpSpPr>
+          <p:cNvPr id="24" name="Groupe 23"/>
+          <p:cNvGrpSpPr/>
+          <p:nvPr/>
+        </p:nvGrpSpPr>
+        <p:grpSpPr>
+          <a:xfrm>
+            <a:off x="540973" y="1155097"/>
+            <a:ext cx="5681523" cy="2113436"/>
+            <a:chOff x="540973" y="1155097"/>
+            <a:chExt cx="5681523" cy="2113436"/>
+          </a:xfrm>
+        </p:grpSpPr>
+        <p:cxnSp>
+          <p:nvCxnSpPr>
+            <p:cNvPr id="118" name="Connecteur droit 117"/>
+            <p:cNvCxnSpPr/>
+            <p:nvPr/>
+          </p:nvCxnSpPr>
+          <p:spPr>
+            <a:xfrm flipH="1" flipV="1">
+              <a:off x="3218390" y="1806315"/>
+              <a:ext cx="451910" cy="78718"/>
+            </a:xfrm>
+            <a:prstGeom prst="line">
+              <a:avLst/>
+            </a:prstGeom>
+            <a:ln w="22225">
+              <a:solidFill>
+                <a:schemeClr val="tx1"/>
+              </a:solidFill>
+              <a:headEnd type="none" w="med" len="med"/>
+              <a:tailEnd type="none" w="med" len="med"/>
+            </a:ln>
+          </p:spPr>
+          <p:style>
+            <a:lnRef idx="1">
+              <a:schemeClr val="accent1"/>
+            </a:lnRef>
+            <a:fillRef idx="0">
+              <a:schemeClr val="accent1"/>
+            </a:fillRef>
+            <a:effectRef idx="0">
+              <a:schemeClr val="accent1"/>
+            </a:effectRef>
+            <a:fontRef idx="minor">
+              <a:schemeClr val="tx1"/>
+            </a:fontRef>
+          </p:style>
+        </p:cxnSp>
+        <p:sp>
+          <p:nvSpPr>
+            <p:cNvPr id="73" name="Rectangle à coins arrondis 72"/>
+            <p:cNvSpPr/>
+            <p:nvPr/>
+          </p:nvSpPr>
+          <p:spPr>
+            <a:xfrm>
+              <a:off x="1415372" y="2726548"/>
+              <a:ext cx="770534" cy="376626"/>
+            </a:xfrm>
+            <a:prstGeom prst="roundRect">
+              <a:avLst>
+                <a:gd name="adj" fmla="val 3969"/>
+              </a:avLst>
+            </a:prstGeom>
+            <a:solidFill>
+              <a:srgbClr val="1F8A4C"/>
+            </a:solidFill>
+            <a:ln>
+              <a:noFill/>
+            </a:ln>
+          </p:spPr>
+          <p:style>
+            <a:lnRef idx="2">
+              <a:schemeClr val="accent1">
+                <a:shade val="50000"/>
+              </a:schemeClr>
+            </a:lnRef>
+            <a:fillRef idx="1">
+              <a:schemeClr val="accent1"/>
+            </a:fillRef>
+            <a:effectRef idx="0">
+              <a:schemeClr val="accent1"/>
+            </a:effectRef>
+            <a:fontRef idx="minor">
+              <a:schemeClr val="lt1"/>
+            </a:fontRef>
+          </p:style>
+          <p:txBody>
+            <a:bodyPr tIns="0" rtlCol="0" anchor="ctr" anchorCtr="0"/>
+            <a:lstStyle/>
+            <a:p>
+              <a:pPr algn="ctr"/>
+              <a:r>
+                <a:rPr lang="fr-FR" sz="1000" b="1" dirty="0" smtClean="0">
+                  <a:latin typeface="Cambria" panose="02040503050406030204" pitchFamily="18" charset="0"/>
+                  <a:ea typeface="Arial Rounded MT Bold" charset="0"/>
+                  <a:cs typeface="Arial Rounded MT Bold" charset="0"/>
+                </a:rPr>
+                <a:t>Media Server</a:t>
+              </a:r>
+              <a:endParaRPr lang="fr-FR" sz="1000" b="1" dirty="0">
+                <a:latin typeface="Cambria" panose="02040503050406030204" pitchFamily="18" charset="0"/>
+                <a:ea typeface="Arial Rounded MT Bold" charset="0"/>
+                <a:cs typeface="Arial Rounded MT Bold" charset="0"/>
+              </a:endParaRPr>
+            </a:p>
+          </p:txBody>
+        </p:sp>
+        <p:sp>
+          <p:nvSpPr>
+            <p:cNvPr id="103" name="ZoneTexte 102"/>
+            <p:cNvSpPr txBox="1"/>
+            <p:nvPr/>
+          </p:nvSpPr>
+          <p:spPr>
+            <a:xfrm>
+              <a:off x="2620737" y="2287525"/>
+              <a:ext cx="590623" cy="138499"/>
+            </a:xfrm>
+            <a:prstGeom prst="rect">
+              <a:avLst/>
+            </a:prstGeom>
+            <a:noFill/>
+          </p:spPr>
+          <p:txBody>
+            <a:bodyPr wrap="square" lIns="0" tIns="0" rIns="36000" bIns="0" rtlCol="0">
+              <a:spAutoFit/>
+            </a:bodyPr>
+            <a:lstStyle/>
+            <a:p>
+              <a:pPr algn="ctr"/>
+              <a:r>
+                <a:rPr lang="fr-FR" sz="900" i="1" dirty="0" smtClean="0">
+                  <a:latin typeface="Cambria" panose="02040503050406030204" pitchFamily="18" charset="0"/>
+                  <a:ea typeface="Arial Rounded MT Bold" charset="0"/>
+                  <a:cs typeface="Arial Rounded MT Bold" charset="0"/>
+                </a:rPr>
+                <a:t>Network 1</a:t>
+              </a:r>
+              <a:endParaRPr lang="fr-FR" sz="900" i="1" dirty="0">
+                <a:latin typeface="Cambria" panose="02040503050406030204" pitchFamily="18" charset="0"/>
+                <a:ea typeface="Arial Rounded MT Bold" charset="0"/>
+                <a:cs typeface="Arial Rounded MT Bold" charset="0"/>
+              </a:endParaRPr>
+            </a:p>
+          </p:txBody>
+        </p:sp>
+        <p:pic>
+          <p:nvPicPr>
+            <p:cNvPr id="64" name="Picture 7" descr="D:\Devel\tsduck\images\tsduck-48.png"/>
+            <p:cNvPicPr>
+              <a:picLocks noChangeAspect="1" noChangeArrowheads="1"/>
+            </p:cNvPicPr>
+            <p:nvPr/>
+          </p:nvPicPr>
+          <p:blipFill>
+            <a:blip r:embed="rId2">
+              <a:extLst>
+                <a:ext uri="{28A0092B-C50C-407E-A947-70E740481C1C}">
+                  <a14:useLocalDpi xmlns:a14="http://schemas.microsoft.com/office/drawing/2010/main" val="0"/>
+                </a:ext>
+              </a:extLst>
+            </a:blip>
+            <a:srcRect/>
+            <a:stretch>
+              <a:fillRect/>
+            </a:stretch>
+          </p:blipFill>
+          <p:spPr bwMode="auto">
+            <a:xfrm>
+              <a:off x="5595837" y="3122483"/>
+              <a:ext cx="146050" cy="146050"/>
+            </a:xfrm>
+            <a:prstGeom prst="rect">
+              <a:avLst/>
+            </a:prstGeom>
+            <a:noFill/>
+            <a:extLst>
+              <a:ext uri="{909E8E84-426E-40DD-AFC4-6F175D3DCCD1}">
+                <a14:hiddenFill xmlns:a14="http://schemas.microsoft.com/office/drawing/2010/main">
+                  <a:solidFill>
+                    <a:srgbClr val="FFFFFF"/>
+                  </a:solidFill>
+                </a14:hiddenFill>
+              </a:ext>
+            </a:extLst>
+          </p:spPr>
+        </p:pic>
+        <p:sp>
+          <p:nvSpPr>
+            <p:cNvPr id="65" name="ZoneTexte 64"/>
+            <p:cNvSpPr txBox="1"/>
+            <p:nvPr/>
+          </p:nvSpPr>
+          <p:spPr>
+            <a:xfrm>
+              <a:off x="5759086" y="3141647"/>
+              <a:ext cx="302156" cy="107722"/>
+            </a:xfrm>
+            <a:prstGeom prst="rect">
+              <a:avLst/>
+            </a:prstGeom>
+            <a:noFill/>
+          </p:spPr>
+          <p:txBody>
+            <a:bodyPr wrap="square" lIns="0" tIns="0" rIns="0" bIns="0" rtlCol="0">
+              <a:spAutoFit/>
+            </a:bodyPr>
+            <a:lstStyle/>
+            <a:p>
+              <a:r>
+                <a:rPr lang="fr-FR" sz="700" dirty="0" smtClean="0">
+                  <a:latin typeface="Cambria" panose="02040503050406030204" pitchFamily="18" charset="0"/>
+                  <a:ea typeface="Arial Rounded MT Bold" charset="0"/>
+                  <a:cs typeface="Arial Rounded MT Bold" charset="0"/>
+                </a:rPr>
+                <a:t>TSDuck</a:t>
+              </a:r>
+              <a:endParaRPr lang="fr-FR" sz="700" dirty="0">
+                <a:latin typeface="Cambria" panose="02040503050406030204" pitchFamily="18" charset="0"/>
+                <a:ea typeface="Arial Rounded MT Bold" charset="0"/>
+                <a:cs typeface="Arial Rounded MT Bold" charset="0"/>
+              </a:endParaRPr>
+            </a:p>
+          </p:txBody>
+        </p:sp>
+        <p:sp>
+          <p:nvSpPr>
+            <p:cNvPr id="60" name="Rectangle à coins arrondis 59"/>
+            <p:cNvSpPr/>
+            <p:nvPr/>
+          </p:nvSpPr>
+          <p:spPr>
+            <a:xfrm>
+              <a:off x="4245671" y="1362846"/>
+              <a:ext cx="1348926" cy="782419"/>
+            </a:xfrm>
+            <a:prstGeom prst="roundRect">
+              <a:avLst>
+                <a:gd name="adj" fmla="val 3969"/>
+              </a:avLst>
+            </a:prstGeom>
+            <a:solidFill>
+              <a:srgbClr val="1F8A4C"/>
+            </a:solidFill>
+            <a:ln>
+              <a:noFill/>
+            </a:ln>
+          </p:spPr>
+          <p:style>
+            <a:lnRef idx="2">
+              <a:schemeClr val="accent1">
+                <a:shade val="50000"/>
+              </a:schemeClr>
+            </a:lnRef>
+            <a:fillRef idx="1">
+              <a:schemeClr val="accent1"/>
+            </a:fillRef>
+            <a:effectRef idx="0">
+              <a:schemeClr val="accent1"/>
+            </a:effectRef>
+            <a:fontRef idx="minor">
+              <a:schemeClr val="lt1"/>
+            </a:fontRef>
+          </p:style>
+          <p:txBody>
+            <a:bodyPr lIns="0" tIns="0" rIns="0" rtlCol="0" anchor="t" anchorCtr="0"/>
+            <a:lstStyle/>
+            <a:p>
+              <a:pPr algn="ctr"/>
+              <a:r>
+                <a:rPr lang="fr-FR" sz="1000" b="1" dirty="0" smtClean="0">
+                  <a:latin typeface="Cambria" panose="02040503050406030204" pitchFamily="18" charset="0"/>
+                  <a:ea typeface="Arial Rounded MT Bold" charset="0"/>
+                  <a:cs typeface="Arial Rounded MT Bold" charset="0"/>
+                </a:rPr>
+                <a:t>Linux or Windows</a:t>
+              </a:r>
+              <a:endParaRPr lang="fr-FR" sz="1000" b="1" dirty="0">
+                <a:latin typeface="Cambria" panose="02040503050406030204" pitchFamily="18" charset="0"/>
+                <a:ea typeface="Arial Rounded MT Bold" charset="0"/>
+                <a:cs typeface="Arial Rounded MT Bold" charset="0"/>
+              </a:endParaRPr>
+            </a:p>
+          </p:txBody>
+        </p:sp>
+        <p:cxnSp>
+          <p:nvCxnSpPr>
+            <p:cNvPr id="66" name="Connecteur droit 65"/>
+            <p:cNvCxnSpPr>
+              <a:stCxn id="69" idx="3"/>
+              <a:endCxn id="68" idx="2"/>
+            </p:cNvCxnSpPr>
+            <p:nvPr/>
+          </p:nvCxnSpPr>
+          <p:spPr>
+            <a:xfrm flipV="1">
+              <a:off x="4677093" y="1806313"/>
+              <a:ext cx="170109" cy="1"/>
+            </a:xfrm>
+            <a:prstGeom prst="line">
+              <a:avLst/>
+            </a:prstGeom>
+            <a:ln w="12700">
+              <a:solidFill>
+                <a:schemeClr val="tx1"/>
+              </a:solidFill>
+            </a:ln>
+          </p:spPr>
+          <p:style>
+            <a:lnRef idx="1">
+              <a:schemeClr val="accent1"/>
+            </a:lnRef>
+            <a:fillRef idx="0">
+              <a:schemeClr val="accent1"/>
+            </a:fillRef>
+            <a:effectRef idx="0">
+              <a:schemeClr val="accent1"/>
+            </a:effectRef>
+            <a:fontRef idx="minor">
+              <a:schemeClr val="tx1"/>
+            </a:fontRef>
+          </p:style>
+        </p:cxnSp>
+        <p:sp>
+          <p:nvSpPr>
+            <p:cNvPr id="69" name="Rectangle à coins arrondis 68"/>
+            <p:cNvSpPr/>
+            <p:nvPr/>
+          </p:nvSpPr>
+          <p:spPr>
+            <a:xfrm>
+              <a:off x="4091949" y="1617648"/>
+              <a:ext cx="585144" cy="377331"/>
+            </a:xfrm>
+            <a:prstGeom prst="roundRect">
+              <a:avLst/>
+            </a:prstGeom>
+            <a:solidFill>
+              <a:schemeClr val="accent6">
+                <a:lumMod val="40000"/>
+                <a:lumOff val="60000"/>
+              </a:schemeClr>
+            </a:solidFill>
+            <a:ln>
+              <a:solidFill>
+                <a:schemeClr val="bg1"/>
+              </a:solidFill>
+            </a:ln>
+          </p:spPr>
+          <p:style>
+            <a:lnRef idx="2">
+              <a:schemeClr val="accent1">
+                <a:shade val="50000"/>
+              </a:schemeClr>
+            </a:lnRef>
+            <a:fillRef idx="1">
+              <a:schemeClr val="accent1"/>
+            </a:fillRef>
+            <a:effectRef idx="0">
+              <a:schemeClr val="accent1"/>
+            </a:effectRef>
+            <a:fontRef idx="minor">
+              <a:schemeClr val="lt1"/>
+            </a:fontRef>
+          </p:style>
+          <p:txBody>
+            <a:bodyPr lIns="36000" rIns="36000" rtlCol="0" anchor="ctr"/>
+            <a:lstStyle/>
+            <a:p>
+              <a:pPr algn="ctr"/>
+              <a:r>
+                <a:rPr lang="fr-FR" sz="900" dirty="0" smtClean="0">
+                  <a:solidFill>
+                    <a:schemeClr val="tx1"/>
+                  </a:solidFill>
+                  <a:latin typeface="Cambria" panose="02040503050406030204" pitchFamily="18" charset="0"/>
+                  <a:ea typeface="Arial Rounded MT Bold" charset="0"/>
+                  <a:cs typeface="Arial Rounded MT Bold" charset="0"/>
+                </a:rPr>
+                <a:t>DVB</a:t>
+              </a:r>
+            </a:p>
+            <a:p>
+              <a:pPr algn="ctr"/>
+              <a:r>
+                <a:rPr lang="fr-FR" sz="900" dirty="0" smtClean="0">
+                  <a:solidFill>
+                    <a:schemeClr val="tx1"/>
+                  </a:solidFill>
+                  <a:latin typeface="Cambria" panose="02040503050406030204" pitchFamily="18" charset="0"/>
+                  <a:ea typeface="Arial Rounded MT Bold" charset="0"/>
+                  <a:cs typeface="Arial Rounded MT Bold" charset="0"/>
+                </a:rPr>
+                <a:t>tuner</a:t>
+              </a:r>
+              <a:endParaRPr lang="fr-FR" sz="900" dirty="0">
+                <a:solidFill>
+                  <a:schemeClr val="tx1"/>
+                </a:solidFill>
+                <a:latin typeface="Cambria" panose="02040503050406030204" pitchFamily="18" charset="0"/>
+                <a:ea typeface="Arial Rounded MT Bold" charset="0"/>
+                <a:cs typeface="Arial Rounded MT Bold" charset="0"/>
+              </a:endParaRPr>
+            </a:p>
+          </p:txBody>
+        </p:sp>
+        <p:sp>
+          <p:nvSpPr>
+            <p:cNvPr id="76" name="Rectangle à coins arrondis 75"/>
+            <p:cNvSpPr/>
+            <p:nvPr/>
+          </p:nvSpPr>
+          <p:spPr>
+            <a:xfrm>
+              <a:off x="1261837" y="1362847"/>
+              <a:ext cx="1790700" cy="782419"/>
+            </a:xfrm>
+            <a:prstGeom prst="roundRect">
+              <a:avLst>
+                <a:gd name="adj" fmla="val 3969"/>
+              </a:avLst>
+            </a:prstGeom>
+            <a:solidFill>
+              <a:srgbClr val="1F8A4C"/>
+            </a:solidFill>
+            <a:ln>
+              <a:noFill/>
+            </a:ln>
+          </p:spPr>
+          <p:style>
+            <a:lnRef idx="2">
+              <a:schemeClr val="accent1">
+                <a:shade val="50000"/>
+              </a:schemeClr>
+            </a:lnRef>
+            <a:fillRef idx="1">
+              <a:schemeClr val="accent1"/>
+            </a:fillRef>
+            <a:effectRef idx="0">
+              <a:schemeClr val="accent1"/>
+            </a:effectRef>
+            <a:fontRef idx="minor">
+              <a:schemeClr val="lt1"/>
+            </a:fontRef>
+          </p:style>
+          <p:txBody>
+            <a:bodyPr lIns="0" tIns="0" rIns="0" rtlCol="0" anchor="t" anchorCtr="0"/>
+            <a:lstStyle/>
+            <a:p>
+              <a:pPr algn="ctr"/>
+              <a:r>
+                <a:rPr lang="fr-FR" sz="1000" b="1" dirty="0" smtClean="0">
+                  <a:latin typeface="Cambria" panose="02040503050406030204" pitchFamily="18" charset="0"/>
+                  <a:ea typeface="Arial Rounded MT Bold" charset="0"/>
+                  <a:cs typeface="Arial Rounded MT Bold" charset="0"/>
+                </a:rPr>
+                <a:t>Linux or Windows</a:t>
+              </a:r>
+              <a:endParaRPr lang="fr-FR" sz="1000" b="1" dirty="0">
+                <a:latin typeface="Cambria" panose="02040503050406030204" pitchFamily="18" charset="0"/>
+                <a:ea typeface="Arial Rounded MT Bold" charset="0"/>
+                <a:cs typeface="Arial Rounded MT Bold" charset="0"/>
+              </a:endParaRPr>
+            </a:p>
+          </p:txBody>
+        </p:sp>
+        <p:cxnSp>
+          <p:nvCxnSpPr>
+            <p:cNvPr id="77" name="Connecteur droit 76"/>
+            <p:cNvCxnSpPr>
+              <a:stCxn id="80" idx="1"/>
+              <a:endCxn id="79" idx="6"/>
+            </p:cNvCxnSpPr>
+            <p:nvPr/>
+          </p:nvCxnSpPr>
+          <p:spPr>
+            <a:xfrm flipH="1" flipV="1">
+              <a:off x="2421579" y="1806314"/>
+              <a:ext cx="172203" cy="1"/>
+            </a:xfrm>
+            <a:prstGeom prst="line">
+              <a:avLst/>
+            </a:prstGeom>
+            <a:ln w="12700">
+              <a:solidFill>
+                <a:schemeClr val="tx1"/>
+              </a:solidFill>
+            </a:ln>
+          </p:spPr>
+          <p:style>
+            <a:lnRef idx="1">
+              <a:schemeClr val="accent1"/>
+            </a:lnRef>
+            <a:fillRef idx="0">
+              <a:schemeClr val="accent1"/>
+            </a:fillRef>
+            <a:effectRef idx="0">
+              <a:schemeClr val="accent1"/>
+            </a:effectRef>
+            <a:fontRef idx="minor">
+              <a:schemeClr val="tx1"/>
+            </a:fontRef>
+          </p:style>
+        </p:cxnSp>
+        <p:sp>
+          <p:nvSpPr>
+            <p:cNvPr id="79" name="Ellipse 78"/>
+            <p:cNvSpPr/>
+            <p:nvPr/>
+          </p:nvSpPr>
+          <p:spPr>
+            <a:xfrm>
+              <a:off x="1873342" y="1648876"/>
+              <a:ext cx="548237" cy="314876"/>
+            </a:xfrm>
+            <a:prstGeom prst="ellipse">
+              <a:avLst/>
+            </a:prstGeom>
+            <a:solidFill>
+              <a:schemeClr val="accent6">
+                <a:lumMod val="40000"/>
+                <a:lumOff val="60000"/>
+              </a:schemeClr>
+            </a:solidFill>
+            <a:ln>
+              <a:solidFill>
+                <a:schemeClr val="bg1"/>
+              </a:solidFill>
+            </a:ln>
+          </p:spPr>
+          <p:style>
+            <a:lnRef idx="2">
+              <a:schemeClr val="accent1">
+                <a:shade val="50000"/>
+              </a:schemeClr>
+            </a:lnRef>
+            <a:fillRef idx="1">
+              <a:schemeClr val="accent1"/>
+            </a:fillRef>
+            <a:effectRef idx="0">
+              <a:schemeClr val="accent1"/>
+            </a:effectRef>
+            <a:fontRef idx="minor">
+              <a:schemeClr val="lt1"/>
+            </a:fontRef>
+          </p:style>
+          <p:txBody>
+            <a:bodyPr rot="0" spcFirstLastPara="0" vertOverflow="overflow" horzOverflow="overflow" vert="horz" wrap="square" lIns="36000" tIns="45720" rIns="36000" bIns="45720" numCol="1" spcCol="0" rtlCol="0" fromWordArt="0" anchor="ctr" anchorCtr="0" forceAA="0" compatLnSpc="1">
+              <a:prstTxWarp prst="textNoShape">
+                <a:avLst/>
+              </a:prstTxWarp>
+              <a:noAutofit/>
+            </a:bodyPr>
+            <a:lstStyle/>
+            <a:p>
+              <a:pPr algn="ctr"/>
+              <a:r>
+                <a:rPr lang="fr-FR" sz="900" i="1" smtClean="0">
+                  <a:solidFill>
+                    <a:schemeClr val="tx1"/>
+                  </a:solidFill>
+                  <a:latin typeface="Cambria" panose="02040503050406030204" pitchFamily="18" charset="0"/>
+                  <a:ea typeface="Arial Rounded MT Bold" charset="0"/>
+                  <a:cs typeface="Arial Rounded MT Bold" charset="0"/>
+                </a:rPr>
+                <a:t>tsp</a:t>
+              </a:r>
+              <a:endParaRPr lang="fr-FR" sz="900" i="1" dirty="0">
+                <a:solidFill>
+                  <a:schemeClr val="tx1"/>
+                </a:solidFill>
+                <a:latin typeface="Cambria" panose="02040503050406030204" pitchFamily="18" charset="0"/>
+                <a:ea typeface="Arial Rounded MT Bold" charset="0"/>
+                <a:cs typeface="Arial Rounded MT Bold" charset="0"/>
+              </a:endParaRPr>
+            </a:p>
+          </p:txBody>
+        </p:sp>
+        <p:sp>
+          <p:nvSpPr>
+            <p:cNvPr id="80" name="Rectangle à coins arrondis 79"/>
+            <p:cNvSpPr/>
+            <p:nvPr/>
+          </p:nvSpPr>
+          <p:spPr>
+            <a:xfrm>
+              <a:off x="2593782" y="1617649"/>
+              <a:ext cx="643658" cy="377331"/>
+            </a:xfrm>
+            <a:prstGeom prst="roundRect">
+              <a:avLst/>
+            </a:prstGeom>
+            <a:solidFill>
+              <a:schemeClr val="accent6">
+                <a:lumMod val="40000"/>
+                <a:lumOff val="60000"/>
+              </a:schemeClr>
+            </a:solidFill>
+            <a:ln>
+              <a:solidFill>
+                <a:schemeClr val="bg1"/>
+              </a:solidFill>
+            </a:ln>
+          </p:spPr>
+          <p:style>
+            <a:lnRef idx="2">
+              <a:schemeClr val="accent1">
+                <a:shade val="50000"/>
+              </a:schemeClr>
+            </a:lnRef>
+            <a:fillRef idx="1">
+              <a:schemeClr val="accent1"/>
+            </a:fillRef>
+            <a:effectRef idx="0">
+              <a:schemeClr val="accent1"/>
+            </a:effectRef>
+            <a:fontRef idx="minor">
+              <a:schemeClr val="lt1"/>
+            </a:fontRef>
+          </p:style>
+          <p:txBody>
+            <a:bodyPr lIns="36000" rIns="36000" rtlCol="0" anchor="ctr"/>
+            <a:lstStyle/>
+            <a:p>
+              <a:pPr algn="ctr"/>
+              <a:r>
+                <a:rPr lang="fr-FR" sz="900" dirty="0" smtClean="0">
+                  <a:solidFill>
+                    <a:schemeClr val="tx1"/>
+                  </a:solidFill>
+                  <a:latin typeface="Cambria" panose="02040503050406030204" pitchFamily="18" charset="0"/>
+                  <a:ea typeface="Arial Rounded MT Bold" charset="0"/>
+                  <a:cs typeface="Arial Rounded MT Bold" charset="0"/>
+                </a:rPr>
+                <a:t>Dektec </a:t>
+              </a:r>
+              <a:r>
+                <a:rPr lang="fr-FR" sz="900" dirty="0" err="1" smtClean="0">
+                  <a:solidFill>
+                    <a:schemeClr val="tx1"/>
+                  </a:solidFill>
+                  <a:latin typeface="Cambria" panose="02040503050406030204" pitchFamily="18" charset="0"/>
+                  <a:ea typeface="Arial Rounded MT Bold" charset="0"/>
+                  <a:cs typeface="Arial Rounded MT Bold" charset="0"/>
+                </a:rPr>
+                <a:t>modulator</a:t>
+              </a:r>
+              <a:endParaRPr lang="fr-FR" sz="900" dirty="0">
+                <a:solidFill>
+                  <a:schemeClr val="tx1"/>
+                </a:solidFill>
+                <a:latin typeface="Cambria" panose="02040503050406030204" pitchFamily="18" charset="0"/>
+                <a:ea typeface="Arial Rounded MT Bold" charset="0"/>
+                <a:cs typeface="Arial Rounded MT Bold" charset="0"/>
+              </a:endParaRPr>
+            </a:p>
+          </p:txBody>
+        </p:sp>
+        <p:sp>
+          <p:nvSpPr>
+            <p:cNvPr id="82" name="Rectangle à coins arrondis 81"/>
+            <p:cNvSpPr/>
+            <p:nvPr/>
+          </p:nvSpPr>
+          <p:spPr>
+            <a:xfrm>
+              <a:off x="682923" y="2726758"/>
+              <a:ext cx="578914" cy="257241"/>
+            </a:xfrm>
+            <a:prstGeom prst="roundRect">
+              <a:avLst>
+                <a:gd name="adj" fmla="val 3969"/>
+              </a:avLst>
+            </a:prstGeom>
+            <a:solidFill>
+              <a:srgbClr val="1F8A4C"/>
+            </a:solidFill>
+            <a:ln>
+              <a:noFill/>
+            </a:ln>
+          </p:spPr>
+          <p:style>
+            <a:lnRef idx="2">
+              <a:schemeClr val="accent1">
+                <a:shade val="50000"/>
+              </a:schemeClr>
+            </a:lnRef>
+            <a:fillRef idx="1">
+              <a:schemeClr val="accent1"/>
+            </a:fillRef>
+            <a:effectRef idx="0">
+              <a:schemeClr val="accent1"/>
+            </a:effectRef>
+            <a:fontRef idx="minor">
+              <a:schemeClr val="lt1"/>
+            </a:fontRef>
+          </p:style>
+          <p:txBody>
+            <a:bodyPr tIns="0" rtlCol="0" anchor="ctr" anchorCtr="0"/>
+            <a:lstStyle/>
+            <a:p>
+              <a:pPr algn="ctr"/>
+              <a:r>
+                <a:rPr lang="fr-FR" sz="1000" b="1" dirty="0" smtClean="0">
+                  <a:latin typeface="Cambria" panose="02040503050406030204" pitchFamily="18" charset="0"/>
+                  <a:ea typeface="Arial Rounded MT Bold" charset="0"/>
+                  <a:cs typeface="Arial Rounded MT Bold" charset="0"/>
+                </a:rPr>
+                <a:t>STB</a:t>
+              </a:r>
+              <a:endParaRPr lang="fr-FR" sz="1000" b="1" dirty="0">
+                <a:latin typeface="Cambria" panose="02040503050406030204" pitchFamily="18" charset="0"/>
+                <a:ea typeface="Arial Rounded MT Bold" charset="0"/>
+                <a:cs typeface="Arial Rounded MT Bold" charset="0"/>
+              </a:endParaRPr>
+            </a:p>
+          </p:txBody>
+        </p:sp>
+        <p:sp>
+          <p:nvSpPr>
+            <p:cNvPr id="83" name="Rectangle à coins arrondis 82"/>
+            <p:cNvSpPr/>
+            <p:nvPr/>
+          </p:nvSpPr>
+          <p:spPr>
+            <a:xfrm>
+              <a:off x="2339441" y="2726547"/>
+              <a:ext cx="578914" cy="257241"/>
+            </a:xfrm>
+            <a:prstGeom prst="roundRect">
+              <a:avLst>
+                <a:gd name="adj" fmla="val 3969"/>
+              </a:avLst>
+            </a:prstGeom>
+            <a:solidFill>
+              <a:srgbClr val="1F8A4C"/>
+            </a:solidFill>
+            <a:ln>
+              <a:noFill/>
+            </a:ln>
+          </p:spPr>
+          <p:style>
+            <a:lnRef idx="2">
+              <a:schemeClr val="accent1">
+                <a:shade val="50000"/>
+              </a:schemeClr>
+            </a:lnRef>
+            <a:fillRef idx="1">
+              <a:schemeClr val="accent1"/>
+            </a:fillRef>
+            <a:effectRef idx="0">
+              <a:schemeClr val="accent1"/>
+            </a:effectRef>
+            <a:fontRef idx="minor">
+              <a:schemeClr val="lt1"/>
+            </a:fontRef>
+          </p:style>
+          <p:txBody>
+            <a:bodyPr tIns="0" rtlCol="0" anchor="ctr" anchorCtr="0"/>
+            <a:lstStyle/>
+            <a:p>
+              <a:pPr algn="ctr"/>
+              <a:r>
+                <a:rPr lang="fr-FR" sz="1000" b="1" dirty="0" smtClean="0">
+                  <a:latin typeface="Cambria" panose="02040503050406030204" pitchFamily="18" charset="0"/>
+                  <a:ea typeface="Arial Rounded MT Bold" charset="0"/>
+                  <a:cs typeface="Arial Rounded MT Bold" charset="0"/>
+                </a:rPr>
+                <a:t>STB</a:t>
+              </a:r>
+              <a:endParaRPr lang="fr-FR" sz="1000" b="1" dirty="0">
+                <a:latin typeface="Cambria" panose="02040503050406030204" pitchFamily="18" charset="0"/>
+                <a:ea typeface="Arial Rounded MT Bold" charset="0"/>
+                <a:cs typeface="Arial Rounded MT Bold" charset="0"/>
+              </a:endParaRPr>
+            </a:p>
+          </p:txBody>
+        </p:sp>
+        <p:cxnSp>
+          <p:nvCxnSpPr>
+            <p:cNvPr id="32" name="Connecteur droit 31"/>
+            <p:cNvCxnSpPr>
+              <a:stCxn id="73" idx="0"/>
+            </p:cNvCxnSpPr>
+            <p:nvPr/>
+          </p:nvCxnSpPr>
+          <p:spPr>
+            <a:xfrm flipV="1">
+              <a:off x="1800639" y="2508250"/>
+              <a:ext cx="0" cy="218298"/>
+            </a:xfrm>
+            <a:prstGeom prst="line">
+              <a:avLst/>
+            </a:prstGeom>
+            <a:ln w="12700">
+              <a:solidFill>
+                <a:schemeClr val="tx1"/>
+              </a:solidFill>
+              <a:headEnd type="none" w="med" len="med"/>
+              <a:tailEnd type="none" w="med" len="med"/>
+            </a:ln>
+          </p:spPr>
+          <p:style>
+            <a:lnRef idx="1">
+              <a:schemeClr val="accent1"/>
+            </a:lnRef>
+            <a:fillRef idx="0">
+              <a:schemeClr val="accent1"/>
+            </a:fillRef>
+            <a:effectRef idx="0">
+              <a:schemeClr val="accent1"/>
+            </a:effectRef>
+            <a:fontRef idx="minor">
+              <a:schemeClr val="tx1"/>
+            </a:fontRef>
+          </p:style>
+        </p:cxnSp>
+        <p:cxnSp>
+          <p:nvCxnSpPr>
+            <p:cNvPr id="85" name="Connecteur droit 84"/>
+            <p:cNvCxnSpPr>
+              <a:stCxn id="83" idx="0"/>
+            </p:cNvCxnSpPr>
+            <p:nvPr/>
+          </p:nvCxnSpPr>
+          <p:spPr>
+            <a:xfrm flipV="1">
+              <a:off x="2628898" y="2508249"/>
+              <a:ext cx="0" cy="218298"/>
+            </a:xfrm>
+            <a:prstGeom prst="line">
+              <a:avLst/>
+            </a:prstGeom>
+            <a:ln w="12700">
+              <a:solidFill>
+                <a:schemeClr val="tx1"/>
+              </a:solidFill>
+              <a:headEnd type="none" w="med" len="med"/>
+              <a:tailEnd type="none" w="med" len="med"/>
+            </a:ln>
+          </p:spPr>
+          <p:style>
+            <a:lnRef idx="1">
+              <a:schemeClr val="accent1"/>
+            </a:lnRef>
+            <a:fillRef idx="0">
+              <a:schemeClr val="accent1"/>
+            </a:fillRef>
+            <a:effectRef idx="0">
+              <a:schemeClr val="accent1"/>
+            </a:effectRef>
+            <a:fontRef idx="minor">
+              <a:schemeClr val="tx1"/>
+            </a:fontRef>
+          </p:style>
+        </p:cxnSp>
+        <p:cxnSp>
+          <p:nvCxnSpPr>
+            <p:cNvPr id="87" name="Connecteur droit 86"/>
+            <p:cNvCxnSpPr>
+              <a:stCxn id="82" idx="0"/>
+            </p:cNvCxnSpPr>
+            <p:nvPr/>
+          </p:nvCxnSpPr>
+          <p:spPr>
+            <a:xfrm flipV="1">
+              <a:off x="972380" y="2508248"/>
+              <a:ext cx="0" cy="218510"/>
+            </a:xfrm>
+            <a:prstGeom prst="line">
+              <a:avLst/>
+            </a:prstGeom>
+            <a:ln w="12700">
+              <a:solidFill>
+                <a:schemeClr val="tx1"/>
+              </a:solidFill>
+              <a:headEnd type="none" w="med" len="med"/>
+              <a:tailEnd type="none" w="med" len="med"/>
+            </a:ln>
+          </p:spPr>
+          <p:style>
+            <a:lnRef idx="1">
+              <a:schemeClr val="accent1"/>
+            </a:lnRef>
+            <a:fillRef idx="0">
+              <a:schemeClr val="accent1"/>
+            </a:fillRef>
+            <a:effectRef idx="0">
+              <a:schemeClr val="accent1"/>
+            </a:effectRef>
+            <a:fontRef idx="minor">
+              <a:schemeClr val="tx1"/>
+            </a:fontRef>
+          </p:style>
+        </p:cxnSp>
+        <p:cxnSp>
+          <p:nvCxnSpPr>
+            <p:cNvPr id="21" name="Connecteur droit 20"/>
+            <p:cNvCxnSpPr/>
+            <p:nvPr/>
+          </p:nvCxnSpPr>
+          <p:spPr>
+            <a:xfrm>
+              <a:off x="651436" y="2489200"/>
+              <a:ext cx="2498164" cy="6350"/>
+            </a:xfrm>
+            <a:prstGeom prst="line">
+              <a:avLst/>
+            </a:prstGeom>
+            <a:ln w="44450" cmpd="dbl">
+              <a:solidFill>
+                <a:schemeClr val="tx1"/>
+              </a:solidFill>
+              <a:headEnd type="none" w="med" len="med"/>
+              <a:tailEnd type="none" w="med" len="med"/>
+            </a:ln>
+          </p:spPr>
+          <p:style>
+            <a:lnRef idx="1">
+              <a:schemeClr val="accent1"/>
+            </a:lnRef>
+            <a:fillRef idx="0">
+              <a:schemeClr val="accent1"/>
+            </a:fillRef>
+            <a:effectRef idx="0">
+              <a:schemeClr val="accent1"/>
+            </a:effectRef>
+            <a:fontRef idx="minor">
+              <a:schemeClr val="tx1"/>
+            </a:fontRef>
+          </p:style>
+        </p:cxnSp>
+        <p:cxnSp>
+          <p:nvCxnSpPr>
+            <p:cNvPr id="89" name="Connecteur droit 88"/>
+            <p:cNvCxnSpPr/>
+            <p:nvPr/>
+          </p:nvCxnSpPr>
+          <p:spPr>
+            <a:xfrm flipV="1">
+              <a:off x="2378075" y="2145265"/>
+              <a:ext cx="0" cy="327139"/>
+            </a:xfrm>
+            <a:prstGeom prst="line">
+              <a:avLst/>
+            </a:prstGeom>
+            <a:ln w="12700">
+              <a:solidFill>
+                <a:schemeClr val="tx1"/>
+              </a:solidFill>
+              <a:headEnd type="none" w="med" len="med"/>
+              <a:tailEnd type="none" w="med" len="med"/>
+            </a:ln>
+          </p:spPr>
+          <p:style>
+            <a:lnRef idx="1">
+              <a:schemeClr val="accent1"/>
+            </a:lnRef>
+            <a:fillRef idx="0">
+              <a:schemeClr val="accent1"/>
+            </a:fillRef>
+            <a:effectRef idx="0">
+              <a:schemeClr val="accent1"/>
+            </a:effectRef>
+            <a:fontRef idx="minor">
+              <a:schemeClr val="tx1"/>
+            </a:fontRef>
+          </p:style>
+        </p:cxnSp>
+        <p:sp>
+          <p:nvSpPr>
+            <p:cNvPr id="53" name="Arc 52"/>
+            <p:cNvSpPr/>
+            <p:nvPr/>
+          </p:nvSpPr>
+          <p:spPr>
+            <a:xfrm flipH="1">
+              <a:off x="1913543" y="2560407"/>
+              <a:ext cx="779643" cy="302889"/>
+            </a:xfrm>
+            <a:prstGeom prst="arc">
+              <a:avLst>
+                <a:gd name="adj1" fmla="val 16199986"/>
+                <a:gd name="adj2" fmla="val 146338"/>
+              </a:avLst>
+            </a:prstGeom>
+            <a:ln w="12700">
+              <a:solidFill>
+                <a:schemeClr val="tx1"/>
+              </a:solidFill>
+              <a:prstDash val="sysDot"/>
+              <a:headEnd type="triangle" w="med" len="med"/>
+              <a:tailEnd type="none" w="med" len="med"/>
+            </a:ln>
+          </p:spPr>
+          <p:style>
+            <a:lnRef idx="1">
+              <a:schemeClr val="accent1"/>
+            </a:lnRef>
+            <a:fillRef idx="0">
+              <a:schemeClr val="accent1"/>
+            </a:fillRef>
+            <a:effectRef idx="0">
+              <a:schemeClr val="accent1"/>
+            </a:effectRef>
+            <a:fontRef idx="minor">
+              <a:schemeClr val="tx1"/>
+            </a:fontRef>
+          </p:style>
+          <p:txBody>
+            <a:bodyPr rtlCol="0" anchor="ctr"/>
+            <a:lstStyle/>
+            <a:p>
+              <a:pPr algn="ctr"/>
+              <a:endParaRPr lang="en-US"/>
+            </a:p>
+          </p:txBody>
+        </p:sp>
+        <p:sp>
+          <p:nvSpPr>
+            <p:cNvPr id="98" name="Arc 97"/>
+            <p:cNvSpPr/>
+            <p:nvPr/>
+          </p:nvSpPr>
+          <p:spPr>
+            <a:xfrm>
+              <a:off x="974573" y="2567990"/>
+              <a:ext cx="779643" cy="302889"/>
+            </a:xfrm>
+            <a:prstGeom prst="arc">
+              <a:avLst>
+                <a:gd name="adj1" fmla="val 16199986"/>
+                <a:gd name="adj2" fmla="val 146338"/>
+              </a:avLst>
+            </a:prstGeom>
+            <a:ln w="12700">
+              <a:solidFill>
+                <a:schemeClr val="tx1"/>
+              </a:solidFill>
+              <a:prstDash val="sysDot"/>
+              <a:headEnd type="triangle" w="med" len="med"/>
+              <a:tailEnd type="none" w="med" len="med"/>
+            </a:ln>
+          </p:spPr>
+          <p:style>
+            <a:lnRef idx="1">
+              <a:schemeClr val="accent1"/>
+            </a:lnRef>
+            <a:fillRef idx="0">
+              <a:schemeClr val="accent1"/>
+            </a:fillRef>
+            <a:effectRef idx="0">
+              <a:schemeClr val="accent1"/>
+            </a:effectRef>
+            <a:fontRef idx="minor">
+              <a:schemeClr val="tx1"/>
+            </a:fontRef>
+          </p:style>
+          <p:txBody>
+            <a:bodyPr rtlCol="0" anchor="ctr"/>
+            <a:lstStyle/>
+            <a:p>
+              <a:pPr algn="ctr"/>
+              <a:endParaRPr lang="en-US"/>
+            </a:p>
+          </p:txBody>
+        </p:sp>
+        <p:sp>
+          <p:nvSpPr>
+            <p:cNvPr id="99" name="ZoneTexte 98"/>
+            <p:cNvSpPr txBox="1"/>
+            <p:nvPr/>
+          </p:nvSpPr>
+          <p:spPr>
+            <a:xfrm>
+              <a:off x="933124" y="2189054"/>
+              <a:ext cx="1113805" cy="276999"/>
+            </a:xfrm>
+            <a:prstGeom prst="rect">
+              <a:avLst/>
+            </a:prstGeom>
+            <a:noFill/>
+          </p:spPr>
+          <p:txBody>
+            <a:bodyPr wrap="square" lIns="0" tIns="0" rIns="36000" bIns="0" rtlCol="0">
+              <a:spAutoFit/>
+            </a:bodyPr>
+            <a:lstStyle/>
+            <a:p>
+              <a:pPr algn="ctr"/>
+              <a:r>
+                <a:rPr lang="fr-FR" sz="900" i="1" dirty="0" smtClean="0">
+                  <a:latin typeface="Cambria" panose="02040503050406030204" pitchFamily="18" charset="0"/>
+                  <a:ea typeface="Arial Rounded MT Bold" charset="0"/>
+                  <a:cs typeface="Arial Rounded MT Bold" charset="0"/>
+                </a:rPr>
+                <a:t>Multicast to 224.250.250.1 : 9000</a:t>
+              </a:r>
+              <a:endParaRPr lang="fr-FR" sz="900" i="1" dirty="0">
+                <a:latin typeface="Cambria" panose="02040503050406030204" pitchFamily="18" charset="0"/>
+                <a:ea typeface="Arial Rounded MT Bold" charset="0"/>
+                <a:cs typeface="Arial Rounded MT Bold" charset="0"/>
+              </a:endParaRPr>
+            </a:p>
+          </p:txBody>
+        </p:sp>
+        <p:sp>
+          <p:nvSpPr>
+            <p:cNvPr id="105" name="ZoneTexte 104"/>
+            <p:cNvSpPr txBox="1"/>
+            <p:nvPr/>
+          </p:nvSpPr>
+          <p:spPr>
+            <a:xfrm>
+              <a:off x="3782048" y="2287525"/>
+              <a:ext cx="590623" cy="138499"/>
+            </a:xfrm>
+            <a:prstGeom prst="rect">
+              <a:avLst/>
+            </a:prstGeom>
+            <a:noFill/>
+          </p:spPr>
+          <p:txBody>
+            <a:bodyPr wrap="square" lIns="0" tIns="0" rIns="36000" bIns="0" rtlCol="0">
+              <a:spAutoFit/>
+            </a:bodyPr>
+            <a:lstStyle/>
+            <a:p>
+              <a:pPr algn="ctr"/>
+              <a:r>
+                <a:rPr lang="fr-FR" sz="900" i="1" dirty="0" smtClean="0">
+                  <a:latin typeface="Cambria" panose="02040503050406030204" pitchFamily="18" charset="0"/>
+                  <a:ea typeface="Arial Rounded MT Bold" charset="0"/>
+                  <a:cs typeface="Arial Rounded MT Bold" charset="0"/>
+                </a:rPr>
+                <a:t>Network 2</a:t>
+              </a:r>
+              <a:endParaRPr lang="fr-FR" sz="900" i="1" dirty="0">
+                <a:latin typeface="Cambria" panose="02040503050406030204" pitchFamily="18" charset="0"/>
+                <a:ea typeface="Arial Rounded MT Bold" charset="0"/>
+                <a:cs typeface="Arial Rounded MT Bold" charset="0"/>
+              </a:endParaRPr>
+            </a:p>
+          </p:txBody>
+        </p:sp>
+        <p:sp>
+          <p:nvSpPr>
+            <p:cNvPr id="106" name="Rectangle à coins arrondis 105"/>
+            <p:cNvSpPr/>
+            <p:nvPr/>
+          </p:nvSpPr>
+          <p:spPr>
+            <a:xfrm>
+              <a:off x="3984184" y="2720408"/>
+              <a:ext cx="578914" cy="257241"/>
+            </a:xfrm>
+            <a:prstGeom prst="roundRect">
+              <a:avLst>
+                <a:gd name="adj" fmla="val 3969"/>
+              </a:avLst>
+            </a:prstGeom>
+            <a:solidFill>
+              <a:srgbClr val="1F8A4C"/>
+            </a:solidFill>
+            <a:ln>
+              <a:noFill/>
+            </a:ln>
+          </p:spPr>
+          <p:style>
+            <a:lnRef idx="2">
+              <a:schemeClr val="accent1">
+                <a:shade val="50000"/>
+              </a:schemeClr>
+            </a:lnRef>
+            <a:fillRef idx="1">
+              <a:schemeClr val="accent1"/>
+            </a:fillRef>
+            <a:effectRef idx="0">
+              <a:schemeClr val="accent1"/>
+            </a:effectRef>
+            <a:fontRef idx="minor">
+              <a:schemeClr val="lt1"/>
+            </a:fontRef>
+          </p:style>
+          <p:txBody>
+            <a:bodyPr tIns="0" rtlCol="0" anchor="ctr" anchorCtr="0"/>
+            <a:lstStyle/>
+            <a:p>
+              <a:pPr algn="ctr"/>
+              <a:r>
+                <a:rPr lang="fr-FR" sz="1000" b="1" dirty="0" smtClean="0">
+                  <a:latin typeface="Cambria" panose="02040503050406030204" pitchFamily="18" charset="0"/>
+                  <a:ea typeface="Arial Rounded MT Bold" charset="0"/>
+                  <a:cs typeface="Arial Rounded MT Bold" charset="0"/>
+                </a:rPr>
+                <a:t>STB</a:t>
+              </a:r>
+              <a:endParaRPr lang="fr-FR" sz="1000" b="1" dirty="0">
+                <a:latin typeface="Cambria" panose="02040503050406030204" pitchFamily="18" charset="0"/>
+                <a:ea typeface="Arial Rounded MT Bold" charset="0"/>
+                <a:cs typeface="Arial Rounded MT Bold" charset="0"/>
+              </a:endParaRPr>
+            </a:p>
+          </p:txBody>
+        </p:sp>
+        <p:sp>
+          <p:nvSpPr>
+            <p:cNvPr id="107" name="Rectangle à coins arrondis 106"/>
+            <p:cNvSpPr/>
+            <p:nvPr/>
+          </p:nvSpPr>
+          <p:spPr>
+            <a:xfrm>
+              <a:off x="5297802" y="2720197"/>
+              <a:ext cx="578914" cy="257241"/>
+            </a:xfrm>
+            <a:prstGeom prst="roundRect">
+              <a:avLst>
+                <a:gd name="adj" fmla="val 3969"/>
+              </a:avLst>
+            </a:prstGeom>
+            <a:solidFill>
+              <a:srgbClr val="1F8A4C"/>
+            </a:solidFill>
+            <a:ln>
+              <a:noFill/>
+            </a:ln>
+          </p:spPr>
+          <p:style>
+            <a:lnRef idx="2">
+              <a:schemeClr val="accent1">
+                <a:shade val="50000"/>
+              </a:schemeClr>
+            </a:lnRef>
+            <a:fillRef idx="1">
+              <a:schemeClr val="accent1"/>
+            </a:fillRef>
+            <a:effectRef idx="0">
+              <a:schemeClr val="accent1"/>
+            </a:effectRef>
+            <a:fontRef idx="minor">
+              <a:schemeClr val="lt1"/>
+            </a:fontRef>
+          </p:style>
+          <p:txBody>
+            <a:bodyPr tIns="0" rtlCol="0" anchor="ctr" anchorCtr="0"/>
+            <a:lstStyle/>
+            <a:p>
+              <a:pPr algn="ctr"/>
+              <a:r>
+                <a:rPr lang="fr-FR" sz="1000" b="1" dirty="0" smtClean="0">
+                  <a:latin typeface="Cambria" panose="02040503050406030204" pitchFamily="18" charset="0"/>
+                  <a:ea typeface="Arial Rounded MT Bold" charset="0"/>
+                  <a:cs typeface="Arial Rounded MT Bold" charset="0"/>
+                </a:rPr>
+                <a:t>STB</a:t>
+              </a:r>
+              <a:endParaRPr lang="fr-FR" sz="1000" b="1" dirty="0">
+                <a:latin typeface="Cambria" panose="02040503050406030204" pitchFamily="18" charset="0"/>
+                <a:ea typeface="Arial Rounded MT Bold" charset="0"/>
+                <a:cs typeface="Arial Rounded MT Bold" charset="0"/>
+              </a:endParaRPr>
+            </a:p>
+          </p:txBody>
+        </p:sp>
+        <p:cxnSp>
+          <p:nvCxnSpPr>
+            <p:cNvPr id="109" name="Connecteur droit 108"/>
+            <p:cNvCxnSpPr>
+              <a:stCxn id="107" idx="0"/>
+            </p:cNvCxnSpPr>
+            <p:nvPr/>
+          </p:nvCxnSpPr>
+          <p:spPr>
+            <a:xfrm flipV="1">
+              <a:off x="5587259" y="2501899"/>
+              <a:ext cx="0" cy="218298"/>
+            </a:xfrm>
+            <a:prstGeom prst="line">
+              <a:avLst/>
+            </a:prstGeom>
+            <a:ln w="12700">
+              <a:solidFill>
+                <a:schemeClr val="tx1"/>
+              </a:solidFill>
+              <a:headEnd type="none" w="med" len="med"/>
+              <a:tailEnd type="none" w="med" len="med"/>
+            </a:ln>
+          </p:spPr>
+          <p:style>
+            <a:lnRef idx="1">
+              <a:schemeClr val="accent1"/>
+            </a:lnRef>
+            <a:fillRef idx="0">
+              <a:schemeClr val="accent1"/>
+            </a:fillRef>
+            <a:effectRef idx="0">
+              <a:schemeClr val="accent1"/>
+            </a:effectRef>
+            <a:fontRef idx="minor">
+              <a:schemeClr val="tx1"/>
+            </a:fontRef>
+          </p:style>
+        </p:cxnSp>
+        <p:cxnSp>
+          <p:nvCxnSpPr>
+            <p:cNvPr id="110" name="Connecteur droit 109"/>
+            <p:cNvCxnSpPr>
+              <a:stCxn id="106" idx="0"/>
+            </p:cNvCxnSpPr>
+            <p:nvPr/>
+          </p:nvCxnSpPr>
+          <p:spPr>
+            <a:xfrm flipV="1">
+              <a:off x="4273641" y="2501898"/>
+              <a:ext cx="0" cy="218510"/>
+            </a:xfrm>
+            <a:prstGeom prst="line">
+              <a:avLst/>
+            </a:prstGeom>
+            <a:ln w="12700">
+              <a:solidFill>
+                <a:schemeClr val="tx1"/>
+              </a:solidFill>
+              <a:headEnd type="none" w="med" len="med"/>
+              <a:tailEnd type="none" w="med" len="med"/>
+            </a:ln>
+          </p:spPr>
+          <p:style>
+            <a:lnRef idx="1">
+              <a:schemeClr val="accent1"/>
+            </a:lnRef>
+            <a:fillRef idx="0">
+              <a:schemeClr val="accent1"/>
+            </a:fillRef>
+            <a:effectRef idx="0">
+              <a:schemeClr val="accent1"/>
+            </a:effectRef>
+            <a:fontRef idx="minor">
+              <a:schemeClr val="tx1"/>
+            </a:fontRef>
+          </p:style>
+        </p:cxnSp>
+        <p:cxnSp>
+          <p:nvCxnSpPr>
+            <p:cNvPr id="111" name="Connecteur droit 110"/>
+            <p:cNvCxnSpPr/>
+            <p:nvPr/>
+          </p:nvCxnSpPr>
+          <p:spPr>
+            <a:xfrm>
+              <a:off x="3795560" y="2489200"/>
+              <a:ext cx="2424265" cy="0"/>
+            </a:xfrm>
+            <a:prstGeom prst="line">
+              <a:avLst/>
+            </a:prstGeom>
+            <a:ln w="44450" cmpd="dbl">
+              <a:solidFill>
+                <a:schemeClr val="tx1"/>
+              </a:solidFill>
+              <a:headEnd type="none" w="med" len="med"/>
+              <a:tailEnd type="none" w="med" len="med"/>
+            </a:ln>
+          </p:spPr>
+          <p:style>
+            <a:lnRef idx="1">
+              <a:schemeClr val="accent1"/>
+            </a:lnRef>
+            <a:fillRef idx="0">
+              <a:schemeClr val="accent1"/>
+            </a:fillRef>
+            <a:effectRef idx="0">
+              <a:schemeClr val="accent1"/>
+            </a:effectRef>
+            <a:fontRef idx="minor">
+              <a:schemeClr val="tx1"/>
+            </a:fontRef>
+          </p:style>
+        </p:cxnSp>
+        <p:cxnSp>
+          <p:nvCxnSpPr>
+            <p:cNvPr id="112" name="Connecteur droit 111"/>
+            <p:cNvCxnSpPr/>
+            <p:nvPr/>
+          </p:nvCxnSpPr>
+          <p:spPr>
+            <a:xfrm flipV="1">
+              <a:off x="5120180" y="2145265"/>
+              <a:ext cx="0" cy="324879"/>
+            </a:xfrm>
+            <a:prstGeom prst="line">
+              <a:avLst/>
+            </a:prstGeom>
+            <a:ln w="12700">
+              <a:solidFill>
+                <a:schemeClr val="tx1"/>
+              </a:solidFill>
+              <a:headEnd type="none" w="med" len="med"/>
+              <a:tailEnd type="none" w="med" len="med"/>
+            </a:ln>
+          </p:spPr>
+          <p:style>
+            <a:lnRef idx="1">
+              <a:schemeClr val="accent1"/>
+            </a:lnRef>
+            <a:fillRef idx="0">
+              <a:schemeClr val="accent1"/>
+            </a:fillRef>
+            <a:effectRef idx="0">
+              <a:schemeClr val="accent1"/>
+            </a:effectRef>
+            <a:fontRef idx="minor">
+              <a:schemeClr val="tx1"/>
+            </a:fontRef>
+          </p:style>
+        </p:cxnSp>
+        <p:sp>
+          <p:nvSpPr>
+            <p:cNvPr id="113" name="Arc 112"/>
+            <p:cNvSpPr/>
+            <p:nvPr/>
+          </p:nvSpPr>
+          <p:spPr>
+            <a:xfrm flipH="1" flipV="1">
+              <a:off x="5121157" y="1995257"/>
+              <a:ext cx="779643" cy="302889"/>
+            </a:xfrm>
+            <a:prstGeom prst="arc">
+              <a:avLst>
+                <a:gd name="adj1" fmla="val 16199986"/>
+                <a:gd name="adj2" fmla="val 146338"/>
+              </a:avLst>
+            </a:prstGeom>
+            <a:ln w="12700">
+              <a:solidFill>
+                <a:schemeClr val="tx1"/>
+              </a:solidFill>
+              <a:prstDash val="sysDot"/>
+              <a:headEnd type="triangle" w="med" len="med"/>
+              <a:tailEnd type="none" w="med" len="med"/>
+            </a:ln>
+          </p:spPr>
+          <p:style>
+            <a:lnRef idx="1">
+              <a:schemeClr val="accent1"/>
+            </a:lnRef>
+            <a:fillRef idx="0">
+              <a:schemeClr val="accent1"/>
+            </a:fillRef>
+            <a:effectRef idx="0">
+              <a:schemeClr val="accent1"/>
+            </a:effectRef>
+            <a:fontRef idx="minor">
+              <a:schemeClr val="tx1"/>
+            </a:fontRef>
+          </p:style>
+          <p:txBody>
+            <a:bodyPr rtlCol="0" anchor="ctr"/>
+            <a:lstStyle/>
+            <a:p>
+              <a:pPr algn="ctr"/>
+              <a:endParaRPr lang="en-US"/>
+            </a:p>
+          </p:txBody>
+        </p:sp>
+        <p:sp>
+          <p:nvSpPr>
+            <p:cNvPr id="114" name="Arc 113"/>
+            <p:cNvSpPr/>
+            <p:nvPr/>
+          </p:nvSpPr>
+          <p:spPr>
+            <a:xfrm flipV="1">
+              <a:off x="4339360" y="2002840"/>
+              <a:ext cx="779643" cy="302889"/>
+            </a:xfrm>
+            <a:prstGeom prst="arc">
+              <a:avLst>
+                <a:gd name="adj1" fmla="val 16199986"/>
+                <a:gd name="adj2" fmla="val 146338"/>
+              </a:avLst>
+            </a:prstGeom>
+            <a:ln w="12700">
+              <a:solidFill>
+                <a:schemeClr val="tx1"/>
+              </a:solidFill>
+              <a:prstDash val="sysDot"/>
+              <a:headEnd type="triangle" w="med" len="med"/>
+              <a:tailEnd type="none" w="med" len="med"/>
+            </a:ln>
+          </p:spPr>
+          <p:style>
+            <a:lnRef idx="1">
+              <a:schemeClr val="accent1"/>
+            </a:lnRef>
+            <a:fillRef idx="0">
+              <a:schemeClr val="accent1"/>
+            </a:fillRef>
+            <a:effectRef idx="0">
+              <a:schemeClr val="accent1"/>
+            </a:effectRef>
+            <a:fontRef idx="minor">
+              <a:schemeClr val="tx1"/>
+            </a:fontRef>
+          </p:style>
+          <p:txBody>
+            <a:bodyPr rtlCol="0" anchor="ctr"/>
+            <a:lstStyle/>
+            <a:p>
+              <a:pPr algn="ctr"/>
+              <a:endParaRPr lang="en-US"/>
+            </a:p>
+          </p:txBody>
+        </p:sp>
+        <p:sp>
+          <p:nvSpPr>
+            <p:cNvPr id="115" name="ZoneTexte 114"/>
+            <p:cNvSpPr txBox="1"/>
+            <p:nvPr/>
+          </p:nvSpPr>
+          <p:spPr>
+            <a:xfrm>
+              <a:off x="5449708" y="2191455"/>
+              <a:ext cx="772788" cy="276999"/>
+            </a:xfrm>
+            <a:prstGeom prst="rect">
+              <a:avLst/>
+            </a:prstGeom>
+            <a:noFill/>
+          </p:spPr>
+          <p:txBody>
+            <a:bodyPr wrap="square" lIns="0" tIns="0" rIns="0" bIns="0" rtlCol="0">
+              <a:spAutoFit/>
+            </a:bodyPr>
+            <a:lstStyle/>
+            <a:p>
+              <a:pPr algn="ctr"/>
+              <a:r>
+                <a:rPr lang="fr-FR" sz="900" i="1" dirty="0" smtClean="0">
+                  <a:latin typeface="Cambria" panose="02040503050406030204" pitchFamily="18" charset="0"/>
+                  <a:ea typeface="Arial Rounded MT Bold" charset="0"/>
+                  <a:cs typeface="Arial Rounded MT Bold" charset="0"/>
+                </a:rPr>
+                <a:t>Multicast </a:t>
+              </a:r>
+              <a:r>
+                <a:rPr lang="fr-FR" sz="900" i="1" dirty="0">
+                  <a:latin typeface="Cambria" panose="02040503050406030204" pitchFamily="18" charset="0"/>
+                  <a:ea typeface="Arial Rounded MT Bold" charset="0"/>
+                  <a:cs typeface="Arial Rounded MT Bold" charset="0"/>
+                </a:rPr>
+                <a:t>to 230.2.3.4</a:t>
+              </a:r>
+              <a:r>
+                <a:rPr lang="fr-FR" sz="900" i="1" dirty="0" smtClean="0">
+                  <a:latin typeface="Cambria" panose="02040503050406030204" pitchFamily="18" charset="0"/>
+                  <a:ea typeface="Arial Rounded MT Bold" charset="0"/>
+                  <a:cs typeface="Arial Rounded MT Bold" charset="0"/>
+                </a:rPr>
+                <a:t> : </a:t>
+              </a:r>
+              <a:r>
+                <a:rPr lang="fr-FR" sz="900" i="1" dirty="0" smtClean="0">
+                  <a:latin typeface="Cambria" panose="02040503050406030204" pitchFamily="18" charset="0"/>
+                  <a:ea typeface="Arial Rounded MT Bold" charset="0"/>
+                  <a:cs typeface="Arial Rounded MT Bold" charset="0"/>
+                </a:rPr>
+                <a:t>7000</a:t>
+              </a:r>
+              <a:endParaRPr lang="fr-FR" sz="900" i="1" dirty="0">
+                <a:latin typeface="Cambria" panose="02040503050406030204" pitchFamily="18" charset="0"/>
+                <a:ea typeface="Arial Rounded MT Bold" charset="0"/>
+                <a:cs typeface="Arial Rounded MT Bold" charset="0"/>
+              </a:endParaRPr>
+            </a:p>
+          </p:txBody>
+        </p:sp>
+        <p:sp>
+          <p:nvSpPr>
+            <p:cNvPr id="116" name="Rectangle à coins arrondis 115"/>
+            <p:cNvSpPr/>
+            <p:nvPr/>
+          </p:nvSpPr>
+          <p:spPr>
+            <a:xfrm>
+              <a:off x="4632266" y="2725784"/>
+              <a:ext cx="578914" cy="257241"/>
+            </a:xfrm>
+            <a:prstGeom prst="roundRect">
+              <a:avLst>
+                <a:gd name="adj" fmla="val 3969"/>
+              </a:avLst>
+            </a:prstGeom>
+            <a:solidFill>
+              <a:srgbClr val="1F8A4C"/>
+            </a:solidFill>
+            <a:ln>
+              <a:noFill/>
+            </a:ln>
+          </p:spPr>
+          <p:style>
+            <a:lnRef idx="2">
+              <a:schemeClr val="accent1">
+                <a:shade val="50000"/>
+              </a:schemeClr>
+            </a:lnRef>
+            <a:fillRef idx="1">
+              <a:schemeClr val="accent1"/>
+            </a:fillRef>
+            <a:effectRef idx="0">
+              <a:schemeClr val="accent1"/>
+            </a:effectRef>
+            <a:fontRef idx="minor">
+              <a:schemeClr val="lt1"/>
+            </a:fontRef>
+          </p:style>
+          <p:txBody>
+            <a:bodyPr tIns="0" rtlCol="0" anchor="ctr" anchorCtr="0"/>
+            <a:lstStyle/>
+            <a:p>
+              <a:pPr algn="ctr"/>
+              <a:r>
+                <a:rPr lang="fr-FR" sz="1000" b="1" dirty="0" smtClean="0">
+                  <a:latin typeface="Cambria" panose="02040503050406030204" pitchFamily="18" charset="0"/>
+                  <a:ea typeface="Arial Rounded MT Bold" charset="0"/>
+                  <a:cs typeface="Arial Rounded MT Bold" charset="0"/>
+                </a:rPr>
+                <a:t>STB</a:t>
+              </a:r>
+              <a:endParaRPr lang="fr-FR" sz="1000" b="1" dirty="0">
+                <a:latin typeface="Cambria" panose="02040503050406030204" pitchFamily="18" charset="0"/>
+                <a:ea typeface="Arial Rounded MT Bold" charset="0"/>
+                <a:cs typeface="Arial Rounded MT Bold" charset="0"/>
+              </a:endParaRPr>
+            </a:p>
+          </p:txBody>
+        </p:sp>
+        <p:cxnSp>
+          <p:nvCxnSpPr>
+            <p:cNvPr id="117" name="Connecteur droit 116"/>
+            <p:cNvCxnSpPr>
+              <a:stCxn id="116" idx="0"/>
+            </p:cNvCxnSpPr>
+            <p:nvPr/>
+          </p:nvCxnSpPr>
+          <p:spPr>
+            <a:xfrm flipV="1">
+              <a:off x="4921723" y="2507486"/>
+              <a:ext cx="0" cy="218298"/>
+            </a:xfrm>
+            <a:prstGeom prst="line">
+              <a:avLst/>
+            </a:prstGeom>
+            <a:ln w="12700">
+              <a:solidFill>
+                <a:schemeClr val="tx1"/>
+              </a:solidFill>
+              <a:headEnd type="none" w="med" len="med"/>
+              <a:tailEnd type="none" w="med" len="med"/>
+            </a:ln>
+          </p:spPr>
+          <p:style>
+            <a:lnRef idx="1">
+              <a:schemeClr val="accent1"/>
+            </a:lnRef>
+            <a:fillRef idx="0">
+              <a:schemeClr val="accent1"/>
+            </a:fillRef>
+            <a:effectRef idx="0">
+              <a:schemeClr val="accent1"/>
+            </a:effectRef>
+            <a:fontRef idx="minor">
+              <a:schemeClr val="tx1"/>
+            </a:fontRef>
+          </p:style>
+        </p:cxnSp>
+        <p:cxnSp>
+          <p:nvCxnSpPr>
+            <p:cNvPr id="120" name="Connecteur droit 119"/>
+            <p:cNvCxnSpPr>
+              <a:stCxn id="69" idx="1"/>
+            </p:cNvCxnSpPr>
+            <p:nvPr/>
+          </p:nvCxnSpPr>
+          <p:spPr>
+            <a:xfrm flipH="1" flipV="1">
+              <a:off x="3517900" y="1727595"/>
+              <a:ext cx="574049" cy="78719"/>
+            </a:xfrm>
+            <a:prstGeom prst="line">
+              <a:avLst/>
+            </a:prstGeom>
+            <a:ln w="22225">
+              <a:solidFill>
+                <a:schemeClr val="tx1"/>
+              </a:solidFill>
+              <a:headEnd type="triangle" w="med" len="med"/>
+              <a:tailEnd type="none" w="med" len="med"/>
+            </a:ln>
+          </p:spPr>
+          <p:style>
+            <a:lnRef idx="1">
+              <a:schemeClr val="accent1"/>
+            </a:lnRef>
+            <a:fillRef idx="0">
+              <a:schemeClr val="accent1"/>
+            </a:fillRef>
+            <a:effectRef idx="0">
+              <a:schemeClr val="accent1"/>
+            </a:effectRef>
+            <a:fontRef idx="minor">
+              <a:schemeClr val="tx1"/>
+            </a:fontRef>
+          </p:style>
+        </p:cxnSp>
+        <p:cxnSp>
+          <p:nvCxnSpPr>
+            <p:cNvPr id="126" name="Connecteur droit 125"/>
+            <p:cNvCxnSpPr/>
+            <p:nvPr/>
+          </p:nvCxnSpPr>
+          <p:spPr>
+            <a:xfrm flipH="1" flipV="1">
+              <a:off x="3517900" y="1727595"/>
+              <a:ext cx="155575" cy="157438"/>
+            </a:xfrm>
+            <a:prstGeom prst="line">
+              <a:avLst/>
+            </a:prstGeom>
+            <a:ln w="22225">
+              <a:solidFill>
+                <a:schemeClr val="tx1"/>
+              </a:solidFill>
+              <a:headEnd type="none" w="med" len="med"/>
+              <a:tailEnd type="none" w="med" len="med"/>
+            </a:ln>
+          </p:spPr>
+          <p:style>
+            <a:lnRef idx="1">
+              <a:schemeClr val="accent1"/>
+            </a:lnRef>
+            <a:fillRef idx="0">
+              <a:schemeClr val="accent1"/>
+            </a:fillRef>
+            <a:effectRef idx="0">
+              <a:schemeClr val="accent1"/>
+            </a:effectRef>
+            <a:fontRef idx="minor">
+              <a:schemeClr val="tx1"/>
+            </a:fontRef>
+          </p:style>
+        </p:cxnSp>
+        <p:sp>
+          <p:nvSpPr>
+            <p:cNvPr id="129" name="ZoneTexte 128"/>
+            <p:cNvSpPr txBox="1"/>
+            <p:nvPr/>
+          </p:nvSpPr>
+          <p:spPr>
+            <a:xfrm>
+              <a:off x="3071587" y="1155097"/>
+              <a:ext cx="1178426" cy="415498"/>
+            </a:xfrm>
+            <a:prstGeom prst="rect">
+              <a:avLst/>
+            </a:prstGeom>
+            <a:noFill/>
+          </p:spPr>
+          <p:txBody>
+            <a:bodyPr wrap="square" lIns="0" tIns="0" rIns="36000" bIns="0" rtlCol="0">
+              <a:spAutoFit/>
+            </a:bodyPr>
+            <a:lstStyle/>
+            <a:p>
+              <a:pPr algn="ctr"/>
+              <a:r>
+                <a:rPr lang="fr-FR" sz="900" i="1" dirty="0" smtClean="0">
+                  <a:latin typeface="Cambria" panose="02040503050406030204" pitchFamily="18" charset="0"/>
+                  <a:ea typeface="Arial Rounded MT Bold" charset="0"/>
+                  <a:cs typeface="Arial Rounded MT Bold" charset="0"/>
+                </a:rPr>
+                <a:t>MPE encapsulation, </a:t>
+              </a:r>
+              <a:r>
+                <a:rPr lang="fr-FR" sz="900" i="1" dirty="0" err="1" smtClean="0">
+                  <a:latin typeface="Cambria" panose="02040503050406030204" pitchFamily="18" charset="0"/>
+                  <a:ea typeface="Arial Rounded MT Bold" charset="0"/>
+                  <a:cs typeface="Arial Rounded MT Bold" charset="0"/>
+                </a:rPr>
+                <a:t>forged</a:t>
+              </a:r>
+              <a:r>
+                <a:rPr lang="fr-FR" sz="900" i="1" dirty="0" smtClean="0">
+                  <a:latin typeface="Cambria" panose="02040503050406030204" pitchFamily="18" charset="0"/>
+                  <a:ea typeface="Arial Rounded MT Bold" charset="0"/>
+                  <a:cs typeface="Arial Rounded MT Bold" charset="0"/>
+                </a:rPr>
+                <a:t> destination: 230.2.3.4 : 7000</a:t>
+              </a:r>
+              <a:endParaRPr lang="fr-FR" sz="900" i="1" dirty="0">
+                <a:latin typeface="Cambria" panose="02040503050406030204" pitchFamily="18" charset="0"/>
+                <a:ea typeface="Arial Rounded MT Bold" charset="0"/>
+                <a:cs typeface="Arial Rounded MT Bold" charset="0"/>
+              </a:endParaRPr>
+            </a:p>
+          </p:txBody>
+        </p:sp>
+        <p:cxnSp>
+          <p:nvCxnSpPr>
+            <p:cNvPr id="40" name="Connecteur droit 39"/>
+            <p:cNvCxnSpPr>
+              <a:stCxn id="41" idx="3"/>
+              <a:endCxn id="79" idx="2"/>
+            </p:cNvCxnSpPr>
+            <p:nvPr/>
+          </p:nvCxnSpPr>
+          <p:spPr>
+            <a:xfrm flipV="1">
+              <a:off x="1703233" y="1806314"/>
+              <a:ext cx="170109" cy="7861"/>
+            </a:xfrm>
+            <a:prstGeom prst="line">
+              <a:avLst/>
+            </a:prstGeom>
+            <a:ln w="12700">
+              <a:solidFill>
+                <a:schemeClr val="tx1"/>
+              </a:solidFill>
+            </a:ln>
+          </p:spPr>
+          <p:style>
+            <a:lnRef idx="1">
+              <a:schemeClr val="accent1"/>
+            </a:lnRef>
+            <a:fillRef idx="0">
+              <a:schemeClr val="accent1"/>
+            </a:fillRef>
+            <a:effectRef idx="0">
+              <a:schemeClr val="accent1"/>
+            </a:effectRef>
+            <a:fontRef idx="minor">
+              <a:schemeClr val="tx1"/>
+            </a:fontRef>
+          </p:style>
+        </p:cxnSp>
+        <p:sp>
+          <p:nvSpPr>
+            <p:cNvPr id="41" name="Rectangle à coins arrondis 40"/>
+            <p:cNvSpPr/>
+            <p:nvPr/>
+          </p:nvSpPr>
+          <p:spPr>
+            <a:xfrm>
+              <a:off x="1118089" y="1625509"/>
+              <a:ext cx="585144" cy="377331"/>
+            </a:xfrm>
+            <a:prstGeom prst="roundRect">
+              <a:avLst/>
+            </a:prstGeom>
+            <a:solidFill>
+              <a:schemeClr val="accent6">
+                <a:lumMod val="40000"/>
+                <a:lumOff val="60000"/>
+              </a:schemeClr>
+            </a:solidFill>
+            <a:ln>
+              <a:solidFill>
+                <a:schemeClr val="bg1"/>
+              </a:solidFill>
+            </a:ln>
+          </p:spPr>
+          <p:style>
+            <a:lnRef idx="2">
+              <a:schemeClr val="accent1">
+                <a:shade val="50000"/>
+              </a:schemeClr>
+            </a:lnRef>
+            <a:fillRef idx="1">
+              <a:schemeClr val="accent1"/>
+            </a:fillRef>
+            <a:effectRef idx="0">
+              <a:schemeClr val="accent1"/>
+            </a:effectRef>
+            <a:fontRef idx="minor">
+              <a:schemeClr val="lt1"/>
+            </a:fontRef>
+          </p:style>
+          <p:txBody>
+            <a:bodyPr lIns="36000" rIns="36000" rtlCol="0" anchor="ctr"/>
+            <a:lstStyle/>
+            <a:p>
+              <a:pPr algn="ctr"/>
+              <a:r>
+                <a:rPr lang="fr-FR" sz="900" dirty="0" smtClean="0">
+                  <a:solidFill>
+                    <a:schemeClr val="tx1"/>
+                  </a:solidFill>
+                  <a:latin typeface="Cambria" panose="02040503050406030204" pitchFamily="18" charset="0"/>
+                  <a:ea typeface="Arial Rounded MT Bold" charset="0"/>
+                  <a:cs typeface="Arial Rounded MT Bold" charset="0"/>
+                </a:rPr>
+                <a:t>DVB</a:t>
+              </a:r>
+            </a:p>
+            <a:p>
+              <a:pPr algn="ctr"/>
+              <a:r>
+                <a:rPr lang="fr-FR" sz="900" dirty="0" smtClean="0">
+                  <a:solidFill>
+                    <a:schemeClr val="tx1"/>
+                  </a:solidFill>
+                  <a:latin typeface="Cambria" panose="02040503050406030204" pitchFamily="18" charset="0"/>
+                  <a:ea typeface="Arial Rounded MT Bold" charset="0"/>
+                  <a:cs typeface="Arial Rounded MT Bold" charset="0"/>
+                </a:rPr>
+                <a:t>tuner</a:t>
+              </a:r>
+              <a:endParaRPr lang="fr-FR" sz="900" dirty="0">
+                <a:solidFill>
+                  <a:schemeClr val="tx1"/>
+                </a:solidFill>
+                <a:latin typeface="Cambria" panose="02040503050406030204" pitchFamily="18" charset="0"/>
+                <a:ea typeface="Arial Rounded MT Bold" charset="0"/>
+                <a:cs typeface="Arial Rounded MT Bold" charset="0"/>
+              </a:endParaRPr>
+            </a:p>
+          </p:txBody>
+        </p:sp>
+        <p:cxnSp>
+          <p:nvCxnSpPr>
+            <p:cNvPr id="6" name="Connecteur en angle 5"/>
+            <p:cNvCxnSpPr>
+              <a:endCxn id="79" idx="4"/>
+            </p:cNvCxnSpPr>
+            <p:nvPr/>
+          </p:nvCxnSpPr>
+          <p:spPr>
+            <a:xfrm rot="5400000" flipH="1" flipV="1">
+              <a:off x="1621227" y="2200316"/>
+              <a:ext cx="762797" cy="289671"/>
+            </a:xfrm>
+            <a:prstGeom prst="curvedConnector3">
+              <a:avLst>
+                <a:gd name="adj1" fmla="val 21696"/>
+              </a:avLst>
+            </a:prstGeom>
+            <a:ln w="12700">
+              <a:solidFill>
+                <a:schemeClr val="tx1"/>
+              </a:solidFill>
+              <a:prstDash val="sysDot"/>
+              <a:headEnd type="none" w="med" len="med"/>
+              <a:tailEnd type="triangle" w="med" len="med"/>
+            </a:ln>
+          </p:spPr>
+          <p:style>
+            <a:lnRef idx="1">
+              <a:schemeClr val="accent1"/>
+            </a:lnRef>
+            <a:fillRef idx="0">
+              <a:schemeClr val="accent1"/>
+            </a:fillRef>
+            <a:effectRef idx="0">
+              <a:schemeClr val="accent1"/>
+            </a:effectRef>
+            <a:fontRef idx="minor">
+              <a:schemeClr val="tx1"/>
+            </a:fontRef>
+          </p:style>
+        </p:cxnSp>
+        <p:cxnSp>
+          <p:nvCxnSpPr>
+            <p:cNvPr id="54" name="Connecteur droit 53"/>
+            <p:cNvCxnSpPr/>
+            <p:nvPr/>
+          </p:nvCxnSpPr>
+          <p:spPr>
+            <a:xfrm flipH="1" flipV="1">
+              <a:off x="651436" y="1806313"/>
+              <a:ext cx="482656" cy="7862"/>
+            </a:xfrm>
+            <a:prstGeom prst="line">
+              <a:avLst/>
+            </a:prstGeom>
+            <a:ln w="31750">
+              <a:solidFill>
+                <a:schemeClr val="tx1"/>
+              </a:solidFill>
+              <a:headEnd type="triangle" w="med" len="med"/>
+              <a:tailEnd type="none" w="med" len="med"/>
+            </a:ln>
+          </p:spPr>
+          <p:style>
+            <a:lnRef idx="1">
+              <a:schemeClr val="accent1"/>
+            </a:lnRef>
+            <a:fillRef idx="0">
+              <a:schemeClr val="accent1"/>
+            </a:fillRef>
+            <a:effectRef idx="0">
+              <a:schemeClr val="accent1"/>
+            </a:effectRef>
+            <a:fontRef idx="minor">
+              <a:schemeClr val="tx1"/>
+            </a:fontRef>
+          </p:style>
+        </p:cxnSp>
+        <p:pic>
+          <p:nvPicPr>
+            <p:cNvPr id="1027" name="Picture 3"/>
+            <p:cNvPicPr>
+              <a:picLocks noChangeAspect="1" noChangeArrowheads="1"/>
+            </p:cNvPicPr>
+            <p:nvPr/>
+          </p:nvPicPr>
+          <p:blipFill>
+            <a:blip r:embed="rId3">
+              <a:extLst>
+                <a:ext uri="{28A0092B-C50C-407E-A947-70E740481C1C}">
+                  <a14:useLocalDpi xmlns:a14="http://schemas.microsoft.com/office/drawing/2010/main" val="0"/>
+                </a:ext>
+              </a:extLst>
+            </a:blip>
+            <a:srcRect/>
+            <a:stretch>
+              <a:fillRect/>
+            </a:stretch>
+          </p:blipFill>
+          <p:spPr bwMode="auto">
+            <a:xfrm flipH="1">
+              <a:off x="540973" y="1360776"/>
+              <a:ext cx="461335" cy="461335"/>
+            </a:xfrm>
+            <a:prstGeom prst="rect">
+              <a:avLst/>
+            </a:prstGeom>
+            <a:noFill/>
+            <a:ln>
+              <a:noFill/>
+            </a:ln>
+            <a:effectLst/>
+            <a:extLst>
+              <a:ext uri="{909E8E84-426E-40DD-AFC4-6F175D3DCCD1}">
+                <a14:hiddenFill xmlns:a14="http://schemas.microsoft.com/office/drawing/2010/main">
+                  <a:solidFill>
+                    <a:schemeClr val="accent1"/>
+                  </a:solidFill>
+                </a14:hiddenFill>
+              </a:ext>
+              <a:ext uri="{91240B29-F687-4F45-9708-019B960494DF}">
+                <a14:hiddenLine xmlns:a14="http://schemas.microsoft.com/office/drawing/2010/main" w="9525">
+                  <a:solidFill>
+                    <a:schemeClr val="tx1"/>
+                  </a:solidFill>
+                  <a:miter lim="800000"/>
+                  <a:headEnd/>
+                  <a:tailEnd/>
+                </a14:hiddenLine>
+              </a:ext>
+              <a:ext uri="{AF507438-7753-43E0-B8FC-AC1667EBCBE1}">
+                <a14:hiddenEffects xmlns:a14="http://schemas.microsoft.com/office/drawing/2010/main">
+                  <a:effectLst>
+                    <a:outerShdw dist="35921" dir="2700000" algn="ctr" rotWithShape="0">
+                      <a:schemeClr val="bg2"/>
+                    </a:outerShdw>
+                  </a:effectLst>
+                </a14:hiddenEffects>
+              </a:ext>
+            </a:extLst>
+          </p:spPr>
+        </p:pic>
+        <p:cxnSp>
+          <p:nvCxnSpPr>
+            <p:cNvPr id="16" name="Connecteur droit 15"/>
+            <p:cNvCxnSpPr/>
+            <p:nvPr/>
+          </p:nvCxnSpPr>
+          <p:spPr>
+            <a:xfrm flipH="1">
+              <a:off x="5121320" y="1976090"/>
+              <a:ext cx="1" cy="156786"/>
+            </a:xfrm>
+            <a:prstGeom prst="line">
+              <a:avLst/>
+            </a:prstGeom>
+            <a:ln w="12700">
+              <a:solidFill>
+                <a:schemeClr val="tx1"/>
+              </a:solidFill>
+              <a:prstDash val="sysDot"/>
+              <a:headEnd type="none" w="med" len="med"/>
+              <a:tailEnd type="none" w="med" len="med"/>
+            </a:ln>
+          </p:spPr>
+          <p:style>
+            <a:lnRef idx="1">
+              <a:schemeClr val="accent1"/>
+            </a:lnRef>
+            <a:fillRef idx="0">
+              <a:schemeClr val="accent1"/>
+            </a:fillRef>
+            <a:effectRef idx="0">
+              <a:schemeClr val="accent1"/>
+            </a:effectRef>
+            <a:fontRef idx="minor">
+              <a:schemeClr val="tx1"/>
+            </a:fontRef>
+          </p:style>
+        </p:cxnSp>
+        <p:sp>
+          <p:nvSpPr>
+            <p:cNvPr id="68" name="Ellipse 67"/>
+            <p:cNvSpPr/>
+            <p:nvPr/>
+          </p:nvSpPr>
+          <p:spPr>
+            <a:xfrm>
+              <a:off x="4847202" y="1648875"/>
+              <a:ext cx="548237" cy="314876"/>
+            </a:xfrm>
+            <a:prstGeom prst="ellipse">
+              <a:avLst/>
+            </a:prstGeom>
+            <a:solidFill>
+              <a:schemeClr val="accent6">
+                <a:lumMod val="40000"/>
+                <a:lumOff val="60000"/>
+              </a:schemeClr>
+            </a:solidFill>
+            <a:ln>
+              <a:solidFill>
+                <a:schemeClr val="bg1"/>
+              </a:solidFill>
+            </a:ln>
+          </p:spPr>
+          <p:style>
+            <a:lnRef idx="2">
+              <a:schemeClr val="accent1">
+                <a:shade val="50000"/>
+              </a:schemeClr>
+            </a:lnRef>
+            <a:fillRef idx="1">
+              <a:schemeClr val="accent1"/>
+            </a:fillRef>
+            <a:effectRef idx="0">
+              <a:schemeClr val="accent1"/>
+            </a:effectRef>
+            <a:fontRef idx="minor">
+              <a:schemeClr val="lt1"/>
+            </a:fontRef>
+          </p:style>
+          <p:txBody>
+            <a:bodyPr rot="0" spcFirstLastPara="0" vertOverflow="overflow" horzOverflow="overflow" vert="horz" wrap="square" lIns="36000" tIns="45720" rIns="36000" bIns="45720" numCol="1" spcCol="0" rtlCol="0" fromWordArt="0" anchor="ctr" anchorCtr="0" forceAA="0" compatLnSpc="1">
+              <a:prstTxWarp prst="textNoShape">
+                <a:avLst/>
+              </a:prstTxWarp>
+              <a:noAutofit/>
+            </a:bodyPr>
+            <a:lstStyle/>
+            <a:p>
+              <a:pPr algn="ctr"/>
+              <a:r>
+                <a:rPr lang="fr-FR" sz="900" i="1" smtClean="0">
+                  <a:solidFill>
+                    <a:schemeClr val="tx1"/>
+                  </a:solidFill>
+                  <a:latin typeface="Cambria" panose="02040503050406030204" pitchFamily="18" charset="0"/>
+                  <a:ea typeface="Arial Rounded MT Bold" charset="0"/>
+                  <a:cs typeface="Arial Rounded MT Bold" charset="0"/>
+                </a:rPr>
+                <a:t>tsp</a:t>
+              </a:r>
+              <a:endParaRPr lang="fr-FR" sz="900" i="1" dirty="0">
+                <a:solidFill>
+                  <a:schemeClr val="tx1"/>
+                </a:solidFill>
+                <a:latin typeface="Cambria" panose="02040503050406030204" pitchFamily="18" charset="0"/>
+                <a:ea typeface="Arial Rounded MT Bold" charset="0"/>
+                <a:cs typeface="Arial Rounded MT Bold" charset="0"/>
+              </a:endParaRPr>
+            </a:p>
+          </p:txBody>
+        </p:sp>
+        <p:sp>
+          <p:nvSpPr>
+            <p:cNvPr id="67" name="Arc 66"/>
+            <p:cNvSpPr/>
+            <p:nvPr/>
+          </p:nvSpPr>
+          <p:spPr>
+            <a:xfrm flipV="1">
+              <a:off x="4091949" y="2002642"/>
+              <a:ext cx="1027053" cy="388132"/>
+            </a:xfrm>
+            <a:prstGeom prst="arc">
+              <a:avLst>
+                <a:gd name="adj1" fmla="val 16144377"/>
+                <a:gd name="adj2" fmla="val 146338"/>
+              </a:avLst>
+            </a:prstGeom>
+            <a:ln w="12700">
+              <a:solidFill>
+                <a:schemeClr val="tx1"/>
+              </a:solidFill>
+              <a:prstDash val="sysDot"/>
+              <a:headEnd type="triangle" w="med" len="med"/>
+              <a:tailEnd type="none" w="med" len="med"/>
+            </a:ln>
+          </p:spPr>
+          <p:style>
+            <a:lnRef idx="1">
+              <a:schemeClr val="accent1"/>
+            </a:lnRef>
+            <a:fillRef idx="0">
+              <a:schemeClr val="accent1"/>
+            </a:fillRef>
+            <a:effectRef idx="0">
+              <a:schemeClr val="accent1"/>
+            </a:effectRef>
+            <a:fontRef idx="minor">
+              <a:schemeClr val="tx1"/>
+            </a:fontRef>
+          </p:style>
+          <p:txBody>
+            <a:bodyPr rtlCol="0" anchor="ctr"/>
+            <a:lstStyle/>
+            <a:p>
+              <a:pPr algn="ctr"/>
+              <a:endParaRPr lang="en-US"/>
+            </a:p>
+          </p:txBody>
+        </p:sp>
+        <p:sp>
+          <p:nvSpPr>
+            <p:cNvPr id="70" name="Arc 69"/>
+            <p:cNvSpPr/>
+            <p:nvPr/>
+          </p:nvSpPr>
+          <p:spPr>
+            <a:xfrm flipH="1" flipV="1">
+              <a:off x="5121155" y="2001603"/>
+              <a:ext cx="620732" cy="389169"/>
+            </a:xfrm>
+            <a:prstGeom prst="arc">
+              <a:avLst>
+                <a:gd name="adj1" fmla="val 16199986"/>
+                <a:gd name="adj2" fmla="val 146338"/>
+              </a:avLst>
+            </a:prstGeom>
+            <a:ln w="12700">
+              <a:solidFill>
+                <a:schemeClr val="tx1"/>
+              </a:solidFill>
+              <a:prstDash val="sysDot"/>
+              <a:headEnd type="triangle" w="med" len="med"/>
+              <a:tailEnd type="none" w="med" len="med"/>
+            </a:ln>
+          </p:spPr>
+          <p:style>
+            <a:lnRef idx="1">
+              <a:schemeClr val="accent1"/>
+            </a:lnRef>
+            <a:fillRef idx="0">
+              <a:schemeClr val="accent1"/>
+            </a:fillRef>
+            <a:effectRef idx="0">
+              <a:schemeClr val="accent1"/>
+            </a:effectRef>
+            <a:fontRef idx="minor">
+              <a:schemeClr val="tx1"/>
+            </a:fontRef>
+          </p:style>
+          <p:txBody>
+            <a:bodyPr rtlCol="0" anchor="ctr"/>
+            <a:lstStyle/>
+            <a:p>
+              <a:pPr algn="ctr"/>
+              <a:endParaRPr lang="en-US"/>
+            </a:p>
+          </p:txBody>
+        </p:sp>
+      </p:grpSp>
+    </p:spTree>
+    <p:extLst>
+      <p:ext uri="{BB962C8B-B14F-4D97-AF65-F5344CB8AC3E}">
+        <p14:creationId xmlns:p14="http://schemas.microsoft.com/office/powerpoint/2010/main" val="582378489"/>
+      </p:ext>
+    </p:extLst>
+  </p:cSld>
+  <p:clrMapOvr>
+    <a:masterClrMapping/>
+  </p:clrMapOvr>
+  <p:timing>
+    <p:tnLst>
+      <p:par>
+        <p:cTn id="1" dur="indefinite" restart="never" nodeType="tmRoot"/>
+      </p:par>
+    </p:tnLst>
+  </p:timing>
+</p:sld>
+</file>
+
 <file path=ppt/theme/theme1.xml><?xml version="1.0" encoding="utf-8"?>
 <a:theme xmlns:a="http://schemas.openxmlformats.org/drawingml/2006/main" name="Thème Office">
   <a:themeElements>

--- a/doc/tsduck-diagrams.pptx
+++ b/doc/tsduck-diagrams.pptx
@@ -239,7 +239,7 @@
           <a:p>
             <a:fld id="{58A7CDC3-5B40-B341-B3D1-EE720DBB9E8A}" type="datetimeFigureOut">
               <a:rPr lang="fr-FR" smtClean="0"/>
-              <a:t>13/03/2018</a:t>
+              <a:t>01/06/2018</a:t>
             </a:fld>
             <a:endParaRPr lang="fr-FR"/>
           </a:p>
@@ -404,7 +404,7 @@
           <a:p>
             <a:fld id="{58A7CDC3-5B40-B341-B3D1-EE720DBB9E8A}" type="datetimeFigureOut">
               <a:rPr lang="fr-FR" smtClean="0"/>
-              <a:t>13/03/2018</a:t>
+              <a:t>01/06/2018</a:t>
             </a:fld>
             <a:endParaRPr lang="fr-FR"/>
           </a:p>
@@ -579,7 +579,7 @@
           <a:p>
             <a:fld id="{58A7CDC3-5B40-B341-B3D1-EE720DBB9E8A}" type="datetimeFigureOut">
               <a:rPr lang="fr-FR" smtClean="0"/>
-              <a:t>13/03/2018</a:t>
+              <a:t>01/06/2018</a:t>
             </a:fld>
             <a:endParaRPr lang="fr-FR"/>
           </a:p>
@@ -744,7 +744,7 @@
           <a:p>
             <a:fld id="{58A7CDC3-5B40-B341-B3D1-EE720DBB9E8A}" type="datetimeFigureOut">
               <a:rPr lang="fr-FR" smtClean="0"/>
-              <a:t>13/03/2018</a:t>
+              <a:t>01/06/2018</a:t>
             </a:fld>
             <a:endParaRPr lang="fr-FR"/>
           </a:p>
@@ -983,7 +983,7 @@
           <a:p>
             <a:fld id="{58A7CDC3-5B40-B341-B3D1-EE720DBB9E8A}" type="datetimeFigureOut">
               <a:rPr lang="fr-FR" smtClean="0"/>
-              <a:t>13/03/2018</a:t>
+              <a:t>01/06/2018</a:t>
             </a:fld>
             <a:endParaRPr lang="fr-FR"/>
           </a:p>
@@ -1210,7 +1210,7 @@
           <a:p>
             <a:fld id="{58A7CDC3-5B40-B341-B3D1-EE720DBB9E8A}" type="datetimeFigureOut">
               <a:rPr lang="fr-FR" smtClean="0"/>
-              <a:t>13/03/2018</a:t>
+              <a:t>01/06/2018</a:t>
             </a:fld>
             <a:endParaRPr lang="fr-FR"/>
           </a:p>
@@ -1572,7 +1572,7 @@
           <a:p>
             <a:fld id="{58A7CDC3-5B40-B341-B3D1-EE720DBB9E8A}" type="datetimeFigureOut">
               <a:rPr lang="fr-FR" smtClean="0"/>
-              <a:t>13/03/2018</a:t>
+              <a:t>01/06/2018</a:t>
             </a:fld>
             <a:endParaRPr lang="fr-FR"/>
           </a:p>
@@ -1685,7 +1685,7 @@
           <a:p>
             <a:fld id="{58A7CDC3-5B40-B341-B3D1-EE720DBB9E8A}" type="datetimeFigureOut">
               <a:rPr lang="fr-FR" smtClean="0"/>
-              <a:t>13/03/2018</a:t>
+              <a:t>01/06/2018</a:t>
             </a:fld>
             <a:endParaRPr lang="fr-FR"/>
           </a:p>
@@ -1775,7 +1775,7 @@
           <a:p>
             <a:fld id="{58A7CDC3-5B40-B341-B3D1-EE720DBB9E8A}" type="datetimeFigureOut">
               <a:rPr lang="fr-FR" smtClean="0"/>
-              <a:t>13/03/2018</a:t>
+              <a:t>01/06/2018</a:t>
             </a:fld>
             <a:endParaRPr lang="fr-FR"/>
           </a:p>
@@ -2047,7 +2047,7 @@
           <a:p>
             <a:fld id="{58A7CDC3-5B40-B341-B3D1-EE720DBB9E8A}" type="datetimeFigureOut">
               <a:rPr lang="fr-FR" smtClean="0"/>
-              <a:t>13/03/2018</a:t>
+              <a:t>01/06/2018</a:t>
             </a:fld>
             <a:endParaRPr lang="fr-FR"/>
           </a:p>
@@ -2299,7 +2299,7 @@
           <a:p>
             <a:fld id="{58A7CDC3-5B40-B341-B3D1-EE720DBB9E8A}" type="datetimeFigureOut">
               <a:rPr lang="fr-FR" smtClean="0"/>
-              <a:t>13/03/2018</a:t>
+              <a:t>01/06/2018</a:t>
             </a:fld>
             <a:endParaRPr lang="fr-FR"/>
           </a:p>
@@ -2507,7 +2507,7 @@
           <a:p>
             <a:fld id="{58A7CDC3-5B40-B341-B3D1-EE720DBB9E8A}" type="datetimeFigureOut">
               <a:rPr lang="fr-FR" smtClean="0"/>
-              <a:t>13/03/2018</a:t>
+              <a:t>01/06/2018</a:t>
             </a:fld>
             <a:endParaRPr lang="fr-FR"/>
           </a:p>
@@ -7282,15 +7282,7 @@
                   <a:ea typeface="Arial Rounded MT Bold" charset="0"/>
                   <a:cs typeface="Arial Rounded MT Bold" charset="0"/>
                 </a:rPr>
-                <a:t> : </a:t>
-              </a:r>
-              <a:r>
-                <a:rPr lang="fr-FR" sz="900" i="1" dirty="0" smtClean="0">
-                  <a:latin typeface="Cambria" panose="02040503050406030204" pitchFamily="18" charset="0"/>
-                  <a:ea typeface="Arial Rounded MT Bold" charset="0"/>
-                  <a:cs typeface="Arial Rounded MT Bold" charset="0"/>
-                </a:rPr>
-                <a:t>7000</a:t>
+                <a:t> : 7000</a:t>
               </a:r>
               <a:endParaRPr lang="fr-FR" sz="900" i="1" dirty="0">
                 <a:latin typeface="Cambria" panose="02040503050406030204" pitchFamily="18" charset="0"/>
@@ -8001,6 +7993,6569 @@
             <a:p>
               <a:pPr algn="ctr"/>
               <a:endParaRPr lang="en-US"/>
+            </a:p>
+          </p:txBody>
+        </p:sp>
+      </p:grpSp>
+      <p:sp>
+        <p:nvSpPr>
+          <p:cNvPr id="50" name="Rectangle à coins arrondis 49"/>
+          <p:cNvSpPr/>
+          <p:nvPr/>
+        </p:nvSpPr>
+        <p:spPr>
+          <a:xfrm>
+            <a:off x="1302514" y="4543187"/>
+            <a:ext cx="4959067" cy="580223"/>
+          </a:xfrm>
+          <a:prstGeom prst="roundRect">
+            <a:avLst>
+              <a:gd name="adj" fmla="val 3969"/>
+            </a:avLst>
+          </a:prstGeom>
+          <a:solidFill>
+            <a:schemeClr val="accent6">
+              <a:lumMod val="40000"/>
+              <a:lumOff val="60000"/>
+            </a:schemeClr>
+          </a:solidFill>
+          <a:ln>
+            <a:noFill/>
+          </a:ln>
+        </p:spPr>
+        <p:style>
+          <a:lnRef idx="2">
+            <a:schemeClr val="accent1">
+              <a:shade val="50000"/>
+            </a:schemeClr>
+          </a:lnRef>
+          <a:fillRef idx="1">
+            <a:schemeClr val="accent1"/>
+          </a:fillRef>
+          <a:effectRef idx="0">
+            <a:schemeClr val="accent1"/>
+          </a:effectRef>
+          <a:fontRef idx="minor">
+            <a:schemeClr val="lt1"/>
+          </a:fontRef>
+        </p:style>
+        <p:txBody>
+          <a:bodyPr tIns="0" rtlCol="0" anchor="t" anchorCtr="0"/>
+          <a:lstStyle/>
+          <a:p>
+            <a:pPr algn="ctr"/>
+            <a:r>
+              <a:rPr lang="fr-FR" sz="1200" b="1" dirty="0" err="1" smtClean="0">
+                <a:solidFill>
+                  <a:schemeClr val="tx1"/>
+                </a:solidFill>
+                <a:latin typeface="Cambria" panose="02040503050406030204" pitchFamily="18" charset="0"/>
+                <a:ea typeface="Arial Rounded MT Bold" charset="0"/>
+                <a:cs typeface="Arial Rounded MT Bold" charset="0"/>
+              </a:rPr>
+              <a:t>tsp</a:t>
+            </a:r>
+            <a:endParaRPr lang="fr-FR" sz="1200" b="1" dirty="0">
+              <a:solidFill>
+                <a:schemeClr val="tx1"/>
+              </a:solidFill>
+              <a:latin typeface="Cambria" panose="02040503050406030204" pitchFamily="18" charset="0"/>
+              <a:ea typeface="Arial Rounded MT Bold" charset="0"/>
+              <a:cs typeface="Arial Rounded MT Bold" charset="0"/>
+            </a:endParaRPr>
+          </a:p>
+        </p:txBody>
+      </p:sp>
+      <p:sp>
+        <p:nvSpPr>
+          <p:cNvPr id="57" name="Rectangle à coins arrondis 56"/>
+          <p:cNvSpPr/>
+          <p:nvPr/>
+        </p:nvSpPr>
+        <p:spPr>
+          <a:xfrm>
+            <a:off x="1451338" y="4746170"/>
+            <a:ext cx="439627" cy="283495"/>
+          </a:xfrm>
+          <a:prstGeom prst="roundRect">
+            <a:avLst/>
+          </a:prstGeom>
+          <a:solidFill>
+            <a:srgbClr val="1F8A4C"/>
+          </a:solidFill>
+          <a:ln>
+            <a:noFill/>
+          </a:ln>
+        </p:spPr>
+        <p:style>
+          <a:lnRef idx="2">
+            <a:schemeClr val="accent1">
+              <a:shade val="50000"/>
+            </a:schemeClr>
+          </a:lnRef>
+          <a:fillRef idx="1">
+            <a:schemeClr val="accent1"/>
+          </a:fillRef>
+          <a:effectRef idx="0">
+            <a:schemeClr val="accent1"/>
+          </a:effectRef>
+          <a:fontRef idx="minor">
+            <a:schemeClr val="lt1"/>
+          </a:fontRef>
+        </p:style>
+        <p:txBody>
+          <a:bodyPr lIns="36000" rIns="36000" rtlCol="0" anchor="ctr"/>
+          <a:lstStyle/>
+          <a:p>
+            <a:pPr algn="ctr"/>
+            <a:r>
+              <a:rPr lang="fr-FR" sz="900" i="1" dirty="0" smtClean="0">
+                <a:latin typeface="Cambria" panose="02040503050406030204" pitchFamily="18" charset="0"/>
+                <a:ea typeface="Arial Rounded MT Bold" charset="0"/>
+                <a:cs typeface="Arial Rounded MT Bold" charset="0"/>
+              </a:rPr>
+              <a:t>input</a:t>
+            </a:r>
+            <a:endParaRPr lang="fr-FR" sz="900" i="1" dirty="0">
+              <a:latin typeface="Cambria" panose="02040503050406030204" pitchFamily="18" charset="0"/>
+              <a:ea typeface="Arial Rounded MT Bold" charset="0"/>
+              <a:cs typeface="Arial Rounded MT Bold" charset="0"/>
+            </a:endParaRPr>
+          </a:p>
+        </p:txBody>
+      </p:sp>
+      <p:cxnSp>
+        <p:nvCxnSpPr>
+          <p:cNvPr id="59" name="Connecteur droit avec flèche 58"/>
+          <p:cNvCxnSpPr>
+            <a:endCxn id="57" idx="1"/>
+          </p:cNvCxnSpPr>
+          <p:nvPr/>
+        </p:nvCxnSpPr>
+        <p:spPr>
+          <a:xfrm>
+            <a:off x="822543" y="4887917"/>
+            <a:ext cx="628795" cy="1"/>
+          </a:xfrm>
+          <a:prstGeom prst="straightConnector1">
+            <a:avLst/>
+          </a:prstGeom>
+          <a:ln w="19050">
+            <a:solidFill>
+              <a:schemeClr val="tx1"/>
+            </a:solidFill>
+            <a:prstDash val="sysDash"/>
+            <a:tailEnd type="triangle"/>
+          </a:ln>
+        </p:spPr>
+        <p:style>
+          <a:lnRef idx="1">
+            <a:schemeClr val="accent1"/>
+          </a:lnRef>
+          <a:fillRef idx="0">
+            <a:schemeClr val="accent1"/>
+          </a:fillRef>
+          <a:effectRef idx="0">
+            <a:schemeClr val="accent1"/>
+          </a:effectRef>
+          <a:fontRef idx="minor">
+            <a:schemeClr val="tx1"/>
+          </a:fontRef>
+        </p:style>
+      </p:cxnSp>
+      <p:sp>
+        <p:nvSpPr>
+          <p:cNvPr id="62" name="ZoneTexte 61"/>
+          <p:cNvSpPr txBox="1"/>
+          <p:nvPr/>
+        </p:nvSpPr>
+        <p:spPr>
+          <a:xfrm>
+            <a:off x="763236" y="4714133"/>
+            <a:ext cx="575447" cy="138499"/>
+          </a:xfrm>
+          <a:prstGeom prst="rect">
+            <a:avLst/>
+          </a:prstGeom>
+          <a:noFill/>
+        </p:spPr>
+        <p:txBody>
+          <a:bodyPr wrap="square" lIns="0" tIns="0" rIns="0" bIns="0" rtlCol="0">
+            <a:spAutoFit/>
+          </a:bodyPr>
+          <a:lstStyle/>
+          <a:p>
+            <a:r>
+              <a:rPr lang="fr-FR" sz="900" dirty="0">
+                <a:latin typeface="Cambria" panose="02040503050406030204" pitchFamily="18" charset="0"/>
+                <a:ea typeface="Arial Rounded MT Bold" charset="0"/>
+                <a:cs typeface="Arial Rounded MT Bold" charset="0"/>
+              </a:rPr>
+              <a:t>i</a:t>
+            </a:r>
+            <a:r>
+              <a:rPr lang="fr-FR" sz="900" dirty="0" smtClean="0">
+                <a:latin typeface="Cambria" panose="02040503050406030204" pitchFamily="18" charset="0"/>
+                <a:ea typeface="Arial Rounded MT Bold" charset="0"/>
+                <a:cs typeface="Arial Rounded MT Bold" charset="0"/>
+              </a:rPr>
+              <a:t>nput </a:t>
+            </a:r>
+            <a:r>
+              <a:rPr lang="fr-FR" sz="900" dirty="0" smtClean="0">
+                <a:latin typeface="Cambria" panose="02040503050406030204" pitchFamily="18" charset="0"/>
+                <a:ea typeface="Arial Rounded MT Bold" charset="0"/>
+                <a:cs typeface="Arial Rounded MT Bold" charset="0"/>
+              </a:rPr>
+              <a:t>TS 2</a:t>
+            </a:r>
+            <a:endParaRPr lang="fr-FR" sz="900" dirty="0">
+              <a:latin typeface="Cambria" panose="02040503050406030204" pitchFamily="18" charset="0"/>
+              <a:ea typeface="Arial Rounded MT Bold" charset="0"/>
+              <a:cs typeface="Arial Rounded MT Bold" charset="0"/>
+            </a:endParaRPr>
+          </a:p>
+        </p:txBody>
+      </p:sp>
+      <p:sp>
+        <p:nvSpPr>
+          <p:cNvPr id="63" name="ZoneTexte 62"/>
+          <p:cNvSpPr txBox="1"/>
+          <p:nvPr/>
+        </p:nvSpPr>
+        <p:spPr>
+          <a:xfrm>
+            <a:off x="6297328" y="4705665"/>
+            <a:ext cx="647700" cy="138499"/>
+          </a:xfrm>
+          <a:prstGeom prst="rect">
+            <a:avLst/>
+          </a:prstGeom>
+          <a:noFill/>
+        </p:spPr>
+        <p:txBody>
+          <a:bodyPr wrap="square" lIns="0" tIns="0" rIns="0" bIns="0" rtlCol="0">
+            <a:spAutoFit/>
+          </a:bodyPr>
+          <a:lstStyle/>
+          <a:p>
+            <a:r>
+              <a:rPr lang="fr-FR" sz="900" dirty="0" smtClean="0">
+                <a:latin typeface="Cambria" panose="02040503050406030204" pitchFamily="18" charset="0"/>
+                <a:ea typeface="Arial Rounded MT Bold" charset="0"/>
+                <a:cs typeface="Arial Rounded MT Bold" charset="0"/>
+              </a:rPr>
+              <a:t>output </a:t>
+            </a:r>
+            <a:r>
+              <a:rPr lang="fr-FR" sz="900" dirty="0" smtClean="0">
+                <a:latin typeface="Cambria" panose="02040503050406030204" pitchFamily="18" charset="0"/>
+                <a:ea typeface="Arial Rounded MT Bold" charset="0"/>
+                <a:cs typeface="Arial Rounded MT Bold" charset="0"/>
+              </a:rPr>
+              <a:t>TS 2</a:t>
+            </a:r>
+            <a:endParaRPr lang="fr-FR" sz="900" dirty="0">
+              <a:latin typeface="Cambria" panose="02040503050406030204" pitchFamily="18" charset="0"/>
+              <a:ea typeface="Arial Rounded MT Bold" charset="0"/>
+              <a:cs typeface="Arial Rounded MT Bold" charset="0"/>
+            </a:endParaRPr>
+          </a:p>
+        </p:txBody>
+      </p:sp>
+      <p:pic>
+        <p:nvPicPr>
+          <p:cNvPr id="78" name="Picture 7" descr="D:\Devel\tsduck\images\tsduck-48.png"/>
+          <p:cNvPicPr>
+            <a:picLocks noChangeAspect="1" noChangeArrowheads="1"/>
+          </p:cNvPicPr>
+          <p:nvPr/>
+        </p:nvPicPr>
+        <p:blipFill>
+          <a:blip r:embed="rId2">
+            <a:extLst>
+              <a:ext uri="{28A0092B-C50C-407E-A947-70E740481C1C}">
+                <a14:useLocalDpi xmlns:a14="http://schemas.microsoft.com/office/drawing/2010/main" val="0"/>
+              </a:ext>
+            </a:extLst>
+          </a:blip>
+          <a:srcRect/>
+          <a:stretch>
+            <a:fillRect/>
+          </a:stretch>
+        </p:blipFill>
+        <p:spPr bwMode="auto">
+          <a:xfrm>
+            <a:off x="8140927" y="6015722"/>
+            <a:ext cx="146050" cy="146050"/>
+          </a:xfrm>
+          <a:prstGeom prst="rect">
+            <a:avLst/>
+          </a:prstGeom>
+          <a:noFill/>
+          <a:extLst>
+            <a:ext uri="{909E8E84-426E-40DD-AFC4-6F175D3DCCD1}">
+              <a14:hiddenFill xmlns:a14="http://schemas.microsoft.com/office/drawing/2010/main">
+                <a:solidFill>
+                  <a:srgbClr val="FFFFFF"/>
+                </a:solidFill>
+              </a14:hiddenFill>
+            </a:ext>
+          </a:extLst>
+        </p:spPr>
+      </p:pic>
+      <p:sp>
+        <p:nvSpPr>
+          <p:cNvPr id="81" name="ZoneTexte 80"/>
+          <p:cNvSpPr txBox="1"/>
+          <p:nvPr/>
+        </p:nvSpPr>
+        <p:spPr>
+          <a:xfrm>
+            <a:off x="8304176" y="6034886"/>
+            <a:ext cx="302156" cy="107722"/>
+          </a:xfrm>
+          <a:prstGeom prst="rect">
+            <a:avLst/>
+          </a:prstGeom>
+          <a:noFill/>
+        </p:spPr>
+        <p:txBody>
+          <a:bodyPr wrap="square" lIns="0" tIns="0" rIns="0" bIns="0" rtlCol="0">
+            <a:spAutoFit/>
+          </a:bodyPr>
+          <a:lstStyle/>
+          <a:p>
+            <a:r>
+              <a:rPr lang="fr-FR" sz="700" dirty="0" smtClean="0">
+                <a:latin typeface="Cambria" panose="02040503050406030204" pitchFamily="18" charset="0"/>
+                <a:ea typeface="Arial Rounded MT Bold" charset="0"/>
+                <a:cs typeface="Arial Rounded MT Bold" charset="0"/>
+              </a:rPr>
+              <a:t>TSDuck</a:t>
+            </a:r>
+            <a:endParaRPr lang="fr-FR" sz="700" dirty="0">
+              <a:latin typeface="Cambria" panose="02040503050406030204" pitchFamily="18" charset="0"/>
+              <a:ea typeface="Arial Rounded MT Bold" charset="0"/>
+              <a:cs typeface="Arial Rounded MT Bold" charset="0"/>
+            </a:endParaRPr>
+          </a:p>
+        </p:txBody>
+      </p:sp>
+      <p:sp>
+        <p:nvSpPr>
+          <p:cNvPr id="84" name="Rectangle à coins arrondis 83"/>
+          <p:cNvSpPr/>
+          <p:nvPr/>
+        </p:nvSpPr>
+        <p:spPr>
+          <a:xfrm>
+            <a:off x="2058489" y="4746170"/>
+            <a:ext cx="439627" cy="283495"/>
+          </a:xfrm>
+          <a:prstGeom prst="roundRect">
+            <a:avLst/>
+          </a:prstGeom>
+          <a:solidFill>
+            <a:srgbClr val="1F8A4C"/>
+          </a:solidFill>
+          <a:ln>
+            <a:noFill/>
+          </a:ln>
+        </p:spPr>
+        <p:style>
+          <a:lnRef idx="2">
+            <a:schemeClr val="accent1">
+              <a:shade val="50000"/>
+            </a:schemeClr>
+          </a:lnRef>
+          <a:fillRef idx="1">
+            <a:schemeClr val="accent1"/>
+          </a:fillRef>
+          <a:effectRef idx="0">
+            <a:schemeClr val="accent1"/>
+          </a:effectRef>
+          <a:fontRef idx="minor">
+            <a:schemeClr val="lt1"/>
+          </a:fontRef>
+        </p:style>
+        <p:txBody>
+          <a:bodyPr lIns="36000" rIns="36000" rtlCol="0" anchor="ctr"/>
+          <a:lstStyle/>
+          <a:p>
+            <a:pPr algn="ctr"/>
+            <a:r>
+              <a:rPr lang="fr-FR" sz="900" i="1" dirty="0" smtClean="0">
+                <a:latin typeface="Cambria" panose="02040503050406030204" pitchFamily="18" charset="0"/>
+                <a:ea typeface="Arial Rounded MT Bold" charset="0"/>
+                <a:cs typeface="Arial Rounded MT Bold" charset="0"/>
+              </a:rPr>
+              <a:t>plugin</a:t>
+            </a:r>
+            <a:endParaRPr lang="fr-FR" sz="900" i="1" dirty="0">
+              <a:latin typeface="Cambria" panose="02040503050406030204" pitchFamily="18" charset="0"/>
+              <a:ea typeface="Arial Rounded MT Bold" charset="0"/>
+              <a:cs typeface="Arial Rounded MT Bold" charset="0"/>
+            </a:endParaRPr>
+          </a:p>
+        </p:txBody>
+      </p:sp>
+      <p:sp>
+        <p:nvSpPr>
+          <p:cNvPr id="86" name="Rectangle à coins arrondis 85"/>
+          <p:cNvSpPr/>
+          <p:nvPr/>
+        </p:nvSpPr>
+        <p:spPr>
+          <a:xfrm>
+            <a:off x="2665640" y="4746170"/>
+            <a:ext cx="439627" cy="283495"/>
+          </a:xfrm>
+          <a:prstGeom prst="roundRect">
+            <a:avLst/>
+          </a:prstGeom>
+          <a:solidFill>
+            <a:srgbClr val="1F8A4C"/>
+          </a:solidFill>
+          <a:ln>
+            <a:noFill/>
+          </a:ln>
+        </p:spPr>
+        <p:style>
+          <a:lnRef idx="2">
+            <a:schemeClr val="accent1">
+              <a:shade val="50000"/>
+            </a:schemeClr>
+          </a:lnRef>
+          <a:fillRef idx="1">
+            <a:schemeClr val="accent1"/>
+          </a:fillRef>
+          <a:effectRef idx="0">
+            <a:schemeClr val="accent1"/>
+          </a:effectRef>
+          <a:fontRef idx="minor">
+            <a:schemeClr val="lt1"/>
+          </a:fontRef>
+        </p:style>
+        <p:txBody>
+          <a:bodyPr lIns="36000" rIns="36000" rtlCol="0" anchor="ctr"/>
+          <a:lstStyle/>
+          <a:p>
+            <a:pPr algn="ctr"/>
+            <a:r>
+              <a:rPr lang="fr-FR" sz="900" b="1" dirty="0" err="1" smtClean="0">
+                <a:latin typeface="Consolas" panose="020B0609020204030204" pitchFamily="49" charset="0"/>
+                <a:ea typeface="Arial Rounded MT Bold" charset="0"/>
+                <a:cs typeface="Consolas" panose="020B0609020204030204" pitchFamily="49" charset="0"/>
+              </a:rPr>
+              <a:t>merge</a:t>
+            </a:r>
+            <a:endParaRPr lang="fr-FR" sz="900" b="1" dirty="0">
+              <a:latin typeface="Consolas" panose="020B0609020204030204" pitchFamily="49" charset="0"/>
+              <a:ea typeface="Arial Rounded MT Bold" charset="0"/>
+              <a:cs typeface="Consolas" panose="020B0609020204030204" pitchFamily="49" charset="0"/>
+            </a:endParaRPr>
+          </a:p>
+        </p:txBody>
+      </p:sp>
+      <p:sp>
+        <p:nvSpPr>
+          <p:cNvPr id="88" name="Rectangle à coins arrondis 87"/>
+          <p:cNvSpPr/>
+          <p:nvPr/>
+        </p:nvSpPr>
+        <p:spPr>
+          <a:xfrm>
+            <a:off x="3272791" y="4746170"/>
+            <a:ext cx="439627" cy="283495"/>
+          </a:xfrm>
+          <a:prstGeom prst="roundRect">
+            <a:avLst/>
+          </a:prstGeom>
+          <a:solidFill>
+            <a:srgbClr val="1F8A4C"/>
+          </a:solidFill>
+          <a:ln>
+            <a:noFill/>
+          </a:ln>
+        </p:spPr>
+        <p:style>
+          <a:lnRef idx="2">
+            <a:schemeClr val="accent1">
+              <a:shade val="50000"/>
+            </a:schemeClr>
+          </a:lnRef>
+          <a:fillRef idx="1">
+            <a:schemeClr val="accent1"/>
+          </a:fillRef>
+          <a:effectRef idx="0">
+            <a:schemeClr val="accent1"/>
+          </a:effectRef>
+          <a:fontRef idx="minor">
+            <a:schemeClr val="lt1"/>
+          </a:fontRef>
+        </p:style>
+        <p:txBody>
+          <a:bodyPr lIns="36000" rIns="36000" rtlCol="0" anchor="ctr"/>
+          <a:lstStyle/>
+          <a:p>
+            <a:pPr algn="ctr"/>
+            <a:r>
+              <a:rPr lang="fr-FR" sz="900" b="1" dirty="0" err="1">
+                <a:latin typeface="Consolas" panose="020B0609020204030204" pitchFamily="49" charset="0"/>
+                <a:ea typeface="Arial Rounded MT Bold" charset="0"/>
+                <a:cs typeface="Consolas" panose="020B0609020204030204" pitchFamily="49" charset="0"/>
+              </a:rPr>
+              <a:t>merge</a:t>
+            </a:r>
+            <a:endParaRPr lang="fr-FR" sz="900" i="1" dirty="0">
+              <a:latin typeface="Cambria" panose="02040503050406030204" pitchFamily="18" charset="0"/>
+              <a:ea typeface="Arial Rounded MT Bold" charset="0"/>
+              <a:cs typeface="Arial Rounded MT Bold" charset="0"/>
+            </a:endParaRPr>
+          </a:p>
+        </p:txBody>
+      </p:sp>
+      <p:sp>
+        <p:nvSpPr>
+          <p:cNvPr id="90" name="Rectangle à coins arrondis 89"/>
+          <p:cNvSpPr/>
+          <p:nvPr/>
+        </p:nvSpPr>
+        <p:spPr>
+          <a:xfrm>
+            <a:off x="3879942" y="4746170"/>
+            <a:ext cx="439627" cy="283495"/>
+          </a:xfrm>
+          <a:prstGeom prst="roundRect">
+            <a:avLst/>
+          </a:prstGeom>
+          <a:solidFill>
+            <a:srgbClr val="1F8A4C"/>
+          </a:solidFill>
+          <a:ln>
+            <a:noFill/>
+          </a:ln>
+        </p:spPr>
+        <p:style>
+          <a:lnRef idx="2">
+            <a:schemeClr val="accent1">
+              <a:shade val="50000"/>
+            </a:schemeClr>
+          </a:lnRef>
+          <a:fillRef idx="1">
+            <a:schemeClr val="accent1"/>
+          </a:fillRef>
+          <a:effectRef idx="0">
+            <a:schemeClr val="accent1"/>
+          </a:effectRef>
+          <a:fontRef idx="minor">
+            <a:schemeClr val="lt1"/>
+          </a:fontRef>
+        </p:style>
+        <p:txBody>
+          <a:bodyPr lIns="36000" rIns="36000" rtlCol="0" anchor="ctr"/>
+          <a:lstStyle/>
+          <a:p>
+            <a:pPr algn="ctr"/>
+            <a:r>
+              <a:rPr lang="fr-FR" sz="900" i="1" dirty="0" smtClean="0">
+                <a:latin typeface="Cambria" panose="02040503050406030204" pitchFamily="18" charset="0"/>
+                <a:ea typeface="Arial Rounded MT Bold" charset="0"/>
+                <a:cs typeface="Arial Rounded MT Bold" charset="0"/>
+              </a:rPr>
+              <a:t>plugin</a:t>
+            </a:r>
+            <a:endParaRPr lang="fr-FR" sz="900" i="1" dirty="0">
+              <a:latin typeface="Cambria" panose="02040503050406030204" pitchFamily="18" charset="0"/>
+              <a:ea typeface="Arial Rounded MT Bold" charset="0"/>
+              <a:cs typeface="Arial Rounded MT Bold" charset="0"/>
+            </a:endParaRPr>
+          </a:p>
+        </p:txBody>
+      </p:sp>
+      <p:sp>
+        <p:nvSpPr>
+          <p:cNvPr id="91" name="Rectangle à coins arrondis 90"/>
+          <p:cNvSpPr/>
+          <p:nvPr/>
+        </p:nvSpPr>
+        <p:spPr>
+          <a:xfrm>
+            <a:off x="4487093" y="4746170"/>
+            <a:ext cx="439627" cy="283495"/>
+          </a:xfrm>
+          <a:prstGeom prst="roundRect">
+            <a:avLst/>
+          </a:prstGeom>
+          <a:solidFill>
+            <a:srgbClr val="1F8A4C"/>
+          </a:solidFill>
+          <a:ln>
+            <a:noFill/>
+          </a:ln>
+        </p:spPr>
+        <p:style>
+          <a:lnRef idx="2">
+            <a:schemeClr val="accent1">
+              <a:shade val="50000"/>
+            </a:schemeClr>
+          </a:lnRef>
+          <a:fillRef idx="1">
+            <a:schemeClr val="accent1"/>
+          </a:fillRef>
+          <a:effectRef idx="0">
+            <a:schemeClr val="accent1"/>
+          </a:effectRef>
+          <a:fontRef idx="minor">
+            <a:schemeClr val="lt1"/>
+          </a:fontRef>
+        </p:style>
+        <p:txBody>
+          <a:bodyPr lIns="36000" rIns="36000" rtlCol="0" anchor="ctr"/>
+          <a:lstStyle/>
+          <a:p>
+            <a:pPr algn="ctr"/>
+            <a:r>
+              <a:rPr lang="fr-FR" sz="900" b="1" dirty="0" smtClean="0">
+                <a:latin typeface="Consolas" panose="020B0609020204030204" pitchFamily="49" charset="0"/>
+                <a:ea typeface="Arial Rounded MT Bold" charset="0"/>
+                <a:cs typeface="Consolas" panose="020B0609020204030204" pitchFamily="49" charset="0"/>
+              </a:rPr>
+              <a:t>fork</a:t>
+            </a:r>
+            <a:endParaRPr lang="fr-FR" sz="900" i="1" dirty="0">
+              <a:latin typeface="Cambria" panose="02040503050406030204" pitchFamily="18" charset="0"/>
+              <a:ea typeface="Arial Rounded MT Bold" charset="0"/>
+              <a:cs typeface="Arial Rounded MT Bold" charset="0"/>
+            </a:endParaRPr>
+          </a:p>
+        </p:txBody>
+      </p:sp>
+      <p:sp>
+        <p:nvSpPr>
+          <p:cNvPr id="92" name="Rectangle à coins arrondis 91"/>
+          <p:cNvSpPr/>
+          <p:nvPr/>
+        </p:nvSpPr>
+        <p:spPr>
+          <a:xfrm>
+            <a:off x="5094244" y="4746170"/>
+            <a:ext cx="439627" cy="283495"/>
+          </a:xfrm>
+          <a:prstGeom prst="roundRect">
+            <a:avLst/>
+          </a:prstGeom>
+          <a:solidFill>
+            <a:srgbClr val="1F8A4C"/>
+          </a:solidFill>
+          <a:ln>
+            <a:noFill/>
+          </a:ln>
+        </p:spPr>
+        <p:style>
+          <a:lnRef idx="2">
+            <a:schemeClr val="accent1">
+              <a:shade val="50000"/>
+            </a:schemeClr>
+          </a:lnRef>
+          <a:fillRef idx="1">
+            <a:schemeClr val="accent1"/>
+          </a:fillRef>
+          <a:effectRef idx="0">
+            <a:schemeClr val="accent1"/>
+          </a:effectRef>
+          <a:fontRef idx="minor">
+            <a:schemeClr val="lt1"/>
+          </a:fontRef>
+        </p:style>
+        <p:txBody>
+          <a:bodyPr lIns="36000" rIns="36000" rtlCol="0" anchor="ctr"/>
+          <a:lstStyle/>
+          <a:p>
+            <a:pPr algn="ctr"/>
+            <a:r>
+              <a:rPr lang="fr-FR" sz="900" b="1" dirty="0">
+                <a:latin typeface="Consolas" panose="020B0609020204030204" pitchFamily="49" charset="0"/>
+                <a:ea typeface="Arial Rounded MT Bold" charset="0"/>
+                <a:cs typeface="Consolas" panose="020B0609020204030204" pitchFamily="49" charset="0"/>
+              </a:rPr>
+              <a:t>fork</a:t>
+            </a:r>
+            <a:endParaRPr lang="fr-FR" sz="900" i="1" dirty="0">
+              <a:latin typeface="Cambria" panose="02040503050406030204" pitchFamily="18" charset="0"/>
+              <a:ea typeface="Arial Rounded MT Bold" charset="0"/>
+              <a:cs typeface="Arial Rounded MT Bold" charset="0"/>
+            </a:endParaRPr>
+          </a:p>
+        </p:txBody>
+      </p:sp>
+      <p:sp>
+        <p:nvSpPr>
+          <p:cNvPr id="93" name="Rectangle à coins arrondis 92"/>
+          <p:cNvSpPr/>
+          <p:nvPr/>
+        </p:nvSpPr>
+        <p:spPr>
+          <a:xfrm>
+            <a:off x="5701395" y="4746170"/>
+            <a:ext cx="439627" cy="283495"/>
+          </a:xfrm>
+          <a:prstGeom prst="roundRect">
+            <a:avLst/>
+          </a:prstGeom>
+          <a:solidFill>
+            <a:srgbClr val="1F8A4C"/>
+          </a:solidFill>
+          <a:ln>
+            <a:noFill/>
+          </a:ln>
+        </p:spPr>
+        <p:style>
+          <a:lnRef idx="2">
+            <a:schemeClr val="accent1">
+              <a:shade val="50000"/>
+            </a:schemeClr>
+          </a:lnRef>
+          <a:fillRef idx="1">
+            <a:schemeClr val="accent1"/>
+          </a:fillRef>
+          <a:effectRef idx="0">
+            <a:schemeClr val="accent1"/>
+          </a:effectRef>
+          <a:fontRef idx="minor">
+            <a:schemeClr val="lt1"/>
+          </a:fontRef>
+        </p:style>
+        <p:txBody>
+          <a:bodyPr lIns="36000" rIns="36000" rtlCol="0" anchor="ctr"/>
+          <a:lstStyle/>
+          <a:p>
+            <a:pPr algn="ctr"/>
+            <a:r>
+              <a:rPr lang="fr-FR" sz="900" i="1" dirty="0" smtClean="0">
+                <a:latin typeface="Cambria" panose="02040503050406030204" pitchFamily="18" charset="0"/>
+                <a:ea typeface="Arial Rounded MT Bold" charset="0"/>
+                <a:cs typeface="Arial Rounded MT Bold" charset="0"/>
+              </a:rPr>
+              <a:t>out</a:t>
+            </a:r>
+            <a:r>
+              <a:rPr lang="fr-FR" sz="900" i="1" dirty="0" smtClean="0">
+                <a:latin typeface="Cambria" panose="02040503050406030204" pitchFamily="18" charset="0"/>
+                <a:ea typeface="Arial Rounded MT Bold" charset="0"/>
+                <a:cs typeface="Arial Rounded MT Bold" charset="0"/>
+              </a:rPr>
+              <a:t>put</a:t>
+            </a:r>
+            <a:endParaRPr lang="fr-FR" sz="900" i="1" dirty="0">
+              <a:latin typeface="Cambria" panose="02040503050406030204" pitchFamily="18" charset="0"/>
+              <a:ea typeface="Arial Rounded MT Bold" charset="0"/>
+              <a:cs typeface="Arial Rounded MT Bold" charset="0"/>
+            </a:endParaRPr>
+          </a:p>
+        </p:txBody>
+      </p:sp>
+      <p:cxnSp>
+        <p:nvCxnSpPr>
+          <p:cNvPr id="94" name="Connecteur droit avec flèche 93"/>
+          <p:cNvCxnSpPr>
+            <a:stCxn id="57" idx="3"/>
+            <a:endCxn id="84" idx="1"/>
+          </p:cNvCxnSpPr>
+          <p:nvPr/>
+        </p:nvCxnSpPr>
+        <p:spPr>
+          <a:xfrm>
+            <a:off x="1890965" y="4887918"/>
+            <a:ext cx="167524" cy="0"/>
+          </a:xfrm>
+          <a:prstGeom prst="straightConnector1">
+            <a:avLst/>
+          </a:prstGeom>
+          <a:ln w="19050">
+            <a:solidFill>
+              <a:schemeClr val="tx1"/>
+            </a:solidFill>
+            <a:prstDash val="sysDash"/>
+            <a:tailEnd type="triangle"/>
+          </a:ln>
+        </p:spPr>
+        <p:style>
+          <a:lnRef idx="1">
+            <a:schemeClr val="accent1"/>
+          </a:lnRef>
+          <a:fillRef idx="0">
+            <a:schemeClr val="accent1"/>
+          </a:fillRef>
+          <a:effectRef idx="0">
+            <a:schemeClr val="accent1"/>
+          </a:effectRef>
+          <a:fontRef idx="minor">
+            <a:schemeClr val="tx1"/>
+          </a:fontRef>
+        </p:style>
+      </p:cxnSp>
+      <p:cxnSp>
+        <p:nvCxnSpPr>
+          <p:cNvPr id="95" name="Connecteur droit avec flèche 94"/>
+          <p:cNvCxnSpPr>
+            <a:stCxn id="84" idx="3"/>
+            <a:endCxn id="86" idx="1"/>
+          </p:cNvCxnSpPr>
+          <p:nvPr/>
+        </p:nvCxnSpPr>
+        <p:spPr>
+          <a:xfrm>
+            <a:off x="2498116" y="4887918"/>
+            <a:ext cx="167524" cy="0"/>
+          </a:xfrm>
+          <a:prstGeom prst="straightConnector1">
+            <a:avLst/>
+          </a:prstGeom>
+          <a:ln w="19050">
+            <a:solidFill>
+              <a:schemeClr val="tx1"/>
+            </a:solidFill>
+            <a:prstDash val="sysDash"/>
+            <a:tailEnd type="triangle"/>
+          </a:ln>
+        </p:spPr>
+        <p:style>
+          <a:lnRef idx="1">
+            <a:schemeClr val="accent1"/>
+          </a:lnRef>
+          <a:fillRef idx="0">
+            <a:schemeClr val="accent1"/>
+          </a:fillRef>
+          <a:effectRef idx="0">
+            <a:schemeClr val="accent1"/>
+          </a:effectRef>
+          <a:fontRef idx="minor">
+            <a:schemeClr val="tx1"/>
+          </a:fontRef>
+        </p:style>
+      </p:cxnSp>
+      <p:cxnSp>
+        <p:nvCxnSpPr>
+          <p:cNvPr id="96" name="Connecteur droit avec flèche 95"/>
+          <p:cNvCxnSpPr>
+            <a:stCxn id="86" idx="3"/>
+            <a:endCxn id="88" idx="1"/>
+          </p:cNvCxnSpPr>
+          <p:nvPr/>
+        </p:nvCxnSpPr>
+        <p:spPr>
+          <a:xfrm>
+            <a:off x="3105267" y="4887918"/>
+            <a:ext cx="167524" cy="0"/>
+          </a:xfrm>
+          <a:prstGeom prst="straightConnector1">
+            <a:avLst/>
+          </a:prstGeom>
+          <a:ln w="19050">
+            <a:solidFill>
+              <a:schemeClr val="tx1"/>
+            </a:solidFill>
+            <a:prstDash val="sysDash"/>
+            <a:tailEnd type="triangle"/>
+          </a:ln>
+        </p:spPr>
+        <p:style>
+          <a:lnRef idx="1">
+            <a:schemeClr val="accent1"/>
+          </a:lnRef>
+          <a:fillRef idx="0">
+            <a:schemeClr val="accent1"/>
+          </a:fillRef>
+          <a:effectRef idx="0">
+            <a:schemeClr val="accent1"/>
+          </a:effectRef>
+          <a:fontRef idx="minor">
+            <a:schemeClr val="tx1"/>
+          </a:fontRef>
+        </p:style>
+      </p:cxnSp>
+      <p:cxnSp>
+        <p:nvCxnSpPr>
+          <p:cNvPr id="97" name="Connecteur droit avec flèche 96"/>
+          <p:cNvCxnSpPr>
+            <a:stCxn id="88" idx="3"/>
+            <a:endCxn id="90" idx="1"/>
+          </p:cNvCxnSpPr>
+          <p:nvPr/>
+        </p:nvCxnSpPr>
+        <p:spPr>
+          <a:xfrm>
+            <a:off x="3712418" y="4887918"/>
+            <a:ext cx="167524" cy="0"/>
+          </a:xfrm>
+          <a:prstGeom prst="straightConnector1">
+            <a:avLst/>
+          </a:prstGeom>
+          <a:ln w="19050">
+            <a:solidFill>
+              <a:schemeClr val="tx1"/>
+            </a:solidFill>
+            <a:prstDash val="sysDash"/>
+            <a:tailEnd type="triangle"/>
+          </a:ln>
+        </p:spPr>
+        <p:style>
+          <a:lnRef idx="1">
+            <a:schemeClr val="accent1"/>
+          </a:lnRef>
+          <a:fillRef idx="0">
+            <a:schemeClr val="accent1"/>
+          </a:fillRef>
+          <a:effectRef idx="0">
+            <a:schemeClr val="accent1"/>
+          </a:effectRef>
+          <a:fontRef idx="minor">
+            <a:schemeClr val="tx1"/>
+          </a:fontRef>
+        </p:style>
+      </p:cxnSp>
+      <p:cxnSp>
+        <p:nvCxnSpPr>
+          <p:cNvPr id="100" name="Connecteur droit avec flèche 99"/>
+          <p:cNvCxnSpPr>
+            <a:stCxn id="90" idx="3"/>
+            <a:endCxn id="91" idx="1"/>
+          </p:cNvCxnSpPr>
+          <p:nvPr/>
+        </p:nvCxnSpPr>
+        <p:spPr>
+          <a:xfrm>
+            <a:off x="4319569" y="4887918"/>
+            <a:ext cx="167524" cy="0"/>
+          </a:xfrm>
+          <a:prstGeom prst="straightConnector1">
+            <a:avLst/>
+          </a:prstGeom>
+          <a:ln w="19050">
+            <a:solidFill>
+              <a:schemeClr val="tx1"/>
+            </a:solidFill>
+            <a:prstDash val="sysDash"/>
+            <a:tailEnd type="triangle"/>
+          </a:ln>
+        </p:spPr>
+        <p:style>
+          <a:lnRef idx="1">
+            <a:schemeClr val="accent1"/>
+          </a:lnRef>
+          <a:fillRef idx="0">
+            <a:schemeClr val="accent1"/>
+          </a:fillRef>
+          <a:effectRef idx="0">
+            <a:schemeClr val="accent1"/>
+          </a:effectRef>
+          <a:fontRef idx="minor">
+            <a:schemeClr val="tx1"/>
+          </a:fontRef>
+        </p:style>
+      </p:cxnSp>
+      <p:cxnSp>
+        <p:nvCxnSpPr>
+          <p:cNvPr id="101" name="Connecteur droit avec flèche 100"/>
+          <p:cNvCxnSpPr>
+            <a:stCxn id="91" idx="3"/>
+            <a:endCxn id="92" idx="1"/>
+          </p:cNvCxnSpPr>
+          <p:nvPr/>
+        </p:nvCxnSpPr>
+        <p:spPr>
+          <a:xfrm>
+            <a:off x="4926720" y="4887918"/>
+            <a:ext cx="167524" cy="0"/>
+          </a:xfrm>
+          <a:prstGeom prst="straightConnector1">
+            <a:avLst/>
+          </a:prstGeom>
+          <a:ln w="19050">
+            <a:solidFill>
+              <a:schemeClr val="tx1"/>
+            </a:solidFill>
+            <a:prstDash val="sysDash"/>
+            <a:tailEnd type="triangle"/>
+          </a:ln>
+        </p:spPr>
+        <p:style>
+          <a:lnRef idx="1">
+            <a:schemeClr val="accent1"/>
+          </a:lnRef>
+          <a:fillRef idx="0">
+            <a:schemeClr val="accent1"/>
+          </a:fillRef>
+          <a:effectRef idx="0">
+            <a:schemeClr val="accent1"/>
+          </a:effectRef>
+          <a:fontRef idx="minor">
+            <a:schemeClr val="tx1"/>
+          </a:fontRef>
+        </p:style>
+      </p:cxnSp>
+      <p:cxnSp>
+        <p:nvCxnSpPr>
+          <p:cNvPr id="102" name="Connecteur droit avec flèche 101"/>
+          <p:cNvCxnSpPr>
+            <a:stCxn id="92" idx="3"/>
+            <a:endCxn id="93" idx="1"/>
+          </p:cNvCxnSpPr>
+          <p:nvPr/>
+        </p:nvCxnSpPr>
+        <p:spPr>
+          <a:xfrm>
+            <a:off x="5533871" y="4887918"/>
+            <a:ext cx="167524" cy="0"/>
+          </a:xfrm>
+          <a:prstGeom prst="straightConnector1">
+            <a:avLst/>
+          </a:prstGeom>
+          <a:ln w="19050">
+            <a:solidFill>
+              <a:schemeClr val="tx1"/>
+            </a:solidFill>
+            <a:prstDash val="sysDash"/>
+            <a:tailEnd type="triangle"/>
+          </a:ln>
+        </p:spPr>
+        <p:style>
+          <a:lnRef idx="1">
+            <a:schemeClr val="accent1"/>
+          </a:lnRef>
+          <a:fillRef idx="0">
+            <a:schemeClr val="accent1"/>
+          </a:fillRef>
+          <a:effectRef idx="0">
+            <a:schemeClr val="accent1"/>
+          </a:effectRef>
+          <a:fontRef idx="minor">
+            <a:schemeClr val="tx1"/>
+          </a:fontRef>
+        </p:style>
+      </p:cxnSp>
+      <p:cxnSp>
+        <p:nvCxnSpPr>
+          <p:cNvPr id="104" name="Connecteur droit avec flèche 103"/>
+          <p:cNvCxnSpPr>
+            <a:stCxn id="93" idx="3"/>
+          </p:cNvCxnSpPr>
+          <p:nvPr/>
+        </p:nvCxnSpPr>
+        <p:spPr>
+          <a:xfrm>
+            <a:off x="6141022" y="4887918"/>
+            <a:ext cx="604510" cy="1"/>
+          </a:xfrm>
+          <a:prstGeom prst="straightConnector1">
+            <a:avLst/>
+          </a:prstGeom>
+          <a:ln w="19050">
+            <a:solidFill>
+              <a:schemeClr val="tx1"/>
+            </a:solidFill>
+            <a:prstDash val="sysDash"/>
+            <a:tailEnd type="triangle"/>
+          </a:ln>
+        </p:spPr>
+        <p:style>
+          <a:lnRef idx="1">
+            <a:schemeClr val="accent1"/>
+          </a:lnRef>
+          <a:fillRef idx="0">
+            <a:schemeClr val="accent1"/>
+          </a:fillRef>
+          <a:effectRef idx="0">
+            <a:schemeClr val="accent1"/>
+          </a:effectRef>
+          <a:fontRef idx="minor">
+            <a:schemeClr val="tx1"/>
+          </a:fontRef>
+        </p:style>
+      </p:cxnSp>
+      <p:sp>
+        <p:nvSpPr>
+          <p:cNvPr id="108" name="Rectangle à coins arrondis 107"/>
+          <p:cNvSpPr/>
+          <p:nvPr/>
+        </p:nvSpPr>
+        <p:spPr>
+          <a:xfrm>
+            <a:off x="98695" y="3846194"/>
+            <a:ext cx="2544786" cy="580223"/>
+          </a:xfrm>
+          <a:prstGeom prst="roundRect">
+            <a:avLst>
+              <a:gd name="adj" fmla="val 3969"/>
+            </a:avLst>
+          </a:prstGeom>
+          <a:solidFill>
+            <a:schemeClr val="accent6">
+              <a:lumMod val="40000"/>
+              <a:lumOff val="60000"/>
+            </a:schemeClr>
+          </a:solidFill>
+          <a:ln>
+            <a:noFill/>
+          </a:ln>
+        </p:spPr>
+        <p:style>
+          <a:lnRef idx="2">
+            <a:schemeClr val="accent1">
+              <a:shade val="50000"/>
+            </a:schemeClr>
+          </a:lnRef>
+          <a:fillRef idx="1">
+            <a:schemeClr val="accent1"/>
+          </a:fillRef>
+          <a:effectRef idx="0">
+            <a:schemeClr val="accent1"/>
+          </a:effectRef>
+          <a:fontRef idx="minor">
+            <a:schemeClr val="lt1"/>
+          </a:fontRef>
+        </p:style>
+        <p:txBody>
+          <a:bodyPr tIns="0" rtlCol="0" anchor="t" anchorCtr="0"/>
+          <a:lstStyle/>
+          <a:p>
+            <a:pPr algn="ctr"/>
+            <a:r>
+              <a:rPr lang="fr-FR" sz="1200" b="1" dirty="0" err="1" smtClean="0">
+                <a:solidFill>
+                  <a:schemeClr val="tx1"/>
+                </a:solidFill>
+                <a:latin typeface="Cambria" panose="02040503050406030204" pitchFamily="18" charset="0"/>
+                <a:ea typeface="Arial Rounded MT Bold" charset="0"/>
+                <a:cs typeface="Arial Rounded MT Bold" charset="0"/>
+              </a:rPr>
+              <a:t>tsp</a:t>
+            </a:r>
+            <a:endParaRPr lang="fr-FR" sz="1200" b="1" dirty="0">
+              <a:solidFill>
+                <a:schemeClr val="tx1"/>
+              </a:solidFill>
+              <a:latin typeface="Cambria" panose="02040503050406030204" pitchFamily="18" charset="0"/>
+              <a:ea typeface="Arial Rounded MT Bold" charset="0"/>
+              <a:cs typeface="Arial Rounded MT Bold" charset="0"/>
+            </a:endParaRPr>
+          </a:p>
+        </p:txBody>
+      </p:sp>
+      <p:sp>
+        <p:nvSpPr>
+          <p:cNvPr id="119" name="Rectangle à coins arrondis 118"/>
+          <p:cNvSpPr/>
+          <p:nvPr/>
+        </p:nvSpPr>
+        <p:spPr>
+          <a:xfrm>
+            <a:off x="253609" y="4054015"/>
+            <a:ext cx="439627" cy="283495"/>
+          </a:xfrm>
+          <a:prstGeom prst="roundRect">
+            <a:avLst/>
+          </a:prstGeom>
+          <a:solidFill>
+            <a:srgbClr val="1F8A4C"/>
+          </a:solidFill>
+          <a:ln>
+            <a:noFill/>
+          </a:ln>
+        </p:spPr>
+        <p:style>
+          <a:lnRef idx="2">
+            <a:schemeClr val="accent1">
+              <a:shade val="50000"/>
+            </a:schemeClr>
+          </a:lnRef>
+          <a:fillRef idx="1">
+            <a:schemeClr val="accent1"/>
+          </a:fillRef>
+          <a:effectRef idx="0">
+            <a:schemeClr val="accent1"/>
+          </a:effectRef>
+          <a:fontRef idx="minor">
+            <a:schemeClr val="lt1"/>
+          </a:fontRef>
+        </p:style>
+        <p:txBody>
+          <a:bodyPr lIns="36000" rIns="36000" rtlCol="0" anchor="ctr"/>
+          <a:lstStyle/>
+          <a:p>
+            <a:pPr algn="ctr"/>
+            <a:r>
+              <a:rPr lang="fr-FR" sz="900" i="1" dirty="0" smtClean="0">
+                <a:latin typeface="Cambria" panose="02040503050406030204" pitchFamily="18" charset="0"/>
+                <a:ea typeface="Arial Rounded MT Bold" charset="0"/>
+                <a:cs typeface="Arial Rounded MT Bold" charset="0"/>
+              </a:rPr>
+              <a:t>input</a:t>
+            </a:r>
+            <a:endParaRPr lang="fr-FR" sz="900" i="1" dirty="0">
+              <a:latin typeface="Cambria" panose="02040503050406030204" pitchFamily="18" charset="0"/>
+              <a:ea typeface="Arial Rounded MT Bold" charset="0"/>
+              <a:cs typeface="Arial Rounded MT Bold" charset="0"/>
+            </a:endParaRPr>
+          </a:p>
+        </p:txBody>
+      </p:sp>
+      <p:sp>
+        <p:nvSpPr>
+          <p:cNvPr id="122" name="Rectangle à coins arrondis 121"/>
+          <p:cNvSpPr/>
+          <p:nvPr/>
+        </p:nvSpPr>
+        <p:spPr>
+          <a:xfrm>
+            <a:off x="860301" y="4054015"/>
+            <a:ext cx="439627" cy="283495"/>
+          </a:xfrm>
+          <a:prstGeom prst="roundRect">
+            <a:avLst/>
+          </a:prstGeom>
+          <a:solidFill>
+            <a:srgbClr val="1F8A4C"/>
+          </a:solidFill>
+          <a:ln>
+            <a:noFill/>
+          </a:ln>
+        </p:spPr>
+        <p:style>
+          <a:lnRef idx="2">
+            <a:schemeClr val="accent1">
+              <a:shade val="50000"/>
+            </a:schemeClr>
+          </a:lnRef>
+          <a:fillRef idx="1">
+            <a:schemeClr val="accent1"/>
+          </a:fillRef>
+          <a:effectRef idx="0">
+            <a:schemeClr val="accent1"/>
+          </a:effectRef>
+          <a:fontRef idx="minor">
+            <a:schemeClr val="lt1"/>
+          </a:fontRef>
+        </p:style>
+        <p:txBody>
+          <a:bodyPr lIns="36000" rIns="36000" rtlCol="0" anchor="ctr"/>
+          <a:lstStyle/>
+          <a:p>
+            <a:pPr algn="ctr"/>
+            <a:r>
+              <a:rPr lang="fr-FR" sz="900" i="1" dirty="0" smtClean="0">
+                <a:latin typeface="Cambria" panose="02040503050406030204" pitchFamily="18" charset="0"/>
+                <a:ea typeface="Arial Rounded MT Bold" charset="0"/>
+                <a:cs typeface="Arial Rounded MT Bold" charset="0"/>
+              </a:rPr>
+              <a:t>plugin</a:t>
+            </a:r>
+            <a:endParaRPr lang="fr-FR" sz="900" i="1" dirty="0">
+              <a:latin typeface="Cambria" panose="02040503050406030204" pitchFamily="18" charset="0"/>
+              <a:ea typeface="Arial Rounded MT Bold" charset="0"/>
+              <a:cs typeface="Arial Rounded MT Bold" charset="0"/>
+            </a:endParaRPr>
+          </a:p>
+        </p:txBody>
+      </p:sp>
+      <p:sp>
+        <p:nvSpPr>
+          <p:cNvPr id="125" name="Rectangle à coins arrondis 124"/>
+          <p:cNvSpPr/>
+          <p:nvPr/>
+        </p:nvSpPr>
+        <p:spPr>
+          <a:xfrm>
+            <a:off x="1466993" y="4054015"/>
+            <a:ext cx="439627" cy="283495"/>
+          </a:xfrm>
+          <a:prstGeom prst="roundRect">
+            <a:avLst/>
+          </a:prstGeom>
+          <a:solidFill>
+            <a:srgbClr val="1F8A4C"/>
+          </a:solidFill>
+          <a:ln>
+            <a:noFill/>
+          </a:ln>
+        </p:spPr>
+        <p:style>
+          <a:lnRef idx="2">
+            <a:schemeClr val="accent1">
+              <a:shade val="50000"/>
+            </a:schemeClr>
+          </a:lnRef>
+          <a:fillRef idx="1">
+            <a:schemeClr val="accent1"/>
+          </a:fillRef>
+          <a:effectRef idx="0">
+            <a:schemeClr val="accent1"/>
+          </a:effectRef>
+          <a:fontRef idx="minor">
+            <a:schemeClr val="lt1"/>
+          </a:fontRef>
+        </p:style>
+        <p:txBody>
+          <a:bodyPr lIns="36000" rIns="36000" rtlCol="0" anchor="ctr"/>
+          <a:lstStyle/>
+          <a:p>
+            <a:pPr algn="ctr"/>
+            <a:r>
+              <a:rPr lang="fr-FR" sz="900" i="1" dirty="0" smtClean="0">
+                <a:latin typeface="Cambria" panose="02040503050406030204" pitchFamily="18" charset="0"/>
+                <a:ea typeface="Arial Rounded MT Bold" charset="0"/>
+                <a:cs typeface="Arial Rounded MT Bold" charset="0"/>
+              </a:rPr>
+              <a:t>plugin</a:t>
+            </a:r>
+            <a:endParaRPr lang="fr-FR" sz="900" i="1" dirty="0">
+              <a:latin typeface="Cambria" panose="02040503050406030204" pitchFamily="18" charset="0"/>
+              <a:ea typeface="Arial Rounded MT Bold" charset="0"/>
+              <a:cs typeface="Arial Rounded MT Bold" charset="0"/>
+            </a:endParaRPr>
+          </a:p>
+        </p:txBody>
+      </p:sp>
+      <p:sp>
+        <p:nvSpPr>
+          <p:cNvPr id="128" name="Rectangle à coins arrondis 127"/>
+          <p:cNvSpPr/>
+          <p:nvPr/>
+        </p:nvSpPr>
+        <p:spPr>
+          <a:xfrm>
+            <a:off x="2073685" y="4054015"/>
+            <a:ext cx="439627" cy="283495"/>
+          </a:xfrm>
+          <a:prstGeom prst="roundRect">
+            <a:avLst/>
+          </a:prstGeom>
+          <a:solidFill>
+            <a:srgbClr val="1F8A4C"/>
+          </a:solidFill>
+          <a:ln>
+            <a:noFill/>
+          </a:ln>
+        </p:spPr>
+        <p:style>
+          <a:lnRef idx="2">
+            <a:schemeClr val="accent1">
+              <a:shade val="50000"/>
+            </a:schemeClr>
+          </a:lnRef>
+          <a:fillRef idx="1">
+            <a:schemeClr val="accent1"/>
+          </a:fillRef>
+          <a:effectRef idx="0">
+            <a:schemeClr val="accent1"/>
+          </a:effectRef>
+          <a:fontRef idx="minor">
+            <a:schemeClr val="lt1"/>
+          </a:fontRef>
+        </p:style>
+        <p:txBody>
+          <a:bodyPr lIns="36000" rIns="36000" rtlCol="0" anchor="ctr"/>
+          <a:lstStyle/>
+          <a:p>
+            <a:pPr algn="ctr"/>
+            <a:r>
+              <a:rPr lang="fr-FR" sz="900" b="1" dirty="0" smtClean="0">
+                <a:latin typeface="Consolas" panose="020B0609020204030204" pitchFamily="49" charset="0"/>
+                <a:ea typeface="Arial Rounded MT Bold" charset="0"/>
+                <a:cs typeface="Consolas" panose="020B0609020204030204" pitchFamily="49" charset="0"/>
+              </a:rPr>
+              <a:t>file</a:t>
+            </a:r>
+            <a:endParaRPr lang="fr-FR" sz="900" i="1" dirty="0">
+              <a:latin typeface="Cambria" panose="02040503050406030204" pitchFamily="18" charset="0"/>
+              <a:ea typeface="Arial Rounded MT Bold" charset="0"/>
+              <a:cs typeface="Arial Rounded MT Bold" charset="0"/>
+            </a:endParaRPr>
+          </a:p>
+        </p:txBody>
+      </p:sp>
+      <p:cxnSp>
+        <p:nvCxnSpPr>
+          <p:cNvPr id="131" name="Connecteur droit avec flèche 130"/>
+          <p:cNvCxnSpPr>
+            <a:stCxn id="119" idx="3"/>
+            <a:endCxn id="122" idx="1"/>
+          </p:cNvCxnSpPr>
+          <p:nvPr/>
+        </p:nvCxnSpPr>
+        <p:spPr>
+          <a:xfrm>
+            <a:off x="693236" y="4195763"/>
+            <a:ext cx="167065" cy="0"/>
+          </a:xfrm>
+          <a:prstGeom prst="straightConnector1">
+            <a:avLst/>
+          </a:prstGeom>
+          <a:ln w="19050">
+            <a:solidFill>
+              <a:schemeClr val="tx1"/>
+            </a:solidFill>
+            <a:prstDash val="sysDash"/>
+            <a:tailEnd type="triangle"/>
+          </a:ln>
+        </p:spPr>
+        <p:style>
+          <a:lnRef idx="1">
+            <a:schemeClr val="accent1"/>
+          </a:lnRef>
+          <a:fillRef idx="0">
+            <a:schemeClr val="accent1"/>
+          </a:fillRef>
+          <a:effectRef idx="0">
+            <a:schemeClr val="accent1"/>
+          </a:effectRef>
+          <a:fontRef idx="minor">
+            <a:schemeClr val="tx1"/>
+          </a:fontRef>
+        </p:style>
+      </p:cxnSp>
+      <p:cxnSp>
+        <p:nvCxnSpPr>
+          <p:cNvPr id="134" name="Connecteur droit avec flèche 133"/>
+          <p:cNvCxnSpPr>
+            <a:endCxn id="125" idx="1"/>
+          </p:cNvCxnSpPr>
+          <p:nvPr/>
+        </p:nvCxnSpPr>
+        <p:spPr>
+          <a:xfrm flipV="1">
+            <a:off x="1313342" y="4195763"/>
+            <a:ext cx="153651" cy="4838"/>
+          </a:xfrm>
+          <a:prstGeom prst="straightConnector1">
+            <a:avLst/>
+          </a:prstGeom>
+          <a:ln w="19050">
+            <a:solidFill>
+              <a:schemeClr val="tx1"/>
+            </a:solidFill>
+            <a:prstDash val="sysDash"/>
+            <a:tailEnd type="triangle"/>
+          </a:ln>
+        </p:spPr>
+        <p:style>
+          <a:lnRef idx="1">
+            <a:schemeClr val="accent1"/>
+          </a:lnRef>
+          <a:fillRef idx="0">
+            <a:schemeClr val="accent1"/>
+          </a:fillRef>
+          <a:effectRef idx="0">
+            <a:schemeClr val="accent1"/>
+          </a:effectRef>
+          <a:fontRef idx="minor">
+            <a:schemeClr val="tx1"/>
+          </a:fontRef>
+        </p:style>
+      </p:cxnSp>
+      <p:cxnSp>
+        <p:nvCxnSpPr>
+          <p:cNvPr id="136" name="Connecteur droit avec flèche 135"/>
+          <p:cNvCxnSpPr>
+            <a:stCxn id="125" idx="3"/>
+            <a:endCxn id="128" idx="1"/>
+          </p:cNvCxnSpPr>
+          <p:nvPr/>
+        </p:nvCxnSpPr>
+        <p:spPr>
+          <a:xfrm>
+            <a:off x="1906620" y="4195763"/>
+            <a:ext cx="167065" cy="0"/>
+          </a:xfrm>
+          <a:prstGeom prst="straightConnector1">
+            <a:avLst/>
+          </a:prstGeom>
+          <a:ln w="19050">
+            <a:solidFill>
+              <a:schemeClr val="tx1"/>
+            </a:solidFill>
+            <a:prstDash val="sysDash"/>
+            <a:tailEnd type="triangle"/>
+          </a:ln>
+        </p:spPr>
+        <p:style>
+          <a:lnRef idx="1">
+            <a:schemeClr val="accent1"/>
+          </a:lnRef>
+          <a:fillRef idx="0">
+            <a:schemeClr val="accent1"/>
+          </a:fillRef>
+          <a:effectRef idx="0">
+            <a:schemeClr val="accent1"/>
+          </a:effectRef>
+          <a:fontRef idx="minor">
+            <a:schemeClr val="tx1"/>
+          </a:fontRef>
+        </p:style>
+      </p:cxnSp>
+      <p:cxnSp>
+        <p:nvCxnSpPr>
+          <p:cNvPr id="138" name="Connecteur droit avec flèche 137"/>
+          <p:cNvCxnSpPr>
+            <a:stCxn id="128" idx="3"/>
+            <a:endCxn id="86" idx="0"/>
+          </p:cNvCxnSpPr>
+          <p:nvPr/>
+        </p:nvCxnSpPr>
+        <p:spPr>
+          <a:xfrm>
+            <a:off x="2513312" y="4195763"/>
+            <a:ext cx="372142" cy="550407"/>
+          </a:xfrm>
+          <a:prstGeom prst="bentConnector2">
+            <a:avLst/>
+          </a:prstGeom>
+          <a:ln w="19050">
+            <a:solidFill>
+              <a:schemeClr val="tx1"/>
+            </a:solidFill>
+            <a:prstDash val="sysDash"/>
+            <a:tailEnd type="triangle"/>
+          </a:ln>
+        </p:spPr>
+        <p:style>
+          <a:lnRef idx="1">
+            <a:schemeClr val="accent1"/>
+          </a:lnRef>
+          <a:fillRef idx="0">
+            <a:schemeClr val="accent1"/>
+          </a:fillRef>
+          <a:effectRef idx="0">
+            <a:schemeClr val="accent1"/>
+          </a:effectRef>
+          <a:fontRef idx="minor">
+            <a:schemeClr val="tx1"/>
+          </a:fontRef>
+        </p:style>
+      </p:cxnSp>
+      <p:sp>
+        <p:nvSpPr>
+          <p:cNvPr id="139" name="Rectangle à coins arrondis 138"/>
+          <p:cNvSpPr/>
+          <p:nvPr/>
+        </p:nvSpPr>
+        <p:spPr>
+          <a:xfrm>
+            <a:off x="691550" y="5267215"/>
+            <a:ext cx="2544786" cy="580223"/>
+          </a:xfrm>
+          <a:prstGeom prst="roundRect">
+            <a:avLst>
+              <a:gd name="adj" fmla="val 3969"/>
+            </a:avLst>
+          </a:prstGeom>
+          <a:solidFill>
+            <a:schemeClr val="accent6">
+              <a:lumMod val="40000"/>
+              <a:lumOff val="60000"/>
+            </a:schemeClr>
+          </a:solidFill>
+          <a:ln>
+            <a:noFill/>
+          </a:ln>
+        </p:spPr>
+        <p:style>
+          <a:lnRef idx="2">
+            <a:schemeClr val="accent1">
+              <a:shade val="50000"/>
+            </a:schemeClr>
+          </a:lnRef>
+          <a:fillRef idx="1">
+            <a:schemeClr val="accent1"/>
+          </a:fillRef>
+          <a:effectRef idx="0">
+            <a:schemeClr val="accent1"/>
+          </a:effectRef>
+          <a:fontRef idx="minor">
+            <a:schemeClr val="lt1"/>
+          </a:fontRef>
+        </p:style>
+        <p:txBody>
+          <a:bodyPr tIns="0" rtlCol="0" anchor="t" anchorCtr="0"/>
+          <a:lstStyle/>
+          <a:p>
+            <a:pPr algn="ctr"/>
+            <a:r>
+              <a:rPr lang="fr-FR" sz="1200" b="1" dirty="0" err="1" smtClean="0">
+                <a:solidFill>
+                  <a:schemeClr val="tx1"/>
+                </a:solidFill>
+                <a:latin typeface="Cambria" panose="02040503050406030204" pitchFamily="18" charset="0"/>
+                <a:ea typeface="Arial Rounded MT Bold" charset="0"/>
+                <a:cs typeface="Arial Rounded MT Bold" charset="0"/>
+              </a:rPr>
+              <a:t>tsp</a:t>
+            </a:r>
+            <a:endParaRPr lang="fr-FR" sz="1200" b="1" dirty="0">
+              <a:solidFill>
+                <a:schemeClr val="tx1"/>
+              </a:solidFill>
+              <a:latin typeface="Cambria" panose="02040503050406030204" pitchFamily="18" charset="0"/>
+              <a:ea typeface="Arial Rounded MT Bold" charset="0"/>
+              <a:cs typeface="Arial Rounded MT Bold" charset="0"/>
+            </a:endParaRPr>
+          </a:p>
+        </p:txBody>
+      </p:sp>
+      <p:sp>
+        <p:nvSpPr>
+          <p:cNvPr id="140" name="Rectangle à coins arrondis 139"/>
+          <p:cNvSpPr/>
+          <p:nvPr/>
+        </p:nvSpPr>
+        <p:spPr>
+          <a:xfrm>
+            <a:off x="846464" y="5475036"/>
+            <a:ext cx="439627" cy="283495"/>
+          </a:xfrm>
+          <a:prstGeom prst="roundRect">
+            <a:avLst/>
+          </a:prstGeom>
+          <a:solidFill>
+            <a:srgbClr val="1F8A4C"/>
+          </a:solidFill>
+          <a:ln>
+            <a:noFill/>
+          </a:ln>
+        </p:spPr>
+        <p:style>
+          <a:lnRef idx="2">
+            <a:schemeClr val="accent1">
+              <a:shade val="50000"/>
+            </a:schemeClr>
+          </a:lnRef>
+          <a:fillRef idx="1">
+            <a:schemeClr val="accent1"/>
+          </a:fillRef>
+          <a:effectRef idx="0">
+            <a:schemeClr val="accent1"/>
+          </a:effectRef>
+          <a:fontRef idx="minor">
+            <a:schemeClr val="lt1"/>
+          </a:fontRef>
+        </p:style>
+        <p:txBody>
+          <a:bodyPr lIns="36000" rIns="36000" rtlCol="0" anchor="ctr"/>
+          <a:lstStyle/>
+          <a:p>
+            <a:pPr algn="ctr"/>
+            <a:r>
+              <a:rPr lang="fr-FR" sz="900" i="1" dirty="0" smtClean="0">
+                <a:latin typeface="Cambria" panose="02040503050406030204" pitchFamily="18" charset="0"/>
+                <a:ea typeface="Arial Rounded MT Bold" charset="0"/>
+                <a:cs typeface="Arial Rounded MT Bold" charset="0"/>
+              </a:rPr>
+              <a:t>input</a:t>
+            </a:r>
+            <a:endParaRPr lang="fr-FR" sz="900" i="1" dirty="0">
+              <a:latin typeface="Cambria" panose="02040503050406030204" pitchFamily="18" charset="0"/>
+              <a:ea typeface="Arial Rounded MT Bold" charset="0"/>
+              <a:cs typeface="Arial Rounded MT Bold" charset="0"/>
+            </a:endParaRPr>
+          </a:p>
+        </p:txBody>
+      </p:sp>
+      <p:sp>
+        <p:nvSpPr>
+          <p:cNvPr id="141" name="Rectangle à coins arrondis 140"/>
+          <p:cNvSpPr/>
+          <p:nvPr/>
+        </p:nvSpPr>
+        <p:spPr>
+          <a:xfrm>
+            <a:off x="1453156" y="5475036"/>
+            <a:ext cx="439627" cy="283495"/>
+          </a:xfrm>
+          <a:prstGeom prst="roundRect">
+            <a:avLst/>
+          </a:prstGeom>
+          <a:solidFill>
+            <a:srgbClr val="1F8A4C"/>
+          </a:solidFill>
+          <a:ln>
+            <a:noFill/>
+          </a:ln>
+        </p:spPr>
+        <p:style>
+          <a:lnRef idx="2">
+            <a:schemeClr val="accent1">
+              <a:shade val="50000"/>
+            </a:schemeClr>
+          </a:lnRef>
+          <a:fillRef idx="1">
+            <a:schemeClr val="accent1"/>
+          </a:fillRef>
+          <a:effectRef idx="0">
+            <a:schemeClr val="accent1"/>
+          </a:effectRef>
+          <a:fontRef idx="minor">
+            <a:schemeClr val="lt1"/>
+          </a:fontRef>
+        </p:style>
+        <p:txBody>
+          <a:bodyPr lIns="36000" rIns="36000" rtlCol="0" anchor="ctr"/>
+          <a:lstStyle/>
+          <a:p>
+            <a:pPr algn="ctr"/>
+            <a:r>
+              <a:rPr lang="fr-FR" sz="900" i="1" dirty="0" smtClean="0">
+                <a:latin typeface="Cambria" panose="02040503050406030204" pitchFamily="18" charset="0"/>
+                <a:ea typeface="Arial Rounded MT Bold" charset="0"/>
+                <a:cs typeface="Arial Rounded MT Bold" charset="0"/>
+              </a:rPr>
+              <a:t>plugin</a:t>
+            </a:r>
+            <a:endParaRPr lang="fr-FR" sz="900" i="1" dirty="0">
+              <a:latin typeface="Cambria" panose="02040503050406030204" pitchFamily="18" charset="0"/>
+              <a:ea typeface="Arial Rounded MT Bold" charset="0"/>
+              <a:cs typeface="Arial Rounded MT Bold" charset="0"/>
+            </a:endParaRPr>
+          </a:p>
+        </p:txBody>
+      </p:sp>
+      <p:sp>
+        <p:nvSpPr>
+          <p:cNvPr id="142" name="Rectangle à coins arrondis 141"/>
+          <p:cNvSpPr/>
+          <p:nvPr/>
+        </p:nvSpPr>
+        <p:spPr>
+          <a:xfrm>
+            <a:off x="2059848" y="5475036"/>
+            <a:ext cx="439627" cy="283495"/>
+          </a:xfrm>
+          <a:prstGeom prst="roundRect">
+            <a:avLst/>
+          </a:prstGeom>
+          <a:solidFill>
+            <a:srgbClr val="1F8A4C"/>
+          </a:solidFill>
+          <a:ln>
+            <a:noFill/>
+          </a:ln>
+        </p:spPr>
+        <p:style>
+          <a:lnRef idx="2">
+            <a:schemeClr val="accent1">
+              <a:shade val="50000"/>
+            </a:schemeClr>
+          </a:lnRef>
+          <a:fillRef idx="1">
+            <a:schemeClr val="accent1"/>
+          </a:fillRef>
+          <a:effectRef idx="0">
+            <a:schemeClr val="accent1"/>
+          </a:effectRef>
+          <a:fontRef idx="minor">
+            <a:schemeClr val="lt1"/>
+          </a:fontRef>
+        </p:style>
+        <p:txBody>
+          <a:bodyPr lIns="36000" rIns="36000" rtlCol="0" anchor="ctr"/>
+          <a:lstStyle/>
+          <a:p>
+            <a:pPr algn="ctr"/>
+            <a:r>
+              <a:rPr lang="fr-FR" sz="900" i="1" dirty="0" smtClean="0">
+                <a:latin typeface="Cambria" panose="02040503050406030204" pitchFamily="18" charset="0"/>
+                <a:ea typeface="Arial Rounded MT Bold" charset="0"/>
+                <a:cs typeface="Arial Rounded MT Bold" charset="0"/>
+              </a:rPr>
+              <a:t>plugin</a:t>
+            </a:r>
+            <a:endParaRPr lang="fr-FR" sz="900" i="1" dirty="0">
+              <a:latin typeface="Cambria" panose="02040503050406030204" pitchFamily="18" charset="0"/>
+              <a:ea typeface="Arial Rounded MT Bold" charset="0"/>
+              <a:cs typeface="Arial Rounded MT Bold" charset="0"/>
+            </a:endParaRPr>
+          </a:p>
+        </p:txBody>
+      </p:sp>
+      <p:sp>
+        <p:nvSpPr>
+          <p:cNvPr id="143" name="Rectangle à coins arrondis 142"/>
+          <p:cNvSpPr/>
+          <p:nvPr/>
+        </p:nvSpPr>
+        <p:spPr>
+          <a:xfrm>
+            <a:off x="2666540" y="5475036"/>
+            <a:ext cx="439627" cy="283495"/>
+          </a:xfrm>
+          <a:prstGeom prst="roundRect">
+            <a:avLst/>
+          </a:prstGeom>
+          <a:solidFill>
+            <a:srgbClr val="1F8A4C"/>
+          </a:solidFill>
+          <a:ln>
+            <a:noFill/>
+          </a:ln>
+        </p:spPr>
+        <p:style>
+          <a:lnRef idx="2">
+            <a:schemeClr val="accent1">
+              <a:shade val="50000"/>
+            </a:schemeClr>
+          </a:lnRef>
+          <a:fillRef idx="1">
+            <a:schemeClr val="accent1"/>
+          </a:fillRef>
+          <a:effectRef idx="0">
+            <a:schemeClr val="accent1"/>
+          </a:effectRef>
+          <a:fontRef idx="minor">
+            <a:schemeClr val="lt1"/>
+          </a:fontRef>
+        </p:style>
+        <p:txBody>
+          <a:bodyPr lIns="36000" rIns="36000" rtlCol="0" anchor="ctr"/>
+          <a:lstStyle/>
+          <a:p>
+            <a:pPr algn="ctr"/>
+            <a:r>
+              <a:rPr lang="fr-FR" sz="900" b="1" dirty="0" smtClean="0">
+                <a:latin typeface="Consolas" panose="020B0609020204030204" pitchFamily="49" charset="0"/>
+                <a:ea typeface="Arial Rounded MT Bold" charset="0"/>
+                <a:cs typeface="Consolas" panose="020B0609020204030204" pitchFamily="49" charset="0"/>
+              </a:rPr>
+              <a:t>file</a:t>
+            </a:r>
+            <a:endParaRPr lang="fr-FR" sz="900" i="1" dirty="0">
+              <a:latin typeface="Cambria" panose="02040503050406030204" pitchFamily="18" charset="0"/>
+              <a:ea typeface="Arial Rounded MT Bold" charset="0"/>
+              <a:cs typeface="Arial Rounded MT Bold" charset="0"/>
+            </a:endParaRPr>
+          </a:p>
+        </p:txBody>
+      </p:sp>
+      <p:cxnSp>
+        <p:nvCxnSpPr>
+          <p:cNvPr id="144" name="Connecteur droit avec flèche 143"/>
+          <p:cNvCxnSpPr>
+            <a:stCxn id="140" idx="3"/>
+            <a:endCxn id="141" idx="1"/>
+          </p:cNvCxnSpPr>
+          <p:nvPr/>
+        </p:nvCxnSpPr>
+        <p:spPr>
+          <a:xfrm>
+            <a:off x="1286091" y="5616784"/>
+            <a:ext cx="167065" cy="0"/>
+          </a:xfrm>
+          <a:prstGeom prst="straightConnector1">
+            <a:avLst/>
+          </a:prstGeom>
+          <a:ln w="19050">
+            <a:solidFill>
+              <a:schemeClr val="tx1"/>
+            </a:solidFill>
+            <a:prstDash val="sysDash"/>
+            <a:tailEnd type="triangle"/>
+          </a:ln>
+        </p:spPr>
+        <p:style>
+          <a:lnRef idx="1">
+            <a:schemeClr val="accent1"/>
+          </a:lnRef>
+          <a:fillRef idx="0">
+            <a:schemeClr val="accent1"/>
+          </a:fillRef>
+          <a:effectRef idx="0">
+            <a:schemeClr val="accent1"/>
+          </a:effectRef>
+          <a:fontRef idx="minor">
+            <a:schemeClr val="tx1"/>
+          </a:fontRef>
+        </p:style>
+      </p:cxnSp>
+      <p:cxnSp>
+        <p:nvCxnSpPr>
+          <p:cNvPr id="145" name="Connecteur droit avec flèche 144"/>
+          <p:cNvCxnSpPr>
+            <a:endCxn id="142" idx="1"/>
+          </p:cNvCxnSpPr>
+          <p:nvPr/>
+        </p:nvCxnSpPr>
+        <p:spPr>
+          <a:xfrm flipV="1">
+            <a:off x="1906197" y="5616784"/>
+            <a:ext cx="153651" cy="4838"/>
+          </a:xfrm>
+          <a:prstGeom prst="straightConnector1">
+            <a:avLst/>
+          </a:prstGeom>
+          <a:ln w="19050">
+            <a:solidFill>
+              <a:schemeClr val="tx1"/>
+            </a:solidFill>
+            <a:prstDash val="sysDash"/>
+            <a:tailEnd type="triangle"/>
+          </a:ln>
+        </p:spPr>
+        <p:style>
+          <a:lnRef idx="1">
+            <a:schemeClr val="accent1"/>
+          </a:lnRef>
+          <a:fillRef idx="0">
+            <a:schemeClr val="accent1"/>
+          </a:fillRef>
+          <a:effectRef idx="0">
+            <a:schemeClr val="accent1"/>
+          </a:effectRef>
+          <a:fontRef idx="minor">
+            <a:schemeClr val="tx1"/>
+          </a:fontRef>
+        </p:style>
+      </p:cxnSp>
+      <p:cxnSp>
+        <p:nvCxnSpPr>
+          <p:cNvPr id="146" name="Connecteur droit avec flèche 145"/>
+          <p:cNvCxnSpPr>
+            <a:stCxn id="142" idx="3"/>
+            <a:endCxn id="143" idx="1"/>
+          </p:cNvCxnSpPr>
+          <p:nvPr/>
+        </p:nvCxnSpPr>
+        <p:spPr>
+          <a:xfrm>
+            <a:off x="2499475" y="5616784"/>
+            <a:ext cx="167065" cy="0"/>
+          </a:xfrm>
+          <a:prstGeom prst="straightConnector1">
+            <a:avLst/>
+          </a:prstGeom>
+          <a:ln w="19050">
+            <a:solidFill>
+              <a:schemeClr val="tx1"/>
+            </a:solidFill>
+            <a:prstDash val="sysDash"/>
+            <a:tailEnd type="triangle"/>
+          </a:ln>
+        </p:spPr>
+        <p:style>
+          <a:lnRef idx="1">
+            <a:schemeClr val="accent1"/>
+          </a:lnRef>
+          <a:fillRef idx="0">
+            <a:schemeClr val="accent1"/>
+          </a:fillRef>
+          <a:effectRef idx="0">
+            <a:schemeClr val="accent1"/>
+          </a:effectRef>
+          <a:fontRef idx="minor">
+            <a:schemeClr val="tx1"/>
+          </a:fontRef>
+        </p:style>
+      </p:cxnSp>
+      <p:cxnSp>
+        <p:nvCxnSpPr>
+          <p:cNvPr id="147" name="Connecteur droit avec flèche 137"/>
+          <p:cNvCxnSpPr>
+            <a:stCxn id="143" idx="3"/>
+            <a:endCxn id="88" idx="2"/>
+          </p:cNvCxnSpPr>
+          <p:nvPr/>
+        </p:nvCxnSpPr>
+        <p:spPr>
+          <a:xfrm flipV="1">
+            <a:off x="3106167" y="5029665"/>
+            <a:ext cx="386438" cy="587119"/>
+          </a:xfrm>
+          <a:prstGeom prst="bentConnector2">
+            <a:avLst/>
+          </a:prstGeom>
+          <a:ln w="19050">
+            <a:solidFill>
+              <a:schemeClr val="tx1"/>
+            </a:solidFill>
+            <a:prstDash val="sysDash"/>
+            <a:tailEnd type="triangle"/>
+          </a:ln>
+        </p:spPr>
+        <p:style>
+          <a:lnRef idx="1">
+            <a:schemeClr val="accent1"/>
+          </a:lnRef>
+          <a:fillRef idx="0">
+            <a:schemeClr val="accent1"/>
+          </a:fillRef>
+          <a:effectRef idx="0">
+            <a:schemeClr val="accent1"/>
+          </a:effectRef>
+          <a:fontRef idx="minor">
+            <a:schemeClr val="tx1"/>
+          </a:fontRef>
+        </p:style>
+      </p:cxnSp>
+      <p:cxnSp>
+        <p:nvCxnSpPr>
+          <p:cNvPr id="148" name="Connecteur droit avec flèche 147"/>
+          <p:cNvCxnSpPr>
+            <a:endCxn id="119" idx="1"/>
+          </p:cNvCxnSpPr>
+          <p:nvPr/>
+        </p:nvCxnSpPr>
+        <p:spPr>
+          <a:xfrm flipV="1">
+            <a:off x="-376214" y="4195763"/>
+            <a:ext cx="629823" cy="4838"/>
+          </a:xfrm>
+          <a:prstGeom prst="straightConnector1">
+            <a:avLst/>
+          </a:prstGeom>
+          <a:ln w="19050">
+            <a:solidFill>
+              <a:schemeClr val="tx1"/>
+            </a:solidFill>
+            <a:prstDash val="sysDash"/>
+            <a:tailEnd type="triangle"/>
+          </a:ln>
+        </p:spPr>
+        <p:style>
+          <a:lnRef idx="1">
+            <a:schemeClr val="accent1"/>
+          </a:lnRef>
+          <a:fillRef idx="0">
+            <a:schemeClr val="accent1"/>
+          </a:fillRef>
+          <a:effectRef idx="0">
+            <a:schemeClr val="accent1"/>
+          </a:effectRef>
+          <a:fontRef idx="minor">
+            <a:schemeClr val="tx1"/>
+          </a:fontRef>
+        </p:style>
+      </p:cxnSp>
+      <p:sp>
+        <p:nvSpPr>
+          <p:cNvPr id="149" name="ZoneTexte 148"/>
+          <p:cNvSpPr txBox="1"/>
+          <p:nvPr/>
+        </p:nvSpPr>
+        <p:spPr>
+          <a:xfrm>
+            <a:off x="-441871" y="4026817"/>
+            <a:ext cx="575447" cy="138499"/>
+          </a:xfrm>
+          <a:prstGeom prst="rect">
+            <a:avLst/>
+          </a:prstGeom>
+          <a:noFill/>
+        </p:spPr>
+        <p:txBody>
+          <a:bodyPr wrap="square" lIns="0" tIns="0" rIns="0" bIns="0" rtlCol="0">
+            <a:spAutoFit/>
+          </a:bodyPr>
+          <a:lstStyle/>
+          <a:p>
+            <a:r>
+              <a:rPr lang="fr-FR" sz="900" dirty="0">
+                <a:latin typeface="Cambria" panose="02040503050406030204" pitchFamily="18" charset="0"/>
+                <a:ea typeface="Arial Rounded MT Bold" charset="0"/>
+                <a:cs typeface="Arial Rounded MT Bold" charset="0"/>
+              </a:rPr>
+              <a:t>i</a:t>
+            </a:r>
+            <a:r>
+              <a:rPr lang="fr-FR" sz="900" dirty="0" smtClean="0">
+                <a:latin typeface="Cambria" panose="02040503050406030204" pitchFamily="18" charset="0"/>
+                <a:ea typeface="Arial Rounded MT Bold" charset="0"/>
+                <a:cs typeface="Arial Rounded MT Bold" charset="0"/>
+              </a:rPr>
+              <a:t>nput </a:t>
+            </a:r>
+            <a:r>
+              <a:rPr lang="fr-FR" sz="900" dirty="0" smtClean="0">
+                <a:latin typeface="Cambria" panose="02040503050406030204" pitchFamily="18" charset="0"/>
+                <a:ea typeface="Arial Rounded MT Bold" charset="0"/>
+                <a:cs typeface="Arial Rounded MT Bold" charset="0"/>
+              </a:rPr>
+              <a:t>TS 1</a:t>
+            </a:r>
+            <a:endParaRPr lang="fr-FR" sz="900" dirty="0">
+              <a:latin typeface="Cambria" panose="02040503050406030204" pitchFamily="18" charset="0"/>
+              <a:ea typeface="Arial Rounded MT Bold" charset="0"/>
+              <a:cs typeface="Arial Rounded MT Bold" charset="0"/>
+            </a:endParaRPr>
+          </a:p>
+        </p:txBody>
+      </p:sp>
+      <p:cxnSp>
+        <p:nvCxnSpPr>
+          <p:cNvPr id="150" name="Connecteur droit avec flèche 149"/>
+          <p:cNvCxnSpPr>
+            <a:endCxn id="140" idx="1"/>
+          </p:cNvCxnSpPr>
+          <p:nvPr/>
+        </p:nvCxnSpPr>
+        <p:spPr>
+          <a:xfrm flipV="1">
+            <a:off x="232350" y="5616784"/>
+            <a:ext cx="614114" cy="5630"/>
+          </a:xfrm>
+          <a:prstGeom prst="straightConnector1">
+            <a:avLst/>
+          </a:prstGeom>
+          <a:ln w="19050">
+            <a:solidFill>
+              <a:schemeClr val="tx1"/>
+            </a:solidFill>
+            <a:prstDash val="sysDash"/>
+            <a:tailEnd type="triangle"/>
+          </a:ln>
+        </p:spPr>
+        <p:style>
+          <a:lnRef idx="1">
+            <a:schemeClr val="accent1"/>
+          </a:lnRef>
+          <a:fillRef idx="0">
+            <a:schemeClr val="accent1"/>
+          </a:fillRef>
+          <a:effectRef idx="0">
+            <a:schemeClr val="accent1"/>
+          </a:effectRef>
+          <a:fontRef idx="minor">
+            <a:schemeClr val="tx1"/>
+          </a:fontRef>
+        </p:style>
+      </p:cxnSp>
+      <p:sp>
+        <p:nvSpPr>
+          <p:cNvPr id="151" name="ZoneTexte 150"/>
+          <p:cNvSpPr txBox="1"/>
+          <p:nvPr/>
+        </p:nvSpPr>
+        <p:spPr>
+          <a:xfrm>
+            <a:off x="153993" y="5448630"/>
+            <a:ext cx="575447" cy="138499"/>
+          </a:xfrm>
+          <a:prstGeom prst="rect">
+            <a:avLst/>
+          </a:prstGeom>
+          <a:noFill/>
+        </p:spPr>
+        <p:txBody>
+          <a:bodyPr wrap="square" lIns="0" tIns="0" rIns="0" bIns="0" rtlCol="0">
+            <a:spAutoFit/>
+          </a:bodyPr>
+          <a:lstStyle/>
+          <a:p>
+            <a:r>
+              <a:rPr lang="fr-FR" sz="900" dirty="0">
+                <a:latin typeface="Cambria" panose="02040503050406030204" pitchFamily="18" charset="0"/>
+                <a:ea typeface="Arial Rounded MT Bold" charset="0"/>
+                <a:cs typeface="Arial Rounded MT Bold" charset="0"/>
+              </a:rPr>
+              <a:t>i</a:t>
+            </a:r>
+            <a:r>
+              <a:rPr lang="fr-FR" sz="900" dirty="0" smtClean="0">
+                <a:latin typeface="Cambria" panose="02040503050406030204" pitchFamily="18" charset="0"/>
+                <a:ea typeface="Arial Rounded MT Bold" charset="0"/>
+                <a:cs typeface="Arial Rounded MT Bold" charset="0"/>
+              </a:rPr>
+              <a:t>nput </a:t>
+            </a:r>
+            <a:r>
+              <a:rPr lang="fr-FR" sz="900" dirty="0" smtClean="0">
+                <a:latin typeface="Cambria" panose="02040503050406030204" pitchFamily="18" charset="0"/>
+                <a:ea typeface="Arial Rounded MT Bold" charset="0"/>
+                <a:cs typeface="Arial Rounded MT Bold" charset="0"/>
+              </a:rPr>
+              <a:t>TS 3</a:t>
+            </a:r>
+            <a:endParaRPr lang="fr-FR" sz="900" dirty="0">
+              <a:latin typeface="Cambria" panose="02040503050406030204" pitchFamily="18" charset="0"/>
+              <a:ea typeface="Arial Rounded MT Bold" charset="0"/>
+              <a:cs typeface="Arial Rounded MT Bold" charset="0"/>
+            </a:endParaRPr>
+          </a:p>
+        </p:txBody>
+      </p:sp>
+      <p:sp>
+        <p:nvSpPr>
+          <p:cNvPr id="152" name="Rectangle à coins arrondis 151"/>
+          <p:cNvSpPr/>
+          <p:nvPr/>
+        </p:nvSpPr>
+        <p:spPr>
+          <a:xfrm>
+            <a:off x="4928469" y="3841949"/>
+            <a:ext cx="2544786" cy="580223"/>
+          </a:xfrm>
+          <a:prstGeom prst="roundRect">
+            <a:avLst>
+              <a:gd name="adj" fmla="val 3969"/>
+            </a:avLst>
+          </a:prstGeom>
+          <a:solidFill>
+            <a:schemeClr val="accent6">
+              <a:lumMod val="40000"/>
+              <a:lumOff val="60000"/>
+            </a:schemeClr>
+          </a:solidFill>
+          <a:ln>
+            <a:noFill/>
+          </a:ln>
+        </p:spPr>
+        <p:style>
+          <a:lnRef idx="2">
+            <a:schemeClr val="accent1">
+              <a:shade val="50000"/>
+            </a:schemeClr>
+          </a:lnRef>
+          <a:fillRef idx="1">
+            <a:schemeClr val="accent1"/>
+          </a:fillRef>
+          <a:effectRef idx="0">
+            <a:schemeClr val="accent1"/>
+          </a:effectRef>
+          <a:fontRef idx="minor">
+            <a:schemeClr val="lt1"/>
+          </a:fontRef>
+        </p:style>
+        <p:txBody>
+          <a:bodyPr tIns="0" rtlCol="0" anchor="t" anchorCtr="0"/>
+          <a:lstStyle/>
+          <a:p>
+            <a:pPr algn="ctr"/>
+            <a:r>
+              <a:rPr lang="fr-FR" sz="1200" b="1" dirty="0" err="1" smtClean="0">
+                <a:solidFill>
+                  <a:schemeClr val="tx1"/>
+                </a:solidFill>
+                <a:latin typeface="Cambria" panose="02040503050406030204" pitchFamily="18" charset="0"/>
+                <a:ea typeface="Arial Rounded MT Bold" charset="0"/>
+                <a:cs typeface="Arial Rounded MT Bold" charset="0"/>
+              </a:rPr>
+              <a:t>tsp</a:t>
+            </a:r>
+            <a:endParaRPr lang="fr-FR" sz="1200" b="1" dirty="0">
+              <a:solidFill>
+                <a:schemeClr val="tx1"/>
+              </a:solidFill>
+              <a:latin typeface="Cambria" panose="02040503050406030204" pitchFamily="18" charset="0"/>
+              <a:ea typeface="Arial Rounded MT Bold" charset="0"/>
+              <a:cs typeface="Arial Rounded MT Bold" charset="0"/>
+            </a:endParaRPr>
+          </a:p>
+        </p:txBody>
+      </p:sp>
+      <p:sp>
+        <p:nvSpPr>
+          <p:cNvPr id="153" name="Rectangle à coins arrondis 152"/>
+          <p:cNvSpPr/>
+          <p:nvPr/>
+        </p:nvSpPr>
+        <p:spPr>
+          <a:xfrm>
+            <a:off x="5083383" y="4049770"/>
+            <a:ext cx="439627" cy="283495"/>
+          </a:xfrm>
+          <a:prstGeom prst="roundRect">
+            <a:avLst/>
+          </a:prstGeom>
+          <a:solidFill>
+            <a:srgbClr val="1F8A4C"/>
+          </a:solidFill>
+          <a:ln>
+            <a:noFill/>
+          </a:ln>
+        </p:spPr>
+        <p:style>
+          <a:lnRef idx="2">
+            <a:schemeClr val="accent1">
+              <a:shade val="50000"/>
+            </a:schemeClr>
+          </a:lnRef>
+          <a:fillRef idx="1">
+            <a:schemeClr val="accent1"/>
+          </a:fillRef>
+          <a:effectRef idx="0">
+            <a:schemeClr val="accent1"/>
+          </a:effectRef>
+          <a:fontRef idx="minor">
+            <a:schemeClr val="lt1"/>
+          </a:fontRef>
+        </p:style>
+        <p:txBody>
+          <a:bodyPr lIns="36000" rIns="36000" rtlCol="0" anchor="ctr"/>
+          <a:lstStyle/>
+          <a:p>
+            <a:pPr algn="ctr"/>
+            <a:r>
+              <a:rPr lang="fr-FR" sz="900" b="1" dirty="0">
+                <a:latin typeface="Consolas" panose="020B0609020204030204" pitchFamily="49" charset="0"/>
+                <a:ea typeface="Arial Rounded MT Bold" charset="0"/>
+                <a:cs typeface="Consolas" panose="020B0609020204030204" pitchFamily="49" charset="0"/>
+              </a:rPr>
+              <a:t>file</a:t>
+            </a:r>
+            <a:endParaRPr lang="fr-FR" sz="900" i="1" dirty="0">
+              <a:latin typeface="Cambria" panose="02040503050406030204" pitchFamily="18" charset="0"/>
+              <a:ea typeface="Arial Rounded MT Bold" charset="0"/>
+              <a:cs typeface="Arial Rounded MT Bold" charset="0"/>
+            </a:endParaRPr>
+          </a:p>
+        </p:txBody>
+      </p:sp>
+      <p:sp>
+        <p:nvSpPr>
+          <p:cNvPr id="154" name="Rectangle à coins arrondis 153"/>
+          <p:cNvSpPr/>
+          <p:nvPr/>
+        </p:nvSpPr>
+        <p:spPr>
+          <a:xfrm>
+            <a:off x="5690075" y="4049770"/>
+            <a:ext cx="439627" cy="283495"/>
+          </a:xfrm>
+          <a:prstGeom prst="roundRect">
+            <a:avLst/>
+          </a:prstGeom>
+          <a:solidFill>
+            <a:srgbClr val="1F8A4C"/>
+          </a:solidFill>
+          <a:ln>
+            <a:noFill/>
+          </a:ln>
+        </p:spPr>
+        <p:style>
+          <a:lnRef idx="2">
+            <a:schemeClr val="accent1">
+              <a:shade val="50000"/>
+            </a:schemeClr>
+          </a:lnRef>
+          <a:fillRef idx="1">
+            <a:schemeClr val="accent1"/>
+          </a:fillRef>
+          <a:effectRef idx="0">
+            <a:schemeClr val="accent1"/>
+          </a:effectRef>
+          <a:fontRef idx="minor">
+            <a:schemeClr val="lt1"/>
+          </a:fontRef>
+        </p:style>
+        <p:txBody>
+          <a:bodyPr lIns="36000" rIns="36000" rtlCol="0" anchor="ctr"/>
+          <a:lstStyle/>
+          <a:p>
+            <a:pPr algn="ctr"/>
+            <a:r>
+              <a:rPr lang="fr-FR" sz="900" i="1" dirty="0" smtClean="0">
+                <a:latin typeface="Cambria" panose="02040503050406030204" pitchFamily="18" charset="0"/>
+                <a:ea typeface="Arial Rounded MT Bold" charset="0"/>
+                <a:cs typeface="Arial Rounded MT Bold" charset="0"/>
+              </a:rPr>
+              <a:t>plugin</a:t>
+            </a:r>
+            <a:endParaRPr lang="fr-FR" sz="900" i="1" dirty="0">
+              <a:latin typeface="Cambria" panose="02040503050406030204" pitchFamily="18" charset="0"/>
+              <a:ea typeface="Arial Rounded MT Bold" charset="0"/>
+              <a:cs typeface="Arial Rounded MT Bold" charset="0"/>
+            </a:endParaRPr>
+          </a:p>
+        </p:txBody>
+      </p:sp>
+      <p:sp>
+        <p:nvSpPr>
+          <p:cNvPr id="155" name="Rectangle à coins arrondis 154"/>
+          <p:cNvSpPr/>
+          <p:nvPr/>
+        </p:nvSpPr>
+        <p:spPr>
+          <a:xfrm>
+            <a:off x="6296767" y="4049770"/>
+            <a:ext cx="439627" cy="283495"/>
+          </a:xfrm>
+          <a:prstGeom prst="roundRect">
+            <a:avLst/>
+          </a:prstGeom>
+          <a:solidFill>
+            <a:srgbClr val="1F8A4C"/>
+          </a:solidFill>
+          <a:ln>
+            <a:noFill/>
+          </a:ln>
+        </p:spPr>
+        <p:style>
+          <a:lnRef idx="2">
+            <a:schemeClr val="accent1">
+              <a:shade val="50000"/>
+            </a:schemeClr>
+          </a:lnRef>
+          <a:fillRef idx="1">
+            <a:schemeClr val="accent1"/>
+          </a:fillRef>
+          <a:effectRef idx="0">
+            <a:schemeClr val="accent1"/>
+          </a:effectRef>
+          <a:fontRef idx="minor">
+            <a:schemeClr val="lt1"/>
+          </a:fontRef>
+        </p:style>
+        <p:txBody>
+          <a:bodyPr lIns="36000" rIns="36000" rtlCol="0" anchor="ctr"/>
+          <a:lstStyle/>
+          <a:p>
+            <a:pPr algn="ctr"/>
+            <a:r>
+              <a:rPr lang="fr-FR" sz="900" i="1" dirty="0" smtClean="0">
+                <a:latin typeface="Cambria" panose="02040503050406030204" pitchFamily="18" charset="0"/>
+                <a:ea typeface="Arial Rounded MT Bold" charset="0"/>
+                <a:cs typeface="Arial Rounded MT Bold" charset="0"/>
+              </a:rPr>
+              <a:t>plugin</a:t>
+            </a:r>
+            <a:endParaRPr lang="fr-FR" sz="900" i="1" dirty="0">
+              <a:latin typeface="Cambria" panose="02040503050406030204" pitchFamily="18" charset="0"/>
+              <a:ea typeface="Arial Rounded MT Bold" charset="0"/>
+              <a:cs typeface="Arial Rounded MT Bold" charset="0"/>
+            </a:endParaRPr>
+          </a:p>
+        </p:txBody>
+      </p:sp>
+      <p:sp>
+        <p:nvSpPr>
+          <p:cNvPr id="156" name="Rectangle à coins arrondis 155"/>
+          <p:cNvSpPr/>
+          <p:nvPr/>
+        </p:nvSpPr>
+        <p:spPr>
+          <a:xfrm>
+            <a:off x="6903459" y="4049770"/>
+            <a:ext cx="439627" cy="283495"/>
+          </a:xfrm>
+          <a:prstGeom prst="roundRect">
+            <a:avLst/>
+          </a:prstGeom>
+          <a:solidFill>
+            <a:srgbClr val="1F8A4C"/>
+          </a:solidFill>
+          <a:ln>
+            <a:noFill/>
+          </a:ln>
+        </p:spPr>
+        <p:style>
+          <a:lnRef idx="2">
+            <a:schemeClr val="accent1">
+              <a:shade val="50000"/>
+            </a:schemeClr>
+          </a:lnRef>
+          <a:fillRef idx="1">
+            <a:schemeClr val="accent1"/>
+          </a:fillRef>
+          <a:effectRef idx="0">
+            <a:schemeClr val="accent1"/>
+          </a:effectRef>
+          <a:fontRef idx="minor">
+            <a:schemeClr val="lt1"/>
+          </a:fontRef>
+        </p:style>
+        <p:txBody>
+          <a:bodyPr lIns="36000" rIns="36000" rtlCol="0" anchor="ctr"/>
+          <a:lstStyle/>
+          <a:p>
+            <a:pPr algn="ctr"/>
+            <a:r>
+              <a:rPr lang="fr-FR" sz="900" i="1" dirty="0">
+                <a:latin typeface="Cambria" panose="02040503050406030204" pitchFamily="18" charset="0"/>
+                <a:ea typeface="Arial Rounded MT Bold" charset="0"/>
+                <a:cs typeface="Arial Rounded MT Bold" charset="0"/>
+              </a:rPr>
+              <a:t>output</a:t>
+            </a:r>
+            <a:endParaRPr lang="fr-FR" sz="900" i="1" dirty="0">
+              <a:latin typeface="Cambria" panose="02040503050406030204" pitchFamily="18" charset="0"/>
+              <a:ea typeface="Arial Rounded MT Bold" charset="0"/>
+              <a:cs typeface="Arial Rounded MT Bold" charset="0"/>
+            </a:endParaRPr>
+          </a:p>
+        </p:txBody>
+      </p:sp>
+      <p:cxnSp>
+        <p:nvCxnSpPr>
+          <p:cNvPr id="157" name="Connecteur droit avec flèche 156"/>
+          <p:cNvCxnSpPr>
+            <a:stCxn id="153" idx="3"/>
+            <a:endCxn id="154" idx="1"/>
+          </p:cNvCxnSpPr>
+          <p:nvPr/>
+        </p:nvCxnSpPr>
+        <p:spPr>
+          <a:xfrm>
+            <a:off x="5523010" y="4191518"/>
+            <a:ext cx="167065" cy="0"/>
+          </a:xfrm>
+          <a:prstGeom prst="straightConnector1">
+            <a:avLst/>
+          </a:prstGeom>
+          <a:ln w="19050">
+            <a:solidFill>
+              <a:schemeClr val="tx1"/>
+            </a:solidFill>
+            <a:prstDash val="sysDash"/>
+            <a:tailEnd type="triangle"/>
+          </a:ln>
+        </p:spPr>
+        <p:style>
+          <a:lnRef idx="1">
+            <a:schemeClr val="accent1"/>
+          </a:lnRef>
+          <a:fillRef idx="0">
+            <a:schemeClr val="accent1"/>
+          </a:fillRef>
+          <a:effectRef idx="0">
+            <a:schemeClr val="accent1"/>
+          </a:effectRef>
+          <a:fontRef idx="minor">
+            <a:schemeClr val="tx1"/>
+          </a:fontRef>
+        </p:style>
+      </p:cxnSp>
+      <p:cxnSp>
+        <p:nvCxnSpPr>
+          <p:cNvPr id="158" name="Connecteur droit avec flèche 157"/>
+          <p:cNvCxnSpPr>
+            <a:endCxn id="155" idx="1"/>
+          </p:cNvCxnSpPr>
+          <p:nvPr/>
+        </p:nvCxnSpPr>
+        <p:spPr>
+          <a:xfrm flipV="1">
+            <a:off x="6143116" y="4191518"/>
+            <a:ext cx="153651" cy="4838"/>
+          </a:xfrm>
+          <a:prstGeom prst="straightConnector1">
+            <a:avLst/>
+          </a:prstGeom>
+          <a:ln w="19050">
+            <a:solidFill>
+              <a:schemeClr val="tx1"/>
+            </a:solidFill>
+            <a:prstDash val="sysDash"/>
+            <a:tailEnd type="triangle"/>
+          </a:ln>
+        </p:spPr>
+        <p:style>
+          <a:lnRef idx="1">
+            <a:schemeClr val="accent1"/>
+          </a:lnRef>
+          <a:fillRef idx="0">
+            <a:schemeClr val="accent1"/>
+          </a:fillRef>
+          <a:effectRef idx="0">
+            <a:schemeClr val="accent1"/>
+          </a:effectRef>
+          <a:fontRef idx="minor">
+            <a:schemeClr val="tx1"/>
+          </a:fontRef>
+        </p:style>
+      </p:cxnSp>
+      <p:cxnSp>
+        <p:nvCxnSpPr>
+          <p:cNvPr id="159" name="Connecteur droit avec flèche 158"/>
+          <p:cNvCxnSpPr>
+            <a:stCxn id="155" idx="3"/>
+            <a:endCxn id="156" idx="1"/>
+          </p:cNvCxnSpPr>
+          <p:nvPr/>
+        </p:nvCxnSpPr>
+        <p:spPr>
+          <a:xfrm>
+            <a:off x="6736394" y="4191518"/>
+            <a:ext cx="167065" cy="0"/>
+          </a:xfrm>
+          <a:prstGeom prst="straightConnector1">
+            <a:avLst/>
+          </a:prstGeom>
+          <a:ln w="19050">
+            <a:solidFill>
+              <a:schemeClr val="tx1"/>
+            </a:solidFill>
+            <a:prstDash val="sysDash"/>
+            <a:tailEnd type="triangle"/>
+          </a:ln>
+        </p:spPr>
+        <p:style>
+          <a:lnRef idx="1">
+            <a:schemeClr val="accent1"/>
+          </a:lnRef>
+          <a:fillRef idx="0">
+            <a:schemeClr val="accent1"/>
+          </a:fillRef>
+          <a:effectRef idx="0">
+            <a:schemeClr val="accent1"/>
+          </a:effectRef>
+          <a:fontRef idx="minor">
+            <a:schemeClr val="tx1"/>
+          </a:fontRef>
+        </p:style>
+      </p:cxnSp>
+      <p:cxnSp>
+        <p:nvCxnSpPr>
+          <p:cNvPr id="160" name="Connecteur droit avec flèche 137"/>
+          <p:cNvCxnSpPr>
+            <a:stCxn id="91" idx="0"/>
+            <a:endCxn id="153" idx="1"/>
+          </p:cNvCxnSpPr>
+          <p:nvPr/>
+        </p:nvCxnSpPr>
+        <p:spPr>
+          <a:xfrm rot="5400000" flipH="1" flipV="1">
+            <a:off x="4617819" y="4280606"/>
+            <a:ext cx="554652" cy="376476"/>
+          </a:xfrm>
+          <a:prstGeom prst="bentConnector2">
+            <a:avLst/>
+          </a:prstGeom>
+          <a:ln w="19050">
+            <a:solidFill>
+              <a:schemeClr val="tx1"/>
+            </a:solidFill>
+            <a:prstDash val="sysDash"/>
+            <a:tailEnd type="triangle"/>
+          </a:ln>
+        </p:spPr>
+        <p:style>
+          <a:lnRef idx="1">
+            <a:schemeClr val="accent1"/>
+          </a:lnRef>
+          <a:fillRef idx="0">
+            <a:schemeClr val="accent1"/>
+          </a:fillRef>
+          <a:effectRef idx="0">
+            <a:schemeClr val="accent1"/>
+          </a:effectRef>
+          <a:fontRef idx="minor">
+            <a:schemeClr val="tx1"/>
+          </a:fontRef>
+        </p:style>
+      </p:cxnSp>
+      <p:sp>
+        <p:nvSpPr>
+          <p:cNvPr id="161" name="Rectangle à coins arrondis 160"/>
+          <p:cNvSpPr/>
+          <p:nvPr/>
+        </p:nvSpPr>
+        <p:spPr>
+          <a:xfrm>
+            <a:off x="5579051" y="5267214"/>
+            <a:ext cx="2544786" cy="580223"/>
+          </a:xfrm>
+          <a:prstGeom prst="roundRect">
+            <a:avLst>
+              <a:gd name="adj" fmla="val 3969"/>
+            </a:avLst>
+          </a:prstGeom>
+          <a:solidFill>
+            <a:schemeClr val="accent6">
+              <a:lumMod val="40000"/>
+              <a:lumOff val="60000"/>
+            </a:schemeClr>
+          </a:solidFill>
+          <a:ln>
+            <a:noFill/>
+          </a:ln>
+        </p:spPr>
+        <p:style>
+          <a:lnRef idx="2">
+            <a:schemeClr val="accent1">
+              <a:shade val="50000"/>
+            </a:schemeClr>
+          </a:lnRef>
+          <a:fillRef idx="1">
+            <a:schemeClr val="accent1"/>
+          </a:fillRef>
+          <a:effectRef idx="0">
+            <a:schemeClr val="accent1"/>
+          </a:effectRef>
+          <a:fontRef idx="minor">
+            <a:schemeClr val="lt1"/>
+          </a:fontRef>
+        </p:style>
+        <p:txBody>
+          <a:bodyPr tIns="0" rtlCol="0" anchor="t" anchorCtr="0"/>
+          <a:lstStyle/>
+          <a:p>
+            <a:pPr algn="ctr"/>
+            <a:r>
+              <a:rPr lang="fr-FR" sz="1200" b="1" dirty="0" err="1" smtClean="0">
+                <a:solidFill>
+                  <a:schemeClr val="tx1"/>
+                </a:solidFill>
+                <a:latin typeface="Cambria" panose="02040503050406030204" pitchFamily="18" charset="0"/>
+                <a:ea typeface="Arial Rounded MT Bold" charset="0"/>
+                <a:cs typeface="Arial Rounded MT Bold" charset="0"/>
+              </a:rPr>
+              <a:t>tsp</a:t>
+            </a:r>
+            <a:endParaRPr lang="fr-FR" sz="1200" b="1" dirty="0">
+              <a:solidFill>
+                <a:schemeClr val="tx1"/>
+              </a:solidFill>
+              <a:latin typeface="Cambria" panose="02040503050406030204" pitchFamily="18" charset="0"/>
+              <a:ea typeface="Arial Rounded MT Bold" charset="0"/>
+              <a:cs typeface="Arial Rounded MT Bold" charset="0"/>
+            </a:endParaRPr>
+          </a:p>
+        </p:txBody>
+      </p:sp>
+      <p:sp>
+        <p:nvSpPr>
+          <p:cNvPr id="162" name="Rectangle à coins arrondis 161"/>
+          <p:cNvSpPr/>
+          <p:nvPr/>
+        </p:nvSpPr>
+        <p:spPr>
+          <a:xfrm>
+            <a:off x="5733965" y="5475035"/>
+            <a:ext cx="439627" cy="283495"/>
+          </a:xfrm>
+          <a:prstGeom prst="roundRect">
+            <a:avLst/>
+          </a:prstGeom>
+          <a:solidFill>
+            <a:srgbClr val="1F8A4C"/>
+          </a:solidFill>
+          <a:ln>
+            <a:noFill/>
+          </a:ln>
+        </p:spPr>
+        <p:style>
+          <a:lnRef idx="2">
+            <a:schemeClr val="accent1">
+              <a:shade val="50000"/>
+            </a:schemeClr>
+          </a:lnRef>
+          <a:fillRef idx="1">
+            <a:schemeClr val="accent1"/>
+          </a:fillRef>
+          <a:effectRef idx="0">
+            <a:schemeClr val="accent1"/>
+          </a:effectRef>
+          <a:fontRef idx="minor">
+            <a:schemeClr val="lt1"/>
+          </a:fontRef>
+        </p:style>
+        <p:txBody>
+          <a:bodyPr lIns="36000" rIns="36000" rtlCol="0" anchor="ctr"/>
+          <a:lstStyle/>
+          <a:p>
+            <a:pPr algn="ctr"/>
+            <a:r>
+              <a:rPr lang="fr-FR" sz="900" b="1" dirty="0">
+                <a:latin typeface="Consolas" panose="020B0609020204030204" pitchFamily="49" charset="0"/>
+                <a:ea typeface="Arial Rounded MT Bold" charset="0"/>
+                <a:cs typeface="Consolas" panose="020B0609020204030204" pitchFamily="49" charset="0"/>
+              </a:rPr>
+              <a:t>file</a:t>
+            </a:r>
+            <a:endParaRPr lang="fr-FR" sz="900" i="1" dirty="0">
+              <a:latin typeface="Cambria" panose="02040503050406030204" pitchFamily="18" charset="0"/>
+              <a:ea typeface="Arial Rounded MT Bold" charset="0"/>
+              <a:cs typeface="Arial Rounded MT Bold" charset="0"/>
+            </a:endParaRPr>
+          </a:p>
+        </p:txBody>
+      </p:sp>
+      <p:sp>
+        <p:nvSpPr>
+          <p:cNvPr id="163" name="Rectangle à coins arrondis 162"/>
+          <p:cNvSpPr/>
+          <p:nvPr/>
+        </p:nvSpPr>
+        <p:spPr>
+          <a:xfrm>
+            <a:off x="6340657" y="5475035"/>
+            <a:ext cx="439627" cy="283495"/>
+          </a:xfrm>
+          <a:prstGeom prst="roundRect">
+            <a:avLst/>
+          </a:prstGeom>
+          <a:solidFill>
+            <a:srgbClr val="1F8A4C"/>
+          </a:solidFill>
+          <a:ln>
+            <a:noFill/>
+          </a:ln>
+        </p:spPr>
+        <p:style>
+          <a:lnRef idx="2">
+            <a:schemeClr val="accent1">
+              <a:shade val="50000"/>
+            </a:schemeClr>
+          </a:lnRef>
+          <a:fillRef idx="1">
+            <a:schemeClr val="accent1"/>
+          </a:fillRef>
+          <a:effectRef idx="0">
+            <a:schemeClr val="accent1"/>
+          </a:effectRef>
+          <a:fontRef idx="minor">
+            <a:schemeClr val="lt1"/>
+          </a:fontRef>
+        </p:style>
+        <p:txBody>
+          <a:bodyPr lIns="36000" rIns="36000" rtlCol="0" anchor="ctr"/>
+          <a:lstStyle/>
+          <a:p>
+            <a:pPr algn="ctr"/>
+            <a:r>
+              <a:rPr lang="fr-FR" sz="900" i="1" dirty="0" smtClean="0">
+                <a:latin typeface="Cambria" panose="02040503050406030204" pitchFamily="18" charset="0"/>
+                <a:ea typeface="Arial Rounded MT Bold" charset="0"/>
+                <a:cs typeface="Arial Rounded MT Bold" charset="0"/>
+              </a:rPr>
+              <a:t>plugin</a:t>
+            </a:r>
+            <a:endParaRPr lang="fr-FR" sz="900" i="1" dirty="0">
+              <a:latin typeface="Cambria" panose="02040503050406030204" pitchFamily="18" charset="0"/>
+              <a:ea typeface="Arial Rounded MT Bold" charset="0"/>
+              <a:cs typeface="Arial Rounded MT Bold" charset="0"/>
+            </a:endParaRPr>
+          </a:p>
+        </p:txBody>
+      </p:sp>
+      <p:sp>
+        <p:nvSpPr>
+          <p:cNvPr id="164" name="Rectangle à coins arrondis 163"/>
+          <p:cNvSpPr/>
+          <p:nvPr/>
+        </p:nvSpPr>
+        <p:spPr>
+          <a:xfrm>
+            <a:off x="6947349" y="5475035"/>
+            <a:ext cx="439627" cy="283495"/>
+          </a:xfrm>
+          <a:prstGeom prst="roundRect">
+            <a:avLst/>
+          </a:prstGeom>
+          <a:solidFill>
+            <a:srgbClr val="1F8A4C"/>
+          </a:solidFill>
+          <a:ln>
+            <a:noFill/>
+          </a:ln>
+        </p:spPr>
+        <p:style>
+          <a:lnRef idx="2">
+            <a:schemeClr val="accent1">
+              <a:shade val="50000"/>
+            </a:schemeClr>
+          </a:lnRef>
+          <a:fillRef idx="1">
+            <a:schemeClr val="accent1"/>
+          </a:fillRef>
+          <a:effectRef idx="0">
+            <a:schemeClr val="accent1"/>
+          </a:effectRef>
+          <a:fontRef idx="minor">
+            <a:schemeClr val="lt1"/>
+          </a:fontRef>
+        </p:style>
+        <p:txBody>
+          <a:bodyPr lIns="36000" rIns="36000" rtlCol="0" anchor="ctr"/>
+          <a:lstStyle/>
+          <a:p>
+            <a:pPr algn="ctr"/>
+            <a:r>
+              <a:rPr lang="fr-FR" sz="900" i="1" dirty="0" smtClean="0">
+                <a:latin typeface="Cambria" panose="02040503050406030204" pitchFamily="18" charset="0"/>
+                <a:ea typeface="Arial Rounded MT Bold" charset="0"/>
+                <a:cs typeface="Arial Rounded MT Bold" charset="0"/>
+              </a:rPr>
+              <a:t>plugin</a:t>
+            </a:r>
+            <a:endParaRPr lang="fr-FR" sz="900" i="1" dirty="0">
+              <a:latin typeface="Cambria" panose="02040503050406030204" pitchFamily="18" charset="0"/>
+              <a:ea typeface="Arial Rounded MT Bold" charset="0"/>
+              <a:cs typeface="Arial Rounded MT Bold" charset="0"/>
+            </a:endParaRPr>
+          </a:p>
+        </p:txBody>
+      </p:sp>
+      <p:sp>
+        <p:nvSpPr>
+          <p:cNvPr id="165" name="Rectangle à coins arrondis 164"/>
+          <p:cNvSpPr/>
+          <p:nvPr/>
+        </p:nvSpPr>
+        <p:spPr>
+          <a:xfrm>
+            <a:off x="7554041" y="5475035"/>
+            <a:ext cx="439627" cy="283495"/>
+          </a:xfrm>
+          <a:prstGeom prst="roundRect">
+            <a:avLst/>
+          </a:prstGeom>
+          <a:solidFill>
+            <a:srgbClr val="1F8A4C"/>
+          </a:solidFill>
+          <a:ln>
+            <a:noFill/>
+          </a:ln>
+        </p:spPr>
+        <p:style>
+          <a:lnRef idx="2">
+            <a:schemeClr val="accent1">
+              <a:shade val="50000"/>
+            </a:schemeClr>
+          </a:lnRef>
+          <a:fillRef idx="1">
+            <a:schemeClr val="accent1"/>
+          </a:fillRef>
+          <a:effectRef idx="0">
+            <a:schemeClr val="accent1"/>
+          </a:effectRef>
+          <a:fontRef idx="minor">
+            <a:schemeClr val="lt1"/>
+          </a:fontRef>
+        </p:style>
+        <p:txBody>
+          <a:bodyPr lIns="36000" rIns="36000" rtlCol="0" anchor="ctr"/>
+          <a:lstStyle/>
+          <a:p>
+            <a:pPr algn="ctr"/>
+            <a:r>
+              <a:rPr lang="fr-FR" sz="900" i="1" dirty="0">
+                <a:latin typeface="Cambria" panose="02040503050406030204" pitchFamily="18" charset="0"/>
+                <a:ea typeface="Arial Rounded MT Bold" charset="0"/>
+                <a:cs typeface="Arial Rounded MT Bold" charset="0"/>
+              </a:rPr>
+              <a:t>output</a:t>
+            </a:r>
+            <a:endParaRPr lang="fr-FR" sz="900" i="1" dirty="0">
+              <a:latin typeface="Cambria" panose="02040503050406030204" pitchFamily="18" charset="0"/>
+              <a:ea typeface="Arial Rounded MT Bold" charset="0"/>
+              <a:cs typeface="Arial Rounded MT Bold" charset="0"/>
+            </a:endParaRPr>
+          </a:p>
+        </p:txBody>
+      </p:sp>
+      <p:cxnSp>
+        <p:nvCxnSpPr>
+          <p:cNvPr id="166" name="Connecteur droit avec flèche 165"/>
+          <p:cNvCxnSpPr>
+            <a:stCxn id="162" idx="3"/>
+            <a:endCxn id="163" idx="1"/>
+          </p:cNvCxnSpPr>
+          <p:nvPr/>
+        </p:nvCxnSpPr>
+        <p:spPr>
+          <a:xfrm>
+            <a:off x="6173592" y="5616783"/>
+            <a:ext cx="167065" cy="0"/>
+          </a:xfrm>
+          <a:prstGeom prst="straightConnector1">
+            <a:avLst/>
+          </a:prstGeom>
+          <a:ln w="19050">
+            <a:solidFill>
+              <a:schemeClr val="tx1"/>
+            </a:solidFill>
+            <a:prstDash val="sysDash"/>
+            <a:tailEnd type="triangle"/>
+          </a:ln>
+        </p:spPr>
+        <p:style>
+          <a:lnRef idx="1">
+            <a:schemeClr val="accent1"/>
+          </a:lnRef>
+          <a:fillRef idx="0">
+            <a:schemeClr val="accent1"/>
+          </a:fillRef>
+          <a:effectRef idx="0">
+            <a:schemeClr val="accent1"/>
+          </a:effectRef>
+          <a:fontRef idx="minor">
+            <a:schemeClr val="tx1"/>
+          </a:fontRef>
+        </p:style>
+      </p:cxnSp>
+      <p:cxnSp>
+        <p:nvCxnSpPr>
+          <p:cNvPr id="167" name="Connecteur droit avec flèche 166"/>
+          <p:cNvCxnSpPr>
+            <a:endCxn id="164" idx="1"/>
+          </p:cNvCxnSpPr>
+          <p:nvPr/>
+        </p:nvCxnSpPr>
+        <p:spPr>
+          <a:xfrm flipV="1">
+            <a:off x="6793698" y="5616783"/>
+            <a:ext cx="153651" cy="4838"/>
+          </a:xfrm>
+          <a:prstGeom prst="straightConnector1">
+            <a:avLst/>
+          </a:prstGeom>
+          <a:ln w="19050">
+            <a:solidFill>
+              <a:schemeClr val="tx1"/>
+            </a:solidFill>
+            <a:prstDash val="sysDash"/>
+            <a:tailEnd type="triangle"/>
+          </a:ln>
+        </p:spPr>
+        <p:style>
+          <a:lnRef idx="1">
+            <a:schemeClr val="accent1"/>
+          </a:lnRef>
+          <a:fillRef idx="0">
+            <a:schemeClr val="accent1"/>
+          </a:fillRef>
+          <a:effectRef idx="0">
+            <a:schemeClr val="accent1"/>
+          </a:effectRef>
+          <a:fontRef idx="minor">
+            <a:schemeClr val="tx1"/>
+          </a:fontRef>
+        </p:style>
+      </p:cxnSp>
+      <p:cxnSp>
+        <p:nvCxnSpPr>
+          <p:cNvPr id="168" name="Connecteur droit avec flèche 167"/>
+          <p:cNvCxnSpPr>
+            <a:stCxn id="164" idx="3"/>
+            <a:endCxn id="165" idx="1"/>
+          </p:cNvCxnSpPr>
+          <p:nvPr/>
+        </p:nvCxnSpPr>
+        <p:spPr>
+          <a:xfrm>
+            <a:off x="7386976" y="5616783"/>
+            <a:ext cx="167065" cy="0"/>
+          </a:xfrm>
+          <a:prstGeom prst="straightConnector1">
+            <a:avLst/>
+          </a:prstGeom>
+          <a:ln w="19050">
+            <a:solidFill>
+              <a:schemeClr val="tx1"/>
+            </a:solidFill>
+            <a:prstDash val="sysDash"/>
+            <a:tailEnd type="triangle"/>
+          </a:ln>
+        </p:spPr>
+        <p:style>
+          <a:lnRef idx="1">
+            <a:schemeClr val="accent1"/>
+          </a:lnRef>
+          <a:fillRef idx="0">
+            <a:schemeClr val="accent1"/>
+          </a:fillRef>
+          <a:effectRef idx="0">
+            <a:schemeClr val="accent1"/>
+          </a:effectRef>
+          <a:fontRef idx="minor">
+            <a:schemeClr val="tx1"/>
+          </a:fontRef>
+        </p:style>
+      </p:cxnSp>
+      <p:cxnSp>
+        <p:nvCxnSpPr>
+          <p:cNvPr id="169" name="Connecteur droit avec flèche 137"/>
+          <p:cNvCxnSpPr>
+            <a:stCxn id="92" idx="2"/>
+            <a:endCxn id="162" idx="1"/>
+          </p:cNvCxnSpPr>
+          <p:nvPr/>
+        </p:nvCxnSpPr>
+        <p:spPr>
+          <a:xfrm rot="16200000" flipH="1">
+            <a:off x="5230452" y="5113270"/>
+            <a:ext cx="587118" cy="419907"/>
+          </a:xfrm>
+          <a:prstGeom prst="bentConnector2">
+            <a:avLst/>
+          </a:prstGeom>
+          <a:ln w="19050">
+            <a:solidFill>
+              <a:schemeClr val="tx1"/>
+            </a:solidFill>
+            <a:prstDash val="sysDash"/>
+            <a:tailEnd type="triangle"/>
+          </a:ln>
+        </p:spPr>
+        <p:style>
+          <a:lnRef idx="1">
+            <a:schemeClr val="accent1"/>
+          </a:lnRef>
+          <a:fillRef idx="0">
+            <a:schemeClr val="accent1"/>
+          </a:fillRef>
+          <a:effectRef idx="0">
+            <a:schemeClr val="accent1"/>
+          </a:effectRef>
+          <a:fontRef idx="minor">
+            <a:schemeClr val="tx1"/>
+          </a:fontRef>
+        </p:style>
+      </p:cxnSp>
+      <p:sp>
+        <p:nvSpPr>
+          <p:cNvPr id="170" name="ZoneTexte 169"/>
+          <p:cNvSpPr txBox="1"/>
+          <p:nvPr/>
+        </p:nvSpPr>
+        <p:spPr>
+          <a:xfrm>
+            <a:off x="7499392" y="4003708"/>
+            <a:ext cx="647700" cy="138499"/>
+          </a:xfrm>
+          <a:prstGeom prst="rect">
+            <a:avLst/>
+          </a:prstGeom>
+          <a:noFill/>
+        </p:spPr>
+        <p:txBody>
+          <a:bodyPr wrap="square" lIns="0" tIns="0" rIns="0" bIns="0" rtlCol="0">
+            <a:spAutoFit/>
+          </a:bodyPr>
+          <a:lstStyle/>
+          <a:p>
+            <a:r>
+              <a:rPr lang="fr-FR" sz="900" dirty="0" smtClean="0">
+                <a:latin typeface="Cambria" panose="02040503050406030204" pitchFamily="18" charset="0"/>
+                <a:ea typeface="Arial Rounded MT Bold" charset="0"/>
+                <a:cs typeface="Arial Rounded MT Bold" charset="0"/>
+              </a:rPr>
+              <a:t>output </a:t>
+            </a:r>
+            <a:r>
+              <a:rPr lang="fr-FR" sz="900" dirty="0" smtClean="0">
+                <a:latin typeface="Cambria" panose="02040503050406030204" pitchFamily="18" charset="0"/>
+                <a:ea typeface="Arial Rounded MT Bold" charset="0"/>
+                <a:cs typeface="Arial Rounded MT Bold" charset="0"/>
+              </a:rPr>
+              <a:t>TS 1</a:t>
+            </a:r>
+            <a:endParaRPr lang="fr-FR" sz="900" dirty="0">
+              <a:latin typeface="Cambria" panose="02040503050406030204" pitchFamily="18" charset="0"/>
+              <a:ea typeface="Arial Rounded MT Bold" charset="0"/>
+              <a:cs typeface="Arial Rounded MT Bold" charset="0"/>
+            </a:endParaRPr>
+          </a:p>
+        </p:txBody>
+      </p:sp>
+      <p:cxnSp>
+        <p:nvCxnSpPr>
+          <p:cNvPr id="171" name="Connecteur droit avec flèche 170"/>
+          <p:cNvCxnSpPr>
+            <a:stCxn id="156" idx="3"/>
+          </p:cNvCxnSpPr>
+          <p:nvPr/>
+        </p:nvCxnSpPr>
+        <p:spPr>
+          <a:xfrm flipV="1">
+            <a:off x="7343086" y="4185962"/>
+            <a:ext cx="604510" cy="5556"/>
+          </a:xfrm>
+          <a:prstGeom prst="straightConnector1">
+            <a:avLst/>
+          </a:prstGeom>
+          <a:ln w="19050">
+            <a:solidFill>
+              <a:schemeClr val="tx1"/>
+            </a:solidFill>
+            <a:prstDash val="sysDash"/>
+            <a:tailEnd type="triangle"/>
+          </a:ln>
+        </p:spPr>
+        <p:style>
+          <a:lnRef idx="1">
+            <a:schemeClr val="accent1"/>
+          </a:lnRef>
+          <a:fillRef idx="0">
+            <a:schemeClr val="accent1"/>
+          </a:fillRef>
+          <a:effectRef idx="0">
+            <a:schemeClr val="accent1"/>
+          </a:effectRef>
+          <a:fontRef idx="minor">
+            <a:schemeClr val="tx1"/>
+          </a:fontRef>
+        </p:style>
+      </p:cxnSp>
+      <p:sp>
+        <p:nvSpPr>
+          <p:cNvPr id="172" name="ZoneTexte 171"/>
+          <p:cNvSpPr txBox="1"/>
+          <p:nvPr/>
+        </p:nvSpPr>
+        <p:spPr>
+          <a:xfrm>
+            <a:off x="8169024" y="5443075"/>
+            <a:ext cx="647700" cy="138499"/>
+          </a:xfrm>
+          <a:prstGeom prst="rect">
+            <a:avLst/>
+          </a:prstGeom>
+          <a:noFill/>
+        </p:spPr>
+        <p:txBody>
+          <a:bodyPr wrap="square" lIns="0" tIns="0" rIns="0" bIns="0" rtlCol="0">
+            <a:spAutoFit/>
+          </a:bodyPr>
+          <a:lstStyle/>
+          <a:p>
+            <a:r>
+              <a:rPr lang="fr-FR" sz="900" dirty="0" smtClean="0">
+                <a:latin typeface="Cambria" panose="02040503050406030204" pitchFamily="18" charset="0"/>
+                <a:ea typeface="Arial Rounded MT Bold" charset="0"/>
+                <a:cs typeface="Arial Rounded MT Bold" charset="0"/>
+              </a:rPr>
+              <a:t>output </a:t>
+            </a:r>
+            <a:r>
+              <a:rPr lang="fr-FR" sz="900" dirty="0" smtClean="0">
+                <a:latin typeface="Cambria" panose="02040503050406030204" pitchFamily="18" charset="0"/>
+                <a:ea typeface="Arial Rounded MT Bold" charset="0"/>
+                <a:cs typeface="Arial Rounded MT Bold" charset="0"/>
+              </a:rPr>
+              <a:t>TS 3</a:t>
+            </a:r>
+            <a:endParaRPr lang="fr-FR" sz="900" dirty="0">
+              <a:latin typeface="Cambria" panose="02040503050406030204" pitchFamily="18" charset="0"/>
+              <a:ea typeface="Arial Rounded MT Bold" charset="0"/>
+              <a:cs typeface="Arial Rounded MT Bold" charset="0"/>
+            </a:endParaRPr>
+          </a:p>
+        </p:txBody>
+      </p:sp>
+      <p:cxnSp>
+        <p:nvCxnSpPr>
+          <p:cNvPr id="173" name="Connecteur droit avec flèche 172"/>
+          <p:cNvCxnSpPr>
+            <a:stCxn id="165" idx="3"/>
+          </p:cNvCxnSpPr>
+          <p:nvPr/>
+        </p:nvCxnSpPr>
+        <p:spPr>
+          <a:xfrm flipV="1">
+            <a:off x="7993668" y="5616782"/>
+            <a:ext cx="604510" cy="1"/>
+          </a:xfrm>
+          <a:prstGeom prst="straightConnector1">
+            <a:avLst/>
+          </a:prstGeom>
+          <a:ln w="19050">
+            <a:solidFill>
+              <a:schemeClr val="tx1"/>
+            </a:solidFill>
+            <a:prstDash val="sysDash"/>
+            <a:tailEnd type="triangle"/>
+          </a:ln>
+        </p:spPr>
+        <p:style>
+          <a:lnRef idx="1">
+            <a:schemeClr val="accent1"/>
+          </a:lnRef>
+          <a:fillRef idx="0">
+            <a:schemeClr val="accent1"/>
+          </a:fillRef>
+          <a:effectRef idx="0">
+            <a:schemeClr val="accent1"/>
+          </a:effectRef>
+          <a:fontRef idx="minor">
+            <a:schemeClr val="tx1"/>
+          </a:fontRef>
+        </p:style>
+      </p:cxnSp>
+      <p:grpSp>
+        <p:nvGrpSpPr>
+          <p:cNvPr id="1024" name="Groupe 1023"/>
+          <p:cNvGrpSpPr/>
+          <p:nvPr/>
+        </p:nvGrpSpPr>
+        <p:grpSpPr>
+          <a:xfrm>
+            <a:off x="198903" y="6457333"/>
+            <a:ext cx="6571573" cy="1685639"/>
+            <a:chOff x="198903" y="6457333"/>
+            <a:chExt cx="6571573" cy="1685639"/>
+          </a:xfrm>
+        </p:grpSpPr>
+        <p:sp>
+          <p:nvSpPr>
+            <p:cNvPr id="174" name="Rectangle à coins arrondis 173"/>
+            <p:cNvSpPr/>
+            <p:nvPr/>
+          </p:nvSpPr>
+          <p:spPr>
+            <a:xfrm>
+              <a:off x="1437034" y="6955058"/>
+              <a:ext cx="3519851" cy="411831"/>
+            </a:xfrm>
+            <a:prstGeom prst="roundRect">
+              <a:avLst>
+                <a:gd name="adj" fmla="val 3969"/>
+              </a:avLst>
+            </a:prstGeom>
+            <a:solidFill>
+              <a:schemeClr val="accent6">
+                <a:lumMod val="40000"/>
+                <a:lumOff val="60000"/>
+              </a:schemeClr>
+            </a:solidFill>
+            <a:ln>
+              <a:noFill/>
+            </a:ln>
+          </p:spPr>
+          <p:style>
+            <a:lnRef idx="2">
+              <a:schemeClr val="accent1">
+                <a:shade val="50000"/>
+              </a:schemeClr>
+            </a:lnRef>
+            <a:fillRef idx="1">
+              <a:schemeClr val="accent1"/>
+            </a:fillRef>
+            <a:effectRef idx="0">
+              <a:schemeClr val="accent1"/>
+            </a:effectRef>
+            <a:fontRef idx="minor">
+              <a:schemeClr val="lt1"/>
+            </a:fontRef>
+          </p:style>
+          <p:txBody>
+            <a:bodyPr tIns="0" rtlCol="0" anchor="t" anchorCtr="0"/>
+            <a:lstStyle/>
+            <a:p>
+              <a:pPr algn="ctr"/>
+              <a:r>
+                <a:rPr lang="fr-FR" sz="600" b="1" dirty="0" err="1" smtClean="0">
+                  <a:solidFill>
+                    <a:schemeClr val="tx1"/>
+                  </a:solidFill>
+                  <a:latin typeface="Cambria" panose="02040503050406030204" pitchFamily="18" charset="0"/>
+                  <a:ea typeface="Arial Rounded MT Bold" charset="0"/>
+                  <a:cs typeface="Arial Rounded MT Bold" charset="0"/>
+                </a:rPr>
+                <a:t>tsp</a:t>
+              </a:r>
+              <a:endParaRPr lang="fr-FR" sz="600" b="1" dirty="0">
+                <a:solidFill>
+                  <a:schemeClr val="tx1"/>
+                </a:solidFill>
+                <a:latin typeface="Cambria" panose="02040503050406030204" pitchFamily="18" charset="0"/>
+                <a:ea typeface="Arial Rounded MT Bold" charset="0"/>
+                <a:cs typeface="Arial Rounded MT Bold" charset="0"/>
+              </a:endParaRPr>
+            </a:p>
+          </p:txBody>
+        </p:sp>
+        <p:sp>
+          <p:nvSpPr>
+            <p:cNvPr id="175" name="Rectangle à coins arrondis 174"/>
+            <p:cNvSpPr/>
+            <p:nvPr/>
+          </p:nvSpPr>
+          <p:spPr>
+            <a:xfrm>
+              <a:off x="1542666" y="7099132"/>
+              <a:ext cx="312039" cy="201219"/>
+            </a:xfrm>
+            <a:prstGeom prst="roundRect">
+              <a:avLst/>
+            </a:prstGeom>
+            <a:solidFill>
+              <a:srgbClr val="1F8A4C"/>
+            </a:solidFill>
+            <a:ln>
+              <a:noFill/>
+            </a:ln>
+          </p:spPr>
+          <p:style>
+            <a:lnRef idx="2">
+              <a:schemeClr val="accent1">
+                <a:shade val="50000"/>
+              </a:schemeClr>
+            </a:lnRef>
+            <a:fillRef idx="1">
+              <a:schemeClr val="accent1"/>
+            </a:fillRef>
+            <a:effectRef idx="0">
+              <a:schemeClr val="accent1"/>
+            </a:effectRef>
+            <a:fontRef idx="minor">
+              <a:schemeClr val="lt1"/>
+            </a:fontRef>
+          </p:style>
+          <p:txBody>
+            <a:bodyPr lIns="36000" rIns="36000" rtlCol="0" anchor="ctr"/>
+            <a:lstStyle/>
+            <a:p>
+              <a:pPr algn="ctr"/>
+              <a:r>
+                <a:rPr lang="fr-FR" sz="600" i="1" dirty="0" smtClean="0">
+                  <a:latin typeface="Cambria" panose="02040503050406030204" pitchFamily="18" charset="0"/>
+                  <a:ea typeface="Arial Rounded MT Bold" charset="0"/>
+                  <a:cs typeface="Arial Rounded MT Bold" charset="0"/>
+                </a:rPr>
+                <a:t>input</a:t>
+              </a:r>
+              <a:endParaRPr lang="fr-FR" sz="600" i="1" dirty="0">
+                <a:latin typeface="Cambria" panose="02040503050406030204" pitchFamily="18" charset="0"/>
+                <a:ea typeface="Arial Rounded MT Bold" charset="0"/>
+                <a:cs typeface="Arial Rounded MT Bold" charset="0"/>
+              </a:endParaRPr>
+            </a:p>
+          </p:txBody>
+        </p:sp>
+        <p:cxnSp>
+          <p:nvCxnSpPr>
+            <p:cNvPr id="176" name="Connecteur droit avec flèche 175"/>
+            <p:cNvCxnSpPr>
+              <a:endCxn id="175" idx="1"/>
+            </p:cNvCxnSpPr>
+            <p:nvPr/>
+          </p:nvCxnSpPr>
+          <p:spPr>
+            <a:xfrm>
+              <a:off x="1096360" y="7199741"/>
+              <a:ext cx="446307" cy="1"/>
+            </a:xfrm>
+            <a:prstGeom prst="straightConnector1">
+              <a:avLst/>
+            </a:prstGeom>
+            <a:ln w="19050">
+              <a:solidFill>
+                <a:schemeClr val="tx1"/>
+              </a:solidFill>
+              <a:prstDash val="sysDash"/>
+              <a:tailEnd type="triangle"/>
+            </a:ln>
+          </p:spPr>
+          <p:style>
+            <a:lnRef idx="1">
+              <a:schemeClr val="accent1"/>
+            </a:lnRef>
+            <a:fillRef idx="0">
+              <a:schemeClr val="accent1"/>
+            </a:fillRef>
+            <a:effectRef idx="0">
+              <a:schemeClr val="accent1"/>
+            </a:effectRef>
+            <a:fontRef idx="minor">
+              <a:schemeClr val="tx1"/>
+            </a:fontRef>
+          </p:style>
+        </p:cxnSp>
+        <p:sp>
+          <p:nvSpPr>
+            <p:cNvPr id="177" name="ZoneTexte 176"/>
+            <p:cNvSpPr txBox="1"/>
+            <p:nvPr/>
+          </p:nvSpPr>
+          <p:spPr>
+            <a:xfrm>
+              <a:off x="1054265" y="7076393"/>
+              <a:ext cx="408441" cy="92333"/>
+            </a:xfrm>
+            <a:prstGeom prst="rect">
+              <a:avLst/>
+            </a:prstGeom>
+            <a:noFill/>
+          </p:spPr>
+          <p:txBody>
+            <a:bodyPr wrap="square" lIns="0" tIns="0" rIns="0" bIns="0" rtlCol="0">
+              <a:spAutoFit/>
+            </a:bodyPr>
+            <a:lstStyle/>
+            <a:p>
+              <a:r>
+                <a:rPr lang="fr-FR" sz="600" dirty="0">
+                  <a:latin typeface="Cambria" panose="02040503050406030204" pitchFamily="18" charset="0"/>
+                  <a:ea typeface="Arial Rounded MT Bold" charset="0"/>
+                  <a:cs typeface="Arial Rounded MT Bold" charset="0"/>
+                </a:rPr>
+                <a:t>i</a:t>
+              </a:r>
+              <a:r>
+                <a:rPr lang="fr-FR" sz="600" dirty="0" smtClean="0">
+                  <a:latin typeface="Cambria" panose="02040503050406030204" pitchFamily="18" charset="0"/>
+                  <a:ea typeface="Arial Rounded MT Bold" charset="0"/>
+                  <a:cs typeface="Arial Rounded MT Bold" charset="0"/>
+                </a:rPr>
+                <a:t>nput </a:t>
+              </a:r>
+              <a:r>
+                <a:rPr lang="fr-FR" sz="600" dirty="0" smtClean="0">
+                  <a:latin typeface="Cambria" panose="02040503050406030204" pitchFamily="18" charset="0"/>
+                  <a:ea typeface="Arial Rounded MT Bold" charset="0"/>
+                  <a:cs typeface="Arial Rounded MT Bold" charset="0"/>
+                </a:rPr>
+                <a:t>TS 2</a:t>
+              </a:r>
+              <a:endParaRPr lang="fr-FR" sz="600" dirty="0">
+                <a:latin typeface="Cambria" panose="02040503050406030204" pitchFamily="18" charset="0"/>
+                <a:ea typeface="Arial Rounded MT Bold" charset="0"/>
+                <a:cs typeface="Arial Rounded MT Bold" charset="0"/>
+              </a:endParaRPr>
+            </a:p>
+          </p:txBody>
+        </p:sp>
+        <p:sp>
+          <p:nvSpPr>
+            <p:cNvPr id="178" name="ZoneTexte 177"/>
+            <p:cNvSpPr txBox="1"/>
+            <p:nvPr/>
+          </p:nvSpPr>
+          <p:spPr>
+            <a:xfrm>
+              <a:off x="4982257" y="7070382"/>
+              <a:ext cx="459725" cy="92333"/>
+            </a:xfrm>
+            <a:prstGeom prst="rect">
+              <a:avLst/>
+            </a:prstGeom>
+            <a:noFill/>
+          </p:spPr>
+          <p:txBody>
+            <a:bodyPr wrap="square" lIns="0" tIns="0" rIns="0" bIns="0" rtlCol="0">
+              <a:spAutoFit/>
+            </a:bodyPr>
+            <a:lstStyle/>
+            <a:p>
+              <a:r>
+                <a:rPr lang="fr-FR" sz="600" dirty="0" smtClean="0">
+                  <a:latin typeface="Cambria" panose="02040503050406030204" pitchFamily="18" charset="0"/>
+                  <a:ea typeface="Arial Rounded MT Bold" charset="0"/>
+                  <a:cs typeface="Arial Rounded MT Bold" charset="0"/>
+                </a:rPr>
+                <a:t>output </a:t>
+              </a:r>
+              <a:r>
+                <a:rPr lang="fr-FR" sz="600" dirty="0" smtClean="0">
+                  <a:latin typeface="Cambria" panose="02040503050406030204" pitchFamily="18" charset="0"/>
+                  <a:ea typeface="Arial Rounded MT Bold" charset="0"/>
+                  <a:cs typeface="Arial Rounded MT Bold" charset="0"/>
+                </a:rPr>
+                <a:t>TS 2</a:t>
+              </a:r>
+              <a:endParaRPr lang="fr-FR" sz="600" dirty="0">
+                <a:latin typeface="Cambria" panose="02040503050406030204" pitchFamily="18" charset="0"/>
+                <a:ea typeface="Arial Rounded MT Bold" charset="0"/>
+                <a:cs typeface="Arial Rounded MT Bold" charset="0"/>
+              </a:endParaRPr>
+            </a:p>
+          </p:txBody>
+        </p:sp>
+        <p:sp>
+          <p:nvSpPr>
+            <p:cNvPr id="181" name="Rectangle à coins arrondis 180"/>
+            <p:cNvSpPr/>
+            <p:nvPr/>
+          </p:nvSpPr>
+          <p:spPr>
+            <a:xfrm>
+              <a:off x="1973611" y="7099132"/>
+              <a:ext cx="312039" cy="201219"/>
+            </a:xfrm>
+            <a:prstGeom prst="roundRect">
+              <a:avLst/>
+            </a:prstGeom>
+            <a:solidFill>
+              <a:srgbClr val="1F8A4C"/>
+            </a:solidFill>
+            <a:ln>
+              <a:noFill/>
+            </a:ln>
+          </p:spPr>
+          <p:style>
+            <a:lnRef idx="2">
+              <a:schemeClr val="accent1">
+                <a:shade val="50000"/>
+              </a:schemeClr>
+            </a:lnRef>
+            <a:fillRef idx="1">
+              <a:schemeClr val="accent1"/>
+            </a:fillRef>
+            <a:effectRef idx="0">
+              <a:schemeClr val="accent1"/>
+            </a:effectRef>
+            <a:fontRef idx="minor">
+              <a:schemeClr val="lt1"/>
+            </a:fontRef>
+          </p:style>
+          <p:txBody>
+            <a:bodyPr lIns="36000" rIns="36000" rtlCol="0" anchor="ctr"/>
+            <a:lstStyle/>
+            <a:p>
+              <a:pPr algn="ctr"/>
+              <a:r>
+                <a:rPr lang="fr-FR" sz="600" i="1" dirty="0" smtClean="0">
+                  <a:latin typeface="Cambria" panose="02040503050406030204" pitchFamily="18" charset="0"/>
+                  <a:ea typeface="Arial Rounded MT Bold" charset="0"/>
+                  <a:cs typeface="Arial Rounded MT Bold" charset="0"/>
+                </a:rPr>
+                <a:t>plugin</a:t>
+              </a:r>
+              <a:endParaRPr lang="fr-FR" sz="600" i="1" dirty="0">
+                <a:latin typeface="Cambria" panose="02040503050406030204" pitchFamily="18" charset="0"/>
+                <a:ea typeface="Arial Rounded MT Bold" charset="0"/>
+                <a:cs typeface="Arial Rounded MT Bold" charset="0"/>
+              </a:endParaRPr>
+            </a:p>
+          </p:txBody>
+        </p:sp>
+        <p:sp>
+          <p:nvSpPr>
+            <p:cNvPr id="182" name="Rectangle à coins arrondis 181"/>
+            <p:cNvSpPr/>
+            <p:nvPr/>
+          </p:nvSpPr>
+          <p:spPr>
+            <a:xfrm>
+              <a:off x="2404555" y="7099132"/>
+              <a:ext cx="312039" cy="201219"/>
+            </a:xfrm>
+            <a:prstGeom prst="roundRect">
+              <a:avLst/>
+            </a:prstGeom>
+            <a:solidFill>
+              <a:srgbClr val="1F8A4C"/>
+            </a:solidFill>
+            <a:ln>
+              <a:noFill/>
+            </a:ln>
+          </p:spPr>
+          <p:style>
+            <a:lnRef idx="2">
+              <a:schemeClr val="accent1">
+                <a:shade val="50000"/>
+              </a:schemeClr>
+            </a:lnRef>
+            <a:fillRef idx="1">
+              <a:schemeClr val="accent1"/>
+            </a:fillRef>
+            <a:effectRef idx="0">
+              <a:schemeClr val="accent1"/>
+            </a:effectRef>
+            <a:fontRef idx="minor">
+              <a:schemeClr val="lt1"/>
+            </a:fontRef>
+          </p:style>
+          <p:txBody>
+            <a:bodyPr lIns="36000" rIns="36000" rtlCol="0" anchor="ctr"/>
+            <a:lstStyle/>
+            <a:p>
+              <a:pPr algn="ctr"/>
+              <a:r>
+                <a:rPr lang="fr-FR" sz="600" b="1" dirty="0" err="1" smtClean="0">
+                  <a:latin typeface="Consolas" panose="020B0609020204030204" pitchFamily="49" charset="0"/>
+                  <a:ea typeface="Arial Rounded MT Bold" charset="0"/>
+                  <a:cs typeface="Consolas" panose="020B0609020204030204" pitchFamily="49" charset="0"/>
+                </a:rPr>
+                <a:t>merge</a:t>
+              </a:r>
+              <a:endParaRPr lang="fr-FR" sz="600" b="1" dirty="0">
+                <a:latin typeface="Consolas" panose="020B0609020204030204" pitchFamily="49" charset="0"/>
+                <a:ea typeface="Arial Rounded MT Bold" charset="0"/>
+                <a:cs typeface="Consolas" panose="020B0609020204030204" pitchFamily="49" charset="0"/>
+              </a:endParaRPr>
+            </a:p>
+          </p:txBody>
+        </p:sp>
+        <p:sp>
+          <p:nvSpPr>
+            <p:cNvPr id="183" name="Rectangle à coins arrondis 182"/>
+            <p:cNvSpPr/>
+            <p:nvPr/>
+          </p:nvSpPr>
+          <p:spPr>
+            <a:xfrm>
+              <a:off x="2835499" y="7099132"/>
+              <a:ext cx="312039" cy="201219"/>
+            </a:xfrm>
+            <a:prstGeom prst="roundRect">
+              <a:avLst/>
+            </a:prstGeom>
+            <a:solidFill>
+              <a:srgbClr val="1F8A4C"/>
+            </a:solidFill>
+            <a:ln>
+              <a:noFill/>
+            </a:ln>
+          </p:spPr>
+          <p:style>
+            <a:lnRef idx="2">
+              <a:schemeClr val="accent1">
+                <a:shade val="50000"/>
+              </a:schemeClr>
+            </a:lnRef>
+            <a:fillRef idx="1">
+              <a:schemeClr val="accent1"/>
+            </a:fillRef>
+            <a:effectRef idx="0">
+              <a:schemeClr val="accent1"/>
+            </a:effectRef>
+            <a:fontRef idx="minor">
+              <a:schemeClr val="lt1"/>
+            </a:fontRef>
+          </p:style>
+          <p:txBody>
+            <a:bodyPr lIns="36000" rIns="36000" rtlCol="0" anchor="ctr"/>
+            <a:lstStyle/>
+            <a:p>
+              <a:pPr algn="ctr"/>
+              <a:r>
+                <a:rPr lang="fr-FR" sz="600" b="1" dirty="0" err="1">
+                  <a:latin typeface="Consolas" panose="020B0609020204030204" pitchFamily="49" charset="0"/>
+                  <a:ea typeface="Arial Rounded MT Bold" charset="0"/>
+                  <a:cs typeface="Consolas" panose="020B0609020204030204" pitchFamily="49" charset="0"/>
+                </a:rPr>
+                <a:t>merge</a:t>
+              </a:r>
+              <a:endParaRPr lang="fr-FR" sz="600" i="1" dirty="0">
+                <a:latin typeface="Cambria" panose="02040503050406030204" pitchFamily="18" charset="0"/>
+                <a:ea typeface="Arial Rounded MT Bold" charset="0"/>
+                <a:cs typeface="Arial Rounded MT Bold" charset="0"/>
+              </a:endParaRPr>
+            </a:p>
+          </p:txBody>
+        </p:sp>
+        <p:sp>
+          <p:nvSpPr>
+            <p:cNvPr id="184" name="Rectangle à coins arrondis 183"/>
+            <p:cNvSpPr/>
+            <p:nvPr/>
+          </p:nvSpPr>
+          <p:spPr>
+            <a:xfrm>
+              <a:off x="3266443" y="7099132"/>
+              <a:ext cx="312039" cy="201219"/>
+            </a:xfrm>
+            <a:prstGeom prst="roundRect">
+              <a:avLst/>
+            </a:prstGeom>
+            <a:solidFill>
+              <a:srgbClr val="1F8A4C"/>
+            </a:solidFill>
+            <a:ln>
+              <a:noFill/>
+            </a:ln>
+          </p:spPr>
+          <p:style>
+            <a:lnRef idx="2">
+              <a:schemeClr val="accent1">
+                <a:shade val="50000"/>
+              </a:schemeClr>
+            </a:lnRef>
+            <a:fillRef idx="1">
+              <a:schemeClr val="accent1"/>
+            </a:fillRef>
+            <a:effectRef idx="0">
+              <a:schemeClr val="accent1"/>
+            </a:effectRef>
+            <a:fontRef idx="minor">
+              <a:schemeClr val="lt1"/>
+            </a:fontRef>
+          </p:style>
+          <p:txBody>
+            <a:bodyPr lIns="36000" rIns="36000" rtlCol="0" anchor="ctr"/>
+            <a:lstStyle/>
+            <a:p>
+              <a:pPr algn="ctr"/>
+              <a:r>
+                <a:rPr lang="fr-FR" sz="600" i="1" dirty="0" smtClean="0">
+                  <a:latin typeface="Cambria" panose="02040503050406030204" pitchFamily="18" charset="0"/>
+                  <a:ea typeface="Arial Rounded MT Bold" charset="0"/>
+                  <a:cs typeface="Arial Rounded MT Bold" charset="0"/>
+                </a:rPr>
+                <a:t>plugin</a:t>
+              </a:r>
+              <a:endParaRPr lang="fr-FR" sz="600" i="1" dirty="0">
+                <a:latin typeface="Cambria" panose="02040503050406030204" pitchFamily="18" charset="0"/>
+                <a:ea typeface="Arial Rounded MT Bold" charset="0"/>
+                <a:cs typeface="Arial Rounded MT Bold" charset="0"/>
+              </a:endParaRPr>
+            </a:p>
+          </p:txBody>
+        </p:sp>
+        <p:sp>
+          <p:nvSpPr>
+            <p:cNvPr id="185" name="Rectangle à coins arrondis 184"/>
+            <p:cNvSpPr/>
+            <p:nvPr/>
+          </p:nvSpPr>
+          <p:spPr>
+            <a:xfrm>
+              <a:off x="3697387" y="7099132"/>
+              <a:ext cx="312039" cy="201219"/>
+            </a:xfrm>
+            <a:prstGeom prst="roundRect">
+              <a:avLst/>
+            </a:prstGeom>
+            <a:solidFill>
+              <a:srgbClr val="1F8A4C"/>
+            </a:solidFill>
+            <a:ln>
+              <a:noFill/>
+            </a:ln>
+          </p:spPr>
+          <p:style>
+            <a:lnRef idx="2">
+              <a:schemeClr val="accent1">
+                <a:shade val="50000"/>
+              </a:schemeClr>
+            </a:lnRef>
+            <a:fillRef idx="1">
+              <a:schemeClr val="accent1"/>
+            </a:fillRef>
+            <a:effectRef idx="0">
+              <a:schemeClr val="accent1"/>
+            </a:effectRef>
+            <a:fontRef idx="minor">
+              <a:schemeClr val="lt1"/>
+            </a:fontRef>
+          </p:style>
+          <p:txBody>
+            <a:bodyPr lIns="36000" rIns="36000" rtlCol="0" anchor="ctr"/>
+            <a:lstStyle/>
+            <a:p>
+              <a:pPr algn="ctr"/>
+              <a:r>
+                <a:rPr lang="fr-FR" sz="600" b="1" dirty="0" smtClean="0">
+                  <a:latin typeface="Consolas" panose="020B0609020204030204" pitchFamily="49" charset="0"/>
+                  <a:ea typeface="Arial Rounded MT Bold" charset="0"/>
+                  <a:cs typeface="Consolas" panose="020B0609020204030204" pitchFamily="49" charset="0"/>
+                </a:rPr>
+                <a:t>fork</a:t>
+              </a:r>
+              <a:endParaRPr lang="fr-FR" sz="600" i="1" dirty="0">
+                <a:latin typeface="Cambria" panose="02040503050406030204" pitchFamily="18" charset="0"/>
+                <a:ea typeface="Arial Rounded MT Bold" charset="0"/>
+                <a:cs typeface="Arial Rounded MT Bold" charset="0"/>
+              </a:endParaRPr>
+            </a:p>
+          </p:txBody>
+        </p:sp>
+        <p:sp>
+          <p:nvSpPr>
+            <p:cNvPr id="186" name="Rectangle à coins arrondis 185"/>
+            <p:cNvSpPr/>
+            <p:nvPr/>
+          </p:nvSpPr>
+          <p:spPr>
+            <a:xfrm>
+              <a:off x="4128331" y="7099132"/>
+              <a:ext cx="312039" cy="201219"/>
+            </a:xfrm>
+            <a:prstGeom prst="roundRect">
+              <a:avLst/>
+            </a:prstGeom>
+            <a:solidFill>
+              <a:srgbClr val="1F8A4C"/>
+            </a:solidFill>
+            <a:ln>
+              <a:noFill/>
+            </a:ln>
+          </p:spPr>
+          <p:style>
+            <a:lnRef idx="2">
+              <a:schemeClr val="accent1">
+                <a:shade val="50000"/>
+              </a:schemeClr>
+            </a:lnRef>
+            <a:fillRef idx="1">
+              <a:schemeClr val="accent1"/>
+            </a:fillRef>
+            <a:effectRef idx="0">
+              <a:schemeClr val="accent1"/>
+            </a:effectRef>
+            <a:fontRef idx="minor">
+              <a:schemeClr val="lt1"/>
+            </a:fontRef>
+          </p:style>
+          <p:txBody>
+            <a:bodyPr lIns="36000" rIns="36000" rtlCol="0" anchor="ctr"/>
+            <a:lstStyle/>
+            <a:p>
+              <a:pPr algn="ctr"/>
+              <a:r>
+                <a:rPr lang="fr-FR" sz="600" b="1" dirty="0">
+                  <a:latin typeface="Consolas" panose="020B0609020204030204" pitchFamily="49" charset="0"/>
+                  <a:ea typeface="Arial Rounded MT Bold" charset="0"/>
+                  <a:cs typeface="Consolas" panose="020B0609020204030204" pitchFamily="49" charset="0"/>
+                </a:rPr>
+                <a:t>fork</a:t>
+              </a:r>
+              <a:endParaRPr lang="fr-FR" sz="600" i="1" dirty="0">
+                <a:latin typeface="Cambria" panose="02040503050406030204" pitchFamily="18" charset="0"/>
+                <a:ea typeface="Arial Rounded MT Bold" charset="0"/>
+                <a:cs typeface="Arial Rounded MT Bold" charset="0"/>
+              </a:endParaRPr>
+            </a:p>
+          </p:txBody>
+        </p:sp>
+        <p:sp>
+          <p:nvSpPr>
+            <p:cNvPr id="187" name="Rectangle à coins arrondis 186"/>
+            <p:cNvSpPr/>
+            <p:nvPr/>
+          </p:nvSpPr>
+          <p:spPr>
+            <a:xfrm>
+              <a:off x="4559275" y="7099132"/>
+              <a:ext cx="312039" cy="201219"/>
+            </a:xfrm>
+            <a:prstGeom prst="roundRect">
+              <a:avLst/>
+            </a:prstGeom>
+            <a:solidFill>
+              <a:srgbClr val="1F8A4C"/>
+            </a:solidFill>
+            <a:ln>
+              <a:noFill/>
+            </a:ln>
+          </p:spPr>
+          <p:style>
+            <a:lnRef idx="2">
+              <a:schemeClr val="accent1">
+                <a:shade val="50000"/>
+              </a:schemeClr>
+            </a:lnRef>
+            <a:fillRef idx="1">
+              <a:schemeClr val="accent1"/>
+            </a:fillRef>
+            <a:effectRef idx="0">
+              <a:schemeClr val="accent1"/>
+            </a:effectRef>
+            <a:fontRef idx="minor">
+              <a:schemeClr val="lt1"/>
+            </a:fontRef>
+          </p:style>
+          <p:txBody>
+            <a:bodyPr lIns="36000" rIns="36000" rtlCol="0" anchor="ctr"/>
+            <a:lstStyle/>
+            <a:p>
+              <a:pPr algn="ctr"/>
+              <a:r>
+                <a:rPr lang="fr-FR" sz="600" i="1" dirty="0" smtClean="0">
+                  <a:latin typeface="Cambria" panose="02040503050406030204" pitchFamily="18" charset="0"/>
+                  <a:ea typeface="Arial Rounded MT Bold" charset="0"/>
+                  <a:cs typeface="Arial Rounded MT Bold" charset="0"/>
+                </a:rPr>
+                <a:t>out</a:t>
+              </a:r>
+              <a:r>
+                <a:rPr lang="fr-FR" sz="600" i="1" dirty="0" smtClean="0">
+                  <a:latin typeface="Cambria" panose="02040503050406030204" pitchFamily="18" charset="0"/>
+                  <a:ea typeface="Arial Rounded MT Bold" charset="0"/>
+                  <a:cs typeface="Arial Rounded MT Bold" charset="0"/>
+                </a:rPr>
+                <a:t>put</a:t>
+              </a:r>
+              <a:endParaRPr lang="fr-FR" sz="600" i="1" dirty="0">
+                <a:latin typeface="Cambria" panose="02040503050406030204" pitchFamily="18" charset="0"/>
+                <a:ea typeface="Arial Rounded MT Bold" charset="0"/>
+                <a:cs typeface="Arial Rounded MT Bold" charset="0"/>
+              </a:endParaRPr>
+            </a:p>
+          </p:txBody>
+        </p:sp>
+        <p:cxnSp>
+          <p:nvCxnSpPr>
+            <p:cNvPr id="188" name="Connecteur droit avec flèche 187"/>
+            <p:cNvCxnSpPr>
+              <a:stCxn id="175" idx="3"/>
+              <a:endCxn id="181" idx="1"/>
+            </p:cNvCxnSpPr>
+            <p:nvPr/>
+          </p:nvCxnSpPr>
+          <p:spPr>
+            <a:xfrm>
+              <a:off x="1854705" y="7199742"/>
+              <a:ext cx="118905" cy="0"/>
+            </a:xfrm>
+            <a:prstGeom prst="straightConnector1">
+              <a:avLst/>
+            </a:prstGeom>
+            <a:ln w="19050">
+              <a:solidFill>
+                <a:schemeClr val="tx1"/>
+              </a:solidFill>
+              <a:prstDash val="sysDash"/>
+              <a:tailEnd type="triangle"/>
+            </a:ln>
+          </p:spPr>
+          <p:style>
+            <a:lnRef idx="1">
+              <a:schemeClr val="accent1"/>
+            </a:lnRef>
+            <a:fillRef idx="0">
+              <a:schemeClr val="accent1"/>
+            </a:fillRef>
+            <a:effectRef idx="0">
+              <a:schemeClr val="accent1"/>
+            </a:effectRef>
+            <a:fontRef idx="minor">
+              <a:schemeClr val="tx1"/>
+            </a:fontRef>
+          </p:style>
+        </p:cxnSp>
+        <p:cxnSp>
+          <p:nvCxnSpPr>
+            <p:cNvPr id="189" name="Connecteur droit avec flèche 188"/>
+            <p:cNvCxnSpPr>
+              <a:stCxn id="181" idx="3"/>
+              <a:endCxn id="182" idx="1"/>
+            </p:cNvCxnSpPr>
+            <p:nvPr/>
+          </p:nvCxnSpPr>
+          <p:spPr>
+            <a:xfrm>
+              <a:off x="2285649" y="7199742"/>
+              <a:ext cx="118905" cy="0"/>
+            </a:xfrm>
+            <a:prstGeom prst="straightConnector1">
+              <a:avLst/>
+            </a:prstGeom>
+            <a:ln w="19050">
+              <a:solidFill>
+                <a:schemeClr val="tx1"/>
+              </a:solidFill>
+              <a:prstDash val="sysDash"/>
+              <a:tailEnd type="triangle"/>
+            </a:ln>
+          </p:spPr>
+          <p:style>
+            <a:lnRef idx="1">
+              <a:schemeClr val="accent1"/>
+            </a:lnRef>
+            <a:fillRef idx="0">
+              <a:schemeClr val="accent1"/>
+            </a:fillRef>
+            <a:effectRef idx="0">
+              <a:schemeClr val="accent1"/>
+            </a:effectRef>
+            <a:fontRef idx="minor">
+              <a:schemeClr val="tx1"/>
+            </a:fontRef>
+          </p:style>
+        </p:cxnSp>
+        <p:cxnSp>
+          <p:nvCxnSpPr>
+            <p:cNvPr id="190" name="Connecteur droit avec flèche 189"/>
+            <p:cNvCxnSpPr>
+              <a:stCxn id="182" idx="3"/>
+              <a:endCxn id="183" idx="1"/>
+            </p:cNvCxnSpPr>
+            <p:nvPr/>
+          </p:nvCxnSpPr>
+          <p:spPr>
+            <a:xfrm>
+              <a:off x="2716593" y="7199742"/>
+              <a:ext cx="118905" cy="0"/>
+            </a:xfrm>
+            <a:prstGeom prst="straightConnector1">
+              <a:avLst/>
+            </a:prstGeom>
+            <a:ln w="19050">
+              <a:solidFill>
+                <a:schemeClr val="tx1"/>
+              </a:solidFill>
+              <a:prstDash val="sysDash"/>
+              <a:tailEnd type="triangle"/>
+            </a:ln>
+          </p:spPr>
+          <p:style>
+            <a:lnRef idx="1">
+              <a:schemeClr val="accent1"/>
+            </a:lnRef>
+            <a:fillRef idx="0">
+              <a:schemeClr val="accent1"/>
+            </a:fillRef>
+            <a:effectRef idx="0">
+              <a:schemeClr val="accent1"/>
+            </a:effectRef>
+            <a:fontRef idx="minor">
+              <a:schemeClr val="tx1"/>
+            </a:fontRef>
+          </p:style>
+        </p:cxnSp>
+        <p:cxnSp>
+          <p:nvCxnSpPr>
+            <p:cNvPr id="191" name="Connecteur droit avec flèche 190"/>
+            <p:cNvCxnSpPr>
+              <a:stCxn id="183" idx="3"/>
+              <a:endCxn id="184" idx="1"/>
+            </p:cNvCxnSpPr>
+            <p:nvPr/>
+          </p:nvCxnSpPr>
+          <p:spPr>
+            <a:xfrm>
+              <a:off x="3147538" y="7199742"/>
+              <a:ext cx="118905" cy="0"/>
+            </a:xfrm>
+            <a:prstGeom prst="straightConnector1">
+              <a:avLst/>
+            </a:prstGeom>
+            <a:ln w="19050">
+              <a:solidFill>
+                <a:schemeClr val="tx1"/>
+              </a:solidFill>
+              <a:prstDash val="sysDash"/>
+              <a:tailEnd type="triangle"/>
+            </a:ln>
+          </p:spPr>
+          <p:style>
+            <a:lnRef idx="1">
+              <a:schemeClr val="accent1"/>
+            </a:lnRef>
+            <a:fillRef idx="0">
+              <a:schemeClr val="accent1"/>
+            </a:fillRef>
+            <a:effectRef idx="0">
+              <a:schemeClr val="accent1"/>
+            </a:effectRef>
+            <a:fontRef idx="minor">
+              <a:schemeClr val="tx1"/>
+            </a:fontRef>
+          </p:style>
+        </p:cxnSp>
+        <p:cxnSp>
+          <p:nvCxnSpPr>
+            <p:cNvPr id="192" name="Connecteur droit avec flèche 191"/>
+            <p:cNvCxnSpPr>
+              <a:stCxn id="184" idx="3"/>
+              <a:endCxn id="185" idx="1"/>
+            </p:cNvCxnSpPr>
+            <p:nvPr/>
+          </p:nvCxnSpPr>
+          <p:spPr>
+            <a:xfrm>
+              <a:off x="3578482" y="7199742"/>
+              <a:ext cx="118905" cy="0"/>
+            </a:xfrm>
+            <a:prstGeom prst="straightConnector1">
+              <a:avLst/>
+            </a:prstGeom>
+            <a:ln w="19050">
+              <a:solidFill>
+                <a:schemeClr val="tx1"/>
+              </a:solidFill>
+              <a:prstDash val="sysDash"/>
+              <a:tailEnd type="triangle"/>
+            </a:ln>
+          </p:spPr>
+          <p:style>
+            <a:lnRef idx="1">
+              <a:schemeClr val="accent1"/>
+            </a:lnRef>
+            <a:fillRef idx="0">
+              <a:schemeClr val="accent1"/>
+            </a:fillRef>
+            <a:effectRef idx="0">
+              <a:schemeClr val="accent1"/>
+            </a:effectRef>
+            <a:fontRef idx="minor">
+              <a:schemeClr val="tx1"/>
+            </a:fontRef>
+          </p:style>
+        </p:cxnSp>
+        <p:cxnSp>
+          <p:nvCxnSpPr>
+            <p:cNvPr id="193" name="Connecteur droit avec flèche 192"/>
+            <p:cNvCxnSpPr>
+              <a:stCxn id="185" idx="3"/>
+              <a:endCxn id="186" idx="1"/>
+            </p:cNvCxnSpPr>
+            <p:nvPr/>
+          </p:nvCxnSpPr>
+          <p:spPr>
+            <a:xfrm>
+              <a:off x="4009426" y="7199742"/>
+              <a:ext cx="118905" cy="0"/>
+            </a:xfrm>
+            <a:prstGeom prst="straightConnector1">
+              <a:avLst/>
+            </a:prstGeom>
+            <a:ln w="19050">
+              <a:solidFill>
+                <a:schemeClr val="tx1"/>
+              </a:solidFill>
+              <a:prstDash val="sysDash"/>
+              <a:tailEnd type="triangle"/>
+            </a:ln>
+          </p:spPr>
+          <p:style>
+            <a:lnRef idx="1">
+              <a:schemeClr val="accent1"/>
+            </a:lnRef>
+            <a:fillRef idx="0">
+              <a:schemeClr val="accent1"/>
+            </a:fillRef>
+            <a:effectRef idx="0">
+              <a:schemeClr val="accent1"/>
+            </a:effectRef>
+            <a:fontRef idx="minor">
+              <a:schemeClr val="tx1"/>
+            </a:fontRef>
+          </p:style>
+        </p:cxnSp>
+        <p:cxnSp>
+          <p:nvCxnSpPr>
+            <p:cNvPr id="194" name="Connecteur droit avec flèche 193"/>
+            <p:cNvCxnSpPr>
+              <a:stCxn id="186" idx="3"/>
+              <a:endCxn id="187" idx="1"/>
+            </p:cNvCxnSpPr>
+            <p:nvPr/>
+          </p:nvCxnSpPr>
+          <p:spPr>
+            <a:xfrm>
+              <a:off x="4440370" y="7199742"/>
+              <a:ext cx="118905" cy="0"/>
+            </a:xfrm>
+            <a:prstGeom prst="straightConnector1">
+              <a:avLst/>
+            </a:prstGeom>
+            <a:ln w="19050">
+              <a:solidFill>
+                <a:schemeClr val="tx1"/>
+              </a:solidFill>
+              <a:prstDash val="sysDash"/>
+              <a:tailEnd type="triangle"/>
+            </a:ln>
+          </p:spPr>
+          <p:style>
+            <a:lnRef idx="1">
+              <a:schemeClr val="accent1"/>
+            </a:lnRef>
+            <a:fillRef idx="0">
+              <a:schemeClr val="accent1"/>
+            </a:fillRef>
+            <a:effectRef idx="0">
+              <a:schemeClr val="accent1"/>
+            </a:effectRef>
+            <a:fontRef idx="minor">
+              <a:schemeClr val="tx1"/>
+            </a:fontRef>
+          </p:style>
+        </p:cxnSp>
+        <p:cxnSp>
+          <p:nvCxnSpPr>
+            <p:cNvPr id="195" name="Connecteur droit avec flèche 194"/>
+            <p:cNvCxnSpPr>
+              <a:stCxn id="187" idx="3"/>
+            </p:cNvCxnSpPr>
+            <p:nvPr/>
+          </p:nvCxnSpPr>
+          <p:spPr>
+            <a:xfrm>
+              <a:off x="4871314" y="7199742"/>
+              <a:ext cx="429070" cy="1"/>
+            </a:xfrm>
+            <a:prstGeom prst="straightConnector1">
+              <a:avLst/>
+            </a:prstGeom>
+            <a:ln w="19050">
+              <a:solidFill>
+                <a:schemeClr val="tx1"/>
+              </a:solidFill>
+              <a:prstDash val="sysDash"/>
+              <a:tailEnd type="triangle"/>
+            </a:ln>
+          </p:spPr>
+          <p:style>
+            <a:lnRef idx="1">
+              <a:schemeClr val="accent1"/>
+            </a:lnRef>
+            <a:fillRef idx="0">
+              <a:schemeClr val="accent1"/>
+            </a:fillRef>
+            <a:effectRef idx="0">
+              <a:schemeClr val="accent1"/>
+            </a:effectRef>
+            <a:fontRef idx="minor">
+              <a:schemeClr val="tx1"/>
+            </a:fontRef>
+          </p:style>
+        </p:cxnSp>
+        <p:sp>
+          <p:nvSpPr>
+            <p:cNvPr id="196" name="Rectangle à coins arrondis 195"/>
+            <p:cNvSpPr/>
+            <p:nvPr/>
+          </p:nvSpPr>
+          <p:spPr>
+            <a:xfrm>
+              <a:off x="582586" y="6460346"/>
+              <a:ext cx="1806240" cy="411831"/>
+            </a:xfrm>
+            <a:prstGeom prst="roundRect">
+              <a:avLst>
+                <a:gd name="adj" fmla="val 3969"/>
+              </a:avLst>
+            </a:prstGeom>
+            <a:solidFill>
+              <a:schemeClr val="accent6">
+                <a:lumMod val="40000"/>
+                <a:lumOff val="60000"/>
+              </a:schemeClr>
+            </a:solidFill>
+            <a:ln>
+              <a:noFill/>
+            </a:ln>
+          </p:spPr>
+          <p:style>
+            <a:lnRef idx="2">
+              <a:schemeClr val="accent1">
+                <a:shade val="50000"/>
+              </a:schemeClr>
+            </a:lnRef>
+            <a:fillRef idx="1">
+              <a:schemeClr val="accent1"/>
+            </a:fillRef>
+            <a:effectRef idx="0">
+              <a:schemeClr val="accent1"/>
+            </a:effectRef>
+            <a:fontRef idx="minor">
+              <a:schemeClr val="lt1"/>
+            </a:fontRef>
+          </p:style>
+          <p:txBody>
+            <a:bodyPr tIns="0" rtlCol="0" anchor="t" anchorCtr="0"/>
+            <a:lstStyle/>
+            <a:p>
+              <a:pPr algn="ctr"/>
+              <a:r>
+                <a:rPr lang="fr-FR" sz="600" b="1" dirty="0" err="1" smtClean="0">
+                  <a:solidFill>
+                    <a:schemeClr val="tx1"/>
+                  </a:solidFill>
+                  <a:latin typeface="Cambria" panose="02040503050406030204" pitchFamily="18" charset="0"/>
+                  <a:ea typeface="Arial Rounded MT Bold" charset="0"/>
+                  <a:cs typeface="Arial Rounded MT Bold" charset="0"/>
+                </a:rPr>
+                <a:t>tsp</a:t>
+              </a:r>
+              <a:endParaRPr lang="fr-FR" sz="600" b="1" dirty="0">
+                <a:solidFill>
+                  <a:schemeClr val="tx1"/>
+                </a:solidFill>
+                <a:latin typeface="Cambria" panose="02040503050406030204" pitchFamily="18" charset="0"/>
+                <a:ea typeface="Arial Rounded MT Bold" charset="0"/>
+                <a:cs typeface="Arial Rounded MT Bold" charset="0"/>
+              </a:endParaRPr>
+            </a:p>
+          </p:txBody>
+        </p:sp>
+        <p:sp>
+          <p:nvSpPr>
+            <p:cNvPr id="197" name="Rectangle à coins arrondis 196"/>
+            <p:cNvSpPr/>
+            <p:nvPr/>
+          </p:nvSpPr>
+          <p:spPr>
+            <a:xfrm>
+              <a:off x="692541" y="6607853"/>
+              <a:ext cx="312039" cy="201219"/>
+            </a:xfrm>
+            <a:prstGeom prst="roundRect">
+              <a:avLst/>
+            </a:prstGeom>
+            <a:solidFill>
+              <a:srgbClr val="1F8A4C"/>
+            </a:solidFill>
+            <a:ln>
+              <a:noFill/>
+            </a:ln>
+          </p:spPr>
+          <p:style>
+            <a:lnRef idx="2">
+              <a:schemeClr val="accent1">
+                <a:shade val="50000"/>
+              </a:schemeClr>
+            </a:lnRef>
+            <a:fillRef idx="1">
+              <a:schemeClr val="accent1"/>
+            </a:fillRef>
+            <a:effectRef idx="0">
+              <a:schemeClr val="accent1"/>
+            </a:effectRef>
+            <a:fontRef idx="minor">
+              <a:schemeClr val="lt1"/>
+            </a:fontRef>
+          </p:style>
+          <p:txBody>
+            <a:bodyPr lIns="36000" rIns="36000" rtlCol="0" anchor="ctr"/>
+            <a:lstStyle/>
+            <a:p>
+              <a:pPr algn="ctr"/>
+              <a:r>
+                <a:rPr lang="fr-FR" sz="600" i="1" dirty="0" smtClean="0">
+                  <a:latin typeface="Cambria" panose="02040503050406030204" pitchFamily="18" charset="0"/>
+                  <a:ea typeface="Arial Rounded MT Bold" charset="0"/>
+                  <a:cs typeface="Arial Rounded MT Bold" charset="0"/>
+                </a:rPr>
+                <a:t>input</a:t>
+              </a:r>
+              <a:endParaRPr lang="fr-FR" sz="600" i="1" dirty="0">
+                <a:latin typeface="Cambria" panose="02040503050406030204" pitchFamily="18" charset="0"/>
+                <a:ea typeface="Arial Rounded MT Bold" charset="0"/>
+                <a:cs typeface="Arial Rounded MT Bold" charset="0"/>
+              </a:endParaRPr>
+            </a:p>
+          </p:txBody>
+        </p:sp>
+        <p:sp>
+          <p:nvSpPr>
+            <p:cNvPr id="198" name="Rectangle à coins arrondis 197"/>
+            <p:cNvSpPr/>
+            <p:nvPr/>
+          </p:nvSpPr>
+          <p:spPr>
+            <a:xfrm>
+              <a:off x="1123160" y="6607853"/>
+              <a:ext cx="312039" cy="201219"/>
+            </a:xfrm>
+            <a:prstGeom prst="roundRect">
+              <a:avLst/>
+            </a:prstGeom>
+            <a:solidFill>
+              <a:srgbClr val="1F8A4C"/>
+            </a:solidFill>
+            <a:ln>
+              <a:noFill/>
+            </a:ln>
+          </p:spPr>
+          <p:style>
+            <a:lnRef idx="2">
+              <a:schemeClr val="accent1">
+                <a:shade val="50000"/>
+              </a:schemeClr>
+            </a:lnRef>
+            <a:fillRef idx="1">
+              <a:schemeClr val="accent1"/>
+            </a:fillRef>
+            <a:effectRef idx="0">
+              <a:schemeClr val="accent1"/>
+            </a:effectRef>
+            <a:fontRef idx="minor">
+              <a:schemeClr val="lt1"/>
+            </a:fontRef>
+          </p:style>
+          <p:txBody>
+            <a:bodyPr lIns="36000" rIns="36000" rtlCol="0" anchor="ctr"/>
+            <a:lstStyle/>
+            <a:p>
+              <a:pPr algn="ctr"/>
+              <a:r>
+                <a:rPr lang="fr-FR" sz="600" i="1" dirty="0" smtClean="0">
+                  <a:latin typeface="Cambria" panose="02040503050406030204" pitchFamily="18" charset="0"/>
+                  <a:ea typeface="Arial Rounded MT Bold" charset="0"/>
+                  <a:cs typeface="Arial Rounded MT Bold" charset="0"/>
+                </a:rPr>
+                <a:t>plugin</a:t>
+              </a:r>
+              <a:endParaRPr lang="fr-FR" sz="600" i="1" dirty="0">
+                <a:latin typeface="Cambria" panose="02040503050406030204" pitchFamily="18" charset="0"/>
+                <a:ea typeface="Arial Rounded MT Bold" charset="0"/>
+                <a:cs typeface="Arial Rounded MT Bold" charset="0"/>
+              </a:endParaRPr>
+            </a:p>
+          </p:txBody>
+        </p:sp>
+        <p:sp>
+          <p:nvSpPr>
+            <p:cNvPr id="199" name="Rectangle à coins arrondis 198"/>
+            <p:cNvSpPr/>
+            <p:nvPr/>
+          </p:nvSpPr>
+          <p:spPr>
+            <a:xfrm>
+              <a:off x="1553778" y="6607853"/>
+              <a:ext cx="312039" cy="201219"/>
+            </a:xfrm>
+            <a:prstGeom prst="roundRect">
+              <a:avLst/>
+            </a:prstGeom>
+            <a:solidFill>
+              <a:srgbClr val="1F8A4C"/>
+            </a:solidFill>
+            <a:ln>
+              <a:noFill/>
+            </a:ln>
+          </p:spPr>
+          <p:style>
+            <a:lnRef idx="2">
+              <a:schemeClr val="accent1">
+                <a:shade val="50000"/>
+              </a:schemeClr>
+            </a:lnRef>
+            <a:fillRef idx="1">
+              <a:schemeClr val="accent1"/>
+            </a:fillRef>
+            <a:effectRef idx="0">
+              <a:schemeClr val="accent1"/>
+            </a:effectRef>
+            <a:fontRef idx="minor">
+              <a:schemeClr val="lt1"/>
+            </a:fontRef>
+          </p:style>
+          <p:txBody>
+            <a:bodyPr lIns="36000" rIns="36000" rtlCol="0" anchor="ctr"/>
+            <a:lstStyle/>
+            <a:p>
+              <a:pPr algn="ctr"/>
+              <a:r>
+                <a:rPr lang="fr-FR" sz="600" i="1" dirty="0" smtClean="0">
+                  <a:latin typeface="Cambria" panose="02040503050406030204" pitchFamily="18" charset="0"/>
+                  <a:ea typeface="Arial Rounded MT Bold" charset="0"/>
+                  <a:cs typeface="Arial Rounded MT Bold" charset="0"/>
+                </a:rPr>
+                <a:t>plugin</a:t>
+              </a:r>
+              <a:endParaRPr lang="fr-FR" sz="600" i="1" dirty="0">
+                <a:latin typeface="Cambria" panose="02040503050406030204" pitchFamily="18" charset="0"/>
+                <a:ea typeface="Arial Rounded MT Bold" charset="0"/>
+                <a:cs typeface="Arial Rounded MT Bold" charset="0"/>
+              </a:endParaRPr>
+            </a:p>
+          </p:txBody>
+        </p:sp>
+        <p:sp>
+          <p:nvSpPr>
+            <p:cNvPr id="200" name="Rectangle à coins arrondis 199"/>
+            <p:cNvSpPr/>
+            <p:nvPr/>
+          </p:nvSpPr>
+          <p:spPr>
+            <a:xfrm>
+              <a:off x="1984396" y="6607853"/>
+              <a:ext cx="312039" cy="201219"/>
+            </a:xfrm>
+            <a:prstGeom prst="roundRect">
+              <a:avLst/>
+            </a:prstGeom>
+            <a:solidFill>
+              <a:srgbClr val="1F8A4C"/>
+            </a:solidFill>
+            <a:ln>
+              <a:noFill/>
+            </a:ln>
+          </p:spPr>
+          <p:style>
+            <a:lnRef idx="2">
+              <a:schemeClr val="accent1">
+                <a:shade val="50000"/>
+              </a:schemeClr>
+            </a:lnRef>
+            <a:fillRef idx="1">
+              <a:schemeClr val="accent1"/>
+            </a:fillRef>
+            <a:effectRef idx="0">
+              <a:schemeClr val="accent1"/>
+            </a:effectRef>
+            <a:fontRef idx="minor">
+              <a:schemeClr val="lt1"/>
+            </a:fontRef>
+          </p:style>
+          <p:txBody>
+            <a:bodyPr lIns="36000" rIns="36000" rtlCol="0" anchor="ctr"/>
+            <a:lstStyle/>
+            <a:p>
+              <a:pPr algn="ctr"/>
+              <a:r>
+                <a:rPr lang="fr-FR" sz="600" b="1" dirty="0" smtClean="0">
+                  <a:latin typeface="Consolas" panose="020B0609020204030204" pitchFamily="49" charset="0"/>
+                  <a:ea typeface="Arial Rounded MT Bold" charset="0"/>
+                  <a:cs typeface="Consolas" panose="020B0609020204030204" pitchFamily="49" charset="0"/>
+                </a:rPr>
+                <a:t>file</a:t>
+              </a:r>
+              <a:endParaRPr lang="fr-FR" sz="600" i="1" dirty="0">
+                <a:latin typeface="Cambria" panose="02040503050406030204" pitchFamily="18" charset="0"/>
+                <a:ea typeface="Arial Rounded MT Bold" charset="0"/>
+                <a:cs typeface="Arial Rounded MT Bold" charset="0"/>
+              </a:endParaRPr>
+            </a:p>
+          </p:txBody>
+        </p:sp>
+        <p:cxnSp>
+          <p:nvCxnSpPr>
+            <p:cNvPr id="201" name="Connecteur droit avec flèche 200"/>
+            <p:cNvCxnSpPr>
+              <a:stCxn id="197" idx="3"/>
+              <a:endCxn id="198" idx="1"/>
+            </p:cNvCxnSpPr>
+            <p:nvPr/>
+          </p:nvCxnSpPr>
+          <p:spPr>
+            <a:xfrm>
+              <a:off x="1004580" y="6708463"/>
+              <a:ext cx="118580" cy="0"/>
+            </a:xfrm>
+            <a:prstGeom prst="straightConnector1">
+              <a:avLst/>
+            </a:prstGeom>
+            <a:ln w="19050">
+              <a:solidFill>
+                <a:schemeClr val="tx1"/>
+              </a:solidFill>
+              <a:prstDash val="sysDash"/>
+              <a:tailEnd type="triangle"/>
+            </a:ln>
+          </p:spPr>
+          <p:style>
+            <a:lnRef idx="1">
+              <a:schemeClr val="accent1"/>
+            </a:lnRef>
+            <a:fillRef idx="0">
+              <a:schemeClr val="accent1"/>
+            </a:fillRef>
+            <a:effectRef idx="0">
+              <a:schemeClr val="accent1"/>
+            </a:effectRef>
+            <a:fontRef idx="minor">
+              <a:schemeClr val="tx1"/>
+            </a:fontRef>
+          </p:style>
+        </p:cxnSp>
+        <p:cxnSp>
+          <p:nvCxnSpPr>
+            <p:cNvPr id="202" name="Connecteur droit avec flèche 201"/>
+            <p:cNvCxnSpPr>
+              <a:endCxn id="199" idx="1"/>
+            </p:cNvCxnSpPr>
+            <p:nvPr/>
+          </p:nvCxnSpPr>
+          <p:spPr>
+            <a:xfrm flipV="1">
+              <a:off x="1444719" y="6708463"/>
+              <a:ext cx="109059" cy="3434"/>
+            </a:xfrm>
+            <a:prstGeom prst="straightConnector1">
+              <a:avLst/>
+            </a:prstGeom>
+            <a:ln w="19050">
+              <a:solidFill>
+                <a:schemeClr val="tx1"/>
+              </a:solidFill>
+              <a:prstDash val="sysDash"/>
+              <a:tailEnd type="triangle"/>
+            </a:ln>
+          </p:spPr>
+          <p:style>
+            <a:lnRef idx="1">
+              <a:schemeClr val="accent1"/>
+            </a:lnRef>
+            <a:fillRef idx="0">
+              <a:schemeClr val="accent1"/>
+            </a:fillRef>
+            <a:effectRef idx="0">
+              <a:schemeClr val="accent1"/>
+            </a:effectRef>
+            <a:fontRef idx="minor">
+              <a:schemeClr val="tx1"/>
+            </a:fontRef>
+          </p:style>
+        </p:cxnSp>
+        <p:cxnSp>
+          <p:nvCxnSpPr>
+            <p:cNvPr id="203" name="Connecteur droit avec flèche 202"/>
+            <p:cNvCxnSpPr>
+              <a:stCxn id="199" idx="3"/>
+              <a:endCxn id="200" idx="1"/>
+            </p:cNvCxnSpPr>
+            <p:nvPr/>
+          </p:nvCxnSpPr>
+          <p:spPr>
+            <a:xfrm>
+              <a:off x="1865817" y="6708463"/>
+              <a:ext cx="118580" cy="0"/>
+            </a:xfrm>
+            <a:prstGeom prst="straightConnector1">
+              <a:avLst/>
+            </a:prstGeom>
+            <a:ln w="19050">
+              <a:solidFill>
+                <a:schemeClr val="tx1"/>
+              </a:solidFill>
+              <a:prstDash val="sysDash"/>
+              <a:tailEnd type="triangle"/>
+            </a:ln>
+          </p:spPr>
+          <p:style>
+            <a:lnRef idx="1">
+              <a:schemeClr val="accent1"/>
+            </a:lnRef>
+            <a:fillRef idx="0">
+              <a:schemeClr val="accent1"/>
+            </a:fillRef>
+            <a:effectRef idx="0">
+              <a:schemeClr val="accent1"/>
+            </a:effectRef>
+            <a:fontRef idx="minor">
+              <a:schemeClr val="tx1"/>
+            </a:fontRef>
+          </p:style>
+        </p:cxnSp>
+        <p:cxnSp>
+          <p:nvCxnSpPr>
+            <p:cNvPr id="204" name="Connecteur droit avec flèche 137"/>
+            <p:cNvCxnSpPr>
+              <a:stCxn id="200" idx="3"/>
+              <a:endCxn id="182" idx="0"/>
+            </p:cNvCxnSpPr>
+            <p:nvPr/>
+          </p:nvCxnSpPr>
+          <p:spPr>
+            <a:xfrm>
+              <a:off x="2296435" y="6708463"/>
+              <a:ext cx="264139" cy="390668"/>
+            </a:xfrm>
+            <a:prstGeom prst="bentConnector2">
+              <a:avLst/>
+            </a:prstGeom>
+            <a:ln w="19050">
+              <a:solidFill>
+                <a:schemeClr val="tx1"/>
+              </a:solidFill>
+              <a:prstDash val="sysDash"/>
+              <a:tailEnd type="triangle"/>
+            </a:ln>
+          </p:spPr>
+          <p:style>
+            <a:lnRef idx="1">
+              <a:schemeClr val="accent1"/>
+            </a:lnRef>
+            <a:fillRef idx="0">
+              <a:schemeClr val="accent1"/>
+            </a:fillRef>
+            <a:effectRef idx="0">
+              <a:schemeClr val="accent1"/>
+            </a:effectRef>
+            <a:fontRef idx="minor">
+              <a:schemeClr val="tx1"/>
+            </a:fontRef>
+          </p:style>
+        </p:cxnSp>
+        <p:sp>
+          <p:nvSpPr>
+            <p:cNvPr id="205" name="Rectangle à coins arrondis 204"/>
+            <p:cNvSpPr/>
+            <p:nvPr/>
+          </p:nvSpPr>
+          <p:spPr>
+            <a:xfrm>
+              <a:off x="1003383" y="7468960"/>
+              <a:ext cx="1806240" cy="411831"/>
+            </a:xfrm>
+            <a:prstGeom prst="roundRect">
+              <a:avLst>
+                <a:gd name="adj" fmla="val 3969"/>
+              </a:avLst>
+            </a:prstGeom>
+            <a:solidFill>
+              <a:schemeClr val="accent6">
+                <a:lumMod val="40000"/>
+                <a:lumOff val="60000"/>
+              </a:schemeClr>
+            </a:solidFill>
+            <a:ln>
+              <a:noFill/>
+            </a:ln>
+          </p:spPr>
+          <p:style>
+            <a:lnRef idx="2">
+              <a:schemeClr val="accent1">
+                <a:shade val="50000"/>
+              </a:schemeClr>
+            </a:lnRef>
+            <a:fillRef idx="1">
+              <a:schemeClr val="accent1"/>
+            </a:fillRef>
+            <a:effectRef idx="0">
+              <a:schemeClr val="accent1"/>
+            </a:effectRef>
+            <a:fontRef idx="minor">
+              <a:schemeClr val="lt1"/>
+            </a:fontRef>
+          </p:style>
+          <p:txBody>
+            <a:bodyPr tIns="0" rtlCol="0" anchor="t" anchorCtr="0"/>
+            <a:lstStyle/>
+            <a:p>
+              <a:pPr algn="ctr"/>
+              <a:r>
+                <a:rPr lang="fr-FR" sz="600" b="1" dirty="0" err="1" smtClean="0">
+                  <a:solidFill>
+                    <a:schemeClr val="tx1"/>
+                  </a:solidFill>
+                  <a:latin typeface="Cambria" panose="02040503050406030204" pitchFamily="18" charset="0"/>
+                  <a:ea typeface="Arial Rounded MT Bold" charset="0"/>
+                  <a:cs typeface="Arial Rounded MT Bold" charset="0"/>
+                </a:rPr>
+                <a:t>tsp</a:t>
+              </a:r>
+              <a:endParaRPr lang="fr-FR" sz="600" b="1" dirty="0">
+                <a:solidFill>
+                  <a:schemeClr val="tx1"/>
+                </a:solidFill>
+                <a:latin typeface="Cambria" panose="02040503050406030204" pitchFamily="18" charset="0"/>
+                <a:ea typeface="Arial Rounded MT Bold" charset="0"/>
+                <a:cs typeface="Arial Rounded MT Bold" charset="0"/>
+              </a:endParaRPr>
+            </a:p>
+          </p:txBody>
+        </p:sp>
+        <p:sp>
+          <p:nvSpPr>
+            <p:cNvPr id="206" name="Rectangle à coins arrondis 205"/>
+            <p:cNvSpPr/>
+            <p:nvPr/>
+          </p:nvSpPr>
+          <p:spPr>
+            <a:xfrm>
+              <a:off x="1113338" y="7616467"/>
+              <a:ext cx="312039" cy="201219"/>
+            </a:xfrm>
+            <a:prstGeom prst="roundRect">
+              <a:avLst/>
+            </a:prstGeom>
+            <a:solidFill>
+              <a:srgbClr val="1F8A4C"/>
+            </a:solidFill>
+            <a:ln>
+              <a:noFill/>
+            </a:ln>
+          </p:spPr>
+          <p:style>
+            <a:lnRef idx="2">
+              <a:schemeClr val="accent1">
+                <a:shade val="50000"/>
+              </a:schemeClr>
+            </a:lnRef>
+            <a:fillRef idx="1">
+              <a:schemeClr val="accent1"/>
+            </a:fillRef>
+            <a:effectRef idx="0">
+              <a:schemeClr val="accent1"/>
+            </a:effectRef>
+            <a:fontRef idx="minor">
+              <a:schemeClr val="lt1"/>
+            </a:fontRef>
+          </p:style>
+          <p:txBody>
+            <a:bodyPr lIns="36000" rIns="36000" rtlCol="0" anchor="ctr"/>
+            <a:lstStyle/>
+            <a:p>
+              <a:pPr algn="ctr"/>
+              <a:r>
+                <a:rPr lang="fr-FR" sz="600" i="1" dirty="0" smtClean="0">
+                  <a:latin typeface="Cambria" panose="02040503050406030204" pitchFamily="18" charset="0"/>
+                  <a:ea typeface="Arial Rounded MT Bold" charset="0"/>
+                  <a:cs typeface="Arial Rounded MT Bold" charset="0"/>
+                </a:rPr>
+                <a:t>input</a:t>
+              </a:r>
+              <a:endParaRPr lang="fr-FR" sz="600" i="1" dirty="0">
+                <a:latin typeface="Cambria" panose="02040503050406030204" pitchFamily="18" charset="0"/>
+                <a:ea typeface="Arial Rounded MT Bold" charset="0"/>
+                <a:cs typeface="Arial Rounded MT Bold" charset="0"/>
+              </a:endParaRPr>
+            </a:p>
+          </p:txBody>
+        </p:sp>
+        <p:sp>
+          <p:nvSpPr>
+            <p:cNvPr id="207" name="Rectangle à coins arrondis 206"/>
+            <p:cNvSpPr/>
+            <p:nvPr/>
+          </p:nvSpPr>
+          <p:spPr>
+            <a:xfrm>
+              <a:off x="1543957" y="7616467"/>
+              <a:ext cx="312039" cy="201219"/>
+            </a:xfrm>
+            <a:prstGeom prst="roundRect">
+              <a:avLst/>
+            </a:prstGeom>
+            <a:solidFill>
+              <a:srgbClr val="1F8A4C"/>
+            </a:solidFill>
+            <a:ln>
+              <a:noFill/>
+            </a:ln>
+          </p:spPr>
+          <p:style>
+            <a:lnRef idx="2">
+              <a:schemeClr val="accent1">
+                <a:shade val="50000"/>
+              </a:schemeClr>
+            </a:lnRef>
+            <a:fillRef idx="1">
+              <a:schemeClr val="accent1"/>
+            </a:fillRef>
+            <a:effectRef idx="0">
+              <a:schemeClr val="accent1"/>
+            </a:effectRef>
+            <a:fontRef idx="minor">
+              <a:schemeClr val="lt1"/>
+            </a:fontRef>
+          </p:style>
+          <p:txBody>
+            <a:bodyPr lIns="36000" rIns="36000" rtlCol="0" anchor="ctr"/>
+            <a:lstStyle/>
+            <a:p>
+              <a:pPr algn="ctr"/>
+              <a:r>
+                <a:rPr lang="fr-FR" sz="600" i="1" dirty="0" smtClean="0">
+                  <a:latin typeface="Cambria" panose="02040503050406030204" pitchFamily="18" charset="0"/>
+                  <a:ea typeface="Arial Rounded MT Bold" charset="0"/>
+                  <a:cs typeface="Arial Rounded MT Bold" charset="0"/>
+                </a:rPr>
+                <a:t>plugin</a:t>
+              </a:r>
+              <a:endParaRPr lang="fr-FR" sz="600" i="1" dirty="0">
+                <a:latin typeface="Cambria" panose="02040503050406030204" pitchFamily="18" charset="0"/>
+                <a:ea typeface="Arial Rounded MT Bold" charset="0"/>
+                <a:cs typeface="Arial Rounded MT Bold" charset="0"/>
+              </a:endParaRPr>
+            </a:p>
+          </p:txBody>
+        </p:sp>
+        <p:sp>
+          <p:nvSpPr>
+            <p:cNvPr id="208" name="Rectangle à coins arrondis 207"/>
+            <p:cNvSpPr/>
+            <p:nvPr/>
+          </p:nvSpPr>
+          <p:spPr>
+            <a:xfrm>
+              <a:off x="1974575" y="7616467"/>
+              <a:ext cx="312039" cy="201219"/>
+            </a:xfrm>
+            <a:prstGeom prst="roundRect">
+              <a:avLst/>
+            </a:prstGeom>
+            <a:solidFill>
+              <a:srgbClr val="1F8A4C"/>
+            </a:solidFill>
+            <a:ln>
+              <a:noFill/>
+            </a:ln>
+          </p:spPr>
+          <p:style>
+            <a:lnRef idx="2">
+              <a:schemeClr val="accent1">
+                <a:shade val="50000"/>
+              </a:schemeClr>
+            </a:lnRef>
+            <a:fillRef idx="1">
+              <a:schemeClr val="accent1"/>
+            </a:fillRef>
+            <a:effectRef idx="0">
+              <a:schemeClr val="accent1"/>
+            </a:effectRef>
+            <a:fontRef idx="minor">
+              <a:schemeClr val="lt1"/>
+            </a:fontRef>
+          </p:style>
+          <p:txBody>
+            <a:bodyPr lIns="36000" rIns="36000" rtlCol="0" anchor="ctr"/>
+            <a:lstStyle/>
+            <a:p>
+              <a:pPr algn="ctr"/>
+              <a:r>
+                <a:rPr lang="fr-FR" sz="600" i="1" dirty="0" smtClean="0">
+                  <a:latin typeface="Cambria" panose="02040503050406030204" pitchFamily="18" charset="0"/>
+                  <a:ea typeface="Arial Rounded MT Bold" charset="0"/>
+                  <a:cs typeface="Arial Rounded MT Bold" charset="0"/>
+                </a:rPr>
+                <a:t>plugin</a:t>
+              </a:r>
+              <a:endParaRPr lang="fr-FR" sz="600" i="1" dirty="0">
+                <a:latin typeface="Cambria" panose="02040503050406030204" pitchFamily="18" charset="0"/>
+                <a:ea typeface="Arial Rounded MT Bold" charset="0"/>
+                <a:cs typeface="Arial Rounded MT Bold" charset="0"/>
+              </a:endParaRPr>
+            </a:p>
+          </p:txBody>
+        </p:sp>
+        <p:sp>
+          <p:nvSpPr>
+            <p:cNvPr id="209" name="Rectangle à coins arrondis 208"/>
+            <p:cNvSpPr/>
+            <p:nvPr/>
+          </p:nvSpPr>
+          <p:spPr>
+            <a:xfrm>
+              <a:off x="2405193" y="7616467"/>
+              <a:ext cx="312039" cy="201219"/>
+            </a:xfrm>
+            <a:prstGeom prst="roundRect">
+              <a:avLst/>
+            </a:prstGeom>
+            <a:solidFill>
+              <a:srgbClr val="1F8A4C"/>
+            </a:solidFill>
+            <a:ln>
+              <a:noFill/>
+            </a:ln>
+          </p:spPr>
+          <p:style>
+            <a:lnRef idx="2">
+              <a:schemeClr val="accent1">
+                <a:shade val="50000"/>
+              </a:schemeClr>
+            </a:lnRef>
+            <a:fillRef idx="1">
+              <a:schemeClr val="accent1"/>
+            </a:fillRef>
+            <a:effectRef idx="0">
+              <a:schemeClr val="accent1"/>
+            </a:effectRef>
+            <a:fontRef idx="minor">
+              <a:schemeClr val="lt1"/>
+            </a:fontRef>
+          </p:style>
+          <p:txBody>
+            <a:bodyPr lIns="36000" rIns="36000" rtlCol="0" anchor="ctr"/>
+            <a:lstStyle/>
+            <a:p>
+              <a:pPr algn="ctr"/>
+              <a:r>
+                <a:rPr lang="fr-FR" sz="600" b="1" dirty="0" smtClean="0">
+                  <a:latin typeface="Consolas" panose="020B0609020204030204" pitchFamily="49" charset="0"/>
+                  <a:ea typeface="Arial Rounded MT Bold" charset="0"/>
+                  <a:cs typeface="Consolas" panose="020B0609020204030204" pitchFamily="49" charset="0"/>
+                </a:rPr>
+                <a:t>file</a:t>
+              </a:r>
+              <a:endParaRPr lang="fr-FR" sz="600" i="1" dirty="0">
+                <a:latin typeface="Cambria" panose="02040503050406030204" pitchFamily="18" charset="0"/>
+                <a:ea typeface="Arial Rounded MT Bold" charset="0"/>
+                <a:cs typeface="Arial Rounded MT Bold" charset="0"/>
+              </a:endParaRPr>
+            </a:p>
+          </p:txBody>
+        </p:sp>
+        <p:cxnSp>
+          <p:nvCxnSpPr>
+            <p:cNvPr id="210" name="Connecteur droit avec flèche 209"/>
+            <p:cNvCxnSpPr>
+              <a:stCxn id="206" idx="3"/>
+              <a:endCxn id="207" idx="1"/>
+            </p:cNvCxnSpPr>
+            <p:nvPr/>
+          </p:nvCxnSpPr>
+          <p:spPr>
+            <a:xfrm>
+              <a:off x="1425377" y="7717077"/>
+              <a:ext cx="118580" cy="0"/>
+            </a:xfrm>
+            <a:prstGeom prst="straightConnector1">
+              <a:avLst/>
+            </a:prstGeom>
+            <a:ln w="19050">
+              <a:solidFill>
+                <a:schemeClr val="tx1"/>
+              </a:solidFill>
+              <a:prstDash val="sysDash"/>
+              <a:tailEnd type="triangle"/>
+            </a:ln>
+          </p:spPr>
+          <p:style>
+            <a:lnRef idx="1">
+              <a:schemeClr val="accent1"/>
+            </a:lnRef>
+            <a:fillRef idx="0">
+              <a:schemeClr val="accent1"/>
+            </a:fillRef>
+            <a:effectRef idx="0">
+              <a:schemeClr val="accent1"/>
+            </a:effectRef>
+            <a:fontRef idx="minor">
+              <a:schemeClr val="tx1"/>
+            </a:fontRef>
+          </p:style>
+        </p:cxnSp>
+        <p:cxnSp>
+          <p:nvCxnSpPr>
+            <p:cNvPr id="211" name="Connecteur droit avec flèche 210"/>
+            <p:cNvCxnSpPr>
+              <a:endCxn id="208" idx="1"/>
+            </p:cNvCxnSpPr>
+            <p:nvPr/>
+          </p:nvCxnSpPr>
+          <p:spPr>
+            <a:xfrm flipV="1">
+              <a:off x="1865517" y="7717077"/>
+              <a:ext cx="109059" cy="3434"/>
+            </a:xfrm>
+            <a:prstGeom prst="straightConnector1">
+              <a:avLst/>
+            </a:prstGeom>
+            <a:ln w="19050">
+              <a:solidFill>
+                <a:schemeClr val="tx1"/>
+              </a:solidFill>
+              <a:prstDash val="sysDash"/>
+              <a:tailEnd type="triangle"/>
+            </a:ln>
+          </p:spPr>
+          <p:style>
+            <a:lnRef idx="1">
+              <a:schemeClr val="accent1"/>
+            </a:lnRef>
+            <a:fillRef idx="0">
+              <a:schemeClr val="accent1"/>
+            </a:fillRef>
+            <a:effectRef idx="0">
+              <a:schemeClr val="accent1"/>
+            </a:effectRef>
+            <a:fontRef idx="minor">
+              <a:schemeClr val="tx1"/>
+            </a:fontRef>
+          </p:style>
+        </p:cxnSp>
+        <p:cxnSp>
+          <p:nvCxnSpPr>
+            <p:cNvPr id="212" name="Connecteur droit avec flèche 211"/>
+            <p:cNvCxnSpPr>
+              <a:stCxn id="208" idx="3"/>
+              <a:endCxn id="209" idx="1"/>
+            </p:cNvCxnSpPr>
+            <p:nvPr/>
+          </p:nvCxnSpPr>
+          <p:spPr>
+            <a:xfrm>
+              <a:off x="2286614" y="7717077"/>
+              <a:ext cx="118580" cy="0"/>
+            </a:xfrm>
+            <a:prstGeom prst="straightConnector1">
+              <a:avLst/>
+            </a:prstGeom>
+            <a:ln w="19050">
+              <a:solidFill>
+                <a:schemeClr val="tx1"/>
+              </a:solidFill>
+              <a:prstDash val="sysDash"/>
+              <a:tailEnd type="triangle"/>
+            </a:ln>
+          </p:spPr>
+          <p:style>
+            <a:lnRef idx="1">
+              <a:schemeClr val="accent1"/>
+            </a:lnRef>
+            <a:fillRef idx="0">
+              <a:schemeClr val="accent1"/>
+            </a:fillRef>
+            <a:effectRef idx="0">
+              <a:schemeClr val="accent1"/>
+            </a:effectRef>
+            <a:fontRef idx="minor">
+              <a:schemeClr val="tx1"/>
+            </a:fontRef>
+          </p:style>
+        </p:cxnSp>
+        <p:cxnSp>
+          <p:nvCxnSpPr>
+            <p:cNvPr id="213" name="Connecteur droit avec flèche 137"/>
+            <p:cNvCxnSpPr>
+              <a:stCxn id="209" idx="3"/>
+              <a:endCxn id="183" idx="2"/>
+            </p:cNvCxnSpPr>
+            <p:nvPr/>
+          </p:nvCxnSpPr>
+          <p:spPr>
+            <a:xfrm flipV="1">
+              <a:off x="2717232" y="7300351"/>
+              <a:ext cx="274286" cy="416726"/>
+            </a:xfrm>
+            <a:prstGeom prst="bentConnector2">
+              <a:avLst/>
+            </a:prstGeom>
+            <a:ln w="19050">
+              <a:solidFill>
+                <a:schemeClr val="tx1"/>
+              </a:solidFill>
+              <a:prstDash val="sysDash"/>
+              <a:tailEnd type="triangle"/>
+            </a:ln>
+          </p:spPr>
+          <p:style>
+            <a:lnRef idx="1">
+              <a:schemeClr val="accent1"/>
+            </a:lnRef>
+            <a:fillRef idx="0">
+              <a:schemeClr val="accent1"/>
+            </a:fillRef>
+            <a:effectRef idx="0">
+              <a:schemeClr val="accent1"/>
+            </a:effectRef>
+            <a:fontRef idx="minor">
+              <a:schemeClr val="tx1"/>
+            </a:fontRef>
+          </p:style>
+        </p:cxnSp>
+        <p:cxnSp>
+          <p:nvCxnSpPr>
+            <p:cNvPr id="214" name="Connecteur droit avec flèche 213"/>
+            <p:cNvCxnSpPr>
+              <a:endCxn id="197" idx="1"/>
+            </p:cNvCxnSpPr>
+            <p:nvPr/>
+          </p:nvCxnSpPr>
+          <p:spPr>
+            <a:xfrm flipV="1">
+              <a:off x="245505" y="6708463"/>
+              <a:ext cx="447036" cy="3434"/>
+            </a:xfrm>
+            <a:prstGeom prst="straightConnector1">
+              <a:avLst/>
+            </a:prstGeom>
+            <a:ln w="19050">
+              <a:solidFill>
+                <a:schemeClr val="tx1"/>
+              </a:solidFill>
+              <a:prstDash val="sysDash"/>
+              <a:tailEnd type="triangle"/>
+            </a:ln>
+          </p:spPr>
+          <p:style>
+            <a:lnRef idx="1">
+              <a:schemeClr val="accent1"/>
+            </a:lnRef>
+            <a:fillRef idx="0">
+              <a:schemeClr val="accent1"/>
+            </a:fillRef>
+            <a:effectRef idx="0">
+              <a:schemeClr val="accent1"/>
+            </a:effectRef>
+            <a:fontRef idx="minor">
+              <a:schemeClr val="tx1"/>
+            </a:fontRef>
+          </p:style>
+        </p:cxnSp>
+        <p:sp>
+          <p:nvSpPr>
+            <p:cNvPr id="215" name="ZoneTexte 214"/>
+            <p:cNvSpPr txBox="1"/>
+            <p:nvPr/>
+          </p:nvSpPr>
+          <p:spPr>
+            <a:xfrm>
+              <a:off x="198903" y="6588549"/>
+              <a:ext cx="408441" cy="92333"/>
+            </a:xfrm>
+            <a:prstGeom prst="rect">
+              <a:avLst/>
+            </a:prstGeom>
+            <a:noFill/>
+          </p:spPr>
+          <p:txBody>
+            <a:bodyPr wrap="square" lIns="0" tIns="0" rIns="0" bIns="0" rtlCol="0">
+              <a:spAutoFit/>
+            </a:bodyPr>
+            <a:lstStyle/>
+            <a:p>
+              <a:r>
+                <a:rPr lang="fr-FR" sz="600" dirty="0">
+                  <a:latin typeface="Cambria" panose="02040503050406030204" pitchFamily="18" charset="0"/>
+                  <a:ea typeface="Arial Rounded MT Bold" charset="0"/>
+                  <a:cs typeface="Arial Rounded MT Bold" charset="0"/>
+                </a:rPr>
+                <a:t>i</a:t>
+              </a:r>
+              <a:r>
+                <a:rPr lang="fr-FR" sz="600" dirty="0" smtClean="0">
+                  <a:latin typeface="Cambria" panose="02040503050406030204" pitchFamily="18" charset="0"/>
+                  <a:ea typeface="Arial Rounded MT Bold" charset="0"/>
+                  <a:cs typeface="Arial Rounded MT Bold" charset="0"/>
+                </a:rPr>
+                <a:t>nput </a:t>
+              </a:r>
+              <a:r>
+                <a:rPr lang="fr-FR" sz="600" dirty="0" smtClean="0">
+                  <a:latin typeface="Cambria" panose="02040503050406030204" pitchFamily="18" charset="0"/>
+                  <a:ea typeface="Arial Rounded MT Bold" charset="0"/>
+                  <a:cs typeface="Arial Rounded MT Bold" charset="0"/>
+                </a:rPr>
+                <a:t>TS 1</a:t>
+              </a:r>
+              <a:endParaRPr lang="fr-FR" sz="600" dirty="0">
+                <a:latin typeface="Cambria" panose="02040503050406030204" pitchFamily="18" charset="0"/>
+                <a:ea typeface="Arial Rounded MT Bold" charset="0"/>
+                <a:cs typeface="Arial Rounded MT Bold" charset="0"/>
+              </a:endParaRPr>
+            </a:p>
+          </p:txBody>
+        </p:sp>
+        <p:cxnSp>
+          <p:nvCxnSpPr>
+            <p:cNvPr id="216" name="Connecteur droit avec flèche 215"/>
+            <p:cNvCxnSpPr>
+              <a:endCxn id="206" idx="1"/>
+            </p:cNvCxnSpPr>
+            <p:nvPr/>
+          </p:nvCxnSpPr>
+          <p:spPr>
+            <a:xfrm flipV="1">
+              <a:off x="677452" y="7717077"/>
+              <a:ext cx="435886" cy="3996"/>
+            </a:xfrm>
+            <a:prstGeom prst="straightConnector1">
+              <a:avLst/>
+            </a:prstGeom>
+            <a:ln w="19050">
+              <a:solidFill>
+                <a:schemeClr val="tx1"/>
+              </a:solidFill>
+              <a:prstDash val="sysDash"/>
+              <a:tailEnd type="triangle"/>
+            </a:ln>
+          </p:spPr>
+          <p:style>
+            <a:lnRef idx="1">
+              <a:schemeClr val="accent1"/>
+            </a:lnRef>
+            <a:fillRef idx="0">
+              <a:schemeClr val="accent1"/>
+            </a:fillRef>
+            <a:effectRef idx="0">
+              <a:schemeClr val="accent1"/>
+            </a:effectRef>
+            <a:fontRef idx="minor">
+              <a:schemeClr val="tx1"/>
+            </a:fontRef>
+          </p:style>
+        </p:cxnSp>
+        <p:sp>
+          <p:nvSpPr>
+            <p:cNvPr id="217" name="ZoneTexte 216"/>
+            <p:cNvSpPr txBox="1"/>
+            <p:nvPr/>
+          </p:nvSpPr>
+          <p:spPr>
+            <a:xfrm>
+              <a:off x="621836" y="7597725"/>
+              <a:ext cx="408441" cy="92333"/>
+            </a:xfrm>
+            <a:prstGeom prst="rect">
+              <a:avLst/>
+            </a:prstGeom>
+            <a:noFill/>
+          </p:spPr>
+          <p:txBody>
+            <a:bodyPr wrap="square" lIns="0" tIns="0" rIns="0" bIns="0" rtlCol="0">
+              <a:spAutoFit/>
+            </a:bodyPr>
+            <a:lstStyle/>
+            <a:p>
+              <a:r>
+                <a:rPr lang="fr-FR" sz="600" dirty="0">
+                  <a:latin typeface="Cambria" panose="02040503050406030204" pitchFamily="18" charset="0"/>
+                  <a:ea typeface="Arial Rounded MT Bold" charset="0"/>
+                  <a:cs typeface="Arial Rounded MT Bold" charset="0"/>
+                </a:rPr>
+                <a:t>i</a:t>
+              </a:r>
+              <a:r>
+                <a:rPr lang="fr-FR" sz="600" dirty="0" smtClean="0">
+                  <a:latin typeface="Cambria" panose="02040503050406030204" pitchFamily="18" charset="0"/>
+                  <a:ea typeface="Arial Rounded MT Bold" charset="0"/>
+                  <a:cs typeface="Arial Rounded MT Bold" charset="0"/>
+                </a:rPr>
+                <a:t>nput </a:t>
+              </a:r>
+              <a:r>
+                <a:rPr lang="fr-FR" sz="600" dirty="0" smtClean="0">
+                  <a:latin typeface="Cambria" panose="02040503050406030204" pitchFamily="18" charset="0"/>
+                  <a:ea typeface="Arial Rounded MT Bold" charset="0"/>
+                  <a:cs typeface="Arial Rounded MT Bold" charset="0"/>
+                </a:rPr>
+                <a:t>TS 3</a:t>
+              </a:r>
+              <a:endParaRPr lang="fr-FR" sz="600" dirty="0">
+                <a:latin typeface="Cambria" panose="02040503050406030204" pitchFamily="18" charset="0"/>
+                <a:ea typeface="Arial Rounded MT Bold" charset="0"/>
+                <a:cs typeface="Arial Rounded MT Bold" charset="0"/>
+              </a:endParaRPr>
+            </a:p>
+          </p:txBody>
+        </p:sp>
+        <p:sp>
+          <p:nvSpPr>
+            <p:cNvPr id="218" name="Rectangle à coins arrondis 217"/>
+            <p:cNvSpPr/>
+            <p:nvPr/>
+          </p:nvSpPr>
+          <p:spPr>
+            <a:xfrm>
+              <a:off x="4010667" y="6457333"/>
+              <a:ext cx="1806240" cy="411831"/>
+            </a:xfrm>
+            <a:prstGeom prst="roundRect">
+              <a:avLst>
+                <a:gd name="adj" fmla="val 3969"/>
+              </a:avLst>
+            </a:prstGeom>
+            <a:solidFill>
+              <a:schemeClr val="accent6">
+                <a:lumMod val="40000"/>
+                <a:lumOff val="60000"/>
+              </a:schemeClr>
+            </a:solidFill>
+            <a:ln>
+              <a:noFill/>
+            </a:ln>
+          </p:spPr>
+          <p:style>
+            <a:lnRef idx="2">
+              <a:schemeClr val="accent1">
+                <a:shade val="50000"/>
+              </a:schemeClr>
+            </a:lnRef>
+            <a:fillRef idx="1">
+              <a:schemeClr val="accent1"/>
+            </a:fillRef>
+            <a:effectRef idx="0">
+              <a:schemeClr val="accent1"/>
+            </a:effectRef>
+            <a:fontRef idx="minor">
+              <a:schemeClr val="lt1"/>
+            </a:fontRef>
+          </p:style>
+          <p:txBody>
+            <a:bodyPr tIns="0" rtlCol="0" anchor="t" anchorCtr="0"/>
+            <a:lstStyle/>
+            <a:p>
+              <a:pPr algn="ctr"/>
+              <a:r>
+                <a:rPr lang="fr-FR" sz="600" b="1" dirty="0" err="1" smtClean="0">
+                  <a:solidFill>
+                    <a:schemeClr val="tx1"/>
+                  </a:solidFill>
+                  <a:latin typeface="Cambria" panose="02040503050406030204" pitchFamily="18" charset="0"/>
+                  <a:ea typeface="Arial Rounded MT Bold" charset="0"/>
+                  <a:cs typeface="Arial Rounded MT Bold" charset="0"/>
+                </a:rPr>
+                <a:t>tsp</a:t>
+              </a:r>
+              <a:endParaRPr lang="fr-FR" sz="600" b="1" dirty="0">
+                <a:solidFill>
+                  <a:schemeClr val="tx1"/>
+                </a:solidFill>
+                <a:latin typeface="Cambria" panose="02040503050406030204" pitchFamily="18" charset="0"/>
+                <a:ea typeface="Arial Rounded MT Bold" charset="0"/>
+                <a:cs typeface="Arial Rounded MT Bold" charset="0"/>
+              </a:endParaRPr>
+            </a:p>
+          </p:txBody>
+        </p:sp>
+        <p:sp>
+          <p:nvSpPr>
+            <p:cNvPr id="219" name="Rectangle à coins arrondis 218"/>
+            <p:cNvSpPr/>
+            <p:nvPr/>
+          </p:nvSpPr>
+          <p:spPr>
+            <a:xfrm>
+              <a:off x="4120622" y="6604840"/>
+              <a:ext cx="312039" cy="201219"/>
+            </a:xfrm>
+            <a:prstGeom prst="roundRect">
+              <a:avLst/>
+            </a:prstGeom>
+            <a:solidFill>
+              <a:srgbClr val="1F8A4C"/>
+            </a:solidFill>
+            <a:ln>
+              <a:noFill/>
+            </a:ln>
+          </p:spPr>
+          <p:style>
+            <a:lnRef idx="2">
+              <a:schemeClr val="accent1">
+                <a:shade val="50000"/>
+              </a:schemeClr>
+            </a:lnRef>
+            <a:fillRef idx="1">
+              <a:schemeClr val="accent1"/>
+            </a:fillRef>
+            <a:effectRef idx="0">
+              <a:schemeClr val="accent1"/>
+            </a:effectRef>
+            <a:fontRef idx="minor">
+              <a:schemeClr val="lt1"/>
+            </a:fontRef>
+          </p:style>
+          <p:txBody>
+            <a:bodyPr lIns="36000" rIns="36000" rtlCol="0" anchor="ctr"/>
+            <a:lstStyle/>
+            <a:p>
+              <a:pPr algn="ctr"/>
+              <a:r>
+                <a:rPr lang="fr-FR" sz="600" b="1" dirty="0">
+                  <a:latin typeface="Consolas" panose="020B0609020204030204" pitchFamily="49" charset="0"/>
+                  <a:ea typeface="Arial Rounded MT Bold" charset="0"/>
+                  <a:cs typeface="Consolas" panose="020B0609020204030204" pitchFamily="49" charset="0"/>
+                </a:rPr>
+                <a:t>file</a:t>
+              </a:r>
+              <a:endParaRPr lang="fr-FR" sz="600" i="1" dirty="0">
+                <a:latin typeface="Cambria" panose="02040503050406030204" pitchFamily="18" charset="0"/>
+                <a:ea typeface="Arial Rounded MT Bold" charset="0"/>
+                <a:cs typeface="Arial Rounded MT Bold" charset="0"/>
+              </a:endParaRPr>
+            </a:p>
+          </p:txBody>
+        </p:sp>
+        <p:sp>
+          <p:nvSpPr>
+            <p:cNvPr id="220" name="Rectangle à coins arrondis 219"/>
+            <p:cNvSpPr/>
+            <p:nvPr/>
+          </p:nvSpPr>
+          <p:spPr>
+            <a:xfrm>
+              <a:off x="4551241" y="6604840"/>
+              <a:ext cx="312039" cy="201219"/>
+            </a:xfrm>
+            <a:prstGeom prst="roundRect">
+              <a:avLst/>
+            </a:prstGeom>
+            <a:solidFill>
+              <a:srgbClr val="1F8A4C"/>
+            </a:solidFill>
+            <a:ln>
+              <a:noFill/>
+            </a:ln>
+          </p:spPr>
+          <p:style>
+            <a:lnRef idx="2">
+              <a:schemeClr val="accent1">
+                <a:shade val="50000"/>
+              </a:schemeClr>
+            </a:lnRef>
+            <a:fillRef idx="1">
+              <a:schemeClr val="accent1"/>
+            </a:fillRef>
+            <a:effectRef idx="0">
+              <a:schemeClr val="accent1"/>
+            </a:effectRef>
+            <a:fontRef idx="minor">
+              <a:schemeClr val="lt1"/>
+            </a:fontRef>
+          </p:style>
+          <p:txBody>
+            <a:bodyPr lIns="36000" rIns="36000" rtlCol="0" anchor="ctr"/>
+            <a:lstStyle/>
+            <a:p>
+              <a:pPr algn="ctr"/>
+              <a:r>
+                <a:rPr lang="fr-FR" sz="600" i="1" dirty="0" smtClean="0">
+                  <a:latin typeface="Cambria" panose="02040503050406030204" pitchFamily="18" charset="0"/>
+                  <a:ea typeface="Arial Rounded MT Bold" charset="0"/>
+                  <a:cs typeface="Arial Rounded MT Bold" charset="0"/>
+                </a:rPr>
+                <a:t>plugin</a:t>
+              </a:r>
+              <a:endParaRPr lang="fr-FR" sz="600" i="1" dirty="0">
+                <a:latin typeface="Cambria" panose="02040503050406030204" pitchFamily="18" charset="0"/>
+                <a:ea typeface="Arial Rounded MT Bold" charset="0"/>
+                <a:cs typeface="Arial Rounded MT Bold" charset="0"/>
+              </a:endParaRPr>
+            </a:p>
+          </p:txBody>
+        </p:sp>
+        <p:sp>
+          <p:nvSpPr>
+            <p:cNvPr id="221" name="Rectangle à coins arrondis 220"/>
+            <p:cNvSpPr/>
+            <p:nvPr/>
+          </p:nvSpPr>
+          <p:spPr>
+            <a:xfrm>
+              <a:off x="4981859" y="6604840"/>
+              <a:ext cx="312039" cy="201219"/>
+            </a:xfrm>
+            <a:prstGeom prst="roundRect">
+              <a:avLst/>
+            </a:prstGeom>
+            <a:solidFill>
+              <a:srgbClr val="1F8A4C"/>
+            </a:solidFill>
+            <a:ln>
+              <a:noFill/>
+            </a:ln>
+          </p:spPr>
+          <p:style>
+            <a:lnRef idx="2">
+              <a:schemeClr val="accent1">
+                <a:shade val="50000"/>
+              </a:schemeClr>
+            </a:lnRef>
+            <a:fillRef idx="1">
+              <a:schemeClr val="accent1"/>
+            </a:fillRef>
+            <a:effectRef idx="0">
+              <a:schemeClr val="accent1"/>
+            </a:effectRef>
+            <a:fontRef idx="minor">
+              <a:schemeClr val="lt1"/>
+            </a:fontRef>
+          </p:style>
+          <p:txBody>
+            <a:bodyPr lIns="36000" rIns="36000" rtlCol="0" anchor="ctr"/>
+            <a:lstStyle/>
+            <a:p>
+              <a:pPr algn="ctr"/>
+              <a:r>
+                <a:rPr lang="fr-FR" sz="600" i="1" dirty="0" smtClean="0">
+                  <a:latin typeface="Cambria" panose="02040503050406030204" pitchFamily="18" charset="0"/>
+                  <a:ea typeface="Arial Rounded MT Bold" charset="0"/>
+                  <a:cs typeface="Arial Rounded MT Bold" charset="0"/>
+                </a:rPr>
+                <a:t>plugin</a:t>
+              </a:r>
+              <a:endParaRPr lang="fr-FR" sz="600" i="1" dirty="0">
+                <a:latin typeface="Cambria" panose="02040503050406030204" pitchFamily="18" charset="0"/>
+                <a:ea typeface="Arial Rounded MT Bold" charset="0"/>
+                <a:cs typeface="Arial Rounded MT Bold" charset="0"/>
+              </a:endParaRPr>
+            </a:p>
+          </p:txBody>
+        </p:sp>
+        <p:sp>
+          <p:nvSpPr>
+            <p:cNvPr id="222" name="Rectangle à coins arrondis 221"/>
+            <p:cNvSpPr/>
+            <p:nvPr/>
+          </p:nvSpPr>
+          <p:spPr>
+            <a:xfrm>
+              <a:off x="5412477" y="6604840"/>
+              <a:ext cx="312039" cy="201219"/>
+            </a:xfrm>
+            <a:prstGeom prst="roundRect">
+              <a:avLst/>
+            </a:prstGeom>
+            <a:solidFill>
+              <a:srgbClr val="1F8A4C"/>
+            </a:solidFill>
+            <a:ln>
+              <a:noFill/>
+            </a:ln>
+          </p:spPr>
+          <p:style>
+            <a:lnRef idx="2">
+              <a:schemeClr val="accent1">
+                <a:shade val="50000"/>
+              </a:schemeClr>
+            </a:lnRef>
+            <a:fillRef idx="1">
+              <a:schemeClr val="accent1"/>
+            </a:fillRef>
+            <a:effectRef idx="0">
+              <a:schemeClr val="accent1"/>
+            </a:effectRef>
+            <a:fontRef idx="minor">
+              <a:schemeClr val="lt1"/>
+            </a:fontRef>
+          </p:style>
+          <p:txBody>
+            <a:bodyPr lIns="36000" rIns="36000" rtlCol="0" anchor="ctr"/>
+            <a:lstStyle/>
+            <a:p>
+              <a:pPr algn="ctr"/>
+              <a:r>
+                <a:rPr lang="fr-FR" sz="600" i="1" dirty="0">
+                  <a:latin typeface="Cambria" panose="02040503050406030204" pitchFamily="18" charset="0"/>
+                  <a:ea typeface="Arial Rounded MT Bold" charset="0"/>
+                  <a:cs typeface="Arial Rounded MT Bold" charset="0"/>
+                </a:rPr>
+                <a:t>output</a:t>
+              </a:r>
+              <a:endParaRPr lang="fr-FR" sz="600" i="1" dirty="0">
+                <a:latin typeface="Cambria" panose="02040503050406030204" pitchFamily="18" charset="0"/>
+                <a:ea typeface="Arial Rounded MT Bold" charset="0"/>
+                <a:cs typeface="Arial Rounded MT Bold" charset="0"/>
+              </a:endParaRPr>
+            </a:p>
+          </p:txBody>
+        </p:sp>
+        <p:cxnSp>
+          <p:nvCxnSpPr>
+            <p:cNvPr id="223" name="Connecteur droit avec flèche 222"/>
+            <p:cNvCxnSpPr>
+              <a:stCxn id="219" idx="3"/>
+              <a:endCxn id="220" idx="1"/>
+            </p:cNvCxnSpPr>
+            <p:nvPr/>
+          </p:nvCxnSpPr>
+          <p:spPr>
+            <a:xfrm>
+              <a:off x="4432661" y="6705450"/>
+              <a:ext cx="118580" cy="0"/>
+            </a:xfrm>
+            <a:prstGeom prst="straightConnector1">
+              <a:avLst/>
+            </a:prstGeom>
+            <a:ln w="19050">
+              <a:solidFill>
+                <a:schemeClr val="tx1"/>
+              </a:solidFill>
+              <a:prstDash val="sysDash"/>
+              <a:tailEnd type="triangle"/>
+            </a:ln>
+          </p:spPr>
+          <p:style>
+            <a:lnRef idx="1">
+              <a:schemeClr val="accent1"/>
+            </a:lnRef>
+            <a:fillRef idx="0">
+              <a:schemeClr val="accent1"/>
+            </a:fillRef>
+            <a:effectRef idx="0">
+              <a:schemeClr val="accent1"/>
+            </a:effectRef>
+            <a:fontRef idx="minor">
+              <a:schemeClr val="tx1"/>
+            </a:fontRef>
+          </p:style>
+        </p:cxnSp>
+        <p:cxnSp>
+          <p:nvCxnSpPr>
+            <p:cNvPr id="224" name="Connecteur droit avec flèche 223"/>
+            <p:cNvCxnSpPr>
+              <a:endCxn id="221" idx="1"/>
+            </p:cNvCxnSpPr>
+            <p:nvPr/>
+          </p:nvCxnSpPr>
+          <p:spPr>
+            <a:xfrm flipV="1">
+              <a:off x="4872800" y="6705450"/>
+              <a:ext cx="109059" cy="3434"/>
+            </a:xfrm>
+            <a:prstGeom prst="straightConnector1">
+              <a:avLst/>
+            </a:prstGeom>
+            <a:ln w="19050">
+              <a:solidFill>
+                <a:schemeClr val="tx1"/>
+              </a:solidFill>
+              <a:prstDash val="sysDash"/>
+              <a:tailEnd type="triangle"/>
+            </a:ln>
+          </p:spPr>
+          <p:style>
+            <a:lnRef idx="1">
+              <a:schemeClr val="accent1"/>
+            </a:lnRef>
+            <a:fillRef idx="0">
+              <a:schemeClr val="accent1"/>
+            </a:fillRef>
+            <a:effectRef idx="0">
+              <a:schemeClr val="accent1"/>
+            </a:effectRef>
+            <a:fontRef idx="minor">
+              <a:schemeClr val="tx1"/>
+            </a:fontRef>
+          </p:style>
+        </p:cxnSp>
+        <p:cxnSp>
+          <p:nvCxnSpPr>
+            <p:cNvPr id="225" name="Connecteur droit avec flèche 224"/>
+            <p:cNvCxnSpPr>
+              <a:stCxn id="221" idx="3"/>
+              <a:endCxn id="222" idx="1"/>
+            </p:cNvCxnSpPr>
+            <p:nvPr/>
+          </p:nvCxnSpPr>
+          <p:spPr>
+            <a:xfrm>
+              <a:off x="5293898" y="6705450"/>
+              <a:ext cx="118580" cy="0"/>
+            </a:xfrm>
+            <a:prstGeom prst="straightConnector1">
+              <a:avLst/>
+            </a:prstGeom>
+            <a:ln w="19050">
+              <a:solidFill>
+                <a:schemeClr val="tx1"/>
+              </a:solidFill>
+              <a:prstDash val="sysDash"/>
+              <a:tailEnd type="triangle"/>
+            </a:ln>
+          </p:spPr>
+          <p:style>
+            <a:lnRef idx="1">
+              <a:schemeClr val="accent1"/>
+            </a:lnRef>
+            <a:fillRef idx="0">
+              <a:schemeClr val="accent1"/>
+            </a:fillRef>
+            <a:effectRef idx="0">
+              <a:schemeClr val="accent1"/>
+            </a:effectRef>
+            <a:fontRef idx="minor">
+              <a:schemeClr val="tx1"/>
+            </a:fontRef>
+          </p:style>
+        </p:cxnSp>
+        <p:cxnSp>
+          <p:nvCxnSpPr>
+            <p:cNvPr id="226" name="Connecteur droit avec flèche 137"/>
+            <p:cNvCxnSpPr>
+              <a:stCxn id="185" idx="0"/>
+              <a:endCxn id="219" idx="1"/>
+            </p:cNvCxnSpPr>
+            <p:nvPr/>
+          </p:nvCxnSpPr>
+          <p:spPr>
+            <a:xfrm rot="5400000" flipH="1" flipV="1">
+              <a:off x="3790174" y="6768683"/>
+              <a:ext cx="393681" cy="267215"/>
+            </a:xfrm>
+            <a:prstGeom prst="bentConnector2">
+              <a:avLst/>
+            </a:prstGeom>
+            <a:ln w="19050">
+              <a:solidFill>
+                <a:schemeClr val="tx1"/>
+              </a:solidFill>
+              <a:prstDash val="sysDash"/>
+              <a:tailEnd type="triangle"/>
+            </a:ln>
+          </p:spPr>
+          <p:style>
+            <a:lnRef idx="1">
+              <a:schemeClr val="accent1"/>
+            </a:lnRef>
+            <a:fillRef idx="0">
+              <a:schemeClr val="accent1"/>
+            </a:fillRef>
+            <a:effectRef idx="0">
+              <a:schemeClr val="accent1"/>
+            </a:effectRef>
+            <a:fontRef idx="minor">
+              <a:schemeClr val="tx1"/>
+            </a:fontRef>
+          </p:style>
+        </p:cxnSp>
+        <p:sp>
+          <p:nvSpPr>
+            <p:cNvPr id="227" name="Rectangle à coins arrondis 226"/>
+            <p:cNvSpPr/>
+            <p:nvPr/>
+          </p:nvSpPr>
+          <p:spPr>
+            <a:xfrm>
+              <a:off x="4472438" y="7468959"/>
+              <a:ext cx="1806240" cy="411831"/>
+            </a:xfrm>
+            <a:prstGeom prst="roundRect">
+              <a:avLst>
+                <a:gd name="adj" fmla="val 3969"/>
+              </a:avLst>
+            </a:prstGeom>
+            <a:solidFill>
+              <a:schemeClr val="accent6">
+                <a:lumMod val="40000"/>
+                <a:lumOff val="60000"/>
+              </a:schemeClr>
+            </a:solidFill>
+            <a:ln>
+              <a:noFill/>
+            </a:ln>
+          </p:spPr>
+          <p:style>
+            <a:lnRef idx="2">
+              <a:schemeClr val="accent1">
+                <a:shade val="50000"/>
+              </a:schemeClr>
+            </a:lnRef>
+            <a:fillRef idx="1">
+              <a:schemeClr val="accent1"/>
+            </a:fillRef>
+            <a:effectRef idx="0">
+              <a:schemeClr val="accent1"/>
+            </a:effectRef>
+            <a:fontRef idx="minor">
+              <a:schemeClr val="lt1"/>
+            </a:fontRef>
+          </p:style>
+          <p:txBody>
+            <a:bodyPr tIns="0" rtlCol="0" anchor="t" anchorCtr="0"/>
+            <a:lstStyle/>
+            <a:p>
+              <a:pPr algn="ctr"/>
+              <a:r>
+                <a:rPr lang="fr-FR" sz="600" b="1" dirty="0" err="1" smtClean="0">
+                  <a:solidFill>
+                    <a:schemeClr val="tx1"/>
+                  </a:solidFill>
+                  <a:latin typeface="Cambria" panose="02040503050406030204" pitchFamily="18" charset="0"/>
+                  <a:ea typeface="Arial Rounded MT Bold" charset="0"/>
+                  <a:cs typeface="Arial Rounded MT Bold" charset="0"/>
+                </a:rPr>
+                <a:t>tsp</a:t>
+              </a:r>
+              <a:endParaRPr lang="fr-FR" sz="600" b="1" dirty="0">
+                <a:solidFill>
+                  <a:schemeClr val="tx1"/>
+                </a:solidFill>
+                <a:latin typeface="Cambria" panose="02040503050406030204" pitchFamily="18" charset="0"/>
+                <a:ea typeface="Arial Rounded MT Bold" charset="0"/>
+                <a:cs typeface="Arial Rounded MT Bold" charset="0"/>
+              </a:endParaRPr>
+            </a:p>
+          </p:txBody>
+        </p:sp>
+        <p:sp>
+          <p:nvSpPr>
+            <p:cNvPr id="228" name="Rectangle à coins arrondis 227"/>
+            <p:cNvSpPr/>
+            <p:nvPr/>
+          </p:nvSpPr>
+          <p:spPr>
+            <a:xfrm>
+              <a:off x="4582393" y="7616467"/>
+              <a:ext cx="312039" cy="201219"/>
+            </a:xfrm>
+            <a:prstGeom prst="roundRect">
+              <a:avLst/>
+            </a:prstGeom>
+            <a:solidFill>
+              <a:srgbClr val="1F8A4C"/>
+            </a:solidFill>
+            <a:ln>
+              <a:noFill/>
+            </a:ln>
+          </p:spPr>
+          <p:style>
+            <a:lnRef idx="2">
+              <a:schemeClr val="accent1">
+                <a:shade val="50000"/>
+              </a:schemeClr>
+            </a:lnRef>
+            <a:fillRef idx="1">
+              <a:schemeClr val="accent1"/>
+            </a:fillRef>
+            <a:effectRef idx="0">
+              <a:schemeClr val="accent1"/>
+            </a:effectRef>
+            <a:fontRef idx="minor">
+              <a:schemeClr val="lt1"/>
+            </a:fontRef>
+          </p:style>
+          <p:txBody>
+            <a:bodyPr lIns="36000" rIns="36000" rtlCol="0" anchor="ctr"/>
+            <a:lstStyle/>
+            <a:p>
+              <a:pPr algn="ctr"/>
+              <a:r>
+                <a:rPr lang="fr-FR" sz="600" b="1" dirty="0">
+                  <a:latin typeface="Consolas" panose="020B0609020204030204" pitchFamily="49" charset="0"/>
+                  <a:ea typeface="Arial Rounded MT Bold" charset="0"/>
+                  <a:cs typeface="Consolas" panose="020B0609020204030204" pitchFamily="49" charset="0"/>
+                </a:rPr>
+                <a:t>file</a:t>
+              </a:r>
+              <a:endParaRPr lang="fr-FR" sz="600" i="1" dirty="0">
+                <a:latin typeface="Cambria" panose="02040503050406030204" pitchFamily="18" charset="0"/>
+                <a:ea typeface="Arial Rounded MT Bold" charset="0"/>
+                <a:cs typeface="Arial Rounded MT Bold" charset="0"/>
+              </a:endParaRPr>
+            </a:p>
+          </p:txBody>
+        </p:sp>
+        <p:sp>
+          <p:nvSpPr>
+            <p:cNvPr id="229" name="Rectangle à coins arrondis 228"/>
+            <p:cNvSpPr/>
+            <p:nvPr/>
+          </p:nvSpPr>
+          <p:spPr>
+            <a:xfrm>
+              <a:off x="5013011" y="7616467"/>
+              <a:ext cx="312039" cy="201219"/>
+            </a:xfrm>
+            <a:prstGeom prst="roundRect">
+              <a:avLst/>
+            </a:prstGeom>
+            <a:solidFill>
+              <a:srgbClr val="1F8A4C"/>
+            </a:solidFill>
+            <a:ln>
+              <a:noFill/>
+            </a:ln>
+          </p:spPr>
+          <p:style>
+            <a:lnRef idx="2">
+              <a:schemeClr val="accent1">
+                <a:shade val="50000"/>
+              </a:schemeClr>
+            </a:lnRef>
+            <a:fillRef idx="1">
+              <a:schemeClr val="accent1"/>
+            </a:fillRef>
+            <a:effectRef idx="0">
+              <a:schemeClr val="accent1"/>
+            </a:effectRef>
+            <a:fontRef idx="minor">
+              <a:schemeClr val="lt1"/>
+            </a:fontRef>
+          </p:style>
+          <p:txBody>
+            <a:bodyPr lIns="36000" rIns="36000" rtlCol="0" anchor="ctr"/>
+            <a:lstStyle/>
+            <a:p>
+              <a:pPr algn="ctr"/>
+              <a:r>
+                <a:rPr lang="fr-FR" sz="600" i="1" dirty="0" smtClean="0">
+                  <a:latin typeface="Cambria" panose="02040503050406030204" pitchFamily="18" charset="0"/>
+                  <a:ea typeface="Arial Rounded MT Bold" charset="0"/>
+                  <a:cs typeface="Arial Rounded MT Bold" charset="0"/>
+                </a:rPr>
+                <a:t>plugin</a:t>
+              </a:r>
+              <a:endParaRPr lang="fr-FR" sz="600" i="1" dirty="0">
+                <a:latin typeface="Cambria" panose="02040503050406030204" pitchFamily="18" charset="0"/>
+                <a:ea typeface="Arial Rounded MT Bold" charset="0"/>
+                <a:cs typeface="Arial Rounded MT Bold" charset="0"/>
+              </a:endParaRPr>
+            </a:p>
+          </p:txBody>
+        </p:sp>
+        <p:sp>
+          <p:nvSpPr>
+            <p:cNvPr id="230" name="Rectangle à coins arrondis 229"/>
+            <p:cNvSpPr/>
+            <p:nvPr/>
+          </p:nvSpPr>
+          <p:spPr>
+            <a:xfrm>
+              <a:off x="5443630" y="7616467"/>
+              <a:ext cx="312039" cy="201219"/>
+            </a:xfrm>
+            <a:prstGeom prst="roundRect">
+              <a:avLst/>
+            </a:prstGeom>
+            <a:solidFill>
+              <a:srgbClr val="1F8A4C"/>
+            </a:solidFill>
+            <a:ln>
+              <a:noFill/>
+            </a:ln>
+          </p:spPr>
+          <p:style>
+            <a:lnRef idx="2">
+              <a:schemeClr val="accent1">
+                <a:shade val="50000"/>
+              </a:schemeClr>
+            </a:lnRef>
+            <a:fillRef idx="1">
+              <a:schemeClr val="accent1"/>
+            </a:fillRef>
+            <a:effectRef idx="0">
+              <a:schemeClr val="accent1"/>
+            </a:effectRef>
+            <a:fontRef idx="minor">
+              <a:schemeClr val="lt1"/>
+            </a:fontRef>
+          </p:style>
+          <p:txBody>
+            <a:bodyPr lIns="36000" rIns="36000" rtlCol="0" anchor="ctr"/>
+            <a:lstStyle/>
+            <a:p>
+              <a:pPr algn="ctr"/>
+              <a:r>
+                <a:rPr lang="fr-FR" sz="600" i="1" dirty="0" smtClean="0">
+                  <a:latin typeface="Cambria" panose="02040503050406030204" pitchFamily="18" charset="0"/>
+                  <a:ea typeface="Arial Rounded MT Bold" charset="0"/>
+                  <a:cs typeface="Arial Rounded MT Bold" charset="0"/>
+                </a:rPr>
+                <a:t>plugin</a:t>
+              </a:r>
+              <a:endParaRPr lang="fr-FR" sz="600" i="1" dirty="0">
+                <a:latin typeface="Cambria" panose="02040503050406030204" pitchFamily="18" charset="0"/>
+                <a:ea typeface="Arial Rounded MT Bold" charset="0"/>
+                <a:cs typeface="Arial Rounded MT Bold" charset="0"/>
+              </a:endParaRPr>
+            </a:p>
+          </p:txBody>
+        </p:sp>
+        <p:sp>
+          <p:nvSpPr>
+            <p:cNvPr id="231" name="Rectangle à coins arrondis 230"/>
+            <p:cNvSpPr/>
+            <p:nvPr/>
+          </p:nvSpPr>
+          <p:spPr>
+            <a:xfrm>
+              <a:off x="5874248" y="7616467"/>
+              <a:ext cx="312039" cy="201219"/>
+            </a:xfrm>
+            <a:prstGeom prst="roundRect">
+              <a:avLst/>
+            </a:prstGeom>
+            <a:solidFill>
+              <a:srgbClr val="1F8A4C"/>
+            </a:solidFill>
+            <a:ln>
+              <a:noFill/>
+            </a:ln>
+          </p:spPr>
+          <p:style>
+            <a:lnRef idx="2">
+              <a:schemeClr val="accent1">
+                <a:shade val="50000"/>
+              </a:schemeClr>
+            </a:lnRef>
+            <a:fillRef idx="1">
+              <a:schemeClr val="accent1"/>
+            </a:fillRef>
+            <a:effectRef idx="0">
+              <a:schemeClr val="accent1"/>
+            </a:effectRef>
+            <a:fontRef idx="minor">
+              <a:schemeClr val="lt1"/>
+            </a:fontRef>
+          </p:style>
+          <p:txBody>
+            <a:bodyPr lIns="36000" rIns="36000" rtlCol="0" anchor="ctr"/>
+            <a:lstStyle/>
+            <a:p>
+              <a:pPr algn="ctr"/>
+              <a:r>
+                <a:rPr lang="fr-FR" sz="600" i="1" dirty="0">
+                  <a:latin typeface="Cambria" panose="02040503050406030204" pitchFamily="18" charset="0"/>
+                  <a:ea typeface="Arial Rounded MT Bold" charset="0"/>
+                  <a:cs typeface="Arial Rounded MT Bold" charset="0"/>
+                </a:rPr>
+                <a:t>output</a:t>
+              </a:r>
+              <a:endParaRPr lang="fr-FR" sz="600" i="1" dirty="0">
+                <a:latin typeface="Cambria" panose="02040503050406030204" pitchFamily="18" charset="0"/>
+                <a:ea typeface="Arial Rounded MT Bold" charset="0"/>
+                <a:cs typeface="Arial Rounded MT Bold" charset="0"/>
+              </a:endParaRPr>
+            </a:p>
+          </p:txBody>
+        </p:sp>
+        <p:cxnSp>
+          <p:nvCxnSpPr>
+            <p:cNvPr id="232" name="Connecteur droit avec flèche 231"/>
+            <p:cNvCxnSpPr>
+              <a:stCxn id="228" idx="3"/>
+              <a:endCxn id="229" idx="1"/>
+            </p:cNvCxnSpPr>
+            <p:nvPr/>
+          </p:nvCxnSpPr>
+          <p:spPr>
+            <a:xfrm>
+              <a:off x="4894432" y="7717077"/>
+              <a:ext cx="118580" cy="0"/>
+            </a:xfrm>
+            <a:prstGeom prst="straightConnector1">
+              <a:avLst/>
+            </a:prstGeom>
+            <a:ln w="19050">
+              <a:solidFill>
+                <a:schemeClr val="tx1"/>
+              </a:solidFill>
+              <a:prstDash val="sysDash"/>
+              <a:tailEnd type="triangle"/>
+            </a:ln>
+          </p:spPr>
+          <p:style>
+            <a:lnRef idx="1">
+              <a:schemeClr val="accent1"/>
+            </a:lnRef>
+            <a:fillRef idx="0">
+              <a:schemeClr val="accent1"/>
+            </a:fillRef>
+            <a:effectRef idx="0">
+              <a:schemeClr val="accent1"/>
+            </a:effectRef>
+            <a:fontRef idx="minor">
+              <a:schemeClr val="tx1"/>
+            </a:fontRef>
+          </p:style>
+        </p:cxnSp>
+        <p:cxnSp>
+          <p:nvCxnSpPr>
+            <p:cNvPr id="233" name="Connecteur droit avec flèche 232"/>
+            <p:cNvCxnSpPr>
+              <a:endCxn id="230" idx="1"/>
+            </p:cNvCxnSpPr>
+            <p:nvPr/>
+          </p:nvCxnSpPr>
+          <p:spPr>
+            <a:xfrm flipV="1">
+              <a:off x="5334571" y="7717077"/>
+              <a:ext cx="109059" cy="3434"/>
+            </a:xfrm>
+            <a:prstGeom prst="straightConnector1">
+              <a:avLst/>
+            </a:prstGeom>
+            <a:ln w="19050">
+              <a:solidFill>
+                <a:schemeClr val="tx1"/>
+              </a:solidFill>
+              <a:prstDash val="sysDash"/>
+              <a:tailEnd type="triangle"/>
+            </a:ln>
+          </p:spPr>
+          <p:style>
+            <a:lnRef idx="1">
+              <a:schemeClr val="accent1"/>
+            </a:lnRef>
+            <a:fillRef idx="0">
+              <a:schemeClr val="accent1"/>
+            </a:fillRef>
+            <a:effectRef idx="0">
+              <a:schemeClr val="accent1"/>
+            </a:effectRef>
+            <a:fontRef idx="minor">
+              <a:schemeClr val="tx1"/>
+            </a:fontRef>
+          </p:style>
+        </p:cxnSp>
+        <p:cxnSp>
+          <p:nvCxnSpPr>
+            <p:cNvPr id="234" name="Connecteur droit avec flèche 233"/>
+            <p:cNvCxnSpPr>
+              <a:stCxn id="230" idx="3"/>
+              <a:endCxn id="231" idx="1"/>
+            </p:cNvCxnSpPr>
+            <p:nvPr/>
+          </p:nvCxnSpPr>
+          <p:spPr>
+            <a:xfrm>
+              <a:off x="5755668" y="7717077"/>
+              <a:ext cx="118580" cy="0"/>
+            </a:xfrm>
+            <a:prstGeom prst="straightConnector1">
+              <a:avLst/>
+            </a:prstGeom>
+            <a:ln w="19050">
+              <a:solidFill>
+                <a:schemeClr val="tx1"/>
+              </a:solidFill>
+              <a:prstDash val="sysDash"/>
+              <a:tailEnd type="triangle"/>
+            </a:ln>
+          </p:spPr>
+          <p:style>
+            <a:lnRef idx="1">
+              <a:schemeClr val="accent1"/>
+            </a:lnRef>
+            <a:fillRef idx="0">
+              <a:schemeClr val="accent1"/>
+            </a:fillRef>
+            <a:effectRef idx="0">
+              <a:schemeClr val="accent1"/>
+            </a:effectRef>
+            <a:fontRef idx="minor">
+              <a:schemeClr val="tx1"/>
+            </a:fontRef>
+          </p:style>
+        </p:cxnSp>
+        <p:cxnSp>
+          <p:nvCxnSpPr>
+            <p:cNvPr id="235" name="Connecteur droit avec flèche 137"/>
+            <p:cNvCxnSpPr>
+              <a:stCxn id="186" idx="2"/>
+              <a:endCxn id="228" idx="1"/>
+            </p:cNvCxnSpPr>
+            <p:nvPr/>
+          </p:nvCxnSpPr>
+          <p:spPr>
+            <a:xfrm rot="16200000" flipH="1">
+              <a:off x="4225009" y="7359693"/>
+              <a:ext cx="416725" cy="298042"/>
+            </a:xfrm>
+            <a:prstGeom prst="bentConnector2">
+              <a:avLst/>
+            </a:prstGeom>
+            <a:ln w="19050">
+              <a:solidFill>
+                <a:schemeClr val="tx1"/>
+              </a:solidFill>
+              <a:prstDash val="sysDash"/>
+              <a:tailEnd type="triangle"/>
+            </a:ln>
+          </p:spPr>
+          <p:style>
+            <a:lnRef idx="1">
+              <a:schemeClr val="accent1"/>
+            </a:lnRef>
+            <a:fillRef idx="0">
+              <a:schemeClr val="accent1"/>
+            </a:fillRef>
+            <a:effectRef idx="0">
+              <a:schemeClr val="accent1"/>
+            </a:effectRef>
+            <a:fontRef idx="minor">
+              <a:schemeClr val="tx1"/>
+            </a:fontRef>
+          </p:style>
+        </p:cxnSp>
+        <p:sp>
+          <p:nvSpPr>
+            <p:cNvPr id="236" name="ZoneTexte 235"/>
+            <p:cNvSpPr txBox="1"/>
+            <p:nvPr/>
+          </p:nvSpPr>
+          <p:spPr>
+            <a:xfrm>
+              <a:off x="5835459" y="6572146"/>
+              <a:ext cx="459725" cy="92333"/>
+            </a:xfrm>
+            <a:prstGeom prst="rect">
+              <a:avLst/>
+            </a:prstGeom>
+            <a:noFill/>
+          </p:spPr>
+          <p:txBody>
+            <a:bodyPr wrap="square" lIns="0" tIns="0" rIns="0" bIns="0" rtlCol="0">
+              <a:spAutoFit/>
+            </a:bodyPr>
+            <a:lstStyle/>
+            <a:p>
+              <a:r>
+                <a:rPr lang="fr-FR" sz="600" dirty="0" smtClean="0">
+                  <a:latin typeface="Cambria" panose="02040503050406030204" pitchFamily="18" charset="0"/>
+                  <a:ea typeface="Arial Rounded MT Bold" charset="0"/>
+                  <a:cs typeface="Arial Rounded MT Bold" charset="0"/>
+                </a:rPr>
+                <a:t>output </a:t>
+              </a:r>
+              <a:r>
+                <a:rPr lang="fr-FR" sz="600" dirty="0" smtClean="0">
+                  <a:latin typeface="Cambria" panose="02040503050406030204" pitchFamily="18" charset="0"/>
+                  <a:ea typeface="Arial Rounded MT Bold" charset="0"/>
+                  <a:cs typeface="Arial Rounded MT Bold" charset="0"/>
+                </a:rPr>
+                <a:t>TS 1</a:t>
+              </a:r>
+              <a:endParaRPr lang="fr-FR" sz="600" dirty="0">
+                <a:latin typeface="Cambria" panose="02040503050406030204" pitchFamily="18" charset="0"/>
+                <a:ea typeface="Arial Rounded MT Bold" charset="0"/>
+                <a:cs typeface="Arial Rounded MT Bold" charset="0"/>
+              </a:endParaRPr>
+            </a:p>
+          </p:txBody>
+        </p:sp>
+        <p:cxnSp>
+          <p:nvCxnSpPr>
+            <p:cNvPr id="237" name="Connecteur droit avec flèche 236"/>
+            <p:cNvCxnSpPr>
+              <a:stCxn id="222" idx="3"/>
+            </p:cNvCxnSpPr>
+            <p:nvPr/>
+          </p:nvCxnSpPr>
+          <p:spPr>
+            <a:xfrm flipV="1">
+              <a:off x="5724516" y="6701507"/>
+              <a:ext cx="429070" cy="3944"/>
+            </a:xfrm>
+            <a:prstGeom prst="straightConnector1">
+              <a:avLst/>
+            </a:prstGeom>
+            <a:ln w="19050">
+              <a:solidFill>
+                <a:schemeClr val="tx1"/>
+              </a:solidFill>
+              <a:prstDash val="sysDash"/>
+              <a:tailEnd type="triangle"/>
+            </a:ln>
+          </p:spPr>
+          <p:style>
+            <a:lnRef idx="1">
+              <a:schemeClr val="accent1"/>
+            </a:lnRef>
+            <a:fillRef idx="0">
+              <a:schemeClr val="accent1"/>
+            </a:fillRef>
+            <a:effectRef idx="0">
+              <a:schemeClr val="accent1"/>
+            </a:effectRef>
+            <a:fontRef idx="minor">
+              <a:schemeClr val="tx1"/>
+            </a:fontRef>
+          </p:style>
+        </p:cxnSp>
+        <p:sp>
+          <p:nvSpPr>
+            <p:cNvPr id="238" name="ZoneTexte 237"/>
+            <p:cNvSpPr txBox="1"/>
+            <p:nvPr/>
+          </p:nvSpPr>
+          <p:spPr>
+            <a:xfrm>
+              <a:off x="6310751" y="7593782"/>
+              <a:ext cx="459725" cy="92333"/>
+            </a:xfrm>
+            <a:prstGeom prst="rect">
+              <a:avLst/>
+            </a:prstGeom>
+            <a:noFill/>
+          </p:spPr>
+          <p:txBody>
+            <a:bodyPr wrap="square" lIns="0" tIns="0" rIns="0" bIns="0" rtlCol="0">
+              <a:spAutoFit/>
+            </a:bodyPr>
+            <a:lstStyle/>
+            <a:p>
+              <a:r>
+                <a:rPr lang="fr-FR" sz="600" dirty="0" smtClean="0">
+                  <a:latin typeface="Cambria" panose="02040503050406030204" pitchFamily="18" charset="0"/>
+                  <a:ea typeface="Arial Rounded MT Bold" charset="0"/>
+                  <a:cs typeface="Arial Rounded MT Bold" charset="0"/>
+                </a:rPr>
+                <a:t>output </a:t>
+              </a:r>
+              <a:r>
+                <a:rPr lang="fr-FR" sz="600" dirty="0" smtClean="0">
+                  <a:latin typeface="Cambria" panose="02040503050406030204" pitchFamily="18" charset="0"/>
+                  <a:ea typeface="Arial Rounded MT Bold" charset="0"/>
+                  <a:cs typeface="Arial Rounded MT Bold" charset="0"/>
+                </a:rPr>
+                <a:t>TS 3</a:t>
+              </a:r>
+              <a:endParaRPr lang="fr-FR" sz="600" dirty="0">
+                <a:latin typeface="Cambria" panose="02040503050406030204" pitchFamily="18" charset="0"/>
+                <a:ea typeface="Arial Rounded MT Bold" charset="0"/>
+                <a:cs typeface="Arial Rounded MT Bold" charset="0"/>
+              </a:endParaRPr>
+            </a:p>
+          </p:txBody>
+        </p:sp>
+        <p:cxnSp>
+          <p:nvCxnSpPr>
+            <p:cNvPr id="239" name="Connecteur droit avec flèche 238"/>
+            <p:cNvCxnSpPr>
+              <a:stCxn id="231" idx="3"/>
+            </p:cNvCxnSpPr>
+            <p:nvPr/>
+          </p:nvCxnSpPr>
+          <p:spPr>
+            <a:xfrm flipV="1">
+              <a:off x="6186287" y="7717076"/>
+              <a:ext cx="429070" cy="1"/>
+            </a:xfrm>
+            <a:prstGeom prst="straightConnector1">
+              <a:avLst/>
+            </a:prstGeom>
+            <a:ln w="19050">
+              <a:solidFill>
+                <a:schemeClr val="tx1"/>
+              </a:solidFill>
+              <a:prstDash val="sysDash"/>
+              <a:tailEnd type="triangle"/>
+            </a:ln>
+          </p:spPr>
+          <p:style>
+            <a:lnRef idx="1">
+              <a:schemeClr val="accent1"/>
+            </a:lnRef>
+            <a:fillRef idx="0">
+              <a:schemeClr val="accent1"/>
+            </a:fillRef>
+            <a:effectRef idx="0">
+              <a:schemeClr val="accent1"/>
+            </a:effectRef>
+            <a:fontRef idx="minor">
+              <a:schemeClr val="tx1"/>
+            </a:fontRef>
+          </p:style>
+        </p:cxnSp>
+        <p:pic>
+          <p:nvPicPr>
+            <p:cNvPr id="241" name="Picture 7" descr="D:\Devel\tsduck\images\tsduck-48.png"/>
+            <p:cNvPicPr>
+              <a:picLocks noChangeAspect="1" noChangeArrowheads="1"/>
+            </p:cNvPicPr>
+            <p:nvPr/>
+          </p:nvPicPr>
+          <p:blipFill>
+            <a:blip r:embed="rId2">
+              <a:extLst>
+                <a:ext uri="{28A0092B-C50C-407E-A947-70E740481C1C}">
+                  <a14:useLocalDpi xmlns:a14="http://schemas.microsoft.com/office/drawing/2010/main" val="0"/>
+                </a:ext>
+              </a:extLst>
+            </a:blip>
+            <a:srcRect/>
+            <a:stretch>
+              <a:fillRect/>
+            </a:stretch>
+          </p:blipFill>
+          <p:spPr bwMode="auto">
+            <a:xfrm>
+              <a:off x="6121585" y="7996922"/>
+              <a:ext cx="146050" cy="146050"/>
+            </a:xfrm>
+            <a:prstGeom prst="rect">
+              <a:avLst/>
+            </a:prstGeom>
+            <a:noFill/>
+            <a:extLst>
+              <a:ext uri="{909E8E84-426E-40DD-AFC4-6F175D3DCCD1}">
+                <a14:hiddenFill xmlns:a14="http://schemas.microsoft.com/office/drawing/2010/main">
+                  <a:solidFill>
+                    <a:srgbClr val="FFFFFF"/>
+                  </a:solidFill>
+                </a14:hiddenFill>
+              </a:ext>
+            </a:extLst>
+          </p:spPr>
+        </p:pic>
+        <p:sp>
+          <p:nvSpPr>
+            <p:cNvPr id="242" name="ZoneTexte 241"/>
+            <p:cNvSpPr txBox="1"/>
+            <p:nvPr/>
+          </p:nvSpPr>
+          <p:spPr>
+            <a:xfrm>
+              <a:off x="6284834" y="8016086"/>
+              <a:ext cx="302156" cy="107722"/>
+            </a:xfrm>
+            <a:prstGeom prst="rect">
+              <a:avLst/>
+            </a:prstGeom>
+            <a:noFill/>
+          </p:spPr>
+          <p:txBody>
+            <a:bodyPr wrap="square" lIns="0" tIns="0" rIns="0" bIns="0" rtlCol="0">
+              <a:spAutoFit/>
+            </a:bodyPr>
+            <a:lstStyle/>
+            <a:p>
+              <a:r>
+                <a:rPr lang="fr-FR" sz="700" dirty="0" smtClean="0">
+                  <a:latin typeface="Cambria" panose="02040503050406030204" pitchFamily="18" charset="0"/>
+                  <a:ea typeface="Arial Rounded MT Bold" charset="0"/>
+                  <a:cs typeface="Arial Rounded MT Bold" charset="0"/>
+                </a:rPr>
+                <a:t>TSDuck</a:t>
+              </a:r>
+              <a:endParaRPr lang="fr-FR" sz="700" dirty="0">
+                <a:latin typeface="Cambria" panose="02040503050406030204" pitchFamily="18" charset="0"/>
+                <a:ea typeface="Arial Rounded MT Bold" charset="0"/>
+                <a:cs typeface="Arial Rounded MT Bold" charset="0"/>
+              </a:endParaRPr>
             </a:p>
           </p:txBody>
         </p:sp>
@@ -8280,7 +14835,7 @@
   <a:extraClrSchemeLst/>
   <a:extLst>
     <a:ext uri="{05A4C25C-085E-4340-85A3-A5531E510DB2}">
-      <thm15:themeFamily xmlns:thm15="http://schemas.microsoft.com/office/thememl/2012/main" xmlns="" name="Office Theme" id="{62F939B6-93AF-4DB8-9C6B-D6C7DFDC589F}" vid="{4A3C46E8-61CC-4603-A589-7422A47A8E4A}"/>
+      <thm15:themeFamily xmlns="" xmlns:thm15="http://schemas.microsoft.com/office/thememl/2012/main" name="Office Theme" id="{62F939B6-93AF-4DB8-9C6B-D6C7DFDC589F}" vid="{4A3C46E8-61CC-4603-A589-7422A47A8E4A}"/>
     </a:ext>
   </a:extLst>
 </a:theme>

--- a/doc/tsduck-diagrams.pptx
+++ b/doc/tsduck-diagrams.pptx
@@ -7,6 +7,7 @@
   <p:sldIdLst>
     <p:sldId id="256" r:id="rId2"/>
     <p:sldId id="257" r:id="rId3"/>
+    <p:sldId id="258" r:id="rId4"/>
   </p:sldIdLst>
   <p:sldSz cx="6858000" cy="9906000" type="A4"/>
   <p:notesSz cx="6858000" cy="9144000"/>
@@ -105,6 +106,22 @@
       </a:defRPr>
     </a:lvl9pPr>
   </p:defaultTextStyle>
+  <p:extLst>
+    <p:ext uri="{EFAFB233-063F-42B5-8137-9DF3F51BA10A}">
+      <p15:sldGuideLst xmlns:p15="http://schemas.microsoft.com/office/powerpoint/2012/main">
+        <p15:guide id="1" orient="horz" pos="3120">
+          <p15:clr>
+            <a:srgbClr val="A4A3A4"/>
+          </p15:clr>
+        </p15:guide>
+        <p15:guide id="2" pos="2160">
+          <p15:clr>
+            <a:srgbClr val="A4A3A4"/>
+          </p15:clr>
+        </p15:guide>
+      </p15:sldGuideLst>
+    </p:ext>
+  </p:extLst>
 </p:presentation>
 </file>
 
@@ -150,7 +167,7 @@
           </a:lstStyle>
           <a:p>
             <a:r>
-              <a:rPr lang="fr-FR" smtClean="0"/>
+              <a:rPr lang="fr-FR"/>
               <a:t>Cliquez et modifiez le titre</a:t>
             </a:r>
             <a:endParaRPr lang="en-US" dirty="0"/>
@@ -215,7 +232,7 @@
           </a:lstStyle>
           <a:p>
             <a:r>
-              <a:rPr lang="fr-FR" smtClean="0"/>
+              <a:rPr lang="fr-FR"/>
               <a:t>Cliquez pour modifier le style des sous-titres du masque</a:t>
             </a:r>
             <a:endParaRPr lang="en-US" dirty="0"/>
@@ -239,7 +256,7 @@
           <a:p>
             <a:fld id="{58A7CDC3-5B40-B341-B3D1-EE720DBB9E8A}" type="datetimeFigureOut">
               <a:rPr lang="fr-FR" smtClean="0"/>
-              <a:t>01/06/2018</a:t>
+              <a:t>23/09/2018</a:t>
             </a:fld>
             <a:endParaRPr lang="fr-FR"/>
           </a:p>
@@ -328,7 +345,7 @@
           <a:lstStyle/>
           <a:p>
             <a:r>
-              <a:rPr lang="fr-FR" smtClean="0"/>
+              <a:rPr lang="fr-FR"/>
               <a:t>Cliquez et modifiez le titre</a:t>
             </a:r>
             <a:endParaRPr lang="en-US" dirty="0"/>
@@ -352,35 +369,35 @@
           <a:p>
             <a:pPr lvl="0"/>
             <a:r>
-              <a:rPr lang="fr-FR" smtClean="0"/>
+              <a:rPr lang="fr-FR"/>
               <a:t>Cliquez pour modifier les styles du texte du masque</a:t>
             </a:r>
           </a:p>
           <a:p>
             <a:pPr lvl="1"/>
             <a:r>
-              <a:rPr lang="fr-FR" smtClean="0"/>
+              <a:rPr lang="fr-FR"/>
               <a:t>Deuxième niveau</a:t>
             </a:r>
           </a:p>
           <a:p>
             <a:pPr lvl="2"/>
             <a:r>
-              <a:rPr lang="fr-FR" smtClean="0"/>
+              <a:rPr lang="fr-FR"/>
               <a:t>Troisième niveau</a:t>
             </a:r>
           </a:p>
           <a:p>
             <a:pPr lvl="3"/>
             <a:r>
-              <a:rPr lang="fr-FR" smtClean="0"/>
+              <a:rPr lang="fr-FR"/>
               <a:t>Quatrième niveau</a:t>
             </a:r>
           </a:p>
           <a:p>
             <a:pPr lvl="4"/>
             <a:r>
-              <a:rPr lang="fr-FR" smtClean="0"/>
+              <a:rPr lang="fr-FR"/>
               <a:t>Cinquième niveau</a:t>
             </a:r>
             <a:endParaRPr lang="en-US" dirty="0"/>
@@ -404,7 +421,7 @@
           <a:p>
             <a:fld id="{58A7CDC3-5B40-B341-B3D1-EE720DBB9E8A}" type="datetimeFigureOut">
               <a:rPr lang="fr-FR" smtClean="0"/>
-              <a:t>01/06/2018</a:t>
+              <a:t>23/09/2018</a:t>
             </a:fld>
             <a:endParaRPr lang="fr-FR"/>
           </a:p>
@@ -498,7 +515,7 @@
           <a:lstStyle/>
           <a:p>
             <a:r>
-              <a:rPr lang="fr-FR" smtClean="0"/>
+              <a:rPr lang="fr-FR"/>
               <a:t>Cliquez et modifiez le titre</a:t>
             </a:r>
             <a:endParaRPr lang="en-US" dirty="0"/>
@@ -527,35 +544,35 @@
           <a:p>
             <a:pPr lvl="0"/>
             <a:r>
-              <a:rPr lang="fr-FR" smtClean="0"/>
+              <a:rPr lang="fr-FR"/>
               <a:t>Cliquez pour modifier les styles du texte du masque</a:t>
             </a:r>
           </a:p>
           <a:p>
             <a:pPr lvl="1"/>
             <a:r>
-              <a:rPr lang="fr-FR" smtClean="0"/>
+              <a:rPr lang="fr-FR"/>
               <a:t>Deuxième niveau</a:t>
             </a:r>
           </a:p>
           <a:p>
             <a:pPr lvl="2"/>
             <a:r>
-              <a:rPr lang="fr-FR" smtClean="0"/>
+              <a:rPr lang="fr-FR"/>
               <a:t>Troisième niveau</a:t>
             </a:r>
           </a:p>
           <a:p>
             <a:pPr lvl="3"/>
             <a:r>
-              <a:rPr lang="fr-FR" smtClean="0"/>
+              <a:rPr lang="fr-FR"/>
               <a:t>Quatrième niveau</a:t>
             </a:r>
           </a:p>
           <a:p>
             <a:pPr lvl="4"/>
             <a:r>
-              <a:rPr lang="fr-FR" smtClean="0"/>
+              <a:rPr lang="fr-FR"/>
               <a:t>Cinquième niveau</a:t>
             </a:r>
             <a:endParaRPr lang="en-US" dirty="0"/>
@@ -579,7 +596,7 @@
           <a:p>
             <a:fld id="{58A7CDC3-5B40-B341-B3D1-EE720DBB9E8A}" type="datetimeFigureOut">
               <a:rPr lang="fr-FR" smtClean="0"/>
-              <a:t>01/06/2018</a:t>
+              <a:t>23/09/2018</a:t>
             </a:fld>
             <a:endParaRPr lang="fr-FR"/>
           </a:p>
@@ -668,7 +685,7 @@
           <a:lstStyle/>
           <a:p>
             <a:r>
-              <a:rPr lang="fr-FR" smtClean="0"/>
+              <a:rPr lang="fr-FR"/>
               <a:t>Cliquez et modifiez le titre</a:t>
             </a:r>
             <a:endParaRPr lang="en-US" dirty="0"/>
@@ -692,35 +709,35 @@
           <a:p>
             <a:pPr lvl="0"/>
             <a:r>
-              <a:rPr lang="fr-FR" smtClean="0"/>
+              <a:rPr lang="fr-FR"/>
               <a:t>Cliquez pour modifier les styles du texte du masque</a:t>
             </a:r>
           </a:p>
           <a:p>
             <a:pPr lvl="1"/>
             <a:r>
-              <a:rPr lang="fr-FR" smtClean="0"/>
+              <a:rPr lang="fr-FR"/>
               <a:t>Deuxième niveau</a:t>
             </a:r>
           </a:p>
           <a:p>
             <a:pPr lvl="2"/>
             <a:r>
-              <a:rPr lang="fr-FR" smtClean="0"/>
+              <a:rPr lang="fr-FR"/>
               <a:t>Troisième niveau</a:t>
             </a:r>
           </a:p>
           <a:p>
             <a:pPr lvl="3"/>
             <a:r>
-              <a:rPr lang="fr-FR" smtClean="0"/>
+              <a:rPr lang="fr-FR"/>
               <a:t>Quatrième niveau</a:t>
             </a:r>
           </a:p>
           <a:p>
             <a:pPr lvl="4"/>
             <a:r>
-              <a:rPr lang="fr-FR" smtClean="0"/>
+              <a:rPr lang="fr-FR"/>
               <a:t>Cinquième niveau</a:t>
             </a:r>
             <a:endParaRPr lang="en-US" dirty="0"/>
@@ -744,7 +761,7 @@
           <a:p>
             <a:fld id="{58A7CDC3-5B40-B341-B3D1-EE720DBB9E8A}" type="datetimeFigureOut">
               <a:rPr lang="fr-FR" smtClean="0"/>
-              <a:t>01/06/2018</a:t>
+              <a:t>23/09/2018</a:t>
             </a:fld>
             <a:endParaRPr lang="fr-FR"/>
           </a:p>
@@ -842,7 +859,7 @@
           </a:lstStyle>
           <a:p>
             <a:r>
-              <a:rPr lang="fr-FR" smtClean="0"/>
+              <a:rPr lang="fr-FR"/>
               <a:t>Cliquez et modifiez le titre</a:t>
             </a:r>
             <a:endParaRPr lang="en-US" dirty="0"/>
@@ -960,7 +977,7 @@
           <a:p>
             <a:pPr lvl="0"/>
             <a:r>
-              <a:rPr lang="fr-FR" smtClean="0"/>
+              <a:rPr lang="fr-FR"/>
               <a:t>Cliquez pour modifier les styles du texte du masque</a:t>
             </a:r>
           </a:p>
@@ -983,7 +1000,7 @@
           <a:p>
             <a:fld id="{58A7CDC3-5B40-B341-B3D1-EE720DBB9E8A}" type="datetimeFigureOut">
               <a:rPr lang="fr-FR" smtClean="0"/>
-              <a:t>01/06/2018</a:t>
+              <a:t>23/09/2018</a:t>
             </a:fld>
             <a:endParaRPr lang="fr-FR"/>
           </a:p>
@@ -1072,7 +1089,7 @@
           <a:lstStyle/>
           <a:p>
             <a:r>
-              <a:rPr lang="fr-FR" smtClean="0"/>
+              <a:rPr lang="fr-FR"/>
               <a:t>Cliquez et modifiez le titre</a:t>
             </a:r>
             <a:endParaRPr lang="en-US" dirty="0"/>
@@ -1101,35 +1118,35 @@
           <a:p>
             <a:pPr lvl="0"/>
             <a:r>
-              <a:rPr lang="fr-FR" smtClean="0"/>
+              <a:rPr lang="fr-FR"/>
               <a:t>Cliquez pour modifier les styles du texte du masque</a:t>
             </a:r>
           </a:p>
           <a:p>
             <a:pPr lvl="1"/>
             <a:r>
-              <a:rPr lang="fr-FR" smtClean="0"/>
+              <a:rPr lang="fr-FR"/>
               <a:t>Deuxième niveau</a:t>
             </a:r>
           </a:p>
           <a:p>
             <a:pPr lvl="2"/>
             <a:r>
-              <a:rPr lang="fr-FR" smtClean="0"/>
+              <a:rPr lang="fr-FR"/>
               <a:t>Troisième niveau</a:t>
             </a:r>
           </a:p>
           <a:p>
             <a:pPr lvl="3"/>
             <a:r>
-              <a:rPr lang="fr-FR" smtClean="0"/>
+              <a:rPr lang="fr-FR"/>
               <a:t>Quatrième niveau</a:t>
             </a:r>
           </a:p>
           <a:p>
             <a:pPr lvl="4"/>
             <a:r>
-              <a:rPr lang="fr-FR" smtClean="0"/>
+              <a:rPr lang="fr-FR"/>
               <a:t>Cinquième niveau</a:t>
             </a:r>
             <a:endParaRPr lang="en-US" dirty="0"/>
@@ -1158,35 +1175,35 @@
           <a:p>
             <a:pPr lvl="0"/>
             <a:r>
-              <a:rPr lang="fr-FR" smtClean="0"/>
+              <a:rPr lang="fr-FR"/>
               <a:t>Cliquez pour modifier les styles du texte du masque</a:t>
             </a:r>
           </a:p>
           <a:p>
             <a:pPr lvl="1"/>
             <a:r>
-              <a:rPr lang="fr-FR" smtClean="0"/>
+              <a:rPr lang="fr-FR"/>
               <a:t>Deuxième niveau</a:t>
             </a:r>
           </a:p>
           <a:p>
             <a:pPr lvl="2"/>
             <a:r>
-              <a:rPr lang="fr-FR" smtClean="0"/>
+              <a:rPr lang="fr-FR"/>
               <a:t>Troisième niveau</a:t>
             </a:r>
           </a:p>
           <a:p>
             <a:pPr lvl="3"/>
             <a:r>
-              <a:rPr lang="fr-FR" smtClean="0"/>
+              <a:rPr lang="fr-FR"/>
               <a:t>Quatrième niveau</a:t>
             </a:r>
           </a:p>
           <a:p>
             <a:pPr lvl="4"/>
             <a:r>
-              <a:rPr lang="fr-FR" smtClean="0"/>
+              <a:rPr lang="fr-FR"/>
               <a:t>Cinquième niveau</a:t>
             </a:r>
             <a:endParaRPr lang="en-US" dirty="0"/>
@@ -1210,7 +1227,7 @@
           <a:p>
             <a:fld id="{58A7CDC3-5B40-B341-B3D1-EE720DBB9E8A}" type="datetimeFigureOut">
               <a:rPr lang="fr-FR" smtClean="0"/>
-              <a:t>01/06/2018</a:t>
+              <a:t>23/09/2018</a:t>
             </a:fld>
             <a:endParaRPr lang="fr-FR"/>
           </a:p>
@@ -1304,7 +1321,7 @@
           <a:lstStyle/>
           <a:p>
             <a:r>
-              <a:rPr lang="fr-FR" smtClean="0"/>
+              <a:rPr lang="fr-FR"/>
               <a:t>Cliquez et modifiez le titre</a:t>
             </a:r>
             <a:endParaRPr lang="en-US" dirty="0"/>
@@ -1370,7 +1387,7 @@
           <a:p>
             <a:pPr lvl="0"/>
             <a:r>
-              <a:rPr lang="fr-FR" smtClean="0"/>
+              <a:rPr lang="fr-FR"/>
               <a:t>Cliquez pour modifier les styles du texte du masque</a:t>
             </a:r>
           </a:p>
@@ -1398,35 +1415,35 @@
           <a:p>
             <a:pPr lvl="0"/>
             <a:r>
-              <a:rPr lang="fr-FR" smtClean="0"/>
+              <a:rPr lang="fr-FR"/>
               <a:t>Cliquez pour modifier les styles du texte du masque</a:t>
             </a:r>
           </a:p>
           <a:p>
             <a:pPr lvl="1"/>
             <a:r>
-              <a:rPr lang="fr-FR" smtClean="0"/>
+              <a:rPr lang="fr-FR"/>
               <a:t>Deuxième niveau</a:t>
             </a:r>
           </a:p>
           <a:p>
             <a:pPr lvl="2"/>
             <a:r>
-              <a:rPr lang="fr-FR" smtClean="0"/>
+              <a:rPr lang="fr-FR"/>
               <a:t>Troisième niveau</a:t>
             </a:r>
           </a:p>
           <a:p>
             <a:pPr lvl="3"/>
             <a:r>
-              <a:rPr lang="fr-FR" smtClean="0"/>
+              <a:rPr lang="fr-FR"/>
               <a:t>Quatrième niveau</a:t>
             </a:r>
           </a:p>
           <a:p>
             <a:pPr lvl="4"/>
             <a:r>
-              <a:rPr lang="fr-FR" smtClean="0"/>
+              <a:rPr lang="fr-FR"/>
               <a:t>Cinquième niveau</a:t>
             </a:r>
             <a:endParaRPr lang="en-US" dirty="0"/>
@@ -1492,7 +1509,7 @@
           <a:p>
             <a:pPr lvl="0"/>
             <a:r>
-              <a:rPr lang="fr-FR" smtClean="0"/>
+              <a:rPr lang="fr-FR"/>
               <a:t>Cliquez pour modifier les styles du texte du masque</a:t>
             </a:r>
           </a:p>
@@ -1520,35 +1537,35 @@
           <a:p>
             <a:pPr lvl="0"/>
             <a:r>
-              <a:rPr lang="fr-FR" smtClean="0"/>
+              <a:rPr lang="fr-FR"/>
               <a:t>Cliquez pour modifier les styles du texte du masque</a:t>
             </a:r>
           </a:p>
           <a:p>
             <a:pPr lvl="1"/>
             <a:r>
-              <a:rPr lang="fr-FR" smtClean="0"/>
+              <a:rPr lang="fr-FR"/>
               <a:t>Deuxième niveau</a:t>
             </a:r>
           </a:p>
           <a:p>
             <a:pPr lvl="2"/>
             <a:r>
-              <a:rPr lang="fr-FR" smtClean="0"/>
+              <a:rPr lang="fr-FR"/>
               <a:t>Troisième niveau</a:t>
             </a:r>
           </a:p>
           <a:p>
             <a:pPr lvl="3"/>
             <a:r>
-              <a:rPr lang="fr-FR" smtClean="0"/>
+              <a:rPr lang="fr-FR"/>
               <a:t>Quatrième niveau</a:t>
             </a:r>
           </a:p>
           <a:p>
             <a:pPr lvl="4"/>
             <a:r>
-              <a:rPr lang="fr-FR" smtClean="0"/>
+              <a:rPr lang="fr-FR"/>
               <a:t>Cinquième niveau</a:t>
             </a:r>
             <a:endParaRPr lang="en-US" dirty="0"/>
@@ -1572,7 +1589,7 @@
           <a:p>
             <a:fld id="{58A7CDC3-5B40-B341-B3D1-EE720DBB9E8A}" type="datetimeFigureOut">
               <a:rPr lang="fr-FR" smtClean="0"/>
-              <a:t>01/06/2018</a:t>
+              <a:t>23/09/2018</a:t>
             </a:fld>
             <a:endParaRPr lang="fr-FR"/>
           </a:p>
@@ -1661,7 +1678,7 @@
           <a:lstStyle/>
           <a:p>
             <a:r>
-              <a:rPr lang="fr-FR" smtClean="0"/>
+              <a:rPr lang="fr-FR"/>
               <a:t>Cliquez et modifiez le titre</a:t>
             </a:r>
             <a:endParaRPr lang="en-US" dirty="0"/>
@@ -1685,7 +1702,7 @@
           <a:p>
             <a:fld id="{58A7CDC3-5B40-B341-B3D1-EE720DBB9E8A}" type="datetimeFigureOut">
               <a:rPr lang="fr-FR" smtClean="0"/>
-              <a:t>01/06/2018</a:t>
+              <a:t>23/09/2018</a:t>
             </a:fld>
             <a:endParaRPr lang="fr-FR"/>
           </a:p>
@@ -1775,7 +1792,7 @@
           <a:p>
             <a:fld id="{58A7CDC3-5B40-B341-B3D1-EE720DBB9E8A}" type="datetimeFigureOut">
               <a:rPr lang="fr-FR" smtClean="0"/>
-              <a:t>01/06/2018</a:t>
+              <a:t>23/09/2018</a:t>
             </a:fld>
             <a:endParaRPr lang="fr-FR"/>
           </a:p>
@@ -1873,7 +1890,7 @@
           </a:lstStyle>
           <a:p>
             <a:r>
-              <a:rPr lang="fr-FR" smtClean="0"/>
+              <a:rPr lang="fr-FR"/>
               <a:t>Cliquez et modifiez le titre</a:t>
             </a:r>
             <a:endParaRPr lang="en-US" dirty="0"/>
@@ -1930,35 +1947,35 @@
           <a:p>
             <a:pPr lvl="0"/>
             <a:r>
-              <a:rPr lang="fr-FR" smtClean="0"/>
+              <a:rPr lang="fr-FR"/>
               <a:t>Cliquez pour modifier les styles du texte du masque</a:t>
             </a:r>
           </a:p>
           <a:p>
             <a:pPr lvl="1"/>
             <a:r>
-              <a:rPr lang="fr-FR" smtClean="0"/>
+              <a:rPr lang="fr-FR"/>
               <a:t>Deuxième niveau</a:t>
             </a:r>
           </a:p>
           <a:p>
             <a:pPr lvl="2"/>
             <a:r>
-              <a:rPr lang="fr-FR" smtClean="0"/>
+              <a:rPr lang="fr-FR"/>
               <a:t>Troisième niveau</a:t>
             </a:r>
           </a:p>
           <a:p>
             <a:pPr lvl="3"/>
             <a:r>
-              <a:rPr lang="fr-FR" smtClean="0"/>
+              <a:rPr lang="fr-FR"/>
               <a:t>Quatrième niveau</a:t>
             </a:r>
           </a:p>
           <a:p>
             <a:pPr lvl="4"/>
             <a:r>
-              <a:rPr lang="fr-FR" smtClean="0"/>
+              <a:rPr lang="fr-FR"/>
               <a:t>Cinquième niveau</a:t>
             </a:r>
             <a:endParaRPr lang="en-US" dirty="0"/>
@@ -2024,7 +2041,7 @@
           <a:p>
             <a:pPr lvl="0"/>
             <a:r>
-              <a:rPr lang="fr-FR" smtClean="0"/>
+              <a:rPr lang="fr-FR"/>
               <a:t>Cliquez pour modifier les styles du texte du masque</a:t>
             </a:r>
           </a:p>
@@ -2047,7 +2064,7 @@
           <a:p>
             <a:fld id="{58A7CDC3-5B40-B341-B3D1-EE720DBB9E8A}" type="datetimeFigureOut">
               <a:rPr lang="fr-FR" smtClean="0"/>
-              <a:t>01/06/2018</a:t>
+              <a:t>23/09/2018</a:t>
             </a:fld>
             <a:endParaRPr lang="fr-FR"/>
           </a:p>
@@ -2145,7 +2162,7 @@
           </a:lstStyle>
           <a:p>
             <a:r>
-              <a:rPr lang="fr-FR" smtClean="0"/>
+              <a:rPr lang="fr-FR"/>
               <a:t>Cliquez et modifiez le titre</a:t>
             </a:r>
             <a:endParaRPr lang="en-US" dirty="0"/>
@@ -2210,7 +2227,7 @@
           </a:lstStyle>
           <a:p>
             <a:r>
-              <a:rPr lang="fr-FR" smtClean="0"/>
+              <a:rPr lang="fr-FR"/>
               <a:t>Faire glisser l'image vers l'espace réservé ou cliquer sur l'icône pour l'ajouter</a:t>
             </a:r>
             <a:endParaRPr lang="en-US" dirty="0"/>
@@ -2276,7 +2293,7 @@
           <a:p>
             <a:pPr lvl="0"/>
             <a:r>
-              <a:rPr lang="fr-FR" smtClean="0"/>
+              <a:rPr lang="fr-FR"/>
               <a:t>Cliquez pour modifier les styles du texte du masque</a:t>
             </a:r>
           </a:p>
@@ -2299,7 +2316,7 @@
           <a:p>
             <a:fld id="{58A7CDC3-5B40-B341-B3D1-EE720DBB9E8A}" type="datetimeFigureOut">
               <a:rPr lang="fr-FR" smtClean="0"/>
-              <a:t>01/06/2018</a:t>
+              <a:t>23/09/2018</a:t>
             </a:fld>
             <a:endParaRPr lang="fr-FR"/>
           </a:p>
@@ -2403,7 +2420,7 @@
           <a:lstStyle/>
           <a:p>
             <a:r>
-              <a:rPr lang="fr-FR" smtClean="0"/>
+              <a:rPr lang="fr-FR"/>
               <a:t>Cliquez et modifiez le titre</a:t>
             </a:r>
             <a:endParaRPr lang="en-US" dirty="0"/>
@@ -2437,35 +2454,35 @@
           <a:p>
             <a:pPr lvl="0"/>
             <a:r>
-              <a:rPr lang="fr-FR" smtClean="0"/>
+              <a:rPr lang="fr-FR"/>
               <a:t>Cliquez pour modifier les styles du texte du masque</a:t>
             </a:r>
           </a:p>
           <a:p>
             <a:pPr lvl="1"/>
             <a:r>
-              <a:rPr lang="fr-FR" smtClean="0"/>
+              <a:rPr lang="fr-FR"/>
               <a:t>Deuxième niveau</a:t>
             </a:r>
           </a:p>
           <a:p>
             <a:pPr lvl="2"/>
             <a:r>
-              <a:rPr lang="fr-FR" smtClean="0"/>
+              <a:rPr lang="fr-FR"/>
               <a:t>Troisième niveau</a:t>
             </a:r>
           </a:p>
           <a:p>
             <a:pPr lvl="3"/>
             <a:r>
-              <a:rPr lang="fr-FR" smtClean="0"/>
+              <a:rPr lang="fr-FR"/>
               <a:t>Quatrième niveau</a:t>
             </a:r>
           </a:p>
           <a:p>
             <a:pPr lvl="4"/>
             <a:r>
-              <a:rPr lang="fr-FR" smtClean="0"/>
+              <a:rPr lang="fr-FR"/>
               <a:t>Cinquième niveau</a:t>
             </a:r>
             <a:endParaRPr lang="en-US" dirty="0"/>
@@ -2507,7 +2524,7 @@
           <a:p>
             <a:fld id="{58A7CDC3-5B40-B341-B3D1-EE720DBB9E8A}" type="datetimeFigureOut">
               <a:rPr lang="fr-FR" smtClean="0"/>
-              <a:t>01/06/2018</a:t>
+              <a:t>23/09/2018</a:t>
             </a:fld>
             <a:endParaRPr lang="fr-FR"/>
           </a:p>
@@ -3261,7 +3278,7 @@
             <a:p>
               <a:pPr algn="ctr"/>
               <a:r>
-                <a:rPr lang="fr-FR" sz="1200" b="1" dirty="0" err="1" smtClean="0">
+                <a:rPr lang="fr-FR" sz="1200" b="1" dirty="0" err="1">
                   <a:solidFill>
                     <a:schemeClr val="tx1"/>
                   </a:solidFill>
@@ -3272,7 +3289,7 @@
                 <a:t>tsp</a:t>
               </a:r>
               <a:r>
-                <a:rPr lang="fr-FR" sz="1200" b="1" dirty="0" smtClean="0">
+                <a:rPr lang="fr-FR" sz="1200" b="1" dirty="0">
                   <a:solidFill>
                     <a:schemeClr val="tx1"/>
                   </a:solidFill>
@@ -3283,7 +3300,7 @@
                 <a:t> </a:t>
               </a:r>
               <a:r>
-                <a:rPr lang="fr-FR" sz="1200" b="1" dirty="0" err="1" smtClean="0">
+                <a:rPr lang="fr-FR" sz="1200" b="1" dirty="0" err="1">
                   <a:solidFill>
                     <a:schemeClr val="tx1"/>
                   </a:solidFill>
@@ -3352,18 +3369,10 @@
                   <a:ea typeface="Arial Rounded MT Bold" charset="0"/>
                   <a:cs typeface="Arial Rounded MT Bold" charset="0"/>
                 </a:rPr>
-                <a:t>t</a:t>
+                <a:t>tsp</a:t>
               </a:r>
               <a:r>
-                <a:rPr lang="fr-FR" sz="1000" dirty="0" err="1" smtClean="0">
-                  <a:latin typeface="Cambria" panose="02040503050406030204" pitchFamily="18" charset="0"/>
-                  <a:ea typeface="Arial Rounded MT Bold" charset="0"/>
-                  <a:cs typeface="Arial Rounded MT Bold" charset="0"/>
-                </a:rPr>
-                <a:t>sp</a:t>
-              </a:r>
-              <a:r>
-                <a:rPr lang="fr-FR" sz="1000" dirty="0" smtClean="0">
+                <a:rPr lang="fr-FR" sz="1000" dirty="0">
                   <a:latin typeface="Cambria" panose="02040503050406030204" pitchFamily="18" charset="0"/>
                   <a:ea typeface="Arial Rounded MT Bold" charset="0"/>
                   <a:cs typeface="Arial Rounded MT Bold" charset="0"/>
@@ -3371,7 +3380,7 @@
                 <a:t> </a:t>
               </a:r>
               <a:r>
-                <a:rPr lang="fr-FR" sz="1000" dirty="0" err="1" smtClean="0">
+                <a:rPr lang="fr-FR" sz="1000" dirty="0" err="1">
                   <a:latin typeface="Cambria" panose="02040503050406030204" pitchFamily="18" charset="0"/>
                   <a:ea typeface="Arial Rounded MT Bold" charset="0"/>
                   <a:cs typeface="Arial Rounded MT Bold" charset="0"/>
@@ -3429,7 +3438,7 @@
             <a:p>
               <a:pPr algn="ctr"/>
               <a:r>
-                <a:rPr lang="fr-FR" sz="900" dirty="0" err="1" smtClean="0">
+                <a:rPr lang="fr-FR" sz="900" dirty="0" err="1">
                   <a:latin typeface="Cambria" panose="02040503050406030204" pitchFamily="18" charset="0"/>
                   <a:ea typeface="Arial Rounded MT Bold" charset="0"/>
                   <a:cs typeface="Arial Rounded MT Bold" charset="0"/>
@@ -3445,7 +3454,7 @@
                 <a:t> </a:t>
               </a:r>
               <a:r>
-                <a:rPr lang="fr-FR" sz="900" dirty="0" err="1" smtClean="0">
+                <a:rPr lang="fr-FR" sz="900" dirty="0" err="1">
                   <a:latin typeface="Cambria" panose="02040503050406030204" pitchFamily="18" charset="0"/>
                   <a:ea typeface="Arial Rounded MT Bold" charset="0"/>
                   <a:cs typeface="Arial Rounded MT Bold" charset="0"/>
@@ -3453,18 +3462,13 @@
                 <a:t>processing</a:t>
               </a:r>
               <a:r>
-                <a:rPr lang="fr-FR" sz="900" dirty="0" smtClean="0">
+                <a:rPr lang="fr-FR" sz="900" dirty="0">
                   <a:latin typeface="Cambria" panose="02040503050406030204" pitchFamily="18" charset="0"/>
                   <a:ea typeface="Arial Rounded MT Bold" charset="0"/>
                   <a:cs typeface="Arial Rounded MT Bold" charset="0"/>
                 </a:rPr>
                 <a:t> plugin 2</a:t>
               </a:r>
-              <a:endParaRPr lang="fr-FR" sz="900" dirty="0">
-                <a:latin typeface="Cambria" panose="02040503050406030204" pitchFamily="18" charset="0"/>
-                <a:ea typeface="Arial Rounded MT Bold" charset="0"/>
-                <a:cs typeface="Arial Rounded MT Bold" charset="0"/>
-              </a:endParaRPr>
             </a:p>
           </p:txBody>
         </p:sp>
@@ -3511,7 +3515,7 @@
             <a:p>
               <a:pPr algn="ctr"/>
               <a:r>
-                <a:rPr lang="fr-FR" sz="900" dirty="0" err="1" smtClean="0">
+                <a:rPr lang="fr-FR" sz="900" dirty="0" err="1">
                   <a:latin typeface="Cambria" panose="02040503050406030204" pitchFamily="18" charset="0"/>
                   <a:ea typeface="Arial Rounded MT Bold" charset="0"/>
                   <a:cs typeface="Arial Rounded MT Bold" charset="0"/>
@@ -3527,7 +3531,7 @@
                 <a:t> </a:t>
               </a:r>
               <a:r>
-                <a:rPr lang="fr-FR" sz="900" dirty="0" err="1" smtClean="0">
+                <a:rPr lang="fr-FR" sz="900" dirty="0" err="1">
                   <a:latin typeface="Cambria" panose="02040503050406030204" pitchFamily="18" charset="0"/>
                   <a:ea typeface="Arial Rounded MT Bold" charset="0"/>
                   <a:cs typeface="Arial Rounded MT Bold" charset="0"/>
@@ -3535,18 +3539,13 @@
                 <a:t>processing</a:t>
               </a:r>
               <a:r>
-                <a:rPr lang="fr-FR" sz="900" dirty="0" smtClean="0">
+                <a:rPr lang="fr-FR" sz="900" dirty="0">
                   <a:latin typeface="Cambria" panose="02040503050406030204" pitchFamily="18" charset="0"/>
                   <a:ea typeface="Arial Rounded MT Bold" charset="0"/>
                   <a:cs typeface="Arial Rounded MT Bold" charset="0"/>
                 </a:rPr>
                 <a:t> plugin 1</a:t>
               </a:r>
-              <a:endParaRPr lang="fr-FR" sz="900" dirty="0">
-                <a:latin typeface="Cambria" panose="02040503050406030204" pitchFamily="18" charset="0"/>
-                <a:ea typeface="Arial Rounded MT Bold" charset="0"/>
-                <a:cs typeface="Arial Rounded MT Bold" charset="0"/>
-              </a:endParaRPr>
             </a:p>
           </p:txBody>
         </p:sp>
@@ -3593,7 +3592,7 @@
             <a:p>
               <a:pPr algn="ctr"/>
               <a:r>
-                <a:rPr lang="fr-FR" sz="900" dirty="0" err="1" smtClean="0">
+                <a:rPr lang="fr-FR" sz="900" dirty="0" err="1">
                   <a:latin typeface="Cambria" panose="02040503050406030204" pitchFamily="18" charset="0"/>
                   <a:ea typeface="Arial Rounded MT Bold" charset="0"/>
                   <a:cs typeface="Arial Rounded MT Bold" charset="0"/>
@@ -3609,7 +3608,7 @@
                 <a:t> </a:t>
               </a:r>
               <a:r>
-                <a:rPr lang="fr-FR" sz="900" dirty="0" err="1" smtClean="0">
+                <a:rPr lang="fr-FR" sz="900" dirty="0" err="1">
                   <a:latin typeface="Cambria" panose="02040503050406030204" pitchFamily="18" charset="0"/>
                   <a:ea typeface="Arial Rounded MT Bold" charset="0"/>
                   <a:cs typeface="Arial Rounded MT Bold" charset="0"/>
@@ -3617,18 +3616,13 @@
                 <a:t>processing</a:t>
               </a:r>
               <a:r>
-                <a:rPr lang="fr-FR" sz="900" dirty="0" smtClean="0">
+                <a:rPr lang="fr-FR" sz="900" dirty="0">
                   <a:latin typeface="Cambria" panose="02040503050406030204" pitchFamily="18" charset="0"/>
                   <a:ea typeface="Arial Rounded MT Bold" charset="0"/>
                   <a:cs typeface="Arial Rounded MT Bold" charset="0"/>
                 </a:rPr>
                 <a:t> plugin 3</a:t>
               </a:r>
-              <a:endParaRPr lang="fr-FR" sz="900" dirty="0">
-                <a:latin typeface="Cambria" panose="02040503050406030204" pitchFamily="18" charset="0"/>
-                <a:ea typeface="Arial Rounded MT Bold" charset="0"/>
-                <a:cs typeface="Arial Rounded MT Bold" charset="0"/>
-              </a:endParaRPr>
             </a:p>
           </p:txBody>
         </p:sp>
@@ -3675,18 +3669,13 @@
             <a:p>
               <a:pPr algn="ctr"/>
               <a:r>
-                <a:rPr lang="fr-FR" sz="900" dirty="0" smtClean="0">
+                <a:rPr lang="fr-FR" sz="900" dirty="0">
                   <a:latin typeface="Cambria" panose="02040503050406030204" pitchFamily="18" charset="0"/>
                   <a:ea typeface="Arial Rounded MT Bold" charset="0"/>
                   <a:cs typeface="Arial Rounded MT Bold" charset="0"/>
                 </a:rPr>
                 <a:t>input plugin</a:t>
               </a:r>
-              <a:endParaRPr lang="fr-FR" sz="900" dirty="0">
-                <a:latin typeface="Cambria" panose="02040503050406030204" pitchFamily="18" charset="0"/>
-                <a:ea typeface="Arial Rounded MT Bold" charset="0"/>
-                <a:cs typeface="Arial Rounded MT Bold" charset="0"/>
-              </a:endParaRPr>
             </a:p>
           </p:txBody>
         </p:sp>
@@ -3733,18 +3722,13 @@
             <a:p>
               <a:pPr algn="ctr"/>
               <a:r>
-                <a:rPr lang="fr-FR" sz="900" dirty="0" smtClean="0">
+                <a:rPr lang="fr-FR" sz="900" dirty="0">
                   <a:latin typeface="Cambria" panose="02040503050406030204" pitchFamily="18" charset="0"/>
                   <a:ea typeface="Arial Rounded MT Bold" charset="0"/>
                   <a:cs typeface="Arial Rounded MT Bold" charset="0"/>
                 </a:rPr>
                 <a:t>output plugin</a:t>
               </a:r>
-              <a:endParaRPr lang="fr-FR" sz="900" dirty="0">
-                <a:latin typeface="Cambria" panose="02040503050406030204" pitchFamily="18" charset="0"/>
-                <a:ea typeface="Arial Rounded MT Bold" charset="0"/>
-                <a:cs typeface="Arial Rounded MT Bold" charset="0"/>
-              </a:endParaRPr>
             </a:p>
           </p:txBody>
         </p:sp>
@@ -3854,21 +3838,8 @@
                   <a:ea typeface="Arial Rounded MT Bold" charset="0"/>
                   <a:cs typeface="Arial Rounded MT Bold" charset="0"/>
                 </a:rPr>
-                <a:t>i</a:t>
+                <a:t>input TS</a:t>
               </a:r>
-              <a:r>
-                <a:rPr lang="fr-FR" sz="900" dirty="0" smtClean="0">
-                  <a:latin typeface="Cambria" panose="02040503050406030204" pitchFamily="18" charset="0"/>
-                  <a:ea typeface="Arial Rounded MT Bold" charset="0"/>
-                  <a:cs typeface="Arial Rounded MT Bold" charset="0"/>
-                </a:rPr>
-                <a:t>nput TS</a:t>
-              </a:r>
-              <a:endParaRPr lang="fr-FR" sz="900" dirty="0">
-                <a:latin typeface="Cambria" panose="02040503050406030204" pitchFamily="18" charset="0"/>
-                <a:ea typeface="Arial Rounded MT Bold" charset="0"/>
-                <a:cs typeface="Arial Rounded MT Bold" charset="0"/>
-              </a:endParaRPr>
             </a:p>
           </p:txBody>
         </p:sp>
@@ -3896,18 +3867,13 @@
             <a:p>
               <a:pPr algn="r"/>
               <a:r>
-                <a:rPr lang="fr-FR" sz="900" dirty="0" smtClean="0">
+                <a:rPr lang="fr-FR" sz="900" dirty="0">
                   <a:latin typeface="Cambria" panose="02040503050406030204" pitchFamily="18" charset="0"/>
                   <a:ea typeface="Arial Rounded MT Bold" charset="0"/>
                   <a:cs typeface="Arial Rounded MT Bold" charset="0"/>
                 </a:rPr>
                 <a:t>output TS</a:t>
               </a:r>
-              <a:endParaRPr lang="fr-FR" sz="900" dirty="0">
-                <a:latin typeface="Cambria" panose="02040503050406030204" pitchFamily="18" charset="0"/>
-                <a:ea typeface="Arial Rounded MT Bold" charset="0"/>
-                <a:cs typeface="Arial Rounded MT Bold" charset="0"/>
-              </a:endParaRPr>
             </a:p>
           </p:txBody>
         </p:sp>
@@ -4183,18 +4149,13 @@
             <a:lstStyle/>
             <a:p>
               <a:r>
-                <a:rPr lang="fr-FR" sz="700" dirty="0" smtClean="0">
+                <a:rPr lang="fr-FR" sz="700" dirty="0">
                   <a:latin typeface="Cambria" panose="02040503050406030204" pitchFamily="18" charset="0"/>
                   <a:ea typeface="Arial Rounded MT Bold" charset="0"/>
                   <a:cs typeface="Arial Rounded MT Bold" charset="0"/>
                 </a:rPr>
                 <a:t>TSDuck</a:t>
               </a:r>
-              <a:endParaRPr lang="fr-FR" sz="700" dirty="0">
-                <a:latin typeface="Cambria" panose="02040503050406030204" pitchFamily="18" charset="0"/>
-                <a:ea typeface="Arial Rounded MT Bold" charset="0"/>
-                <a:cs typeface="Arial Rounded MT Bold" charset="0"/>
-              </a:endParaRPr>
             </a:p>
           </p:txBody>
         </p:sp>
@@ -4588,18 +4549,13 @@
             <a:p>
               <a:pPr algn="ctr"/>
               <a:r>
-                <a:rPr lang="fr-FR" sz="1000" b="1" dirty="0" smtClean="0">
+                <a:rPr lang="fr-FR" sz="1000" b="1" dirty="0">
                   <a:latin typeface="Cambria" panose="02040503050406030204" pitchFamily="18" charset="0"/>
                   <a:ea typeface="Arial Rounded MT Bold" charset="0"/>
                   <a:cs typeface="Arial Rounded MT Bold" charset="0"/>
                 </a:rPr>
                 <a:t>Linux or Windows computer</a:t>
               </a:r>
-              <a:endParaRPr lang="fr-FR" sz="1000" b="1" dirty="0">
-                <a:latin typeface="Cambria" panose="02040503050406030204" pitchFamily="18" charset="0"/>
-                <a:ea typeface="Arial Rounded MT Bold" charset="0"/>
-                <a:cs typeface="Arial Rounded MT Bold" charset="0"/>
-              </a:endParaRPr>
             </a:p>
           </p:txBody>
         </p:sp>
@@ -4648,7 +4604,7 @@
             <a:p>
               <a:pPr algn="ctr"/>
               <a:r>
-                <a:rPr lang="fr-FR" sz="1000" b="1" smtClean="0">
+                <a:rPr lang="fr-FR" sz="1000" b="1">
                   <a:latin typeface="Cambria" panose="02040503050406030204" pitchFamily="18" charset="0"/>
                   <a:ea typeface="Arial Rounded MT Bold" charset="0"/>
                   <a:cs typeface="Arial Rounded MT Bold" charset="0"/>
@@ -4708,18 +4664,13 @@
             <a:p>
               <a:pPr algn="ctr"/>
               <a:r>
-                <a:rPr lang="fr-FR" sz="1000" b="1" dirty="0" smtClean="0">
+                <a:rPr lang="fr-FR" sz="1000" b="1" dirty="0">
                   <a:latin typeface="Cambria" panose="02040503050406030204" pitchFamily="18" charset="0"/>
                   <a:ea typeface="Arial Rounded MT Bold" charset="0"/>
                   <a:cs typeface="Arial Rounded MT Bold" charset="0"/>
                 </a:rPr>
                 <a:t>EMMG</a:t>
               </a:r>
-              <a:endParaRPr lang="fr-FR" sz="1000" b="1" dirty="0">
-                <a:latin typeface="Cambria" panose="02040503050406030204" pitchFamily="18" charset="0"/>
-                <a:ea typeface="Arial Rounded MT Bold" charset="0"/>
-                <a:cs typeface="Arial Rounded MT Bold" charset="0"/>
-              </a:endParaRPr>
             </a:p>
           </p:txBody>
         </p:sp>
@@ -5034,7 +4985,7 @@
             <a:p>
               <a:pPr algn="ctr"/>
               <a:r>
-                <a:rPr lang="fr-FR" sz="1000" b="1" smtClean="0">
+                <a:rPr lang="fr-FR" sz="1000" b="1">
                   <a:latin typeface="Cambria" panose="02040503050406030204" pitchFamily="18" charset="0"/>
                   <a:ea typeface="Arial Rounded MT Bold" charset="0"/>
                   <a:cs typeface="Arial Rounded MT Bold" charset="0"/>
@@ -5073,7 +5024,7 @@
             <a:p>
               <a:pPr algn="ctr"/>
               <a:r>
-                <a:rPr lang="fr-FR" sz="900" i="1" dirty="0" smtClean="0">
+                <a:rPr lang="fr-FR" sz="900" i="1" dirty="0">
                   <a:latin typeface="Cambria" panose="02040503050406030204" pitchFamily="18" charset="0"/>
                   <a:ea typeface="Arial Rounded MT Bold" charset="0"/>
                   <a:cs typeface="Arial Rounded MT Bold" charset="0"/>
@@ -5084,18 +5035,13 @@
             <a:p>
               <a:pPr algn="ctr"/>
               <a:r>
-                <a:rPr lang="fr-FR" sz="900" i="1" dirty="0" smtClean="0">
+                <a:rPr lang="fr-FR" sz="900" i="1" dirty="0">
                   <a:latin typeface="Cambria" panose="02040503050406030204" pitchFamily="18" charset="0"/>
                   <a:ea typeface="Arial Rounded MT Bold" charset="0"/>
                   <a:cs typeface="Arial Rounded MT Bold" charset="0"/>
                 </a:rPr>
                 <a:t>coupler</a:t>
               </a:r>
-              <a:endParaRPr lang="fr-FR" sz="900" i="1" dirty="0">
-                <a:latin typeface="Cambria" panose="02040503050406030204" pitchFamily="18" charset="0"/>
-                <a:ea typeface="Arial Rounded MT Bold" charset="0"/>
-                <a:cs typeface="Arial Rounded MT Bold" charset="0"/>
-              </a:endParaRPr>
             </a:p>
           </p:txBody>
         </p:sp>
@@ -5204,7 +5150,7 @@
             <a:p>
               <a:pPr algn="ctr"/>
               <a:r>
-                <a:rPr lang="fr-FR" sz="900" i="1" dirty="0" smtClean="0">
+                <a:rPr lang="fr-FR" sz="900" i="1" dirty="0">
                   <a:latin typeface="Cambria" panose="02040503050406030204" pitchFamily="18" charset="0"/>
                   <a:ea typeface="Arial Rounded MT Bold" charset="0"/>
                   <a:cs typeface="Arial Rounded MT Bold" charset="0"/>
@@ -5215,7 +5161,7 @@
             <a:p>
               <a:pPr algn="ctr"/>
               <a:r>
-                <a:rPr lang="fr-FR" sz="900" i="1" dirty="0" err="1" smtClean="0">
+                <a:rPr lang="fr-FR" sz="900" i="1" dirty="0" err="1">
                   <a:latin typeface="Cambria" panose="02040503050406030204" pitchFamily="18" charset="0"/>
                   <a:ea typeface="Arial Rounded MT Bold" charset="0"/>
                   <a:cs typeface="Arial Rounded MT Bold" charset="0"/>
@@ -5293,18 +5239,13 @@
             <a:p>
               <a:pPr algn="r"/>
               <a:r>
-                <a:rPr lang="fr-FR" sz="900" i="1" dirty="0" smtClean="0">
+                <a:rPr lang="fr-FR" sz="900" i="1" dirty="0">
                   <a:latin typeface="Cambria" panose="02040503050406030204" pitchFamily="18" charset="0"/>
                   <a:ea typeface="Arial Rounded MT Bold" charset="0"/>
                   <a:cs typeface="Arial Rounded MT Bold" charset="0"/>
                 </a:rPr>
                 <a:t>MUX: R1, R2, R3, R4, R5, R6</a:t>
               </a:r>
-              <a:endParaRPr lang="fr-FR" sz="900" i="1" dirty="0">
-                <a:latin typeface="Cambria" panose="02040503050406030204" pitchFamily="18" charset="0"/>
-                <a:ea typeface="Arial Rounded MT Bold" charset="0"/>
-                <a:cs typeface="Arial Rounded MT Bold" charset="0"/>
-              </a:endParaRPr>
             </a:p>
           </p:txBody>
         </p:sp>
@@ -5332,18 +5273,13 @@
             <a:p>
               <a:pPr algn="r"/>
               <a:r>
-                <a:rPr lang="fr-FR" sz="900" i="1" dirty="0" smtClean="0">
+                <a:rPr lang="fr-FR" sz="900" i="1" dirty="0">
                   <a:latin typeface="Cambria" panose="02040503050406030204" pitchFamily="18" charset="0"/>
                   <a:ea typeface="Arial Rounded MT Bold" charset="0"/>
                   <a:cs typeface="Arial Rounded MT Bold" charset="0"/>
                 </a:rPr>
                 <a:t>MUX: R9</a:t>
               </a:r>
-              <a:endParaRPr lang="fr-FR" sz="900" i="1" dirty="0">
-                <a:latin typeface="Cambria" panose="02040503050406030204" pitchFamily="18" charset="0"/>
-                <a:ea typeface="Arial Rounded MT Bold" charset="0"/>
-                <a:cs typeface="Arial Rounded MT Bold" charset="0"/>
-              </a:endParaRPr>
             </a:p>
           </p:txBody>
         </p:sp>
@@ -5400,7 +5336,7 @@
             <a:p>
               <a:pPr algn="ctr"/>
               <a:r>
-                <a:rPr lang="fr-FR" sz="900" i="1" smtClean="0">
+                <a:rPr lang="fr-FR" sz="900" i="1">
                   <a:solidFill>
                     <a:schemeClr val="tx1"/>
                   </a:solidFill>
@@ -5469,7 +5405,7 @@
             <a:p>
               <a:pPr algn="ctr"/>
               <a:r>
-                <a:rPr lang="fr-FR" sz="900" dirty="0" smtClean="0">
+                <a:rPr lang="fr-FR" sz="900" dirty="0">
                   <a:solidFill>
                     <a:schemeClr val="tx1"/>
                   </a:solidFill>
@@ -5483,7 +5419,7 @@
             <a:p>
               <a:pPr algn="ctr"/>
               <a:r>
-                <a:rPr lang="fr-FR" sz="900" dirty="0" smtClean="0">
+                <a:rPr lang="fr-FR" sz="900" dirty="0">
                   <a:solidFill>
                     <a:schemeClr val="tx1"/>
                   </a:solidFill>
@@ -5493,14 +5429,6 @@
                 </a:rPr>
                 <a:t>tuner</a:t>
               </a:r>
-              <a:endParaRPr lang="fr-FR" sz="900" dirty="0">
-                <a:solidFill>
-                  <a:schemeClr val="tx1"/>
-                </a:solidFill>
-                <a:latin typeface="Cambria" panose="02040503050406030204" pitchFamily="18" charset="0"/>
-                <a:ea typeface="Arial Rounded MT Bold" charset="0"/>
-                <a:cs typeface="Arial Rounded MT Bold" charset="0"/>
-              </a:endParaRPr>
             </a:p>
           </p:txBody>
         </p:sp>
@@ -5552,7 +5480,7 @@
             <a:p>
               <a:pPr algn="ctr"/>
               <a:r>
-                <a:rPr lang="fr-FR" sz="900" dirty="0" smtClean="0">
+                <a:rPr lang="fr-FR" sz="900" dirty="0">
                   <a:solidFill>
                     <a:schemeClr val="tx1"/>
                   </a:solidFill>
@@ -5566,7 +5494,7 @@
             <a:p>
               <a:pPr algn="ctr"/>
               <a:r>
-                <a:rPr lang="fr-FR" sz="900" dirty="0" smtClean="0">
+                <a:rPr lang="fr-FR" sz="900" dirty="0">
                   <a:solidFill>
                     <a:schemeClr val="tx1"/>
                   </a:solidFill>
@@ -5580,7 +5508,7 @@
             <a:p>
               <a:pPr algn="ctr"/>
               <a:r>
-                <a:rPr lang="fr-FR" sz="900" dirty="0" err="1" smtClean="0">
+                <a:rPr lang="fr-FR" sz="900" dirty="0" err="1">
                   <a:solidFill>
                     <a:schemeClr val="tx1"/>
                   </a:solidFill>
@@ -5665,18 +5593,13 @@
             <a:lstStyle/>
             <a:p>
               <a:r>
-                <a:rPr lang="fr-FR" sz="700" dirty="0" smtClean="0">
+                <a:rPr lang="fr-FR" sz="700" dirty="0">
                   <a:latin typeface="Cambria" panose="02040503050406030204" pitchFamily="18" charset="0"/>
                   <a:ea typeface="Arial Rounded MT Bold" charset="0"/>
                   <a:cs typeface="Arial Rounded MT Bold" charset="0"/>
                 </a:rPr>
                 <a:t>TSDuck</a:t>
               </a:r>
-              <a:endParaRPr lang="fr-FR" sz="700" dirty="0">
-                <a:latin typeface="Cambria" panose="02040503050406030204" pitchFamily="18" charset="0"/>
-                <a:ea typeface="Arial Rounded MT Bold" charset="0"/>
-                <a:cs typeface="Arial Rounded MT Bold" charset="0"/>
-              </a:endParaRPr>
             </a:p>
           </p:txBody>
         </p:sp>
@@ -5691,13 +5614,6 @@
   <p:clrMapOvr>
     <a:masterClrMapping/>
   </p:clrMapOvr>
-  <p:timing>
-    <p:tnLst>
-      <p:par>
-        <p:cTn id="1" dur="indefinite" restart="never" nodeType="tmRoot"/>
-      </p:par>
-    </p:tnLst>
-  </p:timing>
 </p:sld>
 </file>
 
@@ -5718,2285 +5634,2168 @@
           <a:chExt cx="0" cy="0"/>
         </a:xfrm>
       </p:grpSpPr>
-      <p:grpSp>
-        <p:nvGrpSpPr>
-          <p:cNvPr id="24" name="Groupe 23"/>
-          <p:cNvGrpSpPr/>
+      <p:cxnSp>
+        <p:nvCxnSpPr>
+          <p:cNvPr id="118" name="Connecteur droit 117"/>
+          <p:cNvCxnSpPr/>
           <p:nvPr/>
-        </p:nvGrpSpPr>
-        <p:grpSpPr>
+        </p:nvCxnSpPr>
+        <p:spPr>
+          <a:xfrm flipH="1" flipV="1">
+            <a:off x="3218390" y="1806315"/>
+            <a:ext cx="451910" cy="78718"/>
+          </a:xfrm>
+          <a:prstGeom prst="line">
+            <a:avLst/>
+          </a:prstGeom>
+          <a:ln w="22225">
+            <a:solidFill>
+              <a:schemeClr val="tx1"/>
+            </a:solidFill>
+            <a:headEnd type="none" w="med" len="med"/>
+            <a:tailEnd type="none" w="med" len="med"/>
+          </a:ln>
+        </p:spPr>
+        <p:style>
+          <a:lnRef idx="1">
+            <a:schemeClr val="accent1"/>
+          </a:lnRef>
+          <a:fillRef idx="0">
+            <a:schemeClr val="accent1"/>
+          </a:fillRef>
+          <a:effectRef idx="0">
+            <a:schemeClr val="accent1"/>
+          </a:effectRef>
+          <a:fontRef idx="minor">
+            <a:schemeClr val="tx1"/>
+          </a:fontRef>
+        </p:style>
+      </p:cxnSp>
+      <p:sp>
+        <p:nvSpPr>
+          <p:cNvPr id="73" name="Rectangle à coins arrondis 72"/>
+          <p:cNvSpPr/>
+          <p:nvPr/>
+        </p:nvSpPr>
+        <p:spPr>
           <a:xfrm>
-            <a:off x="540973" y="1155097"/>
-            <a:ext cx="5681523" cy="2113436"/>
-            <a:chOff x="540973" y="1155097"/>
-            <a:chExt cx="5681523" cy="2113436"/>
-          </a:xfrm>
-        </p:grpSpPr>
-        <p:cxnSp>
-          <p:nvCxnSpPr>
-            <p:cNvPr id="118" name="Connecteur droit 117"/>
-            <p:cNvCxnSpPr/>
-            <p:nvPr/>
-          </p:nvCxnSpPr>
-          <p:spPr>
-            <a:xfrm flipH="1" flipV="1">
-              <a:off x="3218390" y="1806315"/>
-              <a:ext cx="451910" cy="78718"/>
-            </a:xfrm>
-            <a:prstGeom prst="line">
-              <a:avLst/>
-            </a:prstGeom>
-            <a:ln w="22225">
-              <a:solidFill>
-                <a:schemeClr val="tx1"/>
-              </a:solidFill>
-              <a:headEnd type="none" w="med" len="med"/>
-              <a:tailEnd type="none" w="med" len="med"/>
-            </a:ln>
-          </p:spPr>
-          <p:style>
-            <a:lnRef idx="1">
-              <a:schemeClr val="accent1"/>
-            </a:lnRef>
-            <a:fillRef idx="0">
-              <a:schemeClr val="accent1"/>
-            </a:fillRef>
-            <a:effectRef idx="0">
-              <a:schemeClr val="accent1"/>
-            </a:effectRef>
-            <a:fontRef idx="minor">
-              <a:schemeClr val="tx1"/>
-            </a:fontRef>
-          </p:style>
-        </p:cxnSp>
-        <p:sp>
-          <p:nvSpPr>
-            <p:cNvPr id="73" name="Rectangle à coins arrondis 72"/>
-            <p:cNvSpPr/>
-            <p:nvPr/>
-          </p:nvSpPr>
-          <p:spPr>
-            <a:xfrm>
-              <a:off x="1415372" y="2726548"/>
-              <a:ext cx="770534" cy="376626"/>
-            </a:xfrm>
-            <a:prstGeom prst="roundRect">
-              <a:avLst>
-                <a:gd name="adj" fmla="val 3969"/>
-              </a:avLst>
-            </a:prstGeom>
-            <a:solidFill>
-              <a:srgbClr val="1F8A4C"/>
-            </a:solidFill>
-            <a:ln>
-              <a:noFill/>
-            </a:ln>
-          </p:spPr>
-          <p:style>
-            <a:lnRef idx="2">
-              <a:schemeClr val="accent1">
-                <a:shade val="50000"/>
-              </a:schemeClr>
-            </a:lnRef>
-            <a:fillRef idx="1">
-              <a:schemeClr val="accent1"/>
-            </a:fillRef>
-            <a:effectRef idx="0">
-              <a:schemeClr val="accent1"/>
-            </a:effectRef>
-            <a:fontRef idx="minor">
-              <a:schemeClr val="lt1"/>
-            </a:fontRef>
-          </p:style>
-          <p:txBody>
-            <a:bodyPr tIns="0" rtlCol="0" anchor="ctr" anchorCtr="0"/>
-            <a:lstStyle/>
-            <a:p>
-              <a:pPr algn="ctr"/>
-              <a:r>
-                <a:rPr lang="fr-FR" sz="1000" b="1" dirty="0" smtClean="0">
-                  <a:latin typeface="Cambria" panose="02040503050406030204" pitchFamily="18" charset="0"/>
-                  <a:ea typeface="Arial Rounded MT Bold" charset="0"/>
-                  <a:cs typeface="Arial Rounded MT Bold" charset="0"/>
-                </a:rPr>
-                <a:t>Media Server</a:t>
-              </a:r>
-              <a:endParaRPr lang="fr-FR" sz="1000" b="1" dirty="0">
+            <a:off x="1415372" y="2726548"/>
+            <a:ext cx="770534" cy="376626"/>
+          </a:xfrm>
+          <a:prstGeom prst="roundRect">
+            <a:avLst>
+              <a:gd name="adj" fmla="val 3969"/>
+            </a:avLst>
+          </a:prstGeom>
+          <a:solidFill>
+            <a:srgbClr val="1F8A4C"/>
+          </a:solidFill>
+          <a:ln>
+            <a:noFill/>
+          </a:ln>
+        </p:spPr>
+        <p:style>
+          <a:lnRef idx="2">
+            <a:schemeClr val="accent1">
+              <a:shade val="50000"/>
+            </a:schemeClr>
+          </a:lnRef>
+          <a:fillRef idx="1">
+            <a:schemeClr val="accent1"/>
+          </a:fillRef>
+          <a:effectRef idx="0">
+            <a:schemeClr val="accent1"/>
+          </a:effectRef>
+          <a:fontRef idx="minor">
+            <a:schemeClr val="lt1"/>
+          </a:fontRef>
+        </p:style>
+        <p:txBody>
+          <a:bodyPr tIns="0" rtlCol="0" anchor="ctr" anchorCtr="0"/>
+          <a:lstStyle/>
+          <a:p>
+            <a:pPr algn="ctr"/>
+            <a:r>
+              <a:rPr lang="fr-FR" sz="1000" b="1" dirty="0">
                 <a:latin typeface="Cambria" panose="02040503050406030204" pitchFamily="18" charset="0"/>
                 <a:ea typeface="Arial Rounded MT Bold" charset="0"/>
                 <a:cs typeface="Arial Rounded MT Bold" charset="0"/>
-              </a:endParaRPr>
-            </a:p>
-          </p:txBody>
-        </p:sp>
-        <p:sp>
-          <p:nvSpPr>
-            <p:cNvPr id="103" name="ZoneTexte 102"/>
-            <p:cNvSpPr txBox="1"/>
-            <p:nvPr/>
-          </p:nvSpPr>
-          <p:spPr>
-            <a:xfrm>
-              <a:off x="2620737" y="2287525"/>
-              <a:ext cx="590623" cy="138499"/>
-            </a:xfrm>
-            <a:prstGeom prst="rect">
-              <a:avLst/>
-            </a:prstGeom>
-            <a:noFill/>
-          </p:spPr>
-          <p:txBody>
-            <a:bodyPr wrap="square" lIns="0" tIns="0" rIns="36000" bIns="0" rtlCol="0">
-              <a:spAutoFit/>
-            </a:bodyPr>
-            <a:lstStyle/>
-            <a:p>
-              <a:pPr algn="ctr"/>
-              <a:r>
-                <a:rPr lang="fr-FR" sz="900" i="1" dirty="0" smtClean="0">
-                  <a:latin typeface="Cambria" panose="02040503050406030204" pitchFamily="18" charset="0"/>
-                  <a:ea typeface="Arial Rounded MT Bold" charset="0"/>
-                  <a:cs typeface="Arial Rounded MT Bold" charset="0"/>
-                </a:rPr>
-                <a:t>Network 1</a:t>
-              </a:r>
-              <a:endParaRPr lang="fr-FR" sz="900" i="1" dirty="0">
+              </a:rPr>
+              <a:t>Media Server</a:t>
+            </a:r>
+          </a:p>
+        </p:txBody>
+      </p:sp>
+      <p:sp>
+        <p:nvSpPr>
+          <p:cNvPr id="103" name="ZoneTexte 102"/>
+          <p:cNvSpPr txBox="1"/>
+          <p:nvPr/>
+        </p:nvSpPr>
+        <p:spPr>
+          <a:xfrm>
+            <a:off x="2620737" y="2287525"/>
+            <a:ext cx="590623" cy="138499"/>
+          </a:xfrm>
+          <a:prstGeom prst="rect">
+            <a:avLst/>
+          </a:prstGeom>
+          <a:noFill/>
+        </p:spPr>
+        <p:txBody>
+          <a:bodyPr wrap="square" lIns="0" tIns="0" rIns="36000" bIns="0" rtlCol="0">
+            <a:spAutoFit/>
+          </a:bodyPr>
+          <a:lstStyle/>
+          <a:p>
+            <a:pPr algn="ctr"/>
+            <a:r>
+              <a:rPr lang="fr-FR" sz="900" i="1" dirty="0">
                 <a:latin typeface="Cambria" panose="02040503050406030204" pitchFamily="18" charset="0"/>
                 <a:ea typeface="Arial Rounded MT Bold" charset="0"/>
                 <a:cs typeface="Arial Rounded MT Bold" charset="0"/>
-              </a:endParaRPr>
-            </a:p>
-          </p:txBody>
-        </p:sp>
-        <p:pic>
-          <p:nvPicPr>
-            <p:cNvPr id="64" name="Picture 7" descr="D:\Devel\tsduck\images\tsduck-48.png"/>
-            <p:cNvPicPr>
-              <a:picLocks noChangeAspect="1" noChangeArrowheads="1"/>
-            </p:cNvPicPr>
-            <p:nvPr/>
-          </p:nvPicPr>
-          <p:blipFill>
-            <a:blip r:embed="rId2">
-              <a:extLst>
-                <a:ext uri="{28A0092B-C50C-407E-A947-70E740481C1C}">
-                  <a14:useLocalDpi xmlns:a14="http://schemas.microsoft.com/office/drawing/2010/main" val="0"/>
-                </a:ext>
-              </a:extLst>
-            </a:blip>
-            <a:srcRect/>
-            <a:stretch>
-              <a:fillRect/>
-            </a:stretch>
-          </p:blipFill>
-          <p:spPr bwMode="auto">
-            <a:xfrm>
-              <a:off x="5595837" y="3122483"/>
-              <a:ext cx="146050" cy="146050"/>
-            </a:xfrm>
-            <a:prstGeom prst="rect">
-              <a:avLst/>
-            </a:prstGeom>
-            <a:noFill/>
+              </a:rPr>
+              <a:t>Network 1</a:t>
+            </a:r>
+          </a:p>
+        </p:txBody>
+      </p:sp>
+      <p:pic>
+        <p:nvPicPr>
+          <p:cNvPr id="64" name="Picture 7" descr="D:\Devel\tsduck\images\tsduck-48.png"/>
+          <p:cNvPicPr>
+            <a:picLocks noChangeAspect="1" noChangeArrowheads="1"/>
+          </p:cNvPicPr>
+          <p:nvPr/>
+        </p:nvPicPr>
+        <p:blipFill>
+          <a:blip r:embed="rId2">
             <a:extLst>
-              <a:ext uri="{909E8E84-426E-40DD-AFC4-6F175D3DCCD1}">
-                <a14:hiddenFill xmlns:a14="http://schemas.microsoft.com/office/drawing/2010/main">
-                  <a:solidFill>
-                    <a:srgbClr val="FFFFFF"/>
-                  </a:solidFill>
-                </a14:hiddenFill>
+              <a:ext uri="{28A0092B-C50C-407E-A947-70E740481C1C}">
+                <a14:useLocalDpi xmlns:a14="http://schemas.microsoft.com/office/drawing/2010/main" val="0"/>
               </a:ext>
             </a:extLst>
-          </p:spPr>
-        </p:pic>
-        <p:sp>
-          <p:nvSpPr>
-            <p:cNvPr id="65" name="ZoneTexte 64"/>
-            <p:cNvSpPr txBox="1"/>
-            <p:nvPr/>
-          </p:nvSpPr>
-          <p:spPr>
-            <a:xfrm>
-              <a:off x="5759086" y="3141647"/>
-              <a:ext cx="302156" cy="107722"/>
-            </a:xfrm>
-            <a:prstGeom prst="rect">
-              <a:avLst/>
-            </a:prstGeom>
-            <a:noFill/>
-          </p:spPr>
-          <p:txBody>
-            <a:bodyPr wrap="square" lIns="0" tIns="0" rIns="0" bIns="0" rtlCol="0">
-              <a:spAutoFit/>
-            </a:bodyPr>
-            <a:lstStyle/>
-            <a:p>
-              <a:r>
-                <a:rPr lang="fr-FR" sz="700" dirty="0" smtClean="0">
-                  <a:latin typeface="Cambria" panose="02040503050406030204" pitchFamily="18" charset="0"/>
-                  <a:ea typeface="Arial Rounded MT Bold" charset="0"/>
-                  <a:cs typeface="Arial Rounded MT Bold" charset="0"/>
-                </a:rPr>
-                <a:t>TSDuck</a:t>
-              </a:r>
-              <a:endParaRPr lang="fr-FR" sz="700" dirty="0">
+          </a:blip>
+          <a:srcRect/>
+          <a:stretch>
+            <a:fillRect/>
+          </a:stretch>
+        </p:blipFill>
+        <p:spPr bwMode="auto">
+          <a:xfrm>
+            <a:off x="5595837" y="3122483"/>
+            <a:ext cx="146050" cy="146050"/>
+          </a:xfrm>
+          <a:prstGeom prst="rect">
+            <a:avLst/>
+          </a:prstGeom>
+          <a:noFill/>
+          <a:extLst>
+            <a:ext uri="{909E8E84-426E-40DD-AFC4-6F175D3DCCD1}">
+              <a14:hiddenFill xmlns:a14="http://schemas.microsoft.com/office/drawing/2010/main">
+                <a:solidFill>
+                  <a:srgbClr val="FFFFFF"/>
+                </a:solidFill>
+              </a14:hiddenFill>
+            </a:ext>
+          </a:extLst>
+        </p:spPr>
+      </p:pic>
+      <p:sp>
+        <p:nvSpPr>
+          <p:cNvPr id="65" name="ZoneTexte 64"/>
+          <p:cNvSpPr txBox="1"/>
+          <p:nvPr/>
+        </p:nvSpPr>
+        <p:spPr>
+          <a:xfrm>
+            <a:off x="5759086" y="3141647"/>
+            <a:ext cx="302156" cy="107722"/>
+          </a:xfrm>
+          <a:prstGeom prst="rect">
+            <a:avLst/>
+          </a:prstGeom>
+          <a:noFill/>
+        </p:spPr>
+        <p:txBody>
+          <a:bodyPr wrap="square" lIns="0" tIns="0" rIns="0" bIns="0" rtlCol="0">
+            <a:spAutoFit/>
+          </a:bodyPr>
+          <a:lstStyle/>
+          <a:p>
+            <a:r>
+              <a:rPr lang="fr-FR" sz="700" dirty="0">
                 <a:latin typeface="Cambria" panose="02040503050406030204" pitchFamily="18" charset="0"/>
                 <a:ea typeface="Arial Rounded MT Bold" charset="0"/>
                 <a:cs typeface="Arial Rounded MT Bold" charset="0"/>
-              </a:endParaRPr>
-            </a:p>
-          </p:txBody>
-        </p:sp>
-        <p:sp>
-          <p:nvSpPr>
-            <p:cNvPr id="60" name="Rectangle à coins arrondis 59"/>
-            <p:cNvSpPr/>
-            <p:nvPr/>
-          </p:nvSpPr>
-          <p:spPr>
-            <a:xfrm>
-              <a:off x="4245671" y="1362846"/>
-              <a:ext cx="1348926" cy="782419"/>
-            </a:xfrm>
-            <a:prstGeom prst="roundRect">
-              <a:avLst>
-                <a:gd name="adj" fmla="val 3969"/>
-              </a:avLst>
-            </a:prstGeom>
-            <a:solidFill>
-              <a:srgbClr val="1F8A4C"/>
-            </a:solidFill>
-            <a:ln>
-              <a:noFill/>
-            </a:ln>
-          </p:spPr>
-          <p:style>
-            <a:lnRef idx="2">
-              <a:schemeClr val="accent1">
-                <a:shade val="50000"/>
-              </a:schemeClr>
-            </a:lnRef>
-            <a:fillRef idx="1">
-              <a:schemeClr val="accent1"/>
-            </a:fillRef>
-            <a:effectRef idx="0">
-              <a:schemeClr val="accent1"/>
-            </a:effectRef>
-            <a:fontRef idx="minor">
-              <a:schemeClr val="lt1"/>
-            </a:fontRef>
-          </p:style>
-          <p:txBody>
-            <a:bodyPr lIns="0" tIns="0" rIns="0" rtlCol="0" anchor="t" anchorCtr="0"/>
-            <a:lstStyle/>
-            <a:p>
-              <a:pPr algn="ctr"/>
-              <a:r>
-                <a:rPr lang="fr-FR" sz="1000" b="1" dirty="0" smtClean="0">
-                  <a:latin typeface="Cambria" panose="02040503050406030204" pitchFamily="18" charset="0"/>
-                  <a:ea typeface="Arial Rounded MT Bold" charset="0"/>
-                  <a:cs typeface="Arial Rounded MT Bold" charset="0"/>
-                </a:rPr>
-                <a:t>Linux or Windows</a:t>
-              </a:r>
-              <a:endParaRPr lang="fr-FR" sz="1000" b="1" dirty="0">
+              </a:rPr>
+              <a:t>TSDuck</a:t>
+            </a:r>
+          </a:p>
+        </p:txBody>
+      </p:sp>
+      <p:sp>
+        <p:nvSpPr>
+          <p:cNvPr id="60" name="Rectangle à coins arrondis 59"/>
+          <p:cNvSpPr/>
+          <p:nvPr/>
+        </p:nvSpPr>
+        <p:spPr>
+          <a:xfrm>
+            <a:off x="4245671" y="1362846"/>
+            <a:ext cx="1348926" cy="782419"/>
+          </a:xfrm>
+          <a:prstGeom prst="roundRect">
+            <a:avLst>
+              <a:gd name="adj" fmla="val 3969"/>
+            </a:avLst>
+          </a:prstGeom>
+          <a:solidFill>
+            <a:srgbClr val="1F8A4C"/>
+          </a:solidFill>
+          <a:ln>
+            <a:noFill/>
+          </a:ln>
+        </p:spPr>
+        <p:style>
+          <a:lnRef idx="2">
+            <a:schemeClr val="accent1">
+              <a:shade val="50000"/>
+            </a:schemeClr>
+          </a:lnRef>
+          <a:fillRef idx="1">
+            <a:schemeClr val="accent1"/>
+          </a:fillRef>
+          <a:effectRef idx="0">
+            <a:schemeClr val="accent1"/>
+          </a:effectRef>
+          <a:fontRef idx="minor">
+            <a:schemeClr val="lt1"/>
+          </a:fontRef>
+        </p:style>
+        <p:txBody>
+          <a:bodyPr lIns="0" tIns="0" rIns="0" rtlCol="0" anchor="t" anchorCtr="0"/>
+          <a:lstStyle/>
+          <a:p>
+            <a:pPr algn="ctr"/>
+            <a:r>
+              <a:rPr lang="fr-FR" sz="1000" b="1" dirty="0">
                 <a:latin typeface="Cambria" panose="02040503050406030204" pitchFamily="18" charset="0"/>
                 <a:ea typeface="Arial Rounded MT Bold" charset="0"/>
                 <a:cs typeface="Arial Rounded MT Bold" charset="0"/>
-              </a:endParaRPr>
-            </a:p>
-          </p:txBody>
-        </p:sp>
-        <p:cxnSp>
-          <p:nvCxnSpPr>
-            <p:cNvPr id="66" name="Connecteur droit 65"/>
-            <p:cNvCxnSpPr>
-              <a:stCxn id="69" idx="3"/>
-              <a:endCxn id="68" idx="2"/>
-            </p:cNvCxnSpPr>
-            <p:nvPr/>
-          </p:nvCxnSpPr>
-          <p:spPr>
-            <a:xfrm flipV="1">
-              <a:off x="4677093" y="1806313"/>
-              <a:ext cx="170109" cy="1"/>
-            </a:xfrm>
-            <a:prstGeom prst="line">
-              <a:avLst/>
-            </a:prstGeom>
-            <a:ln w="12700">
-              <a:solidFill>
-                <a:schemeClr val="tx1"/>
-              </a:solidFill>
-            </a:ln>
-          </p:spPr>
-          <p:style>
-            <a:lnRef idx="1">
-              <a:schemeClr val="accent1"/>
-            </a:lnRef>
-            <a:fillRef idx="0">
-              <a:schemeClr val="accent1"/>
-            </a:fillRef>
-            <a:effectRef idx="0">
-              <a:schemeClr val="accent1"/>
-            </a:effectRef>
-            <a:fontRef idx="minor">
+              </a:rPr>
+              <a:t>Linux or Windows</a:t>
+            </a:r>
+          </a:p>
+        </p:txBody>
+      </p:sp>
+      <p:cxnSp>
+        <p:nvCxnSpPr>
+          <p:cNvPr id="66" name="Connecteur droit 65"/>
+          <p:cNvCxnSpPr>
+            <a:stCxn id="69" idx="3"/>
+            <a:endCxn id="68" idx="2"/>
+          </p:cNvCxnSpPr>
+          <p:nvPr/>
+        </p:nvCxnSpPr>
+        <p:spPr>
+          <a:xfrm flipV="1">
+            <a:off x="4677093" y="1806313"/>
+            <a:ext cx="170109" cy="1"/>
+          </a:xfrm>
+          <a:prstGeom prst="line">
+            <a:avLst/>
+          </a:prstGeom>
+          <a:ln w="12700">
+            <a:solidFill>
               <a:schemeClr val="tx1"/>
-            </a:fontRef>
-          </p:style>
-        </p:cxnSp>
-        <p:sp>
-          <p:nvSpPr>
-            <p:cNvPr id="69" name="Rectangle à coins arrondis 68"/>
-            <p:cNvSpPr/>
-            <p:nvPr/>
-          </p:nvSpPr>
-          <p:spPr>
-            <a:xfrm>
-              <a:off x="4091949" y="1617648"/>
-              <a:ext cx="585144" cy="377331"/>
-            </a:xfrm>
-            <a:prstGeom prst="roundRect">
-              <a:avLst/>
-            </a:prstGeom>
+            </a:solidFill>
+          </a:ln>
+        </p:spPr>
+        <p:style>
+          <a:lnRef idx="1">
+            <a:schemeClr val="accent1"/>
+          </a:lnRef>
+          <a:fillRef idx="0">
+            <a:schemeClr val="accent1"/>
+          </a:fillRef>
+          <a:effectRef idx="0">
+            <a:schemeClr val="accent1"/>
+          </a:effectRef>
+          <a:fontRef idx="minor">
+            <a:schemeClr val="tx1"/>
+          </a:fontRef>
+        </p:style>
+      </p:cxnSp>
+      <p:sp>
+        <p:nvSpPr>
+          <p:cNvPr id="69" name="Rectangle à coins arrondis 68"/>
+          <p:cNvSpPr/>
+          <p:nvPr/>
+        </p:nvSpPr>
+        <p:spPr>
+          <a:xfrm>
+            <a:off x="4091949" y="1617648"/>
+            <a:ext cx="585144" cy="377331"/>
+          </a:xfrm>
+          <a:prstGeom prst="roundRect">
+            <a:avLst/>
+          </a:prstGeom>
+          <a:solidFill>
+            <a:schemeClr val="accent6">
+              <a:lumMod val="40000"/>
+              <a:lumOff val="60000"/>
+            </a:schemeClr>
+          </a:solidFill>
+          <a:ln>
             <a:solidFill>
-              <a:schemeClr val="accent6">
-                <a:lumMod val="40000"/>
-                <a:lumOff val="60000"/>
-              </a:schemeClr>
+              <a:schemeClr val="bg1"/>
             </a:solidFill>
-            <a:ln>
-              <a:solidFill>
-                <a:schemeClr val="bg1"/>
-              </a:solidFill>
-            </a:ln>
-          </p:spPr>
-          <p:style>
-            <a:lnRef idx="2">
-              <a:schemeClr val="accent1">
-                <a:shade val="50000"/>
-              </a:schemeClr>
-            </a:lnRef>
-            <a:fillRef idx="1">
-              <a:schemeClr val="accent1"/>
-            </a:fillRef>
-            <a:effectRef idx="0">
-              <a:schemeClr val="accent1"/>
-            </a:effectRef>
-            <a:fontRef idx="minor">
-              <a:schemeClr val="lt1"/>
-            </a:fontRef>
-          </p:style>
-          <p:txBody>
-            <a:bodyPr lIns="36000" rIns="36000" rtlCol="0" anchor="ctr"/>
-            <a:lstStyle/>
-            <a:p>
-              <a:pPr algn="ctr"/>
-              <a:r>
-                <a:rPr lang="fr-FR" sz="900" dirty="0" smtClean="0">
-                  <a:solidFill>
-                    <a:schemeClr val="tx1"/>
-                  </a:solidFill>
-                  <a:latin typeface="Cambria" panose="02040503050406030204" pitchFamily="18" charset="0"/>
-                  <a:ea typeface="Arial Rounded MT Bold" charset="0"/>
-                  <a:cs typeface="Arial Rounded MT Bold" charset="0"/>
-                </a:rPr>
-                <a:t>DVB</a:t>
-              </a:r>
-            </a:p>
-            <a:p>
-              <a:pPr algn="ctr"/>
-              <a:r>
-                <a:rPr lang="fr-FR" sz="900" dirty="0" smtClean="0">
-                  <a:solidFill>
-                    <a:schemeClr val="tx1"/>
-                  </a:solidFill>
-                  <a:latin typeface="Cambria" panose="02040503050406030204" pitchFamily="18" charset="0"/>
-                  <a:ea typeface="Arial Rounded MT Bold" charset="0"/>
-                  <a:cs typeface="Arial Rounded MT Bold" charset="0"/>
-                </a:rPr>
-                <a:t>tuner</a:t>
-              </a:r>
-              <a:endParaRPr lang="fr-FR" sz="900" dirty="0">
+          </a:ln>
+        </p:spPr>
+        <p:style>
+          <a:lnRef idx="2">
+            <a:schemeClr val="accent1">
+              <a:shade val="50000"/>
+            </a:schemeClr>
+          </a:lnRef>
+          <a:fillRef idx="1">
+            <a:schemeClr val="accent1"/>
+          </a:fillRef>
+          <a:effectRef idx="0">
+            <a:schemeClr val="accent1"/>
+          </a:effectRef>
+          <a:fontRef idx="minor">
+            <a:schemeClr val="lt1"/>
+          </a:fontRef>
+        </p:style>
+        <p:txBody>
+          <a:bodyPr lIns="36000" rIns="36000" rtlCol="0" anchor="ctr"/>
+          <a:lstStyle/>
+          <a:p>
+            <a:pPr algn="ctr"/>
+            <a:r>
+              <a:rPr lang="fr-FR" sz="900" dirty="0">
                 <a:solidFill>
                   <a:schemeClr val="tx1"/>
                 </a:solidFill>
                 <a:latin typeface="Cambria" panose="02040503050406030204" pitchFamily="18" charset="0"/>
                 <a:ea typeface="Arial Rounded MT Bold" charset="0"/>
                 <a:cs typeface="Arial Rounded MT Bold" charset="0"/>
-              </a:endParaRPr>
-            </a:p>
-          </p:txBody>
-        </p:sp>
-        <p:sp>
-          <p:nvSpPr>
-            <p:cNvPr id="76" name="Rectangle à coins arrondis 75"/>
-            <p:cNvSpPr/>
-            <p:nvPr/>
-          </p:nvSpPr>
-          <p:spPr>
-            <a:xfrm>
-              <a:off x="1261837" y="1362847"/>
-              <a:ext cx="1790700" cy="782419"/>
-            </a:xfrm>
-            <a:prstGeom prst="roundRect">
-              <a:avLst>
-                <a:gd name="adj" fmla="val 3969"/>
-              </a:avLst>
-            </a:prstGeom>
-            <a:solidFill>
-              <a:srgbClr val="1F8A4C"/>
-            </a:solidFill>
-            <a:ln>
-              <a:noFill/>
-            </a:ln>
-          </p:spPr>
-          <p:style>
-            <a:lnRef idx="2">
-              <a:schemeClr val="accent1">
-                <a:shade val="50000"/>
-              </a:schemeClr>
-            </a:lnRef>
-            <a:fillRef idx="1">
-              <a:schemeClr val="accent1"/>
-            </a:fillRef>
-            <a:effectRef idx="0">
-              <a:schemeClr val="accent1"/>
-            </a:effectRef>
-            <a:fontRef idx="minor">
-              <a:schemeClr val="lt1"/>
-            </a:fontRef>
-          </p:style>
-          <p:txBody>
-            <a:bodyPr lIns="0" tIns="0" rIns="0" rtlCol="0" anchor="t" anchorCtr="0"/>
-            <a:lstStyle/>
-            <a:p>
-              <a:pPr algn="ctr"/>
-              <a:r>
-                <a:rPr lang="fr-FR" sz="1000" b="1" dirty="0" smtClean="0">
-                  <a:latin typeface="Cambria" panose="02040503050406030204" pitchFamily="18" charset="0"/>
-                  <a:ea typeface="Arial Rounded MT Bold" charset="0"/>
-                  <a:cs typeface="Arial Rounded MT Bold" charset="0"/>
-                </a:rPr>
-                <a:t>Linux or Windows</a:t>
-              </a:r>
-              <a:endParaRPr lang="fr-FR" sz="1000" b="1" dirty="0">
-                <a:latin typeface="Cambria" panose="02040503050406030204" pitchFamily="18" charset="0"/>
-                <a:ea typeface="Arial Rounded MT Bold" charset="0"/>
-                <a:cs typeface="Arial Rounded MT Bold" charset="0"/>
-              </a:endParaRPr>
-            </a:p>
-          </p:txBody>
-        </p:sp>
-        <p:cxnSp>
-          <p:nvCxnSpPr>
-            <p:cNvPr id="77" name="Connecteur droit 76"/>
-            <p:cNvCxnSpPr>
-              <a:stCxn id="80" idx="1"/>
-              <a:endCxn id="79" idx="6"/>
-            </p:cNvCxnSpPr>
-            <p:nvPr/>
-          </p:nvCxnSpPr>
-          <p:spPr>
-            <a:xfrm flipH="1" flipV="1">
-              <a:off x="2421579" y="1806314"/>
-              <a:ext cx="172203" cy="1"/>
-            </a:xfrm>
-            <a:prstGeom prst="line">
-              <a:avLst/>
-            </a:prstGeom>
-            <a:ln w="12700">
-              <a:solidFill>
-                <a:schemeClr val="tx1"/>
-              </a:solidFill>
-            </a:ln>
-          </p:spPr>
-          <p:style>
-            <a:lnRef idx="1">
-              <a:schemeClr val="accent1"/>
-            </a:lnRef>
-            <a:fillRef idx="0">
-              <a:schemeClr val="accent1"/>
-            </a:fillRef>
-            <a:effectRef idx="0">
-              <a:schemeClr val="accent1"/>
-            </a:effectRef>
-            <a:fontRef idx="minor">
-              <a:schemeClr val="tx1"/>
-            </a:fontRef>
-          </p:style>
-        </p:cxnSp>
-        <p:sp>
-          <p:nvSpPr>
-            <p:cNvPr id="79" name="Ellipse 78"/>
-            <p:cNvSpPr/>
-            <p:nvPr/>
-          </p:nvSpPr>
-          <p:spPr>
-            <a:xfrm>
-              <a:off x="1873342" y="1648876"/>
-              <a:ext cx="548237" cy="314876"/>
-            </a:xfrm>
-            <a:prstGeom prst="ellipse">
-              <a:avLst/>
-            </a:prstGeom>
-            <a:solidFill>
-              <a:schemeClr val="accent6">
-                <a:lumMod val="40000"/>
-                <a:lumOff val="60000"/>
-              </a:schemeClr>
-            </a:solidFill>
-            <a:ln>
-              <a:solidFill>
-                <a:schemeClr val="bg1"/>
-              </a:solidFill>
-            </a:ln>
-          </p:spPr>
-          <p:style>
-            <a:lnRef idx="2">
-              <a:schemeClr val="accent1">
-                <a:shade val="50000"/>
-              </a:schemeClr>
-            </a:lnRef>
-            <a:fillRef idx="1">
-              <a:schemeClr val="accent1"/>
-            </a:fillRef>
-            <a:effectRef idx="0">
-              <a:schemeClr val="accent1"/>
-            </a:effectRef>
-            <a:fontRef idx="minor">
-              <a:schemeClr val="lt1"/>
-            </a:fontRef>
-          </p:style>
-          <p:txBody>
-            <a:bodyPr rot="0" spcFirstLastPara="0" vertOverflow="overflow" horzOverflow="overflow" vert="horz" wrap="square" lIns="36000" tIns="45720" rIns="36000" bIns="45720" numCol="1" spcCol="0" rtlCol="0" fromWordArt="0" anchor="ctr" anchorCtr="0" forceAA="0" compatLnSpc="1">
-              <a:prstTxWarp prst="textNoShape">
-                <a:avLst/>
-              </a:prstTxWarp>
-              <a:noAutofit/>
-            </a:bodyPr>
-            <a:lstStyle/>
-            <a:p>
-              <a:pPr algn="ctr"/>
-              <a:r>
-                <a:rPr lang="fr-FR" sz="900" i="1" smtClean="0">
-                  <a:solidFill>
-                    <a:schemeClr val="tx1"/>
-                  </a:solidFill>
-                  <a:latin typeface="Cambria" panose="02040503050406030204" pitchFamily="18" charset="0"/>
-                  <a:ea typeface="Arial Rounded MT Bold" charset="0"/>
-                  <a:cs typeface="Arial Rounded MT Bold" charset="0"/>
-                </a:rPr>
-                <a:t>tsp</a:t>
-              </a:r>
-              <a:endParaRPr lang="fr-FR" sz="900" i="1" dirty="0">
+              </a:rPr>
+              <a:t>DVB</a:t>
+            </a:r>
+          </a:p>
+          <a:p>
+            <a:pPr algn="ctr"/>
+            <a:r>
+              <a:rPr lang="fr-FR" sz="900" dirty="0">
                 <a:solidFill>
                   <a:schemeClr val="tx1"/>
                 </a:solidFill>
                 <a:latin typeface="Cambria" panose="02040503050406030204" pitchFamily="18" charset="0"/>
                 <a:ea typeface="Arial Rounded MT Bold" charset="0"/>
                 <a:cs typeface="Arial Rounded MT Bold" charset="0"/>
-              </a:endParaRPr>
-            </a:p>
-          </p:txBody>
-        </p:sp>
-        <p:sp>
-          <p:nvSpPr>
-            <p:cNvPr id="80" name="Rectangle à coins arrondis 79"/>
-            <p:cNvSpPr/>
-            <p:nvPr/>
-          </p:nvSpPr>
-          <p:spPr>
-            <a:xfrm>
-              <a:off x="2593782" y="1617649"/>
-              <a:ext cx="643658" cy="377331"/>
-            </a:xfrm>
-            <a:prstGeom prst="roundRect">
+              </a:rPr>
+              <a:t>tuner</a:t>
+            </a:r>
+          </a:p>
+        </p:txBody>
+      </p:sp>
+      <p:sp>
+        <p:nvSpPr>
+          <p:cNvPr id="76" name="Rectangle à coins arrondis 75"/>
+          <p:cNvSpPr/>
+          <p:nvPr/>
+        </p:nvSpPr>
+        <p:spPr>
+          <a:xfrm>
+            <a:off x="1261837" y="1362847"/>
+            <a:ext cx="1790700" cy="782419"/>
+          </a:xfrm>
+          <a:prstGeom prst="roundRect">
+            <a:avLst>
+              <a:gd name="adj" fmla="val 3969"/>
+            </a:avLst>
+          </a:prstGeom>
+          <a:solidFill>
+            <a:srgbClr val="1F8A4C"/>
+          </a:solidFill>
+          <a:ln>
+            <a:noFill/>
+          </a:ln>
+        </p:spPr>
+        <p:style>
+          <a:lnRef idx="2">
+            <a:schemeClr val="accent1">
+              <a:shade val="50000"/>
+            </a:schemeClr>
+          </a:lnRef>
+          <a:fillRef idx="1">
+            <a:schemeClr val="accent1"/>
+          </a:fillRef>
+          <a:effectRef idx="0">
+            <a:schemeClr val="accent1"/>
+          </a:effectRef>
+          <a:fontRef idx="minor">
+            <a:schemeClr val="lt1"/>
+          </a:fontRef>
+        </p:style>
+        <p:txBody>
+          <a:bodyPr lIns="0" tIns="0" rIns="0" rtlCol="0" anchor="t" anchorCtr="0"/>
+          <a:lstStyle/>
+          <a:p>
+            <a:pPr algn="ctr"/>
+            <a:r>
+              <a:rPr lang="fr-FR" sz="1000" b="1" dirty="0">
+                <a:latin typeface="Cambria" panose="02040503050406030204" pitchFamily="18" charset="0"/>
+                <a:ea typeface="Arial Rounded MT Bold" charset="0"/>
+                <a:cs typeface="Arial Rounded MT Bold" charset="0"/>
+              </a:rPr>
+              <a:t>Linux or Windows</a:t>
+            </a:r>
+          </a:p>
+        </p:txBody>
+      </p:sp>
+      <p:cxnSp>
+        <p:nvCxnSpPr>
+          <p:cNvPr id="77" name="Connecteur droit 76"/>
+          <p:cNvCxnSpPr>
+            <a:stCxn id="80" idx="1"/>
+            <a:endCxn id="79" idx="6"/>
+          </p:cNvCxnSpPr>
+          <p:nvPr/>
+        </p:nvCxnSpPr>
+        <p:spPr>
+          <a:xfrm flipH="1" flipV="1">
+            <a:off x="2421579" y="1806314"/>
+            <a:ext cx="172203" cy="1"/>
+          </a:xfrm>
+          <a:prstGeom prst="line">
+            <a:avLst/>
+          </a:prstGeom>
+          <a:ln w="12700">
+            <a:solidFill>
+              <a:schemeClr val="tx1"/>
+            </a:solidFill>
+          </a:ln>
+        </p:spPr>
+        <p:style>
+          <a:lnRef idx="1">
+            <a:schemeClr val="accent1"/>
+          </a:lnRef>
+          <a:fillRef idx="0">
+            <a:schemeClr val="accent1"/>
+          </a:fillRef>
+          <a:effectRef idx="0">
+            <a:schemeClr val="accent1"/>
+          </a:effectRef>
+          <a:fontRef idx="minor">
+            <a:schemeClr val="tx1"/>
+          </a:fontRef>
+        </p:style>
+      </p:cxnSp>
+      <p:sp>
+        <p:nvSpPr>
+          <p:cNvPr id="79" name="Ellipse 78"/>
+          <p:cNvSpPr/>
+          <p:nvPr/>
+        </p:nvSpPr>
+        <p:spPr>
+          <a:xfrm>
+            <a:off x="1873342" y="1648876"/>
+            <a:ext cx="548237" cy="314876"/>
+          </a:xfrm>
+          <a:prstGeom prst="ellipse">
+            <a:avLst/>
+          </a:prstGeom>
+          <a:solidFill>
+            <a:schemeClr val="accent6">
+              <a:lumMod val="40000"/>
+              <a:lumOff val="60000"/>
+            </a:schemeClr>
+          </a:solidFill>
+          <a:ln>
+            <a:solidFill>
+              <a:schemeClr val="bg1"/>
+            </a:solidFill>
+          </a:ln>
+        </p:spPr>
+        <p:style>
+          <a:lnRef idx="2">
+            <a:schemeClr val="accent1">
+              <a:shade val="50000"/>
+            </a:schemeClr>
+          </a:lnRef>
+          <a:fillRef idx="1">
+            <a:schemeClr val="accent1"/>
+          </a:fillRef>
+          <a:effectRef idx="0">
+            <a:schemeClr val="accent1"/>
+          </a:effectRef>
+          <a:fontRef idx="minor">
+            <a:schemeClr val="lt1"/>
+          </a:fontRef>
+        </p:style>
+        <p:txBody>
+          <a:bodyPr rot="0" spcFirstLastPara="0" vertOverflow="overflow" horzOverflow="overflow" vert="horz" wrap="square" lIns="36000" tIns="45720" rIns="36000" bIns="45720" numCol="1" spcCol="0" rtlCol="0" fromWordArt="0" anchor="ctr" anchorCtr="0" forceAA="0" compatLnSpc="1">
+            <a:prstTxWarp prst="textNoShape">
               <a:avLst/>
-            </a:prstGeom>
-            <a:solidFill>
-              <a:schemeClr val="accent6">
-                <a:lumMod val="40000"/>
-                <a:lumOff val="60000"/>
-              </a:schemeClr>
-            </a:solidFill>
-            <a:ln>
-              <a:solidFill>
-                <a:schemeClr val="bg1"/>
-              </a:solidFill>
-            </a:ln>
-          </p:spPr>
-          <p:style>
-            <a:lnRef idx="2">
-              <a:schemeClr val="accent1">
-                <a:shade val="50000"/>
-              </a:schemeClr>
-            </a:lnRef>
-            <a:fillRef idx="1">
-              <a:schemeClr val="accent1"/>
-            </a:fillRef>
-            <a:effectRef idx="0">
-              <a:schemeClr val="accent1"/>
-            </a:effectRef>
-            <a:fontRef idx="minor">
-              <a:schemeClr val="lt1"/>
-            </a:fontRef>
-          </p:style>
-          <p:txBody>
-            <a:bodyPr lIns="36000" rIns="36000" rtlCol="0" anchor="ctr"/>
-            <a:lstStyle/>
-            <a:p>
-              <a:pPr algn="ctr"/>
-              <a:r>
-                <a:rPr lang="fr-FR" sz="900" dirty="0" smtClean="0">
-                  <a:solidFill>
-                    <a:schemeClr val="tx1"/>
-                  </a:solidFill>
-                  <a:latin typeface="Cambria" panose="02040503050406030204" pitchFamily="18" charset="0"/>
-                  <a:ea typeface="Arial Rounded MT Bold" charset="0"/>
-                  <a:cs typeface="Arial Rounded MT Bold" charset="0"/>
-                </a:rPr>
-                <a:t>Dektec </a:t>
-              </a:r>
-              <a:r>
-                <a:rPr lang="fr-FR" sz="900" dirty="0" err="1" smtClean="0">
-                  <a:solidFill>
-                    <a:schemeClr val="tx1"/>
-                  </a:solidFill>
-                  <a:latin typeface="Cambria" panose="02040503050406030204" pitchFamily="18" charset="0"/>
-                  <a:ea typeface="Arial Rounded MT Bold" charset="0"/>
-                  <a:cs typeface="Arial Rounded MT Bold" charset="0"/>
-                </a:rPr>
-                <a:t>modulator</a:t>
-              </a:r>
-              <a:endParaRPr lang="fr-FR" sz="900" dirty="0">
+            </a:prstTxWarp>
+            <a:noAutofit/>
+          </a:bodyPr>
+          <a:lstStyle/>
+          <a:p>
+            <a:pPr algn="ctr"/>
+            <a:r>
+              <a:rPr lang="fr-FR" sz="900" i="1">
                 <a:solidFill>
                   <a:schemeClr val="tx1"/>
                 </a:solidFill>
                 <a:latin typeface="Cambria" panose="02040503050406030204" pitchFamily="18" charset="0"/>
                 <a:ea typeface="Arial Rounded MT Bold" charset="0"/>
                 <a:cs typeface="Arial Rounded MT Bold" charset="0"/>
-              </a:endParaRPr>
-            </a:p>
-          </p:txBody>
-        </p:sp>
-        <p:sp>
-          <p:nvSpPr>
-            <p:cNvPr id="82" name="Rectangle à coins arrondis 81"/>
-            <p:cNvSpPr/>
-            <p:nvPr/>
-          </p:nvSpPr>
-          <p:spPr>
-            <a:xfrm>
-              <a:off x="682923" y="2726758"/>
-              <a:ext cx="578914" cy="257241"/>
-            </a:xfrm>
-            <a:prstGeom prst="roundRect">
-              <a:avLst>
-                <a:gd name="adj" fmla="val 3969"/>
-              </a:avLst>
-            </a:prstGeom>
-            <a:solidFill>
-              <a:srgbClr val="1F8A4C"/>
-            </a:solidFill>
-            <a:ln>
-              <a:noFill/>
-            </a:ln>
-          </p:spPr>
-          <p:style>
-            <a:lnRef idx="2">
-              <a:schemeClr val="accent1">
-                <a:shade val="50000"/>
-              </a:schemeClr>
-            </a:lnRef>
-            <a:fillRef idx="1">
-              <a:schemeClr val="accent1"/>
-            </a:fillRef>
-            <a:effectRef idx="0">
-              <a:schemeClr val="accent1"/>
-            </a:effectRef>
-            <a:fontRef idx="minor">
-              <a:schemeClr val="lt1"/>
-            </a:fontRef>
-          </p:style>
-          <p:txBody>
-            <a:bodyPr tIns="0" rtlCol="0" anchor="ctr" anchorCtr="0"/>
-            <a:lstStyle/>
-            <a:p>
-              <a:pPr algn="ctr"/>
-              <a:r>
-                <a:rPr lang="fr-FR" sz="1000" b="1" dirty="0" smtClean="0">
-                  <a:latin typeface="Cambria" panose="02040503050406030204" pitchFamily="18" charset="0"/>
-                  <a:ea typeface="Arial Rounded MT Bold" charset="0"/>
-                  <a:cs typeface="Arial Rounded MT Bold" charset="0"/>
-                </a:rPr>
-                <a:t>STB</a:t>
-              </a:r>
-              <a:endParaRPr lang="fr-FR" sz="1000" b="1" dirty="0">
-                <a:latin typeface="Cambria" panose="02040503050406030204" pitchFamily="18" charset="0"/>
-                <a:ea typeface="Arial Rounded MT Bold" charset="0"/>
-                <a:cs typeface="Arial Rounded MT Bold" charset="0"/>
-              </a:endParaRPr>
-            </a:p>
-          </p:txBody>
-        </p:sp>
-        <p:sp>
-          <p:nvSpPr>
-            <p:cNvPr id="83" name="Rectangle à coins arrondis 82"/>
-            <p:cNvSpPr/>
-            <p:nvPr/>
-          </p:nvSpPr>
-          <p:spPr>
-            <a:xfrm>
-              <a:off x="2339441" y="2726547"/>
-              <a:ext cx="578914" cy="257241"/>
-            </a:xfrm>
-            <a:prstGeom prst="roundRect">
-              <a:avLst>
-                <a:gd name="adj" fmla="val 3969"/>
-              </a:avLst>
-            </a:prstGeom>
-            <a:solidFill>
-              <a:srgbClr val="1F8A4C"/>
-            </a:solidFill>
-            <a:ln>
-              <a:noFill/>
-            </a:ln>
-          </p:spPr>
-          <p:style>
-            <a:lnRef idx="2">
-              <a:schemeClr val="accent1">
-                <a:shade val="50000"/>
-              </a:schemeClr>
-            </a:lnRef>
-            <a:fillRef idx="1">
-              <a:schemeClr val="accent1"/>
-            </a:fillRef>
-            <a:effectRef idx="0">
-              <a:schemeClr val="accent1"/>
-            </a:effectRef>
-            <a:fontRef idx="minor">
-              <a:schemeClr val="lt1"/>
-            </a:fontRef>
-          </p:style>
-          <p:txBody>
-            <a:bodyPr tIns="0" rtlCol="0" anchor="ctr" anchorCtr="0"/>
-            <a:lstStyle/>
-            <a:p>
-              <a:pPr algn="ctr"/>
-              <a:r>
-                <a:rPr lang="fr-FR" sz="1000" b="1" dirty="0" smtClean="0">
-                  <a:latin typeface="Cambria" panose="02040503050406030204" pitchFamily="18" charset="0"/>
-                  <a:ea typeface="Arial Rounded MT Bold" charset="0"/>
-                  <a:cs typeface="Arial Rounded MT Bold" charset="0"/>
-                </a:rPr>
-                <a:t>STB</a:t>
-              </a:r>
-              <a:endParaRPr lang="fr-FR" sz="1000" b="1" dirty="0">
-                <a:latin typeface="Cambria" panose="02040503050406030204" pitchFamily="18" charset="0"/>
-                <a:ea typeface="Arial Rounded MT Bold" charset="0"/>
-                <a:cs typeface="Arial Rounded MT Bold" charset="0"/>
-              </a:endParaRPr>
-            </a:p>
-          </p:txBody>
-        </p:sp>
-        <p:cxnSp>
-          <p:nvCxnSpPr>
-            <p:cNvPr id="32" name="Connecteur droit 31"/>
-            <p:cNvCxnSpPr>
-              <a:stCxn id="73" idx="0"/>
-            </p:cNvCxnSpPr>
-            <p:nvPr/>
-          </p:nvCxnSpPr>
-          <p:spPr>
-            <a:xfrm flipV="1">
-              <a:off x="1800639" y="2508250"/>
-              <a:ext cx="0" cy="218298"/>
-            </a:xfrm>
-            <a:prstGeom prst="line">
-              <a:avLst/>
-            </a:prstGeom>
-            <a:ln w="12700">
+              </a:rPr>
+              <a:t>tsp</a:t>
+            </a:r>
+            <a:endParaRPr lang="fr-FR" sz="900" i="1" dirty="0">
               <a:solidFill>
                 <a:schemeClr val="tx1"/>
               </a:solidFill>
-              <a:headEnd type="none" w="med" len="med"/>
-              <a:tailEnd type="none" w="med" len="med"/>
-            </a:ln>
-          </p:spPr>
-          <p:style>
-            <a:lnRef idx="1">
-              <a:schemeClr val="accent1"/>
-            </a:lnRef>
-            <a:fillRef idx="0">
-              <a:schemeClr val="accent1"/>
-            </a:fillRef>
-            <a:effectRef idx="0">
-              <a:schemeClr val="accent1"/>
-            </a:effectRef>
-            <a:fontRef idx="minor">
-              <a:schemeClr val="tx1"/>
-            </a:fontRef>
-          </p:style>
-        </p:cxnSp>
-        <p:cxnSp>
-          <p:nvCxnSpPr>
-            <p:cNvPr id="85" name="Connecteur droit 84"/>
-            <p:cNvCxnSpPr>
-              <a:stCxn id="83" idx="0"/>
-            </p:cNvCxnSpPr>
-            <p:nvPr/>
-          </p:nvCxnSpPr>
-          <p:spPr>
-            <a:xfrm flipV="1">
-              <a:off x="2628898" y="2508249"/>
-              <a:ext cx="0" cy="218298"/>
-            </a:xfrm>
-            <a:prstGeom prst="line">
-              <a:avLst/>
-            </a:prstGeom>
-            <a:ln w="12700">
-              <a:solidFill>
-                <a:schemeClr val="tx1"/>
-              </a:solidFill>
-              <a:headEnd type="none" w="med" len="med"/>
-              <a:tailEnd type="none" w="med" len="med"/>
-            </a:ln>
-          </p:spPr>
-          <p:style>
-            <a:lnRef idx="1">
-              <a:schemeClr val="accent1"/>
-            </a:lnRef>
-            <a:fillRef idx="0">
-              <a:schemeClr val="accent1"/>
-            </a:fillRef>
-            <a:effectRef idx="0">
-              <a:schemeClr val="accent1"/>
-            </a:effectRef>
-            <a:fontRef idx="minor">
-              <a:schemeClr val="tx1"/>
-            </a:fontRef>
-          </p:style>
-        </p:cxnSp>
-        <p:cxnSp>
-          <p:nvCxnSpPr>
-            <p:cNvPr id="87" name="Connecteur droit 86"/>
-            <p:cNvCxnSpPr>
-              <a:stCxn id="82" idx="0"/>
-            </p:cNvCxnSpPr>
-            <p:nvPr/>
-          </p:nvCxnSpPr>
-          <p:spPr>
-            <a:xfrm flipV="1">
-              <a:off x="972380" y="2508248"/>
-              <a:ext cx="0" cy="218510"/>
-            </a:xfrm>
-            <a:prstGeom prst="line">
-              <a:avLst/>
-            </a:prstGeom>
-            <a:ln w="12700">
-              <a:solidFill>
-                <a:schemeClr val="tx1"/>
-              </a:solidFill>
-              <a:headEnd type="none" w="med" len="med"/>
-              <a:tailEnd type="none" w="med" len="med"/>
-            </a:ln>
-          </p:spPr>
-          <p:style>
-            <a:lnRef idx="1">
-              <a:schemeClr val="accent1"/>
-            </a:lnRef>
-            <a:fillRef idx="0">
-              <a:schemeClr val="accent1"/>
-            </a:fillRef>
-            <a:effectRef idx="0">
-              <a:schemeClr val="accent1"/>
-            </a:effectRef>
-            <a:fontRef idx="minor">
-              <a:schemeClr val="tx1"/>
-            </a:fontRef>
-          </p:style>
-        </p:cxnSp>
-        <p:cxnSp>
-          <p:nvCxnSpPr>
-            <p:cNvPr id="21" name="Connecteur droit 20"/>
-            <p:cNvCxnSpPr/>
-            <p:nvPr/>
-          </p:nvCxnSpPr>
-          <p:spPr>
-            <a:xfrm>
-              <a:off x="651436" y="2489200"/>
-              <a:ext cx="2498164" cy="6350"/>
-            </a:xfrm>
-            <a:prstGeom prst="line">
-              <a:avLst/>
-            </a:prstGeom>
-            <a:ln w="44450" cmpd="dbl">
-              <a:solidFill>
-                <a:schemeClr val="tx1"/>
-              </a:solidFill>
-              <a:headEnd type="none" w="med" len="med"/>
-              <a:tailEnd type="none" w="med" len="med"/>
-            </a:ln>
-          </p:spPr>
-          <p:style>
-            <a:lnRef idx="1">
-              <a:schemeClr val="accent1"/>
-            </a:lnRef>
-            <a:fillRef idx="0">
-              <a:schemeClr val="accent1"/>
-            </a:fillRef>
-            <a:effectRef idx="0">
-              <a:schemeClr val="accent1"/>
-            </a:effectRef>
-            <a:fontRef idx="minor">
-              <a:schemeClr val="tx1"/>
-            </a:fontRef>
-          </p:style>
-        </p:cxnSp>
-        <p:cxnSp>
-          <p:nvCxnSpPr>
-            <p:cNvPr id="89" name="Connecteur droit 88"/>
-            <p:cNvCxnSpPr/>
-            <p:nvPr/>
-          </p:nvCxnSpPr>
-          <p:spPr>
-            <a:xfrm flipV="1">
-              <a:off x="2378075" y="2145265"/>
-              <a:ext cx="0" cy="327139"/>
-            </a:xfrm>
-            <a:prstGeom prst="line">
-              <a:avLst/>
-            </a:prstGeom>
-            <a:ln w="12700">
-              <a:solidFill>
-                <a:schemeClr val="tx1"/>
-              </a:solidFill>
-              <a:headEnd type="none" w="med" len="med"/>
-              <a:tailEnd type="none" w="med" len="med"/>
-            </a:ln>
-          </p:spPr>
-          <p:style>
-            <a:lnRef idx="1">
-              <a:schemeClr val="accent1"/>
-            </a:lnRef>
-            <a:fillRef idx="0">
-              <a:schemeClr val="accent1"/>
-            </a:fillRef>
-            <a:effectRef idx="0">
-              <a:schemeClr val="accent1"/>
-            </a:effectRef>
-            <a:fontRef idx="minor">
-              <a:schemeClr val="tx1"/>
-            </a:fontRef>
-          </p:style>
-        </p:cxnSp>
-        <p:sp>
-          <p:nvSpPr>
-            <p:cNvPr id="53" name="Arc 52"/>
-            <p:cNvSpPr/>
-            <p:nvPr/>
-          </p:nvSpPr>
-          <p:spPr>
-            <a:xfrm flipH="1">
-              <a:off x="1913543" y="2560407"/>
-              <a:ext cx="779643" cy="302889"/>
-            </a:xfrm>
-            <a:prstGeom prst="arc">
-              <a:avLst>
-                <a:gd name="adj1" fmla="val 16199986"/>
-                <a:gd name="adj2" fmla="val 146338"/>
-              </a:avLst>
-            </a:prstGeom>
-            <a:ln w="12700">
-              <a:solidFill>
-                <a:schemeClr val="tx1"/>
-              </a:solidFill>
-              <a:prstDash val="sysDot"/>
-              <a:headEnd type="triangle" w="med" len="med"/>
-              <a:tailEnd type="none" w="med" len="med"/>
-            </a:ln>
-          </p:spPr>
-          <p:style>
-            <a:lnRef idx="1">
-              <a:schemeClr val="accent1"/>
-            </a:lnRef>
-            <a:fillRef idx="0">
-              <a:schemeClr val="accent1"/>
-            </a:fillRef>
-            <a:effectRef idx="0">
-              <a:schemeClr val="accent1"/>
-            </a:effectRef>
-            <a:fontRef idx="minor">
-              <a:schemeClr val="tx1"/>
-            </a:fontRef>
-          </p:style>
-          <p:txBody>
-            <a:bodyPr rtlCol="0" anchor="ctr"/>
-            <a:lstStyle/>
-            <a:p>
-              <a:pPr algn="ctr"/>
-              <a:endParaRPr lang="en-US"/>
-            </a:p>
-          </p:txBody>
-        </p:sp>
-        <p:sp>
-          <p:nvSpPr>
-            <p:cNvPr id="98" name="Arc 97"/>
-            <p:cNvSpPr/>
-            <p:nvPr/>
-          </p:nvSpPr>
-          <p:spPr>
-            <a:xfrm>
-              <a:off x="974573" y="2567990"/>
-              <a:ext cx="779643" cy="302889"/>
-            </a:xfrm>
-            <a:prstGeom prst="arc">
-              <a:avLst>
-                <a:gd name="adj1" fmla="val 16199986"/>
-                <a:gd name="adj2" fmla="val 146338"/>
-              </a:avLst>
-            </a:prstGeom>
-            <a:ln w="12700">
-              <a:solidFill>
-                <a:schemeClr val="tx1"/>
-              </a:solidFill>
-              <a:prstDash val="sysDot"/>
-              <a:headEnd type="triangle" w="med" len="med"/>
-              <a:tailEnd type="none" w="med" len="med"/>
-            </a:ln>
-          </p:spPr>
-          <p:style>
-            <a:lnRef idx="1">
-              <a:schemeClr val="accent1"/>
-            </a:lnRef>
-            <a:fillRef idx="0">
-              <a:schemeClr val="accent1"/>
-            </a:fillRef>
-            <a:effectRef idx="0">
-              <a:schemeClr val="accent1"/>
-            </a:effectRef>
-            <a:fontRef idx="minor">
-              <a:schemeClr val="tx1"/>
-            </a:fontRef>
-          </p:style>
-          <p:txBody>
-            <a:bodyPr rtlCol="0" anchor="ctr"/>
-            <a:lstStyle/>
-            <a:p>
-              <a:pPr algn="ctr"/>
-              <a:endParaRPr lang="en-US"/>
-            </a:p>
-          </p:txBody>
-        </p:sp>
-        <p:sp>
-          <p:nvSpPr>
-            <p:cNvPr id="99" name="ZoneTexte 98"/>
-            <p:cNvSpPr txBox="1"/>
-            <p:nvPr/>
-          </p:nvSpPr>
-          <p:spPr>
-            <a:xfrm>
-              <a:off x="933124" y="2189054"/>
-              <a:ext cx="1113805" cy="276999"/>
-            </a:xfrm>
-            <a:prstGeom prst="rect">
-              <a:avLst/>
-            </a:prstGeom>
-            <a:noFill/>
-          </p:spPr>
-          <p:txBody>
-            <a:bodyPr wrap="square" lIns="0" tIns="0" rIns="36000" bIns="0" rtlCol="0">
-              <a:spAutoFit/>
-            </a:bodyPr>
-            <a:lstStyle/>
-            <a:p>
-              <a:pPr algn="ctr"/>
-              <a:r>
-                <a:rPr lang="fr-FR" sz="900" i="1" dirty="0" smtClean="0">
-                  <a:latin typeface="Cambria" panose="02040503050406030204" pitchFamily="18" charset="0"/>
-                  <a:ea typeface="Arial Rounded MT Bold" charset="0"/>
-                  <a:cs typeface="Arial Rounded MT Bold" charset="0"/>
-                </a:rPr>
-                <a:t>Multicast to 224.250.250.1 : 9000</a:t>
-              </a:r>
-              <a:endParaRPr lang="fr-FR" sz="900" i="1" dirty="0">
-                <a:latin typeface="Cambria" panose="02040503050406030204" pitchFamily="18" charset="0"/>
-                <a:ea typeface="Arial Rounded MT Bold" charset="0"/>
-                <a:cs typeface="Arial Rounded MT Bold" charset="0"/>
-              </a:endParaRPr>
-            </a:p>
-          </p:txBody>
-        </p:sp>
-        <p:sp>
-          <p:nvSpPr>
-            <p:cNvPr id="105" name="ZoneTexte 104"/>
-            <p:cNvSpPr txBox="1"/>
-            <p:nvPr/>
-          </p:nvSpPr>
-          <p:spPr>
-            <a:xfrm>
-              <a:off x="3782048" y="2287525"/>
-              <a:ext cx="590623" cy="138499"/>
-            </a:xfrm>
-            <a:prstGeom prst="rect">
-              <a:avLst/>
-            </a:prstGeom>
-            <a:noFill/>
-          </p:spPr>
-          <p:txBody>
-            <a:bodyPr wrap="square" lIns="0" tIns="0" rIns="36000" bIns="0" rtlCol="0">
-              <a:spAutoFit/>
-            </a:bodyPr>
-            <a:lstStyle/>
-            <a:p>
-              <a:pPr algn="ctr"/>
-              <a:r>
-                <a:rPr lang="fr-FR" sz="900" i="1" dirty="0" smtClean="0">
-                  <a:latin typeface="Cambria" panose="02040503050406030204" pitchFamily="18" charset="0"/>
-                  <a:ea typeface="Arial Rounded MT Bold" charset="0"/>
-                  <a:cs typeface="Arial Rounded MT Bold" charset="0"/>
-                </a:rPr>
-                <a:t>Network 2</a:t>
-              </a:r>
-              <a:endParaRPr lang="fr-FR" sz="900" i="1" dirty="0">
-                <a:latin typeface="Cambria" panose="02040503050406030204" pitchFamily="18" charset="0"/>
-                <a:ea typeface="Arial Rounded MT Bold" charset="0"/>
-                <a:cs typeface="Arial Rounded MT Bold" charset="0"/>
-              </a:endParaRPr>
-            </a:p>
-          </p:txBody>
-        </p:sp>
-        <p:sp>
-          <p:nvSpPr>
-            <p:cNvPr id="106" name="Rectangle à coins arrondis 105"/>
-            <p:cNvSpPr/>
-            <p:nvPr/>
-          </p:nvSpPr>
-          <p:spPr>
-            <a:xfrm>
-              <a:off x="3984184" y="2720408"/>
-              <a:ext cx="578914" cy="257241"/>
-            </a:xfrm>
-            <a:prstGeom prst="roundRect">
-              <a:avLst>
-                <a:gd name="adj" fmla="val 3969"/>
-              </a:avLst>
-            </a:prstGeom>
+              <a:latin typeface="Cambria" panose="02040503050406030204" pitchFamily="18" charset="0"/>
+              <a:ea typeface="Arial Rounded MT Bold" charset="0"/>
+              <a:cs typeface="Arial Rounded MT Bold" charset="0"/>
+            </a:endParaRPr>
+          </a:p>
+        </p:txBody>
+      </p:sp>
+      <p:sp>
+        <p:nvSpPr>
+          <p:cNvPr id="80" name="Rectangle à coins arrondis 79"/>
+          <p:cNvSpPr/>
+          <p:nvPr/>
+        </p:nvSpPr>
+        <p:spPr>
+          <a:xfrm>
+            <a:off x="2593782" y="1617649"/>
+            <a:ext cx="643658" cy="377331"/>
+          </a:xfrm>
+          <a:prstGeom prst="roundRect">
+            <a:avLst/>
+          </a:prstGeom>
+          <a:solidFill>
+            <a:schemeClr val="accent6">
+              <a:lumMod val="40000"/>
+              <a:lumOff val="60000"/>
+            </a:schemeClr>
+          </a:solidFill>
+          <a:ln>
             <a:solidFill>
-              <a:srgbClr val="1F8A4C"/>
+              <a:schemeClr val="bg1"/>
             </a:solidFill>
-            <a:ln>
-              <a:noFill/>
-            </a:ln>
-          </p:spPr>
-          <p:style>
-            <a:lnRef idx="2">
-              <a:schemeClr val="accent1">
-                <a:shade val="50000"/>
-              </a:schemeClr>
-            </a:lnRef>
-            <a:fillRef idx="1">
-              <a:schemeClr val="accent1"/>
-            </a:fillRef>
-            <a:effectRef idx="0">
-              <a:schemeClr val="accent1"/>
-            </a:effectRef>
-            <a:fontRef idx="minor">
-              <a:schemeClr val="lt1"/>
-            </a:fontRef>
-          </p:style>
-          <p:txBody>
-            <a:bodyPr tIns="0" rtlCol="0" anchor="ctr" anchorCtr="0"/>
-            <a:lstStyle/>
-            <a:p>
-              <a:pPr algn="ctr"/>
-              <a:r>
-                <a:rPr lang="fr-FR" sz="1000" b="1" dirty="0" smtClean="0">
-                  <a:latin typeface="Cambria" panose="02040503050406030204" pitchFamily="18" charset="0"/>
-                  <a:ea typeface="Arial Rounded MT Bold" charset="0"/>
-                  <a:cs typeface="Arial Rounded MT Bold" charset="0"/>
-                </a:rPr>
-                <a:t>STB</a:t>
-              </a:r>
-              <a:endParaRPr lang="fr-FR" sz="1000" b="1" dirty="0">
-                <a:latin typeface="Cambria" panose="02040503050406030204" pitchFamily="18" charset="0"/>
-                <a:ea typeface="Arial Rounded MT Bold" charset="0"/>
-                <a:cs typeface="Arial Rounded MT Bold" charset="0"/>
-              </a:endParaRPr>
-            </a:p>
-          </p:txBody>
-        </p:sp>
-        <p:sp>
-          <p:nvSpPr>
-            <p:cNvPr id="107" name="Rectangle à coins arrondis 106"/>
-            <p:cNvSpPr/>
-            <p:nvPr/>
-          </p:nvSpPr>
-          <p:spPr>
-            <a:xfrm>
-              <a:off x="5297802" y="2720197"/>
-              <a:ext cx="578914" cy="257241"/>
-            </a:xfrm>
-            <a:prstGeom prst="roundRect">
-              <a:avLst>
-                <a:gd name="adj" fmla="val 3969"/>
-              </a:avLst>
-            </a:prstGeom>
-            <a:solidFill>
-              <a:srgbClr val="1F8A4C"/>
-            </a:solidFill>
-            <a:ln>
-              <a:noFill/>
-            </a:ln>
-          </p:spPr>
-          <p:style>
-            <a:lnRef idx="2">
-              <a:schemeClr val="accent1">
-                <a:shade val="50000"/>
-              </a:schemeClr>
-            </a:lnRef>
-            <a:fillRef idx="1">
-              <a:schemeClr val="accent1"/>
-            </a:fillRef>
-            <a:effectRef idx="0">
-              <a:schemeClr val="accent1"/>
-            </a:effectRef>
-            <a:fontRef idx="minor">
-              <a:schemeClr val="lt1"/>
-            </a:fontRef>
-          </p:style>
-          <p:txBody>
-            <a:bodyPr tIns="0" rtlCol="0" anchor="ctr" anchorCtr="0"/>
-            <a:lstStyle/>
-            <a:p>
-              <a:pPr algn="ctr"/>
-              <a:r>
-                <a:rPr lang="fr-FR" sz="1000" b="1" dirty="0" smtClean="0">
-                  <a:latin typeface="Cambria" panose="02040503050406030204" pitchFamily="18" charset="0"/>
-                  <a:ea typeface="Arial Rounded MT Bold" charset="0"/>
-                  <a:cs typeface="Arial Rounded MT Bold" charset="0"/>
-                </a:rPr>
-                <a:t>STB</a:t>
-              </a:r>
-              <a:endParaRPr lang="fr-FR" sz="1000" b="1" dirty="0">
-                <a:latin typeface="Cambria" panose="02040503050406030204" pitchFamily="18" charset="0"/>
-                <a:ea typeface="Arial Rounded MT Bold" charset="0"/>
-                <a:cs typeface="Arial Rounded MT Bold" charset="0"/>
-              </a:endParaRPr>
-            </a:p>
-          </p:txBody>
-        </p:sp>
-        <p:cxnSp>
-          <p:nvCxnSpPr>
-            <p:cNvPr id="109" name="Connecteur droit 108"/>
-            <p:cNvCxnSpPr>
-              <a:stCxn id="107" idx="0"/>
-            </p:cNvCxnSpPr>
-            <p:nvPr/>
-          </p:nvCxnSpPr>
-          <p:spPr>
-            <a:xfrm flipV="1">
-              <a:off x="5587259" y="2501899"/>
-              <a:ext cx="0" cy="218298"/>
-            </a:xfrm>
-            <a:prstGeom prst="line">
-              <a:avLst/>
-            </a:prstGeom>
-            <a:ln w="12700">
-              <a:solidFill>
-                <a:schemeClr val="tx1"/>
-              </a:solidFill>
-              <a:headEnd type="none" w="med" len="med"/>
-              <a:tailEnd type="none" w="med" len="med"/>
-            </a:ln>
-          </p:spPr>
-          <p:style>
-            <a:lnRef idx="1">
-              <a:schemeClr val="accent1"/>
-            </a:lnRef>
-            <a:fillRef idx="0">
-              <a:schemeClr val="accent1"/>
-            </a:fillRef>
-            <a:effectRef idx="0">
-              <a:schemeClr val="accent1"/>
-            </a:effectRef>
-            <a:fontRef idx="minor">
-              <a:schemeClr val="tx1"/>
-            </a:fontRef>
-          </p:style>
-        </p:cxnSp>
-        <p:cxnSp>
-          <p:nvCxnSpPr>
-            <p:cNvPr id="110" name="Connecteur droit 109"/>
-            <p:cNvCxnSpPr>
-              <a:stCxn id="106" idx="0"/>
-            </p:cNvCxnSpPr>
-            <p:nvPr/>
-          </p:nvCxnSpPr>
-          <p:spPr>
-            <a:xfrm flipV="1">
-              <a:off x="4273641" y="2501898"/>
-              <a:ext cx="0" cy="218510"/>
-            </a:xfrm>
-            <a:prstGeom prst="line">
-              <a:avLst/>
-            </a:prstGeom>
-            <a:ln w="12700">
-              <a:solidFill>
-                <a:schemeClr val="tx1"/>
-              </a:solidFill>
-              <a:headEnd type="none" w="med" len="med"/>
-              <a:tailEnd type="none" w="med" len="med"/>
-            </a:ln>
-          </p:spPr>
-          <p:style>
-            <a:lnRef idx="1">
-              <a:schemeClr val="accent1"/>
-            </a:lnRef>
-            <a:fillRef idx="0">
-              <a:schemeClr val="accent1"/>
-            </a:fillRef>
-            <a:effectRef idx="0">
-              <a:schemeClr val="accent1"/>
-            </a:effectRef>
-            <a:fontRef idx="minor">
-              <a:schemeClr val="tx1"/>
-            </a:fontRef>
-          </p:style>
-        </p:cxnSp>
-        <p:cxnSp>
-          <p:nvCxnSpPr>
-            <p:cNvPr id="111" name="Connecteur droit 110"/>
-            <p:cNvCxnSpPr/>
-            <p:nvPr/>
-          </p:nvCxnSpPr>
-          <p:spPr>
-            <a:xfrm>
-              <a:off x="3795560" y="2489200"/>
-              <a:ext cx="2424265" cy="0"/>
-            </a:xfrm>
-            <a:prstGeom prst="line">
-              <a:avLst/>
-            </a:prstGeom>
-            <a:ln w="44450" cmpd="dbl">
-              <a:solidFill>
-                <a:schemeClr val="tx1"/>
-              </a:solidFill>
-              <a:headEnd type="none" w="med" len="med"/>
-              <a:tailEnd type="none" w="med" len="med"/>
-            </a:ln>
-          </p:spPr>
-          <p:style>
-            <a:lnRef idx="1">
-              <a:schemeClr val="accent1"/>
-            </a:lnRef>
-            <a:fillRef idx="0">
-              <a:schemeClr val="accent1"/>
-            </a:fillRef>
-            <a:effectRef idx="0">
-              <a:schemeClr val="accent1"/>
-            </a:effectRef>
-            <a:fontRef idx="minor">
-              <a:schemeClr val="tx1"/>
-            </a:fontRef>
-          </p:style>
-        </p:cxnSp>
-        <p:cxnSp>
-          <p:nvCxnSpPr>
-            <p:cNvPr id="112" name="Connecteur droit 111"/>
-            <p:cNvCxnSpPr/>
-            <p:nvPr/>
-          </p:nvCxnSpPr>
-          <p:spPr>
-            <a:xfrm flipV="1">
-              <a:off x="5120180" y="2145265"/>
-              <a:ext cx="0" cy="324879"/>
-            </a:xfrm>
-            <a:prstGeom prst="line">
-              <a:avLst/>
-            </a:prstGeom>
-            <a:ln w="12700">
-              <a:solidFill>
-                <a:schemeClr val="tx1"/>
-              </a:solidFill>
-              <a:headEnd type="none" w="med" len="med"/>
-              <a:tailEnd type="none" w="med" len="med"/>
-            </a:ln>
-          </p:spPr>
-          <p:style>
-            <a:lnRef idx="1">
-              <a:schemeClr val="accent1"/>
-            </a:lnRef>
-            <a:fillRef idx="0">
-              <a:schemeClr val="accent1"/>
-            </a:fillRef>
-            <a:effectRef idx="0">
-              <a:schemeClr val="accent1"/>
-            </a:effectRef>
-            <a:fontRef idx="minor">
-              <a:schemeClr val="tx1"/>
-            </a:fontRef>
-          </p:style>
-        </p:cxnSp>
-        <p:sp>
-          <p:nvSpPr>
-            <p:cNvPr id="113" name="Arc 112"/>
-            <p:cNvSpPr/>
-            <p:nvPr/>
-          </p:nvSpPr>
-          <p:spPr>
-            <a:xfrm flipH="1" flipV="1">
-              <a:off x="5121157" y="1995257"/>
-              <a:ext cx="779643" cy="302889"/>
-            </a:xfrm>
-            <a:prstGeom prst="arc">
-              <a:avLst>
-                <a:gd name="adj1" fmla="val 16199986"/>
-                <a:gd name="adj2" fmla="val 146338"/>
-              </a:avLst>
-            </a:prstGeom>
-            <a:ln w="12700">
-              <a:solidFill>
-                <a:schemeClr val="tx1"/>
-              </a:solidFill>
-              <a:prstDash val="sysDot"/>
-              <a:headEnd type="triangle" w="med" len="med"/>
-              <a:tailEnd type="none" w="med" len="med"/>
-            </a:ln>
-          </p:spPr>
-          <p:style>
-            <a:lnRef idx="1">
-              <a:schemeClr val="accent1"/>
-            </a:lnRef>
-            <a:fillRef idx="0">
-              <a:schemeClr val="accent1"/>
-            </a:fillRef>
-            <a:effectRef idx="0">
-              <a:schemeClr val="accent1"/>
-            </a:effectRef>
-            <a:fontRef idx="minor">
-              <a:schemeClr val="tx1"/>
-            </a:fontRef>
-          </p:style>
-          <p:txBody>
-            <a:bodyPr rtlCol="0" anchor="ctr"/>
-            <a:lstStyle/>
-            <a:p>
-              <a:pPr algn="ctr"/>
-              <a:endParaRPr lang="en-US"/>
-            </a:p>
-          </p:txBody>
-        </p:sp>
-        <p:sp>
-          <p:nvSpPr>
-            <p:cNvPr id="114" name="Arc 113"/>
-            <p:cNvSpPr/>
-            <p:nvPr/>
-          </p:nvSpPr>
-          <p:spPr>
-            <a:xfrm flipV="1">
-              <a:off x="4339360" y="2002840"/>
-              <a:ext cx="779643" cy="302889"/>
-            </a:xfrm>
-            <a:prstGeom prst="arc">
-              <a:avLst>
-                <a:gd name="adj1" fmla="val 16199986"/>
-                <a:gd name="adj2" fmla="val 146338"/>
-              </a:avLst>
-            </a:prstGeom>
-            <a:ln w="12700">
-              <a:solidFill>
-                <a:schemeClr val="tx1"/>
-              </a:solidFill>
-              <a:prstDash val="sysDot"/>
-              <a:headEnd type="triangle" w="med" len="med"/>
-              <a:tailEnd type="none" w="med" len="med"/>
-            </a:ln>
-          </p:spPr>
-          <p:style>
-            <a:lnRef idx="1">
-              <a:schemeClr val="accent1"/>
-            </a:lnRef>
-            <a:fillRef idx="0">
-              <a:schemeClr val="accent1"/>
-            </a:fillRef>
-            <a:effectRef idx="0">
-              <a:schemeClr val="accent1"/>
-            </a:effectRef>
-            <a:fontRef idx="minor">
-              <a:schemeClr val="tx1"/>
-            </a:fontRef>
-          </p:style>
-          <p:txBody>
-            <a:bodyPr rtlCol="0" anchor="ctr"/>
-            <a:lstStyle/>
-            <a:p>
-              <a:pPr algn="ctr"/>
-              <a:endParaRPr lang="en-US"/>
-            </a:p>
-          </p:txBody>
-        </p:sp>
-        <p:sp>
-          <p:nvSpPr>
-            <p:cNvPr id="115" name="ZoneTexte 114"/>
-            <p:cNvSpPr txBox="1"/>
-            <p:nvPr/>
-          </p:nvSpPr>
-          <p:spPr>
-            <a:xfrm>
-              <a:off x="5449708" y="2191455"/>
-              <a:ext cx="772788" cy="276999"/>
-            </a:xfrm>
-            <a:prstGeom prst="rect">
-              <a:avLst/>
-            </a:prstGeom>
-            <a:noFill/>
-          </p:spPr>
-          <p:txBody>
-            <a:bodyPr wrap="square" lIns="0" tIns="0" rIns="0" bIns="0" rtlCol="0">
-              <a:spAutoFit/>
-            </a:bodyPr>
-            <a:lstStyle/>
-            <a:p>
-              <a:pPr algn="ctr"/>
-              <a:r>
-                <a:rPr lang="fr-FR" sz="900" i="1" dirty="0" smtClean="0">
-                  <a:latin typeface="Cambria" panose="02040503050406030204" pitchFamily="18" charset="0"/>
-                  <a:ea typeface="Arial Rounded MT Bold" charset="0"/>
-                  <a:cs typeface="Arial Rounded MT Bold" charset="0"/>
-                </a:rPr>
-                <a:t>Multicast </a:t>
-              </a:r>
-              <a:r>
-                <a:rPr lang="fr-FR" sz="900" i="1" dirty="0">
-                  <a:latin typeface="Cambria" panose="02040503050406030204" pitchFamily="18" charset="0"/>
-                  <a:ea typeface="Arial Rounded MT Bold" charset="0"/>
-                  <a:cs typeface="Arial Rounded MT Bold" charset="0"/>
-                </a:rPr>
-                <a:t>to 230.2.3.4</a:t>
-              </a:r>
-              <a:r>
-                <a:rPr lang="fr-FR" sz="900" i="1" dirty="0" smtClean="0">
-                  <a:latin typeface="Cambria" panose="02040503050406030204" pitchFamily="18" charset="0"/>
-                  <a:ea typeface="Arial Rounded MT Bold" charset="0"/>
-                  <a:cs typeface="Arial Rounded MT Bold" charset="0"/>
-                </a:rPr>
-                <a:t> : 7000</a:t>
-              </a:r>
-              <a:endParaRPr lang="fr-FR" sz="900" i="1" dirty="0">
-                <a:latin typeface="Cambria" panose="02040503050406030204" pitchFamily="18" charset="0"/>
-                <a:ea typeface="Arial Rounded MT Bold" charset="0"/>
-                <a:cs typeface="Arial Rounded MT Bold" charset="0"/>
-              </a:endParaRPr>
-            </a:p>
-          </p:txBody>
-        </p:sp>
-        <p:sp>
-          <p:nvSpPr>
-            <p:cNvPr id="116" name="Rectangle à coins arrondis 115"/>
-            <p:cNvSpPr/>
-            <p:nvPr/>
-          </p:nvSpPr>
-          <p:spPr>
-            <a:xfrm>
-              <a:off x="4632266" y="2725784"/>
-              <a:ext cx="578914" cy="257241"/>
-            </a:xfrm>
-            <a:prstGeom prst="roundRect">
-              <a:avLst>
-                <a:gd name="adj" fmla="val 3969"/>
-              </a:avLst>
-            </a:prstGeom>
-            <a:solidFill>
-              <a:srgbClr val="1F8A4C"/>
-            </a:solidFill>
-            <a:ln>
-              <a:noFill/>
-            </a:ln>
-          </p:spPr>
-          <p:style>
-            <a:lnRef idx="2">
-              <a:schemeClr val="accent1">
-                <a:shade val="50000"/>
-              </a:schemeClr>
-            </a:lnRef>
-            <a:fillRef idx="1">
-              <a:schemeClr val="accent1"/>
-            </a:fillRef>
-            <a:effectRef idx="0">
-              <a:schemeClr val="accent1"/>
-            </a:effectRef>
-            <a:fontRef idx="minor">
-              <a:schemeClr val="lt1"/>
-            </a:fontRef>
-          </p:style>
-          <p:txBody>
-            <a:bodyPr tIns="0" rtlCol="0" anchor="ctr" anchorCtr="0"/>
-            <a:lstStyle/>
-            <a:p>
-              <a:pPr algn="ctr"/>
-              <a:r>
-                <a:rPr lang="fr-FR" sz="1000" b="1" dirty="0" smtClean="0">
-                  <a:latin typeface="Cambria" panose="02040503050406030204" pitchFamily="18" charset="0"/>
-                  <a:ea typeface="Arial Rounded MT Bold" charset="0"/>
-                  <a:cs typeface="Arial Rounded MT Bold" charset="0"/>
-                </a:rPr>
-                <a:t>STB</a:t>
-              </a:r>
-              <a:endParaRPr lang="fr-FR" sz="1000" b="1" dirty="0">
-                <a:latin typeface="Cambria" panose="02040503050406030204" pitchFamily="18" charset="0"/>
-                <a:ea typeface="Arial Rounded MT Bold" charset="0"/>
-                <a:cs typeface="Arial Rounded MT Bold" charset="0"/>
-              </a:endParaRPr>
-            </a:p>
-          </p:txBody>
-        </p:sp>
-        <p:cxnSp>
-          <p:nvCxnSpPr>
-            <p:cNvPr id="117" name="Connecteur droit 116"/>
-            <p:cNvCxnSpPr>
-              <a:stCxn id="116" idx="0"/>
-            </p:cNvCxnSpPr>
-            <p:nvPr/>
-          </p:nvCxnSpPr>
-          <p:spPr>
-            <a:xfrm flipV="1">
-              <a:off x="4921723" y="2507486"/>
-              <a:ext cx="0" cy="218298"/>
-            </a:xfrm>
-            <a:prstGeom prst="line">
-              <a:avLst/>
-            </a:prstGeom>
-            <a:ln w="12700">
-              <a:solidFill>
-                <a:schemeClr val="tx1"/>
-              </a:solidFill>
-              <a:headEnd type="none" w="med" len="med"/>
-              <a:tailEnd type="none" w="med" len="med"/>
-            </a:ln>
-          </p:spPr>
-          <p:style>
-            <a:lnRef idx="1">
-              <a:schemeClr val="accent1"/>
-            </a:lnRef>
-            <a:fillRef idx="0">
-              <a:schemeClr val="accent1"/>
-            </a:fillRef>
-            <a:effectRef idx="0">
-              <a:schemeClr val="accent1"/>
-            </a:effectRef>
-            <a:fontRef idx="minor">
-              <a:schemeClr val="tx1"/>
-            </a:fontRef>
-          </p:style>
-        </p:cxnSp>
-        <p:cxnSp>
-          <p:nvCxnSpPr>
-            <p:cNvPr id="120" name="Connecteur droit 119"/>
-            <p:cNvCxnSpPr>
-              <a:stCxn id="69" idx="1"/>
-            </p:cNvCxnSpPr>
-            <p:nvPr/>
-          </p:nvCxnSpPr>
-          <p:spPr>
-            <a:xfrm flipH="1" flipV="1">
-              <a:off x="3517900" y="1727595"/>
-              <a:ext cx="574049" cy="78719"/>
-            </a:xfrm>
-            <a:prstGeom prst="line">
-              <a:avLst/>
-            </a:prstGeom>
-            <a:ln w="22225">
-              <a:solidFill>
-                <a:schemeClr val="tx1"/>
-              </a:solidFill>
-              <a:headEnd type="triangle" w="med" len="med"/>
-              <a:tailEnd type="none" w="med" len="med"/>
-            </a:ln>
-          </p:spPr>
-          <p:style>
-            <a:lnRef idx="1">
-              <a:schemeClr val="accent1"/>
-            </a:lnRef>
-            <a:fillRef idx="0">
-              <a:schemeClr val="accent1"/>
-            </a:fillRef>
-            <a:effectRef idx="0">
-              <a:schemeClr val="accent1"/>
-            </a:effectRef>
-            <a:fontRef idx="minor">
-              <a:schemeClr val="tx1"/>
-            </a:fontRef>
-          </p:style>
-        </p:cxnSp>
-        <p:cxnSp>
-          <p:nvCxnSpPr>
-            <p:cNvPr id="126" name="Connecteur droit 125"/>
-            <p:cNvCxnSpPr/>
-            <p:nvPr/>
-          </p:nvCxnSpPr>
-          <p:spPr>
-            <a:xfrm flipH="1" flipV="1">
-              <a:off x="3517900" y="1727595"/>
-              <a:ext cx="155575" cy="157438"/>
-            </a:xfrm>
-            <a:prstGeom prst="line">
-              <a:avLst/>
-            </a:prstGeom>
-            <a:ln w="22225">
-              <a:solidFill>
-                <a:schemeClr val="tx1"/>
-              </a:solidFill>
-              <a:headEnd type="none" w="med" len="med"/>
-              <a:tailEnd type="none" w="med" len="med"/>
-            </a:ln>
-          </p:spPr>
-          <p:style>
-            <a:lnRef idx="1">
-              <a:schemeClr val="accent1"/>
-            </a:lnRef>
-            <a:fillRef idx="0">
-              <a:schemeClr val="accent1"/>
-            </a:fillRef>
-            <a:effectRef idx="0">
-              <a:schemeClr val="accent1"/>
-            </a:effectRef>
-            <a:fontRef idx="minor">
-              <a:schemeClr val="tx1"/>
-            </a:fontRef>
-          </p:style>
-        </p:cxnSp>
-        <p:sp>
-          <p:nvSpPr>
-            <p:cNvPr id="129" name="ZoneTexte 128"/>
-            <p:cNvSpPr txBox="1"/>
-            <p:nvPr/>
-          </p:nvSpPr>
-          <p:spPr>
-            <a:xfrm>
-              <a:off x="3071587" y="1155097"/>
-              <a:ext cx="1178426" cy="415498"/>
-            </a:xfrm>
-            <a:prstGeom prst="rect">
-              <a:avLst/>
-            </a:prstGeom>
-            <a:noFill/>
-          </p:spPr>
-          <p:txBody>
-            <a:bodyPr wrap="square" lIns="0" tIns="0" rIns="36000" bIns="0" rtlCol="0">
-              <a:spAutoFit/>
-            </a:bodyPr>
-            <a:lstStyle/>
-            <a:p>
-              <a:pPr algn="ctr"/>
-              <a:r>
-                <a:rPr lang="fr-FR" sz="900" i="1" dirty="0" smtClean="0">
-                  <a:latin typeface="Cambria" panose="02040503050406030204" pitchFamily="18" charset="0"/>
-                  <a:ea typeface="Arial Rounded MT Bold" charset="0"/>
-                  <a:cs typeface="Arial Rounded MT Bold" charset="0"/>
-                </a:rPr>
-                <a:t>MPE encapsulation, </a:t>
-              </a:r>
-              <a:r>
-                <a:rPr lang="fr-FR" sz="900" i="1" dirty="0" err="1" smtClean="0">
-                  <a:latin typeface="Cambria" panose="02040503050406030204" pitchFamily="18" charset="0"/>
-                  <a:ea typeface="Arial Rounded MT Bold" charset="0"/>
-                  <a:cs typeface="Arial Rounded MT Bold" charset="0"/>
-                </a:rPr>
-                <a:t>forged</a:t>
-              </a:r>
-              <a:r>
-                <a:rPr lang="fr-FR" sz="900" i="1" dirty="0" smtClean="0">
-                  <a:latin typeface="Cambria" panose="02040503050406030204" pitchFamily="18" charset="0"/>
-                  <a:ea typeface="Arial Rounded MT Bold" charset="0"/>
-                  <a:cs typeface="Arial Rounded MT Bold" charset="0"/>
-                </a:rPr>
-                <a:t> destination: 230.2.3.4 : 7000</a:t>
-              </a:r>
-              <a:endParaRPr lang="fr-FR" sz="900" i="1" dirty="0">
-                <a:latin typeface="Cambria" panose="02040503050406030204" pitchFamily="18" charset="0"/>
-                <a:ea typeface="Arial Rounded MT Bold" charset="0"/>
-                <a:cs typeface="Arial Rounded MT Bold" charset="0"/>
-              </a:endParaRPr>
-            </a:p>
-          </p:txBody>
-        </p:sp>
-        <p:cxnSp>
-          <p:nvCxnSpPr>
-            <p:cNvPr id="40" name="Connecteur droit 39"/>
-            <p:cNvCxnSpPr>
-              <a:stCxn id="41" idx="3"/>
-              <a:endCxn id="79" idx="2"/>
-            </p:cNvCxnSpPr>
-            <p:nvPr/>
-          </p:nvCxnSpPr>
-          <p:spPr>
-            <a:xfrm flipV="1">
-              <a:off x="1703233" y="1806314"/>
-              <a:ext cx="170109" cy="7861"/>
-            </a:xfrm>
-            <a:prstGeom prst="line">
-              <a:avLst/>
-            </a:prstGeom>
-            <a:ln w="12700">
-              <a:solidFill>
-                <a:schemeClr val="tx1"/>
-              </a:solidFill>
-            </a:ln>
-          </p:spPr>
-          <p:style>
-            <a:lnRef idx="1">
-              <a:schemeClr val="accent1"/>
-            </a:lnRef>
-            <a:fillRef idx="0">
-              <a:schemeClr val="accent1"/>
-            </a:fillRef>
-            <a:effectRef idx="0">
-              <a:schemeClr val="accent1"/>
-            </a:effectRef>
-            <a:fontRef idx="minor">
-              <a:schemeClr val="tx1"/>
-            </a:fontRef>
-          </p:style>
-        </p:cxnSp>
-        <p:sp>
-          <p:nvSpPr>
-            <p:cNvPr id="41" name="Rectangle à coins arrondis 40"/>
-            <p:cNvSpPr/>
-            <p:nvPr/>
-          </p:nvSpPr>
-          <p:spPr>
-            <a:xfrm>
-              <a:off x="1118089" y="1625509"/>
-              <a:ext cx="585144" cy="377331"/>
-            </a:xfrm>
-            <a:prstGeom prst="roundRect">
-              <a:avLst/>
-            </a:prstGeom>
-            <a:solidFill>
-              <a:schemeClr val="accent6">
-                <a:lumMod val="40000"/>
-                <a:lumOff val="60000"/>
-              </a:schemeClr>
-            </a:solidFill>
-            <a:ln>
-              <a:solidFill>
-                <a:schemeClr val="bg1"/>
-              </a:solidFill>
-            </a:ln>
-          </p:spPr>
-          <p:style>
-            <a:lnRef idx="2">
-              <a:schemeClr val="accent1">
-                <a:shade val="50000"/>
-              </a:schemeClr>
-            </a:lnRef>
-            <a:fillRef idx="1">
-              <a:schemeClr val="accent1"/>
-            </a:fillRef>
-            <a:effectRef idx="0">
-              <a:schemeClr val="accent1"/>
-            </a:effectRef>
-            <a:fontRef idx="minor">
-              <a:schemeClr val="lt1"/>
-            </a:fontRef>
-          </p:style>
-          <p:txBody>
-            <a:bodyPr lIns="36000" rIns="36000" rtlCol="0" anchor="ctr"/>
-            <a:lstStyle/>
-            <a:p>
-              <a:pPr algn="ctr"/>
-              <a:r>
-                <a:rPr lang="fr-FR" sz="900" dirty="0" smtClean="0">
-                  <a:solidFill>
-                    <a:schemeClr val="tx1"/>
-                  </a:solidFill>
-                  <a:latin typeface="Cambria" panose="02040503050406030204" pitchFamily="18" charset="0"/>
-                  <a:ea typeface="Arial Rounded MT Bold" charset="0"/>
-                  <a:cs typeface="Arial Rounded MT Bold" charset="0"/>
-                </a:rPr>
-                <a:t>DVB</a:t>
-              </a:r>
-            </a:p>
-            <a:p>
-              <a:pPr algn="ctr"/>
-              <a:r>
-                <a:rPr lang="fr-FR" sz="900" dirty="0" smtClean="0">
-                  <a:solidFill>
-                    <a:schemeClr val="tx1"/>
-                  </a:solidFill>
-                  <a:latin typeface="Cambria" panose="02040503050406030204" pitchFamily="18" charset="0"/>
-                  <a:ea typeface="Arial Rounded MT Bold" charset="0"/>
-                  <a:cs typeface="Arial Rounded MT Bold" charset="0"/>
-                </a:rPr>
-                <a:t>tuner</a:t>
-              </a:r>
-              <a:endParaRPr lang="fr-FR" sz="900" dirty="0">
+          </a:ln>
+        </p:spPr>
+        <p:style>
+          <a:lnRef idx="2">
+            <a:schemeClr val="accent1">
+              <a:shade val="50000"/>
+            </a:schemeClr>
+          </a:lnRef>
+          <a:fillRef idx="1">
+            <a:schemeClr val="accent1"/>
+          </a:fillRef>
+          <a:effectRef idx="0">
+            <a:schemeClr val="accent1"/>
+          </a:effectRef>
+          <a:fontRef idx="minor">
+            <a:schemeClr val="lt1"/>
+          </a:fontRef>
+        </p:style>
+        <p:txBody>
+          <a:bodyPr lIns="36000" rIns="36000" rtlCol="0" anchor="ctr"/>
+          <a:lstStyle/>
+          <a:p>
+            <a:pPr algn="ctr"/>
+            <a:r>
+              <a:rPr lang="fr-FR" sz="900" dirty="0">
                 <a:solidFill>
                   <a:schemeClr val="tx1"/>
                 </a:solidFill>
                 <a:latin typeface="Cambria" panose="02040503050406030204" pitchFamily="18" charset="0"/>
                 <a:ea typeface="Arial Rounded MT Bold" charset="0"/>
                 <a:cs typeface="Arial Rounded MT Bold" charset="0"/>
-              </a:endParaRPr>
-            </a:p>
-          </p:txBody>
-        </p:sp>
-        <p:cxnSp>
-          <p:nvCxnSpPr>
-            <p:cNvPr id="6" name="Connecteur en angle 5"/>
-            <p:cNvCxnSpPr>
-              <a:endCxn id="79" idx="4"/>
-            </p:cNvCxnSpPr>
-            <p:nvPr/>
-          </p:nvCxnSpPr>
-          <p:spPr>
-            <a:xfrm rot="5400000" flipH="1" flipV="1">
-              <a:off x="1621227" y="2200316"/>
-              <a:ext cx="762797" cy="289671"/>
-            </a:xfrm>
-            <a:prstGeom prst="curvedConnector3">
-              <a:avLst>
-                <a:gd name="adj1" fmla="val 21696"/>
-              </a:avLst>
-            </a:prstGeom>
-            <a:ln w="12700">
-              <a:solidFill>
-                <a:schemeClr val="tx1"/>
-              </a:solidFill>
-              <a:prstDash val="sysDot"/>
-              <a:headEnd type="none" w="med" len="med"/>
-              <a:tailEnd type="triangle" w="med" len="med"/>
-            </a:ln>
-          </p:spPr>
-          <p:style>
-            <a:lnRef idx="1">
-              <a:schemeClr val="accent1"/>
-            </a:lnRef>
-            <a:fillRef idx="0">
-              <a:schemeClr val="accent1"/>
-            </a:fillRef>
-            <a:effectRef idx="0">
-              <a:schemeClr val="accent1"/>
-            </a:effectRef>
-            <a:fontRef idx="minor">
-              <a:schemeClr val="tx1"/>
-            </a:fontRef>
-          </p:style>
-        </p:cxnSp>
-        <p:cxnSp>
-          <p:nvCxnSpPr>
-            <p:cNvPr id="54" name="Connecteur droit 53"/>
-            <p:cNvCxnSpPr/>
-            <p:nvPr/>
-          </p:nvCxnSpPr>
-          <p:spPr>
-            <a:xfrm flipH="1" flipV="1">
-              <a:off x="651436" y="1806313"/>
-              <a:ext cx="482656" cy="7862"/>
-            </a:xfrm>
-            <a:prstGeom prst="line">
-              <a:avLst/>
-            </a:prstGeom>
-            <a:ln w="31750">
-              <a:solidFill>
-                <a:schemeClr val="tx1"/>
-              </a:solidFill>
-              <a:headEnd type="triangle" w="med" len="med"/>
-              <a:tailEnd type="none" w="med" len="med"/>
-            </a:ln>
-          </p:spPr>
-          <p:style>
-            <a:lnRef idx="1">
-              <a:schemeClr val="accent1"/>
-            </a:lnRef>
-            <a:fillRef idx="0">
-              <a:schemeClr val="accent1"/>
-            </a:fillRef>
-            <a:effectRef idx="0">
-              <a:schemeClr val="accent1"/>
-            </a:effectRef>
-            <a:fontRef idx="minor">
-              <a:schemeClr val="tx1"/>
-            </a:fontRef>
-          </p:style>
-        </p:cxnSp>
-        <p:pic>
-          <p:nvPicPr>
-            <p:cNvPr id="1027" name="Picture 3"/>
-            <p:cNvPicPr>
-              <a:picLocks noChangeAspect="1" noChangeArrowheads="1"/>
-            </p:cNvPicPr>
-            <p:nvPr/>
-          </p:nvPicPr>
-          <p:blipFill>
-            <a:blip r:embed="rId3">
-              <a:extLst>
-                <a:ext uri="{28A0092B-C50C-407E-A947-70E740481C1C}">
-                  <a14:useLocalDpi xmlns:a14="http://schemas.microsoft.com/office/drawing/2010/main" val="0"/>
-                </a:ext>
-              </a:extLst>
-            </a:blip>
-            <a:srcRect/>
-            <a:stretch>
-              <a:fillRect/>
-            </a:stretch>
-          </p:blipFill>
-          <p:spPr bwMode="auto">
-            <a:xfrm flipH="1">
-              <a:off x="540973" y="1360776"/>
-              <a:ext cx="461335" cy="461335"/>
-            </a:xfrm>
-            <a:prstGeom prst="rect">
-              <a:avLst/>
-            </a:prstGeom>
-            <a:noFill/>
-            <a:ln>
-              <a:noFill/>
-            </a:ln>
-            <a:effectLst/>
-            <a:extLst>
-              <a:ext uri="{909E8E84-426E-40DD-AFC4-6F175D3DCCD1}">
-                <a14:hiddenFill xmlns:a14="http://schemas.microsoft.com/office/drawing/2010/main">
-                  <a:solidFill>
-                    <a:schemeClr val="accent1"/>
-                  </a:solidFill>
-                </a14:hiddenFill>
-              </a:ext>
-              <a:ext uri="{91240B29-F687-4F45-9708-019B960494DF}">
-                <a14:hiddenLine xmlns:a14="http://schemas.microsoft.com/office/drawing/2010/main" w="9525">
-                  <a:solidFill>
-                    <a:schemeClr val="tx1"/>
-                  </a:solidFill>
-                  <a:miter lim="800000"/>
-                  <a:headEnd/>
-                  <a:tailEnd/>
-                </a14:hiddenLine>
-              </a:ext>
-              <a:ext uri="{AF507438-7753-43E0-B8FC-AC1667EBCBE1}">
-                <a14:hiddenEffects xmlns:a14="http://schemas.microsoft.com/office/drawing/2010/main">
-                  <a:effectLst>
-                    <a:outerShdw dist="35921" dir="2700000" algn="ctr" rotWithShape="0">
-                      <a:schemeClr val="bg2"/>
-                    </a:outerShdw>
-                  </a:effectLst>
-                </a14:hiddenEffects>
-              </a:ext>
-            </a:extLst>
-          </p:spPr>
-        </p:pic>
-        <p:cxnSp>
-          <p:nvCxnSpPr>
-            <p:cNvPr id="16" name="Connecteur droit 15"/>
-            <p:cNvCxnSpPr/>
-            <p:nvPr/>
-          </p:nvCxnSpPr>
-          <p:spPr>
-            <a:xfrm flipH="1">
-              <a:off x="5121320" y="1976090"/>
-              <a:ext cx="1" cy="156786"/>
-            </a:xfrm>
-            <a:prstGeom prst="line">
-              <a:avLst/>
-            </a:prstGeom>
-            <a:ln w="12700">
-              <a:solidFill>
-                <a:schemeClr val="tx1"/>
-              </a:solidFill>
-              <a:prstDash val="sysDot"/>
-              <a:headEnd type="none" w="med" len="med"/>
-              <a:tailEnd type="none" w="med" len="med"/>
-            </a:ln>
-          </p:spPr>
-          <p:style>
-            <a:lnRef idx="1">
-              <a:schemeClr val="accent1"/>
-            </a:lnRef>
-            <a:fillRef idx="0">
-              <a:schemeClr val="accent1"/>
-            </a:fillRef>
-            <a:effectRef idx="0">
-              <a:schemeClr val="accent1"/>
-            </a:effectRef>
-            <a:fontRef idx="minor">
-              <a:schemeClr val="tx1"/>
-            </a:fontRef>
-          </p:style>
-        </p:cxnSp>
-        <p:sp>
-          <p:nvSpPr>
-            <p:cNvPr id="68" name="Ellipse 67"/>
-            <p:cNvSpPr/>
-            <p:nvPr/>
-          </p:nvSpPr>
-          <p:spPr>
-            <a:xfrm>
-              <a:off x="4847202" y="1648875"/>
-              <a:ext cx="548237" cy="314876"/>
-            </a:xfrm>
-            <a:prstGeom prst="ellipse">
-              <a:avLst/>
-            </a:prstGeom>
-            <a:solidFill>
-              <a:schemeClr val="accent6">
-                <a:lumMod val="40000"/>
-                <a:lumOff val="60000"/>
-              </a:schemeClr>
-            </a:solidFill>
-            <a:ln>
-              <a:solidFill>
-                <a:schemeClr val="bg1"/>
-              </a:solidFill>
-            </a:ln>
-          </p:spPr>
-          <p:style>
-            <a:lnRef idx="2">
-              <a:schemeClr val="accent1">
-                <a:shade val="50000"/>
-              </a:schemeClr>
-            </a:lnRef>
-            <a:fillRef idx="1">
-              <a:schemeClr val="accent1"/>
-            </a:fillRef>
-            <a:effectRef idx="0">
-              <a:schemeClr val="accent1"/>
-            </a:effectRef>
-            <a:fontRef idx="minor">
-              <a:schemeClr val="lt1"/>
-            </a:fontRef>
-          </p:style>
-          <p:txBody>
-            <a:bodyPr rot="0" spcFirstLastPara="0" vertOverflow="overflow" horzOverflow="overflow" vert="horz" wrap="square" lIns="36000" tIns="45720" rIns="36000" bIns="45720" numCol="1" spcCol="0" rtlCol="0" fromWordArt="0" anchor="ctr" anchorCtr="0" forceAA="0" compatLnSpc="1">
-              <a:prstTxWarp prst="textNoShape">
-                <a:avLst/>
-              </a:prstTxWarp>
-              <a:noAutofit/>
-            </a:bodyPr>
-            <a:lstStyle/>
-            <a:p>
-              <a:pPr algn="ctr"/>
-              <a:r>
-                <a:rPr lang="fr-FR" sz="900" i="1" smtClean="0">
-                  <a:solidFill>
-                    <a:schemeClr val="tx1"/>
-                  </a:solidFill>
-                  <a:latin typeface="Cambria" panose="02040503050406030204" pitchFamily="18" charset="0"/>
-                  <a:ea typeface="Arial Rounded MT Bold" charset="0"/>
-                  <a:cs typeface="Arial Rounded MT Bold" charset="0"/>
-                </a:rPr>
-                <a:t>tsp</a:t>
-              </a:r>
-              <a:endParaRPr lang="fr-FR" sz="900" i="1" dirty="0">
+              </a:rPr>
+              <a:t>Dektec </a:t>
+            </a:r>
+            <a:r>
+              <a:rPr lang="fr-FR" sz="900" dirty="0" err="1">
                 <a:solidFill>
                   <a:schemeClr val="tx1"/>
                 </a:solidFill>
                 <a:latin typeface="Cambria" panose="02040503050406030204" pitchFamily="18" charset="0"/>
                 <a:ea typeface="Arial Rounded MT Bold" charset="0"/>
                 <a:cs typeface="Arial Rounded MT Bold" charset="0"/>
-              </a:endParaRPr>
-            </a:p>
-          </p:txBody>
-        </p:sp>
-        <p:sp>
-          <p:nvSpPr>
-            <p:cNvPr id="67" name="Arc 66"/>
-            <p:cNvSpPr/>
-            <p:nvPr/>
-          </p:nvSpPr>
-          <p:spPr>
-            <a:xfrm flipV="1">
-              <a:off x="4091949" y="2002642"/>
-              <a:ext cx="1027053" cy="388132"/>
-            </a:xfrm>
-            <a:prstGeom prst="arc">
-              <a:avLst>
-                <a:gd name="adj1" fmla="val 16144377"/>
-                <a:gd name="adj2" fmla="val 146338"/>
-              </a:avLst>
-            </a:prstGeom>
-            <a:ln w="12700">
+              </a:rPr>
+              <a:t>modulator</a:t>
+            </a:r>
+            <a:endParaRPr lang="fr-FR" sz="900" dirty="0">
               <a:solidFill>
                 <a:schemeClr val="tx1"/>
               </a:solidFill>
-              <a:prstDash val="sysDot"/>
-              <a:headEnd type="triangle" w="med" len="med"/>
-              <a:tailEnd type="none" w="med" len="med"/>
-            </a:ln>
-          </p:spPr>
-          <p:style>
-            <a:lnRef idx="1">
-              <a:schemeClr val="accent1"/>
-            </a:lnRef>
-            <a:fillRef idx="0">
-              <a:schemeClr val="accent1"/>
-            </a:fillRef>
-            <a:effectRef idx="0">
-              <a:schemeClr val="accent1"/>
-            </a:effectRef>
-            <a:fontRef idx="minor">
+              <a:latin typeface="Cambria" panose="02040503050406030204" pitchFamily="18" charset="0"/>
+              <a:ea typeface="Arial Rounded MT Bold" charset="0"/>
+              <a:cs typeface="Arial Rounded MT Bold" charset="0"/>
+            </a:endParaRPr>
+          </a:p>
+        </p:txBody>
+      </p:sp>
+      <p:sp>
+        <p:nvSpPr>
+          <p:cNvPr id="82" name="Rectangle à coins arrondis 81"/>
+          <p:cNvSpPr/>
+          <p:nvPr/>
+        </p:nvSpPr>
+        <p:spPr>
+          <a:xfrm>
+            <a:off x="682923" y="2726758"/>
+            <a:ext cx="578914" cy="257241"/>
+          </a:xfrm>
+          <a:prstGeom prst="roundRect">
+            <a:avLst>
+              <a:gd name="adj" fmla="val 3969"/>
+            </a:avLst>
+          </a:prstGeom>
+          <a:solidFill>
+            <a:srgbClr val="1F8A4C"/>
+          </a:solidFill>
+          <a:ln>
+            <a:noFill/>
+          </a:ln>
+        </p:spPr>
+        <p:style>
+          <a:lnRef idx="2">
+            <a:schemeClr val="accent1">
+              <a:shade val="50000"/>
+            </a:schemeClr>
+          </a:lnRef>
+          <a:fillRef idx="1">
+            <a:schemeClr val="accent1"/>
+          </a:fillRef>
+          <a:effectRef idx="0">
+            <a:schemeClr val="accent1"/>
+          </a:effectRef>
+          <a:fontRef idx="minor">
+            <a:schemeClr val="lt1"/>
+          </a:fontRef>
+        </p:style>
+        <p:txBody>
+          <a:bodyPr tIns="0" rtlCol="0" anchor="ctr" anchorCtr="0"/>
+          <a:lstStyle/>
+          <a:p>
+            <a:pPr algn="ctr"/>
+            <a:r>
+              <a:rPr lang="fr-FR" sz="1000" b="1" dirty="0">
+                <a:latin typeface="Cambria" panose="02040503050406030204" pitchFamily="18" charset="0"/>
+                <a:ea typeface="Arial Rounded MT Bold" charset="0"/>
+                <a:cs typeface="Arial Rounded MT Bold" charset="0"/>
+              </a:rPr>
+              <a:t>STB</a:t>
+            </a:r>
+          </a:p>
+        </p:txBody>
+      </p:sp>
+      <p:sp>
+        <p:nvSpPr>
+          <p:cNvPr id="83" name="Rectangle à coins arrondis 82"/>
+          <p:cNvSpPr/>
+          <p:nvPr/>
+        </p:nvSpPr>
+        <p:spPr>
+          <a:xfrm>
+            <a:off x="2339441" y="2726547"/>
+            <a:ext cx="578914" cy="257241"/>
+          </a:xfrm>
+          <a:prstGeom prst="roundRect">
+            <a:avLst>
+              <a:gd name="adj" fmla="val 3969"/>
+            </a:avLst>
+          </a:prstGeom>
+          <a:solidFill>
+            <a:srgbClr val="1F8A4C"/>
+          </a:solidFill>
+          <a:ln>
+            <a:noFill/>
+          </a:ln>
+        </p:spPr>
+        <p:style>
+          <a:lnRef idx="2">
+            <a:schemeClr val="accent1">
+              <a:shade val="50000"/>
+            </a:schemeClr>
+          </a:lnRef>
+          <a:fillRef idx="1">
+            <a:schemeClr val="accent1"/>
+          </a:fillRef>
+          <a:effectRef idx="0">
+            <a:schemeClr val="accent1"/>
+          </a:effectRef>
+          <a:fontRef idx="minor">
+            <a:schemeClr val="lt1"/>
+          </a:fontRef>
+        </p:style>
+        <p:txBody>
+          <a:bodyPr tIns="0" rtlCol="0" anchor="ctr" anchorCtr="0"/>
+          <a:lstStyle/>
+          <a:p>
+            <a:pPr algn="ctr"/>
+            <a:r>
+              <a:rPr lang="fr-FR" sz="1000" b="1" dirty="0">
+                <a:latin typeface="Cambria" panose="02040503050406030204" pitchFamily="18" charset="0"/>
+                <a:ea typeface="Arial Rounded MT Bold" charset="0"/>
+                <a:cs typeface="Arial Rounded MT Bold" charset="0"/>
+              </a:rPr>
+              <a:t>STB</a:t>
+            </a:r>
+          </a:p>
+        </p:txBody>
+      </p:sp>
+      <p:cxnSp>
+        <p:nvCxnSpPr>
+          <p:cNvPr id="32" name="Connecteur droit 31"/>
+          <p:cNvCxnSpPr>
+            <a:stCxn id="73" idx="0"/>
+          </p:cNvCxnSpPr>
+          <p:nvPr/>
+        </p:nvCxnSpPr>
+        <p:spPr>
+          <a:xfrm flipV="1">
+            <a:off x="1800639" y="2508250"/>
+            <a:ext cx="0" cy="218298"/>
+          </a:xfrm>
+          <a:prstGeom prst="line">
+            <a:avLst/>
+          </a:prstGeom>
+          <a:ln w="12700">
+            <a:solidFill>
               <a:schemeClr val="tx1"/>
-            </a:fontRef>
-          </p:style>
-          <p:txBody>
-            <a:bodyPr rtlCol="0" anchor="ctr"/>
-            <a:lstStyle/>
-            <a:p>
-              <a:pPr algn="ctr"/>
-              <a:endParaRPr lang="en-US"/>
-            </a:p>
-          </p:txBody>
-        </p:sp>
-        <p:sp>
-          <p:nvSpPr>
-            <p:cNvPr id="70" name="Arc 69"/>
-            <p:cNvSpPr/>
-            <p:nvPr/>
-          </p:nvSpPr>
-          <p:spPr>
-            <a:xfrm flipH="1" flipV="1">
-              <a:off x="5121155" y="2001603"/>
-              <a:ext cx="620732" cy="389169"/>
-            </a:xfrm>
-            <a:prstGeom prst="arc">
-              <a:avLst>
-                <a:gd name="adj1" fmla="val 16199986"/>
-                <a:gd name="adj2" fmla="val 146338"/>
-              </a:avLst>
-            </a:prstGeom>
-            <a:ln w="12700">
+            </a:solidFill>
+            <a:headEnd type="none" w="med" len="med"/>
+            <a:tailEnd type="none" w="med" len="med"/>
+          </a:ln>
+        </p:spPr>
+        <p:style>
+          <a:lnRef idx="1">
+            <a:schemeClr val="accent1"/>
+          </a:lnRef>
+          <a:fillRef idx="0">
+            <a:schemeClr val="accent1"/>
+          </a:fillRef>
+          <a:effectRef idx="0">
+            <a:schemeClr val="accent1"/>
+          </a:effectRef>
+          <a:fontRef idx="minor">
+            <a:schemeClr val="tx1"/>
+          </a:fontRef>
+        </p:style>
+      </p:cxnSp>
+      <p:cxnSp>
+        <p:nvCxnSpPr>
+          <p:cNvPr id="85" name="Connecteur droit 84"/>
+          <p:cNvCxnSpPr>
+            <a:stCxn id="83" idx="0"/>
+          </p:cNvCxnSpPr>
+          <p:nvPr/>
+        </p:nvCxnSpPr>
+        <p:spPr>
+          <a:xfrm flipV="1">
+            <a:off x="2628898" y="2508249"/>
+            <a:ext cx="0" cy="218298"/>
+          </a:xfrm>
+          <a:prstGeom prst="line">
+            <a:avLst/>
+          </a:prstGeom>
+          <a:ln w="12700">
+            <a:solidFill>
+              <a:schemeClr val="tx1"/>
+            </a:solidFill>
+            <a:headEnd type="none" w="med" len="med"/>
+            <a:tailEnd type="none" w="med" len="med"/>
+          </a:ln>
+        </p:spPr>
+        <p:style>
+          <a:lnRef idx="1">
+            <a:schemeClr val="accent1"/>
+          </a:lnRef>
+          <a:fillRef idx="0">
+            <a:schemeClr val="accent1"/>
+          </a:fillRef>
+          <a:effectRef idx="0">
+            <a:schemeClr val="accent1"/>
+          </a:effectRef>
+          <a:fontRef idx="minor">
+            <a:schemeClr val="tx1"/>
+          </a:fontRef>
+        </p:style>
+      </p:cxnSp>
+      <p:cxnSp>
+        <p:nvCxnSpPr>
+          <p:cNvPr id="87" name="Connecteur droit 86"/>
+          <p:cNvCxnSpPr>
+            <a:stCxn id="82" idx="0"/>
+          </p:cNvCxnSpPr>
+          <p:nvPr/>
+        </p:nvCxnSpPr>
+        <p:spPr>
+          <a:xfrm flipV="1">
+            <a:off x="972380" y="2508248"/>
+            <a:ext cx="0" cy="218510"/>
+          </a:xfrm>
+          <a:prstGeom prst="line">
+            <a:avLst/>
+          </a:prstGeom>
+          <a:ln w="12700">
+            <a:solidFill>
+              <a:schemeClr val="tx1"/>
+            </a:solidFill>
+            <a:headEnd type="none" w="med" len="med"/>
+            <a:tailEnd type="none" w="med" len="med"/>
+          </a:ln>
+        </p:spPr>
+        <p:style>
+          <a:lnRef idx="1">
+            <a:schemeClr val="accent1"/>
+          </a:lnRef>
+          <a:fillRef idx="0">
+            <a:schemeClr val="accent1"/>
+          </a:fillRef>
+          <a:effectRef idx="0">
+            <a:schemeClr val="accent1"/>
+          </a:effectRef>
+          <a:fontRef idx="minor">
+            <a:schemeClr val="tx1"/>
+          </a:fontRef>
+        </p:style>
+      </p:cxnSp>
+      <p:cxnSp>
+        <p:nvCxnSpPr>
+          <p:cNvPr id="21" name="Connecteur droit 20"/>
+          <p:cNvCxnSpPr/>
+          <p:nvPr/>
+        </p:nvCxnSpPr>
+        <p:spPr>
+          <a:xfrm>
+            <a:off x="651436" y="2489200"/>
+            <a:ext cx="2498164" cy="6350"/>
+          </a:xfrm>
+          <a:prstGeom prst="line">
+            <a:avLst/>
+          </a:prstGeom>
+          <a:ln w="44450" cmpd="dbl">
+            <a:solidFill>
+              <a:schemeClr val="tx1"/>
+            </a:solidFill>
+            <a:headEnd type="none" w="med" len="med"/>
+            <a:tailEnd type="none" w="med" len="med"/>
+          </a:ln>
+        </p:spPr>
+        <p:style>
+          <a:lnRef idx="1">
+            <a:schemeClr val="accent1"/>
+          </a:lnRef>
+          <a:fillRef idx="0">
+            <a:schemeClr val="accent1"/>
+          </a:fillRef>
+          <a:effectRef idx="0">
+            <a:schemeClr val="accent1"/>
+          </a:effectRef>
+          <a:fontRef idx="minor">
+            <a:schemeClr val="tx1"/>
+          </a:fontRef>
+        </p:style>
+      </p:cxnSp>
+      <p:cxnSp>
+        <p:nvCxnSpPr>
+          <p:cNvPr id="89" name="Connecteur droit 88"/>
+          <p:cNvCxnSpPr/>
+          <p:nvPr/>
+        </p:nvCxnSpPr>
+        <p:spPr>
+          <a:xfrm flipV="1">
+            <a:off x="2378075" y="2145265"/>
+            <a:ext cx="0" cy="327139"/>
+          </a:xfrm>
+          <a:prstGeom prst="line">
+            <a:avLst/>
+          </a:prstGeom>
+          <a:ln w="12700">
+            <a:solidFill>
+              <a:schemeClr val="tx1"/>
+            </a:solidFill>
+            <a:headEnd type="none" w="med" len="med"/>
+            <a:tailEnd type="none" w="med" len="med"/>
+          </a:ln>
+        </p:spPr>
+        <p:style>
+          <a:lnRef idx="1">
+            <a:schemeClr val="accent1"/>
+          </a:lnRef>
+          <a:fillRef idx="0">
+            <a:schemeClr val="accent1"/>
+          </a:fillRef>
+          <a:effectRef idx="0">
+            <a:schemeClr val="accent1"/>
+          </a:effectRef>
+          <a:fontRef idx="minor">
+            <a:schemeClr val="tx1"/>
+          </a:fontRef>
+        </p:style>
+      </p:cxnSp>
+      <p:sp>
+        <p:nvSpPr>
+          <p:cNvPr id="53" name="Arc 52"/>
+          <p:cNvSpPr/>
+          <p:nvPr/>
+        </p:nvSpPr>
+        <p:spPr>
+          <a:xfrm flipH="1">
+            <a:off x="1913543" y="2560407"/>
+            <a:ext cx="779643" cy="302889"/>
+          </a:xfrm>
+          <a:prstGeom prst="arc">
+            <a:avLst>
+              <a:gd name="adj1" fmla="val 16199986"/>
+              <a:gd name="adj2" fmla="val 146338"/>
+            </a:avLst>
+          </a:prstGeom>
+          <a:ln w="12700">
+            <a:solidFill>
+              <a:schemeClr val="tx1"/>
+            </a:solidFill>
+            <a:prstDash val="sysDot"/>
+            <a:headEnd type="triangle" w="med" len="med"/>
+            <a:tailEnd type="none" w="med" len="med"/>
+          </a:ln>
+        </p:spPr>
+        <p:style>
+          <a:lnRef idx="1">
+            <a:schemeClr val="accent1"/>
+          </a:lnRef>
+          <a:fillRef idx="0">
+            <a:schemeClr val="accent1"/>
+          </a:fillRef>
+          <a:effectRef idx="0">
+            <a:schemeClr val="accent1"/>
+          </a:effectRef>
+          <a:fontRef idx="minor">
+            <a:schemeClr val="tx1"/>
+          </a:fontRef>
+        </p:style>
+        <p:txBody>
+          <a:bodyPr rtlCol="0" anchor="ctr"/>
+          <a:lstStyle/>
+          <a:p>
+            <a:pPr algn="ctr"/>
+            <a:endParaRPr lang="en-US"/>
+          </a:p>
+        </p:txBody>
+      </p:sp>
+      <p:sp>
+        <p:nvSpPr>
+          <p:cNvPr id="98" name="Arc 97"/>
+          <p:cNvSpPr/>
+          <p:nvPr/>
+        </p:nvSpPr>
+        <p:spPr>
+          <a:xfrm>
+            <a:off x="974573" y="2567990"/>
+            <a:ext cx="779643" cy="302889"/>
+          </a:xfrm>
+          <a:prstGeom prst="arc">
+            <a:avLst>
+              <a:gd name="adj1" fmla="val 16199986"/>
+              <a:gd name="adj2" fmla="val 146338"/>
+            </a:avLst>
+          </a:prstGeom>
+          <a:ln w="12700">
+            <a:solidFill>
+              <a:schemeClr val="tx1"/>
+            </a:solidFill>
+            <a:prstDash val="sysDot"/>
+            <a:headEnd type="triangle" w="med" len="med"/>
+            <a:tailEnd type="none" w="med" len="med"/>
+          </a:ln>
+        </p:spPr>
+        <p:style>
+          <a:lnRef idx="1">
+            <a:schemeClr val="accent1"/>
+          </a:lnRef>
+          <a:fillRef idx="0">
+            <a:schemeClr val="accent1"/>
+          </a:fillRef>
+          <a:effectRef idx="0">
+            <a:schemeClr val="accent1"/>
+          </a:effectRef>
+          <a:fontRef idx="minor">
+            <a:schemeClr val="tx1"/>
+          </a:fontRef>
+        </p:style>
+        <p:txBody>
+          <a:bodyPr rtlCol="0" anchor="ctr"/>
+          <a:lstStyle/>
+          <a:p>
+            <a:pPr algn="ctr"/>
+            <a:endParaRPr lang="en-US"/>
+          </a:p>
+        </p:txBody>
+      </p:sp>
+      <p:sp>
+        <p:nvSpPr>
+          <p:cNvPr id="99" name="ZoneTexte 98"/>
+          <p:cNvSpPr txBox="1"/>
+          <p:nvPr/>
+        </p:nvSpPr>
+        <p:spPr>
+          <a:xfrm>
+            <a:off x="933124" y="2189054"/>
+            <a:ext cx="1113805" cy="276999"/>
+          </a:xfrm>
+          <a:prstGeom prst="rect">
+            <a:avLst/>
+          </a:prstGeom>
+          <a:noFill/>
+        </p:spPr>
+        <p:txBody>
+          <a:bodyPr wrap="square" lIns="0" tIns="0" rIns="36000" bIns="0" rtlCol="0">
+            <a:spAutoFit/>
+          </a:bodyPr>
+          <a:lstStyle/>
+          <a:p>
+            <a:pPr algn="ctr"/>
+            <a:r>
+              <a:rPr lang="fr-FR" sz="900" i="1" dirty="0">
+                <a:latin typeface="Cambria" panose="02040503050406030204" pitchFamily="18" charset="0"/>
+                <a:ea typeface="Arial Rounded MT Bold" charset="0"/>
+                <a:cs typeface="Arial Rounded MT Bold" charset="0"/>
+              </a:rPr>
+              <a:t>Multicast to 224.250.250.1 : 9000</a:t>
+            </a:r>
+          </a:p>
+        </p:txBody>
+      </p:sp>
+      <p:sp>
+        <p:nvSpPr>
+          <p:cNvPr id="105" name="ZoneTexte 104"/>
+          <p:cNvSpPr txBox="1"/>
+          <p:nvPr/>
+        </p:nvSpPr>
+        <p:spPr>
+          <a:xfrm>
+            <a:off x="3782048" y="2287525"/>
+            <a:ext cx="590623" cy="138499"/>
+          </a:xfrm>
+          <a:prstGeom prst="rect">
+            <a:avLst/>
+          </a:prstGeom>
+          <a:noFill/>
+        </p:spPr>
+        <p:txBody>
+          <a:bodyPr wrap="square" lIns="0" tIns="0" rIns="36000" bIns="0" rtlCol="0">
+            <a:spAutoFit/>
+          </a:bodyPr>
+          <a:lstStyle/>
+          <a:p>
+            <a:pPr algn="ctr"/>
+            <a:r>
+              <a:rPr lang="fr-FR" sz="900" i="1" dirty="0">
+                <a:latin typeface="Cambria" panose="02040503050406030204" pitchFamily="18" charset="0"/>
+                <a:ea typeface="Arial Rounded MT Bold" charset="0"/>
+                <a:cs typeface="Arial Rounded MT Bold" charset="0"/>
+              </a:rPr>
+              <a:t>Network 2</a:t>
+            </a:r>
+          </a:p>
+        </p:txBody>
+      </p:sp>
+      <p:sp>
+        <p:nvSpPr>
+          <p:cNvPr id="106" name="Rectangle à coins arrondis 105"/>
+          <p:cNvSpPr/>
+          <p:nvPr/>
+        </p:nvSpPr>
+        <p:spPr>
+          <a:xfrm>
+            <a:off x="3984184" y="2720408"/>
+            <a:ext cx="578914" cy="257241"/>
+          </a:xfrm>
+          <a:prstGeom prst="roundRect">
+            <a:avLst>
+              <a:gd name="adj" fmla="val 3969"/>
+            </a:avLst>
+          </a:prstGeom>
+          <a:solidFill>
+            <a:srgbClr val="1F8A4C"/>
+          </a:solidFill>
+          <a:ln>
+            <a:noFill/>
+          </a:ln>
+        </p:spPr>
+        <p:style>
+          <a:lnRef idx="2">
+            <a:schemeClr val="accent1">
+              <a:shade val="50000"/>
+            </a:schemeClr>
+          </a:lnRef>
+          <a:fillRef idx="1">
+            <a:schemeClr val="accent1"/>
+          </a:fillRef>
+          <a:effectRef idx="0">
+            <a:schemeClr val="accent1"/>
+          </a:effectRef>
+          <a:fontRef idx="minor">
+            <a:schemeClr val="lt1"/>
+          </a:fontRef>
+        </p:style>
+        <p:txBody>
+          <a:bodyPr tIns="0" rtlCol="0" anchor="ctr" anchorCtr="0"/>
+          <a:lstStyle/>
+          <a:p>
+            <a:pPr algn="ctr"/>
+            <a:r>
+              <a:rPr lang="fr-FR" sz="1000" b="1" dirty="0">
+                <a:latin typeface="Cambria" panose="02040503050406030204" pitchFamily="18" charset="0"/>
+                <a:ea typeface="Arial Rounded MT Bold" charset="0"/>
+                <a:cs typeface="Arial Rounded MT Bold" charset="0"/>
+              </a:rPr>
+              <a:t>STB</a:t>
+            </a:r>
+          </a:p>
+        </p:txBody>
+      </p:sp>
+      <p:sp>
+        <p:nvSpPr>
+          <p:cNvPr id="107" name="Rectangle à coins arrondis 106"/>
+          <p:cNvSpPr/>
+          <p:nvPr/>
+        </p:nvSpPr>
+        <p:spPr>
+          <a:xfrm>
+            <a:off x="5297802" y="2720197"/>
+            <a:ext cx="578914" cy="257241"/>
+          </a:xfrm>
+          <a:prstGeom prst="roundRect">
+            <a:avLst>
+              <a:gd name="adj" fmla="val 3969"/>
+            </a:avLst>
+          </a:prstGeom>
+          <a:solidFill>
+            <a:srgbClr val="1F8A4C"/>
+          </a:solidFill>
+          <a:ln>
+            <a:noFill/>
+          </a:ln>
+        </p:spPr>
+        <p:style>
+          <a:lnRef idx="2">
+            <a:schemeClr val="accent1">
+              <a:shade val="50000"/>
+            </a:schemeClr>
+          </a:lnRef>
+          <a:fillRef idx="1">
+            <a:schemeClr val="accent1"/>
+          </a:fillRef>
+          <a:effectRef idx="0">
+            <a:schemeClr val="accent1"/>
+          </a:effectRef>
+          <a:fontRef idx="minor">
+            <a:schemeClr val="lt1"/>
+          </a:fontRef>
+        </p:style>
+        <p:txBody>
+          <a:bodyPr tIns="0" rtlCol="0" anchor="ctr" anchorCtr="0"/>
+          <a:lstStyle/>
+          <a:p>
+            <a:pPr algn="ctr"/>
+            <a:r>
+              <a:rPr lang="fr-FR" sz="1000" b="1" dirty="0">
+                <a:latin typeface="Cambria" panose="02040503050406030204" pitchFamily="18" charset="0"/>
+                <a:ea typeface="Arial Rounded MT Bold" charset="0"/>
+                <a:cs typeface="Arial Rounded MT Bold" charset="0"/>
+              </a:rPr>
+              <a:t>STB</a:t>
+            </a:r>
+          </a:p>
+        </p:txBody>
+      </p:sp>
+      <p:cxnSp>
+        <p:nvCxnSpPr>
+          <p:cNvPr id="109" name="Connecteur droit 108"/>
+          <p:cNvCxnSpPr>
+            <a:stCxn id="107" idx="0"/>
+          </p:cNvCxnSpPr>
+          <p:nvPr/>
+        </p:nvCxnSpPr>
+        <p:spPr>
+          <a:xfrm flipV="1">
+            <a:off x="5587259" y="2501899"/>
+            <a:ext cx="0" cy="218298"/>
+          </a:xfrm>
+          <a:prstGeom prst="line">
+            <a:avLst/>
+          </a:prstGeom>
+          <a:ln w="12700">
+            <a:solidFill>
+              <a:schemeClr val="tx1"/>
+            </a:solidFill>
+            <a:headEnd type="none" w="med" len="med"/>
+            <a:tailEnd type="none" w="med" len="med"/>
+          </a:ln>
+        </p:spPr>
+        <p:style>
+          <a:lnRef idx="1">
+            <a:schemeClr val="accent1"/>
+          </a:lnRef>
+          <a:fillRef idx="0">
+            <a:schemeClr val="accent1"/>
+          </a:fillRef>
+          <a:effectRef idx="0">
+            <a:schemeClr val="accent1"/>
+          </a:effectRef>
+          <a:fontRef idx="minor">
+            <a:schemeClr val="tx1"/>
+          </a:fontRef>
+        </p:style>
+      </p:cxnSp>
+      <p:cxnSp>
+        <p:nvCxnSpPr>
+          <p:cNvPr id="110" name="Connecteur droit 109"/>
+          <p:cNvCxnSpPr>
+            <a:stCxn id="106" idx="0"/>
+          </p:cNvCxnSpPr>
+          <p:nvPr/>
+        </p:nvCxnSpPr>
+        <p:spPr>
+          <a:xfrm flipV="1">
+            <a:off x="4273641" y="2501898"/>
+            <a:ext cx="0" cy="218510"/>
+          </a:xfrm>
+          <a:prstGeom prst="line">
+            <a:avLst/>
+          </a:prstGeom>
+          <a:ln w="12700">
+            <a:solidFill>
+              <a:schemeClr val="tx1"/>
+            </a:solidFill>
+            <a:headEnd type="none" w="med" len="med"/>
+            <a:tailEnd type="none" w="med" len="med"/>
+          </a:ln>
+        </p:spPr>
+        <p:style>
+          <a:lnRef idx="1">
+            <a:schemeClr val="accent1"/>
+          </a:lnRef>
+          <a:fillRef idx="0">
+            <a:schemeClr val="accent1"/>
+          </a:fillRef>
+          <a:effectRef idx="0">
+            <a:schemeClr val="accent1"/>
+          </a:effectRef>
+          <a:fontRef idx="minor">
+            <a:schemeClr val="tx1"/>
+          </a:fontRef>
+        </p:style>
+      </p:cxnSp>
+      <p:cxnSp>
+        <p:nvCxnSpPr>
+          <p:cNvPr id="111" name="Connecteur droit 110"/>
+          <p:cNvCxnSpPr/>
+          <p:nvPr/>
+        </p:nvCxnSpPr>
+        <p:spPr>
+          <a:xfrm>
+            <a:off x="3795560" y="2489200"/>
+            <a:ext cx="2424265" cy="0"/>
+          </a:xfrm>
+          <a:prstGeom prst="line">
+            <a:avLst/>
+          </a:prstGeom>
+          <a:ln w="44450" cmpd="dbl">
+            <a:solidFill>
+              <a:schemeClr val="tx1"/>
+            </a:solidFill>
+            <a:headEnd type="none" w="med" len="med"/>
+            <a:tailEnd type="none" w="med" len="med"/>
+          </a:ln>
+        </p:spPr>
+        <p:style>
+          <a:lnRef idx="1">
+            <a:schemeClr val="accent1"/>
+          </a:lnRef>
+          <a:fillRef idx="0">
+            <a:schemeClr val="accent1"/>
+          </a:fillRef>
+          <a:effectRef idx="0">
+            <a:schemeClr val="accent1"/>
+          </a:effectRef>
+          <a:fontRef idx="minor">
+            <a:schemeClr val="tx1"/>
+          </a:fontRef>
+        </p:style>
+      </p:cxnSp>
+      <p:cxnSp>
+        <p:nvCxnSpPr>
+          <p:cNvPr id="112" name="Connecteur droit 111"/>
+          <p:cNvCxnSpPr/>
+          <p:nvPr/>
+        </p:nvCxnSpPr>
+        <p:spPr>
+          <a:xfrm flipV="1">
+            <a:off x="5120180" y="2145265"/>
+            <a:ext cx="0" cy="324879"/>
+          </a:xfrm>
+          <a:prstGeom prst="line">
+            <a:avLst/>
+          </a:prstGeom>
+          <a:ln w="12700">
+            <a:solidFill>
+              <a:schemeClr val="tx1"/>
+            </a:solidFill>
+            <a:headEnd type="none" w="med" len="med"/>
+            <a:tailEnd type="none" w="med" len="med"/>
+          </a:ln>
+        </p:spPr>
+        <p:style>
+          <a:lnRef idx="1">
+            <a:schemeClr val="accent1"/>
+          </a:lnRef>
+          <a:fillRef idx="0">
+            <a:schemeClr val="accent1"/>
+          </a:fillRef>
+          <a:effectRef idx="0">
+            <a:schemeClr val="accent1"/>
+          </a:effectRef>
+          <a:fontRef idx="minor">
+            <a:schemeClr val="tx1"/>
+          </a:fontRef>
+        </p:style>
+      </p:cxnSp>
+      <p:sp>
+        <p:nvSpPr>
+          <p:cNvPr id="113" name="Arc 112"/>
+          <p:cNvSpPr/>
+          <p:nvPr/>
+        </p:nvSpPr>
+        <p:spPr>
+          <a:xfrm flipH="1" flipV="1">
+            <a:off x="5121157" y="1995257"/>
+            <a:ext cx="779643" cy="302889"/>
+          </a:xfrm>
+          <a:prstGeom prst="arc">
+            <a:avLst>
+              <a:gd name="adj1" fmla="val 16199986"/>
+              <a:gd name="adj2" fmla="val 146338"/>
+            </a:avLst>
+          </a:prstGeom>
+          <a:ln w="12700">
+            <a:solidFill>
+              <a:schemeClr val="tx1"/>
+            </a:solidFill>
+            <a:prstDash val="sysDot"/>
+            <a:headEnd type="triangle" w="med" len="med"/>
+            <a:tailEnd type="none" w="med" len="med"/>
+          </a:ln>
+        </p:spPr>
+        <p:style>
+          <a:lnRef idx="1">
+            <a:schemeClr val="accent1"/>
+          </a:lnRef>
+          <a:fillRef idx="0">
+            <a:schemeClr val="accent1"/>
+          </a:fillRef>
+          <a:effectRef idx="0">
+            <a:schemeClr val="accent1"/>
+          </a:effectRef>
+          <a:fontRef idx="minor">
+            <a:schemeClr val="tx1"/>
+          </a:fontRef>
+        </p:style>
+        <p:txBody>
+          <a:bodyPr rtlCol="0" anchor="ctr"/>
+          <a:lstStyle/>
+          <a:p>
+            <a:pPr algn="ctr"/>
+            <a:endParaRPr lang="en-US"/>
+          </a:p>
+        </p:txBody>
+      </p:sp>
+      <p:sp>
+        <p:nvSpPr>
+          <p:cNvPr id="114" name="Arc 113"/>
+          <p:cNvSpPr/>
+          <p:nvPr/>
+        </p:nvSpPr>
+        <p:spPr>
+          <a:xfrm flipV="1">
+            <a:off x="4339360" y="2002840"/>
+            <a:ext cx="779643" cy="302889"/>
+          </a:xfrm>
+          <a:prstGeom prst="arc">
+            <a:avLst>
+              <a:gd name="adj1" fmla="val 16199986"/>
+              <a:gd name="adj2" fmla="val 146338"/>
+            </a:avLst>
+          </a:prstGeom>
+          <a:ln w="12700">
+            <a:solidFill>
+              <a:schemeClr val="tx1"/>
+            </a:solidFill>
+            <a:prstDash val="sysDot"/>
+            <a:headEnd type="triangle" w="med" len="med"/>
+            <a:tailEnd type="none" w="med" len="med"/>
+          </a:ln>
+        </p:spPr>
+        <p:style>
+          <a:lnRef idx="1">
+            <a:schemeClr val="accent1"/>
+          </a:lnRef>
+          <a:fillRef idx="0">
+            <a:schemeClr val="accent1"/>
+          </a:fillRef>
+          <a:effectRef idx="0">
+            <a:schemeClr val="accent1"/>
+          </a:effectRef>
+          <a:fontRef idx="minor">
+            <a:schemeClr val="tx1"/>
+          </a:fontRef>
+        </p:style>
+        <p:txBody>
+          <a:bodyPr rtlCol="0" anchor="ctr"/>
+          <a:lstStyle/>
+          <a:p>
+            <a:pPr algn="ctr"/>
+            <a:endParaRPr lang="en-US"/>
+          </a:p>
+        </p:txBody>
+      </p:sp>
+      <p:sp>
+        <p:nvSpPr>
+          <p:cNvPr id="115" name="ZoneTexte 114"/>
+          <p:cNvSpPr txBox="1"/>
+          <p:nvPr/>
+        </p:nvSpPr>
+        <p:spPr>
+          <a:xfrm>
+            <a:off x="5449708" y="2191455"/>
+            <a:ext cx="772788" cy="276999"/>
+          </a:xfrm>
+          <a:prstGeom prst="rect">
+            <a:avLst/>
+          </a:prstGeom>
+          <a:noFill/>
+        </p:spPr>
+        <p:txBody>
+          <a:bodyPr wrap="square" lIns="0" tIns="0" rIns="0" bIns="0" rtlCol="0">
+            <a:spAutoFit/>
+          </a:bodyPr>
+          <a:lstStyle/>
+          <a:p>
+            <a:pPr algn="ctr"/>
+            <a:r>
+              <a:rPr lang="fr-FR" sz="900" i="1" dirty="0">
+                <a:latin typeface="Cambria" panose="02040503050406030204" pitchFamily="18" charset="0"/>
+                <a:ea typeface="Arial Rounded MT Bold" charset="0"/>
+                <a:cs typeface="Arial Rounded MT Bold" charset="0"/>
+              </a:rPr>
+              <a:t>Multicast to 230.2.3.4 : 7000</a:t>
+            </a:r>
+          </a:p>
+        </p:txBody>
+      </p:sp>
+      <p:sp>
+        <p:nvSpPr>
+          <p:cNvPr id="116" name="Rectangle à coins arrondis 115"/>
+          <p:cNvSpPr/>
+          <p:nvPr/>
+        </p:nvSpPr>
+        <p:spPr>
+          <a:xfrm>
+            <a:off x="4632266" y="2725784"/>
+            <a:ext cx="578914" cy="257241"/>
+          </a:xfrm>
+          <a:prstGeom prst="roundRect">
+            <a:avLst>
+              <a:gd name="adj" fmla="val 3969"/>
+            </a:avLst>
+          </a:prstGeom>
+          <a:solidFill>
+            <a:srgbClr val="1F8A4C"/>
+          </a:solidFill>
+          <a:ln>
+            <a:noFill/>
+          </a:ln>
+        </p:spPr>
+        <p:style>
+          <a:lnRef idx="2">
+            <a:schemeClr val="accent1">
+              <a:shade val="50000"/>
+            </a:schemeClr>
+          </a:lnRef>
+          <a:fillRef idx="1">
+            <a:schemeClr val="accent1"/>
+          </a:fillRef>
+          <a:effectRef idx="0">
+            <a:schemeClr val="accent1"/>
+          </a:effectRef>
+          <a:fontRef idx="minor">
+            <a:schemeClr val="lt1"/>
+          </a:fontRef>
+        </p:style>
+        <p:txBody>
+          <a:bodyPr tIns="0" rtlCol="0" anchor="ctr" anchorCtr="0"/>
+          <a:lstStyle/>
+          <a:p>
+            <a:pPr algn="ctr"/>
+            <a:r>
+              <a:rPr lang="fr-FR" sz="1000" b="1" dirty="0">
+                <a:latin typeface="Cambria" panose="02040503050406030204" pitchFamily="18" charset="0"/>
+                <a:ea typeface="Arial Rounded MT Bold" charset="0"/>
+                <a:cs typeface="Arial Rounded MT Bold" charset="0"/>
+              </a:rPr>
+              <a:t>STB</a:t>
+            </a:r>
+          </a:p>
+        </p:txBody>
+      </p:sp>
+      <p:cxnSp>
+        <p:nvCxnSpPr>
+          <p:cNvPr id="117" name="Connecteur droit 116"/>
+          <p:cNvCxnSpPr>
+            <a:stCxn id="116" idx="0"/>
+          </p:cNvCxnSpPr>
+          <p:nvPr/>
+        </p:nvCxnSpPr>
+        <p:spPr>
+          <a:xfrm flipV="1">
+            <a:off x="4921723" y="2507486"/>
+            <a:ext cx="0" cy="218298"/>
+          </a:xfrm>
+          <a:prstGeom prst="line">
+            <a:avLst/>
+          </a:prstGeom>
+          <a:ln w="12700">
+            <a:solidFill>
+              <a:schemeClr val="tx1"/>
+            </a:solidFill>
+            <a:headEnd type="none" w="med" len="med"/>
+            <a:tailEnd type="none" w="med" len="med"/>
+          </a:ln>
+        </p:spPr>
+        <p:style>
+          <a:lnRef idx="1">
+            <a:schemeClr val="accent1"/>
+          </a:lnRef>
+          <a:fillRef idx="0">
+            <a:schemeClr val="accent1"/>
+          </a:fillRef>
+          <a:effectRef idx="0">
+            <a:schemeClr val="accent1"/>
+          </a:effectRef>
+          <a:fontRef idx="minor">
+            <a:schemeClr val="tx1"/>
+          </a:fontRef>
+        </p:style>
+      </p:cxnSp>
+      <p:cxnSp>
+        <p:nvCxnSpPr>
+          <p:cNvPr id="120" name="Connecteur droit 119"/>
+          <p:cNvCxnSpPr>
+            <a:stCxn id="69" idx="1"/>
+          </p:cNvCxnSpPr>
+          <p:nvPr/>
+        </p:nvCxnSpPr>
+        <p:spPr>
+          <a:xfrm flipH="1" flipV="1">
+            <a:off x="3517900" y="1727595"/>
+            <a:ext cx="574049" cy="78719"/>
+          </a:xfrm>
+          <a:prstGeom prst="line">
+            <a:avLst/>
+          </a:prstGeom>
+          <a:ln w="22225">
+            <a:solidFill>
+              <a:schemeClr val="tx1"/>
+            </a:solidFill>
+            <a:headEnd type="triangle" w="med" len="med"/>
+            <a:tailEnd type="none" w="med" len="med"/>
+          </a:ln>
+        </p:spPr>
+        <p:style>
+          <a:lnRef idx="1">
+            <a:schemeClr val="accent1"/>
+          </a:lnRef>
+          <a:fillRef idx="0">
+            <a:schemeClr val="accent1"/>
+          </a:fillRef>
+          <a:effectRef idx="0">
+            <a:schemeClr val="accent1"/>
+          </a:effectRef>
+          <a:fontRef idx="minor">
+            <a:schemeClr val="tx1"/>
+          </a:fontRef>
+        </p:style>
+      </p:cxnSp>
+      <p:cxnSp>
+        <p:nvCxnSpPr>
+          <p:cNvPr id="126" name="Connecteur droit 125"/>
+          <p:cNvCxnSpPr/>
+          <p:nvPr/>
+        </p:nvCxnSpPr>
+        <p:spPr>
+          <a:xfrm flipH="1" flipV="1">
+            <a:off x="3517900" y="1727595"/>
+            <a:ext cx="155575" cy="157438"/>
+          </a:xfrm>
+          <a:prstGeom prst="line">
+            <a:avLst/>
+          </a:prstGeom>
+          <a:ln w="22225">
+            <a:solidFill>
+              <a:schemeClr val="tx1"/>
+            </a:solidFill>
+            <a:headEnd type="none" w="med" len="med"/>
+            <a:tailEnd type="none" w="med" len="med"/>
+          </a:ln>
+        </p:spPr>
+        <p:style>
+          <a:lnRef idx="1">
+            <a:schemeClr val="accent1"/>
+          </a:lnRef>
+          <a:fillRef idx="0">
+            <a:schemeClr val="accent1"/>
+          </a:fillRef>
+          <a:effectRef idx="0">
+            <a:schemeClr val="accent1"/>
+          </a:effectRef>
+          <a:fontRef idx="minor">
+            <a:schemeClr val="tx1"/>
+          </a:fontRef>
+        </p:style>
+      </p:cxnSp>
+      <p:sp>
+        <p:nvSpPr>
+          <p:cNvPr id="129" name="ZoneTexte 128"/>
+          <p:cNvSpPr txBox="1"/>
+          <p:nvPr/>
+        </p:nvSpPr>
+        <p:spPr>
+          <a:xfrm>
+            <a:off x="3071587" y="1155097"/>
+            <a:ext cx="1178426" cy="415498"/>
+          </a:xfrm>
+          <a:prstGeom prst="rect">
+            <a:avLst/>
+          </a:prstGeom>
+          <a:noFill/>
+        </p:spPr>
+        <p:txBody>
+          <a:bodyPr wrap="square" lIns="0" tIns="0" rIns="36000" bIns="0" rtlCol="0">
+            <a:spAutoFit/>
+          </a:bodyPr>
+          <a:lstStyle/>
+          <a:p>
+            <a:pPr algn="ctr"/>
+            <a:r>
+              <a:rPr lang="fr-FR" sz="900" i="1" dirty="0">
+                <a:latin typeface="Cambria" panose="02040503050406030204" pitchFamily="18" charset="0"/>
+                <a:ea typeface="Arial Rounded MT Bold" charset="0"/>
+                <a:cs typeface="Arial Rounded MT Bold" charset="0"/>
+              </a:rPr>
+              <a:t>MPE encapsulation, </a:t>
+            </a:r>
+            <a:r>
+              <a:rPr lang="fr-FR" sz="900" i="1" dirty="0" err="1">
+                <a:latin typeface="Cambria" panose="02040503050406030204" pitchFamily="18" charset="0"/>
+                <a:ea typeface="Arial Rounded MT Bold" charset="0"/>
+                <a:cs typeface="Arial Rounded MT Bold" charset="0"/>
+              </a:rPr>
+              <a:t>forged</a:t>
+            </a:r>
+            <a:r>
+              <a:rPr lang="fr-FR" sz="900" i="1" dirty="0">
+                <a:latin typeface="Cambria" panose="02040503050406030204" pitchFamily="18" charset="0"/>
+                <a:ea typeface="Arial Rounded MT Bold" charset="0"/>
+                <a:cs typeface="Arial Rounded MT Bold" charset="0"/>
+              </a:rPr>
+              <a:t> destination: 230.2.3.4 : 7000</a:t>
+            </a:r>
+          </a:p>
+        </p:txBody>
+      </p:sp>
+      <p:cxnSp>
+        <p:nvCxnSpPr>
+          <p:cNvPr id="40" name="Connecteur droit 39"/>
+          <p:cNvCxnSpPr>
+            <a:stCxn id="41" idx="3"/>
+            <a:endCxn id="79" idx="2"/>
+          </p:cNvCxnSpPr>
+          <p:nvPr/>
+        </p:nvCxnSpPr>
+        <p:spPr>
+          <a:xfrm flipV="1">
+            <a:off x="1703233" y="1806314"/>
+            <a:ext cx="170109" cy="7861"/>
+          </a:xfrm>
+          <a:prstGeom prst="line">
+            <a:avLst/>
+          </a:prstGeom>
+          <a:ln w="12700">
+            <a:solidFill>
+              <a:schemeClr val="tx1"/>
+            </a:solidFill>
+          </a:ln>
+        </p:spPr>
+        <p:style>
+          <a:lnRef idx="1">
+            <a:schemeClr val="accent1"/>
+          </a:lnRef>
+          <a:fillRef idx="0">
+            <a:schemeClr val="accent1"/>
+          </a:fillRef>
+          <a:effectRef idx="0">
+            <a:schemeClr val="accent1"/>
+          </a:effectRef>
+          <a:fontRef idx="minor">
+            <a:schemeClr val="tx1"/>
+          </a:fontRef>
+        </p:style>
+      </p:cxnSp>
+      <p:sp>
+        <p:nvSpPr>
+          <p:cNvPr id="41" name="Rectangle à coins arrondis 40"/>
+          <p:cNvSpPr/>
+          <p:nvPr/>
+        </p:nvSpPr>
+        <p:spPr>
+          <a:xfrm>
+            <a:off x="1118089" y="1625509"/>
+            <a:ext cx="585144" cy="377331"/>
+          </a:xfrm>
+          <a:prstGeom prst="roundRect">
+            <a:avLst/>
+          </a:prstGeom>
+          <a:solidFill>
+            <a:schemeClr val="accent6">
+              <a:lumMod val="40000"/>
+              <a:lumOff val="60000"/>
+            </a:schemeClr>
+          </a:solidFill>
+          <a:ln>
+            <a:solidFill>
+              <a:schemeClr val="bg1"/>
+            </a:solidFill>
+          </a:ln>
+        </p:spPr>
+        <p:style>
+          <a:lnRef idx="2">
+            <a:schemeClr val="accent1">
+              <a:shade val="50000"/>
+            </a:schemeClr>
+          </a:lnRef>
+          <a:fillRef idx="1">
+            <a:schemeClr val="accent1"/>
+          </a:fillRef>
+          <a:effectRef idx="0">
+            <a:schemeClr val="accent1"/>
+          </a:effectRef>
+          <a:fontRef idx="minor">
+            <a:schemeClr val="lt1"/>
+          </a:fontRef>
+        </p:style>
+        <p:txBody>
+          <a:bodyPr lIns="36000" rIns="36000" rtlCol="0" anchor="ctr"/>
+          <a:lstStyle/>
+          <a:p>
+            <a:pPr algn="ctr"/>
+            <a:r>
+              <a:rPr lang="fr-FR" sz="900" dirty="0">
+                <a:solidFill>
+                  <a:schemeClr val="tx1"/>
+                </a:solidFill>
+                <a:latin typeface="Cambria" panose="02040503050406030204" pitchFamily="18" charset="0"/>
+                <a:ea typeface="Arial Rounded MT Bold" charset="0"/>
+                <a:cs typeface="Arial Rounded MT Bold" charset="0"/>
+              </a:rPr>
+              <a:t>DVB</a:t>
+            </a:r>
+          </a:p>
+          <a:p>
+            <a:pPr algn="ctr"/>
+            <a:r>
+              <a:rPr lang="fr-FR" sz="900" dirty="0">
+                <a:solidFill>
+                  <a:schemeClr val="tx1"/>
+                </a:solidFill>
+                <a:latin typeface="Cambria" panose="02040503050406030204" pitchFamily="18" charset="0"/>
+                <a:ea typeface="Arial Rounded MT Bold" charset="0"/>
+                <a:cs typeface="Arial Rounded MT Bold" charset="0"/>
+              </a:rPr>
+              <a:t>tuner</a:t>
+            </a:r>
+          </a:p>
+        </p:txBody>
+      </p:sp>
+      <p:cxnSp>
+        <p:nvCxnSpPr>
+          <p:cNvPr id="6" name="Connecteur en angle 5"/>
+          <p:cNvCxnSpPr>
+            <a:endCxn id="79" idx="4"/>
+          </p:cNvCxnSpPr>
+          <p:nvPr/>
+        </p:nvCxnSpPr>
+        <p:spPr>
+          <a:xfrm rot="5400000" flipH="1" flipV="1">
+            <a:off x="1621227" y="2200316"/>
+            <a:ext cx="762797" cy="289671"/>
+          </a:xfrm>
+          <a:prstGeom prst="curvedConnector3">
+            <a:avLst>
+              <a:gd name="adj1" fmla="val 21696"/>
+            </a:avLst>
+          </a:prstGeom>
+          <a:ln w="12700">
+            <a:solidFill>
+              <a:schemeClr val="tx1"/>
+            </a:solidFill>
+            <a:prstDash val="sysDot"/>
+            <a:headEnd type="none" w="med" len="med"/>
+            <a:tailEnd type="triangle" w="med" len="med"/>
+          </a:ln>
+        </p:spPr>
+        <p:style>
+          <a:lnRef idx="1">
+            <a:schemeClr val="accent1"/>
+          </a:lnRef>
+          <a:fillRef idx="0">
+            <a:schemeClr val="accent1"/>
+          </a:fillRef>
+          <a:effectRef idx="0">
+            <a:schemeClr val="accent1"/>
+          </a:effectRef>
+          <a:fontRef idx="minor">
+            <a:schemeClr val="tx1"/>
+          </a:fontRef>
+        </p:style>
+      </p:cxnSp>
+      <p:cxnSp>
+        <p:nvCxnSpPr>
+          <p:cNvPr id="54" name="Connecteur droit 53"/>
+          <p:cNvCxnSpPr/>
+          <p:nvPr/>
+        </p:nvCxnSpPr>
+        <p:spPr>
+          <a:xfrm flipH="1" flipV="1">
+            <a:off x="651436" y="1806313"/>
+            <a:ext cx="482656" cy="7862"/>
+          </a:xfrm>
+          <a:prstGeom prst="line">
+            <a:avLst/>
+          </a:prstGeom>
+          <a:ln w="31750">
+            <a:solidFill>
+              <a:schemeClr val="tx1"/>
+            </a:solidFill>
+            <a:headEnd type="triangle" w="med" len="med"/>
+            <a:tailEnd type="none" w="med" len="med"/>
+          </a:ln>
+        </p:spPr>
+        <p:style>
+          <a:lnRef idx="1">
+            <a:schemeClr val="accent1"/>
+          </a:lnRef>
+          <a:fillRef idx="0">
+            <a:schemeClr val="accent1"/>
+          </a:fillRef>
+          <a:effectRef idx="0">
+            <a:schemeClr val="accent1"/>
+          </a:effectRef>
+          <a:fontRef idx="minor">
+            <a:schemeClr val="tx1"/>
+          </a:fontRef>
+        </p:style>
+      </p:cxnSp>
+      <p:pic>
+        <p:nvPicPr>
+          <p:cNvPr id="1027" name="Picture 3"/>
+          <p:cNvPicPr>
+            <a:picLocks noChangeAspect="1" noChangeArrowheads="1"/>
+          </p:cNvPicPr>
+          <p:nvPr/>
+        </p:nvPicPr>
+        <p:blipFill>
+          <a:blip r:embed="rId3">
+            <a:extLst>
+              <a:ext uri="{28A0092B-C50C-407E-A947-70E740481C1C}">
+                <a14:useLocalDpi xmlns:a14="http://schemas.microsoft.com/office/drawing/2010/main" val="0"/>
+              </a:ext>
+            </a:extLst>
+          </a:blip>
+          <a:srcRect/>
+          <a:stretch>
+            <a:fillRect/>
+          </a:stretch>
+        </p:blipFill>
+        <p:spPr bwMode="auto">
+          <a:xfrm flipH="1">
+            <a:off x="540973" y="1360776"/>
+            <a:ext cx="461335" cy="461335"/>
+          </a:xfrm>
+          <a:prstGeom prst="rect">
+            <a:avLst/>
+          </a:prstGeom>
+          <a:noFill/>
+          <a:ln>
+            <a:noFill/>
+          </a:ln>
+          <a:effectLst/>
+          <a:extLst>
+            <a:ext uri="{909E8E84-426E-40DD-AFC4-6F175D3DCCD1}">
+              <a14:hiddenFill xmlns:a14="http://schemas.microsoft.com/office/drawing/2010/main">
+                <a:solidFill>
+                  <a:schemeClr val="accent1"/>
+                </a:solidFill>
+              </a14:hiddenFill>
+            </a:ext>
+            <a:ext uri="{91240B29-F687-4F45-9708-019B960494DF}">
+              <a14:hiddenLine xmlns:a14="http://schemas.microsoft.com/office/drawing/2010/main" w="9525">
+                <a:solidFill>
+                  <a:schemeClr val="tx1"/>
+                </a:solidFill>
+                <a:miter lim="800000"/>
+                <a:headEnd/>
+                <a:tailEnd/>
+              </a14:hiddenLine>
+            </a:ext>
+            <a:ext uri="{AF507438-7753-43E0-B8FC-AC1667EBCBE1}">
+              <a14:hiddenEffects xmlns:a14="http://schemas.microsoft.com/office/drawing/2010/main">
+                <a:effectLst>
+                  <a:outerShdw dist="35921" dir="2700000" algn="ctr" rotWithShape="0">
+                    <a:schemeClr val="bg2"/>
+                  </a:outerShdw>
+                </a:effectLst>
+              </a14:hiddenEffects>
+            </a:ext>
+          </a:extLst>
+        </p:spPr>
+      </p:pic>
+      <p:cxnSp>
+        <p:nvCxnSpPr>
+          <p:cNvPr id="16" name="Connecteur droit 15"/>
+          <p:cNvCxnSpPr/>
+          <p:nvPr/>
+        </p:nvCxnSpPr>
+        <p:spPr>
+          <a:xfrm flipH="1">
+            <a:off x="5121320" y="1976090"/>
+            <a:ext cx="1" cy="156786"/>
+          </a:xfrm>
+          <a:prstGeom prst="line">
+            <a:avLst/>
+          </a:prstGeom>
+          <a:ln w="12700">
+            <a:solidFill>
+              <a:schemeClr val="tx1"/>
+            </a:solidFill>
+            <a:prstDash val="sysDot"/>
+            <a:headEnd type="none" w="med" len="med"/>
+            <a:tailEnd type="none" w="med" len="med"/>
+          </a:ln>
+        </p:spPr>
+        <p:style>
+          <a:lnRef idx="1">
+            <a:schemeClr val="accent1"/>
+          </a:lnRef>
+          <a:fillRef idx="0">
+            <a:schemeClr val="accent1"/>
+          </a:fillRef>
+          <a:effectRef idx="0">
+            <a:schemeClr val="accent1"/>
+          </a:effectRef>
+          <a:fontRef idx="minor">
+            <a:schemeClr val="tx1"/>
+          </a:fontRef>
+        </p:style>
+      </p:cxnSp>
+      <p:sp>
+        <p:nvSpPr>
+          <p:cNvPr id="68" name="Ellipse 67"/>
+          <p:cNvSpPr/>
+          <p:nvPr/>
+        </p:nvSpPr>
+        <p:spPr>
+          <a:xfrm>
+            <a:off x="4847202" y="1648875"/>
+            <a:ext cx="548237" cy="314876"/>
+          </a:xfrm>
+          <a:prstGeom prst="ellipse">
+            <a:avLst/>
+          </a:prstGeom>
+          <a:solidFill>
+            <a:schemeClr val="accent6">
+              <a:lumMod val="40000"/>
+              <a:lumOff val="60000"/>
+            </a:schemeClr>
+          </a:solidFill>
+          <a:ln>
+            <a:solidFill>
+              <a:schemeClr val="bg1"/>
+            </a:solidFill>
+          </a:ln>
+        </p:spPr>
+        <p:style>
+          <a:lnRef idx="2">
+            <a:schemeClr val="accent1">
+              <a:shade val="50000"/>
+            </a:schemeClr>
+          </a:lnRef>
+          <a:fillRef idx="1">
+            <a:schemeClr val="accent1"/>
+          </a:fillRef>
+          <a:effectRef idx="0">
+            <a:schemeClr val="accent1"/>
+          </a:effectRef>
+          <a:fontRef idx="minor">
+            <a:schemeClr val="lt1"/>
+          </a:fontRef>
+        </p:style>
+        <p:txBody>
+          <a:bodyPr rot="0" spcFirstLastPara="0" vertOverflow="overflow" horzOverflow="overflow" vert="horz" wrap="square" lIns="36000" tIns="45720" rIns="36000" bIns="45720" numCol="1" spcCol="0" rtlCol="0" fromWordArt="0" anchor="ctr" anchorCtr="0" forceAA="0" compatLnSpc="1">
+            <a:prstTxWarp prst="textNoShape">
+              <a:avLst/>
+            </a:prstTxWarp>
+            <a:noAutofit/>
+          </a:bodyPr>
+          <a:lstStyle/>
+          <a:p>
+            <a:pPr algn="ctr"/>
+            <a:r>
+              <a:rPr lang="fr-FR" sz="900" i="1">
+                <a:solidFill>
+                  <a:schemeClr val="tx1"/>
+                </a:solidFill>
+                <a:latin typeface="Cambria" panose="02040503050406030204" pitchFamily="18" charset="0"/>
+                <a:ea typeface="Arial Rounded MT Bold" charset="0"/>
+                <a:cs typeface="Arial Rounded MT Bold" charset="0"/>
+              </a:rPr>
+              <a:t>tsp</a:t>
+            </a:r>
+            <a:endParaRPr lang="fr-FR" sz="900" i="1" dirty="0">
               <a:solidFill>
                 <a:schemeClr val="tx1"/>
               </a:solidFill>
-              <a:prstDash val="sysDot"/>
-              <a:headEnd type="triangle" w="med" len="med"/>
-              <a:tailEnd type="none" w="med" len="med"/>
-            </a:ln>
-          </p:spPr>
-          <p:style>
-            <a:lnRef idx="1">
-              <a:schemeClr val="accent1"/>
-            </a:lnRef>
-            <a:fillRef idx="0">
-              <a:schemeClr val="accent1"/>
-            </a:fillRef>
-            <a:effectRef idx="0">
-              <a:schemeClr val="accent1"/>
-            </a:effectRef>
-            <a:fontRef idx="minor">
+              <a:latin typeface="Cambria" panose="02040503050406030204" pitchFamily="18" charset="0"/>
+              <a:ea typeface="Arial Rounded MT Bold" charset="0"/>
+              <a:cs typeface="Arial Rounded MT Bold" charset="0"/>
+            </a:endParaRPr>
+          </a:p>
+        </p:txBody>
+      </p:sp>
+      <p:sp>
+        <p:nvSpPr>
+          <p:cNvPr id="67" name="Arc 66"/>
+          <p:cNvSpPr/>
+          <p:nvPr/>
+        </p:nvSpPr>
+        <p:spPr>
+          <a:xfrm flipV="1">
+            <a:off x="4091949" y="2002642"/>
+            <a:ext cx="1027053" cy="388132"/>
+          </a:xfrm>
+          <a:prstGeom prst="arc">
+            <a:avLst>
+              <a:gd name="adj1" fmla="val 16144377"/>
+              <a:gd name="adj2" fmla="val 146338"/>
+            </a:avLst>
+          </a:prstGeom>
+          <a:ln w="12700">
+            <a:solidFill>
               <a:schemeClr val="tx1"/>
-            </a:fontRef>
-          </p:style>
-          <p:txBody>
-            <a:bodyPr rtlCol="0" anchor="ctr"/>
-            <a:lstStyle/>
-            <a:p>
-              <a:pPr algn="ctr"/>
-              <a:endParaRPr lang="en-US"/>
-            </a:p>
-          </p:txBody>
-        </p:sp>
-      </p:grpSp>
+            </a:solidFill>
+            <a:prstDash val="sysDot"/>
+            <a:headEnd type="triangle" w="med" len="med"/>
+            <a:tailEnd type="none" w="med" len="med"/>
+          </a:ln>
+        </p:spPr>
+        <p:style>
+          <a:lnRef idx="1">
+            <a:schemeClr val="accent1"/>
+          </a:lnRef>
+          <a:fillRef idx="0">
+            <a:schemeClr val="accent1"/>
+          </a:fillRef>
+          <a:effectRef idx="0">
+            <a:schemeClr val="accent1"/>
+          </a:effectRef>
+          <a:fontRef idx="minor">
+            <a:schemeClr val="tx1"/>
+          </a:fontRef>
+        </p:style>
+        <p:txBody>
+          <a:bodyPr rtlCol="0" anchor="ctr"/>
+          <a:lstStyle/>
+          <a:p>
+            <a:pPr algn="ctr"/>
+            <a:endParaRPr lang="en-US"/>
+          </a:p>
+        </p:txBody>
+      </p:sp>
+      <p:sp>
+        <p:nvSpPr>
+          <p:cNvPr id="70" name="Arc 69"/>
+          <p:cNvSpPr/>
+          <p:nvPr/>
+        </p:nvSpPr>
+        <p:spPr>
+          <a:xfrm flipH="1" flipV="1">
+            <a:off x="5121155" y="2001603"/>
+            <a:ext cx="620732" cy="389169"/>
+          </a:xfrm>
+          <a:prstGeom prst="arc">
+            <a:avLst>
+              <a:gd name="adj1" fmla="val 16199986"/>
+              <a:gd name="adj2" fmla="val 146338"/>
+            </a:avLst>
+          </a:prstGeom>
+          <a:ln w="12700">
+            <a:solidFill>
+              <a:schemeClr val="tx1"/>
+            </a:solidFill>
+            <a:prstDash val="sysDot"/>
+            <a:headEnd type="triangle" w="med" len="med"/>
+            <a:tailEnd type="none" w="med" len="med"/>
+          </a:ln>
+        </p:spPr>
+        <p:style>
+          <a:lnRef idx="1">
+            <a:schemeClr val="accent1"/>
+          </a:lnRef>
+          <a:fillRef idx="0">
+            <a:schemeClr val="accent1"/>
+          </a:fillRef>
+          <a:effectRef idx="0">
+            <a:schemeClr val="accent1"/>
+          </a:effectRef>
+          <a:fontRef idx="minor">
+            <a:schemeClr val="tx1"/>
+          </a:fontRef>
+        </p:style>
+        <p:txBody>
+          <a:bodyPr rtlCol="0" anchor="ctr"/>
+          <a:lstStyle/>
+          <a:p>
+            <a:pPr algn="ctr"/>
+            <a:endParaRPr lang="en-US"/>
+          </a:p>
+        </p:txBody>
+      </p:sp>
       <p:sp>
         <p:nvSpPr>
           <p:cNvPr id="50" name="Rectangle à coins arrondis 49"/>
@@ -8045,7 +7844,7 @@
           <a:p>
             <a:pPr algn="ctr"/>
             <a:r>
-              <a:rPr lang="fr-FR" sz="1200" b="1" dirty="0" err="1" smtClean="0">
+              <a:rPr lang="fr-FR" sz="1200" b="1" dirty="0" err="1">
                 <a:solidFill>
                   <a:schemeClr val="tx1"/>
                 </a:solidFill>
@@ -8109,18 +7908,13 @@
           <a:p>
             <a:pPr algn="ctr"/>
             <a:r>
-              <a:rPr lang="fr-FR" sz="900" i="1" dirty="0" smtClean="0">
+              <a:rPr lang="fr-FR" sz="900" i="1" dirty="0">
                 <a:latin typeface="Cambria" panose="02040503050406030204" pitchFamily="18" charset="0"/>
                 <a:ea typeface="Arial Rounded MT Bold" charset="0"/>
                 <a:cs typeface="Arial Rounded MT Bold" charset="0"/>
               </a:rPr>
               <a:t>input</a:t>
             </a:r>
-            <a:endParaRPr lang="fr-FR" sz="900" i="1" dirty="0">
-              <a:latin typeface="Cambria" panose="02040503050406030204" pitchFamily="18" charset="0"/>
-              <a:ea typeface="Arial Rounded MT Bold" charset="0"/>
-              <a:cs typeface="Arial Rounded MT Bold" charset="0"/>
-            </a:endParaRPr>
           </a:p>
         </p:txBody>
       </p:sp>
@@ -8191,29 +7985,8 @@
                 <a:ea typeface="Arial Rounded MT Bold" charset="0"/>
                 <a:cs typeface="Arial Rounded MT Bold" charset="0"/>
               </a:rPr>
-              <a:t>i</a:t>
+              <a:t>input TS 2</a:t>
             </a:r>
-            <a:r>
-              <a:rPr lang="fr-FR" sz="900" dirty="0" smtClean="0">
-                <a:latin typeface="Cambria" panose="02040503050406030204" pitchFamily="18" charset="0"/>
-                <a:ea typeface="Arial Rounded MT Bold" charset="0"/>
-                <a:cs typeface="Arial Rounded MT Bold" charset="0"/>
-              </a:rPr>
-              <a:t>nput </a:t>
-            </a:r>
-            <a:r>
-              <a:rPr lang="fr-FR" sz="900" dirty="0" smtClean="0">
-                <a:latin typeface="Cambria" panose="02040503050406030204" pitchFamily="18" charset="0"/>
-                <a:ea typeface="Arial Rounded MT Bold" charset="0"/>
-                <a:cs typeface="Arial Rounded MT Bold" charset="0"/>
-              </a:rPr>
-              <a:t>TS 2</a:t>
-            </a:r>
-            <a:endParaRPr lang="fr-FR" sz="900" dirty="0">
-              <a:latin typeface="Cambria" panose="02040503050406030204" pitchFamily="18" charset="0"/>
-              <a:ea typeface="Arial Rounded MT Bold" charset="0"/>
-              <a:cs typeface="Arial Rounded MT Bold" charset="0"/>
-            </a:endParaRPr>
           </a:p>
         </p:txBody>
       </p:sp>
@@ -8240,26 +8013,13 @@
           <a:lstStyle/>
           <a:p>
             <a:r>
-              <a:rPr lang="fr-FR" sz="900" dirty="0" smtClean="0">
+              <a:rPr lang="fr-FR" sz="900" dirty="0">
                 <a:latin typeface="Cambria" panose="02040503050406030204" pitchFamily="18" charset="0"/>
                 <a:ea typeface="Arial Rounded MT Bold" charset="0"/>
                 <a:cs typeface="Arial Rounded MT Bold" charset="0"/>
               </a:rPr>
-              <a:t>output </a:t>
+              <a:t>output TS 2</a:t>
             </a:r>
-            <a:r>
-              <a:rPr lang="fr-FR" sz="900" dirty="0" smtClean="0">
-                <a:latin typeface="Cambria" panose="02040503050406030204" pitchFamily="18" charset="0"/>
-                <a:ea typeface="Arial Rounded MT Bold" charset="0"/>
-                <a:cs typeface="Arial Rounded MT Bold" charset="0"/>
-              </a:rPr>
-              <a:t>TS 2</a:t>
-            </a:r>
-            <a:endParaRPr lang="fr-FR" sz="900" dirty="0">
-              <a:latin typeface="Cambria" panose="02040503050406030204" pitchFamily="18" charset="0"/>
-              <a:ea typeface="Arial Rounded MT Bold" charset="0"/>
-              <a:cs typeface="Arial Rounded MT Bold" charset="0"/>
-            </a:endParaRPr>
           </a:p>
         </p:txBody>
       </p:sp>
@@ -8327,18 +8087,13 @@
           <a:lstStyle/>
           <a:p>
             <a:r>
-              <a:rPr lang="fr-FR" sz="700" dirty="0" smtClean="0">
+              <a:rPr lang="fr-FR" sz="700" dirty="0">
                 <a:latin typeface="Cambria" panose="02040503050406030204" pitchFamily="18" charset="0"/>
                 <a:ea typeface="Arial Rounded MT Bold" charset="0"/>
                 <a:cs typeface="Arial Rounded MT Bold" charset="0"/>
               </a:rPr>
               <a:t>TSDuck</a:t>
             </a:r>
-            <a:endParaRPr lang="fr-FR" sz="700" dirty="0">
-              <a:latin typeface="Cambria" panose="02040503050406030204" pitchFamily="18" charset="0"/>
-              <a:ea typeface="Arial Rounded MT Bold" charset="0"/>
-              <a:cs typeface="Arial Rounded MT Bold" charset="0"/>
-            </a:endParaRPr>
           </a:p>
         </p:txBody>
       </p:sp>
@@ -8385,18 +8140,13 @@
           <a:p>
             <a:pPr algn="ctr"/>
             <a:r>
-              <a:rPr lang="fr-FR" sz="900" i="1" dirty="0" smtClean="0">
+              <a:rPr lang="fr-FR" sz="900" i="1" dirty="0">
                 <a:latin typeface="Cambria" panose="02040503050406030204" pitchFamily="18" charset="0"/>
                 <a:ea typeface="Arial Rounded MT Bold" charset="0"/>
                 <a:cs typeface="Arial Rounded MT Bold" charset="0"/>
               </a:rPr>
               <a:t>plugin</a:t>
             </a:r>
-            <a:endParaRPr lang="fr-FR" sz="900" i="1" dirty="0">
-              <a:latin typeface="Cambria" panose="02040503050406030204" pitchFamily="18" charset="0"/>
-              <a:ea typeface="Arial Rounded MT Bold" charset="0"/>
-              <a:cs typeface="Arial Rounded MT Bold" charset="0"/>
-            </a:endParaRPr>
           </a:p>
         </p:txBody>
       </p:sp>
@@ -8443,7 +8193,7 @@
           <a:p>
             <a:pPr algn="ctr"/>
             <a:r>
-              <a:rPr lang="fr-FR" sz="900" b="1" dirty="0" err="1" smtClean="0">
+              <a:rPr lang="fr-FR" sz="900" b="1" dirty="0" err="1">
                 <a:latin typeface="Consolas" panose="020B0609020204030204" pitchFamily="49" charset="0"/>
                 <a:ea typeface="Arial Rounded MT Bold" charset="0"/>
                 <a:cs typeface="Consolas" panose="020B0609020204030204" pitchFamily="49" charset="0"/>
@@ -8559,18 +8309,13 @@
           <a:p>
             <a:pPr algn="ctr"/>
             <a:r>
-              <a:rPr lang="fr-FR" sz="900" i="1" dirty="0" smtClean="0">
+              <a:rPr lang="fr-FR" sz="900" i="1" dirty="0">
                 <a:latin typeface="Cambria" panose="02040503050406030204" pitchFamily="18" charset="0"/>
                 <a:ea typeface="Arial Rounded MT Bold" charset="0"/>
                 <a:cs typeface="Arial Rounded MT Bold" charset="0"/>
               </a:rPr>
               <a:t>plugin</a:t>
             </a:r>
-            <a:endParaRPr lang="fr-FR" sz="900" i="1" dirty="0">
-              <a:latin typeface="Cambria" panose="02040503050406030204" pitchFamily="18" charset="0"/>
-              <a:ea typeface="Arial Rounded MT Bold" charset="0"/>
-              <a:cs typeface="Arial Rounded MT Bold" charset="0"/>
-            </a:endParaRPr>
           </a:p>
         </p:txBody>
       </p:sp>
@@ -8583,64 +8328,6 @@
         <p:spPr>
           <a:xfrm>
             <a:off x="4487093" y="4746170"/>
-            <a:ext cx="439627" cy="283495"/>
-          </a:xfrm>
-          <a:prstGeom prst="roundRect">
-            <a:avLst/>
-          </a:prstGeom>
-          <a:solidFill>
-            <a:srgbClr val="1F8A4C"/>
-          </a:solidFill>
-          <a:ln>
-            <a:noFill/>
-          </a:ln>
-        </p:spPr>
-        <p:style>
-          <a:lnRef idx="2">
-            <a:schemeClr val="accent1">
-              <a:shade val="50000"/>
-            </a:schemeClr>
-          </a:lnRef>
-          <a:fillRef idx="1">
-            <a:schemeClr val="accent1"/>
-          </a:fillRef>
-          <a:effectRef idx="0">
-            <a:schemeClr val="accent1"/>
-          </a:effectRef>
-          <a:fontRef idx="minor">
-            <a:schemeClr val="lt1"/>
-          </a:fontRef>
-        </p:style>
-        <p:txBody>
-          <a:bodyPr lIns="36000" rIns="36000" rtlCol="0" anchor="ctr"/>
-          <a:lstStyle/>
-          <a:p>
-            <a:pPr algn="ctr"/>
-            <a:r>
-              <a:rPr lang="fr-FR" sz="900" b="1" dirty="0" smtClean="0">
-                <a:latin typeface="Consolas" panose="020B0609020204030204" pitchFamily="49" charset="0"/>
-                <a:ea typeface="Arial Rounded MT Bold" charset="0"/>
-                <a:cs typeface="Consolas" panose="020B0609020204030204" pitchFamily="49" charset="0"/>
-              </a:rPr>
-              <a:t>fork</a:t>
-            </a:r>
-            <a:endParaRPr lang="fr-FR" sz="900" i="1" dirty="0">
-              <a:latin typeface="Cambria" panose="02040503050406030204" pitchFamily="18" charset="0"/>
-              <a:ea typeface="Arial Rounded MT Bold" charset="0"/>
-              <a:cs typeface="Arial Rounded MT Bold" charset="0"/>
-            </a:endParaRPr>
-          </a:p>
-        </p:txBody>
-      </p:sp>
-      <p:sp>
-        <p:nvSpPr>
-          <p:cNvPr id="92" name="Rectangle à coins arrondis 91"/>
-          <p:cNvSpPr/>
-          <p:nvPr/>
-        </p:nvSpPr>
-        <p:spPr>
-          <a:xfrm>
-            <a:off x="5094244" y="4746170"/>
             <a:ext cx="439627" cy="283495"/>
           </a:xfrm>
           <a:prstGeom prst="roundRect">
@@ -8692,13 +8379,13 @@
       </p:sp>
       <p:sp>
         <p:nvSpPr>
-          <p:cNvPr id="93" name="Rectangle à coins arrondis 92"/>
+          <p:cNvPr id="92" name="Rectangle à coins arrondis 91"/>
           <p:cNvSpPr/>
           <p:nvPr/>
         </p:nvSpPr>
         <p:spPr>
           <a:xfrm>
-            <a:off x="5701395" y="4746170"/>
+            <a:off x="5094244" y="4746170"/>
             <a:ext cx="439627" cy="283495"/>
           </a:xfrm>
           <a:prstGeom prst="roundRect">
@@ -8733,26 +8420,71 @@
           <a:p>
             <a:pPr algn="ctr"/>
             <a:r>
-              <a:rPr lang="fr-FR" sz="900" i="1" dirty="0" smtClean="0">
-                <a:latin typeface="Cambria" panose="02040503050406030204" pitchFamily="18" charset="0"/>
+              <a:rPr lang="fr-FR" sz="900" b="1" dirty="0">
+                <a:latin typeface="Consolas" panose="020B0609020204030204" pitchFamily="49" charset="0"/>
                 <a:ea typeface="Arial Rounded MT Bold" charset="0"/>
-                <a:cs typeface="Arial Rounded MT Bold" charset="0"/>
+                <a:cs typeface="Consolas" panose="020B0609020204030204" pitchFamily="49" charset="0"/>
               </a:rPr>
-              <a:t>out</a:t>
-            </a:r>
-            <a:r>
-              <a:rPr lang="fr-FR" sz="900" i="1" dirty="0" smtClean="0">
-                <a:latin typeface="Cambria" panose="02040503050406030204" pitchFamily="18" charset="0"/>
-                <a:ea typeface="Arial Rounded MT Bold" charset="0"/>
-                <a:cs typeface="Arial Rounded MT Bold" charset="0"/>
-              </a:rPr>
-              <a:t>put</a:t>
+              <a:t>fork</a:t>
             </a:r>
             <a:endParaRPr lang="fr-FR" sz="900" i="1" dirty="0">
               <a:latin typeface="Cambria" panose="02040503050406030204" pitchFamily="18" charset="0"/>
               <a:ea typeface="Arial Rounded MT Bold" charset="0"/>
               <a:cs typeface="Arial Rounded MT Bold" charset="0"/>
             </a:endParaRPr>
+          </a:p>
+        </p:txBody>
+      </p:sp>
+      <p:sp>
+        <p:nvSpPr>
+          <p:cNvPr id="93" name="Rectangle à coins arrondis 92"/>
+          <p:cNvSpPr/>
+          <p:nvPr/>
+        </p:nvSpPr>
+        <p:spPr>
+          <a:xfrm>
+            <a:off x="5701395" y="4746170"/>
+            <a:ext cx="439627" cy="283495"/>
+          </a:xfrm>
+          <a:prstGeom prst="roundRect">
+            <a:avLst/>
+          </a:prstGeom>
+          <a:solidFill>
+            <a:srgbClr val="1F8A4C"/>
+          </a:solidFill>
+          <a:ln>
+            <a:noFill/>
+          </a:ln>
+        </p:spPr>
+        <p:style>
+          <a:lnRef idx="2">
+            <a:schemeClr val="accent1">
+              <a:shade val="50000"/>
+            </a:schemeClr>
+          </a:lnRef>
+          <a:fillRef idx="1">
+            <a:schemeClr val="accent1"/>
+          </a:fillRef>
+          <a:effectRef idx="0">
+            <a:schemeClr val="accent1"/>
+          </a:effectRef>
+          <a:fontRef idx="minor">
+            <a:schemeClr val="lt1"/>
+          </a:fontRef>
+        </p:style>
+        <p:txBody>
+          <a:bodyPr lIns="36000" rIns="36000" rtlCol="0" anchor="ctr"/>
+          <a:lstStyle/>
+          <a:p>
+            <a:pPr algn="ctr"/>
+            <a:r>
+              <a:rPr lang="fr-FR" sz="900" i="1" dirty="0">
+                <a:latin typeface="Cambria" panose="02040503050406030204" pitchFamily="18" charset="0"/>
+                <a:ea typeface="Arial Rounded MT Bold" charset="0"/>
+                <a:cs typeface="Arial Rounded MT Bold" charset="0"/>
+              </a:rPr>
+              <a:t>output</a:t>
+            </a:r>
           </a:p>
         </p:txBody>
       </p:sp>
@@ -9123,7 +8855,7 @@
           <a:p>
             <a:pPr algn="ctr"/>
             <a:r>
-              <a:rPr lang="fr-FR" sz="1200" b="1" dirty="0" err="1" smtClean="0">
+              <a:rPr lang="fr-FR" sz="1200" b="1" dirty="0" err="1">
                 <a:solidFill>
                   <a:schemeClr val="tx1"/>
                 </a:solidFill>
@@ -9187,18 +8919,13 @@
           <a:p>
             <a:pPr algn="ctr"/>
             <a:r>
-              <a:rPr lang="fr-FR" sz="900" i="1" dirty="0" smtClean="0">
+              <a:rPr lang="fr-FR" sz="900" i="1" dirty="0">
                 <a:latin typeface="Cambria" panose="02040503050406030204" pitchFamily="18" charset="0"/>
                 <a:ea typeface="Arial Rounded MT Bold" charset="0"/>
                 <a:cs typeface="Arial Rounded MT Bold" charset="0"/>
               </a:rPr>
               <a:t>input</a:t>
             </a:r>
-            <a:endParaRPr lang="fr-FR" sz="900" i="1" dirty="0">
-              <a:latin typeface="Cambria" panose="02040503050406030204" pitchFamily="18" charset="0"/>
-              <a:ea typeface="Arial Rounded MT Bold" charset="0"/>
-              <a:cs typeface="Arial Rounded MT Bold" charset="0"/>
-            </a:endParaRPr>
           </a:p>
         </p:txBody>
       </p:sp>
@@ -9245,18 +8972,13 @@
           <a:p>
             <a:pPr algn="ctr"/>
             <a:r>
-              <a:rPr lang="fr-FR" sz="900" i="1" dirty="0" smtClean="0">
+              <a:rPr lang="fr-FR" sz="900" i="1" dirty="0">
                 <a:latin typeface="Cambria" panose="02040503050406030204" pitchFamily="18" charset="0"/>
                 <a:ea typeface="Arial Rounded MT Bold" charset="0"/>
                 <a:cs typeface="Arial Rounded MT Bold" charset="0"/>
               </a:rPr>
               <a:t>plugin</a:t>
             </a:r>
-            <a:endParaRPr lang="fr-FR" sz="900" i="1" dirty="0">
-              <a:latin typeface="Cambria" panose="02040503050406030204" pitchFamily="18" charset="0"/>
-              <a:ea typeface="Arial Rounded MT Bold" charset="0"/>
-              <a:cs typeface="Arial Rounded MT Bold" charset="0"/>
-            </a:endParaRPr>
           </a:p>
         </p:txBody>
       </p:sp>
@@ -9303,18 +9025,13 @@
           <a:p>
             <a:pPr algn="ctr"/>
             <a:r>
-              <a:rPr lang="fr-FR" sz="900" i="1" dirty="0" smtClean="0">
+              <a:rPr lang="fr-FR" sz="900" i="1" dirty="0">
                 <a:latin typeface="Cambria" panose="02040503050406030204" pitchFamily="18" charset="0"/>
                 <a:ea typeface="Arial Rounded MT Bold" charset="0"/>
                 <a:cs typeface="Arial Rounded MT Bold" charset="0"/>
               </a:rPr>
               <a:t>plugin</a:t>
             </a:r>
-            <a:endParaRPr lang="fr-FR" sz="900" i="1" dirty="0">
-              <a:latin typeface="Cambria" panose="02040503050406030204" pitchFamily="18" charset="0"/>
-              <a:ea typeface="Arial Rounded MT Bold" charset="0"/>
-              <a:cs typeface="Arial Rounded MT Bold" charset="0"/>
-            </a:endParaRPr>
           </a:p>
         </p:txBody>
       </p:sp>
@@ -9361,7 +9078,7 @@
           <a:p>
             <a:pPr algn="ctr"/>
             <a:r>
-              <a:rPr lang="fr-FR" sz="900" b="1" dirty="0" smtClean="0">
+              <a:rPr lang="fr-FR" sz="900" b="1" dirty="0">
                 <a:latin typeface="Consolas" panose="020B0609020204030204" pitchFamily="49" charset="0"/>
                 <a:ea typeface="Arial Rounded MT Bold" charset="0"/>
                 <a:cs typeface="Consolas" panose="020B0609020204030204" pitchFamily="49" charset="0"/>
@@ -9583,7 +9300,7 @@
           <a:p>
             <a:pPr algn="ctr"/>
             <a:r>
-              <a:rPr lang="fr-FR" sz="1200" b="1" dirty="0" err="1" smtClean="0">
+              <a:rPr lang="fr-FR" sz="1200" b="1" dirty="0" err="1">
                 <a:solidFill>
                   <a:schemeClr val="tx1"/>
                 </a:solidFill>
@@ -9647,18 +9364,13 @@
           <a:p>
             <a:pPr algn="ctr"/>
             <a:r>
-              <a:rPr lang="fr-FR" sz="900" i="1" dirty="0" smtClean="0">
+              <a:rPr lang="fr-FR" sz="900" i="1" dirty="0">
                 <a:latin typeface="Cambria" panose="02040503050406030204" pitchFamily="18" charset="0"/>
                 <a:ea typeface="Arial Rounded MT Bold" charset="0"/>
                 <a:cs typeface="Arial Rounded MT Bold" charset="0"/>
               </a:rPr>
               <a:t>input</a:t>
             </a:r>
-            <a:endParaRPr lang="fr-FR" sz="900" i="1" dirty="0">
-              <a:latin typeface="Cambria" panose="02040503050406030204" pitchFamily="18" charset="0"/>
-              <a:ea typeface="Arial Rounded MT Bold" charset="0"/>
-              <a:cs typeface="Arial Rounded MT Bold" charset="0"/>
-            </a:endParaRPr>
           </a:p>
         </p:txBody>
       </p:sp>
@@ -9705,18 +9417,13 @@
           <a:p>
             <a:pPr algn="ctr"/>
             <a:r>
-              <a:rPr lang="fr-FR" sz="900" i="1" dirty="0" smtClean="0">
+              <a:rPr lang="fr-FR" sz="900" i="1" dirty="0">
                 <a:latin typeface="Cambria" panose="02040503050406030204" pitchFamily="18" charset="0"/>
                 <a:ea typeface="Arial Rounded MT Bold" charset="0"/>
                 <a:cs typeface="Arial Rounded MT Bold" charset="0"/>
               </a:rPr>
               <a:t>plugin</a:t>
             </a:r>
-            <a:endParaRPr lang="fr-FR" sz="900" i="1" dirty="0">
-              <a:latin typeface="Cambria" panose="02040503050406030204" pitchFamily="18" charset="0"/>
-              <a:ea typeface="Arial Rounded MT Bold" charset="0"/>
-              <a:cs typeface="Arial Rounded MT Bold" charset="0"/>
-            </a:endParaRPr>
           </a:p>
         </p:txBody>
       </p:sp>
@@ -9763,18 +9470,13 @@
           <a:p>
             <a:pPr algn="ctr"/>
             <a:r>
-              <a:rPr lang="fr-FR" sz="900" i="1" dirty="0" smtClean="0">
+              <a:rPr lang="fr-FR" sz="900" i="1" dirty="0">
                 <a:latin typeface="Cambria" panose="02040503050406030204" pitchFamily="18" charset="0"/>
                 <a:ea typeface="Arial Rounded MT Bold" charset="0"/>
                 <a:cs typeface="Arial Rounded MT Bold" charset="0"/>
               </a:rPr>
               <a:t>plugin</a:t>
             </a:r>
-            <a:endParaRPr lang="fr-FR" sz="900" i="1" dirty="0">
-              <a:latin typeface="Cambria" panose="02040503050406030204" pitchFamily="18" charset="0"/>
-              <a:ea typeface="Arial Rounded MT Bold" charset="0"/>
-              <a:cs typeface="Arial Rounded MT Bold" charset="0"/>
-            </a:endParaRPr>
           </a:p>
         </p:txBody>
       </p:sp>
@@ -9821,7 +9523,7 @@
           <a:p>
             <a:pPr algn="ctr"/>
             <a:r>
-              <a:rPr lang="fr-FR" sz="900" b="1" dirty="0" smtClean="0">
+              <a:rPr lang="fr-FR" sz="900" b="1" dirty="0">
                 <a:latin typeface="Consolas" panose="020B0609020204030204" pitchFamily="49" charset="0"/>
                 <a:ea typeface="Arial Rounded MT Bold" charset="0"/>
                 <a:cs typeface="Consolas" panose="020B0609020204030204" pitchFamily="49" charset="0"/>
@@ -10062,29 +9764,8 @@
                 <a:ea typeface="Arial Rounded MT Bold" charset="0"/>
                 <a:cs typeface="Arial Rounded MT Bold" charset="0"/>
               </a:rPr>
-              <a:t>i</a:t>
+              <a:t>input TS 1</a:t>
             </a:r>
-            <a:r>
-              <a:rPr lang="fr-FR" sz="900" dirty="0" smtClean="0">
-                <a:latin typeface="Cambria" panose="02040503050406030204" pitchFamily="18" charset="0"/>
-                <a:ea typeface="Arial Rounded MT Bold" charset="0"/>
-                <a:cs typeface="Arial Rounded MT Bold" charset="0"/>
-              </a:rPr>
-              <a:t>nput </a:t>
-            </a:r>
-            <a:r>
-              <a:rPr lang="fr-FR" sz="900" dirty="0" smtClean="0">
-                <a:latin typeface="Cambria" panose="02040503050406030204" pitchFamily="18" charset="0"/>
-                <a:ea typeface="Arial Rounded MT Bold" charset="0"/>
-                <a:cs typeface="Arial Rounded MT Bold" charset="0"/>
-              </a:rPr>
-              <a:t>TS 1</a:t>
-            </a:r>
-            <a:endParaRPr lang="fr-FR" sz="900" dirty="0">
-              <a:latin typeface="Cambria" panose="02040503050406030204" pitchFamily="18" charset="0"/>
-              <a:ea typeface="Arial Rounded MT Bold" charset="0"/>
-              <a:cs typeface="Arial Rounded MT Bold" charset="0"/>
-            </a:endParaRPr>
           </a:p>
         </p:txBody>
       </p:sp>
@@ -10155,29 +9836,8 @@
                 <a:ea typeface="Arial Rounded MT Bold" charset="0"/>
                 <a:cs typeface="Arial Rounded MT Bold" charset="0"/>
               </a:rPr>
-              <a:t>i</a:t>
+              <a:t>input TS 3</a:t>
             </a:r>
-            <a:r>
-              <a:rPr lang="fr-FR" sz="900" dirty="0" smtClean="0">
-                <a:latin typeface="Cambria" panose="02040503050406030204" pitchFamily="18" charset="0"/>
-                <a:ea typeface="Arial Rounded MT Bold" charset="0"/>
-                <a:cs typeface="Arial Rounded MT Bold" charset="0"/>
-              </a:rPr>
-              <a:t>nput </a:t>
-            </a:r>
-            <a:r>
-              <a:rPr lang="fr-FR" sz="900" dirty="0" smtClean="0">
-                <a:latin typeface="Cambria" panose="02040503050406030204" pitchFamily="18" charset="0"/>
-                <a:ea typeface="Arial Rounded MT Bold" charset="0"/>
-                <a:cs typeface="Arial Rounded MT Bold" charset="0"/>
-              </a:rPr>
-              <a:t>TS 3</a:t>
-            </a:r>
-            <a:endParaRPr lang="fr-FR" sz="900" dirty="0">
-              <a:latin typeface="Cambria" panose="02040503050406030204" pitchFamily="18" charset="0"/>
-              <a:ea typeface="Arial Rounded MT Bold" charset="0"/>
-              <a:cs typeface="Arial Rounded MT Bold" charset="0"/>
-            </a:endParaRPr>
           </a:p>
         </p:txBody>
       </p:sp>
@@ -10229,7 +9889,7 @@
           <a:p>
             <a:pPr algn="ctr"/>
             <a:r>
-              <a:rPr lang="fr-FR" sz="1200" b="1" dirty="0" err="1" smtClean="0">
+              <a:rPr lang="fr-FR" sz="1200" b="1" dirty="0" err="1">
                 <a:solidFill>
                   <a:schemeClr val="tx1"/>
                 </a:solidFill>
@@ -10351,18 +10011,13 @@
           <a:p>
             <a:pPr algn="ctr"/>
             <a:r>
-              <a:rPr lang="fr-FR" sz="900" i="1" dirty="0" smtClean="0">
+              <a:rPr lang="fr-FR" sz="900" i="1" dirty="0">
                 <a:latin typeface="Cambria" panose="02040503050406030204" pitchFamily="18" charset="0"/>
                 <a:ea typeface="Arial Rounded MT Bold" charset="0"/>
                 <a:cs typeface="Arial Rounded MT Bold" charset="0"/>
               </a:rPr>
               <a:t>plugin</a:t>
             </a:r>
-            <a:endParaRPr lang="fr-FR" sz="900" i="1" dirty="0">
-              <a:latin typeface="Cambria" panose="02040503050406030204" pitchFamily="18" charset="0"/>
-              <a:ea typeface="Arial Rounded MT Bold" charset="0"/>
-              <a:cs typeface="Arial Rounded MT Bold" charset="0"/>
-            </a:endParaRPr>
           </a:p>
         </p:txBody>
       </p:sp>
@@ -10409,18 +10064,13 @@
           <a:p>
             <a:pPr algn="ctr"/>
             <a:r>
-              <a:rPr lang="fr-FR" sz="900" i="1" dirty="0" smtClean="0">
+              <a:rPr lang="fr-FR" sz="900" i="1" dirty="0">
                 <a:latin typeface="Cambria" panose="02040503050406030204" pitchFamily="18" charset="0"/>
                 <a:ea typeface="Arial Rounded MT Bold" charset="0"/>
                 <a:cs typeface="Arial Rounded MT Bold" charset="0"/>
               </a:rPr>
               <a:t>plugin</a:t>
             </a:r>
-            <a:endParaRPr lang="fr-FR" sz="900" i="1" dirty="0">
-              <a:latin typeface="Cambria" panose="02040503050406030204" pitchFamily="18" charset="0"/>
-              <a:ea typeface="Arial Rounded MT Bold" charset="0"/>
-              <a:cs typeface="Arial Rounded MT Bold" charset="0"/>
-            </a:endParaRPr>
           </a:p>
         </p:txBody>
       </p:sp>
@@ -10474,11 +10124,6 @@
               </a:rPr>
               <a:t>output</a:t>
             </a:r>
-            <a:endParaRPr lang="fr-FR" sz="900" i="1" dirty="0">
-              <a:latin typeface="Cambria" panose="02040503050406030204" pitchFamily="18" charset="0"/>
-              <a:ea typeface="Arial Rounded MT Bold" charset="0"/>
-              <a:cs typeface="Arial Rounded MT Bold" charset="0"/>
-            </a:endParaRPr>
           </a:p>
         </p:txBody>
       </p:sp>
@@ -10689,7 +10334,7 @@
           <a:p>
             <a:pPr algn="ctr"/>
             <a:r>
-              <a:rPr lang="fr-FR" sz="1200" b="1" dirty="0" err="1" smtClean="0">
+              <a:rPr lang="fr-FR" sz="1200" b="1" dirty="0" err="1">
                 <a:solidFill>
                   <a:schemeClr val="tx1"/>
                 </a:solidFill>
@@ -10811,18 +10456,13 @@
           <a:p>
             <a:pPr algn="ctr"/>
             <a:r>
-              <a:rPr lang="fr-FR" sz="900" i="1" dirty="0" smtClean="0">
+              <a:rPr lang="fr-FR" sz="900" i="1" dirty="0">
                 <a:latin typeface="Cambria" panose="02040503050406030204" pitchFamily="18" charset="0"/>
                 <a:ea typeface="Arial Rounded MT Bold" charset="0"/>
                 <a:cs typeface="Arial Rounded MT Bold" charset="0"/>
               </a:rPr>
               <a:t>plugin</a:t>
             </a:r>
-            <a:endParaRPr lang="fr-FR" sz="900" i="1" dirty="0">
-              <a:latin typeface="Cambria" panose="02040503050406030204" pitchFamily="18" charset="0"/>
-              <a:ea typeface="Arial Rounded MT Bold" charset="0"/>
-              <a:cs typeface="Arial Rounded MT Bold" charset="0"/>
-            </a:endParaRPr>
           </a:p>
         </p:txBody>
       </p:sp>
@@ -10869,18 +10509,13 @@
           <a:p>
             <a:pPr algn="ctr"/>
             <a:r>
-              <a:rPr lang="fr-FR" sz="900" i="1" dirty="0" smtClean="0">
+              <a:rPr lang="fr-FR" sz="900" i="1" dirty="0">
                 <a:latin typeface="Cambria" panose="02040503050406030204" pitchFamily="18" charset="0"/>
                 <a:ea typeface="Arial Rounded MT Bold" charset="0"/>
                 <a:cs typeface="Arial Rounded MT Bold" charset="0"/>
               </a:rPr>
               <a:t>plugin</a:t>
             </a:r>
-            <a:endParaRPr lang="fr-FR" sz="900" i="1" dirty="0">
-              <a:latin typeface="Cambria" panose="02040503050406030204" pitchFamily="18" charset="0"/>
-              <a:ea typeface="Arial Rounded MT Bold" charset="0"/>
-              <a:cs typeface="Arial Rounded MT Bold" charset="0"/>
-            </a:endParaRPr>
           </a:p>
         </p:txBody>
       </p:sp>
@@ -10934,11 +10569,6 @@
               </a:rPr>
               <a:t>output</a:t>
             </a:r>
-            <a:endParaRPr lang="fr-FR" sz="900" i="1" dirty="0">
-              <a:latin typeface="Cambria" panose="02040503050406030204" pitchFamily="18" charset="0"/>
-              <a:ea typeface="Arial Rounded MT Bold" charset="0"/>
-              <a:cs typeface="Arial Rounded MT Bold" charset="0"/>
-            </a:endParaRPr>
           </a:p>
         </p:txBody>
       </p:sp>
@@ -11124,26 +10754,13 @@
           <a:lstStyle/>
           <a:p>
             <a:r>
-              <a:rPr lang="fr-FR" sz="900" dirty="0" smtClean="0">
+              <a:rPr lang="fr-FR" sz="900" dirty="0">
                 <a:latin typeface="Cambria" panose="02040503050406030204" pitchFamily="18" charset="0"/>
                 <a:ea typeface="Arial Rounded MT Bold" charset="0"/>
                 <a:cs typeface="Arial Rounded MT Bold" charset="0"/>
               </a:rPr>
-              <a:t>output </a:t>
+              <a:t>output TS 1</a:t>
             </a:r>
-            <a:r>
-              <a:rPr lang="fr-FR" sz="900" dirty="0" smtClean="0">
-                <a:latin typeface="Cambria" panose="02040503050406030204" pitchFamily="18" charset="0"/>
-                <a:ea typeface="Arial Rounded MT Bold" charset="0"/>
-                <a:cs typeface="Arial Rounded MT Bold" charset="0"/>
-              </a:rPr>
-              <a:t>TS 1</a:t>
-            </a:r>
-            <a:endParaRPr lang="fr-FR" sz="900" dirty="0">
-              <a:latin typeface="Cambria" panose="02040503050406030204" pitchFamily="18" charset="0"/>
-              <a:ea typeface="Arial Rounded MT Bold" charset="0"/>
-              <a:cs typeface="Arial Rounded MT Bold" charset="0"/>
-            </a:endParaRPr>
           </a:p>
         </p:txBody>
       </p:sp>
@@ -11209,26 +10826,13 @@
           <a:lstStyle/>
           <a:p>
             <a:r>
-              <a:rPr lang="fr-FR" sz="900" dirty="0" smtClean="0">
+              <a:rPr lang="fr-FR" sz="900" dirty="0">
                 <a:latin typeface="Cambria" panose="02040503050406030204" pitchFamily="18" charset="0"/>
                 <a:ea typeface="Arial Rounded MT Bold" charset="0"/>
                 <a:cs typeface="Arial Rounded MT Bold" charset="0"/>
               </a:rPr>
-              <a:t>output </a:t>
+              <a:t>output TS 3</a:t>
             </a:r>
-            <a:r>
-              <a:rPr lang="fr-FR" sz="900" dirty="0" smtClean="0">
-                <a:latin typeface="Cambria" panose="02040503050406030204" pitchFamily="18" charset="0"/>
-                <a:ea typeface="Arial Rounded MT Bold" charset="0"/>
-                <a:cs typeface="Arial Rounded MT Bold" charset="0"/>
-              </a:rPr>
-              <a:t>TS 3</a:t>
-            </a:r>
-            <a:endParaRPr lang="fr-FR" sz="900" dirty="0">
-              <a:latin typeface="Cambria" panose="02040503050406030204" pitchFamily="18" charset="0"/>
-              <a:ea typeface="Arial Rounded MT Bold" charset="0"/>
-              <a:cs typeface="Arial Rounded MT Bold" charset="0"/>
-            </a:endParaRPr>
           </a:p>
         </p:txBody>
       </p:sp>
@@ -11333,7 +10937,7 @@
             <a:p>
               <a:pPr algn="ctr"/>
               <a:r>
-                <a:rPr lang="fr-FR" sz="600" b="1" dirty="0" err="1" smtClean="0">
+                <a:rPr lang="fr-FR" sz="600" b="1" dirty="0" err="1">
                   <a:solidFill>
                     <a:schemeClr val="tx1"/>
                   </a:solidFill>
@@ -11397,18 +11001,13 @@
             <a:p>
               <a:pPr algn="ctr"/>
               <a:r>
-                <a:rPr lang="fr-FR" sz="600" i="1" dirty="0" smtClean="0">
+                <a:rPr lang="fr-FR" sz="600" i="1" dirty="0">
                   <a:latin typeface="Cambria" panose="02040503050406030204" pitchFamily="18" charset="0"/>
                   <a:ea typeface="Arial Rounded MT Bold" charset="0"/>
                   <a:cs typeface="Arial Rounded MT Bold" charset="0"/>
                 </a:rPr>
                 <a:t>input</a:t>
               </a:r>
-              <a:endParaRPr lang="fr-FR" sz="600" i="1" dirty="0">
-                <a:latin typeface="Cambria" panose="02040503050406030204" pitchFamily="18" charset="0"/>
-                <a:ea typeface="Arial Rounded MT Bold" charset="0"/>
-                <a:cs typeface="Arial Rounded MT Bold" charset="0"/>
-              </a:endParaRPr>
             </a:p>
           </p:txBody>
         </p:sp>
@@ -11479,29 +11078,8 @@
                   <a:ea typeface="Arial Rounded MT Bold" charset="0"/>
                   <a:cs typeface="Arial Rounded MT Bold" charset="0"/>
                 </a:rPr>
-                <a:t>i</a:t>
+                <a:t>input TS 2</a:t>
               </a:r>
-              <a:r>
-                <a:rPr lang="fr-FR" sz="600" dirty="0" smtClean="0">
-                  <a:latin typeface="Cambria" panose="02040503050406030204" pitchFamily="18" charset="0"/>
-                  <a:ea typeface="Arial Rounded MT Bold" charset="0"/>
-                  <a:cs typeface="Arial Rounded MT Bold" charset="0"/>
-                </a:rPr>
-                <a:t>nput </a:t>
-              </a:r>
-              <a:r>
-                <a:rPr lang="fr-FR" sz="600" dirty="0" smtClean="0">
-                  <a:latin typeface="Cambria" panose="02040503050406030204" pitchFamily="18" charset="0"/>
-                  <a:ea typeface="Arial Rounded MT Bold" charset="0"/>
-                  <a:cs typeface="Arial Rounded MT Bold" charset="0"/>
-                </a:rPr>
-                <a:t>TS 2</a:t>
-              </a:r>
-              <a:endParaRPr lang="fr-FR" sz="600" dirty="0">
-                <a:latin typeface="Cambria" panose="02040503050406030204" pitchFamily="18" charset="0"/>
-                <a:ea typeface="Arial Rounded MT Bold" charset="0"/>
-                <a:cs typeface="Arial Rounded MT Bold" charset="0"/>
-              </a:endParaRPr>
             </a:p>
           </p:txBody>
         </p:sp>
@@ -11528,26 +11106,13 @@
             <a:lstStyle/>
             <a:p>
               <a:r>
-                <a:rPr lang="fr-FR" sz="600" dirty="0" smtClean="0">
+                <a:rPr lang="fr-FR" sz="600" dirty="0">
                   <a:latin typeface="Cambria" panose="02040503050406030204" pitchFamily="18" charset="0"/>
                   <a:ea typeface="Arial Rounded MT Bold" charset="0"/>
                   <a:cs typeface="Arial Rounded MT Bold" charset="0"/>
                 </a:rPr>
-                <a:t>output </a:t>
+                <a:t>output TS 2</a:t>
               </a:r>
-              <a:r>
-                <a:rPr lang="fr-FR" sz="600" dirty="0" smtClean="0">
-                  <a:latin typeface="Cambria" panose="02040503050406030204" pitchFamily="18" charset="0"/>
-                  <a:ea typeface="Arial Rounded MT Bold" charset="0"/>
-                  <a:cs typeface="Arial Rounded MT Bold" charset="0"/>
-                </a:rPr>
-                <a:t>TS 2</a:t>
-              </a:r>
-              <a:endParaRPr lang="fr-FR" sz="600" dirty="0">
-                <a:latin typeface="Cambria" panose="02040503050406030204" pitchFamily="18" charset="0"/>
-                <a:ea typeface="Arial Rounded MT Bold" charset="0"/>
-                <a:cs typeface="Arial Rounded MT Bold" charset="0"/>
-              </a:endParaRPr>
             </a:p>
           </p:txBody>
         </p:sp>
@@ -11594,18 +11159,13 @@
             <a:p>
               <a:pPr algn="ctr"/>
               <a:r>
-                <a:rPr lang="fr-FR" sz="600" i="1" dirty="0" smtClean="0">
+                <a:rPr lang="fr-FR" sz="600" i="1" dirty="0">
                   <a:latin typeface="Cambria" panose="02040503050406030204" pitchFamily="18" charset="0"/>
                   <a:ea typeface="Arial Rounded MT Bold" charset="0"/>
                   <a:cs typeface="Arial Rounded MT Bold" charset="0"/>
                 </a:rPr>
                 <a:t>plugin</a:t>
               </a:r>
-              <a:endParaRPr lang="fr-FR" sz="600" i="1" dirty="0">
-                <a:latin typeface="Cambria" panose="02040503050406030204" pitchFamily="18" charset="0"/>
-                <a:ea typeface="Arial Rounded MT Bold" charset="0"/>
-                <a:cs typeface="Arial Rounded MT Bold" charset="0"/>
-              </a:endParaRPr>
             </a:p>
           </p:txBody>
         </p:sp>
@@ -11652,7 +11212,7 @@
             <a:p>
               <a:pPr algn="ctr"/>
               <a:r>
-                <a:rPr lang="fr-FR" sz="600" b="1" dirty="0" err="1" smtClean="0">
+                <a:rPr lang="fr-FR" sz="600" b="1" dirty="0" err="1">
                   <a:latin typeface="Consolas" panose="020B0609020204030204" pitchFamily="49" charset="0"/>
                   <a:ea typeface="Arial Rounded MT Bold" charset="0"/>
                   <a:cs typeface="Consolas" panose="020B0609020204030204" pitchFamily="49" charset="0"/>
@@ -11768,18 +11328,13 @@
             <a:p>
               <a:pPr algn="ctr"/>
               <a:r>
-                <a:rPr lang="fr-FR" sz="600" i="1" dirty="0" smtClean="0">
+                <a:rPr lang="fr-FR" sz="600" i="1" dirty="0">
                   <a:latin typeface="Cambria" panose="02040503050406030204" pitchFamily="18" charset="0"/>
                   <a:ea typeface="Arial Rounded MT Bold" charset="0"/>
                   <a:cs typeface="Arial Rounded MT Bold" charset="0"/>
                 </a:rPr>
                 <a:t>plugin</a:t>
               </a:r>
-              <a:endParaRPr lang="fr-FR" sz="600" i="1" dirty="0">
-                <a:latin typeface="Cambria" panose="02040503050406030204" pitchFamily="18" charset="0"/>
-                <a:ea typeface="Arial Rounded MT Bold" charset="0"/>
-                <a:cs typeface="Arial Rounded MT Bold" charset="0"/>
-              </a:endParaRPr>
             </a:p>
           </p:txBody>
         </p:sp>
@@ -11826,7 +11381,7 @@
             <a:p>
               <a:pPr algn="ctr"/>
               <a:r>
-                <a:rPr lang="fr-FR" sz="600" b="1" dirty="0" smtClean="0">
+                <a:rPr lang="fr-FR" sz="600" b="1" dirty="0">
                   <a:latin typeface="Consolas" panose="020B0609020204030204" pitchFamily="49" charset="0"/>
                   <a:ea typeface="Arial Rounded MT Bold" charset="0"/>
                   <a:cs typeface="Consolas" panose="020B0609020204030204" pitchFamily="49" charset="0"/>
@@ -11942,26 +11497,13 @@
             <a:p>
               <a:pPr algn="ctr"/>
               <a:r>
-                <a:rPr lang="fr-FR" sz="600" i="1" dirty="0" smtClean="0">
+                <a:rPr lang="fr-FR" sz="600" i="1" dirty="0">
                   <a:latin typeface="Cambria" panose="02040503050406030204" pitchFamily="18" charset="0"/>
                   <a:ea typeface="Arial Rounded MT Bold" charset="0"/>
                   <a:cs typeface="Arial Rounded MT Bold" charset="0"/>
                 </a:rPr>
-                <a:t>out</a:t>
+                <a:t>output</a:t>
               </a:r>
-              <a:r>
-                <a:rPr lang="fr-FR" sz="600" i="1" dirty="0" smtClean="0">
-                  <a:latin typeface="Cambria" panose="02040503050406030204" pitchFamily="18" charset="0"/>
-                  <a:ea typeface="Arial Rounded MT Bold" charset="0"/>
-                  <a:cs typeface="Arial Rounded MT Bold" charset="0"/>
-                </a:rPr>
-                <a:t>put</a:t>
-              </a:r>
-              <a:endParaRPr lang="fr-FR" sz="600" i="1" dirty="0">
-                <a:latin typeface="Cambria" panose="02040503050406030204" pitchFamily="18" charset="0"/>
-                <a:ea typeface="Arial Rounded MT Bold" charset="0"/>
-                <a:cs typeface="Arial Rounded MT Bold" charset="0"/>
-              </a:endParaRPr>
             </a:p>
           </p:txBody>
         </p:sp>
@@ -12332,7 +11874,7 @@
             <a:p>
               <a:pPr algn="ctr"/>
               <a:r>
-                <a:rPr lang="fr-FR" sz="600" b="1" dirty="0" err="1" smtClean="0">
+                <a:rPr lang="fr-FR" sz="600" b="1" dirty="0" err="1">
                   <a:solidFill>
                     <a:schemeClr val="tx1"/>
                   </a:solidFill>
@@ -12396,18 +11938,13 @@
             <a:p>
               <a:pPr algn="ctr"/>
               <a:r>
-                <a:rPr lang="fr-FR" sz="600" i="1" dirty="0" smtClean="0">
+                <a:rPr lang="fr-FR" sz="600" i="1" dirty="0">
                   <a:latin typeface="Cambria" panose="02040503050406030204" pitchFamily="18" charset="0"/>
                   <a:ea typeface="Arial Rounded MT Bold" charset="0"/>
                   <a:cs typeface="Arial Rounded MT Bold" charset="0"/>
                 </a:rPr>
                 <a:t>input</a:t>
               </a:r>
-              <a:endParaRPr lang="fr-FR" sz="600" i="1" dirty="0">
-                <a:latin typeface="Cambria" panose="02040503050406030204" pitchFamily="18" charset="0"/>
-                <a:ea typeface="Arial Rounded MT Bold" charset="0"/>
-                <a:cs typeface="Arial Rounded MT Bold" charset="0"/>
-              </a:endParaRPr>
             </a:p>
           </p:txBody>
         </p:sp>
@@ -12454,18 +11991,13 @@
             <a:p>
               <a:pPr algn="ctr"/>
               <a:r>
-                <a:rPr lang="fr-FR" sz="600" i="1" dirty="0" smtClean="0">
+                <a:rPr lang="fr-FR" sz="600" i="1" dirty="0">
                   <a:latin typeface="Cambria" panose="02040503050406030204" pitchFamily="18" charset="0"/>
                   <a:ea typeface="Arial Rounded MT Bold" charset="0"/>
                   <a:cs typeface="Arial Rounded MT Bold" charset="0"/>
                 </a:rPr>
                 <a:t>plugin</a:t>
               </a:r>
-              <a:endParaRPr lang="fr-FR" sz="600" i="1" dirty="0">
-                <a:latin typeface="Cambria" panose="02040503050406030204" pitchFamily="18" charset="0"/>
-                <a:ea typeface="Arial Rounded MT Bold" charset="0"/>
-                <a:cs typeface="Arial Rounded MT Bold" charset="0"/>
-              </a:endParaRPr>
             </a:p>
           </p:txBody>
         </p:sp>
@@ -12512,18 +12044,13 @@
             <a:p>
               <a:pPr algn="ctr"/>
               <a:r>
-                <a:rPr lang="fr-FR" sz="600" i="1" dirty="0" smtClean="0">
+                <a:rPr lang="fr-FR" sz="600" i="1" dirty="0">
                   <a:latin typeface="Cambria" panose="02040503050406030204" pitchFamily="18" charset="0"/>
                   <a:ea typeface="Arial Rounded MT Bold" charset="0"/>
                   <a:cs typeface="Arial Rounded MT Bold" charset="0"/>
                 </a:rPr>
                 <a:t>plugin</a:t>
               </a:r>
-              <a:endParaRPr lang="fr-FR" sz="600" i="1" dirty="0">
-                <a:latin typeface="Cambria" panose="02040503050406030204" pitchFamily="18" charset="0"/>
-                <a:ea typeface="Arial Rounded MT Bold" charset="0"/>
-                <a:cs typeface="Arial Rounded MT Bold" charset="0"/>
-              </a:endParaRPr>
             </a:p>
           </p:txBody>
         </p:sp>
@@ -12570,7 +12097,7 @@
             <a:p>
               <a:pPr algn="ctr"/>
               <a:r>
-                <a:rPr lang="fr-FR" sz="600" b="1" dirty="0" smtClean="0">
+                <a:rPr lang="fr-FR" sz="600" b="1" dirty="0">
                   <a:latin typeface="Consolas" panose="020B0609020204030204" pitchFamily="49" charset="0"/>
                   <a:ea typeface="Arial Rounded MT Bold" charset="0"/>
                   <a:cs typeface="Consolas" panose="020B0609020204030204" pitchFamily="49" charset="0"/>
@@ -12792,7 +12319,7 @@
             <a:p>
               <a:pPr algn="ctr"/>
               <a:r>
-                <a:rPr lang="fr-FR" sz="600" b="1" dirty="0" err="1" smtClean="0">
+                <a:rPr lang="fr-FR" sz="600" b="1" dirty="0" err="1">
                   <a:solidFill>
                     <a:schemeClr val="tx1"/>
                   </a:solidFill>
@@ -12856,18 +12383,13 @@
             <a:p>
               <a:pPr algn="ctr"/>
               <a:r>
-                <a:rPr lang="fr-FR" sz="600" i="1" dirty="0" smtClean="0">
+                <a:rPr lang="fr-FR" sz="600" i="1" dirty="0">
                   <a:latin typeface="Cambria" panose="02040503050406030204" pitchFamily="18" charset="0"/>
                   <a:ea typeface="Arial Rounded MT Bold" charset="0"/>
                   <a:cs typeface="Arial Rounded MT Bold" charset="0"/>
                 </a:rPr>
                 <a:t>input</a:t>
               </a:r>
-              <a:endParaRPr lang="fr-FR" sz="600" i="1" dirty="0">
-                <a:latin typeface="Cambria" panose="02040503050406030204" pitchFamily="18" charset="0"/>
-                <a:ea typeface="Arial Rounded MT Bold" charset="0"/>
-                <a:cs typeface="Arial Rounded MT Bold" charset="0"/>
-              </a:endParaRPr>
             </a:p>
           </p:txBody>
         </p:sp>
@@ -12914,18 +12436,13 @@
             <a:p>
               <a:pPr algn="ctr"/>
               <a:r>
-                <a:rPr lang="fr-FR" sz="600" i="1" dirty="0" smtClean="0">
+                <a:rPr lang="fr-FR" sz="600" i="1" dirty="0">
                   <a:latin typeface="Cambria" panose="02040503050406030204" pitchFamily="18" charset="0"/>
                   <a:ea typeface="Arial Rounded MT Bold" charset="0"/>
                   <a:cs typeface="Arial Rounded MT Bold" charset="0"/>
                 </a:rPr>
                 <a:t>plugin</a:t>
               </a:r>
-              <a:endParaRPr lang="fr-FR" sz="600" i="1" dirty="0">
-                <a:latin typeface="Cambria" panose="02040503050406030204" pitchFamily="18" charset="0"/>
-                <a:ea typeface="Arial Rounded MT Bold" charset="0"/>
-                <a:cs typeface="Arial Rounded MT Bold" charset="0"/>
-              </a:endParaRPr>
             </a:p>
           </p:txBody>
         </p:sp>
@@ -12972,18 +12489,13 @@
             <a:p>
               <a:pPr algn="ctr"/>
               <a:r>
-                <a:rPr lang="fr-FR" sz="600" i="1" dirty="0" smtClean="0">
+                <a:rPr lang="fr-FR" sz="600" i="1" dirty="0">
                   <a:latin typeface="Cambria" panose="02040503050406030204" pitchFamily="18" charset="0"/>
                   <a:ea typeface="Arial Rounded MT Bold" charset="0"/>
                   <a:cs typeface="Arial Rounded MT Bold" charset="0"/>
                 </a:rPr>
                 <a:t>plugin</a:t>
               </a:r>
-              <a:endParaRPr lang="fr-FR" sz="600" i="1" dirty="0">
-                <a:latin typeface="Cambria" panose="02040503050406030204" pitchFamily="18" charset="0"/>
-                <a:ea typeface="Arial Rounded MT Bold" charset="0"/>
-                <a:cs typeface="Arial Rounded MT Bold" charset="0"/>
-              </a:endParaRPr>
             </a:p>
           </p:txBody>
         </p:sp>
@@ -13030,7 +12542,7 @@
             <a:p>
               <a:pPr algn="ctr"/>
               <a:r>
-                <a:rPr lang="fr-FR" sz="600" b="1" dirty="0" smtClean="0">
+                <a:rPr lang="fr-FR" sz="600" b="1" dirty="0">
                   <a:latin typeface="Consolas" panose="020B0609020204030204" pitchFamily="49" charset="0"/>
                   <a:ea typeface="Arial Rounded MT Bold" charset="0"/>
                   <a:cs typeface="Consolas" panose="020B0609020204030204" pitchFamily="49" charset="0"/>
@@ -13271,29 +12783,8 @@
                   <a:ea typeface="Arial Rounded MT Bold" charset="0"/>
                   <a:cs typeface="Arial Rounded MT Bold" charset="0"/>
                 </a:rPr>
-                <a:t>i</a:t>
+                <a:t>input TS 1</a:t>
               </a:r>
-              <a:r>
-                <a:rPr lang="fr-FR" sz="600" dirty="0" smtClean="0">
-                  <a:latin typeface="Cambria" panose="02040503050406030204" pitchFamily="18" charset="0"/>
-                  <a:ea typeface="Arial Rounded MT Bold" charset="0"/>
-                  <a:cs typeface="Arial Rounded MT Bold" charset="0"/>
-                </a:rPr>
-                <a:t>nput </a:t>
-              </a:r>
-              <a:r>
-                <a:rPr lang="fr-FR" sz="600" dirty="0" smtClean="0">
-                  <a:latin typeface="Cambria" panose="02040503050406030204" pitchFamily="18" charset="0"/>
-                  <a:ea typeface="Arial Rounded MT Bold" charset="0"/>
-                  <a:cs typeface="Arial Rounded MT Bold" charset="0"/>
-                </a:rPr>
-                <a:t>TS 1</a:t>
-              </a:r>
-              <a:endParaRPr lang="fr-FR" sz="600" dirty="0">
-                <a:latin typeface="Cambria" panose="02040503050406030204" pitchFamily="18" charset="0"/>
-                <a:ea typeface="Arial Rounded MT Bold" charset="0"/>
-                <a:cs typeface="Arial Rounded MT Bold" charset="0"/>
-              </a:endParaRPr>
             </a:p>
           </p:txBody>
         </p:sp>
@@ -13364,29 +12855,8 @@
                   <a:ea typeface="Arial Rounded MT Bold" charset="0"/>
                   <a:cs typeface="Arial Rounded MT Bold" charset="0"/>
                 </a:rPr>
-                <a:t>i</a:t>
+                <a:t>input TS 3</a:t>
               </a:r>
-              <a:r>
-                <a:rPr lang="fr-FR" sz="600" dirty="0" smtClean="0">
-                  <a:latin typeface="Cambria" panose="02040503050406030204" pitchFamily="18" charset="0"/>
-                  <a:ea typeface="Arial Rounded MT Bold" charset="0"/>
-                  <a:cs typeface="Arial Rounded MT Bold" charset="0"/>
-                </a:rPr>
-                <a:t>nput </a:t>
-              </a:r>
-              <a:r>
-                <a:rPr lang="fr-FR" sz="600" dirty="0" smtClean="0">
-                  <a:latin typeface="Cambria" panose="02040503050406030204" pitchFamily="18" charset="0"/>
-                  <a:ea typeface="Arial Rounded MT Bold" charset="0"/>
-                  <a:cs typeface="Arial Rounded MT Bold" charset="0"/>
-                </a:rPr>
-                <a:t>TS 3</a:t>
-              </a:r>
-              <a:endParaRPr lang="fr-FR" sz="600" dirty="0">
-                <a:latin typeface="Cambria" panose="02040503050406030204" pitchFamily="18" charset="0"/>
-                <a:ea typeface="Arial Rounded MT Bold" charset="0"/>
-                <a:cs typeface="Arial Rounded MT Bold" charset="0"/>
-              </a:endParaRPr>
             </a:p>
           </p:txBody>
         </p:sp>
@@ -13438,7 +12908,7 @@
             <a:p>
               <a:pPr algn="ctr"/>
               <a:r>
-                <a:rPr lang="fr-FR" sz="600" b="1" dirty="0" err="1" smtClean="0">
+                <a:rPr lang="fr-FR" sz="600" b="1" dirty="0" err="1">
                   <a:solidFill>
                     <a:schemeClr val="tx1"/>
                   </a:solidFill>
@@ -13560,18 +13030,13 @@
             <a:p>
               <a:pPr algn="ctr"/>
               <a:r>
-                <a:rPr lang="fr-FR" sz="600" i="1" dirty="0" smtClean="0">
+                <a:rPr lang="fr-FR" sz="600" i="1" dirty="0">
                   <a:latin typeface="Cambria" panose="02040503050406030204" pitchFamily="18" charset="0"/>
                   <a:ea typeface="Arial Rounded MT Bold" charset="0"/>
                   <a:cs typeface="Arial Rounded MT Bold" charset="0"/>
                 </a:rPr>
                 <a:t>plugin</a:t>
               </a:r>
-              <a:endParaRPr lang="fr-FR" sz="600" i="1" dirty="0">
-                <a:latin typeface="Cambria" panose="02040503050406030204" pitchFamily="18" charset="0"/>
-                <a:ea typeface="Arial Rounded MT Bold" charset="0"/>
-                <a:cs typeface="Arial Rounded MT Bold" charset="0"/>
-              </a:endParaRPr>
             </a:p>
           </p:txBody>
         </p:sp>
@@ -13618,18 +13083,13 @@
             <a:p>
               <a:pPr algn="ctr"/>
               <a:r>
-                <a:rPr lang="fr-FR" sz="600" i="1" dirty="0" smtClean="0">
+                <a:rPr lang="fr-FR" sz="600" i="1" dirty="0">
                   <a:latin typeface="Cambria" panose="02040503050406030204" pitchFamily="18" charset="0"/>
                   <a:ea typeface="Arial Rounded MT Bold" charset="0"/>
                   <a:cs typeface="Arial Rounded MT Bold" charset="0"/>
                 </a:rPr>
                 <a:t>plugin</a:t>
               </a:r>
-              <a:endParaRPr lang="fr-FR" sz="600" i="1" dirty="0">
-                <a:latin typeface="Cambria" panose="02040503050406030204" pitchFamily="18" charset="0"/>
-                <a:ea typeface="Arial Rounded MT Bold" charset="0"/>
-                <a:cs typeface="Arial Rounded MT Bold" charset="0"/>
-              </a:endParaRPr>
             </a:p>
           </p:txBody>
         </p:sp>
@@ -13683,11 +13143,6 @@
                 </a:rPr>
                 <a:t>output</a:t>
               </a:r>
-              <a:endParaRPr lang="fr-FR" sz="600" i="1" dirty="0">
-                <a:latin typeface="Cambria" panose="02040503050406030204" pitchFamily="18" charset="0"/>
-                <a:ea typeface="Arial Rounded MT Bold" charset="0"/>
-                <a:cs typeface="Arial Rounded MT Bold" charset="0"/>
-              </a:endParaRPr>
             </a:p>
           </p:txBody>
         </p:sp>
@@ -13898,7 +13353,7 @@
             <a:p>
               <a:pPr algn="ctr"/>
               <a:r>
-                <a:rPr lang="fr-FR" sz="600" b="1" dirty="0" err="1" smtClean="0">
+                <a:rPr lang="fr-FR" sz="600" b="1" dirty="0" err="1">
                   <a:solidFill>
                     <a:schemeClr val="tx1"/>
                   </a:solidFill>
@@ -14020,18 +13475,13 @@
             <a:p>
               <a:pPr algn="ctr"/>
               <a:r>
-                <a:rPr lang="fr-FR" sz="600" i="1" dirty="0" smtClean="0">
+                <a:rPr lang="fr-FR" sz="600" i="1" dirty="0">
                   <a:latin typeface="Cambria" panose="02040503050406030204" pitchFamily="18" charset="0"/>
                   <a:ea typeface="Arial Rounded MT Bold" charset="0"/>
                   <a:cs typeface="Arial Rounded MT Bold" charset="0"/>
                 </a:rPr>
                 <a:t>plugin</a:t>
               </a:r>
-              <a:endParaRPr lang="fr-FR" sz="600" i="1" dirty="0">
-                <a:latin typeface="Cambria" panose="02040503050406030204" pitchFamily="18" charset="0"/>
-                <a:ea typeface="Arial Rounded MT Bold" charset="0"/>
-                <a:cs typeface="Arial Rounded MT Bold" charset="0"/>
-              </a:endParaRPr>
             </a:p>
           </p:txBody>
         </p:sp>
@@ -14078,18 +13528,13 @@
             <a:p>
               <a:pPr algn="ctr"/>
               <a:r>
-                <a:rPr lang="fr-FR" sz="600" i="1" dirty="0" smtClean="0">
+                <a:rPr lang="fr-FR" sz="600" i="1" dirty="0">
                   <a:latin typeface="Cambria" panose="02040503050406030204" pitchFamily="18" charset="0"/>
                   <a:ea typeface="Arial Rounded MT Bold" charset="0"/>
                   <a:cs typeface="Arial Rounded MT Bold" charset="0"/>
                 </a:rPr>
                 <a:t>plugin</a:t>
               </a:r>
-              <a:endParaRPr lang="fr-FR" sz="600" i="1" dirty="0">
-                <a:latin typeface="Cambria" panose="02040503050406030204" pitchFamily="18" charset="0"/>
-                <a:ea typeface="Arial Rounded MT Bold" charset="0"/>
-                <a:cs typeface="Arial Rounded MT Bold" charset="0"/>
-              </a:endParaRPr>
             </a:p>
           </p:txBody>
         </p:sp>
@@ -14143,11 +13588,6 @@
                 </a:rPr>
                 <a:t>output</a:t>
               </a:r>
-              <a:endParaRPr lang="fr-FR" sz="600" i="1" dirty="0">
-                <a:latin typeface="Cambria" panose="02040503050406030204" pitchFamily="18" charset="0"/>
-                <a:ea typeface="Arial Rounded MT Bold" charset="0"/>
-                <a:cs typeface="Arial Rounded MT Bold" charset="0"/>
-              </a:endParaRPr>
             </a:p>
           </p:txBody>
         </p:sp>
@@ -14333,26 +13773,13 @@
             <a:lstStyle/>
             <a:p>
               <a:r>
-                <a:rPr lang="fr-FR" sz="600" dirty="0" smtClean="0">
+                <a:rPr lang="fr-FR" sz="600" dirty="0">
                   <a:latin typeface="Cambria" panose="02040503050406030204" pitchFamily="18" charset="0"/>
                   <a:ea typeface="Arial Rounded MT Bold" charset="0"/>
                   <a:cs typeface="Arial Rounded MT Bold" charset="0"/>
                 </a:rPr>
-                <a:t>output </a:t>
+                <a:t>output TS 1</a:t>
               </a:r>
-              <a:r>
-                <a:rPr lang="fr-FR" sz="600" dirty="0" smtClean="0">
-                  <a:latin typeface="Cambria" panose="02040503050406030204" pitchFamily="18" charset="0"/>
-                  <a:ea typeface="Arial Rounded MT Bold" charset="0"/>
-                  <a:cs typeface="Arial Rounded MT Bold" charset="0"/>
-                </a:rPr>
-                <a:t>TS 1</a:t>
-              </a:r>
-              <a:endParaRPr lang="fr-FR" sz="600" dirty="0">
-                <a:latin typeface="Cambria" panose="02040503050406030204" pitchFamily="18" charset="0"/>
-                <a:ea typeface="Arial Rounded MT Bold" charset="0"/>
-                <a:cs typeface="Arial Rounded MT Bold" charset="0"/>
-              </a:endParaRPr>
             </a:p>
           </p:txBody>
         </p:sp>
@@ -14418,26 +13845,13 @@
             <a:lstStyle/>
             <a:p>
               <a:r>
-                <a:rPr lang="fr-FR" sz="600" dirty="0" smtClean="0">
+                <a:rPr lang="fr-FR" sz="600" dirty="0">
                   <a:latin typeface="Cambria" panose="02040503050406030204" pitchFamily="18" charset="0"/>
                   <a:ea typeface="Arial Rounded MT Bold" charset="0"/>
                   <a:cs typeface="Arial Rounded MT Bold" charset="0"/>
                 </a:rPr>
-                <a:t>output </a:t>
+                <a:t>output TS 3</a:t>
               </a:r>
-              <a:r>
-                <a:rPr lang="fr-FR" sz="600" dirty="0" smtClean="0">
-                  <a:latin typeface="Cambria" panose="02040503050406030204" pitchFamily="18" charset="0"/>
-                  <a:ea typeface="Arial Rounded MT Bold" charset="0"/>
-                  <a:cs typeface="Arial Rounded MT Bold" charset="0"/>
-                </a:rPr>
-                <a:t>TS 3</a:t>
-              </a:r>
-              <a:endParaRPr lang="fr-FR" sz="600" dirty="0">
-                <a:latin typeface="Cambria" panose="02040503050406030204" pitchFamily="18" charset="0"/>
-                <a:ea typeface="Arial Rounded MT Bold" charset="0"/>
-                <a:cs typeface="Arial Rounded MT Bold" charset="0"/>
-              </a:endParaRPr>
             </a:p>
           </p:txBody>
         </p:sp>
@@ -14544,18 +13958,13 @@
             <a:lstStyle/>
             <a:p>
               <a:r>
-                <a:rPr lang="fr-FR" sz="700" dirty="0" smtClean="0">
+                <a:rPr lang="fr-FR" sz="700" dirty="0">
                   <a:latin typeface="Cambria" panose="02040503050406030204" pitchFamily="18" charset="0"/>
                   <a:ea typeface="Arial Rounded MT Bold" charset="0"/>
                   <a:cs typeface="Arial Rounded MT Bold" charset="0"/>
                 </a:rPr>
                 <a:t>TSDuck</a:t>
               </a:r>
-              <a:endParaRPr lang="fr-FR" sz="700" dirty="0">
-                <a:latin typeface="Cambria" panose="02040503050406030204" pitchFamily="18" charset="0"/>
-                <a:ea typeface="Arial Rounded MT Bold" charset="0"/>
-                <a:cs typeface="Arial Rounded MT Bold" charset="0"/>
-              </a:endParaRPr>
             </a:p>
           </p:txBody>
         </p:sp>
@@ -14570,13 +13979,2373 @@
   <p:clrMapOvr>
     <a:masterClrMapping/>
   </p:clrMapOvr>
-  <p:timing>
-    <p:tnLst>
-      <p:par>
-        <p:cTn id="1" dur="indefinite" restart="never" nodeType="tmRoot"/>
-      </p:par>
-    </p:tnLst>
-  </p:timing>
+</p:sld>
+</file>
+
+<file path=ppt/slides/slide3.xml><?xml version="1.0" encoding="utf-8"?>
+<p:sld xmlns:a="http://schemas.openxmlformats.org/drawingml/2006/main" xmlns:r="http://schemas.openxmlformats.org/officeDocument/2006/relationships" xmlns:p="http://schemas.openxmlformats.org/presentationml/2006/main">
+  <p:cSld>
+    <p:spTree>
+      <p:nvGrpSpPr>
+        <p:cNvPr id="1" name=""/>
+        <p:cNvGrpSpPr/>
+        <p:nvPr/>
+      </p:nvGrpSpPr>
+      <p:grpSpPr>
+        <a:xfrm>
+          <a:off x="0" y="0"/>
+          <a:ext cx="0" cy="0"/>
+          <a:chOff x="0" y="0"/>
+          <a:chExt cx="0" cy="0"/>
+        </a:xfrm>
+      </p:grpSpPr>
+      <p:pic>
+        <p:nvPicPr>
+          <p:cNvPr id="140" name="Picture 7" descr="D:\Devel\tsduck\images\tsduck-48.png">
+            <a:extLst>
+              <a:ext uri="{FF2B5EF4-FFF2-40B4-BE49-F238E27FC236}">
+                <a16:creationId xmlns:a16="http://schemas.microsoft.com/office/drawing/2014/main" id="{7EBDB59B-A971-2145-8D90-DA0176A2FB18}"/>
+              </a:ext>
+            </a:extLst>
+          </p:cNvPr>
+          <p:cNvPicPr>
+            <a:picLocks noChangeAspect="1" noChangeArrowheads="1"/>
+          </p:cNvPicPr>
+          <p:nvPr/>
+        </p:nvPicPr>
+        <p:blipFill>
+          <a:blip r:embed="rId2">
+            <a:extLst>
+              <a:ext uri="{28A0092B-C50C-407E-A947-70E740481C1C}">
+                <a14:useLocalDpi xmlns:a14="http://schemas.microsoft.com/office/drawing/2010/main" val="0"/>
+              </a:ext>
+            </a:extLst>
+          </a:blip>
+          <a:srcRect/>
+          <a:stretch>
+            <a:fillRect/>
+          </a:stretch>
+        </p:blipFill>
+        <p:spPr bwMode="auto">
+          <a:xfrm>
+            <a:off x="6100518" y="1525735"/>
+            <a:ext cx="126321" cy="126321"/>
+          </a:xfrm>
+          <a:prstGeom prst="rect">
+            <a:avLst/>
+          </a:prstGeom>
+          <a:noFill/>
+          <a:extLst>
+            <a:ext uri="{909E8E84-426E-40DD-AFC4-6F175D3DCCD1}">
+              <a14:hiddenFill xmlns:a14="http://schemas.microsoft.com/office/drawing/2010/main">
+                <a:solidFill>
+                  <a:srgbClr val="FFFFFF"/>
+                </a:solidFill>
+              </a14:hiddenFill>
+            </a:ext>
+          </a:extLst>
+        </p:spPr>
+      </p:pic>
+      <p:sp>
+        <p:nvSpPr>
+          <p:cNvPr id="141" name="ZoneTexte 140">
+            <a:extLst>
+              <a:ext uri="{FF2B5EF4-FFF2-40B4-BE49-F238E27FC236}">
+                <a16:creationId xmlns:a16="http://schemas.microsoft.com/office/drawing/2014/main" id="{24E2D4AE-DD52-8240-8AF5-E8D191EF58B2}"/>
+              </a:ext>
+            </a:extLst>
+          </p:cNvPr>
+          <p:cNvSpPr txBox="1"/>
+          <p:nvPr/>
+        </p:nvSpPr>
+        <p:spPr>
+          <a:xfrm>
+            <a:off x="6254414" y="1529611"/>
+            <a:ext cx="332547" cy="123111"/>
+          </a:xfrm>
+          <a:prstGeom prst="rect">
+            <a:avLst/>
+          </a:prstGeom>
+          <a:noFill/>
+        </p:spPr>
+        <p:txBody>
+          <a:bodyPr wrap="square" lIns="0" tIns="0" rIns="0" bIns="0" rtlCol="0">
+            <a:spAutoFit/>
+          </a:bodyPr>
+          <a:lstStyle/>
+          <a:p>
+            <a:r>
+              <a:rPr lang="fr-FR" sz="800" dirty="0">
+                <a:latin typeface="Cambria" panose="02040503050406030204" pitchFamily="18" charset="0"/>
+                <a:ea typeface="Arial Rounded MT Bold" charset="0"/>
+                <a:cs typeface="Arial Rounded MT Bold" charset="0"/>
+              </a:rPr>
+              <a:t>TSDuck</a:t>
+            </a:r>
+          </a:p>
+        </p:txBody>
+      </p:sp>
+      <p:sp>
+        <p:nvSpPr>
+          <p:cNvPr id="142" name="Rectangle à coins arrondis 141">
+            <a:extLst>
+              <a:ext uri="{FF2B5EF4-FFF2-40B4-BE49-F238E27FC236}">
+                <a16:creationId xmlns:a16="http://schemas.microsoft.com/office/drawing/2014/main" id="{DFD7C87C-57E7-3942-AEE8-76374267556C}"/>
+              </a:ext>
+            </a:extLst>
+          </p:cNvPr>
+          <p:cNvSpPr/>
+          <p:nvPr/>
+        </p:nvSpPr>
+        <p:spPr>
+          <a:xfrm>
+            <a:off x="4486445" y="873831"/>
+            <a:ext cx="1632265" cy="501844"/>
+          </a:xfrm>
+          <a:prstGeom prst="roundRect">
+            <a:avLst>
+              <a:gd name="adj" fmla="val 3969"/>
+            </a:avLst>
+          </a:prstGeom>
+          <a:solidFill>
+            <a:schemeClr val="accent6">
+              <a:lumMod val="40000"/>
+              <a:lumOff val="60000"/>
+            </a:schemeClr>
+          </a:solidFill>
+          <a:ln>
+            <a:noFill/>
+          </a:ln>
+        </p:spPr>
+        <p:style>
+          <a:lnRef idx="2">
+            <a:schemeClr val="accent1">
+              <a:shade val="50000"/>
+            </a:schemeClr>
+          </a:lnRef>
+          <a:fillRef idx="1">
+            <a:schemeClr val="accent1"/>
+          </a:fillRef>
+          <a:effectRef idx="0">
+            <a:schemeClr val="accent1"/>
+          </a:effectRef>
+          <a:fontRef idx="minor">
+            <a:schemeClr val="lt1"/>
+          </a:fontRef>
+        </p:style>
+        <p:txBody>
+          <a:bodyPr tIns="0" rtlCol="0" anchor="t" anchorCtr="0"/>
+          <a:lstStyle/>
+          <a:p>
+            <a:pPr algn="ctr"/>
+            <a:r>
+              <a:rPr lang="fr-FR" sz="900" b="1" dirty="0" err="1">
+                <a:solidFill>
+                  <a:schemeClr val="tx1"/>
+                </a:solidFill>
+                <a:latin typeface="Cambria" panose="02040503050406030204" pitchFamily="18" charset="0"/>
+                <a:ea typeface="Arial Rounded MT Bold" charset="0"/>
+                <a:cs typeface="Arial Rounded MT Bold" charset="0"/>
+              </a:rPr>
+              <a:t>tsp</a:t>
+            </a:r>
+            <a:endParaRPr lang="fr-FR" sz="800" b="1" dirty="0">
+              <a:solidFill>
+                <a:schemeClr val="tx1"/>
+              </a:solidFill>
+              <a:latin typeface="Cambria" panose="02040503050406030204" pitchFamily="18" charset="0"/>
+              <a:ea typeface="Arial Rounded MT Bold" charset="0"/>
+              <a:cs typeface="Arial Rounded MT Bold" charset="0"/>
+            </a:endParaRPr>
+          </a:p>
+        </p:txBody>
+      </p:sp>
+      <p:sp>
+        <p:nvSpPr>
+          <p:cNvPr id="143" name="Rectangle à coins arrondis 142">
+            <a:extLst>
+              <a:ext uri="{FF2B5EF4-FFF2-40B4-BE49-F238E27FC236}">
+                <a16:creationId xmlns:a16="http://schemas.microsoft.com/office/drawing/2014/main" id="{6AF3952C-6E42-9F4C-BCAC-CA6D7682F478}"/>
+              </a:ext>
+            </a:extLst>
+          </p:cNvPr>
+          <p:cNvSpPr/>
+          <p:nvPr/>
+        </p:nvSpPr>
+        <p:spPr>
+          <a:xfrm>
+            <a:off x="4620433" y="1053579"/>
+            <a:ext cx="380241" cy="245199"/>
+          </a:xfrm>
+          <a:prstGeom prst="roundRect">
+            <a:avLst/>
+          </a:prstGeom>
+          <a:solidFill>
+            <a:srgbClr val="1F8A4C"/>
+          </a:solidFill>
+          <a:ln>
+            <a:noFill/>
+          </a:ln>
+        </p:spPr>
+        <p:style>
+          <a:lnRef idx="2">
+            <a:schemeClr val="accent1">
+              <a:shade val="50000"/>
+            </a:schemeClr>
+          </a:lnRef>
+          <a:fillRef idx="1">
+            <a:schemeClr val="accent1"/>
+          </a:fillRef>
+          <a:effectRef idx="0">
+            <a:schemeClr val="accent1"/>
+          </a:effectRef>
+          <a:fontRef idx="minor">
+            <a:schemeClr val="lt1"/>
+          </a:fontRef>
+        </p:style>
+        <p:txBody>
+          <a:bodyPr lIns="36000" rIns="36000" rtlCol="0" anchor="ctr"/>
+          <a:lstStyle/>
+          <a:p>
+            <a:pPr algn="ctr"/>
+            <a:r>
+              <a:rPr lang="fr-FR" sz="800" b="1" dirty="0">
+                <a:latin typeface="Consolas" panose="020B0609020204030204" pitchFamily="49" charset="0"/>
+                <a:ea typeface="Arial Rounded MT Bold" charset="0"/>
+                <a:cs typeface="Consolas" panose="020B0609020204030204" pitchFamily="49" charset="0"/>
+              </a:rPr>
+              <a:t>file</a:t>
+            </a:r>
+            <a:endParaRPr lang="fr-FR" sz="800" i="1" dirty="0">
+              <a:latin typeface="Cambria" panose="02040503050406030204" pitchFamily="18" charset="0"/>
+              <a:ea typeface="Arial Rounded MT Bold" charset="0"/>
+              <a:cs typeface="Arial Rounded MT Bold" charset="0"/>
+            </a:endParaRPr>
+          </a:p>
+        </p:txBody>
+      </p:sp>
+      <p:sp>
+        <p:nvSpPr>
+          <p:cNvPr id="144" name="Rectangle à coins arrondis 143">
+            <a:extLst>
+              <a:ext uri="{FF2B5EF4-FFF2-40B4-BE49-F238E27FC236}">
+                <a16:creationId xmlns:a16="http://schemas.microsoft.com/office/drawing/2014/main" id="{401C1769-9E94-FE4E-B77C-858A4DB570E4}"/>
+              </a:ext>
+            </a:extLst>
+          </p:cNvPr>
+          <p:cNvSpPr/>
+          <p:nvPr/>
+        </p:nvSpPr>
+        <p:spPr>
+          <a:xfrm>
+            <a:off x="5145171" y="1053579"/>
+            <a:ext cx="380241" cy="245199"/>
+          </a:xfrm>
+          <a:prstGeom prst="roundRect">
+            <a:avLst/>
+          </a:prstGeom>
+          <a:solidFill>
+            <a:srgbClr val="1F8A4C"/>
+          </a:solidFill>
+          <a:ln>
+            <a:noFill/>
+          </a:ln>
+        </p:spPr>
+        <p:style>
+          <a:lnRef idx="2">
+            <a:schemeClr val="accent1">
+              <a:shade val="50000"/>
+            </a:schemeClr>
+          </a:lnRef>
+          <a:fillRef idx="1">
+            <a:schemeClr val="accent1"/>
+          </a:fillRef>
+          <a:effectRef idx="0">
+            <a:schemeClr val="accent1"/>
+          </a:effectRef>
+          <a:fontRef idx="minor">
+            <a:schemeClr val="lt1"/>
+          </a:fontRef>
+        </p:style>
+        <p:txBody>
+          <a:bodyPr lIns="36000" rIns="36000" rtlCol="0" anchor="ctr"/>
+          <a:lstStyle/>
+          <a:p>
+            <a:pPr algn="ctr"/>
+            <a:r>
+              <a:rPr lang="fr-FR" sz="800" i="1" dirty="0">
+                <a:latin typeface="Cambria" panose="02040503050406030204" pitchFamily="18" charset="0"/>
+                <a:ea typeface="Arial Rounded MT Bold" charset="0"/>
+                <a:cs typeface="Arial Rounded MT Bold" charset="0"/>
+              </a:rPr>
+              <a:t>plugin</a:t>
+            </a:r>
+          </a:p>
+        </p:txBody>
+      </p:sp>
+      <p:sp>
+        <p:nvSpPr>
+          <p:cNvPr id="145" name="Rectangle à coins arrondis 144">
+            <a:extLst>
+              <a:ext uri="{FF2B5EF4-FFF2-40B4-BE49-F238E27FC236}">
+                <a16:creationId xmlns:a16="http://schemas.microsoft.com/office/drawing/2014/main" id="{288599FE-0002-E442-862B-6641BE5360ED}"/>
+              </a:ext>
+            </a:extLst>
+          </p:cNvPr>
+          <p:cNvSpPr/>
+          <p:nvPr/>
+        </p:nvSpPr>
+        <p:spPr>
+          <a:xfrm>
+            <a:off x="5683870" y="1053579"/>
+            <a:ext cx="380241" cy="245199"/>
+          </a:xfrm>
+          <a:prstGeom prst="roundRect">
+            <a:avLst/>
+          </a:prstGeom>
+          <a:solidFill>
+            <a:srgbClr val="1F8A4C"/>
+          </a:solidFill>
+          <a:ln>
+            <a:noFill/>
+          </a:ln>
+        </p:spPr>
+        <p:style>
+          <a:lnRef idx="2">
+            <a:schemeClr val="accent1">
+              <a:shade val="50000"/>
+            </a:schemeClr>
+          </a:lnRef>
+          <a:fillRef idx="1">
+            <a:schemeClr val="accent1"/>
+          </a:fillRef>
+          <a:effectRef idx="0">
+            <a:schemeClr val="accent1"/>
+          </a:effectRef>
+          <a:fontRef idx="minor">
+            <a:schemeClr val="lt1"/>
+          </a:fontRef>
+        </p:style>
+        <p:txBody>
+          <a:bodyPr lIns="36000" rIns="36000" rtlCol="0" anchor="ctr"/>
+          <a:lstStyle/>
+          <a:p>
+            <a:pPr algn="ctr"/>
+            <a:r>
+              <a:rPr lang="fr-FR" sz="800" i="1" dirty="0">
+                <a:latin typeface="Cambria" panose="02040503050406030204" pitchFamily="18" charset="0"/>
+                <a:ea typeface="Arial Rounded MT Bold" charset="0"/>
+                <a:cs typeface="Arial Rounded MT Bold" charset="0"/>
+              </a:rPr>
+              <a:t>output</a:t>
+            </a:r>
+          </a:p>
+        </p:txBody>
+      </p:sp>
+      <p:cxnSp>
+        <p:nvCxnSpPr>
+          <p:cNvPr id="146" name="Connecteur droit avec flèche 145">
+            <a:extLst>
+              <a:ext uri="{FF2B5EF4-FFF2-40B4-BE49-F238E27FC236}">
+                <a16:creationId xmlns:a16="http://schemas.microsoft.com/office/drawing/2014/main" id="{358A55EA-8299-5243-966D-73C91238E7E1}"/>
+              </a:ext>
+            </a:extLst>
+          </p:cNvPr>
+          <p:cNvCxnSpPr>
+            <a:stCxn id="143" idx="3"/>
+            <a:endCxn id="144" idx="1"/>
+          </p:cNvCxnSpPr>
+          <p:nvPr/>
+        </p:nvCxnSpPr>
+        <p:spPr>
+          <a:xfrm>
+            <a:off x="5000674" y="1176179"/>
+            <a:ext cx="144497" cy="0"/>
+          </a:xfrm>
+          <a:prstGeom prst="straightConnector1">
+            <a:avLst/>
+          </a:prstGeom>
+          <a:ln w="19050">
+            <a:solidFill>
+              <a:schemeClr val="tx1"/>
+            </a:solidFill>
+            <a:prstDash val="sysDash"/>
+            <a:tailEnd type="triangle"/>
+          </a:ln>
+        </p:spPr>
+        <p:style>
+          <a:lnRef idx="1">
+            <a:schemeClr val="accent1"/>
+          </a:lnRef>
+          <a:fillRef idx="0">
+            <a:schemeClr val="accent1"/>
+          </a:fillRef>
+          <a:effectRef idx="0">
+            <a:schemeClr val="accent1"/>
+          </a:effectRef>
+          <a:fontRef idx="minor">
+            <a:schemeClr val="tx1"/>
+          </a:fontRef>
+        </p:style>
+      </p:cxnSp>
+      <p:cxnSp>
+        <p:nvCxnSpPr>
+          <p:cNvPr id="147" name="Connecteur droit avec flèche 146">
+            <a:extLst>
+              <a:ext uri="{FF2B5EF4-FFF2-40B4-BE49-F238E27FC236}">
+                <a16:creationId xmlns:a16="http://schemas.microsoft.com/office/drawing/2014/main" id="{81727CF6-61E7-1248-B379-326132500770}"/>
+              </a:ext>
+            </a:extLst>
+          </p:cNvPr>
+          <p:cNvCxnSpPr>
+            <a:cxnSpLocks/>
+            <a:endCxn id="145" idx="1"/>
+          </p:cNvCxnSpPr>
+          <p:nvPr/>
+        </p:nvCxnSpPr>
+        <p:spPr>
+          <a:xfrm flipV="1">
+            <a:off x="5537013" y="1176179"/>
+            <a:ext cx="146857" cy="4184"/>
+          </a:xfrm>
+          <a:prstGeom prst="straightConnector1">
+            <a:avLst/>
+          </a:prstGeom>
+          <a:ln w="19050">
+            <a:solidFill>
+              <a:schemeClr val="tx1"/>
+            </a:solidFill>
+            <a:prstDash val="sysDash"/>
+            <a:tailEnd type="triangle"/>
+          </a:ln>
+        </p:spPr>
+        <p:style>
+          <a:lnRef idx="1">
+            <a:schemeClr val="accent1"/>
+          </a:lnRef>
+          <a:fillRef idx="0">
+            <a:schemeClr val="accent1"/>
+          </a:fillRef>
+          <a:effectRef idx="0">
+            <a:schemeClr val="accent1"/>
+          </a:effectRef>
+          <a:fontRef idx="minor">
+            <a:schemeClr val="tx1"/>
+          </a:fontRef>
+        </p:style>
+      </p:cxnSp>
+      <p:sp>
+        <p:nvSpPr>
+          <p:cNvPr id="148" name="ZoneTexte 147">
+            <a:extLst>
+              <a:ext uri="{FF2B5EF4-FFF2-40B4-BE49-F238E27FC236}">
+                <a16:creationId xmlns:a16="http://schemas.microsoft.com/office/drawing/2014/main" id="{E144A86D-7BE6-D740-8D8A-3812CEE2D089}"/>
+              </a:ext>
+            </a:extLst>
+          </p:cNvPr>
+          <p:cNvSpPr txBox="1"/>
+          <p:nvPr/>
+        </p:nvSpPr>
+        <p:spPr>
+          <a:xfrm>
+            <a:off x="6160857" y="1020444"/>
+            <a:ext cx="443815" cy="123111"/>
+          </a:xfrm>
+          <a:prstGeom prst="rect">
+            <a:avLst/>
+          </a:prstGeom>
+          <a:noFill/>
+        </p:spPr>
+        <p:txBody>
+          <a:bodyPr wrap="square" lIns="0" tIns="0" rIns="0" bIns="0" rtlCol="0">
+            <a:spAutoFit/>
+          </a:bodyPr>
+          <a:lstStyle/>
+          <a:p>
+            <a:r>
+              <a:rPr lang="fr-FR" sz="800" dirty="0">
+                <a:latin typeface="Cambria" panose="02040503050406030204" pitchFamily="18" charset="0"/>
+                <a:ea typeface="Arial Rounded MT Bold" charset="0"/>
+                <a:cs typeface="Arial Rounded MT Bold" charset="0"/>
+              </a:rPr>
+              <a:t>output TS</a:t>
+            </a:r>
+          </a:p>
+        </p:txBody>
+      </p:sp>
+      <p:cxnSp>
+        <p:nvCxnSpPr>
+          <p:cNvPr id="149" name="Connecteur droit avec flèche 148">
+            <a:extLst>
+              <a:ext uri="{FF2B5EF4-FFF2-40B4-BE49-F238E27FC236}">
+                <a16:creationId xmlns:a16="http://schemas.microsoft.com/office/drawing/2014/main" id="{C4931B87-DB8F-CF42-825C-39B52224539D}"/>
+              </a:ext>
+            </a:extLst>
+          </p:cNvPr>
+          <p:cNvCxnSpPr>
+            <a:stCxn id="145" idx="3"/>
+          </p:cNvCxnSpPr>
+          <p:nvPr/>
+        </p:nvCxnSpPr>
+        <p:spPr>
+          <a:xfrm flipV="1">
+            <a:off x="6064111" y="1176178"/>
+            <a:ext cx="522851" cy="1"/>
+          </a:xfrm>
+          <a:prstGeom prst="straightConnector1">
+            <a:avLst/>
+          </a:prstGeom>
+          <a:ln w="19050">
+            <a:solidFill>
+              <a:schemeClr val="tx1"/>
+            </a:solidFill>
+            <a:prstDash val="sysDash"/>
+            <a:tailEnd type="triangle"/>
+          </a:ln>
+        </p:spPr>
+        <p:style>
+          <a:lnRef idx="1">
+            <a:schemeClr val="accent1"/>
+          </a:lnRef>
+          <a:fillRef idx="0">
+            <a:schemeClr val="accent1"/>
+          </a:fillRef>
+          <a:effectRef idx="0">
+            <a:schemeClr val="accent1"/>
+          </a:effectRef>
+          <a:fontRef idx="minor">
+            <a:schemeClr val="tx1"/>
+          </a:fontRef>
+        </p:style>
+      </p:cxnSp>
+      <p:sp>
+        <p:nvSpPr>
+          <p:cNvPr id="150" name="Rectangle à coins arrondis 149">
+            <a:extLst>
+              <a:ext uri="{FF2B5EF4-FFF2-40B4-BE49-F238E27FC236}">
+                <a16:creationId xmlns:a16="http://schemas.microsoft.com/office/drawing/2014/main" id="{F16D29F8-F334-CB4D-BFD1-BD53652E3698}"/>
+              </a:ext>
+            </a:extLst>
+          </p:cNvPr>
+          <p:cNvSpPr/>
+          <p:nvPr/>
+        </p:nvSpPr>
+        <p:spPr>
+          <a:xfrm>
+            <a:off x="713693" y="1466305"/>
+            <a:ext cx="506101" cy="326360"/>
+          </a:xfrm>
+          <a:prstGeom prst="roundRect">
+            <a:avLst/>
+          </a:prstGeom>
+          <a:solidFill>
+            <a:schemeClr val="accent6">
+              <a:lumMod val="40000"/>
+              <a:lumOff val="60000"/>
+            </a:schemeClr>
+          </a:solidFill>
+          <a:ln>
+            <a:solidFill>
+              <a:schemeClr val="bg1"/>
+            </a:solidFill>
+          </a:ln>
+        </p:spPr>
+        <p:style>
+          <a:lnRef idx="2">
+            <a:schemeClr val="accent1">
+              <a:shade val="50000"/>
+            </a:schemeClr>
+          </a:lnRef>
+          <a:fillRef idx="1">
+            <a:schemeClr val="accent1"/>
+          </a:fillRef>
+          <a:effectRef idx="0">
+            <a:schemeClr val="accent1"/>
+          </a:effectRef>
+          <a:fontRef idx="minor">
+            <a:schemeClr val="lt1"/>
+          </a:fontRef>
+        </p:style>
+        <p:txBody>
+          <a:bodyPr lIns="36000" rIns="36000" rtlCol="0" anchor="ctr"/>
+          <a:lstStyle/>
+          <a:p>
+            <a:pPr algn="ctr"/>
+            <a:r>
+              <a:rPr lang="fr-FR" sz="800" dirty="0">
+                <a:solidFill>
+                  <a:schemeClr val="tx1"/>
+                </a:solidFill>
+                <a:latin typeface="Cambria" panose="02040503050406030204" pitchFamily="18" charset="0"/>
+                <a:ea typeface="Arial Rounded MT Bold" charset="0"/>
+                <a:cs typeface="Arial Rounded MT Bold" charset="0"/>
+              </a:rPr>
+              <a:t>DVB</a:t>
+            </a:r>
+          </a:p>
+          <a:p>
+            <a:pPr algn="ctr"/>
+            <a:r>
+              <a:rPr lang="fr-FR" sz="800" dirty="0">
+                <a:solidFill>
+                  <a:schemeClr val="tx1"/>
+                </a:solidFill>
+                <a:latin typeface="Cambria" panose="02040503050406030204" pitchFamily="18" charset="0"/>
+                <a:ea typeface="Arial Rounded MT Bold" charset="0"/>
+                <a:cs typeface="Arial Rounded MT Bold" charset="0"/>
+              </a:rPr>
+              <a:t>tuner</a:t>
+            </a:r>
+          </a:p>
+        </p:txBody>
+      </p:sp>
+      <p:cxnSp>
+        <p:nvCxnSpPr>
+          <p:cNvPr id="151" name="Connecteur droit 150">
+            <a:extLst>
+              <a:ext uri="{FF2B5EF4-FFF2-40B4-BE49-F238E27FC236}">
+                <a16:creationId xmlns:a16="http://schemas.microsoft.com/office/drawing/2014/main" id="{21FEE28B-F787-BA47-B678-2E1BC9B22353}"/>
+              </a:ext>
+            </a:extLst>
+          </p:cNvPr>
+          <p:cNvCxnSpPr/>
+          <p:nvPr/>
+        </p:nvCxnSpPr>
+        <p:spPr>
+          <a:xfrm flipH="1" flipV="1">
+            <a:off x="310077" y="1622685"/>
+            <a:ext cx="417457" cy="6800"/>
+          </a:xfrm>
+          <a:prstGeom prst="line">
+            <a:avLst/>
+          </a:prstGeom>
+          <a:ln w="31750">
+            <a:solidFill>
+              <a:schemeClr val="tx1"/>
+            </a:solidFill>
+            <a:headEnd type="triangle" w="med" len="med"/>
+            <a:tailEnd type="none" w="med" len="med"/>
+          </a:ln>
+        </p:spPr>
+        <p:style>
+          <a:lnRef idx="1">
+            <a:schemeClr val="accent1"/>
+          </a:lnRef>
+          <a:fillRef idx="0">
+            <a:schemeClr val="accent1"/>
+          </a:fillRef>
+          <a:effectRef idx="0">
+            <a:schemeClr val="accent1"/>
+          </a:effectRef>
+          <a:fontRef idx="minor">
+            <a:schemeClr val="tx1"/>
+          </a:fontRef>
+        </p:style>
+      </p:cxnSp>
+      <p:pic>
+        <p:nvPicPr>
+          <p:cNvPr id="152" name="Picture 3">
+            <a:extLst>
+              <a:ext uri="{FF2B5EF4-FFF2-40B4-BE49-F238E27FC236}">
+                <a16:creationId xmlns:a16="http://schemas.microsoft.com/office/drawing/2014/main" id="{8B89C201-BA7A-3547-9956-97C9C5593DB9}"/>
+              </a:ext>
+            </a:extLst>
+          </p:cNvPr>
+          <p:cNvPicPr>
+            <a:picLocks noChangeAspect="1" noChangeArrowheads="1"/>
+          </p:cNvPicPr>
+          <p:nvPr/>
+        </p:nvPicPr>
+        <p:blipFill>
+          <a:blip r:embed="rId3">
+            <a:extLst>
+              <a:ext uri="{28A0092B-C50C-407E-A947-70E740481C1C}">
+                <a14:useLocalDpi xmlns:a14="http://schemas.microsoft.com/office/drawing/2010/main" val="0"/>
+              </a:ext>
+            </a:extLst>
+          </a:blip>
+          <a:srcRect/>
+          <a:stretch>
+            <a:fillRect/>
+          </a:stretch>
+        </p:blipFill>
+        <p:spPr bwMode="auto">
+          <a:xfrm flipH="1">
+            <a:off x="214536" y="1237333"/>
+            <a:ext cx="399016" cy="399016"/>
+          </a:xfrm>
+          <a:prstGeom prst="rect">
+            <a:avLst/>
+          </a:prstGeom>
+          <a:noFill/>
+          <a:ln>
+            <a:noFill/>
+          </a:ln>
+          <a:effectLst/>
+          <a:extLst>
+            <a:ext uri="{909E8E84-426E-40DD-AFC4-6F175D3DCCD1}">
+              <a14:hiddenFill xmlns:a14="http://schemas.microsoft.com/office/drawing/2010/main">
+                <a:solidFill>
+                  <a:schemeClr val="accent1"/>
+                </a:solidFill>
+              </a14:hiddenFill>
+            </a:ext>
+            <a:ext uri="{91240B29-F687-4F45-9708-019B960494DF}">
+              <a14:hiddenLine xmlns:a14="http://schemas.microsoft.com/office/drawing/2010/main" w="9525">
+                <a:solidFill>
+                  <a:schemeClr val="tx1"/>
+                </a:solidFill>
+                <a:miter lim="800000"/>
+                <a:headEnd/>
+                <a:tailEnd/>
+              </a14:hiddenLine>
+            </a:ext>
+            <a:ext uri="{AF507438-7753-43E0-B8FC-AC1667EBCBE1}">
+              <a14:hiddenEffects xmlns:a14="http://schemas.microsoft.com/office/drawing/2010/main">
+                <a:effectLst>
+                  <a:outerShdw dist="35921" dir="2700000" algn="ctr" rotWithShape="0">
+                    <a:schemeClr val="bg2"/>
+                  </a:outerShdw>
+                </a:effectLst>
+              </a14:hiddenEffects>
+            </a:ext>
+          </a:extLst>
+        </p:spPr>
+      </p:pic>
+      <p:sp>
+        <p:nvSpPr>
+          <p:cNvPr id="153" name="Rectangle à coins arrondis 152">
+            <a:extLst>
+              <a:ext uri="{FF2B5EF4-FFF2-40B4-BE49-F238E27FC236}">
+                <a16:creationId xmlns:a16="http://schemas.microsoft.com/office/drawing/2014/main" id="{23928D21-4F50-394F-A465-8160CD1E1038}"/>
+              </a:ext>
+            </a:extLst>
+          </p:cNvPr>
+          <p:cNvSpPr/>
+          <p:nvPr/>
+        </p:nvSpPr>
+        <p:spPr>
+          <a:xfrm>
+            <a:off x="3113371" y="420474"/>
+            <a:ext cx="1260280" cy="1394111"/>
+          </a:xfrm>
+          <a:prstGeom prst="roundRect">
+            <a:avLst>
+              <a:gd name="adj" fmla="val 3969"/>
+            </a:avLst>
+          </a:prstGeom>
+          <a:solidFill>
+            <a:schemeClr val="accent6">
+              <a:lumMod val="40000"/>
+              <a:lumOff val="60000"/>
+            </a:schemeClr>
+          </a:solidFill>
+          <a:ln>
+            <a:noFill/>
+          </a:ln>
+        </p:spPr>
+        <p:style>
+          <a:lnRef idx="2">
+            <a:schemeClr val="accent1">
+              <a:shade val="50000"/>
+            </a:schemeClr>
+          </a:lnRef>
+          <a:fillRef idx="1">
+            <a:schemeClr val="accent1"/>
+          </a:fillRef>
+          <a:effectRef idx="0">
+            <a:schemeClr val="accent1"/>
+          </a:effectRef>
+          <a:fontRef idx="minor">
+            <a:schemeClr val="lt1"/>
+          </a:fontRef>
+        </p:style>
+        <p:txBody>
+          <a:bodyPr tIns="0" rtlCol="0" anchor="t" anchorCtr="0"/>
+          <a:lstStyle/>
+          <a:p>
+            <a:pPr algn="ctr"/>
+            <a:r>
+              <a:rPr lang="fr-FR" sz="900" b="1" dirty="0" err="1">
+                <a:solidFill>
+                  <a:schemeClr val="tx1"/>
+                </a:solidFill>
+                <a:latin typeface="Cambria" panose="02040503050406030204" pitchFamily="18" charset="0"/>
+                <a:ea typeface="Arial Rounded MT Bold" charset="0"/>
+                <a:cs typeface="Arial Rounded MT Bold" charset="0"/>
+              </a:rPr>
+              <a:t>tsswitch</a:t>
+            </a:r>
+            <a:endParaRPr lang="fr-FR" sz="900" b="1" dirty="0">
+              <a:solidFill>
+                <a:schemeClr val="tx1"/>
+              </a:solidFill>
+              <a:latin typeface="Cambria" panose="02040503050406030204" pitchFamily="18" charset="0"/>
+              <a:ea typeface="Arial Rounded MT Bold" charset="0"/>
+              <a:cs typeface="Arial Rounded MT Bold" charset="0"/>
+            </a:endParaRPr>
+          </a:p>
+        </p:txBody>
+      </p:sp>
+      <p:sp>
+        <p:nvSpPr>
+          <p:cNvPr id="154" name="Rectangle à coins arrondis 153">
+            <a:extLst>
+              <a:ext uri="{FF2B5EF4-FFF2-40B4-BE49-F238E27FC236}">
+                <a16:creationId xmlns:a16="http://schemas.microsoft.com/office/drawing/2014/main" id="{D36A8FDC-F1BD-EC40-8248-6B52204EA4FB}"/>
+              </a:ext>
+            </a:extLst>
+          </p:cNvPr>
+          <p:cNvSpPr/>
+          <p:nvPr/>
+        </p:nvSpPr>
+        <p:spPr>
+          <a:xfrm>
+            <a:off x="3214587" y="600222"/>
+            <a:ext cx="380241" cy="245199"/>
+          </a:xfrm>
+          <a:prstGeom prst="roundRect">
+            <a:avLst/>
+          </a:prstGeom>
+          <a:solidFill>
+            <a:srgbClr val="1F8A4C"/>
+          </a:solidFill>
+          <a:ln>
+            <a:noFill/>
+          </a:ln>
+        </p:spPr>
+        <p:style>
+          <a:lnRef idx="2">
+            <a:schemeClr val="accent1">
+              <a:shade val="50000"/>
+            </a:schemeClr>
+          </a:lnRef>
+          <a:fillRef idx="1">
+            <a:schemeClr val="accent1"/>
+          </a:fillRef>
+          <a:effectRef idx="0">
+            <a:schemeClr val="accent1"/>
+          </a:effectRef>
+          <a:fontRef idx="minor">
+            <a:schemeClr val="lt1"/>
+          </a:fontRef>
+        </p:style>
+        <p:txBody>
+          <a:bodyPr lIns="36000" rIns="36000" rtlCol="0" anchor="ctr"/>
+          <a:lstStyle/>
+          <a:p>
+            <a:pPr algn="ctr"/>
+            <a:r>
+              <a:rPr lang="fr-FR" sz="800" b="1" dirty="0" err="1">
+                <a:latin typeface="Consolas" panose="020B0609020204030204" pitchFamily="49" charset="0"/>
+                <a:cs typeface="Consolas" panose="020B0609020204030204" pitchFamily="49" charset="0"/>
+              </a:rPr>
+              <a:t>ip</a:t>
+            </a:r>
+            <a:endParaRPr lang="fr-FR" sz="800" b="1" dirty="0">
+              <a:latin typeface="Consolas" panose="020B0609020204030204" pitchFamily="49" charset="0"/>
+              <a:cs typeface="Consolas" panose="020B0609020204030204" pitchFamily="49" charset="0"/>
+            </a:endParaRPr>
+          </a:p>
+        </p:txBody>
+      </p:sp>
+      <p:sp>
+        <p:nvSpPr>
+          <p:cNvPr id="155" name="Rectangle à coins arrondis 154">
+            <a:extLst>
+              <a:ext uri="{FF2B5EF4-FFF2-40B4-BE49-F238E27FC236}">
+                <a16:creationId xmlns:a16="http://schemas.microsoft.com/office/drawing/2014/main" id="{2E1B18C1-9894-1F42-B531-FA72F788D06A}"/>
+              </a:ext>
+            </a:extLst>
+          </p:cNvPr>
+          <p:cNvSpPr/>
+          <p:nvPr/>
+        </p:nvSpPr>
+        <p:spPr>
+          <a:xfrm>
+            <a:off x="3896342" y="1051323"/>
+            <a:ext cx="380241" cy="245199"/>
+          </a:xfrm>
+          <a:prstGeom prst="roundRect">
+            <a:avLst/>
+          </a:prstGeom>
+          <a:solidFill>
+            <a:srgbClr val="1F8A4C"/>
+          </a:solidFill>
+          <a:ln>
+            <a:noFill/>
+          </a:ln>
+        </p:spPr>
+        <p:style>
+          <a:lnRef idx="2">
+            <a:schemeClr val="accent1">
+              <a:shade val="50000"/>
+            </a:schemeClr>
+          </a:lnRef>
+          <a:fillRef idx="1">
+            <a:schemeClr val="accent1"/>
+          </a:fillRef>
+          <a:effectRef idx="0">
+            <a:schemeClr val="accent1"/>
+          </a:effectRef>
+          <a:fontRef idx="minor">
+            <a:schemeClr val="lt1"/>
+          </a:fontRef>
+        </p:style>
+        <p:txBody>
+          <a:bodyPr lIns="36000" rIns="36000" rtlCol="0" anchor="ctr"/>
+          <a:lstStyle/>
+          <a:p>
+            <a:pPr algn="ctr"/>
+            <a:r>
+              <a:rPr lang="fr-FR" sz="800" b="1" dirty="0">
+                <a:latin typeface="Consolas" panose="020B0609020204030204" pitchFamily="49" charset="0"/>
+                <a:ea typeface="Arial Rounded MT Bold" charset="0"/>
+                <a:cs typeface="Consolas" panose="020B0609020204030204" pitchFamily="49" charset="0"/>
+              </a:rPr>
+              <a:t>file</a:t>
+            </a:r>
+            <a:endParaRPr lang="fr-FR" sz="800" i="1" dirty="0">
+              <a:latin typeface="Cambria" panose="02040503050406030204" pitchFamily="18" charset="0"/>
+              <a:ea typeface="Arial Rounded MT Bold" charset="0"/>
+              <a:cs typeface="Arial Rounded MT Bold" charset="0"/>
+            </a:endParaRPr>
+          </a:p>
+        </p:txBody>
+      </p:sp>
+      <p:cxnSp>
+        <p:nvCxnSpPr>
+          <p:cNvPr id="156" name="Connecteur droit avec flèche 78">
+            <a:extLst>
+              <a:ext uri="{FF2B5EF4-FFF2-40B4-BE49-F238E27FC236}">
+                <a16:creationId xmlns:a16="http://schemas.microsoft.com/office/drawing/2014/main" id="{B29DF2C1-5270-904D-B642-F5752B62DDF8}"/>
+              </a:ext>
+            </a:extLst>
+          </p:cNvPr>
+          <p:cNvCxnSpPr>
+            <a:cxnSpLocks/>
+            <a:stCxn id="154" idx="3"/>
+            <a:endCxn id="155" idx="1"/>
+          </p:cNvCxnSpPr>
+          <p:nvPr/>
+        </p:nvCxnSpPr>
+        <p:spPr>
+          <a:xfrm>
+            <a:off x="3594828" y="722822"/>
+            <a:ext cx="301514" cy="451101"/>
+          </a:xfrm>
+          <a:prstGeom prst="bentConnector3">
+            <a:avLst>
+              <a:gd name="adj1" fmla="val 50000"/>
+            </a:avLst>
+          </a:prstGeom>
+          <a:ln w="19050">
+            <a:solidFill>
+              <a:schemeClr val="tx1"/>
+            </a:solidFill>
+            <a:prstDash val="sysDash"/>
+            <a:tailEnd type="triangle"/>
+          </a:ln>
+        </p:spPr>
+        <p:style>
+          <a:lnRef idx="1">
+            <a:schemeClr val="accent1"/>
+          </a:lnRef>
+          <a:fillRef idx="0">
+            <a:schemeClr val="accent1"/>
+          </a:fillRef>
+          <a:effectRef idx="0">
+            <a:schemeClr val="accent1"/>
+          </a:effectRef>
+          <a:fontRef idx="minor">
+            <a:schemeClr val="tx1"/>
+          </a:fontRef>
+        </p:style>
+      </p:cxnSp>
+      <p:cxnSp>
+        <p:nvCxnSpPr>
+          <p:cNvPr id="157" name="Connecteur droit avec flèche 156">
+            <a:extLst>
+              <a:ext uri="{FF2B5EF4-FFF2-40B4-BE49-F238E27FC236}">
+                <a16:creationId xmlns:a16="http://schemas.microsoft.com/office/drawing/2014/main" id="{7BFD1D0D-2F24-5140-A7A1-15162A534CF0}"/>
+              </a:ext>
+            </a:extLst>
+          </p:cNvPr>
+          <p:cNvCxnSpPr>
+            <a:cxnSpLocks/>
+            <a:stCxn id="155" idx="3"/>
+            <a:endCxn id="143" idx="1"/>
+          </p:cNvCxnSpPr>
+          <p:nvPr/>
+        </p:nvCxnSpPr>
+        <p:spPr>
+          <a:xfrm>
+            <a:off x="4276582" y="1173923"/>
+            <a:ext cx="343851" cy="2256"/>
+          </a:xfrm>
+          <a:prstGeom prst="straightConnector1">
+            <a:avLst/>
+          </a:prstGeom>
+          <a:ln w="19050">
+            <a:solidFill>
+              <a:schemeClr val="tx1"/>
+            </a:solidFill>
+            <a:prstDash val="sysDash"/>
+            <a:tailEnd type="triangle"/>
+          </a:ln>
+        </p:spPr>
+        <p:style>
+          <a:lnRef idx="1">
+            <a:schemeClr val="accent1"/>
+          </a:lnRef>
+          <a:fillRef idx="0">
+            <a:schemeClr val="accent1"/>
+          </a:fillRef>
+          <a:effectRef idx="0">
+            <a:schemeClr val="accent1"/>
+          </a:effectRef>
+          <a:fontRef idx="minor">
+            <a:schemeClr val="tx1"/>
+          </a:fontRef>
+        </p:style>
+      </p:cxnSp>
+      <p:cxnSp>
+        <p:nvCxnSpPr>
+          <p:cNvPr id="158" name="Connecteur droit avec flèche 157">
+            <a:extLst>
+              <a:ext uri="{FF2B5EF4-FFF2-40B4-BE49-F238E27FC236}">
+                <a16:creationId xmlns:a16="http://schemas.microsoft.com/office/drawing/2014/main" id="{BA6B98F2-90C8-DF4E-BB12-2494ADAC5B72}"/>
+              </a:ext>
+            </a:extLst>
+          </p:cNvPr>
+          <p:cNvCxnSpPr>
+            <a:cxnSpLocks/>
+            <a:endCxn id="154" idx="1"/>
+          </p:cNvCxnSpPr>
+          <p:nvPr/>
+        </p:nvCxnSpPr>
+        <p:spPr>
+          <a:xfrm>
+            <a:off x="2554297" y="722822"/>
+            <a:ext cx="660290" cy="0"/>
+          </a:xfrm>
+          <a:prstGeom prst="straightConnector1">
+            <a:avLst/>
+          </a:prstGeom>
+          <a:ln w="19050">
+            <a:solidFill>
+              <a:schemeClr val="tx1"/>
+            </a:solidFill>
+            <a:prstDash val="sysDash"/>
+            <a:tailEnd type="triangle"/>
+          </a:ln>
+        </p:spPr>
+        <p:style>
+          <a:lnRef idx="1">
+            <a:schemeClr val="accent1"/>
+          </a:lnRef>
+          <a:fillRef idx="0">
+            <a:schemeClr val="accent1"/>
+          </a:fillRef>
+          <a:effectRef idx="0">
+            <a:schemeClr val="accent1"/>
+          </a:effectRef>
+          <a:fontRef idx="minor">
+            <a:schemeClr val="tx1"/>
+          </a:fontRef>
+        </p:style>
+      </p:cxnSp>
+      <p:sp>
+        <p:nvSpPr>
+          <p:cNvPr id="159" name="ZoneTexte 158">
+            <a:extLst>
+              <a:ext uri="{FF2B5EF4-FFF2-40B4-BE49-F238E27FC236}">
+                <a16:creationId xmlns:a16="http://schemas.microsoft.com/office/drawing/2014/main" id="{4AC03D0B-A668-1147-BB20-51BF30886025}"/>
+              </a:ext>
+            </a:extLst>
+          </p:cNvPr>
+          <p:cNvSpPr txBox="1"/>
+          <p:nvPr/>
+        </p:nvSpPr>
+        <p:spPr>
+          <a:xfrm>
+            <a:off x="2554297" y="572449"/>
+            <a:ext cx="497713" cy="123111"/>
+          </a:xfrm>
+          <a:prstGeom prst="rect">
+            <a:avLst/>
+          </a:prstGeom>
+          <a:noFill/>
+        </p:spPr>
+        <p:txBody>
+          <a:bodyPr wrap="square" lIns="0" tIns="0" rIns="0" bIns="0" rtlCol="0">
+            <a:spAutoFit/>
+          </a:bodyPr>
+          <a:lstStyle/>
+          <a:p>
+            <a:r>
+              <a:rPr lang="fr-FR" sz="800" dirty="0">
+                <a:latin typeface="Cambria" panose="02040503050406030204" pitchFamily="18" charset="0"/>
+                <a:ea typeface="Arial Rounded MT Bold" charset="0"/>
+                <a:cs typeface="Arial Rounded MT Bold" charset="0"/>
+              </a:rPr>
+              <a:t>input TS 0</a:t>
+            </a:r>
+          </a:p>
+        </p:txBody>
+      </p:sp>
+      <p:sp>
+        <p:nvSpPr>
+          <p:cNvPr id="160" name="Rectangle à coins arrondis 159">
+            <a:extLst>
+              <a:ext uri="{FF2B5EF4-FFF2-40B4-BE49-F238E27FC236}">
+                <a16:creationId xmlns:a16="http://schemas.microsoft.com/office/drawing/2014/main" id="{FC5A53AA-03C5-6740-AAB7-22C581F93311}"/>
+              </a:ext>
+            </a:extLst>
+          </p:cNvPr>
+          <p:cNvSpPr/>
+          <p:nvPr/>
+        </p:nvSpPr>
+        <p:spPr>
+          <a:xfrm>
+            <a:off x="3214587" y="902570"/>
+            <a:ext cx="380241" cy="245199"/>
+          </a:xfrm>
+          <a:prstGeom prst="roundRect">
+            <a:avLst/>
+          </a:prstGeom>
+          <a:solidFill>
+            <a:srgbClr val="1F8A4C"/>
+          </a:solidFill>
+          <a:ln>
+            <a:noFill/>
+          </a:ln>
+        </p:spPr>
+        <p:style>
+          <a:lnRef idx="2">
+            <a:schemeClr val="accent1">
+              <a:shade val="50000"/>
+            </a:schemeClr>
+          </a:lnRef>
+          <a:fillRef idx="1">
+            <a:schemeClr val="accent1"/>
+          </a:fillRef>
+          <a:effectRef idx="0">
+            <a:schemeClr val="accent1"/>
+          </a:effectRef>
+          <a:fontRef idx="minor">
+            <a:schemeClr val="lt1"/>
+          </a:fontRef>
+        </p:style>
+        <p:txBody>
+          <a:bodyPr lIns="36000" rIns="36000" rtlCol="0" anchor="ctr"/>
+          <a:lstStyle/>
+          <a:p>
+            <a:pPr algn="ctr"/>
+            <a:r>
+              <a:rPr lang="fr-FR" sz="800" b="1" dirty="0" err="1">
+                <a:latin typeface="Consolas" panose="020B0609020204030204" pitchFamily="49" charset="0"/>
+                <a:cs typeface="Consolas" panose="020B0609020204030204" pitchFamily="49" charset="0"/>
+              </a:rPr>
+              <a:t>ip</a:t>
+            </a:r>
+            <a:endParaRPr lang="fr-FR" sz="800" b="1" dirty="0">
+              <a:latin typeface="Consolas" panose="020B0609020204030204" pitchFamily="49" charset="0"/>
+              <a:cs typeface="Consolas" panose="020B0609020204030204" pitchFamily="49" charset="0"/>
+            </a:endParaRPr>
+          </a:p>
+        </p:txBody>
+      </p:sp>
+      <p:sp>
+        <p:nvSpPr>
+          <p:cNvPr id="161" name="Rectangle à coins arrondis 160">
+            <a:extLst>
+              <a:ext uri="{FF2B5EF4-FFF2-40B4-BE49-F238E27FC236}">
+                <a16:creationId xmlns:a16="http://schemas.microsoft.com/office/drawing/2014/main" id="{C892A677-4DD7-9D44-A35F-E07C3734C7D0}"/>
+              </a:ext>
+            </a:extLst>
+          </p:cNvPr>
+          <p:cNvSpPr/>
+          <p:nvPr/>
+        </p:nvSpPr>
+        <p:spPr>
+          <a:xfrm>
+            <a:off x="3214587" y="1204918"/>
+            <a:ext cx="380241" cy="245199"/>
+          </a:xfrm>
+          <a:prstGeom prst="roundRect">
+            <a:avLst/>
+          </a:prstGeom>
+          <a:solidFill>
+            <a:srgbClr val="1F8A4C"/>
+          </a:solidFill>
+          <a:ln>
+            <a:noFill/>
+          </a:ln>
+        </p:spPr>
+        <p:style>
+          <a:lnRef idx="2">
+            <a:schemeClr val="accent1">
+              <a:shade val="50000"/>
+            </a:schemeClr>
+          </a:lnRef>
+          <a:fillRef idx="1">
+            <a:schemeClr val="accent1"/>
+          </a:fillRef>
+          <a:effectRef idx="0">
+            <a:schemeClr val="accent1"/>
+          </a:effectRef>
+          <a:fontRef idx="minor">
+            <a:schemeClr val="lt1"/>
+          </a:fontRef>
+        </p:style>
+        <p:txBody>
+          <a:bodyPr lIns="36000" rIns="36000" rtlCol="0" anchor="ctr"/>
+          <a:lstStyle/>
+          <a:p>
+            <a:pPr algn="ctr"/>
+            <a:r>
+              <a:rPr lang="fr-FR" sz="800" b="1" dirty="0">
+                <a:latin typeface="Consolas" panose="020B0609020204030204" pitchFamily="49" charset="0"/>
+                <a:cs typeface="Consolas" panose="020B0609020204030204" pitchFamily="49" charset="0"/>
+              </a:rPr>
+              <a:t>http</a:t>
+            </a:r>
+          </a:p>
+        </p:txBody>
+      </p:sp>
+      <p:sp>
+        <p:nvSpPr>
+          <p:cNvPr id="162" name="Rectangle à coins arrondis 161">
+            <a:extLst>
+              <a:ext uri="{FF2B5EF4-FFF2-40B4-BE49-F238E27FC236}">
+                <a16:creationId xmlns:a16="http://schemas.microsoft.com/office/drawing/2014/main" id="{055106AB-BE5F-E244-93DF-730F424CE9E2}"/>
+              </a:ext>
+            </a:extLst>
+          </p:cNvPr>
+          <p:cNvSpPr/>
+          <p:nvPr/>
+        </p:nvSpPr>
+        <p:spPr>
+          <a:xfrm>
+            <a:off x="3214587" y="1507265"/>
+            <a:ext cx="380241" cy="245199"/>
+          </a:xfrm>
+          <a:prstGeom prst="roundRect">
+            <a:avLst/>
+          </a:prstGeom>
+          <a:solidFill>
+            <a:srgbClr val="1F8A4C"/>
+          </a:solidFill>
+          <a:ln>
+            <a:noFill/>
+          </a:ln>
+        </p:spPr>
+        <p:style>
+          <a:lnRef idx="2">
+            <a:schemeClr val="accent1">
+              <a:shade val="50000"/>
+            </a:schemeClr>
+          </a:lnRef>
+          <a:fillRef idx="1">
+            <a:schemeClr val="accent1"/>
+          </a:fillRef>
+          <a:effectRef idx="0">
+            <a:schemeClr val="accent1"/>
+          </a:effectRef>
+          <a:fontRef idx="minor">
+            <a:schemeClr val="lt1"/>
+          </a:fontRef>
+        </p:style>
+        <p:txBody>
+          <a:bodyPr lIns="36000" rIns="36000" rtlCol="0" anchor="ctr"/>
+          <a:lstStyle/>
+          <a:p>
+            <a:pPr algn="ctr"/>
+            <a:r>
+              <a:rPr lang="fr-FR" sz="800" b="1" dirty="0">
+                <a:latin typeface="Consolas" panose="020B0609020204030204" pitchFamily="49" charset="0"/>
+                <a:cs typeface="Consolas" panose="020B0609020204030204" pitchFamily="49" charset="0"/>
+              </a:rPr>
+              <a:t>file</a:t>
+            </a:r>
+          </a:p>
+        </p:txBody>
+      </p:sp>
+      <p:cxnSp>
+        <p:nvCxnSpPr>
+          <p:cNvPr id="163" name="Connecteur droit avec flèche 78">
+            <a:extLst>
+              <a:ext uri="{FF2B5EF4-FFF2-40B4-BE49-F238E27FC236}">
+                <a16:creationId xmlns:a16="http://schemas.microsoft.com/office/drawing/2014/main" id="{CE59BDD5-42FC-2347-A97B-6EF1AF2CD76E}"/>
+              </a:ext>
+            </a:extLst>
+          </p:cNvPr>
+          <p:cNvCxnSpPr>
+            <a:cxnSpLocks/>
+            <a:stCxn id="160" idx="3"/>
+          </p:cNvCxnSpPr>
+          <p:nvPr/>
+        </p:nvCxnSpPr>
+        <p:spPr>
+          <a:xfrm>
+            <a:off x="3594828" y="1025170"/>
+            <a:ext cx="301514" cy="148753"/>
+          </a:xfrm>
+          <a:prstGeom prst="bentConnector3">
+            <a:avLst>
+              <a:gd name="adj1" fmla="val 50000"/>
+            </a:avLst>
+          </a:prstGeom>
+          <a:ln w="19050">
+            <a:solidFill>
+              <a:schemeClr val="tx1"/>
+            </a:solidFill>
+            <a:prstDash val="sysDash"/>
+            <a:tailEnd type="triangle"/>
+          </a:ln>
+        </p:spPr>
+        <p:style>
+          <a:lnRef idx="1">
+            <a:schemeClr val="accent1"/>
+          </a:lnRef>
+          <a:fillRef idx="0">
+            <a:schemeClr val="accent1"/>
+          </a:fillRef>
+          <a:effectRef idx="0">
+            <a:schemeClr val="accent1"/>
+          </a:effectRef>
+          <a:fontRef idx="minor">
+            <a:schemeClr val="tx1"/>
+          </a:fontRef>
+        </p:style>
+      </p:cxnSp>
+      <p:cxnSp>
+        <p:nvCxnSpPr>
+          <p:cNvPr id="164" name="Connecteur droit avec flèche 78">
+            <a:extLst>
+              <a:ext uri="{FF2B5EF4-FFF2-40B4-BE49-F238E27FC236}">
+                <a16:creationId xmlns:a16="http://schemas.microsoft.com/office/drawing/2014/main" id="{B20FFC8F-9BC4-2E4A-A8EE-7F654C8D18B6}"/>
+              </a:ext>
+            </a:extLst>
+          </p:cNvPr>
+          <p:cNvCxnSpPr>
+            <a:cxnSpLocks/>
+            <a:stCxn id="161" idx="3"/>
+            <a:endCxn id="155" idx="1"/>
+          </p:cNvCxnSpPr>
+          <p:nvPr/>
+        </p:nvCxnSpPr>
+        <p:spPr>
+          <a:xfrm flipV="1">
+            <a:off x="3594828" y="1173923"/>
+            <a:ext cx="301514" cy="153594"/>
+          </a:xfrm>
+          <a:prstGeom prst="bentConnector3">
+            <a:avLst>
+              <a:gd name="adj1" fmla="val 50000"/>
+            </a:avLst>
+          </a:prstGeom>
+          <a:ln w="19050">
+            <a:solidFill>
+              <a:schemeClr val="tx1"/>
+            </a:solidFill>
+            <a:prstDash val="sysDash"/>
+            <a:tailEnd type="triangle"/>
+          </a:ln>
+        </p:spPr>
+        <p:style>
+          <a:lnRef idx="1">
+            <a:schemeClr val="accent1"/>
+          </a:lnRef>
+          <a:fillRef idx="0">
+            <a:schemeClr val="accent1"/>
+          </a:fillRef>
+          <a:effectRef idx="0">
+            <a:schemeClr val="accent1"/>
+          </a:effectRef>
+          <a:fontRef idx="minor">
+            <a:schemeClr val="tx1"/>
+          </a:fontRef>
+        </p:style>
+      </p:cxnSp>
+      <p:cxnSp>
+        <p:nvCxnSpPr>
+          <p:cNvPr id="165" name="Connecteur droit avec flèche 78">
+            <a:extLst>
+              <a:ext uri="{FF2B5EF4-FFF2-40B4-BE49-F238E27FC236}">
+                <a16:creationId xmlns:a16="http://schemas.microsoft.com/office/drawing/2014/main" id="{FCD708BB-A040-F54D-A04F-BF29BBC34A9B}"/>
+              </a:ext>
+            </a:extLst>
+          </p:cNvPr>
+          <p:cNvCxnSpPr>
+            <a:cxnSpLocks/>
+            <a:stCxn id="162" idx="3"/>
+            <a:endCxn id="155" idx="1"/>
+          </p:cNvCxnSpPr>
+          <p:nvPr/>
+        </p:nvCxnSpPr>
+        <p:spPr>
+          <a:xfrm flipV="1">
+            <a:off x="3594828" y="1173923"/>
+            <a:ext cx="301514" cy="455942"/>
+          </a:xfrm>
+          <a:prstGeom prst="bentConnector3">
+            <a:avLst>
+              <a:gd name="adj1" fmla="val 50000"/>
+            </a:avLst>
+          </a:prstGeom>
+          <a:ln w="19050">
+            <a:solidFill>
+              <a:schemeClr val="tx1"/>
+            </a:solidFill>
+            <a:prstDash val="sysDash"/>
+            <a:tailEnd type="triangle"/>
+          </a:ln>
+        </p:spPr>
+        <p:style>
+          <a:lnRef idx="1">
+            <a:schemeClr val="accent1"/>
+          </a:lnRef>
+          <a:fillRef idx="0">
+            <a:schemeClr val="accent1"/>
+          </a:fillRef>
+          <a:effectRef idx="0">
+            <a:schemeClr val="accent1"/>
+          </a:effectRef>
+          <a:fontRef idx="minor">
+            <a:schemeClr val="tx1"/>
+          </a:fontRef>
+        </p:style>
+      </p:cxnSp>
+      <p:cxnSp>
+        <p:nvCxnSpPr>
+          <p:cNvPr id="166" name="Connecteur droit avec flèche 102">
+            <a:extLst>
+              <a:ext uri="{FF2B5EF4-FFF2-40B4-BE49-F238E27FC236}">
+                <a16:creationId xmlns:a16="http://schemas.microsoft.com/office/drawing/2014/main" id="{F68601FD-3B24-E84E-8512-8F12BDD6F447}"/>
+              </a:ext>
+            </a:extLst>
+          </p:cNvPr>
+          <p:cNvCxnSpPr>
+            <a:cxnSpLocks/>
+            <a:endCxn id="160" idx="1"/>
+          </p:cNvCxnSpPr>
+          <p:nvPr/>
+        </p:nvCxnSpPr>
+        <p:spPr>
+          <a:xfrm>
+            <a:off x="2554297" y="944402"/>
+            <a:ext cx="660290" cy="80768"/>
+          </a:xfrm>
+          <a:prstGeom prst="bentConnector3">
+            <a:avLst>
+              <a:gd name="adj1" fmla="val 72458"/>
+            </a:avLst>
+          </a:prstGeom>
+          <a:ln w="19050">
+            <a:solidFill>
+              <a:schemeClr val="tx1"/>
+            </a:solidFill>
+            <a:prstDash val="sysDash"/>
+            <a:tailEnd type="triangle"/>
+          </a:ln>
+        </p:spPr>
+        <p:style>
+          <a:lnRef idx="1">
+            <a:schemeClr val="accent1"/>
+          </a:lnRef>
+          <a:fillRef idx="0">
+            <a:schemeClr val="accent1"/>
+          </a:fillRef>
+          <a:effectRef idx="0">
+            <a:schemeClr val="accent1"/>
+          </a:effectRef>
+          <a:fontRef idx="minor">
+            <a:schemeClr val="tx1"/>
+          </a:fontRef>
+        </p:style>
+      </p:cxnSp>
+      <p:sp>
+        <p:nvSpPr>
+          <p:cNvPr id="167" name="Rectangle à coins arrondis 166">
+            <a:extLst>
+              <a:ext uri="{FF2B5EF4-FFF2-40B4-BE49-F238E27FC236}">
+                <a16:creationId xmlns:a16="http://schemas.microsoft.com/office/drawing/2014/main" id="{207176EF-D58B-9F42-B51F-EDF84066C434}"/>
+              </a:ext>
+            </a:extLst>
+          </p:cNvPr>
+          <p:cNvSpPr/>
+          <p:nvPr/>
+        </p:nvSpPr>
+        <p:spPr>
+          <a:xfrm>
+            <a:off x="1311769" y="1327518"/>
+            <a:ext cx="1675892" cy="501844"/>
+          </a:xfrm>
+          <a:prstGeom prst="roundRect">
+            <a:avLst>
+              <a:gd name="adj" fmla="val 3969"/>
+            </a:avLst>
+          </a:prstGeom>
+          <a:solidFill>
+            <a:schemeClr val="accent6">
+              <a:lumMod val="40000"/>
+              <a:lumOff val="60000"/>
+            </a:schemeClr>
+          </a:solidFill>
+          <a:ln>
+            <a:noFill/>
+          </a:ln>
+        </p:spPr>
+        <p:style>
+          <a:lnRef idx="2">
+            <a:schemeClr val="accent1">
+              <a:shade val="50000"/>
+            </a:schemeClr>
+          </a:lnRef>
+          <a:fillRef idx="1">
+            <a:schemeClr val="accent1"/>
+          </a:fillRef>
+          <a:effectRef idx="0">
+            <a:schemeClr val="accent1"/>
+          </a:effectRef>
+          <a:fontRef idx="minor">
+            <a:schemeClr val="lt1"/>
+          </a:fontRef>
+        </p:style>
+        <p:txBody>
+          <a:bodyPr tIns="0" rtlCol="0" anchor="t" anchorCtr="0"/>
+          <a:lstStyle/>
+          <a:p>
+            <a:pPr algn="ctr"/>
+            <a:r>
+              <a:rPr lang="fr-FR" sz="900" b="1" dirty="0" err="1">
+                <a:solidFill>
+                  <a:schemeClr val="tx1"/>
+                </a:solidFill>
+                <a:latin typeface="Cambria" panose="02040503050406030204" pitchFamily="18" charset="0"/>
+                <a:ea typeface="Arial Rounded MT Bold" charset="0"/>
+                <a:cs typeface="Arial Rounded MT Bold" charset="0"/>
+              </a:rPr>
+              <a:t>tsp</a:t>
+            </a:r>
+            <a:endParaRPr lang="fr-FR" sz="800" b="1" dirty="0">
+              <a:solidFill>
+                <a:schemeClr val="tx1"/>
+              </a:solidFill>
+              <a:latin typeface="Cambria" panose="02040503050406030204" pitchFamily="18" charset="0"/>
+              <a:ea typeface="Arial Rounded MT Bold" charset="0"/>
+              <a:cs typeface="Arial Rounded MT Bold" charset="0"/>
+            </a:endParaRPr>
+          </a:p>
+        </p:txBody>
+      </p:sp>
+      <p:sp>
+        <p:nvSpPr>
+          <p:cNvPr id="168" name="Rectangle à coins arrondis 167">
+            <a:extLst>
+              <a:ext uri="{FF2B5EF4-FFF2-40B4-BE49-F238E27FC236}">
+                <a16:creationId xmlns:a16="http://schemas.microsoft.com/office/drawing/2014/main" id="{0EBD748A-8AD9-2C46-89B4-4F6A71D46447}"/>
+              </a:ext>
+            </a:extLst>
+          </p:cNvPr>
+          <p:cNvSpPr/>
+          <p:nvPr/>
+        </p:nvSpPr>
+        <p:spPr>
+          <a:xfrm>
+            <a:off x="1445756" y="1507265"/>
+            <a:ext cx="380241" cy="245199"/>
+          </a:xfrm>
+          <a:prstGeom prst="roundRect">
+            <a:avLst/>
+          </a:prstGeom>
+          <a:solidFill>
+            <a:srgbClr val="1F8A4C"/>
+          </a:solidFill>
+          <a:ln>
+            <a:noFill/>
+          </a:ln>
+        </p:spPr>
+        <p:style>
+          <a:lnRef idx="2">
+            <a:schemeClr val="accent1">
+              <a:shade val="50000"/>
+            </a:schemeClr>
+          </a:lnRef>
+          <a:fillRef idx="1">
+            <a:schemeClr val="accent1"/>
+          </a:fillRef>
+          <a:effectRef idx="0">
+            <a:schemeClr val="accent1"/>
+          </a:effectRef>
+          <a:fontRef idx="minor">
+            <a:schemeClr val="lt1"/>
+          </a:fontRef>
+        </p:style>
+        <p:txBody>
+          <a:bodyPr lIns="36000" rIns="36000" rtlCol="0" anchor="ctr"/>
+          <a:lstStyle/>
+          <a:p>
+            <a:pPr algn="ctr"/>
+            <a:r>
+              <a:rPr lang="fr-FR" sz="800" b="1" dirty="0" err="1">
+                <a:latin typeface="Consolas" panose="020B0609020204030204" pitchFamily="49" charset="0"/>
+                <a:cs typeface="Consolas" panose="020B0609020204030204" pitchFamily="49" charset="0"/>
+              </a:rPr>
+              <a:t>dvb</a:t>
+            </a:r>
+            <a:endParaRPr lang="fr-FR" sz="800" b="1" dirty="0">
+              <a:latin typeface="Consolas" panose="020B0609020204030204" pitchFamily="49" charset="0"/>
+              <a:cs typeface="Consolas" panose="020B0609020204030204" pitchFamily="49" charset="0"/>
+            </a:endParaRPr>
+          </a:p>
+        </p:txBody>
+      </p:sp>
+      <p:sp>
+        <p:nvSpPr>
+          <p:cNvPr id="169" name="Rectangle à coins arrondis 168">
+            <a:extLst>
+              <a:ext uri="{FF2B5EF4-FFF2-40B4-BE49-F238E27FC236}">
+                <a16:creationId xmlns:a16="http://schemas.microsoft.com/office/drawing/2014/main" id="{FF06C02C-F215-8D4F-A8E5-8095AD1B4B48}"/>
+              </a:ext>
+            </a:extLst>
+          </p:cNvPr>
+          <p:cNvSpPr/>
+          <p:nvPr/>
+        </p:nvSpPr>
+        <p:spPr>
+          <a:xfrm>
+            <a:off x="1970494" y="1507265"/>
+            <a:ext cx="380241" cy="245199"/>
+          </a:xfrm>
+          <a:prstGeom prst="roundRect">
+            <a:avLst/>
+          </a:prstGeom>
+          <a:solidFill>
+            <a:srgbClr val="1F8A4C"/>
+          </a:solidFill>
+          <a:ln>
+            <a:noFill/>
+          </a:ln>
+        </p:spPr>
+        <p:style>
+          <a:lnRef idx="2">
+            <a:schemeClr val="accent1">
+              <a:shade val="50000"/>
+            </a:schemeClr>
+          </a:lnRef>
+          <a:fillRef idx="1">
+            <a:schemeClr val="accent1"/>
+          </a:fillRef>
+          <a:effectRef idx="0">
+            <a:schemeClr val="accent1"/>
+          </a:effectRef>
+          <a:fontRef idx="minor">
+            <a:schemeClr val="lt1"/>
+          </a:fontRef>
+        </p:style>
+        <p:txBody>
+          <a:bodyPr lIns="36000" rIns="36000" rtlCol="0" anchor="ctr"/>
+          <a:lstStyle/>
+          <a:p>
+            <a:pPr algn="ctr"/>
+            <a:r>
+              <a:rPr lang="fr-FR" sz="800" b="1" dirty="0" err="1">
+                <a:latin typeface="Consolas" panose="020B0609020204030204" pitchFamily="49" charset="0"/>
+                <a:cs typeface="Consolas" panose="020B0609020204030204" pitchFamily="49" charset="0"/>
+              </a:rPr>
+              <a:t>zap</a:t>
+            </a:r>
+            <a:endParaRPr lang="fr-FR" sz="800" b="1" dirty="0">
+              <a:latin typeface="Consolas" panose="020B0609020204030204" pitchFamily="49" charset="0"/>
+              <a:cs typeface="Consolas" panose="020B0609020204030204" pitchFamily="49" charset="0"/>
+            </a:endParaRPr>
+          </a:p>
+        </p:txBody>
+      </p:sp>
+      <p:sp>
+        <p:nvSpPr>
+          <p:cNvPr id="170" name="Rectangle à coins arrondis 169">
+            <a:extLst>
+              <a:ext uri="{FF2B5EF4-FFF2-40B4-BE49-F238E27FC236}">
+                <a16:creationId xmlns:a16="http://schemas.microsoft.com/office/drawing/2014/main" id="{DC06761C-E5D6-8C40-8FE7-6EAC716FC474}"/>
+              </a:ext>
+            </a:extLst>
+          </p:cNvPr>
+          <p:cNvSpPr/>
+          <p:nvPr/>
+        </p:nvSpPr>
+        <p:spPr>
+          <a:xfrm>
+            <a:off x="2509193" y="1507265"/>
+            <a:ext cx="380241" cy="245199"/>
+          </a:xfrm>
+          <a:prstGeom prst="roundRect">
+            <a:avLst/>
+          </a:prstGeom>
+          <a:solidFill>
+            <a:srgbClr val="1F8A4C"/>
+          </a:solidFill>
+          <a:ln>
+            <a:noFill/>
+          </a:ln>
+        </p:spPr>
+        <p:style>
+          <a:lnRef idx="2">
+            <a:schemeClr val="accent1">
+              <a:shade val="50000"/>
+            </a:schemeClr>
+          </a:lnRef>
+          <a:fillRef idx="1">
+            <a:schemeClr val="accent1"/>
+          </a:fillRef>
+          <a:effectRef idx="0">
+            <a:schemeClr val="accent1"/>
+          </a:effectRef>
+          <a:fontRef idx="minor">
+            <a:schemeClr val="lt1"/>
+          </a:fontRef>
+        </p:style>
+        <p:txBody>
+          <a:bodyPr lIns="36000" rIns="36000" rtlCol="0" anchor="ctr"/>
+          <a:lstStyle/>
+          <a:p>
+            <a:pPr algn="ctr"/>
+            <a:r>
+              <a:rPr lang="fr-FR" sz="800" b="1" dirty="0">
+                <a:latin typeface="Consolas" panose="020B0609020204030204" pitchFamily="49" charset="0"/>
+                <a:ea typeface="Arial Rounded MT Bold" charset="0"/>
+                <a:cs typeface="Consolas" panose="020B0609020204030204" pitchFamily="49" charset="0"/>
+              </a:rPr>
+              <a:t>file</a:t>
+            </a:r>
+            <a:endParaRPr lang="fr-FR" sz="800" i="1" dirty="0">
+              <a:latin typeface="Cambria" panose="02040503050406030204" pitchFamily="18" charset="0"/>
+              <a:ea typeface="Arial Rounded MT Bold" charset="0"/>
+              <a:cs typeface="Arial Rounded MT Bold" charset="0"/>
+            </a:endParaRPr>
+          </a:p>
+        </p:txBody>
+      </p:sp>
+      <p:cxnSp>
+        <p:nvCxnSpPr>
+          <p:cNvPr id="171" name="Connecteur droit avec flèche 170">
+            <a:extLst>
+              <a:ext uri="{FF2B5EF4-FFF2-40B4-BE49-F238E27FC236}">
+                <a16:creationId xmlns:a16="http://schemas.microsoft.com/office/drawing/2014/main" id="{917022DD-9C4E-8C4F-8EF4-DC025172FC05}"/>
+              </a:ext>
+            </a:extLst>
+          </p:cNvPr>
+          <p:cNvCxnSpPr>
+            <a:stCxn id="168" idx="3"/>
+            <a:endCxn id="169" idx="1"/>
+          </p:cNvCxnSpPr>
+          <p:nvPr/>
+        </p:nvCxnSpPr>
+        <p:spPr>
+          <a:xfrm>
+            <a:off x="1825997" y="1629866"/>
+            <a:ext cx="144497" cy="0"/>
+          </a:xfrm>
+          <a:prstGeom prst="straightConnector1">
+            <a:avLst/>
+          </a:prstGeom>
+          <a:ln w="19050">
+            <a:solidFill>
+              <a:schemeClr val="tx1"/>
+            </a:solidFill>
+            <a:prstDash val="sysDash"/>
+            <a:tailEnd type="triangle"/>
+          </a:ln>
+        </p:spPr>
+        <p:style>
+          <a:lnRef idx="1">
+            <a:schemeClr val="accent1"/>
+          </a:lnRef>
+          <a:fillRef idx="0">
+            <a:schemeClr val="accent1"/>
+          </a:fillRef>
+          <a:effectRef idx="0">
+            <a:schemeClr val="accent1"/>
+          </a:effectRef>
+          <a:fontRef idx="minor">
+            <a:schemeClr val="tx1"/>
+          </a:fontRef>
+        </p:style>
+      </p:cxnSp>
+      <p:cxnSp>
+        <p:nvCxnSpPr>
+          <p:cNvPr id="172" name="Connecteur droit avec flèche 171">
+            <a:extLst>
+              <a:ext uri="{FF2B5EF4-FFF2-40B4-BE49-F238E27FC236}">
+                <a16:creationId xmlns:a16="http://schemas.microsoft.com/office/drawing/2014/main" id="{C8A7163D-1B73-8544-BEB6-5055C4559C5C}"/>
+              </a:ext>
+            </a:extLst>
+          </p:cNvPr>
+          <p:cNvCxnSpPr>
+            <a:cxnSpLocks/>
+            <a:endCxn id="170" idx="1"/>
+          </p:cNvCxnSpPr>
+          <p:nvPr/>
+        </p:nvCxnSpPr>
+        <p:spPr>
+          <a:xfrm flipV="1">
+            <a:off x="2362337" y="1629866"/>
+            <a:ext cx="146857" cy="4184"/>
+          </a:xfrm>
+          <a:prstGeom prst="straightConnector1">
+            <a:avLst/>
+          </a:prstGeom>
+          <a:ln w="19050">
+            <a:solidFill>
+              <a:schemeClr val="tx1"/>
+            </a:solidFill>
+            <a:prstDash val="sysDash"/>
+            <a:tailEnd type="triangle"/>
+          </a:ln>
+        </p:spPr>
+        <p:style>
+          <a:lnRef idx="1">
+            <a:schemeClr val="accent1"/>
+          </a:lnRef>
+          <a:fillRef idx="0">
+            <a:schemeClr val="accent1"/>
+          </a:fillRef>
+          <a:effectRef idx="0">
+            <a:schemeClr val="accent1"/>
+          </a:effectRef>
+          <a:fontRef idx="minor">
+            <a:schemeClr val="tx1"/>
+          </a:fontRef>
+        </p:style>
+      </p:cxnSp>
+      <p:cxnSp>
+        <p:nvCxnSpPr>
+          <p:cNvPr id="173" name="Connecteur droit avec flèche 172">
+            <a:extLst>
+              <a:ext uri="{FF2B5EF4-FFF2-40B4-BE49-F238E27FC236}">
+                <a16:creationId xmlns:a16="http://schemas.microsoft.com/office/drawing/2014/main" id="{0EB21763-B322-DA48-835F-2AC58953056D}"/>
+              </a:ext>
+            </a:extLst>
+          </p:cNvPr>
+          <p:cNvCxnSpPr>
+            <a:cxnSpLocks/>
+            <a:stCxn id="150" idx="3"/>
+            <a:endCxn id="168" idx="1"/>
+          </p:cNvCxnSpPr>
+          <p:nvPr/>
+        </p:nvCxnSpPr>
+        <p:spPr>
+          <a:xfrm>
+            <a:off x="1219794" y="1629485"/>
+            <a:ext cx="225963" cy="381"/>
+          </a:xfrm>
+          <a:prstGeom prst="straightConnector1">
+            <a:avLst/>
+          </a:prstGeom>
+          <a:ln w="19050">
+            <a:solidFill>
+              <a:schemeClr val="tx1"/>
+            </a:solidFill>
+            <a:prstDash val="sysDash"/>
+            <a:tailEnd type="triangle"/>
+          </a:ln>
+        </p:spPr>
+        <p:style>
+          <a:lnRef idx="1">
+            <a:schemeClr val="accent1"/>
+          </a:lnRef>
+          <a:fillRef idx="0">
+            <a:schemeClr val="accent1"/>
+          </a:fillRef>
+          <a:effectRef idx="0">
+            <a:schemeClr val="accent1"/>
+          </a:effectRef>
+          <a:fontRef idx="minor">
+            <a:schemeClr val="tx1"/>
+          </a:fontRef>
+        </p:style>
+      </p:cxnSp>
+      <p:sp>
+        <p:nvSpPr>
+          <p:cNvPr id="174" name="ZoneTexte 173">
+            <a:extLst>
+              <a:ext uri="{FF2B5EF4-FFF2-40B4-BE49-F238E27FC236}">
+                <a16:creationId xmlns:a16="http://schemas.microsoft.com/office/drawing/2014/main" id="{9C7431C8-D75F-5142-A1EB-8230494FC409}"/>
+              </a:ext>
+            </a:extLst>
+          </p:cNvPr>
+          <p:cNvSpPr txBox="1"/>
+          <p:nvPr/>
+        </p:nvSpPr>
+        <p:spPr>
+          <a:xfrm>
+            <a:off x="2554297" y="801244"/>
+            <a:ext cx="497713" cy="123111"/>
+          </a:xfrm>
+          <a:prstGeom prst="rect">
+            <a:avLst/>
+          </a:prstGeom>
+          <a:noFill/>
+        </p:spPr>
+        <p:txBody>
+          <a:bodyPr wrap="square" lIns="0" tIns="0" rIns="0" bIns="0" rtlCol="0">
+            <a:spAutoFit/>
+          </a:bodyPr>
+          <a:lstStyle/>
+          <a:p>
+            <a:r>
+              <a:rPr lang="fr-FR" sz="800" dirty="0">
+                <a:latin typeface="Cambria" panose="02040503050406030204" pitchFamily="18" charset="0"/>
+                <a:ea typeface="Arial Rounded MT Bold" charset="0"/>
+                <a:cs typeface="Arial Rounded MT Bold" charset="0"/>
+              </a:rPr>
+              <a:t>input TS 1</a:t>
+            </a:r>
+          </a:p>
+        </p:txBody>
+      </p:sp>
+      <p:cxnSp>
+        <p:nvCxnSpPr>
+          <p:cNvPr id="175" name="Connecteur droit avec flèche 174">
+            <a:extLst>
+              <a:ext uri="{FF2B5EF4-FFF2-40B4-BE49-F238E27FC236}">
+                <a16:creationId xmlns:a16="http://schemas.microsoft.com/office/drawing/2014/main" id="{51025ACC-3151-1E4B-AB8E-659FC8729762}"/>
+              </a:ext>
+            </a:extLst>
+          </p:cNvPr>
+          <p:cNvCxnSpPr>
+            <a:cxnSpLocks/>
+            <a:stCxn id="170" idx="3"/>
+            <a:endCxn id="162" idx="1"/>
+          </p:cNvCxnSpPr>
+          <p:nvPr/>
+        </p:nvCxnSpPr>
+        <p:spPr>
+          <a:xfrm>
+            <a:off x="2889434" y="1629866"/>
+            <a:ext cx="325153" cy="0"/>
+          </a:xfrm>
+          <a:prstGeom prst="straightConnector1">
+            <a:avLst/>
+          </a:prstGeom>
+          <a:ln w="19050">
+            <a:solidFill>
+              <a:schemeClr val="tx1"/>
+            </a:solidFill>
+            <a:prstDash val="sysDash"/>
+            <a:tailEnd type="triangle"/>
+          </a:ln>
+        </p:spPr>
+        <p:style>
+          <a:lnRef idx="1">
+            <a:schemeClr val="accent1"/>
+          </a:lnRef>
+          <a:fillRef idx="0">
+            <a:schemeClr val="accent1"/>
+          </a:fillRef>
+          <a:effectRef idx="0">
+            <a:schemeClr val="accent1"/>
+          </a:effectRef>
+          <a:fontRef idx="minor">
+            <a:schemeClr val="tx1"/>
+          </a:fontRef>
+        </p:style>
+      </p:cxnSp>
+      <p:cxnSp>
+        <p:nvCxnSpPr>
+          <p:cNvPr id="176" name="Connecteur droit avec flèche 120">
+            <a:extLst>
+              <a:ext uri="{FF2B5EF4-FFF2-40B4-BE49-F238E27FC236}">
+                <a16:creationId xmlns:a16="http://schemas.microsoft.com/office/drawing/2014/main" id="{906459B5-8582-FB4E-8E54-AFC7005D5446}"/>
+              </a:ext>
+            </a:extLst>
+          </p:cNvPr>
+          <p:cNvCxnSpPr>
+            <a:cxnSpLocks/>
+            <a:endCxn id="161" idx="1"/>
+          </p:cNvCxnSpPr>
+          <p:nvPr/>
+        </p:nvCxnSpPr>
+        <p:spPr>
+          <a:xfrm>
+            <a:off x="2573325" y="1175568"/>
+            <a:ext cx="641262" cy="151949"/>
+          </a:xfrm>
+          <a:prstGeom prst="bentConnector3">
+            <a:avLst>
+              <a:gd name="adj1" fmla="val 72268"/>
+            </a:avLst>
+          </a:prstGeom>
+          <a:ln w="19050">
+            <a:solidFill>
+              <a:schemeClr val="tx1"/>
+            </a:solidFill>
+            <a:prstDash val="sysDash"/>
+            <a:tailEnd type="triangle"/>
+          </a:ln>
+        </p:spPr>
+        <p:style>
+          <a:lnRef idx="1">
+            <a:schemeClr val="accent1"/>
+          </a:lnRef>
+          <a:fillRef idx="0">
+            <a:schemeClr val="accent1"/>
+          </a:fillRef>
+          <a:effectRef idx="0">
+            <a:schemeClr val="accent1"/>
+          </a:effectRef>
+          <a:fontRef idx="minor">
+            <a:schemeClr val="tx1"/>
+          </a:fontRef>
+        </p:style>
+      </p:cxnSp>
+      <p:sp>
+        <p:nvSpPr>
+          <p:cNvPr id="177" name="ZoneTexte 176">
+            <a:extLst>
+              <a:ext uri="{FF2B5EF4-FFF2-40B4-BE49-F238E27FC236}">
+                <a16:creationId xmlns:a16="http://schemas.microsoft.com/office/drawing/2014/main" id="{CA252A1D-16B0-9A4A-89F5-1189E8A73A99}"/>
+              </a:ext>
+            </a:extLst>
+          </p:cNvPr>
+          <p:cNvSpPr txBox="1"/>
+          <p:nvPr/>
+        </p:nvSpPr>
+        <p:spPr>
+          <a:xfrm>
+            <a:off x="2554297" y="1030963"/>
+            <a:ext cx="497713" cy="123111"/>
+          </a:xfrm>
+          <a:prstGeom prst="rect">
+            <a:avLst/>
+          </a:prstGeom>
+          <a:noFill/>
+        </p:spPr>
+        <p:txBody>
+          <a:bodyPr wrap="square" lIns="0" tIns="0" rIns="0" bIns="0" rtlCol="0">
+            <a:spAutoFit/>
+          </a:bodyPr>
+          <a:lstStyle/>
+          <a:p>
+            <a:r>
+              <a:rPr lang="fr-FR" sz="800" dirty="0">
+                <a:latin typeface="Cambria" panose="02040503050406030204" pitchFamily="18" charset="0"/>
+                <a:ea typeface="Arial Rounded MT Bold" charset="0"/>
+                <a:cs typeface="Arial Rounded MT Bold" charset="0"/>
+              </a:rPr>
+              <a:t>input TS 2</a:t>
+            </a:r>
+          </a:p>
+        </p:txBody>
+      </p:sp>
+      <p:sp>
+        <p:nvSpPr>
+          <p:cNvPr id="178" name="ZoneTexte 177">
+            <a:extLst>
+              <a:ext uri="{FF2B5EF4-FFF2-40B4-BE49-F238E27FC236}">
+                <a16:creationId xmlns:a16="http://schemas.microsoft.com/office/drawing/2014/main" id="{CD80FC3C-1E7A-C341-AB6B-3F80A5F70604}"/>
+              </a:ext>
+            </a:extLst>
+          </p:cNvPr>
+          <p:cNvSpPr txBox="1"/>
+          <p:nvPr/>
+        </p:nvSpPr>
+        <p:spPr>
+          <a:xfrm>
+            <a:off x="763447" y="1326241"/>
+            <a:ext cx="497713" cy="123111"/>
+          </a:xfrm>
+          <a:prstGeom prst="rect">
+            <a:avLst/>
+          </a:prstGeom>
+          <a:noFill/>
+        </p:spPr>
+        <p:txBody>
+          <a:bodyPr wrap="square" lIns="0" tIns="0" rIns="0" bIns="0" rtlCol="0">
+            <a:spAutoFit/>
+          </a:bodyPr>
+          <a:lstStyle/>
+          <a:p>
+            <a:r>
+              <a:rPr lang="fr-FR" sz="800" dirty="0">
+                <a:latin typeface="Cambria" panose="02040503050406030204" pitchFamily="18" charset="0"/>
+                <a:ea typeface="Arial Rounded MT Bold" charset="0"/>
+                <a:cs typeface="Arial Rounded MT Bold" charset="0"/>
+              </a:rPr>
+              <a:t>input TS 3</a:t>
+            </a:r>
+          </a:p>
+        </p:txBody>
+      </p:sp>
+      <p:sp>
+        <p:nvSpPr>
+          <p:cNvPr id="179" name="Rectangle à coins arrondis 178">
+            <a:extLst>
+              <a:ext uri="{FF2B5EF4-FFF2-40B4-BE49-F238E27FC236}">
+                <a16:creationId xmlns:a16="http://schemas.microsoft.com/office/drawing/2014/main" id="{0E47B07A-E542-E94F-B3E2-4F4ABA87F78E}"/>
+              </a:ext>
+            </a:extLst>
+          </p:cNvPr>
+          <p:cNvSpPr/>
+          <p:nvPr/>
+        </p:nvSpPr>
+        <p:spPr>
+          <a:xfrm>
+            <a:off x="2626191" y="2282036"/>
+            <a:ext cx="506101" cy="326360"/>
+          </a:xfrm>
+          <a:prstGeom prst="roundRect">
+            <a:avLst/>
+          </a:prstGeom>
+          <a:solidFill>
+            <a:schemeClr val="accent6">
+              <a:lumMod val="40000"/>
+              <a:lumOff val="60000"/>
+            </a:schemeClr>
+          </a:solidFill>
+          <a:ln>
+            <a:solidFill>
+              <a:schemeClr val="bg1"/>
+            </a:solidFill>
+          </a:ln>
+        </p:spPr>
+        <p:style>
+          <a:lnRef idx="2">
+            <a:schemeClr val="accent1">
+              <a:shade val="50000"/>
+            </a:schemeClr>
+          </a:lnRef>
+          <a:fillRef idx="1">
+            <a:schemeClr val="accent1"/>
+          </a:fillRef>
+          <a:effectRef idx="0">
+            <a:schemeClr val="accent1"/>
+          </a:effectRef>
+          <a:fontRef idx="minor">
+            <a:schemeClr val="lt1"/>
+          </a:fontRef>
+        </p:style>
+        <p:txBody>
+          <a:bodyPr lIns="36000" rIns="36000" rtlCol="0" anchor="ctr"/>
+          <a:lstStyle/>
+          <a:p>
+            <a:pPr algn="ctr"/>
+            <a:r>
+              <a:rPr lang="fr-FR" sz="800" dirty="0" err="1">
+                <a:solidFill>
+                  <a:schemeClr val="tx1"/>
+                </a:solidFill>
+                <a:latin typeface="Cambria" panose="02040503050406030204" pitchFamily="18" charset="0"/>
+                <a:ea typeface="Arial Rounded MT Bold" charset="0"/>
+                <a:cs typeface="Arial Rounded MT Bold" charset="0"/>
+              </a:rPr>
+              <a:t>Remote</a:t>
+            </a:r>
+            <a:r>
+              <a:rPr lang="fr-FR" sz="800" dirty="0">
+                <a:solidFill>
+                  <a:schemeClr val="tx1"/>
+                </a:solidFill>
+                <a:latin typeface="Cambria" panose="02040503050406030204" pitchFamily="18" charset="0"/>
+                <a:ea typeface="Arial Rounded MT Bold" charset="0"/>
+                <a:cs typeface="Arial Rounded MT Bold" charset="0"/>
+              </a:rPr>
+              <a:t> control</a:t>
+            </a:r>
+          </a:p>
+        </p:txBody>
+      </p:sp>
+      <p:cxnSp>
+        <p:nvCxnSpPr>
+          <p:cNvPr id="180" name="Connecteur droit avec flèche 179">
+            <a:extLst>
+              <a:ext uri="{FF2B5EF4-FFF2-40B4-BE49-F238E27FC236}">
+                <a16:creationId xmlns:a16="http://schemas.microsoft.com/office/drawing/2014/main" id="{790BDF13-B28F-4A4B-8464-24DEEE7A347F}"/>
+              </a:ext>
+            </a:extLst>
+          </p:cNvPr>
+          <p:cNvCxnSpPr>
+            <a:cxnSpLocks/>
+            <a:stCxn id="179" idx="3"/>
+            <a:endCxn id="153" idx="2"/>
+          </p:cNvCxnSpPr>
+          <p:nvPr/>
+        </p:nvCxnSpPr>
+        <p:spPr>
+          <a:xfrm flipV="1">
+            <a:off x="3132292" y="1814585"/>
+            <a:ext cx="611219" cy="630631"/>
+          </a:xfrm>
+          <a:prstGeom prst="curvedConnector2">
+            <a:avLst/>
+          </a:prstGeom>
+          <a:ln w="19050">
+            <a:solidFill>
+              <a:schemeClr val="tx1"/>
+            </a:solidFill>
+            <a:prstDash val="sysDash"/>
+            <a:tailEnd type="triangle"/>
+          </a:ln>
+        </p:spPr>
+        <p:style>
+          <a:lnRef idx="1">
+            <a:schemeClr val="accent1"/>
+          </a:lnRef>
+          <a:fillRef idx="0">
+            <a:schemeClr val="accent1"/>
+          </a:fillRef>
+          <a:effectRef idx="0">
+            <a:schemeClr val="accent1"/>
+          </a:effectRef>
+          <a:fontRef idx="minor">
+            <a:schemeClr val="tx1"/>
+          </a:fontRef>
+        </p:style>
+      </p:cxnSp>
+      <p:sp>
+        <p:nvSpPr>
+          <p:cNvPr id="183" name="ZoneTexte 182">
+            <a:extLst>
+              <a:ext uri="{FF2B5EF4-FFF2-40B4-BE49-F238E27FC236}">
+                <a16:creationId xmlns:a16="http://schemas.microsoft.com/office/drawing/2014/main" id="{0A8106A8-EA81-3B49-833A-1C0B7A03B6C3}"/>
+              </a:ext>
+            </a:extLst>
+          </p:cNvPr>
+          <p:cNvSpPr txBox="1"/>
+          <p:nvPr/>
+        </p:nvSpPr>
+        <p:spPr>
+          <a:xfrm>
+            <a:off x="3795230" y="1875003"/>
+            <a:ext cx="962704" cy="738664"/>
+          </a:xfrm>
+          <a:prstGeom prst="rect">
+            <a:avLst/>
+          </a:prstGeom>
+          <a:noFill/>
+        </p:spPr>
+        <p:txBody>
+          <a:bodyPr wrap="square" lIns="0" tIns="0" rIns="0" bIns="0" rtlCol="0">
+            <a:spAutoFit/>
+          </a:bodyPr>
+          <a:lstStyle/>
+          <a:p>
+            <a:r>
+              <a:rPr lang="fr-FR" sz="800" dirty="0">
+                <a:latin typeface="Cambria" panose="02040503050406030204" pitchFamily="18" charset="0"/>
+                <a:ea typeface="Arial Rounded MT Bold" charset="0"/>
+                <a:cs typeface="Arial Rounded MT Bold" charset="0"/>
+              </a:rPr>
+              <a:t>UDP </a:t>
+            </a:r>
+            <a:r>
+              <a:rPr lang="fr-FR" sz="800" dirty="0" err="1">
+                <a:latin typeface="Cambria" panose="02040503050406030204" pitchFamily="18" charset="0"/>
+                <a:ea typeface="Arial Rounded MT Bold" charset="0"/>
+                <a:cs typeface="Arial Rounded MT Bold" charset="0"/>
+              </a:rPr>
+              <a:t>datagram</a:t>
+            </a:r>
+            <a:endParaRPr lang="fr-FR" sz="800" dirty="0">
+              <a:latin typeface="Cambria" panose="02040503050406030204" pitchFamily="18" charset="0"/>
+              <a:ea typeface="Arial Rounded MT Bold" charset="0"/>
+              <a:cs typeface="Arial Rounded MT Bold" charset="0"/>
+            </a:endParaRPr>
+          </a:p>
+          <a:p>
+            <a:endParaRPr lang="fr-FR" sz="800" dirty="0">
+              <a:latin typeface="Cambria" panose="02040503050406030204" pitchFamily="18" charset="0"/>
+              <a:ea typeface="Arial Rounded MT Bold" charset="0"/>
+              <a:cs typeface="Arial Rounded MT Bold" charset="0"/>
+            </a:endParaRPr>
+          </a:p>
+          <a:p>
+            <a:r>
+              <a:rPr lang="fr-FR" sz="800" dirty="0">
+                <a:latin typeface="Consolas" panose="020B0609020204030204" pitchFamily="49" charset="0"/>
+                <a:ea typeface="Arial Rounded MT Bold" charset="0"/>
+                <a:cs typeface="Consolas" panose="020B0609020204030204" pitchFamily="49" charset="0"/>
+              </a:rPr>
+              <a:t>"0"  "</a:t>
+            </a:r>
+            <a:r>
+              <a:rPr lang="fr-FR" sz="800" dirty="0" err="1">
+                <a:latin typeface="Consolas" panose="020B0609020204030204" pitchFamily="49" charset="0"/>
+                <a:ea typeface="Arial Rounded MT Bold" charset="0"/>
+                <a:cs typeface="Consolas" panose="020B0609020204030204" pitchFamily="49" charset="0"/>
+              </a:rPr>
+              <a:t>next</a:t>
+            </a:r>
+            <a:r>
+              <a:rPr lang="fr-FR" sz="800" dirty="0">
+                <a:latin typeface="Consolas" panose="020B0609020204030204" pitchFamily="49" charset="0"/>
+                <a:ea typeface="Arial Rounded MT Bold" charset="0"/>
+                <a:cs typeface="Consolas" panose="020B0609020204030204" pitchFamily="49" charset="0"/>
+              </a:rPr>
+              <a:t>"</a:t>
+            </a:r>
+          </a:p>
+          <a:p>
+            <a:r>
+              <a:rPr lang="fr-FR" sz="800" dirty="0">
+                <a:latin typeface="Consolas" panose="020B0609020204030204" pitchFamily="49" charset="0"/>
+                <a:ea typeface="Arial Rounded MT Bold" charset="0"/>
+                <a:cs typeface="Consolas" panose="020B0609020204030204" pitchFamily="49" charset="0"/>
+              </a:rPr>
+              <a:t>"1"  "</a:t>
+            </a:r>
+            <a:r>
+              <a:rPr lang="fr-FR" sz="800" dirty="0" err="1">
+                <a:latin typeface="Consolas" panose="020B0609020204030204" pitchFamily="49" charset="0"/>
+                <a:ea typeface="Arial Rounded MT Bold" charset="0"/>
+                <a:cs typeface="Consolas" panose="020B0609020204030204" pitchFamily="49" charset="0"/>
+              </a:rPr>
+              <a:t>previous</a:t>
+            </a:r>
+            <a:r>
+              <a:rPr lang="fr-FR" sz="800" dirty="0">
+                <a:latin typeface="Consolas" panose="020B0609020204030204" pitchFamily="49" charset="0"/>
+                <a:ea typeface="Arial Rounded MT Bold" charset="0"/>
+                <a:cs typeface="Consolas" panose="020B0609020204030204" pitchFamily="49" charset="0"/>
+              </a:rPr>
+              <a:t>"</a:t>
+            </a:r>
+          </a:p>
+          <a:p>
+            <a:r>
+              <a:rPr lang="fr-FR" sz="800" dirty="0">
+                <a:latin typeface="Consolas" panose="020B0609020204030204" pitchFamily="49" charset="0"/>
+                <a:ea typeface="Arial Rounded MT Bold" charset="0"/>
+                <a:cs typeface="Consolas" panose="020B0609020204030204" pitchFamily="49" charset="0"/>
+              </a:rPr>
+              <a:t>"2"  "exit"</a:t>
+            </a:r>
+          </a:p>
+          <a:p>
+            <a:r>
+              <a:rPr lang="fr-FR" sz="800" dirty="0">
+                <a:latin typeface="Consolas" panose="020B0609020204030204" pitchFamily="49" charset="0"/>
+                <a:ea typeface="Arial Rounded MT Bold" charset="0"/>
+                <a:cs typeface="Consolas" panose="020B0609020204030204" pitchFamily="49" charset="0"/>
+              </a:rPr>
+              <a:t>"3"</a:t>
+            </a:r>
+          </a:p>
+        </p:txBody>
+      </p:sp>
+    </p:spTree>
+    <p:extLst>
+      <p:ext uri="{BB962C8B-B14F-4D97-AF65-F5344CB8AC3E}">
+        <p14:creationId xmlns:p14="http://schemas.microsoft.com/office/powerpoint/2010/main" val="3150657054"/>
+      </p:ext>
+    </p:extLst>
+  </p:cSld>
+  <p:clrMapOvr>
+    <a:masterClrMapping/>
+  </p:clrMapOvr>
 </p:sld>
 </file>
 
@@ -14835,7 +16604,7 @@
   <a:extraClrSchemeLst/>
   <a:extLst>
     <a:ext uri="{05A4C25C-085E-4340-85A3-A5531E510DB2}">
-      <thm15:themeFamily xmlns="" xmlns:thm15="http://schemas.microsoft.com/office/thememl/2012/main" name="Office Theme" id="{62F939B6-93AF-4DB8-9C6B-D6C7DFDC589F}" vid="{4A3C46E8-61CC-4603-A589-7422A47A8E4A}"/>
+      <thm15:themeFamily xmlns:thm15="http://schemas.microsoft.com/office/thememl/2012/main" name="Office Theme" id="{62F939B6-93AF-4DB8-9C6B-D6C7DFDC589F}" vid="{4A3C46E8-61CC-4603-A589-7422A47A8E4A}"/>
     </a:ext>
   </a:extLst>
 </a:theme>

--- a/doc/tsduck-diagrams.pptx
+++ b/doc/tsduck-diagrams.pptx
@@ -7,7 +7,6 @@
   <p:sldIdLst>
     <p:sldId id="256" r:id="rId2"/>
     <p:sldId id="257" r:id="rId3"/>
-    <p:sldId id="258" r:id="rId4"/>
   </p:sldIdLst>
   <p:sldSz cx="6858000" cy="9906000" type="A4"/>
   <p:notesSz cx="6858000" cy="9144000"/>
@@ -108,7 +107,7 @@
   </p:defaultTextStyle>
   <p:extLst>
     <p:ext uri="{EFAFB233-063F-42B5-8137-9DF3F51BA10A}">
-      <p15:sldGuideLst xmlns:p15="http://schemas.microsoft.com/office/powerpoint/2012/main">
+      <p15:sldGuideLst xmlns="" xmlns:p15="http://schemas.microsoft.com/office/powerpoint/2012/main">
         <p15:guide id="1" orient="horz" pos="3120">
           <p15:clr>
             <a:srgbClr val="A4A3A4"/>
@@ -256,7 +255,7 @@
           <a:p>
             <a:fld id="{58A7CDC3-5B40-B341-B3D1-EE720DBB9E8A}" type="datetimeFigureOut">
               <a:rPr lang="fr-FR" smtClean="0"/>
-              <a:t>23/09/2018</a:t>
+              <a:t>25/09/2018</a:t>
             </a:fld>
             <a:endParaRPr lang="fr-FR"/>
           </a:p>
@@ -421,7 +420,7 @@
           <a:p>
             <a:fld id="{58A7CDC3-5B40-B341-B3D1-EE720DBB9E8A}" type="datetimeFigureOut">
               <a:rPr lang="fr-FR" smtClean="0"/>
-              <a:t>23/09/2018</a:t>
+              <a:t>25/09/2018</a:t>
             </a:fld>
             <a:endParaRPr lang="fr-FR"/>
           </a:p>
@@ -596,7 +595,7 @@
           <a:p>
             <a:fld id="{58A7CDC3-5B40-B341-B3D1-EE720DBB9E8A}" type="datetimeFigureOut">
               <a:rPr lang="fr-FR" smtClean="0"/>
-              <a:t>23/09/2018</a:t>
+              <a:t>25/09/2018</a:t>
             </a:fld>
             <a:endParaRPr lang="fr-FR"/>
           </a:p>
@@ -761,7 +760,7 @@
           <a:p>
             <a:fld id="{58A7CDC3-5B40-B341-B3D1-EE720DBB9E8A}" type="datetimeFigureOut">
               <a:rPr lang="fr-FR" smtClean="0"/>
-              <a:t>23/09/2018</a:t>
+              <a:t>25/09/2018</a:t>
             </a:fld>
             <a:endParaRPr lang="fr-FR"/>
           </a:p>
@@ -1000,7 +999,7 @@
           <a:p>
             <a:fld id="{58A7CDC3-5B40-B341-B3D1-EE720DBB9E8A}" type="datetimeFigureOut">
               <a:rPr lang="fr-FR" smtClean="0"/>
-              <a:t>23/09/2018</a:t>
+              <a:t>25/09/2018</a:t>
             </a:fld>
             <a:endParaRPr lang="fr-FR"/>
           </a:p>
@@ -1227,7 +1226,7 @@
           <a:p>
             <a:fld id="{58A7CDC3-5B40-B341-B3D1-EE720DBB9E8A}" type="datetimeFigureOut">
               <a:rPr lang="fr-FR" smtClean="0"/>
-              <a:t>23/09/2018</a:t>
+              <a:t>25/09/2018</a:t>
             </a:fld>
             <a:endParaRPr lang="fr-FR"/>
           </a:p>
@@ -1589,7 +1588,7 @@
           <a:p>
             <a:fld id="{58A7CDC3-5B40-B341-B3D1-EE720DBB9E8A}" type="datetimeFigureOut">
               <a:rPr lang="fr-FR" smtClean="0"/>
-              <a:t>23/09/2018</a:t>
+              <a:t>25/09/2018</a:t>
             </a:fld>
             <a:endParaRPr lang="fr-FR"/>
           </a:p>
@@ -1702,7 +1701,7 @@
           <a:p>
             <a:fld id="{58A7CDC3-5B40-B341-B3D1-EE720DBB9E8A}" type="datetimeFigureOut">
               <a:rPr lang="fr-FR" smtClean="0"/>
-              <a:t>23/09/2018</a:t>
+              <a:t>25/09/2018</a:t>
             </a:fld>
             <a:endParaRPr lang="fr-FR"/>
           </a:p>
@@ -1792,7 +1791,7 @@
           <a:p>
             <a:fld id="{58A7CDC3-5B40-B341-B3D1-EE720DBB9E8A}" type="datetimeFigureOut">
               <a:rPr lang="fr-FR" smtClean="0"/>
-              <a:t>23/09/2018</a:t>
+              <a:t>25/09/2018</a:t>
             </a:fld>
             <a:endParaRPr lang="fr-FR"/>
           </a:p>
@@ -2064,7 +2063,7 @@
           <a:p>
             <a:fld id="{58A7CDC3-5B40-B341-B3D1-EE720DBB9E8A}" type="datetimeFigureOut">
               <a:rPr lang="fr-FR" smtClean="0"/>
-              <a:t>23/09/2018</a:t>
+              <a:t>25/09/2018</a:t>
             </a:fld>
             <a:endParaRPr lang="fr-FR"/>
           </a:p>
@@ -2316,7 +2315,7 @@
           <a:p>
             <a:fld id="{58A7CDC3-5B40-B341-B3D1-EE720DBB9E8A}" type="datetimeFigureOut">
               <a:rPr lang="fr-FR" smtClean="0"/>
-              <a:t>23/09/2018</a:t>
+              <a:t>25/09/2018</a:t>
             </a:fld>
             <a:endParaRPr lang="fr-FR"/>
           </a:p>
@@ -2524,7 +2523,7 @@
           <a:p>
             <a:fld id="{58A7CDC3-5B40-B341-B3D1-EE720DBB9E8A}" type="datetimeFigureOut">
               <a:rPr lang="fr-FR" smtClean="0"/>
-              <a:t>23/09/2018</a:t>
+              <a:t>25/09/2018</a:t>
             </a:fld>
             <a:endParaRPr lang="fr-FR"/>
           </a:p>
@@ -5716,13 +5715,18 @@
           <a:p>
             <a:pPr algn="ctr"/>
             <a:r>
-              <a:rPr lang="fr-FR" sz="1000" b="1" dirty="0">
+              <a:rPr lang="fr-FR" sz="1000" b="1" noProof="1" smtClean="0">
                 <a:latin typeface="Cambria" panose="02040503050406030204" pitchFamily="18" charset="0"/>
                 <a:ea typeface="Arial Rounded MT Bold" charset="0"/>
                 <a:cs typeface="Arial Rounded MT Bold" charset="0"/>
               </a:rPr>
               <a:t>Media Server</a:t>
             </a:r>
+            <a:endParaRPr lang="fr-FR" sz="1000" b="1" noProof="1">
+              <a:latin typeface="Cambria" panose="02040503050406030204" pitchFamily="18" charset="0"/>
+              <a:ea typeface="Arial Rounded MT Bold" charset="0"/>
+              <a:cs typeface="Arial Rounded MT Bold" charset="0"/>
+            </a:endParaRPr>
           </a:p>
         </p:txBody>
       </p:sp>
@@ -5750,13 +5754,18 @@
           <a:p>
             <a:pPr algn="ctr"/>
             <a:r>
-              <a:rPr lang="fr-FR" sz="900" i="1" dirty="0">
+              <a:rPr lang="fr-FR" sz="900" i="1" noProof="1" smtClean="0">
                 <a:latin typeface="Cambria" panose="02040503050406030204" pitchFamily="18" charset="0"/>
                 <a:ea typeface="Arial Rounded MT Bold" charset="0"/>
                 <a:cs typeface="Arial Rounded MT Bold" charset="0"/>
               </a:rPr>
               <a:t>Network 1</a:t>
             </a:r>
+            <a:endParaRPr lang="fr-FR" sz="900" i="1" noProof="1">
+              <a:latin typeface="Cambria" panose="02040503050406030204" pitchFamily="18" charset="0"/>
+              <a:ea typeface="Arial Rounded MT Bold" charset="0"/>
+              <a:cs typeface="Arial Rounded MT Bold" charset="0"/>
+            </a:endParaRPr>
           </a:p>
         </p:txBody>
       </p:sp>
@@ -5824,13 +5833,18 @@
           <a:lstStyle/>
           <a:p>
             <a:r>
-              <a:rPr lang="fr-FR" sz="700" dirty="0">
+              <a:rPr lang="fr-FR" sz="700" noProof="1" smtClean="0">
                 <a:latin typeface="Cambria" panose="02040503050406030204" pitchFamily="18" charset="0"/>
                 <a:ea typeface="Arial Rounded MT Bold" charset="0"/>
                 <a:cs typeface="Arial Rounded MT Bold" charset="0"/>
               </a:rPr>
               <a:t>TSDuck</a:t>
             </a:r>
+            <a:endParaRPr lang="fr-FR" sz="700" noProof="1">
+              <a:latin typeface="Cambria" panose="02040503050406030204" pitchFamily="18" charset="0"/>
+              <a:ea typeface="Arial Rounded MT Bold" charset="0"/>
+              <a:cs typeface="Arial Rounded MT Bold" charset="0"/>
+            </a:endParaRPr>
           </a:p>
         </p:txBody>
       </p:sp>
@@ -5879,13 +5893,18 @@
           <a:p>
             <a:pPr algn="ctr"/>
             <a:r>
-              <a:rPr lang="fr-FR" sz="1000" b="1" dirty="0">
+              <a:rPr lang="fr-FR" sz="1000" b="1" noProof="1" smtClean="0">
                 <a:latin typeface="Cambria" panose="02040503050406030204" pitchFamily="18" charset="0"/>
                 <a:ea typeface="Arial Rounded MT Bold" charset="0"/>
                 <a:cs typeface="Arial Rounded MT Bold" charset="0"/>
               </a:rPr>
               <a:t>Linux or Windows</a:t>
             </a:r>
+            <a:endParaRPr lang="fr-FR" sz="1000" b="1" noProof="1">
+              <a:latin typeface="Cambria" panose="02040503050406030204" pitchFamily="18" charset="0"/>
+              <a:ea typeface="Arial Rounded MT Bold" charset="0"/>
+              <a:cs typeface="Arial Rounded MT Bold" charset="0"/>
+            </a:endParaRPr>
           </a:p>
         </p:txBody>
       </p:sp>
@@ -5975,7 +5994,7 @@
           <a:p>
             <a:pPr algn="ctr"/>
             <a:r>
-              <a:rPr lang="fr-FR" sz="900" dirty="0">
+              <a:rPr lang="fr-FR" sz="900" noProof="1" smtClean="0">
                 <a:solidFill>
                   <a:schemeClr val="tx1"/>
                 </a:solidFill>
@@ -5989,7 +6008,7 @@
           <a:p>
             <a:pPr algn="ctr"/>
             <a:r>
-              <a:rPr lang="fr-FR" sz="900" dirty="0">
+              <a:rPr lang="fr-FR" sz="900" noProof="1" smtClean="0">
                 <a:solidFill>
                   <a:schemeClr val="tx1"/>
                 </a:solidFill>
@@ -5999,6 +6018,14 @@
               </a:rPr>
               <a:t>tuner</a:t>
             </a:r>
+            <a:endParaRPr lang="fr-FR" sz="900" noProof="1">
+              <a:solidFill>
+                <a:schemeClr val="tx1"/>
+              </a:solidFill>
+              <a:latin typeface="Cambria" panose="02040503050406030204" pitchFamily="18" charset="0"/>
+              <a:ea typeface="Arial Rounded MT Bold" charset="0"/>
+              <a:cs typeface="Arial Rounded MT Bold" charset="0"/>
+            </a:endParaRPr>
           </a:p>
         </p:txBody>
       </p:sp>
@@ -6047,13 +6074,18 @@
           <a:p>
             <a:pPr algn="ctr"/>
             <a:r>
-              <a:rPr lang="fr-FR" sz="1000" b="1" dirty="0">
+              <a:rPr lang="fr-FR" sz="1000" b="1" noProof="1" smtClean="0">
                 <a:latin typeface="Cambria" panose="02040503050406030204" pitchFamily="18" charset="0"/>
                 <a:ea typeface="Arial Rounded MT Bold" charset="0"/>
                 <a:cs typeface="Arial Rounded MT Bold" charset="0"/>
               </a:rPr>
               <a:t>Linux or Windows</a:t>
             </a:r>
+            <a:endParaRPr lang="fr-FR" sz="1000" b="1" noProof="1">
+              <a:latin typeface="Cambria" panose="02040503050406030204" pitchFamily="18" charset="0"/>
+              <a:ea typeface="Arial Rounded MT Bold" charset="0"/>
+              <a:cs typeface="Arial Rounded MT Bold" charset="0"/>
+            </a:endParaRPr>
           </a:p>
         </p:txBody>
       </p:sp>
@@ -6148,7 +6180,7 @@
           <a:p>
             <a:pPr algn="ctr"/>
             <a:r>
-              <a:rPr lang="fr-FR" sz="900" i="1">
+              <a:rPr lang="fr-FR" sz="900" i="1" noProof="1" smtClean="0">
                 <a:solidFill>
                   <a:schemeClr val="tx1"/>
                 </a:solidFill>
@@ -6158,7 +6190,7 @@
               </a:rPr>
               <a:t>tsp</a:t>
             </a:r>
-            <a:endParaRPr lang="fr-FR" sz="900" i="1" dirty="0">
+            <a:endParaRPr lang="fr-FR" sz="900" i="1" noProof="1">
               <a:solidFill>
                 <a:schemeClr val="tx1"/>
               </a:solidFill>
@@ -6217,7 +6249,7 @@
           <a:p>
             <a:pPr algn="ctr"/>
             <a:r>
-              <a:rPr lang="fr-FR" sz="900" dirty="0">
+              <a:rPr lang="fr-FR" sz="900" noProof="1" smtClean="0">
                 <a:solidFill>
                   <a:schemeClr val="tx1"/>
                 </a:solidFill>
@@ -6225,20 +6257,9 @@
                 <a:ea typeface="Arial Rounded MT Bold" charset="0"/>
                 <a:cs typeface="Arial Rounded MT Bold" charset="0"/>
               </a:rPr>
-              <a:t>Dektec </a:t>
+              <a:t>Dektec modulator</a:t>
             </a:r>
-            <a:r>
-              <a:rPr lang="fr-FR" sz="900" dirty="0" err="1">
-                <a:solidFill>
-                  <a:schemeClr val="tx1"/>
-                </a:solidFill>
-                <a:latin typeface="Cambria" panose="02040503050406030204" pitchFamily="18" charset="0"/>
-                <a:ea typeface="Arial Rounded MT Bold" charset="0"/>
-                <a:cs typeface="Arial Rounded MT Bold" charset="0"/>
-              </a:rPr>
-              <a:t>modulator</a:t>
-            </a:r>
-            <a:endParaRPr lang="fr-FR" sz="900" dirty="0">
+            <a:endParaRPr lang="fr-FR" sz="900" noProof="1">
               <a:solidFill>
                 <a:schemeClr val="tx1"/>
               </a:solidFill>
@@ -6294,13 +6315,18 @@
           <a:p>
             <a:pPr algn="ctr"/>
             <a:r>
-              <a:rPr lang="fr-FR" sz="1000" b="1" dirty="0">
+              <a:rPr lang="fr-FR" sz="1000" b="1" noProof="1" smtClean="0">
                 <a:latin typeface="Cambria" panose="02040503050406030204" pitchFamily="18" charset="0"/>
                 <a:ea typeface="Arial Rounded MT Bold" charset="0"/>
                 <a:cs typeface="Arial Rounded MT Bold" charset="0"/>
               </a:rPr>
               <a:t>STB</a:t>
             </a:r>
+            <a:endParaRPr lang="fr-FR" sz="1000" b="1" noProof="1">
+              <a:latin typeface="Cambria" panose="02040503050406030204" pitchFamily="18" charset="0"/>
+              <a:ea typeface="Arial Rounded MT Bold" charset="0"/>
+              <a:cs typeface="Arial Rounded MT Bold" charset="0"/>
+            </a:endParaRPr>
           </a:p>
         </p:txBody>
       </p:sp>
@@ -6349,13 +6375,18 @@
           <a:p>
             <a:pPr algn="ctr"/>
             <a:r>
-              <a:rPr lang="fr-FR" sz="1000" b="1" dirty="0">
+              <a:rPr lang="fr-FR" sz="1000" b="1" noProof="1" smtClean="0">
                 <a:latin typeface="Cambria" panose="02040503050406030204" pitchFamily="18" charset="0"/>
                 <a:ea typeface="Arial Rounded MT Bold" charset="0"/>
                 <a:cs typeface="Arial Rounded MT Bold" charset="0"/>
               </a:rPr>
               <a:t>STB</a:t>
             </a:r>
+            <a:endParaRPr lang="fr-FR" sz="1000" b="1" noProof="1">
+              <a:latin typeface="Cambria" panose="02040503050406030204" pitchFamily="18" charset="0"/>
+              <a:ea typeface="Arial Rounded MT Bold" charset="0"/>
+              <a:cs typeface="Arial Rounded MT Bold" charset="0"/>
+            </a:endParaRPr>
           </a:p>
         </p:txBody>
       </p:sp>
@@ -6595,7 +6626,7 @@
           <a:lstStyle/>
           <a:p>
             <a:pPr algn="ctr"/>
-            <a:endParaRPr lang="en-US"/>
+            <a:endParaRPr lang="en-US" noProof="1"/>
           </a:p>
         </p:txBody>
       </p:sp>
@@ -6644,7 +6675,7 @@
           <a:lstStyle/>
           <a:p>
             <a:pPr algn="ctr"/>
-            <a:endParaRPr lang="en-US"/>
+            <a:endParaRPr lang="en-US" noProof="1"/>
           </a:p>
         </p:txBody>
       </p:sp>
@@ -6672,13 +6703,18 @@
           <a:p>
             <a:pPr algn="ctr"/>
             <a:r>
-              <a:rPr lang="fr-FR" sz="900" i="1" dirty="0">
+              <a:rPr lang="fr-FR" sz="900" i="1" noProof="1" smtClean="0">
                 <a:latin typeface="Cambria" panose="02040503050406030204" pitchFamily="18" charset="0"/>
                 <a:ea typeface="Arial Rounded MT Bold" charset="0"/>
                 <a:cs typeface="Arial Rounded MT Bold" charset="0"/>
               </a:rPr>
               <a:t>Multicast to 224.250.250.1 : 9000</a:t>
             </a:r>
+            <a:endParaRPr lang="fr-FR" sz="900" i="1" noProof="1">
+              <a:latin typeface="Cambria" panose="02040503050406030204" pitchFamily="18" charset="0"/>
+              <a:ea typeface="Arial Rounded MT Bold" charset="0"/>
+              <a:cs typeface="Arial Rounded MT Bold" charset="0"/>
+            </a:endParaRPr>
           </a:p>
         </p:txBody>
       </p:sp>
@@ -6706,13 +6742,18 @@
           <a:p>
             <a:pPr algn="ctr"/>
             <a:r>
-              <a:rPr lang="fr-FR" sz="900" i="1" dirty="0">
+              <a:rPr lang="fr-FR" sz="900" i="1" noProof="1" smtClean="0">
                 <a:latin typeface="Cambria" panose="02040503050406030204" pitchFamily="18" charset="0"/>
                 <a:ea typeface="Arial Rounded MT Bold" charset="0"/>
                 <a:cs typeface="Arial Rounded MT Bold" charset="0"/>
               </a:rPr>
               <a:t>Network 2</a:t>
             </a:r>
+            <a:endParaRPr lang="fr-FR" sz="900" i="1" noProof="1">
+              <a:latin typeface="Cambria" panose="02040503050406030204" pitchFamily="18" charset="0"/>
+              <a:ea typeface="Arial Rounded MT Bold" charset="0"/>
+              <a:cs typeface="Arial Rounded MT Bold" charset="0"/>
+            </a:endParaRPr>
           </a:p>
         </p:txBody>
       </p:sp>
@@ -6761,13 +6802,18 @@
           <a:p>
             <a:pPr algn="ctr"/>
             <a:r>
-              <a:rPr lang="fr-FR" sz="1000" b="1" dirty="0">
+              <a:rPr lang="fr-FR" sz="1000" b="1" noProof="1" smtClean="0">
                 <a:latin typeface="Cambria" panose="02040503050406030204" pitchFamily="18" charset="0"/>
                 <a:ea typeface="Arial Rounded MT Bold" charset="0"/>
                 <a:cs typeface="Arial Rounded MT Bold" charset="0"/>
               </a:rPr>
               <a:t>STB</a:t>
             </a:r>
+            <a:endParaRPr lang="fr-FR" sz="1000" b="1" noProof="1">
+              <a:latin typeface="Cambria" panose="02040503050406030204" pitchFamily="18" charset="0"/>
+              <a:ea typeface="Arial Rounded MT Bold" charset="0"/>
+              <a:cs typeface="Arial Rounded MT Bold" charset="0"/>
+            </a:endParaRPr>
           </a:p>
         </p:txBody>
       </p:sp>
@@ -6816,13 +6862,18 @@
           <a:p>
             <a:pPr algn="ctr"/>
             <a:r>
-              <a:rPr lang="fr-FR" sz="1000" b="1" dirty="0">
+              <a:rPr lang="fr-FR" sz="1000" b="1" noProof="1" smtClean="0">
                 <a:latin typeface="Cambria" panose="02040503050406030204" pitchFamily="18" charset="0"/>
                 <a:ea typeface="Arial Rounded MT Bold" charset="0"/>
                 <a:cs typeface="Arial Rounded MT Bold" charset="0"/>
               </a:rPr>
               <a:t>STB</a:t>
             </a:r>
+            <a:endParaRPr lang="fr-FR" sz="1000" b="1" noProof="1">
+              <a:latin typeface="Cambria" panose="02040503050406030204" pitchFamily="18" charset="0"/>
+              <a:ea typeface="Arial Rounded MT Bold" charset="0"/>
+              <a:cs typeface="Arial Rounded MT Bold" charset="0"/>
+            </a:endParaRPr>
           </a:p>
         </p:txBody>
       </p:sp>
@@ -7023,7 +7074,7 @@
           <a:lstStyle/>
           <a:p>
             <a:pPr algn="ctr"/>
-            <a:endParaRPr lang="en-US"/>
+            <a:endParaRPr lang="en-US" noProof="1"/>
           </a:p>
         </p:txBody>
       </p:sp>
@@ -7072,7 +7123,7 @@
           <a:lstStyle/>
           <a:p>
             <a:pPr algn="ctr"/>
-            <a:endParaRPr lang="en-US"/>
+            <a:endParaRPr lang="en-US" noProof="1"/>
           </a:p>
         </p:txBody>
       </p:sp>
@@ -7100,13 +7151,18 @@
           <a:p>
             <a:pPr algn="ctr"/>
             <a:r>
-              <a:rPr lang="fr-FR" sz="900" i="1" dirty="0">
+              <a:rPr lang="fr-FR" sz="900" i="1" noProof="1" smtClean="0">
                 <a:latin typeface="Cambria" panose="02040503050406030204" pitchFamily="18" charset="0"/>
                 <a:ea typeface="Arial Rounded MT Bold" charset="0"/>
                 <a:cs typeface="Arial Rounded MT Bold" charset="0"/>
               </a:rPr>
               <a:t>Multicast to 230.2.3.4 : 7000</a:t>
             </a:r>
+            <a:endParaRPr lang="fr-FR" sz="900" i="1" noProof="1">
+              <a:latin typeface="Cambria" panose="02040503050406030204" pitchFamily="18" charset="0"/>
+              <a:ea typeface="Arial Rounded MT Bold" charset="0"/>
+              <a:cs typeface="Arial Rounded MT Bold" charset="0"/>
+            </a:endParaRPr>
           </a:p>
         </p:txBody>
       </p:sp>
@@ -7155,13 +7211,18 @@
           <a:p>
             <a:pPr algn="ctr"/>
             <a:r>
-              <a:rPr lang="fr-FR" sz="1000" b="1" dirty="0">
+              <a:rPr lang="fr-FR" sz="1000" b="1" noProof="1" smtClean="0">
                 <a:latin typeface="Cambria" panose="02040503050406030204" pitchFamily="18" charset="0"/>
                 <a:ea typeface="Arial Rounded MT Bold" charset="0"/>
                 <a:cs typeface="Arial Rounded MT Bold" charset="0"/>
               </a:rPr>
               <a:t>STB</a:t>
             </a:r>
+            <a:endParaRPr lang="fr-FR" sz="1000" b="1" noProof="1">
+              <a:latin typeface="Cambria" panose="02040503050406030204" pitchFamily="18" charset="0"/>
+              <a:ea typeface="Arial Rounded MT Bold" charset="0"/>
+              <a:cs typeface="Arial Rounded MT Bold" charset="0"/>
+            </a:endParaRPr>
           </a:p>
         </p:txBody>
       </p:sp>
@@ -7304,29 +7365,18 @@
           <a:p>
             <a:pPr algn="ctr"/>
             <a:r>
-              <a:rPr lang="fr-FR" sz="900" i="1" dirty="0">
+              <a:rPr lang="fr-FR" sz="900" i="1" noProof="1" smtClean="0">
                 <a:latin typeface="Cambria" panose="02040503050406030204" pitchFamily="18" charset="0"/>
                 <a:ea typeface="Arial Rounded MT Bold" charset="0"/>
                 <a:cs typeface="Arial Rounded MT Bold" charset="0"/>
               </a:rPr>
-              <a:t>MPE encapsulation, </a:t>
+              <a:t>MPE encapsulation, forged destination: 230.2.3.4 : 7000</a:t>
             </a:r>
-            <a:r>
-              <a:rPr lang="fr-FR" sz="900" i="1" dirty="0" err="1">
-                <a:latin typeface="Cambria" panose="02040503050406030204" pitchFamily="18" charset="0"/>
-                <a:ea typeface="Arial Rounded MT Bold" charset="0"/>
-                <a:cs typeface="Arial Rounded MT Bold" charset="0"/>
-              </a:rPr>
-              <a:t>forged</a:t>
-            </a:r>
-            <a:r>
-              <a:rPr lang="fr-FR" sz="900" i="1" dirty="0">
-                <a:latin typeface="Cambria" panose="02040503050406030204" pitchFamily="18" charset="0"/>
-                <a:ea typeface="Arial Rounded MT Bold" charset="0"/>
-                <a:cs typeface="Arial Rounded MT Bold" charset="0"/>
-              </a:rPr>
-              <a:t> destination: 230.2.3.4 : 7000</a:t>
-            </a:r>
+            <a:endParaRPr lang="fr-FR" sz="900" i="1" noProof="1">
+              <a:latin typeface="Cambria" panose="02040503050406030204" pitchFamily="18" charset="0"/>
+              <a:ea typeface="Arial Rounded MT Bold" charset="0"/>
+              <a:cs typeface="Arial Rounded MT Bold" charset="0"/>
+            </a:endParaRPr>
           </a:p>
         </p:txBody>
       </p:sp>
@@ -7416,7 +7466,7 @@
           <a:p>
             <a:pPr algn="ctr"/>
             <a:r>
-              <a:rPr lang="fr-FR" sz="900" dirty="0">
+              <a:rPr lang="fr-FR" sz="900" noProof="1" smtClean="0">
                 <a:solidFill>
                   <a:schemeClr val="tx1"/>
                 </a:solidFill>
@@ -7430,7 +7480,7 @@
           <a:p>
             <a:pPr algn="ctr"/>
             <a:r>
-              <a:rPr lang="fr-FR" sz="900" dirty="0">
+              <a:rPr lang="fr-FR" sz="900" noProof="1" smtClean="0">
                 <a:solidFill>
                   <a:schemeClr val="tx1"/>
                 </a:solidFill>
@@ -7440,6 +7490,14 @@
               </a:rPr>
               <a:t>tuner</a:t>
             </a:r>
+            <a:endParaRPr lang="fr-FR" sz="900" noProof="1">
+              <a:solidFill>
+                <a:schemeClr val="tx1"/>
+              </a:solidFill>
+              <a:latin typeface="Cambria" panose="02040503050406030204" pitchFamily="18" charset="0"/>
+              <a:ea typeface="Arial Rounded MT Bold" charset="0"/>
+              <a:cs typeface="Arial Rounded MT Bold" charset="0"/>
+            </a:endParaRPr>
           </a:p>
         </p:txBody>
       </p:sp>
@@ -7677,7 +7735,7 @@
           <a:p>
             <a:pPr algn="ctr"/>
             <a:r>
-              <a:rPr lang="fr-FR" sz="900" i="1">
+              <a:rPr lang="fr-FR" sz="900" i="1" noProof="1" smtClean="0">
                 <a:solidFill>
                   <a:schemeClr val="tx1"/>
                 </a:solidFill>
@@ -7687,7 +7745,7 @@
               </a:rPr>
               <a:t>tsp</a:t>
             </a:r>
-            <a:endParaRPr lang="fr-FR" sz="900" i="1" dirty="0">
+            <a:endParaRPr lang="fr-FR" sz="900" i="1" noProof="1">
               <a:solidFill>
                 <a:schemeClr val="tx1"/>
               </a:solidFill>
@@ -7743,7 +7801,7 @@
           <a:lstStyle/>
           <a:p>
             <a:pPr algn="ctr"/>
-            <a:endParaRPr lang="en-US"/>
+            <a:endParaRPr lang="en-US" noProof="1"/>
           </a:p>
         </p:txBody>
       </p:sp>
@@ -7792,3089 +7850,10 @@
           <a:lstStyle/>
           <a:p>
             <a:pPr algn="ctr"/>
-            <a:endParaRPr lang="en-US"/>
+            <a:endParaRPr lang="en-US" noProof="1"/>
           </a:p>
         </p:txBody>
       </p:sp>
-      <p:sp>
-        <p:nvSpPr>
-          <p:cNvPr id="50" name="Rectangle à coins arrondis 49"/>
-          <p:cNvSpPr/>
-          <p:nvPr/>
-        </p:nvSpPr>
-        <p:spPr>
-          <a:xfrm>
-            <a:off x="1302514" y="4543187"/>
-            <a:ext cx="4959067" cy="580223"/>
-          </a:xfrm>
-          <a:prstGeom prst="roundRect">
-            <a:avLst>
-              <a:gd name="adj" fmla="val 3969"/>
-            </a:avLst>
-          </a:prstGeom>
-          <a:solidFill>
-            <a:schemeClr val="accent6">
-              <a:lumMod val="40000"/>
-              <a:lumOff val="60000"/>
-            </a:schemeClr>
-          </a:solidFill>
-          <a:ln>
-            <a:noFill/>
-          </a:ln>
-        </p:spPr>
-        <p:style>
-          <a:lnRef idx="2">
-            <a:schemeClr val="accent1">
-              <a:shade val="50000"/>
-            </a:schemeClr>
-          </a:lnRef>
-          <a:fillRef idx="1">
-            <a:schemeClr val="accent1"/>
-          </a:fillRef>
-          <a:effectRef idx="0">
-            <a:schemeClr val="accent1"/>
-          </a:effectRef>
-          <a:fontRef idx="minor">
-            <a:schemeClr val="lt1"/>
-          </a:fontRef>
-        </p:style>
-        <p:txBody>
-          <a:bodyPr tIns="0" rtlCol="0" anchor="t" anchorCtr="0"/>
-          <a:lstStyle/>
-          <a:p>
-            <a:pPr algn="ctr"/>
-            <a:r>
-              <a:rPr lang="fr-FR" sz="1200" b="1" dirty="0" err="1">
-                <a:solidFill>
-                  <a:schemeClr val="tx1"/>
-                </a:solidFill>
-                <a:latin typeface="Cambria" panose="02040503050406030204" pitchFamily="18" charset="0"/>
-                <a:ea typeface="Arial Rounded MT Bold" charset="0"/>
-                <a:cs typeface="Arial Rounded MT Bold" charset="0"/>
-              </a:rPr>
-              <a:t>tsp</a:t>
-            </a:r>
-            <a:endParaRPr lang="fr-FR" sz="1200" b="1" dirty="0">
-              <a:solidFill>
-                <a:schemeClr val="tx1"/>
-              </a:solidFill>
-              <a:latin typeface="Cambria" panose="02040503050406030204" pitchFamily="18" charset="0"/>
-              <a:ea typeface="Arial Rounded MT Bold" charset="0"/>
-              <a:cs typeface="Arial Rounded MT Bold" charset="0"/>
-            </a:endParaRPr>
-          </a:p>
-        </p:txBody>
-      </p:sp>
-      <p:sp>
-        <p:nvSpPr>
-          <p:cNvPr id="57" name="Rectangle à coins arrondis 56"/>
-          <p:cNvSpPr/>
-          <p:nvPr/>
-        </p:nvSpPr>
-        <p:spPr>
-          <a:xfrm>
-            <a:off x="1451338" y="4746170"/>
-            <a:ext cx="439627" cy="283495"/>
-          </a:xfrm>
-          <a:prstGeom prst="roundRect">
-            <a:avLst/>
-          </a:prstGeom>
-          <a:solidFill>
-            <a:srgbClr val="1F8A4C"/>
-          </a:solidFill>
-          <a:ln>
-            <a:noFill/>
-          </a:ln>
-        </p:spPr>
-        <p:style>
-          <a:lnRef idx="2">
-            <a:schemeClr val="accent1">
-              <a:shade val="50000"/>
-            </a:schemeClr>
-          </a:lnRef>
-          <a:fillRef idx="1">
-            <a:schemeClr val="accent1"/>
-          </a:fillRef>
-          <a:effectRef idx="0">
-            <a:schemeClr val="accent1"/>
-          </a:effectRef>
-          <a:fontRef idx="minor">
-            <a:schemeClr val="lt1"/>
-          </a:fontRef>
-        </p:style>
-        <p:txBody>
-          <a:bodyPr lIns="36000" rIns="36000" rtlCol="0" anchor="ctr"/>
-          <a:lstStyle/>
-          <a:p>
-            <a:pPr algn="ctr"/>
-            <a:r>
-              <a:rPr lang="fr-FR" sz="900" i="1" dirty="0">
-                <a:latin typeface="Cambria" panose="02040503050406030204" pitchFamily="18" charset="0"/>
-                <a:ea typeface="Arial Rounded MT Bold" charset="0"/>
-                <a:cs typeface="Arial Rounded MT Bold" charset="0"/>
-              </a:rPr>
-              <a:t>input</a:t>
-            </a:r>
-          </a:p>
-        </p:txBody>
-      </p:sp>
-      <p:cxnSp>
-        <p:nvCxnSpPr>
-          <p:cNvPr id="59" name="Connecteur droit avec flèche 58"/>
-          <p:cNvCxnSpPr>
-            <a:endCxn id="57" idx="1"/>
-          </p:cNvCxnSpPr>
-          <p:nvPr/>
-        </p:nvCxnSpPr>
-        <p:spPr>
-          <a:xfrm>
-            <a:off x="822543" y="4887917"/>
-            <a:ext cx="628795" cy="1"/>
-          </a:xfrm>
-          <a:prstGeom prst="straightConnector1">
-            <a:avLst/>
-          </a:prstGeom>
-          <a:ln w="19050">
-            <a:solidFill>
-              <a:schemeClr val="tx1"/>
-            </a:solidFill>
-            <a:prstDash val="sysDash"/>
-            <a:tailEnd type="triangle"/>
-          </a:ln>
-        </p:spPr>
-        <p:style>
-          <a:lnRef idx="1">
-            <a:schemeClr val="accent1"/>
-          </a:lnRef>
-          <a:fillRef idx="0">
-            <a:schemeClr val="accent1"/>
-          </a:fillRef>
-          <a:effectRef idx="0">
-            <a:schemeClr val="accent1"/>
-          </a:effectRef>
-          <a:fontRef idx="minor">
-            <a:schemeClr val="tx1"/>
-          </a:fontRef>
-        </p:style>
-      </p:cxnSp>
-      <p:sp>
-        <p:nvSpPr>
-          <p:cNvPr id="62" name="ZoneTexte 61"/>
-          <p:cNvSpPr txBox="1"/>
-          <p:nvPr/>
-        </p:nvSpPr>
-        <p:spPr>
-          <a:xfrm>
-            <a:off x="763236" y="4714133"/>
-            <a:ext cx="575447" cy="138499"/>
-          </a:xfrm>
-          <a:prstGeom prst="rect">
-            <a:avLst/>
-          </a:prstGeom>
-          <a:noFill/>
-        </p:spPr>
-        <p:txBody>
-          <a:bodyPr wrap="square" lIns="0" tIns="0" rIns="0" bIns="0" rtlCol="0">
-            <a:spAutoFit/>
-          </a:bodyPr>
-          <a:lstStyle/>
-          <a:p>
-            <a:r>
-              <a:rPr lang="fr-FR" sz="900" dirty="0">
-                <a:latin typeface="Cambria" panose="02040503050406030204" pitchFamily="18" charset="0"/>
-                <a:ea typeface="Arial Rounded MT Bold" charset="0"/>
-                <a:cs typeface="Arial Rounded MT Bold" charset="0"/>
-              </a:rPr>
-              <a:t>input TS 2</a:t>
-            </a:r>
-          </a:p>
-        </p:txBody>
-      </p:sp>
-      <p:sp>
-        <p:nvSpPr>
-          <p:cNvPr id="63" name="ZoneTexte 62"/>
-          <p:cNvSpPr txBox="1"/>
-          <p:nvPr/>
-        </p:nvSpPr>
-        <p:spPr>
-          <a:xfrm>
-            <a:off x="6297328" y="4705665"/>
-            <a:ext cx="647700" cy="138499"/>
-          </a:xfrm>
-          <a:prstGeom prst="rect">
-            <a:avLst/>
-          </a:prstGeom>
-          <a:noFill/>
-        </p:spPr>
-        <p:txBody>
-          <a:bodyPr wrap="square" lIns="0" tIns="0" rIns="0" bIns="0" rtlCol="0">
-            <a:spAutoFit/>
-          </a:bodyPr>
-          <a:lstStyle/>
-          <a:p>
-            <a:r>
-              <a:rPr lang="fr-FR" sz="900" dirty="0">
-                <a:latin typeface="Cambria" panose="02040503050406030204" pitchFamily="18" charset="0"/>
-                <a:ea typeface="Arial Rounded MT Bold" charset="0"/>
-                <a:cs typeface="Arial Rounded MT Bold" charset="0"/>
-              </a:rPr>
-              <a:t>output TS 2</a:t>
-            </a:r>
-          </a:p>
-        </p:txBody>
-      </p:sp>
-      <p:pic>
-        <p:nvPicPr>
-          <p:cNvPr id="78" name="Picture 7" descr="D:\Devel\tsduck\images\tsduck-48.png"/>
-          <p:cNvPicPr>
-            <a:picLocks noChangeAspect="1" noChangeArrowheads="1"/>
-          </p:cNvPicPr>
-          <p:nvPr/>
-        </p:nvPicPr>
-        <p:blipFill>
-          <a:blip r:embed="rId2">
-            <a:extLst>
-              <a:ext uri="{28A0092B-C50C-407E-A947-70E740481C1C}">
-                <a14:useLocalDpi xmlns:a14="http://schemas.microsoft.com/office/drawing/2010/main" val="0"/>
-              </a:ext>
-            </a:extLst>
-          </a:blip>
-          <a:srcRect/>
-          <a:stretch>
-            <a:fillRect/>
-          </a:stretch>
-        </p:blipFill>
-        <p:spPr bwMode="auto">
-          <a:xfrm>
-            <a:off x="8140927" y="6015722"/>
-            <a:ext cx="146050" cy="146050"/>
-          </a:xfrm>
-          <a:prstGeom prst="rect">
-            <a:avLst/>
-          </a:prstGeom>
-          <a:noFill/>
-          <a:extLst>
-            <a:ext uri="{909E8E84-426E-40DD-AFC4-6F175D3DCCD1}">
-              <a14:hiddenFill xmlns:a14="http://schemas.microsoft.com/office/drawing/2010/main">
-                <a:solidFill>
-                  <a:srgbClr val="FFFFFF"/>
-                </a:solidFill>
-              </a14:hiddenFill>
-            </a:ext>
-          </a:extLst>
-        </p:spPr>
-      </p:pic>
-      <p:sp>
-        <p:nvSpPr>
-          <p:cNvPr id="81" name="ZoneTexte 80"/>
-          <p:cNvSpPr txBox="1"/>
-          <p:nvPr/>
-        </p:nvSpPr>
-        <p:spPr>
-          <a:xfrm>
-            <a:off x="8304176" y="6034886"/>
-            <a:ext cx="302156" cy="107722"/>
-          </a:xfrm>
-          <a:prstGeom prst="rect">
-            <a:avLst/>
-          </a:prstGeom>
-          <a:noFill/>
-        </p:spPr>
-        <p:txBody>
-          <a:bodyPr wrap="square" lIns="0" tIns="0" rIns="0" bIns="0" rtlCol="0">
-            <a:spAutoFit/>
-          </a:bodyPr>
-          <a:lstStyle/>
-          <a:p>
-            <a:r>
-              <a:rPr lang="fr-FR" sz="700" dirty="0">
-                <a:latin typeface="Cambria" panose="02040503050406030204" pitchFamily="18" charset="0"/>
-                <a:ea typeface="Arial Rounded MT Bold" charset="0"/>
-                <a:cs typeface="Arial Rounded MT Bold" charset="0"/>
-              </a:rPr>
-              <a:t>TSDuck</a:t>
-            </a:r>
-          </a:p>
-        </p:txBody>
-      </p:sp>
-      <p:sp>
-        <p:nvSpPr>
-          <p:cNvPr id="84" name="Rectangle à coins arrondis 83"/>
-          <p:cNvSpPr/>
-          <p:nvPr/>
-        </p:nvSpPr>
-        <p:spPr>
-          <a:xfrm>
-            <a:off x="2058489" y="4746170"/>
-            <a:ext cx="439627" cy="283495"/>
-          </a:xfrm>
-          <a:prstGeom prst="roundRect">
-            <a:avLst/>
-          </a:prstGeom>
-          <a:solidFill>
-            <a:srgbClr val="1F8A4C"/>
-          </a:solidFill>
-          <a:ln>
-            <a:noFill/>
-          </a:ln>
-        </p:spPr>
-        <p:style>
-          <a:lnRef idx="2">
-            <a:schemeClr val="accent1">
-              <a:shade val="50000"/>
-            </a:schemeClr>
-          </a:lnRef>
-          <a:fillRef idx="1">
-            <a:schemeClr val="accent1"/>
-          </a:fillRef>
-          <a:effectRef idx="0">
-            <a:schemeClr val="accent1"/>
-          </a:effectRef>
-          <a:fontRef idx="minor">
-            <a:schemeClr val="lt1"/>
-          </a:fontRef>
-        </p:style>
-        <p:txBody>
-          <a:bodyPr lIns="36000" rIns="36000" rtlCol="0" anchor="ctr"/>
-          <a:lstStyle/>
-          <a:p>
-            <a:pPr algn="ctr"/>
-            <a:r>
-              <a:rPr lang="fr-FR" sz="900" i="1" dirty="0">
-                <a:latin typeface="Cambria" panose="02040503050406030204" pitchFamily="18" charset="0"/>
-                <a:ea typeface="Arial Rounded MT Bold" charset="0"/>
-                <a:cs typeface="Arial Rounded MT Bold" charset="0"/>
-              </a:rPr>
-              <a:t>plugin</a:t>
-            </a:r>
-          </a:p>
-        </p:txBody>
-      </p:sp>
-      <p:sp>
-        <p:nvSpPr>
-          <p:cNvPr id="86" name="Rectangle à coins arrondis 85"/>
-          <p:cNvSpPr/>
-          <p:nvPr/>
-        </p:nvSpPr>
-        <p:spPr>
-          <a:xfrm>
-            <a:off x="2665640" y="4746170"/>
-            <a:ext cx="439627" cy="283495"/>
-          </a:xfrm>
-          <a:prstGeom prst="roundRect">
-            <a:avLst/>
-          </a:prstGeom>
-          <a:solidFill>
-            <a:srgbClr val="1F8A4C"/>
-          </a:solidFill>
-          <a:ln>
-            <a:noFill/>
-          </a:ln>
-        </p:spPr>
-        <p:style>
-          <a:lnRef idx="2">
-            <a:schemeClr val="accent1">
-              <a:shade val="50000"/>
-            </a:schemeClr>
-          </a:lnRef>
-          <a:fillRef idx="1">
-            <a:schemeClr val="accent1"/>
-          </a:fillRef>
-          <a:effectRef idx="0">
-            <a:schemeClr val="accent1"/>
-          </a:effectRef>
-          <a:fontRef idx="minor">
-            <a:schemeClr val="lt1"/>
-          </a:fontRef>
-        </p:style>
-        <p:txBody>
-          <a:bodyPr lIns="36000" rIns="36000" rtlCol="0" anchor="ctr"/>
-          <a:lstStyle/>
-          <a:p>
-            <a:pPr algn="ctr"/>
-            <a:r>
-              <a:rPr lang="fr-FR" sz="900" b="1" dirty="0" err="1">
-                <a:latin typeface="Consolas" panose="020B0609020204030204" pitchFamily="49" charset="0"/>
-                <a:ea typeface="Arial Rounded MT Bold" charset="0"/>
-                <a:cs typeface="Consolas" panose="020B0609020204030204" pitchFamily="49" charset="0"/>
-              </a:rPr>
-              <a:t>merge</a:t>
-            </a:r>
-            <a:endParaRPr lang="fr-FR" sz="900" b="1" dirty="0">
-              <a:latin typeface="Consolas" panose="020B0609020204030204" pitchFamily="49" charset="0"/>
-              <a:ea typeface="Arial Rounded MT Bold" charset="0"/>
-              <a:cs typeface="Consolas" panose="020B0609020204030204" pitchFamily="49" charset="0"/>
-            </a:endParaRPr>
-          </a:p>
-        </p:txBody>
-      </p:sp>
-      <p:sp>
-        <p:nvSpPr>
-          <p:cNvPr id="88" name="Rectangle à coins arrondis 87"/>
-          <p:cNvSpPr/>
-          <p:nvPr/>
-        </p:nvSpPr>
-        <p:spPr>
-          <a:xfrm>
-            <a:off x="3272791" y="4746170"/>
-            <a:ext cx="439627" cy="283495"/>
-          </a:xfrm>
-          <a:prstGeom prst="roundRect">
-            <a:avLst/>
-          </a:prstGeom>
-          <a:solidFill>
-            <a:srgbClr val="1F8A4C"/>
-          </a:solidFill>
-          <a:ln>
-            <a:noFill/>
-          </a:ln>
-        </p:spPr>
-        <p:style>
-          <a:lnRef idx="2">
-            <a:schemeClr val="accent1">
-              <a:shade val="50000"/>
-            </a:schemeClr>
-          </a:lnRef>
-          <a:fillRef idx="1">
-            <a:schemeClr val="accent1"/>
-          </a:fillRef>
-          <a:effectRef idx="0">
-            <a:schemeClr val="accent1"/>
-          </a:effectRef>
-          <a:fontRef idx="minor">
-            <a:schemeClr val="lt1"/>
-          </a:fontRef>
-        </p:style>
-        <p:txBody>
-          <a:bodyPr lIns="36000" rIns="36000" rtlCol="0" anchor="ctr"/>
-          <a:lstStyle/>
-          <a:p>
-            <a:pPr algn="ctr"/>
-            <a:r>
-              <a:rPr lang="fr-FR" sz="900" b="1" dirty="0" err="1">
-                <a:latin typeface="Consolas" panose="020B0609020204030204" pitchFamily="49" charset="0"/>
-                <a:ea typeface="Arial Rounded MT Bold" charset="0"/>
-                <a:cs typeface="Consolas" panose="020B0609020204030204" pitchFamily="49" charset="0"/>
-              </a:rPr>
-              <a:t>merge</a:t>
-            </a:r>
-            <a:endParaRPr lang="fr-FR" sz="900" i="1" dirty="0">
-              <a:latin typeface="Cambria" panose="02040503050406030204" pitchFamily="18" charset="0"/>
-              <a:ea typeface="Arial Rounded MT Bold" charset="0"/>
-              <a:cs typeface="Arial Rounded MT Bold" charset="0"/>
-            </a:endParaRPr>
-          </a:p>
-        </p:txBody>
-      </p:sp>
-      <p:sp>
-        <p:nvSpPr>
-          <p:cNvPr id="90" name="Rectangle à coins arrondis 89"/>
-          <p:cNvSpPr/>
-          <p:nvPr/>
-        </p:nvSpPr>
-        <p:spPr>
-          <a:xfrm>
-            <a:off x="3879942" y="4746170"/>
-            <a:ext cx="439627" cy="283495"/>
-          </a:xfrm>
-          <a:prstGeom prst="roundRect">
-            <a:avLst/>
-          </a:prstGeom>
-          <a:solidFill>
-            <a:srgbClr val="1F8A4C"/>
-          </a:solidFill>
-          <a:ln>
-            <a:noFill/>
-          </a:ln>
-        </p:spPr>
-        <p:style>
-          <a:lnRef idx="2">
-            <a:schemeClr val="accent1">
-              <a:shade val="50000"/>
-            </a:schemeClr>
-          </a:lnRef>
-          <a:fillRef idx="1">
-            <a:schemeClr val="accent1"/>
-          </a:fillRef>
-          <a:effectRef idx="0">
-            <a:schemeClr val="accent1"/>
-          </a:effectRef>
-          <a:fontRef idx="minor">
-            <a:schemeClr val="lt1"/>
-          </a:fontRef>
-        </p:style>
-        <p:txBody>
-          <a:bodyPr lIns="36000" rIns="36000" rtlCol="0" anchor="ctr"/>
-          <a:lstStyle/>
-          <a:p>
-            <a:pPr algn="ctr"/>
-            <a:r>
-              <a:rPr lang="fr-FR" sz="900" i="1" dirty="0">
-                <a:latin typeface="Cambria" panose="02040503050406030204" pitchFamily="18" charset="0"/>
-                <a:ea typeface="Arial Rounded MT Bold" charset="0"/>
-                <a:cs typeface="Arial Rounded MT Bold" charset="0"/>
-              </a:rPr>
-              <a:t>plugin</a:t>
-            </a:r>
-          </a:p>
-        </p:txBody>
-      </p:sp>
-      <p:sp>
-        <p:nvSpPr>
-          <p:cNvPr id="91" name="Rectangle à coins arrondis 90"/>
-          <p:cNvSpPr/>
-          <p:nvPr/>
-        </p:nvSpPr>
-        <p:spPr>
-          <a:xfrm>
-            <a:off x="4487093" y="4746170"/>
-            <a:ext cx="439627" cy="283495"/>
-          </a:xfrm>
-          <a:prstGeom prst="roundRect">
-            <a:avLst/>
-          </a:prstGeom>
-          <a:solidFill>
-            <a:srgbClr val="1F8A4C"/>
-          </a:solidFill>
-          <a:ln>
-            <a:noFill/>
-          </a:ln>
-        </p:spPr>
-        <p:style>
-          <a:lnRef idx="2">
-            <a:schemeClr val="accent1">
-              <a:shade val="50000"/>
-            </a:schemeClr>
-          </a:lnRef>
-          <a:fillRef idx="1">
-            <a:schemeClr val="accent1"/>
-          </a:fillRef>
-          <a:effectRef idx="0">
-            <a:schemeClr val="accent1"/>
-          </a:effectRef>
-          <a:fontRef idx="minor">
-            <a:schemeClr val="lt1"/>
-          </a:fontRef>
-        </p:style>
-        <p:txBody>
-          <a:bodyPr lIns="36000" rIns="36000" rtlCol="0" anchor="ctr"/>
-          <a:lstStyle/>
-          <a:p>
-            <a:pPr algn="ctr"/>
-            <a:r>
-              <a:rPr lang="fr-FR" sz="900" b="1" dirty="0">
-                <a:latin typeface="Consolas" panose="020B0609020204030204" pitchFamily="49" charset="0"/>
-                <a:ea typeface="Arial Rounded MT Bold" charset="0"/>
-                <a:cs typeface="Consolas" panose="020B0609020204030204" pitchFamily="49" charset="0"/>
-              </a:rPr>
-              <a:t>fork</a:t>
-            </a:r>
-            <a:endParaRPr lang="fr-FR" sz="900" i="1" dirty="0">
-              <a:latin typeface="Cambria" panose="02040503050406030204" pitchFamily="18" charset="0"/>
-              <a:ea typeface="Arial Rounded MT Bold" charset="0"/>
-              <a:cs typeface="Arial Rounded MT Bold" charset="0"/>
-            </a:endParaRPr>
-          </a:p>
-        </p:txBody>
-      </p:sp>
-      <p:sp>
-        <p:nvSpPr>
-          <p:cNvPr id="92" name="Rectangle à coins arrondis 91"/>
-          <p:cNvSpPr/>
-          <p:nvPr/>
-        </p:nvSpPr>
-        <p:spPr>
-          <a:xfrm>
-            <a:off x="5094244" y="4746170"/>
-            <a:ext cx="439627" cy="283495"/>
-          </a:xfrm>
-          <a:prstGeom prst="roundRect">
-            <a:avLst/>
-          </a:prstGeom>
-          <a:solidFill>
-            <a:srgbClr val="1F8A4C"/>
-          </a:solidFill>
-          <a:ln>
-            <a:noFill/>
-          </a:ln>
-        </p:spPr>
-        <p:style>
-          <a:lnRef idx="2">
-            <a:schemeClr val="accent1">
-              <a:shade val="50000"/>
-            </a:schemeClr>
-          </a:lnRef>
-          <a:fillRef idx="1">
-            <a:schemeClr val="accent1"/>
-          </a:fillRef>
-          <a:effectRef idx="0">
-            <a:schemeClr val="accent1"/>
-          </a:effectRef>
-          <a:fontRef idx="minor">
-            <a:schemeClr val="lt1"/>
-          </a:fontRef>
-        </p:style>
-        <p:txBody>
-          <a:bodyPr lIns="36000" rIns="36000" rtlCol="0" anchor="ctr"/>
-          <a:lstStyle/>
-          <a:p>
-            <a:pPr algn="ctr"/>
-            <a:r>
-              <a:rPr lang="fr-FR" sz="900" b="1" dirty="0">
-                <a:latin typeface="Consolas" panose="020B0609020204030204" pitchFamily="49" charset="0"/>
-                <a:ea typeface="Arial Rounded MT Bold" charset="0"/>
-                <a:cs typeface="Consolas" panose="020B0609020204030204" pitchFamily="49" charset="0"/>
-              </a:rPr>
-              <a:t>fork</a:t>
-            </a:r>
-            <a:endParaRPr lang="fr-FR" sz="900" i="1" dirty="0">
-              <a:latin typeface="Cambria" panose="02040503050406030204" pitchFamily="18" charset="0"/>
-              <a:ea typeface="Arial Rounded MT Bold" charset="0"/>
-              <a:cs typeface="Arial Rounded MT Bold" charset="0"/>
-            </a:endParaRPr>
-          </a:p>
-        </p:txBody>
-      </p:sp>
-      <p:sp>
-        <p:nvSpPr>
-          <p:cNvPr id="93" name="Rectangle à coins arrondis 92"/>
-          <p:cNvSpPr/>
-          <p:nvPr/>
-        </p:nvSpPr>
-        <p:spPr>
-          <a:xfrm>
-            <a:off x="5701395" y="4746170"/>
-            <a:ext cx="439627" cy="283495"/>
-          </a:xfrm>
-          <a:prstGeom prst="roundRect">
-            <a:avLst/>
-          </a:prstGeom>
-          <a:solidFill>
-            <a:srgbClr val="1F8A4C"/>
-          </a:solidFill>
-          <a:ln>
-            <a:noFill/>
-          </a:ln>
-        </p:spPr>
-        <p:style>
-          <a:lnRef idx="2">
-            <a:schemeClr val="accent1">
-              <a:shade val="50000"/>
-            </a:schemeClr>
-          </a:lnRef>
-          <a:fillRef idx="1">
-            <a:schemeClr val="accent1"/>
-          </a:fillRef>
-          <a:effectRef idx="0">
-            <a:schemeClr val="accent1"/>
-          </a:effectRef>
-          <a:fontRef idx="minor">
-            <a:schemeClr val="lt1"/>
-          </a:fontRef>
-        </p:style>
-        <p:txBody>
-          <a:bodyPr lIns="36000" rIns="36000" rtlCol="0" anchor="ctr"/>
-          <a:lstStyle/>
-          <a:p>
-            <a:pPr algn="ctr"/>
-            <a:r>
-              <a:rPr lang="fr-FR" sz="900" i="1" dirty="0">
-                <a:latin typeface="Cambria" panose="02040503050406030204" pitchFamily="18" charset="0"/>
-                <a:ea typeface="Arial Rounded MT Bold" charset="0"/>
-                <a:cs typeface="Arial Rounded MT Bold" charset="0"/>
-              </a:rPr>
-              <a:t>output</a:t>
-            </a:r>
-          </a:p>
-        </p:txBody>
-      </p:sp>
-      <p:cxnSp>
-        <p:nvCxnSpPr>
-          <p:cNvPr id="94" name="Connecteur droit avec flèche 93"/>
-          <p:cNvCxnSpPr>
-            <a:stCxn id="57" idx="3"/>
-            <a:endCxn id="84" idx="1"/>
-          </p:cNvCxnSpPr>
-          <p:nvPr/>
-        </p:nvCxnSpPr>
-        <p:spPr>
-          <a:xfrm>
-            <a:off x="1890965" y="4887918"/>
-            <a:ext cx="167524" cy="0"/>
-          </a:xfrm>
-          <a:prstGeom prst="straightConnector1">
-            <a:avLst/>
-          </a:prstGeom>
-          <a:ln w="19050">
-            <a:solidFill>
-              <a:schemeClr val="tx1"/>
-            </a:solidFill>
-            <a:prstDash val="sysDash"/>
-            <a:tailEnd type="triangle"/>
-          </a:ln>
-        </p:spPr>
-        <p:style>
-          <a:lnRef idx="1">
-            <a:schemeClr val="accent1"/>
-          </a:lnRef>
-          <a:fillRef idx="0">
-            <a:schemeClr val="accent1"/>
-          </a:fillRef>
-          <a:effectRef idx="0">
-            <a:schemeClr val="accent1"/>
-          </a:effectRef>
-          <a:fontRef idx="minor">
-            <a:schemeClr val="tx1"/>
-          </a:fontRef>
-        </p:style>
-      </p:cxnSp>
-      <p:cxnSp>
-        <p:nvCxnSpPr>
-          <p:cNvPr id="95" name="Connecteur droit avec flèche 94"/>
-          <p:cNvCxnSpPr>
-            <a:stCxn id="84" idx="3"/>
-            <a:endCxn id="86" idx="1"/>
-          </p:cNvCxnSpPr>
-          <p:nvPr/>
-        </p:nvCxnSpPr>
-        <p:spPr>
-          <a:xfrm>
-            <a:off x="2498116" y="4887918"/>
-            <a:ext cx="167524" cy="0"/>
-          </a:xfrm>
-          <a:prstGeom prst="straightConnector1">
-            <a:avLst/>
-          </a:prstGeom>
-          <a:ln w="19050">
-            <a:solidFill>
-              <a:schemeClr val="tx1"/>
-            </a:solidFill>
-            <a:prstDash val="sysDash"/>
-            <a:tailEnd type="triangle"/>
-          </a:ln>
-        </p:spPr>
-        <p:style>
-          <a:lnRef idx="1">
-            <a:schemeClr val="accent1"/>
-          </a:lnRef>
-          <a:fillRef idx="0">
-            <a:schemeClr val="accent1"/>
-          </a:fillRef>
-          <a:effectRef idx="0">
-            <a:schemeClr val="accent1"/>
-          </a:effectRef>
-          <a:fontRef idx="minor">
-            <a:schemeClr val="tx1"/>
-          </a:fontRef>
-        </p:style>
-      </p:cxnSp>
-      <p:cxnSp>
-        <p:nvCxnSpPr>
-          <p:cNvPr id="96" name="Connecteur droit avec flèche 95"/>
-          <p:cNvCxnSpPr>
-            <a:stCxn id="86" idx="3"/>
-            <a:endCxn id="88" idx="1"/>
-          </p:cNvCxnSpPr>
-          <p:nvPr/>
-        </p:nvCxnSpPr>
-        <p:spPr>
-          <a:xfrm>
-            <a:off x="3105267" y="4887918"/>
-            <a:ext cx="167524" cy="0"/>
-          </a:xfrm>
-          <a:prstGeom prst="straightConnector1">
-            <a:avLst/>
-          </a:prstGeom>
-          <a:ln w="19050">
-            <a:solidFill>
-              <a:schemeClr val="tx1"/>
-            </a:solidFill>
-            <a:prstDash val="sysDash"/>
-            <a:tailEnd type="triangle"/>
-          </a:ln>
-        </p:spPr>
-        <p:style>
-          <a:lnRef idx="1">
-            <a:schemeClr val="accent1"/>
-          </a:lnRef>
-          <a:fillRef idx="0">
-            <a:schemeClr val="accent1"/>
-          </a:fillRef>
-          <a:effectRef idx="0">
-            <a:schemeClr val="accent1"/>
-          </a:effectRef>
-          <a:fontRef idx="minor">
-            <a:schemeClr val="tx1"/>
-          </a:fontRef>
-        </p:style>
-      </p:cxnSp>
-      <p:cxnSp>
-        <p:nvCxnSpPr>
-          <p:cNvPr id="97" name="Connecteur droit avec flèche 96"/>
-          <p:cNvCxnSpPr>
-            <a:stCxn id="88" idx="3"/>
-            <a:endCxn id="90" idx="1"/>
-          </p:cNvCxnSpPr>
-          <p:nvPr/>
-        </p:nvCxnSpPr>
-        <p:spPr>
-          <a:xfrm>
-            <a:off x="3712418" y="4887918"/>
-            <a:ext cx="167524" cy="0"/>
-          </a:xfrm>
-          <a:prstGeom prst="straightConnector1">
-            <a:avLst/>
-          </a:prstGeom>
-          <a:ln w="19050">
-            <a:solidFill>
-              <a:schemeClr val="tx1"/>
-            </a:solidFill>
-            <a:prstDash val="sysDash"/>
-            <a:tailEnd type="triangle"/>
-          </a:ln>
-        </p:spPr>
-        <p:style>
-          <a:lnRef idx="1">
-            <a:schemeClr val="accent1"/>
-          </a:lnRef>
-          <a:fillRef idx="0">
-            <a:schemeClr val="accent1"/>
-          </a:fillRef>
-          <a:effectRef idx="0">
-            <a:schemeClr val="accent1"/>
-          </a:effectRef>
-          <a:fontRef idx="minor">
-            <a:schemeClr val="tx1"/>
-          </a:fontRef>
-        </p:style>
-      </p:cxnSp>
-      <p:cxnSp>
-        <p:nvCxnSpPr>
-          <p:cNvPr id="100" name="Connecteur droit avec flèche 99"/>
-          <p:cNvCxnSpPr>
-            <a:stCxn id="90" idx="3"/>
-            <a:endCxn id="91" idx="1"/>
-          </p:cNvCxnSpPr>
-          <p:nvPr/>
-        </p:nvCxnSpPr>
-        <p:spPr>
-          <a:xfrm>
-            <a:off x="4319569" y="4887918"/>
-            <a:ext cx="167524" cy="0"/>
-          </a:xfrm>
-          <a:prstGeom prst="straightConnector1">
-            <a:avLst/>
-          </a:prstGeom>
-          <a:ln w="19050">
-            <a:solidFill>
-              <a:schemeClr val="tx1"/>
-            </a:solidFill>
-            <a:prstDash val="sysDash"/>
-            <a:tailEnd type="triangle"/>
-          </a:ln>
-        </p:spPr>
-        <p:style>
-          <a:lnRef idx="1">
-            <a:schemeClr val="accent1"/>
-          </a:lnRef>
-          <a:fillRef idx="0">
-            <a:schemeClr val="accent1"/>
-          </a:fillRef>
-          <a:effectRef idx="0">
-            <a:schemeClr val="accent1"/>
-          </a:effectRef>
-          <a:fontRef idx="minor">
-            <a:schemeClr val="tx1"/>
-          </a:fontRef>
-        </p:style>
-      </p:cxnSp>
-      <p:cxnSp>
-        <p:nvCxnSpPr>
-          <p:cNvPr id="101" name="Connecteur droit avec flèche 100"/>
-          <p:cNvCxnSpPr>
-            <a:stCxn id="91" idx="3"/>
-            <a:endCxn id="92" idx="1"/>
-          </p:cNvCxnSpPr>
-          <p:nvPr/>
-        </p:nvCxnSpPr>
-        <p:spPr>
-          <a:xfrm>
-            <a:off x="4926720" y="4887918"/>
-            <a:ext cx="167524" cy="0"/>
-          </a:xfrm>
-          <a:prstGeom prst="straightConnector1">
-            <a:avLst/>
-          </a:prstGeom>
-          <a:ln w="19050">
-            <a:solidFill>
-              <a:schemeClr val="tx1"/>
-            </a:solidFill>
-            <a:prstDash val="sysDash"/>
-            <a:tailEnd type="triangle"/>
-          </a:ln>
-        </p:spPr>
-        <p:style>
-          <a:lnRef idx="1">
-            <a:schemeClr val="accent1"/>
-          </a:lnRef>
-          <a:fillRef idx="0">
-            <a:schemeClr val="accent1"/>
-          </a:fillRef>
-          <a:effectRef idx="0">
-            <a:schemeClr val="accent1"/>
-          </a:effectRef>
-          <a:fontRef idx="minor">
-            <a:schemeClr val="tx1"/>
-          </a:fontRef>
-        </p:style>
-      </p:cxnSp>
-      <p:cxnSp>
-        <p:nvCxnSpPr>
-          <p:cNvPr id="102" name="Connecteur droit avec flèche 101"/>
-          <p:cNvCxnSpPr>
-            <a:stCxn id="92" idx="3"/>
-            <a:endCxn id="93" idx="1"/>
-          </p:cNvCxnSpPr>
-          <p:nvPr/>
-        </p:nvCxnSpPr>
-        <p:spPr>
-          <a:xfrm>
-            <a:off x="5533871" y="4887918"/>
-            <a:ext cx="167524" cy="0"/>
-          </a:xfrm>
-          <a:prstGeom prst="straightConnector1">
-            <a:avLst/>
-          </a:prstGeom>
-          <a:ln w="19050">
-            <a:solidFill>
-              <a:schemeClr val="tx1"/>
-            </a:solidFill>
-            <a:prstDash val="sysDash"/>
-            <a:tailEnd type="triangle"/>
-          </a:ln>
-        </p:spPr>
-        <p:style>
-          <a:lnRef idx="1">
-            <a:schemeClr val="accent1"/>
-          </a:lnRef>
-          <a:fillRef idx="0">
-            <a:schemeClr val="accent1"/>
-          </a:fillRef>
-          <a:effectRef idx="0">
-            <a:schemeClr val="accent1"/>
-          </a:effectRef>
-          <a:fontRef idx="minor">
-            <a:schemeClr val="tx1"/>
-          </a:fontRef>
-        </p:style>
-      </p:cxnSp>
-      <p:cxnSp>
-        <p:nvCxnSpPr>
-          <p:cNvPr id="104" name="Connecteur droit avec flèche 103"/>
-          <p:cNvCxnSpPr>
-            <a:stCxn id="93" idx="3"/>
-          </p:cNvCxnSpPr>
-          <p:nvPr/>
-        </p:nvCxnSpPr>
-        <p:spPr>
-          <a:xfrm>
-            <a:off x="6141022" y="4887918"/>
-            <a:ext cx="604510" cy="1"/>
-          </a:xfrm>
-          <a:prstGeom prst="straightConnector1">
-            <a:avLst/>
-          </a:prstGeom>
-          <a:ln w="19050">
-            <a:solidFill>
-              <a:schemeClr val="tx1"/>
-            </a:solidFill>
-            <a:prstDash val="sysDash"/>
-            <a:tailEnd type="triangle"/>
-          </a:ln>
-        </p:spPr>
-        <p:style>
-          <a:lnRef idx="1">
-            <a:schemeClr val="accent1"/>
-          </a:lnRef>
-          <a:fillRef idx="0">
-            <a:schemeClr val="accent1"/>
-          </a:fillRef>
-          <a:effectRef idx="0">
-            <a:schemeClr val="accent1"/>
-          </a:effectRef>
-          <a:fontRef idx="minor">
-            <a:schemeClr val="tx1"/>
-          </a:fontRef>
-        </p:style>
-      </p:cxnSp>
-      <p:sp>
-        <p:nvSpPr>
-          <p:cNvPr id="108" name="Rectangle à coins arrondis 107"/>
-          <p:cNvSpPr/>
-          <p:nvPr/>
-        </p:nvSpPr>
-        <p:spPr>
-          <a:xfrm>
-            <a:off x="98695" y="3846194"/>
-            <a:ext cx="2544786" cy="580223"/>
-          </a:xfrm>
-          <a:prstGeom prst="roundRect">
-            <a:avLst>
-              <a:gd name="adj" fmla="val 3969"/>
-            </a:avLst>
-          </a:prstGeom>
-          <a:solidFill>
-            <a:schemeClr val="accent6">
-              <a:lumMod val="40000"/>
-              <a:lumOff val="60000"/>
-            </a:schemeClr>
-          </a:solidFill>
-          <a:ln>
-            <a:noFill/>
-          </a:ln>
-        </p:spPr>
-        <p:style>
-          <a:lnRef idx="2">
-            <a:schemeClr val="accent1">
-              <a:shade val="50000"/>
-            </a:schemeClr>
-          </a:lnRef>
-          <a:fillRef idx="1">
-            <a:schemeClr val="accent1"/>
-          </a:fillRef>
-          <a:effectRef idx="0">
-            <a:schemeClr val="accent1"/>
-          </a:effectRef>
-          <a:fontRef idx="minor">
-            <a:schemeClr val="lt1"/>
-          </a:fontRef>
-        </p:style>
-        <p:txBody>
-          <a:bodyPr tIns="0" rtlCol="0" anchor="t" anchorCtr="0"/>
-          <a:lstStyle/>
-          <a:p>
-            <a:pPr algn="ctr"/>
-            <a:r>
-              <a:rPr lang="fr-FR" sz="1200" b="1" dirty="0" err="1">
-                <a:solidFill>
-                  <a:schemeClr val="tx1"/>
-                </a:solidFill>
-                <a:latin typeface="Cambria" panose="02040503050406030204" pitchFamily="18" charset="0"/>
-                <a:ea typeface="Arial Rounded MT Bold" charset="0"/>
-                <a:cs typeface="Arial Rounded MT Bold" charset="0"/>
-              </a:rPr>
-              <a:t>tsp</a:t>
-            </a:r>
-            <a:endParaRPr lang="fr-FR" sz="1200" b="1" dirty="0">
-              <a:solidFill>
-                <a:schemeClr val="tx1"/>
-              </a:solidFill>
-              <a:latin typeface="Cambria" panose="02040503050406030204" pitchFamily="18" charset="0"/>
-              <a:ea typeface="Arial Rounded MT Bold" charset="0"/>
-              <a:cs typeface="Arial Rounded MT Bold" charset="0"/>
-            </a:endParaRPr>
-          </a:p>
-        </p:txBody>
-      </p:sp>
-      <p:sp>
-        <p:nvSpPr>
-          <p:cNvPr id="119" name="Rectangle à coins arrondis 118"/>
-          <p:cNvSpPr/>
-          <p:nvPr/>
-        </p:nvSpPr>
-        <p:spPr>
-          <a:xfrm>
-            <a:off x="253609" y="4054015"/>
-            <a:ext cx="439627" cy="283495"/>
-          </a:xfrm>
-          <a:prstGeom prst="roundRect">
-            <a:avLst/>
-          </a:prstGeom>
-          <a:solidFill>
-            <a:srgbClr val="1F8A4C"/>
-          </a:solidFill>
-          <a:ln>
-            <a:noFill/>
-          </a:ln>
-        </p:spPr>
-        <p:style>
-          <a:lnRef idx="2">
-            <a:schemeClr val="accent1">
-              <a:shade val="50000"/>
-            </a:schemeClr>
-          </a:lnRef>
-          <a:fillRef idx="1">
-            <a:schemeClr val="accent1"/>
-          </a:fillRef>
-          <a:effectRef idx="0">
-            <a:schemeClr val="accent1"/>
-          </a:effectRef>
-          <a:fontRef idx="minor">
-            <a:schemeClr val="lt1"/>
-          </a:fontRef>
-        </p:style>
-        <p:txBody>
-          <a:bodyPr lIns="36000" rIns="36000" rtlCol="0" anchor="ctr"/>
-          <a:lstStyle/>
-          <a:p>
-            <a:pPr algn="ctr"/>
-            <a:r>
-              <a:rPr lang="fr-FR" sz="900" i="1" dirty="0">
-                <a:latin typeface="Cambria" panose="02040503050406030204" pitchFamily="18" charset="0"/>
-                <a:ea typeface="Arial Rounded MT Bold" charset="0"/>
-                <a:cs typeface="Arial Rounded MT Bold" charset="0"/>
-              </a:rPr>
-              <a:t>input</a:t>
-            </a:r>
-          </a:p>
-        </p:txBody>
-      </p:sp>
-      <p:sp>
-        <p:nvSpPr>
-          <p:cNvPr id="122" name="Rectangle à coins arrondis 121"/>
-          <p:cNvSpPr/>
-          <p:nvPr/>
-        </p:nvSpPr>
-        <p:spPr>
-          <a:xfrm>
-            <a:off x="860301" y="4054015"/>
-            <a:ext cx="439627" cy="283495"/>
-          </a:xfrm>
-          <a:prstGeom prst="roundRect">
-            <a:avLst/>
-          </a:prstGeom>
-          <a:solidFill>
-            <a:srgbClr val="1F8A4C"/>
-          </a:solidFill>
-          <a:ln>
-            <a:noFill/>
-          </a:ln>
-        </p:spPr>
-        <p:style>
-          <a:lnRef idx="2">
-            <a:schemeClr val="accent1">
-              <a:shade val="50000"/>
-            </a:schemeClr>
-          </a:lnRef>
-          <a:fillRef idx="1">
-            <a:schemeClr val="accent1"/>
-          </a:fillRef>
-          <a:effectRef idx="0">
-            <a:schemeClr val="accent1"/>
-          </a:effectRef>
-          <a:fontRef idx="minor">
-            <a:schemeClr val="lt1"/>
-          </a:fontRef>
-        </p:style>
-        <p:txBody>
-          <a:bodyPr lIns="36000" rIns="36000" rtlCol="0" anchor="ctr"/>
-          <a:lstStyle/>
-          <a:p>
-            <a:pPr algn="ctr"/>
-            <a:r>
-              <a:rPr lang="fr-FR" sz="900" i="1" dirty="0">
-                <a:latin typeface="Cambria" panose="02040503050406030204" pitchFamily="18" charset="0"/>
-                <a:ea typeface="Arial Rounded MT Bold" charset="0"/>
-                <a:cs typeface="Arial Rounded MT Bold" charset="0"/>
-              </a:rPr>
-              <a:t>plugin</a:t>
-            </a:r>
-          </a:p>
-        </p:txBody>
-      </p:sp>
-      <p:sp>
-        <p:nvSpPr>
-          <p:cNvPr id="125" name="Rectangle à coins arrondis 124"/>
-          <p:cNvSpPr/>
-          <p:nvPr/>
-        </p:nvSpPr>
-        <p:spPr>
-          <a:xfrm>
-            <a:off x="1466993" y="4054015"/>
-            <a:ext cx="439627" cy="283495"/>
-          </a:xfrm>
-          <a:prstGeom prst="roundRect">
-            <a:avLst/>
-          </a:prstGeom>
-          <a:solidFill>
-            <a:srgbClr val="1F8A4C"/>
-          </a:solidFill>
-          <a:ln>
-            <a:noFill/>
-          </a:ln>
-        </p:spPr>
-        <p:style>
-          <a:lnRef idx="2">
-            <a:schemeClr val="accent1">
-              <a:shade val="50000"/>
-            </a:schemeClr>
-          </a:lnRef>
-          <a:fillRef idx="1">
-            <a:schemeClr val="accent1"/>
-          </a:fillRef>
-          <a:effectRef idx="0">
-            <a:schemeClr val="accent1"/>
-          </a:effectRef>
-          <a:fontRef idx="minor">
-            <a:schemeClr val="lt1"/>
-          </a:fontRef>
-        </p:style>
-        <p:txBody>
-          <a:bodyPr lIns="36000" rIns="36000" rtlCol="0" anchor="ctr"/>
-          <a:lstStyle/>
-          <a:p>
-            <a:pPr algn="ctr"/>
-            <a:r>
-              <a:rPr lang="fr-FR" sz="900" i="1" dirty="0">
-                <a:latin typeface="Cambria" panose="02040503050406030204" pitchFamily="18" charset="0"/>
-                <a:ea typeface="Arial Rounded MT Bold" charset="0"/>
-                <a:cs typeface="Arial Rounded MT Bold" charset="0"/>
-              </a:rPr>
-              <a:t>plugin</a:t>
-            </a:r>
-          </a:p>
-        </p:txBody>
-      </p:sp>
-      <p:sp>
-        <p:nvSpPr>
-          <p:cNvPr id="128" name="Rectangle à coins arrondis 127"/>
-          <p:cNvSpPr/>
-          <p:nvPr/>
-        </p:nvSpPr>
-        <p:spPr>
-          <a:xfrm>
-            <a:off x="2073685" y="4054015"/>
-            <a:ext cx="439627" cy="283495"/>
-          </a:xfrm>
-          <a:prstGeom prst="roundRect">
-            <a:avLst/>
-          </a:prstGeom>
-          <a:solidFill>
-            <a:srgbClr val="1F8A4C"/>
-          </a:solidFill>
-          <a:ln>
-            <a:noFill/>
-          </a:ln>
-        </p:spPr>
-        <p:style>
-          <a:lnRef idx="2">
-            <a:schemeClr val="accent1">
-              <a:shade val="50000"/>
-            </a:schemeClr>
-          </a:lnRef>
-          <a:fillRef idx="1">
-            <a:schemeClr val="accent1"/>
-          </a:fillRef>
-          <a:effectRef idx="0">
-            <a:schemeClr val="accent1"/>
-          </a:effectRef>
-          <a:fontRef idx="minor">
-            <a:schemeClr val="lt1"/>
-          </a:fontRef>
-        </p:style>
-        <p:txBody>
-          <a:bodyPr lIns="36000" rIns="36000" rtlCol="0" anchor="ctr"/>
-          <a:lstStyle/>
-          <a:p>
-            <a:pPr algn="ctr"/>
-            <a:r>
-              <a:rPr lang="fr-FR" sz="900" b="1" dirty="0">
-                <a:latin typeface="Consolas" panose="020B0609020204030204" pitchFamily="49" charset="0"/>
-                <a:ea typeface="Arial Rounded MT Bold" charset="0"/>
-                <a:cs typeface="Consolas" panose="020B0609020204030204" pitchFamily="49" charset="0"/>
-              </a:rPr>
-              <a:t>file</a:t>
-            </a:r>
-            <a:endParaRPr lang="fr-FR" sz="900" i="1" dirty="0">
-              <a:latin typeface="Cambria" panose="02040503050406030204" pitchFamily="18" charset="0"/>
-              <a:ea typeface="Arial Rounded MT Bold" charset="0"/>
-              <a:cs typeface="Arial Rounded MT Bold" charset="0"/>
-            </a:endParaRPr>
-          </a:p>
-        </p:txBody>
-      </p:sp>
-      <p:cxnSp>
-        <p:nvCxnSpPr>
-          <p:cNvPr id="131" name="Connecteur droit avec flèche 130"/>
-          <p:cNvCxnSpPr>
-            <a:stCxn id="119" idx="3"/>
-            <a:endCxn id="122" idx="1"/>
-          </p:cNvCxnSpPr>
-          <p:nvPr/>
-        </p:nvCxnSpPr>
-        <p:spPr>
-          <a:xfrm>
-            <a:off x="693236" y="4195763"/>
-            <a:ext cx="167065" cy="0"/>
-          </a:xfrm>
-          <a:prstGeom prst="straightConnector1">
-            <a:avLst/>
-          </a:prstGeom>
-          <a:ln w="19050">
-            <a:solidFill>
-              <a:schemeClr val="tx1"/>
-            </a:solidFill>
-            <a:prstDash val="sysDash"/>
-            <a:tailEnd type="triangle"/>
-          </a:ln>
-        </p:spPr>
-        <p:style>
-          <a:lnRef idx="1">
-            <a:schemeClr val="accent1"/>
-          </a:lnRef>
-          <a:fillRef idx="0">
-            <a:schemeClr val="accent1"/>
-          </a:fillRef>
-          <a:effectRef idx="0">
-            <a:schemeClr val="accent1"/>
-          </a:effectRef>
-          <a:fontRef idx="minor">
-            <a:schemeClr val="tx1"/>
-          </a:fontRef>
-        </p:style>
-      </p:cxnSp>
-      <p:cxnSp>
-        <p:nvCxnSpPr>
-          <p:cNvPr id="134" name="Connecteur droit avec flèche 133"/>
-          <p:cNvCxnSpPr>
-            <a:endCxn id="125" idx="1"/>
-          </p:cNvCxnSpPr>
-          <p:nvPr/>
-        </p:nvCxnSpPr>
-        <p:spPr>
-          <a:xfrm flipV="1">
-            <a:off x="1313342" y="4195763"/>
-            <a:ext cx="153651" cy="4838"/>
-          </a:xfrm>
-          <a:prstGeom prst="straightConnector1">
-            <a:avLst/>
-          </a:prstGeom>
-          <a:ln w="19050">
-            <a:solidFill>
-              <a:schemeClr val="tx1"/>
-            </a:solidFill>
-            <a:prstDash val="sysDash"/>
-            <a:tailEnd type="triangle"/>
-          </a:ln>
-        </p:spPr>
-        <p:style>
-          <a:lnRef idx="1">
-            <a:schemeClr val="accent1"/>
-          </a:lnRef>
-          <a:fillRef idx="0">
-            <a:schemeClr val="accent1"/>
-          </a:fillRef>
-          <a:effectRef idx="0">
-            <a:schemeClr val="accent1"/>
-          </a:effectRef>
-          <a:fontRef idx="minor">
-            <a:schemeClr val="tx1"/>
-          </a:fontRef>
-        </p:style>
-      </p:cxnSp>
-      <p:cxnSp>
-        <p:nvCxnSpPr>
-          <p:cNvPr id="136" name="Connecteur droit avec flèche 135"/>
-          <p:cNvCxnSpPr>
-            <a:stCxn id="125" idx="3"/>
-            <a:endCxn id="128" idx="1"/>
-          </p:cNvCxnSpPr>
-          <p:nvPr/>
-        </p:nvCxnSpPr>
-        <p:spPr>
-          <a:xfrm>
-            <a:off x="1906620" y="4195763"/>
-            <a:ext cx="167065" cy="0"/>
-          </a:xfrm>
-          <a:prstGeom prst="straightConnector1">
-            <a:avLst/>
-          </a:prstGeom>
-          <a:ln w="19050">
-            <a:solidFill>
-              <a:schemeClr val="tx1"/>
-            </a:solidFill>
-            <a:prstDash val="sysDash"/>
-            <a:tailEnd type="triangle"/>
-          </a:ln>
-        </p:spPr>
-        <p:style>
-          <a:lnRef idx="1">
-            <a:schemeClr val="accent1"/>
-          </a:lnRef>
-          <a:fillRef idx="0">
-            <a:schemeClr val="accent1"/>
-          </a:fillRef>
-          <a:effectRef idx="0">
-            <a:schemeClr val="accent1"/>
-          </a:effectRef>
-          <a:fontRef idx="minor">
-            <a:schemeClr val="tx1"/>
-          </a:fontRef>
-        </p:style>
-      </p:cxnSp>
-      <p:cxnSp>
-        <p:nvCxnSpPr>
-          <p:cNvPr id="138" name="Connecteur droit avec flèche 137"/>
-          <p:cNvCxnSpPr>
-            <a:stCxn id="128" idx="3"/>
-            <a:endCxn id="86" idx="0"/>
-          </p:cNvCxnSpPr>
-          <p:nvPr/>
-        </p:nvCxnSpPr>
-        <p:spPr>
-          <a:xfrm>
-            <a:off x="2513312" y="4195763"/>
-            <a:ext cx="372142" cy="550407"/>
-          </a:xfrm>
-          <a:prstGeom prst="bentConnector2">
-            <a:avLst/>
-          </a:prstGeom>
-          <a:ln w="19050">
-            <a:solidFill>
-              <a:schemeClr val="tx1"/>
-            </a:solidFill>
-            <a:prstDash val="sysDash"/>
-            <a:tailEnd type="triangle"/>
-          </a:ln>
-        </p:spPr>
-        <p:style>
-          <a:lnRef idx="1">
-            <a:schemeClr val="accent1"/>
-          </a:lnRef>
-          <a:fillRef idx="0">
-            <a:schemeClr val="accent1"/>
-          </a:fillRef>
-          <a:effectRef idx="0">
-            <a:schemeClr val="accent1"/>
-          </a:effectRef>
-          <a:fontRef idx="minor">
-            <a:schemeClr val="tx1"/>
-          </a:fontRef>
-        </p:style>
-      </p:cxnSp>
-      <p:sp>
-        <p:nvSpPr>
-          <p:cNvPr id="139" name="Rectangle à coins arrondis 138"/>
-          <p:cNvSpPr/>
-          <p:nvPr/>
-        </p:nvSpPr>
-        <p:spPr>
-          <a:xfrm>
-            <a:off x="691550" y="5267215"/>
-            <a:ext cx="2544786" cy="580223"/>
-          </a:xfrm>
-          <a:prstGeom prst="roundRect">
-            <a:avLst>
-              <a:gd name="adj" fmla="val 3969"/>
-            </a:avLst>
-          </a:prstGeom>
-          <a:solidFill>
-            <a:schemeClr val="accent6">
-              <a:lumMod val="40000"/>
-              <a:lumOff val="60000"/>
-            </a:schemeClr>
-          </a:solidFill>
-          <a:ln>
-            <a:noFill/>
-          </a:ln>
-        </p:spPr>
-        <p:style>
-          <a:lnRef idx="2">
-            <a:schemeClr val="accent1">
-              <a:shade val="50000"/>
-            </a:schemeClr>
-          </a:lnRef>
-          <a:fillRef idx="1">
-            <a:schemeClr val="accent1"/>
-          </a:fillRef>
-          <a:effectRef idx="0">
-            <a:schemeClr val="accent1"/>
-          </a:effectRef>
-          <a:fontRef idx="minor">
-            <a:schemeClr val="lt1"/>
-          </a:fontRef>
-        </p:style>
-        <p:txBody>
-          <a:bodyPr tIns="0" rtlCol="0" anchor="t" anchorCtr="0"/>
-          <a:lstStyle/>
-          <a:p>
-            <a:pPr algn="ctr"/>
-            <a:r>
-              <a:rPr lang="fr-FR" sz="1200" b="1" dirty="0" err="1">
-                <a:solidFill>
-                  <a:schemeClr val="tx1"/>
-                </a:solidFill>
-                <a:latin typeface="Cambria" panose="02040503050406030204" pitchFamily="18" charset="0"/>
-                <a:ea typeface="Arial Rounded MT Bold" charset="0"/>
-                <a:cs typeface="Arial Rounded MT Bold" charset="0"/>
-              </a:rPr>
-              <a:t>tsp</a:t>
-            </a:r>
-            <a:endParaRPr lang="fr-FR" sz="1200" b="1" dirty="0">
-              <a:solidFill>
-                <a:schemeClr val="tx1"/>
-              </a:solidFill>
-              <a:latin typeface="Cambria" panose="02040503050406030204" pitchFamily="18" charset="0"/>
-              <a:ea typeface="Arial Rounded MT Bold" charset="0"/>
-              <a:cs typeface="Arial Rounded MT Bold" charset="0"/>
-            </a:endParaRPr>
-          </a:p>
-        </p:txBody>
-      </p:sp>
-      <p:sp>
-        <p:nvSpPr>
-          <p:cNvPr id="140" name="Rectangle à coins arrondis 139"/>
-          <p:cNvSpPr/>
-          <p:nvPr/>
-        </p:nvSpPr>
-        <p:spPr>
-          <a:xfrm>
-            <a:off x="846464" y="5475036"/>
-            <a:ext cx="439627" cy="283495"/>
-          </a:xfrm>
-          <a:prstGeom prst="roundRect">
-            <a:avLst/>
-          </a:prstGeom>
-          <a:solidFill>
-            <a:srgbClr val="1F8A4C"/>
-          </a:solidFill>
-          <a:ln>
-            <a:noFill/>
-          </a:ln>
-        </p:spPr>
-        <p:style>
-          <a:lnRef idx="2">
-            <a:schemeClr val="accent1">
-              <a:shade val="50000"/>
-            </a:schemeClr>
-          </a:lnRef>
-          <a:fillRef idx="1">
-            <a:schemeClr val="accent1"/>
-          </a:fillRef>
-          <a:effectRef idx="0">
-            <a:schemeClr val="accent1"/>
-          </a:effectRef>
-          <a:fontRef idx="minor">
-            <a:schemeClr val="lt1"/>
-          </a:fontRef>
-        </p:style>
-        <p:txBody>
-          <a:bodyPr lIns="36000" rIns="36000" rtlCol="0" anchor="ctr"/>
-          <a:lstStyle/>
-          <a:p>
-            <a:pPr algn="ctr"/>
-            <a:r>
-              <a:rPr lang="fr-FR" sz="900" i="1" dirty="0">
-                <a:latin typeface="Cambria" panose="02040503050406030204" pitchFamily="18" charset="0"/>
-                <a:ea typeface="Arial Rounded MT Bold" charset="0"/>
-                <a:cs typeface="Arial Rounded MT Bold" charset="0"/>
-              </a:rPr>
-              <a:t>input</a:t>
-            </a:r>
-          </a:p>
-        </p:txBody>
-      </p:sp>
-      <p:sp>
-        <p:nvSpPr>
-          <p:cNvPr id="141" name="Rectangle à coins arrondis 140"/>
-          <p:cNvSpPr/>
-          <p:nvPr/>
-        </p:nvSpPr>
-        <p:spPr>
-          <a:xfrm>
-            <a:off x="1453156" y="5475036"/>
-            <a:ext cx="439627" cy="283495"/>
-          </a:xfrm>
-          <a:prstGeom prst="roundRect">
-            <a:avLst/>
-          </a:prstGeom>
-          <a:solidFill>
-            <a:srgbClr val="1F8A4C"/>
-          </a:solidFill>
-          <a:ln>
-            <a:noFill/>
-          </a:ln>
-        </p:spPr>
-        <p:style>
-          <a:lnRef idx="2">
-            <a:schemeClr val="accent1">
-              <a:shade val="50000"/>
-            </a:schemeClr>
-          </a:lnRef>
-          <a:fillRef idx="1">
-            <a:schemeClr val="accent1"/>
-          </a:fillRef>
-          <a:effectRef idx="0">
-            <a:schemeClr val="accent1"/>
-          </a:effectRef>
-          <a:fontRef idx="minor">
-            <a:schemeClr val="lt1"/>
-          </a:fontRef>
-        </p:style>
-        <p:txBody>
-          <a:bodyPr lIns="36000" rIns="36000" rtlCol="0" anchor="ctr"/>
-          <a:lstStyle/>
-          <a:p>
-            <a:pPr algn="ctr"/>
-            <a:r>
-              <a:rPr lang="fr-FR" sz="900" i="1" dirty="0">
-                <a:latin typeface="Cambria" panose="02040503050406030204" pitchFamily="18" charset="0"/>
-                <a:ea typeface="Arial Rounded MT Bold" charset="0"/>
-                <a:cs typeface="Arial Rounded MT Bold" charset="0"/>
-              </a:rPr>
-              <a:t>plugin</a:t>
-            </a:r>
-          </a:p>
-        </p:txBody>
-      </p:sp>
-      <p:sp>
-        <p:nvSpPr>
-          <p:cNvPr id="142" name="Rectangle à coins arrondis 141"/>
-          <p:cNvSpPr/>
-          <p:nvPr/>
-        </p:nvSpPr>
-        <p:spPr>
-          <a:xfrm>
-            <a:off x="2059848" y="5475036"/>
-            <a:ext cx="439627" cy="283495"/>
-          </a:xfrm>
-          <a:prstGeom prst="roundRect">
-            <a:avLst/>
-          </a:prstGeom>
-          <a:solidFill>
-            <a:srgbClr val="1F8A4C"/>
-          </a:solidFill>
-          <a:ln>
-            <a:noFill/>
-          </a:ln>
-        </p:spPr>
-        <p:style>
-          <a:lnRef idx="2">
-            <a:schemeClr val="accent1">
-              <a:shade val="50000"/>
-            </a:schemeClr>
-          </a:lnRef>
-          <a:fillRef idx="1">
-            <a:schemeClr val="accent1"/>
-          </a:fillRef>
-          <a:effectRef idx="0">
-            <a:schemeClr val="accent1"/>
-          </a:effectRef>
-          <a:fontRef idx="minor">
-            <a:schemeClr val="lt1"/>
-          </a:fontRef>
-        </p:style>
-        <p:txBody>
-          <a:bodyPr lIns="36000" rIns="36000" rtlCol="0" anchor="ctr"/>
-          <a:lstStyle/>
-          <a:p>
-            <a:pPr algn="ctr"/>
-            <a:r>
-              <a:rPr lang="fr-FR" sz="900" i="1" dirty="0">
-                <a:latin typeface="Cambria" panose="02040503050406030204" pitchFamily="18" charset="0"/>
-                <a:ea typeface="Arial Rounded MT Bold" charset="0"/>
-                <a:cs typeface="Arial Rounded MT Bold" charset="0"/>
-              </a:rPr>
-              <a:t>plugin</a:t>
-            </a:r>
-          </a:p>
-        </p:txBody>
-      </p:sp>
-      <p:sp>
-        <p:nvSpPr>
-          <p:cNvPr id="143" name="Rectangle à coins arrondis 142"/>
-          <p:cNvSpPr/>
-          <p:nvPr/>
-        </p:nvSpPr>
-        <p:spPr>
-          <a:xfrm>
-            <a:off x="2666540" y="5475036"/>
-            <a:ext cx="439627" cy="283495"/>
-          </a:xfrm>
-          <a:prstGeom prst="roundRect">
-            <a:avLst/>
-          </a:prstGeom>
-          <a:solidFill>
-            <a:srgbClr val="1F8A4C"/>
-          </a:solidFill>
-          <a:ln>
-            <a:noFill/>
-          </a:ln>
-        </p:spPr>
-        <p:style>
-          <a:lnRef idx="2">
-            <a:schemeClr val="accent1">
-              <a:shade val="50000"/>
-            </a:schemeClr>
-          </a:lnRef>
-          <a:fillRef idx="1">
-            <a:schemeClr val="accent1"/>
-          </a:fillRef>
-          <a:effectRef idx="0">
-            <a:schemeClr val="accent1"/>
-          </a:effectRef>
-          <a:fontRef idx="minor">
-            <a:schemeClr val="lt1"/>
-          </a:fontRef>
-        </p:style>
-        <p:txBody>
-          <a:bodyPr lIns="36000" rIns="36000" rtlCol="0" anchor="ctr"/>
-          <a:lstStyle/>
-          <a:p>
-            <a:pPr algn="ctr"/>
-            <a:r>
-              <a:rPr lang="fr-FR" sz="900" b="1" dirty="0">
-                <a:latin typeface="Consolas" panose="020B0609020204030204" pitchFamily="49" charset="0"/>
-                <a:ea typeface="Arial Rounded MT Bold" charset="0"/>
-                <a:cs typeface="Consolas" panose="020B0609020204030204" pitchFamily="49" charset="0"/>
-              </a:rPr>
-              <a:t>file</a:t>
-            </a:r>
-            <a:endParaRPr lang="fr-FR" sz="900" i="1" dirty="0">
-              <a:latin typeface="Cambria" panose="02040503050406030204" pitchFamily="18" charset="0"/>
-              <a:ea typeface="Arial Rounded MT Bold" charset="0"/>
-              <a:cs typeface="Arial Rounded MT Bold" charset="0"/>
-            </a:endParaRPr>
-          </a:p>
-        </p:txBody>
-      </p:sp>
-      <p:cxnSp>
-        <p:nvCxnSpPr>
-          <p:cNvPr id="144" name="Connecteur droit avec flèche 143"/>
-          <p:cNvCxnSpPr>
-            <a:stCxn id="140" idx="3"/>
-            <a:endCxn id="141" idx="1"/>
-          </p:cNvCxnSpPr>
-          <p:nvPr/>
-        </p:nvCxnSpPr>
-        <p:spPr>
-          <a:xfrm>
-            <a:off x="1286091" y="5616784"/>
-            <a:ext cx="167065" cy="0"/>
-          </a:xfrm>
-          <a:prstGeom prst="straightConnector1">
-            <a:avLst/>
-          </a:prstGeom>
-          <a:ln w="19050">
-            <a:solidFill>
-              <a:schemeClr val="tx1"/>
-            </a:solidFill>
-            <a:prstDash val="sysDash"/>
-            <a:tailEnd type="triangle"/>
-          </a:ln>
-        </p:spPr>
-        <p:style>
-          <a:lnRef idx="1">
-            <a:schemeClr val="accent1"/>
-          </a:lnRef>
-          <a:fillRef idx="0">
-            <a:schemeClr val="accent1"/>
-          </a:fillRef>
-          <a:effectRef idx="0">
-            <a:schemeClr val="accent1"/>
-          </a:effectRef>
-          <a:fontRef idx="minor">
-            <a:schemeClr val="tx1"/>
-          </a:fontRef>
-        </p:style>
-      </p:cxnSp>
-      <p:cxnSp>
-        <p:nvCxnSpPr>
-          <p:cNvPr id="145" name="Connecteur droit avec flèche 144"/>
-          <p:cNvCxnSpPr>
-            <a:endCxn id="142" idx="1"/>
-          </p:cNvCxnSpPr>
-          <p:nvPr/>
-        </p:nvCxnSpPr>
-        <p:spPr>
-          <a:xfrm flipV="1">
-            <a:off x="1906197" y="5616784"/>
-            <a:ext cx="153651" cy="4838"/>
-          </a:xfrm>
-          <a:prstGeom prst="straightConnector1">
-            <a:avLst/>
-          </a:prstGeom>
-          <a:ln w="19050">
-            <a:solidFill>
-              <a:schemeClr val="tx1"/>
-            </a:solidFill>
-            <a:prstDash val="sysDash"/>
-            <a:tailEnd type="triangle"/>
-          </a:ln>
-        </p:spPr>
-        <p:style>
-          <a:lnRef idx="1">
-            <a:schemeClr val="accent1"/>
-          </a:lnRef>
-          <a:fillRef idx="0">
-            <a:schemeClr val="accent1"/>
-          </a:fillRef>
-          <a:effectRef idx="0">
-            <a:schemeClr val="accent1"/>
-          </a:effectRef>
-          <a:fontRef idx="minor">
-            <a:schemeClr val="tx1"/>
-          </a:fontRef>
-        </p:style>
-      </p:cxnSp>
-      <p:cxnSp>
-        <p:nvCxnSpPr>
-          <p:cNvPr id="146" name="Connecteur droit avec flèche 145"/>
-          <p:cNvCxnSpPr>
-            <a:stCxn id="142" idx="3"/>
-            <a:endCxn id="143" idx="1"/>
-          </p:cNvCxnSpPr>
-          <p:nvPr/>
-        </p:nvCxnSpPr>
-        <p:spPr>
-          <a:xfrm>
-            <a:off x="2499475" y="5616784"/>
-            <a:ext cx="167065" cy="0"/>
-          </a:xfrm>
-          <a:prstGeom prst="straightConnector1">
-            <a:avLst/>
-          </a:prstGeom>
-          <a:ln w="19050">
-            <a:solidFill>
-              <a:schemeClr val="tx1"/>
-            </a:solidFill>
-            <a:prstDash val="sysDash"/>
-            <a:tailEnd type="triangle"/>
-          </a:ln>
-        </p:spPr>
-        <p:style>
-          <a:lnRef idx="1">
-            <a:schemeClr val="accent1"/>
-          </a:lnRef>
-          <a:fillRef idx="0">
-            <a:schemeClr val="accent1"/>
-          </a:fillRef>
-          <a:effectRef idx="0">
-            <a:schemeClr val="accent1"/>
-          </a:effectRef>
-          <a:fontRef idx="minor">
-            <a:schemeClr val="tx1"/>
-          </a:fontRef>
-        </p:style>
-      </p:cxnSp>
-      <p:cxnSp>
-        <p:nvCxnSpPr>
-          <p:cNvPr id="147" name="Connecteur droit avec flèche 137"/>
-          <p:cNvCxnSpPr>
-            <a:stCxn id="143" idx="3"/>
-            <a:endCxn id="88" idx="2"/>
-          </p:cNvCxnSpPr>
-          <p:nvPr/>
-        </p:nvCxnSpPr>
-        <p:spPr>
-          <a:xfrm flipV="1">
-            <a:off x="3106167" y="5029665"/>
-            <a:ext cx="386438" cy="587119"/>
-          </a:xfrm>
-          <a:prstGeom prst="bentConnector2">
-            <a:avLst/>
-          </a:prstGeom>
-          <a:ln w="19050">
-            <a:solidFill>
-              <a:schemeClr val="tx1"/>
-            </a:solidFill>
-            <a:prstDash val="sysDash"/>
-            <a:tailEnd type="triangle"/>
-          </a:ln>
-        </p:spPr>
-        <p:style>
-          <a:lnRef idx="1">
-            <a:schemeClr val="accent1"/>
-          </a:lnRef>
-          <a:fillRef idx="0">
-            <a:schemeClr val="accent1"/>
-          </a:fillRef>
-          <a:effectRef idx="0">
-            <a:schemeClr val="accent1"/>
-          </a:effectRef>
-          <a:fontRef idx="minor">
-            <a:schemeClr val="tx1"/>
-          </a:fontRef>
-        </p:style>
-      </p:cxnSp>
-      <p:cxnSp>
-        <p:nvCxnSpPr>
-          <p:cNvPr id="148" name="Connecteur droit avec flèche 147"/>
-          <p:cNvCxnSpPr>
-            <a:endCxn id="119" idx="1"/>
-          </p:cNvCxnSpPr>
-          <p:nvPr/>
-        </p:nvCxnSpPr>
-        <p:spPr>
-          <a:xfrm flipV="1">
-            <a:off x="-376214" y="4195763"/>
-            <a:ext cx="629823" cy="4838"/>
-          </a:xfrm>
-          <a:prstGeom prst="straightConnector1">
-            <a:avLst/>
-          </a:prstGeom>
-          <a:ln w="19050">
-            <a:solidFill>
-              <a:schemeClr val="tx1"/>
-            </a:solidFill>
-            <a:prstDash val="sysDash"/>
-            <a:tailEnd type="triangle"/>
-          </a:ln>
-        </p:spPr>
-        <p:style>
-          <a:lnRef idx="1">
-            <a:schemeClr val="accent1"/>
-          </a:lnRef>
-          <a:fillRef idx="0">
-            <a:schemeClr val="accent1"/>
-          </a:fillRef>
-          <a:effectRef idx="0">
-            <a:schemeClr val="accent1"/>
-          </a:effectRef>
-          <a:fontRef idx="minor">
-            <a:schemeClr val="tx1"/>
-          </a:fontRef>
-        </p:style>
-      </p:cxnSp>
-      <p:sp>
-        <p:nvSpPr>
-          <p:cNvPr id="149" name="ZoneTexte 148"/>
-          <p:cNvSpPr txBox="1"/>
-          <p:nvPr/>
-        </p:nvSpPr>
-        <p:spPr>
-          <a:xfrm>
-            <a:off x="-441871" y="4026817"/>
-            <a:ext cx="575447" cy="138499"/>
-          </a:xfrm>
-          <a:prstGeom prst="rect">
-            <a:avLst/>
-          </a:prstGeom>
-          <a:noFill/>
-        </p:spPr>
-        <p:txBody>
-          <a:bodyPr wrap="square" lIns="0" tIns="0" rIns="0" bIns="0" rtlCol="0">
-            <a:spAutoFit/>
-          </a:bodyPr>
-          <a:lstStyle/>
-          <a:p>
-            <a:r>
-              <a:rPr lang="fr-FR" sz="900" dirty="0">
-                <a:latin typeface="Cambria" panose="02040503050406030204" pitchFamily="18" charset="0"/>
-                <a:ea typeface="Arial Rounded MT Bold" charset="0"/>
-                <a:cs typeface="Arial Rounded MT Bold" charset="0"/>
-              </a:rPr>
-              <a:t>input TS 1</a:t>
-            </a:r>
-          </a:p>
-        </p:txBody>
-      </p:sp>
-      <p:cxnSp>
-        <p:nvCxnSpPr>
-          <p:cNvPr id="150" name="Connecteur droit avec flèche 149"/>
-          <p:cNvCxnSpPr>
-            <a:endCxn id="140" idx="1"/>
-          </p:cNvCxnSpPr>
-          <p:nvPr/>
-        </p:nvCxnSpPr>
-        <p:spPr>
-          <a:xfrm flipV="1">
-            <a:off x="232350" y="5616784"/>
-            <a:ext cx="614114" cy="5630"/>
-          </a:xfrm>
-          <a:prstGeom prst="straightConnector1">
-            <a:avLst/>
-          </a:prstGeom>
-          <a:ln w="19050">
-            <a:solidFill>
-              <a:schemeClr val="tx1"/>
-            </a:solidFill>
-            <a:prstDash val="sysDash"/>
-            <a:tailEnd type="triangle"/>
-          </a:ln>
-        </p:spPr>
-        <p:style>
-          <a:lnRef idx="1">
-            <a:schemeClr val="accent1"/>
-          </a:lnRef>
-          <a:fillRef idx="0">
-            <a:schemeClr val="accent1"/>
-          </a:fillRef>
-          <a:effectRef idx="0">
-            <a:schemeClr val="accent1"/>
-          </a:effectRef>
-          <a:fontRef idx="minor">
-            <a:schemeClr val="tx1"/>
-          </a:fontRef>
-        </p:style>
-      </p:cxnSp>
-      <p:sp>
-        <p:nvSpPr>
-          <p:cNvPr id="151" name="ZoneTexte 150"/>
-          <p:cNvSpPr txBox="1"/>
-          <p:nvPr/>
-        </p:nvSpPr>
-        <p:spPr>
-          <a:xfrm>
-            <a:off x="153993" y="5448630"/>
-            <a:ext cx="575447" cy="138499"/>
-          </a:xfrm>
-          <a:prstGeom prst="rect">
-            <a:avLst/>
-          </a:prstGeom>
-          <a:noFill/>
-        </p:spPr>
-        <p:txBody>
-          <a:bodyPr wrap="square" lIns="0" tIns="0" rIns="0" bIns="0" rtlCol="0">
-            <a:spAutoFit/>
-          </a:bodyPr>
-          <a:lstStyle/>
-          <a:p>
-            <a:r>
-              <a:rPr lang="fr-FR" sz="900" dirty="0">
-                <a:latin typeface="Cambria" panose="02040503050406030204" pitchFamily="18" charset="0"/>
-                <a:ea typeface="Arial Rounded MT Bold" charset="0"/>
-                <a:cs typeface="Arial Rounded MT Bold" charset="0"/>
-              </a:rPr>
-              <a:t>input TS 3</a:t>
-            </a:r>
-          </a:p>
-        </p:txBody>
-      </p:sp>
-      <p:sp>
-        <p:nvSpPr>
-          <p:cNvPr id="152" name="Rectangle à coins arrondis 151"/>
-          <p:cNvSpPr/>
-          <p:nvPr/>
-        </p:nvSpPr>
-        <p:spPr>
-          <a:xfrm>
-            <a:off x="4928469" y="3841949"/>
-            <a:ext cx="2544786" cy="580223"/>
-          </a:xfrm>
-          <a:prstGeom prst="roundRect">
-            <a:avLst>
-              <a:gd name="adj" fmla="val 3969"/>
-            </a:avLst>
-          </a:prstGeom>
-          <a:solidFill>
-            <a:schemeClr val="accent6">
-              <a:lumMod val="40000"/>
-              <a:lumOff val="60000"/>
-            </a:schemeClr>
-          </a:solidFill>
-          <a:ln>
-            <a:noFill/>
-          </a:ln>
-        </p:spPr>
-        <p:style>
-          <a:lnRef idx="2">
-            <a:schemeClr val="accent1">
-              <a:shade val="50000"/>
-            </a:schemeClr>
-          </a:lnRef>
-          <a:fillRef idx="1">
-            <a:schemeClr val="accent1"/>
-          </a:fillRef>
-          <a:effectRef idx="0">
-            <a:schemeClr val="accent1"/>
-          </a:effectRef>
-          <a:fontRef idx="minor">
-            <a:schemeClr val="lt1"/>
-          </a:fontRef>
-        </p:style>
-        <p:txBody>
-          <a:bodyPr tIns="0" rtlCol="0" anchor="t" anchorCtr="0"/>
-          <a:lstStyle/>
-          <a:p>
-            <a:pPr algn="ctr"/>
-            <a:r>
-              <a:rPr lang="fr-FR" sz="1200" b="1" dirty="0" err="1">
-                <a:solidFill>
-                  <a:schemeClr val="tx1"/>
-                </a:solidFill>
-                <a:latin typeface="Cambria" panose="02040503050406030204" pitchFamily="18" charset="0"/>
-                <a:ea typeface="Arial Rounded MT Bold" charset="0"/>
-                <a:cs typeface="Arial Rounded MT Bold" charset="0"/>
-              </a:rPr>
-              <a:t>tsp</a:t>
-            </a:r>
-            <a:endParaRPr lang="fr-FR" sz="1200" b="1" dirty="0">
-              <a:solidFill>
-                <a:schemeClr val="tx1"/>
-              </a:solidFill>
-              <a:latin typeface="Cambria" panose="02040503050406030204" pitchFamily="18" charset="0"/>
-              <a:ea typeface="Arial Rounded MT Bold" charset="0"/>
-              <a:cs typeface="Arial Rounded MT Bold" charset="0"/>
-            </a:endParaRPr>
-          </a:p>
-        </p:txBody>
-      </p:sp>
-      <p:sp>
-        <p:nvSpPr>
-          <p:cNvPr id="153" name="Rectangle à coins arrondis 152"/>
-          <p:cNvSpPr/>
-          <p:nvPr/>
-        </p:nvSpPr>
-        <p:spPr>
-          <a:xfrm>
-            <a:off x="5083383" y="4049770"/>
-            <a:ext cx="439627" cy="283495"/>
-          </a:xfrm>
-          <a:prstGeom prst="roundRect">
-            <a:avLst/>
-          </a:prstGeom>
-          <a:solidFill>
-            <a:srgbClr val="1F8A4C"/>
-          </a:solidFill>
-          <a:ln>
-            <a:noFill/>
-          </a:ln>
-        </p:spPr>
-        <p:style>
-          <a:lnRef idx="2">
-            <a:schemeClr val="accent1">
-              <a:shade val="50000"/>
-            </a:schemeClr>
-          </a:lnRef>
-          <a:fillRef idx="1">
-            <a:schemeClr val="accent1"/>
-          </a:fillRef>
-          <a:effectRef idx="0">
-            <a:schemeClr val="accent1"/>
-          </a:effectRef>
-          <a:fontRef idx="minor">
-            <a:schemeClr val="lt1"/>
-          </a:fontRef>
-        </p:style>
-        <p:txBody>
-          <a:bodyPr lIns="36000" rIns="36000" rtlCol="0" anchor="ctr"/>
-          <a:lstStyle/>
-          <a:p>
-            <a:pPr algn="ctr"/>
-            <a:r>
-              <a:rPr lang="fr-FR" sz="900" b="1" dirty="0">
-                <a:latin typeface="Consolas" panose="020B0609020204030204" pitchFamily="49" charset="0"/>
-                <a:ea typeface="Arial Rounded MT Bold" charset="0"/>
-                <a:cs typeface="Consolas" panose="020B0609020204030204" pitchFamily="49" charset="0"/>
-              </a:rPr>
-              <a:t>file</a:t>
-            </a:r>
-            <a:endParaRPr lang="fr-FR" sz="900" i="1" dirty="0">
-              <a:latin typeface="Cambria" panose="02040503050406030204" pitchFamily="18" charset="0"/>
-              <a:ea typeface="Arial Rounded MT Bold" charset="0"/>
-              <a:cs typeface="Arial Rounded MT Bold" charset="0"/>
-            </a:endParaRPr>
-          </a:p>
-        </p:txBody>
-      </p:sp>
-      <p:sp>
-        <p:nvSpPr>
-          <p:cNvPr id="154" name="Rectangle à coins arrondis 153"/>
-          <p:cNvSpPr/>
-          <p:nvPr/>
-        </p:nvSpPr>
-        <p:spPr>
-          <a:xfrm>
-            <a:off x="5690075" y="4049770"/>
-            <a:ext cx="439627" cy="283495"/>
-          </a:xfrm>
-          <a:prstGeom prst="roundRect">
-            <a:avLst/>
-          </a:prstGeom>
-          <a:solidFill>
-            <a:srgbClr val="1F8A4C"/>
-          </a:solidFill>
-          <a:ln>
-            <a:noFill/>
-          </a:ln>
-        </p:spPr>
-        <p:style>
-          <a:lnRef idx="2">
-            <a:schemeClr val="accent1">
-              <a:shade val="50000"/>
-            </a:schemeClr>
-          </a:lnRef>
-          <a:fillRef idx="1">
-            <a:schemeClr val="accent1"/>
-          </a:fillRef>
-          <a:effectRef idx="0">
-            <a:schemeClr val="accent1"/>
-          </a:effectRef>
-          <a:fontRef idx="minor">
-            <a:schemeClr val="lt1"/>
-          </a:fontRef>
-        </p:style>
-        <p:txBody>
-          <a:bodyPr lIns="36000" rIns="36000" rtlCol="0" anchor="ctr"/>
-          <a:lstStyle/>
-          <a:p>
-            <a:pPr algn="ctr"/>
-            <a:r>
-              <a:rPr lang="fr-FR" sz="900" i="1" dirty="0">
-                <a:latin typeface="Cambria" panose="02040503050406030204" pitchFamily="18" charset="0"/>
-                <a:ea typeface="Arial Rounded MT Bold" charset="0"/>
-                <a:cs typeface="Arial Rounded MT Bold" charset="0"/>
-              </a:rPr>
-              <a:t>plugin</a:t>
-            </a:r>
-          </a:p>
-        </p:txBody>
-      </p:sp>
-      <p:sp>
-        <p:nvSpPr>
-          <p:cNvPr id="155" name="Rectangle à coins arrondis 154"/>
-          <p:cNvSpPr/>
-          <p:nvPr/>
-        </p:nvSpPr>
-        <p:spPr>
-          <a:xfrm>
-            <a:off x="6296767" y="4049770"/>
-            <a:ext cx="439627" cy="283495"/>
-          </a:xfrm>
-          <a:prstGeom prst="roundRect">
-            <a:avLst/>
-          </a:prstGeom>
-          <a:solidFill>
-            <a:srgbClr val="1F8A4C"/>
-          </a:solidFill>
-          <a:ln>
-            <a:noFill/>
-          </a:ln>
-        </p:spPr>
-        <p:style>
-          <a:lnRef idx="2">
-            <a:schemeClr val="accent1">
-              <a:shade val="50000"/>
-            </a:schemeClr>
-          </a:lnRef>
-          <a:fillRef idx="1">
-            <a:schemeClr val="accent1"/>
-          </a:fillRef>
-          <a:effectRef idx="0">
-            <a:schemeClr val="accent1"/>
-          </a:effectRef>
-          <a:fontRef idx="minor">
-            <a:schemeClr val="lt1"/>
-          </a:fontRef>
-        </p:style>
-        <p:txBody>
-          <a:bodyPr lIns="36000" rIns="36000" rtlCol="0" anchor="ctr"/>
-          <a:lstStyle/>
-          <a:p>
-            <a:pPr algn="ctr"/>
-            <a:r>
-              <a:rPr lang="fr-FR" sz="900" i="1" dirty="0">
-                <a:latin typeface="Cambria" panose="02040503050406030204" pitchFamily="18" charset="0"/>
-                <a:ea typeface="Arial Rounded MT Bold" charset="0"/>
-                <a:cs typeface="Arial Rounded MT Bold" charset="0"/>
-              </a:rPr>
-              <a:t>plugin</a:t>
-            </a:r>
-          </a:p>
-        </p:txBody>
-      </p:sp>
-      <p:sp>
-        <p:nvSpPr>
-          <p:cNvPr id="156" name="Rectangle à coins arrondis 155"/>
-          <p:cNvSpPr/>
-          <p:nvPr/>
-        </p:nvSpPr>
-        <p:spPr>
-          <a:xfrm>
-            <a:off x="6903459" y="4049770"/>
-            <a:ext cx="439627" cy="283495"/>
-          </a:xfrm>
-          <a:prstGeom prst="roundRect">
-            <a:avLst/>
-          </a:prstGeom>
-          <a:solidFill>
-            <a:srgbClr val="1F8A4C"/>
-          </a:solidFill>
-          <a:ln>
-            <a:noFill/>
-          </a:ln>
-        </p:spPr>
-        <p:style>
-          <a:lnRef idx="2">
-            <a:schemeClr val="accent1">
-              <a:shade val="50000"/>
-            </a:schemeClr>
-          </a:lnRef>
-          <a:fillRef idx="1">
-            <a:schemeClr val="accent1"/>
-          </a:fillRef>
-          <a:effectRef idx="0">
-            <a:schemeClr val="accent1"/>
-          </a:effectRef>
-          <a:fontRef idx="minor">
-            <a:schemeClr val="lt1"/>
-          </a:fontRef>
-        </p:style>
-        <p:txBody>
-          <a:bodyPr lIns="36000" rIns="36000" rtlCol="0" anchor="ctr"/>
-          <a:lstStyle/>
-          <a:p>
-            <a:pPr algn="ctr"/>
-            <a:r>
-              <a:rPr lang="fr-FR" sz="900" i="1" dirty="0">
-                <a:latin typeface="Cambria" panose="02040503050406030204" pitchFamily="18" charset="0"/>
-                <a:ea typeface="Arial Rounded MT Bold" charset="0"/>
-                <a:cs typeface="Arial Rounded MT Bold" charset="0"/>
-              </a:rPr>
-              <a:t>output</a:t>
-            </a:r>
-          </a:p>
-        </p:txBody>
-      </p:sp>
-      <p:cxnSp>
-        <p:nvCxnSpPr>
-          <p:cNvPr id="157" name="Connecteur droit avec flèche 156"/>
-          <p:cNvCxnSpPr>
-            <a:stCxn id="153" idx="3"/>
-            <a:endCxn id="154" idx="1"/>
-          </p:cNvCxnSpPr>
-          <p:nvPr/>
-        </p:nvCxnSpPr>
-        <p:spPr>
-          <a:xfrm>
-            <a:off x="5523010" y="4191518"/>
-            <a:ext cx="167065" cy="0"/>
-          </a:xfrm>
-          <a:prstGeom prst="straightConnector1">
-            <a:avLst/>
-          </a:prstGeom>
-          <a:ln w="19050">
-            <a:solidFill>
-              <a:schemeClr val="tx1"/>
-            </a:solidFill>
-            <a:prstDash val="sysDash"/>
-            <a:tailEnd type="triangle"/>
-          </a:ln>
-        </p:spPr>
-        <p:style>
-          <a:lnRef idx="1">
-            <a:schemeClr val="accent1"/>
-          </a:lnRef>
-          <a:fillRef idx="0">
-            <a:schemeClr val="accent1"/>
-          </a:fillRef>
-          <a:effectRef idx="0">
-            <a:schemeClr val="accent1"/>
-          </a:effectRef>
-          <a:fontRef idx="minor">
-            <a:schemeClr val="tx1"/>
-          </a:fontRef>
-        </p:style>
-      </p:cxnSp>
-      <p:cxnSp>
-        <p:nvCxnSpPr>
-          <p:cNvPr id="158" name="Connecteur droit avec flèche 157"/>
-          <p:cNvCxnSpPr>
-            <a:endCxn id="155" idx="1"/>
-          </p:cNvCxnSpPr>
-          <p:nvPr/>
-        </p:nvCxnSpPr>
-        <p:spPr>
-          <a:xfrm flipV="1">
-            <a:off x="6143116" y="4191518"/>
-            <a:ext cx="153651" cy="4838"/>
-          </a:xfrm>
-          <a:prstGeom prst="straightConnector1">
-            <a:avLst/>
-          </a:prstGeom>
-          <a:ln w="19050">
-            <a:solidFill>
-              <a:schemeClr val="tx1"/>
-            </a:solidFill>
-            <a:prstDash val="sysDash"/>
-            <a:tailEnd type="triangle"/>
-          </a:ln>
-        </p:spPr>
-        <p:style>
-          <a:lnRef idx="1">
-            <a:schemeClr val="accent1"/>
-          </a:lnRef>
-          <a:fillRef idx="0">
-            <a:schemeClr val="accent1"/>
-          </a:fillRef>
-          <a:effectRef idx="0">
-            <a:schemeClr val="accent1"/>
-          </a:effectRef>
-          <a:fontRef idx="minor">
-            <a:schemeClr val="tx1"/>
-          </a:fontRef>
-        </p:style>
-      </p:cxnSp>
-      <p:cxnSp>
-        <p:nvCxnSpPr>
-          <p:cNvPr id="159" name="Connecteur droit avec flèche 158"/>
-          <p:cNvCxnSpPr>
-            <a:stCxn id="155" idx="3"/>
-            <a:endCxn id="156" idx="1"/>
-          </p:cNvCxnSpPr>
-          <p:nvPr/>
-        </p:nvCxnSpPr>
-        <p:spPr>
-          <a:xfrm>
-            <a:off x="6736394" y="4191518"/>
-            <a:ext cx="167065" cy="0"/>
-          </a:xfrm>
-          <a:prstGeom prst="straightConnector1">
-            <a:avLst/>
-          </a:prstGeom>
-          <a:ln w="19050">
-            <a:solidFill>
-              <a:schemeClr val="tx1"/>
-            </a:solidFill>
-            <a:prstDash val="sysDash"/>
-            <a:tailEnd type="triangle"/>
-          </a:ln>
-        </p:spPr>
-        <p:style>
-          <a:lnRef idx="1">
-            <a:schemeClr val="accent1"/>
-          </a:lnRef>
-          <a:fillRef idx="0">
-            <a:schemeClr val="accent1"/>
-          </a:fillRef>
-          <a:effectRef idx="0">
-            <a:schemeClr val="accent1"/>
-          </a:effectRef>
-          <a:fontRef idx="minor">
-            <a:schemeClr val="tx1"/>
-          </a:fontRef>
-        </p:style>
-      </p:cxnSp>
-      <p:cxnSp>
-        <p:nvCxnSpPr>
-          <p:cNvPr id="160" name="Connecteur droit avec flèche 137"/>
-          <p:cNvCxnSpPr>
-            <a:stCxn id="91" idx="0"/>
-            <a:endCxn id="153" idx="1"/>
-          </p:cNvCxnSpPr>
-          <p:nvPr/>
-        </p:nvCxnSpPr>
-        <p:spPr>
-          <a:xfrm rot="5400000" flipH="1" flipV="1">
-            <a:off x="4617819" y="4280606"/>
-            <a:ext cx="554652" cy="376476"/>
-          </a:xfrm>
-          <a:prstGeom prst="bentConnector2">
-            <a:avLst/>
-          </a:prstGeom>
-          <a:ln w="19050">
-            <a:solidFill>
-              <a:schemeClr val="tx1"/>
-            </a:solidFill>
-            <a:prstDash val="sysDash"/>
-            <a:tailEnd type="triangle"/>
-          </a:ln>
-        </p:spPr>
-        <p:style>
-          <a:lnRef idx="1">
-            <a:schemeClr val="accent1"/>
-          </a:lnRef>
-          <a:fillRef idx="0">
-            <a:schemeClr val="accent1"/>
-          </a:fillRef>
-          <a:effectRef idx="0">
-            <a:schemeClr val="accent1"/>
-          </a:effectRef>
-          <a:fontRef idx="minor">
-            <a:schemeClr val="tx1"/>
-          </a:fontRef>
-        </p:style>
-      </p:cxnSp>
-      <p:sp>
-        <p:nvSpPr>
-          <p:cNvPr id="161" name="Rectangle à coins arrondis 160"/>
-          <p:cNvSpPr/>
-          <p:nvPr/>
-        </p:nvSpPr>
-        <p:spPr>
-          <a:xfrm>
-            <a:off x="5579051" y="5267214"/>
-            <a:ext cx="2544786" cy="580223"/>
-          </a:xfrm>
-          <a:prstGeom prst="roundRect">
-            <a:avLst>
-              <a:gd name="adj" fmla="val 3969"/>
-            </a:avLst>
-          </a:prstGeom>
-          <a:solidFill>
-            <a:schemeClr val="accent6">
-              <a:lumMod val="40000"/>
-              <a:lumOff val="60000"/>
-            </a:schemeClr>
-          </a:solidFill>
-          <a:ln>
-            <a:noFill/>
-          </a:ln>
-        </p:spPr>
-        <p:style>
-          <a:lnRef idx="2">
-            <a:schemeClr val="accent1">
-              <a:shade val="50000"/>
-            </a:schemeClr>
-          </a:lnRef>
-          <a:fillRef idx="1">
-            <a:schemeClr val="accent1"/>
-          </a:fillRef>
-          <a:effectRef idx="0">
-            <a:schemeClr val="accent1"/>
-          </a:effectRef>
-          <a:fontRef idx="minor">
-            <a:schemeClr val="lt1"/>
-          </a:fontRef>
-        </p:style>
-        <p:txBody>
-          <a:bodyPr tIns="0" rtlCol="0" anchor="t" anchorCtr="0"/>
-          <a:lstStyle/>
-          <a:p>
-            <a:pPr algn="ctr"/>
-            <a:r>
-              <a:rPr lang="fr-FR" sz="1200" b="1" dirty="0" err="1">
-                <a:solidFill>
-                  <a:schemeClr val="tx1"/>
-                </a:solidFill>
-                <a:latin typeface="Cambria" panose="02040503050406030204" pitchFamily="18" charset="0"/>
-                <a:ea typeface="Arial Rounded MT Bold" charset="0"/>
-                <a:cs typeface="Arial Rounded MT Bold" charset="0"/>
-              </a:rPr>
-              <a:t>tsp</a:t>
-            </a:r>
-            <a:endParaRPr lang="fr-FR" sz="1200" b="1" dirty="0">
-              <a:solidFill>
-                <a:schemeClr val="tx1"/>
-              </a:solidFill>
-              <a:latin typeface="Cambria" panose="02040503050406030204" pitchFamily="18" charset="0"/>
-              <a:ea typeface="Arial Rounded MT Bold" charset="0"/>
-              <a:cs typeface="Arial Rounded MT Bold" charset="0"/>
-            </a:endParaRPr>
-          </a:p>
-        </p:txBody>
-      </p:sp>
-      <p:sp>
-        <p:nvSpPr>
-          <p:cNvPr id="162" name="Rectangle à coins arrondis 161"/>
-          <p:cNvSpPr/>
-          <p:nvPr/>
-        </p:nvSpPr>
-        <p:spPr>
-          <a:xfrm>
-            <a:off x="5733965" y="5475035"/>
-            <a:ext cx="439627" cy="283495"/>
-          </a:xfrm>
-          <a:prstGeom prst="roundRect">
-            <a:avLst/>
-          </a:prstGeom>
-          <a:solidFill>
-            <a:srgbClr val="1F8A4C"/>
-          </a:solidFill>
-          <a:ln>
-            <a:noFill/>
-          </a:ln>
-        </p:spPr>
-        <p:style>
-          <a:lnRef idx="2">
-            <a:schemeClr val="accent1">
-              <a:shade val="50000"/>
-            </a:schemeClr>
-          </a:lnRef>
-          <a:fillRef idx="1">
-            <a:schemeClr val="accent1"/>
-          </a:fillRef>
-          <a:effectRef idx="0">
-            <a:schemeClr val="accent1"/>
-          </a:effectRef>
-          <a:fontRef idx="minor">
-            <a:schemeClr val="lt1"/>
-          </a:fontRef>
-        </p:style>
-        <p:txBody>
-          <a:bodyPr lIns="36000" rIns="36000" rtlCol="0" anchor="ctr"/>
-          <a:lstStyle/>
-          <a:p>
-            <a:pPr algn="ctr"/>
-            <a:r>
-              <a:rPr lang="fr-FR" sz="900" b="1" dirty="0">
-                <a:latin typeface="Consolas" panose="020B0609020204030204" pitchFamily="49" charset="0"/>
-                <a:ea typeface="Arial Rounded MT Bold" charset="0"/>
-                <a:cs typeface="Consolas" panose="020B0609020204030204" pitchFamily="49" charset="0"/>
-              </a:rPr>
-              <a:t>file</a:t>
-            </a:r>
-            <a:endParaRPr lang="fr-FR" sz="900" i="1" dirty="0">
-              <a:latin typeface="Cambria" panose="02040503050406030204" pitchFamily="18" charset="0"/>
-              <a:ea typeface="Arial Rounded MT Bold" charset="0"/>
-              <a:cs typeface="Arial Rounded MT Bold" charset="0"/>
-            </a:endParaRPr>
-          </a:p>
-        </p:txBody>
-      </p:sp>
-      <p:sp>
-        <p:nvSpPr>
-          <p:cNvPr id="163" name="Rectangle à coins arrondis 162"/>
-          <p:cNvSpPr/>
-          <p:nvPr/>
-        </p:nvSpPr>
-        <p:spPr>
-          <a:xfrm>
-            <a:off x="6340657" y="5475035"/>
-            <a:ext cx="439627" cy="283495"/>
-          </a:xfrm>
-          <a:prstGeom prst="roundRect">
-            <a:avLst/>
-          </a:prstGeom>
-          <a:solidFill>
-            <a:srgbClr val="1F8A4C"/>
-          </a:solidFill>
-          <a:ln>
-            <a:noFill/>
-          </a:ln>
-        </p:spPr>
-        <p:style>
-          <a:lnRef idx="2">
-            <a:schemeClr val="accent1">
-              <a:shade val="50000"/>
-            </a:schemeClr>
-          </a:lnRef>
-          <a:fillRef idx="1">
-            <a:schemeClr val="accent1"/>
-          </a:fillRef>
-          <a:effectRef idx="0">
-            <a:schemeClr val="accent1"/>
-          </a:effectRef>
-          <a:fontRef idx="minor">
-            <a:schemeClr val="lt1"/>
-          </a:fontRef>
-        </p:style>
-        <p:txBody>
-          <a:bodyPr lIns="36000" rIns="36000" rtlCol="0" anchor="ctr"/>
-          <a:lstStyle/>
-          <a:p>
-            <a:pPr algn="ctr"/>
-            <a:r>
-              <a:rPr lang="fr-FR" sz="900" i="1" dirty="0">
-                <a:latin typeface="Cambria" panose="02040503050406030204" pitchFamily="18" charset="0"/>
-                <a:ea typeface="Arial Rounded MT Bold" charset="0"/>
-                <a:cs typeface="Arial Rounded MT Bold" charset="0"/>
-              </a:rPr>
-              <a:t>plugin</a:t>
-            </a:r>
-          </a:p>
-        </p:txBody>
-      </p:sp>
-      <p:sp>
-        <p:nvSpPr>
-          <p:cNvPr id="164" name="Rectangle à coins arrondis 163"/>
-          <p:cNvSpPr/>
-          <p:nvPr/>
-        </p:nvSpPr>
-        <p:spPr>
-          <a:xfrm>
-            <a:off x="6947349" y="5475035"/>
-            <a:ext cx="439627" cy="283495"/>
-          </a:xfrm>
-          <a:prstGeom prst="roundRect">
-            <a:avLst/>
-          </a:prstGeom>
-          <a:solidFill>
-            <a:srgbClr val="1F8A4C"/>
-          </a:solidFill>
-          <a:ln>
-            <a:noFill/>
-          </a:ln>
-        </p:spPr>
-        <p:style>
-          <a:lnRef idx="2">
-            <a:schemeClr val="accent1">
-              <a:shade val="50000"/>
-            </a:schemeClr>
-          </a:lnRef>
-          <a:fillRef idx="1">
-            <a:schemeClr val="accent1"/>
-          </a:fillRef>
-          <a:effectRef idx="0">
-            <a:schemeClr val="accent1"/>
-          </a:effectRef>
-          <a:fontRef idx="minor">
-            <a:schemeClr val="lt1"/>
-          </a:fontRef>
-        </p:style>
-        <p:txBody>
-          <a:bodyPr lIns="36000" rIns="36000" rtlCol="0" anchor="ctr"/>
-          <a:lstStyle/>
-          <a:p>
-            <a:pPr algn="ctr"/>
-            <a:r>
-              <a:rPr lang="fr-FR" sz="900" i="1" dirty="0">
-                <a:latin typeface="Cambria" panose="02040503050406030204" pitchFamily="18" charset="0"/>
-                <a:ea typeface="Arial Rounded MT Bold" charset="0"/>
-                <a:cs typeface="Arial Rounded MT Bold" charset="0"/>
-              </a:rPr>
-              <a:t>plugin</a:t>
-            </a:r>
-          </a:p>
-        </p:txBody>
-      </p:sp>
-      <p:sp>
-        <p:nvSpPr>
-          <p:cNvPr id="165" name="Rectangle à coins arrondis 164"/>
-          <p:cNvSpPr/>
-          <p:nvPr/>
-        </p:nvSpPr>
-        <p:spPr>
-          <a:xfrm>
-            <a:off x="7554041" y="5475035"/>
-            <a:ext cx="439627" cy="283495"/>
-          </a:xfrm>
-          <a:prstGeom prst="roundRect">
-            <a:avLst/>
-          </a:prstGeom>
-          <a:solidFill>
-            <a:srgbClr val="1F8A4C"/>
-          </a:solidFill>
-          <a:ln>
-            <a:noFill/>
-          </a:ln>
-        </p:spPr>
-        <p:style>
-          <a:lnRef idx="2">
-            <a:schemeClr val="accent1">
-              <a:shade val="50000"/>
-            </a:schemeClr>
-          </a:lnRef>
-          <a:fillRef idx="1">
-            <a:schemeClr val="accent1"/>
-          </a:fillRef>
-          <a:effectRef idx="0">
-            <a:schemeClr val="accent1"/>
-          </a:effectRef>
-          <a:fontRef idx="minor">
-            <a:schemeClr val="lt1"/>
-          </a:fontRef>
-        </p:style>
-        <p:txBody>
-          <a:bodyPr lIns="36000" rIns="36000" rtlCol="0" anchor="ctr"/>
-          <a:lstStyle/>
-          <a:p>
-            <a:pPr algn="ctr"/>
-            <a:r>
-              <a:rPr lang="fr-FR" sz="900" i="1" dirty="0">
-                <a:latin typeface="Cambria" panose="02040503050406030204" pitchFamily="18" charset="0"/>
-                <a:ea typeface="Arial Rounded MT Bold" charset="0"/>
-                <a:cs typeface="Arial Rounded MT Bold" charset="0"/>
-              </a:rPr>
-              <a:t>output</a:t>
-            </a:r>
-          </a:p>
-        </p:txBody>
-      </p:sp>
-      <p:cxnSp>
-        <p:nvCxnSpPr>
-          <p:cNvPr id="166" name="Connecteur droit avec flèche 165"/>
-          <p:cNvCxnSpPr>
-            <a:stCxn id="162" idx="3"/>
-            <a:endCxn id="163" idx="1"/>
-          </p:cNvCxnSpPr>
-          <p:nvPr/>
-        </p:nvCxnSpPr>
-        <p:spPr>
-          <a:xfrm>
-            <a:off x="6173592" y="5616783"/>
-            <a:ext cx="167065" cy="0"/>
-          </a:xfrm>
-          <a:prstGeom prst="straightConnector1">
-            <a:avLst/>
-          </a:prstGeom>
-          <a:ln w="19050">
-            <a:solidFill>
-              <a:schemeClr val="tx1"/>
-            </a:solidFill>
-            <a:prstDash val="sysDash"/>
-            <a:tailEnd type="triangle"/>
-          </a:ln>
-        </p:spPr>
-        <p:style>
-          <a:lnRef idx="1">
-            <a:schemeClr val="accent1"/>
-          </a:lnRef>
-          <a:fillRef idx="0">
-            <a:schemeClr val="accent1"/>
-          </a:fillRef>
-          <a:effectRef idx="0">
-            <a:schemeClr val="accent1"/>
-          </a:effectRef>
-          <a:fontRef idx="minor">
-            <a:schemeClr val="tx1"/>
-          </a:fontRef>
-        </p:style>
-      </p:cxnSp>
-      <p:cxnSp>
-        <p:nvCxnSpPr>
-          <p:cNvPr id="167" name="Connecteur droit avec flèche 166"/>
-          <p:cNvCxnSpPr>
-            <a:endCxn id="164" idx="1"/>
-          </p:cNvCxnSpPr>
-          <p:nvPr/>
-        </p:nvCxnSpPr>
-        <p:spPr>
-          <a:xfrm flipV="1">
-            <a:off x="6793698" y="5616783"/>
-            <a:ext cx="153651" cy="4838"/>
-          </a:xfrm>
-          <a:prstGeom prst="straightConnector1">
-            <a:avLst/>
-          </a:prstGeom>
-          <a:ln w="19050">
-            <a:solidFill>
-              <a:schemeClr val="tx1"/>
-            </a:solidFill>
-            <a:prstDash val="sysDash"/>
-            <a:tailEnd type="triangle"/>
-          </a:ln>
-        </p:spPr>
-        <p:style>
-          <a:lnRef idx="1">
-            <a:schemeClr val="accent1"/>
-          </a:lnRef>
-          <a:fillRef idx="0">
-            <a:schemeClr val="accent1"/>
-          </a:fillRef>
-          <a:effectRef idx="0">
-            <a:schemeClr val="accent1"/>
-          </a:effectRef>
-          <a:fontRef idx="minor">
-            <a:schemeClr val="tx1"/>
-          </a:fontRef>
-        </p:style>
-      </p:cxnSp>
-      <p:cxnSp>
-        <p:nvCxnSpPr>
-          <p:cNvPr id="168" name="Connecteur droit avec flèche 167"/>
-          <p:cNvCxnSpPr>
-            <a:stCxn id="164" idx="3"/>
-            <a:endCxn id="165" idx="1"/>
-          </p:cNvCxnSpPr>
-          <p:nvPr/>
-        </p:nvCxnSpPr>
-        <p:spPr>
-          <a:xfrm>
-            <a:off x="7386976" y="5616783"/>
-            <a:ext cx="167065" cy="0"/>
-          </a:xfrm>
-          <a:prstGeom prst="straightConnector1">
-            <a:avLst/>
-          </a:prstGeom>
-          <a:ln w="19050">
-            <a:solidFill>
-              <a:schemeClr val="tx1"/>
-            </a:solidFill>
-            <a:prstDash val="sysDash"/>
-            <a:tailEnd type="triangle"/>
-          </a:ln>
-        </p:spPr>
-        <p:style>
-          <a:lnRef idx="1">
-            <a:schemeClr val="accent1"/>
-          </a:lnRef>
-          <a:fillRef idx="0">
-            <a:schemeClr val="accent1"/>
-          </a:fillRef>
-          <a:effectRef idx="0">
-            <a:schemeClr val="accent1"/>
-          </a:effectRef>
-          <a:fontRef idx="minor">
-            <a:schemeClr val="tx1"/>
-          </a:fontRef>
-        </p:style>
-      </p:cxnSp>
-      <p:cxnSp>
-        <p:nvCxnSpPr>
-          <p:cNvPr id="169" name="Connecteur droit avec flèche 137"/>
-          <p:cNvCxnSpPr>
-            <a:stCxn id="92" idx="2"/>
-            <a:endCxn id="162" idx="1"/>
-          </p:cNvCxnSpPr>
-          <p:nvPr/>
-        </p:nvCxnSpPr>
-        <p:spPr>
-          <a:xfrm rot="16200000" flipH="1">
-            <a:off x="5230452" y="5113270"/>
-            <a:ext cx="587118" cy="419907"/>
-          </a:xfrm>
-          <a:prstGeom prst="bentConnector2">
-            <a:avLst/>
-          </a:prstGeom>
-          <a:ln w="19050">
-            <a:solidFill>
-              <a:schemeClr val="tx1"/>
-            </a:solidFill>
-            <a:prstDash val="sysDash"/>
-            <a:tailEnd type="triangle"/>
-          </a:ln>
-        </p:spPr>
-        <p:style>
-          <a:lnRef idx="1">
-            <a:schemeClr val="accent1"/>
-          </a:lnRef>
-          <a:fillRef idx="0">
-            <a:schemeClr val="accent1"/>
-          </a:fillRef>
-          <a:effectRef idx="0">
-            <a:schemeClr val="accent1"/>
-          </a:effectRef>
-          <a:fontRef idx="minor">
-            <a:schemeClr val="tx1"/>
-          </a:fontRef>
-        </p:style>
-      </p:cxnSp>
-      <p:sp>
-        <p:nvSpPr>
-          <p:cNvPr id="170" name="ZoneTexte 169"/>
-          <p:cNvSpPr txBox="1"/>
-          <p:nvPr/>
-        </p:nvSpPr>
-        <p:spPr>
-          <a:xfrm>
-            <a:off x="7499392" y="4003708"/>
-            <a:ext cx="647700" cy="138499"/>
-          </a:xfrm>
-          <a:prstGeom prst="rect">
-            <a:avLst/>
-          </a:prstGeom>
-          <a:noFill/>
-        </p:spPr>
-        <p:txBody>
-          <a:bodyPr wrap="square" lIns="0" tIns="0" rIns="0" bIns="0" rtlCol="0">
-            <a:spAutoFit/>
-          </a:bodyPr>
-          <a:lstStyle/>
-          <a:p>
-            <a:r>
-              <a:rPr lang="fr-FR" sz="900" dirty="0">
-                <a:latin typeface="Cambria" panose="02040503050406030204" pitchFamily="18" charset="0"/>
-                <a:ea typeface="Arial Rounded MT Bold" charset="0"/>
-                <a:cs typeface="Arial Rounded MT Bold" charset="0"/>
-              </a:rPr>
-              <a:t>output TS 1</a:t>
-            </a:r>
-          </a:p>
-        </p:txBody>
-      </p:sp>
-      <p:cxnSp>
-        <p:nvCxnSpPr>
-          <p:cNvPr id="171" name="Connecteur droit avec flèche 170"/>
-          <p:cNvCxnSpPr>
-            <a:stCxn id="156" idx="3"/>
-          </p:cNvCxnSpPr>
-          <p:nvPr/>
-        </p:nvCxnSpPr>
-        <p:spPr>
-          <a:xfrm flipV="1">
-            <a:off x="7343086" y="4185962"/>
-            <a:ext cx="604510" cy="5556"/>
-          </a:xfrm>
-          <a:prstGeom prst="straightConnector1">
-            <a:avLst/>
-          </a:prstGeom>
-          <a:ln w="19050">
-            <a:solidFill>
-              <a:schemeClr val="tx1"/>
-            </a:solidFill>
-            <a:prstDash val="sysDash"/>
-            <a:tailEnd type="triangle"/>
-          </a:ln>
-        </p:spPr>
-        <p:style>
-          <a:lnRef idx="1">
-            <a:schemeClr val="accent1"/>
-          </a:lnRef>
-          <a:fillRef idx="0">
-            <a:schemeClr val="accent1"/>
-          </a:fillRef>
-          <a:effectRef idx="0">
-            <a:schemeClr val="accent1"/>
-          </a:effectRef>
-          <a:fontRef idx="minor">
-            <a:schemeClr val="tx1"/>
-          </a:fontRef>
-        </p:style>
-      </p:cxnSp>
-      <p:sp>
-        <p:nvSpPr>
-          <p:cNvPr id="172" name="ZoneTexte 171"/>
-          <p:cNvSpPr txBox="1"/>
-          <p:nvPr/>
-        </p:nvSpPr>
-        <p:spPr>
-          <a:xfrm>
-            <a:off x="8169024" y="5443075"/>
-            <a:ext cx="647700" cy="138499"/>
-          </a:xfrm>
-          <a:prstGeom prst="rect">
-            <a:avLst/>
-          </a:prstGeom>
-          <a:noFill/>
-        </p:spPr>
-        <p:txBody>
-          <a:bodyPr wrap="square" lIns="0" tIns="0" rIns="0" bIns="0" rtlCol="0">
-            <a:spAutoFit/>
-          </a:bodyPr>
-          <a:lstStyle/>
-          <a:p>
-            <a:r>
-              <a:rPr lang="fr-FR" sz="900" dirty="0">
-                <a:latin typeface="Cambria" panose="02040503050406030204" pitchFamily="18" charset="0"/>
-                <a:ea typeface="Arial Rounded MT Bold" charset="0"/>
-                <a:cs typeface="Arial Rounded MT Bold" charset="0"/>
-              </a:rPr>
-              <a:t>output TS 3</a:t>
-            </a:r>
-          </a:p>
-        </p:txBody>
-      </p:sp>
-      <p:cxnSp>
-        <p:nvCxnSpPr>
-          <p:cNvPr id="173" name="Connecteur droit avec flèche 172"/>
-          <p:cNvCxnSpPr>
-            <a:stCxn id="165" idx="3"/>
-          </p:cNvCxnSpPr>
-          <p:nvPr/>
-        </p:nvCxnSpPr>
-        <p:spPr>
-          <a:xfrm flipV="1">
-            <a:off x="7993668" y="5616782"/>
-            <a:ext cx="604510" cy="1"/>
-          </a:xfrm>
-          <a:prstGeom prst="straightConnector1">
-            <a:avLst/>
-          </a:prstGeom>
-          <a:ln w="19050">
-            <a:solidFill>
-              <a:schemeClr val="tx1"/>
-            </a:solidFill>
-            <a:prstDash val="sysDash"/>
-            <a:tailEnd type="triangle"/>
-          </a:ln>
-        </p:spPr>
-        <p:style>
-          <a:lnRef idx="1">
-            <a:schemeClr val="accent1"/>
-          </a:lnRef>
-          <a:fillRef idx="0">
-            <a:schemeClr val="accent1"/>
-          </a:fillRef>
-          <a:effectRef idx="0">
-            <a:schemeClr val="accent1"/>
-          </a:effectRef>
-          <a:fontRef idx="minor">
-            <a:schemeClr val="tx1"/>
-          </a:fontRef>
-        </p:style>
-      </p:cxnSp>
       <p:grpSp>
         <p:nvGrpSpPr>
           <p:cNvPr id="1024" name="Groupe 1023"/>
@@ -10883,7 +7862,7 @@
         </p:nvGrpSpPr>
         <p:grpSpPr>
           <a:xfrm>
-            <a:off x="198903" y="6457333"/>
+            <a:off x="198903" y="3762901"/>
             <a:ext cx="6571573" cy="1685639"/>
             <a:chOff x="198903" y="6457333"/>
             <a:chExt cx="6571573" cy="1685639"/>
@@ -10937,7 +7916,7 @@
             <a:p>
               <a:pPr algn="ctr"/>
               <a:r>
-                <a:rPr lang="fr-FR" sz="600" b="1" dirty="0" err="1">
+                <a:rPr lang="fr-FR" sz="600" b="1" noProof="1" smtClean="0">
                   <a:solidFill>
                     <a:schemeClr val="tx1"/>
                   </a:solidFill>
@@ -10947,7 +7926,7 @@
                 </a:rPr>
                 <a:t>tsp</a:t>
               </a:r>
-              <a:endParaRPr lang="fr-FR" sz="600" b="1" dirty="0">
+              <a:endParaRPr lang="fr-FR" sz="600" b="1" noProof="1">
                 <a:solidFill>
                   <a:schemeClr val="tx1"/>
                 </a:solidFill>
@@ -11001,13 +7980,18 @@
             <a:p>
               <a:pPr algn="ctr"/>
               <a:r>
-                <a:rPr lang="fr-FR" sz="600" i="1" dirty="0">
+                <a:rPr lang="fr-FR" sz="600" i="1" noProof="1" smtClean="0">
                   <a:latin typeface="Cambria" panose="02040503050406030204" pitchFamily="18" charset="0"/>
                   <a:ea typeface="Arial Rounded MT Bold" charset="0"/>
                   <a:cs typeface="Arial Rounded MT Bold" charset="0"/>
                 </a:rPr>
                 <a:t>input</a:t>
               </a:r>
+              <a:endParaRPr lang="fr-FR" sz="600" i="1" noProof="1">
+                <a:latin typeface="Cambria" panose="02040503050406030204" pitchFamily="18" charset="0"/>
+                <a:ea typeface="Arial Rounded MT Bold" charset="0"/>
+                <a:cs typeface="Arial Rounded MT Bold" charset="0"/>
+              </a:endParaRPr>
             </a:p>
           </p:txBody>
         </p:sp>
@@ -11073,13 +8057,18 @@
             <a:lstStyle/>
             <a:p>
               <a:r>
-                <a:rPr lang="fr-FR" sz="600" dirty="0">
+                <a:rPr lang="fr-FR" sz="600" noProof="1" smtClean="0">
                   <a:latin typeface="Cambria" panose="02040503050406030204" pitchFamily="18" charset="0"/>
                   <a:ea typeface="Arial Rounded MT Bold" charset="0"/>
                   <a:cs typeface="Arial Rounded MT Bold" charset="0"/>
                 </a:rPr>
                 <a:t>input TS 2</a:t>
               </a:r>
+              <a:endParaRPr lang="fr-FR" sz="600" noProof="1">
+                <a:latin typeface="Cambria" panose="02040503050406030204" pitchFamily="18" charset="0"/>
+                <a:ea typeface="Arial Rounded MT Bold" charset="0"/>
+                <a:cs typeface="Arial Rounded MT Bold" charset="0"/>
+              </a:endParaRPr>
             </a:p>
           </p:txBody>
         </p:sp>
@@ -11106,13 +8095,18 @@
             <a:lstStyle/>
             <a:p>
               <a:r>
-                <a:rPr lang="fr-FR" sz="600" dirty="0">
+                <a:rPr lang="fr-FR" sz="600" noProof="1" smtClean="0">
                   <a:latin typeface="Cambria" panose="02040503050406030204" pitchFamily="18" charset="0"/>
                   <a:ea typeface="Arial Rounded MT Bold" charset="0"/>
                   <a:cs typeface="Arial Rounded MT Bold" charset="0"/>
                 </a:rPr>
                 <a:t>output TS 2</a:t>
               </a:r>
+              <a:endParaRPr lang="fr-FR" sz="600" noProof="1">
+                <a:latin typeface="Cambria" panose="02040503050406030204" pitchFamily="18" charset="0"/>
+                <a:ea typeface="Arial Rounded MT Bold" charset="0"/>
+                <a:cs typeface="Arial Rounded MT Bold" charset="0"/>
+              </a:endParaRPr>
             </a:p>
           </p:txBody>
         </p:sp>
@@ -11159,13 +8153,18 @@
             <a:p>
               <a:pPr algn="ctr"/>
               <a:r>
-                <a:rPr lang="fr-FR" sz="600" i="1" dirty="0">
+                <a:rPr lang="fr-FR" sz="600" i="1" noProof="1" smtClean="0">
                   <a:latin typeface="Cambria" panose="02040503050406030204" pitchFamily="18" charset="0"/>
                   <a:ea typeface="Arial Rounded MT Bold" charset="0"/>
                   <a:cs typeface="Arial Rounded MT Bold" charset="0"/>
                 </a:rPr>
                 <a:t>plugin</a:t>
               </a:r>
+              <a:endParaRPr lang="fr-FR" sz="600" i="1" noProof="1">
+                <a:latin typeface="Cambria" panose="02040503050406030204" pitchFamily="18" charset="0"/>
+                <a:ea typeface="Arial Rounded MT Bold" charset="0"/>
+                <a:cs typeface="Arial Rounded MT Bold" charset="0"/>
+              </a:endParaRPr>
             </a:p>
           </p:txBody>
         </p:sp>
@@ -11212,14 +8211,14 @@
             <a:p>
               <a:pPr algn="ctr"/>
               <a:r>
-                <a:rPr lang="fr-FR" sz="600" b="1" dirty="0" err="1">
+                <a:rPr lang="fr-FR" sz="600" b="1" noProof="1" smtClean="0">
                   <a:latin typeface="Consolas" panose="020B0609020204030204" pitchFamily="49" charset="0"/>
                   <a:ea typeface="Arial Rounded MT Bold" charset="0"/>
                   <a:cs typeface="Consolas" panose="020B0609020204030204" pitchFamily="49" charset="0"/>
                 </a:rPr>
                 <a:t>merge</a:t>
               </a:r>
-              <a:endParaRPr lang="fr-FR" sz="600" b="1" dirty="0">
+              <a:endParaRPr lang="fr-FR" sz="600" b="1" noProof="1">
                 <a:latin typeface="Consolas" panose="020B0609020204030204" pitchFamily="49" charset="0"/>
                 <a:ea typeface="Arial Rounded MT Bold" charset="0"/>
                 <a:cs typeface="Consolas" panose="020B0609020204030204" pitchFamily="49" charset="0"/>
@@ -11270,14 +8269,14 @@
             <a:p>
               <a:pPr algn="ctr"/>
               <a:r>
-                <a:rPr lang="fr-FR" sz="600" b="1" dirty="0" err="1">
+                <a:rPr lang="fr-FR" sz="600" b="1" noProof="1" smtClean="0">
                   <a:latin typeface="Consolas" panose="020B0609020204030204" pitchFamily="49" charset="0"/>
                   <a:ea typeface="Arial Rounded MT Bold" charset="0"/>
                   <a:cs typeface="Consolas" panose="020B0609020204030204" pitchFamily="49" charset="0"/>
                 </a:rPr>
                 <a:t>merge</a:t>
               </a:r>
-              <a:endParaRPr lang="fr-FR" sz="600" i="1" dirty="0">
+              <a:endParaRPr lang="fr-FR" sz="600" i="1" noProof="1">
                 <a:latin typeface="Cambria" panose="02040503050406030204" pitchFamily="18" charset="0"/>
                 <a:ea typeface="Arial Rounded MT Bold" charset="0"/>
                 <a:cs typeface="Arial Rounded MT Bold" charset="0"/>
@@ -11328,13 +8327,18 @@
             <a:p>
               <a:pPr algn="ctr"/>
               <a:r>
-                <a:rPr lang="fr-FR" sz="600" i="1" dirty="0">
+                <a:rPr lang="fr-FR" sz="600" i="1" noProof="1" smtClean="0">
                   <a:latin typeface="Cambria" panose="02040503050406030204" pitchFamily="18" charset="0"/>
                   <a:ea typeface="Arial Rounded MT Bold" charset="0"/>
                   <a:cs typeface="Arial Rounded MT Bold" charset="0"/>
                 </a:rPr>
                 <a:t>plugin</a:t>
               </a:r>
+              <a:endParaRPr lang="fr-FR" sz="600" i="1" noProof="1">
+                <a:latin typeface="Cambria" panose="02040503050406030204" pitchFamily="18" charset="0"/>
+                <a:ea typeface="Arial Rounded MT Bold" charset="0"/>
+                <a:cs typeface="Arial Rounded MT Bold" charset="0"/>
+              </a:endParaRPr>
             </a:p>
           </p:txBody>
         </p:sp>
@@ -11381,14 +8385,14 @@
             <a:p>
               <a:pPr algn="ctr"/>
               <a:r>
-                <a:rPr lang="fr-FR" sz="600" b="1" dirty="0">
+                <a:rPr lang="fr-FR" sz="600" b="1" noProof="1" smtClean="0">
                   <a:latin typeface="Consolas" panose="020B0609020204030204" pitchFamily="49" charset="0"/>
                   <a:ea typeface="Arial Rounded MT Bold" charset="0"/>
                   <a:cs typeface="Consolas" panose="020B0609020204030204" pitchFamily="49" charset="0"/>
                 </a:rPr>
                 <a:t>fork</a:t>
               </a:r>
-              <a:endParaRPr lang="fr-FR" sz="600" i="1" dirty="0">
+              <a:endParaRPr lang="fr-FR" sz="600" i="1" noProof="1">
                 <a:latin typeface="Cambria" panose="02040503050406030204" pitchFamily="18" charset="0"/>
                 <a:ea typeface="Arial Rounded MT Bold" charset="0"/>
                 <a:cs typeface="Arial Rounded MT Bold" charset="0"/>
@@ -11439,14 +8443,14 @@
             <a:p>
               <a:pPr algn="ctr"/>
               <a:r>
-                <a:rPr lang="fr-FR" sz="600" b="1" dirty="0">
+                <a:rPr lang="fr-FR" sz="600" b="1" noProof="1" smtClean="0">
                   <a:latin typeface="Consolas" panose="020B0609020204030204" pitchFamily="49" charset="0"/>
                   <a:ea typeface="Arial Rounded MT Bold" charset="0"/>
                   <a:cs typeface="Consolas" panose="020B0609020204030204" pitchFamily="49" charset="0"/>
                 </a:rPr>
                 <a:t>fork</a:t>
               </a:r>
-              <a:endParaRPr lang="fr-FR" sz="600" i="1" dirty="0">
+              <a:endParaRPr lang="fr-FR" sz="600" i="1" noProof="1">
                 <a:latin typeface="Cambria" panose="02040503050406030204" pitchFamily="18" charset="0"/>
                 <a:ea typeface="Arial Rounded MT Bold" charset="0"/>
                 <a:cs typeface="Arial Rounded MT Bold" charset="0"/>
@@ -11497,13 +8501,18 @@
             <a:p>
               <a:pPr algn="ctr"/>
               <a:r>
-                <a:rPr lang="fr-FR" sz="600" i="1" dirty="0">
+                <a:rPr lang="fr-FR" sz="600" i="1" noProof="1" smtClean="0">
                   <a:latin typeface="Cambria" panose="02040503050406030204" pitchFamily="18" charset="0"/>
                   <a:ea typeface="Arial Rounded MT Bold" charset="0"/>
                   <a:cs typeface="Arial Rounded MT Bold" charset="0"/>
                 </a:rPr>
                 <a:t>output</a:t>
               </a:r>
+              <a:endParaRPr lang="fr-FR" sz="600" i="1" noProof="1">
+                <a:latin typeface="Cambria" panose="02040503050406030204" pitchFamily="18" charset="0"/>
+                <a:ea typeface="Arial Rounded MT Bold" charset="0"/>
+                <a:cs typeface="Arial Rounded MT Bold" charset="0"/>
+              </a:endParaRPr>
             </a:p>
           </p:txBody>
         </p:sp>
@@ -11874,7 +8883,7 @@
             <a:p>
               <a:pPr algn="ctr"/>
               <a:r>
-                <a:rPr lang="fr-FR" sz="600" b="1" dirty="0" err="1">
+                <a:rPr lang="fr-FR" sz="600" b="1" noProof="1" smtClean="0">
                   <a:solidFill>
                     <a:schemeClr val="tx1"/>
                   </a:solidFill>
@@ -11884,7 +8893,7 @@
                 </a:rPr>
                 <a:t>tsp</a:t>
               </a:r>
-              <a:endParaRPr lang="fr-FR" sz="600" b="1" dirty="0">
+              <a:endParaRPr lang="fr-FR" sz="600" b="1" noProof="1">
                 <a:solidFill>
                   <a:schemeClr val="tx1"/>
                 </a:solidFill>
@@ -11938,13 +8947,18 @@
             <a:p>
               <a:pPr algn="ctr"/>
               <a:r>
-                <a:rPr lang="fr-FR" sz="600" i="1" dirty="0">
+                <a:rPr lang="fr-FR" sz="600" i="1" noProof="1" smtClean="0">
                   <a:latin typeface="Cambria" panose="02040503050406030204" pitchFamily="18" charset="0"/>
                   <a:ea typeface="Arial Rounded MT Bold" charset="0"/>
                   <a:cs typeface="Arial Rounded MT Bold" charset="0"/>
                 </a:rPr>
                 <a:t>input</a:t>
               </a:r>
+              <a:endParaRPr lang="fr-FR" sz="600" i="1" noProof="1">
+                <a:latin typeface="Cambria" panose="02040503050406030204" pitchFamily="18" charset="0"/>
+                <a:ea typeface="Arial Rounded MT Bold" charset="0"/>
+                <a:cs typeface="Arial Rounded MT Bold" charset="0"/>
+              </a:endParaRPr>
             </a:p>
           </p:txBody>
         </p:sp>
@@ -11991,13 +9005,18 @@
             <a:p>
               <a:pPr algn="ctr"/>
               <a:r>
-                <a:rPr lang="fr-FR" sz="600" i="1" dirty="0">
+                <a:rPr lang="fr-FR" sz="600" i="1" noProof="1" smtClean="0">
                   <a:latin typeface="Cambria" panose="02040503050406030204" pitchFamily="18" charset="0"/>
                   <a:ea typeface="Arial Rounded MT Bold" charset="0"/>
                   <a:cs typeface="Arial Rounded MT Bold" charset="0"/>
                 </a:rPr>
                 <a:t>plugin</a:t>
               </a:r>
+              <a:endParaRPr lang="fr-FR" sz="600" i="1" noProof="1">
+                <a:latin typeface="Cambria" panose="02040503050406030204" pitchFamily="18" charset="0"/>
+                <a:ea typeface="Arial Rounded MT Bold" charset="0"/>
+                <a:cs typeface="Arial Rounded MT Bold" charset="0"/>
+              </a:endParaRPr>
             </a:p>
           </p:txBody>
         </p:sp>
@@ -12044,13 +9063,18 @@
             <a:p>
               <a:pPr algn="ctr"/>
               <a:r>
-                <a:rPr lang="fr-FR" sz="600" i="1" dirty="0">
+                <a:rPr lang="fr-FR" sz="600" i="1" noProof="1" smtClean="0">
                   <a:latin typeface="Cambria" panose="02040503050406030204" pitchFamily="18" charset="0"/>
                   <a:ea typeface="Arial Rounded MT Bold" charset="0"/>
                   <a:cs typeface="Arial Rounded MT Bold" charset="0"/>
                 </a:rPr>
                 <a:t>plugin</a:t>
               </a:r>
+              <a:endParaRPr lang="fr-FR" sz="600" i="1" noProof="1">
+                <a:latin typeface="Cambria" panose="02040503050406030204" pitchFamily="18" charset="0"/>
+                <a:ea typeface="Arial Rounded MT Bold" charset="0"/>
+                <a:cs typeface="Arial Rounded MT Bold" charset="0"/>
+              </a:endParaRPr>
             </a:p>
           </p:txBody>
         </p:sp>
@@ -12097,14 +9121,14 @@
             <a:p>
               <a:pPr algn="ctr"/>
               <a:r>
-                <a:rPr lang="fr-FR" sz="600" b="1" dirty="0">
+                <a:rPr lang="fr-FR" sz="600" b="1" noProof="1" smtClean="0">
                   <a:latin typeface="Consolas" panose="020B0609020204030204" pitchFamily="49" charset="0"/>
                   <a:ea typeface="Arial Rounded MT Bold" charset="0"/>
                   <a:cs typeface="Consolas" panose="020B0609020204030204" pitchFamily="49" charset="0"/>
                 </a:rPr>
                 <a:t>file</a:t>
               </a:r>
-              <a:endParaRPr lang="fr-FR" sz="600" i="1" dirty="0">
+              <a:endParaRPr lang="fr-FR" sz="600" i="1" noProof="1">
                 <a:latin typeface="Cambria" panose="02040503050406030204" pitchFamily="18" charset="0"/>
                 <a:ea typeface="Arial Rounded MT Bold" charset="0"/>
                 <a:cs typeface="Arial Rounded MT Bold" charset="0"/>
@@ -12319,7 +9343,7 @@
             <a:p>
               <a:pPr algn="ctr"/>
               <a:r>
-                <a:rPr lang="fr-FR" sz="600" b="1" dirty="0" err="1">
+                <a:rPr lang="fr-FR" sz="600" b="1" noProof="1" smtClean="0">
                   <a:solidFill>
                     <a:schemeClr val="tx1"/>
                   </a:solidFill>
@@ -12329,7 +9353,7 @@
                 </a:rPr>
                 <a:t>tsp</a:t>
               </a:r>
-              <a:endParaRPr lang="fr-FR" sz="600" b="1" dirty="0">
+              <a:endParaRPr lang="fr-FR" sz="600" b="1" noProof="1">
                 <a:solidFill>
                   <a:schemeClr val="tx1"/>
                 </a:solidFill>
@@ -12383,13 +9407,18 @@
             <a:p>
               <a:pPr algn="ctr"/>
               <a:r>
-                <a:rPr lang="fr-FR" sz="600" i="1" dirty="0">
+                <a:rPr lang="fr-FR" sz="600" i="1" noProof="1" smtClean="0">
                   <a:latin typeface="Cambria" panose="02040503050406030204" pitchFamily="18" charset="0"/>
                   <a:ea typeface="Arial Rounded MT Bold" charset="0"/>
                   <a:cs typeface="Arial Rounded MT Bold" charset="0"/>
                 </a:rPr>
                 <a:t>input</a:t>
               </a:r>
+              <a:endParaRPr lang="fr-FR" sz="600" i="1" noProof="1">
+                <a:latin typeface="Cambria" panose="02040503050406030204" pitchFamily="18" charset="0"/>
+                <a:ea typeface="Arial Rounded MT Bold" charset="0"/>
+                <a:cs typeface="Arial Rounded MT Bold" charset="0"/>
+              </a:endParaRPr>
             </a:p>
           </p:txBody>
         </p:sp>
@@ -12436,13 +9465,18 @@
             <a:p>
               <a:pPr algn="ctr"/>
               <a:r>
-                <a:rPr lang="fr-FR" sz="600" i="1" dirty="0">
+                <a:rPr lang="fr-FR" sz="600" i="1" noProof="1" smtClean="0">
                   <a:latin typeface="Cambria" panose="02040503050406030204" pitchFamily="18" charset="0"/>
                   <a:ea typeface="Arial Rounded MT Bold" charset="0"/>
                   <a:cs typeface="Arial Rounded MT Bold" charset="0"/>
                 </a:rPr>
                 <a:t>plugin</a:t>
               </a:r>
+              <a:endParaRPr lang="fr-FR" sz="600" i="1" noProof="1">
+                <a:latin typeface="Cambria" panose="02040503050406030204" pitchFamily="18" charset="0"/>
+                <a:ea typeface="Arial Rounded MT Bold" charset="0"/>
+                <a:cs typeface="Arial Rounded MT Bold" charset="0"/>
+              </a:endParaRPr>
             </a:p>
           </p:txBody>
         </p:sp>
@@ -12489,13 +9523,18 @@
             <a:p>
               <a:pPr algn="ctr"/>
               <a:r>
-                <a:rPr lang="fr-FR" sz="600" i="1" dirty="0">
+                <a:rPr lang="fr-FR" sz="600" i="1" noProof="1" smtClean="0">
                   <a:latin typeface="Cambria" panose="02040503050406030204" pitchFamily="18" charset="0"/>
                   <a:ea typeface="Arial Rounded MT Bold" charset="0"/>
                   <a:cs typeface="Arial Rounded MT Bold" charset="0"/>
                 </a:rPr>
                 <a:t>plugin</a:t>
               </a:r>
+              <a:endParaRPr lang="fr-FR" sz="600" i="1" noProof="1">
+                <a:latin typeface="Cambria" panose="02040503050406030204" pitchFamily="18" charset="0"/>
+                <a:ea typeface="Arial Rounded MT Bold" charset="0"/>
+                <a:cs typeface="Arial Rounded MT Bold" charset="0"/>
+              </a:endParaRPr>
             </a:p>
           </p:txBody>
         </p:sp>
@@ -12542,14 +9581,14 @@
             <a:p>
               <a:pPr algn="ctr"/>
               <a:r>
-                <a:rPr lang="fr-FR" sz="600" b="1" dirty="0">
+                <a:rPr lang="fr-FR" sz="600" b="1" noProof="1" smtClean="0">
                   <a:latin typeface="Consolas" panose="020B0609020204030204" pitchFamily="49" charset="0"/>
                   <a:ea typeface="Arial Rounded MT Bold" charset="0"/>
                   <a:cs typeface="Consolas" panose="020B0609020204030204" pitchFamily="49" charset="0"/>
                 </a:rPr>
                 <a:t>file</a:t>
               </a:r>
-              <a:endParaRPr lang="fr-FR" sz="600" i="1" dirty="0">
+              <a:endParaRPr lang="fr-FR" sz="600" i="1" noProof="1">
                 <a:latin typeface="Cambria" panose="02040503050406030204" pitchFamily="18" charset="0"/>
                 <a:ea typeface="Arial Rounded MT Bold" charset="0"/>
                 <a:cs typeface="Arial Rounded MT Bold" charset="0"/>
@@ -12778,13 +9817,18 @@
             <a:lstStyle/>
             <a:p>
               <a:r>
-                <a:rPr lang="fr-FR" sz="600" dirty="0">
+                <a:rPr lang="fr-FR" sz="600" noProof="1" smtClean="0">
                   <a:latin typeface="Cambria" panose="02040503050406030204" pitchFamily="18" charset="0"/>
                   <a:ea typeface="Arial Rounded MT Bold" charset="0"/>
                   <a:cs typeface="Arial Rounded MT Bold" charset="0"/>
                 </a:rPr>
                 <a:t>input TS 1</a:t>
               </a:r>
+              <a:endParaRPr lang="fr-FR" sz="600" noProof="1">
+                <a:latin typeface="Cambria" panose="02040503050406030204" pitchFamily="18" charset="0"/>
+                <a:ea typeface="Arial Rounded MT Bold" charset="0"/>
+                <a:cs typeface="Arial Rounded MT Bold" charset="0"/>
+              </a:endParaRPr>
             </a:p>
           </p:txBody>
         </p:sp>
@@ -12850,13 +9894,18 @@
             <a:lstStyle/>
             <a:p>
               <a:r>
-                <a:rPr lang="fr-FR" sz="600" dirty="0">
+                <a:rPr lang="fr-FR" sz="600" noProof="1" smtClean="0">
                   <a:latin typeface="Cambria" panose="02040503050406030204" pitchFamily="18" charset="0"/>
                   <a:ea typeface="Arial Rounded MT Bold" charset="0"/>
                   <a:cs typeface="Arial Rounded MT Bold" charset="0"/>
                 </a:rPr>
                 <a:t>input TS 3</a:t>
               </a:r>
+              <a:endParaRPr lang="fr-FR" sz="600" noProof="1">
+                <a:latin typeface="Cambria" panose="02040503050406030204" pitchFamily="18" charset="0"/>
+                <a:ea typeface="Arial Rounded MT Bold" charset="0"/>
+                <a:cs typeface="Arial Rounded MT Bold" charset="0"/>
+              </a:endParaRPr>
             </a:p>
           </p:txBody>
         </p:sp>
@@ -12908,7 +9957,7 @@
             <a:p>
               <a:pPr algn="ctr"/>
               <a:r>
-                <a:rPr lang="fr-FR" sz="600" b="1" dirty="0" err="1">
+                <a:rPr lang="fr-FR" sz="600" b="1" noProof="1" smtClean="0">
                   <a:solidFill>
                     <a:schemeClr val="tx1"/>
                   </a:solidFill>
@@ -12918,7 +9967,7 @@
                 </a:rPr>
                 <a:t>tsp</a:t>
               </a:r>
-              <a:endParaRPr lang="fr-FR" sz="600" b="1" dirty="0">
+              <a:endParaRPr lang="fr-FR" sz="600" b="1" noProof="1">
                 <a:solidFill>
                   <a:schemeClr val="tx1"/>
                 </a:solidFill>
@@ -12972,14 +10021,14 @@
             <a:p>
               <a:pPr algn="ctr"/>
               <a:r>
-                <a:rPr lang="fr-FR" sz="600" b="1" dirty="0">
+                <a:rPr lang="fr-FR" sz="600" b="1" noProof="1" smtClean="0">
                   <a:latin typeface="Consolas" panose="020B0609020204030204" pitchFamily="49" charset="0"/>
                   <a:ea typeface="Arial Rounded MT Bold" charset="0"/>
                   <a:cs typeface="Consolas" panose="020B0609020204030204" pitchFamily="49" charset="0"/>
                 </a:rPr>
                 <a:t>file</a:t>
               </a:r>
-              <a:endParaRPr lang="fr-FR" sz="600" i="1" dirty="0">
+              <a:endParaRPr lang="fr-FR" sz="600" i="1" noProof="1">
                 <a:latin typeface="Cambria" panose="02040503050406030204" pitchFamily="18" charset="0"/>
                 <a:ea typeface="Arial Rounded MT Bold" charset="0"/>
                 <a:cs typeface="Arial Rounded MT Bold" charset="0"/>
@@ -13030,13 +10079,18 @@
             <a:p>
               <a:pPr algn="ctr"/>
               <a:r>
-                <a:rPr lang="fr-FR" sz="600" i="1" dirty="0">
+                <a:rPr lang="fr-FR" sz="600" i="1" noProof="1" smtClean="0">
                   <a:latin typeface="Cambria" panose="02040503050406030204" pitchFamily="18" charset="0"/>
                   <a:ea typeface="Arial Rounded MT Bold" charset="0"/>
                   <a:cs typeface="Arial Rounded MT Bold" charset="0"/>
                 </a:rPr>
                 <a:t>plugin</a:t>
               </a:r>
+              <a:endParaRPr lang="fr-FR" sz="600" i="1" noProof="1">
+                <a:latin typeface="Cambria" panose="02040503050406030204" pitchFamily="18" charset="0"/>
+                <a:ea typeface="Arial Rounded MT Bold" charset="0"/>
+                <a:cs typeface="Arial Rounded MT Bold" charset="0"/>
+              </a:endParaRPr>
             </a:p>
           </p:txBody>
         </p:sp>
@@ -13083,13 +10137,18 @@
             <a:p>
               <a:pPr algn="ctr"/>
               <a:r>
-                <a:rPr lang="fr-FR" sz="600" i="1" dirty="0">
+                <a:rPr lang="fr-FR" sz="600" i="1" noProof="1" smtClean="0">
                   <a:latin typeface="Cambria" panose="02040503050406030204" pitchFamily="18" charset="0"/>
                   <a:ea typeface="Arial Rounded MT Bold" charset="0"/>
                   <a:cs typeface="Arial Rounded MT Bold" charset="0"/>
                 </a:rPr>
                 <a:t>plugin</a:t>
               </a:r>
+              <a:endParaRPr lang="fr-FR" sz="600" i="1" noProof="1">
+                <a:latin typeface="Cambria" panose="02040503050406030204" pitchFamily="18" charset="0"/>
+                <a:ea typeface="Arial Rounded MT Bold" charset="0"/>
+                <a:cs typeface="Arial Rounded MT Bold" charset="0"/>
+              </a:endParaRPr>
             </a:p>
           </p:txBody>
         </p:sp>
@@ -13136,13 +10195,18 @@
             <a:p>
               <a:pPr algn="ctr"/>
               <a:r>
-                <a:rPr lang="fr-FR" sz="600" i="1" dirty="0">
+                <a:rPr lang="fr-FR" sz="600" i="1" noProof="1" smtClean="0">
                   <a:latin typeface="Cambria" panose="02040503050406030204" pitchFamily="18" charset="0"/>
                   <a:ea typeface="Arial Rounded MT Bold" charset="0"/>
                   <a:cs typeface="Arial Rounded MT Bold" charset="0"/>
                 </a:rPr>
                 <a:t>output</a:t>
               </a:r>
+              <a:endParaRPr lang="fr-FR" sz="600" i="1" noProof="1">
+                <a:latin typeface="Cambria" panose="02040503050406030204" pitchFamily="18" charset="0"/>
+                <a:ea typeface="Arial Rounded MT Bold" charset="0"/>
+                <a:cs typeface="Arial Rounded MT Bold" charset="0"/>
+              </a:endParaRPr>
             </a:p>
           </p:txBody>
         </p:sp>
@@ -13353,7 +10417,7 @@
             <a:p>
               <a:pPr algn="ctr"/>
               <a:r>
-                <a:rPr lang="fr-FR" sz="600" b="1" dirty="0" err="1">
+                <a:rPr lang="fr-FR" sz="600" b="1" noProof="1" smtClean="0">
                   <a:solidFill>
                     <a:schemeClr val="tx1"/>
                   </a:solidFill>
@@ -13363,7 +10427,7 @@
                 </a:rPr>
                 <a:t>tsp</a:t>
               </a:r>
-              <a:endParaRPr lang="fr-FR" sz="600" b="1" dirty="0">
+              <a:endParaRPr lang="fr-FR" sz="600" b="1" noProof="1">
                 <a:solidFill>
                   <a:schemeClr val="tx1"/>
                 </a:solidFill>
@@ -13417,14 +10481,14 @@
             <a:p>
               <a:pPr algn="ctr"/>
               <a:r>
-                <a:rPr lang="fr-FR" sz="600" b="1" dirty="0">
+                <a:rPr lang="fr-FR" sz="600" b="1" noProof="1" smtClean="0">
                   <a:latin typeface="Consolas" panose="020B0609020204030204" pitchFamily="49" charset="0"/>
                   <a:ea typeface="Arial Rounded MT Bold" charset="0"/>
                   <a:cs typeface="Consolas" panose="020B0609020204030204" pitchFamily="49" charset="0"/>
                 </a:rPr>
                 <a:t>file</a:t>
               </a:r>
-              <a:endParaRPr lang="fr-FR" sz="600" i="1" dirty="0">
+              <a:endParaRPr lang="fr-FR" sz="600" i="1" noProof="1">
                 <a:latin typeface="Cambria" panose="02040503050406030204" pitchFamily="18" charset="0"/>
                 <a:ea typeface="Arial Rounded MT Bold" charset="0"/>
                 <a:cs typeface="Arial Rounded MT Bold" charset="0"/>
@@ -13475,13 +10539,18 @@
             <a:p>
               <a:pPr algn="ctr"/>
               <a:r>
-                <a:rPr lang="fr-FR" sz="600" i="1" dirty="0">
+                <a:rPr lang="fr-FR" sz="600" i="1" noProof="1" smtClean="0">
                   <a:latin typeface="Cambria" panose="02040503050406030204" pitchFamily="18" charset="0"/>
                   <a:ea typeface="Arial Rounded MT Bold" charset="0"/>
                   <a:cs typeface="Arial Rounded MT Bold" charset="0"/>
                 </a:rPr>
                 <a:t>plugin</a:t>
               </a:r>
+              <a:endParaRPr lang="fr-FR" sz="600" i="1" noProof="1">
+                <a:latin typeface="Cambria" panose="02040503050406030204" pitchFamily="18" charset="0"/>
+                <a:ea typeface="Arial Rounded MT Bold" charset="0"/>
+                <a:cs typeface="Arial Rounded MT Bold" charset="0"/>
+              </a:endParaRPr>
             </a:p>
           </p:txBody>
         </p:sp>
@@ -13528,13 +10597,18 @@
             <a:p>
               <a:pPr algn="ctr"/>
               <a:r>
-                <a:rPr lang="fr-FR" sz="600" i="1" dirty="0">
+                <a:rPr lang="fr-FR" sz="600" i="1" noProof="1" smtClean="0">
                   <a:latin typeface="Cambria" panose="02040503050406030204" pitchFamily="18" charset="0"/>
                   <a:ea typeface="Arial Rounded MT Bold" charset="0"/>
                   <a:cs typeface="Arial Rounded MT Bold" charset="0"/>
                 </a:rPr>
                 <a:t>plugin</a:t>
               </a:r>
+              <a:endParaRPr lang="fr-FR" sz="600" i="1" noProof="1">
+                <a:latin typeface="Cambria" panose="02040503050406030204" pitchFamily="18" charset="0"/>
+                <a:ea typeface="Arial Rounded MT Bold" charset="0"/>
+                <a:cs typeface="Arial Rounded MT Bold" charset="0"/>
+              </a:endParaRPr>
             </a:p>
           </p:txBody>
         </p:sp>
@@ -13581,13 +10655,18 @@
             <a:p>
               <a:pPr algn="ctr"/>
               <a:r>
-                <a:rPr lang="fr-FR" sz="600" i="1" dirty="0">
+                <a:rPr lang="fr-FR" sz="600" i="1" noProof="1" smtClean="0">
                   <a:latin typeface="Cambria" panose="02040503050406030204" pitchFamily="18" charset="0"/>
                   <a:ea typeface="Arial Rounded MT Bold" charset="0"/>
                   <a:cs typeface="Arial Rounded MT Bold" charset="0"/>
                 </a:rPr>
                 <a:t>output</a:t>
               </a:r>
+              <a:endParaRPr lang="fr-FR" sz="600" i="1" noProof="1">
+                <a:latin typeface="Cambria" panose="02040503050406030204" pitchFamily="18" charset="0"/>
+                <a:ea typeface="Arial Rounded MT Bold" charset="0"/>
+                <a:cs typeface="Arial Rounded MT Bold" charset="0"/>
+              </a:endParaRPr>
             </a:p>
           </p:txBody>
         </p:sp>
@@ -13773,13 +10852,18 @@
             <a:lstStyle/>
             <a:p>
               <a:r>
-                <a:rPr lang="fr-FR" sz="600" dirty="0">
+                <a:rPr lang="fr-FR" sz="600" noProof="1" smtClean="0">
                   <a:latin typeface="Cambria" panose="02040503050406030204" pitchFamily="18" charset="0"/>
                   <a:ea typeface="Arial Rounded MT Bold" charset="0"/>
                   <a:cs typeface="Arial Rounded MT Bold" charset="0"/>
                 </a:rPr>
                 <a:t>output TS 1</a:t>
               </a:r>
+              <a:endParaRPr lang="fr-FR" sz="600" noProof="1">
+                <a:latin typeface="Cambria" panose="02040503050406030204" pitchFamily="18" charset="0"/>
+                <a:ea typeface="Arial Rounded MT Bold" charset="0"/>
+                <a:cs typeface="Arial Rounded MT Bold" charset="0"/>
+              </a:endParaRPr>
             </a:p>
           </p:txBody>
         </p:sp>
@@ -13845,13 +10929,18 @@
             <a:lstStyle/>
             <a:p>
               <a:r>
-                <a:rPr lang="fr-FR" sz="600" dirty="0">
+                <a:rPr lang="fr-FR" sz="600" noProof="1" smtClean="0">
                   <a:latin typeface="Cambria" panose="02040503050406030204" pitchFamily="18" charset="0"/>
                   <a:ea typeface="Arial Rounded MT Bold" charset="0"/>
                   <a:cs typeface="Arial Rounded MT Bold" charset="0"/>
                 </a:rPr>
                 <a:t>output TS 3</a:t>
               </a:r>
+              <a:endParaRPr lang="fr-FR" sz="600" noProof="1">
+                <a:latin typeface="Cambria" panose="02040503050406030204" pitchFamily="18" charset="0"/>
+                <a:ea typeface="Arial Rounded MT Bold" charset="0"/>
+                <a:cs typeface="Arial Rounded MT Bold" charset="0"/>
+              </a:endParaRPr>
             </a:p>
           </p:txBody>
         </p:sp>
@@ -13958,53 +11047,28 @@
             <a:lstStyle/>
             <a:p>
               <a:r>
-                <a:rPr lang="fr-FR" sz="700" dirty="0">
+                <a:rPr lang="fr-FR" sz="700" noProof="1" smtClean="0">
                   <a:latin typeface="Cambria" panose="02040503050406030204" pitchFamily="18" charset="0"/>
                   <a:ea typeface="Arial Rounded MT Bold" charset="0"/>
                   <a:cs typeface="Arial Rounded MT Bold" charset="0"/>
                 </a:rPr>
                 <a:t>TSDuck</a:t>
               </a:r>
+              <a:endParaRPr lang="fr-FR" sz="700" noProof="1">
+                <a:latin typeface="Cambria" panose="02040503050406030204" pitchFamily="18" charset="0"/>
+                <a:ea typeface="Arial Rounded MT Bold" charset="0"/>
+                <a:cs typeface="Arial Rounded MT Bold" charset="0"/>
+              </a:endParaRPr>
             </a:p>
           </p:txBody>
         </p:sp>
       </p:grpSp>
-    </p:spTree>
-    <p:extLst>
-      <p:ext uri="{BB962C8B-B14F-4D97-AF65-F5344CB8AC3E}">
-        <p14:creationId xmlns:p14="http://schemas.microsoft.com/office/powerpoint/2010/main" val="582378489"/>
-      </p:ext>
-    </p:extLst>
-  </p:cSld>
-  <p:clrMapOvr>
-    <a:masterClrMapping/>
-  </p:clrMapOvr>
-</p:sld>
-</file>
-
-<file path=ppt/slides/slide3.xml><?xml version="1.0" encoding="utf-8"?>
-<p:sld xmlns:a="http://schemas.openxmlformats.org/drawingml/2006/main" xmlns:r="http://schemas.openxmlformats.org/officeDocument/2006/relationships" xmlns:p="http://schemas.openxmlformats.org/presentationml/2006/main">
-  <p:cSld>
-    <p:spTree>
-      <p:nvGrpSpPr>
-        <p:cNvPr id="1" name=""/>
-        <p:cNvGrpSpPr/>
-        <p:nvPr/>
-      </p:nvGrpSpPr>
-      <p:grpSpPr>
-        <a:xfrm>
-          <a:off x="0" y="0"/>
-          <a:ext cx="0" cy="0"/>
-          <a:chOff x="0" y="0"/>
-          <a:chExt cx="0" cy="0"/>
-        </a:xfrm>
-      </p:grpSpPr>
       <p:pic>
         <p:nvPicPr>
-          <p:cNvPr id="140" name="Picture 7" descr="D:\Devel\tsduck\images\tsduck-48.png">
+          <p:cNvPr id="240" name="Picture 7" descr="D:\Devel\tsduck\images\tsduck-48.png">
             <a:extLst>
               <a:ext uri="{FF2B5EF4-FFF2-40B4-BE49-F238E27FC236}">
-                <a16:creationId xmlns:a16="http://schemas.microsoft.com/office/drawing/2014/main" id="{7EBDB59B-A971-2145-8D90-DA0176A2FB18}"/>
+                <a16:creationId xmlns="" xmlns:a16="http://schemas.microsoft.com/office/drawing/2014/main" id="{7EBDB59B-A971-2145-8D90-DA0176A2FB18}"/>
               </a:ext>
             </a:extLst>
           </p:cNvPr>
@@ -14028,7 +11092,7 @@
         </p:blipFill>
         <p:spPr bwMode="auto">
           <a:xfrm>
-            <a:off x="6100518" y="1525735"/>
+            <a:off x="6100518" y="7719271"/>
             <a:ext cx="126321" cy="126321"/>
           </a:xfrm>
           <a:prstGeom prst="rect">
@@ -14048,10 +11112,10 @@
       </p:pic>
       <p:sp>
         <p:nvSpPr>
-          <p:cNvPr id="141" name="ZoneTexte 140">
+          <p:cNvPr id="243" name="ZoneTexte 242">
             <a:extLst>
               <a:ext uri="{FF2B5EF4-FFF2-40B4-BE49-F238E27FC236}">
-                <a16:creationId xmlns:a16="http://schemas.microsoft.com/office/drawing/2014/main" id="{24E2D4AE-DD52-8240-8AF5-E8D191EF58B2}"/>
+                <a16:creationId xmlns="" xmlns:a16="http://schemas.microsoft.com/office/drawing/2014/main" id="{24E2D4AE-DD52-8240-8AF5-E8D191EF58B2}"/>
               </a:ext>
             </a:extLst>
           </p:cNvPr>
@@ -14060,7 +11124,7 @@
         </p:nvSpPr>
         <p:spPr>
           <a:xfrm>
-            <a:off x="6254414" y="1529611"/>
+            <a:off x="6254414" y="7723147"/>
             <a:ext cx="332547" cy="123111"/>
           </a:xfrm>
           <a:prstGeom prst="rect">
@@ -14075,22 +11139,27 @@
           <a:lstStyle/>
           <a:p>
             <a:r>
-              <a:rPr lang="fr-FR" sz="800" dirty="0">
+              <a:rPr lang="fr-FR" sz="800" noProof="1" smtClean="0">
                 <a:latin typeface="Cambria" panose="02040503050406030204" pitchFamily="18" charset="0"/>
                 <a:ea typeface="Arial Rounded MT Bold" charset="0"/>
                 <a:cs typeface="Arial Rounded MT Bold" charset="0"/>
               </a:rPr>
               <a:t>TSDuck</a:t>
             </a:r>
+            <a:endParaRPr lang="fr-FR" sz="800" noProof="1">
+              <a:latin typeface="Cambria" panose="02040503050406030204" pitchFamily="18" charset="0"/>
+              <a:ea typeface="Arial Rounded MT Bold" charset="0"/>
+              <a:cs typeface="Arial Rounded MT Bold" charset="0"/>
+            </a:endParaRPr>
           </a:p>
         </p:txBody>
       </p:sp>
       <p:sp>
         <p:nvSpPr>
-          <p:cNvPr id="142" name="Rectangle à coins arrondis 141">
+          <p:cNvPr id="244" name="Rectangle à coins arrondis 243">
             <a:extLst>
               <a:ext uri="{FF2B5EF4-FFF2-40B4-BE49-F238E27FC236}">
-                <a16:creationId xmlns:a16="http://schemas.microsoft.com/office/drawing/2014/main" id="{DFD7C87C-57E7-3942-AEE8-76374267556C}"/>
+                <a16:creationId xmlns="" xmlns:a16="http://schemas.microsoft.com/office/drawing/2014/main" id="{DFD7C87C-57E7-3942-AEE8-76374267556C}"/>
               </a:ext>
             </a:extLst>
           </p:cNvPr>
@@ -14099,7 +11168,7 @@
         </p:nvSpPr>
         <p:spPr>
           <a:xfrm>
-            <a:off x="4486445" y="873831"/>
+            <a:off x="4486445" y="7067367"/>
             <a:ext cx="1632265" cy="501844"/>
           </a:xfrm>
           <a:prstGeom prst="roundRect">
@@ -14139,7 +11208,7 @@
           <a:p>
             <a:pPr algn="ctr"/>
             <a:r>
-              <a:rPr lang="fr-FR" sz="900" b="1" dirty="0" err="1">
+              <a:rPr lang="fr-FR" sz="900" b="1" noProof="1" smtClean="0">
                 <a:solidFill>
                   <a:schemeClr val="tx1"/>
                 </a:solidFill>
@@ -14149,7 +11218,7 @@
               </a:rPr>
               <a:t>tsp</a:t>
             </a:r>
-            <a:endParaRPr lang="fr-FR" sz="800" b="1" dirty="0">
+            <a:endParaRPr lang="fr-FR" sz="800" b="1" noProof="1">
               <a:solidFill>
                 <a:schemeClr val="tx1"/>
               </a:solidFill>
@@ -14162,10 +11231,10 @@
       </p:sp>
       <p:sp>
         <p:nvSpPr>
-          <p:cNvPr id="143" name="Rectangle à coins arrondis 142">
+          <p:cNvPr id="245" name="Rectangle à coins arrondis 244">
             <a:extLst>
               <a:ext uri="{FF2B5EF4-FFF2-40B4-BE49-F238E27FC236}">
-                <a16:creationId xmlns:a16="http://schemas.microsoft.com/office/drawing/2014/main" id="{6AF3952C-6E42-9F4C-BCAC-CA6D7682F478}"/>
+                <a16:creationId xmlns="" xmlns:a16="http://schemas.microsoft.com/office/drawing/2014/main" id="{6AF3952C-6E42-9F4C-BCAC-CA6D7682F478}"/>
               </a:ext>
             </a:extLst>
           </p:cNvPr>
@@ -14174,7 +11243,7 @@
         </p:nvSpPr>
         <p:spPr>
           <a:xfrm>
-            <a:off x="4620433" y="1053579"/>
+            <a:off x="4620433" y="7247115"/>
             <a:ext cx="380241" cy="245199"/>
           </a:xfrm>
           <a:prstGeom prst="roundRect">
@@ -14209,14 +11278,14 @@
           <a:p>
             <a:pPr algn="ctr"/>
             <a:r>
-              <a:rPr lang="fr-FR" sz="800" b="1" dirty="0">
+              <a:rPr lang="fr-FR" sz="800" b="1" noProof="1" smtClean="0">
                 <a:latin typeface="Consolas" panose="020B0609020204030204" pitchFamily="49" charset="0"/>
                 <a:ea typeface="Arial Rounded MT Bold" charset="0"/>
                 <a:cs typeface="Consolas" panose="020B0609020204030204" pitchFamily="49" charset="0"/>
               </a:rPr>
               <a:t>file</a:t>
             </a:r>
-            <a:endParaRPr lang="fr-FR" sz="800" i="1" dirty="0">
+            <a:endParaRPr lang="fr-FR" sz="800" i="1" noProof="1">
               <a:latin typeface="Cambria" panose="02040503050406030204" pitchFamily="18" charset="0"/>
               <a:ea typeface="Arial Rounded MT Bold" charset="0"/>
               <a:cs typeface="Arial Rounded MT Bold" charset="0"/>
@@ -14226,10 +11295,10 @@
       </p:sp>
       <p:sp>
         <p:nvSpPr>
-          <p:cNvPr id="144" name="Rectangle à coins arrondis 143">
+          <p:cNvPr id="246" name="Rectangle à coins arrondis 245">
             <a:extLst>
               <a:ext uri="{FF2B5EF4-FFF2-40B4-BE49-F238E27FC236}">
-                <a16:creationId xmlns:a16="http://schemas.microsoft.com/office/drawing/2014/main" id="{401C1769-9E94-FE4E-B77C-858A4DB570E4}"/>
+                <a16:creationId xmlns="" xmlns:a16="http://schemas.microsoft.com/office/drawing/2014/main" id="{401C1769-9E94-FE4E-B77C-858A4DB570E4}"/>
               </a:ext>
             </a:extLst>
           </p:cNvPr>
@@ -14238,7 +11307,7 @@
         </p:nvSpPr>
         <p:spPr>
           <a:xfrm>
-            <a:off x="5145171" y="1053579"/>
+            <a:off x="5145171" y="7247115"/>
             <a:ext cx="380241" cy="245199"/>
           </a:xfrm>
           <a:prstGeom prst="roundRect">
@@ -14273,22 +11342,27 @@
           <a:p>
             <a:pPr algn="ctr"/>
             <a:r>
-              <a:rPr lang="fr-FR" sz="800" i="1" dirty="0">
+              <a:rPr lang="fr-FR" sz="800" i="1" noProof="1" smtClean="0">
                 <a:latin typeface="Cambria" panose="02040503050406030204" pitchFamily="18" charset="0"/>
                 <a:ea typeface="Arial Rounded MT Bold" charset="0"/>
                 <a:cs typeface="Arial Rounded MT Bold" charset="0"/>
               </a:rPr>
               <a:t>plugin</a:t>
             </a:r>
+            <a:endParaRPr lang="fr-FR" sz="800" i="1" noProof="1">
+              <a:latin typeface="Cambria" panose="02040503050406030204" pitchFamily="18" charset="0"/>
+              <a:ea typeface="Arial Rounded MT Bold" charset="0"/>
+              <a:cs typeface="Arial Rounded MT Bold" charset="0"/>
+            </a:endParaRPr>
           </a:p>
         </p:txBody>
       </p:sp>
       <p:sp>
         <p:nvSpPr>
-          <p:cNvPr id="145" name="Rectangle à coins arrondis 144">
+          <p:cNvPr id="247" name="Rectangle à coins arrondis 246">
             <a:extLst>
               <a:ext uri="{FF2B5EF4-FFF2-40B4-BE49-F238E27FC236}">
-                <a16:creationId xmlns:a16="http://schemas.microsoft.com/office/drawing/2014/main" id="{288599FE-0002-E442-862B-6641BE5360ED}"/>
+                <a16:creationId xmlns="" xmlns:a16="http://schemas.microsoft.com/office/drawing/2014/main" id="{288599FE-0002-E442-862B-6641BE5360ED}"/>
               </a:ext>
             </a:extLst>
           </p:cNvPr>
@@ -14297,7 +11371,7 @@
         </p:nvSpPr>
         <p:spPr>
           <a:xfrm>
-            <a:off x="5683870" y="1053579"/>
+            <a:off x="5683870" y="7247115"/>
             <a:ext cx="380241" cy="245199"/>
           </a:xfrm>
           <a:prstGeom prst="roundRect">
@@ -14332,34 +11406,39 @@
           <a:p>
             <a:pPr algn="ctr"/>
             <a:r>
-              <a:rPr lang="fr-FR" sz="800" i="1" dirty="0">
+              <a:rPr lang="fr-FR" sz="800" i="1" noProof="1" smtClean="0">
                 <a:latin typeface="Cambria" panose="02040503050406030204" pitchFamily="18" charset="0"/>
                 <a:ea typeface="Arial Rounded MT Bold" charset="0"/>
                 <a:cs typeface="Arial Rounded MT Bold" charset="0"/>
               </a:rPr>
               <a:t>output</a:t>
             </a:r>
+            <a:endParaRPr lang="fr-FR" sz="800" i="1" noProof="1">
+              <a:latin typeface="Cambria" panose="02040503050406030204" pitchFamily="18" charset="0"/>
+              <a:ea typeface="Arial Rounded MT Bold" charset="0"/>
+              <a:cs typeface="Arial Rounded MT Bold" charset="0"/>
+            </a:endParaRPr>
           </a:p>
         </p:txBody>
       </p:sp>
       <p:cxnSp>
         <p:nvCxnSpPr>
-          <p:cNvPr id="146" name="Connecteur droit avec flèche 145">
+          <p:cNvPr id="248" name="Connecteur droit avec flèche 247">
             <a:extLst>
               <a:ext uri="{FF2B5EF4-FFF2-40B4-BE49-F238E27FC236}">
-                <a16:creationId xmlns:a16="http://schemas.microsoft.com/office/drawing/2014/main" id="{358A55EA-8299-5243-966D-73C91238E7E1}"/>
+                <a16:creationId xmlns="" xmlns:a16="http://schemas.microsoft.com/office/drawing/2014/main" id="{358A55EA-8299-5243-966D-73C91238E7E1}"/>
               </a:ext>
             </a:extLst>
           </p:cNvPr>
           <p:cNvCxnSpPr>
-            <a:stCxn id="143" idx="3"/>
-            <a:endCxn id="144" idx="1"/>
+            <a:stCxn id="245" idx="3"/>
+            <a:endCxn id="246" idx="1"/>
           </p:cNvCxnSpPr>
           <p:nvPr/>
         </p:nvCxnSpPr>
         <p:spPr>
           <a:xfrm>
-            <a:off x="5000674" y="1176179"/>
+            <a:off x="5000674" y="7369715"/>
             <a:ext cx="144497" cy="0"/>
           </a:xfrm>
           <a:prstGeom prst="straightConnector1">
@@ -14390,22 +11469,22 @@
       </p:cxnSp>
       <p:cxnSp>
         <p:nvCxnSpPr>
-          <p:cNvPr id="147" name="Connecteur droit avec flèche 146">
+          <p:cNvPr id="249" name="Connecteur droit avec flèche 248">
             <a:extLst>
               <a:ext uri="{FF2B5EF4-FFF2-40B4-BE49-F238E27FC236}">
-                <a16:creationId xmlns:a16="http://schemas.microsoft.com/office/drawing/2014/main" id="{81727CF6-61E7-1248-B379-326132500770}"/>
+                <a16:creationId xmlns="" xmlns:a16="http://schemas.microsoft.com/office/drawing/2014/main" id="{81727CF6-61E7-1248-B379-326132500770}"/>
               </a:ext>
             </a:extLst>
           </p:cNvPr>
           <p:cNvCxnSpPr>
             <a:cxnSpLocks/>
-            <a:endCxn id="145" idx="1"/>
+            <a:endCxn id="247" idx="1"/>
           </p:cNvCxnSpPr>
           <p:nvPr/>
         </p:nvCxnSpPr>
         <p:spPr>
           <a:xfrm flipV="1">
-            <a:off x="5537013" y="1176179"/>
+            <a:off x="5537013" y="7369715"/>
             <a:ext cx="146857" cy="4184"/>
           </a:xfrm>
           <a:prstGeom prst="straightConnector1">
@@ -14436,10 +11515,10 @@
       </p:cxnSp>
       <p:sp>
         <p:nvSpPr>
-          <p:cNvPr id="148" name="ZoneTexte 147">
+          <p:cNvPr id="250" name="ZoneTexte 249">
             <a:extLst>
               <a:ext uri="{FF2B5EF4-FFF2-40B4-BE49-F238E27FC236}">
-                <a16:creationId xmlns:a16="http://schemas.microsoft.com/office/drawing/2014/main" id="{E144A86D-7BE6-D740-8D8A-3812CEE2D089}"/>
+                <a16:creationId xmlns="" xmlns:a16="http://schemas.microsoft.com/office/drawing/2014/main" id="{E144A86D-7BE6-D740-8D8A-3812CEE2D089}"/>
               </a:ext>
             </a:extLst>
           </p:cNvPr>
@@ -14448,7 +11527,7 @@
         </p:nvSpPr>
         <p:spPr>
           <a:xfrm>
-            <a:off x="6160857" y="1020444"/>
+            <a:off x="6160857" y="7213980"/>
             <a:ext cx="443815" cy="123111"/>
           </a:xfrm>
           <a:prstGeom prst="rect">
@@ -14463,33 +11542,38 @@
           <a:lstStyle/>
           <a:p>
             <a:r>
-              <a:rPr lang="fr-FR" sz="800" dirty="0">
+              <a:rPr lang="fr-FR" sz="800" noProof="1" smtClean="0">
                 <a:latin typeface="Cambria" panose="02040503050406030204" pitchFamily="18" charset="0"/>
                 <a:ea typeface="Arial Rounded MT Bold" charset="0"/>
                 <a:cs typeface="Arial Rounded MT Bold" charset="0"/>
               </a:rPr>
               <a:t>output TS</a:t>
             </a:r>
+            <a:endParaRPr lang="fr-FR" sz="800" noProof="1">
+              <a:latin typeface="Cambria" panose="02040503050406030204" pitchFamily="18" charset="0"/>
+              <a:ea typeface="Arial Rounded MT Bold" charset="0"/>
+              <a:cs typeface="Arial Rounded MT Bold" charset="0"/>
+            </a:endParaRPr>
           </a:p>
         </p:txBody>
       </p:sp>
       <p:cxnSp>
         <p:nvCxnSpPr>
-          <p:cNvPr id="149" name="Connecteur droit avec flèche 148">
+          <p:cNvPr id="251" name="Connecteur droit avec flèche 250">
             <a:extLst>
               <a:ext uri="{FF2B5EF4-FFF2-40B4-BE49-F238E27FC236}">
-                <a16:creationId xmlns:a16="http://schemas.microsoft.com/office/drawing/2014/main" id="{C4931B87-DB8F-CF42-825C-39B52224539D}"/>
+                <a16:creationId xmlns="" xmlns:a16="http://schemas.microsoft.com/office/drawing/2014/main" id="{C4931B87-DB8F-CF42-825C-39B52224539D}"/>
               </a:ext>
             </a:extLst>
           </p:cNvPr>
           <p:cNvCxnSpPr>
-            <a:stCxn id="145" idx="3"/>
+            <a:stCxn id="247" idx="3"/>
           </p:cNvCxnSpPr>
           <p:nvPr/>
         </p:nvCxnSpPr>
         <p:spPr>
           <a:xfrm flipV="1">
-            <a:off x="6064111" y="1176178"/>
+            <a:off x="6064111" y="7369714"/>
             <a:ext cx="522851" cy="1"/>
           </a:xfrm>
           <a:prstGeom prst="straightConnector1">
@@ -14520,10 +11604,10 @@
       </p:cxnSp>
       <p:sp>
         <p:nvSpPr>
-          <p:cNvPr id="150" name="Rectangle à coins arrondis 149">
+          <p:cNvPr id="252" name="Rectangle à coins arrondis 251">
             <a:extLst>
               <a:ext uri="{FF2B5EF4-FFF2-40B4-BE49-F238E27FC236}">
-                <a16:creationId xmlns:a16="http://schemas.microsoft.com/office/drawing/2014/main" id="{F16D29F8-F334-CB4D-BFD1-BD53652E3698}"/>
+                <a16:creationId xmlns="" xmlns:a16="http://schemas.microsoft.com/office/drawing/2014/main" id="{F16D29F8-F334-CB4D-BFD1-BD53652E3698}"/>
               </a:ext>
             </a:extLst>
           </p:cNvPr>
@@ -14532,7 +11616,7 @@
         </p:nvSpPr>
         <p:spPr>
           <a:xfrm>
-            <a:off x="713693" y="1466305"/>
+            <a:off x="713693" y="7659841"/>
             <a:ext cx="506101" cy="326360"/>
           </a:xfrm>
           <a:prstGeom prst="roundRect">
@@ -14572,7 +11656,7 @@
           <a:p>
             <a:pPr algn="ctr"/>
             <a:r>
-              <a:rPr lang="fr-FR" sz="800" dirty="0">
+              <a:rPr lang="fr-FR" sz="800" noProof="1" smtClean="0">
                 <a:solidFill>
                   <a:schemeClr val="tx1"/>
                 </a:solidFill>
@@ -14586,7 +11670,7 @@
           <a:p>
             <a:pPr algn="ctr"/>
             <a:r>
-              <a:rPr lang="fr-FR" sz="800" dirty="0">
+              <a:rPr lang="fr-FR" sz="800" noProof="1" smtClean="0">
                 <a:solidFill>
                   <a:schemeClr val="tx1"/>
                 </a:solidFill>
@@ -14594,17 +11678,36 @@
                 <a:ea typeface="Arial Rounded MT Bold" charset="0"/>
                 <a:cs typeface="Arial Rounded MT Bold" charset="0"/>
               </a:rPr>
-              <a:t>tuner</a:t>
+              <a:t>t</a:t>
             </a:r>
+            <a:r>
+              <a:rPr lang="fr-FR" sz="800" noProof="1" smtClean="0">
+                <a:solidFill>
+                  <a:schemeClr val="tx1"/>
+                </a:solidFill>
+                <a:latin typeface="Cambria" panose="02040503050406030204" pitchFamily="18" charset="0"/>
+                <a:ea typeface="Arial Rounded MT Bold" charset="0"/>
+                <a:cs typeface="Arial Rounded MT Bold" charset="0"/>
+              </a:rPr>
+              <a:t>uner 1</a:t>
+            </a:r>
+            <a:endParaRPr lang="fr-FR" sz="800" noProof="1">
+              <a:solidFill>
+                <a:schemeClr val="tx1"/>
+              </a:solidFill>
+              <a:latin typeface="Cambria" panose="02040503050406030204" pitchFamily="18" charset="0"/>
+              <a:ea typeface="Arial Rounded MT Bold" charset="0"/>
+              <a:cs typeface="Arial Rounded MT Bold" charset="0"/>
+            </a:endParaRPr>
           </a:p>
         </p:txBody>
       </p:sp>
       <p:cxnSp>
         <p:nvCxnSpPr>
-          <p:cNvPr id="151" name="Connecteur droit 150">
+          <p:cNvPr id="253" name="Connecteur droit 252">
             <a:extLst>
               <a:ext uri="{FF2B5EF4-FFF2-40B4-BE49-F238E27FC236}">
-                <a16:creationId xmlns:a16="http://schemas.microsoft.com/office/drawing/2014/main" id="{21FEE28B-F787-BA47-B678-2E1BC9B22353}"/>
+                <a16:creationId xmlns="" xmlns:a16="http://schemas.microsoft.com/office/drawing/2014/main" id="{21FEE28B-F787-BA47-B678-2E1BC9B22353}"/>
               </a:ext>
             </a:extLst>
           </p:cNvPr>
@@ -14613,7 +11716,7 @@
         </p:nvCxnSpPr>
         <p:spPr>
           <a:xfrm flipH="1" flipV="1">
-            <a:off x="310077" y="1622685"/>
+            <a:off x="310077" y="7816221"/>
             <a:ext cx="417457" cy="6800"/>
           </a:xfrm>
           <a:prstGeom prst="line">
@@ -14644,10 +11747,10 @@
       </p:cxnSp>
       <p:pic>
         <p:nvPicPr>
-          <p:cNvPr id="152" name="Picture 3">
+          <p:cNvPr id="254" name="Picture 3">
             <a:extLst>
               <a:ext uri="{FF2B5EF4-FFF2-40B4-BE49-F238E27FC236}">
-                <a16:creationId xmlns:a16="http://schemas.microsoft.com/office/drawing/2014/main" id="{8B89C201-BA7A-3547-9956-97C9C5593DB9}"/>
+                <a16:creationId xmlns="" xmlns:a16="http://schemas.microsoft.com/office/drawing/2014/main" id="{8B89C201-BA7A-3547-9956-97C9C5593DB9}"/>
               </a:ext>
             </a:extLst>
           </p:cNvPr>
@@ -14671,7 +11774,7 @@
         </p:blipFill>
         <p:spPr bwMode="auto">
           <a:xfrm flipH="1">
-            <a:off x="214536" y="1237333"/>
+            <a:off x="214536" y="7430869"/>
             <a:ext cx="399016" cy="399016"/>
           </a:xfrm>
           <a:prstGeom prst="rect">
@@ -14714,10 +11817,10 @@
       </p:pic>
       <p:sp>
         <p:nvSpPr>
-          <p:cNvPr id="153" name="Rectangle à coins arrondis 152">
+          <p:cNvPr id="255" name="Rectangle à coins arrondis 254">
             <a:extLst>
               <a:ext uri="{FF2B5EF4-FFF2-40B4-BE49-F238E27FC236}">
-                <a16:creationId xmlns:a16="http://schemas.microsoft.com/office/drawing/2014/main" id="{23928D21-4F50-394F-A465-8160CD1E1038}"/>
+                <a16:creationId xmlns="" xmlns:a16="http://schemas.microsoft.com/office/drawing/2014/main" id="{23928D21-4F50-394F-A465-8160CD1E1038}"/>
               </a:ext>
             </a:extLst>
           </p:cNvPr>
@@ -14726,7 +11829,7 @@
         </p:nvSpPr>
         <p:spPr>
           <a:xfrm>
-            <a:off x="3113371" y="420474"/>
+            <a:off x="3113371" y="6614010"/>
             <a:ext cx="1260280" cy="1394111"/>
           </a:xfrm>
           <a:prstGeom prst="roundRect">
@@ -14766,7 +11869,7 @@
           <a:p>
             <a:pPr algn="ctr"/>
             <a:r>
-              <a:rPr lang="fr-FR" sz="900" b="1" dirty="0" err="1">
+              <a:rPr lang="fr-FR" sz="900" b="1" noProof="1" smtClean="0">
                 <a:solidFill>
                   <a:schemeClr val="tx1"/>
                 </a:solidFill>
@@ -14776,7 +11879,7 @@
               </a:rPr>
               <a:t>tsswitch</a:t>
             </a:r>
-            <a:endParaRPr lang="fr-FR" sz="900" b="1" dirty="0">
+            <a:endParaRPr lang="fr-FR" sz="900" b="1" noProof="1">
               <a:solidFill>
                 <a:schemeClr val="tx1"/>
               </a:solidFill>
@@ -14789,10 +11892,10 @@
       </p:sp>
       <p:sp>
         <p:nvSpPr>
-          <p:cNvPr id="154" name="Rectangle à coins arrondis 153">
+          <p:cNvPr id="256" name="Rectangle à coins arrondis 255">
             <a:extLst>
               <a:ext uri="{FF2B5EF4-FFF2-40B4-BE49-F238E27FC236}">
-                <a16:creationId xmlns:a16="http://schemas.microsoft.com/office/drawing/2014/main" id="{D36A8FDC-F1BD-EC40-8248-6B52204EA4FB}"/>
+                <a16:creationId xmlns="" xmlns:a16="http://schemas.microsoft.com/office/drawing/2014/main" id="{D36A8FDC-F1BD-EC40-8248-6B52204EA4FB}"/>
               </a:ext>
             </a:extLst>
           </p:cNvPr>
@@ -14801,7 +11904,7 @@
         </p:nvSpPr>
         <p:spPr>
           <a:xfrm>
-            <a:off x="3214587" y="600222"/>
+            <a:off x="3214587" y="6793758"/>
             <a:ext cx="380241" cy="245199"/>
           </a:xfrm>
           <a:prstGeom prst="roundRect">
@@ -14836,13 +11939,13 @@
           <a:p>
             <a:pPr algn="ctr"/>
             <a:r>
-              <a:rPr lang="fr-FR" sz="800" b="1" dirty="0" err="1">
+              <a:rPr lang="fr-FR" sz="800" b="1" noProof="1" smtClean="0">
                 <a:latin typeface="Consolas" panose="020B0609020204030204" pitchFamily="49" charset="0"/>
                 <a:cs typeface="Consolas" panose="020B0609020204030204" pitchFamily="49" charset="0"/>
               </a:rPr>
-              <a:t>ip</a:t>
+              <a:t>fork</a:t>
             </a:r>
-            <a:endParaRPr lang="fr-FR" sz="800" b="1" dirty="0">
+            <a:endParaRPr lang="fr-FR" sz="800" b="1" noProof="1">
               <a:latin typeface="Consolas" panose="020B0609020204030204" pitchFamily="49" charset="0"/>
               <a:cs typeface="Consolas" panose="020B0609020204030204" pitchFamily="49" charset="0"/>
             </a:endParaRPr>
@@ -14851,10 +11954,10 @@
       </p:sp>
       <p:sp>
         <p:nvSpPr>
-          <p:cNvPr id="155" name="Rectangle à coins arrondis 154">
+          <p:cNvPr id="257" name="Rectangle à coins arrondis 256">
             <a:extLst>
               <a:ext uri="{FF2B5EF4-FFF2-40B4-BE49-F238E27FC236}">
-                <a16:creationId xmlns:a16="http://schemas.microsoft.com/office/drawing/2014/main" id="{2E1B18C1-9894-1F42-B531-FA72F788D06A}"/>
+                <a16:creationId xmlns="" xmlns:a16="http://schemas.microsoft.com/office/drawing/2014/main" id="{2E1B18C1-9894-1F42-B531-FA72F788D06A}"/>
               </a:ext>
             </a:extLst>
           </p:cNvPr>
@@ -14863,7 +11966,7 @@
         </p:nvSpPr>
         <p:spPr>
           <a:xfrm>
-            <a:off x="3896342" y="1051323"/>
+            <a:off x="3896342" y="7244859"/>
             <a:ext cx="380241" cy="245199"/>
           </a:xfrm>
           <a:prstGeom prst="roundRect">
@@ -14898,14 +12001,14 @@
           <a:p>
             <a:pPr algn="ctr"/>
             <a:r>
-              <a:rPr lang="fr-FR" sz="800" b="1" dirty="0">
+              <a:rPr lang="fr-FR" sz="800" b="1" noProof="1" smtClean="0">
                 <a:latin typeface="Consolas" panose="020B0609020204030204" pitchFamily="49" charset="0"/>
                 <a:ea typeface="Arial Rounded MT Bold" charset="0"/>
                 <a:cs typeface="Consolas" panose="020B0609020204030204" pitchFamily="49" charset="0"/>
               </a:rPr>
               <a:t>file</a:t>
             </a:r>
-            <a:endParaRPr lang="fr-FR" sz="800" i="1" dirty="0">
+            <a:endParaRPr lang="fr-FR" sz="800" i="1" noProof="1">
               <a:latin typeface="Cambria" panose="02040503050406030204" pitchFamily="18" charset="0"/>
               <a:ea typeface="Arial Rounded MT Bold" charset="0"/>
               <a:cs typeface="Arial Rounded MT Bold" charset="0"/>
@@ -14915,23 +12018,23 @@
       </p:sp>
       <p:cxnSp>
         <p:nvCxnSpPr>
-          <p:cNvPr id="156" name="Connecteur droit avec flèche 78">
+          <p:cNvPr id="258" name="Connecteur droit avec flèche 78">
             <a:extLst>
               <a:ext uri="{FF2B5EF4-FFF2-40B4-BE49-F238E27FC236}">
-                <a16:creationId xmlns:a16="http://schemas.microsoft.com/office/drawing/2014/main" id="{B29DF2C1-5270-904D-B642-F5752B62DDF8}"/>
+                <a16:creationId xmlns="" xmlns:a16="http://schemas.microsoft.com/office/drawing/2014/main" id="{B29DF2C1-5270-904D-B642-F5752B62DDF8}"/>
               </a:ext>
             </a:extLst>
           </p:cNvPr>
           <p:cNvCxnSpPr>
             <a:cxnSpLocks/>
-            <a:stCxn id="154" idx="3"/>
-            <a:endCxn id="155" idx="1"/>
+            <a:stCxn id="256" idx="3"/>
+            <a:endCxn id="257" idx="1"/>
           </p:cNvCxnSpPr>
           <p:nvPr/>
         </p:nvCxnSpPr>
         <p:spPr>
           <a:xfrm>
-            <a:off x="3594828" y="722822"/>
+            <a:off x="3594828" y="6916358"/>
             <a:ext cx="301514" cy="451101"/>
           </a:xfrm>
           <a:prstGeom prst="bentConnector3">
@@ -14964,23 +12067,23 @@
       </p:cxnSp>
       <p:cxnSp>
         <p:nvCxnSpPr>
-          <p:cNvPr id="157" name="Connecteur droit avec flèche 156">
+          <p:cNvPr id="259" name="Connecteur droit avec flèche 258">
             <a:extLst>
               <a:ext uri="{FF2B5EF4-FFF2-40B4-BE49-F238E27FC236}">
-                <a16:creationId xmlns:a16="http://schemas.microsoft.com/office/drawing/2014/main" id="{7BFD1D0D-2F24-5140-A7A1-15162A534CF0}"/>
+                <a16:creationId xmlns="" xmlns:a16="http://schemas.microsoft.com/office/drawing/2014/main" id="{7BFD1D0D-2F24-5140-A7A1-15162A534CF0}"/>
               </a:ext>
             </a:extLst>
           </p:cNvPr>
           <p:cNvCxnSpPr>
             <a:cxnSpLocks/>
-            <a:stCxn id="155" idx="3"/>
-            <a:endCxn id="143" idx="1"/>
+            <a:stCxn id="257" idx="3"/>
+            <a:endCxn id="245" idx="1"/>
           </p:cNvCxnSpPr>
           <p:nvPr/>
         </p:nvCxnSpPr>
         <p:spPr>
           <a:xfrm>
-            <a:off x="4276582" y="1173923"/>
+            <a:off x="4276582" y="7367459"/>
             <a:ext cx="343851" cy="2256"/>
           </a:xfrm>
           <a:prstGeom prst="straightConnector1">
@@ -15009,97 +12112,12 @@
           </a:fontRef>
         </p:style>
       </p:cxnSp>
-      <p:cxnSp>
-        <p:nvCxnSpPr>
-          <p:cNvPr id="158" name="Connecteur droit avec flèche 157">
+      <p:sp>
+        <p:nvSpPr>
+          <p:cNvPr id="262" name="Rectangle à coins arrondis 261">
             <a:extLst>
               <a:ext uri="{FF2B5EF4-FFF2-40B4-BE49-F238E27FC236}">
-                <a16:creationId xmlns:a16="http://schemas.microsoft.com/office/drawing/2014/main" id="{BA6B98F2-90C8-DF4E-BB12-2494ADAC5B72}"/>
-              </a:ext>
-            </a:extLst>
-          </p:cNvPr>
-          <p:cNvCxnSpPr>
-            <a:cxnSpLocks/>
-            <a:endCxn id="154" idx="1"/>
-          </p:cNvCxnSpPr>
-          <p:nvPr/>
-        </p:nvCxnSpPr>
-        <p:spPr>
-          <a:xfrm>
-            <a:off x="2554297" y="722822"/>
-            <a:ext cx="660290" cy="0"/>
-          </a:xfrm>
-          <a:prstGeom prst="straightConnector1">
-            <a:avLst/>
-          </a:prstGeom>
-          <a:ln w="19050">
-            <a:solidFill>
-              <a:schemeClr val="tx1"/>
-            </a:solidFill>
-            <a:prstDash val="sysDash"/>
-            <a:tailEnd type="triangle"/>
-          </a:ln>
-        </p:spPr>
-        <p:style>
-          <a:lnRef idx="1">
-            <a:schemeClr val="accent1"/>
-          </a:lnRef>
-          <a:fillRef idx="0">
-            <a:schemeClr val="accent1"/>
-          </a:fillRef>
-          <a:effectRef idx="0">
-            <a:schemeClr val="accent1"/>
-          </a:effectRef>
-          <a:fontRef idx="minor">
-            <a:schemeClr val="tx1"/>
-          </a:fontRef>
-        </p:style>
-      </p:cxnSp>
-      <p:sp>
-        <p:nvSpPr>
-          <p:cNvPr id="159" name="ZoneTexte 158">
-            <a:extLst>
-              <a:ext uri="{FF2B5EF4-FFF2-40B4-BE49-F238E27FC236}">
-                <a16:creationId xmlns:a16="http://schemas.microsoft.com/office/drawing/2014/main" id="{4AC03D0B-A668-1147-BB20-51BF30886025}"/>
-              </a:ext>
-            </a:extLst>
-          </p:cNvPr>
-          <p:cNvSpPr txBox="1"/>
-          <p:nvPr/>
-        </p:nvSpPr>
-        <p:spPr>
-          <a:xfrm>
-            <a:off x="2554297" y="572449"/>
-            <a:ext cx="497713" cy="123111"/>
-          </a:xfrm>
-          <a:prstGeom prst="rect">
-            <a:avLst/>
-          </a:prstGeom>
-          <a:noFill/>
-        </p:spPr>
-        <p:txBody>
-          <a:bodyPr wrap="square" lIns="0" tIns="0" rIns="0" bIns="0" rtlCol="0">
-            <a:spAutoFit/>
-          </a:bodyPr>
-          <a:lstStyle/>
-          <a:p>
-            <a:r>
-              <a:rPr lang="fr-FR" sz="800" dirty="0">
-                <a:latin typeface="Cambria" panose="02040503050406030204" pitchFamily="18" charset="0"/>
-                <a:ea typeface="Arial Rounded MT Bold" charset="0"/>
-                <a:cs typeface="Arial Rounded MT Bold" charset="0"/>
-              </a:rPr>
-              <a:t>input TS 0</a:t>
-            </a:r>
-          </a:p>
-        </p:txBody>
-      </p:sp>
-      <p:sp>
-        <p:nvSpPr>
-          <p:cNvPr id="160" name="Rectangle à coins arrondis 159">
-            <a:extLst>
-              <a:ext uri="{FF2B5EF4-FFF2-40B4-BE49-F238E27FC236}">
-                <a16:creationId xmlns:a16="http://schemas.microsoft.com/office/drawing/2014/main" id="{FC5A53AA-03C5-6740-AAB7-22C581F93311}"/>
+                <a16:creationId xmlns="" xmlns:a16="http://schemas.microsoft.com/office/drawing/2014/main" id="{FC5A53AA-03C5-6740-AAB7-22C581F93311}"/>
               </a:ext>
             </a:extLst>
           </p:cNvPr>
@@ -15108,7 +12126,7 @@
         </p:nvSpPr>
         <p:spPr>
           <a:xfrm>
-            <a:off x="3214587" y="902570"/>
+            <a:off x="3214587" y="7096106"/>
             <a:ext cx="380241" cy="245199"/>
           </a:xfrm>
           <a:prstGeom prst="roundRect">
@@ -15143,13 +12161,13 @@
           <a:p>
             <a:pPr algn="ctr"/>
             <a:r>
-              <a:rPr lang="fr-FR" sz="800" b="1" dirty="0" err="1">
+              <a:rPr lang="fr-FR" sz="800" b="1" noProof="1" smtClean="0">
                 <a:latin typeface="Consolas" panose="020B0609020204030204" pitchFamily="49" charset="0"/>
                 <a:cs typeface="Consolas" panose="020B0609020204030204" pitchFamily="49" charset="0"/>
               </a:rPr>
               <a:t>ip</a:t>
             </a:r>
-            <a:endParaRPr lang="fr-FR" sz="800" b="1" dirty="0">
+            <a:endParaRPr lang="fr-FR" sz="800" b="1" noProof="1">
               <a:latin typeface="Consolas" panose="020B0609020204030204" pitchFamily="49" charset="0"/>
               <a:cs typeface="Consolas" panose="020B0609020204030204" pitchFamily="49" charset="0"/>
             </a:endParaRPr>
@@ -15158,10 +12176,10 @@
       </p:sp>
       <p:sp>
         <p:nvSpPr>
-          <p:cNvPr id="161" name="Rectangle à coins arrondis 160">
+          <p:cNvPr id="263" name="Rectangle à coins arrondis 262">
             <a:extLst>
               <a:ext uri="{FF2B5EF4-FFF2-40B4-BE49-F238E27FC236}">
-                <a16:creationId xmlns:a16="http://schemas.microsoft.com/office/drawing/2014/main" id="{C892A677-4DD7-9D44-A35F-E07C3734C7D0}"/>
+                <a16:creationId xmlns="" xmlns:a16="http://schemas.microsoft.com/office/drawing/2014/main" id="{C892A677-4DD7-9D44-A35F-E07C3734C7D0}"/>
               </a:ext>
             </a:extLst>
           </p:cNvPr>
@@ -15170,7 +12188,7 @@
         </p:nvSpPr>
         <p:spPr>
           <a:xfrm>
-            <a:off x="3214587" y="1204918"/>
+            <a:off x="3214587" y="7398454"/>
             <a:ext cx="380241" cy="245199"/>
           </a:xfrm>
           <a:prstGeom prst="roundRect">
@@ -15205,21 +12223,25 @@
           <a:p>
             <a:pPr algn="ctr"/>
             <a:r>
-              <a:rPr lang="fr-FR" sz="800" b="1" dirty="0">
+              <a:rPr lang="fr-FR" sz="800" b="1" noProof="1" smtClean="0">
                 <a:latin typeface="Consolas" panose="020B0609020204030204" pitchFamily="49" charset="0"/>
                 <a:cs typeface="Consolas" panose="020B0609020204030204" pitchFamily="49" charset="0"/>
               </a:rPr>
               <a:t>http</a:t>
             </a:r>
+            <a:endParaRPr lang="fr-FR" sz="800" b="1" noProof="1">
+              <a:latin typeface="Consolas" panose="020B0609020204030204" pitchFamily="49" charset="0"/>
+              <a:cs typeface="Consolas" panose="020B0609020204030204" pitchFamily="49" charset="0"/>
+            </a:endParaRPr>
           </a:p>
         </p:txBody>
       </p:sp>
       <p:sp>
         <p:nvSpPr>
-          <p:cNvPr id="162" name="Rectangle à coins arrondis 161">
+          <p:cNvPr id="264" name="Rectangle à coins arrondis 263">
             <a:extLst>
               <a:ext uri="{FF2B5EF4-FFF2-40B4-BE49-F238E27FC236}">
-                <a16:creationId xmlns:a16="http://schemas.microsoft.com/office/drawing/2014/main" id="{055106AB-BE5F-E244-93DF-730F424CE9E2}"/>
+                <a16:creationId xmlns="" xmlns:a16="http://schemas.microsoft.com/office/drawing/2014/main" id="{055106AB-BE5F-E244-93DF-730F424CE9E2}"/>
               </a:ext>
             </a:extLst>
           </p:cNvPr>
@@ -15228,7 +12250,7 @@
         </p:nvSpPr>
         <p:spPr>
           <a:xfrm>
-            <a:off x="3214587" y="1507265"/>
+            <a:off x="3214587" y="7700801"/>
             <a:ext cx="380241" cy="245199"/>
           </a:xfrm>
           <a:prstGeom prst="roundRect">
@@ -15263,33 +12285,37 @@
           <a:p>
             <a:pPr algn="ctr"/>
             <a:r>
-              <a:rPr lang="fr-FR" sz="800" b="1" dirty="0">
+              <a:rPr lang="fr-FR" sz="800" b="1" noProof="1" smtClean="0">
                 <a:latin typeface="Consolas" panose="020B0609020204030204" pitchFamily="49" charset="0"/>
                 <a:cs typeface="Consolas" panose="020B0609020204030204" pitchFamily="49" charset="0"/>
               </a:rPr>
-              <a:t>file</a:t>
+              <a:t>fork</a:t>
             </a:r>
+            <a:endParaRPr lang="fr-FR" sz="800" b="1" noProof="1">
+              <a:latin typeface="Consolas" panose="020B0609020204030204" pitchFamily="49" charset="0"/>
+              <a:cs typeface="Consolas" panose="020B0609020204030204" pitchFamily="49" charset="0"/>
+            </a:endParaRPr>
           </a:p>
         </p:txBody>
       </p:sp>
       <p:cxnSp>
         <p:nvCxnSpPr>
-          <p:cNvPr id="163" name="Connecteur droit avec flèche 78">
+          <p:cNvPr id="265" name="Connecteur droit avec flèche 78">
             <a:extLst>
               <a:ext uri="{FF2B5EF4-FFF2-40B4-BE49-F238E27FC236}">
-                <a16:creationId xmlns:a16="http://schemas.microsoft.com/office/drawing/2014/main" id="{CE59BDD5-42FC-2347-A97B-6EF1AF2CD76E}"/>
+                <a16:creationId xmlns="" xmlns:a16="http://schemas.microsoft.com/office/drawing/2014/main" id="{CE59BDD5-42FC-2347-A97B-6EF1AF2CD76E}"/>
               </a:ext>
             </a:extLst>
           </p:cNvPr>
           <p:cNvCxnSpPr>
             <a:cxnSpLocks/>
-            <a:stCxn id="160" idx="3"/>
+            <a:stCxn id="262" idx="3"/>
           </p:cNvCxnSpPr>
           <p:nvPr/>
         </p:nvCxnSpPr>
         <p:spPr>
           <a:xfrm>
-            <a:off x="3594828" y="1025170"/>
+            <a:off x="3594828" y="7218706"/>
             <a:ext cx="301514" cy="148753"/>
           </a:xfrm>
           <a:prstGeom prst="bentConnector3">
@@ -15322,23 +12348,23 @@
       </p:cxnSp>
       <p:cxnSp>
         <p:nvCxnSpPr>
-          <p:cNvPr id="164" name="Connecteur droit avec flèche 78">
+          <p:cNvPr id="266" name="Connecteur droit avec flèche 78">
             <a:extLst>
               <a:ext uri="{FF2B5EF4-FFF2-40B4-BE49-F238E27FC236}">
-                <a16:creationId xmlns:a16="http://schemas.microsoft.com/office/drawing/2014/main" id="{B20FFC8F-9BC4-2E4A-A8EE-7F654C8D18B6}"/>
+                <a16:creationId xmlns="" xmlns:a16="http://schemas.microsoft.com/office/drawing/2014/main" id="{B20FFC8F-9BC4-2E4A-A8EE-7F654C8D18B6}"/>
               </a:ext>
             </a:extLst>
           </p:cNvPr>
           <p:cNvCxnSpPr>
             <a:cxnSpLocks/>
-            <a:stCxn id="161" idx="3"/>
-            <a:endCxn id="155" idx="1"/>
+            <a:stCxn id="263" idx="3"/>
+            <a:endCxn id="257" idx="1"/>
           </p:cNvCxnSpPr>
           <p:nvPr/>
         </p:nvCxnSpPr>
         <p:spPr>
           <a:xfrm flipV="1">
-            <a:off x="3594828" y="1173923"/>
+            <a:off x="3594828" y="7367459"/>
             <a:ext cx="301514" cy="153594"/>
           </a:xfrm>
           <a:prstGeom prst="bentConnector3">
@@ -15371,23 +12397,23 @@
       </p:cxnSp>
       <p:cxnSp>
         <p:nvCxnSpPr>
-          <p:cNvPr id="165" name="Connecteur droit avec flèche 78">
+          <p:cNvPr id="267" name="Connecteur droit avec flèche 78">
             <a:extLst>
               <a:ext uri="{FF2B5EF4-FFF2-40B4-BE49-F238E27FC236}">
-                <a16:creationId xmlns:a16="http://schemas.microsoft.com/office/drawing/2014/main" id="{FCD708BB-A040-F54D-A04F-BF29BBC34A9B}"/>
+                <a16:creationId xmlns="" xmlns:a16="http://schemas.microsoft.com/office/drawing/2014/main" id="{FCD708BB-A040-F54D-A04F-BF29BBC34A9B}"/>
               </a:ext>
             </a:extLst>
           </p:cNvPr>
           <p:cNvCxnSpPr>
             <a:cxnSpLocks/>
-            <a:stCxn id="162" idx="3"/>
-            <a:endCxn id="155" idx="1"/>
+            <a:stCxn id="264" idx="3"/>
+            <a:endCxn id="257" idx="1"/>
           </p:cNvCxnSpPr>
           <p:nvPr/>
         </p:nvCxnSpPr>
         <p:spPr>
           <a:xfrm flipV="1">
-            <a:off x="3594828" y="1173923"/>
+            <a:off x="3594828" y="7367459"/>
             <a:ext cx="301514" cy="455942"/>
           </a:xfrm>
           <a:prstGeom prst="bentConnector3">
@@ -15420,28 +12446,27 @@
       </p:cxnSp>
       <p:cxnSp>
         <p:nvCxnSpPr>
-          <p:cNvPr id="166" name="Connecteur droit avec flèche 102">
+          <p:cNvPr id="268" name="Connecteur droit avec flèche 102">
             <a:extLst>
               <a:ext uri="{FF2B5EF4-FFF2-40B4-BE49-F238E27FC236}">
-                <a16:creationId xmlns:a16="http://schemas.microsoft.com/office/drawing/2014/main" id="{F68601FD-3B24-E84E-8512-8F12BDD6F447}"/>
+                <a16:creationId xmlns="" xmlns:a16="http://schemas.microsoft.com/office/drawing/2014/main" id="{F68601FD-3B24-E84E-8512-8F12BDD6F447}"/>
               </a:ext>
             </a:extLst>
           </p:cNvPr>
           <p:cNvCxnSpPr>
             <a:cxnSpLocks/>
-            <a:endCxn id="160" idx="1"/>
+            <a:stCxn id="276" idx="3"/>
+            <a:endCxn id="262" idx="1"/>
           </p:cNvCxnSpPr>
           <p:nvPr/>
         </p:nvCxnSpPr>
         <p:spPr>
           <a:xfrm>
-            <a:off x="2554297" y="944402"/>
-            <a:ext cx="660290" cy="80768"/>
+            <a:off x="1241718" y="7217149"/>
+            <a:ext cx="1972869" cy="1557"/>
           </a:xfrm>
-          <a:prstGeom prst="bentConnector3">
-            <a:avLst>
-              <a:gd name="adj1" fmla="val 72458"/>
-            </a:avLst>
+          <a:prstGeom prst="straightConnector1">
+            <a:avLst/>
           </a:prstGeom>
           <a:ln w="19050">
             <a:solidFill>
@@ -15468,10 +12493,10 @@
       </p:cxnSp>
       <p:sp>
         <p:nvSpPr>
-          <p:cNvPr id="167" name="Rectangle à coins arrondis 166">
+          <p:cNvPr id="269" name="Rectangle à coins arrondis 268">
             <a:extLst>
               <a:ext uri="{FF2B5EF4-FFF2-40B4-BE49-F238E27FC236}">
-                <a16:creationId xmlns:a16="http://schemas.microsoft.com/office/drawing/2014/main" id="{207176EF-D58B-9F42-B51F-EDF84066C434}"/>
+                <a16:creationId xmlns="" xmlns:a16="http://schemas.microsoft.com/office/drawing/2014/main" id="{207176EF-D58B-9F42-B51F-EDF84066C434}"/>
               </a:ext>
             </a:extLst>
           </p:cNvPr>
@@ -15480,7 +12505,7 @@
         </p:nvSpPr>
         <p:spPr>
           <a:xfrm>
-            <a:off x="1311769" y="1327518"/>
+            <a:off x="1311769" y="7521054"/>
             <a:ext cx="1675892" cy="501844"/>
           </a:xfrm>
           <a:prstGeom prst="roundRect">
@@ -15520,7 +12545,7 @@
           <a:p>
             <a:pPr algn="ctr"/>
             <a:r>
-              <a:rPr lang="fr-FR" sz="900" b="1" dirty="0" err="1">
+              <a:rPr lang="fr-FR" sz="900" b="1" noProof="1" smtClean="0">
                 <a:solidFill>
                   <a:schemeClr val="tx1"/>
                 </a:solidFill>
@@ -15530,7 +12555,7 @@
               </a:rPr>
               <a:t>tsp</a:t>
             </a:r>
-            <a:endParaRPr lang="fr-FR" sz="800" b="1" dirty="0">
+            <a:endParaRPr lang="fr-FR" sz="800" b="1" noProof="1">
               <a:solidFill>
                 <a:schemeClr val="tx1"/>
               </a:solidFill>
@@ -15543,10 +12568,10 @@
       </p:sp>
       <p:sp>
         <p:nvSpPr>
-          <p:cNvPr id="168" name="Rectangle à coins arrondis 167">
+          <p:cNvPr id="270" name="Rectangle à coins arrondis 269">
             <a:extLst>
               <a:ext uri="{FF2B5EF4-FFF2-40B4-BE49-F238E27FC236}">
-                <a16:creationId xmlns:a16="http://schemas.microsoft.com/office/drawing/2014/main" id="{0EBD748A-8AD9-2C46-89B4-4F6A71D46447}"/>
+                <a16:creationId xmlns="" xmlns:a16="http://schemas.microsoft.com/office/drawing/2014/main" id="{0EBD748A-8AD9-2C46-89B4-4F6A71D46447}"/>
               </a:ext>
             </a:extLst>
           </p:cNvPr>
@@ -15555,7 +12580,7 @@
         </p:nvSpPr>
         <p:spPr>
           <a:xfrm>
-            <a:off x="1445756" y="1507265"/>
+            <a:off x="1445756" y="7700801"/>
             <a:ext cx="380241" cy="245199"/>
           </a:xfrm>
           <a:prstGeom prst="roundRect">
@@ -15590,13 +12615,13 @@
           <a:p>
             <a:pPr algn="ctr"/>
             <a:r>
-              <a:rPr lang="fr-FR" sz="800" b="1" dirty="0" err="1">
+              <a:rPr lang="fr-FR" sz="800" b="1" noProof="1" smtClean="0">
                 <a:latin typeface="Consolas" panose="020B0609020204030204" pitchFamily="49" charset="0"/>
                 <a:cs typeface="Consolas" panose="020B0609020204030204" pitchFamily="49" charset="0"/>
               </a:rPr>
               <a:t>dvb</a:t>
             </a:r>
-            <a:endParaRPr lang="fr-FR" sz="800" b="1" dirty="0">
+            <a:endParaRPr lang="fr-FR" sz="800" b="1" noProof="1">
               <a:latin typeface="Consolas" panose="020B0609020204030204" pitchFamily="49" charset="0"/>
               <a:cs typeface="Consolas" panose="020B0609020204030204" pitchFamily="49" charset="0"/>
             </a:endParaRPr>
@@ -15605,10 +12630,10 @@
       </p:sp>
       <p:sp>
         <p:nvSpPr>
-          <p:cNvPr id="169" name="Rectangle à coins arrondis 168">
+          <p:cNvPr id="271" name="Rectangle à coins arrondis 270">
             <a:extLst>
               <a:ext uri="{FF2B5EF4-FFF2-40B4-BE49-F238E27FC236}">
-                <a16:creationId xmlns:a16="http://schemas.microsoft.com/office/drawing/2014/main" id="{FF06C02C-F215-8D4F-A8E5-8095AD1B4B48}"/>
+                <a16:creationId xmlns="" xmlns:a16="http://schemas.microsoft.com/office/drawing/2014/main" id="{FF06C02C-F215-8D4F-A8E5-8095AD1B4B48}"/>
               </a:ext>
             </a:extLst>
           </p:cNvPr>
@@ -15617,7 +12642,7 @@
         </p:nvSpPr>
         <p:spPr>
           <a:xfrm>
-            <a:off x="1970494" y="1507265"/>
+            <a:off x="1970494" y="7700801"/>
             <a:ext cx="380241" cy="245199"/>
           </a:xfrm>
           <a:prstGeom prst="roundRect">
@@ -15652,13 +12677,13 @@
           <a:p>
             <a:pPr algn="ctr"/>
             <a:r>
-              <a:rPr lang="fr-FR" sz="800" b="1" dirty="0" err="1">
+              <a:rPr lang="fr-FR" sz="800" b="1" noProof="1" smtClean="0">
                 <a:latin typeface="Consolas" panose="020B0609020204030204" pitchFamily="49" charset="0"/>
                 <a:cs typeface="Consolas" panose="020B0609020204030204" pitchFamily="49" charset="0"/>
               </a:rPr>
               <a:t>zap</a:t>
             </a:r>
-            <a:endParaRPr lang="fr-FR" sz="800" b="1" dirty="0">
+            <a:endParaRPr lang="fr-FR" sz="800" b="1" noProof="1">
               <a:latin typeface="Consolas" panose="020B0609020204030204" pitchFamily="49" charset="0"/>
               <a:cs typeface="Consolas" panose="020B0609020204030204" pitchFamily="49" charset="0"/>
             </a:endParaRPr>
@@ -15667,10 +12692,10 @@
       </p:sp>
       <p:sp>
         <p:nvSpPr>
-          <p:cNvPr id="170" name="Rectangle à coins arrondis 169">
+          <p:cNvPr id="272" name="Rectangle à coins arrondis 271">
             <a:extLst>
               <a:ext uri="{FF2B5EF4-FFF2-40B4-BE49-F238E27FC236}">
-                <a16:creationId xmlns:a16="http://schemas.microsoft.com/office/drawing/2014/main" id="{DC06761C-E5D6-8C40-8FE7-6EAC716FC474}"/>
+                <a16:creationId xmlns="" xmlns:a16="http://schemas.microsoft.com/office/drawing/2014/main" id="{DC06761C-E5D6-8C40-8FE7-6EAC716FC474}"/>
               </a:ext>
             </a:extLst>
           </p:cNvPr>
@@ -15679,7 +12704,7 @@
         </p:nvSpPr>
         <p:spPr>
           <a:xfrm>
-            <a:off x="2509193" y="1507265"/>
+            <a:off x="2509193" y="7700801"/>
             <a:ext cx="380241" cy="245199"/>
           </a:xfrm>
           <a:prstGeom prst="roundRect">
@@ -15714,14 +12739,14 @@
           <a:p>
             <a:pPr algn="ctr"/>
             <a:r>
-              <a:rPr lang="fr-FR" sz="800" b="1" dirty="0">
+              <a:rPr lang="fr-FR" sz="800" b="1" noProof="1" smtClean="0">
                 <a:latin typeface="Consolas" panose="020B0609020204030204" pitchFamily="49" charset="0"/>
                 <a:ea typeface="Arial Rounded MT Bold" charset="0"/>
                 <a:cs typeface="Consolas" panose="020B0609020204030204" pitchFamily="49" charset="0"/>
               </a:rPr>
               <a:t>file</a:t>
             </a:r>
-            <a:endParaRPr lang="fr-FR" sz="800" i="1" dirty="0">
+            <a:endParaRPr lang="fr-FR" sz="800" i="1" noProof="1">
               <a:latin typeface="Cambria" panose="02040503050406030204" pitchFamily="18" charset="0"/>
               <a:ea typeface="Arial Rounded MT Bold" charset="0"/>
               <a:cs typeface="Arial Rounded MT Bold" charset="0"/>
@@ -15731,22 +12756,22 @@
       </p:sp>
       <p:cxnSp>
         <p:nvCxnSpPr>
-          <p:cNvPr id="171" name="Connecteur droit avec flèche 170">
+          <p:cNvPr id="273" name="Connecteur droit avec flèche 272">
             <a:extLst>
               <a:ext uri="{FF2B5EF4-FFF2-40B4-BE49-F238E27FC236}">
-                <a16:creationId xmlns:a16="http://schemas.microsoft.com/office/drawing/2014/main" id="{917022DD-9C4E-8C4F-8EF4-DC025172FC05}"/>
+                <a16:creationId xmlns="" xmlns:a16="http://schemas.microsoft.com/office/drawing/2014/main" id="{917022DD-9C4E-8C4F-8EF4-DC025172FC05}"/>
               </a:ext>
             </a:extLst>
           </p:cNvPr>
           <p:cNvCxnSpPr>
-            <a:stCxn id="168" idx="3"/>
-            <a:endCxn id="169" idx="1"/>
+            <a:stCxn id="270" idx="3"/>
+            <a:endCxn id="271" idx="1"/>
           </p:cNvCxnSpPr>
           <p:nvPr/>
         </p:nvCxnSpPr>
         <p:spPr>
           <a:xfrm>
-            <a:off x="1825997" y="1629866"/>
+            <a:off x="1825997" y="7823402"/>
             <a:ext cx="144497" cy="0"/>
           </a:xfrm>
           <a:prstGeom prst="straightConnector1">
@@ -15777,22 +12802,22 @@
       </p:cxnSp>
       <p:cxnSp>
         <p:nvCxnSpPr>
-          <p:cNvPr id="172" name="Connecteur droit avec flèche 171">
+          <p:cNvPr id="274" name="Connecteur droit avec flèche 273">
             <a:extLst>
               <a:ext uri="{FF2B5EF4-FFF2-40B4-BE49-F238E27FC236}">
-                <a16:creationId xmlns:a16="http://schemas.microsoft.com/office/drawing/2014/main" id="{C8A7163D-1B73-8544-BEB6-5055C4559C5C}"/>
+                <a16:creationId xmlns="" xmlns:a16="http://schemas.microsoft.com/office/drawing/2014/main" id="{C8A7163D-1B73-8544-BEB6-5055C4559C5C}"/>
               </a:ext>
             </a:extLst>
           </p:cNvPr>
           <p:cNvCxnSpPr>
             <a:cxnSpLocks/>
-            <a:endCxn id="170" idx="1"/>
+            <a:endCxn id="272" idx="1"/>
           </p:cNvCxnSpPr>
           <p:nvPr/>
         </p:nvCxnSpPr>
         <p:spPr>
           <a:xfrm flipV="1">
-            <a:off x="2362337" y="1629866"/>
+            <a:off x="2362337" y="7823402"/>
             <a:ext cx="146857" cy="4184"/>
           </a:xfrm>
           <a:prstGeom prst="straightConnector1">
@@ -15823,23 +12848,23 @@
       </p:cxnSp>
       <p:cxnSp>
         <p:nvCxnSpPr>
-          <p:cNvPr id="173" name="Connecteur droit avec flèche 172">
+          <p:cNvPr id="275" name="Connecteur droit avec flèche 274">
             <a:extLst>
               <a:ext uri="{FF2B5EF4-FFF2-40B4-BE49-F238E27FC236}">
-                <a16:creationId xmlns:a16="http://schemas.microsoft.com/office/drawing/2014/main" id="{0EB21763-B322-DA48-835F-2AC58953056D}"/>
+                <a16:creationId xmlns="" xmlns:a16="http://schemas.microsoft.com/office/drawing/2014/main" id="{0EB21763-B322-DA48-835F-2AC58953056D}"/>
               </a:ext>
             </a:extLst>
           </p:cNvPr>
           <p:cNvCxnSpPr>
             <a:cxnSpLocks/>
-            <a:stCxn id="150" idx="3"/>
-            <a:endCxn id="168" idx="1"/>
+            <a:stCxn id="252" idx="3"/>
+            <a:endCxn id="270" idx="1"/>
           </p:cNvCxnSpPr>
           <p:nvPr/>
         </p:nvCxnSpPr>
         <p:spPr>
           <a:xfrm>
-            <a:off x="1219794" y="1629485"/>
+            <a:off x="1219794" y="7823021"/>
             <a:ext cx="225963" cy="381"/>
           </a:xfrm>
           <a:prstGeom prst="straightConnector1">
@@ -15870,10 +12895,10 @@
       </p:cxnSp>
       <p:sp>
         <p:nvSpPr>
-          <p:cNvPr id="174" name="ZoneTexte 173">
+          <p:cNvPr id="276" name="ZoneTexte 275">
             <a:extLst>
               <a:ext uri="{FF2B5EF4-FFF2-40B4-BE49-F238E27FC236}">
-                <a16:creationId xmlns:a16="http://schemas.microsoft.com/office/drawing/2014/main" id="{9C7431C8-D75F-5142-A1EB-8230494FC409}"/>
+                <a16:creationId xmlns="" xmlns:a16="http://schemas.microsoft.com/office/drawing/2014/main" id="{9C7431C8-D75F-5142-A1EB-8230494FC409}"/>
               </a:ext>
             </a:extLst>
           </p:cNvPr>
@@ -15882,7 +12907,7 @@
         </p:nvSpPr>
         <p:spPr>
           <a:xfrm>
-            <a:off x="2554297" y="801244"/>
+            <a:off x="744005" y="7155593"/>
             <a:ext cx="497713" cy="123111"/>
           </a:xfrm>
           <a:prstGeom prst="rect">
@@ -15897,35 +12922,40 @@
           <a:lstStyle/>
           <a:p>
             <a:r>
-              <a:rPr lang="fr-FR" sz="800" dirty="0">
+              <a:rPr lang="fr-FR" sz="800" noProof="1" smtClean="0">
                 <a:latin typeface="Cambria" panose="02040503050406030204" pitchFamily="18" charset="0"/>
                 <a:ea typeface="Arial Rounded MT Bold" charset="0"/>
                 <a:cs typeface="Arial Rounded MT Bold" charset="0"/>
               </a:rPr>
               <a:t>input TS 1</a:t>
             </a:r>
+            <a:endParaRPr lang="fr-FR" sz="800" noProof="1">
+              <a:latin typeface="Cambria" panose="02040503050406030204" pitchFamily="18" charset="0"/>
+              <a:ea typeface="Arial Rounded MT Bold" charset="0"/>
+              <a:cs typeface="Arial Rounded MT Bold" charset="0"/>
+            </a:endParaRPr>
           </a:p>
         </p:txBody>
       </p:sp>
       <p:cxnSp>
         <p:nvCxnSpPr>
-          <p:cNvPr id="175" name="Connecteur droit avec flèche 174">
+          <p:cNvPr id="277" name="Connecteur droit avec flèche 276">
             <a:extLst>
               <a:ext uri="{FF2B5EF4-FFF2-40B4-BE49-F238E27FC236}">
-                <a16:creationId xmlns:a16="http://schemas.microsoft.com/office/drawing/2014/main" id="{51025ACC-3151-1E4B-AB8E-659FC8729762}"/>
+                <a16:creationId xmlns="" xmlns:a16="http://schemas.microsoft.com/office/drawing/2014/main" id="{51025ACC-3151-1E4B-AB8E-659FC8729762}"/>
               </a:ext>
             </a:extLst>
           </p:cNvPr>
           <p:cNvCxnSpPr>
             <a:cxnSpLocks/>
-            <a:stCxn id="170" idx="3"/>
-            <a:endCxn id="162" idx="1"/>
+            <a:stCxn id="272" idx="3"/>
+            <a:endCxn id="264" idx="1"/>
           </p:cNvCxnSpPr>
           <p:nvPr/>
         </p:nvCxnSpPr>
         <p:spPr>
           <a:xfrm>
-            <a:off x="2889434" y="1629866"/>
+            <a:off x="2889434" y="7823402"/>
             <a:ext cx="325153" cy="0"/>
           </a:xfrm>
           <a:prstGeom prst="straightConnector1">
@@ -15956,27 +12986,28 @@
       </p:cxnSp>
       <p:cxnSp>
         <p:nvCxnSpPr>
-          <p:cNvPr id="176" name="Connecteur droit avec flèche 120">
+          <p:cNvPr id="278" name="Connecteur droit avec flèche 120">
             <a:extLst>
               <a:ext uri="{FF2B5EF4-FFF2-40B4-BE49-F238E27FC236}">
-                <a16:creationId xmlns:a16="http://schemas.microsoft.com/office/drawing/2014/main" id="{906459B5-8582-FB4E-8E54-AFC7005D5446}"/>
+                <a16:creationId xmlns="" xmlns:a16="http://schemas.microsoft.com/office/drawing/2014/main" id="{906459B5-8582-FB4E-8E54-AFC7005D5446}"/>
               </a:ext>
             </a:extLst>
           </p:cNvPr>
           <p:cNvCxnSpPr>
             <a:cxnSpLocks/>
-            <a:endCxn id="161" idx="1"/>
+            <a:stCxn id="279" idx="3"/>
+            <a:endCxn id="263" idx="1"/>
           </p:cNvCxnSpPr>
           <p:nvPr/>
         </p:nvCxnSpPr>
         <p:spPr>
           <a:xfrm>
-            <a:off x="2573325" y="1175568"/>
-            <a:ext cx="641262" cy="151949"/>
+            <a:off x="1241718" y="7390383"/>
+            <a:ext cx="1972869" cy="130671"/>
           </a:xfrm>
           <a:prstGeom prst="bentConnector3">
             <a:avLst>
-              <a:gd name="adj1" fmla="val 72268"/>
+              <a:gd name="adj1" fmla="val 92135"/>
             </a:avLst>
           </a:prstGeom>
           <a:ln w="19050">
@@ -16004,10 +13035,10 @@
       </p:cxnSp>
       <p:sp>
         <p:nvSpPr>
-          <p:cNvPr id="177" name="ZoneTexte 176">
+          <p:cNvPr id="279" name="ZoneTexte 278">
             <a:extLst>
               <a:ext uri="{FF2B5EF4-FFF2-40B4-BE49-F238E27FC236}">
-                <a16:creationId xmlns:a16="http://schemas.microsoft.com/office/drawing/2014/main" id="{CA252A1D-16B0-9A4A-89F5-1189E8A73A99}"/>
+                <a16:creationId xmlns="" xmlns:a16="http://schemas.microsoft.com/office/drawing/2014/main" id="{CA252A1D-16B0-9A4A-89F5-1189E8A73A99}"/>
               </a:ext>
             </a:extLst>
           </p:cNvPr>
@@ -16016,7 +13047,7 @@
         </p:nvSpPr>
         <p:spPr>
           <a:xfrm>
-            <a:off x="2554297" y="1030963"/>
+            <a:off x="744005" y="7328827"/>
             <a:ext cx="497713" cy="123111"/>
           </a:xfrm>
           <a:prstGeom prst="rect">
@@ -16031,22 +13062,27 @@
           <a:lstStyle/>
           <a:p>
             <a:r>
-              <a:rPr lang="fr-FR" sz="800" dirty="0">
+              <a:rPr lang="fr-FR" sz="800" noProof="1" smtClean="0">
                 <a:latin typeface="Cambria" panose="02040503050406030204" pitchFamily="18" charset="0"/>
                 <a:ea typeface="Arial Rounded MT Bold" charset="0"/>
                 <a:cs typeface="Arial Rounded MT Bold" charset="0"/>
               </a:rPr>
               <a:t>input TS 2</a:t>
             </a:r>
+            <a:endParaRPr lang="fr-FR" sz="800" noProof="1">
+              <a:latin typeface="Cambria" panose="02040503050406030204" pitchFamily="18" charset="0"/>
+              <a:ea typeface="Arial Rounded MT Bold" charset="0"/>
+              <a:cs typeface="Arial Rounded MT Bold" charset="0"/>
+            </a:endParaRPr>
           </a:p>
         </p:txBody>
       </p:sp>
       <p:sp>
         <p:nvSpPr>
-          <p:cNvPr id="178" name="ZoneTexte 177">
+          <p:cNvPr id="280" name="ZoneTexte 279">
             <a:extLst>
               <a:ext uri="{FF2B5EF4-FFF2-40B4-BE49-F238E27FC236}">
-                <a16:creationId xmlns:a16="http://schemas.microsoft.com/office/drawing/2014/main" id="{CD80FC3C-1E7A-C341-AB6B-3F80A5F70604}"/>
+                <a16:creationId xmlns="" xmlns:a16="http://schemas.microsoft.com/office/drawing/2014/main" id="{CD80FC3C-1E7A-C341-AB6B-3F80A5F70604}"/>
               </a:ext>
             </a:extLst>
           </p:cNvPr>
@@ -16055,7 +13091,7 @@
         </p:nvSpPr>
         <p:spPr>
           <a:xfrm>
-            <a:off x="763447" y="1326241"/>
+            <a:off x="744005" y="7514235"/>
             <a:ext cx="497713" cy="123111"/>
           </a:xfrm>
           <a:prstGeom prst="rect">
@@ -16070,22 +13106,27 @@
           <a:lstStyle/>
           <a:p>
             <a:r>
-              <a:rPr lang="fr-FR" sz="800" dirty="0">
+              <a:rPr lang="fr-FR" sz="800" noProof="1" smtClean="0">
                 <a:latin typeface="Cambria" panose="02040503050406030204" pitchFamily="18" charset="0"/>
                 <a:ea typeface="Arial Rounded MT Bold" charset="0"/>
                 <a:cs typeface="Arial Rounded MT Bold" charset="0"/>
               </a:rPr>
               <a:t>input TS 3</a:t>
             </a:r>
+            <a:endParaRPr lang="fr-FR" sz="800" noProof="1">
+              <a:latin typeface="Cambria" panose="02040503050406030204" pitchFamily="18" charset="0"/>
+              <a:ea typeface="Arial Rounded MT Bold" charset="0"/>
+              <a:cs typeface="Arial Rounded MT Bold" charset="0"/>
+            </a:endParaRPr>
           </a:p>
         </p:txBody>
       </p:sp>
       <p:sp>
         <p:nvSpPr>
-          <p:cNvPr id="179" name="Rectangle à coins arrondis 178">
+          <p:cNvPr id="281" name="Rectangle à coins arrondis 280">
             <a:extLst>
               <a:ext uri="{FF2B5EF4-FFF2-40B4-BE49-F238E27FC236}">
-                <a16:creationId xmlns:a16="http://schemas.microsoft.com/office/drawing/2014/main" id="{0E47B07A-E542-E94F-B3E2-4F4ABA87F78E}"/>
+                <a16:creationId xmlns="" xmlns:a16="http://schemas.microsoft.com/office/drawing/2014/main" id="{0E47B07A-E542-E94F-B3E2-4F4ABA87F78E}"/>
               </a:ext>
             </a:extLst>
           </p:cNvPr>
@@ -16094,7 +13135,7 @@
         </p:nvSpPr>
         <p:spPr>
           <a:xfrm>
-            <a:off x="2626191" y="2282036"/>
+            <a:off x="2626191" y="8475572"/>
             <a:ext cx="506101" cy="326360"/>
           </a:xfrm>
           <a:prstGeom prst="roundRect">
@@ -16134,7 +13175,7 @@
           <a:p>
             <a:pPr algn="ctr"/>
             <a:r>
-              <a:rPr lang="fr-FR" sz="800" dirty="0" err="1">
+              <a:rPr lang="fr-FR" sz="800" noProof="1" smtClean="0">
                 <a:solidFill>
                   <a:schemeClr val="tx1"/>
                 </a:solidFill>
@@ -16142,41 +13183,38 @@
                 <a:ea typeface="Arial Rounded MT Bold" charset="0"/>
                 <a:cs typeface="Arial Rounded MT Bold" charset="0"/>
               </a:rPr>
-              <a:t>Remote</a:t>
+              <a:t>Remote control</a:t>
             </a:r>
-            <a:r>
-              <a:rPr lang="fr-FR" sz="800" dirty="0">
-                <a:solidFill>
-                  <a:schemeClr val="tx1"/>
-                </a:solidFill>
-                <a:latin typeface="Cambria" panose="02040503050406030204" pitchFamily="18" charset="0"/>
-                <a:ea typeface="Arial Rounded MT Bold" charset="0"/>
-                <a:cs typeface="Arial Rounded MT Bold" charset="0"/>
-              </a:rPr>
-              <a:t> control</a:t>
-            </a:r>
+            <a:endParaRPr lang="fr-FR" sz="800" noProof="1">
+              <a:solidFill>
+                <a:schemeClr val="tx1"/>
+              </a:solidFill>
+              <a:latin typeface="Cambria" panose="02040503050406030204" pitchFamily="18" charset="0"/>
+              <a:ea typeface="Arial Rounded MT Bold" charset="0"/>
+              <a:cs typeface="Arial Rounded MT Bold" charset="0"/>
+            </a:endParaRPr>
           </a:p>
         </p:txBody>
       </p:sp>
       <p:cxnSp>
         <p:nvCxnSpPr>
-          <p:cNvPr id="180" name="Connecteur droit avec flèche 179">
+          <p:cNvPr id="282" name="Connecteur droit avec flèche 179">
             <a:extLst>
               <a:ext uri="{FF2B5EF4-FFF2-40B4-BE49-F238E27FC236}">
-                <a16:creationId xmlns:a16="http://schemas.microsoft.com/office/drawing/2014/main" id="{790BDF13-B28F-4A4B-8464-24DEEE7A347F}"/>
+                <a16:creationId xmlns="" xmlns:a16="http://schemas.microsoft.com/office/drawing/2014/main" id="{790BDF13-B28F-4A4B-8464-24DEEE7A347F}"/>
               </a:ext>
             </a:extLst>
           </p:cNvPr>
           <p:cNvCxnSpPr>
             <a:cxnSpLocks/>
-            <a:stCxn id="179" idx="3"/>
-            <a:endCxn id="153" idx="2"/>
+            <a:stCxn id="281" idx="3"/>
+            <a:endCxn id="255" idx="2"/>
           </p:cNvCxnSpPr>
           <p:nvPr/>
         </p:nvCxnSpPr>
         <p:spPr>
           <a:xfrm flipV="1">
-            <a:off x="3132292" y="1814585"/>
+            <a:off x="3132292" y="8008121"/>
             <a:ext cx="611219" cy="630631"/>
           </a:xfrm>
           <a:prstGeom prst="curvedConnector2">
@@ -16207,10 +13245,10 @@
       </p:cxnSp>
       <p:sp>
         <p:nvSpPr>
-          <p:cNvPr id="183" name="ZoneTexte 182">
+          <p:cNvPr id="283" name="ZoneTexte 282">
             <a:extLst>
               <a:ext uri="{FF2B5EF4-FFF2-40B4-BE49-F238E27FC236}">
-                <a16:creationId xmlns:a16="http://schemas.microsoft.com/office/drawing/2014/main" id="{0A8106A8-EA81-3B49-833A-1C0B7A03B6C3}"/>
+                <a16:creationId xmlns="" xmlns:a16="http://schemas.microsoft.com/office/drawing/2014/main" id="{0A8106A8-EA81-3B49-833A-1C0B7A03B6C3}"/>
               </a:ext>
             </a:extLst>
           </p:cNvPr>
@@ -16219,7 +13257,7 @@
         </p:nvSpPr>
         <p:spPr>
           <a:xfrm>
-            <a:off x="3795230" y="1875003"/>
+            <a:off x="3795230" y="8068539"/>
             <a:ext cx="962704" cy="738664"/>
           </a:xfrm>
           <a:prstGeom prst="rect">
@@ -16234,89 +13272,44 @@
           <a:lstStyle/>
           <a:p>
             <a:r>
-              <a:rPr lang="fr-FR" sz="800" dirty="0">
+              <a:rPr lang="fr-FR" sz="800" noProof="1" smtClean="0">
                 <a:latin typeface="Cambria" panose="02040503050406030204" pitchFamily="18" charset="0"/>
                 <a:ea typeface="Arial Rounded MT Bold" charset="0"/>
                 <a:cs typeface="Arial Rounded MT Bold" charset="0"/>
               </a:rPr>
-              <a:t>UDP </a:t>
+              <a:t>UDP datagram</a:t>
             </a:r>
-            <a:r>
-              <a:rPr lang="fr-FR" sz="800" dirty="0" err="1">
-                <a:latin typeface="Cambria" panose="02040503050406030204" pitchFamily="18" charset="0"/>
-                <a:ea typeface="Arial Rounded MT Bold" charset="0"/>
-                <a:cs typeface="Arial Rounded MT Bold" charset="0"/>
-              </a:rPr>
-              <a:t>datagram</a:t>
-            </a:r>
-            <a:endParaRPr lang="fr-FR" sz="800" dirty="0">
+          </a:p>
+          <a:p>
+            <a:endParaRPr lang="fr-FR" sz="800" noProof="1" smtClean="0">
               <a:latin typeface="Cambria" panose="02040503050406030204" pitchFamily="18" charset="0"/>
               <a:ea typeface="Arial Rounded MT Bold" charset="0"/>
               <a:cs typeface="Arial Rounded MT Bold" charset="0"/>
             </a:endParaRPr>
           </a:p>
           <a:p>
-            <a:endParaRPr lang="fr-FR" sz="800" dirty="0">
-              <a:latin typeface="Cambria" panose="02040503050406030204" pitchFamily="18" charset="0"/>
-              <a:ea typeface="Arial Rounded MT Bold" charset="0"/>
-              <a:cs typeface="Arial Rounded MT Bold" charset="0"/>
-            </a:endParaRPr>
-          </a:p>
-          <a:p>
             <a:r>
-              <a:rPr lang="fr-FR" sz="800" dirty="0">
+              <a:rPr lang="fr-FR" sz="800" noProof="1" smtClean="0">
                 <a:latin typeface="Consolas" panose="020B0609020204030204" pitchFamily="49" charset="0"/>
                 <a:ea typeface="Arial Rounded MT Bold" charset="0"/>
                 <a:cs typeface="Consolas" panose="020B0609020204030204" pitchFamily="49" charset="0"/>
               </a:rPr>
-              <a:t>"0"  "</a:t>
+              <a:t>"0"  "next"</a:t>
             </a:r>
+          </a:p>
+          <a:p>
             <a:r>
-              <a:rPr lang="fr-FR" sz="800" dirty="0" err="1">
+              <a:rPr lang="fr-FR" sz="800" noProof="1" smtClean="0">
                 <a:latin typeface="Consolas" panose="020B0609020204030204" pitchFamily="49" charset="0"/>
                 <a:ea typeface="Arial Rounded MT Bold" charset="0"/>
                 <a:cs typeface="Consolas" panose="020B0609020204030204" pitchFamily="49" charset="0"/>
               </a:rPr>
-              <a:t>next</a:t>
+              <a:t>"1"  "previous"</a:t>
             </a:r>
+          </a:p>
+          <a:p>
             <a:r>
-              <a:rPr lang="fr-FR" sz="800" dirty="0">
-                <a:latin typeface="Consolas" panose="020B0609020204030204" pitchFamily="49" charset="0"/>
-                <a:ea typeface="Arial Rounded MT Bold" charset="0"/>
-                <a:cs typeface="Consolas" panose="020B0609020204030204" pitchFamily="49" charset="0"/>
-              </a:rPr>
-              <a:t>"</a:t>
-            </a:r>
-          </a:p>
-          <a:p>
-            <a:r>
-              <a:rPr lang="fr-FR" sz="800" dirty="0">
-                <a:latin typeface="Consolas" panose="020B0609020204030204" pitchFamily="49" charset="0"/>
-                <a:ea typeface="Arial Rounded MT Bold" charset="0"/>
-                <a:cs typeface="Consolas" panose="020B0609020204030204" pitchFamily="49" charset="0"/>
-              </a:rPr>
-              <a:t>"1"  "</a:t>
-            </a:r>
-            <a:r>
-              <a:rPr lang="fr-FR" sz="800" dirty="0" err="1">
-                <a:latin typeface="Consolas" panose="020B0609020204030204" pitchFamily="49" charset="0"/>
-                <a:ea typeface="Arial Rounded MT Bold" charset="0"/>
-                <a:cs typeface="Consolas" panose="020B0609020204030204" pitchFamily="49" charset="0"/>
-              </a:rPr>
-              <a:t>previous</a:t>
-            </a:r>
-            <a:r>
-              <a:rPr lang="fr-FR" sz="800" dirty="0">
-                <a:latin typeface="Consolas" panose="020B0609020204030204" pitchFamily="49" charset="0"/>
-                <a:ea typeface="Arial Rounded MT Bold" charset="0"/>
-                <a:cs typeface="Consolas" panose="020B0609020204030204" pitchFamily="49" charset="0"/>
-              </a:rPr>
-              <a:t>"</a:t>
-            </a:r>
-          </a:p>
-          <a:p>
-            <a:r>
-              <a:rPr lang="fr-FR" sz="800" dirty="0">
+              <a:rPr lang="fr-FR" sz="800" noProof="1" smtClean="0">
                 <a:latin typeface="Consolas" panose="020B0609020204030204" pitchFamily="49" charset="0"/>
                 <a:ea typeface="Arial Rounded MT Bold" charset="0"/>
                 <a:cs typeface="Consolas" panose="020B0609020204030204" pitchFamily="49" charset="0"/>
@@ -16326,20 +13319,720 @@
           </a:p>
           <a:p>
             <a:r>
-              <a:rPr lang="fr-FR" sz="800" dirty="0">
+              <a:rPr lang="fr-FR" sz="800" noProof="1" smtClean="0">
                 <a:latin typeface="Consolas" panose="020B0609020204030204" pitchFamily="49" charset="0"/>
                 <a:ea typeface="Arial Rounded MT Bold" charset="0"/>
                 <a:cs typeface="Consolas" panose="020B0609020204030204" pitchFamily="49" charset="0"/>
               </a:rPr>
               <a:t>"3"</a:t>
             </a:r>
+            <a:endParaRPr lang="fr-FR" sz="800" noProof="1">
+              <a:latin typeface="Consolas" panose="020B0609020204030204" pitchFamily="49" charset="0"/>
+              <a:ea typeface="Arial Rounded MT Bold" charset="0"/>
+              <a:cs typeface="Consolas" panose="020B0609020204030204" pitchFamily="49" charset="0"/>
+            </a:endParaRPr>
+          </a:p>
+        </p:txBody>
+      </p:sp>
+      <p:sp>
+        <p:nvSpPr>
+          <p:cNvPr id="158" name="Rectangle à coins arrondis 157">
+            <a:extLst>
+              <a:ext uri="{FF2B5EF4-FFF2-40B4-BE49-F238E27FC236}">
+                <a16:creationId xmlns="" xmlns:a16="http://schemas.microsoft.com/office/drawing/2014/main" id="{F16D29F8-F334-CB4D-BFD1-BD53652E3698}"/>
+              </a:ext>
+            </a:extLst>
+          </p:cNvPr>
+          <p:cNvSpPr/>
+          <p:nvPr/>
+        </p:nvSpPr>
+        <p:spPr>
+          <a:xfrm>
+            <a:off x="710753" y="6753929"/>
+            <a:ext cx="506101" cy="326360"/>
+          </a:xfrm>
+          <a:prstGeom prst="roundRect">
+            <a:avLst/>
+          </a:prstGeom>
+          <a:solidFill>
+            <a:schemeClr val="accent6">
+              <a:lumMod val="40000"/>
+              <a:lumOff val="60000"/>
+            </a:schemeClr>
+          </a:solidFill>
+          <a:ln>
+            <a:solidFill>
+              <a:schemeClr val="bg1"/>
+            </a:solidFill>
+          </a:ln>
+        </p:spPr>
+        <p:style>
+          <a:lnRef idx="2">
+            <a:schemeClr val="accent1">
+              <a:shade val="50000"/>
+            </a:schemeClr>
+          </a:lnRef>
+          <a:fillRef idx="1">
+            <a:schemeClr val="accent1"/>
+          </a:fillRef>
+          <a:effectRef idx="0">
+            <a:schemeClr val="accent1"/>
+          </a:effectRef>
+          <a:fontRef idx="minor">
+            <a:schemeClr val="lt1"/>
+          </a:fontRef>
+        </p:style>
+        <p:txBody>
+          <a:bodyPr lIns="36000" rIns="36000" rtlCol="0" anchor="ctr"/>
+          <a:lstStyle/>
+          <a:p>
+            <a:pPr algn="ctr"/>
+            <a:r>
+              <a:rPr lang="fr-FR" sz="800" noProof="1" smtClean="0">
+                <a:solidFill>
+                  <a:schemeClr val="tx1"/>
+                </a:solidFill>
+                <a:latin typeface="Cambria" panose="02040503050406030204" pitchFamily="18" charset="0"/>
+                <a:ea typeface="Arial Rounded MT Bold" charset="0"/>
+                <a:cs typeface="Arial Rounded MT Bold" charset="0"/>
+              </a:rPr>
+              <a:t>DVB</a:t>
+            </a:r>
+          </a:p>
+          <a:p>
+            <a:pPr algn="ctr"/>
+            <a:r>
+              <a:rPr lang="fr-FR" sz="800" noProof="1" smtClean="0">
+                <a:solidFill>
+                  <a:schemeClr val="tx1"/>
+                </a:solidFill>
+                <a:latin typeface="Cambria" panose="02040503050406030204" pitchFamily="18" charset="0"/>
+                <a:ea typeface="Arial Rounded MT Bold" charset="0"/>
+                <a:cs typeface="Arial Rounded MT Bold" charset="0"/>
+              </a:rPr>
+              <a:t>tuner 0</a:t>
+            </a:r>
+            <a:endParaRPr lang="fr-FR" sz="800" noProof="1">
+              <a:solidFill>
+                <a:schemeClr val="tx1"/>
+              </a:solidFill>
+              <a:latin typeface="Cambria" panose="02040503050406030204" pitchFamily="18" charset="0"/>
+              <a:ea typeface="Arial Rounded MT Bold" charset="0"/>
+              <a:cs typeface="Arial Rounded MT Bold" charset="0"/>
+            </a:endParaRPr>
+          </a:p>
+        </p:txBody>
+      </p:sp>
+      <p:cxnSp>
+        <p:nvCxnSpPr>
+          <p:cNvPr id="159" name="Connecteur droit 158">
+            <a:extLst>
+              <a:ext uri="{FF2B5EF4-FFF2-40B4-BE49-F238E27FC236}">
+                <a16:creationId xmlns="" xmlns:a16="http://schemas.microsoft.com/office/drawing/2014/main" id="{21FEE28B-F787-BA47-B678-2E1BC9B22353}"/>
+              </a:ext>
+            </a:extLst>
+          </p:cNvPr>
+          <p:cNvCxnSpPr/>
+          <p:nvPr/>
+        </p:nvCxnSpPr>
+        <p:spPr>
+          <a:xfrm flipH="1" flipV="1">
+            <a:off x="307137" y="6910309"/>
+            <a:ext cx="417457" cy="6800"/>
+          </a:xfrm>
+          <a:prstGeom prst="line">
+            <a:avLst/>
+          </a:prstGeom>
+          <a:ln w="31750">
+            <a:solidFill>
+              <a:schemeClr val="tx1"/>
+            </a:solidFill>
+            <a:headEnd type="triangle" w="med" len="med"/>
+            <a:tailEnd type="none" w="med" len="med"/>
+          </a:ln>
+        </p:spPr>
+        <p:style>
+          <a:lnRef idx="1">
+            <a:schemeClr val="accent1"/>
+          </a:lnRef>
+          <a:fillRef idx="0">
+            <a:schemeClr val="accent1"/>
+          </a:fillRef>
+          <a:effectRef idx="0">
+            <a:schemeClr val="accent1"/>
+          </a:effectRef>
+          <a:fontRef idx="minor">
+            <a:schemeClr val="tx1"/>
+          </a:fontRef>
+        </p:style>
+      </p:cxnSp>
+      <p:pic>
+        <p:nvPicPr>
+          <p:cNvPr id="160" name="Picture 3">
+            <a:extLst>
+              <a:ext uri="{FF2B5EF4-FFF2-40B4-BE49-F238E27FC236}">
+                <a16:creationId xmlns="" xmlns:a16="http://schemas.microsoft.com/office/drawing/2014/main" id="{8B89C201-BA7A-3547-9956-97C9C5593DB9}"/>
+              </a:ext>
+            </a:extLst>
+          </p:cNvPr>
+          <p:cNvPicPr>
+            <a:picLocks noChangeAspect="1" noChangeArrowheads="1"/>
+          </p:cNvPicPr>
+          <p:nvPr/>
+        </p:nvPicPr>
+        <p:blipFill>
+          <a:blip r:embed="rId3">
+            <a:extLst>
+              <a:ext uri="{28A0092B-C50C-407E-A947-70E740481C1C}">
+                <a14:useLocalDpi xmlns:a14="http://schemas.microsoft.com/office/drawing/2010/main" val="0"/>
+              </a:ext>
+            </a:extLst>
+          </a:blip>
+          <a:srcRect/>
+          <a:stretch>
+            <a:fillRect/>
+          </a:stretch>
+        </p:blipFill>
+        <p:spPr bwMode="auto">
+          <a:xfrm flipH="1">
+            <a:off x="211596" y="6524957"/>
+            <a:ext cx="399016" cy="399016"/>
+          </a:xfrm>
+          <a:prstGeom prst="rect">
+            <a:avLst/>
+          </a:prstGeom>
+          <a:noFill/>
+          <a:ln>
+            <a:noFill/>
+          </a:ln>
+          <a:effectLst/>
+          <a:extLst>
+            <a:ext uri="{909E8E84-426E-40DD-AFC4-6F175D3DCCD1}">
+              <a14:hiddenFill xmlns:a14="http://schemas.microsoft.com/office/drawing/2010/main">
+                <a:solidFill>
+                  <a:schemeClr val="accent1"/>
+                </a:solidFill>
+              </a14:hiddenFill>
+            </a:ext>
+            <a:ext uri="{91240B29-F687-4F45-9708-019B960494DF}">
+              <a14:hiddenLine xmlns:a14="http://schemas.microsoft.com/office/drawing/2010/main" w="9525">
+                <a:solidFill>
+                  <a:schemeClr val="tx1"/>
+                </a:solidFill>
+                <a:miter lim="800000"/>
+                <a:headEnd/>
+                <a:tailEnd/>
+              </a14:hiddenLine>
+            </a:ext>
+            <a:ext uri="{AF507438-7753-43E0-B8FC-AC1667EBCBE1}">
+              <a14:hiddenEffects xmlns:a14="http://schemas.microsoft.com/office/drawing/2010/main">
+                <a:effectLst>
+                  <a:outerShdw dist="35921" dir="2700000" algn="ctr" rotWithShape="0">
+                    <a:schemeClr val="bg2"/>
+                  </a:outerShdw>
+                </a:effectLst>
+              </a14:hiddenEffects>
+            </a:ext>
+          </a:extLst>
+        </p:spPr>
+      </p:pic>
+      <p:sp>
+        <p:nvSpPr>
+          <p:cNvPr id="162" name="Rectangle à coins arrondis 161">
+            <a:extLst>
+              <a:ext uri="{FF2B5EF4-FFF2-40B4-BE49-F238E27FC236}">
+                <a16:creationId xmlns="" xmlns:a16="http://schemas.microsoft.com/office/drawing/2014/main" id="{207176EF-D58B-9F42-B51F-EDF84066C434}"/>
+              </a:ext>
+            </a:extLst>
+          </p:cNvPr>
+          <p:cNvSpPr/>
+          <p:nvPr/>
+        </p:nvSpPr>
+        <p:spPr>
+          <a:xfrm>
+            <a:off x="1308829" y="6615142"/>
+            <a:ext cx="1675892" cy="501844"/>
+          </a:xfrm>
+          <a:prstGeom prst="roundRect">
+            <a:avLst>
+              <a:gd name="adj" fmla="val 3969"/>
+            </a:avLst>
+          </a:prstGeom>
+          <a:solidFill>
+            <a:schemeClr val="accent6">
+              <a:lumMod val="40000"/>
+              <a:lumOff val="60000"/>
+            </a:schemeClr>
+          </a:solidFill>
+          <a:ln>
+            <a:noFill/>
+          </a:ln>
+        </p:spPr>
+        <p:style>
+          <a:lnRef idx="2">
+            <a:schemeClr val="accent1">
+              <a:shade val="50000"/>
+            </a:schemeClr>
+          </a:lnRef>
+          <a:fillRef idx="1">
+            <a:schemeClr val="accent1"/>
+          </a:fillRef>
+          <a:effectRef idx="0">
+            <a:schemeClr val="accent1"/>
+          </a:effectRef>
+          <a:fontRef idx="minor">
+            <a:schemeClr val="lt1"/>
+          </a:fontRef>
+        </p:style>
+        <p:txBody>
+          <a:bodyPr tIns="0" rtlCol="0" anchor="t" anchorCtr="0"/>
+          <a:lstStyle/>
+          <a:p>
+            <a:pPr algn="ctr"/>
+            <a:r>
+              <a:rPr lang="fr-FR" sz="900" b="1" noProof="1" smtClean="0">
+                <a:solidFill>
+                  <a:schemeClr val="tx1"/>
+                </a:solidFill>
+                <a:latin typeface="Cambria" panose="02040503050406030204" pitchFamily="18" charset="0"/>
+                <a:ea typeface="Arial Rounded MT Bold" charset="0"/>
+                <a:cs typeface="Arial Rounded MT Bold" charset="0"/>
+              </a:rPr>
+              <a:t>tsp</a:t>
+            </a:r>
+            <a:endParaRPr lang="fr-FR" sz="800" b="1" noProof="1">
+              <a:solidFill>
+                <a:schemeClr val="tx1"/>
+              </a:solidFill>
+              <a:latin typeface="Cambria" panose="02040503050406030204" pitchFamily="18" charset="0"/>
+              <a:ea typeface="Arial Rounded MT Bold" charset="0"/>
+              <a:cs typeface="Arial Rounded MT Bold" charset="0"/>
+            </a:endParaRPr>
+          </a:p>
+        </p:txBody>
+      </p:sp>
+      <p:sp>
+        <p:nvSpPr>
+          <p:cNvPr id="163" name="Rectangle à coins arrondis 162">
+            <a:extLst>
+              <a:ext uri="{FF2B5EF4-FFF2-40B4-BE49-F238E27FC236}">
+                <a16:creationId xmlns="" xmlns:a16="http://schemas.microsoft.com/office/drawing/2014/main" id="{0EBD748A-8AD9-2C46-89B4-4F6A71D46447}"/>
+              </a:ext>
+            </a:extLst>
+          </p:cNvPr>
+          <p:cNvSpPr/>
+          <p:nvPr/>
+        </p:nvSpPr>
+        <p:spPr>
+          <a:xfrm>
+            <a:off x="1442816" y="6794889"/>
+            <a:ext cx="380241" cy="245199"/>
+          </a:xfrm>
+          <a:prstGeom prst="roundRect">
+            <a:avLst/>
+          </a:prstGeom>
+          <a:solidFill>
+            <a:srgbClr val="1F8A4C"/>
+          </a:solidFill>
+          <a:ln>
+            <a:noFill/>
+          </a:ln>
+        </p:spPr>
+        <p:style>
+          <a:lnRef idx="2">
+            <a:schemeClr val="accent1">
+              <a:shade val="50000"/>
+            </a:schemeClr>
+          </a:lnRef>
+          <a:fillRef idx="1">
+            <a:schemeClr val="accent1"/>
+          </a:fillRef>
+          <a:effectRef idx="0">
+            <a:schemeClr val="accent1"/>
+          </a:effectRef>
+          <a:fontRef idx="minor">
+            <a:schemeClr val="lt1"/>
+          </a:fontRef>
+        </p:style>
+        <p:txBody>
+          <a:bodyPr lIns="36000" rIns="36000" rtlCol="0" anchor="ctr"/>
+          <a:lstStyle/>
+          <a:p>
+            <a:pPr algn="ctr"/>
+            <a:r>
+              <a:rPr lang="fr-FR" sz="800" b="1" noProof="1" smtClean="0">
+                <a:latin typeface="Consolas" panose="020B0609020204030204" pitchFamily="49" charset="0"/>
+                <a:cs typeface="Consolas" panose="020B0609020204030204" pitchFamily="49" charset="0"/>
+              </a:rPr>
+              <a:t>dvb</a:t>
+            </a:r>
+            <a:endParaRPr lang="fr-FR" sz="800" b="1" noProof="1">
+              <a:latin typeface="Consolas" panose="020B0609020204030204" pitchFamily="49" charset="0"/>
+              <a:cs typeface="Consolas" panose="020B0609020204030204" pitchFamily="49" charset="0"/>
+            </a:endParaRPr>
+          </a:p>
+        </p:txBody>
+      </p:sp>
+      <p:sp>
+        <p:nvSpPr>
+          <p:cNvPr id="164" name="Rectangle à coins arrondis 163">
+            <a:extLst>
+              <a:ext uri="{FF2B5EF4-FFF2-40B4-BE49-F238E27FC236}">
+                <a16:creationId xmlns="" xmlns:a16="http://schemas.microsoft.com/office/drawing/2014/main" id="{FF06C02C-F215-8D4F-A8E5-8095AD1B4B48}"/>
+              </a:ext>
+            </a:extLst>
+          </p:cNvPr>
+          <p:cNvSpPr/>
+          <p:nvPr/>
+        </p:nvSpPr>
+        <p:spPr>
+          <a:xfrm>
+            <a:off x="1967554" y="6794889"/>
+            <a:ext cx="380241" cy="245199"/>
+          </a:xfrm>
+          <a:prstGeom prst="roundRect">
+            <a:avLst/>
+          </a:prstGeom>
+          <a:solidFill>
+            <a:srgbClr val="1F8A4C"/>
+          </a:solidFill>
+          <a:ln>
+            <a:noFill/>
+          </a:ln>
+        </p:spPr>
+        <p:style>
+          <a:lnRef idx="2">
+            <a:schemeClr val="accent1">
+              <a:shade val="50000"/>
+            </a:schemeClr>
+          </a:lnRef>
+          <a:fillRef idx="1">
+            <a:schemeClr val="accent1"/>
+          </a:fillRef>
+          <a:effectRef idx="0">
+            <a:schemeClr val="accent1"/>
+          </a:effectRef>
+          <a:fontRef idx="minor">
+            <a:schemeClr val="lt1"/>
+          </a:fontRef>
+        </p:style>
+        <p:txBody>
+          <a:bodyPr lIns="36000" rIns="36000" rtlCol="0" anchor="ctr"/>
+          <a:lstStyle/>
+          <a:p>
+            <a:pPr algn="ctr"/>
+            <a:r>
+              <a:rPr lang="fr-FR" sz="800" b="1" noProof="1" smtClean="0">
+                <a:latin typeface="Consolas" panose="020B0609020204030204" pitchFamily="49" charset="0"/>
+                <a:cs typeface="Consolas" panose="020B0609020204030204" pitchFamily="49" charset="0"/>
+              </a:rPr>
+              <a:t>zap</a:t>
+            </a:r>
+            <a:endParaRPr lang="fr-FR" sz="800" b="1" noProof="1">
+              <a:latin typeface="Consolas" panose="020B0609020204030204" pitchFamily="49" charset="0"/>
+              <a:cs typeface="Consolas" panose="020B0609020204030204" pitchFamily="49" charset="0"/>
+            </a:endParaRPr>
+          </a:p>
+        </p:txBody>
+      </p:sp>
+      <p:sp>
+        <p:nvSpPr>
+          <p:cNvPr id="165" name="Rectangle à coins arrondis 164">
+            <a:extLst>
+              <a:ext uri="{FF2B5EF4-FFF2-40B4-BE49-F238E27FC236}">
+                <a16:creationId xmlns="" xmlns:a16="http://schemas.microsoft.com/office/drawing/2014/main" id="{DC06761C-E5D6-8C40-8FE7-6EAC716FC474}"/>
+              </a:ext>
+            </a:extLst>
+          </p:cNvPr>
+          <p:cNvSpPr/>
+          <p:nvPr/>
+        </p:nvSpPr>
+        <p:spPr>
+          <a:xfrm>
+            <a:off x="2506253" y="6794889"/>
+            <a:ext cx="380241" cy="245199"/>
+          </a:xfrm>
+          <a:prstGeom prst="roundRect">
+            <a:avLst/>
+          </a:prstGeom>
+          <a:solidFill>
+            <a:srgbClr val="1F8A4C"/>
+          </a:solidFill>
+          <a:ln>
+            <a:noFill/>
+          </a:ln>
+        </p:spPr>
+        <p:style>
+          <a:lnRef idx="2">
+            <a:schemeClr val="accent1">
+              <a:shade val="50000"/>
+            </a:schemeClr>
+          </a:lnRef>
+          <a:fillRef idx="1">
+            <a:schemeClr val="accent1"/>
+          </a:fillRef>
+          <a:effectRef idx="0">
+            <a:schemeClr val="accent1"/>
+          </a:effectRef>
+          <a:fontRef idx="minor">
+            <a:schemeClr val="lt1"/>
+          </a:fontRef>
+        </p:style>
+        <p:txBody>
+          <a:bodyPr lIns="36000" rIns="36000" rtlCol="0" anchor="ctr"/>
+          <a:lstStyle/>
+          <a:p>
+            <a:pPr algn="ctr"/>
+            <a:r>
+              <a:rPr lang="fr-FR" sz="800" b="1" noProof="1" smtClean="0">
+                <a:latin typeface="Consolas" panose="020B0609020204030204" pitchFamily="49" charset="0"/>
+                <a:ea typeface="Arial Rounded MT Bold" charset="0"/>
+                <a:cs typeface="Consolas" panose="020B0609020204030204" pitchFamily="49" charset="0"/>
+              </a:rPr>
+              <a:t>file</a:t>
+            </a:r>
+            <a:endParaRPr lang="fr-FR" sz="800" i="1" noProof="1">
+              <a:latin typeface="Cambria" panose="02040503050406030204" pitchFamily="18" charset="0"/>
+              <a:ea typeface="Arial Rounded MT Bold" charset="0"/>
+              <a:cs typeface="Arial Rounded MT Bold" charset="0"/>
+            </a:endParaRPr>
+          </a:p>
+        </p:txBody>
+      </p:sp>
+      <p:cxnSp>
+        <p:nvCxnSpPr>
+          <p:cNvPr id="166" name="Connecteur droit avec flèche 165">
+            <a:extLst>
+              <a:ext uri="{FF2B5EF4-FFF2-40B4-BE49-F238E27FC236}">
+                <a16:creationId xmlns="" xmlns:a16="http://schemas.microsoft.com/office/drawing/2014/main" id="{917022DD-9C4E-8C4F-8EF4-DC025172FC05}"/>
+              </a:ext>
+            </a:extLst>
+          </p:cNvPr>
+          <p:cNvCxnSpPr>
+            <a:stCxn id="163" idx="3"/>
+            <a:endCxn id="164" idx="1"/>
+          </p:cNvCxnSpPr>
+          <p:nvPr/>
+        </p:nvCxnSpPr>
+        <p:spPr>
+          <a:xfrm>
+            <a:off x="1823057" y="6917490"/>
+            <a:ext cx="144497" cy="0"/>
+          </a:xfrm>
+          <a:prstGeom prst="straightConnector1">
+            <a:avLst/>
+          </a:prstGeom>
+          <a:ln w="19050">
+            <a:solidFill>
+              <a:schemeClr val="tx1"/>
+            </a:solidFill>
+            <a:prstDash val="sysDash"/>
+            <a:tailEnd type="triangle"/>
+          </a:ln>
+        </p:spPr>
+        <p:style>
+          <a:lnRef idx="1">
+            <a:schemeClr val="accent1"/>
+          </a:lnRef>
+          <a:fillRef idx="0">
+            <a:schemeClr val="accent1"/>
+          </a:fillRef>
+          <a:effectRef idx="0">
+            <a:schemeClr val="accent1"/>
+          </a:effectRef>
+          <a:fontRef idx="minor">
+            <a:schemeClr val="tx1"/>
+          </a:fontRef>
+        </p:style>
+      </p:cxnSp>
+      <p:cxnSp>
+        <p:nvCxnSpPr>
+          <p:cNvPr id="167" name="Connecteur droit avec flèche 166">
+            <a:extLst>
+              <a:ext uri="{FF2B5EF4-FFF2-40B4-BE49-F238E27FC236}">
+                <a16:creationId xmlns="" xmlns:a16="http://schemas.microsoft.com/office/drawing/2014/main" id="{C8A7163D-1B73-8544-BEB6-5055C4559C5C}"/>
+              </a:ext>
+            </a:extLst>
+          </p:cNvPr>
+          <p:cNvCxnSpPr>
+            <a:cxnSpLocks/>
+            <a:endCxn id="165" idx="1"/>
+          </p:cNvCxnSpPr>
+          <p:nvPr/>
+        </p:nvCxnSpPr>
+        <p:spPr>
+          <a:xfrm flipV="1">
+            <a:off x="2359397" y="6917490"/>
+            <a:ext cx="146857" cy="4184"/>
+          </a:xfrm>
+          <a:prstGeom prst="straightConnector1">
+            <a:avLst/>
+          </a:prstGeom>
+          <a:ln w="19050">
+            <a:solidFill>
+              <a:schemeClr val="tx1"/>
+            </a:solidFill>
+            <a:prstDash val="sysDash"/>
+            <a:tailEnd type="triangle"/>
+          </a:ln>
+        </p:spPr>
+        <p:style>
+          <a:lnRef idx="1">
+            <a:schemeClr val="accent1"/>
+          </a:lnRef>
+          <a:fillRef idx="0">
+            <a:schemeClr val="accent1"/>
+          </a:fillRef>
+          <a:effectRef idx="0">
+            <a:schemeClr val="accent1"/>
+          </a:effectRef>
+          <a:fontRef idx="minor">
+            <a:schemeClr val="tx1"/>
+          </a:fontRef>
+        </p:style>
+      </p:cxnSp>
+      <p:cxnSp>
+        <p:nvCxnSpPr>
+          <p:cNvPr id="168" name="Connecteur droit avec flèche 167">
+            <a:extLst>
+              <a:ext uri="{FF2B5EF4-FFF2-40B4-BE49-F238E27FC236}">
+                <a16:creationId xmlns="" xmlns:a16="http://schemas.microsoft.com/office/drawing/2014/main" id="{0EB21763-B322-DA48-835F-2AC58953056D}"/>
+              </a:ext>
+            </a:extLst>
+          </p:cNvPr>
+          <p:cNvCxnSpPr>
+            <a:cxnSpLocks/>
+            <a:stCxn id="158" idx="3"/>
+            <a:endCxn id="163" idx="1"/>
+          </p:cNvCxnSpPr>
+          <p:nvPr/>
+        </p:nvCxnSpPr>
+        <p:spPr>
+          <a:xfrm>
+            <a:off x="1216854" y="6917109"/>
+            <a:ext cx="225963" cy="381"/>
+          </a:xfrm>
+          <a:prstGeom prst="straightConnector1">
+            <a:avLst/>
+          </a:prstGeom>
+          <a:ln w="19050">
+            <a:solidFill>
+              <a:schemeClr val="tx1"/>
+            </a:solidFill>
+            <a:prstDash val="sysDash"/>
+            <a:tailEnd type="triangle"/>
+          </a:ln>
+        </p:spPr>
+        <p:style>
+          <a:lnRef idx="1">
+            <a:schemeClr val="accent1"/>
+          </a:lnRef>
+          <a:fillRef idx="0">
+            <a:schemeClr val="accent1"/>
+          </a:fillRef>
+          <a:effectRef idx="0">
+            <a:schemeClr val="accent1"/>
+          </a:effectRef>
+          <a:fontRef idx="minor">
+            <a:schemeClr val="tx1"/>
+          </a:fontRef>
+        </p:style>
+      </p:cxnSp>
+      <p:cxnSp>
+        <p:nvCxnSpPr>
+          <p:cNvPr id="169" name="Connecteur droit avec flèche 168">
+            <a:extLst>
+              <a:ext uri="{FF2B5EF4-FFF2-40B4-BE49-F238E27FC236}">
+                <a16:creationId xmlns="" xmlns:a16="http://schemas.microsoft.com/office/drawing/2014/main" id="{51025ACC-3151-1E4B-AB8E-659FC8729762}"/>
+              </a:ext>
+            </a:extLst>
+          </p:cNvPr>
+          <p:cNvCxnSpPr>
+            <a:cxnSpLocks/>
+            <a:stCxn id="165" idx="3"/>
+            <a:endCxn id="256" idx="1"/>
+          </p:cNvCxnSpPr>
+          <p:nvPr/>
+        </p:nvCxnSpPr>
+        <p:spPr>
+          <a:xfrm flipV="1">
+            <a:off x="2886494" y="6916358"/>
+            <a:ext cx="328093" cy="1131"/>
+          </a:xfrm>
+          <a:prstGeom prst="straightConnector1">
+            <a:avLst/>
+          </a:prstGeom>
+          <a:ln w="19050">
+            <a:solidFill>
+              <a:schemeClr val="tx1"/>
+            </a:solidFill>
+            <a:prstDash val="sysDash"/>
+            <a:tailEnd type="triangle"/>
+          </a:ln>
+        </p:spPr>
+        <p:style>
+          <a:lnRef idx="1">
+            <a:schemeClr val="accent1"/>
+          </a:lnRef>
+          <a:fillRef idx="0">
+            <a:schemeClr val="accent1"/>
+          </a:fillRef>
+          <a:effectRef idx="0">
+            <a:schemeClr val="accent1"/>
+          </a:effectRef>
+          <a:fontRef idx="minor">
+            <a:schemeClr val="tx1"/>
+          </a:fontRef>
+        </p:style>
+      </p:cxnSp>
+      <p:sp>
+        <p:nvSpPr>
+          <p:cNvPr id="172" name="ZoneTexte 171">
+            <a:extLst>
+              <a:ext uri="{FF2B5EF4-FFF2-40B4-BE49-F238E27FC236}">
+                <a16:creationId xmlns="" xmlns:a16="http://schemas.microsoft.com/office/drawing/2014/main" id="{CD80FC3C-1E7A-C341-AB6B-3F80A5F70604}"/>
+              </a:ext>
+            </a:extLst>
+          </p:cNvPr>
+          <p:cNvSpPr txBox="1"/>
+          <p:nvPr/>
+        </p:nvSpPr>
+        <p:spPr>
+          <a:xfrm>
+            <a:off x="744005" y="6613865"/>
+            <a:ext cx="497713" cy="123111"/>
+          </a:xfrm>
+          <a:prstGeom prst="rect">
+            <a:avLst/>
+          </a:prstGeom>
+          <a:noFill/>
+        </p:spPr>
+        <p:txBody>
+          <a:bodyPr wrap="square" lIns="0" tIns="0" rIns="0" bIns="0" rtlCol="0">
+            <a:spAutoFit/>
+          </a:bodyPr>
+          <a:lstStyle/>
+          <a:p>
+            <a:r>
+              <a:rPr lang="fr-FR" sz="800" noProof="1" smtClean="0">
+                <a:latin typeface="Cambria" panose="02040503050406030204" pitchFamily="18" charset="0"/>
+                <a:ea typeface="Arial Rounded MT Bold" charset="0"/>
+                <a:cs typeface="Arial Rounded MT Bold" charset="0"/>
+              </a:rPr>
+              <a:t>input TS 0</a:t>
+            </a:r>
+            <a:endParaRPr lang="fr-FR" sz="800" noProof="1">
+              <a:latin typeface="Cambria" panose="02040503050406030204" pitchFamily="18" charset="0"/>
+              <a:ea typeface="Arial Rounded MT Bold" charset="0"/>
+              <a:cs typeface="Arial Rounded MT Bold" charset="0"/>
+            </a:endParaRPr>
           </a:p>
         </p:txBody>
       </p:sp>
     </p:spTree>
     <p:extLst>
       <p:ext uri="{BB962C8B-B14F-4D97-AF65-F5344CB8AC3E}">
-        <p14:creationId xmlns:p14="http://schemas.microsoft.com/office/powerpoint/2010/main" val="3150657054"/>
+        <p14:creationId xmlns:p14="http://schemas.microsoft.com/office/powerpoint/2010/main" val="582378489"/>
       </p:ext>
     </p:extLst>
   </p:cSld>
@@ -16604,7 +14297,7 @@
   <a:extraClrSchemeLst/>
   <a:extLst>
     <a:ext uri="{05A4C25C-085E-4340-85A3-A5531E510DB2}">
-      <thm15:themeFamily xmlns:thm15="http://schemas.microsoft.com/office/thememl/2012/main" name="Office Theme" id="{62F939B6-93AF-4DB8-9C6B-D6C7DFDC589F}" vid="{4A3C46E8-61CC-4603-A589-7422A47A8E4A}"/>
+      <thm15:themeFamily xmlns="" xmlns:thm15="http://schemas.microsoft.com/office/thememl/2012/main" name="Office Theme" id="{62F939B6-93AF-4DB8-9C6B-D6C7DFDC589F}" vid="{4A3C46E8-61CC-4603-A589-7422A47A8E4A}"/>
     </a:ext>
   </a:extLst>
 </a:theme>

--- a/doc/tsduck-diagrams.pptx
+++ b/doc/tsduck-diagrams.pptx
@@ -257,7 +257,7 @@
           <a:p>
             <a:fld id="{58A7CDC3-5B40-B341-B3D1-EE720DBB9E8A}" type="datetimeFigureOut">
               <a:rPr lang="fr-FR" smtClean="0"/>
-              <a:t>05/02/2021</a:t>
+              <a:t>17/03/2021</a:t>
             </a:fld>
             <a:endParaRPr lang="fr-FR"/>
           </a:p>
@@ -422,7 +422,7 @@
           <a:p>
             <a:fld id="{58A7CDC3-5B40-B341-B3D1-EE720DBB9E8A}" type="datetimeFigureOut">
               <a:rPr lang="fr-FR" smtClean="0"/>
-              <a:t>05/02/2021</a:t>
+              <a:t>17/03/2021</a:t>
             </a:fld>
             <a:endParaRPr lang="fr-FR"/>
           </a:p>
@@ -597,7 +597,7 @@
           <a:p>
             <a:fld id="{58A7CDC3-5B40-B341-B3D1-EE720DBB9E8A}" type="datetimeFigureOut">
               <a:rPr lang="fr-FR" smtClean="0"/>
-              <a:t>05/02/2021</a:t>
+              <a:t>17/03/2021</a:t>
             </a:fld>
             <a:endParaRPr lang="fr-FR"/>
           </a:p>
@@ -762,7 +762,7 @@
           <a:p>
             <a:fld id="{58A7CDC3-5B40-B341-B3D1-EE720DBB9E8A}" type="datetimeFigureOut">
               <a:rPr lang="fr-FR" smtClean="0"/>
-              <a:t>05/02/2021</a:t>
+              <a:t>17/03/2021</a:t>
             </a:fld>
             <a:endParaRPr lang="fr-FR"/>
           </a:p>
@@ -1001,7 +1001,7 @@
           <a:p>
             <a:fld id="{58A7CDC3-5B40-B341-B3D1-EE720DBB9E8A}" type="datetimeFigureOut">
               <a:rPr lang="fr-FR" smtClean="0"/>
-              <a:t>05/02/2021</a:t>
+              <a:t>17/03/2021</a:t>
             </a:fld>
             <a:endParaRPr lang="fr-FR"/>
           </a:p>
@@ -1228,7 +1228,7 @@
           <a:p>
             <a:fld id="{58A7CDC3-5B40-B341-B3D1-EE720DBB9E8A}" type="datetimeFigureOut">
               <a:rPr lang="fr-FR" smtClean="0"/>
-              <a:t>05/02/2021</a:t>
+              <a:t>17/03/2021</a:t>
             </a:fld>
             <a:endParaRPr lang="fr-FR"/>
           </a:p>
@@ -1590,7 +1590,7 @@
           <a:p>
             <a:fld id="{58A7CDC3-5B40-B341-B3D1-EE720DBB9E8A}" type="datetimeFigureOut">
               <a:rPr lang="fr-FR" smtClean="0"/>
-              <a:t>05/02/2021</a:t>
+              <a:t>17/03/2021</a:t>
             </a:fld>
             <a:endParaRPr lang="fr-FR"/>
           </a:p>
@@ -1703,7 +1703,7 @@
           <a:p>
             <a:fld id="{58A7CDC3-5B40-B341-B3D1-EE720DBB9E8A}" type="datetimeFigureOut">
               <a:rPr lang="fr-FR" smtClean="0"/>
-              <a:t>05/02/2021</a:t>
+              <a:t>17/03/2021</a:t>
             </a:fld>
             <a:endParaRPr lang="fr-FR"/>
           </a:p>
@@ -1793,7 +1793,7 @@
           <a:p>
             <a:fld id="{58A7CDC3-5B40-B341-B3D1-EE720DBB9E8A}" type="datetimeFigureOut">
               <a:rPr lang="fr-FR" smtClean="0"/>
-              <a:t>05/02/2021</a:t>
+              <a:t>17/03/2021</a:t>
             </a:fld>
             <a:endParaRPr lang="fr-FR"/>
           </a:p>
@@ -2065,7 +2065,7 @@
           <a:p>
             <a:fld id="{58A7CDC3-5B40-B341-B3D1-EE720DBB9E8A}" type="datetimeFigureOut">
               <a:rPr lang="fr-FR" smtClean="0"/>
-              <a:t>05/02/2021</a:t>
+              <a:t>17/03/2021</a:t>
             </a:fld>
             <a:endParaRPr lang="fr-FR"/>
           </a:p>
@@ -2317,7 +2317,7 @@
           <a:p>
             <a:fld id="{58A7CDC3-5B40-B341-B3D1-EE720DBB9E8A}" type="datetimeFigureOut">
               <a:rPr lang="fr-FR" smtClean="0"/>
-              <a:t>05/02/2021</a:t>
+              <a:t>17/03/2021</a:t>
             </a:fld>
             <a:endParaRPr lang="fr-FR"/>
           </a:p>
@@ -2525,7 +2525,7 @@
           <a:p>
             <a:fld id="{58A7CDC3-5B40-B341-B3D1-EE720DBB9E8A}" type="datetimeFigureOut">
               <a:rPr lang="fr-FR" smtClean="0"/>
-              <a:t>05/02/2021</a:t>
+              <a:t>17/03/2021</a:t>
             </a:fld>
             <a:endParaRPr lang="fr-FR"/>
           </a:p>
@@ -13696,6 +13696,13 @@
   <p:clrMapOvr>
     <a:masterClrMapping/>
   </p:clrMapOvr>
+  <p:timing>
+    <p:tnLst>
+      <p:par>
+        <p:cTn id="1" dur="indefinite" restart="never" nodeType="tmRoot"/>
+      </p:par>
+    </p:tnLst>
+  </p:timing>
 </p:sld>
 </file>
 
@@ -13716,2464 +13723,2449 @@
           <a:chExt cx="0" cy="0"/>
         </a:xfrm>
       </p:grpSpPr>
-      <p:grpSp>
-        <p:nvGrpSpPr>
-          <p:cNvPr id="75" name="Group 74"/>
-          <p:cNvGrpSpPr/>
+      <p:sp>
+        <p:nvSpPr>
+          <p:cNvPr id="61" name="Rectangle à coins arrondis 18"/>
+          <p:cNvSpPr/>
           <p:nvPr/>
-        </p:nvGrpSpPr>
-        <p:grpSpPr>
+        </p:nvSpPr>
+        <p:spPr>
           <a:xfrm>
-            <a:off x="2024062" y="478673"/>
-            <a:ext cx="3169303" cy="2678369"/>
-            <a:chOff x="2024062" y="478673"/>
-            <a:chExt cx="3169303" cy="2678369"/>
+            <a:off x="2024063" y="1329741"/>
+            <a:ext cx="611435" cy="795465"/>
           </a:xfrm>
-        </p:grpSpPr>
-        <p:sp>
-          <p:nvSpPr>
-            <p:cNvPr id="61" name="Rectangle à coins arrondis 18"/>
-            <p:cNvSpPr/>
-            <p:nvPr/>
-          </p:nvSpPr>
-          <p:spPr>
-            <a:xfrm>
-              <a:off x="2024063" y="1329741"/>
-              <a:ext cx="611435" cy="795465"/>
-            </a:xfrm>
-            <a:prstGeom prst="roundRect">
-              <a:avLst>
-                <a:gd name="adj" fmla="val 0"/>
-              </a:avLst>
-            </a:prstGeom>
-            <a:solidFill>
-              <a:schemeClr val="accent6">
-                <a:lumMod val="40000"/>
-                <a:lumOff val="60000"/>
-              </a:schemeClr>
-            </a:solidFill>
-            <a:ln>
-              <a:noFill/>
-            </a:ln>
-          </p:spPr>
-          <p:style>
-            <a:lnRef idx="2">
-              <a:schemeClr val="accent1">
-                <a:shade val="50000"/>
-              </a:schemeClr>
-            </a:lnRef>
-            <a:fillRef idx="1">
-              <a:schemeClr val="accent1"/>
-            </a:fillRef>
-            <a:effectRef idx="0">
-              <a:schemeClr val="accent1"/>
-            </a:effectRef>
-            <a:fontRef idx="minor">
-              <a:schemeClr val="lt1"/>
-            </a:fontRef>
-          </p:style>
-          <p:txBody>
-            <a:bodyPr tIns="0" bIns="27432" rtlCol="0" anchor="ctr" anchorCtr="0"/>
-            <a:lstStyle/>
-            <a:p>
-              <a:r>
-                <a:rPr lang="fr-FR" sz="600" b="1" noProof="1">
-                  <a:solidFill>
-                    <a:schemeClr val="tx1"/>
-                  </a:solidFill>
-                  <a:latin typeface="Gadugi" panose="020B0502040204020203" pitchFamily="34" charset="0"/>
-                  <a:ea typeface="Gadugi" panose="020B0502040204020203" pitchFamily="34" charset="0"/>
-                  <a:cs typeface="Arial" panose="020B0604020202020204" pitchFamily="34" charset="0"/>
-                </a:rPr>
-                <a:t>TSDuck </a:t>
-              </a:r>
-              <a:r>
-                <a:rPr lang="fr-FR" sz="600" b="1" noProof="1" smtClean="0">
-                  <a:solidFill>
-                    <a:schemeClr val="tx1"/>
-                  </a:solidFill>
-                  <a:latin typeface="Gadugi" panose="020B0502040204020203" pitchFamily="34" charset="0"/>
-                  <a:ea typeface="Gadugi" panose="020B0502040204020203" pitchFamily="34" charset="0"/>
-                  <a:cs typeface="Arial" panose="020B0604020202020204" pitchFamily="34" charset="0"/>
-                </a:rPr>
-                <a:t>C++ library</a:t>
-              </a:r>
-              <a:endParaRPr lang="fr-FR" sz="600" b="1" noProof="1">
+          <a:prstGeom prst="roundRect">
+            <a:avLst>
+              <a:gd name="adj" fmla="val 0"/>
+            </a:avLst>
+          </a:prstGeom>
+          <a:solidFill>
+            <a:schemeClr val="accent6">
+              <a:lumMod val="40000"/>
+              <a:lumOff val="60000"/>
+            </a:schemeClr>
+          </a:solidFill>
+          <a:ln>
+            <a:noFill/>
+          </a:ln>
+        </p:spPr>
+        <p:style>
+          <a:lnRef idx="2">
+            <a:schemeClr val="accent1">
+              <a:shade val="50000"/>
+            </a:schemeClr>
+          </a:lnRef>
+          <a:fillRef idx="1">
+            <a:schemeClr val="accent1"/>
+          </a:fillRef>
+          <a:effectRef idx="0">
+            <a:schemeClr val="accent1"/>
+          </a:effectRef>
+          <a:fontRef idx="minor">
+            <a:schemeClr val="lt1"/>
+          </a:fontRef>
+        </p:style>
+        <p:txBody>
+          <a:bodyPr tIns="0" bIns="27432" rtlCol="0" anchor="ctr" anchorCtr="0"/>
+          <a:lstStyle/>
+          <a:p>
+            <a:r>
+              <a:rPr lang="fr-FR" sz="600" b="1" noProof="1">
                 <a:solidFill>
                   <a:schemeClr val="tx1"/>
                 </a:solidFill>
                 <a:latin typeface="Gadugi" panose="020B0502040204020203" pitchFamily="34" charset="0"/>
                 <a:ea typeface="Gadugi" panose="020B0502040204020203" pitchFamily="34" charset="0"/>
                 <a:cs typeface="Arial" panose="020B0604020202020204" pitchFamily="34" charset="0"/>
-              </a:endParaRPr>
-            </a:p>
-          </p:txBody>
-        </p:sp>
-        <p:sp>
-          <p:nvSpPr>
-            <p:cNvPr id="52" name="Rectangle à coins arrondis 18"/>
-            <p:cNvSpPr/>
-            <p:nvPr/>
-          </p:nvSpPr>
-          <p:spPr>
-            <a:xfrm>
-              <a:off x="2024064" y="1043799"/>
-              <a:ext cx="3168543" cy="358454"/>
-            </a:xfrm>
-            <a:prstGeom prst="roundRect">
-              <a:avLst>
-                <a:gd name="adj" fmla="val 3969"/>
-              </a:avLst>
-            </a:prstGeom>
-            <a:solidFill>
-              <a:schemeClr val="accent6">
-                <a:lumMod val="40000"/>
-                <a:lumOff val="60000"/>
-              </a:schemeClr>
-            </a:solidFill>
-            <a:ln>
-              <a:noFill/>
-            </a:ln>
-          </p:spPr>
-          <p:style>
-            <a:lnRef idx="2">
-              <a:schemeClr val="accent1">
-                <a:shade val="50000"/>
-              </a:schemeClr>
-            </a:lnRef>
-            <a:fillRef idx="1">
-              <a:schemeClr val="accent1"/>
-            </a:fillRef>
-            <a:effectRef idx="0">
-              <a:schemeClr val="accent1"/>
-            </a:effectRef>
-            <a:fontRef idx="minor">
-              <a:schemeClr val="lt1"/>
-            </a:fontRef>
-          </p:style>
-          <p:txBody>
-            <a:bodyPr tIns="0" bIns="27432" rtlCol="0" anchor="b" anchorCtr="0"/>
-            <a:lstStyle/>
-            <a:p>
-              <a:endParaRPr lang="fr-FR" sz="600" b="1" noProof="1">
+              </a:rPr>
+              <a:t>TSDuck </a:t>
+            </a:r>
+            <a:r>
+              <a:rPr lang="fr-FR" sz="600" b="1" noProof="1" smtClean="0">
                 <a:solidFill>
                   <a:schemeClr val="tx1"/>
                 </a:solidFill>
                 <a:latin typeface="Gadugi" panose="020B0502040204020203" pitchFamily="34" charset="0"/>
                 <a:ea typeface="Gadugi" panose="020B0502040204020203" pitchFamily="34" charset="0"/>
                 <a:cs typeface="Arial" panose="020B0604020202020204" pitchFamily="34" charset="0"/>
-              </a:endParaRPr>
-            </a:p>
-          </p:txBody>
-        </p:sp>
-        <p:cxnSp>
-          <p:nvCxnSpPr>
-            <p:cNvPr id="66" name="Connecteur droit avec flèche 65"/>
-            <p:cNvCxnSpPr/>
-            <p:nvPr/>
-          </p:nvCxnSpPr>
-          <p:spPr>
-            <a:xfrm>
-              <a:off x="4749636" y="1952755"/>
-              <a:ext cx="0" cy="138564"/>
-            </a:xfrm>
-            <a:prstGeom prst="straightConnector1">
-              <a:avLst/>
-            </a:prstGeom>
-            <a:ln w="19050">
+              </a:rPr>
+              <a:t>C++ library</a:t>
+            </a:r>
+            <a:endParaRPr lang="fr-FR" sz="600" b="1" noProof="1">
               <a:solidFill>
                 <a:schemeClr val="tx1"/>
               </a:solidFill>
-              <a:prstDash val="solid"/>
-              <a:tailEnd type="triangle" w="sm" len="med"/>
-            </a:ln>
-          </p:spPr>
-          <p:style>
-            <a:lnRef idx="1">
-              <a:schemeClr val="accent1"/>
-            </a:lnRef>
-            <a:fillRef idx="0">
-              <a:schemeClr val="accent1"/>
-            </a:fillRef>
-            <a:effectRef idx="0">
-              <a:schemeClr val="accent1"/>
-            </a:effectRef>
-            <a:fontRef idx="minor">
-              <a:schemeClr val="tx1"/>
-            </a:fontRef>
-          </p:style>
-        </p:cxnSp>
-        <p:cxnSp>
-          <p:nvCxnSpPr>
-            <p:cNvPr id="32" name="Connecteur droit avec flèche 31"/>
-            <p:cNvCxnSpPr/>
-            <p:nvPr/>
-          </p:nvCxnSpPr>
-          <p:spPr>
-            <a:xfrm>
-              <a:off x="3510631" y="1956857"/>
-              <a:ext cx="0" cy="138564"/>
-            </a:xfrm>
-            <a:prstGeom prst="straightConnector1">
-              <a:avLst/>
-            </a:prstGeom>
-            <a:ln w="19050">
+              <a:latin typeface="Gadugi" panose="020B0502040204020203" pitchFamily="34" charset="0"/>
+              <a:ea typeface="Gadugi" panose="020B0502040204020203" pitchFamily="34" charset="0"/>
+              <a:cs typeface="Arial" panose="020B0604020202020204" pitchFamily="34" charset="0"/>
+            </a:endParaRPr>
+          </a:p>
+        </p:txBody>
+      </p:sp>
+      <p:sp>
+        <p:nvSpPr>
+          <p:cNvPr id="52" name="Rectangle à coins arrondis 18"/>
+          <p:cNvSpPr/>
+          <p:nvPr/>
+        </p:nvSpPr>
+        <p:spPr>
+          <a:xfrm>
+            <a:off x="2024064" y="1043799"/>
+            <a:ext cx="3168543" cy="358454"/>
+          </a:xfrm>
+          <a:prstGeom prst="roundRect">
+            <a:avLst>
+              <a:gd name="adj" fmla="val 3969"/>
+            </a:avLst>
+          </a:prstGeom>
+          <a:solidFill>
+            <a:schemeClr val="accent6">
+              <a:lumMod val="40000"/>
+              <a:lumOff val="60000"/>
+            </a:schemeClr>
+          </a:solidFill>
+          <a:ln>
+            <a:noFill/>
+          </a:ln>
+        </p:spPr>
+        <p:style>
+          <a:lnRef idx="2">
+            <a:schemeClr val="accent1">
+              <a:shade val="50000"/>
+            </a:schemeClr>
+          </a:lnRef>
+          <a:fillRef idx="1">
+            <a:schemeClr val="accent1"/>
+          </a:fillRef>
+          <a:effectRef idx="0">
+            <a:schemeClr val="accent1"/>
+          </a:effectRef>
+          <a:fontRef idx="minor">
+            <a:schemeClr val="lt1"/>
+          </a:fontRef>
+        </p:style>
+        <p:txBody>
+          <a:bodyPr tIns="0" bIns="27432" rtlCol="0" anchor="b" anchorCtr="0"/>
+          <a:lstStyle/>
+          <a:p>
+            <a:endParaRPr lang="fr-FR" sz="600" b="1" noProof="1">
               <a:solidFill>
                 <a:schemeClr val="tx1"/>
               </a:solidFill>
-              <a:prstDash val="solid"/>
-              <a:tailEnd type="triangle" w="sm" len="med"/>
-            </a:ln>
-          </p:spPr>
-          <p:style>
-            <a:lnRef idx="1">
-              <a:schemeClr val="accent1"/>
-            </a:lnRef>
-            <a:fillRef idx="0">
-              <a:schemeClr val="accent1"/>
-            </a:fillRef>
-            <a:effectRef idx="0">
-              <a:schemeClr val="accent1"/>
-            </a:effectRef>
-            <a:fontRef idx="minor">
+              <a:latin typeface="Gadugi" panose="020B0502040204020203" pitchFamily="34" charset="0"/>
+              <a:ea typeface="Gadugi" panose="020B0502040204020203" pitchFamily="34" charset="0"/>
+              <a:cs typeface="Arial" panose="020B0604020202020204" pitchFamily="34" charset="0"/>
+            </a:endParaRPr>
+          </a:p>
+        </p:txBody>
+      </p:sp>
+      <p:cxnSp>
+        <p:nvCxnSpPr>
+          <p:cNvPr id="66" name="Connecteur droit avec flèche 65"/>
+          <p:cNvCxnSpPr/>
+          <p:nvPr/>
+        </p:nvCxnSpPr>
+        <p:spPr>
+          <a:xfrm>
+            <a:off x="4749636" y="1952755"/>
+            <a:ext cx="0" cy="138564"/>
+          </a:xfrm>
+          <a:prstGeom prst="straightConnector1">
+            <a:avLst/>
+          </a:prstGeom>
+          <a:ln w="19050">
+            <a:solidFill>
               <a:schemeClr val="tx1"/>
-            </a:fontRef>
-          </p:style>
-        </p:cxnSp>
-        <p:sp>
-          <p:nvSpPr>
-            <p:cNvPr id="4" name="Rectangle à coins arrondis 3"/>
-            <p:cNvSpPr/>
-            <p:nvPr/>
-          </p:nvSpPr>
-          <p:spPr>
-            <a:xfrm>
-              <a:off x="3446839" y="2540909"/>
-              <a:ext cx="1745768" cy="411831"/>
-            </a:xfrm>
-            <a:prstGeom prst="roundRect">
-              <a:avLst>
-                <a:gd name="adj" fmla="val 3969"/>
-              </a:avLst>
-            </a:prstGeom>
+            </a:solidFill>
+            <a:prstDash val="solid"/>
+            <a:tailEnd type="triangle" w="sm" len="med"/>
+          </a:ln>
+        </p:spPr>
+        <p:style>
+          <a:lnRef idx="1">
+            <a:schemeClr val="accent1"/>
+          </a:lnRef>
+          <a:fillRef idx="0">
+            <a:schemeClr val="accent1"/>
+          </a:fillRef>
+          <a:effectRef idx="0">
+            <a:schemeClr val="accent1"/>
+          </a:effectRef>
+          <a:fontRef idx="minor">
+            <a:schemeClr val="tx1"/>
+          </a:fontRef>
+        </p:style>
+      </p:cxnSp>
+      <p:cxnSp>
+        <p:nvCxnSpPr>
+          <p:cNvPr id="32" name="Connecteur droit avec flèche 31"/>
+          <p:cNvCxnSpPr/>
+          <p:nvPr/>
+        </p:nvCxnSpPr>
+        <p:spPr>
+          <a:xfrm>
+            <a:off x="3510631" y="1956857"/>
+            <a:ext cx="0" cy="138564"/>
+          </a:xfrm>
+          <a:prstGeom prst="straightConnector1">
+            <a:avLst/>
+          </a:prstGeom>
+          <a:ln w="19050">
             <a:solidFill>
-              <a:schemeClr val="bg1">
-                <a:lumMod val="85000"/>
-              </a:schemeClr>
+              <a:schemeClr val="tx1"/>
             </a:solidFill>
-            <a:ln>
-              <a:noFill/>
-            </a:ln>
-          </p:spPr>
-          <p:style>
-            <a:lnRef idx="2">
-              <a:schemeClr val="accent1">
-                <a:shade val="50000"/>
-              </a:schemeClr>
-            </a:lnRef>
-            <a:fillRef idx="1">
-              <a:schemeClr val="accent1"/>
-            </a:fillRef>
-            <a:effectRef idx="0">
-              <a:schemeClr val="accent1"/>
-            </a:effectRef>
-            <a:fontRef idx="minor">
-              <a:schemeClr val="lt1"/>
-            </a:fontRef>
-          </p:style>
-          <p:txBody>
-            <a:bodyPr tIns="0" rtlCol="0" anchor="t" anchorCtr="0"/>
-            <a:lstStyle/>
-            <a:p>
-              <a:r>
-                <a:rPr lang="fr-FR" sz="600" b="1" noProof="1">
-                  <a:solidFill>
-                    <a:schemeClr val="tx1"/>
-                  </a:solidFill>
-                  <a:latin typeface="Gadugi" panose="020B0502040204020203" pitchFamily="34" charset="0"/>
-                  <a:ea typeface="Gadugi" panose="020B0502040204020203" pitchFamily="34" charset="0"/>
-                  <a:cs typeface="Arial" panose="020B0604020202020204" pitchFamily="34" charset="0"/>
-                </a:rPr>
-                <a:t>Operating System</a:t>
-              </a:r>
-            </a:p>
-          </p:txBody>
-        </p:sp>
-        <p:sp>
-          <p:nvSpPr>
-            <p:cNvPr id="6" name="Rectangle à coins arrondis 5"/>
-            <p:cNvSpPr/>
-            <p:nvPr/>
-          </p:nvSpPr>
-          <p:spPr>
-            <a:xfrm>
-              <a:off x="3517223" y="2688417"/>
-              <a:ext cx="461985" cy="201219"/>
-            </a:xfrm>
-            <a:prstGeom prst="roundRect">
-              <a:avLst/>
-            </a:prstGeom>
-            <a:solidFill>
-              <a:schemeClr val="bg1">
-                <a:lumMod val="50000"/>
-              </a:schemeClr>
-            </a:solidFill>
-            <a:ln>
-              <a:noFill/>
-            </a:ln>
-          </p:spPr>
-          <p:style>
-            <a:lnRef idx="2">
-              <a:schemeClr val="accent1">
-                <a:shade val="50000"/>
-              </a:schemeClr>
-            </a:lnRef>
-            <a:fillRef idx="1">
-              <a:schemeClr val="accent1"/>
-            </a:fillRef>
-            <a:effectRef idx="0">
-              <a:schemeClr val="accent1"/>
-            </a:effectRef>
-            <a:fontRef idx="minor">
-              <a:schemeClr val="lt1"/>
-            </a:fontRef>
-          </p:style>
-          <p:txBody>
-            <a:bodyPr lIns="36000" rIns="36000" rtlCol="0" anchor="ctr"/>
-            <a:lstStyle/>
-            <a:p>
-              <a:pPr algn="ctr"/>
-              <a:r>
-                <a:rPr lang="fr-FR" sz="600" b="1" noProof="1">
-                  <a:latin typeface="Gadugi" panose="020B0502040204020203" pitchFamily="34" charset="0"/>
-                  <a:ea typeface="Gadugi" panose="020B0502040204020203" pitchFamily="34" charset="0"/>
-                  <a:cs typeface="Arial" panose="020B0604020202020204" pitchFamily="34" charset="0"/>
-                </a:rPr>
-                <a:t>Windows</a:t>
-              </a:r>
-            </a:p>
-          </p:txBody>
-        </p:sp>
-        <p:pic>
-          <p:nvPicPr>
-            <p:cNvPr id="15" name="Picture 7" descr="D:\Devel\tsduck\images\tsduck-48.png"/>
-            <p:cNvPicPr>
-              <a:picLocks noChangeAspect="1" noChangeArrowheads="1"/>
-            </p:cNvPicPr>
-            <p:nvPr/>
-          </p:nvPicPr>
-          <p:blipFill>
-            <a:blip r:embed="rId2">
-              <a:extLst>
-                <a:ext uri="{28A0092B-C50C-407E-A947-70E740481C1C}">
-                  <a14:useLocalDpi xmlns:a14="http://schemas.microsoft.com/office/drawing/2010/main" val="0"/>
-                </a:ext>
-              </a:extLst>
-            </a:blip>
-            <a:srcRect/>
-            <a:stretch>
-              <a:fillRect/>
-            </a:stretch>
-          </p:blipFill>
-          <p:spPr bwMode="auto">
-            <a:xfrm>
-              <a:off x="4727960" y="3010992"/>
-              <a:ext cx="146050" cy="146050"/>
-            </a:xfrm>
-            <a:prstGeom prst="rect">
-              <a:avLst/>
-            </a:prstGeom>
+            <a:prstDash val="solid"/>
+            <a:tailEnd type="triangle" w="sm" len="med"/>
+          </a:ln>
+        </p:spPr>
+        <p:style>
+          <a:lnRef idx="1">
+            <a:schemeClr val="accent1"/>
+          </a:lnRef>
+          <a:fillRef idx="0">
+            <a:schemeClr val="accent1"/>
+          </a:fillRef>
+          <a:effectRef idx="0">
+            <a:schemeClr val="accent1"/>
+          </a:effectRef>
+          <a:fontRef idx="minor">
+            <a:schemeClr val="tx1"/>
+          </a:fontRef>
+        </p:style>
+      </p:cxnSp>
+      <p:sp>
+        <p:nvSpPr>
+          <p:cNvPr id="4" name="Rectangle à coins arrondis 3"/>
+          <p:cNvSpPr/>
+          <p:nvPr/>
+        </p:nvSpPr>
+        <p:spPr>
+          <a:xfrm>
+            <a:off x="3446839" y="2540909"/>
+            <a:ext cx="1745768" cy="411831"/>
+          </a:xfrm>
+          <a:prstGeom prst="roundRect">
+            <a:avLst>
+              <a:gd name="adj" fmla="val 3969"/>
+            </a:avLst>
+          </a:prstGeom>
+          <a:solidFill>
+            <a:schemeClr val="bg1">
+              <a:lumMod val="85000"/>
+            </a:schemeClr>
+          </a:solidFill>
+          <a:ln>
             <a:noFill/>
-            <a:extLst>
-              <a:ext uri="{909E8E84-426E-40DD-AFC4-6F175D3DCCD1}">
-                <a14:hiddenFill xmlns:a14="http://schemas.microsoft.com/office/drawing/2010/main">
-                  <a:solidFill>
-                    <a:srgbClr val="FFFFFF"/>
-                  </a:solidFill>
-                </a14:hiddenFill>
-              </a:ext>
-            </a:extLst>
-          </p:spPr>
-        </p:pic>
-        <p:sp>
-          <p:nvSpPr>
-            <p:cNvPr id="16" name="ZoneTexte 15"/>
-            <p:cNvSpPr txBox="1"/>
-            <p:nvPr/>
-          </p:nvSpPr>
-          <p:spPr>
-            <a:xfrm>
-              <a:off x="4891209" y="3030156"/>
-              <a:ext cx="302156" cy="92333"/>
-            </a:xfrm>
-            <a:prstGeom prst="rect">
-              <a:avLst/>
-            </a:prstGeom>
-            <a:noFill/>
-          </p:spPr>
-          <p:txBody>
-            <a:bodyPr wrap="square" lIns="0" tIns="0" rIns="0" bIns="0" rtlCol="0">
-              <a:spAutoFit/>
-            </a:bodyPr>
-            <a:lstStyle/>
-            <a:p>
-              <a:r>
-                <a:rPr lang="fr-FR" sz="600" b="1" noProof="1">
-                  <a:latin typeface="Gadugi" panose="020B0502040204020203" pitchFamily="34" charset="0"/>
-                  <a:ea typeface="Gadugi" panose="020B0502040204020203" pitchFamily="34" charset="0"/>
-                  <a:cs typeface="Arial" panose="020B0604020202020204" pitchFamily="34" charset="0"/>
-                </a:rPr>
-                <a:t>TSDuck</a:t>
-              </a:r>
-            </a:p>
-          </p:txBody>
-        </p:sp>
-        <p:sp>
-          <p:nvSpPr>
-            <p:cNvPr id="19" name="Rectangle à coins arrondis 18"/>
-            <p:cNvSpPr/>
-            <p:nvPr/>
-          </p:nvSpPr>
-          <p:spPr>
-            <a:xfrm>
-              <a:off x="2024062" y="2081356"/>
-              <a:ext cx="3168546" cy="356684"/>
-            </a:xfrm>
-            <a:prstGeom prst="roundRect">
-              <a:avLst>
-                <a:gd name="adj" fmla="val 3969"/>
-              </a:avLst>
-            </a:prstGeom>
-            <a:solidFill>
-              <a:schemeClr val="accent6">
-                <a:lumMod val="40000"/>
-                <a:lumOff val="60000"/>
-              </a:schemeClr>
-            </a:solidFill>
-            <a:ln>
-              <a:noFill/>
-            </a:ln>
-          </p:spPr>
-          <p:style>
-            <a:lnRef idx="2">
-              <a:schemeClr val="accent1">
-                <a:shade val="50000"/>
-              </a:schemeClr>
-            </a:lnRef>
-            <a:fillRef idx="1">
-              <a:schemeClr val="accent1"/>
-            </a:fillRef>
-            <a:effectRef idx="0">
-              <a:schemeClr val="accent1"/>
-            </a:effectRef>
-            <a:fontRef idx="minor">
-              <a:schemeClr val="lt1"/>
-            </a:fontRef>
-          </p:style>
-          <p:txBody>
-            <a:bodyPr tIns="0" bIns="27432" rtlCol="0" anchor="b" anchorCtr="0"/>
-            <a:lstStyle/>
-            <a:p>
-              <a:endParaRPr lang="fr-FR" sz="600" b="1" noProof="1">
+          </a:ln>
+        </p:spPr>
+        <p:style>
+          <a:lnRef idx="2">
+            <a:schemeClr val="accent1">
+              <a:shade val="50000"/>
+            </a:schemeClr>
+          </a:lnRef>
+          <a:fillRef idx="1">
+            <a:schemeClr val="accent1"/>
+          </a:fillRef>
+          <a:effectRef idx="0">
+            <a:schemeClr val="accent1"/>
+          </a:effectRef>
+          <a:fontRef idx="minor">
+            <a:schemeClr val="lt1"/>
+          </a:fontRef>
+        </p:style>
+        <p:txBody>
+          <a:bodyPr tIns="18288" rtlCol="0" anchor="t" anchorCtr="0"/>
+          <a:lstStyle/>
+          <a:p>
+            <a:r>
+              <a:rPr lang="fr-FR" sz="600" b="1" noProof="1">
                 <a:solidFill>
                   <a:schemeClr val="tx1"/>
                 </a:solidFill>
                 <a:latin typeface="Gadugi" panose="020B0502040204020203" pitchFamily="34" charset="0"/>
                 <a:ea typeface="Gadugi" panose="020B0502040204020203" pitchFamily="34" charset="0"/>
                 <a:cs typeface="Arial" panose="020B0604020202020204" pitchFamily="34" charset="0"/>
-              </a:endParaRPr>
-            </a:p>
-          </p:txBody>
-        </p:sp>
-        <p:sp>
-          <p:nvSpPr>
-            <p:cNvPr id="21" name="Rectangle à coins arrondis 20"/>
-            <p:cNvSpPr/>
-            <p:nvPr/>
-          </p:nvSpPr>
-          <p:spPr>
-            <a:xfrm>
-              <a:off x="3214688" y="2134732"/>
-              <a:ext cx="848293" cy="221341"/>
-            </a:xfrm>
-            <a:prstGeom prst="roundRect">
-              <a:avLst/>
-            </a:prstGeom>
-            <a:solidFill>
-              <a:srgbClr val="1F8A4C"/>
-            </a:solidFill>
-            <a:ln>
-              <a:noFill/>
-            </a:ln>
-          </p:spPr>
-          <p:style>
-            <a:lnRef idx="2">
-              <a:schemeClr val="accent1">
-                <a:shade val="50000"/>
-              </a:schemeClr>
-            </a:lnRef>
-            <a:fillRef idx="1">
-              <a:schemeClr val="accent1"/>
-            </a:fillRef>
-            <a:effectRef idx="0">
-              <a:schemeClr val="accent1"/>
-            </a:effectRef>
-            <a:fontRef idx="minor">
-              <a:schemeClr val="lt1"/>
-            </a:fontRef>
-          </p:style>
-          <p:txBody>
-            <a:bodyPr lIns="36000" tIns="27432" rIns="36000" rtlCol="0" anchor="ctr"/>
-            <a:lstStyle/>
-            <a:p>
-              <a:pPr algn="ctr"/>
-              <a:r>
-                <a:rPr lang="fr-FR" sz="600" b="1" noProof="1">
-                  <a:latin typeface="Gadugi" panose="020B0502040204020203" pitchFamily="34" charset="0"/>
-                  <a:ea typeface="Gadugi" panose="020B0502040204020203" pitchFamily="34" charset="0"/>
-                  <a:cs typeface="Arial" panose="020B0604020202020204" pitchFamily="34" charset="0"/>
-                </a:rPr>
-                <a:t>C++ utilities</a:t>
-              </a:r>
-            </a:p>
-          </p:txBody>
-        </p:sp>
-        <p:sp>
-          <p:nvSpPr>
-            <p:cNvPr id="23" name="Rectangle à coins arrondis 22"/>
-            <p:cNvSpPr/>
-            <p:nvPr/>
-          </p:nvSpPr>
-          <p:spPr>
-            <a:xfrm>
-              <a:off x="4078552" y="2688417"/>
-              <a:ext cx="461985" cy="201219"/>
-            </a:xfrm>
-            <a:prstGeom prst="roundRect">
-              <a:avLst/>
-            </a:prstGeom>
-            <a:solidFill>
-              <a:schemeClr val="bg1">
-                <a:lumMod val="50000"/>
-              </a:schemeClr>
-            </a:solidFill>
-            <a:ln>
-              <a:noFill/>
-            </a:ln>
-          </p:spPr>
-          <p:style>
-            <a:lnRef idx="2">
-              <a:schemeClr val="accent1">
-                <a:shade val="50000"/>
-              </a:schemeClr>
-            </a:lnRef>
-            <a:fillRef idx="1">
-              <a:schemeClr val="accent1"/>
-            </a:fillRef>
-            <a:effectRef idx="0">
-              <a:schemeClr val="accent1"/>
-            </a:effectRef>
-            <a:fontRef idx="minor">
-              <a:schemeClr val="lt1"/>
-            </a:fontRef>
-          </p:style>
-          <p:txBody>
-            <a:bodyPr lIns="36000" rIns="36000" rtlCol="0" anchor="ctr"/>
-            <a:lstStyle/>
-            <a:p>
-              <a:pPr algn="ctr"/>
-              <a:r>
-                <a:rPr lang="fr-FR" sz="600" b="1" noProof="1">
-                  <a:latin typeface="Gadugi" panose="020B0502040204020203" pitchFamily="34" charset="0"/>
-                  <a:ea typeface="Gadugi" panose="020B0502040204020203" pitchFamily="34" charset="0"/>
-                  <a:cs typeface="Arial" panose="020B0604020202020204" pitchFamily="34" charset="0"/>
-                </a:rPr>
-                <a:t>Linux</a:t>
-              </a:r>
-            </a:p>
-          </p:txBody>
-        </p:sp>
-        <p:sp>
-          <p:nvSpPr>
-            <p:cNvPr id="24" name="Rectangle à coins arrondis 23"/>
-            <p:cNvSpPr/>
-            <p:nvPr/>
-          </p:nvSpPr>
-          <p:spPr>
-            <a:xfrm>
-              <a:off x="4635118" y="2688417"/>
-              <a:ext cx="461985" cy="201219"/>
-            </a:xfrm>
-            <a:prstGeom prst="roundRect">
-              <a:avLst/>
-            </a:prstGeom>
-            <a:solidFill>
-              <a:schemeClr val="bg1">
-                <a:lumMod val="50000"/>
-              </a:schemeClr>
-            </a:solidFill>
-            <a:ln>
-              <a:noFill/>
-            </a:ln>
-          </p:spPr>
-          <p:style>
-            <a:lnRef idx="2">
-              <a:schemeClr val="accent1">
-                <a:shade val="50000"/>
-              </a:schemeClr>
-            </a:lnRef>
-            <a:fillRef idx="1">
-              <a:schemeClr val="accent1"/>
-            </a:fillRef>
-            <a:effectRef idx="0">
-              <a:schemeClr val="accent1"/>
-            </a:effectRef>
-            <a:fontRef idx="minor">
-              <a:schemeClr val="lt1"/>
-            </a:fontRef>
-          </p:style>
-          <p:txBody>
-            <a:bodyPr lIns="36000" rIns="36000" rtlCol="0" anchor="ctr"/>
-            <a:lstStyle/>
-            <a:p>
-              <a:pPr algn="ctr"/>
-              <a:r>
-                <a:rPr lang="fr-FR" sz="600" b="1" noProof="1">
-                  <a:latin typeface="Gadugi" panose="020B0502040204020203" pitchFamily="34" charset="0"/>
-                  <a:ea typeface="Gadugi" panose="020B0502040204020203" pitchFamily="34" charset="0"/>
-                  <a:cs typeface="Arial" panose="020B0604020202020204" pitchFamily="34" charset="0"/>
-                </a:rPr>
-                <a:t>macOS</a:t>
-              </a:r>
-            </a:p>
-          </p:txBody>
-        </p:sp>
-        <p:sp>
-          <p:nvSpPr>
-            <p:cNvPr id="28" name="Rectangle à coins arrondis 27"/>
-            <p:cNvSpPr/>
-            <p:nvPr/>
-          </p:nvSpPr>
-          <p:spPr>
-            <a:xfrm>
-              <a:off x="2836065" y="1548394"/>
-              <a:ext cx="1344619" cy="411831"/>
-            </a:xfrm>
-            <a:prstGeom prst="roundRect">
-              <a:avLst>
-                <a:gd name="adj" fmla="val 3969"/>
-              </a:avLst>
-            </a:prstGeom>
-            <a:solidFill>
-              <a:schemeClr val="accent6">
-                <a:lumMod val="40000"/>
-                <a:lumOff val="60000"/>
-              </a:schemeClr>
-            </a:solidFill>
-            <a:ln>
-              <a:noFill/>
-            </a:ln>
-          </p:spPr>
-          <p:style>
-            <a:lnRef idx="2">
-              <a:schemeClr val="accent1">
-                <a:shade val="50000"/>
-              </a:schemeClr>
-            </a:lnRef>
-            <a:fillRef idx="1">
-              <a:schemeClr val="accent1"/>
-            </a:fillRef>
-            <a:effectRef idx="0">
-              <a:schemeClr val="accent1"/>
-            </a:effectRef>
-            <a:fontRef idx="minor">
-              <a:schemeClr val="lt1"/>
-            </a:fontRef>
-          </p:style>
-          <p:txBody>
-            <a:bodyPr tIns="0" rtlCol="0" anchor="t" anchorCtr="0"/>
-            <a:lstStyle/>
-            <a:p>
-              <a:r>
-                <a:rPr lang="fr-FR" sz="600" b="1" noProof="1">
-                  <a:solidFill>
-                    <a:schemeClr val="tx1"/>
-                  </a:solidFill>
-                  <a:latin typeface="Gadugi" panose="020B0502040204020203" pitchFamily="34" charset="0"/>
-                  <a:ea typeface="Gadugi" panose="020B0502040204020203" pitchFamily="34" charset="0"/>
-                  <a:cs typeface="Arial" panose="020B0604020202020204" pitchFamily="34" charset="0"/>
-                </a:rPr>
-                <a:t>TSDuck plugins</a:t>
-              </a:r>
-            </a:p>
-          </p:txBody>
-        </p:sp>
-        <p:sp>
-          <p:nvSpPr>
-            <p:cNvPr id="29" name="Rectangle à coins arrondis 28"/>
-            <p:cNvSpPr/>
-            <p:nvPr/>
-          </p:nvSpPr>
-          <p:spPr>
-            <a:xfrm>
-              <a:off x="2905121" y="1677141"/>
-              <a:ext cx="575218" cy="228600"/>
-            </a:xfrm>
-            <a:prstGeom prst="roundRect">
-              <a:avLst/>
-            </a:prstGeom>
-            <a:solidFill>
-              <a:srgbClr val="1F8A4C"/>
-            </a:solidFill>
-            <a:ln>
-              <a:noFill/>
-            </a:ln>
-          </p:spPr>
-          <p:style>
-            <a:lnRef idx="2">
-              <a:schemeClr val="accent1">
-                <a:shade val="50000"/>
-              </a:schemeClr>
-            </a:lnRef>
-            <a:fillRef idx="1">
-              <a:schemeClr val="accent1"/>
-            </a:fillRef>
-            <a:effectRef idx="0">
-              <a:schemeClr val="accent1"/>
-            </a:effectRef>
-            <a:fontRef idx="minor">
-              <a:schemeClr val="lt1"/>
-            </a:fontRef>
-          </p:style>
-          <p:txBody>
-            <a:bodyPr lIns="36000" tIns="27432" rIns="36000" rtlCol="0" anchor="ctr"/>
-            <a:lstStyle/>
-            <a:p>
-              <a:pPr algn="ctr"/>
-              <a:r>
-                <a:rPr lang="fr-FR" sz="600" b="1" noProof="1" smtClean="0">
-                  <a:latin typeface="Gadugi" panose="020B0502040204020203" pitchFamily="34" charset="0"/>
-                  <a:ea typeface="Gadugi" panose="020B0502040204020203" pitchFamily="34" charset="0"/>
-                  <a:cs typeface="Arial" panose="020B0604020202020204" pitchFamily="34" charset="0"/>
-                </a:rPr>
-                <a:t>packet</a:t>
-              </a:r>
-              <a:br>
-                <a:rPr lang="fr-FR" sz="600" b="1" noProof="1" smtClean="0">
-                  <a:latin typeface="Gadugi" panose="020B0502040204020203" pitchFamily="34" charset="0"/>
-                  <a:ea typeface="Gadugi" panose="020B0502040204020203" pitchFamily="34" charset="0"/>
-                  <a:cs typeface="Arial" panose="020B0604020202020204" pitchFamily="34" charset="0"/>
-                </a:rPr>
-              </a:br>
-              <a:r>
-                <a:rPr lang="fr-FR" sz="600" b="1" noProof="1" smtClean="0">
-                  <a:latin typeface="Gadugi" panose="020B0502040204020203" pitchFamily="34" charset="0"/>
-                  <a:ea typeface="Gadugi" panose="020B0502040204020203" pitchFamily="34" charset="0"/>
-                  <a:cs typeface="Arial" panose="020B0604020202020204" pitchFamily="34" charset="0"/>
-                </a:rPr>
-                <a:t>processing</a:t>
-              </a:r>
-              <a:endParaRPr lang="fr-FR" sz="600" b="1" noProof="1">
+              </a:rPr>
+              <a:t>Operating System</a:t>
+            </a:r>
+          </a:p>
+        </p:txBody>
+      </p:sp>
+      <p:sp>
+        <p:nvSpPr>
+          <p:cNvPr id="6" name="Rectangle à coins arrondis 5"/>
+          <p:cNvSpPr/>
+          <p:nvPr/>
+        </p:nvSpPr>
+        <p:spPr>
+          <a:xfrm>
+            <a:off x="3517223" y="2688417"/>
+            <a:ext cx="461985" cy="201219"/>
+          </a:xfrm>
+          <a:prstGeom prst="roundRect">
+            <a:avLst/>
+          </a:prstGeom>
+          <a:solidFill>
+            <a:schemeClr val="bg1">
+              <a:lumMod val="50000"/>
+            </a:schemeClr>
+          </a:solidFill>
+          <a:ln>
+            <a:noFill/>
+          </a:ln>
+        </p:spPr>
+        <p:style>
+          <a:lnRef idx="2">
+            <a:schemeClr val="accent1">
+              <a:shade val="50000"/>
+            </a:schemeClr>
+          </a:lnRef>
+          <a:fillRef idx="1">
+            <a:schemeClr val="accent1"/>
+          </a:fillRef>
+          <a:effectRef idx="0">
+            <a:schemeClr val="accent1"/>
+          </a:effectRef>
+          <a:fontRef idx="minor">
+            <a:schemeClr val="lt1"/>
+          </a:fontRef>
+        </p:style>
+        <p:txBody>
+          <a:bodyPr lIns="36000" rIns="36000" rtlCol="0" anchor="ctr"/>
+          <a:lstStyle/>
+          <a:p>
+            <a:pPr algn="ctr"/>
+            <a:r>
+              <a:rPr lang="fr-FR" sz="600" b="1" noProof="1">
                 <a:latin typeface="Gadugi" panose="020B0502040204020203" pitchFamily="34" charset="0"/>
                 <a:ea typeface="Gadugi" panose="020B0502040204020203" pitchFamily="34" charset="0"/>
                 <a:cs typeface="Arial" panose="020B0604020202020204" pitchFamily="34" charset="0"/>
-              </a:endParaRPr>
-            </a:p>
-          </p:txBody>
-        </p:sp>
-        <p:sp>
-          <p:nvSpPr>
-            <p:cNvPr id="30" name="Rectangle à coins arrondis 29"/>
-            <p:cNvSpPr/>
-            <p:nvPr/>
-          </p:nvSpPr>
-          <p:spPr>
-            <a:xfrm>
-              <a:off x="3537254" y="1677141"/>
-              <a:ext cx="565007" cy="228600"/>
-            </a:xfrm>
-            <a:prstGeom prst="roundRect">
-              <a:avLst/>
-            </a:prstGeom>
-            <a:solidFill>
-              <a:srgbClr val="1F8A4C"/>
-            </a:solidFill>
-            <a:ln>
-              <a:noFill/>
-            </a:ln>
-          </p:spPr>
-          <p:style>
-            <a:lnRef idx="2">
-              <a:schemeClr val="accent1">
-                <a:shade val="50000"/>
-              </a:schemeClr>
-            </a:lnRef>
-            <a:fillRef idx="1">
-              <a:schemeClr val="accent1"/>
-            </a:fillRef>
-            <a:effectRef idx="0">
-              <a:schemeClr val="accent1"/>
-            </a:effectRef>
-            <a:fontRef idx="minor">
-              <a:schemeClr val="lt1"/>
-            </a:fontRef>
-          </p:style>
-          <p:txBody>
-            <a:bodyPr lIns="36000" tIns="27432" rIns="36000" rtlCol="0" anchor="ctr"/>
-            <a:lstStyle/>
-            <a:p>
-              <a:pPr algn="ctr"/>
-              <a:r>
-                <a:rPr lang="fr-FR" sz="600" b="1" noProof="1" smtClean="0">
-                  <a:latin typeface="Gadugi" panose="020B0502040204020203" pitchFamily="34" charset="0"/>
-                  <a:ea typeface="Gadugi" panose="020B0502040204020203" pitchFamily="34" charset="0"/>
-                  <a:cs typeface="Arial" panose="020B0604020202020204" pitchFamily="34" charset="0"/>
-                </a:rPr>
-                <a:t>input </a:t>
-              </a:r>
-              <a:r>
-                <a:rPr lang="fr-FR" sz="500" b="1" noProof="1" smtClean="0">
-                  <a:latin typeface="Gadugi" panose="020B0502040204020203" pitchFamily="34" charset="0"/>
-                  <a:ea typeface="Gadugi" panose="020B0502040204020203" pitchFamily="34" charset="0"/>
-                  <a:cs typeface="Arial" panose="020B0604020202020204" pitchFamily="34" charset="0"/>
-                </a:rPr>
-                <a:t>&amp;</a:t>
-              </a:r>
-              <a:r>
-                <a:rPr lang="fr-FR" sz="600" b="1" noProof="1" smtClean="0">
-                  <a:latin typeface="Gadugi" panose="020B0502040204020203" pitchFamily="34" charset="0"/>
-                  <a:ea typeface="Gadugi" panose="020B0502040204020203" pitchFamily="34" charset="0"/>
-                  <a:cs typeface="Arial" panose="020B0604020202020204" pitchFamily="34" charset="0"/>
-                </a:rPr>
-                <a:t> </a:t>
-              </a:r>
-              <a:br>
-                <a:rPr lang="fr-FR" sz="600" b="1" noProof="1" smtClean="0">
-                  <a:latin typeface="Gadugi" panose="020B0502040204020203" pitchFamily="34" charset="0"/>
-                  <a:ea typeface="Gadugi" panose="020B0502040204020203" pitchFamily="34" charset="0"/>
-                  <a:cs typeface="Arial" panose="020B0604020202020204" pitchFamily="34" charset="0"/>
-                </a:rPr>
-              </a:br>
-              <a:r>
-                <a:rPr lang="fr-FR" sz="600" b="1" noProof="1" smtClean="0">
-                  <a:latin typeface="Gadugi" panose="020B0502040204020203" pitchFamily="34" charset="0"/>
-                  <a:ea typeface="Gadugi" panose="020B0502040204020203" pitchFamily="34" charset="0"/>
-                  <a:cs typeface="Arial" panose="020B0604020202020204" pitchFamily="34" charset="0"/>
-                </a:rPr>
-                <a:t>output</a:t>
-              </a:r>
-              <a:endParaRPr lang="fr-FR" sz="600" b="1" noProof="1">
+              </a:rPr>
+              <a:t>Windows</a:t>
+            </a:r>
+          </a:p>
+        </p:txBody>
+      </p:sp>
+      <p:pic>
+        <p:nvPicPr>
+          <p:cNvPr id="15" name="Picture 7" descr="D:\Devel\tsduck\images\tsduck-48.png"/>
+          <p:cNvPicPr>
+            <a:picLocks noChangeAspect="1" noChangeArrowheads="1"/>
+          </p:cNvPicPr>
+          <p:nvPr/>
+        </p:nvPicPr>
+        <p:blipFill>
+          <a:blip r:embed="rId2">
+            <a:extLst>
+              <a:ext uri="{28A0092B-C50C-407E-A947-70E740481C1C}">
+                <a14:useLocalDpi xmlns:a14="http://schemas.microsoft.com/office/drawing/2010/main" val="0"/>
+              </a:ext>
+            </a:extLst>
+          </a:blip>
+          <a:srcRect/>
+          <a:stretch>
+            <a:fillRect/>
+          </a:stretch>
+        </p:blipFill>
+        <p:spPr bwMode="auto">
+          <a:xfrm>
+            <a:off x="4727960" y="3010992"/>
+            <a:ext cx="146050" cy="146050"/>
+          </a:xfrm>
+          <a:prstGeom prst="rect">
+            <a:avLst/>
+          </a:prstGeom>
+          <a:noFill/>
+          <a:extLst>
+            <a:ext uri="{909E8E84-426E-40DD-AFC4-6F175D3DCCD1}">
+              <a14:hiddenFill xmlns:a14="http://schemas.microsoft.com/office/drawing/2010/main">
+                <a:solidFill>
+                  <a:srgbClr val="FFFFFF"/>
+                </a:solidFill>
+              </a14:hiddenFill>
+            </a:ext>
+          </a:extLst>
+        </p:spPr>
+      </p:pic>
+      <p:sp>
+        <p:nvSpPr>
+          <p:cNvPr id="16" name="ZoneTexte 15"/>
+          <p:cNvSpPr txBox="1"/>
+          <p:nvPr/>
+        </p:nvSpPr>
+        <p:spPr>
+          <a:xfrm>
+            <a:off x="4891209" y="3030156"/>
+            <a:ext cx="302156" cy="92333"/>
+          </a:xfrm>
+          <a:prstGeom prst="rect">
+            <a:avLst/>
+          </a:prstGeom>
+          <a:noFill/>
+        </p:spPr>
+        <p:txBody>
+          <a:bodyPr wrap="square" lIns="0" tIns="0" rIns="0" bIns="0" rtlCol="0">
+            <a:spAutoFit/>
+          </a:bodyPr>
+          <a:lstStyle/>
+          <a:p>
+            <a:r>
+              <a:rPr lang="fr-FR" sz="600" b="1" noProof="1">
                 <a:latin typeface="Gadugi" panose="020B0502040204020203" pitchFamily="34" charset="0"/>
                 <a:ea typeface="Gadugi" panose="020B0502040204020203" pitchFamily="34" charset="0"/>
                 <a:cs typeface="Arial" panose="020B0604020202020204" pitchFamily="34" charset="0"/>
-              </a:endParaRPr>
-            </a:p>
-          </p:txBody>
-        </p:sp>
-        <p:sp>
-          <p:nvSpPr>
-            <p:cNvPr id="33" name="Rectangle à coins arrondis 32"/>
-            <p:cNvSpPr/>
-            <p:nvPr/>
-          </p:nvSpPr>
-          <p:spPr>
-            <a:xfrm>
-              <a:off x="3517223" y="486359"/>
-              <a:ext cx="1675383" cy="411831"/>
-            </a:xfrm>
-            <a:prstGeom prst="roundRect">
-              <a:avLst>
-                <a:gd name="adj" fmla="val 3969"/>
-              </a:avLst>
-            </a:prstGeom>
-            <a:solidFill>
-              <a:schemeClr val="accent6">
-                <a:lumMod val="40000"/>
-                <a:lumOff val="60000"/>
-              </a:schemeClr>
-            </a:solidFill>
-            <a:ln>
-              <a:noFill/>
-            </a:ln>
-          </p:spPr>
-          <p:style>
-            <a:lnRef idx="2">
-              <a:schemeClr val="accent1">
-                <a:shade val="50000"/>
-              </a:schemeClr>
-            </a:lnRef>
-            <a:fillRef idx="1">
-              <a:schemeClr val="accent1"/>
-            </a:fillRef>
-            <a:effectRef idx="0">
-              <a:schemeClr val="accent1"/>
-            </a:effectRef>
-            <a:fontRef idx="minor">
-              <a:schemeClr val="lt1"/>
-            </a:fontRef>
-          </p:style>
-          <p:txBody>
-            <a:bodyPr tIns="0" rtlCol="0" anchor="t" anchorCtr="0"/>
-            <a:lstStyle/>
-            <a:p>
-              <a:r>
-                <a:rPr lang="fr-FR" sz="600" b="1" noProof="1">
-                  <a:solidFill>
-                    <a:schemeClr val="tx1"/>
-                  </a:solidFill>
-                  <a:latin typeface="Gadugi" panose="020B0502040204020203" pitchFamily="34" charset="0"/>
-                  <a:ea typeface="Gadugi" panose="020B0502040204020203" pitchFamily="34" charset="0"/>
-                  <a:cs typeface="Arial" panose="020B0604020202020204" pitchFamily="34" charset="0"/>
-                </a:rPr>
-                <a:t>TSDuck commands</a:t>
-              </a:r>
-            </a:p>
-          </p:txBody>
-        </p:sp>
-        <p:sp>
-          <p:nvSpPr>
-            <p:cNvPr id="36" name="Rectangle à coins arrondis 35"/>
-            <p:cNvSpPr/>
-            <p:nvPr/>
-          </p:nvSpPr>
-          <p:spPr>
-            <a:xfrm>
-              <a:off x="4654002" y="627305"/>
-              <a:ext cx="457200" cy="201219"/>
-            </a:xfrm>
-            <a:prstGeom prst="roundRect">
-              <a:avLst/>
-            </a:prstGeom>
-            <a:solidFill>
-              <a:srgbClr val="1F8A4C"/>
-            </a:solidFill>
-            <a:ln>
-              <a:noFill/>
-            </a:ln>
-          </p:spPr>
-          <p:style>
-            <a:lnRef idx="2">
-              <a:schemeClr val="accent1">
-                <a:shade val="50000"/>
-              </a:schemeClr>
-            </a:lnRef>
-            <a:fillRef idx="1">
-              <a:schemeClr val="accent1"/>
-            </a:fillRef>
-            <a:effectRef idx="0">
-              <a:schemeClr val="accent1"/>
-            </a:effectRef>
-            <a:fontRef idx="minor">
-              <a:schemeClr val="lt1"/>
-            </a:fontRef>
-          </p:style>
-          <p:txBody>
-            <a:bodyPr lIns="36000" rIns="36000" rtlCol="0" anchor="ctr"/>
-            <a:lstStyle/>
-            <a:p>
-              <a:pPr algn="ctr"/>
-              <a:r>
-                <a:rPr lang="fr-FR" sz="600" b="1" noProof="1" smtClean="0">
-                  <a:latin typeface="Gadugi" panose="020B0502040204020203" pitchFamily="34" charset="0"/>
-                  <a:ea typeface="Gadugi" panose="020B0502040204020203" pitchFamily="34" charset="0"/>
-                  <a:cs typeface="Arial" panose="020B0604020202020204" pitchFamily="34" charset="0"/>
-                </a:rPr>
-                <a:t>other ts...</a:t>
-              </a:r>
-              <a:endParaRPr lang="fr-FR" sz="600" b="1" noProof="1">
+              </a:rPr>
+              <a:t>TSDuck</a:t>
+            </a:r>
+          </a:p>
+        </p:txBody>
+      </p:sp>
+      <p:sp>
+        <p:nvSpPr>
+          <p:cNvPr id="19" name="Rectangle à coins arrondis 18"/>
+          <p:cNvSpPr/>
+          <p:nvPr/>
+        </p:nvSpPr>
+        <p:spPr>
+          <a:xfrm>
+            <a:off x="2024062" y="2081356"/>
+            <a:ext cx="3168546" cy="356684"/>
+          </a:xfrm>
+          <a:prstGeom prst="roundRect">
+            <a:avLst>
+              <a:gd name="adj" fmla="val 3969"/>
+            </a:avLst>
+          </a:prstGeom>
+          <a:solidFill>
+            <a:schemeClr val="accent6">
+              <a:lumMod val="40000"/>
+              <a:lumOff val="60000"/>
+            </a:schemeClr>
+          </a:solidFill>
+          <a:ln>
+            <a:noFill/>
+          </a:ln>
+        </p:spPr>
+        <p:style>
+          <a:lnRef idx="2">
+            <a:schemeClr val="accent1">
+              <a:shade val="50000"/>
+            </a:schemeClr>
+          </a:lnRef>
+          <a:fillRef idx="1">
+            <a:schemeClr val="accent1"/>
+          </a:fillRef>
+          <a:effectRef idx="0">
+            <a:schemeClr val="accent1"/>
+          </a:effectRef>
+          <a:fontRef idx="minor">
+            <a:schemeClr val="lt1"/>
+          </a:fontRef>
+        </p:style>
+        <p:txBody>
+          <a:bodyPr tIns="0" bIns="27432" rtlCol="0" anchor="b" anchorCtr="0"/>
+          <a:lstStyle/>
+          <a:p>
+            <a:endParaRPr lang="fr-FR" sz="600" b="1" noProof="1">
+              <a:solidFill>
+                <a:schemeClr val="tx1"/>
+              </a:solidFill>
+              <a:latin typeface="Gadugi" panose="020B0502040204020203" pitchFamily="34" charset="0"/>
+              <a:ea typeface="Gadugi" panose="020B0502040204020203" pitchFamily="34" charset="0"/>
+              <a:cs typeface="Arial" panose="020B0604020202020204" pitchFamily="34" charset="0"/>
+            </a:endParaRPr>
+          </a:p>
+        </p:txBody>
+      </p:sp>
+      <p:sp>
+        <p:nvSpPr>
+          <p:cNvPr id="21" name="Rectangle à coins arrondis 20"/>
+          <p:cNvSpPr/>
+          <p:nvPr/>
+        </p:nvSpPr>
+        <p:spPr>
+          <a:xfrm>
+            <a:off x="3214688" y="2134732"/>
+            <a:ext cx="848293" cy="221341"/>
+          </a:xfrm>
+          <a:prstGeom prst="roundRect">
+            <a:avLst/>
+          </a:prstGeom>
+          <a:solidFill>
+            <a:srgbClr val="1F8A4C"/>
+          </a:solidFill>
+          <a:ln>
+            <a:noFill/>
+          </a:ln>
+        </p:spPr>
+        <p:style>
+          <a:lnRef idx="2">
+            <a:schemeClr val="accent1">
+              <a:shade val="50000"/>
+            </a:schemeClr>
+          </a:lnRef>
+          <a:fillRef idx="1">
+            <a:schemeClr val="accent1"/>
+          </a:fillRef>
+          <a:effectRef idx="0">
+            <a:schemeClr val="accent1"/>
+          </a:effectRef>
+          <a:fontRef idx="minor">
+            <a:schemeClr val="lt1"/>
+          </a:fontRef>
+        </p:style>
+        <p:txBody>
+          <a:bodyPr lIns="36000" tIns="27432" rIns="36000" rtlCol="0" anchor="ctr"/>
+          <a:lstStyle/>
+          <a:p>
+            <a:pPr algn="ctr"/>
+            <a:r>
+              <a:rPr lang="fr-FR" sz="600" b="1" noProof="1">
                 <a:latin typeface="Gadugi" panose="020B0502040204020203" pitchFamily="34" charset="0"/>
                 <a:ea typeface="Gadugi" panose="020B0502040204020203" pitchFamily="34" charset="0"/>
                 <a:cs typeface="Arial" panose="020B0604020202020204" pitchFamily="34" charset="0"/>
-              </a:endParaRPr>
-            </a:p>
-          </p:txBody>
-        </p:sp>
-        <p:cxnSp>
-          <p:nvCxnSpPr>
-            <p:cNvPr id="41" name="Connecteur droit avec flèche 40"/>
-            <p:cNvCxnSpPr>
-              <a:stCxn id="22" idx="2"/>
-            </p:cNvCxnSpPr>
-            <p:nvPr/>
-          </p:nvCxnSpPr>
-          <p:spPr>
-            <a:xfrm>
-              <a:off x="4671510" y="2356073"/>
-              <a:ext cx="1608" cy="189595"/>
-            </a:xfrm>
-            <a:prstGeom prst="straightConnector1">
-              <a:avLst/>
-            </a:prstGeom>
-            <a:ln w="19050">
-              <a:solidFill>
-                <a:schemeClr val="tx1"/>
-              </a:solidFill>
-              <a:prstDash val="solid"/>
-              <a:tailEnd type="triangle" w="sm" len="med"/>
-            </a:ln>
-          </p:spPr>
-          <p:style>
-            <a:lnRef idx="1">
-              <a:schemeClr val="accent1"/>
-            </a:lnRef>
-            <a:fillRef idx="0">
-              <a:schemeClr val="accent1"/>
-            </a:fillRef>
-            <a:effectRef idx="0">
-              <a:schemeClr val="accent1"/>
-            </a:effectRef>
-            <a:fontRef idx="minor">
-              <a:schemeClr val="tx1"/>
-            </a:fontRef>
-          </p:style>
-        </p:cxnSp>
-        <p:sp>
-          <p:nvSpPr>
-            <p:cNvPr id="34" name="Rectangle à coins arrondis 33"/>
-            <p:cNvSpPr/>
-            <p:nvPr/>
-          </p:nvSpPr>
-          <p:spPr>
-            <a:xfrm>
-              <a:off x="3609744" y="627305"/>
-              <a:ext cx="457200" cy="201219"/>
-            </a:xfrm>
-            <a:prstGeom prst="roundRect">
-              <a:avLst/>
-            </a:prstGeom>
-            <a:solidFill>
-              <a:srgbClr val="1F8A4C"/>
-            </a:solidFill>
-            <a:ln>
-              <a:noFill/>
-            </a:ln>
-          </p:spPr>
-          <p:style>
-            <a:lnRef idx="2">
-              <a:schemeClr val="accent1">
-                <a:shade val="50000"/>
-              </a:schemeClr>
-            </a:lnRef>
-            <a:fillRef idx="1">
-              <a:schemeClr val="accent1"/>
-            </a:fillRef>
-            <a:effectRef idx="0">
-              <a:schemeClr val="accent1"/>
-            </a:effectRef>
-            <a:fontRef idx="minor">
-              <a:schemeClr val="lt1"/>
-            </a:fontRef>
-          </p:style>
-          <p:txBody>
-            <a:bodyPr lIns="36000" rIns="36000" rtlCol="0" anchor="ctr"/>
-            <a:lstStyle/>
-            <a:p>
-              <a:pPr algn="ctr"/>
-              <a:r>
-                <a:rPr lang="fr-FR" sz="600" b="1" noProof="1">
-                  <a:latin typeface="Gadugi" panose="020B0502040204020203" pitchFamily="34" charset="0"/>
-                  <a:ea typeface="Gadugi" panose="020B0502040204020203" pitchFamily="34" charset="0"/>
-                  <a:cs typeface="Arial" panose="020B0604020202020204" pitchFamily="34" charset="0"/>
-                </a:rPr>
-                <a:t>tsp</a:t>
-              </a:r>
-            </a:p>
-          </p:txBody>
-        </p:sp>
-        <p:sp>
-          <p:nvSpPr>
-            <p:cNvPr id="35" name="Rectangle à coins arrondis 34"/>
-            <p:cNvSpPr/>
-            <p:nvPr/>
-          </p:nvSpPr>
-          <p:spPr>
-            <a:xfrm>
-              <a:off x="4131873" y="627305"/>
-              <a:ext cx="457200" cy="201219"/>
-            </a:xfrm>
-            <a:prstGeom prst="roundRect">
-              <a:avLst/>
-            </a:prstGeom>
-            <a:solidFill>
-              <a:srgbClr val="1F8A4C"/>
-            </a:solidFill>
-            <a:ln>
-              <a:noFill/>
-            </a:ln>
-          </p:spPr>
-          <p:style>
-            <a:lnRef idx="2">
-              <a:schemeClr val="accent1">
-                <a:shade val="50000"/>
-              </a:schemeClr>
-            </a:lnRef>
-            <a:fillRef idx="1">
-              <a:schemeClr val="accent1"/>
-            </a:fillRef>
-            <a:effectRef idx="0">
-              <a:schemeClr val="accent1"/>
-            </a:effectRef>
-            <a:fontRef idx="minor">
-              <a:schemeClr val="lt1"/>
-            </a:fontRef>
-          </p:style>
-          <p:txBody>
-            <a:bodyPr lIns="36000" rIns="36000" rtlCol="0" anchor="ctr"/>
-            <a:lstStyle/>
-            <a:p>
-              <a:pPr algn="ctr"/>
-              <a:r>
-                <a:rPr lang="fr-FR" sz="600" b="1" noProof="1">
-                  <a:latin typeface="Gadugi" panose="020B0502040204020203" pitchFamily="34" charset="0"/>
-                  <a:ea typeface="Gadugi" panose="020B0502040204020203" pitchFamily="34" charset="0"/>
-                  <a:cs typeface="Arial" panose="020B0604020202020204" pitchFamily="34" charset="0"/>
-                </a:rPr>
-                <a:t>tsswitch</a:t>
-              </a:r>
-            </a:p>
-          </p:txBody>
-        </p:sp>
-        <p:sp>
-          <p:nvSpPr>
-            <p:cNvPr id="46" name="Rectangle à coins arrondis 45"/>
-            <p:cNvSpPr/>
-            <p:nvPr/>
-          </p:nvSpPr>
-          <p:spPr>
-            <a:xfrm>
-              <a:off x="2024064" y="2541035"/>
-              <a:ext cx="1337499" cy="411831"/>
-            </a:xfrm>
-            <a:prstGeom prst="roundRect">
-              <a:avLst>
-                <a:gd name="adj" fmla="val 3969"/>
-              </a:avLst>
-            </a:prstGeom>
-            <a:solidFill>
-              <a:schemeClr val="bg1">
-                <a:lumMod val="85000"/>
-              </a:schemeClr>
-            </a:solidFill>
-            <a:ln>
-              <a:noFill/>
-            </a:ln>
-          </p:spPr>
-          <p:style>
-            <a:lnRef idx="2">
-              <a:schemeClr val="accent1">
-                <a:shade val="50000"/>
-              </a:schemeClr>
-            </a:lnRef>
-            <a:fillRef idx="1">
-              <a:schemeClr val="accent1"/>
-            </a:fillRef>
-            <a:effectRef idx="0">
-              <a:schemeClr val="accent1"/>
-            </a:effectRef>
-            <a:fontRef idx="minor">
-              <a:schemeClr val="lt1"/>
-            </a:fontRef>
-          </p:style>
-          <p:txBody>
-            <a:bodyPr tIns="0" rtlCol="0" anchor="t" anchorCtr="0"/>
-            <a:lstStyle/>
-            <a:p>
-              <a:r>
-                <a:rPr lang="fr-FR" sz="600" b="1" noProof="1" smtClean="0">
-                  <a:solidFill>
-                    <a:schemeClr val="tx1"/>
-                  </a:solidFill>
-                  <a:latin typeface="Gadugi" panose="020B0502040204020203" pitchFamily="34" charset="0"/>
-                  <a:ea typeface="Gadugi" panose="020B0502040204020203" pitchFamily="34" charset="0"/>
-                  <a:cs typeface="Arial" panose="020B0604020202020204" pitchFamily="34" charset="0"/>
-                </a:rPr>
-                <a:t>DVB </a:t>
-              </a:r>
-              <a:r>
-                <a:rPr lang="fr-FR" sz="600" b="1" noProof="1">
-                  <a:solidFill>
-                    <a:schemeClr val="tx1"/>
-                  </a:solidFill>
-                  <a:latin typeface="Gadugi" panose="020B0502040204020203" pitchFamily="34" charset="0"/>
-                  <a:ea typeface="Gadugi" panose="020B0502040204020203" pitchFamily="34" charset="0"/>
-                  <a:cs typeface="Arial" panose="020B0604020202020204" pitchFamily="34" charset="0"/>
-                </a:rPr>
-                <a:t>tuning framework</a:t>
-              </a:r>
-            </a:p>
-          </p:txBody>
-        </p:sp>
-        <p:sp>
-          <p:nvSpPr>
-            <p:cNvPr id="47" name="Rectangle à coins arrondis 46"/>
-            <p:cNvSpPr/>
-            <p:nvPr/>
-          </p:nvSpPr>
-          <p:spPr>
-            <a:xfrm>
-              <a:off x="2114008" y="2672837"/>
-              <a:ext cx="550292" cy="232631"/>
-            </a:xfrm>
-            <a:prstGeom prst="roundRect">
-              <a:avLst/>
-            </a:prstGeom>
-            <a:solidFill>
-              <a:schemeClr val="bg1">
-                <a:lumMod val="50000"/>
-              </a:schemeClr>
-            </a:solidFill>
-            <a:ln>
-              <a:noFill/>
-            </a:ln>
-          </p:spPr>
-          <p:style>
-            <a:lnRef idx="2">
-              <a:schemeClr val="accent1">
-                <a:shade val="50000"/>
-              </a:schemeClr>
-            </a:lnRef>
-            <a:fillRef idx="1">
-              <a:schemeClr val="accent1"/>
-            </a:fillRef>
-            <a:effectRef idx="0">
-              <a:schemeClr val="accent1"/>
-            </a:effectRef>
-            <a:fontRef idx="minor">
-              <a:schemeClr val="lt1"/>
-            </a:fontRef>
-          </p:style>
-          <p:txBody>
-            <a:bodyPr lIns="0" rIns="0" rtlCol="0" anchor="ctr"/>
-            <a:lstStyle/>
-            <a:p>
-              <a:pPr algn="ctr"/>
-              <a:r>
-                <a:rPr lang="fr-FR" sz="600" b="1" noProof="1">
-                  <a:latin typeface="Gadugi" panose="020B0502040204020203" pitchFamily="34" charset="0"/>
-                  <a:ea typeface="Gadugi" panose="020B0502040204020203" pitchFamily="34" charset="0"/>
-                  <a:cs typeface="Arial" panose="020B0604020202020204" pitchFamily="34" charset="0"/>
-                </a:rPr>
-                <a:t>DirectShow (Windows)</a:t>
-              </a:r>
-            </a:p>
-          </p:txBody>
-        </p:sp>
-        <p:sp>
-          <p:nvSpPr>
-            <p:cNvPr id="49" name="Rectangle à coins arrondis 48"/>
-            <p:cNvSpPr/>
-            <p:nvPr/>
-          </p:nvSpPr>
-          <p:spPr>
-            <a:xfrm>
-              <a:off x="2739977" y="2672837"/>
-              <a:ext cx="544842" cy="232631"/>
-            </a:xfrm>
-            <a:prstGeom prst="roundRect">
-              <a:avLst/>
-            </a:prstGeom>
-            <a:solidFill>
-              <a:schemeClr val="bg1">
-                <a:lumMod val="50000"/>
-              </a:schemeClr>
-            </a:solidFill>
-            <a:ln>
-              <a:noFill/>
-            </a:ln>
-          </p:spPr>
-          <p:style>
-            <a:lnRef idx="2">
-              <a:schemeClr val="accent1">
-                <a:shade val="50000"/>
-              </a:schemeClr>
-            </a:lnRef>
-            <a:fillRef idx="1">
-              <a:schemeClr val="accent1"/>
-            </a:fillRef>
-            <a:effectRef idx="0">
-              <a:schemeClr val="accent1"/>
-            </a:effectRef>
-            <a:fontRef idx="minor">
-              <a:schemeClr val="lt1"/>
-            </a:fontRef>
-          </p:style>
-          <p:txBody>
-            <a:bodyPr lIns="0" rIns="0" rtlCol="0" anchor="ctr"/>
-            <a:lstStyle/>
-            <a:p>
-              <a:pPr algn="ctr"/>
-              <a:r>
-                <a:rPr lang="fr-FR" sz="600" b="1" noProof="1">
-                  <a:latin typeface="Gadugi" panose="020B0502040204020203" pitchFamily="34" charset="0"/>
-                  <a:ea typeface="Gadugi" panose="020B0502040204020203" pitchFamily="34" charset="0"/>
-                  <a:cs typeface="Arial" panose="020B0604020202020204" pitchFamily="34" charset="0"/>
-                </a:rPr>
-                <a:t>Linux TV</a:t>
-              </a:r>
-            </a:p>
-          </p:txBody>
-        </p:sp>
-        <p:cxnSp>
-          <p:nvCxnSpPr>
-            <p:cNvPr id="55" name="Connecteur droit avec flèche 54"/>
-            <p:cNvCxnSpPr>
-              <a:stCxn id="20" idx="2"/>
-            </p:cNvCxnSpPr>
-            <p:nvPr/>
-          </p:nvCxnSpPr>
-          <p:spPr>
-            <a:xfrm>
-              <a:off x="2572831" y="2356073"/>
-              <a:ext cx="0" cy="189595"/>
-            </a:xfrm>
-            <a:prstGeom prst="straightConnector1">
-              <a:avLst/>
-            </a:prstGeom>
-            <a:ln w="19050">
-              <a:solidFill>
-                <a:schemeClr val="tx1"/>
-              </a:solidFill>
-              <a:prstDash val="solid"/>
-              <a:tailEnd type="triangle" w="sm" len="med"/>
-            </a:ln>
-          </p:spPr>
-          <p:style>
-            <a:lnRef idx="1">
-              <a:schemeClr val="accent1"/>
-            </a:lnRef>
-            <a:fillRef idx="0">
-              <a:schemeClr val="accent1"/>
-            </a:fillRef>
-            <a:effectRef idx="0">
-              <a:schemeClr val="accent1"/>
-            </a:effectRef>
-            <a:fontRef idx="minor">
-              <a:schemeClr val="tx1"/>
-            </a:fontRef>
-          </p:style>
-        </p:cxnSp>
-        <p:sp>
-          <p:nvSpPr>
-            <p:cNvPr id="20" name="Rectangle à coins arrondis 19"/>
-            <p:cNvSpPr/>
-            <p:nvPr/>
-          </p:nvSpPr>
-          <p:spPr>
-            <a:xfrm>
-              <a:off x="2148684" y="2134732"/>
-              <a:ext cx="848293" cy="221341"/>
-            </a:xfrm>
-            <a:prstGeom prst="roundRect">
-              <a:avLst/>
-            </a:prstGeom>
-            <a:solidFill>
-              <a:srgbClr val="1F8A4C"/>
-            </a:solidFill>
-            <a:ln>
-              <a:noFill/>
-            </a:ln>
-          </p:spPr>
-          <p:style>
-            <a:lnRef idx="2">
-              <a:schemeClr val="accent1">
-                <a:shade val="50000"/>
-              </a:schemeClr>
-            </a:lnRef>
-            <a:fillRef idx="1">
-              <a:schemeClr val="accent1"/>
-            </a:fillRef>
-            <a:effectRef idx="0">
-              <a:schemeClr val="accent1"/>
-            </a:effectRef>
-            <a:fontRef idx="minor">
-              <a:schemeClr val="lt1"/>
-            </a:fontRef>
-          </p:style>
-          <p:txBody>
-            <a:bodyPr lIns="36000" tIns="27432" rIns="36000" rtlCol="0" anchor="ctr"/>
-            <a:lstStyle/>
-            <a:p>
-              <a:pPr algn="ctr"/>
-              <a:r>
-                <a:rPr lang="fr-FR" sz="600" b="1" noProof="1" smtClean="0">
-                  <a:latin typeface="Gadugi" panose="020B0502040204020203" pitchFamily="34" charset="0"/>
-                  <a:ea typeface="Gadugi" panose="020B0502040204020203" pitchFamily="34" charset="0"/>
-                  <a:cs typeface="Arial" panose="020B0604020202020204" pitchFamily="34" charset="0"/>
-                </a:rPr>
-                <a:t>Digital TV utilities</a:t>
-              </a:r>
-              <a:endParaRPr lang="fr-FR" sz="600" b="1" noProof="1">
+              </a:rPr>
+              <a:t>C++ utilities</a:t>
+            </a:r>
+          </a:p>
+        </p:txBody>
+      </p:sp>
+      <p:sp>
+        <p:nvSpPr>
+          <p:cNvPr id="23" name="Rectangle à coins arrondis 22"/>
+          <p:cNvSpPr/>
+          <p:nvPr/>
+        </p:nvSpPr>
+        <p:spPr>
+          <a:xfrm>
+            <a:off x="4078552" y="2688417"/>
+            <a:ext cx="461985" cy="201219"/>
+          </a:xfrm>
+          <a:prstGeom prst="roundRect">
+            <a:avLst/>
+          </a:prstGeom>
+          <a:solidFill>
+            <a:schemeClr val="bg1">
+              <a:lumMod val="50000"/>
+            </a:schemeClr>
+          </a:solidFill>
+          <a:ln>
+            <a:noFill/>
+          </a:ln>
+        </p:spPr>
+        <p:style>
+          <a:lnRef idx="2">
+            <a:schemeClr val="accent1">
+              <a:shade val="50000"/>
+            </a:schemeClr>
+          </a:lnRef>
+          <a:fillRef idx="1">
+            <a:schemeClr val="accent1"/>
+          </a:fillRef>
+          <a:effectRef idx="0">
+            <a:schemeClr val="accent1"/>
+          </a:effectRef>
+          <a:fontRef idx="minor">
+            <a:schemeClr val="lt1"/>
+          </a:fontRef>
+        </p:style>
+        <p:txBody>
+          <a:bodyPr lIns="36000" rIns="36000" rtlCol="0" anchor="ctr"/>
+          <a:lstStyle/>
+          <a:p>
+            <a:pPr algn="ctr"/>
+            <a:r>
+              <a:rPr lang="fr-FR" sz="600" b="1" noProof="1">
                 <a:latin typeface="Gadugi" panose="020B0502040204020203" pitchFamily="34" charset="0"/>
                 <a:ea typeface="Gadugi" panose="020B0502040204020203" pitchFamily="34" charset="0"/>
                 <a:cs typeface="Arial" panose="020B0604020202020204" pitchFamily="34" charset="0"/>
-              </a:endParaRPr>
-            </a:p>
-          </p:txBody>
-        </p:sp>
-        <p:sp>
-          <p:nvSpPr>
-            <p:cNvPr id="22" name="Rectangle à coins arrondis 21"/>
-            <p:cNvSpPr/>
-            <p:nvPr/>
-          </p:nvSpPr>
-          <p:spPr>
-            <a:xfrm>
-              <a:off x="4247363" y="2134732"/>
-              <a:ext cx="848293" cy="221341"/>
-            </a:xfrm>
-            <a:prstGeom prst="roundRect">
-              <a:avLst/>
-            </a:prstGeom>
-            <a:solidFill>
-              <a:srgbClr val="1F8A4C"/>
-            </a:solidFill>
-            <a:ln>
-              <a:noFill/>
-            </a:ln>
-          </p:spPr>
-          <p:style>
-            <a:lnRef idx="2">
-              <a:schemeClr val="accent1">
-                <a:shade val="50000"/>
-              </a:schemeClr>
-            </a:lnRef>
-            <a:fillRef idx="1">
-              <a:schemeClr val="accent1"/>
-            </a:fillRef>
-            <a:effectRef idx="0">
-              <a:schemeClr val="accent1"/>
-            </a:effectRef>
-            <a:fontRef idx="minor">
-              <a:schemeClr val="lt1"/>
-            </a:fontRef>
-          </p:style>
-          <p:txBody>
-            <a:bodyPr lIns="36000" tIns="27432" rIns="36000" rtlCol="0" anchor="ctr"/>
-            <a:lstStyle/>
-            <a:p>
-              <a:pPr algn="ctr"/>
-              <a:r>
-                <a:rPr lang="fr-FR" sz="600" b="1" noProof="1">
-                  <a:latin typeface="Gadugi" panose="020B0502040204020203" pitchFamily="34" charset="0"/>
-                  <a:ea typeface="Gadugi" panose="020B0502040204020203" pitchFamily="34" charset="0"/>
-                  <a:cs typeface="Arial" panose="020B0604020202020204" pitchFamily="34" charset="0"/>
-                </a:rPr>
-                <a:t>OS abstraction</a:t>
-              </a:r>
-            </a:p>
-          </p:txBody>
-        </p:sp>
-        <p:cxnSp>
-          <p:nvCxnSpPr>
-            <p:cNvPr id="56" name="Connecteur droit avec flèche 55"/>
-            <p:cNvCxnSpPr>
-              <a:stCxn id="20" idx="3"/>
-              <a:endCxn id="21" idx="1"/>
-            </p:cNvCxnSpPr>
-            <p:nvPr/>
-          </p:nvCxnSpPr>
-          <p:spPr>
-            <a:xfrm>
-              <a:off x="2996977" y="2245403"/>
-              <a:ext cx="217711" cy="0"/>
-            </a:xfrm>
-            <a:prstGeom prst="straightConnector1">
-              <a:avLst/>
-            </a:prstGeom>
-            <a:ln w="19050">
-              <a:solidFill>
-                <a:schemeClr val="tx1"/>
-              </a:solidFill>
-              <a:prstDash val="solid"/>
-              <a:tailEnd type="triangle" w="sm" len="med"/>
-            </a:ln>
-          </p:spPr>
-          <p:style>
-            <a:lnRef idx="1">
-              <a:schemeClr val="accent1"/>
-            </a:lnRef>
-            <a:fillRef idx="0">
-              <a:schemeClr val="accent1"/>
-            </a:fillRef>
-            <a:effectRef idx="0">
-              <a:schemeClr val="accent1"/>
-            </a:effectRef>
-            <a:fontRef idx="minor">
-              <a:schemeClr val="tx1"/>
-            </a:fontRef>
-          </p:style>
-        </p:cxnSp>
-        <p:cxnSp>
-          <p:nvCxnSpPr>
-            <p:cNvPr id="59" name="Connecteur droit avec flèche 58"/>
-            <p:cNvCxnSpPr>
-              <a:stCxn id="21" idx="3"/>
-              <a:endCxn id="22" idx="1"/>
-            </p:cNvCxnSpPr>
-            <p:nvPr/>
-          </p:nvCxnSpPr>
-          <p:spPr>
-            <a:xfrm>
-              <a:off x="4062981" y="2245403"/>
-              <a:ext cx="184382" cy="0"/>
-            </a:xfrm>
-            <a:prstGeom prst="straightConnector1">
-              <a:avLst/>
-            </a:prstGeom>
-            <a:ln w="19050">
-              <a:solidFill>
-                <a:schemeClr val="tx1"/>
-              </a:solidFill>
-              <a:prstDash val="solid"/>
-              <a:tailEnd type="triangle" w="sm" len="med"/>
-            </a:ln>
-          </p:spPr>
-          <p:style>
-            <a:lnRef idx="1">
-              <a:schemeClr val="accent1"/>
-            </a:lnRef>
-            <a:fillRef idx="0">
-              <a:schemeClr val="accent1"/>
-            </a:fillRef>
-            <a:effectRef idx="0">
-              <a:schemeClr val="accent1"/>
-            </a:effectRef>
-            <a:fontRef idx="minor">
-              <a:schemeClr val="tx1"/>
-            </a:fontRef>
-          </p:style>
-        </p:cxnSp>
-        <p:sp>
-          <p:nvSpPr>
-            <p:cNvPr id="63" name="Rectangle à coins arrondis 62"/>
-            <p:cNvSpPr/>
-            <p:nvPr/>
-          </p:nvSpPr>
-          <p:spPr>
-            <a:xfrm>
-              <a:off x="4334068" y="1548393"/>
-              <a:ext cx="858539" cy="411831"/>
-            </a:xfrm>
-            <a:prstGeom prst="roundRect">
-              <a:avLst>
-                <a:gd name="adj" fmla="val 3969"/>
-              </a:avLst>
-            </a:prstGeom>
-            <a:solidFill>
-              <a:schemeClr val="bg1">
-                <a:lumMod val="85000"/>
-              </a:schemeClr>
-            </a:solidFill>
-            <a:ln>
-              <a:noFill/>
-            </a:ln>
-          </p:spPr>
-          <p:style>
-            <a:lnRef idx="2">
-              <a:schemeClr val="accent1">
-                <a:shade val="50000"/>
-              </a:schemeClr>
-            </a:lnRef>
-            <a:fillRef idx="1">
-              <a:schemeClr val="accent1"/>
-            </a:fillRef>
-            <a:effectRef idx="0">
-              <a:schemeClr val="accent1"/>
-            </a:effectRef>
-            <a:fontRef idx="minor">
-              <a:schemeClr val="lt1"/>
-            </a:fontRef>
-          </p:style>
-          <p:txBody>
-            <a:bodyPr tIns="0" rtlCol="0" anchor="t" anchorCtr="0"/>
-            <a:lstStyle/>
-            <a:p>
-              <a:r>
-                <a:rPr lang="fr-FR" sz="600" b="1" noProof="1">
-                  <a:solidFill>
-                    <a:schemeClr val="tx1"/>
-                  </a:solidFill>
-                  <a:latin typeface="Gadugi" panose="020B0502040204020203" pitchFamily="34" charset="0"/>
-                  <a:ea typeface="Gadugi" panose="020B0502040204020203" pitchFamily="34" charset="0"/>
-                  <a:cs typeface="Arial" panose="020B0604020202020204" pitchFamily="34" charset="0"/>
-                </a:rPr>
-                <a:t>3rd-party plugins</a:t>
-              </a:r>
-            </a:p>
-          </p:txBody>
-        </p:sp>
-        <p:sp>
-          <p:nvSpPr>
-            <p:cNvPr id="64" name="Rectangle à coins arrondis 63"/>
-            <p:cNvSpPr/>
-            <p:nvPr/>
-          </p:nvSpPr>
-          <p:spPr>
-            <a:xfrm>
-              <a:off x="4421845" y="1690832"/>
-              <a:ext cx="279500" cy="201219"/>
-            </a:xfrm>
-            <a:prstGeom prst="roundRect">
-              <a:avLst/>
-            </a:prstGeom>
-            <a:solidFill>
-              <a:schemeClr val="bg1">
-                <a:lumMod val="50000"/>
-              </a:schemeClr>
-            </a:solidFill>
-            <a:ln>
-              <a:noFill/>
-            </a:ln>
-          </p:spPr>
-          <p:style>
-            <a:lnRef idx="2">
-              <a:schemeClr val="accent1">
-                <a:shade val="50000"/>
-              </a:schemeClr>
-            </a:lnRef>
-            <a:fillRef idx="1">
-              <a:schemeClr val="accent1"/>
-            </a:fillRef>
-            <a:effectRef idx="0">
-              <a:schemeClr val="accent1"/>
-            </a:effectRef>
-            <a:fontRef idx="minor">
-              <a:schemeClr val="lt1"/>
-            </a:fontRef>
-          </p:style>
-          <p:txBody>
-            <a:bodyPr lIns="36000" rIns="36000" rtlCol="0" anchor="ctr"/>
-            <a:lstStyle/>
-            <a:p>
-              <a:pPr algn="ctr"/>
-              <a:r>
-                <a:rPr lang="fr-FR" sz="600" b="1" noProof="1" smtClean="0">
-                  <a:latin typeface="Gadugi" panose="020B0502040204020203" pitchFamily="34" charset="0"/>
-                  <a:ea typeface="Gadugi" panose="020B0502040204020203" pitchFamily="34" charset="0"/>
-                  <a:cs typeface="Arial" panose="020B0604020202020204" pitchFamily="34" charset="0"/>
-                </a:rPr>
-                <a:t>C++</a:t>
-              </a:r>
-              <a:endParaRPr lang="fr-FR" sz="600" b="1" noProof="1">
+              </a:rPr>
+              <a:t>Linux</a:t>
+            </a:r>
+          </a:p>
+        </p:txBody>
+      </p:sp>
+      <p:sp>
+        <p:nvSpPr>
+          <p:cNvPr id="24" name="Rectangle à coins arrondis 23"/>
+          <p:cNvSpPr/>
+          <p:nvPr/>
+        </p:nvSpPr>
+        <p:spPr>
+          <a:xfrm>
+            <a:off x="4635118" y="2688417"/>
+            <a:ext cx="461985" cy="201219"/>
+          </a:xfrm>
+          <a:prstGeom prst="roundRect">
+            <a:avLst/>
+          </a:prstGeom>
+          <a:solidFill>
+            <a:schemeClr val="bg1">
+              <a:lumMod val="50000"/>
+            </a:schemeClr>
+          </a:solidFill>
+          <a:ln>
+            <a:noFill/>
+          </a:ln>
+        </p:spPr>
+        <p:style>
+          <a:lnRef idx="2">
+            <a:schemeClr val="accent1">
+              <a:shade val="50000"/>
+            </a:schemeClr>
+          </a:lnRef>
+          <a:fillRef idx="1">
+            <a:schemeClr val="accent1"/>
+          </a:fillRef>
+          <a:effectRef idx="0">
+            <a:schemeClr val="accent1"/>
+          </a:effectRef>
+          <a:fontRef idx="minor">
+            <a:schemeClr val="lt1"/>
+          </a:fontRef>
+        </p:style>
+        <p:txBody>
+          <a:bodyPr lIns="36000" rIns="36000" rtlCol="0" anchor="ctr"/>
+          <a:lstStyle/>
+          <a:p>
+            <a:pPr algn="ctr"/>
+            <a:r>
+              <a:rPr lang="fr-FR" sz="600" b="1" noProof="1">
                 <a:latin typeface="Gadugi" panose="020B0502040204020203" pitchFamily="34" charset="0"/>
                 <a:ea typeface="Gadugi" panose="020B0502040204020203" pitchFamily="34" charset="0"/>
                 <a:cs typeface="Arial" panose="020B0604020202020204" pitchFamily="34" charset="0"/>
-              </a:endParaRPr>
-            </a:p>
-          </p:txBody>
-        </p:sp>
-        <p:sp>
-          <p:nvSpPr>
-            <p:cNvPr id="65" name="Rectangle à coins arrondis 64"/>
-            <p:cNvSpPr/>
-            <p:nvPr/>
-          </p:nvSpPr>
-          <p:spPr>
-            <a:xfrm>
-              <a:off x="4804345" y="1690832"/>
-              <a:ext cx="279500" cy="201219"/>
-            </a:xfrm>
-            <a:prstGeom prst="roundRect">
-              <a:avLst/>
-            </a:prstGeom>
-            <a:solidFill>
-              <a:schemeClr val="bg1">
-                <a:lumMod val="50000"/>
-              </a:schemeClr>
-            </a:solidFill>
-            <a:ln>
-              <a:noFill/>
-            </a:ln>
-          </p:spPr>
-          <p:style>
-            <a:lnRef idx="2">
-              <a:schemeClr val="accent1">
-                <a:shade val="50000"/>
-              </a:schemeClr>
-            </a:lnRef>
-            <a:fillRef idx="1">
-              <a:schemeClr val="accent1"/>
-            </a:fillRef>
-            <a:effectRef idx="0">
-              <a:schemeClr val="accent1"/>
-            </a:effectRef>
-            <a:fontRef idx="minor">
-              <a:schemeClr val="lt1"/>
-            </a:fontRef>
-          </p:style>
-          <p:txBody>
-            <a:bodyPr lIns="36000" rIns="36000" rtlCol="0" anchor="ctr"/>
-            <a:lstStyle/>
-            <a:p>
-              <a:pPr algn="ctr"/>
-              <a:r>
-                <a:rPr lang="fr-FR" sz="600" b="1" noProof="1" smtClean="0">
-                  <a:latin typeface="Gadugi" panose="020B0502040204020203" pitchFamily="34" charset="0"/>
-                  <a:ea typeface="Gadugi" panose="020B0502040204020203" pitchFamily="34" charset="0"/>
-                  <a:cs typeface="Arial" panose="020B0604020202020204" pitchFamily="34" charset="0"/>
-                </a:rPr>
-                <a:t>C++</a:t>
-              </a:r>
-              <a:endParaRPr lang="fr-FR" sz="600" b="1" noProof="1">
-                <a:latin typeface="Gadugi" panose="020B0502040204020203" pitchFamily="34" charset="0"/>
-                <a:ea typeface="Gadugi" panose="020B0502040204020203" pitchFamily="34" charset="0"/>
-                <a:cs typeface="Arial" panose="020B0604020202020204" pitchFamily="34" charset="0"/>
-              </a:endParaRPr>
-            </a:p>
-          </p:txBody>
-        </p:sp>
-        <p:sp>
-          <p:nvSpPr>
-            <p:cNvPr id="38" name="Rectangle à coins arrondis 19"/>
-            <p:cNvSpPr/>
-            <p:nvPr/>
-          </p:nvSpPr>
-          <p:spPr>
-            <a:xfrm>
-              <a:off x="2080128" y="1119812"/>
-              <a:ext cx="419772" cy="219456"/>
-            </a:xfrm>
-            <a:prstGeom prst="roundRect">
-              <a:avLst/>
-            </a:prstGeom>
-            <a:solidFill>
-              <a:schemeClr val="accent6">
-                <a:lumMod val="75000"/>
-              </a:schemeClr>
-            </a:solidFill>
-            <a:ln>
-              <a:noFill/>
-            </a:ln>
-          </p:spPr>
-          <p:style>
-            <a:lnRef idx="2">
-              <a:schemeClr val="accent1">
-                <a:shade val="50000"/>
-              </a:schemeClr>
-            </a:lnRef>
-            <a:fillRef idx="1">
-              <a:schemeClr val="accent1"/>
-            </a:fillRef>
-            <a:effectRef idx="0">
-              <a:schemeClr val="accent1"/>
-            </a:effectRef>
-            <a:fontRef idx="minor">
-              <a:schemeClr val="lt1"/>
-            </a:fontRef>
-          </p:style>
-          <p:txBody>
-            <a:bodyPr lIns="36000" tIns="27432" rIns="36000" rtlCol="0" anchor="ctr"/>
-            <a:lstStyle/>
-            <a:p>
-              <a:pPr algn="ctr"/>
-              <a:r>
-                <a:rPr lang="fr-FR" sz="600" b="1" noProof="1" smtClean="0">
-                  <a:latin typeface="Gadugi" panose="020B0502040204020203" pitchFamily="34" charset="0"/>
-                  <a:ea typeface="Gadugi" panose="020B0502040204020203" pitchFamily="34" charset="0"/>
-                  <a:cs typeface="Arial" panose="020B0604020202020204" pitchFamily="34" charset="0"/>
-                </a:rPr>
-                <a:t>Python</a:t>
-              </a:r>
-            </a:p>
-            <a:p>
-              <a:pPr algn="ctr"/>
-              <a:r>
-                <a:rPr lang="fr-FR" sz="600" b="1" noProof="1" smtClean="0">
-                  <a:latin typeface="Gadugi" panose="020B0502040204020203" pitchFamily="34" charset="0"/>
-                  <a:ea typeface="Gadugi" panose="020B0502040204020203" pitchFamily="34" charset="0"/>
-                  <a:cs typeface="Arial" panose="020B0604020202020204" pitchFamily="34" charset="0"/>
-                </a:rPr>
-                <a:t>bindings</a:t>
-              </a:r>
-              <a:endParaRPr lang="fr-FR" sz="600" b="1" noProof="1">
-                <a:latin typeface="Gadugi" panose="020B0502040204020203" pitchFamily="34" charset="0"/>
-                <a:ea typeface="Gadugi" panose="020B0502040204020203" pitchFamily="34" charset="0"/>
-                <a:cs typeface="Arial" panose="020B0604020202020204" pitchFamily="34" charset="0"/>
-              </a:endParaRPr>
-            </a:p>
-          </p:txBody>
-        </p:sp>
-        <p:sp>
-          <p:nvSpPr>
-            <p:cNvPr id="43" name="Rectangle à coins arrondis 62"/>
-            <p:cNvSpPr/>
-            <p:nvPr/>
-          </p:nvSpPr>
-          <p:spPr>
-            <a:xfrm>
-              <a:off x="2024064" y="478673"/>
-              <a:ext cx="1417722" cy="411831"/>
-            </a:xfrm>
-            <a:prstGeom prst="roundRect">
-              <a:avLst>
-                <a:gd name="adj" fmla="val 3969"/>
-              </a:avLst>
-            </a:prstGeom>
-            <a:solidFill>
-              <a:schemeClr val="bg1">
-                <a:lumMod val="85000"/>
-              </a:schemeClr>
-            </a:solidFill>
-            <a:ln>
-              <a:noFill/>
-            </a:ln>
-          </p:spPr>
-          <p:style>
-            <a:lnRef idx="2">
-              <a:schemeClr val="accent1">
-                <a:shade val="50000"/>
-              </a:schemeClr>
-            </a:lnRef>
-            <a:fillRef idx="1">
-              <a:schemeClr val="accent1"/>
-            </a:fillRef>
-            <a:effectRef idx="0">
-              <a:schemeClr val="accent1"/>
-            </a:effectRef>
-            <a:fontRef idx="minor">
-              <a:schemeClr val="lt1"/>
-            </a:fontRef>
-          </p:style>
-          <p:txBody>
-            <a:bodyPr tIns="0" rtlCol="0" anchor="t" anchorCtr="0"/>
-            <a:lstStyle/>
-            <a:p>
-              <a:r>
-                <a:rPr lang="fr-FR" sz="600" b="1" noProof="1">
-                  <a:solidFill>
-                    <a:schemeClr val="tx1"/>
-                  </a:solidFill>
-                  <a:latin typeface="Gadugi" panose="020B0502040204020203" pitchFamily="34" charset="0"/>
-                  <a:ea typeface="Gadugi" panose="020B0502040204020203" pitchFamily="34" charset="0"/>
-                  <a:cs typeface="Arial" panose="020B0604020202020204" pitchFamily="34" charset="0"/>
-                </a:rPr>
-                <a:t>3rd-party </a:t>
-              </a:r>
-              <a:r>
-                <a:rPr lang="fr-FR" sz="600" b="1" noProof="1" smtClean="0">
-                  <a:solidFill>
-                    <a:schemeClr val="tx1"/>
-                  </a:solidFill>
-                  <a:latin typeface="Gadugi" panose="020B0502040204020203" pitchFamily="34" charset="0"/>
-                  <a:ea typeface="Gadugi" panose="020B0502040204020203" pitchFamily="34" charset="0"/>
-                  <a:cs typeface="Arial" panose="020B0604020202020204" pitchFamily="34" charset="0"/>
-                </a:rPr>
-                <a:t>applications</a:t>
-              </a:r>
-              <a:endParaRPr lang="fr-FR" sz="600" b="1" noProof="1">
+              </a:rPr>
+              <a:t>macOS</a:t>
+            </a:r>
+          </a:p>
+        </p:txBody>
+      </p:sp>
+      <p:sp>
+        <p:nvSpPr>
+          <p:cNvPr id="28" name="Rectangle à coins arrondis 27"/>
+          <p:cNvSpPr/>
+          <p:nvPr/>
+        </p:nvSpPr>
+        <p:spPr>
+          <a:xfrm>
+            <a:off x="2836065" y="1548394"/>
+            <a:ext cx="1344619" cy="411831"/>
+          </a:xfrm>
+          <a:prstGeom prst="roundRect">
+            <a:avLst>
+              <a:gd name="adj" fmla="val 3969"/>
+            </a:avLst>
+          </a:prstGeom>
+          <a:solidFill>
+            <a:schemeClr val="accent6">
+              <a:lumMod val="40000"/>
+              <a:lumOff val="60000"/>
+            </a:schemeClr>
+          </a:solidFill>
+          <a:ln>
+            <a:noFill/>
+          </a:ln>
+        </p:spPr>
+        <p:style>
+          <a:lnRef idx="2">
+            <a:schemeClr val="accent1">
+              <a:shade val="50000"/>
+            </a:schemeClr>
+          </a:lnRef>
+          <a:fillRef idx="1">
+            <a:schemeClr val="accent1"/>
+          </a:fillRef>
+          <a:effectRef idx="0">
+            <a:schemeClr val="accent1"/>
+          </a:effectRef>
+          <a:fontRef idx="minor">
+            <a:schemeClr val="lt1"/>
+          </a:fontRef>
+        </p:style>
+        <p:txBody>
+          <a:bodyPr tIns="18288" rtlCol="0" anchor="t" anchorCtr="0"/>
+          <a:lstStyle/>
+          <a:p>
+            <a:r>
+              <a:rPr lang="fr-FR" sz="600" b="1" noProof="1">
                 <a:solidFill>
                   <a:schemeClr val="tx1"/>
                 </a:solidFill>
                 <a:latin typeface="Gadugi" panose="020B0502040204020203" pitchFamily="34" charset="0"/>
                 <a:ea typeface="Gadugi" panose="020B0502040204020203" pitchFamily="34" charset="0"/>
                 <a:cs typeface="Arial" panose="020B0604020202020204" pitchFamily="34" charset="0"/>
-              </a:endParaRPr>
-            </a:p>
-          </p:txBody>
-        </p:sp>
-        <p:sp>
-          <p:nvSpPr>
-            <p:cNvPr id="45" name="Rectangle à coins arrondis 63"/>
-            <p:cNvSpPr/>
-            <p:nvPr/>
-          </p:nvSpPr>
-          <p:spPr>
-            <a:xfrm>
-              <a:off x="2537414" y="627305"/>
-              <a:ext cx="420624" cy="201219"/>
-            </a:xfrm>
-            <a:prstGeom prst="roundRect">
-              <a:avLst/>
-            </a:prstGeom>
-            <a:solidFill>
-              <a:schemeClr val="bg1">
-                <a:lumMod val="50000"/>
-              </a:schemeClr>
-            </a:solidFill>
-            <a:ln>
-              <a:noFill/>
-            </a:ln>
-          </p:spPr>
-          <p:style>
-            <a:lnRef idx="2">
-              <a:schemeClr val="accent1">
-                <a:shade val="50000"/>
-              </a:schemeClr>
-            </a:lnRef>
-            <a:fillRef idx="1">
-              <a:schemeClr val="accent1"/>
-            </a:fillRef>
-            <a:effectRef idx="0">
-              <a:schemeClr val="accent1"/>
-            </a:effectRef>
-            <a:fontRef idx="minor">
-              <a:schemeClr val="lt1"/>
-            </a:fontRef>
-          </p:style>
-          <p:txBody>
-            <a:bodyPr lIns="0" rIns="0" rtlCol="0" anchor="ctr"/>
-            <a:lstStyle/>
-            <a:p>
-              <a:pPr algn="ctr"/>
-              <a:r>
-                <a:rPr lang="fr-FR" sz="600" b="1" noProof="1" smtClean="0">
-                  <a:latin typeface="Gadugi" panose="020B0502040204020203" pitchFamily="34" charset="0"/>
-                  <a:ea typeface="Gadugi" panose="020B0502040204020203" pitchFamily="34" charset="0"/>
-                  <a:cs typeface="Arial" panose="020B0604020202020204" pitchFamily="34" charset="0"/>
-                </a:rPr>
-                <a:t>Java</a:t>
-              </a:r>
-              <a:endParaRPr lang="fr-FR" sz="600" b="1" noProof="1">
+              </a:rPr>
+              <a:t>TSDuck plugins</a:t>
+            </a:r>
+          </a:p>
+        </p:txBody>
+      </p:sp>
+      <p:sp>
+        <p:nvSpPr>
+          <p:cNvPr id="29" name="Rectangle à coins arrondis 28"/>
+          <p:cNvSpPr/>
+          <p:nvPr/>
+        </p:nvSpPr>
+        <p:spPr>
+          <a:xfrm>
+            <a:off x="2905121" y="1677141"/>
+            <a:ext cx="575218" cy="228600"/>
+          </a:xfrm>
+          <a:prstGeom prst="roundRect">
+            <a:avLst/>
+          </a:prstGeom>
+          <a:solidFill>
+            <a:srgbClr val="1F8A4C"/>
+          </a:solidFill>
+          <a:ln>
+            <a:noFill/>
+          </a:ln>
+        </p:spPr>
+        <p:style>
+          <a:lnRef idx="2">
+            <a:schemeClr val="accent1">
+              <a:shade val="50000"/>
+            </a:schemeClr>
+          </a:lnRef>
+          <a:fillRef idx="1">
+            <a:schemeClr val="accent1"/>
+          </a:fillRef>
+          <a:effectRef idx="0">
+            <a:schemeClr val="accent1"/>
+          </a:effectRef>
+          <a:fontRef idx="minor">
+            <a:schemeClr val="lt1"/>
+          </a:fontRef>
+        </p:style>
+        <p:txBody>
+          <a:bodyPr lIns="36000" tIns="27432" rIns="36000" rtlCol="0" anchor="ctr"/>
+          <a:lstStyle/>
+          <a:p>
+            <a:pPr algn="ctr"/>
+            <a:r>
+              <a:rPr lang="fr-FR" sz="600" b="1" noProof="1" smtClean="0">
                 <a:latin typeface="Gadugi" panose="020B0502040204020203" pitchFamily="34" charset="0"/>
                 <a:ea typeface="Gadugi" panose="020B0502040204020203" pitchFamily="34" charset="0"/>
                 <a:cs typeface="Arial" panose="020B0604020202020204" pitchFamily="34" charset="0"/>
-              </a:endParaRPr>
-            </a:p>
-          </p:txBody>
-        </p:sp>
-        <p:sp>
-          <p:nvSpPr>
-            <p:cNvPr id="48" name="Rectangle à coins arrondis 64"/>
-            <p:cNvSpPr/>
-            <p:nvPr/>
-          </p:nvSpPr>
-          <p:spPr>
-            <a:xfrm>
-              <a:off x="2991606" y="627305"/>
-              <a:ext cx="420624" cy="201219"/>
-            </a:xfrm>
-            <a:prstGeom prst="roundRect">
-              <a:avLst/>
-            </a:prstGeom>
-            <a:solidFill>
-              <a:schemeClr val="bg1">
-                <a:lumMod val="50000"/>
-              </a:schemeClr>
-            </a:solidFill>
-            <a:ln>
-              <a:noFill/>
-            </a:ln>
-          </p:spPr>
-          <p:style>
-            <a:lnRef idx="2">
-              <a:schemeClr val="accent1">
-                <a:shade val="50000"/>
-              </a:schemeClr>
-            </a:lnRef>
-            <a:fillRef idx="1">
-              <a:schemeClr val="accent1"/>
-            </a:fillRef>
-            <a:effectRef idx="0">
-              <a:schemeClr val="accent1"/>
-            </a:effectRef>
-            <a:fontRef idx="minor">
-              <a:schemeClr val="lt1"/>
-            </a:fontRef>
-          </p:style>
-          <p:txBody>
-            <a:bodyPr lIns="0" rIns="0" rtlCol="0" anchor="ctr"/>
-            <a:lstStyle/>
-            <a:p>
-              <a:pPr algn="ctr"/>
-              <a:r>
-                <a:rPr lang="fr-FR" sz="600" b="1" noProof="1" smtClean="0">
-                  <a:latin typeface="Gadugi" panose="020B0502040204020203" pitchFamily="34" charset="0"/>
-                  <a:ea typeface="Gadugi" panose="020B0502040204020203" pitchFamily="34" charset="0"/>
-                  <a:cs typeface="Arial" panose="020B0604020202020204" pitchFamily="34" charset="0"/>
-                </a:rPr>
-                <a:t>C++</a:t>
-              </a:r>
-              <a:endParaRPr lang="fr-FR" sz="600" b="1" noProof="1">
+              </a:rPr>
+              <a:t>packet</a:t>
+            </a:r>
+            <a:br>
+              <a:rPr lang="fr-FR" sz="600" b="1" noProof="1" smtClean="0">
                 <a:latin typeface="Gadugi" panose="020B0502040204020203" pitchFamily="34" charset="0"/>
                 <a:ea typeface="Gadugi" panose="020B0502040204020203" pitchFamily="34" charset="0"/>
                 <a:cs typeface="Arial" panose="020B0604020202020204" pitchFamily="34" charset="0"/>
-              </a:endParaRPr>
-            </a:p>
-          </p:txBody>
-        </p:sp>
-        <p:sp>
-          <p:nvSpPr>
-            <p:cNvPr id="50" name="Rectangle à coins arrondis 63"/>
-            <p:cNvSpPr/>
-            <p:nvPr/>
-          </p:nvSpPr>
-          <p:spPr>
-            <a:xfrm>
-              <a:off x="2079702" y="627305"/>
-              <a:ext cx="420624" cy="201219"/>
-            </a:xfrm>
-            <a:prstGeom prst="roundRect">
-              <a:avLst/>
-            </a:prstGeom>
-            <a:solidFill>
-              <a:schemeClr val="bg1">
-                <a:lumMod val="50000"/>
-              </a:schemeClr>
-            </a:solidFill>
-            <a:ln>
-              <a:noFill/>
-            </a:ln>
-          </p:spPr>
-          <p:style>
-            <a:lnRef idx="2">
-              <a:schemeClr val="accent1">
-                <a:shade val="50000"/>
-              </a:schemeClr>
-            </a:lnRef>
-            <a:fillRef idx="1">
-              <a:schemeClr val="accent1"/>
-            </a:fillRef>
-            <a:effectRef idx="0">
-              <a:schemeClr val="accent1"/>
-            </a:effectRef>
-            <a:fontRef idx="minor">
-              <a:schemeClr val="lt1"/>
-            </a:fontRef>
-          </p:style>
-          <p:txBody>
-            <a:bodyPr lIns="0" rIns="0" rtlCol="0" anchor="ctr"/>
-            <a:lstStyle/>
-            <a:p>
-              <a:pPr algn="ctr"/>
-              <a:r>
-                <a:rPr lang="fr-FR" sz="600" b="1" noProof="1" smtClean="0">
-                  <a:latin typeface="Gadugi" panose="020B0502040204020203" pitchFamily="34" charset="0"/>
-                  <a:ea typeface="Gadugi" panose="020B0502040204020203" pitchFamily="34" charset="0"/>
-                  <a:cs typeface="Arial" panose="020B0604020202020204" pitchFamily="34" charset="0"/>
-                </a:rPr>
-                <a:t>Python</a:t>
-              </a:r>
-              <a:endParaRPr lang="fr-FR" sz="600" b="1" noProof="1">
+              </a:rPr>
+            </a:br>
+            <a:r>
+              <a:rPr lang="fr-FR" sz="600" b="1" noProof="1" smtClean="0">
                 <a:latin typeface="Gadugi" panose="020B0502040204020203" pitchFamily="34" charset="0"/>
                 <a:ea typeface="Gadugi" panose="020B0502040204020203" pitchFamily="34" charset="0"/>
                 <a:cs typeface="Arial" panose="020B0604020202020204" pitchFamily="34" charset="0"/>
-              </a:endParaRPr>
-            </a:p>
-          </p:txBody>
-        </p:sp>
-        <p:sp>
-          <p:nvSpPr>
-            <p:cNvPr id="53" name="Rectangle à coins arrondis 19"/>
-            <p:cNvSpPr/>
-            <p:nvPr/>
-          </p:nvSpPr>
-          <p:spPr>
-            <a:xfrm>
-              <a:off x="3674695" y="1117927"/>
-              <a:ext cx="1129077" cy="221341"/>
-            </a:xfrm>
-            <a:prstGeom prst="roundRect">
-              <a:avLst/>
-            </a:prstGeom>
-            <a:solidFill>
-              <a:srgbClr val="1F8A4C"/>
-            </a:solidFill>
-            <a:ln>
-              <a:noFill/>
-            </a:ln>
-          </p:spPr>
-          <p:style>
-            <a:lnRef idx="2">
-              <a:schemeClr val="accent1">
-                <a:shade val="50000"/>
-              </a:schemeClr>
-            </a:lnRef>
-            <a:fillRef idx="1">
-              <a:schemeClr val="accent1"/>
-            </a:fillRef>
-            <a:effectRef idx="0">
-              <a:schemeClr val="accent1"/>
-            </a:effectRef>
-            <a:fontRef idx="minor">
-              <a:schemeClr val="lt1"/>
-            </a:fontRef>
-          </p:style>
-          <p:txBody>
-            <a:bodyPr lIns="36000" tIns="27432" rIns="36000" rtlCol="0" anchor="ctr"/>
-            <a:lstStyle/>
-            <a:p>
-              <a:pPr algn="ctr"/>
-              <a:r>
-                <a:rPr lang="fr-FR" sz="600" b="1" noProof="1" smtClean="0">
-                  <a:latin typeface="Gadugi" panose="020B0502040204020203" pitchFamily="34" charset="0"/>
-                  <a:ea typeface="Gadugi" panose="020B0502040204020203" pitchFamily="34" charset="0"/>
-                  <a:cs typeface="Arial" panose="020B0604020202020204" pitchFamily="34" charset="0"/>
-                </a:rPr>
-                <a:t>TS processor</a:t>
-              </a:r>
-              <a:endParaRPr lang="fr-FR" sz="600" b="1" noProof="1">
+              </a:rPr>
+              <a:t>processing</a:t>
+            </a:r>
+            <a:endParaRPr lang="fr-FR" sz="600" b="1" noProof="1">
+              <a:latin typeface="Gadugi" panose="020B0502040204020203" pitchFamily="34" charset="0"/>
+              <a:ea typeface="Gadugi" panose="020B0502040204020203" pitchFamily="34" charset="0"/>
+              <a:cs typeface="Arial" panose="020B0604020202020204" pitchFamily="34" charset="0"/>
+            </a:endParaRPr>
+          </a:p>
+        </p:txBody>
+      </p:sp>
+      <p:sp>
+        <p:nvSpPr>
+          <p:cNvPr id="30" name="Rectangle à coins arrondis 29"/>
+          <p:cNvSpPr/>
+          <p:nvPr/>
+        </p:nvSpPr>
+        <p:spPr>
+          <a:xfrm>
+            <a:off x="3537254" y="1677141"/>
+            <a:ext cx="565007" cy="228600"/>
+          </a:xfrm>
+          <a:prstGeom prst="roundRect">
+            <a:avLst/>
+          </a:prstGeom>
+          <a:solidFill>
+            <a:srgbClr val="1F8A4C"/>
+          </a:solidFill>
+          <a:ln>
+            <a:noFill/>
+          </a:ln>
+        </p:spPr>
+        <p:style>
+          <a:lnRef idx="2">
+            <a:schemeClr val="accent1">
+              <a:shade val="50000"/>
+            </a:schemeClr>
+          </a:lnRef>
+          <a:fillRef idx="1">
+            <a:schemeClr val="accent1"/>
+          </a:fillRef>
+          <a:effectRef idx="0">
+            <a:schemeClr val="accent1"/>
+          </a:effectRef>
+          <a:fontRef idx="minor">
+            <a:schemeClr val="lt1"/>
+          </a:fontRef>
+        </p:style>
+        <p:txBody>
+          <a:bodyPr lIns="36000" tIns="27432" rIns="36000" rtlCol="0" anchor="ctr"/>
+          <a:lstStyle/>
+          <a:p>
+            <a:pPr algn="ctr"/>
+            <a:r>
+              <a:rPr lang="fr-FR" sz="600" b="1" noProof="1" smtClean="0">
                 <a:latin typeface="Gadugi" panose="020B0502040204020203" pitchFamily="34" charset="0"/>
                 <a:ea typeface="Gadugi" panose="020B0502040204020203" pitchFamily="34" charset="0"/>
                 <a:cs typeface="Arial" panose="020B0604020202020204" pitchFamily="34" charset="0"/>
-              </a:endParaRPr>
-            </a:p>
-          </p:txBody>
-        </p:sp>
-        <p:cxnSp>
-          <p:nvCxnSpPr>
-            <p:cNvPr id="54" name="Connecteur droit avec flèche 31"/>
-            <p:cNvCxnSpPr/>
-            <p:nvPr/>
-          </p:nvCxnSpPr>
-          <p:spPr>
-            <a:xfrm>
-              <a:off x="4014175" y="1339268"/>
-              <a:ext cx="0" cy="215838"/>
-            </a:xfrm>
-            <a:prstGeom prst="straightConnector1">
-              <a:avLst/>
-            </a:prstGeom>
-            <a:ln w="19050">
+              </a:rPr>
+              <a:t>input </a:t>
+            </a:r>
+            <a:r>
+              <a:rPr lang="fr-FR" sz="500" b="1" noProof="1" smtClean="0">
+                <a:latin typeface="Gadugi" panose="020B0502040204020203" pitchFamily="34" charset="0"/>
+                <a:ea typeface="Gadugi" panose="020B0502040204020203" pitchFamily="34" charset="0"/>
+                <a:cs typeface="Arial" panose="020B0604020202020204" pitchFamily="34" charset="0"/>
+              </a:rPr>
+              <a:t>&amp;</a:t>
+            </a:r>
+            <a:r>
+              <a:rPr lang="fr-FR" sz="600" b="1" noProof="1" smtClean="0">
+                <a:latin typeface="Gadugi" panose="020B0502040204020203" pitchFamily="34" charset="0"/>
+                <a:ea typeface="Gadugi" panose="020B0502040204020203" pitchFamily="34" charset="0"/>
+                <a:cs typeface="Arial" panose="020B0604020202020204" pitchFamily="34" charset="0"/>
+              </a:rPr>
+              <a:t> </a:t>
+            </a:r>
+            <a:br>
+              <a:rPr lang="fr-FR" sz="600" b="1" noProof="1" smtClean="0">
+                <a:latin typeface="Gadugi" panose="020B0502040204020203" pitchFamily="34" charset="0"/>
+                <a:ea typeface="Gadugi" panose="020B0502040204020203" pitchFamily="34" charset="0"/>
+                <a:cs typeface="Arial" panose="020B0604020202020204" pitchFamily="34" charset="0"/>
+              </a:rPr>
+            </a:br>
+            <a:r>
+              <a:rPr lang="fr-FR" sz="600" b="1" noProof="1" smtClean="0">
+                <a:latin typeface="Gadugi" panose="020B0502040204020203" pitchFamily="34" charset="0"/>
+                <a:ea typeface="Gadugi" panose="020B0502040204020203" pitchFamily="34" charset="0"/>
+                <a:cs typeface="Arial" panose="020B0604020202020204" pitchFamily="34" charset="0"/>
+              </a:rPr>
+              <a:t>output</a:t>
+            </a:r>
+            <a:endParaRPr lang="fr-FR" sz="600" b="1" noProof="1">
+              <a:latin typeface="Gadugi" panose="020B0502040204020203" pitchFamily="34" charset="0"/>
+              <a:ea typeface="Gadugi" panose="020B0502040204020203" pitchFamily="34" charset="0"/>
+              <a:cs typeface="Arial" panose="020B0604020202020204" pitchFamily="34" charset="0"/>
+            </a:endParaRPr>
+          </a:p>
+        </p:txBody>
+      </p:sp>
+      <p:sp>
+        <p:nvSpPr>
+          <p:cNvPr id="33" name="Rectangle à coins arrondis 32"/>
+          <p:cNvSpPr/>
+          <p:nvPr/>
+        </p:nvSpPr>
+        <p:spPr>
+          <a:xfrm>
+            <a:off x="3517223" y="486359"/>
+            <a:ext cx="1675383" cy="411831"/>
+          </a:xfrm>
+          <a:prstGeom prst="roundRect">
+            <a:avLst>
+              <a:gd name="adj" fmla="val 3969"/>
+            </a:avLst>
+          </a:prstGeom>
+          <a:solidFill>
+            <a:schemeClr val="accent6">
+              <a:lumMod val="40000"/>
+              <a:lumOff val="60000"/>
+            </a:schemeClr>
+          </a:solidFill>
+          <a:ln>
+            <a:noFill/>
+          </a:ln>
+        </p:spPr>
+        <p:style>
+          <a:lnRef idx="2">
+            <a:schemeClr val="accent1">
+              <a:shade val="50000"/>
+            </a:schemeClr>
+          </a:lnRef>
+          <a:fillRef idx="1">
+            <a:schemeClr val="accent1"/>
+          </a:fillRef>
+          <a:effectRef idx="0">
+            <a:schemeClr val="accent1"/>
+          </a:effectRef>
+          <a:fontRef idx="minor">
+            <a:schemeClr val="lt1"/>
+          </a:fontRef>
+        </p:style>
+        <p:txBody>
+          <a:bodyPr tIns="18288" rtlCol="0" anchor="t" anchorCtr="0"/>
+          <a:lstStyle/>
+          <a:p>
+            <a:r>
+              <a:rPr lang="fr-FR" sz="600" b="1" noProof="1">
+                <a:solidFill>
+                  <a:schemeClr val="tx1"/>
+                </a:solidFill>
+                <a:latin typeface="Gadugi" panose="020B0502040204020203" pitchFamily="34" charset="0"/>
+                <a:ea typeface="Gadugi" panose="020B0502040204020203" pitchFamily="34" charset="0"/>
+                <a:cs typeface="Arial" panose="020B0604020202020204" pitchFamily="34" charset="0"/>
+              </a:rPr>
+              <a:t>TSDuck commands</a:t>
+            </a:r>
+          </a:p>
+        </p:txBody>
+      </p:sp>
+      <p:sp>
+        <p:nvSpPr>
+          <p:cNvPr id="36" name="Rectangle à coins arrondis 35"/>
+          <p:cNvSpPr/>
+          <p:nvPr/>
+        </p:nvSpPr>
+        <p:spPr>
+          <a:xfrm>
+            <a:off x="4654002" y="627305"/>
+            <a:ext cx="457200" cy="201219"/>
+          </a:xfrm>
+          <a:prstGeom prst="roundRect">
+            <a:avLst/>
+          </a:prstGeom>
+          <a:solidFill>
+            <a:srgbClr val="1F8A4C"/>
+          </a:solidFill>
+          <a:ln>
+            <a:noFill/>
+          </a:ln>
+        </p:spPr>
+        <p:style>
+          <a:lnRef idx="2">
+            <a:schemeClr val="accent1">
+              <a:shade val="50000"/>
+            </a:schemeClr>
+          </a:lnRef>
+          <a:fillRef idx="1">
+            <a:schemeClr val="accent1"/>
+          </a:fillRef>
+          <a:effectRef idx="0">
+            <a:schemeClr val="accent1"/>
+          </a:effectRef>
+          <a:fontRef idx="minor">
+            <a:schemeClr val="lt1"/>
+          </a:fontRef>
+        </p:style>
+        <p:txBody>
+          <a:bodyPr lIns="36000" rIns="36000" rtlCol="0" anchor="ctr"/>
+          <a:lstStyle/>
+          <a:p>
+            <a:pPr algn="ctr"/>
+            <a:r>
+              <a:rPr lang="fr-FR" sz="600" b="1" noProof="1" smtClean="0">
+                <a:latin typeface="Gadugi" panose="020B0502040204020203" pitchFamily="34" charset="0"/>
+                <a:ea typeface="Gadugi" panose="020B0502040204020203" pitchFamily="34" charset="0"/>
+                <a:cs typeface="Arial" panose="020B0604020202020204" pitchFamily="34" charset="0"/>
+              </a:rPr>
+              <a:t>other ts...</a:t>
+            </a:r>
+            <a:endParaRPr lang="fr-FR" sz="600" b="1" noProof="1">
+              <a:latin typeface="Gadugi" panose="020B0502040204020203" pitchFamily="34" charset="0"/>
+              <a:ea typeface="Gadugi" panose="020B0502040204020203" pitchFamily="34" charset="0"/>
+              <a:cs typeface="Arial" panose="020B0604020202020204" pitchFamily="34" charset="0"/>
+            </a:endParaRPr>
+          </a:p>
+        </p:txBody>
+      </p:sp>
+      <p:cxnSp>
+        <p:nvCxnSpPr>
+          <p:cNvPr id="41" name="Connecteur droit avec flèche 40"/>
+          <p:cNvCxnSpPr>
+            <a:stCxn id="22" idx="2"/>
+          </p:cNvCxnSpPr>
+          <p:nvPr/>
+        </p:nvCxnSpPr>
+        <p:spPr>
+          <a:xfrm>
+            <a:off x="4671510" y="2356073"/>
+            <a:ext cx="1608" cy="189595"/>
+          </a:xfrm>
+          <a:prstGeom prst="straightConnector1">
+            <a:avLst/>
+          </a:prstGeom>
+          <a:ln w="19050">
+            <a:solidFill>
+              <a:schemeClr val="tx1"/>
+            </a:solidFill>
+            <a:prstDash val="solid"/>
+            <a:tailEnd type="triangle" w="sm" len="med"/>
+          </a:ln>
+        </p:spPr>
+        <p:style>
+          <a:lnRef idx="1">
+            <a:schemeClr val="accent1"/>
+          </a:lnRef>
+          <a:fillRef idx="0">
+            <a:schemeClr val="accent1"/>
+          </a:fillRef>
+          <a:effectRef idx="0">
+            <a:schemeClr val="accent1"/>
+          </a:effectRef>
+          <a:fontRef idx="minor">
+            <a:schemeClr val="tx1"/>
+          </a:fontRef>
+        </p:style>
+      </p:cxnSp>
+      <p:sp>
+        <p:nvSpPr>
+          <p:cNvPr id="34" name="Rectangle à coins arrondis 33"/>
+          <p:cNvSpPr/>
+          <p:nvPr/>
+        </p:nvSpPr>
+        <p:spPr>
+          <a:xfrm>
+            <a:off x="3609744" y="627305"/>
+            <a:ext cx="457200" cy="201219"/>
+          </a:xfrm>
+          <a:prstGeom prst="roundRect">
+            <a:avLst/>
+          </a:prstGeom>
+          <a:solidFill>
+            <a:srgbClr val="1F8A4C"/>
+          </a:solidFill>
+          <a:ln>
+            <a:noFill/>
+          </a:ln>
+        </p:spPr>
+        <p:style>
+          <a:lnRef idx="2">
+            <a:schemeClr val="accent1">
+              <a:shade val="50000"/>
+            </a:schemeClr>
+          </a:lnRef>
+          <a:fillRef idx="1">
+            <a:schemeClr val="accent1"/>
+          </a:fillRef>
+          <a:effectRef idx="0">
+            <a:schemeClr val="accent1"/>
+          </a:effectRef>
+          <a:fontRef idx="minor">
+            <a:schemeClr val="lt1"/>
+          </a:fontRef>
+        </p:style>
+        <p:txBody>
+          <a:bodyPr lIns="36000" rIns="36000" rtlCol="0" anchor="ctr"/>
+          <a:lstStyle/>
+          <a:p>
+            <a:pPr algn="ctr"/>
+            <a:r>
+              <a:rPr lang="fr-FR" sz="600" b="1" noProof="1">
+                <a:latin typeface="Gadugi" panose="020B0502040204020203" pitchFamily="34" charset="0"/>
+                <a:ea typeface="Gadugi" panose="020B0502040204020203" pitchFamily="34" charset="0"/>
+                <a:cs typeface="Arial" panose="020B0604020202020204" pitchFamily="34" charset="0"/>
+              </a:rPr>
+              <a:t>tsp</a:t>
+            </a:r>
+          </a:p>
+        </p:txBody>
+      </p:sp>
+      <p:sp>
+        <p:nvSpPr>
+          <p:cNvPr id="35" name="Rectangle à coins arrondis 34"/>
+          <p:cNvSpPr/>
+          <p:nvPr/>
+        </p:nvSpPr>
+        <p:spPr>
+          <a:xfrm>
+            <a:off x="4131873" y="627305"/>
+            <a:ext cx="457200" cy="201219"/>
+          </a:xfrm>
+          <a:prstGeom prst="roundRect">
+            <a:avLst/>
+          </a:prstGeom>
+          <a:solidFill>
+            <a:srgbClr val="1F8A4C"/>
+          </a:solidFill>
+          <a:ln>
+            <a:noFill/>
+          </a:ln>
+        </p:spPr>
+        <p:style>
+          <a:lnRef idx="2">
+            <a:schemeClr val="accent1">
+              <a:shade val="50000"/>
+            </a:schemeClr>
+          </a:lnRef>
+          <a:fillRef idx="1">
+            <a:schemeClr val="accent1"/>
+          </a:fillRef>
+          <a:effectRef idx="0">
+            <a:schemeClr val="accent1"/>
+          </a:effectRef>
+          <a:fontRef idx="minor">
+            <a:schemeClr val="lt1"/>
+          </a:fontRef>
+        </p:style>
+        <p:txBody>
+          <a:bodyPr lIns="36000" rIns="36000" rtlCol="0" anchor="ctr"/>
+          <a:lstStyle/>
+          <a:p>
+            <a:pPr algn="ctr"/>
+            <a:r>
+              <a:rPr lang="fr-FR" sz="600" b="1" noProof="1">
+                <a:latin typeface="Gadugi" panose="020B0502040204020203" pitchFamily="34" charset="0"/>
+                <a:ea typeface="Gadugi" panose="020B0502040204020203" pitchFamily="34" charset="0"/>
+                <a:cs typeface="Arial" panose="020B0604020202020204" pitchFamily="34" charset="0"/>
+              </a:rPr>
+              <a:t>tsswitch</a:t>
+            </a:r>
+          </a:p>
+        </p:txBody>
+      </p:sp>
+      <p:sp>
+        <p:nvSpPr>
+          <p:cNvPr id="46" name="Rectangle à coins arrondis 45"/>
+          <p:cNvSpPr/>
+          <p:nvPr/>
+        </p:nvSpPr>
+        <p:spPr>
+          <a:xfrm>
+            <a:off x="2024064" y="2541035"/>
+            <a:ext cx="1337499" cy="411831"/>
+          </a:xfrm>
+          <a:prstGeom prst="roundRect">
+            <a:avLst>
+              <a:gd name="adj" fmla="val 3969"/>
+            </a:avLst>
+          </a:prstGeom>
+          <a:solidFill>
+            <a:schemeClr val="bg1">
+              <a:lumMod val="85000"/>
+            </a:schemeClr>
+          </a:solidFill>
+          <a:ln>
+            <a:noFill/>
+          </a:ln>
+        </p:spPr>
+        <p:style>
+          <a:lnRef idx="2">
+            <a:schemeClr val="accent1">
+              <a:shade val="50000"/>
+            </a:schemeClr>
+          </a:lnRef>
+          <a:fillRef idx="1">
+            <a:schemeClr val="accent1"/>
+          </a:fillRef>
+          <a:effectRef idx="0">
+            <a:schemeClr val="accent1"/>
+          </a:effectRef>
+          <a:fontRef idx="minor">
+            <a:schemeClr val="lt1"/>
+          </a:fontRef>
+        </p:style>
+        <p:txBody>
+          <a:bodyPr tIns="18288" rtlCol="0" anchor="t" anchorCtr="0"/>
+          <a:lstStyle/>
+          <a:p>
+            <a:r>
+              <a:rPr lang="fr-FR" sz="600" b="1" noProof="1" smtClean="0">
+                <a:solidFill>
+                  <a:schemeClr val="tx1"/>
+                </a:solidFill>
+                <a:latin typeface="Gadugi" panose="020B0502040204020203" pitchFamily="34" charset="0"/>
+                <a:ea typeface="Gadugi" panose="020B0502040204020203" pitchFamily="34" charset="0"/>
+                <a:cs typeface="Arial" panose="020B0604020202020204" pitchFamily="34" charset="0"/>
+              </a:rPr>
+              <a:t>DVB </a:t>
+            </a:r>
+            <a:r>
+              <a:rPr lang="fr-FR" sz="600" b="1" noProof="1">
+                <a:solidFill>
+                  <a:schemeClr val="tx1"/>
+                </a:solidFill>
+                <a:latin typeface="Gadugi" panose="020B0502040204020203" pitchFamily="34" charset="0"/>
+                <a:ea typeface="Gadugi" panose="020B0502040204020203" pitchFamily="34" charset="0"/>
+                <a:cs typeface="Arial" panose="020B0604020202020204" pitchFamily="34" charset="0"/>
+              </a:rPr>
+              <a:t>tuning framework</a:t>
+            </a:r>
+          </a:p>
+        </p:txBody>
+      </p:sp>
+      <p:sp>
+        <p:nvSpPr>
+          <p:cNvPr id="47" name="Rectangle à coins arrondis 46"/>
+          <p:cNvSpPr/>
+          <p:nvPr/>
+        </p:nvSpPr>
+        <p:spPr>
+          <a:xfrm>
+            <a:off x="2114008" y="2672837"/>
+            <a:ext cx="550292" cy="232631"/>
+          </a:xfrm>
+          <a:prstGeom prst="roundRect">
+            <a:avLst/>
+          </a:prstGeom>
+          <a:solidFill>
+            <a:schemeClr val="bg1">
+              <a:lumMod val="50000"/>
+            </a:schemeClr>
+          </a:solidFill>
+          <a:ln>
+            <a:noFill/>
+          </a:ln>
+        </p:spPr>
+        <p:style>
+          <a:lnRef idx="2">
+            <a:schemeClr val="accent1">
+              <a:shade val="50000"/>
+            </a:schemeClr>
+          </a:lnRef>
+          <a:fillRef idx="1">
+            <a:schemeClr val="accent1"/>
+          </a:fillRef>
+          <a:effectRef idx="0">
+            <a:schemeClr val="accent1"/>
+          </a:effectRef>
+          <a:fontRef idx="minor">
+            <a:schemeClr val="lt1"/>
+          </a:fontRef>
+        </p:style>
+        <p:txBody>
+          <a:bodyPr lIns="0" rIns="0" rtlCol="0" anchor="ctr"/>
+          <a:lstStyle/>
+          <a:p>
+            <a:pPr algn="ctr"/>
+            <a:r>
+              <a:rPr lang="fr-FR" sz="600" b="1" noProof="1">
+                <a:latin typeface="Gadugi" panose="020B0502040204020203" pitchFamily="34" charset="0"/>
+                <a:ea typeface="Gadugi" panose="020B0502040204020203" pitchFamily="34" charset="0"/>
+                <a:cs typeface="Arial" panose="020B0604020202020204" pitchFamily="34" charset="0"/>
+              </a:rPr>
+              <a:t>DirectShow (Windows)</a:t>
+            </a:r>
+          </a:p>
+        </p:txBody>
+      </p:sp>
+      <p:sp>
+        <p:nvSpPr>
+          <p:cNvPr id="49" name="Rectangle à coins arrondis 48"/>
+          <p:cNvSpPr/>
+          <p:nvPr/>
+        </p:nvSpPr>
+        <p:spPr>
+          <a:xfrm>
+            <a:off x="2739977" y="2672837"/>
+            <a:ext cx="544842" cy="232631"/>
+          </a:xfrm>
+          <a:prstGeom prst="roundRect">
+            <a:avLst/>
+          </a:prstGeom>
+          <a:solidFill>
+            <a:schemeClr val="bg1">
+              <a:lumMod val="50000"/>
+            </a:schemeClr>
+          </a:solidFill>
+          <a:ln>
+            <a:noFill/>
+          </a:ln>
+        </p:spPr>
+        <p:style>
+          <a:lnRef idx="2">
+            <a:schemeClr val="accent1">
+              <a:shade val="50000"/>
+            </a:schemeClr>
+          </a:lnRef>
+          <a:fillRef idx="1">
+            <a:schemeClr val="accent1"/>
+          </a:fillRef>
+          <a:effectRef idx="0">
+            <a:schemeClr val="accent1"/>
+          </a:effectRef>
+          <a:fontRef idx="minor">
+            <a:schemeClr val="lt1"/>
+          </a:fontRef>
+        </p:style>
+        <p:txBody>
+          <a:bodyPr lIns="0" rIns="0" rtlCol="0" anchor="ctr"/>
+          <a:lstStyle/>
+          <a:p>
+            <a:pPr algn="ctr"/>
+            <a:r>
+              <a:rPr lang="fr-FR" sz="600" b="1" noProof="1">
+                <a:latin typeface="Gadugi" panose="020B0502040204020203" pitchFamily="34" charset="0"/>
+                <a:ea typeface="Gadugi" panose="020B0502040204020203" pitchFamily="34" charset="0"/>
+                <a:cs typeface="Arial" panose="020B0604020202020204" pitchFamily="34" charset="0"/>
+              </a:rPr>
+              <a:t>Linux TV</a:t>
+            </a:r>
+          </a:p>
+        </p:txBody>
+      </p:sp>
+      <p:cxnSp>
+        <p:nvCxnSpPr>
+          <p:cNvPr id="55" name="Connecteur droit avec flèche 54"/>
+          <p:cNvCxnSpPr>
+            <a:stCxn id="20" idx="2"/>
+          </p:cNvCxnSpPr>
+          <p:nvPr/>
+        </p:nvCxnSpPr>
+        <p:spPr>
+          <a:xfrm>
+            <a:off x="2572831" y="2356073"/>
+            <a:ext cx="0" cy="189595"/>
+          </a:xfrm>
+          <a:prstGeom prst="straightConnector1">
+            <a:avLst/>
+          </a:prstGeom>
+          <a:ln w="19050">
+            <a:solidFill>
+              <a:schemeClr val="tx1"/>
+            </a:solidFill>
+            <a:prstDash val="solid"/>
+            <a:tailEnd type="triangle" w="sm" len="med"/>
+          </a:ln>
+        </p:spPr>
+        <p:style>
+          <a:lnRef idx="1">
+            <a:schemeClr val="accent1"/>
+          </a:lnRef>
+          <a:fillRef idx="0">
+            <a:schemeClr val="accent1"/>
+          </a:fillRef>
+          <a:effectRef idx="0">
+            <a:schemeClr val="accent1"/>
+          </a:effectRef>
+          <a:fontRef idx="minor">
+            <a:schemeClr val="tx1"/>
+          </a:fontRef>
+        </p:style>
+      </p:cxnSp>
+      <p:sp>
+        <p:nvSpPr>
+          <p:cNvPr id="20" name="Rectangle à coins arrondis 19"/>
+          <p:cNvSpPr/>
+          <p:nvPr/>
+        </p:nvSpPr>
+        <p:spPr>
+          <a:xfrm>
+            <a:off x="2148684" y="2134732"/>
+            <a:ext cx="848293" cy="221341"/>
+          </a:xfrm>
+          <a:prstGeom prst="roundRect">
+            <a:avLst/>
+          </a:prstGeom>
+          <a:solidFill>
+            <a:srgbClr val="1F8A4C"/>
+          </a:solidFill>
+          <a:ln>
+            <a:noFill/>
+          </a:ln>
+        </p:spPr>
+        <p:style>
+          <a:lnRef idx="2">
+            <a:schemeClr val="accent1">
+              <a:shade val="50000"/>
+            </a:schemeClr>
+          </a:lnRef>
+          <a:fillRef idx="1">
+            <a:schemeClr val="accent1"/>
+          </a:fillRef>
+          <a:effectRef idx="0">
+            <a:schemeClr val="accent1"/>
+          </a:effectRef>
+          <a:fontRef idx="minor">
+            <a:schemeClr val="lt1"/>
+          </a:fontRef>
+        </p:style>
+        <p:txBody>
+          <a:bodyPr lIns="36000" tIns="27432" rIns="36000" rtlCol="0" anchor="ctr"/>
+          <a:lstStyle/>
+          <a:p>
+            <a:pPr algn="ctr"/>
+            <a:r>
+              <a:rPr lang="fr-FR" sz="600" b="1" noProof="1" smtClean="0">
+                <a:latin typeface="Gadugi" panose="020B0502040204020203" pitchFamily="34" charset="0"/>
+                <a:ea typeface="Gadugi" panose="020B0502040204020203" pitchFamily="34" charset="0"/>
+                <a:cs typeface="Arial" panose="020B0604020202020204" pitchFamily="34" charset="0"/>
+              </a:rPr>
+              <a:t>Digital TV utilities</a:t>
+            </a:r>
+            <a:endParaRPr lang="fr-FR" sz="600" b="1" noProof="1">
+              <a:latin typeface="Gadugi" panose="020B0502040204020203" pitchFamily="34" charset="0"/>
+              <a:ea typeface="Gadugi" panose="020B0502040204020203" pitchFamily="34" charset="0"/>
+              <a:cs typeface="Arial" panose="020B0604020202020204" pitchFamily="34" charset="0"/>
+            </a:endParaRPr>
+          </a:p>
+        </p:txBody>
+      </p:sp>
+      <p:sp>
+        <p:nvSpPr>
+          <p:cNvPr id="22" name="Rectangle à coins arrondis 21"/>
+          <p:cNvSpPr/>
+          <p:nvPr/>
+        </p:nvSpPr>
+        <p:spPr>
+          <a:xfrm>
+            <a:off x="4247363" y="2134732"/>
+            <a:ext cx="848293" cy="221341"/>
+          </a:xfrm>
+          <a:prstGeom prst="roundRect">
+            <a:avLst/>
+          </a:prstGeom>
+          <a:solidFill>
+            <a:srgbClr val="1F8A4C"/>
+          </a:solidFill>
+          <a:ln>
+            <a:noFill/>
+          </a:ln>
+        </p:spPr>
+        <p:style>
+          <a:lnRef idx="2">
+            <a:schemeClr val="accent1">
+              <a:shade val="50000"/>
+            </a:schemeClr>
+          </a:lnRef>
+          <a:fillRef idx="1">
+            <a:schemeClr val="accent1"/>
+          </a:fillRef>
+          <a:effectRef idx="0">
+            <a:schemeClr val="accent1"/>
+          </a:effectRef>
+          <a:fontRef idx="minor">
+            <a:schemeClr val="lt1"/>
+          </a:fontRef>
+        </p:style>
+        <p:txBody>
+          <a:bodyPr lIns="36000" tIns="27432" rIns="36000" rtlCol="0" anchor="ctr"/>
+          <a:lstStyle/>
+          <a:p>
+            <a:pPr algn="ctr"/>
+            <a:r>
+              <a:rPr lang="fr-FR" sz="600" b="1" noProof="1">
+                <a:latin typeface="Gadugi" panose="020B0502040204020203" pitchFamily="34" charset="0"/>
+                <a:ea typeface="Gadugi" panose="020B0502040204020203" pitchFamily="34" charset="0"/>
+                <a:cs typeface="Arial" panose="020B0604020202020204" pitchFamily="34" charset="0"/>
+              </a:rPr>
+              <a:t>OS abstraction</a:t>
+            </a:r>
+          </a:p>
+        </p:txBody>
+      </p:sp>
+      <p:cxnSp>
+        <p:nvCxnSpPr>
+          <p:cNvPr id="56" name="Connecteur droit avec flèche 55"/>
+          <p:cNvCxnSpPr>
+            <a:stCxn id="20" idx="3"/>
+            <a:endCxn id="21" idx="1"/>
+          </p:cNvCxnSpPr>
+          <p:nvPr/>
+        </p:nvCxnSpPr>
+        <p:spPr>
+          <a:xfrm>
+            <a:off x="2996977" y="2245403"/>
+            <a:ext cx="217711" cy="0"/>
+          </a:xfrm>
+          <a:prstGeom prst="straightConnector1">
+            <a:avLst/>
+          </a:prstGeom>
+          <a:ln w="19050">
+            <a:solidFill>
+              <a:schemeClr val="tx1"/>
+            </a:solidFill>
+            <a:prstDash val="solid"/>
+            <a:tailEnd type="triangle" w="sm" len="med"/>
+          </a:ln>
+        </p:spPr>
+        <p:style>
+          <a:lnRef idx="1">
+            <a:schemeClr val="accent1"/>
+          </a:lnRef>
+          <a:fillRef idx="0">
+            <a:schemeClr val="accent1"/>
+          </a:fillRef>
+          <a:effectRef idx="0">
+            <a:schemeClr val="accent1"/>
+          </a:effectRef>
+          <a:fontRef idx="minor">
+            <a:schemeClr val="tx1"/>
+          </a:fontRef>
+        </p:style>
+      </p:cxnSp>
+      <p:cxnSp>
+        <p:nvCxnSpPr>
+          <p:cNvPr id="59" name="Connecteur droit avec flèche 58"/>
+          <p:cNvCxnSpPr>
+            <a:stCxn id="21" idx="3"/>
+            <a:endCxn id="22" idx="1"/>
+          </p:cNvCxnSpPr>
+          <p:nvPr/>
+        </p:nvCxnSpPr>
+        <p:spPr>
+          <a:xfrm>
+            <a:off x="4062981" y="2245403"/>
+            <a:ext cx="184382" cy="0"/>
+          </a:xfrm>
+          <a:prstGeom prst="straightConnector1">
+            <a:avLst/>
+          </a:prstGeom>
+          <a:ln w="19050">
+            <a:solidFill>
+              <a:schemeClr val="tx1"/>
+            </a:solidFill>
+            <a:prstDash val="solid"/>
+            <a:tailEnd type="triangle" w="sm" len="med"/>
+          </a:ln>
+        </p:spPr>
+        <p:style>
+          <a:lnRef idx="1">
+            <a:schemeClr val="accent1"/>
+          </a:lnRef>
+          <a:fillRef idx="0">
+            <a:schemeClr val="accent1"/>
+          </a:fillRef>
+          <a:effectRef idx="0">
+            <a:schemeClr val="accent1"/>
+          </a:effectRef>
+          <a:fontRef idx="minor">
+            <a:schemeClr val="tx1"/>
+          </a:fontRef>
+        </p:style>
+      </p:cxnSp>
+      <p:sp>
+        <p:nvSpPr>
+          <p:cNvPr id="63" name="Rectangle à coins arrondis 62"/>
+          <p:cNvSpPr/>
+          <p:nvPr/>
+        </p:nvSpPr>
+        <p:spPr>
+          <a:xfrm>
+            <a:off x="4334068" y="1548393"/>
+            <a:ext cx="858539" cy="411831"/>
+          </a:xfrm>
+          <a:prstGeom prst="roundRect">
+            <a:avLst>
+              <a:gd name="adj" fmla="val 3969"/>
+            </a:avLst>
+          </a:prstGeom>
+          <a:solidFill>
+            <a:schemeClr val="bg1">
+              <a:lumMod val="85000"/>
+            </a:schemeClr>
+          </a:solidFill>
+          <a:ln>
+            <a:noFill/>
+          </a:ln>
+        </p:spPr>
+        <p:style>
+          <a:lnRef idx="2">
+            <a:schemeClr val="accent1">
+              <a:shade val="50000"/>
+            </a:schemeClr>
+          </a:lnRef>
+          <a:fillRef idx="1">
+            <a:schemeClr val="accent1"/>
+          </a:fillRef>
+          <a:effectRef idx="0">
+            <a:schemeClr val="accent1"/>
+          </a:effectRef>
+          <a:fontRef idx="minor">
+            <a:schemeClr val="lt1"/>
+          </a:fontRef>
+        </p:style>
+        <p:txBody>
+          <a:bodyPr tIns="18288" rtlCol="0" anchor="t" anchorCtr="0"/>
+          <a:lstStyle/>
+          <a:p>
+            <a:r>
+              <a:rPr lang="fr-FR" sz="600" b="1" noProof="1">
+                <a:solidFill>
+                  <a:schemeClr val="tx1"/>
+                </a:solidFill>
+                <a:latin typeface="Gadugi" panose="020B0502040204020203" pitchFamily="34" charset="0"/>
+                <a:ea typeface="Gadugi" panose="020B0502040204020203" pitchFamily="34" charset="0"/>
+                <a:cs typeface="Arial" panose="020B0604020202020204" pitchFamily="34" charset="0"/>
+              </a:rPr>
+              <a:t>3rd-party plugins</a:t>
+            </a:r>
+          </a:p>
+        </p:txBody>
+      </p:sp>
+      <p:sp>
+        <p:nvSpPr>
+          <p:cNvPr id="64" name="Rectangle à coins arrondis 63"/>
+          <p:cNvSpPr/>
+          <p:nvPr/>
+        </p:nvSpPr>
+        <p:spPr>
+          <a:xfrm>
+            <a:off x="4421845" y="1690832"/>
+            <a:ext cx="279500" cy="201219"/>
+          </a:xfrm>
+          <a:prstGeom prst="roundRect">
+            <a:avLst/>
+          </a:prstGeom>
+          <a:solidFill>
+            <a:schemeClr val="bg1">
+              <a:lumMod val="50000"/>
+            </a:schemeClr>
+          </a:solidFill>
+          <a:ln>
+            <a:noFill/>
+          </a:ln>
+        </p:spPr>
+        <p:style>
+          <a:lnRef idx="2">
+            <a:schemeClr val="accent1">
+              <a:shade val="50000"/>
+            </a:schemeClr>
+          </a:lnRef>
+          <a:fillRef idx="1">
+            <a:schemeClr val="accent1"/>
+          </a:fillRef>
+          <a:effectRef idx="0">
+            <a:schemeClr val="accent1"/>
+          </a:effectRef>
+          <a:fontRef idx="minor">
+            <a:schemeClr val="lt1"/>
+          </a:fontRef>
+        </p:style>
+        <p:txBody>
+          <a:bodyPr lIns="36000" rIns="36000" rtlCol="0" anchor="ctr"/>
+          <a:lstStyle/>
+          <a:p>
+            <a:pPr algn="ctr"/>
+            <a:r>
+              <a:rPr lang="fr-FR" sz="600" b="1" noProof="1" smtClean="0">
+                <a:latin typeface="Gadugi" panose="020B0502040204020203" pitchFamily="34" charset="0"/>
+                <a:ea typeface="Gadugi" panose="020B0502040204020203" pitchFamily="34" charset="0"/>
+                <a:cs typeface="Arial" panose="020B0604020202020204" pitchFamily="34" charset="0"/>
+              </a:rPr>
+              <a:t>C++</a:t>
+            </a:r>
+            <a:endParaRPr lang="fr-FR" sz="600" b="1" noProof="1">
+              <a:latin typeface="Gadugi" panose="020B0502040204020203" pitchFamily="34" charset="0"/>
+              <a:ea typeface="Gadugi" panose="020B0502040204020203" pitchFamily="34" charset="0"/>
+              <a:cs typeface="Arial" panose="020B0604020202020204" pitchFamily="34" charset="0"/>
+            </a:endParaRPr>
+          </a:p>
+        </p:txBody>
+      </p:sp>
+      <p:sp>
+        <p:nvSpPr>
+          <p:cNvPr id="65" name="Rectangle à coins arrondis 64"/>
+          <p:cNvSpPr/>
+          <p:nvPr/>
+        </p:nvSpPr>
+        <p:spPr>
+          <a:xfrm>
+            <a:off x="4804345" y="1690832"/>
+            <a:ext cx="279500" cy="201219"/>
+          </a:xfrm>
+          <a:prstGeom prst="roundRect">
+            <a:avLst/>
+          </a:prstGeom>
+          <a:solidFill>
+            <a:schemeClr val="bg1">
+              <a:lumMod val="50000"/>
+            </a:schemeClr>
+          </a:solidFill>
+          <a:ln>
+            <a:noFill/>
+          </a:ln>
+        </p:spPr>
+        <p:style>
+          <a:lnRef idx="2">
+            <a:schemeClr val="accent1">
+              <a:shade val="50000"/>
+            </a:schemeClr>
+          </a:lnRef>
+          <a:fillRef idx="1">
+            <a:schemeClr val="accent1"/>
+          </a:fillRef>
+          <a:effectRef idx="0">
+            <a:schemeClr val="accent1"/>
+          </a:effectRef>
+          <a:fontRef idx="minor">
+            <a:schemeClr val="lt1"/>
+          </a:fontRef>
+        </p:style>
+        <p:txBody>
+          <a:bodyPr lIns="36000" rIns="36000" rtlCol="0" anchor="ctr"/>
+          <a:lstStyle/>
+          <a:p>
+            <a:pPr algn="ctr"/>
+            <a:r>
+              <a:rPr lang="fr-FR" sz="600" b="1" noProof="1" smtClean="0">
+                <a:latin typeface="Gadugi" panose="020B0502040204020203" pitchFamily="34" charset="0"/>
+                <a:ea typeface="Gadugi" panose="020B0502040204020203" pitchFamily="34" charset="0"/>
+                <a:cs typeface="Arial" panose="020B0604020202020204" pitchFamily="34" charset="0"/>
+              </a:rPr>
+              <a:t>C++</a:t>
+            </a:r>
+            <a:endParaRPr lang="fr-FR" sz="600" b="1" noProof="1">
+              <a:latin typeface="Gadugi" panose="020B0502040204020203" pitchFamily="34" charset="0"/>
+              <a:ea typeface="Gadugi" panose="020B0502040204020203" pitchFamily="34" charset="0"/>
+              <a:cs typeface="Arial" panose="020B0604020202020204" pitchFamily="34" charset="0"/>
+            </a:endParaRPr>
+          </a:p>
+        </p:txBody>
+      </p:sp>
+      <p:sp>
+        <p:nvSpPr>
+          <p:cNvPr id="38" name="Rectangle à coins arrondis 19"/>
+          <p:cNvSpPr/>
+          <p:nvPr/>
+        </p:nvSpPr>
+        <p:spPr>
+          <a:xfrm>
+            <a:off x="2080128" y="1119812"/>
+            <a:ext cx="419772" cy="219456"/>
+          </a:xfrm>
+          <a:prstGeom prst="roundRect">
+            <a:avLst/>
+          </a:prstGeom>
+          <a:solidFill>
+            <a:schemeClr val="accent6">
+              <a:lumMod val="75000"/>
+            </a:schemeClr>
+          </a:solidFill>
+          <a:ln>
+            <a:noFill/>
+          </a:ln>
+        </p:spPr>
+        <p:style>
+          <a:lnRef idx="2">
+            <a:schemeClr val="accent1">
+              <a:shade val="50000"/>
+            </a:schemeClr>
+          </a:lnRef>
+          <a:fillRef idx="1">
+            <a:schemeClr val="accent1"/>
+          </a:fillRef>
+          <a:effectRef idx="0">
+            <a:schemeClr val="accent1"/>
+          </a:effectRef>
+          <a:fontRef idx="minor">
+            <a:schemeClr val="lt1"/>
+          </a:fontRef>
+        </p:style>
+        <p:txBody>
+          <a:bodyPr lIns="36000" tIns="27432" rIns="36000" rtlCol="0" anchor="ctr"/>
+          <a:lstStyle/>
+          <a:p>
+            <a:pPr algn="ctr"/>
+            <a:r>
+              <a:rPr lang="fr-FR" sz="600" b="1" noProof="1" smtClean="0">
+                <a:latin typeface="Gadugi" panose="020B0502040204020203" pitchFamily="34" charset="0"/>
+                <a:ea typeface="Gadugi" panose="020B0502040204020203" pitchFamily="34" charset="0"/>
+                <a:cs typeface="Arial" panose="020B0604020202020204" pitchFamily="34" charset="0"/>
+              </a:rPr>
+              <a:t>Python</a:t>
+            </a:r>
+          </a:p>
+          <a:p>
+            <a:pPr algn="ctr"/>
+            <a:r>
+              <a:rPr lang="fr-FR" sz="600" b="1" noProof="1" smtClean="0">
+                <a:latin typeface="Gadugi" panose="020B0502040204020203" pitchFamily="34" charset="0"/>
+                <a:ea typeface="Gadugi" panose="020B0502040204020203" pitchFamily="34" charset="0"/>
+                <a:cs typeface="Arial" panose="020B0604020202020204" pitchFamily="34" charset="0"/>
+              </a:rPr>
+              <a:t>bindings</a:t>
+            </a:r>
+            <a:endParaRPr lang="fr-FR" sz="600" b="1" noProof="1">
+              <a:latin typeface="Gadugi" panose="020B0502040204020203" pitchFamily="34" charset="0"/>
+              <a:ea typeface="Gadugi" panose="020B0502040204020203" pitchFamily="34" charset="0"/>
+              <a:cs typeface="Arial" panose="020B0604020202020204" pitchFamily="34" charset="0"/>
+            </a:endParaRPr>
+          </a:p>
+        </p:txBody>
+      </p:sp>
+      <p:sp>
+        <p:nvSpPr>
+          <p:cNvPr id="43" name="Rectangle à coins arrondis 62"/>
+          <p:cNvSpPr/>
+          <p:nvPr/>
+        </p:nvSpPr>
+        <p:spPr>
+          <a:xfrm>
+            <a:off x="2024064" y="478673"/>
+            <a:ext cx="1417722" cy="411831"/>
+          </a:xfrm>
+          <a:prstGeom prst="roundRect">
+            <a:avLst>
+              <a:gd name="adj" fmla="val 3969"/>
+            </a:avLst>
+          </a:prstGeom>
+          <a:solidFill>
+            <a:schemeClr val="bg1">
+              <a:lumMod val="85000"/>
+            </a:schemeClr>
+          </a:solidFill>
+          <a:ln>
+            <a:noFill/>
+          </a:ln>
+        </p:spPr>
+        <p:style>
+          <a:lnRef idx="2">
+            <a:schemeClr val="accent1">
+              <a:shade val="50000"/>
+            </a:schemeClr>
+          </a:lnRef>
+          <a:fillRef idx="1">
+            <a:schemeClr val="accent1"/>
+          </a:fillRef>
+          <a:effectRef idx="0">
+            <a:schemeClr val="accent1"/>
+          </a:effectRef>
+          <a:fontRef idx="minor">
+            <a:schemeClr val="lt1"/>
+          </a:fontRef>
+        </p:style>
+        <p:txBody>
+          <a:bodyPr tIns="18288" rtlCol="0" anchor="t" anchorCtr="0"/>
+          <a:lstStyle/>
+          <a:p>
+            <a:r>
+              <a:rPr lang="fr-FR" sz="600" b="1" noProof="1">
+                <a:solidFill>
+                  <a:schemeClr val="tx1"/>
+                </a:solidFill>
+                <a:latin typeface="Gadugi" panose="020B0502040204020203" pitchFamily="34" charset="0"/>
+                <a:ea typeface="Gadugi" panose="020B0502040204020203" pitchFamily="34" charset="0"/>
+                <a:cs typeface="Arial" panose="020B0604020202020204" pitchFamily="34" charset="0"/>
+              </a:rPr>
+              <a:t>3rd-party </a:t>
+            </a:r>
+            <a:r>
+              <a:rPr lang="fr-FR" sz="600" b="1" noProof="1" smtClean="0">
+                <a:solidFill>
+                  <a:schemeClr val="tx1"/>
+                </a:solidFill>
+                <a:latin typeface="Gadugi" panose="020B0502040204020203" pitchFamily="34" charset="0"/>
+                <a:ea typeface="Gadugi" panose="020B0502040204020203" pitchFamily="34" charset="0"/>
+                <a:cs typeface="Arial" panose="020B0604020202020204" pitchFamily="34" charset="0"/>
+              </a:rPr>
+              <a:t>applications</a:t>
+            </a:r>
+            <a:endParaRPr lang="fr-FR" sz="600" b="1" noProof="1">
               <a:solidFill>
                 <a:schemeClr val="tx1"/>
               </a:solidFill>
-              <a:prstDash val="solid"/>
-              <a:tailEnd type="triangle" w="sm" len="med"/>
-            </a:ln>
-          </p:spPr>
-          <p:style>
-            <a:lnRef idx="1">
-              <a:schemeClr val="accent1"/>
-            </a:lnRef>
-            <a:fillRef idx="0">
-              <a:schemeClr val="accent1"/>
-            </a:fillRef>
-            <a:effectRef idx="0">
-              <a:schemeClr val="accent1"/>
-            </a:effectRef>
-            <a:fontRef idx="minor">
-              <a:schemeClr val="tx1"/>
-            </a:fontRef>
-          </p:style>
-        </p:cxnSp>
-        <p:cxnSp>
-          <p:nvCxnSpPr>
-            <p:cNvPr id="58" name="Connecteur droit avec flèche 31"/>
-            <p:cNvCxnSpPr/>
-            <p:nvPr/>
-          </p:nvCxnSpPr>
-          <p:spPr>
-            <a:xfrm>
-              <a:off x="4480900" y="1339268"/>
-              <a:ext cx="0" cy="215838"/>
-            </a:xfrm>
-            <a:prstGeom prst="straightConnector1">
-              <a:avLst/>
-            </a:prstGeom>
-            <a:ln w="19050">
-              <a:solidFill>
-                <a:schemeClr val="tx1"/>
-              </a:solidFill>
-              <a:prstDash val="solid"/>
-              <a:tailEnd type="triangle" w="sm" len="med"/>
-            </a:ln>
-          </p:spPr>
-          <p:style>
-            <a:lnRef idx="1">
-              <a:schemeClr val="accent1"/>
-            </a:lnRef>
-            <a:fillRef idx="0">
-              <a:schemeClr val="accent1"/>
-            </a:fillRef>
-            <a:effectRef idx="0">
-              <a:schemeClr val="accent1"/>
-            </a:effectRef>
-            <a:fontRef idx="minor">
-              <a:schemeClr val="tx1"/>
-            </a:fontRef>
-          </p:style>
-        </p:cxnSp>
-        <p:cxnSp>
-          <p:nvCxnSpPr>
-            <p:cNvPr id="60" name="Connecteur droit avec flèche 31"/>
-            <p:cNvCxnSpPr/>
-            <p:nvPr/>
-          </p:nvCxnSpPr>
-          <p:spPr>
-            <a:xfrm>
-              <a:off x="4247363" y="893544"/>
-              <a:ext cx="0" cy="152420"/>
-            </a:xfrm>
-            <a:prstGeom prst="straightConnector1">
-              <a:avLst/>
-            </a:prstGeom>
-            <a:ln w="19050">
-              <a:solidFill>
-                <a:schemeClr val="tx1"/>
-              </a:solidFill>
-              <a:prstDash val="solid"/>
-              <a:tailEnd type="triangle" w="sm" len="med"/>
-            </a:ln>
-          </p:spPr>
-          <p:style>
-            <a:lnRef idx="1">
-              <a:schemeClr val="accent1"/>
-            </a:lnRef>
-            <a:fillRef idx="0">
-              <a:schemeClr val="accent1"/>
-            </a:fillRef>
-            <a:effectRef idx="0">
-              <a:schemeClr val="accent1"/>
-            </a:effectRef>
-            <a:fontRef idx="minor">
-              <a:schemeClr val="tx1"/>
-            </a:fontRef>
-          </p:style>
-        </p:cxnSp>
-        <p:cxnSp>
-          <p:nvCxnSpPr>
-            <p:cNvPr id="44" name="Connecteur droit avec flèche 43"/>
-            <p:cNvCxnSpPr>
-              <a:stCxn id="50" idx="2"/>
-              <a:endCxn id="38" idx="0"/>
-            </p:cNvCxnSpPr>
-            <p:nvPr/>
-          </p:nvCxnSpPr>
-          <p:spPr>
-            <a:xfrm>
-              <a:off x="2290014" y="828524"/>
-              <a:ext cx="0" cy="291288"/>
-            </a:xfrm>
-            <a:prstGeom prst="straightConnector1">
-              <a:avLst/>
-            </a:prstGeom>
-            <a:ln w="19050">
-              <a:solidFill>
-                <a:schemeClr val="tx1"/>
-              </a:solidFill>
-              <a:prstDash val="solid"/>
-              <a:tailEnd type="triangle" w="sm" len="med"/>
-            </a:ln>
-          </p:spPr>
-          <p:style>
-            <a:lnRef idx="1">
-              <a:schemeClr val="accent1"/>
-            </a:lnRef>
-            <a:fillRef idx="0">
-              <a:schemeClr val="accent1"/>
-            </a:fillRef>
-            <a:effectRef idx="0">
-              <a:schemeClr val="accent1"/>
-            </a:effectRef>
-            <a:fontRef idx="minor">
-              <a:schemeClr val="tx1"/>
-            </a:fontRef>
-          </p:style>
-        </p:cxnSp>
-        <p:cxnSp>
-          <p:nvCxnSpPr>
-            <p:cNvPr id="68" name="Connecteur droit avec flèche 43"/>
-            <p:cNvCxnSpPr>
-              <a:stCxn id="45" idx="2"/>
-              <a:endCxn id="37" idx="0"/>
-            </p:cNvCxnSpPr>
-            <p:nvPr/>
-          </p:nvCxnSpPr>
-          <p:spPr>
-            <a:xfrm>
-              <a:off x="2747726" y="828524"/>
-              <a:ext cx="0" cy="291288"/>
-            </a:xfrm>
-            <a:prstGeom prst="straightConnector1">
-              <a:avLst/>
-            </a:prstGeom>
-            <a:ln w="19050">
-              <a:solidFill>
-                <a:schemeClr val="tx1"/>
-              </a:solidFill>
-              <a:prstDash val="solid"/>
-              <a:tailEnd type="triangle" w="sm" len="med"/>
-            </a:ln>
-          </p:spPr>
-          <p:style>
-            <a:lnRef idx="1">
-              <a:schemeClr val="accent1"/>
-            </a:lnRef>
-            <a:fillRef idx="0">
-              <a:schemeClr val="accent1"/>
-            </a:fillRef>
-            <a:effectRef idx="0">
-              <a:schemeClr val="accent1"/>
-            </a:effectRef>
-            <a:fontRef idx="minor">
-              <a:schemeClr val="tx1"/>
-            </a:fontRef>
-          </p:style>
-        </p:cxnSp>
-        <p:cxnSp>
-          <p:nvCxnSpPr>
-            <p:cNvPr id="69" name="Connecteur droit avec flèche 43"/>
-            <p:cNvCxnSpPr>
-              <a:stCxn id="48" idx="2"/>
-            </p:cNvCxnSpPr>
-            <p:nvPr/>
-          </p:nvCxnSpPr>
-          <p:spPr>
-            <a:xfrm>
-              <a:off x="3201918" y="828524"/>
-              <a:ext cx="3520" cy="215275"/>
-            </a:xfrm>
-            <a:prstGeom prst="straightConnector1">
-              <a:avLst/>
-            </a:prstGeom>
-            <a:ln w="19050">
-              <a:solidFill>
-                <a:schemeClr val="tx1"/>
-              </a:solidFill>
-              <a:prstDash val="solid"/>
-              <a:tailEnd type="triangle" w="sm" len="med"/>
-            </a:ln>
-          </p:spPr>
-          <p:style>
-            <a:lnRef idx="1">
-              <a:schemeClr val="accent1"/>
-            </a:lnRef>
-            <a:fillRef idx="0">
-              <a:schemeClr val="accent1"/>
-            </a:fillRef>
-            <a:effectRef idx="0">
-              <a:schemeClr val="accent1"/>
-            </a:effectRef>
-            <a:fontRef idx="minor">
-              <a:schemeClr val="tx1"/>
-            </a:fontRef>
-          </p:style>
-        </p:cxnSp>
-        <p:cxnSp>
-          <p:nvCxnSpPr>
-            <p:cNvPr id="70" name="Connecteur droit avec flèche 43"/>
-            <p:cNvCxnSpPr/>
-            <p:nvPr/>
-          </p:nvCxnSpPr>
-          <p:spPr>
-            <a:xfrm flipV="1">
-              <a:off x="2957612" y="1190494"/>
-              <a:ext cx="717083" cy="942"/>
-            </a:xfrm>
-            <a:prstGeom prst="straightConnector1">
-              <a:avLst/>
-            </a:prstGeom>
-            <a:ln w="9525">
-              <a:solidFill>
-                <a:schemeClr val="tx1"/>
-              </a:solidFill>
-              <a:prstDash val="solid"/>
-              <a:tailEnd type="triangle" w="sm" len="med"/>
-            </a:ln>
-          </p:spPr>
-          <p:style>
-            <a:lnRef idx="1">
-              <a:schemeClr val="accent1"/>
-            </a:lnRef>
-            <a:fillRef idx="0">
-              <a:schemeClr val="accent1"/>
-            </a:fillRef>
-            <a:effectRef idx="0">
-              <a:schemeClr val="accent1"/>
-            </a:effectRef>
-            <a:fontRef idx="minor">
-              <a:schemeClr val="tx1"/>
-            </a:fontRef>
-          </p:style>
-        </p:cxnSp>
-        <p:cxnSp>
-          <p:nvCxnSpPr>
-            <p:cNvPr id="71" name="Connecteur droit avec flèche 43"/>
-            <p:cNvCxnSpPr/>
-            <p:nvPr/>
-          </p:nvCxnSpPr>
-          <p:spPr>
-            <a:xfrm flipV="1">
-              <a:off x="2500326" y="1269996"/>
-              <a:ext cx="1174795" cy="942"/>
-            </a:xfrm>
-            <a:prstGeom prst="straightConnector1">
-              <a:avLst/>
-            </a:prstGeom>
-            <a:ln w="9525">
-              <a:solidFill>
-                <a:schemeClr val="tx1"/>
-              </a:solidFill>
-              <a:prstDash val="solid"/>
-              <a:tailEnd type="triangle" w="sm" len="med"/>
-            </a:ln>
-          </p:spPr>
-          <p:style>
-            <a:lnRef idx="1">
-              <a:schemeClr val="accent1"/>
-            </a:lnRef>
-            <a:fillRef idx="0">
-              <a:schemeClr val="accent1"/>
-            </a:fillRef>
-            <a:effectRef idx="0">
-              <a:schemeClr val="accent1"/>
-            </a:effectRef>
-            <a:fontRef idx="minor">
-              <a:schemeClr val="tx1"/>
-            </a:fontRef>
-          </p:style>
-        </p:cxnSp>
-        <p:sp>
-          <p:nvSpPr>
-            <p:cNvPr id="37" name="Rectangle à coins arrondis 19"/>
-            <p:cNvSpPr/>
-            <p:nvPr/>
-          </p:nvSpPr>
-          <p:spPr>
-            <a:xfrm>
-              <a:off x="2537840" y="1119812"/>
-              <a:ext cx="419772" cy="219456"/>
-            </a:xfrm>
-            <a:prstGeom prst="roundRect">
-              <a:avLst/>
-            </a:prstGeom>
-            <a:solidFill>
-              <a:schemeClr val="accent6">
-                <a:lumMod val="75000"/>
-              </a:schemeClr>
-            </a:solidFill>
-            <a:ln>
-              <a:noFill/>
-            </a:ln>
-          </p:spPr>
-          <p:style>
-            <a:lnRef idx="2">
-              <a:schemeClr val="accent1">
-                <a:shade val="50000"/>
-              </a:schemeClr>
-            </a:lnRef>
-            <a:fillRef idx="1">
-              <a:schemeClr val="accent1"/>
-            </a:fillRef>
-            <a:effectRef idx="0">
-              <a:schemeClr val="accent1"/>
-            </a:effectRef>
-            <a:fontRef idx="minor">
-              <a:schemeClr val="lt1"/>
-            </a:fontRef>
-          </p:style>
-          <p:txBody>
-            <a:bodyPr lIns="36000" tIns="27432" rIns="36000" rtlCol="0" anchor="ctr"/>
-            <a:lstStyle/>
-            <a:p>
-              <a:pPr algn="ctr"/>
-              <a:r>
-                <a:rPr lang="fr-FR" sz="600" b="1" noProof="1" smtClean="0">
-                  <a:latin typeface="Gadugi" panose="020B0502040204020203" pitchFamily="34" charset="0"/>
-                  <a:ea typeface="Gadugi" panose="020B0502040204020203" pitchFamily="34" charset="0"/>
-                  <a:cs typeface="Arial" panose="020B0604020202020204" pitchFamily="34" charset="0"/>
-                </a:rPr>
-                <a:t>Java bindings</a:t>
-              </a:r>
-              <a:endParaRPr lang="fr-FR" sz="600" b="1" noProof="1">
+              <a:latin typeface="Gadugi" panose="020B0502040204020203" pitchFamily="34" charset="0"/>
+              <a:ea typeface="Gadugi" panose="020B0502040204020203" pitchFamily="34" charset="0"/>
+              <a:cs typeface="Arial" panose="020B0604020202020204" pitchFamily="34" charset="0"/>
+            </a:endParaRPr>
+          </a:p>
+        </p:txBody>
+      </p:sp>
+      <p:sp>
+        <p:nvSpPr>
+          <p:cNvPr id="45" name="Rectangle à coins arrondis 63"/>
+          <p:cNvSpPr/>
+          <p:nvPr/>
+        </p:nvSpPr>
+        <p:spPr>
+          <a:xfrm>
+            <a:off x="2537414" y="627305"/>
+            <a:ext cx="420624" cy="201219"/>
+          </a:xfrm>
+          <a:prstGeom prst="roundRect">
+            <a:avLst/>
+          </a:prstGeom>
+          <a:solidFill>
+            <a:schemeClr val="bg1">
+              <a:lumMod val="50000"/>
+            </a:schemeClr>
+          </a:solidFill>
+          <a:ln>
+            <a:noFill/>
+          </a:ln>
+        </p:spPr>
+        <p:style>
+          <a:lnRef idx="2">
+            <a:schemeClr val="accent1">
+              <a:shade val="50000"/>
+            </a:schemeClr>
+          </a:lnRef>
+          <a:fillRef idx="1">
+            <a:schemeClr val="accent1"/>
+          </a:fillRef>
+          <a:effectRef idx="0">
+            <a:schemeClr val="accent1"/>
+          </a:effectRef>
+          <a:fontRef idx="minor">
+            <a:schemeClr val="lt1"/>
+          </a:fontRef>
+        </p:style>
+        <p:txBody>
+          <a:bodyPr lIns="0" rIns="0" rtlCol="0" anchor="ctr"/>
+          <a:lstStyle/>
+          <a:p>
+            <a:pPr algn="ctr"/>
+            <a:r>
+              <a:rPr lang="fr-FR" sz="600" b="1" noProof="1" smtClean="0">
                 <a:latin typeface="Gadugi" panose="020B0502040204020203" pitchFamily="34" charset="0"/>
                 <a:ea typeface="Gadugi" panose="020B0502040204020203" pitchFamily="34" charset="0"/>
                 <a:cs typeface="Arial" panose="020B0604020202020204" pitchFamily="34" charset="0"/>
-              </a:endParaRPr>
-            </a:p>
-          </p:txBody>
-        </p:sp>
-      </p:grpSp>
+              </a:rPr>
+              <a:t>Java</a:t>
+            </a:r>
+            <a:endParaRPr lang="fr-FR" sz="600" b="1" noProof="1">
+              <a:latin typeface="Gadugi" panose="020B0502040204020203" pitchFamily="34" charset="0"/>
+              <a:ea typeface="Gadugi" panose="020B0502040204020203" pitchFamily="34" charset="0"/>
+              <a:cs typeface="Arial" panose="020B0604020202020204" pitchFamily="34" charset="0"/>
+            </a:endParaRPr>
+          </a:p>
+        </p:txBody>
+      </p:sp>
+      <p:sp>
+        <p:nvSpPr>
+          <p:cNvPr id="48" name="Rectangle à coins arrondis 64"/>
+          <p:cNvSpPr/>
+          <p:nvPr/>
+        </p:nvSpPr>
+        <p:spPr>
+          <a:xfrm>
+            <a:off x="2991606" y="627305"/>
+            <a:ext cx="420624" cy="201219"/>
+          </a:xfrm>
+          <a:prstGeom prst="roundRect">
+            <a:avLst/>
+          </a:prstGeom>
+          <a:solidFill>
+            <a:schemeClr val="bg1">
+              <a:lumMod val="50000"/>
+            </a:schemeClr>
+          </a:solidFill>
+          <a:ln>
+            <a:noFill/>
+          </a:ln>
+        </p:spPr>
+        <p:style>
+          <a:lnRef idx="2">
+            <a:schemeClr val="accent1">
+              <a:shade val="50000"/>
+            </a:schemeClr>
+          </a:lnRef>
+          <a:fillRef idx="1">
+            <a:schemeClr val="accent1"/>
+          </a:fillRef>
+          <a:effectRef idx="0">
+            <a:schemeClr val="accent1"/>
+          </a:effectRef>
+          <a:fontRef idx="minor">
+            <a:schemeClr val="lt1"/>
+          </a:fontRef>
+        </p:style>
+        <p:txBody>
+          <a:bodyPr lIns="0" rIns="0" rtlCol="0" anchor="ctr"/>
+          <a:lstStyle/>
+          <a:p>
+            <a:pPr algn="ctr"/>
+            <a:r>
+              <a:rPr lang="fr-FR" sz="600" b="1" noProof="1" smtClean="0">
+                <a:latin typeface="Gadugi" panose="020B0502040204020203" pitchFamily="34" charset="0"/>
+                <a:ea typeface="Gadugi" panose="020B0502040204020203" pitchFamily="34" charset="0"/>
+                <a:cs typeface="Arial" panose="020B0604020202020204" pitchFamily="34" charset="0"/>
+              </a:rPr>
+              <a:t>C++</a:t>
+            </a:r>
+            <a:endParaRPr lang="fr-FR" sz="600" b="1" noProof="1">
+              <a:latin typeface="Gadugi" panose="020B0502040204020203" pitchFamily="34" charset="0"/>
+              <a:ea typeface="Gadugi" panose="020B0502040204020203" pitchFamily="34" charset="0"/>
+              <a:cs typeface="Arial" panose="020B0604020202020204" pitchFamily="34" charset="0"/>
+            </a:endParaRPr>
+          </a:p>
+        </p:txBody>
+      </p:sp>
+      <p:sp>
+        <p:nvSpPr>
+          <p:cNvPr id="50" name="Rectangle à coins arrondis 63"/>
+          <p:cNvSpPr/>
+          <p:nvPr/>
+        </p:nvSpPr>
+        <p:spPr>
+          <a:xfrm>
+            <a:off x="2079702" y="627305"/>
+            <a:ext cx="420624" cy="201219"/>
+          </a:xfrm>
+          <a:prstGeom prst="roundRect">
+            <a:avLst/>
+          </a:prstGeom>
+          <a:solidFill>
+            <a:schemeClr val="bg1">
+              <a:lumMod val="50000"/>
+            </a:schemeClr>
+          </a:solidFill>
+          <a:ln>
+            <a:noFill/>
+          </a:ln>
+        </p:spPr>
+        <p:style>
+          <a:lnRef idx="2">
+            <a:schemeClr val="accent1">
+              <a:shade val="50000"/>
+            </a:schemeClr>
+          </a:lnRef>
+          <a:fillRef idx="1">
+            <a:schemeClr val="accent1"/>
+          </a:fillRef>
+          <a:effectRef idx="0">
+            <a:schemeClr val="accent1"/>
+          </a:effectRef>
+          <a:fontRef idx="minor">
+            <a:schemeClr val="lt1"/>
+          </a:fontRef>
+        </p:style>
+        <p:txBody>
+          <a:bodyPr lIns="0" rIns="0" rtlCol="0" anchor="ctr"/>
+          <a:lstStyle/>
+          <a:p>
+            <a:pPr algn="ctr"/>
+            <a:r>
+              <a:rPr lang="fr-FR" sz="600" b="1" noProof="1" smtClean="0">
+                <a:latin typeface="Gadugi" panose="020B0502040204020203" pitchFamily="34" charset="0"/>
+                <a:ea typeface="Gadugi" panose="020B0502040204020203" pitchFamily="34" charset="0"/>
+                <a:cs typeface="Arial" panose="020B0604020202020204" pitchFamily="34" charset="0"/>
+              </a:rPr>
+              <a:t>Python</a:t>
+            </a:r>
+            <a:endParaRPr lang="fr-FR" sz="600" b="1" noProof="1">
+              <a:latin typeface="Gadugi" panose="020B0502040204020203" pitchFamily="34" charset="0"/>
+              <a:ea typeface="Gadugi" panose="020B0502040204020203" pitchFamily="34" charset="0"/>
+              <a:cs typeface="Arial" panose="020B0604020202020204" pitchFamily="34" charset="0"/>
+            </a:endParaRPr>
+          </a:p>
+        </p:txBody>
+      </p:sp>
+      <p:sp>
+        <p:nvSpPr>
+          <p:cNvPr id="53" name="Rectangle à coins arrondis 19"/>
+          <p:cNvSpPr/>
+          <p:nvPr/>
+        </p:nvSpPr>
+        <p:spPr>
+          <a:xfrm>
+            <a:off x="3674695" y="1117927"/>
+            <a:ext cx="1129077" cy="221341"/>
+          </a:xfrm>
+          <a:prstGeom prst="roundRect">
+            <a:avLst/>
+          </a:prstGeom>
+          <a:solidFill>
+            <a:srgbClr val="1F8A4C"/>
+          </a:solidFill>
+          <a:ln>
+            <a:noFill/>
+          </a:ln>
+        </p:spPr>
+        <p:style>
+          <a:lnRef idx="2">
+            <a:schemeClr val="accent1">
+              <a:shade val="50000"/>
+            </a:schemeClr>
+          </a:lnRef>
+          <a:fillRef idx="1">
+            <a:schemeClr val="accent1"/>
+          </a:fillRef>
+          <a:effectRef idx="0">
+            <a:schemeClr val="accent1"/>
+          </a:effectRef>
+          <a:fontRef idx="minor">
+            <a:schemeClr val="lt1"/>
+          </a:fontRef>
+        </p:style>
+        <p:txBody>
+          <a:bodyPr lIns="36000" tIns="27432" rIns="36000" rtlCol="0" anchor="ctr"/>
+          <a:lstStyle/>
+          <a:p>
+            <a:pPr algn="ctr"/>
+            <a:r>
+              <a:rPr lang="fr-FR" sz="600" b="1" noProof="1" smtClean="0">
+                <a:latin typeface="Gadugi" panose="020B0502040204020203" pitchFamily="34" charset="0"/>
+                <a:ea typeface="Gadugi" panose="020B0502040204020203" pitchFamily="34" charset="0"/>
+                <a:cs typeface="Arial" panose="020B0604020202020204" pitchFamily="34" charset="0"/>
+              </a:rPr>
+              <a:t>TS processor</a:t>
+            </a:r>
+            <a:endParaRPr lang="fr-FR" sz="600" b="1" noProof="1">
+              <a:latin typeface="Gadugi" panose="020B0502040204020203" pitchFamily="34" charset="0"/>
+              <a:ea typeface="Gadugi" panose="020B0502040204020203" pitchFamily="34" charset="0"/>
+              <a:cs typeface="Arial" panose="020B0604020202020204" pitchFamily="34" charset="0"/>
+            </a:endParaRPr>
+          </a:p>
+        </p:txBody>
+      </p:sp>
+      <p:cxnSp>
+        <p:nvCxnSpPr>
+          <p:cNvPr id="54" name="Connecteur droit avec flèche 31"/>
+          <p:cNvCxnSpPr/>
+          <p:nvPr/>
+        </p:nvCxnSpPr>
+        <p:spPr>
+          <a:xfrm>
+            <a:off x="4014175" y="1339268"/>
+            <a:ext cx="0" cy="215838"/>
+          </a:xfrm>
+          <a:prstGeom prst="straightConnector1">
+            <a:avLst/>
+          </a:prstGeom>
+          <a:ln w="19050">
+            <a:solidFill>
+              <a:schemeClr val="tx1"/>
+            </a:solidFill>
+            <a:prstDash val="solid"/>
+            <a:tailEnd type="triangle" w="sm" len="med"/>
+          </a:ln>
+        </p:spPr>
+        <p:style>
+          <a:lnRef idx="1">
+            <a:schemeClr val="accent1"/>
+          </a:lnRef>
+          <a:fillRef idx="0">
+            <a:schemeClr val="accent1"/>
+          </a:fillRef>
+          <a:effectRef idx="0">
+            <a:schemeClr val="accent1"/>
+          </a:effectRef>
+          <a:fontRef idx="minor">
+            <a:schemeClr val="tx1"/>
+          </a:fontRef>
+        </p:style>
+      </p:cxnSp>
+      <p:cxnSp>
+        <p:nvCxnSpPr>
+          <p:cNvPr id="58" name="Connecteur droit avec flèche 31"/>
+          <p:cNvCxnSpPr/>
+          <p:nvPr/>
+        </p:nvCxnSpPr>
+        <p:spPr>
+          <a:xfrm>
+            <a:off x="4480900" y="1339268"/>
+            <a:ext cx="0" cy="215838"/>
+          </a:xfrm>
+          <a:prstGeom prst="straightConnector1">
+            <a:avLst/>
+          </a:prstGeom>
+          <a:ln w="19050">
+            <a:solidFill>
+              <a:schemeClr val="tx1"/>
+            </a:solidFill>
+            <a:prstDash val="solid"/>
+            <a:tailEnd type="triangle" w="sm" len="med"/>
+          </a:ln>
+        </p:spPr>
+        <p:style>
+          <a:lnRef idx="1">
+            <a:schemeClr val="accent1"/>
+          </a:lnRef>
+          <a:fillRef idx="0">
+            <a:schemeClr val="accent1"/>
+          </a:fillRef>
+          <a:effectRef idx="0">
+            <a:schemeClr val="accent1"/>
+          </a:effectRef>
+          <a:fontRef idx="minor">
+            <a:schemeClr val="tx1"/>
+          </a:fontRef>
+        </p:style>
+      </p:cxnSp>
+      <p:cxnSp>
+        <p:nvCxnSpPr>
+          <p:cNvPr id="60" name="Connecteur droit avec flèche 31"/>
+          <p:cNvCxnSpPr/>
+          <p:nvPr/>
+        </p:nvCxnSpPr>
+        <p:spPr>
+          <a:xfrm>
+            <a:off x="4247363" y="893544"/>
+            <a:ext cx="0" cy="152420"/>
+          </a:xfrm>
+          <a:prstGeom prst="straightConnector1">
+            <a:avLst/>
+          </a:prstGeom>
+          <a:ln w="19050">
+            <a:solidFill>
+              <a:schemeClr val="tx1"/>
+            </a:solidFill>
+            <a:prstDash val="solid"/>
+            <a:tailEnd type="triangle" w="sm" len="med"/>
+          </a:ln>
+        </p:spPr>
+        <p:style>
+          <a:lnRef idx="1">
+            <a:schemeClr val="accent1"/>
+          </a:lnRef>
+          <a:fillRef idx="0">
+            <a:schemeClr val="accent1"/>
+          </a:fillRef>
+          <a:effectRef idx="0">
+            <a:schemeClr val="accent1"/>
+          </a:effectRef>
+          <a:fontRef idx="minor">
+            <a:schemeClr val="tx1"/>
+          </a:fontRef>
+        </p:style>
+      </p:cxnSp>
+      <p:cxnSp>
+        <p:nvCxnSpPr>
+          <p:cNvPr id="44" name="Connecteur droit avec flèche 43"/>
+          <p:cNvCxnSpPr>
+            <a:stCxn id="50" idx="2"/>
+            <a:endCxn id="38" idx="0"/>
+          </p:cNvCxnSpPr>
+          <p:nvPr/>
+        </p:nvCxnSpPr>
+        <p:spPr>
+          <a:xfrm>
+            <a:off x="2290014" y="828524"/>
+            <a:ext cx="0" cy="291288"/>
+          </a:xfrm>
+          <a:prstGeom prst="straightConnector1">
+            <a:avLst/>
+          </a:prstGeom>
+          <a:ln w="19050">
+            <a:solidFill>
+              <a:schemeClr val="tx1"/>
+            </a:solidFill>
+            <a:prstDash val="solid"/>
+            <a:tailEnd type="triangle" w="sm" len="med"/>
+          </a:ln>
+        </p:spPr>
+        <p:style>
+          <a:lnRef idx="1">
+            <a:schemeClr val="accent1"/>
+          </a:lnRef>
+          <a:fillRef idx="0">
+            <a:schemeClr val="accent1"/>
+          </a:fillRef>
+          <a:effectRef idx="0">
+            <a:schemeClr val="accent1"/>
+          </a:effectRef>
+          <a:fontRef idx="minor">
+            <a:schemeClr val="tx1"/>
+          </a:fontRef>
+        </p:style>
+      </p:cxnSp>
+      <p:cxnSp>
+        <p:nvCxnSpPr>
+          <p:cNvPr id="68" name="Connecteur droit avec flèche 43"/>
+          <p:cNvCxnSpPr>
+            <a:stCxn id="45" idx="2"/>
+            <a:endCxn id="37" idx="0"/>
+          </p:cNvCxnSpPr>
+          <p:nvPr/>
+        </p:nvCxnSpPr>
+        <p:spPr>
+          <a:xfrm>
+            <a:off x="2747726" y="828524"/>
+            <a:ext cx="0" cy="291288"/>
+          </a:xfrm>
+          <a:prstGeom prst="straightConnector1">
+            <a:avLst/>
+          </a:prstGeom>
+          <a:ln w="19050">
+            <a:solidFill>
+              <a:schemeClr val="tx1"/>
+            </a:solidFill>
+            <a:prstDash val="solid"/>
+            <a:tailEnd type="triangle" w="sm" len="med"/>
+          </a:ln>
+        </p:spPr>
+        <p:style>
+          <a:lnRef idx="1">
+            <a:schemeClr val="accent1"/>
+          </a:lnRef>
+          <a:fillRef idx="0">
+            <a:schemeClr val="accent1"/>
+          </a:fillRef>
+          <a:effectRef idx="0">
+            <a:schemeClr val="accent1"/>
+          </a:effectRef>
+          <a:fontRef idx="minor">
+            <a:schemeClr val="tx1"/>
+          </a:fontRef>
+        </p:style>
+      </p:cxnSp>
+      <p:cxnSp>
+        <p:nvCxnSpPr>
+          <p:cNvPr id="69" name="Connecteur droit avec flèche 43"/>
+          <p:cNvCxnSpPr>
+            <a:stCxn id="48" idx="2"/>
+          </p:cNvCxnSpPr>
+          <p:nvPr/>
+        </p:nvCxnSpPr>
+        <p:spPr>
+          <a:xfrm>
+            <a:off x="3201918" y="828524"/>
+            <a:ext cx="3520" cy="215275"/>
+          </a:xfrm>
+          <a:prstGeom prst="straightConnector1">
+            <a:avLst/>
+          </a:prstGeom>
+          <a:ln w="19050">
+            <a:solidFill>
+              <a:schemeClr val="tx1"/>
+            </a:solidFill>
+            <a:prstDash val="solid"/>
+            <a:tailEnd type="triangle" w="sm" len="med"/>
+          </a:ln>
+        </p:spPr>
+        <p:style>
+          <a:lnRef idx="1">
+            <a:schemeClr val="accent1"/>
+          </a:lnRef>
+          <a:fillRef idx="0">
+            <a:schemeClr val="accent1"/>
+          </a:fillRef>
+          <a:effectRef idx="0">
+            <a:schemeClr val="accent1"/>
+          </a:effectRef>
+          <a:fontRef idx="minor">
+            <a:schemeClr val="tx1"/>
+          </a:fontRef>
+        </p:style>
+      </p:cxnSp>
+      <p:cxnSp>
+        <p:nvCxnSpPr>
+          <p:cNvPr id="70" name="Connecteur droit avec flèche 43"/>
+          <p:cNvCxnSpPr/>
+          <p:nvPr/>
+        </p:nvCxnSpPr>
+        <p:spPr>
+          <a:xfrm flipV="1">
+            <a:off x="2957612" y="1190494"/>
+            <a:ext cx="717083" cy="942"/>
+          </a:xfrm>
+          <a:prstGeom prst="straightConnector1">
+            <a:avLst/>
+          </a:prstGeom>
+          <a:ln w="9525">
+            <a:solidFill>
+              <a:schemeClr val="tx1"/>
+            </a:solidFill>
+            <a:prstDash val="solid"/>
+            <a:tailEnd type="triangle" w="sm" len="med"/>
+          </a:ln>
+        </p:spPr>
+        <p:style>
+          <a:lnRef idx="1">
+            <a:schemeClr val="accent1"/>
+          </a:lnRef>
+          <a:fillRef idx="0">
+            <a:schemeClr val="accent1"/>
+          </a:fillRef>
+          <a:effectRef idx="0">
+            <a:schemeClr val="accent1"/>
+          </a:effectRef>
+          <a:fontRef idx="minor">
+            <a:schemeClr val="tx1"/>
+          </a:fontRef>
+        </p:style>
+      </p:cxnSp>
+      <p:cxnSp>
+        <p:nvCxnSpPr>
+          <p:cNvPr id="71" name="Connecteur droit avec flèche 43"/>
+          <p:cNvCxnSpPr/>
+          <p:nvPr/>
+        </p:nvCxnSpPr>
+        <p:spPr>
+          <a:xfrm flipV="1">
+            <a:off x="2500326" y="1269996"/>
+            <a:ext cx="1174795" cy="942"/>
+          </a:xfrm>
+          <a:prstGeom prst="straightConnector1">
+            <a:avLst/>
+          </a:prstGeom>
+          <a:ln w="9525">
+            <a:solidFill>
+              <a:schemeClr val="tx1"/>
+            </a:solidFill>
+            <a:prstDash val="solid"/>
+            <a:tailEnd type="triangle" w="sm" len="med"/>
+          </a:ln>
+        </p:spPr>
+        <p:style>
+          <a:lnRef idx="1">
+            <a:schemeClr val="accent1"/>
+          </a:lnRef>
+          <a:fillRef idx="0">
+            <a:schemeClr val="accent1"/>
+          </a:fillRef>
+          <a:effectRef idx="0">
+            <a:schemeClr val="accent1"/>
+          </a:effectRef>
+          <a:fontRef idx="minor">
+            <a:schemeClr val="tx1"/>
+          </a:fontRef>
+        </p:style>
+      </p:cxnSp>
+      <p:sp>
+        <p:nvSpPr>
+          <p:cNvPr id="37" name="Rectangle à coins arrondis 19"/>
+          <p:cNvSpPr/>
+          <p:nvPr/>
+        </p:nvSpPr>
+        <p:spPr>
+          <a:xfrm>
+            <a:off x="2537840" y="1119812"/>
+            <a:ext cx="419772" cy="219456"/>
+          </a:xfrm>
+          <a:prstGeom prst="roundRect">
+            <a:avLst/>
+          </a:prstGeom>
+          <a:solidFill>
+            <a:schemeClr val="accent6">
+              <a:lumMod val="75000"/>
+            </a:schemeClr>
+          </a:solidFill>
+          <a:ln>
+            <a:noFill/>
+          </a:ln>
+        </p:spPr>
+        <p:style>
+          <a:lnRef idx="2">
+            <a:schemeClr val="accent1">
+              <a:shade val="50000"/>
+            </a:schemeClr>
+          </a:lnRef>
+          <a:fillRef idx="1">
+            <a:schemeClr val="accent1"/>
+          </a:fillRef>
+          <a:effectRef idx="0">
+            <a:schemeClr val="accent1"/>
+          </a:effectRef>
+          <a:fontRef idx="minor">
+            <a:schemeClr val="lt1"/>
+          </a:fontRef>
+        </p:style>
+        <p:txBody>
+          <a:bodyPr lIns="36000" tIns="27432" rIns="36000" rtlCol="0" anchor="ctr"/>
+          <a:lstStyle/>
+          <a:p>
+            <a:pPr algn="ctr"/>
+            <a:r>
+              <a:rPr lang="fr-FR" sz="600" b="1" noProof="1" smtClean="0">
+                <a:latin typeface="Gadugi" panose="020B0502040204020203" pitchFamily="34" charset="0"/>
+                <a:ea typeface="Gadugi" panose="020B0502040204020203" pitchFamily="34" charset="0"/>
+                <a:cs typeface="Arial" panose="020B0604020202020204" pitchFamily="34" charset="0"/>
+              </a:rPr>
+              <a:t>Java bindings</a:t>
+            </a:r>
+            <a:endParaRPr lang="fr-FR" sz="600" b="1" noProof="1">
+              <a:latin typeface="Gadugi" panose="020B0502040204020203" pitchFamily="34" charset="0"/>
+              <a:ea typeface="Gadugi" panose="020B0502040204020203" pitchFamily="34" charset="0"/>
+              <a:cs typeface="Arial" panose="020B0604020202020204" pitchFamily="34" charset="0"/>
+            </a:endParaRPr>
+          </a:p>
+        </p:txBody>
+      </p:sp>
       <p:sp>
         <p:nvSpPr>
           <p:cNvPr id="51" name="ZoneTexte 241"/>
@@ -16220,6 +16212,13 @@
   <p:clrMapOvr>
     <a:masterClrMapping/>
   </p:clrMapOvr>
+  <p:timing>
+    <p:tnLst>
+      <p:par>
+        <p:cTn id="1" dur="indefinite" restart="never" nodeType="tmRoot"/>
+      </p:par>
+    </p:tnLst>
+  </p:timing>
 </p:sld>
 </file>
 

--- a/doc/tsduck-diagrams.pptx
+++ b/doc/tsduck-diagrams.pptx
@@ -257,7 +257,7 @@
           <a:p>
             <a:fld id="{58A7CDC3-5B40-B341-B3D1-EE720DBB9E8A}" type="datetimeFigureOut">
               <a:rPr lang="fr-FR" smtClean="0"/>
-              <a:t>17/03/2021</a:t>
+              <a:t>31/03/2021</a:t>
             </a:fld>
             <a:endParaRPr lang="fr-FR"/>
           </a:p>
@@ -422,7 +422,7 @@
           <a:p>
             <a:fld id="{58A7CDC3-5B40-B341-B3D1-EE720DBB9E8A}" type="datetimeFigureOut">
               <a:rPr lang="fr-FR" smtClean="0"/>
-              <a:t>17/03/2021</a:t>
+              <a:t>31/03/2021</a:t>
             </a:fld>
             <a:endParaRPr lang="fr-FR"/>
           </a:p>
@@ -597,7 +597,7 @@
           <a:p>
             <a:fld id="{58A7CDC3-5B40-B341-B3D1-EE720DBB9E8A}" type="datetimeFigureOut">
               <a:rPr lang="fr-FR" smtClean="0"/>
-              <a:t>17/03/2021</a:t>
+              <a:t>31/03/2021</a:t>
             </a:fld>
             <a:endParaRPr lang="fr-FR"/>
           </a:p>
@@ -762,7 +762,7 @@
           <a:p>
             <a:fld id="{58A7CDC3-5B40-B341-B3D1-EE720DBB9E8A}" type="datetimeFigureOut">
               <a:rPr lang="fr-FR" smtClean="0"/>
-              <a:t>17/03/2021</a:t>
+              <a:t>31/03/2021</a:t>
             </a:fld>
             <a:endParaRPr lang="fr-FR"/>
           </a:p>
@@ -1001,7 +1001,7 @@
           <a:p>
             <a:fld id="{58A7CDC3-5B40-B341-B3D1-EE720DBB9E8A}" type="datetimeFigureOut">
               <a:rPr lang="fr-FR" smtClean="0"/>
-              <a:t>17/03/2021</a:t>
+              <a:t>31/03/2021</a:t>
             </a:fld>
             <a:endParaRPr lang="fr-FR"/>
           </a:p>
@@ -1228,7 +1228,7 @@
           <a:p>
             <a:fld id="{58A7CDC3-5B40-B341-B3D1-EE720DBB9E8A}" type="datetimeFigureOut">
               <a:rPr lang="fr-FR" smtClean="0"/>
-              <a:t>17/03/2021</a:t>
+              <a:t>31/03/2021</a:t>
             </a:fld>
             <a:endParaRPr lang="fr-FR"/>
           </a:p>
@@ -1590,7 +1590,7 @@
           <a:p>
             <a:fld id="{58A7CDC3-5B40-B341-B3D1-EE720DBB9E8A}" type="datetimeFigureOut">
               <a:rPr lang="fr-FR" smtClean="0"/>
-              <a:t>17/03/2021</a:t>
+              <a:t>31/03/2021</a:t>
             </a:fld>
             <a:endParaRPr lang="fr-FR"/>
           </a:p>
@@ -1703,7 +1703,7 @@
           <a:p>
             <a:fld id="{58A7CDC3-5B40-B341-B3D1-EE720DBB9E8A}" type="datetimeFigureOut">
               <a:rPr lang="fr-FR" smtClean="0"/>
-              <a:t>17/03/2021</a:t>
+              <a:t>31/03/2021</a:t>
             </a:fld>
             <a:endParaRPr lang="fr-FR"/>
           </a:p>
@@ -1793,7 +1793,7 @@
           <a:p>
             <a:fld id="{58A7CDC3-5B40-B341-B3D1-EE720DBB9E8A}" type="datetimeFigureOut">
               <a:rPr lang="fr-FR" smtClean="0"/>
-              <a:t>17/03/2021</a:t>
+              <a:t>31/03/2021</a:t>
             </a:fld>
             <a:endParaRPr lang="fr-FR"/>
           </a:p>
@@ -2065,7 +2065,7 @@
           <a:p>
             <a:fld id="{58A7CDC3-5B40-B341-B3D1-EE720DBB9E8A}" type="datetimeFigureOut">
               <a:rPr lang="fr-FR" smtClean="0"/>
-              <a:t>17/03/2021</a:t>
+              <a:t>31/03/2021</a:t>
             </a:fld>
             <a:endParaRPr lang="fr-FR"/>
           </a:p>
@@ -2317,7 +2317,7 @@
           <a:p>
             <a:fld id="{58A7CDC3-5B40-B341-B3D1-EE720DBB9E8A}" type="datetimeFigureOut">
               <a:rPr lang="fr-FR" smtClean="0"/>
-              <a:t>17/03/2021</a:t>
+              <a:t>31/03/2021</a:t>
             </a:fld>
             <a:endParaRPr lang="fr-FR"/>
           </a:p>
@@ -2525,7 +2525,7 @@
           <a:p>
             <a:fld id="{58A7CDC3-5B40-B341-B3D1-EE720DBB9E8A}" type="datetimeFigureOut">
               <a:rPr lang="fr-FR" smtClean="0"/>
-              <a:t>17/03/2021</a:t>
+              <a:t>31/03/2021</a:t>
             </a:fld>
             <a:endParaRPr lang="fr-FR"/>
           </a:p>
@@ -2932,9 +2932,9 @@
       </p:grpSpPr>
       <p:pic>
         <p:nvPicPr>
-          <p:cNvPr id="1028" name="Picture 4" descr="D:\Devel\tsduck\images\tsduck-512.png"/>
+          <p:cNvPr id="14" name="Picture 13"/>
           <p:cNvPicPr>
-            <a:picLocks noChangeAspect="1" noChangeArrowheads="1"/>
+            <a:picLocks noChangeAspect="1"/>
           </p:cNvPicPr>
           <p:nvPr/>
         </p:nvPicPr>
@@ -2946,289 +2946,32 @@
               </a:ext>
             </a:extLst>
           </a:blip>
-          <a:srcRect/>
           <a:stretch>
             <a:fillRect/>
           </a:stretch>
         </p:blipFill>
-        <p:spPr bwMode="auto">
+        <p:spPr>
           <a:xfrm>
-            <a:off x="4686402" y="723902"/>
-            <a:ext cx="1560512" cy="1560512"/>
+            <a:off x="2671460" y="1566621"/>
+            <a:ext cx="1219200" cy="1219200"/>
           </a:xfrm>
           <a:prstGeom prst="rect">
             <a:avLst/>
           </a:prstGeom>
-          <a:noFill/>
-          <a:extLst>
-            <a:ext uri="{909E8E84-426E-40DD-AFC4-6F175D3DCCD1}">
-              <a14:hiddenFill xmlns:a14="http://schemas.microsoft.com/office/drawing/2010/main">
-                <a:solidFill>
-                  <a:srgbClr val="FFFFFF"/>
-                </a:solidFill>
-              </a14:hiddenFill>
-            </a:ext>
-          </a:extLst>
-        </p:spPr>
-      </p:pic>
-      <p:pic>
-        <p:nvPicPr>
-          <p:cNvPr id="1029" name="Picture 5" descr="D:\Devel\tsduck\images\tsduck-16.png"/>
-          <p:cNvPicPr>
-            <a:picLocks noChangeAspect="1" noChangeArrowheads="1"/>
-          </p:cNvPicPr>
-          <p:nvPr/>
-        </p:nvPicPr>
-        <p:blipFill>
-          <a:blip r:embed="rId3">
-            <a:extLst>
-              <a:ext uri="{28A0092B-C50C-407E-A947-70E740481C1C}">
-                <a14:useLocalDpi xmlns:a14="http://schemas.microsoft.com/office/drawing/2010/main" val="0"/>
-              </a:ext>
-            </a:extLst>
-          </a:blip>
-          <a:srcRect/>
-          <a:stretch>
-            <a:fillRect/>
-          </a:stretch>
-        </p:blipFill>
-        <p:spPr bwMode="auto">
-          <a:xfrm>
-            <a:off x="851694" y="1479552"/>
-            <a:ext cx="49212" cy="49212"/>
-          </a:xfrm>
-          <a:prstGeom prst="rect">
-            <a:avLst/>
-          </a:prstGeom>
-          <a:noFill/>
-          <a:extLst>
-            <a:ext uri="{909E8E84-426E-40DD-AFC4-6F175D3DCCD1}">
-              <a14:hiddenFill xmlns:a14="http://schemas.microsoft.com/office/drawing/2010/main">
-                <a:solidFill>
-                  <a:srgbClr val="FFFFFF"/>
-                </a:solidFill>
-              </a14:hiddenFill>
-            </a:ext>
-          </a:extLst>
-        </p:spPr>
-      </p:pic>
-      <p:pic>
-        <p:nvPicPr>
-          <p:cNvPr id="1030" name="Picture 6" descr="D:\Devel\tsduck\images\tsduck-32.png"/>
-          <p:cNvPicPr>
-            <a:picLocks noChangeAspect="1" noChangeArrowheads="1"/>
-          </p:cNvPicPr>
-          <p:nvPr/>
-        </p:nvPicPr>
-        <p:blipFill>
-          <a:blip r:embed="rId4">
-            <a:extLst>
-              <a:ext uri="{28A0092B-C50C-407E-A947-70E740481C1C}">
-                <a14:useLocalDpi xmlns:a14="http://schemas.microsoft.com/office/drawing/2010/main" val="0"/>
-              </a:ext>
-            </a:extLst>
-          </a:blip>
-          <a:srcRect/>
-          <a:stretch>
-            <a:fillRect/>
-          </a:stretch>
-        </p:blipFill>
-        <p:spPr bwMode="auto">
-          <a:xfrm>
-            <a:off x="1263535" y="1455739"/>
-            <a:ext cx="96838" cy="96838"/>
-          </a:xfrm>
-          <a:prstGeom prst="rect">
-            <a:avLst/>
-          </a:prstGeom>
-          <a:noFill/>
-          <a:extLst>
-            <a:ext uri="{909E8E84-426E-40DD-AFC4-6F175D3DCCD1}">
-              <a14:hiddenFill xmlns:a14="http://schemas.microsoft.com/office/drawing/2010/main">
-                <a:solidFill>
-                  <a:srgbClr val="FFFFFF"/>
-                </a:solidFill>
-              </a14:hiddenFill>
-            </a:ext>
-          </a:extLst>
-        </p:spPr>
-      </p:pic>
-      <p:pic>
-        <p:nvPicPr>
-          <p:cNvPr id="1031" name="Picture 7" descr="D:\Devel\tsduck\images\tsduck-48.png"/>
-          <p:cNvPicPr>
-            <a:picLocks noChangeAspect="1" noChangeArrowheads="1"/>
-          </p:cNvPicPr>
-          <p:nvPr/>
-        </p:nvPicPr>
-        <p:blipFill>
-          <a:blip r:embed="rId5">
-            <a:extLst>
-              <a:ext uri="{28A0092B-C50C-407E-A947-70E740481C1C}">
-                <a14:useLocalDpi xmlns:a14="http://schemas.microsoft.com/office/drawing/2010/main" val="0"/>
-              </a:ext>
-            </a:extLst>
-          </a:blip>
-          <a:srcRect/>
-          <a:stretch>
-            <a:fillRect/>
-          </a:stretch>
-        </p:blipFill>
-        <p:spPr bwMode="auto">
-          <a:xfrm>
-            <a:off x="1723002" y="1431133"/>
-            <a:ext cx="146050" cy="146050"/>
-          </a:xfrm>
-          <a:prstGeom prst="rect">
-            <a:avLst/>
-          </a:prstGeom>
-          <a:noFill/>
-          <a:extLst>
-            <a:ext uri="{909E8E84-426E-40DD-AFC4-6F175D3DCCD1}">
-              <a14:hiddenFill xmlns:a14="http://schemas.microsoft.com/office/drawing/2010/main">
-                <a:solidFill>
-                  <a:srgbClr val="FFFFFF"/>
-                </a:solidFill>
-              </a14:hiddenFill>
-            </a:ext>
-          </a:extLst>
-        </p:spPr>
-      </p:pic>
-      <p:pic>
-        <p:nvPicPr>
-          <p:cNvPr id="1032" name="Picture 8" descr="D:\Devel\tsduck\images\tsduck-64.png"/>
-          <p:cNvPicPr>
-            <a:picLocks noChangeAspect="1" noChangeArrowheads="1"/>
-          </p:cNvPicPr>
-          <p:nvPr/>
-        </p:nvPicPr>
-        <p:blipFill>
-          <a:blip r:embed="rId6">
-            <a:extLst>
-              <a:ext uri="{28A0092B-C50C-407E-A947-70E740481C1C}">
-                <a14:useLocalDpi xmlns:a14="http://schemas.microsoft.com/office/drawing/2010/main" val="0"/>
-              </a:ext>
-            </a:extLst>
-          </a:blip>
-          <a:srcRect/>
-          <a:stretch>
-            <a:fillRect/>
-          </a:stretch>
-        </p:blipFill>
-        <p:spPr bwMode="auto">
-          <a:xfrm>
-            <a:off x="2231681" y="1406527"/>
-            <a:ext cx="195262" cy="195262"/>
-          </a:xfrm>
-          <a:prstGeom prst="rect">
-            <a:avLst/>
-          </a:prstGeom>
-          <a:noFill/>
-          <a:extLst>
-            <a:ext uri="{909E8E84-426E-40DD-AFC4-6F175D3DCCD1}">
-              <a14:hiddenFill xmlns:a14="http://schemas.microsoft.com/office/drawing/2010/main">
-                <a:solidFill>
-                  <a:srgbClr val="FFFFFF"/>
-                </a:solidFill>
-              </a14:hiddenFill>
-            </a:ext>
-          </a:extLst>
-        </p:spPr>
-      </p:pic>
-      <p:pic>
-        <p:nvPicPr>
-          <p:cNvPr id="1033" name="Picture 9" descr="D:\Devel\tsduck\images\tsduck-128.png"/>
-          <p:cNvPicPr>
-            <a:picLocks noChangeAspect="1" noChangeArrowheads="1"/>
-          </p:cNvPicPr>
-          <p:nvPr/>
-        </p:nvPicPr>
-        <p:blipFill>
-          <a:blip r:embed="rId7">
-            <a:extLst>
-              <a:ext uri="{28A0092B-C50C-407E-A947-70E740481C1C}">
-                <a14:useLocalDpi xmlns:a14="http://schemas.microsoft.com/office/drawing/2010/main" val="0"/>
-              </a:ext>
-            </a:extLst>
-          </a:blip>
-          <a:srcRect/>
-          <a:stretch>
-            <a:fillRect/>
-          </a:stretch>
-        </p:blipFill>
-        <p:spPr bwMode="auto">
-          <a:xfrm>
-            <a:off x="2789572" y="1308896"/>
-            <a:ext cx="390525" cy="390525"/>
-          </a:xfrm>
-          <a:prstGeom prst="rect">
-            <a:avLst/>
-          </a:prstGeom>
-          <a:noFill/>
-          <a:extLst>
-            <a:ext uri="{909E8E84-426E-40DD-AFC4-6F175D3DCCD1}">
-              <a14:hiddenFill xmlns:a14="http://schemas.microsoft.com/office/drawing/2010/main">
-                <a:solidFill>
-                  <a:srgbClr val="FFFFFF"/>
-                </a:solidFill>
-              </a14:hiddenFill>
-            </a:ext>
-          </a:extLst>
-        </p:spPr>
-      </p:pic>
-      <p:pic>
-        <p:nvPicPr>
-          <p:cNvPr id="1034" name="Picture 10" descr="D:\Devel\tsduck\images\tsduck-256.png"/>
-          <p:cNvPicPr>
-            <a:picLocks noChangeAspect="1" noChangeArrowheads="1"/>
-          </p:cNvPicPr>
-          <p:nvPr/>
-        </p:nvPicPr>
-        <p:blipFill>
-          <a:blip r:embed="rId8">
-            <a:extLst>
-              <a:ext uri="{28A0092B-C50C-407E-A947-70E740481C1C}">
-                <a14:useLocalDpi xmlns:a14="http://schemas.microsoft.com/office/drawing/2010/main" val="0"/>
-              </a:ext>
-            </a:extLst>
-          </a:blip>
-          <a:srcRect/>
-          <a:stretch>
-            <a:fillRect/>
-          </a:stretch>
-        </p:blipFill>
-        <p:spPr bwMode="auto">
-          <a:xfrm>
-            <a:off x="3542726" y="1113633"/>
-            <a:ext cx="781050" cy="781050"/>
-          </a:xfrm>
-          <a:prstGeom prst="rect">
-            <a:avLst/>
-          </a:prstGeom>
-          <a:noFill/>
-          <a:extLst>
-            <a:ext uri="{909E8E84-426E-40DD-AFC4-6F175D3DCCD1}">
-              <a14:hiddenFill xmlns:a14="http://schemas.microsoft.com/office/drawing/2010/main">
-                <a:solidFill>
-                  <a:srgbClr val="FFFFFF"/>
-                </a:solidFill>
-              </a14:hiddenFill>
-            </a:ext>
-          </a:extLst>
         </p:spPr>
       </p:pic>
       <p:grpSp>
         <p:nvGrpSpPr>
-          <p:cNvPr id="2" name="Group 1"/>
+          <p:cNvPr id="18" name="Group 17"/>
           <p:cNvGrpSpPr/>
           <p:nvPr/>
         </p:nvGrpSpPr>
         <p:grpSpPr>
           <a:xfrm>
             <a:off x="901700" y="3136900"/>
-            <a:ext cx="5091165" cy="1847592"/>
+            <a:ext cx="5081712" cy="1847592"/>
             <a:chOff x="901700" y="3136900"/>
-            <a:chExt cx="5091165" cy="1847592"/>
+            <a:chExt cx="5081712" cy="1847592"/>
           </a:xfrm>
         </p:grpSpPr>
         <p:sp>
@@ -3248,10 +2991,7 @@
               </a:avLst>
             </a:prstGeom>
             <a:solidFill>
-              <a:schemeClr val="accent6">
-                <a:lumMod val="40000"/>
-                <a:lumOff val="60000"/>
-              </a:schemeClr>
+              <a:schemeClr val="accent6"/>
             </a:solidFill>
             <a:ln>
               <a:noFill/>
@@ -3315,7 +3055,7 @@
               <a:avLst/>
             </a:prstGeom>
             <a:solidFill>
-              <a:srgbClr val="1F8A4C"/>
+              <a:schemeClr val="accent1"/>
             </a:solidFill>
             <a:ln>
               <a:noFill/>
@@ -3373,7 +3113,7 @@
               <a:avLst/>
             </a:prstGeom>
             <a:solidFill>
-              <a:srgbClr val="1F8A4C"/>
+              <a:schemeClr val="accent1"/>
             </a:solidFill>
             <a:ln>
               <a:noFill/>
@@ -3431,7 +3171,7 @@
               <a:avLst/>
             </a:prstGeom>
             <a:solidFill>
-              <a:srgbClr val="1F8A4C"/>
+              <a:schemeClr val="accent1"/>
             </a:solidFill>
             <a:ln>
               <a:noFill/>
@@ -3489,7 +3229,7 @@
               <a:avLst/>
             </a:prstGeom>
             <a:solidFill>
-              <a:srgbClr val="1F8A4C"/>
+              <a:schemeClr val="accent1"/>
             </a:solidFill>
             <a:ln>
               <a:noFill/>
@@ -3547,7 +3287,7 @@
               <a:avLst/>
             </a:prstGeom>
             <a:solidFill>
-              <a:srgbClr val="1F8A4C"/>
+              <a:schemeClr val="accent1"/>
             </a:solidFill>
             <a:ln>
               <a:noFill/>
@@ -3605,7 +3345,7 @@
               <a:avLst/>
             </a:prstGeom>
             <a:solidFill>
-              <a:srgbClr val="1F8A4C"/>
+              <a:schemeClr val="accent1"/>
             </a:solidFill>
             <a:ln>
               <a:noFill/>
@@ -4013,87 +3753,38 @@
         </p:sp>
         <p:pic>
           <p:nvPicPr>
-            <p:cNvPr id="62" name="Picture 7" descr="D:\Devel\tsduck\images\tsduck-48.png"/>
+            <p:cNvPr id="16" name="Picture 15"/>
             <p:cNvPicPr>
-              <a:picLocks noChangeAspect="1" noChangeArrowheads="1"/>
+              <a:picLocks noChangeAspect="1"/>
             </p:cNvPicPr>
             <p:nvPr/>
           </p:nvPicPr>
           <p:blipFill>
-            <a:blip r:embed="rId5">
+            <a:blip r:embed="rId3">
               <a:extLst>
                 <a:ext uri="{28A0092B-C50C-407E-A947-70E740481C1C}">
                   <a14:useLocalDpi xmlns:a14="http://schemas.microsoft.com/office/drawing/2010/main" val="0"/>
                 </a:ext>
               </a:extLst>
             </a:blip>
-            <a:srcRect/>
             <a:stretch>
               <a:fillRect/>
             </a:stretch>
           </p:blipFill>
-          <p:spPr bwMode="auto">
-            <a:xfrm>
-              <a:off x="5516419" y="4670896"/>
-              <a:ext cx="146050" cy="146050"/>
+          <p:spPr>
+            <a:xfrm>
+              <a:off x="5570057" y="4662225"/>
+              <a:ext cx="413355" cy="94481"/>
             </a:xfrm>
             <a:prstGeom prst="rect">
               <a:avLst/>
             </a:prstGeom>
-            <a:noFill/>
-            <a:extLst>
-              <a:ext uri="{909E8E84-426E-40DD-AFC4-6F175D3DCCD1}">
-                <a14:hiddenFill xmlns:a14="http://schemas.microsoft.com/office/drawing/2010/main">
-                  <a:solidFill>
-                    <a:srgbClr val="FFFFFF"/>
-                  </a:solidFill>
-                </a14:hiddenFill>
-              </a:ext>
-            </a:extLst>
           </p:spPr>
         </p:pic>
-        <p:sp>
-          <p:nvSpPr>
-            <p:cNvPr id="63" name="ZoneTexte 62"/>
-            <p:cNvSpPr txBox="1"/>
-            <p:nvPr/>
-          </p:nvSpPr>
-          <p:spPr>
-            <a:xfrm>
-              <a:off x="5690709" y="4722812"/>
-              <a:ext cx="302156" cy="92333"/>
-            </a:xfrm>
-            <a:prstGeom prst="rect">
-              <a:avLst/>
-            </a:prstGeom>
-            <a:noFill/>
-          </p:spPr>
-          <p:txBody>
-            <a:bodyPr wrap="square" lIns="0" tIns="0" rIns="0" bIns="0" rtlCol="0">
-              <a:spAutoFit/>
-            </a:bodyPr>
-            <a:lstStyle/>
-            <a:p>
-              <a:r>
-                <a:rPr lang="en-US" sz="600" b="1" dirty="0" err="1" smtClean="0">
-                  <a:latin typeface="Gadugi" panose="020B0502040204020203" pitchFamily="34" charset="0"/>
-                  <a:ea typeface="Gadugi" panose="020B0502040204020203" pitchFamily="34" charset="0"/>
-                  <a:cs typeface="Arial Rounded MT Bold" charset="0"/>
-                </a:rPr>
-                <a:t>TSDuck</a:t>
-              </a:r>
-              <a:endParaRPr lang="en-US" sz="600" b="1" dirty="0">
-                <a:latin typeface="Gadugi" panose="020B0502040204020203" pitchFamily="34" charset="0"/>
-                <a:ea typeface="Gadugi" panose="020B0502040204020203" pitchFamily="34" charset="0"/>
-                <a:cs typeface="Arial Rounded MT Bold" charset="0"/>
-              </a:endParaRPr>
-            </a:p>
-          </p:txBody>
-        </p:sp>
       </p:grpSp>
       <p:grpSp>
         <p:nvGrpSpPr>
-          <p:cNvPr id="3" name="Group 2"/>
+          <p:cNvPr id="17" name="Group 16"/>
           <p:cNvGrpSpPr/>
           <p:nvPr/>
         </p:nvGrpSpPr>
@@ -4120,7 +3811,7 @@
               <a:avLst/>
             </a:prstGeom>
             <a:solidFill>
-              <a:srgbClr val="1F8A4C"/>
+              <a:schemeClr val="accent1"/>
             </a:solidFill>
             <a:ln>
               <a:noFill/>
@@ -4452,7 +4143,7 @@
               </a:avLst>
             </a:prstGeom>
             <a:solidFill>
-              <a:srgbClr val="1F8A4C"/>
+              <a:schemeClr val="accent1"/>
             </a:solidFill>
             <a:ln>
               <a:noFill/>
@@ -4512,7 +4203,7 @@
               </a:avLst>
             </a:prstGeom>
             <a:solidFill>
-              <a:srgbClr val="1F8A4C"/>
+              <a:schemeClr val="accent1"/>
             </a:solidFill>
             <a:ln>
               <a:noFill/>
@@ -4572,7 +4263,7 @@
               </a:avLst>
             </a:prstGeom>
             <a:solidFill>
-              <a:srgbClr val="1F8A4C"/>
+              <a:schemeClr val="accent1"/>
             </a:solidFill>
             <a:ln>
               <a:noFill/>
@@ -4898,7 +4589,7 @@
               </a:avLst>
             </a:prstGeom>
             <a:solidFill>
-              <a:srgbClr val="1F8A4C"/>
+              <a:schemeClr val="accent1"/>
             </a:solidFill>
             <a:ln>
               <a:noFill/>
@@ -5254,10 +4945,7 @@
               <a:avLst/>
             </a:prstGeom>
             <a:solidFill>
-              <a:schemeClr val="accent6">
-                <a:lumMod val="40000"/>
-                <a:lumOff val="60000"/>
-              </a:schemeClr>
+              <a:schemeClr val="accent6"/>
             </a:solidFill>
             <a:ln>
               <a:solidFill>
@@ -5328,10 +5016,7 @@
               <a:avLst/>
             </a:prstGeom>
             <a:solidFill>
-              <a:schemeClr val="accent6">
-                <a:lumMod val="40000"/>
-                <a:lumOff val="60000"/>
-              </a:schemeClr>
+              <a:schemeClr val="accent6"/>
             </a:solidFill>
             <a:ln>
               <a:solidFill>
@@ -5411,10 +5096,7 @@
               <a:avLst/>
             </a:prstGeom>
             <a:solidFill>
-              <a:schemeClr val="accent6">
-                <a:lumMod val="40000"/>
-                <a:lumOff val="60000"/>
-              </a:schemeClr>
+              <a:schemeClr val="accent6"/>
             </a:solidFill>
             <a:ln>
               <a:solidFill>
@@ -5503,84 +5185,95 @@
         </p:sp>
         <p:pic>
           <p:nvPicPr>
-            <p:cNvPr id="64" name="Picture 7" descr="D:\Devel\tsduck\images\tsduck-48.png"/>
+            <p:cNvPr id="66" name="Picture 65"/>
             <p:cNvPicPr>
-              <a:picLocks noChangeAspect="1" noChangeArrowheads="1"/>
+              <a:picLocks noChangeAspect="1"/>
             </p:cNvPicPr>
             <p:nvPr/>
           </p:nvPicPr>
           <p:blipFill>
-            <a:blip r:embed="rId5">
+            <a:blip r:embed="rId3">
               <a:extLst>
                 <a:ext uri="{28A0092B-C50C-407E-A947-70E740481C1C}">
                   <a14:useLocalDpi xmlns:a14="http://schemas.microsoft.com/office/drawing/2010/main" val="0"/>
                 </a:ext>
               </a:extLst>
             </a:blip>
-            <a:srcRect/>
             <a:stretch>
               <a:fillRect/>
             </a:stretch>
           </p:blipFill>
-          <p:spPr bwMode="auto">
-            <a:xfrm>
-              <a:off x="5787661" y="8558083"/>
-              <a:ext cx="146050" cy="146050"/>
+          <p:spPr>
+            <a:xfrm>
+              <a:off x="3883167" y="8113149"/>
+              <a:ext cx="413355" cy="94481"/>
             </a:xfrm>
             <a:prstGeom prst="rect">
               <a:avLst/>
             </a:prstGeom>
-            <a:noFill/>
+          </p:spPr>
+        </p:pic>
+      </p:grpSp>
+      <p:pic>
+        <p:nvPicPr>
+          <p:cNvPr id="67" name="Picture 66"/>
+          <p:cNvPicPr>
+            <a:picLocks noChangeAspect="1"/>
+          </p:cNvPicPr>
+          <p:nvPr/>
+        </p:nvPicPr>
+        <p:blipFill>
+          <a:blip r:embed="rId3">
             <a:extLst>
-              <a:ext uri="{909E8E84-426E-40DD-AFC4-6F175D3DCCD1}">
-                <a14:hiddenFill xmlns:a14="http://schemas.microsoft.com/office/drawing/2010/main">
-                  <a:solidFill>
-                    <a:srgbClr val="FFFFFF"/>
-                  </a:solidFill>
-                </a14:hiddenFill>
+              <a:ext uri="{28A0092B-C50C-407E-A947-70E740481C1C}">
+                <a14:useLocalDpi xmlns:a14="http://schemas.microsoft.com/office/drawing/2010/main" val="0"/>
               </a:ext>
             </a:extLst>
-          </p:spPr>
-        </p:pic>
-        <p:sp>
-          <p:nvSpPr>
-            <p:cNvPr id="65" name="ZoneTexte 64"/>
-            <p:cNvSpPr txBox="1"/>
-            <p:nvPr/>
-          </p:nvSpPr>
-          <p:spPr>
-            <a:xfrm>
-              <a:off x="5950910" y="8577247"/>
-              <a:ext cx="302156" cy="92333"/>
-            </a:xfrm>
-            <a:prstGeom prst="rect">
-              <a:avLst/>
-            </a:prstGeom>
-            <a:noFill/>
-          </p:spPr>
-          <p:txBody>
-            <a:bodyPr wrap="square" lIns="0" tIns="0" rIns="0" bIns="0" rtlCol="0">
-              <a:spAutoFit/>
-            </a:bodyPr>
-            <a:lstStyle/>
-            <a:p>
-              <a:r>
-                <a:rPr lang="en-US" sz="600" b="1" dirty="0" err="1" smtClean="0">
-                  <a:latin typeface="Gadugi" panose="020B0502040204020203" pitchFamily="34" charset="0"/>
-                  <a:ea typeface="Gadugi" panose="020B0502040204020203" pitchFamily="34" charset="0"/>
-                  <a:cs typeface="Arial Rounded MT Bold" charset="0"/>
-                </a:rPr>
-                <a:t>TSDuck</a:t>
-              </a:r>
-              <a:endParaRPr lang="en-US" sz="600" b="1" dirty="0">
-                <a:latin typeface="Gadugi" panose="020B0502040204020203" pitchFamily="34" charset="0"/>
-                <a:ea typeface="Gadugi" panose="020B0502040204020203" pitchFamily="34" charset="0"/>
-                <a:cs typeface="Arial Rounded MT Bold" charset="0"/>
-              </a:endParaRPr>
-            </a:p>
-          </p:txBody>
-        </p:sp>
-      </p:grpSp>
+          </a:blip>
+          <a:stretch>
+            <a:fillRect/>
+          </a:stretch>
+        </p:blipFill>
+        <p:spPr>
+          <a:xfrm>
+            <a:off x="5247066" y="1336183"/>
+            <a:ext cx="413355" cy="94481"/>
+          </a:xfrm>
+          <a:prstGeom prst="rect">
+            <a:avLst/>
+          </a:prstGeom>
+        </p:spPr>
+      </p:pic>
+      <p:pic>
+        <p:nvPicPr>
+          <p:cNvPr id="21" name="Picture 20"/>
+          <p:cNvPicPr>
+            <a:picLocks noChangeAspect="1"/>
+          </p:cNvPicPr>
+          <p:nvPr/>
+        </p:nvPicPr>
+        <p:blipFill>
+          <a:blip r:embed="rId4">
+            <a:extLst>
+              <a:ext uri="{28A0092B-C50C-407E-A947-70E740481C1C}">
+                <a14:useLocalDpi xmlns:a14="http://schemas.microsoft.com/office/drawing/2010/main" val="0"/>
+              </a:ext>
+            </a:extLst>
+          </a:blip>
+          <a:stretch>
+            <a:fillRect/>
+          </a:stretch>
+        </p:blipFill>
+        <p:spPr>
+          <a:xfrm>
+            <a:off x="901700" y="499994"/>
+            <a:ext cx="4758721" cy="793120"/>
+          </a:xfrm>
+          <a:prstGeom prst="rect">
+            <a:avLst/>
+          </a:prstGeom>
+        </p:spPr>
+      </p:pic>
     </p:spTree>
     <p:extLst>
       <p:ext uri="{BB962C8B-B14F-4D97-AF65-F5344CB8AC3E}">
@@ -5591,6 +5284,13 @@
   <p:clrMapOvr>
     <a:masterClrMapping/>
   </p:clrMapOvr>
+  <p:timing>
+    <p:tnLst>
+      <p:par>
+        <p:cTn id="1" dur="indefinite" restart="never" nodeType="tmRoot"/>
+      </p:par>
+    </p:tnLst>
+  </p:timing>
 </p:sld>
 </file>
 
@@ -5613,16 +5313,16 @@
       </p:grpSpPr>
       <p:grpSp>
         <p:nvGrpSpPr>
-          <p:cNvPr id="3" name="Group 2"/>
+          <p:cNvPr id="4" name="Group 3"/>
           <p:cNvGrpSpPr/>
           <p:nvPr/>
         </p:nvGrpSpPr>
         <p:grpSpPr>
           <a:xfrm>
             <a:off x="540973" y="1155097"/>
-            <a:ext cx="5744377" cy="2024429"/>
+            <a:ext cx="5744377" cy="1948077"/>
             <a:chOff x="540973" y="1155097"/>
-            <a:chExt cx="5744377" cy="2024429"/>
+            <a:chExt cx="5744377" cy="1948077"/>
           </a:xfrm>
         </p:grpSpPr>
         <p:cxnSp>
@@ -5670,8 +5370,8 @@
           </p:nvSpPr>
           <p:spPr>
             <a:xfrm>
-              <a:off x="2557236" y="2287525"/>
-              <a:ext cx="640080" cy="276999"/>
+              <a:off x="2518882" y="2287525"/>
+              <a:ext cx="704088" cy="307777"/>
             </a:xfrm>
             <a:prstGeom prst="rect">
               <a:avLst/>
@@ -5686,7 +5386,7 @@
             <a:p>
               <a:pPr algn="ctr"/>
               <a:r>
-                <a:rPr lang="fr-FR" sz="900" b="1" i="1" noProof="1">
+                <a:rPr lang="fr-FR" sz="1000" b="1" noProof="1">
                   <a:latin typeface="Gadugi" panose="020B0502040204020203" pitchFamily="34" charset="0"/>
                   <a:ea typeface="Gadugi" panose="020B0502040204020203" pitchFamily="34" charset="0"/>
                   <a:cs typeface="Arial Rounded MT Bold" charset="0"/>
@@ -5696,80 +5396,6 @@
             </a:p>
           </p:txBody>
         </p:sp>
-        <p:pic>
-          <p:nvPicPr>
-            <p:cNvPr id="64" name="Picture 7" descr="D:\Devel\tsduck\images\tsduck-48.png"/>
-            <p:cNvPicPr>
-              <a:picLocks noChangeAspect="1" noChangeArrowheads="1"/>
-            </p:cNvPicPr>
-            <p:nvPr/>
-          </p:nvPicPr>
-          <p:blipFill>
-            <a:blip r:embed="rId2">
-              <a:extLst>
-                <a:ext uri="{28A0092B-C50C-407E-A947-70E740481C1C}">
-                  <a14:useLocalDpi xmlns:a14="http://schemas.microsoft.com/office/drawing/2010/main" val="0"/>
-                </a:ext>
-              </a:extLst>
-            </a:blip>
-            <a:srcRect/>
-            <a:stretch>
-              <a:fillRect/>
-            </a:stretch>
-          </p:blipFill>
-          <p:spPr bwMode="auto">
-            <a:xfrm>
-              <a:off x="5767907" y="3033476"/>
-              <a:ext cx="146050" cy="146050"/>
-            </a:xfrm>
-            <a:prstGeom prst="rect">
-              <a:avLst/>
-            </a:prstGeom>
-            <a:noFill/>
-            <a:extLst>
-              <a:ext uri="{909E8E84-426E-40DD-AFC4-6F175D3DCCD1}">
-                <a14:hiddenFill xmlns:a14="http://schemas.microsoft.com/office/drawing/2010/main">
-                  <a:solidFill>
-                    <a:srgbClr val="FFFFFF"/>
-                  </a:solidFill>
-                </a14:hiddenFill>
-              </a:ext>
-            </a:extLst>
-          </p:spPr>
-        </p:pic>
-        <p:sp>
-          <p:nvSpPr>
-            <p:cNvPr id="65" name="ZoneTexte 64"/>
-            <p:cNvSpPr txBox="1"/>
-            <p:nvPr/>
-          </p:nvSpPr>
-          <p:spPr>
-            <a:xfrm>
-              <a:off x="5931156" y="3052640"/>
-              <a:ext cx="302156" cy="92333"/>
-            </a:xfrm>
-            <a:prstGeom prst="rect">
-              <a:avLst/>
-            </a:prstGeom>
-            <a:noFill/>
-          </p:spPr>
-          <p:txBody>
-            <a:bodyPr wrap="square" lIns="0" tIns="0" rIns="0" bIns="0" rtlCol="0">
-              <a:spAutoFit/>
-            </a:bodyPr>
-            <a:lstStyle/>
-            <a:p>
-              <a:r>
-                <a:rPr lang="fr-FR" sz="600" b="1" noProof="1">
-                  <a:latin typeface="Gadugi" panose="020B0502040204020203" pitchFamily="34" charset="0"/>
-                  <a:ea typeface="Gadugi" panose="020B0502040204020203" pitchFamily="34" charset="0"/>
-                  <a:cs typeface="Arial Rounded MT Bold" charset="0"/>
-                </a:rPr>
-                <a:t>TSDuck</a:t>
-              </a:r>
-            </a:p>
-          </p:txBody>
-        </p:sp>
         <p:sp>
           <p:nvSpPr>
             <p:cNvPr id="60" name="Rectangle à coins arrondis 59"/>
@@ -5787,7 +5413,7 @@
               </a:avLst>
             </a:prstGeom>
             <a:solidFill>
-              <a:srgbClr val="1F8A4C"/>
+              <a:schemeClr val="accent1"/>
             </a:solidFill>
             <a:ln>
               <a:noFill/>
@@ -5878,10 +5504,7 @@
               <a:avLst/>
             </a:prstGeom>
             <a:solidFill>
-              <a:schemeClr val="accent6">
-                <a:lumMod val="40000"/>
-                <a:lumOff val="60000"/>
-              </a:schemeClr>
+              <a:schemeClr val="accent6"/>
             </a:solidFill>
             <a:ln>
               <a:solidFill>
@@ -5955,7 +5578,7 @@
               </a:avLst>
             </a:prstGeom>
             <a:solidFill>
-              <a:srgbClr val="1F8A4C"/>
+              <a:schemeClr val="accent1"/>
             </a:solidFill>
             <a:ln>
               <a:noFill/>
@@ -6046,10 +5669,7 @@
               <a:avLst/>
             </a:prstGeom>
             <a:solidFill>
-              <a:schemeClr val="accent6">
-                <a:lumMod val="40000"/>
-                <a:lumOff val="60000"/>
-              </a:schemeClr>
+              <a:schemeClr val="accent6"/>
             </a:solidFill>
             <a:ln>
               <a:solidFill>
@@ -6112,10 +5732,7 @@
               <a:avLst/>
             </a:prstGeom>
             <a:solidFill>
-              <a:schemeClr val="accent6">
-                <a:lumMod val="40000"/>
-                <a:lumOff val="60000"/>
-              </a:schemeClr>
+              <a:schemeClr val="accent6"/>
             </a:solidFill>
             <a:ln>
               <a:solidFill>
@@ -6175,7 +5792,7 @@
               </a:avLst>
             </a:prstGeom>
             <a:solidFill>
-              <a:srgbClr val="1F8A4C"/>
+              <a:schemeClr val="accent1"/>
             </a:solidFill>
             <a:ln>
               <a:noFill/>
@@ -6230,7 +5847,7 @@
               </a:avLst>
             </a:prstGeom>
             <a:solidFill>
-              <a:srgbClr val="1F8A4C"/>
+              <a:schemeClr val="accent1"/>
             </a:solidFill>
             <a:ln>
               <a:noFill/>
@@ -6572,7 +6189,7 @@
           <p:spPr>
             <a:xfrm>
               <a:off x="933124" y="2189054"/>
-              <a:ext cx="1113805" cy="276999"/>
+              <a:ext cx="1113805" cy="246221"/>
             </a:xfrm>
             <a:prstGeom prst="rect">
               <a:avLst/>
@@ -6587,13 +6204,26 @@
             <a:p>
               <a:pPr algn="ctr"/>
               <a:r>
-                <a:rPr lang="fr-FR" sz="900" i="1" noProof="1">
+                <a:rPr lang="fr-FR" sz="800" b="1" noProof="1">
                   <a:latin typeface="Gadugi" panose="020B0502040204020203" pitchFamily="34" charset="0"/>
                   <a:ea typeface="Gadugi" panose="020B0502040204020203" pitchFamily="34" charset="0"/>
                   <a:cs typeface="Arial Rounded MT Bold" charset="0"/>
                 </a:rPr>
-                <a:t>Multicast to 224.250.250.1 : 9000</a:t>
+                <a:t>Multicast to </a:t>
               </a:r>
+              <a:r>
+                <a:rPr lang="fr-FR" sz="800" b="1" noProof="1" smtClean="0">
+                  <a:latin typeface="Gadugi" panose="020B0502040204020203" pitchFamily="34" charset="0"/>
+                  <a:ea typeface="Gadugi" panose="020B0502040204020203" pitchFamily="34" charset="0"/>
+                  <a:cs typeface="Arial Rounded MT Bold" charset="0"/>
+                </a:rPr>
+                <a:t>224.250.250.1 : 9000</a:t>
+              </a:r>
+              <a:endParaRPr lang="fr-FR" sz="800" b="1" noProof="1">
+                <a:latin typeface="Gadugi" panose="020B0502040204020203" pitchFamily="34" charset="0"/>
+                <a:ea typeface="Gadugi" panose="020B0502040204020203" pitchFamily="34" charset="0"/>
+                <a:cs typeface="Arial Rounded MT Bold" charset="0"/>
+              </a:endParaRPr>
             </a:p>
           </p:txBody>
         </p:sp>
@@ -6605,8 +6235,8 @@
           </p:nvSpPr>
           <p:spPr>
             <a:xfrm>
-              <a:off x="3782047" y="2287525"/>
-              <a:ext cx="640080" cy="276999"/>
+              <a:off x="3769093" y="2287525"/>
+              <a:ext cx="704088" cy="307777"/>
             </a:xfrm>
             <a:prstGeom prst="rect">
               <a:avLst/>
@@ -6621,7 +6251,7 @@
             <a:p>
               <a:pPr algn="ctr"/>
               <a:r>
-                <a:rPr lang="fr-FR" sz="900" b="1" i="1" noProof="1">
+                <a:rPr lang="fr-FR" sz="1000" b="1" noProof="1">
                   <a:latin typeface="Gadugi" panose="020B0502040204020203" pitchFamily="34" charset="0"/>
                   <a:ea typeface="Gadugi" panose="020B0502040204020203" pitchFamily="34" charset="0"/>
                   <a:cs typeface="Arial Rounded MT Bold" charset="0"/>
@@ -6648,7 +6278,7 @@
               </a:avLst>
             </a:prstGeom>
             <a:solidFill>
-              <a:srgbClr val="1F8A4C"/>
+              <a:schemeClr val="accent1"/>
             </a:solidFill>
             <a:ln>
               <a:noFill/>
@@ -6703,7 +6333,7 @@
               </a:avLst>
             </a:prstGeom>
             <a:solidFill>
-              <a:srgbClr val="1F8A4C"/>
+              <a:schemeClr val="accent1"/>
             </a:solidFill>
             <a:ln>
               <a:noFill/>
@@ -7006,7 +6636,7 @@
           <p:spPr>
             <a:xfrm>
               <a:off x="5424307" y="2191455"/>
-              <a:ext cx="861043" cy="276999"/>
+              <a:ext cx="861043" cy="246221"/>
             </a:xfrm>
             <a:prstGeom prst="rect">
               <a:avLst/>
@@ -7021,7 +6651,7 @@
             <a:p>
               <a:pPr algn="ctr"/>
               <a:r>
-                <a:rPr lang="fr-FR" sz="900" i="1" noProof="1">
+                <a:rPr lang="fr-FR" sz="800" b="1" noProof="1">
                   <a:latin typeface="Gadugi" panose="020B0502040204020203" pitchFamily="34" charset="0"/>
                   <a:ea typeface="Gadugi" panose="020B0502040204020203" pitchFamily="34" charset="0"/>
                   <a:cs typeface="Arial Rounded MT Bold" charset="0"/>
@@ -7048,7 +6678,7 @@
               </a:avLst>
             </a:prstGeom>
             <a:solidFill>
-              <a:srgbClr val="1F8A4C"/>
+              <a:schemeClr val="accent1"/>
             </a:solidFill>
             <a:ln>
               <a:noFill/>
@@ -7210,7 +6840,7 @@
           <p:spPr>
             <a:xfrm>
               <a:off x="3071587" y="1155097"/>
-              <a:ext cx="1178426" cy="415498"/>
+              <a:ext cx="1178426" cy="369332"/>
             </a:xfrm>
             <a:prstGeom prst="rect">
               <a:avLst/>
@@ -7225,7 +6855,7 @@
             <a:p>
               <a:pPr algn="ctr"/>
               <a:r>
-                <a:rPr lang="fr-FR" sz="900" i="1" noProof="1">
+                <a:rPr lang="fr-FR" sz="800" b="1" noProof="1">
                   <a:latin typeface="Gadugi" panose="020B0502040204020203" pitchFamily="34" charset="0"/>
                   <a:ea typeface="Gadugi" panose="020B0502040204020203" pitchFamily="34" charset="0"/>
                   <a:cs typeface="Arial Rounded MT Bold" charset="0"/>
@@ -7233,7 +6863,7 @@
                 <a:t>MPE encapsulation, forged </a:t>
               </a:r>
               <a:r>
-                <a:rPr lang="fr-FR" sz="900" i="1" noProof="1" smtClean="0">
+                <a:rPr lang="fr-FR" sz="800" b="1" noProof="1" smtClean="0">
                   <a:latin typeface="Gadugi" panose="020B0502040204020203" pitchFamily="34" charset="0"/>
                   <a:ea typeface="Gadugi" panose="020B0502040204020203" pitchFamily="34" charset="0"/>
                   <a:cs typeface="Arial Rounded MT Bold" charset="0"/>
@@ -7241,7 +6871,7 @@
                 <a:t>destination : </a:t>
               </a:r>
               <a:r>
-                <a:rPr lang="fr-FR" sz="900" i="1" noProof="1">
+                <a:rPr lang="fr-FR" sz="800" b="1" noProof="1">
                   <a:latin typeface="Gadugi" panose="020B0502040204020203" pitchFamily="34" charset="0"/>
                   <a:ea typeface="Gadugi" panose="020B0502040204020203" pitchFamily="34" charset="0"/>
                   <a:cs typeface="Arial Rounded MT Bold" charset="0"/>
@@ -7304,10 +6934,7 @@
               <a:avLst/>
             </a:prstGeom>
             <a:solidFill>
-              <a:schemeClr val="accent6">
-                <a:lumMod val="40000"/>
-                <a:lumOff val="60000"/>
-              </a:schemeClr>
+              <a:schemeClr val="accent6"/>
             </a:solidFill>
             <a:ln>
               <a:solidFill>
@@ -7452,7 +7079,7 @@
             <p:nvPr/>
           </p:nvPicPr>
           <p:blipFill>
-            <a:blip r:embed="rId3">
+            <a:blip r:embed="rId2">
               <a:extLst>
                 <a:ext uri="{28A0092B-C50C-407E-A947-70E740481C1C}">
                   <a14:useLocalDpi xmlns:a14="http://schemas.microsoft.com/office/drawing/2010/main" val="0"/>
@@ -7560,10 +7187,7 @@
               <a:avLst/>
             </a:prstGeom>
             <a:solidFill>
-              <a:schemeClr val="accent6">
-                <a:lumMod val="40000"/>
-                <a:lumOff val="60000"/>
-              </a:schemeClr>
+              <a:schemeClr val="accent6"/>
             </a:solidFill>
             <a:ln>
               <a:solidFill>
@@ -7732,7 +7356,7 @@
               </a:avLst>
             </a:prstGeom>
             <a:solidFill>
-              <a:srgbClr val="1F8A4C"/>
+              <a:schemeClr val="accent1"/>
             </a:solidFill>
             <a:ln>
               <a:noFill/>
@@ -7770,19 +7394,49 @@
             </a:p>
           </p:txBody>
         </p:sp>
+        <p:pic>
+          <p:nvPicPr>
+            <p:cNvPr id="170" name="Picture 169"/>
+            <p:cNvPicPr>
+              <a:picLocks noChangeAspect="1"/>
+            </p:cNvPicPr>
+            <p:nvPr/>
+          </p:nvPicPr>
+          <p:blipFill>
+            <a:blip r:embed="rId3">
+              <a:extLst>
+                <a:ext uri="{28A0092B-C50C-407E-A947-70E740481C1C}">
+                  <a14:useLocalDpi xmlns:a14="http://schemas.microsoft.com/office/drawing/2010/main" val="0"/>
+                </a:ext>
+              </a:extLst>
+            </a:blip>
+            <a:stretch>
+              <a:fillRect/>
+            </a:stretch>
+          </p:blipFill>
+          <p:spPr>
+            <a:xfrm>
+              <a:off x="5814958" y="2547707"/>
+              <a:ext cx="413355" cy="94481"/>
+            </a:xfrm>
+            <a:prstGeom prst="rect">
+              <a:avLst/>
+            </a:prstGeom>
+          </p:spPr>
+        </p:pic>
       </p:grpSp>
       <p:grpSp>
         <p:nvGrpSpPr>
-          <p:cNvPr id="2" name="Group 1"/>
+          <p:cNvPr id="17" name="Group 16"/>
           <p:cNvGrpSpPr/>
           <p:nvPr/>
         </p:nvGrpSpPr>
         <p:grpSpPr>
           <a:xfrm>
             <a:off x="198903" y="3762901"/>
-            <a:ext cx="6571573" cy="1685639"/>
+            <a:ext cx="6571573" cy="1555101"/>
             <a:chOff x="198903" y="3762901"/>
-            <a:chExt cx="6571573" cy="1685639"/>
+            <a:chExt cx="6571573" cy="1555101"/>
           </a:xfrm>
         </p:grpSpPr>
         <p:sp>
@@ -7802,10 +7456,7 @@
               </a:avLst>
             </a:prstGeom>
             <a:solidFill>
-              <a:schemeClr val="accent6">
-                <a:lumMod val="40000"/>
-                <a:lumOff val="60000"/>
-              </a:schemeClr>
+              <a:schemeClr val="accent6"/>
             </a:solidFill>
             <a:ln>
               <a:noFill/>
@@ -7861,7 +7512,7 @@
               <a:avLst/>
             </a:prstGeom>
             <a:solidFill>
-              <a:srgbClr val="1F8A4C"/>
+              <a:schemeClr val="accent1"/>
             </a:solidFill>
             <a:ln>
               <a:noFill/>
@@ -8019,7 +7670,7 @@
               <a:avLst/>
             </a:prstGeom>
             <a:solidFill>
-              <a:srgbClr val="1F8A4C"/>
+              <a:schemeClr val="accent1"/>
             </a:solidFill>
             <a:ln>
               <a:noFill/>
@@ -8072,7 +7723,7 @@
               <a:avLst/>
             </a:prstGeom>
             <a:solidFill>
-              <a:srgbClr val="1F8A4C"/>
+              <a:schemeClr val="accent1"/>
             </a:solidFill>
             <a:ln>
               <a:noFill/>
@@ -8125,7 +7776,7 @@
               <a:avLst/>
             </a:prstGeom>
             <a:solidFill>
-              <a:srgbClr val="1F8A4C"/>
+              <a:schemeClr val="accent1"/>
             </a:solidFill>
             <a:ln>
               <a:noFill/>
@@ -8183,7 +7834,7 @@
               <a:avLst/>
             </a:prstGeom>
             <a:solidFill>
-              <a:srgbClr val="1F8A4C"/>
+              <a:schemeClr val="accent1"/>
             </a:solidFill>
             <a:ln>
               <a:noFill/>
@@ -8236,7 +7887,7 @@
               <a:avLst/>
             </a:prstGeom>
             <a:solidFill>
-              <a:srgbClr val="1F8A4C"/>
+              <a:schemeClr val="accent1"/>
             </a:solidFill>
             <a:ln>
               <a:noFill/>
@@ -8294,7 +7945,7 @@
               <a:avLst/>
             </a:prstGeom>
             <a:solidFill>
-              <a:srgbClr val="1F8A4C"/>
+              <a:schemeClr val="accent1"/>
             </a:solidFill>
             <a:ln>
               <a:noFill/>
@@ -8352,7 +8003,7 @@
               <a:avLst/>
             </a:prstGeom>
             <a:solidFill>
-              <a:srgbClr val="1F8A4C"/>
+              <a:schemeClr val="accent1"/>
             </a:solidFill>
             <a:ln>
               <a:noFill/>
@@ -8726,10 +8377,7 @@
               </a:avLst>
             </a:prstGeom>
             <a:solidFill>
-              <a:schemeClr val="accent6">
-                <a:lumMod val="40000"/>
-                <a:lumOff val="60000"/>
-              </a:schemeClr>
+              <a:schemeClr val="accent6"/>
             </a:solidFill>
             <a:ln>
               <a:noFill/>
@@ -8785,7 +8433,7 @@
               <a:avLst/>
             </a:prstGeom>
             <a:solidFill>
-              <a:srgbClr val="1F8A4C"/>
+              <a:schemeClr val="accent1"/>
             </a:solidFill>
             <a:ln>
               <a:noFill/>
@@ -8838,7 +8486,7 @@
               <a:avLst/>
             </a:prstGeom>
             <a:solidFill>
-              <a:srgbClr val="1F8A4C"/>
+              <a:schemeClr val="accent1"/>
             </a:solidFill>
             <a:ln>
               <a:noFill/>
@@ -8891,7 +8539,7 @@
               <a:avLst/>
             </a:prstGeom>
             <a:solidFill>
-              <a:srgbClr val="1F8A4C"/>
+              <a:schemeClr val="accent1"/>
             </a:solidFill>
             <a:ln>
               <a:noFill/>
@@ -8944,7 +8592,7 @@
               <a:avLst/>
             </a:prstGeom>
             <a:solidFill>
-              <a:srgbClr val="1F8A4C"/>
+              <a:schemeClr val="accent1"/>
             </a:solidFill>
             <a:ln>
               <a:noFill/>
@@ -9163,10 +8811,7 @@
               </a:avLst>
             </a:prstGeom>
             <a:solidFill>
-              <a:schemeClr val="accent6">
-                <a:lumMod val="40000"/>
-                <a:lumOff val="60000"/>
-              </a:schemeClr>
+              <a:schemeClr val="accent6"/>
             </a:solidFill>
             <a:ln>
               <a:noFill/>
@@ -9222,7 +8867,7 @@
               <a:avLst/>
             </a:prstGeom>
             <a:solidFill>
-              <a:srgbClr val="1F8A4C"/>
+              <a:schemeClr val="accent1"/>
             </a:solidFill>
             <a:ln>
               <a:noFill/>
@@ -9275,7 +8920,7 @@
               <a:avLst/>
             </a:prstGeom>
             <a:solidFill>
-              <a:srgbClr val="1F8A4C"/>
+              <a:schemeClr val="accent1"/>
             </a:solidFill>
             <a:ln>
               <a:noFill/>
@@ -9328,7 +8973,7 @@
               <a:avLst/>
             </a:prstGeom>
             <a:solidFill>
-              <a:srgbClr val="1F8A4C"/>
+              <a:schemeClr val="accent1"/>
             </a:solidFill>
             <a:ln>
               <a:noFill/>
@@ -9381,7 +9026,7 @@
               <a:avLst/>
             </a:prstGeom>
             <a:solidFill>
-              <a:srgbClr val="1F8A4C"/>
+              <a:schemeClr val="accent1"/>
             </a:solidFill>
             <a:ln>
               <a:noFill/>
@@ -9744,10 +9389,7 @@
               </a:avLst>
             </a:prstGeom>
             <a:solidFill>
-              <a:schemeClr val="accent6">
-                <a:lumMod val="40000"/>
-                <a:lumOff val="60000"/>
-              </a:schemeClr>
+              <a:schemeClr val="accent6"/>
             </a:solidFill>
             <a:ln>
               <a:noFill/>
@@ -9803,7 +9445,7 @@
               <a:avLst/>
             </a:prstGeom>
             <a:solidFill>
-              <a:srgbClr val="1F8A4C"/>
+              <a:schemeClr val="accent1"/>
             </a:solidFill>
             <a:ln>
               <a:noFill/>
@@ -9861,7 +9503,7 @@
               <a:avLst/>
             </a:prstGeom>
             <a:solidFill>
-              <a:srgbClr val="1F8A4C"/>
+              <a:schemeClr val="accent1"/>
             </a:solidFill>
             <a:ln>
               <a:noFill/>
@@ -9914,7 +9556,7 @@
               <a:avLst/>
             </a:prstGeom>
             <a:solidFill>
-              <a:srgbClr val="1F8A4C"/>
+              <a:schemeClr val="accent1"/>
             </a:solidFill>
             <a:ln>
               <a:noFill/>
@@ -9967,7 +9609,7 @@
               <a:avLst/>
             </a:prstGeom>
             <a:solidFill>
-              <a:srgbClr val="1F8A4C"/>
+              <a:schemeClr val="accent1"/>
             </a:solidFill>
             <a:ln>
               <a:noFill/>
@@ -10181,10 +9823,7 @@
               </a:avLst>
             </a:prstGeom>
             <a:solidFill>
-              <a:schemeClr val="accent6">
-                <a:lumMod val="40000"/>
-                <a:lumOff val="60000"/>
-              </a:schemeClr>
+              <a:schemeClr val="accent6"/>
             </a:solidFill>
             <a:ln>
               <a:noFill/>
@@ -10240,7 +9879,7 @@
               <a:avLst/>
             </a:prstGeom>
             <a:solidFill>
-              <a:srgbClr val="1F8A4C"/>
+              <a:schemeClr val="accent1"/>
             </a:solidFill>
             <a:ln>
               <a:noFill/>
@@ -10298,7 +9937,7 @@
               <a:avLst/>
             </a:prstGeom>
             <a:solidFill>
-              <a:srgbClr val="1F8A4C"/>
+              <a:schemeClr val="accent1"/>
             </a:solidFill>
             <a:ln>
               <a:noFill/>
@@ -10351,7 +9990,7 @@
               <a:avLst/>
             </a:prstGeom>
             <a:solidFill>
-              <a:srgbClr val="1F8A4C"/>
+              <a:schemeClr val="accent1"/>
             </a:solidFill>
             <a:ln>
               <a:noFill/>
@@ -10404,7 +10043,7 @@
               <a:avLst/>
             </a:prstGeom>
             <a:solidFill>
-              <a:srgbClr val="1F8A4C"/>
+              <a:schemeClr val="accent1"/>
             </a:solidFill>
             <a:ln>
               <a:noFill/>
@@ -10747,82 +10386,38 @@
         </p:cxnSp>
         <p:pic>
           <p:nvPicPr>
-            <p:cNvPr id="241" name="Picture 7" descr="D:\Devel\tsduck\images\tsduck-48.png"/>
+            <p:cNvPr id="171" name="Picture 170"/>
             <p:cNvPicPr>
-              <a:picLocks noChangeAspect="1" noChangeArrowheads="1"/>
+              <a:picLocks noChangeAspect="1"/>
             </p:cNvPicPr>
             <p:nvPr/>
           </p:nvPicPr>
           <p:blipFill>
-            <a:blip r:embed="rId2">
+            <a:blip r:embed="rId3">
               <a:extLst>
                 <a:ext uri="{28A0092B-C50C-407E-A947-70E740481C1C}">
                   <a14:useLocalDpi xmlns:a14="http://schemas.microsoft.com/office/drawing/2010/main" val="0"/>
                 </a:ext>
               </a:extLst>
             </a:blip>
-            <a:srcRect/>
             <a:stretch>
               <a:fillRect/>
             </a:stretch>
           </p:blipFill>
-          <p:spPr bwMode="auto">
-            <a:xfrm>
-              <a:off x="6121585" y="5302490"/>
-              <a:ext cx="146050" cy="146050"/>
+          <p:spPr>
+            <a:xfrm>
+              <a:off x="5833267" y="5223521"/>
+              <a:ext cx="413355" cy="94481"/>
             </a:xfrm>
             <a:prstGeom prst="rect">
               <a:avLst/>
             </a:prstGeom>
-            <a:noFill/>
-            <a:extLst>
-              <a:ext uri="{909E8E84-426E-40DD-AFC4-6F175D3DCCD1}">
-                <a14:hiddenFill xmlns:a14="http://schemas.microsoft.com/office/drawing/2010/main">
-                  <a:solidFill>
-                    <a:srgbClr val="FFFFFF"/>
-                  </a:solidFill>
-                </a14:hiddenFill>
-              </a:ext>
-            </a:extLst>
           </p:spPr>
         </p:pic>
-        <p:sp>
-          <p:nvSpPr>
-            <p:cNvPr id="242" name="ZoneTexte 241"/>
-            <p:cNvSpPr txBox="1"/>
-            <p:nvPr/>
-          </p:nvSpPr>
-          <p:spPr>
-            <a:xfrm>
-              <a:off x="6284834" y="5321654"/>
-              <a:ext cx="302156" cy="92333"/>
-            </a:xfrm>
-            <a:prstGeom prst="rect">
-              <a:avLst/>
-            </a:prstGeom>
-            <a:noFill/>
-          </p:spPr>
-          <p:txBody>
-            <a:bodyPr wrap="square" lIns="0" tIns="0" rIns="0" bIns="0" rtlCol="0">
-              <a:spAutoFit/>
-            </a:bodyPr>
-            <a:lstStyle/>
-            <a:p>
-              <a:r>
-                <a:rPr lang="fr-FR" sz="600" b="1" noProof="1">
-                  <a:latin typeface="Gadugi" panose="020B0502040204020203" pitchFamily="34" charset="0"/>
-                  <a:ea typeface="Gadugi" panose="020B0502040204020203" pitchFamily="34" charset="0"/>
-                  <a:cs typeface="Arial Rounded MT Bold" charset="0"/>
-                </a:rPr>
-                <a:t>TSDuck</a:t>
-              </a:r>
-            </a:p>
-          </p:txBody>
-        </p:sp>
       </p:grpSp>
       <p:grpSp>
         <p:nvGrpSpPr>
-          <p:cNvPr id="7" name="Group 6"/>
+          <p:cNvPr id="18" name="Group 17"/>
           <p:cNvGrpSpPr/>
           <p:nvPr/>
         </p:nvGrpSpPr>
@@ -10834,97 +10429,6 @@
             <a:chExt cx="6393076" cy="2282246"/>
           </a:xfrm>
         </p:grpSpPr>
-        <p:pic>
-          <p:nvPicPr>
-            <p:cNvPr id="240" name="Picture 7" descr="D:\Devel\tsduck\images\tsduck-48.png">
-              <a:extLst>
-                <a:ext uri="{FF2B5EF4-FFF2-40B4-BE49-F238E27FC236}">
-                  <a16:creationId xmlns:a16="http://schemas.microsoft.com/office/drawing/2014/main" id="{7EBDB59B-A971-2145-8D90-DA0176A2FB18}"/>
-                </a:ext>
-              </a:extLst>
-            </p:cNvPr>
-            <p:cNvPicPr>
-              <a:picLocks noChangeAspect="1" noChangeArrowheads="1"/>
-            </p:cNvPicPr>
-            <p:nvPr/>
-          </p:nvPicPr>
-          <p:blipFill>
-            <a:blip r:embed="rId2">
-              <a:extLst>
-                <a:ext uri="{28A0092B-C50C-407E-A947-70E740481C1C}">
-                  <a14:useLocalDpi xmlns:a14="http://schemas.microsoft.com/office/drawing/2010/main" val="0"/>
-                </a:ext>
-              </a:extLst>
-            </a:blip>
-            <a:srcRect/>
-            <a:stretch>
-              <a:fillRect/>
-            </a:stretch>
-          </p:blipFill>
-          <p:spPr bwMode="auto">
-            <a:xfrm>
-              <a:off x="6100518" y="7719271"/>
-              <a:ext cx="126321" cy="126321"/>
-            </a:xfrm>
-            <a:prstGeom prst="rect">
-              <a:avLst/>
-            </a:prstGeom>
-            <a:noFill/>
-            <a:extLst>
-              <a:ext uri="{909E8E84-426E-40DD-AFC4-6F175D3DCCD1}">
-                <a14:hiddenFill xmlns:a14="http://schemas.microsoft.com/office/drawing/2010/main">
-                  <a:solidFill>
-                    <a:srgbClr val="FFFFFF"/>
-                  </a:solidFill>
-                </a14:hiddenFill>
-              </a:ext>
-            </a:extLst>
-          </p:spPr>
-        </p:pic>
-        <p:sp>
-          <p:nvSpPr>
-            <p:cNvPr id="243" name="ZoneTexte 242">
-              <a:extLst>
-                <a:ext uri="{FF2B5EF4-FFF2-40B4-BE49-F238E27FC236}">
-                  <a16:creationId xmlns:a16="http://schemas.microsoft.com/office/drawing/2014/main" id="{24E2D4AE-DD52-8240-8AF5-E8D191EF58B2}"/>
-                </a:ext>
-              </a:extLst>
-            </p:cNvPr>
-            <p:cNvSpPr txBox="1"/>
-            <p:nvPr/>
-          </p:nvSpPr>
-          <p:spPr>
-            <a:xfrm>
-              <a:off x="6254414" y="7736265"/>
-              <a:ext cx="332547" cy="92333"/>
-            </a:xfrm>
-            <a:prstGeom prst="rect">
-              <a:avLst/>
-            </a:prstGeom>
-            <a:noFill/>
-          </p:spPr>
-          <p:txBody>
-            <a:bodyPr wrap="square" lIns="0" tIns="0" rIns="0" bIns="0" rtlCol="0">
-              <a:spAutoFit/>
-            </a:bodyPr>
-            <a:lstStyle/>
-            <a:p>
-              <a:r>
-                <a:rPr lang="fr-FR" sz="600" b="1" noProof="1">
-                  <a:latin typeface="Gadugi" panose="020B0502040204020203" pitchFamily="34" charset="0"/>
-                  <a:ea typeface="Gadugi" panose="020B0502040204020203" pitchFamily="34" charset="0"/>
-                  <a:cs typeface="Arial Rounded MT Bold" charset="0"/>
-                </a:rPr>
-                <a:t>TSDuck</a:t>
-              </a:r>
-              <a:endParaRPr lang="fr-FR" sz="800" b="1" noProof="1">
-                <a:latin typeface="Gadugi" panose="020B0502040204020203" pitchFamily="34" charset="0"/>
-                <a:ea typeface="Gadugi" panose="020B0502040204020203" pitchFamily="34" charset="0"/>
-                <a:cs typeface="Arial Rounded MT Bold" charset="0"/>
-              </a:endParaRPr>
-            </a:p>
-          </p:txBody>
-        </p:sp>
         <p:sp>
           <p:nvSpPr>
             <p:cNvPr id="244" name="Rectangle à coins arrondis 243">
@@ -10948,10 +10452,7 @@
               </a:avLst>
             </a:prstGeom>
             <a:solidFill>
-              <a:schemeClr val="accent6">
-                <a:lumMod val="40000"/>
-                <a:lumOff val="60000"/>
-              </a:schemeClr>
+              <a:schemeClr val="accent6"/>
             </a:solidFill>
             <a:ln>
               <a:noFill/>
@@ -11021,7 +10522,7 @@
               <a:avLst/>
             </a:prstGeom>
             <a:solidFill>
-              <a:srgbClr val="1F8A4C"/>
+              <a:schemeClr val="accent1"/>
             </a:solidFill>
             <a:ln>
               <a:noFill/>
@@ -11085,7 +10586,7 @@
               <a:avLst/>
             </a:prstGeom>
             <a:solidFill>
-              <a:srgbClr val="1F8A4C"/>
+              <a:schemeClr val="accent1"/>
             </a:solidFill>
             <a:ln>
               <a:noFill/>
@@ -11144,7 +10645,7 @@
               <a:avLst/>
             </a:prstGeom>
             <a:solidFill>
-              <a:srgbClr val="1F8A4C"/>
+              <a:schemeClr val="accent1"/>
             </a:solidFill>
             <a:ln>
               <a:noFill/>
@@ -11379,10 +10880,7 @@
               <a:avLst/>
             </a:prstGeom>
             <a:solidFill>
-              <a:schemeClr val="accent6">
-                <a:lumMod val="40000"/>
-                <a:lumOff val="60000"/>
-              </a:schemeClr>
+              <a:schemeClr val="accent6"/>
             </a:solidFill>
             <a:ln>
               <a:solidFill>
@@ -11497,7 +10995,7 @@
             <p:nvPr/>
           </p:nvPicPr>
           <p:blipFill>
-            <a:blip r:embed="rId3">
+            <a:blip r:embed="rId2">
               <a:extLst>
                 <a:ext uri="{28A0092B-C50C-407E-A947-70E740481C1C}">
                   <a14:useLocalDpi xmlns:a14="http://schemas.microsoft.com/office/drawing/2010/main" val="0"/>
@@ -11575,10 +11073,7 @@
               </a:avLst>
             </a:prstGeom>
             <a:solidFill>
-              <a:schemeClr val="accent6">
-                <a:lumMod val="40000"/>
-                <a:lumOff val="60000"/>
-              </a:schemeClr>
+              <a:schemeClr val="accent6"/>
             </a:solidFill>
             <a:ln>
               <a:noFill/>
@@ -11640,7 +11135,7 @@
               <a:avLst/>
             </a:prstGeom>
             <a:solidFill>
-              <a:srgbClr val="1F8A4C"/>
+              <a:schemeClr val="accent1"/>
             </a:solidFill>
             <a:ln>
               <a:noFill/>
@@ -11698,7 +11193,7 @@
               <a:avLst/>
             </a:prstGeom>
             <a:solidFill>
-              <a:srgbClr val="1F8A4C"/>
+              <a:schemeClr val="accent1"/>
             </a:solidFill>
             <a:ln>
               <a:noFill/>
@@ -11858,7 +11353,7 @@
               <a:avLst/>
             </a:prstGeom>
             <a:solidFill>
-              <a:srgbClr val="1F8A4C"/>
+              <a:schemeClr val="accent1"/>
             </a:solidFill>
             <a:ln>
               <a:noFill/>
@@ -11916,7 +11411,7 @@
               <a:avLst/>
             </a:prstGeom>
             <a:solidFill>
-              <a:srgbClr val="1F8A4C"/>
+              <a:schemeClr val="accent1"/>
             </a:solidFill>
             <a:ln>
               <a:noFill/>
@@ -11974,7 +11469,7 @@
               <a:avLst/>
             </a:prstGeom>
             <a:solidFill>
-              <a:srgbClr val="1F8A4C"/>
+              <a:schemeClr val="accent1"/>
             </a:solidFill>
             <a:ln>
               <a:noFill/>
@@ -12227,10 +11722,7 @@
               </a:avLst>
             </a:prstGeom>
             <a:solidFill>
-              <a:schemeClr val="accent6">
-                <a:lumMod val="40000"/>
-                <a:lumOff val="60000"/>
-              </a:schemeClr>
+              <a:schemeClr val="accent6"/>
             </a:solidFill>
             <a:ln>
               <a:noFill/>
@@ -12300,7 +11792,7 @@
               <a:avLst/>
             </a:prstGeom>
             <a:solidFill>
-              <a:srgbClr val="1F8A4C"/>
+              <a:schemeClr val="accent1"/>
             </a:solidFill>
             <a:ln>
               <a:noFill/>
@@ -12358,7 +11850,7 @@
               <a:avLst/>
             </a:prstGeom>
             <a:solidFill>
-              <a:srgbClr val="1F8A4C"/>
+              <a:schemeClr val="accent1"/>
             </a:solidFill>
             <a:ln>
               <a:noFill/>
@@ -12416,7 +11908,7 @@
               <a:avLst/>
             </a:prstGeom>
             <a:solidFill>
-              <a:srgbClr val="1F8A4C"/>
+              <a:schemeClr val="accent1"/>
             </a:solidFill>
             <a:ln>
               <a:noFill/>
@@ -12832,10 +12324,7 @@
               <a:avLst/>
             </a:prstGeom>
             <a:solidFill>
-              <a:schemeClr val="accent6">
-                <a:lumMod val="40000"/>
-                <a:lumOff val="60000"/>
-              </a:schemeClr>
+              <a:schemeClr val="accent6"/>
             </a:solidFill>
             <a:ln>
               <a:solidFill>
@@ -13032,10 +12521,7 @@
               <a:avLst/>
             </a:prstGeom>
             <a:solidFill>
-              <a:schemeClr val="accent6">
-                <a:lumMod val="40000"/>
-                <a:lumOff val="60000"/>
-              </a:schemeClr>
+              <a:schemeClr val="accent6"/>
             </a:solidFill>
             <a:ln>
               <a:solidFill>
@@ -13150,7 +12636,7 @@
             <p:nvPr/>
           </p:nvPicPr>
           <p:blipFill>
-            <a:blip r:embed="rId3">
+            <a:blip r:embed="rId2">
               <a:extLst>
                 <a:ext uri="{28A0092B-C50C-407E-A947-70E740481C1C}">
                   <a14:useLocalDpi xmlns:a14="http://schemas.microsoft.com/office/drawing/2010/main" val="0"/>
@@ -13228,10 +12714,7 @@
               </a:avLst>
             </a:prstGeom>
             <a:solidFill>
-              <a:schemeClr val="accent6">
-                <a:lumMod val="40000"/>
-                <a:lumOff val="60000"/>
-              </a:schemeClr>
+              <a:schemeClr val="accent6"/>
             </a:solidFill>
             <a:ln>
               <a:noFill/>
@@ -13301,7 +12784,7 @@
               <a:avLst/>
             </a:prstGeom>
             <a:solidFill>
-              <a:srgbClr val="1F8A4C"/>
+              <a:schemeClr val="accent1"/>
             </a:solidFill>
             <a:ln>
               <a:noFill/>
@@ -13359,7 +12842,7 @@
               <a:avLst/>
             </a:prstGeom>
             <a:solidFill>
-              <a:srgbClr val="1F8A4C"/>
+              <a:schemeClr val="accent1"/>
             </a:solidFill>
             <a:ln>
               <a:noFill/>
@@ -13417,7 +12900,7 @@
               <a:avLst/>
             </a:prstGeom>
             <a:solidFill>
-              <a:srgbClr val="1F8A4C"/>
+              <a:schemeClr val="accent1"/>
             </a:solidFill>
             <a:ln>
               <a:noFill/>
@@ -13685,6 +13168,36 @@
             </a:p>
           </p:txBody>
         </p:sp>
+        <p:pic>
+          <p:nvPicPr>
+            <p:cNvPr id="291" name="Picture 290"/>
+            <p:cNvPicPr>
+              <a:picLocks noChangeAspect="1"/>
+            </p:cNvPicPr>
+            <p:nvPr/>
+          </p:nvPicPr>
+          <p:blipFill>
+            <a:blip r:embed="rId3">
+              <a:extLst>
+                <a:ext uri="{28A0092B-C50C-407E-A947-70E740481C1C}">
+                  <a14:useLocalDpi xmlns:a14="http://schemas.microsoft.com/office/drawing/2010/main" val="0"/>
+                </a:ext>
+              </a:extLst>
+            </a:blip>
+            <a:stretch>
+              <a:fillRect/>
+            </a:stretch>
+          </p:blipFill>
+          <p:spPr>
+            <a:xfrm>
+              <a:off x="5694122" y="7624821"/>
+              <a:ext cx="413355" cy="94481"/>
+            </a:xfrm>
+            <a:prstGeom prst="rect">
+              <a:avLst/>
+            </a:prstGeom>
+          </p:spPr>
+        </p:pic>
       </p:grpSp>
     </p:spTree>
     <p:extLst>
@@ -13723,2485 +13236,2401 @@
           <a:chExt cx="0" cy="0"/>
         </a:xfrm>
       </p:grpSpPr>
-      <p:sp>
-        <p:nvSpPr>
-          <p:cNvPr id="61" name="Rectangle à coins arrondis 18"/>
-          <p:cNvSpPr/>
+      <p:grpSp>
+        <p:nvGrpSpPr>
+          <p:cNvPr id="2" name="Group 1"/>
+          <p:cNvGrpSpPr/>
           <p:nvPr/>
-        </p:nvSpPr>
-        <p:spPr>
+        </p:nvGrpSpPr>
+        <p:grpSpPr>
           <a:xfrm>
-            <a:off x="2024063" y="1329741"/>
-            <a:ext cx="611435" cy="795465"/>
+            <a:off x="2024062" y="478673"/>
+            <a:ext cx="3168546" cy="2613126"/>
+            <a:chOff x="2024062" y="478673"/>
+            <a:chExt cx="3168546" cy="2613126"/>
           </a:xfrm>
-          <a:prstGeom prst="roundRect">
-            <a:avLst>
-              <a:gd name="adj" fmla="val 0"/>
-            </a:avLst>
-          </a:prstGeom>
-          <a:solidFill>
-            <a:schemeClr val="accent6">
-              <a:lumMod val="40000"/>
-              <a:lumOff val="60000"/>
-            </a:schemeClr>
-          </a:solidFill>
-          <a:ln>
-            <a:noFill/>
-          </a:ln>
-        </p:spPr>
-        <p:style>
-          <a:lnRef idx="2">
-            <a:schemeClr val="accent1">
-              <a:shade val="50000"/>
-            </a:schemeClr>
-          </a:lnRef>
-          <a:fillRef idx="1">
-            <a:schemeClr val="accent1"/>
-          </a:fillRef>
-          <a:effectRef idx="0">
-            <a:schemeClr val="accent1"/>
-          </a:effectRef>
-          <a:fontRef idx="minor">
-            <a:schemeClr val="lt1"/>
-          </a:fontRef>
-        </p:style>
-        <p:txBody>
-          <a:bodyPr tIns="0" bIns="27432" rtlCol="0" anchor="ctr" anchorCtr="0"/>
-          <a:lstStyle/>
-          <a:p>
-            <a:r>
-              <a:rPr lang="fr-FR" sz="600" b="1" noProof="1">
+        </p:grpSpPr>
+        <p:sp>
+          <p:nvSpPr>
+            <p:cNvPr id="61" name="Rectangle à coins arrondis 18"/>
+            <p:cNvSpPr/>
+            <p:nvPr/>
+          </p:nvSpPr>
+          <p:spPr>
+            <a:xfrm>
+              <a:off x="2024063" y="1329741"/>
+              <a:ext cx="611435" cy="795465"/>
+            </a:xfrm>
+            <a:prstGeom prst="roundRect">
+              <a:avLst>
+                <a:gd name="adj" fmla="val 0"/>
+              </a:avLst>
+            </a:prstGeom>
+            <a:solidFill>
+              <a:schemeClr val="accent6"/>
+            </a:solidFill>
+            <a:ln>
+              <a:noFill/>
+            </a:ln>
+          </p:spPr>
+          <p:style>
+            <a:lnRef idx="2">
+              <a:schemeClr val="accent1">
+                <a:shade val="50000"/>
+              </a:schemeClr>
+            </a:lnRef>
+            <a:fillRef idx="1">
+              <a:schemeClr val="accent1"/>
+            </a:fillRef>
+            <a:effectRef idx="0">
+              <a:schemeClr val="accent1"/>
+            </a:effectRef>
+            <a:fontRef idx="minor">
+              <a:schemeClr val="lt1"/>
+            </a:fontRef>
+          </p:style>
+          <p:txBody>
+            <a:bodyPr tIns="0" bIns="27432" rtlCol="0" anchor="ctr" anchorCtr="0"/>
+            <a:lstStyle/>
+            <a:p>
+              <a:r>
+                <a:rPr lang="fr-FR" sz="600" b="1" noProof="1">
+                  <a:solidFill>
+                    <a:schemeClr val="tx1"/>
+                  </a:solidFill>
+                  <a:latin typeface="Gadugi" panose="020B0502040204020203" pitchFamily="34" charset="0"/>
+                  <a:ea typeface="Gadugi" panose="020B0502040204020203" pitchFamily="34" charset="0"/>
+                  <a:cs typeface="Arial" panose="020B0604020202020204" pitchFamily="34" charset="0"/>
+                </a:rPr>
+                <a:t>TSDuck </a:t>
+              </a:r>
+              <a:r>
+                <a:rPr lang="fr-FR" sz="600" b="1" noProof="1" smtClean="0">
+                  <a:solidFill>
+                    <a:schemeClr val="tx1"/>
+                  </a:solidFill>
+                  <a:latin typeface="Gadugi" panose="020B0502040204020203" pitchFamily="34" charset="0"/>
+                  <a:ea typeface="Gadugi" panose="020B0502040204020203" pitchFamily="34" charset="0"/>
+                  <a:cs typeface="Arial" panose="020B0604020202020204" pitchFamily="34" charset="0"/>
+                </a:rPr>
+                <a:t>C++ library</a:t>
+              </a:r>
+              <a:endParaRPr lang="fr-FR" sz="600" b="1" noProof="1">
                 <a:solidFill>
                   <a:schemeClr val="tx1"/>
                 </a:solidFill>
                 <a:latin typeface="Gadugi" panose="020B0502040204020203" pitchFamily="34" charset="0"/>
                 <a:ea typeface="Gadugi" panose="020B0502040204020203" pitchFamily="34" charset="0"/>
                 <a:cs typeface="Arial" panose="020B0604020202020204" pitchFamily="34" charset="0"/>
-              </a:rPr>
-              <a:t>TSDuck </a:t>
-            </a:r>
-            <a:r>
-              <a:rPr lang="fr-FR" sz="600" b="1" noProof="1" smtClean="0">
+              </a:endParaRPr>
+            </a:p>
+          </p:txBody>
+        </p:sp>
+        <p:sp>
+          <p:nvSpPr>
+            <p:cNvPr id="52" name="Rectangle à coins arrondis 18"/>
+            <p:cNvSpPr/>
+            <p:nvPr/>
+          </p:nvSpPr>
+          <p:spPr>
+            <a:xfrm>
+              <a:off x="2024064" y="1043799"/>
+              <a:ext cx="3168543" cy="358454"/>
+            </a:xfrm>
+            <a:prstGeom prst="roundRect">
+              <a:avLst>
+                <a:gd name="adj" fmla="val 3969"/>
+              </a:avLst>
+            </a:prstGeom>
+            <a:solidFill>
+              <a:schemeClr val="accent6"/>
+            </a:solidFill>
+            <a:ln>
+              <a:noFill/>
+            </a:ln>
+          </p:spPr>
+          <p:style>
+            <a:lnRef idx="2">
+              <a:schemeClr val="accent1">
+                <a:shade val="50000"/>
+              </a:schemeClr>
+            </a:lnRef>
+            <a:fillRef idx="1">
+              <a:schemeClr val="accent1"/>
+            </a:fillRef>
+            <a:effectRef idx="0">
+              <a:schemeClr val="accent1"/>
+            </a:effectRef>
+            <a:fontRef idx="minor">
+              <a:schemeClr val="lt1"/>
+            </a:fontRef>
+          </p:style>
+          <p:txBody>
+            <a:bodyPr tIns="0" bIns="27432" rtlCol="0" anchor="b" anchorCtr="0"/>
+            <a:lstStyle/>
+            <a:p>
+              <a:endParaRPr lang="fr-FR" sz="600" b="1" noProof="1">
                 <a:solidFill>
                   <a:schemeClr val="tx1"/>
                 </a:solidFill>
                 <a:latin typeface="Gadugi" panose="020B0502040204020203" pitchFamily="34" charset="0"/>
                 <a:ea typeface="Gadugi" panose="020B0502040204020203" pitchFamily="34" charset="0"/>
                 <a:cs typeface="Arial" panose="020B0604020202020204" pitchFamily="34" charset="0"/>
-              </a:rPr>
-              <a:t>C++ library</a:t>
-            </a:r>
-            <a:endParaRPr lang="fr-FR" sz="600" b="1" noProof="1">
+              </a:endParaRPr>
+            </a:p>
+          </p:txBody>
+        </p:sp>
+        <p:cxnSp>
+          <p:nvCxnSpPr>
+            <p:cNvPr id="66" name="Connecteur droit avec flèche 65"/>
+            <p:cNvCxnSpPr/>
+            <p:nvPr/>
+          </p:nvCxnSpPr>
+          <p:spPr>
+            <a:xfrm>
+              <a:off x="4749636" y="1952755"/>
+              <a:ext cx="0" cy="138564"/>
+            </a:xfrm>
+            <a:prstGeom prst="straightConnector1">
+              <a:avLst/>
+            </a:prstGeom>
+            <a:ln w="19050">
               <a:solidFill>
                 <a:schemeClr val="tx1"/>
               </a:solidFill>
-              <a:latin typeface="Gadugi" panose="020B0502040204020203" pitchFamily="34" charset="0"/>
-              <a:ea typeface="Gadugi" panose="020B0502040204020203" pitchFamily="34" charset="0"/>
-              <a:cs typeface="Arial" panose="020B0604020202020204" pitchFamily="34" charset="0"/>
-            </a:endParaRPr>
-          </a:p>
-        </p:txBody>
-      </p:sp>
-      <p:sp>
-        <p:nvSpPr>
-          <p:cNvPr id="52" name="Rectangle à coins arrondis 18"/>
-          <p:cNvSpPr/>
-          <p:nvPr/>
-        </p:nvSpPr>
-        <p:spPr>
-          <a:xfrm>
-            <a:off x="2024064" y="1043799"/>
-            <a:ext cx="3168543" cy="358454"/>
-          </a:xfrm>
-          <a:prstGeom prst="roundRect">
-            <a:avLst>
-              <a:gd name="adj" fmla="val 3969"/>
-            </a:avLst>
-          </a:prstGeom>
-          <a:solidFill>
-            <a:schemeClr val="accent6">
-              <a:lumMod val="40000"/>
-              <a:lumOff val="60000"/>
-            </a:schemeClr>
-          </a:solidFill>
-          <a:ln>
-            <a:noFill/>
-          </a:ln>
-        </p:spPr>
-        <p:style>
-          <a:lnRef idx="2">
-            <a:schemeClr val="accent1">
-              <a:shade val="50000"/>
-            </a:schemeClr>
-          </a:lnRef>
-          <a:fillRef idx="1">
-            <a:schemeClr val="accent1"/>
-          </a:fillRef>
-          <a:effectRef idx="0">
-            <a:schemeClr val="accent1"/>
-          </a:effectRef>
-          <a:fontRef idx="minor">
-            <a:schemeClr val="lt1"/>
-          </a:fontRef>
-        </p:style>
-        <p:txBody>
-          <a:bodyPr tIns="0" bIns="27432" rtlCol="0" anchor="b" anchorCtr="0"/>
-          <a:lstStyle/>
-          <a:p>
-            <a:endParaRPr lang="fr-FR" sz="600" b="1" noProof="1">
+              <a:prstDash val="solid"/>
+              <a:tailEnd type="triangle" w="sm" len="med"/>
+            </a:ln>
+          </p:spPr>
+          <p:style>
+            <a:lnRef idx="1">
+              <a:schemeClr val="accent1"/>
+            </a:lnRef>
+            <a:fillRef idx="0">
+              <a:schemeClr val="accent1"/>
+            </a:fillRef>
+            <a:effectRef idx="0">
+              <a:schemeClr val="accent1"/>
+            </a:effectRef>
+            <a:fontRef idx="minor">
+              <a:schemeClr val="tx1"/>
+            </a:fontRef>
+          </p:style>
+        </p:cxnSp>
+        <p:cxnSp>
+          <p:nvCxnSpPr>
+            <p:cNvPr id="32" name="Connecteur droit avec flèche 31"/>
+            <p:cNvCxnSpPr/>
+            <p:nvPr/>
+          </p:nvCxnSpPr>
+          <p:spPr>
+            <a:xfrm>
+              <a:off x="3510631" y="1956857"/>
+              <a:ext cx="0" cy="138564"/>
+            </a:xfrm>
+            <a:prstGeom prst="straightConnector1">
+              <a:avLst/>
+            </a:prstGeom>
+            <a:ln w="19050">
               <a:solidFill>
                 <a:schemeClr val="tx1"/>
               </a:solidFill>
-              <a:latin typeface="Gadugi" panose="020B0502040204020203" pitchFamily="34" charset="0"/>
-              <a:ea typeface="Gadugi" panose="020B0502040204020203" pitchFamily="34" charset="0"/>
-              <a:cs typeface="Arial" panose="020B0604020202020204" pitchFamily="34" charset="0"/>
-            </a:endParaRPr>
-          </a:p>
-        </p:txBody>
-      </p:sp>
-      <p:cxnSp>
-        <p:nvCxnSpPr>
-          <p:cNvPr id="66" name="Connecteur droit avec flèche 65"/>
-          <p:cNvCxnSpPr/>
-          <p:nvPr/>
-        </p:nvCxnSpPr>
-        <p:spPr>
-          <a:xfrm>
-            <a:off x="4749636" y="1952755"/>
-            <a:ext cx="0" cy="138564"/>
-          </a:xfrm>
-          <a:prstGeom prst="straightConnector1">
-            <a:avLst/>
-          </a:prstGeom>
-          <a:ln w="19050">
+              <a:prstDash val="solid"/>
+              <a:tailEnd type="triangle" w="sm" len="med"/>
+            </a:ln>
+          </p:spPr>
+          <p:style>
+            <a:lnRef idx="1">
+              <a:schemeClr val="accent1"/>
+            </a:lnRef>
+            <a:fillRef idx="0">
+              <a:schemeClr val="accent1"/>
+            </a:fillRef>
+            <a:effectRef idx="0">
+              <a:schemeClr val="accent1"/>
+            </a:effectRef>
+            <a:fontRef idx="minor">
+              <a:schemeClr val="tx1"/>
+            </a:fontRef>
+          </p:style>
+        </p:cxnSp>
+        <p:sp>
+          <p:nvSpPr>
+            <p:cNvPr id="4" name="Rectangle à coins arrondis 3"/>
+            <p:cNvSpPr/>
+            <p:nvPr/>
+          </p:nvSpPr>
+          <p:spPr>
+            <a:xfrm>
+              <a:off x="3446839" y="2540909"/>
+              <a:ext cx="1745768" cy="411831"/>
+            </a:xfrm>
+            <a:prstGeom prst="roundRect">
+              <a:avLst>
+                <a:gd name="adj" fmla="val 3969"/>
+              </a:avLst>
+            </a:prstGeom>
             <a:solidFill>
-              <a:schemeClr val="tx1"/>
+              <a:schemeClr val="bg1">
+                <a:lumMod val="85000"/>
+              </a:schemeClr>
             </a:solidFill>
-            <a:prstDash val="solid"/>
-            <a:tailEnd type="triangle" w="sm" len="med"/>
-          </a:ln>
-        </p:spPr>
-        <p:style>
-          <a:lnRef idx="1">
-            <a:schemeClr val="accent1"/>
-          </a:lnRef>
-          <a:fillRef idx="0">
-            <a:schemeClr val="accent1"/>
-          </a:fillRef>
-          <a:effectRef idx="0">
-            <a:schemeClr val="accent1"/>
-          </a:effectRef>
-          <a:fontRef idx="minor">
-            <a:schemeClr val="tx1"/>
-          </a:fontRef>
-        </p:style>
-      </p:cxnSp>
-      <p:cxnSp>
-        <p:nvCxnSpPr>
-          <p:cNvPr id="32" name="Connecteur droit avec flèche 31"/>
-          <p:cNvCxnSpPr/>
-          <p:nvPr/>
-        </p:nvCxnSpPr>
-        <p:spPr>
-          <a:xfrm>
-            <a:off x="3510631" y="1956857"/>
-            <a:ext cx="0" cy="138564"/>
-          </a:xfrm>
-          <a:prstGeom prst="straightConnector1">
-            <a:avLst/>
-          </a:prstGeom>
-          <a:ln w="19050">
+            <a:ln>
+              <a:noFill/>
+            </a:ln>
+          </p:spPr>
+          <p:style>
+            <a:lnRef idx="2">
+              <a:schemeClr val="accent1">
+                <a:shade val="50000"/>
+              </a:schemeClr>
+            </a:lnRef>
+            <a:fillRef idx="1">
+              <a:schemeClr val="accent1"/>
+            </a:fillRef>
+            <a:effectRef idx="0">
+              <a:schemeClr val="accent1"/>
+            </a:effectRef>
+            <a:fontRef idx="minor">
+              <a:schemeClr val="lt1"/>
+            </a:fontRef>
+          </p:style>
+          <p:txBody>
+            <a:bodyPr tIns="18288" rtlCol="0" anchor="t" anchorCtr="0"/>
+            <a:lstStyle/>
+            <a:p>
+              <a:r>
+                <a:rPr lang="fr-FR" sz="600" b="1" noProof="1">
+                  <a:solidFill>
+                    <a:schemeClr val="tx1"/>
+                  </a:solidFill>
+                  <a:latin typeface="Gadugi" panose="020B0502040204020203" pitchFamily="34" charset="0"/>
+                  <a:ea typeface="Gadugi" panose="020B0502040204020203" pitchFamily="34" charset="0"/>
+                  <a:cs typeface="Arial" panose="020B0604020202020204" pitchFamily="34" charset="0"/>
+                </a:rPr>
+                <a:t>Operating System</a:t>
+              </a:r>
+            </a:p>
+          </p:txBody>
+        </p:sp>
+        <p:sp>
+          <p:nvSpPr>
+            <p:cNvPr id="6" name="Rectangle à coins arrondis 5"/>
+            <p:cNvSpPr/>
+            <p:nvPr/>
+          </p:nvSpPr>
+          <p:spPr>
+            <a:xfrm>
+              <a:off x="3517223" y="2688417"/>
+              <a:ext cx="461985" cy="201219"/>
+            </a:xfrm>
+            <a:prstGeom prst="roundRect">
+              <a:avLst/>
+            </a:prstGeom>
             <a:solidFill>
-              <a:schemeClr val="tx1"/>
+              <a:schemeClr val="bg1">
+                <a:lumMod val="50000"/>
+              </a:schemeClr>
             </a:solidFill>
-            <a:prstDash val="solid"/>
-            <a:tailEnd type="triangle" w="sm" len="med"/>
-          </a:ln>
-        </p:spPr>
-        <p:style>
-          <a:lnRef idx="1">
-            <a:schemeClr val="accent1"/>
-          </a:lnRef>
-          <a:fillRef idx="0">
-            <a:schemeClr val="accent1"/>
-          </a:fillRef>
-          <a:effectRef idx="0">
-            <a:schemeClr val="accent1"/>
-          </a:effectRef>
-          <a:fontRef idx="minor">
-            <a:schemeClr val="tx1"/>
-          </a:fontRef>
-        </p:style>
-      </p:cxnSp>
-      <p:sp>
-        <p:nvSpPr>
-          <p:cNvPr id="4" name="Rectangle à coins arrondis 3"/>
-          <p:cNvSpPr/>
-          <p:nvPr/>
-        </p:nvSpPr>
-        <p:spPr>
-          <a:xfrm>
-            <a:off x="3446839" y="2540909"/>
-            <a:ext cx="1745768" cy="411831"/>
-          </a:xfrm>
-          <a:prstGeom prst="roundRect">
-            <a:avLst>
-              <a:gd name="adj" fmla="val 3969"/>
-            </a:avLst>
-          </a:prstGeom>
-          <a:solidFill>
-            <a:schemeClr val="bg1">
-              <a:lumMod val="85000"/>
-            </a:schemeClr>
-          </a:solidFill>
-          <a:ln>
-            <a:noFill/>
-          </a:ln>
-        </p:spPr>
-        <p:style>
-          <a:lnRef idx="2">
-            <a:schemeClr val="accent1">
-              <a:shade val="50000"/>
-            </a:schemeClr>
-          </a:lnRef>
-          <a:fillRef idx="1">
-            <a:schemeClr val="accent1"/>
-          </a:fillRef>
-          <a:effectRef idx="0">
-            <a:schemeClr val="accent1"/>
-          </a:effectRef>
-          <a:fontRef idx="minor">
-            <a:schemeClr val="lt1"/>
-          </a:fontRef>
-        </p:style>
-        <p:txBody>
-          <a:bodyPr tIns="18288" rtlCol="0" anchor="t" anchorCtr="0"/>
-          <a:lstStyle/>
-          <a:p>
-            <a:r>
-              <a:rPr lang="fr-FR" sz="600" b="1" noProof="1">
+            <a:ln>
+              <a:noFill/>
+            </a:ln>
+          </p:spPr>
+          <p:style>
+            <a:lnRef idx="2">
+              <a:schemeClr val="accent1">
+                <a:shade val="50000"/>
+              </a:schemeClr>
+            </a:lnRef>
+            <a:fillRef idx="1">
+              <a:schemeClr val="accent1"/>
+            </a:fillRef>
+            <a:effectRef idx="0">
+              <a:schemeClr val="accent1"/>
+            </a:effectRef>
+            <a:fontRef idx="minor">
+              <a:schemeClr val="lt1"/>
+            </a:fontRef>
+          </p:style>
+          <p:txBody>
+            <a:bodyPr lIns="36000" rIns="36000" rtlCol="0" anchor="ctr"/>
+            <a:lstStyle/>
+            <a:p>
+              <a:pPr algn="ctr"/>
+              <a:r>
+                <a:rPr lang="fr-FR" sz="600" b="1" noProof="1">
+                  <a:latin typeface="Gadugi" panose="020B0502040204020203" pitchFamily="34" charset="0"/>
+                  <a:ea typeface="Gadugi" panose="020B0502040204020203" pitchFamily="34" charset="0"/>
+                  <a:cs typeface="Arial" panose="020B0604020202020204" pitchFamily="34" charset="0"/>
+                </a:rPr>
+                <a:t>Windows</a:t>
+              </a:r>
+            </a:p>
+          </p:txBody>
+        </p:sp>
+        <p:sp>
+          <p:nvSpPr>
+            <p:cNvPr id="19" name="Rectangle à coins arrondis 18"/>
+            <p:cNvSpPr/>
+            <p:nvPr/>
+          </p:nvSpPr>
+          <p:spPr>
+            <a:xfrm>
+              <a:off x="2024062" y="2081356"/>
+              <a:ext cx="3168546" cy="356684"/>
+            </a:xfrm>
+            <a:prstGeom prst="roundRect">
+              <a:avLst>
+                <a:gd name="adj" fmla="val 3969"/>
+              </a:avLst>
+            </a:prstGeom>
+            <a:solidFill>
+              <a:schemeClr val="accent6"/>
+            </a:solidFill>
+            <a:ln>
+              <a:noFill/>
+            </a:ln>
+          </p:spPr>
+          <p:style>
+            <a:lnRef idx="2">
+              <a:schemeClr val="accent1">
+                <a:shade val="50000"/>
+              </a:schemeClr>
+            </a:lnRef>
+            <a:fillRef idx="1">
+              <a:schemeClr val="accent1"/>
+            </a:fillRef>
+            <a:effectRef idx="0">
+              <a:schemeClr val="accent1"/>
+            </a:effectRef>
+            <a:fontRef idx="minor">
+              <a:schemeClr val="lt1"/>
+            </a:fontRef>
+          </p:style>
+          <p:txBody>
+            <a:bodyPr tIns="0" bIns="27432" rtlCol="0" anchor="b" anchorCtr="0"/>
+            <a:lstStyle/>
+            <a:p>
+              <a:endParaRPr lang="fr-FR" sz="600" b="1" noProof="1">
                 <a:solidFill>
                   <a:schemeClr val="tx1"/>
                 </a:solidFill>
                 <a:latin typeface="Gadugi" panose="020B0502040204020203" pitchFamily="34" charset="0"/>
                 <a:ea typeface="Gadugi" panose="020B0502040204020203" pitchFamily="34" charset="0"/>
                 <a:cs typeface="Arial" panose="020B0604020202020204" pitchFamily="34" charset="0"/>
-              </a:rPr>
-              <a:t>Operating System</a:t>
-            </a:r>
-          </a:p>
-        </p:txBody>
-      </p:sp>
-      <p:sp>
-        <p:nvSpPr>
-          <p:cNvPr id="6" name="Rectangle à coins arrondis 5"/>
-          <p:cNvSpPr/>
-          <p:nvPr/>
-        </p:nvSpPr>
-        <p:spPr>
-          <a:xfrm>
-            <a:off x="3517223" y="2688417"/>
-            <a:ext cx="461985" cy="201219"/>
-          </a:xfrm>
-          <a:prstGeom prst="roundRect">
-            <a:avLst/>
-          </a:prstGeom>
-          <a:solidFill>
-            <a:schemeClr val="bg1">
-              <a:lumMod val="50000"/>
-            </a:schemeClr>
-          </a:solidFill>
-          <a:ln>
-            <a:noFill/>
-          </a:ln>
-        </p:spPr>
-        <p:style>
-          <a:lnRef idx="2">
-            <a:schemeClr val="accent1">
-              <a:shade val="50000"/>
-            </a:schemeClr>
-          </a:lnRef>
-          <a:fillRef idx="1">
-            <a:schemeClr val="accent1"/>
-          </a:fillRef>
-          <a:effectRef idx="0">
-            <a:schemeClr val="accent1"/>
-          </a:effectRef>
-          <a:fontRef idx="minor">
-            <a:schemeClr val="lt1"/>
-          </a:fontRef>
-        </p:style>
-        <p:txBody>
-          <a:bodyPr lIns="36000" rIns="36000" rtlCol="0" anchor="ctr"/>
-          <a:lstStyle/>
-          <a:p>
-            <a:pPr algn="ctr"/>
-            <a:r>
-              <a:rPr lang="fr-FR" sz="600" b="1" noProof="1">
+              </a:endParaRPr>
+            </a:p>
+          </p:txBody>
+        </p:sp>
+        <p:sp>
+          <p:nvSpPr>
+            <p:cNvPr id="21" name="Rectangle à coins arrondis 20"/>
+            <p:cNvSpPr/>
+            <p:nvPr/>
+          </p:nvSpPr>
+          <p:spPr>
+            <a:xfrm>
+              <a:off x="3214688" y="2134732"/>
+              <a:ext cx="848293" cy="221341"/>
+            </a:xfrm>
+            <a:prstGeom prst="roundRect">
+              <a:avLst/>
+            </a:prstGeom>
+            <a:solidFill>
+              <a:schemeClr val="accent1"/>
+            </a:solidFill>
+            <a:ln>
+              <a:noFill/>
+            </a:ln>
+          </p:spPr>
+          <p:style>
+            <a:lnRef idx="2">
+              <a:schemeClr val="accent1">
+                <a:shade val="50000"/>
+              </a:schemeClr>
+            </a:lnRef>
+            <a:fillRef idx="1">
+              <a:schemeClr val="accent1"/>
+            </a:fillRef>
+            <a:effectRef idx="0">
+              <a:schemeClr val="accent1"/>
+            </a:effectRef>
+            <a:fontRef idx="minor">
+              <a:schemeClr val="lt1"/>
+            </a:fontRef>
+          </p:style>
+          <p:txBody>
+            <a:bodyPr lIns="36000" tIns="27432" rIns="36000" rtlCol="0" anchor="ctr"/>
+            <a:lstStyle/>
+            <a:p>
+              <a:pPr algn="ctr"/>
+              <a:r>
+                <a:rPr lang="fr-FR" sz="600" b="1" noProof="1">
+                  <a:latin typeface="Gadugi" panose="020B0502040204020203" pitchFamily="34" charset="0"/>
+                  <a:ea typeface="Gadugi" panose="020B0502040204020203" pitchFamily="34" charset="0"/>
+                  <a:cs typeface="Arial" panose="020B0604020202020204" pitchFamily="34" charset="0"/>
+                </a:rPr>
+                <a:t>C++ utilities</a:t>
+              </a:r>
+            </a:p>
+          </p:txBody>
+        </p:sp>
+        <p:sp>
+          <p:nvSpPr>
+            <p:cNvPr id="23" name="Rectangle à coins arrondis 22"/>
+            <p:cNvSpPr/>
+            <p:nvPr/>
+          </p:nvSpPr>
+          <p:spPr>
+            <a:xfrm>
+              <a:off x="4078552" y="2688417"/>
+              <a:ext cx="461985" cy="201219"/>
+            </a:xfrm>
+            <a:prstGeom prst="roundRect">
+              <a:avLst/>
+            </a:prstGeom>
+            <a:solidFill>
+              <a:schemeClr val="bg1">
+                <a:lumMod val="50000"/>
+              </a:schemeClr>
+            </a:solidFill>
+            <a:ln>
+              <a:noFill/>
+            </a:ln>
+          </p:spPr>
+          <p:style>
+            <a:lnRef idx="2">
+              <a:schemeClr val="accent1">
+                <a:shade val="50000"/>
+              </a:schemeClr>
+            </a:lnRef>
+            <a:fillRef idx="1">
+              <a:schemeClr val="accent1"/>
+            </a:fillRef>
+            <a:effectRef idx="0">
+              <a:schemeClr val="accent1"/>
+            </a:effectRef>
+            <a:fontRef idx="minor">
+              <a:schemeClr val="lt1"/>
+            </a:fontRef>
+          </p:style>
+          <p:txBody>
+            <a:bodyPr lIns="36000" rIns="36000" rtlCol="0" anchor="ctr"/>
+            <a:lstStyle/>
+            <a:p>
+              <a:pPr algn="ctr"/>
+              <a:r>
+                <a:rPr lang="fr-FR" sz="600" b="1" noProof="1">
+                  <a:latin typeface="Gadugi" panose="020B0502040204020203" pitchFamily="34" charset="0"/>
+                  <a:ea typeface="Gadugi" panose="020B0502040204020203" pitchFamily="34" charset="0"/>
+                  <a:cs typeface="Arial" panose="020B0604020202020204" pitchFamily="34" charset="0"/>
+                </a:rPr>
+                <a:t>Linux</a:t>
+              </a:r>
+            </a:p>
+          </p:txBody>
+        </p:sp>
+        <p:sp>
+          <p:nvSpPr>
+            <p:cNvPr id="24" name="Rectangle à coins arrondis 23"/>
+            <p:cNvSpPr/>
+            <p:nvPr/>
+          </p:nvSpPr>
+          <p:spPr>
+            <a:xfrm>
+              <a:off x="4635118" y="2688417"/>
+              <a:ext cx="461985" cy="201219"/>
+            </a:xfrm>
+            <a:prstGeom prst="roundRect">
+              <a:avLst/>
+            </a:prstGeom>
+            <a:solidFill>
+              <a:schemeClr val="bg1">
+                <a:lumMod val="50000"/>
+              </a:schemeClr>
+            </a:solidFill>
+            <a:ln>
+              <a:noFill/>
+            </a:ln>
+          </p:spPr>
+          <p:style>
+            <a:lnRef idx="2">
+              <a:schemeClr val="accent1">
+                <a:shade val="50000"/>
+              </a:schemeClr>
+            </a:lnRef>
+            <a:fillRef idx="1">
+              <a:schemeClr val="accent1"/>
+            </a:fillRef>
+            <a:effectRef idx="0">
+              <a:schemeClr val="accent1"/>
+            </a:effectRef>
+            <a:fontRef idx="minor">
+              <a:schemeClr val="lt1"/>
+            </a:fontRef>
+          </p:style>
+          <p:txBody>
+            <a:bodyPr lIns="36000" rIns="36000" rtlCol="0" anchor="ctr"/>
+            <a:lstStyle/>
+            <a:p>
+              <a:pPr algn="ctr"/>
+              <a:r>
+                <a:rPr lang="fr-FR" sz="600" b="1" noProof="1">
+                  <a:latin typeface="Gadugi" panose="020B0502040204020203" pitchFamily="34" charset="0"/>
+                  <a:ea typeface="Gadugi" panose="020B0502040204020203" pitchFamily="34" charset="0"/>
+                  <a:cs typeface="Arial" panose="020B0604020202020204" pitchFamily="34" charset="0"/>
+                </a:rPr>
+                <a:t>macOS</a:t>
+              </a:r>
+            </a:p>
+          </p:txBody>
+        </p:sp>
+        <p:sp>
+          <p:nvSpPr>
+            <p:cNvPr id="28" name="Rectangle à coins arrondis 27"/>
+            <p:cNvSpPr/>
+            <p:nvPr/>
+          </p:nvSpPr>
+          <p:spPr>
+            <a:xfrm>
+              <a:off x="2836065" y="1548394"/>
+              <a:ext cx="1344619" cy="411831"/>
+            </a:xfrm>
+            <a:prstGeom prst="roundRect">
+              <a:avLst>
+                <a:gd name="adj" fmla="val 3969"/>
+              </a:avLst>
+            </a:prstGeom>
+            <a:solidFill>
+              <a:schemeClr val="accent6"/>
+            </a:solidFill>
+            <a:ln>
+              <a:noFill/>
+            </a:ln>
+          </p:spPr>
+          <p:style>
+            <a:lnRef idx="2">
+              <a:schemeClr val="accent1">
+                <a:shade val="50000"/>
+              </a:schemeClr>
+            </a:lnRef>
+            <a:fillRef idx="1">
+              <a:schemeClr val="accent1"/>
+            </a:fillRef>
+            <a:effectRef idx="0">
+              <a:schemeClr val="accent1"/>
+            </a:effectRef>
+            <a:fontRef idx="minor">
+              <a:schemeClr val="lt1"/>
+            </a:fontRef>
+          </p:style>
+          <p:txBody>
+            <a:bodyPr tIns="18288" rtlCol="0" anchor="t" anchorCtr="0"/>
+            <a:lstStyle/>
+            <a:p>
+              <a:r>
+                <a:rPr lang="fr-FR" sz="600" b="1" noProof="1">
+                  <a:solidFill>
+                    <a:schemeClr val="tx1"/>
+                  </a:solidFill>
+                  <a:latin typeface="Gadugi" panose="020B0502040204020203" pitchFamily="34" charset="0"/>
+                  <a:ea typeface="Gadugi" panose="020B0502040204020203" pitchFamily="34" charset="0"/>
+                  <a:cs typeface="Arial" panose="020B0604020202020204" pitchFamily="34" charset="0"/>
+                </a:rPr>
+                <a:t>TSDuck plugins</a:t>
+              </a:r>
+            </a:p>
+          </p:txBody>
+        </p:sp>
+        <p:sp>
+          <p:nvSpPr>
+            <p:cNvPr id="29" name="Rectangle à coins arrondis 28"/>
+            <p:cNvSpPr/>
+            <p:nvPr/>
+          </p:nvSpPr>
+          <p:spPr>
+            <a:xfrm>
+              <a:off x="2905121" y="1677141"/>
+              <a:ext cx="575218" cy="228600"/>
+            </a:xfrm>
+            <a:prstGeom prst="roundRect">
+              <a:avLst/>
+            </a:prstGeom>
+            <a:solidFill>
+              <a:schemeClr val="accent1"/>
+            </a:solidFill>
+            <a:ln>
+              <a:noFill/>
+            </a:ln>
+          </p:spPr>
+          <p:style>
+            <a:lnRef idx="2">
+              <a:schemeClr val="accent1">
+                <a:shade val="50000"/>
+              </a:schemeClr>
+            </a:lnRef>
+            <a:fillRef idx="1">
+              <a:schemeClr val="accent1"/>
+            </a:fillRef>
+            <a:effectRef idx="0">
+              <a:schemeClr val="accent1"/>
+            </a:effectRef>
+            <a:fontRef idx="minor">
+              <a:schemeClr val="lt1"/>
+            </a:fontRef>
+          </p:style>
+          <p:txBody>
+            <a:bodyPr lIns="36000" tIns="27432" rIns="36000" rtlCol="0" anchor="ctr"/>
+            <a:lstStyle/>
+            <a:p>
+              <a:pPr algn="ctr"/>
+              <a:r>
+                <a:rPr lang="fr-FR" sz="600" b="1" noProof="1" smtClean="0">
+                  <a:latin typeface="Gadugi" panose="020B0502040204020203" pitchFamily="34" charset="0"/>
+                  <a:ea typeface="Gadugi" panose="020B0502040204020203" pitchFamily="34" charset="0"/>
+                  <a:cs typeface="Arial" panose="020B0604020202020204" pitchFamily="34" charset="0"/>
+                </a:rPr>
+                <a:t>packet</a:t>
+              </a:r>
+              <a:br>
+                <a:rPr lang="fr-FR" sz="600" b="1" noProof="1" smtClean="0">
+                  <a:latin typeface="Gadugi" panose="020B0502040204020203" pitchFamily="34" charset="0"/>
+                  <a:ea typeface="Gadugi" panose="020B0502040204020203" pitchFamily="34" charset="0"/>
+                  <a:cs typeface="Arial" panose="020B0604020202020204" pitchFamily="34" charset="0"/>
+                </a:rPr>
+              </a:br>
+              <a:r>
+                <a:rPr lang="fr-FR" sz="600" b="1" noProof="1" smtClean="0">
+                  <a:latin typeface="Gadugi" panose="020B0502040204020203" pitchFamily="34" charset="0"/>
+                  <a:ea typeface="Gadugi" panose="020B0502040204020203" pitchFamily="34" charset="0"/>
+                  <a:cs typeface="Arial" panose="020B0604020202020204" pitchFamily="34" charset="0"/>
+                </a:rPr>
+                <a:t>processing</a:t>
+              </a:r>
+              <a:endParaRPr lang="fr-FR" sz="600" b="1" noProof="1">
                 <a:latin typeface="Gadugi" panose="020B0502040204020203" pitchFamily="34" charset="0"/>
                 <a:ea typeface="Gadugi" panose="020B0502040204020203" pitchFamily="34" charset="0"/>
                 <a:cs typeface="Arial" panose="020B0604020202020204" pitchFamily="34" charset="0"/>
-              </a:rPr>
-              <a:t>Windows</a:t>
-            </a:r>
-          </a:p>
-        </p:txBody>
-      </p:sp>
-      <p:pic>
-        <p:nvPicPr>
-          <p:cNvPr id="15" name="Picture 7" descr="D:\Devel\tsduck\images\tsduck-48.png"/>
-          <p:cNvPicPr>
-            <a:picLocks noChangeAspect="1" noChangeArrowheads="1"/>
-          </p:cNvPicPr>
-          <p:nvPr/>
-        </p:nvPicPr>
-        <p:blipFill>
-          <a:blip r:embed="rId2">
-            <a:extLst>
-              <a:ext uri="{28A0092B-C50C-407E-A947-70E740481C1C}">
-                <a14:useLocalDpi xmlns:a14="http://schemas.microsoft.com/office/drawing/2010/main" val="0"/>
-              </a:ext>
-            </a:extLst>
-          </a:blip>
-          <a:srcRect/>
-          <a:stretch>
-            <a:fillRect/>
-          </a:stretch>
-        </p:blipFill>
-        <p:spPr bwMode="auto">
-          <a:xfrm>
-            <a:off x="4727960" y="3010992"/>
-            <a:ext cx="146050" cy="146050"/>
-          </a:xfrm>
-          <a:prstGeom prst="rect">
-            <a:avLst/>
-          </a:prstGeom>
-          <a:noFill/>
-          <a:extLst>
-            <a:ext uri="{909E8E84-426E-40DD-AFC4-6F175D3DCCD1}">
-              <a14:hiddenFill xmlns:a14="http://schemas.microsoft.com/office/drawing/2010/main">
-                <a:solidFill>
-                  <a:srgbClr val="FFFFFF"/>
-                </a:solidFill>
-              </a14:hiddenFill>
-            </a:ext>
-          </a:extLst>
-        </p:spPr>
-      </p:pic>
-      <p:sp>
-        <p:nvSpPr>
-          <p:cNvPr id="16" name="ZoneTexte 15"/>
-          <p:cNvSpPr txBox="1"/>
-          <p:nvPr/>
-        </p:nvSpPr>
-        <p:spPr>
-          <a:xfrm>
-            <a:off x="4891209" y="3030156"/>
-            <a:ext cx="302156" cy="92333"/>
-          </a:xfrm>
-          <a:prstGeom prst="rect">
-            <a:avLst/>
-          </a:prstGeom>
-          <a:noFill/>
-        </p:spPr>
-        <p:txBody>
-          <a:bodyPr wrap="square" lIns="0" tIns="0" rIns="0" bIns="0" rtlCol="0">
-            <a:spAutoFit/>
-          </a:bodyPr>
-          <a:lstStyle/>
-          <a:p>
-            <a:r>
-              <a:rPr lang="fr-FR" sz="600" b="1" noProof="1">
+              </a:endParaRPr>
+            </a:p>
+          </p:txBody>
+        </p:sp>
+        <p:sp>
+          <p:nvSpPr>
+            <p:cNvPr id="30" name="Rectangle à coins arrondis 29"/>
+            <p:cNvSpPr/>
+            <p:nvPr/>
+          </p:nvSpPr>
+          <p:spPr>
+            <a:xfrm>
+              <a:off x="3537254" y="1677141"/>
+              <a:ext cx="565007" cy="228600"/>
+            </a:xfrm>
+            <a:prstGeom prst="roundRect">
+              <a:avLst/>
+            </a:prstGeom>
+            <a:solidFill>
+              <a:schemeClr val="accent1"/>
+            </a:solidFill>
+            <a:ln>
+              <a:noFill/>
+            </a:ln>
+          </p:spPr>
+          <p:style>
+            <a:lnRef idx="2">
+              <a:schemeClr val="accent1">
+                <a:shade val="50000"/>
+              </a:schemeClr>
+            </a:lnRef>
+            <a:fillRef idx="1">
+              <a:schemeClr val="accent1"/>
+            </a:fillRef>
+            <a:effectRef idx="0">
+              <a:schemeClr val="accent1"/>
+            </a:effectRef>
+            <a:fontRef idx="minor">
+              <a:schemeClr val="lt1"/>
+            </a:fontRef>
+          </p:style>
+          <p:txBody>
+            <a:bodyPr lIns="36000" tIns="27432" rIns="36000" rtlCol="0" anchor="ctr"/>
+            <a:lstStyle/>
+            <a:p>
+              <a:pPr algn="ctr"/>
+              <a:r>
+                <a:rPr lang="fr-FR" sz="600" b="1" noProof="1" smtClean="0">
+                  <a:latin typeface="Gadugi" panose="020B0502040204020203" pitchFamily="34" charset="0"/>
+                  <a:ea typeface="Gadugi" panose="020B0502040204020203" pitchFamily="34" charset="0"/>
+                  <a:cs typeface="Arial" panose="020B0604020202020204" pitchFamily="34" charset="0"/>
+                </a:rPr>
+                <a:t>input </a:t>
+              </a:r>
+              <a:r>
+                <a:rPr lang="fr-FR" sz="500" b="1" noProof="1" smtClean="0">
+                  <a:latin typeface="Gadugi" panose="020B0502040204020203" pitchFamily="34" charset="0"/>
+                  <a:ea typeface="Gadugi" panose="020B0502040204020203" pitchFamily="34" charset="0"/>
+                  <a:cs typeface="Arial" panose="020B0604020202020204" pitchFamily="34" charset="0"/>
+                </a:rPr>
+                <a:t>&amp;</a:t>
+              </a:r>
+              <a:r>
+                <a:rPr lang="fr-FR" sz="600" b="1" noProof="1" smtClean="0">
+                  <a:latin typeface="Gadugi" panose="020B0502040204020203" pitchFamily="34" charset="0"/>
+                  <a:ea typeface="Gadugi" panose="020B0502040204020203" pitchFamily="34" charset="0"/>
+                  <a:cs typeface="Arial" panose="020B0604020202020204" pitchFamily="34" charset="0"/>
+                </a:rPr>
+                <a:t> </a:t>
+              </a:r>
+              <a:br>
+                <a:rPr lang="fr-FR" sz="600" b="1" noProof="1" smtClean="0">
+                  <a:latin typeface="Gadugi" panose="020B0502040204020203" pitchFamily="34" charset="0"/>
+                  <a:ea typeface="Gadugi" panose="020B0502040204020203" pitchFamily="34" charset="0"/>
+                  <a:cs typeface="Arial" panose="020B0604020202020204" pitchFamily="34" charset="0"/>
+                </a:rPr>
+              </a:br>
+              <a:r>
+                <a:rPr lang="fr-FR" sz="600" b="1" noProof="1" smtClean="0">
+                  <a:latin typeface="Gadugi" panose="020B0502040204020203" pitchFamily="34" charset="0"/>
+                  <a:ea typeface="Gadugi" panose="020B0502040204020203" pitchFamily="34" charset="0"/>
+                  <a:cs typeface="Arial" panose="020B0604020202020204" pitchFamily="34" charset="0"/>
+                </a:rPr>
+                <a:t>output</a:t>
+              </a:r>
+              <a:endParaRPr lang="fr-FR" sz="600" b="1" noProof="1">
                 <a:latin typeface="Gadugi" panose="020B0502040204020203" pitchFamily="34" charset="0"/>
                 <a:ea typeface="Gadugi" panose="020B0502040204020203" pitchFamily="34" charset="0"/>
                 <a:cs typeface="Arial" panose="020B0604020202020204" pitchFamily="34" charset="0"/>
-              </a:rPr>
-              <a:t>TSDuck</a:t>
-            </a:r>
-          </a:p>
-        </p:txBody>
-      </p:sp>
-      <p:sp>
-        <p:nvSpPr>
-          <p:cNvPr id="19" name="Rectangle à coins arrondis 18"/>
-          <p:cNvSpPr/>
-          <p:nvPr/>
-        </p:nvSpPr>
-        <p:spPr>
-          <a:xfrm>
-            <a:off x="2024062" y="2081356"/>
-            <a:ext cx="3168546" cy="356684"/>
-          </a:xfrm>
-          <a:prstGeom prst="roundRect">
-            <a:avLst>
-              <a:gd name="adj" fmla="val 3969"/>
-            </a:avLst>
-          </a:prstGeom>
-          <a:solidFill>
-            <a:schemeClr val="accent6">
-              <a:lumMod val="40000"/>
-              <a:lumOff val="60000"/>
-            </a:schemeClr>
-          </a:solidFill>
-          <a:ln>
-            <a:noFill/>
-          </a:ln>
-        </p:spPr>
-        <p:style>
-          <a:lnRef idx="2">
-            <a:schemeClr val="accent1">
-              <a:shade val="50000"/>
-            </a:schemeClr>
-          </a:lnRef>
-          <a:fillRef idx="1">
-            <a:schemeClr val="accent1"/>
-          </a:fillRef>
-          <a:effectRef idx="0">
-            <a:schemeClr val="accent1"/>
-          </a:effectRef>
-          <a:fontRef idx="minor">
-            <a:schemeClr val="lt1"/>
-          </a:fontRef>
-        </p:style>
-        <p:txBody>
-          <a:bodyPr tIns="0" bIns="27432" rtlCol="0" anchor="b" anchorCtr="0"/>
-          <a:lstStyle/>
-          <a:p>
-            <a:endParaRPr lang="fr-FR" sz="600" b="1" noProof="1">
+              </a:endParaRPr>
+            </a:p>
+          </p:txBody>
+        </p:sp>
+        <p:sp>
+          <p:nvSpPr>
+            <p:cNvPr id="33" name="Rectangle à coins arrondis 32"/>
+            <p:cNvSpPr/>
+            <p:nvPr/>
+          </p:nvSpPr>
+          <p:spPr>
+            <a:xfrm>
+              <a:off x="3517223" y="486359"/>
+              <a:ext cx="1675383" cy="411831"/>
+            </a:xfrm>
+            <a:prstGeom prst="roundRect">
+              <a:avLst>
+                <a:gd name="adj" fmla="val 3969"/>
+              </a:avLst>
+            </a:prstGeom>
+            <a:solidFill>
+              <a:schemeClr val="accent6"/>
+            </a:solidFill>
+            <a:ln>
+              <a:noFill/>
+            </a:ln>
+          </p:spPr>
+          <p:style>
+            <a:lnRef idx="2">
+              <a:schemeClr val="accent1">
+                <a:shade val="50000"/>
+              </a:schemeClr>
+            </a:lnRef>
+            <a:fillRef idx="1">
+              <a:schemeClr val="accent1"/>
+            </a:fillRef>
+            <a:effectRef idx="0">
+              <a:schemeClr val="accent1"/>
+            </a:effectRef>
+            <a:fontRef idx="minor">
+              <a:schemeClr val="lt1"/>
+            </a:fontRef>
+          </p:style>
+          <p:txBody>
+            <a:bodyPr tIns="18288" rtlCol="0" anchor="t" anchorCtr="0"/>
+            <a:lstStyle/>
+            <a:p>
+              <a:r>
+                <a:rPr lang="fr-FR" sz="600" b="1" noProof="1">
+                  <a:solidFill>
+                    <a:schemeClr val="tx1"/>
+                  </a:solidFill>
+                  <a:latin typeface="Gadugi" panose="020B0502040204020203" pitchFamily="34" charset="0"/>
+                  <a:ea typeface="Gadugi" panose="020B0502040204020203" pitchFamily="34" charset="0"/>
+                  <a:cs typeface="Arial" panose="020B0604020202020204" pitchFamily="34" charset="0"/>
+                </a:rPr>
+                <a:t>TSDuck commands</a:t>
+              </a:r>
+            </a:p>
+          </p:txBody>
+        </p:sp>
+        <p:sp>
+          <p:nvSpPr>
+            <p:cNvPr id="36" name="Rectangle à coins arrondis 35"/>
+            <p:cNvSpPr/>
+            <p:nvPr/>
+          </p:nvSpPr>
+          <p:spPr>
+            <a:xfrm>
+              <a:off x="4654002" y="627305"/>
+              <a:ext cx="457200" cy="201219"/>
+            </a:xfrm>
+            <a:prstGeom prst="roundRect">
+              <a:avLst/>
+            </a:prstGeom>
+            <a:solidFill>
+              <a:schemeClr val="accent1"/>
+            </a:solidFill>
+            <a:ln>
+              <a:noFill/>
+            </a:ln>
+          </p:spPr>
+          <p:style>
+            <a:lnRef idx="2">
+              <a:schemeClr val="accent1">
+                <a:shade val="50000"/>
+              </a:schemeClr>
+            </a:lnRef>
+            <a:fillRef idx="1">
+              <a:schemeClr val="accent1"/>
+            </a:fillRef>
+            <a:effectRef idx="0">
+              <a:schemeClr val="accent1"/>
+            </a:effectRef>
+            <a:fontRef idx="minor">
+              <a:schemeClr val="lt1"/>
+            </a:fontRef>
+          </p:style>
+          <p:txBody>
+            <a:bodyPr lIns="36000" rIns="36000" rtlCol="0" anchor="ctr"/>
+            <a:lstStyle/>
+            <a:p>
+              <a:pPr algn="ctr"/>
+              <a:r>
+                <a:rPr lang="fr-FR" sz="600" b="1" noProof="1" smtClean="0">
+                  <a:latin typeface="Gadugi" panose="020B0502040204020203" pitchFamily="34" charset="0"/>
+                  <a:ea typeface="Gadugi" panose="020B0502040204020203" pitchFamily="34" charset="0"/>
+                  <a:cs typeface="Arial" panose="020B0604020202020204" pitchFamily="34" charset="0"/>
+                </a:rPr>
+                <a:t>other ts...</a:t>
+              </a:r>
+              <a:endParaRPr lang="fr-FR" sz="600" b="1" noProof="1">
+                <a:latin typeface="Gadugi" panose="020B0502040204020203" pitchFamily="34" charset="0"/>
+                <a:ea typeface="Gadugi" panose="020B0502040204020203" pitchFamily="34" charset="0"/>
+                <a:cs typeface="Arial" panose="020B0604020202020204" pitchFamily="34" charset="0"/>
+              </a:endParaRPr>
+            </a:p>
+          </p:txBody>
+        </p:sp>
+        <p:cxnSp>
+          <p:nvCxnSpPr>
+            <p:cNvPr id="41" name="Connecteur droit avec flèche 40"/>
+            <p:cNvCxnSpPr>
+              <a:stCxn id="22" idx="2"/>
+            </p:cNvCxnSpPr>
+            <p:nvPr/>
+          </p:nvCxnSpPr>
+          <p:spPr>
+            <a:xfrm>
+              <a:off x="4671510" y="2356073"/>
+              <a:ext cx="1608" cy="189595"/>
+            </a:xfrm>
+            <a:prstGeom prst="straightConnector1">
+              <a:avLst/>
+            </a:prstGeom>
+            <a:ln w="19050">
               <a:solidFill>
                 <a:schemeClr val="tx1"/>
               </a:solidFill>
-              <a:latin typeface="Gadugi" panose="020B0502040204020203" pitchFamily="34" charset="0"/>
-              <a:ea typeface="Gadugi" panose="020B0502040204020203" pitchFamily="34" charset="0"/>
-              <a:cs typeface="Arial" panose="020B0604020202020204" pitchFamily="34" charset="0"/>
-            </a:endParaRPr>
-          </a:p>
-        </p:txBody>
-      </p:sp>
-      <p:sp>
-        <p:nvSpPr>
-          <p:cNvPr id="21" name="Rectangle à coins arrondis 20"/>
-          <p:cNvSpPr/>
-          <p:nvPr/>
-        </p:nvSpPr>
-        <p:spPr>
-          <a:xfrm>
-            <a:off x="3214688" y="2134732"/>
-            <a:ext cx="848293" cy="221341"/>
-          </a:xfrm>
-          <a:prstGeom prst="roundRect">
-            <a:avLst/>
-          </a:prstGeom>
-          <a:solidFill>
-            <a:srgbClr val="1F8A4C"/>
-          </a:solidFill>
-          <a:ln>
-            <a:noFill/>
-          </a:ln>
-        </p:spPr>
-        <p:style>
-          <a:lnRef idx="2">
-            <a:schemeClr val="accent1">
-              <a:shade val="50000"/>
-            </a:schemeClr>
-          </a:lnRef>
-          <a:fillRef idx="1">
-            <a:schemeClr val="accent1"/>
-          </a:fillRef>
-          <a:effectRef idx="0">
-            <a:schemeClr val="accent1"/>
-          </a:effectRef>
-          <a:fontRef idx="minor">
-            <a:schemeClr val="lt1"/>
-          </a:fontRef>
-        </p:style>
-        <p:txBody>
-          <a:bodyPr lIns="36000" tIns="27432" rIns="36000" rtlCol="0" anchor="ctr"/>
-          <a:lstStyle/>
-          <a:p>
-            <a:pPr algn="ctr"/>
-            <a:r>
-              <a:rPr lang="fr-FR" sz="600" b="1" noProof="1">
+              <a:prstDash val="solid"/>
+              <a:tailEnd type="triangle" w="sm" len="med"/>
+            </a:ln>
+          </p:spPr>
+          <p:style>
+            <a:lnRef idx="1">
+              <a:schemeClr val="accent1"/>
+            </a:lnRef>
+            <a:fillRef idx="0">
+              <a:schemeClr val="accent1"/>
+            </a:fillRef>
+            <a:effectRef idx="0">
+              <a:schemeClr val="accent1"/>
+            </a:effectRef>
+            <a:fontRef idx="minor">
+              <a:schemeClr val="tx1"/>
+            </a:fontRef>
+          </p:style>
+        </p:cxnSp>
+        <p:sp>
+          <p:nvSpPr>
+            <p:cNvPr id="34" name="Rectangle à coins arrondis 33"/>
+            <p:cNvSpPr/>
+            <p:nvPr/>
+          </p:nvSpPr>
+          <p:spPr>
+            <a:xfrm>
+              <a:off x="3609744" y="627305"/>
+              <a:ext cx="457200" cy="201219"/>
+            </a:xfrm>
+            <a:prstGeom prst="roundRect">
+              <a:avLst/>
+            </a:prstGeom>
+            <a:solidFill>
+              <a:schemeClr val="accent1"/>
+            </a:solidFill>
+            <a:ln>
+              <a:noFill/>
+            </a:ln>
+          </p:spPr>
+          <p:style>
+            <a:lnRef idx="2">
+              <a:schemeClr val="accent1">
+                <a:shade val="50000"/>
+              </a:schemeClr>
+            </a:lnRef>
+            <a:fillRef idx="1">
+              <a:schemeClr val="accent1"/>
+            </a:fillRef>
+            <a:effectRef idx="0">
+              <a:schemeClr val="accent1"/>
+            </a:effectRef>
+            <a:fontRef idx="minor">
+              <a:schemeClr val="lt1"/>
+            </a:fontRef>
+          </p:style>
+          <p:txBody>
+            <a:bodyPr lIns="36000" rIns="36000" rtlCol="0" anchor="ctr"/>
+            <a:lstStyle/>
+            <a:p>
+              <a:pPr algn="ctr"/>
+              <a:r>
+                <a:rPr lang="fr-FR" sz="600" b="1" noProof="1">
+                  <a:latin typeface="Gadugi" panose="020B0502040204020203" pitchFamily="34" charset="0"/>
+                  <a:ea typeface="Gadugi" panose="020B0502040204020203" pitchFamily="34" charset="0"/>
+                  <a:cs typeface="Arial" panose="020B0604020202020204" pitchFamily="34" charset="0"/>
+                </a:rPr>
+                <a:t>tsp</a:t>
+              </a:r>
+            </a:p>
+          </p:txBody>
+        </p:sp>
+        <p:sp>
+          <p:nvSpPr>
+            <p:cNvPr id="35" name="Rectangle à coins arrondis 34"/>
+            <p:cNvSpPr/>
+            <p:nvPr/>
+          </p:nvSpPr>
+          <p:spPr>
+            <a:xfrm>
+              <a:off x="4131873" y="627305"/>
+              <a:ext cx="457200" cy="201219"/>
+            </a:xfrm>
+            <a:prstGeom prst="roundRect">
+              <a:avLst/>
+            </a:prstGeom>
+            <a:solidFill>
+              <a:schemeClr val="accent1"/>
+            </a:solidFill>
+            <a:ln>
+              <a:noFill/>
+            </a:ln>
+          </p:spPr>
+          <p:style>
+            <a:lnRef idx="2">
+              <a:schemeClr val="accent1">
+                <a:shade val="50000"/>
+              </a:schemeClr>
+            </a:lnRef>
+            <a:fillRef idx="1">
+              <a:schemeClr val="accent1"/>
+            </a:fillRef>
+            <a:effectRef idx="0">
+              <a:schemeClr val="accent1"/>
+            </a:effectRef>
+            <a:fontRef idx="minor">
+              <a:schemeClr val="lt1"/>
+            </a:fontRef>
+          </p:style>
+          <p:txBody>
+            <a:bodyPr lIns="36000" rIns="36000" rtlCol="0" anchor="ctr"/>
+            <a:lstStyle/>
+            <a:p>
+              <a:pPr algn="ctr"/>
+              <a:r>
+                <a:rPr lang="fr-FR" sz="600" b="1" noProof="1">
+                  <a:latin typeface="Gadugi" panose="020B0502040204020203" pitchFamily="34" charset="0"/>
+                  <a:ea typeface="Gadugi" panose="020B0502040204020203" pitchFamily="34" charset="0"/>
+                  <a:cs typeface="Arial" panose="020B0604020202020204" pitchFamily="34" charset="0"/>
+                </a:rPr>
+                <a:t>tsswitch</a:t>
+              </a:r>
+            </a:p>
+          </p:txBody>
+        </p:sp>
+        <p:sp>
+          <p:nvSpPr>
+            <p:cNvPr id="46" name="Rectangle à coins arrondis 45"/>
+            <p:cNvSpPr/>
+            <p:nvPr/>
+          </p:nvSpPr>
+          <p:spPr>
+            <a:xfrm>
+              <a:off x="2024064" y="2541035"/>
+              <a:ext cx="1337499" cy="411831"/>
+            </a:xfrm>
+            <a:prstGeom prst="roundRect">
+              <a:avLst>
+                <a:gd name="adj" fmla="val 3969"/>
+              </a:avLst>
+            </a:prstGeom>
+            <a:solidFill>
+              <a:schemeClr val="bg1">
+                <a:lumMod val="85000"/>
+              </a:schemeClr>
+            </a:solidFill>
+            <a:ln>
+              <a:noFill/>
+            </a:ln>
+          </p:spPr>
+          <p:style>
+            <a:lnRef idx="2">
+              <a:schemeClr val="accent1">
+                <a:shade val="50000"/>
+              </a:schemeClr>
+            </a:lnRef>
+            <a:fillRef idx="1">
+              <a:schemeClr val="accent1"/>
+            </a:fillRef>
+            <a:effectRef idx="0">
+              <a:schemeClr val="accent1"/>
+            </a:effectRef>
+            <a:fontRef idx="minor">
+              <a:schemeClr val="lt1"/>
+            </a:fontRef>
+          </p:style>
+          <p:txBody>
+            <a:bodyPr tIns="18288" rtlCol="0" anchor="t" anchorCtr="0"/>
+            <a:lstStyle/>
+            <a:p>
+              <a:r>
+                <a:rPr lang="fr-FR" sz="600" b="1" noProof="1" smtClean="0">
+                  <a:solidFill>
+                    <a:schemeClr val="tx1"/>
+                  </a:solidFill>
+                  <a:latin typeface="Gadugi" panose="020B0502040204020203" pitchFamily="34" charset="0"/>
+                  <a:ea typeface="Gadugi" panose="020B0502040204020203" pitchFamily="34" charset="0"/>
+                  <a:cs typeface="Arial" panose="020B0604020202020204" pitchFamily="34" charset="0"/>
+                </a:rPr>
+                <a:t>DVB </a:t>
+              </a:r>
+              <a:r>
+                <a:rPr lang="fr-FR" sz="600" b="1" noProof="1">
+                  <a:solidFill>
+                    <a:schemeClr val="tx1"/>
+                  </a:solidFill>
+                  <a:latin typeface="Gadugi" panose="020B0502040204020203" pitchFamily="34" charset="0"/>
+                  <a:ea typeface="Gadugi" panose="020B0502040204020203" pitchFamily="34" charset="0"/>
+                  <a:cs typeface="Arial" panose="020B0604020202020204" pitchFamily="34" charset="0"/>
+                </a:rPr>
+                <a:t>tuning framework</a:t>
+              </a:r>
+            </a:p>
+          </p:txBody>
+        </p:sp>
+        <p:sp>
+          <p:nvSpPr>
+            <p:cNvPr id="47" name="Rectangle à coins arrondis 46"/>
+            <p:cNvSpPr/>
+            <p:nvPr/>
+          </p:nvSpPr>
+          <p:spPr>
+            <a:xfrm>
+              <a:off x="2114008" y="2672837"/>
+              <a:ext cx="550292" cy="232631"/>
+            </a:xfrm>
+            <a:prstGeom prst="roundRect">
+              <a:avLst/>
+            </a:prstGeom>
+            <a:solidFill>
+              <a:schemeClr val="bg1">
+                <a:lumMod val="50000"/>
+              </a:schemeClr>
+            </a:solidFill>
+            <a:ln>
+              <a:noFill/>
+            </a:ln>
+          </p:spPr>
+          <p:style>
+            <a:lnRef idx="2">
+              <a:schemeClr val="accent1">
+                <a:shade val="50000"/>
+              </a:schemeClr>
+            </a:lnRef>
+            <a:fillRef idx="1">
+              <a:schemeClr val="accent1"/>
+            </a:fillRef>
+            <a:effectRef idx="0">
+              <a:schemeClr val="accent1"/>
+            </a:effectRef>
+            <a:fontRef idx="minor">
+              <a:schemeClr val="lt1"/>
+            </a:fontRef>
+          </p:style>
+          <p:txBody>
+            <a:bodyPr lIns="0" rIns="0" rtlCol="0" anchor="ctr"/>
+            <a:lstStyle/>
+            <a:p>
+              <a:pPr algn="ctr"/>
+              <a:r>
+                <a:rPr lang="fr-FR" sz="600" b="1" noProof="1">
+                  <a:latin typeface="Gadugi" panose="020B0502040204020203" pitchFamily="34" charset="0"/>
+                  <a:ea typeface="Gadugi" panose="020B0502040204020203" pitchFamily="34" charset="0"/>
+                  <a:cs typeface="Arial" panose="020B0604020202020204" pitchFamily="34" charset="0"/>
+                </a:rPr>
+                <a:t>DirectShow (Windows)</a:t>
+              </a:r>
+            </a:p>
+          </p:txBody>
+        </p:sp>
+        <p:sp>
+          <p:nvSpPr>
+            <p:cNvPr id="49" name="Rectangle à coins arrondis 48"/>
+            <p:cNvSpPr/>
+            <p:nvPr/>
+          </p:nvSpPr>
+          <p:spPr>
+            <a:xfrm>
+              <a:off x="2739977" y="2672837"/>
+              <a:ext cx="544842" cy="232631"/>
+            </a:xfrm>
+            <a:prstGeom prst="roundRect">
+              <a:avLst/>
+            </a:prstGeom>
+            <a:solidFill>
+              <a:schemeClr val="bg1">
+                <a:lumMod val="50000"/>
+              </a:schemeClr>
+            </a:solidFill>
+            <a:ln>
+              <a:noFill/>
+            </a:ln>
+          </p:spPr>
+          <p:style>
+            <a:lnRef idx="2">
+              <a:schemeClr val="accent1">
+                <a:shade val="50000"/>
+              </a:schemeClr>
+            </a:lnRef>
+            <a:fillRef idx="1">
+              <a:schemeClr val="accent1"/>
+            </a:fillRef>
+            <a:effectRef idx="0">
+              <a:schemeClr val="accent1"/>
+            </a:effectRef>
+            <a:fontRef idx="minor">
+              <a:schemeClr val="lt1"/>
+            </a:fontRef>
+          </p:style>
+          <p:txBody>
+            <a:bodyPr lIns="0" rIns="0" rtlCol="0" anchor="ctr"/>
+            <a:lstStyle/>
+            <a:p>
+              <a:pPr algn="ctr"/>
+              <a:r>
+                <a:rPr lang="fr-FR" sz="600" b="1" noProof="1">
+                  <a:latin typeface="Gadugi" panose="020B0502040204020203" pitchFamily="34" charset="0"/>
+                  <a:ea typeface="Gadugi" panose="020B0502040204020203" pitchFamily="34" charset="0"/>
+                  <a:cs typeface="Arial" panose="020B0604020202020204" pitchFamily="34" charset="0"/>
+                </a:rPr>
+                <a:t>Linux TV</a:t>
+              </a:r>
+            </a:p>
+          </p:txBody>
+        </p:sp>
+        <p:cxnSp>
+          <p:nvCxnSpPr>
+            <p:cNvPr id="55" name="Connecteur droit avec flèche 54"/>
+            <p:cNvCxnSpPr>
+              <a:stCxn id="20" idx="2"/>
+            </p:cNvCxnSpPr>
+            <p:nvPr/>
+          </p:nvCxnSpPr>
+          <p:spPr>
+            <a:xfrm>
+              <a:off x="2572831" y="2356073"/>
+              <a:ext cx="0" cy="189595"/>
+            </a:xfrm>
+            <a:prstGeom prst="straightConnector1">
+              <a:avLst/>
+            </a:prstGeom>
+            <a:ln w="19050">
+              <a:solidFill>
+                <a:schemeClr val="tx1"/>
+              </a:solidFill>
+              <a:prstDash val="solid"/>
+              <a:tailEnd type="triangle" w="sm" len="med"/>
+            </a:ln>
+          </p:spPr>
+          <p:style>
+            <a:lnRef idx="1">
+              <a:schemeClr val="accent1"/>
+            </a:lnRef>
+            <a:fillRef idx="0">
+              <a:schemeClr val="accent1"/>
+            </a:fillRef>
+            <a:effectRef idx="0">
+              <a:schemeClr val="accent1"/>
+            </a:effectRef>
+            <a:fontRef idx="minor">
+              <a:schemeClr val="tx1"/>
+            </a:fontRef>
+          </p:style>
+        </p:cxnSp>
+        <p:sp>
+          <p:nvSpPr>
+            <p:cNvPr id="20" name="Rectangle à coins arrondis 19"/>
+            <p:cNvSpPr/>
+            <p:nvPr/>
+          </p:nvSpPr>
+          <p:spPr>
+            <a:xfrm>
+              <a:off x="2148684" y="2134732"/>
+              <a:ext cx="848293" cy="221341"/>
+            </a:xfrm>
+            <a:prstGeom prst="roundRect">
+              <a:avLst/>
+            </a:prstGeom>
+            <a:solidFill>
+              <a:schemeClr val="accent1"/>
+            </a:solidFill>
+            <a:ln>
+              <a:noFill/>
+            </a:ln>
+          </p:spPr>
+          <p:style>
+            <a:lnRef idx="2">
+              <a:schemeClr val="accent1">
+                <a:shade val="50000"/>
+              </a:schemeClr>
+            </a:lnRef>
+            <a:fillRef idx="1">
+              <a:schemeClr val="accent1"/>
+            </a:fillRef>
+            <a:effectRef idx="0">
+              <a:schemeClr val="accent1"/>
+            </a:effectRef>
+            <a:fontRef idx="minor">
+              <a:schemeClr val="lt1"/>
+            </a:fontRef>
+          </p:style>
+          <p:txBody>
+            <a:bodyPr lIns="36000" tIns="27432" rIns="36000" rtlCol="0" anchor="ctr"/>
+            <a:lstStyle/>
+            <a:p>
+              <a:pPr algn="ctr"/>
+              <a:r>
+                <a:rPr lang="fr-FR" sz="600" b="1" noProof="1" smtClean="0">
+                  <a:latin typeface="Gadugi" panose="020B0502040204020203" pitchFamily="34" charset="0"/>
+                  <a:ea typeface="Gadugi" panose="020B0502040204020203" pitchFamily="34" charset="0"/>
+                  <a:cs typeface="Arial" panose="020B0604020202020204" pitchFamily="34" charset="0"/>
+                </a:rPr>
+                <a:t>Digital TV utilities</a:t>
+              </a:r>
+              <a:endParaRPr lang="fr-FR" sz="600" b="1" noProof="1">
                 <a:latin typeface="Gadugi" panose="020B0502040204020203" pitchFamily="34" charset="0"/>
                 <a:ea typeface="Gadugi" panose="020B0502040204020203" pitchFamily="34" charset="0"/>
                 <a:cs typeface="Arial" panose="020B0604020202020204" pitchFamily="34" charset="0"/>
-              </a:rPr>
-              <a:t>C++ utilities</a:t>
-            </a:r>
-          </a:p>
-        </p:txBody>
-      </p:sp>
-      <p:sp>
-        <p:nvSpPr>
-          <p:cNvPr id="23" name="Rectangle à coins arrondis 22"/>
-          <p:cNvSpPr/>
-          <p:nvPr/>
-        </p:nvSpPr>
-        <p:spPr>
-          <a:xfrm>
-            <a:off x="4078552" y="2688417"/>
-            <a:ext cx="461985" cy="201219"/>
-          </a:xfrm>
-          <a:prstGeom prst="roundRect">
-            <a:avLst/>
-          </a:prstGeom>
-          <a:solidFill>
-            <a:schemeClr val="bg1">
-              <a:lumMod val="50000"/>
-            </a:schemeClr>
-          </a:solidFill>
-          <a:ln>
-            <a:noFill/>
-          </a:ln>
-        </p:spPr>
-        <p:style>
-          <a:lnRef idx="2">
-            <a:schemeClr val="accent1">
-              <a:shade val="50000"/>
-            </a:schemeClr>
-          </a:lnRef>
-          <a:fillRef idx="1">
-            <a:schemeClr val="accent1"/>
-          </a:fillRef>
-          <a:effectRef idx="0">
-            <a:schemeClr val="accent1"/>
-          </a:effectRef>
-          <a:fontRef idx="minor">
-            <a:schemeClr val="lt1"/>
-          </a:fontRef>
-        </p:style>
-        <p:txBody>
-          <a:bodyPr lIns="36000" rIns="36000" rtlCol="0" anchor="ctr"/>
-          <a:lstStyle/>
-          <a:p>
-            <a:pPr algn="ctr"/>
-            <a:r>
-              <a:rPr lang="fr-FR" sz="600" b="1" noProof="1">
+              </a:endParaRPr>
+            </a:p>
+          </p:txBody>
+        </p:sp>
+        <p:sp>
+          <p:nvSpPr>
+            <p:cNvPr id="22" name="Rectangle à coins arrondis 21"/>
+            <p:cNvSpPr/>
+            <p:nvPr/>
+          </p:nvSpPr>
+          <p:spPr>
+            <a:xfrm>
+              <a:off x="4247363" y="2134732"/>
+              <a:ext cx="848293" cy="221341"/>
+            </a:xfrm>
+            <a:prstGeom prst="roundRect">
+              <a:avLst/>
+            </a:prstGeom>
+            <a:solidFill>
+              <a:schemeClr val="accent1"/>
+            </a:solidFill>
+            <a:ln>
+              <a:noFill/>
+            </a:ln>
+          </p:spPr>
+          <p:style>
+            <a:lnRef idx="2">
+              <a:schemeClr val="accent1">
+                <a:shade val="50000"/>
+              </a:schemeClr>
+            </a:lnRef>
+            <a:fillRef idx="1">
+              <a:schemeClr val="accent1"/>
+            </a:fillRef>
+            <a:effectRef idx="0">
+              <a:schemeClr val="accent1"/>
+            </a:effectRef>
+            <a:fontRef idx="minor">
+              <a:schemeClr val="lt1"/>
+            </a:fontRef>
+          </p:style>
+          <p:txBody>
+            <a:bodyPr lIns="36000" tIns="27432" rIns="36000" rtlCol="0" anchor="ctr"/>
+            <a:lstStyle/>
+            <a:p>
+              <a:pPr algn="ctr"/>
+              <a:r>
+                <a:rPr lang="fr-FR" sz="600" b="1" noProof="1">
+                  <a:latin typeface="Gadugi" panose="020B0502040204020203" pitchFamily="34" charset="0"/>
+                  <a:ea typeface="Gadugi" panose="020B0502040204020203" pitchFamily="34" charset="0"/>
+                  <a:cs typeface="Arial" panose="020B0604020202020204" pitchFamily="34" charset="0"/>
+                </a:rPr>
+                <a:t>OS abstraction</a:t>
+              </a:r>
+            </a:p>
+          </p:txBody>
+        </p:sp>
+        <p:cxnSp>
+          <p:nvCxnSpPr>
+            <p:cNvPr id="56" name="Connecteur droit avec flèche 55"/>
+            <p:cNvCxnSpPr>
+              <a:stCxn id="20" idx="3"/>
+              <a:endCxn id="21" idx="1"/>
+            </p:cNvCxnSpPr>
+            <p:nvPr/>
+          </p:nvCxnSpPr>
+          <p:spPr>
+            <a:xfrm>
+              <a:off x="2996977" y="2245403"/>
+              <a:ext cx="217711" cy="0"/>
+            </a:xfrm>
+            <a:prstGeom prst="straightConnector1">
+              <a:avLst/>
+            </a:prstGeom>
+            <a:ln w="19050">
+              <a:solidFill>
+                <a:schemeClr val="tx1"/>
+              </a:solidFill>
+              <a:prstDash val="solid"/>
+              <a:tailEnd type="triangle" w="sm" len="med"/>
+            </a:ln>
+          </p:spPr>
+          <p:style>
+            <a:lnRef idx="1">
+              <a:schemeClr val="accent1"/>
+            </a:lnRef>
+            <a:fillRef idx="0">
+              <a:schemeClr val="accent1"/>
+            </a:fillRef>
+            <a:effectRef idx="0">
+              <a:schemeClr val="accent1"/>
+            </a:effectRef>
+            <a:fontRef idx="minor">
+              <a:schemeClr val="tx1"/>
+            </a:fontRef>
+          </p:style>
+        </p:cxnSp>
+        <p:cxnSp>
+          <p:nvCxnSpPr>
+            <p:cNvPr id="59" name="Connecteur droit avec flèche 58"/>
+            <p:cNvCxnSpPr>
+              <a:stCxn id="21" idx="3"/>
+              <a:endCxn id="22" idx="1"/>
+            </p:cNvCxnSpPr>
+            <p:nvPr/>
+          </p:nvCxnSpPr>
+          <p:spPr>
+            <a:xfrm>
+              <a:off x="4062981" y="2245403"/>
+              <a:ext cx="184382" cy="0"/>
+            </a:xfrm>
+            <a:prstGeom prst="straightConnector1">
+              <a:avLst/>
+            </a:prstGeom>
+            <a:ln w="19050">
+              <a:solidFill>
+                <a:schemeClr val="tx1"/>
+              </a:solidFill>
+              <a:prstDash val="solid"/>
+              <a:tailEnd type="triangle" w="sm" len="med"/>
+            </a:ln>
+          </p:spPr>
+          <p:style>
+            <a:lnRef idx="1">
+              <a:schemeClr val="accent1"/>
+            </a:lnRef>
+            <a:fillRef idx="0">
+              <a:schemeClr val="accent1"/>
+            </a:fillRef>
+            <a:effectRef idx="0">
+              <a:schemeClr val="accent1"/>
+            </a:effectRef>
+            <a:fontRef idx="minor">
+              <a:schemeClr val="tx1"/>
+            </a:fontRef>
+          </p:style>
+        </p:cxnSp>
+        <p:sp>
+          <p:nvSpPr>
+            <p:cNvPr id="63" name="Rectangle à coins arrondis 62"/>
+            <p:cNvSpPr/>
+            <p:nvPr/>
+          </p:nvSpPr>
+          <p:spPr>
+            <a:xfrm>
+              <a:off x="4334068" y="1548393"/>
+              <a:ext cx="858539" cy="411831"/>
+            </a:xfrm>
+            <a:prstGeom prst="roundRect">
+              <a:avLst>
+                <a:gd name="adj" fmla="val 3969"/>
+              </a:avLst>
+            </a:prstGeom>
+            <a:solidFill>
+              <a:schemeClr val="bg1">
+                <a:lumMod val="85000"/>
+              </a:schemeClr>
+            </a:solidFill>
+            <a:ln>
+              <a:noFill/>
+            </a:ln>
+          </p:spPr>
+          <p:style>
+            <a:lnRef idx="2">
+              <a:schemeClr val="accent1">
+                <a:shade val="50000"/>
+              </a:schemeClr>
+            </a:lnRef>
+            <a:fillRef idx="1">
+              <a:schemeClr val="accent1"/>
+            </a:fillRef>
+            <a:effectRef idx="0">
+              <a:schemeClr val="accent1"/>
+            </a:effectRef>
+            <a:fontRef idx="minor">
+              <a:schemeClr val="lt1"/>
+            </a:fontRef>
+          </p:style>
+          <p:txBody>
+            <a:bodyPr tIns="18288" rtlCol="0" anchor="t" anchorCtr="0"/>
+            <a:lstStyle/>
+            <a:p>
+              <a:r>
+                <a:rPr lang="fr-FR" sz="600" b="1" noProof="1">
+                  <a:solidFill>
+                    <a:schemeClr val="tx1"/>
+                  </a:solidFill>
+                  <a:latin typeface="Gadugi" panose="020B0502040204020203" pitchFamily="34" charset="0"/>
+                  <a:ea typeface="Gadugi" panose="020B0502040204020203" pitchFamily="34" charset="0"/>
+                  <a:cs typeface="Arial" panose="020B0604020202020204" pitchFamily="34" charset="0"/>
+                </a:rPr>
+                <a:t>3rd-party plugins</a:t>
+              </a:r>
+            </a:p>
+          </p:txBody>
+        </p:sp>
+        <p:sp>
+          <p:nvSpPr>
+            <p:cNvPr id="64" name="Rectangle à coins arrondis 63"/>
+            <p:cNvSpPr/>
+            <p:nvPr/>
+          </p:nvSpPr>
+          <p:spPr>
+            <a:xfrm>
+              <a:off x="4421845" y="1690832"/>
+              <a:ext cx="279500" cy="201219"/>
+            </a:xfrm>
+            <a:prstGeom prst="roundRect">
+              <a:avLst/>
+            </a:prstGeom>
+            <a:solidFill>
+              <a:schemeClr val="bg1">
+                <a:lumMod val="50000"/>
+              </a:schemeClr>
+            </a:solidFill>
+            <a:ln>
+              <a:noFill/>
+            </a:ln>
+          </p:spPr>
+          <p:style>
+            <a:lnRef idx="2">
+              <a:schemeClr val="accent1">
+                <a:shade val="50000"/>
+              </a:schemeClr>
+            </a:lnRef>
+            <a:fillRef idx="1">
+              <a:schemeClr val="accent1"/>
+            </a:fillRef>
+            <a:effectRef idx="0">
+              <a:schemeClr val="accent1"/>
+            </a:effectRef>
+            <a:fontRef idx="minor">
+              <a:schemeClr val="lt1"/>
+            </a:fontRef>
+          </p:style>
+          <p:txBody>
+            <a:bodyPr lIns="36000" rIns="36000" rtlCol="0" anchor="ctr"/>
+            <a:lstStyle/>
+            <a:p>
+              <a:pPr algn="ctr"/>
+              <a:r>
+                <a:rPr lang="fr-FR" sz="600" b="1" noProof="1" smtClean="0">
+                  <a:latin typeface="Gadugi" panose="020B0502040204020203" pitchFamily="34" charset="0"/>
+                  <a:ea typeface="Gadugi" panose="020B0502040204020203" pitchFamily="34" charset="0"/>
+                  <a:cs typeface="Arial" panose="020B0604020202020204" pitchFamily="34" charset="0"/>
+                </a:rPr>
+                <a:t>C++</a:t>
+              </a:r>
+              <a:endParaRPr lang="fr-FR" sz="600" b="1" noProof="1">
                 <a:latin typeface="Gadugi" panose="020B0502040204020203" pitchFamily="34" charset="0"/>
                 <a:ea typeface="Gadugi" panose="020B0502040204020203" pitchFamily="34" charset="0"/>
                 <a:cs typeface="Arial" panose="020B0604020202020204" pitchFamily="34" charset="0"/>
-              </a:rPr>
-              <a:t>Linux</a:t>
-            </a:r>
-          </a:p>
-        </p:txBody>
-      </p:sp>
-      <p:sp>
-        <p:nvSpPr>
-          <p:cNvPr id="24" name="Rectangle à coins arrondis 23"/>
-          <p:cNvSpPr/>
-          <p:nvPr/>
-        </p:nvSpPr>
-        <p:spPr>
-          <a:xfrm>
-            <a:off x="4635118" y="2688417"/>
-            <a:ext cx="461985" cy="201219"/>
-          </a:xfrm>
-          <a:prstGeom prst="roundRect">
-            <a:avLst/>
-          </a:prstGeom>
-          <a:solidFill>
-            <a:schemeClr val="bg1">
-              <a:lumMod val="50000"/>
-            </a:schemeClr>
-          </a:solidFill>
-          <a:ln>
-            <a:noFill/>
-          </a:ln>
-        </p:spPr>
-        <p:style>
-          <a:lnRef idx="2">
-            <a:schemeClr val="accent1">
-              <a:shade val="50000"/>
-            </a:schemeClr>
-          </a:lnRef>
-          <a:fillRef idx="1">
-            <a:schemeClr val="accent1"/>
-          </a:fillRef>
-          <a:effectRef idx="0">
-            <a:schemeClr val="accent1"/>
-          </a:effectRef>
-          <a:fontRef idx="minor">
-            <a:schemeClr val="lt1"/>
-          </a:fontRef>
-        </p:style>
-        <p:txBody>
-          <a:bodyPr lIns="36000" rIns="36000" rtlCol="0" anchor="ctr"/>
-          <a:lstStyle/>
-          <a:p>
-            <a:pPr algn="ctr"/>
-            <a:r>
-              <a:rPr lang="fr-FR" sz="600" b="1" noProof="1">
+              </a:endParaRPr>
+            </a:p>
+          </p:txBody>
+        </p:sp>
+        <p:sp>
+          <p:nvSpPr>
+            <p:cNvPr id="65" name="Rectangle à coins arrondis 64"/>
+            <p:cNvSpPr/>
+            <p:nvPr/>
+          </p:nvSpPr>
+          <p:spPr>
+            <a:xfrm>
+              <a:off x="4804345" y="1690832"/>
+              <a:ext cx="279500" cy="201219"/>
+            </a:xfrm>
+            <a:prstGeom prst="roundRect">
+              <a:avLst/>
+            </a:prstGeom>
+            <a:solidFill>
+              <a:schemeClr val="bg1">
+                <a:lumMod val="50000"/>
+              </a:schemeClr>
+            </a:solidFill>
+            <a:ln>
+              <a:noFill/>
+            </a:ln>
+          </p:spPr>
+          <p:style>
+            <a:lnRef idx="2">
+              <a:schemeClr val="accent1">
+                <a:shade val="50000"/>
+              </a:schemeClr>
+            </a:lnRef>
+            <a:fillRef idx="1">
+              <a:schemeClr val="accent1"/>
+            </a:fillRef>
+            <a:effectRef idx="0">
+              <a:schemeClr val="accent1"/>
+            </a:effectRef>
+            <a:fontRef idx="minor">
+              <a:schemeClr val="lt1"/>
+            </a:fontRef>
+          </p:style>
+          <p:txBody>
+            <a:bodyPr lIns="36000" rIns="36000" rtlCol="0" anchor="ctr"/>
+            <a:lstStyle/>
+            <a:p>
+              <a:pPr algn="ctr"/>
+              <a:r>
+                <a:rPr lang="fr-FR" sz="600" b="1" noProof="1" smtClean="0">
+                  <a:latin typeface="Gadugi" panose="020B0502040204020203" pitchFamily="34" charset="0"/>
+                  <a:ea typeface="Gadugi" panose="020B0502040204020203" pitchFamily="34" charset="0"/>
+                  <a:cs typeface="Arial" panose="020B0604020202020204" pitchFamily="34" charset="0"/>
+                </a:rPr>
+                <a:t>C++</a:t>
+              </a:r>
+              <a:endParaRPr lang="fr-FR" sz="600" b="1" noProof="1">
                 <a:latin typeface="Gadugi" panose="020B0502040204020203" pitchFamily="34" charset="0"/>
                 <a:ea typeface="Gadugi" panose="020B0502040204020203" pitchFamily="34" charset="0"/>
                 <a:cs typeface="Arial" panose="020B0604020202020204" pitchFamily="34" charset="0"/>
-              </a:rPr>
-              <a:t>macOS</a:t>
-            </a:r>
-          </a:p>
-        </p:txBody>
-      </p:sp>
-      <p:sp>
-        <p:nvSpPr>
-          <p:cNvPr id="28" name="Rectangle à coins arrondis 27"/>
-          <p:cNvSpPr/>
-          <p:nvPr/>
-        </p:nvSpPr>
-        <p:spPr>
-          <a:xfrm>
-            <a:off x="2836065" y="1548394"/>
-            <a:ext cx="1344619" cy="411831"/>
-          </a:xfrm>
-          <a:prstGeom prst="roundRect">
-            <a:avLst>
-              <a:gd name="adj" fmla="val 3969"/>
-            </a:avLst>
-          </a:prstGeom>
-          <a:solidFill>
-            <a:schemeClr val="accent6">
-              <a:lumMod val="40000"/>
-              <a:lumOff val="60000"/>
-            </a:schemeClr>
-          </a:solidFill>
-          <a:ln>
-            <a:noFill/>
-          </a:ln>
-        </p:spPr>
-        <p:style>
-          <a:lnRef idx="2">
-            <a:schemeClr val="accent1">
-              <a:shade val="50000"/>
-            </a:schemeClr>
-          </a:lnRef>
-          <a:fillRef idx="1">
-            <a:schemeClr val="accent1"/>
-          </a:fillRef>
-          <a:effectRef idx="0">
-            <a:schemeClr val="accent1"/>
-          </a:effectRef>
-          <a:fontRef idx="minor">
-            <a:schemeClr val="lt1"/>
-          </a:fontRef>
-        </p:style>
-        <p:txBody>
-          <a:bodyPr tIns="18288" rtlCol="0" anchor="t" anchorCtr="0"/>
-          <a:lstStyle/>
-          <a:p>
-            <a:r>
-              <a:rPr lang="fr-FR" sz="600" b="1" noProof="1">
+              </a:endParaRPr>
+            </a:p>
+          </p:txBody>
+        </p:sp>
+        <p:sp>
+          <p:nvSpPr>
+            <p:cNvPr id="38" name="Rectangle à coins arrondis 19"/>
+            <p:cNvSpPr/>
+            <p:nvPr/>
+          </p:nvSpPr>
+          <p:spPr>
+            <a:xfrm>
+              <a:off x="2080128" y="1119812"/>
+              <a:ext cx="419772" cy="219456"/>
+            </a:xfrm>
+            <a:prstGeom prst="roundRect">
+              <a:avLst/>
+            </a:prstGeom>
+            <a:solidFill>
+              <a:schemeClr val="accent1"/>
+            </a:solidFill>
+            <a:ln>
+              <a:noFill/>
+            </a:ln>
+          </p:spPr>
+          <p:style>
+            <a:lnRef idx="2">
+              <a:schemeClr val="accent1">
+                <a:shade val="50000"/>
+              </a:schemeClr>
+            </a:lnRef>
+            <a:fillRef idx="1">
+              <a:schemeClr val="accent1"/>
+            </a:fillRef>
+            <a:effectRef idx="0">
+              <a:schemeClr val="accent1"/>
+            </a:effectRef>
+            <a:fontRef idx="minor">
+              <a:schemeClr val="lt1"/>
+            </a:fontRef>
+          </p:style>
+          <p:txBody>
+            <a:bodyPr lIns="36000" tIns="27432" rIns="36000" rtlCol="0" anchor="ctr"/>
+            <a:lstStyle/>
+            <a:p>
+              <a:pPr algn="ctr"/>
+              <a:r>
+                <a:rPr lang="fr-FR" sz="600" b="1" noProof="1" smtClean="0">
+                  <a:latin typeface="Gadugi" panose="020B0502040204020203" pitchFamily="34" charset="0"/>
+                  <a:ea typeface="Gadugi" panose="020B0502040204020203" pitchFamily="34" charset="0"/>
+                  <a:cs typeface="Arial" panose="020B0604020202020204" pitchFamily="34" charset="0"/>
+                </a:rPr>
+                <a:t>Python</a:t>
+              </a:r>
+            </a:p>
+            <a:p>
+              <a:pPr algn="ctr"/>
+              <a:r>
+                <a:rPr lang="fr-FR" sz="600" b="1" noProof="1" smtClean="0">
+                  <a:latin typeface="Gadugi" panose="020B0502040204020203" pitchFamily="34" charset="0"/>
+                  <a:ea typeface="Gadugi" panose="020B0502040204020203" pitchFamily="34" charset="0"/>
+                  <a:cs typeface="Arial" panose="020B0604020202020204" pitchFamily="34" charset="0"/>
+                </a:rPr>
+                <a:t>bindings</a:t>
+              </a:r>
+              <a:endParaRPr lang="fr-FR" sz="600" b="1" noProof="1">
+                <a:latin typeface="Gadugi" panose="020B0502040204020203" pitchFamily="34" charset="0"/>
+                <a:ea typeface="Gadugi" panose="020B0502040204020203" pitchFamily="34" charset="0"/>
+                <a:cs typeface="Arial" panose="020B0604020202020204" pitchFamily="34" charset="0"/>
+              </a:endParaRPr>
+            </a:p>
+          </p:txBody>
+        </p:sp>
+        <p:sp>
+          <p:nvSpPr>
+            <p:cNvPr id="43" name="Rectangle à coins arrondis 62"/>
+            <p:cNvSpPr/>
+            <p:nvPr/>
+          </p:nvSpPr>
+          <p:spPr>
+            <a:xfrm>
+              <a:off x="2024064" y="478673"/>
+              <a:ext cx="1417722" cy="411831"/>
+            </a:xfrm>
+            <a:prstGeom prst="roundRect">
+              <a:avLst>
+                <a:gd name="adj" fmla="val 3969"/>
+              </a:avLst>
+            </a:prstGeom>
+            <a:solidFill>
+              <a:schemeClr val="bg1">
+                <a:lumMod val="85000"/>
+              </a:schemeClr>
+            </a:solidFill>
+            <a:ln>
+              <a:noFill/>
+            </a:ln>
+          </p:spPr>
+          <p:style>
+            <a:lnRef idx="2">
+              <a:schemeClr val="accent1">
+                <a:shade val="50000"/>
+              </a:schemeClr>
+            </a:lnRef>
+            <a:fillRef idx="1">
+              <a:schemeClr val="accent1"/>
+            </a:fillRef>
+            <a:effectRef idx="0">
+              <a:schemeClr val="accent1"/>
+            </a:effectRef>
+            <a:fontRef idx="minor">
+              <a:schemeClr val="lt1"/>
+            </a:fontRef>
+          </p:style>
+          <p:txBody>
+            <a:bodyPr tIns="18288" rtlCol="0" anchor="t" anchorCtr="0"/>
+            <a:lstStyle/>
+            <a:p>
+              <a:r>
+                <a:rPr lang="fr-FR" sz="600" b="1" noProof="1">
+                  <a:solidFill>
+                    <a:schemeClr val="tx1"/>
+                  </a:solidFill>
+                  <a:latin typeface="Gadugi" panose="020B0502040204020203" pitchFamily="34" charset="0"/>
+                  <a:ea typeface="Gadugi" panose="020B0502040204020203" pitchFamily="34" charset="0"/>
+                  <a:cs typeface="Arial" panose="020B0604020202020204" pitchFamily="34" charset="0"/>
+                </a:rPr>
+                <a:t>3rd-party </a:t>
+              </a:r>
+              <a:r>
+                <a:rPr lang="fr-FR" sz="600" b="1" noProof="1" smtClean="0">
+                  <a:solidFill>
+                    <a:schemeClr val="tx1"/>
+                  </a:solidFill>
+                  <a:latin typeface="Gadugi" panose="020B0502040204020203" pitchFamily="34" charset="0"/>
+                  <a:ea typeface="Gadugi" panose="020B0502040204020203" pitchFamily="34" charset="0"/>
+                  <a:cs typeface="Arial" panose="020B0604020202020204" pitchFamily="34" charset="0"/>
+                </a:rPr>
+                <a:t>applications</a:t>
+              </a:r>
+              <a:endParaRPr lang="fr-FR" sz="600" b="1" noProof="1">
                 <a:solidFill>
                   <a:schemeClr val="tx1"/>
                 </a:solidFill>
                 <a:latin typeface="Gadugi" panose="020B0502040204020203" pitchFamily="34" charset="0"/>
                 <a:ea typeface="Gadugi" panose="020B0502040204020203" pitchFamily="34" charset="0"/>
                 <a:cs typeface="Arial" panose="020B0604020202020204" pitchFamily="34" charset="0"/>
-              </a:rPr>
-              <a:t>TSDuck plugins</a:t>
-            </a:r>
-          </a:p>
-        </p:txBody>
-      </p:sp>
-      <p:sp>
-        <p:nvSpPr>
-          <p:cNvPr id="29" name="Rectangle à coins arrondis 28"/>
-          <p:cNvSpPr/>
-          <p:nvPr/>
-        </p:nvSpPr>
-        <p:spPr>
-          <a:xfrm>
-            <a:off x="2905121" y="1677141"/>
-            <a:ext cx="575218" cy="228600"/>
-          </a:xfrm>
-          <a:prstGeom prst="roundRect">
-            <a:avLst/>
-          </a:prstGeom>
-          <a:solidFill>
-            <a:srgbClr val="1F8A4C"/>
-          </a:solidFill>
-          <a:ln>
-            <a:noFill/>
-          </a:ln>
-        </p:spPr>
-        <p:style>
-          <a:lnRef idx="2">
-            <a:schemeClr val="accent1">
-              <a:shade val="50000"/>
-            </a:schemeClr>
-          </a:lnRef>
-          <a:fillRef idx="1">
-            <a:schemeClr val="accent1"/>
-          </a:fillRef>
-          <a:effectRef idx="0">
-            <a:schemeClr val="accent1"/>
-          </a:effectRef>
-          <a:fontRef idx="minor">
-            <a:schemeClr val="lt1"/>
-          </a:fontRef>
-        </p:style>
-        <p:txBody>
-          <a:bodyPr lIns="36000" tIns="27432" rIns="36000" rtlCol="0" anchor="ctr"/>
-          <a:lstStyle/>
-          <a:p>
-            <a:pPr algn="ctr"/>
-            <a:r>
-              <a:rPr lang="fr-FR" sz="600" b="1" noProof="1" smtClean="0">
+              </a:endParaRPr>
+            </a:p>
+          </p:txBody>
+        </p:sp>
+        <p:sp>
+          <p:nvSpPr>
+            <p:cNvPr id="45" name="Rectangle à coins arrondis 63"/>
+            <p:cNvSpPr/>
+            <p:nvPr/>
+          </p:nvSpPr>
+          <p:spPr>
+            <a:xfrm>
+              <a:off x="2537414" y="627305"/>
+              <a:ext cx="420624" cy="201219"/>
+            </a:xfrm>
+            <a:prstGeom prst="roundRect">
+              <a:avLst/>
+            </a:prstGeom>
+            <a:solidFill>
+              <a:schemeClr val="bg1">
+                <a:lumMod val="50000"/>
+              </a:schemeClr>
+            </a:solidFill>
+            <a:ln>
+              <a:noFill/>
+            </a:ln>
+          </p:spPr>
+          <p:style>
+            <a:lnRef idx="2">
+              <a:schemeClr val="accent1">
+                <a:shade val="50000"/>
+              </a:schemeClr>
+            </a:lnRef>
+            <a:fillRef idx="1">
+              <a:schemeClr val="accent1"/>
+            </a:fillRef>
+            <a:effectRef idx="0">
+              <a:schemeClr val="accent1"/>
+            </a:effectRef>
+            <a:fontRef idx="minor">
+              <a:schemeClr val="lt1"/>
+            </a:fontRef>
+          </p:style>
+          <p:txBody>
+            <a:bodyPr lIns="0" rIns="0" rtlCol="0" anchor="ctr"/>
+            <a:lstStyle/>
+            <a:p>
+              <a:pPr algn="ctr"/>
+              <a:r>
+                <a:rPr lang="fr-FR" sz="600" b="1" noProof="1" smtClean="0">
+                  <a:latin typeface="Gadugi" panose="020B0502040204020203" pitchFamily="34" charset="0"/>
+                  <a:ea typeface="Gadugi" panose="020B0502040204020203" pitchFamily="34" charset="0"/>
+                  <a:cs typeface="Arial" panose="020B0604020202020204" pitchFamily="34" charset="0"/>
+                </a:rPr>
+                <a:t>Java</a:t>
+              </a:r>
+              <a:endParaRPr lang="fr-FR" sz="600" b="1" noProof="1">
                 <a:latin typeface="Gadugi" panose="020B0502040204020203" pitchFamily="34" charset="0"/>
                 <a:ea typeface="Gadugi" panose="020B0502040204020203" pitchFamily="34" charset="0"/>
                 <a:cs typeface="Arial" panose="020B0604020202020204" pitchFamily="34" charset="0"/>
-              </a:rPr>
-              <a:t>packet</a:t>
-            </a:r>
-            <a:br>
-              <a:rPr lang="fr-FR" sz="600" b="1" noProof="1" smtClean="0">
+              </a:endParaRPr>
+            </a:p>
+          </p:txBody>
+        </p:sp>
+        <p:sp>
+          <p:nvSpPr>
+            <p:cNvPr id="48" name="Rectangle à coins arrondis 64"/>
+            <p:cNvSpPr/>
+            <p:nvPr/>
+          </p:nvSpPr>
+          <p:spPr>
+            <a:xfrm>
+              <a:off x="2991606" y="627305"/>
+              <a:ext cx="420624" cy="201219"/>
+            </a:xfrm>
+            <a:prstGeom prst="roundRect">
+              <a:avLst/>
+            </a:prstGeom>
+            <a:solidFill>
+              <a:schemeClr val="bg1">
+                <a:lumMod val="50000"/>
+              </a:schemeClr>
+            </a:solidFill>
+            <a:ln>
+              <a:noFill/>
+            </a:ln>
+          </p:spPr>
+          <p:style>
+            <a:lnRef idx="2">
+              <a:schemeClr val="accent1">
+                <a:shade val="50000"/>
+              </a:schemeClr>
+            </a:lnRef>
+            <a:fillRef idx="1">
+              <a:schemeClr val="accent1"/>
+            </a:fillRef>
+            <a:effectRef idx="0">
+              <a:schemeClr val="accent1"/>
+            </a:effectRef>
+            <a:fontRef idx="minor">
+              <a:schemeClr val="lt1"/>
+            </a:fontRef>
+          </p:style>
+          <p:txBody>
+            <a:bodyPr lIns="0" rIns="0" rtlCol="0" anchor="ctr"/>
+            <a:lstStyle/>
+            <a:p>
+              <a:pPr algn="ctr"/>
+              <a:r>
+                <a:rPr lang="fr-FR" sz="600" b="1" noProof="1" smtClean="0">
+                  <a:latin typeface="Gadugi" panose="020B0502040204020203" pitchFamily="34" charset="0"/>
+                  <a:ea typeface="Gadugi" panose="020B0502040204020203" pitchFamily="34" charset="0"/>
+                  <a:cs typeface="Arial" panose="020B0604020202020204" pitchFamily="34" charset="0"/>
+                </a:rPr>
+                <a:t>C++</a:t>
+              </a:r>
+              <a:endParaRPr lang="fr-FR" sz="600" b="1" noProof="1">
                 <a:latin typeface="Gadugi" panose="020B0502040204020203" pitchFamily="34" charset="0"/>
                 <a:ea typeface="Gadugi" panose="020B0502040204020203" pitchFamily="34" charset="0"/>
                 <a:cs typeface="Arial" panose="020B0604020202020204" pitchFamily="34" charset="0"/>
-              </a:rPr>
-            </a:br>
-            <a:r>
-              <a:rPr lang="fr-FR" sz="600" b="1" noProof="1" smtClean="0">
+              </a:endParaRPr>
+            </a:p>
+          </p:txBody>
+        </p:sp>
+        <p:sp>
+          <p:nvSpPr>
+            <p:cNvPr id="50" name="Rectangle à coins arrondis 63"/>
+            <p:cNvSpPr/>
+            <p:nvPr/>
+          </p:nvSpPr>
+          <p:spPr>
+            <a:xfrm>
+              <a:off x="2079702" y="627305"/>
+              <a:ext cx="420624" cy="201219"/>
+            </a:xfrm>
+            <a:prstGeom prst="roundRect">
+              <a:avLst/>
+            </a:prstGeom>
+            <a:solidFill>
+              <a:schemeClr val="bg1">
+                <a:lumMod val="50000"/>
+              </a:schemeClr>
+            </a:solidFill>
+            <a:ln>
+              <a:noFill/>
+            </a:ln>
+          </p:spPr>
+          <p:style>
+            <a:lnRef idx="2">
+              <a:schemeClr val="accent1">
+                <a:shade val="50000"/>
+              </a:schemeClr>
+            </a:lnRef>
+            <a:fillRef idx="1">
+              <a:schemeClr val="accent1"/>
+            </a:fillRef>
+            <a:effectRef idx="0">
+              <a:schemeClr val="accent1"/>
+            </a:effectRef>
+            <a:fontRef idx="minor">
+              <a:schemeClr val="lt1"/>
+            </a:fontRef>
+          </p:style>
+          <p:txBody>
+            <a:bodyPr lIns="0" rIns="0" rtlCol="0" anchor="ctr"/>
+            <a:lstStyle/>
+            <a:p>
+              <a:pPr algn="ctr"/>
+              <a:r>
+                <a:rPr lang="fr-FR" sz="600" b="1" noProof="1" smtClean="0">
+                  <a:latin typeface="Gadugi" panose="020B0502040204020203" pitchFamily="34" charset="0"/>
+                  <a:ea typeface="Gadugi" panose="020B0502040204020203" pitchFamily="34" charset="0"/>
+                  <a:cs typeface="Arial" panose="020B0604020202020204" pitchFamily="34" charset="0"/>
+                </a:rPr>
+                <a:t>Python</a:t>
+              </a:r>
+              <a:endParaRPr lang="fr-FR" sz="600" b="1" noProof="1">
                 <a:latin typeface="Gadugi" panose="020B0502040204020203" pitchFamily="34" charset="0"/>
                 <a:ea typeface="Gadugi" panose="020B0502040204020203" pitchFamily="34" charset="0"/>
                 <a:cs typeface="Arial" panose="020B0604020202020204" pitchFamily="34" charset="0"/>
-              </a:rPr>
-              <a:t>processing</a:t>
-            </a:r>
-            <a:endParaRPr lang="fr-FR" sz="600" b="1" noProof="1">
-              <a:latin typeface="Gadugi" panose="020B0502040204020203" pitchFamily="34" charset="0"/>
-              <a:ea typeface="Gadugi" panose="020B0502040204020203" pitchFamily="34" charset="0"/>
-              <a:cs typeface="Arial" panose="020B0604020202020204" pitchFamily="34" charset="0"/>
-            </a:endParaRPr>
-          </a:p>
-        </p:txBody>
-      </p:sp>
-      <p:sp>
-        <p:nvSpPr>
-          <p:cNvPr id="30" name="Rectangle à coins arrondis 29"/>
-          <p:cNvSpPr/>
-          <p:nvPr/>
-        </p:nvSpPr>
-        <p:spPr>
-          <a:xfrm>
-            <a:off x="3537254" y="1677141"/>
-            <a:ext cx="565007" cy="228600"/>
-          </a:xfrm>
-          <a:prstGeom prst="roundRect">
-            <a:avLst/>
-          </a:prstGeom>
-          <a:solidFill>
-            <a:srgbClr val="1F8A4C"/>
-          </a:solidFill>
-          <a:ln>
-            <a:noFill/>
-          </a:ln>
-        </p:spPr>
-        <p:style>
-          <a:lnRef idx="2">
-            <a:schemeClr val="accent1">
-              <a:shade val="50000"/>
-            </a:schemeClr>
-          </a:lnRef>
-          <a:fillRef idx="1">
-            <a:schemeClr val="accent1"/>
-          </a:fillRef>
-          <a:effectRef idx="0">
-            <a:schemeClr val="accent1"/>
-          </a:effectRef>
-          <a:fontRef idx="minor">
-            <a:schemeClr val="lt1"/>
-          </a:fontRef>
-        </p:style>
-        <p:txBody>
-          <a:bodyPr lIns="36000" tIns="27432" rIns="36000" rtlCol="0" anchor="ctr"/>
-          <a:lstStyle/>
-          <a:p>
-            <a:pPr algn="ctr"/>
-            <a:r>
-              <a:rPr lang="fr-FR" sz="600" b="1" noProof="1" smtClean="0">
+              </a:endParaRPr>
+            </a:p>
+          </p:txBody>
+        </p:sp>
+        <p:sp>
+          <p:nvSpPr>
+            <p:cNvPr id="53" name="Rectangle à coins arrondis 19"/>
+            <p:cNvSpPr/>
+            <p:nvPr/>
+          </p:nvSpPr>
+          <p:spPr>
+            <a:xfrm>
+              <a:off x="3674695" y="1117927"/>
+              <a:ext cx="1129077" cy="221341"/>
+            </a:xfrm>
+            <a:prstGeom prst="roundRect">
+              <a:avLst/>
+            </a:prstGeom>
+            <a:solidFill>
+              <a:schemeClr val="accent1"/>
+            </a:solidFill>
+            <a:ln>
+              <a:noFill/>
+            </a:ln>
+          </p:spPr>
+          <p:style>
+            <a:lnRef idx="2">
+              <a:schemeClr val="accent1">
+                <a:shade val="50000"/>
+              </a:schemeClr>
+            </a:lnRef>
+            <a:fillRef idx="1">
+              <a:schemeClr val="accent1"/>
+            </a:fillRef>
+            <a:effectRef idx="0">
+              <a:schemeClr val="accent1"/>
+            </a:effectRef>
+            <a:fontRef idx="minor">
+              <a:schemeClr val="lt1"/>
+            </a:fontRef>
+          </p:style>
+          <p:txBody>
+            <a:bodyPr lIns="36000" tIns="27432" rIns="36000" rtlCol="0" anchor="ctr"/>
+            <a:lstStyle/>
+            <a:p>
+              <a:pPr algn="ctr"/>
+              <a:r>
+                <a:rPr lang="fr-FR" sz="600" b="1" noProof="1" smtClean="0">
+                  <a:latin typeface="Gadugi" panose="020B0502040204020203" pitchFamily="34" charset="0"/>
+                  <a:ea typeface="Gadugi" panose="020B0502040204020203" pitchFamily="34" charset="0"/>
+                  <a:cs typeface="Arial" panose="020B0604020202020204" pitchFamily="34" charset="0"/>
+                </a:rPr>
+                <a:t>TS processor</a:t>
+              </a:r>
+              <a:endParaRPr lang="fr-FR" sz="600" b="1" noProof="1">
                 <a:latin typeface="Gadugi" panose="020B0502040204020203" pitchFamily="34" charset="0"/>
                 <a:ea typeface="Gadugi" panose="020B0502040204020203" pitchFamily="34" charset="0"/>
                 <a:cs typeface="Arial" panose="020B0604020202020204" pitchFamily="34" charset="0"/>
-              </a:rPr>
-              <a:t>input </a:t>
-            </a:r>
-            <a:r>
-              <a:rPr lang="fr-FR" sz="500" b="1" noProof="1" smtClean="0">
+              </a:endParaRPr>
+            </a:p>
+          </p:txBody>
+        </p:sp>
+        <p:cxnSp>
+          <p:nvCxnSpPr>
+            <p:cNvPr id="54" name="Connecteur droit avec flèche 31"/>
+            <p:cNvCxnSpPr/>
+            <p:nvPr/>
+          </p:nvCxnSpPr>
+          <p:spPr>
+            <a:xfrm>
+              <a:off x="4014175" y="1339268"/>
+              <a:ext cx="0" cy="215838"/>
+            </a:xfrm>
+            <a:prstGeom prst="straightConnector1">
+              <a:avLst/>
+            </a:prstGeom>
+            <a:ln w="19050">
+              <a:solidFill>
+                <a:schemeClr val="tx1"/>
+              </a:solidFill>
+              <a:prstDash val="solid"/>
+              <a:tailEnd type="triangle" w="sm" len="med"/>
+            </a:ln>
+          </p:spPr>
+          <p:style>
+            <a:lnRef idx="1">
+              <a:schemeClr val="accent1"/>
+            </a:lnRef>
+            <a:fillRef idx="0">
+              <a:schemeClr val="accent1"/>
+            </a:fillRef>
+            <a:effectRef idx="0">
+              <a:schemeClr val="accent1"/>
+            </a:effectRef>
+            <a:fontRef idx="minor">
+              <a:schemeClr val="tx1"/>
+            </a:fontRef>
+          </p:style>
+        </p:cxnSp>
+        <p:cxnSp>
+          <p:nvCxnSpPr>
+            <p:cNvPr id="58" name="Connecteur droit avec flèche 31"/>
+            <p:cNvCxnSpPr/>
+            <p:nvPr/>
+          </p:nvCxnSpPr>
+          <p:spPr>
+            <a:xfrm>
+              <a:off x="4480900" y="1339268"/>
+              <a:ext cx="0" cy="215838"/>
+            </a:xfrm>
+            <a:prstGeom prst="straightConnector1">
+              <a:avLst/>
+            </a:prstGeom>
+            <a:ln w="19050">
+              <a:solidFill>
+                <a:schemeClr val="tx1"/>
+              </a:solidFill>
+              <a:prstDash val="solid"/>
+              <a:tailEnd type="triangle" w="sm" len="med"/>
+            </a:ln>
+          </p:spPr>
+          <p:style>
+            <a:lnRef idx="1">
+              <a:schemeClr val="accent1"/>
+            </a:lnRef>
+            <a:fillRef idx="0">
+              <a:schemeClr val="accent1"/>
+            </a:fillRef>
+            <a:effectRef idx="0">
+              <a:schemeClr val="accent1"/>
+            </a:effectRef>
+            <a:fontRef idx="minor">
+              <a:schemeClr val="tx1"/>
+            </a:fontRef>
+          </p:style>
+        </p:cxnSp>
+        <p:cxnSp>
+          <p:nvCxnSpPr>
+            <p:cNvPr id="60" name="Connecteur droit avec flèche 31"/>
+            <p:cNvCxnSpPr/>
+            <p:nvPr/>
+          </p:nvCxnSpPr>
+          <p:spPr>
+            <a:xfrm>
+              <a:off x="4247363" y="893544"/>
+              <a:ext cx="0" cy="152420"/>
+            </a:xfrm>
+            <a:prstGeom prst="straightConnector1">
+              <a:avLst/>
+            </a:prstGeom>
+            <a:ln w="19050">
+              <a:solidFill>
+                <a:schemeClr val="tx1"/>
+              </a:solidFill>
+              <a:prstDash val="solid"/>
+              <a:tailEnd type="triangle" w="sm" len="med"/>
+            </a:ln>
+          </p:spPr>
+          <p:style>
+            <a:lnRef idx="1">
+              <a:schemeClr val="accent1"/>
+            </a:lnRef>
+            <a:fillRef idx="0">
+              <a:schemeClr val="accent1"/>
+            </a:fillRef>
+            <a:effectRef idx="0">
+              <a:schemeClr val="accent1"/>
+            </a:effectRef>
+            <a:fontRef idx="minor">
+              <a:schemeClr val="tx1"/>
+            </a:fontRef>
+          </p:style>
+        </p:cxnSp>
+        <p:cxnSp>
+          <p:nvCxnSpPr>
+            <p:cNvPr id="44" name="Connecteur droit avec flèche 43"/>
+            <p:cNvCxnSpPr>
+              <a:stCxn id="50" idx="2"/>
+              <a:endCxn id="38" idx="0"/>
+            </p:cNvCxnSpPr>
+            <p:nvPr/>
+          </p:nvCxnSpPr>
+          <p:spPr>
+            <a:xfrm>
+              <a:off x="2290014" y="828524"/>
+              <a:ext cx="0" cy="291288"/>
+            </a:xfrm>
+            <a:prstGeom prst="straightConnector1">
+              <a:avLst/>
+            </a:prstGeom>
+            <a:ln w="19050">
+              <a:solidFill>
+                <a:schemeClr val="tx1"/>
+              </a:solidFill>
+              <a:prstDash val="solid"/>
+              <a:tailEnd type="triangle" w="sm" len="med"/>
+            </a:ln>
+          </p:spPr>
+          <p:style>
+            <a:lnRef idx="1">
+              <a:schemeClr val="accent1"/>
+            </a:lnRef>
+            <a:fillRef idx="0">
+              <a:schemeClr val="accent1"/>
+            </a:fillRef>
+            <a:effectRef idx="0">
+              <a:schemeClr val="accent1"/>
+            </a:effectRef>
+            <a:fontRef idx="minor">
+              <a:schemeClr val="tx1"/>
+            </a:fontRef>
+          </p:style>
+        </p:cxnSp>
+        <p:cxnSp>
+          <p:nvCxnSpPr>
+            <p:cNvPr id="68" name="Connecteur droit avec flèche 43"/>
+            <p:cNvCxnSpPr>
+              <a:stCxn id="45" idx="2"/>
+              <a:endCxn id="37" idx="0"/>
+            </p:cNvCxnSpPr>
+            <p:nvPr/>
+          </p:nvCxnSpPr>
+          <p:spPr>
+            <a:xfrm>
+              <a:off x="2747726" y="828524"/>
+              <a:ext cx="0" cy="291288"/>
+            </a:xfrm>
+            <a:prstGeom prst="straightConnector1">
+              <a:avLst/>
+            </a:prstGeom>
+            <a:ln w="19050">
+              <a:solidFill>
+                <a:schemeClr val="tx1"/>
+              </a:solidFill>
+              <a:prstDash val="solid"/>
+              <a:tailEnd type="triangle" w="sm" len="med"/>
+            </a:ln>
+          </p:spPr>
+          <p:style>
+            <a:lnRef idx="1">
+              <a:schemeClr val="accent1"/>
+            </a:lnRef>
+            <a:fillRef idx="0">
+              <a:schemeClr val="accent1"/>
+            </a:fillRef>
+            <a:effectRef idx="0">
+              <a:schemeClr val="accent1"/>
+            </a:effectRef>
+            <a:fontRef idx="minor">
+              <a:schemeClr val="tx1"/>
+            </a:fontRef>
+          </p:style>
+        </p:cxnSp>
+        <p:cxnSp>
+          <p:nvCxnSpPr>
+            <p:cNvPr id="69" name="Connecteur droit avec flèche 43"/>
+            <p:cNvCxnSpPr>
+              <a:stCxn id="48" idx="2"/>
+            </p:cNvCxnSpPr>
+            <p:nvPr/>
+          </p:nvCxnSpPr>
+          <p:spPr>
+            <a:xfrm>
+              <a:off x="3201918" y="828524"/>
+              <a:ext cx="3520" cy="215275"/>
+            </a:xfrm>
+            <a:prstGeom prst="straightConnector1">
+              <a:avLst/>
+            </a:prstGeom>
+            <a:ln w="19050">
+              <a:solidFill>
+                <a:schemeClr val="tx1"/>
+              </a:solidFill>
+              <a:prstDash val="solid"/>
+              <a:tailEnd type="triangle" w="sm" len="med"/>
+            </a:ln>
+          </p:spPr>
+          <p:style>
+            <a:lnRef idx="1">
+              <a:schemeClr val="accent1"/>
+            </a:lnRef>
+            <a:fillRef idx="0">
+              <a:schemeClr val="accent1"/>
+            </a:fillRef>
+            <a:effectRef idx="0">
+              <a:schemeClr val="accent1"/>
+            </a:effectRef>
+            <a:fontRef idx="minor">
+              <a:schemeClr val="tx1"/>
+            </a:fontRef>
+          </p:style>
+        </p:cxnSp>
+        <p:cxnSp>
+          <p:nvCxnSpPr>
+            <p:cNvPr id="70" name="Connecteur droit avec flèche 43"/>
+            <p:cNvCxnSpPr/>
+            <p:nvPr/>
+          </p:nvCxnSpPr>
+          <p:spPr>
+            <a:xfrm flipV="1">
+              <a:off x="2957612" y="1190494"/>
+              <a:ext cx="717083" cy="942"/>
+            </a:xfrm>
+            <a:prstGeom prst="straightConnector1">
+              <a:avLst/>
+            </a:prstGeom>
+            <a:ln w="9525">
+              <a:solidFill>
+                <a:schemeClr val="tx1"/>
+              </a:solidFill>
+              <a:prstDash val="solid"/>
+              <a:tailEnd type="triangle" w="sm" len="med"/>
+            </a:ln>
+          </p:spPr>
+          <p:style>
+            <a:lnRef idx="1">
+              <a:schemeClr val="accent1"/>
+            </a:lnRef>
+            <a:fillRef idx="0">
+              <a:schemeClr val="accent1"/>
+            </a:fillRef>
+            <a:effectRef idx="0">
+              <a:schemeClr val="accent1"/>
+            </a:effectRef>
+            <a:fontRef idx="minor">
+              <a:schemeClr val="tx1"/>
+            </a:fontRef>
+          </p:style>
+        </p:cxnSp>
+        <p:cxnSp>
+          <p:nvCxnSpPr>
+            <p:cNvPr id="71" name="Connecteur droit avec flèche 43"/>
+            <p:cNvCxnSpPr/>
+            <p:nvPr/>
+          </p:nvCxnSpPr>
+          <p:spPr>
+            <a:xfrm flipV="1">
+              <a:off x="2500326" y="1269996"/>
+              <a:ext cx="1174795" cy="942"/>
+            </a:xfrm>
+            <a:prstGeom prst="straightConnector1">
+              <a:avLst/>
+            </a:prstGeom>
+            <a:ln w="9525">
+              <a:solidFill>
+                <a:schemeClr val="tx1"/>
+              </a:solidFill>
+              <a:prstDash val="solid"/>
+              <a:tailEnd type="triangle" w="sm" len="med"/>
+            </a:ln>
+          </p:spPr>
+          <p:style>
+            <a:lnRef idx="1">
+              <a:schemeClr val="accent1"/>
+            </a:lnRef>
+            <a:fillRef idx="0">
+              <a:schemeClr val="accent1"/>
+            </a:fillRef>
+            <a:effectRef idx="0">
+              <a:schemeClr val="accent1"/>
+            </a:effectRef>
+            <a:fontRef idx="minor">
+              <a:schemeClr val="tx1"/>
+            </a:fontRef>
+          </p:style>
+        </p:cxnSp>
+        <p:sp>
+          <p:nvSpPr>
+            <p:cNvPr id="37" name="Rectangle à coins arrondis 19"/>
+            <p:cNvSpPr/>
+            <p:nvPr/>
+          </p:nvSpPr>
+          <p:spPr>
+            <a:xfrm>
+              <a:off x="2537840" y="1119812"/>
+              <a:ext cx="419772" cy="219456"/>
+            </a:xfrm>
+            <a:prstGeom prst="roundRect">
+              <a:avLst/>
+            </a:prstGeom>
+            <a:solidFill>
+              <a:schemeClr val="accent1"/>
+            </a:solidFill>
+            <a:ln>
+              <a:noFill/>
+            </a:ln>
+          </p:spPr>
+          <p:style>
+            <a:lnRef idx="2">
+              <a:schemeClr val="accent1">
+                <a:shade val="50000"/>
+              </a:schemeClr>
+            </a:lnRef>
+            <a:fillRef idx="1">
+              <a:schemeClr val="accent1"/>
+            </a:fillRef>
+            <a:effectRef idx="0">
+              <a:schemeClr val="accent1"/>
+            </a:effectRef>
+            <a:fontRef idx="minor">
+              <a:schemeClr val="lt1"/>
+            </a:fontRef>
+          </p:style>
+          <p:txBody>
+            <a:bodyPr lIns="36000" tIns="27432" rIns="36000" rtlCol="0" anchor="ctr"/>
+            <a:lstStyle/>
+            <a:p>
+              <a:pPr algn="ctr"/>
+              <a:r>
+                <a:rPr lang="fr-FR" sz="600" b="1" noProof="1" smtClean="0">
+                  <a:latin typeface="Gadugi" panose="020B0502040204020203" pitchFamily="34" charset="0"/>
+                  <a:ea typeface="Gadugi" panose="020B0502040204020203" pitchFamily="34" charset="0"/>
+                  <a:cs typeface="Arial" panose="020B0604020202020204" pitchFamily="34" charset="0"/>
+                </a:rPr>
+                <a:t>Java bindings</a:t>
+              </a:r>
+              <a:endParaRPr lang="fr-FR" sz="600" b="1" noProof="1">
                 <a:latin typeface="Gadugi" panose="020B0502040204020203" pitchFamily="34" charset="0"/>
                 <a:ea typeface="Gadugi" panose="020B0502040204020203" pitchFamily="34" charset="0"/>
                 <a:cs typeface="Arial" panose="020B0604020202020204" pitchFamily="34" charset="0"/>
-              </a:rPr>
-              <a:t>&amp;</a:t>
-            </a:r>
-            <a:r>
-              <a:rPr lang="fr-FR" sz="600" b="1" noProof="1" smtClean="0">
-                <a:latin typeface="Gadugi" panose="020B0502040204020203" pitchFamily="34" charset="0"/>
-                <a:ea typeface="Gadugi" panose="020B0502040204020203" pitchFamily="34" charset="0"/>
-                <a:cs typeface="Arial" panose="020B0604020202020204" pitchFamily="34" charset="0"/>
-              </a:rPr>
-              <a:t> </a:t>
-            </a:r>
-            <a:br>
-              <a:rPr lang="fr-FR" sz="600" b="1" noProof="1" smtClean="0">
-                <a:latin typeface="Gadugi" panose="020B0502040204020203" pitchFamily="34" charset="0"/>
-                <a:ea typeface="Gadugi" panose="020B0502040204020203" pitchFamily="34" charset="0"/>
-                <a:cs typeface="Arial" panose="020B0604020202020204" pitchFamily="34" charset="0"/>
-              </a:rPr>
-            </a:br>
-            <a:r>
-              <a:rPr lang="fr-FR" sz="600" b="1" noProof="1" smtClean="0">
-                <a:latin typeface="Gadugi" panose="020B0502040204020203" pitchFamily="34" charset="0"/>
-                <a:ea typeface="Gadugi" panose="020B0502040204020203" pitchFamily="34" charset="0"/>
-                <a:cs typeface="Arial" panose="020B0604020202020204" pitchFamily="34" charset="0"/>
-              </a:rPr>
-              <a:t>output</a:t>
-            </a:r>
-            <a:endParaRPr lang="fr-FR" sz="600" b="1" noProof="1">
-              <a:latin typeface="Gadugi" panose="020B0502040204020203" pitchFamily="34" charset="0"/>
-              <a:ea typeface="Gadugi" panose="020B0502040204020203" pitchFamily="34" charset="0"/>
-              <a:cs typeface="Arial" panose="020B0604020202020204" pitchFamily="34" charset="0"/>
-            </a:endParaRPr>
-          </a:p>
-        </p:txBody>
-      </p:sp>
-      <p:sp>
-        <p:nvSpPr>
-          <p:cNvPr id="33" name="Rectangle à coins arrondis 32"/>
-          <p:cNvSpPr/>
-          <p:nvPr/>
-        </p:nvSpPr>
-        <p:spPr>
-          <a:xfrm>
-            <a:off x="3517223" y="486359"/>
-            <a:ext cx="1675383" cy="411831"/>
-          </a:xfrm>
-          <a:prstGeom prst="roundRect">
-            <a:avLst>
-              <a:gd name="adj" fmla="val 3969"/>
-            </a:avLst>
-          </a:prstGeom>
-          <a:solidFill>
-            <a:schemeClr val="accent6">
-              <a:lumMod val="40000"/>
-              <a:lumOff val="60000"/>
-            </a:schemeClr>
-          </a:solidFill>
-          <a:ln>
-            <a:noFill/>
-          </a:ln>
-        </p:spPr>
-        <p:style>
-          <a:lnRef idx="2">
-            <a:schemeClr val="accent1">
-              <a:shade val="50000"/>
-            </a:schemeClr>
-          </a:lnRef>
-          <a:fillRef idx="1">
-            <a:schemeClr val="accent1"/>
-          </a:fillRef>
-          <a:effectRef idx="0">
-            <a:schemeClr val="accent1"/>
-          </a:effectRef>
-          <a:fontRef idx="minor">
-            <a:schemeClr val="lt1"/>
-          </a:fontRef>
-        </p:style>
-        <p:txBody>
-          <a:bodyPr tIns="18288" rtlCol="0" anchor="t" anchorCtr="0"/>
-          <a:lstStyle/>
-          <a:p>
-            <a:r>
-              <a:rPr lang="fr-FR" sz="600" b="1" noProof="1">
-                <a:solidFill>
-                  <a:schemeClr val="tx1"/>
-                </a:solidFill>
-                <a:latin typeface="Gadugi" panose="020B0502040204020203" pitchFamily="34" charset="0"/>
-                <a:ea typeface="Gadugi" panose="020B0502040204020203" pitchFamily="34" charset="0"/>
-                <a:cs typeface="Arial" panose="020B0604020202020204" pitchFamily="34" charset="0"/>
-              </a:rPr>
-              <a:t>TSDuck commands</a:t>
-            </a:r>
-          </a:p>
-        </p:txBody>
-      </p:sp>
-      <p:sp>
-        <p:nvSpPr>
-          <p:cNvPr id="36" name="Rectangle à coins arrondis 35"/>
-          <p:cNvSpPr/>
-          <p:nvPr/>
-        </p:nvSpPr>
-        <p:spPr>
-          <a:xfrm>
-            <a:off x="4654002" y="627305"/>
-            <a:ext cx="457200" cy="201219"/>
-          </a:xfrm>
-          <a:prstGeom prst="roundRect">
-            <a:avLst/>
-          </a:prstGeom>
-          <a:solidFill>
-            <a:srgbClr val="1F8A4C"/>
-          </a:solidFill>
-          <a:ln>
-            <a:noFill/>
-          </a:ln>
-        </p:spPr>
-        <p:style>
-          <a:lnRef idx="2">
-            <a:schemeClr val="accent1">
-              <a:shade val="50000"/>
-            </a:schemeClr>
-          </a:lnRef>
-          <a:fillRef idx="1">
-            <a:schemeClr val="accent1"/>
-          </a:fillRef>
-          <a:effectRef idx="0">
-            <a:schemeClr val="accent1"/>
-          </a:effectRef>
-          <a:fontRef idx="minor">
-            <a:schemeClr val="lt1"/>
-          </a:fontRef>
-        </p:style>
-        <p:txBody>
-          <a:bodyPr lIns="36000" rIns="36000" rtlCol="0" anchor="ctr"/>
-          <a:lstStyle/>
-          <a:p>
-            <a:pPr algn="ctr"/>
-            <a:r>
-              <a:rPr lang="fr-FR" sz="600" b="1" noProof="1" smtClean="0">
-                <a:latin typeface="Gadugi" panose="020B0502040204020203" pitchFamily="34" charset="0"/>
-                <a:ea typeface="Gadugi" panose="020B0502040204020203" pitchFamily="34" charset="0"/>
-                <a:cs typeface="Arial" panose="020B0604020202020204" pitchFamily="34" charset="0"/>
-              </a:rPr>
-              <a:t>other ts...</a:t>
-            </a:r>
-            <a:endParaRPr lang="fr-FR" sz="600" b="1" noProof="1">
-              <a:latin typeface="Gadugi" panose="020B0502040204020203" pitchFamily="34" charset="0"/>
-              <a:ea typeface="Gadugi" panose="020B0502040204020203" pitchFamily="34" charset="0"/>
-              <a:cs typeface="Arial" panose="020B0604020202020204" pitchFamily="34" charset="0"/>
-            </a:endParaRPr>
-          </a:p>
-        </p:txBody>
-      </p:sp>
-      <p:cxnSp>
-        <p:nvCxnSpPr>
-          <p:cNvPr id="41" name="Connecteur droit avec flèche 40"/>
-          <p:cNvCxnSpPr>
-            <a:stCxn id="22" idx="2"/>
-          </p:cNvCxnSpPr>
-          <p:nvPr/>
-        </p:nvCxnSpPr>
-        <p:spPr>
-          <a:xfrm>
-            <a:off x="4671510" y="2356073"/>
-            <a:ext cx="1608" cy="189595"/>
-          </a:xfrm>
-          <a:prstGeom prst="straightConnector1">
-            <a:avLst/>
-          </a:prstGeom>
-          <a:ln w="19050">
-            <a:solidFill>
-              <a:schemeClr val="tx1"/>
-            </a:solidFill>
-            <a:prstDash val="solid"/>
-            <a:tailEnd type="triangle" w="sm" len="med"/>
-          </a:ln>
-        </p:spPr>
-        <p:style>
-          <a:lnRef idx="1">
-            <a:schemeClr val="accent1"/>
-          </a:lnRef>
-          <a:fillRef idx="0">
-            <a:schemeClr val="accent1"/>
-          </a:fillRef>
-          <a:effectRef idx="0">
-            <a:schemeClr val="accent1"/>
-          </a:effectRef>
-          <a:fontRef idx="minor">
-            <a:schemeClr val="tx1"/>
-          </a:fontRef>
-        </p:style>
-      </p:cxnSp>
-      <p:sp>
-        <p:nvSpPr>
-          <p:cNvPr id="34" name="Rectangle à coins arrondis 33"/>
-          <p:cNvSpPr/>
-          <p:nvPr/>
-        </p:nvSpPr>
-        <p:spPr>
-          <a:xfrm>
-            <a:off x="3609744" y="627305"/>
-            <a:ext cx="457200" cy="201219"/>
-          </a:xfrm>
-          <a:prstGeom prst="roundRect">
-            <a:avLst/>
-          </a:prstGeom>
-          <a:solidFill>
-            <a:srgbClr val="1F8A4C"/>
-          </a:solidFill>
-          <a:ln>
-            <a:noFill/>
-          </a:ln>
-        </p:spPr>
-        <p:style>
-          <a:lnRef idx="2">
-            <a:schemeClr val="accent1">
-              <a:shade val="50000"/>
-            </a:schemeClr>
-          </a:lnRef>
-          <a:fillRef idx="1">
-            <a:schemeClr val="accent1"/>
-          </a:fillRef>
-          <a:effectRef idx="0">
-            <a:schemeClr val="accent1"/>
-          </a:effectRef>
-          <a:fontRef idx="minor">
-            <a:schemeClr val="lt1"/>
-          </a:fontRef>
-        </p:style>
-        <p:txBody>
-          <a:bodyPr lIns="36000" rIns="36000" rtlCol="0" anchor="ctr"/>
-          <a:lstStyle/>
-          <a:p>
-            <a:pPr algn="ctr"/>
-            <a:r>
-              <a:rPr lang="fr-FR" sz="600" b="1" noProof="1">
-                <a:latin typeface="Gadugi" panose="020B0502040204020203" pitchFamily="34" charset="0"/>
-                <a:ea typeface="Gadugi" panose="020B0502040204020203" pitchFamily="34" charset="0"/>
-                <a:cs typeface="Arial" panose="020B0604020202020204" pitchFamily="34" charset="0"/>
-              </a:rPr>
-              <a:t>tsp</a:t>
-            </a:r>
-          </a:p>
-        </p:txBody>
-      </p:sp>
-      <p:sp>
-        <p:nvSpPr>
-          <p:cNvPr id="35" name="Rectangle à coins arrondis 34"/>
-          <p:cNvSpPr/>
-          <p:nvPr/>
-        </p:nvSpPr>
-        <p:spPr>
-          <a:xfrm>
-            <a:off x="4131873" y="627305"/>
-            <a:ext cx="457200" cy="201219"/>
-          </a:xfrm>
-          <a:prstGeom prst="roundRect">
-            <a:avLst/>
-          </a:prstGeom>
-          <a:solidFill>
-            <a:srgbClr val="1F8A4C"/>
-          </a:solidFill>
-          <a:ln>
-            <a:noFill/>
-          </a:ln>
-        </p:spPr>
-        <p:style>
-          <a:lnRef idx="2">
-            <a:schemeClr val="accent1">
-              <a:shade val="50000"/>
-            </a:schemeClr>
-          </a:lnRef>
-          <a:fillRef idx="1">
-            <a:schemeClr val="accent1"/>
-          </a:fillRef>
-          <a:effectRef idx="0">
-            <a:schemeClr val="accent1"/>
-          </a:effectRef>
-          <a:fontRef idx="minor">
-            <a:schemeClr val="lt1"/>
-          </a:fontRef>
-        </p:style>
-        <p:txBody>
-          <a:bodyPr lIns="36000" rIns="36000" rtlCol="0" anchor="ctr"/>
-          <a:lstStyle/>
-          <a:p>
-            <a:pPr algn="ctr"/>
-            <a:r>
-              <a:rPr lang="fr-FR" sz="600" b="1" noProof="1">
-                <a:latin typeface="Gadugi" panose="020B0502040204020203" pitchFamily="34" charset="0"/>
-                <a:ea typeface="Gadugi" panose="020B0502040204020203" pitchFamily="34" charset="0"/>
-                <a:cs typeface="Arial" panose="020B0604020202020204" pitchFamily="34" charset="0"/>
-              </a:rPr>
-              <a:t>tsswitch</a:t>
-            </a:r>
-          </a:p>
-        </p:txBody>
-      </p:sp>
-      <p:sp>
-        <p:nvSpPr>
-          <p:cNvPr id="46" name="Rectangle à coins arrondis 45"/>
-          <p:cNvSpPr/>
-          <p:nvPr/>
-        </p:nvSpPr>
-        <p:spPr>
-          <a:xfrm>
-            <a:off x="2024064" y="2541035"/>
-            <a:ext cx="1337499" cy="411831"/>
-          </a:xfrm>
-          <a:prstGeom prst="roundRect">
-            <a:avLst>
-              <a:gd name="adj" fmla="val 3969"/>
-            </a:avLst>
-          </a:prstGeom>
-          <a:solidFill>
-            <a:schemeClr val="bg1">
-              <a:lumMod val="85000"/>
-            </a:schemeClr>
-          </a:solidFill>
-          <a:ln>
-            <a:noFill/>
-          </a:ln>
-        </p:spPr>
-        <p:style>
-          <a:lnRef idx="2">
-            <a:schemeClr val="accent1">
-              <a:shade val="50000"/>
-            </a:schemeClr>
-          </a:lnRef>
-          <a:fillRef idx="1">
-            <a:schemeClr val="accent1"/>
-          </a:fillRef>
-          <a:effectRef idx="0">
-            <a:schemeClr val="accent1"/>
-          </a:effectRef>
-          <a:fontRef idx="minor">
-            <a:schemeClr val="lt1"/>
-          </a:fontRef>
-        </p:style>
-        <p:txBody>
-          <a:bodyPr tIns="18288" rtlCol="0" anchor="t" anchorCtr="0"/>
-          <a:lstStyle/>
-          <a:p>
-            <a:r>
-              <a:rPr lang="fr-FR" sz="600" b="1" noProof="1" smtClean="0">
-                <a:solidFill>
-                  <a:schemeClr val="tx1"/>
-                </a:solidFill>
-                <a:latin typeface="Gadugi" panose="020B0502040204020203" pitchFamily="34" charset="0"/>
-                <a:ea typeface="Gadugi" panose="020B0502040204020203" pitchFamily="34" charset="0"/>
-                <a:cs typeface="Arial" panose="020B0604020202020204" pitchFamily="34" charset="0"/>
-              </a:rPr>
-              <a:t>DVB </a:t>
-            </a:r>
-            <a:r>
-              <a:rPr lang="fr-FR" sz="600" b="1" noProof="1">
-                <a:solidFill>
-                  <a:schemeClr val="tx1"/>
-                </a:solidFill>
-                <a:latin typeface="Gadugi" panose="020B0502040204020203" pitchFamily="34" charset="0"/>
-                <a:ea typeface="Gadugi" panose="020B0502040204020203" pitchFamily="34" charset="0"/>
-                <a:cs typeface="Arial" panose="020B0604020202020204" pitchFamily="34" charset="0"/>
-              </a:rPr>
-              <a:t>tuning framework</a:t>
-            </a:r>
-          </a:p>
-        </p:txBody>
-      </p:sp>
-      <p:sp>
-        <p:nvSpPr>
-          <p:cNvPr id="47" name="Rectangle à coins arrondis 46"/>
-          <p:cNvSpPr/>
-          <p:nvPr/>
-        </p:nvSpPr>
-        <p:spPr>
-          <a:xfrm>
-            <a:off x="2114008" y="2672837"/>
-            <a:ext cx="550292" cy="232631"/>
-          </a:xfrm>
-          <a:prstGeom prst="roundRect">
-            <a:avLst/>
-          </a:prstGeom>
-          <a:solidFill>
-            <a:schemeClr val="bg1">
-              <a:lumMod val="50000"/>
-            </a:schemeClr>
-          </a:solidFill>
-          <a:ln>
-            <a:noFill/>
-          </a:ln>
-        </p:spPr>
-        <p:style>
-          <a:lnRef idx="2">
-            <a:schemeClr val="accent1">
-              <a:shade val="50000"/>
-            </a:schemeClr>
-          </a:lnRef>
-          <a:fillRef idx="1">
-            <a:schemeClr val="accent1"/>
-          </a:fillRef>
-          <a:effectRef idx="0">
-            <a:schemeClr val="accent1"/>
-          </a:effectRef>
-          <a:fontRef idx="minor">
-            <a:schemeClr val="lt1"/>
-          </a:fontRef>
-        </p:style>
-        <p:txBody>
-          <a:bodyPr lIns="0" rIns="0" rtlCol="0" anchor="ctr"/>
-          <a:lstStyle/>
-          <a:p>
-            <a:pPr algn="ctr"/>
-            <a:r>
-              <a:rPr lang="fr-FR" sz="600" b="1" noProof="1">
-                <a:latin typeface="Gadugi" panose="020B0502040204020203" pitchFamily="34" charset="0"/>
-                <a:ea typeface="Gadugi" panose="020B0502040204020203" pitchFamily="34" charset="0"/>
-                <a:cs typeface="Arial" panose="020B0604020202020204" pitchFamily="34" charset="0"/>
-              </a:rPr>
-              <a:t>DirectShow (Windows)</a:t>
-            </a:r>
-          </a:p>
-        </p:txBody>
-      </p:sp>
-      <p:sp>
-        <p:nvSpPr>
-          <p:cNvPr id="49" name="Rectangle à coins arrondis 48"/>
-          <p:cNvSpPr/>
-          <p:nvPr/>
-        </p:nvSpPr>
-        <p:spPr>
-          <a:xfrm>
-            <a:off x="2739977" y="2672837"/>
-            <a:ext cx="544842" cy="232631"/>
-          </a:xfrm>
-          <a:prstGeom prst="roundRect">
-            <a:avLst/>
-          </a:prstGeom>
-          <a:solidFill>
-            <a:schemeClr val="bg1">
-              <a:lumMod val="50000"/>
-            </a:schemeClr>
-          </a:solidFill>
-          <a:ln>
-            <a:noFill/>
-          </a:ln>
-        </p:spPr>
-        <p:style>
-          <a:lnRef idx="2">
-            <a:schemeClr val="accent1">
-              <a:shade val="50000"/>
-            </a:schemeClr>
-          </a:lnRef>
-          <a:fillRef idx="1">
-            <a:schemeClr val="accent1"/>
-          </a:fillRef>
-          <a:effectRef idx="0">
-            <a:schemeClr val="accent1"/>
-          </a:effectRef>
-          <a:fontRef idx="minor">
-            <a:schemeClr val="lt1"/>
-          </a:fontRef>
-        </p:style>
-        <p:txBody>
-          <a:bodyPr lIns="0" rIns="0" rtlCol="0" anchor="ctr"/>
-          <a:lstStyle/>
-          <a:p>
-            <a:pPr algn="ctr"/>
-            <a:r>
-              <a:rPr lang="fr-FR" sz="600" b="1" noProof="1">
-                <a:latin typeface="Gadugi" panose="020B0502040204020203" pitchFamily="34" charset="0"/>
-                <a:ea typeface="Gadugi" panose="020B0502040204020203" pitchFamily="34" charset="0"/>
-                <a:cs typeface="Arial" panose="020B0604020202020204" pitchFamily="34" charset="0"/>
-              </a:rPr>
-              <a:t>Linux TV</a:t>
-            </a:r>
-          </a:p>
-        </p:txBody>
-      </p:sp>
-      <p:cxnSp>
-        <p:nvCxnSpPr>
-          <p:cNvPr id="55" name="Connecteur droit avec flèche 54"/>
-          <p:cNvCxnSpPr>
-            <a:stCxn id="20" idx="2"/>
-          </p:cNvCxnSpPr>
-          <p:nvPr/>
-        </p:nvCxnSpPr>
-        <p:spPr>
-          <a:xfrm>
-            <a:off x="2572831" y="2356073"/>
-            <a:ext cx="0" cy="189595"/>
-          </a:xfrm>
-          <a:prstGeom prst="straightConnector1">
-            <a:avLst/>
-          </a:prstGeom>
-          <a:ln w="19050">
-            <a:solidFill>
-              <a:schemeClr val="tx1"/>
-            </a:solidFill>
-            <a:prstDash val="solid"/>
-            <a:tailEnd type="triangle" w="sm" len="med"/>
-          </a:ln>
-        </p:spPr>
-        <p:style>
-          <a:lnRef idx="1">
-            <a:schemeClr val="accent1"/>
-          </a:lnRef>
-          <a:fillRef idx="0">
-            <a:schemeClr val="accent1"/>
-          </a:fillRef>
-          <a:effectRef idx="0">
-            <a:schemeClr val="accent1"/>
-          </a:effectRef>
-          <a:fontRef idx="minor">
-            <a:schemeClr val="tx1"/>
-          </a:fontRef>
-        </p:style>
-      </p:cxnSp>
-      <p:sp>
-        <p:nvSpPr>
-          <p:cNvPr id="20" name="Rectangle à coins arrondis 19"/>
-          <p:cNvSpPr/>
-          <p:nvPr/>
-        </p:nvSpPr>
-        <p:spPr>
-          <a:xfrm>
-            <a:off x="2148684" y="2134732"/>
-            <a:ext cx="848293" cy="221341"/>
-          </a:xfrm>
-          <a:prstGeom prst="roundRect">
-            <a:avLst/>
-          </a:prstGeom>
-          <a:solidFill>
-            <a:srgbClr val="1F8A4C"/>
-          </a:solidFill>
-          <a:ln>
-            <a:noFill/>
-          </a:ln>
-        </p:spPr>
-        <p:style>
-          <a:lnRef idx="2">
-            <a:schemeClr val="accent1">
-              <a:shade val="50000"/>
-            </a:schemeClr>
-          </a:lnRef>
-          <a:fillRef idx="1">
-            <a:schemeClr val="accent1"/>
-          </a:fillRef>
-          <a:effectRef idx="0">
-            <a:schemeClr val="accent1"/>
-          </a:effectRef>
-          <a:fontRef idx="minor">
-            <a:schemeClr val="lt1"/>
-          </a:fontRef>
-        </p:style>
-        <p:txBody>
-          <a:bodyPr lIns="36000" tIns="27432" rIns="36000" rtlCol="0" anchor="ctr"/>
-          <a:lstStyle/>
-          <a:p>
-            <a:pPr algn="ctr"/>
-            <a:r>
-              <a:rPr lang="fr-FR" sz="600" b="1" noProof="1" smtClean="0">
-                <a:latin typeface="Gadugi" panose="020B0502040204020203" pitchFamily="34" charset="0"/>
-                <a:ea typeface="Gadugi" panose="020B0502040204020203" pitchFamily="34" charset="0"/>
-                <a:cs typeface="Arial" panose="020B0604020202020204" pitchFamily="34" charset="0"/>
-              </a:rPr>
-              <a:t>Digital TV utilities</a:t>
-            </a:r>
-            <a:endParaRPr lang="fr-FR" sz="600" b="1" noProof="1">
-              <a:latin typeface="Gadugi" panose="020B0502040204020203" pitchFamily="34" charset="0"/>
-              <a:ea typeface="Gadugi" panose="020B0502040204020203" pitchFamily="34" charset="0"/>
-              <a:cs typeface="Arial" panose="020B0604020202020204" pitchFamily="34" charset="0"/>
-            </a:endParaRPr>
-          </a:p>
-        </p:txBody>
-      </p:sp>
-      <p:sp>
-        <p:nvSpPr>
-          <p:cNvPr id="22" name="Rectangle à coins arrondis 21"/>
-          <p:cNvSpPr/>
-          <p:nvPr/>
-        </p:nvSpPr>
-        <p:spPr>
-          <a:xfrm>
-            <a:off x="4247363" y="2134732"/>
-            <a:ext cx="848293" cy="221341"/>
-          </a:xfrm>
-          <a:prstGeom prst="roundRect">
-            <a:avLst/>
-          </a:prstGeom>
-          <a:solidFill>
-            <a:srgbClr val="1F8A4C"/>
-          </a:solidFill>
-          <a:ln>
-            <a:noFill/>
-          </a:ln>
-        </p:spPr>
-        <p:style>
-          <a:lnRef idx="2">
-            <a:schemeClr val="accent1">
-              <a:shade val="50000"/>
-            </a:schemeClr>
-          </a:lnRef>
-          <a:fillRef idx="1">
-            <a:schemeClr val="accent1"/>
-          </a:fillRef>
-          <a:effectRef idx="0">
-            <a:schemeClr val="accent1"/>
-          </a:effectRef>
-          <a:fontRef idx="minor">
-            <a:schemeClr val="lt1"/>
-          </a:fontRef>
-        </p:style>
-        <p:txBody>
-          <a:bodyPr lIns="36000" tIns="27432" rIns="36000" rtlCol="0" anchor="ctr"/>
-          <a:lstStyle/>
-          <a:p>
-            <a:pPr algn="ctr"/>
-            <a:r>
-              <a:rPr lang="fr-FR" sz="600" b="1" noProof="1">
-                <a:latin typeface="Gadugi" panose="020B0502040204020203" pitchFamily="34" charset="0"/>
-                <a:ea typeface="Gadugi" panose="020B0502040204020203" pitchFamily="34" charset="0"/>
-                <a:cs typeface="Arial" panose="020B0604020202020204" pitchFamily="34" charset="0"/>
-              </a:rPr>
-              <a:t>OS abstraction</a:t>
-            </a:r>
-          </a:p>
-        </p:txBody>
-      </p:sp>
-      <p:cxnSp>
-        <p:nvCxnSpPr>
-          <p:cNvPr id="56" name="Connecteur droit avec flèche 55"/>
-          <p:cNvCxnSpPr>
-            <a:stCxn id="20" idx="3"/>
-            <a:endCxn id="21" idx="1"/>
-          </p:cNvCxnSpPr>
-          <p:nvPr/>
-        </p:nvCxnSpPr>
-        <p:spPr>
-          <a:xfrm>
-            <a:off x="2996977" y="2245403"/>
-            <a:ext cx="217711" cy="0"/>
-          </a:xfrm>
-          <a:prstGeom prst="straightConnector1">
-            <a:avLst/>
-          </a:prstGeom>
-          <a:ln w="19050">
-            <a:solidFill>
-              <a:schemeClr val="tx1"/>
-            </a:solidFill>
-            <a:prstDash val="solid"/>
-            <a:tailEnd type="triangle" w="sm" len="med"/>
-          </a:ln>
-        </p:spPr>
-        <p:style>
-          <a:lnRef idx="1">
-            <a:schemeClr val="accent1"/>
-          </a:lnRef>
-          <a:fillRef idx="0">
-            <a:schemeClr val="accent1"/>
-          </a:fillRef>
-          <a:effectRef idx="0">
-            <a:schemeClr val="accent1"/>
-          </a:effectRef>
-          <a:fontRef idx="minor">
-            <a:schemeClr val="tx1"/>
-          </a:fontRef>
-        </p:style>
-      </p:cxnSp>
-      <p:cxnSp>
-        <p:nvCxnSpPr>
-          <p:cNvPr id="59" name="Connecteur droit avec flèche 58"/>
-          <p:cNvCxnSpPr>
-            <a:stCxn id="21" idx="3"/>
-            <a:endCxn id="22" idx="1"/>
-          </p:cNvCxnSpPr>
-          <p:nvPr/>
-        </p:nvCxnSpPr>
-        <p:spPr>
-          <a:xfrm>
-            <a:off x="4062981" y="2245403"/>
-            <a:ext cx="184382" cy="0"/>
-          </a:xfrm>
-          <a:prstGeom prst="straightConnector1">
-            <a:avLst/>
-          </a:prstGeom>
-          <a:ln w="19050">
-            <a:solidFill>
-              <a:schemeClr val="tx1"/>
-            </a:solidFill>
-            <a:prstDash val="solid"/>
-            <a:tailEnd type="triangle" w="sm" len="med"/>
-          </a:ln>
-        </p:spPr>
-        <p:style>
-          <a:lnRef idx="1">
-            <a:schemeClr val="accent1"/>
-          </a:lnRef>
-          <a:fillRef idx="0">
-            <a:schemeClr val="accent1"/>
-          </a:fillRef>
-          <a:effectRef idx="0">
-            <a:schemeClr val="accent1"/>
-          </a:effectRef>
-          <a:fontRef idx="minor">
-            <a:schemeClr val="tx1"/>
-          </a:fontRef>
-        </p:style>
-      </p:cxnSp>
-      <p:sp>
-        <p:nvSpPr>
-          <p:cNvPr id="63" name="Rectangle à coins arrondis 62"/>
-          <p:cNvSpPr/>
-          <p:nvPr/>
-        </p:nvSpPr>
-        <p:spPr>
-          <a:xfrm>
-            <a:off x="4334068" y="1548393"/>
-            <a:ext cx="858539" cy="411831"/>
-          </a:xfrm>
-          <a:prstGeom prst="roundRect">
-            <a:avLst>
-              <a:gd name="adj" fmla="val 3969"/>
-            </a:avLst>
-          </a:prstGeom>
-          <a:solidFill>
-            <a:schemeClr val="bg1">
-              <a:lumMod val="85000"/>
-            </a:schemeClr>
-          </a:solidFill>
-          <a:ln>
-            <a:noFill/>
-          </a:ln>
-        </p:spPr>
-        <p:style>
-          <a:lnRef idx="2">
-            <a:schemeClr val="accent1">
-              <a:shade val="50000"/>
-            </a:schemeClr>
-          </a:lnRef>
-          <a:fillRef idx="1">
-            <a:schemeClr val="accent1"/>
-          </a:fillRef>
-          <a:effectRef idx="0">
-            <a:schemeClr val="accent1"/>
-          </a:effectRef>
-          <a:fontRef idx="minor">
-            <a:schemeClr val="lt1"/>
-          </a:fontRef>
-        </p:style>
-        <p:txBody>
-          <a:bodyPr tIns="18288" rtlCol="0" anchor="t" anchorCtr="0"/>
-          <a:lstStyle/>
-          <a:p>
-            <a:r>
-              <a:rPr lang="fr-FR" sz="600" b="1" noProof="1">
-                <a:solidFill>
-                  <a:schemeClr val="tx1"/>
-                </a:solidFill>
-                <a:latin typeface="Gadugi" panose="020B0502040204020203" pitchFamily="34" charset="0"/>
-                <a:ea typeface="Gadugi" panose="020B0502040204020203" pitchFamily="34" charset="0"/>
-                <a:cs typeface="Arial" panose="020B0604020202020204" pitchFamily="34" charset="0"/>
-              </a:rPr>
-              <a:t>3rd-party plugins</a:t>
-            </a:r>
-          </a:p>
-        </p:txBody>
-      </p:sp>
-      <p:sp>
-        <p:nvSpPr>
-          <p:cNvPr id="64" name="Rectangle à coins arrondis 63"/>
-          <p:cNvSpPr/>
-          <p:nvPr/>
-        </p:nvSpPr>
-        <p:spPr>
-          <a:xfrm>
-            <a:off x="4421845" y="1690832"/>
-            <a:ext cx="279500" cy="201219"/>
-          </a:xfrm>
-          <a:prstGeom prst="roundRect">
-            <a:avLst/>
-          </a:prstGeom>
-          <a:solidFill>
-            <a:schemeClr val="bg1">
-              <a:lumMod val="50000"/>
-            </a:schemeClr>
-          </a:solidFill>
-          <a:ln>
-            <a:noFill/>
-          </a:ln>
-        </p:spPr>
-        <p:style>
-          <a:lnRef idx="2">
-            <a:schemeClr val="accent1">
-              <a:shade val="50000"/>
-            </a:schemeClr>
-          </a:lnRef>
-          <a:fillRef idx="1">
-            <a:schemeClr val="accent1"/>
-          </a:fillRef>
-          <a:effectRef idx="0">
-            <a:schemeClr val="accent1"/>
-          </a:effectRef>
-          <a:fontRef idx="minor">
-            <a:schemeClr val="lt1"/>
-          </a:fontRef>
-        </p:style>
-        <p:txBody>
-          <a:bodyPr lIns="36000" rIns="36000" rtlCol="0" anchor="ctr"/>
-          <a:lstStyle/>
-          <a:p>
-            <a:pPr algn="ctr"/>
-            <a:r>
-              <a:rPr lang="fr-FR" sz="600" b="1" noProof="1" smtClean="0">
-                <a:latin typeface="Gadugi" panose="020B0502040204020203" pitchFamily="34" charset="0"/>
-                <a:ea typeface="Gadugi" panose="020B0502040204020203" pitchFamily="34" charset="0"/>
-                <a:cs typeface="Arial" panose="020B0604020202020204" pitchFamily="34" charset="0"/>
-              </a:rPr>
-              <a:t>C++</a:t>
-            </a:r>
-            <a:endParaRPr lang="fr-FR" sz="600" b="1" noProof="1">
-              <a:latin typeface="Gadugi" panose="020B0502040204020203" pitchFamily="34" charset="0"/>
-              <a:ea typeface="Gadugi" panose="020B0502040204020203" pitchFamily="34" charset="0"/>
-              <a:cs typeface="Arial" panose="020B0604020202020204" pitchFamily="34" charset="0"/>
-            </a:endParaRPr>
-          </a:p>
-        </p:txBody>
-      </p:sp>
-      <p:sp>
-        <p:nvSpPr>
-          <p:cNvPr id="65" name="Rectangle à coins arrondis 64"/>
-          <p:cNvSpPr/>
-          <p:nvPr/>
-        </p:nvSpPr>
-        <p:spPr>
-          <a:xfrm>
-            <a:off x="4804345" y="1690832"/>
-            <a:ext cx="279500" cy="201219"/>
-          </a:xfrm>
-          <a:prstGeom prst="roundRect">
-            <a:avLst/>
-          </a:prstGeom>
-          <a:solidFill>
-            <a:schemeClr val="bg1">
-              <a:lumMod val="50000"/>
-            </a:schemeClr>
-          </a:solidFill>
-          <a:ln>
-            <a:noFill/>
-          </a:ln>
-        </p:spPr>
-        <p:style>
-          <a:lnRef idx="2">
-            <a:schemeClr val="accent1">
-              <a:shade val="50000"/>
-            </a:schemeClr>
-          </a:lnRef>
-          <a:fillRef idx="1">
-            <a:schemeClr val="accent1"/>
-          </a:fillRef>
-          <a:effectRef idx="0">
-            <a:schemeClr val="accent1"/>
-          </a:effectRef>
-          <a:fontRef idx="minor">
-            <a:schemeClr val="lt1"/>
-          </a:fontRef>
-        </p:style>
-        <p:txBody>
-          <a:bodyPr lIns="36000" rIns="36000" rtlCol="0" anchor="ctr"/>
-          <a:lstStyle/>
-          <a:p>
-            <a:pPr algn="ctr"/>
-            <a:r>
-              <a:rPr lang="fr-FR" sz="600" b="1" noProof="1" smtClean="0">
-                <a:latin typeface="Gadugi" panose="020B0502040204020203" pitchFamily="34" charset="0"/>
-                <a:ea typeface="Gadugi" panose="020B0502040204020203" pitchFamily="34" charset="0"/>
-                <a:cs typeface="Arial" panose="020B0604020202020204" pitchFamily="34" charset="0"/>
-              </a:rPr>
-              <a:t>C++</a:t>
-            </a:r>
-            <a:endParaRPr lang="fr-FR" sz="600" b="1" noProof="1">
-              <a:latin typeface="Gadugi" panose="020B0502040204020203" pitchFamily="34" charset="0"/>
-              <a:ea typeface="Gadugi" panose="020B0502040204020203" pitchFamily="34" charset="0"/>
-              <a:cs typeface="Arial" panose="020B0604020202020204" pitchFamily="34" charset="0"/>
-            </a:endParaRPr>
-          </a:p>
-        </p:txBody>
-      </p:sp>
-      <p:sp>
-        <p:nvSpPr>
-          <p:cNvPr id="38" name="Rectangle à coins arrondis 19"/>
-          <p:cNvSpPr/>
-          <p:nvPr/>
-        </p:nvSpPr>
-        <p:spPr>
-          <a:xfrm>
-            <a:off x="2080128" y="1119812"/>
-            <a:ext cx="419772" cy="219456"/>
-          </a:xfrm>
-          <a:prstGeom prst="roundRect">
-            <a:avLst/>
-          </a:prstGeom>
-          <a:solidFill>
-            <a:schemeClr val="accent6">
-              <a:lumMod val="75000"/>
-            </a:schemeClr>
-          </a:solidFill>
-          <a:ln>
-            <a:noFill/>
-          </a:ln>
-        </p:spPr>
-        <p:style>
-          <a:lnRef idx="2">
-            <a:schemeClr val="accent1">
-              <a:shade val="50000"/>
-            </a:schemeClr>
-          </a:lnRef>
-          <a:fillRef idx="1">
-            <a:schemeClr val="accent1"/>
-          </a:fillRef>
-          <a:effectRef idx="0">
-            <a:schemeClr val="accent1"/>
-          </a:effectRef>
-          <a:fontRef idx="minor">
-            <a:schemeClr val="lt1"/>
-          </a:fontRef>
-        </p:style>
-        <p:txBody>
-          <a:bodyPr lIns="36000" tIns="27432" rIns="36000" rtlCol="0" anchor="ctr"/>
-          <a:lstStyle/>
-          <a:p>
-            <a:pPr algn="ctr"/>
-            <a:r>
-              <a:rPr lang="fr-FR" sz="600" b="1" noProof="1" smtClean="0">
-                <a:latin typeface="Gadugi" panose="020B0502040204020203" pitchFamily="34" charset="0"/>
-                <a:ea typeface="Gadugi" panose="020B0502040204020203" pitchFamily="34" charset="0"/>
-                <a:cs typeface="Arial" panose="020B0604020202020204" pitchFamily="34" charset="0"/>
-              </a:rPr>
-              <a:t>Python</a:t>
-            </a:r>
-          </a:p>
-          <a:p>
-            <a:pPr algn="ctr"/>
-            <a:r>
-              <a:rPr lang="fr-FR" sz="600" b="1" noProof="1" smtClean="0">
-                <a:latin typeface="Gadugi" panose="020B0502040204020203" pitchFamily="34" charset="0"/>
-                <a:ea typeface="Gadugi" panose="020B0502040204020203" pitchFamily="34" charset="0"/>
-                <a:cs typeface="Arial" panose="020B0604020202020204" pitchFamily="34" charset="0"/>
-              </a:rPr>
-              <a:t>bindings</a:t>
-            </a:r>
-            <a:endParaRPr lang="fr-FR" sz="600" b="1" noProof="1">
-              <a:latin typeface="Gadugi" panose="020B0502040204020203" pitchFamily="34" charset="0"/>
-              <a:ea typeface="Gadugi" panose="020B0502040204020203" pitchFamily="34" charset="0"/>
-              <a:cs typeface="Arial" panose="020B0604020202020204" pitchFamily="34" charset="0"/>
-            </a:endParaRPr>
-          </a:p>
-        </p:txBody>
-      </p:sp>
-      <p:sp>
-        <p:nvSpPr>
-          <p:cNvPr id="43" name="Rectangle à coins arrondis 62"/>
-          <p:cNvSpPr/>
-          <p:nvPr/>
-        </p:nvSpPr>
-        <p:spPr>
-          <a:xfrm>
-            <a:off x="2024064" y="478673"/>
-            <a:ext cx="1417722" cy="411831"/>
-          </a:xfrm>
-          <a:prstGeom prst="roundRect">
-            <a:avLst>
-              <a:gd name="adj" fmla="val 3969"/>
-            </a:avLst>
-          </a:prstGeom>
-          <a:solidFill>
-            <a:schemeClr val="bg1">
-              <a:lumMod val="85000"/>
-            </a:schemeClr>
-          </a:solidFill>
-          <a:ln>
-            <a:noFill/>
-          </a:ln>
-        </p:spPr>
-        <p:style>
-          <a:lnRef idx="2">
-            <a:schemeClr val="accent1">
-              <a:shade val="50000"/>
-            </a:schemeClr>
-          </a:lnRef>
-          <a:fillRef idx="1">
-            <a:schemeClr val="accent1"/>
-          </a:fillRef>
-          <a:effectRef idx="0">
-            <a:schemeClr val="accent1"/>
-          </a:effectRef>
-          <a:fontRef idx="minor">
-            <a:schemeClr val="lt1"/>
-          </a:fontRef>
-        </p:style>
-        <p:txBody>
-          <a:bodyPr tIns="18288" rtlCol="0" anchor="t" anchorCtr="0"/>
-          <a:lstStyle/>
-          <a:p>
-            <a:r>
-              <a:rPr lang="fr-FR" sz="600" b="1" noProof="1">
-                <a:solidFill>
-                  <a:schemeClr val="tx1"/>
-                </a:solidFill>
-                <a:latin typeface="Gadugi" panose="020B0502040204020203" pitchFamily="34" charset="0"/>
-                <a:ea typeface="Gadugi" panose="020B0502040204020203" pitchFamily="34" charset="0"/>
-                <a:cs typeface="Arial" panose="020B0604020202020204" pitchFamily="34" charset="0"/>
-              </a:rPr>
-              <a:t>3rd-party </a:t>
-            </a:r>
-            <a:r>
-              <a:rPr lang="fr-FR" sz="600" b="1" noProof="1" smtClean="0">
-                <a:solidFill>
-                  <a:schemeClr val="tx1"/>
-                </a:solidFill>
-                <a:latin typeface="Gadugi" panose="020B0502040204020203" pitchFamily="34" charset="0"/>
-                <a:ea typeface="Gadugi" panose="020B0502040204020203" pitchFamily="34" charset="0"/>
-                <a:cs typeface="Arial" panose="020B0604020202020204" pitchFamily="34" charset="0"/>
-              </a:rPr>
-              <a:t>applications</a:t>
-            </a:r>
-            <a:endParaRPr lang="fr-FR" sz="600" b="1" noProof="1">
-              <a:solidFill>
-                <a:schemeClr val="tx1"/>
-              </a:solidFill>
-              <a:latin typeface="Gadugi" panose="020B0502040204020203" pitchFamily="34" charset="0"/>
-              <a:ea typeface="Gadugi" panose="020B0502040204020203" pitchFamily="34" charset="0"/>
-              <a:cs typeface="Arial" panose="020B0604020202020204" pitchFamily="34" charset="0"/>
-            </a:endParaRPr>
-          </a:p>
-        </p:txBody>
-      </p:sp>
-      <p:sp>
-        <p:nvSpPr>
-          <p:cNvPr id="45" name="Rectangle à coins arrondis 63"/>
-          <p:cNvSpPr/>
-          <p:nvPr/>
-        </p:nvSpPr>
-        <p:spPr>
-          <a:xfrm>
-            <a:off x="2537414" y="627305"/>
-            <a:ext cx="420624" cy="201219"/>
-          </a:xfrm>
-          <a:prstGeom prst="roundRect">
-            <a:avLst/>
-          </a:prstGeom>
-          <a:solidFill>
-            <a:schemeClr val="bg1">
-              <a:lumMod val="50000"/>
-            </a:schemeClr>
-          </a:solidFill>
-          <a:ln>
-            <a:noFill/>
-          </a:ln>
-        </p:spPr>
-        <p:style>
-          <a:lnRef idx="2">
-            <a:schemeClr val="accent1">
-              <a:shade val="50000"/>
-            </a:schemeClr>
-          </a:lnRef>
-          <a:fillRef idx="1">
-            <a:schemeClr val="accent1"/>
-          </a:fillRef>
-          <a:effectRef idx="0">
-            <a:schemeClr val="accent1"/>
-          </a:effectRef>
-          <a:fontRef idx="minor">
-            <a:schemeClr val="lt1"/>
-          </a:fontRef>
-        </p:style>
-        <p:txBody>
-          <a:bodyPr lIns="0" rIns="0" rtlCol="0" anchor="ctr"/>
-          <a:lstStyle/>
-          <a:p>
-            <a:pPr algn="ctr"/>
-            <a:r>
-              <a:rPr lang="fr-FR" sz="600" b="1" noProof="1" smtClean="0">
-                <a:latin typeface="Gadugi" panose="020B0502040204020203" pitchFamily="34" charset="0"/>
-                <a:ea typeface="Gadugi" panose="020B0502040204020203" pitchFamily="34" charset="0"/>
-                <a:cs typeface="Arial" panose="020B0604020202020204" pitchFamily="34" charset="0"/>
-              </a:rPr>
-              <a:t>Java</a:t>
-            </a:r>
-            <a:endParaRPr lang="fr-FR" sz="600" b="1" noProof="1">
-              <a:latin typeface="Gadugi" panose="020B0502040204020203" pitchFamily="34" charset="0"/>
-              <a:ea typeface="Gadugi" panose="020B0502040204020203" pitchFamily="34" charset="0"/>
-              <a:cs typeface="Arial" panose="020B0604020202020204" pitchFamily="34" charset="0"/>
-            </a:endParaRPr>
-          </a:p>
-        </p:txBody>
-      </p:sp>
-      <p:sp>
-        <p:nvSpPr>
-          <p:cNvPr id="48" name="Rectangle à coins arrondis 64"/>
-          <p:cNvSpPr/>
-          <p:nvPr/>
-        </p:nvSpPr>
-        <p:spPr>
-          <a:xfrm>
-            <a:off x="2991606" y="627305"/>
-            <a:ext cx="420624" cy="201219"/>
-          </a:xfrm>
-          <a:prstGeom prst="roundRect">
-            <a:avLst/>
-          </a:prstGeom>
-          <a:solidFill>
-            <a:schemeClr val="bg1">
-              <a:lumMod val="50000"/>
-            </a:schemeClr>
-          </a:solidFill>
-          <a:ln>
-            <a:noFill/>
-          </a:ln>
-        </p:spPr>
-        <p:style>
-          <a:lnRef idx="2">
-            <a:schemeClr val="accent1">
-              <a:shade val="50000"/>
-            </a:schemeClr>
-          </a:lnRef>
-          <a:fillRef idx="1">
-            <a:schemeClr val="accent1"/>
-          </a:fillRef>
-          <a:effectRef idx="0">
-            <a:schemeClr val="accent1"/>
-          </a:effectRef>
-          <a:fontRef idx="minor">
-            <a:schemeClr val="lt1"/>
-          </a:fontRef>
-        </p:style>
-        <p:txBody>
-          <a:bodyPr lIns="0" rIns="0" rtlCol="0" anchor="ctr"/>
-          <a:lstStyle/>
-          <a:p>
-            <a:pPr algn="ctr"/>
-            <a:r>
-              <a:rPr lang="fr-FR" sz="600" b="1" noProof="1" smtClean="0">
-                <a:latin typeface="Gadugi" panose="020B0502040204020203" pitchFamily="34" charset="0"/>
-                <a:ea typeface="Gadugi" panose="020B0502040204020203" pitchFamily="34" charset="0"/>
-                <a:cs typeface="Arial" panose="020B0604020202020204" pitchFamily="34" charset="0"/>
-              </a:rPr>
-              <a:t>C++</a:t>
-            </a:r>
-            <a:endParaRPr lang="fr-FR" sz="600" b="1" noProof="1">
-              <a:latin typeface="Gadugi" panose="020B0502040204020203" pitchFamily="34" charset="0"/>
-              <a:ea typeface="Gadugi" panose="020B0502040204020203" pitchFamily="34" charset="0"/>
-              <a:cs typeface="Arial" panose="020B0604020202020204" pitchFamily="34" charset="0"/>
-            </a:endParaRPr>
-          </a:p>
-        </p:txBody>
-      </p:sp>
-      <p:sp>
-        <p:nvSpPr>
-          <p:cNvPr id="50" name="Rectangle à coins arrondis 63"/>
-          <p:cNvSpPr/>
-          <p:nvPr/>
-        </p:nvSpPr>
-        <p:spPr>
-          <a:xfrm>
-            <a:off x="2079702" y="627305"/>
-            <a:ext cx="420624" cy="201219"/>
-          </a:xfrm>
-          <a:prstGeom prst="roundRect">
-            <a:avLst/>
-          </a:prstGeom>
-          <a:solidFill>
-            <a:schemeClr val="bg1">
-              <a:lumMod val="50000"/>
-            </a:schemeClr>
-          </a:solidFill>
-          <a:ln>
-            <a:noFill/>
-          </a:ln>
-        </p:spPr>
-        <p:style>
-          <a:lnRef idx="2">
-            <a:schemeClr val="accent1">
-              <a:shade val="50000"/>
-            </a:schemeClr>
-          </a:lnRef>
-          <a:fillRef idx="1">
-            <a:schemeClr val="accent1"/>
-          </a:fillRef>
-          <a:effectRef idx="0">
-            <a:schemeClr val="accent1"/>
-          </a:effectRef>
-          <a:fontRef idx="minor">
-            <a:schemeClr val="lt1"/>
-          </a:fontRef>
-        </p:style>
-        <p:txBody>
-          <a:bodyPr lIns="0" rIns="0" rtlCol="0" anchor="ctr"/>
-          <a:lstStyle/>
-          <a:p>
-            <a:pPr algn="ctr"/>
-            <a:r>
-              <a:rPr lang="fr-FR" sz="600" b="1" noProof="1" smtClean="0">
-                <a:latin typeface="Gadugi" panose="020B0502040204020203" pitchFamily="34" charset="0"/>
-                <a:ea typeface="Gadugi" panose="020B0502040204020203" pitchFamily="34" charset="0"/>
-                <a:cs typeface="Arial" panose="020B0604020202020204" pitchFamily="34" charset="0"/>
-              </a:rPr>
-              <a:t>Python</a:t>
-            </a:r>
-            <a:endParaRPr lang="fr-FR" sz="600" b="1" noProof="1">
-              <a:latin typeface="Gadugi" panose="020B0502040204020203" pitchFamily="34" charset="0"/>
-              <a:ea typeface="Gadugi" panose="020B0502040204020203" pitchFamily="34" charset="0"/>
-              <a:cs typeface="Arial" panose="020B0604020202020204" pitchFamily="34" charset="0"/>
-            </a:endParaRPr>
-          </a:p>
-        </p:txBody>
-      </p:sp>
-      <p:sp>
-        <p:nvSpPr>
-          <p:cNvPr id="53" name="Rectangle à coins arrondis 19"/>
-          <p:cNvSpPr/>
-          <p:nvPr/>
-        </p:nvSpPr>
-        <p:spPr>
-          <a:xfrm>
-            <a:off x="3674695" y="1117927"/>
-            <a:ext cx="1129077" cy="221341"/>
-          </a:xfrm>
-          <a:prstGeom prst="roundRect">
-            <a:avLst/>
-          </a:prstGeom>
-          <a:solidFill>
-            <a:srgbClr val="1F8A4C"/>
-          </a:solidFill>
-          <a:ln>
-            <a:noFill/>
-          </a:ln>
-        </p:spPr>
-        <p:style>
-          <a:lnRef idx="2">
-            <a:schemeClr val="accent1">
-              <a:shade val="50000"/>
-            </a:schemeClr>
-          </a:lnRef>
-          <a:fillRef idx="1">
-            <a:schemeClr val="accent1"/>
-          </a:fillRef>
-          <a:effectRef idx="0">
-            <a:schemeClr val="accent1"/>
-          </a:effectRef>
-          <a:fontRef idx="minor">
-            <a:schemeClr val="lt1"/>
-          </a:fontRef>
-        </p:style>
-        <p:txBody>
-          <a:bodyPr lIns="36000" tIns="27432" rIns="36000" rtlCol="0" anchor="ctr"/>
-          <a:lstStyle/>
-          <a:p>
-            <a:pPr algn="ctr"/>
-            <a:r>
-              <a:rPr lang="fr-FR" sz="600" b="1" noProof="1" smtClean="0">
-                <a:latin typeface="Gadugi" panose="020B0502040204020203" pitchFamily="34" charset="0"/>
-                <a:ea typeface="Gadugi" panose="020B0502040204020203" pitchFamily="34" charset="0"/>
-                <a:cs typeface="Arial" panose="020B0604020202020204" pitchFamily="34" charset="0"/>
-              </a:rPr>
-              <a:t>TS processor</a:t>
-            </a:r>
-            <a:endParaRPr lang="fr-FR" sz="600" b="1" noProof="1">
-              <a:latin typeface="Gadugi" panose="020B0502040204020203" pitchFamily="34" charset="0"/>
-              <a:ea typeface="Gadugi" panose="020B0502040204020203" pitchFamily="34" charset="0"/>
-              <a:cs typeface="Arial" panose="020B0604020202020204" pitchFamily="34" charset="0"/>
-            </a:endParaRPr>
-          </a:p>
-        </p:txBody>
-      </p:sp>
-      <p:cxnSp>
-        <p:nvCxnSpPr>
-          <p:cNvPr id="54" name="Connecteur droit avec flèche 31"/>
-          <p:cNvCxnSpPr/>
-          <p:nvPr/>
-        </p:nvCxnSpPr>
-        <p:spPr>
-          <a:xfrm>
-            <a:off x="4014175" y="1339268"/>
-            <a:ext cx="0" cy="215838"/>
-          </a:xfrm>
-          <a:prstGeom prst="straightConnector1">
-            <a:avLst/>
-          </a:prstGeom>
-          <a:ln w="19050">
-            <a:solidFill>
-              <a:schemeClr val="tx1"/>
-            </a:solidFill>
-            <a:prstDash val="solid"/>
-            <a:tailEnd type="triangle" w="sm" len="med"/>
-          </a:ln>
-        </p:spPr>
-        <p:style>
-          <a:lnRef idx="1">
-            <a:schemeClr val="accent1"/>
-          </a:lnRef>
-          <a:fillRef idx="0">
-            <a:schemeClr val="accent1"/>
-          </a:fillRef>
-          <a:effectRef idx="0">
-            <a:schemeClr val="accent1"/>
-          </a:effectRef>
-          <a:fontRef idx="minor">
-            <a:schemeClr val="tx1"/>
-          </a:fontRef>
-        </p:style>
-      </p:cxnSp>
-      <p:cxnSp>
-        <p:nvCxnSpPr>
-          <p:cNvPr id="58" name="Connecteur droit avec flèche 31"/>
-          <p:cNvCxnSpPr/>
-          <p:nvPr/>
-        </p:nvCxnSpPr>
-        <p:spPr>
-          <a:xfrm>
-            <a:off x="4480900" y="1339268"/>
-            <a:ext cx="0" cy="215838"/>
-          </a:xfrm>
-          <a:prstGeom prst="straightConnector1">
-            <a:avLst/>
-          </a:prstGeom>
-          <a:ln w="19050">
-            <a:solidFill>
-              <a:schemeClr val="tx1"/>
-            </a:solidFill>
-            <a:prstDash val="solid"/>
-            <a:tailEnd type="triangle" w="sm" len="med"/>
-          </a:ln>
-        </p:spPr>
-        <p:style>
-          <a:lnRef idx="1">
-            <a:schemeClr val="accent1"/>
-          </a:lnRef>
-          <a:fillRef idx="0">
-            <a:schemeClr val="accent1"/>
-          </a:fillRef>
-          <a:effectRef idx="0">
-            <a:schemeClr val="accent1"/>
-          </a:effectRef>
-          <a:fontRef idx="minor">
-            <a:schemeClr val="tx1"/>
-          </a:fontRef>
-        </p:style>
-      </p:cxnSp>
-      <p:cxnSp>
-        <p:nvCxnSpPr>
-          <p:cNvPr id="60" name="Connecteur droit avec flèche 31"/>
-          <p:cNvCxnSpPr/>
-          <p:nvPr/>
-        </p:nvCxnSpPr>
-        <p:spPr>
-          <a:xfrm>
-            <a:off x="4247363" y="893544"/>
-            <a:ext cx="0" cy="152420"/>
-          </a:xfrm>
-          <a:prstGeom prst="straightConnector1">
-            <a:avLst/>
-          </a:prstGeom>
-          <a:ln w="19050">
-            <a:solidFill>
-              <a:schemeClr val="tx1"/>
-            </a:solidFill>
-            <a:prstDash val="solid"/>
-            <a:tailEnd type="triangle" w="sm" len="med"/>
-          </a:ln>
-        </p:spPr>
-        <p:style>
-          <a:lnRef idx="1">
-            <a:schemeClr val="accent1"/>
-          </a:lnRef>
-          <a:fillRef idx="0">
-            <a:schemeClr val="accent1"/>
-          </a:fillRef>
-          <a:effectRef idx="0">
-            <a:schemeClr val="accent1"/>
-          </a:effectRef>
-          <a:fontRef idx="minor">
-            <a:schemeClr val="tx1"/>
-          </a:fontRef>
-        </p:style>
-      </p:cxnSp>
-      <p:cxnSp>
-        <p:nvCxnSpPr>
-          <p:cNvPr id="44" name="Connecteur droit avec flèche 43"/>
-          <p:cNvCxnSpPr>
-            <a:stCxn id="50" idx="2"/>
-            <a:endCxn id="38" idx="0"/>
-          </p:cNvCxnSpPr>
-          <p:nvPr/>
-        </p:nvCxnSpPr>
-        <p:spPr>
-          <a:xfrm>
-            <a:off x="2290014" y="828524"/>
-            <a:ext cx="0" cy="291288"/>
-          </a:xfrm>
-          <a:prstGeom prst="straightConnector1">
-            <a:avLst/>
-          </a:prstGeom>
-          <a:ln w="19050">
-            <a:solidFill>
-              <a:schemeClr val="tx1"/>
-            </a:solidFill>
-            <a:prstDash val="solid"/>
-            <a:tailEnd type="triangle" w="sm" len="med"/>
-          </a:ln>
-        </p:spPr>
-        <p:style>
-          <a:lnRef idx="1">
-            <a:schemeClr val="accent1"/>
-          </a:lnRef>
-          <a:fillRef idx="0">
-            <a:schemeClr val="accent1"/>
-          </a:fillRef>
-          <a:effectRef idx="0">
-            <a:schemeClr val="accent1"/>
-          </a:effectRef>
-          <a:fontRef idx="minor">
-            <a:schemeClr val="tx1"/>
-          </a:fontRef>
-        </p:style>
-      </p:cxnSp>
-      <p:cxnSp>
-        <p:nvCxnSpPr>
-          <p:cNvPr id="68" name="Connecteur droit avec flèche 43"/>
-          <p:cNvCxnSpPr>
-            <a:stCxn id="45" idx="2"/>
-            <a:endCxn id="37" idx="0"/>
-          </p:cNvCxnSpPr>
-          <p:nvPr/>
-        </p:nvCxnSpPr>
-        <p:spPr>
-          <a:xfrm>
-            <a:off x="2747726" y="828524"/>
-            <a:ext cx="0" cy="291288"/>
-          </a:xfrm>
-          <a:prstGeom prst="straightConnector1">
-            <a:avLst/>
-          </a:prstGeom>
-          <a:ln w="19050">
-            <a:solidFill>
-              <a:schemeClr val="tx1"/>
-            </a:solidFill>
-            <a:prstDash val="solid"/>
-            <a:tailEnd type="triangle" w="sm" len="med"/>
-          </a:ln>
-        </p:spPr>
-        <p:style>
-          <a:lnRef idx="1">
-            <a:schemeClr val="accent1"/>
-          </a:lnRef>
-          <a:fillRef idx="0">
-            <a:schemeClr val="accent1"/>
-          </a:fillRef>
-          <a:effectRef idx="0">
-            <a:schemeClr val="accent1"/>
-          </a:effectRef>
-          <a:fontRef idx="minor">
-            <a:schemeClr val="tx1"/>
-          </a:fontRef>
-        </p:style>
-      </p:cxnSp>
-      <p:cxnSp>
-        <p:nvCxnSpPr>
-          <p:cNvPr id="69" name="Connecteur droit avec flèche 43"/>
-          <p:cNvCxnSpPr>
-            <a:stCxn id="48" idx="2"/>
-          </p:cNvCxnSpPr>
-          <p:nvPr/>
-        </p:nvCxnSpPr>
-        <p:spPr>
-          <a:xfrm>
-            <a:off x="3201918" y="828524"/>
-            <a:ext cx="3520" cy="215275"/>
-          </a:xfrm>
-          <a:prstGeom prst="straightConnector1">
-            <a:avLst/>
-          </a:prstGeom>
-          <a:ln w="19050">
-            <a:solidFill>
-              <a:schemeClr val="tx1"/>
-            </a:solidFill>
-            <a:prstDash val="solid"/>
-            <a:tailEnd type="triangle" w="sm" len="med"/>
-          </a:ln>
-        </p:spPr>
-        <p:style>
-          <a:lnRef idx="1">
-            <a:schemeClr val="accent1"/>
-          </a:lnRef>
-          <a:fillRef idx="0">
-            <a:schemeClr val="accent1"/>
-          </a:fillRef>
-          <a:effectRef idx="0">
-            <a:schemeClr val="accent1"/>
-          </a:effectRef>
-          <a:fontRef idx="minor">
-            <a:schemeClr val="tx1"/>
-          </a:fontRef>
-        </p:style>
-      </p:cxnSp>
-      <p:cxnSp>
-        <p:nvCxnSpPr>
-          <p:cNvPr id="70" name="Connecteur droit avec flèche 43"/>
-          <p:cNvCxnSpPr/>
-          <p:nvPr/>
-        </p:nvCxnSpPr>
-        <p:spPr>
-          <a:xfrm flipV="1">
-            <a:off x="2957612" y="1190494"/>
-            <a:ext cx="717083" cy="942"/>
-          </a:xfrm>
-          <a:prstGeom prst="straightConnector1">
-            <a:avLst/>
-          </a:prstGeom>
-          <a:ln w="9525">
-            <a:solidFill>
-              <a:schemeClr val="tx1"/>
-            </a:solidFill>
-            <a:prstDash val="solid"/>
-            <a:tailEnd type="triangle" w="sm" len="med"/>
-          </a:ln>
-        </p:spPr>
-        <p:style>
-          <a:lnRef idx="1">
-            <a:schemeClr val="accent1"/>
-          </a:lnRef>
-          <a:fillRef idx="0">
-            <a:schemeClr val="accent1"/>
-          </a:fillRef>
-          <a:effectRef idx="0">
-            <a:schemeClr val="accent1"/>
-          </a:effectRef>
-          <a:fontRef idx="minor">
-            <a:schemeClr val="tx1"/>
-          </a:fontRef>
-        </p:style>
-      </p:cxnSp>
-      <p:cxnSp>
-        <p:nvCxnSpPr>
-          <p:cNvPr id="71" name="Connecteur droit avec flèche 43"/>
-          <p:cNvCxnSpPr/>
-          <p:nvPr/>
-        </p:nvCxnSpPr>
-        <p:spPr>
-          <a:xfrm flipV="1">
-            <a:off x="2500326" y="1269996"/>
-            <a:ext cx="1174795" cy="942"/>
-          </a:xfrm>
-          <a:prstGeom prst="straightConnector1">
-            <a:avLst/>
-          </a:prstGeom>
-          <a:ln w="9525">
-            <a:solidFill>
-              <a:schemeClr val="tx1"/>
-            </a:solidFill>
-            <a:prstDash val="solid"/>
-            <a:tailEnd type="triangle" w="sm" len="med"/>
-          </a:ln>
-        </p:spPr>
-        <p:style>
-          <a:lnRef idx="1">
-            <a:schemeClr val="accent1"/>
-          </a:lnRef>
-          <a:fillRef idx="0">
-            <a:schemeClr val="accent1"/>
-          </a:fillRef>
-          <a:effectRef idx="0">
-            <a:schemeClr val="accent1"/>
-          </a:effectRef>
-          <a:fontRef idx="minor">
-            <a:schemeClr val="tx1"/>
-          </a:fontRef>
-        </p:style>
-      </p:cxnSp>
-      <p:sp>
-        <p:nvSpPr>
-          <p:cNvPr id="37" name="Rectangle à coins arrondis 19"/>
-          <p:cNvSpPr/>
-          <p:nvPr/>
-        </p:nvSpPr>
-        <p:spPr>
-          <a:xfrm>
-            <a:off x="2537840" y="1119812"/>
-            <a:ext cx="419772" cy="219456"/>
-          </a:xfrm>
-          <a:prstGeom prst="roundRect">
-            <a:avLst/>
-          </a:prstGeom>
-          <a:solidFill>
-            <a:schemeClr val="accent6">
-              <a:lumMod val="75000"/>
-            </a:schemeClr>
-          </a:solidFill>
-          <a:ln>
-            <a:noFill/>
-          </a:ln>
-        </p:spPr>
-        <p:style>
-          <a:lnRef idx="2">
-            <a:schemeClr val="accent1">
-              <a:shade val="50000"/>
-            </a:schemeClr>
-          </a:lnRef>
-          <a:fillRef idx="1">
-            <a:schemeClr val="accent1"/>
-          </a:fillRef>
-          <a:effectRef idx="0">
-            <a:schemeClr val="accent1"/>
-          </a:effectRef>
-          <a:fontRef idx="minor">
-            <a:schemeClr val="lt1"/>
-          </a:fontRef>
-        </p:style>
-        <p:txBody>
-          <a:bodyPr lIns="36000" tIns="27432" rIns="36000" rtlCol="0" anchor="ctr"/>
-          <a:lstStyle/>
-          <a:p>
-            <a:pPr algn="ctr"/>
-            <a:r>
-              <a:rPr lang="fr-FR" sz="600" b="1" noProof="1" smtClean="0">
-                <a:latin typeface="Gadugi" panose="020B0502040204020203" pitchFamily="34" charset="0"/>
-                <a:ea typeface="Gadugi" panose="020B0502040204020203" pitchFamily="34" charset="0"/>
-                <a:cs typeface="Arial" panose="020B0604020202020204" pitchFamily="34" charset="0"/>
-              </a:rPr>
-              <a:t>Java bindings</a:t>
-            </a:r>
-            <a:endParaRPr lang="fr-FR" sz="600" b="1" noProof="1">
-              <a:latin typeface="Gadugi" panose="020B0502040204020203" pitchFamily="34" charset="0"/>
-              <a:ea typeface="Gadugi" panose="020B0502040204020203" pitchFamily="34" charset="0"/>
-              <a:cs typeface="Arial" panose="020B0604020202020204" pitchFamily="34" charset="0"/>
-            </a:endParaRPr>
-          </a:p>
-        </p:txBody>
-      </p:sp>
-      <p:sp>
-        <p:nvSpPr>
-          <p:cNvPr id="51" name="ZoneTexte 241"/>
-          <p:cNvSpPr txBox="1"/>
-          <p:nvPr/>
-        </p:nvSpPr>
-        <p:spPr>
-          <a:xfrm>
-            <a:off x="510870" y="4595586"/>
-            <a:ext cx="1513192" cy="307777"/>
-          </a:xfrm>
-          <a:prstGeom prst="rect">
-            <a:avLst/>
-          </a:prstGeom>
-          <a:noFill/>
-        </p:spPr>
-        <p:txBody>
-          <a:bodyPr wrap="square" lIns="0" tIns="0" rIns="0" bIns="0" rtlCol="0">
-            <a:spAutoFit/>
-          </a:bodyPr>
-          <a:lstStyle/>
-          <a:p>
-            <a:r>
-              <a:rPr lang="fr-FR" sz="2000" b="1" noProof="1">
-                <a:solidFill>
-                  <a:srgbClr val="1F8A4C"/>
-                </a:solidFill>
-                <a:latin typeface="Gadugi" panose="020B0502040204020203" pitchFamily="34" charset="0"/>
-                <a:ea typeface="Gadugi" panose="020B0502040204020203" pitchFamily="34" charset="0"/>
-                <a:cs typeface="Arial Rounded MT Bold" charset="0"/>
-              </a:rPr>
-              <a:t>TSDuck</a:t>
-            </a:r>
-          </a:p>
-        </p:txBody>
-      </p:sp>
+              </a:endParaRPr>
+            </a:p>
+          </p:txBody>
+        </p:sp>
+        <p:pic>
+          <p:nvPicPr>
+            <p:cNvPr id="57" name="Picture 56"/>
+            <p:cNvPicPr>
+              <a:picLocks noChangeAspect="1"/>
+            </p:cNvPicPr>
+            <p:nvPr/>
+          </p:nvPicPr>
+          <p:blipFill>
+            <a:blip r:embed="rId2">
+              <a:extLst>
+                <a:ext uri="{28A0092B-C50C-407E-A947-70E740481C1C}">
+                  <a14:useLocalDpi xmlns:a14="http://schemas.microsoft.com/office/drawing/2010/main" val="0"/>
+                </a:ext>
+              </a:extLst>
+            </a:blip>
+            <a:stretch>
+              <a:fillRect/>
+            </a:stretch>
+          </p:blipFill>
+          <p:spPr>
+            <a:xfrm>
+              <a:off x="4779253" y="2997318"/>
+              <a:ext cx="413355" cy="94481"/>
+            </a:xfrm>
+            <a:prstGeom prst="rect">
+              <a:avLst/>
+            </a:prstGeom>
+          </p:spPr>
+        </p:pic>
+      </p:grpSp>
     </p:spTree>
     <p:extLst>
       <p:ext uri="{BB962C8B-B14F-4D97-AF65-F5344CB8AC3E}">
@@ -16254,14 +15683,11 @@
             <a:avLst/>
           </a:prstGeom>
           <a:solidFill>
-            <a:schemeClr val="accent6">
-              <a:lumMod val="40000"/>
-              <a:lumOff val="60000"/>
-            </a:schemeClr>
+            <a:schemeClr val="accent6"/>
           </a:solidFill>
           <a:ln w="28575">
             <a:solidFill>
-              <a:srgbClr val="1F8A4C"/>
+              <a:schemeClr val="accent1"/>
             </a:solidFill>
           </a:ln>
         </p:spPr>
@@ -16329,14 +15755,11 @@
             <a:avLst/>
           </a:prstGeom>
           <a:solidFill>
-            <a:schemeClr val="accent6">
-              <a:lumMod val="40000"/>
-              <a:lumOff val="60000"/>
-            </a:schemeClr>
+            <a:schemeClr val="accent6"/>
           </a:solidFill>
           <a:ln w="28575">
             <a:solidFill>
-              <a:srgbClr val="1F8A4C"/>
+              <a:schemeClr val="accent1"/>
             </a:solidFill>
           </a:ln>
         </p:spPr>
@@ -16425,7 +15848,7 @@
           </a:solidFill>
           <a:ln w="28575">
             <a:solidFill>
-              <a:srgbClr val="1F8A4C"/>
+              <a:schemeClr val="accent1"/>
             </a:solidFill>
             <a:tailEnd type="triangle"/>
           </a:ln>
@@ -16462,14 +15885,11 @@
             <a:avLst/>
           </a:prstGeom>
           <a:solidFill>
-            <a:schemeClr val="accent6">
-              <a:lumMod val="40000"/>
-              <a:lumOff val="60000"/>
-            </a:schemeClr>
+            <a:schemeClr val="accent6"/>
           </a:solidFill>
           <a:ln w="28575">
             <a:solidFill>
-              <a:srgbClr val="1F8A4C"/>
+              <a:schemeClr val="accent1"/>
             </a:solidFill>
             <a:prstDash val="dash"/>
           </a:ln>
@@ -16562,7 +15982,7 @@
           </a:solidFill>
           <a:ln w="28575">
             <a:solidFill>
-              <a:srgbClr val="1F8A4C"/>
+              <a:schemeClr val="accent1"/>
             </a:solidFill>
             <a:tailEnd type="triangle"/>
           </a:ln>
@@ -16798,14 +16218,11 @@
             </a:pathLst>
           </a:custGeom>
           <a:solidFill>
-            <a:schemeClr val="accent6">
-              <a:lumMod val="40000"/>
-              <a:lumOff val="60000"/>
-            </a:schemeClr>
+            <a:schemeClr val="accent6"/>
           </a:solidFill>
           <a:ln w="28575">
             <a:solidFill>
-              <a:srgbClr val="1F8A4C"/>
+              <a:schemeClr val="accent1"/>
             </a:solidFill>
           </a:ln>
         </p:spPr>
@@ -16873,14 +16290,11 @@
             <a:avLst/>
           </a:prstGeom>
           <a:solidFill>
-            <a:schemeClr val="accent6">
-              <a:lumMod val="40000"/>
-              <a:lumOff val="60000"/>
-            </a:schemeClr>
+            <a:schemeClr val="accent6"/>
           </a:solidFill>
           <a:ln w="28575">
             <a:solidFill>
-              <a:srgbClr val="1F8A4C"/>
+              <a:schemeClr val="accent1"/>
             </a:solidFill>
           </a:ln>
         </p:spPr>
@@ -16944,7 +16358,7 @@
           </a:solidFill>
           <a:ln w="28575">
             <a:solidFill>
-              <a:srgbClr val="1F8A4C"/>
+              <a:schemeClr val="accent1"/>
             </a:solidFill>
             <a:tailEnd type="triangle"/>
           </a:ln>
@@ -16991,7 +16405,7 @@
           </a:solidFill>
           <a:ln w="28575">
             <a:solidFill>
-              <a:srgbClr val="1F8A4C"/>
+              <a:schemeClr val="accent1"/>
             </a:solidFill>
             <a:prstDash val="sysDot"/>
             <a:tailEnd type="triangle"/>
@@ -17029,14 +16443,11 @@
             <a:avLst/>
           </a:prstGeom>
           <a:solidFill>
-            <a:schemeClr val="accent6">
-              <a:lumMod val="40000"/>
-              <a:lumOff val="60000"/>
-            </a:schemeClr>
+            <a:schemeClr val="accent6"/>
           </a:solidFill>
           <a:ln w="28575">
             <a:solidFill>
-              <a:srgbClr val="1F8A4C"/>
+              <a:schemeClr val="accent1"/>
             </a:solidFill>
           </a:ln>
         </p:spPr>
@@ -17114,7 +16525,7 @@
           </a:solidFill>
           <a:ln w="28575">
             <a:solidFill>
-              <a:srgbClr val="1F8A4C"/>
+              <a:schemeClr val="accent1"/>
             </a:solidFill>
             <a:tailEnd type="triangle"/>
           </a:ln>
@@ -17151,14 +16562,11 @@
             <a:avLst/>
           </a:prstGeom>
           <a:solidFill>
-            <a:schemeClr val="accent6">
-              <a:lumMod val="40000"/>
-              <a:lumOff val="60000"/>
-            </a:schemeClr>
+            <a:schemeClr val="accent6"/>
           </a:solidFill>
           <a:ln w="28575">
             <a:solidFill>
-              <a:srgbClr val="1F8A4C"/>
+              <a:schemeClr val="accent1"/>
             </a:solidFill>
           </a:ln>
         </p:spPr>
@@ -17236,7 +16644,7 @@
           </a:solidFill>
           <a:ln w="28575">
             <a:solidFill>
-              <a:srgbClr val="1F8A4C"/>
+              <a:schemeClr val="accent1"/>
             </a:solidFill>
             <a:tailEnd type="triangle"/>
           </a:ln>
@@ -17273,14 +16681,11 @@
             <a:avLst/>
           </a:prstGeom>
           <a:solidFill>
-            <a:schemeClr val="accent6">
-              <a:lumMod val="40000"/>
-              <a:lumOff val="60000"/>
-            </a:schemeClr>
+            <a:schemeClr val="accent6"/>
           </a:solidFill>
           <a:ln w="28575">
             <a:solidFill>
-              <a:srgbClr val="1F8A4C"/>
+              <a:schemeClr val="accent1"/>
             </a:solidFill>
           </a:ln>
         </p:spPr>
@@ -17372,7 +16777,7 @@
           </a:solidFill>
           <a:ln w="28575">
             <a:solidFill>
-              <a:srgbClr val="1F8A4C"/>
+              <a:schemeClr val="accent1"/>
             </a:solidFill>
             <a:tailEnd type="triangle"/>
           </a:ln>
@@ -17447,10 +16852,7 @@
           <a:noFill/>
           <a:ln w="28575">
             <a:solidFill>
-              <a:schemeClr val="accent6">
-                <a:lumMod val="60000"/>
-                <a:lumOff val="40000"/>
-              </a:schemeClr>
+              <a:schemeClr val="accent2"/>
             </a:solidFill>
           </a:ln>
         </p:spPr>
@@ -17525,7 +16927,7 @@
           </a:solidFill>
           <a:ln w="28575">
             <a:solidFill>
-              <a:srgbClr val="1F8A4C"/>
+              <a:schemeClr val="accent1"/>
             </a:solidFill>
             <a:prstDash val="sysDot"/>
             <a:tailEnd type="triangle"/>
@@ -17584,80 +16986,6 @@
           </a:p>
         </p:txBody>
       </p:sp>
-      <p:pic>
-        <p:nvPicPr>
-          <p:cNvPr id="57" name="Picture 7" descr="D:\Devel\tsduck\images\tsduck-48.png"/>
-          <p:cNvPicPr>
-            <a:picLocks noChangeAspect="1" noChangeArrowheads="1"/>
-          </p:cNvPicPr>
-          <p:nvPr/>
-        </p:nvPicPr>
-        <p:blipFill>
-          <a:blip r:embed="rId2">
-            <a:extLst>
-              <a:ext uri="{28A0092B-C50C-407E-A947-70E740481C1C}">
-                <a14:useLocalDpi xmlns:a14="http://schemas.microsoft.com/office/drawing/2010/main" val="0"/>
-              </a:ext>
-            </a:extLst>
-          </a:blip>
-          <a:srcRect/>
-          <a:stretch>
-            <a:fillRect/>
-          </a:stretch>
-        </p:blipFill>
-        <p:spPr bwMode="auto">
-          <a:xfrm>
-            <a:off x="5620335" y="6882930"/>
-            <a:ext cx="146050" cy="146050"/>
-          </a:xfrm>
-          <a:prstGeom prst="rect">
-            <a:avLst/>
-          </a:prstGeom>
-          <a:noFill/>
-          <a:extLst>
-            <a:ext uri="{909E8E84-426E-40DD-AFC4-6F175D3DCCD1}">
-              <a14:hiddenFill xmlns:a14="http://schemas.microsoft.com/office/drawing/2010/main">
-                <a:solidFill>
-                  <a:srgbClr val="FFFFFF"/>
-                </a:solidFill>
-              </a14:hiddenFill>
-            </a:ext>
-          </a:extLst>
-        </p:spPr>
-      </p:pic>
-      <p:sp>
-        <p:nvSpPr>
-          <p:cNvPr id="58" name="ZoneTexte 241"/>
-          <p:cNvSpPr txBox="1"/>
-          <p:nvPr/>
-        </p:nvSpPr>
-        <p:spPr>
-          <a:xfrm>
-            <a:off x="5783584" y="6902094"/>
-            <a:ext cx="302156" cy="92333"/>
-          </a:xfrm>
-          <a:prstGeom prst="rect">
-            <a:avLst/>
-          </a:prstGeom>
-          <a:noFill/>
-        </p:spPr>
-        <p:txBody>
-          <a:bodyPr wrap="square" lIns="0" tIns="0" rIns="0" bIns="0" rtlCol="0">
-            <a:spAutoFit/>
-          </a:bodyPr>
-          <a:lstStyle/>
-          <a:p>
-            <a:r>
-              <a:rPr lang="fr-FR" sz="600" b="1" noProof="1">
-                <a:latin typeface="Gadugi" panose="020B0502040204020203" pitchFamily="34" charset="0"/>
-                <a:ea typeface="Gadugi" panose="020B0502040204020203" pitchFamily="34" charset="0"/>
-                <a:cs typeface="Arial Rounded MT Bold" charset="0"/>
-              </a:rPr>
-              <a:t>TSDuck</a:t>
-            </a:r>
-          </a:p>
-        </p:txBody>
-      </p:sp>
       <p:sp>
         <p:nvSpPr>
           <p:cNvPr id="59" name="TextBox 58"/>
@@ -17705,6 +17033,36 @@
           </a:p>
         </p:txBody>
       </p:sp>
+      <p:pic>
+        <p:nvPicPr>
+          <p:cNvPr id="24" name="Picture 23"/>
+          <p:cNvPicPr>
+            <a:picLocks noChangeAspect="1"/>
+          </p:cNvPicPr>
+          <p:nvPr/>
+        </p:nvPicPr>
+        <p:blipFill>
+          <a:blip r:embed="rId2">
+            <a:extLst>
+              <a:ext uri="{28A0092B-C50C-407E-A947-70E740481C1C}">
+                <a14:useLocalDpi xmlns:a14="http://schemas.microsoft.com/office/drawing/2010/main" val="0"/>
+              </a:ext>
+            </a:extLst>
+          </a:blip>
+          <a:stretch>
+            <a:fillRect/>
+          </a:stretch>
+        </p:blipFill>
+        <p:spPr>
+          <a:xfrm>
+            <a:off x="5660421" y="6844577"/>
+            <a:ext cx="413355" cy="94481"/>
+          </a:xfrm>
+          <a:prstGeom prst="rect">
+            <a:avLst/>
+          </a:prstGeom>
+        </p:spPr>
+      </p:pic>
     </p:spTree>
     <p:extLst>
       <p:ext uri="{BB962C8B-B14F-4D97-AF65-F5344CB8AC3E}">
@@ -17715,13 +17073,20 @@
   <p:clrMapOvr>
     <a:masterClrMapping/>
   </p:clrMapOvr>
+  <p:timing>
+    <p:tnLst>
+      <p:par>
+        <p:cTn id="1" dur="indefinite" restart="never" nodeType="tmRoot"/>
+      </p:par>
+    </p:tnLst>
+  </p:timing>
 </p:sld>
 </file>
 
 <file path=ppt/theme/theme1.xml><?xml version="1.0" encoding="utf-8"?>
 <a:theme xmlns:a="http://schemas.openxmlformats.org/drawingml/2006/main" name="Thème Office">
   <a:themeElements>
-    <a:clrScheme name="Thème Office">
+    <a:clrScheme name="Custom 2">
       <a:dk1>
         <a:sysClr val="windowText" lastClr="000000"/>
       </a:dk1>
@@ -17735,22 +17100,22 @@
         <a:srgbClr val="E7E6E6"/>
       </a:lt2>
       <a:accent1>
-        <a:srgbClr val="4472C4"/>
+        <a:srgbClr val="2C6E49"/>
       </a:accent1>
       <a:accent2>
-        <a:srgbClr val="ED7D31"/>
+        <a:srgbClr val="4C956C"/>
       </a:accent2>
       <a:accent3>
-        <a:srgbClr val="A5A5A5"/>
+        <a:srgbClr val="FEFEE3"/>
       </a:accent3>
       <a:accent4>
-        <a:srgbClr val="FFC000"/>
+        <a:srgbClr val="FFC9B9"/>
       </a:accent4>
       <a:accent5>
-        <a:srgbClr val="5B9BD5"/>
+        <a:srgbClr val="D68C45"/>
       </a:accent5>
       <a:accent6>
-        <a:srgbClr val="70AD47"/>
+        <a:srgbClr val="85C19F"/>
       </a:accent6>
       <a:hlink>
         <a:srgbClr val="0563C1"/>

--- a/doc/tsduck-diagrams.pptx
+++ b/doc/tsduck-diagrams.pptx
@@ -8,7 +8,8 @@
     <p:sldId id="256" r:id="rId2"/>
     <p:sldId id="257" r:id="rId3"/>
     <p:sldId id="258" r:id="rId4"/>
-    <p:sldId id="259" r:id="rId5"/>
+    <p:sldId id="260" r:id="rId5"/>
+    <p:sldId id="259" r:id="rId6"/>
   </p:sldIdLst>
   <p:sldSz cx="6858000" cy="9906000" type="A4"/>
   <p:notesSz cx="6858000" cy="9144000"/>
@@ -257,7 +258,7 @@
           <a:p>
             <a:fld id="{58A7CDC3-5B40-B341-B3D1-EE720DBB9E8A}" type="datetimeFigureOut">
               <a:rPr lang="fr-FR" smtClean="0"/>
-              <a:t>31/03/2021</a:t>
+              <a:t>13/12/2021</a:t>
             </a:fld>
             <a:endParaRPr lang="fr-FR"/>
           </a:p>
@@ -422,7 +423,7 @@
           <a:p>
             <a:fld id="{58A7CDC3-5B40-B341-B3D1-EE720DBB9E8A}" type="datetimeFigureOut">
               <a:rPr lang="fr-FR" smtClean="0"/>
-              <a:t>31/03/2021</a:t>
+              <a:t>13/12/2021</a:t>
             </a:fld>
             <a:endParaRPr lang="fr-FR"/>
           </a:p>
@@ -597,7 +598,7 @@
           <a:p>
             <a:fld id="{58A7CDC3-5B40-B341-B3D1-EE720DBB9E8A}" type="datetimeFigureOut">
               <a:rPr lang="fr-FR" smtClean="0"/>
-              <a:t>31/03/2021</a:t>
+              <a:t>13/12/2021</a:t>
             </a:fld>
             <a:endParaRPr lang="fr-FR"/>
           </a:p>
@@ -762,7 +763,7 @@
           <a:p>
             <a:fld id="{58A7CDC3-5B40-B341-B3D1-EE720DBB9E8A}" type="datetimeFigureOut">
               <a:rPr lang="fr-FR" smtClean="0"/>
-              <a:t>31/03/2021</a:t>
+              <a:t>13/12/2021</a:t>
             </a:fld>
             <a:endParaRPr lang="fr-FR"/>
           </a:p>
@@ -1001,7 +1002,7 @@
           <a:p>
             <a:fld id="{58A7CDC3-5B40-B341-B3D1-EE720DBB9E8A}" type="datetimeFigureOut">
               <a:rPr lang="fr-FR" smtClean="0"/>
-              <a:t>31/03/2021</a:t>
+              <a:t>13/12/2021</a:t>
             </a:fld>
             <a:endParaRPr lang="fr-FR"/>
           </a:p>
@@ -1228,7 +1229,7 @@
           <a:p>
             <a:fld id="{58A7CDC3-5B40-B341-B3D1-EE720DBB9E8A}" type="datetimeFigureOut">
               <a:rPr lang="fr-FR" smtClean="0"/>
-              <a:t>31/03/2021</a:t>
+              <a:t>13/12/2021</a:t>
             </a:fld>
             <a:endParaRPr lang="fr-FR"/>
           </a:p>
@@ -1590,7 +1591,7 @@
           <a:p>
             <a:fld id="{58A7CDC3-5B40-B341-B3D1-EE720DBB9E8A}" type="datetimeFigureOut">
               <a:rPr lang="fr-FR" smtClean="0"/>
-              <a:t>31/03/2021</a:t>
+              <a:t>13/12/2021</a:t>
             </a:fld>
             <a:endParaRPr lang="fr-FR"/>
           </a:p>
@@ -1703,7 +1704,7 @@
           <a:p>
             <a:fld id="{58A7CDC3-5B40-B341-B3D1-EE720DBB9E8A}" type="datetimeFigureOut">
               <a:rPr lang="fr-FR" smtClean="0"/>
-              <a:t>31/03/2021</a:t>
+              <a:t>13/12/2021</a:t>
             </a:fld>
             <a:endParaRPr lang="fr-FR"/>
           </a:p>
@@ -1793,7 +1794,7 @@
           <a:p>
             <a:fld id="{58A7CDC3-5B40-B341-B3D1-EE720DBB9E8A}" type="datetimeFigureOut">
               <a:rPr lang="fr-FR" smtClean="0"/>
-              <a:t>31/03/2021</a:t>
+              <a:t>13/12/2021</a:t>
             </a:fld>
             <a:endParaRPr lang="fr-FR"/>
           </a:p>
@@ -2065,7 +2066,7 @@
           <a:p>
             <a:fld id="{58A7CDC3-5B40-B341-B3D1-EE720DBB9E8A}" type="datetimeFigureOut">
               <a:rPr lang="fr-FR" smtClean="0"/>
-              <a:t>31/03/2021</a:t>
+              <a:t>13/12/2021</a:t>
             </a:fld>
             <a:endParaRPr lang="fr-FR"/>
           </a:p>
@@ -2317,7 +2318,7 @@
           <a:p>
             <a:fld id="{58A7CDC3-5B40-B341-B3D1-EE720DBB9E8A}" type="datetimeFigureOut">
               <a:rPr lang="fr-FR" smtClean="0"/>
-              <a:t>31/03/2021</a:t>
+              <a:t>13/12/2021</a:t>
             </a:fld>
             <a:endParaRPr lang="fr-FR"/>
           </a:p>
@@ -2525,7 +2526,7 @@
           <a:p>
             <a:fld id="{58A7CDC3-5B40-B341-B3D1-EE720DBB9E8A}" type="datetimeFigureOut">
               <a:rPr lang="fr-FR" smtClean="0"/>
-              <a:t>31/03/2021</a:t>
+              <a:t>13/12/2021</a:t>
             </a:fld>
             <a:endParaRPr lang="fr-FR"/>
           </a:p>
@@ -15668,6 +15669,4002 @@
           <a:chExt cx="0" cy="0"/>
         </a:xfrm>
       </p:grpSpPr>
+      <p:grpSp>
+        <p:nvGrpSpPr>
+          <p:cNvPr id="16" name="Group 15"/>
+          <p:cNvGrpSpPr/>
+          <p:nvPr/>
+        </p:nvGrpSpPr>
+        <p:grpSpPr>
+          <a:xfrm>
+            <a:off x="652005" y="3123789"/>
+            <a:ext cx="4588381" cy="1081204"/>
+            <a:chOff x="652005" y="3123789"/>
+            <a:chExt cx="4588381" cy="1081204"/>
+          </a:xfrm>
+        </p:grpSpPr>
+        <p:sp>
+          <p:nvSpPr>
+            <p:cNvPr id="78" name="Rectangle à coins arrondis 251">
+              <a:extLst>
+                <a:ext uri="{FF2B5EF4-FFF2-40B4-BE49-F238E27FC236}">
+                  <a16:creationId xmlns:a16="http://schemas.microsoft.com/office/drawing/2014/main" id="{F16D29F8-F334-CB4D-BFD1-BD53652E3698}"/>
+                </a:ext>
+              </a:extLst>
+            </p:cNvPr>
+            <p:cNvSpPr/>
+            <p:nvPr/>
+          </p:nvSpPr>
+          <p:spPr>
+            <a:xfrm>
+              <a:off x="1151162" y="3352761"/>
+              <a:ext cx="506101" cy="326360"/>
+            </a:xfrm>
+            <a:prstGeom prst="roundRect">
+              <a:avLst/>
+            </a:prstGeom>
+            <a:solidFill>
+              <a:schemeClr val="accent5"/>
+            </a:solidFill>
+            <a:ln>
+              <a:noFill/>
+            </a:ln>
+          </p:spPr>
+          <p:style>
+            <a:lnRef idx="0">
+              <a:scrgbClr r="0" g="0" b="0"/>
+            </a:lnRef>
+            <a:fillRef idx="0">
+              <a:scrgbClr r="0" g="0" b="0"/>
+            </a:fillRef>
+            <a:effectRef idx="0">
+              <a:scrgbClr r="0" g="0" b="0"/>
+            </a:effectRef>
+            <a:fontRef idx="minor">
+              <a:schemeClr val="lt1"/>
+            </a:fontRef>
+          </p:style>
+          <p:txBody>
+            <a:bodyPr lIns="36000" rIns="36000" rtlCol="0" anchor="ctr"/>
+            <a:lstStyle/>
+            <a:p>
+              <a:pPr algn="ctr"/>
+              <a:r>
+                <a:rPr lang="fr-FR" sz="800" b="1" noProof="1">
+                  <a:solidFill>
+                    <a:schemeClr val="tx1"/>
+                  </a:solidFill>
+                  <a:latin typeface="Gadugi" panose="020B0502040204020203" pitchFamily="34" charset="0"/>
+                  <a:ea typeface="Gadugi" panose="020B0502040204020203" pitchFamily="34" charset="0"/>
+                  <a:cs typeface="Arial Rounded MT Bold" charset="0"/>
+                </a:rPr>
+                <a:t>DVB</a:t>
+              </a:r>
+            </a:p>
+            <a:p>
+              <a:pPr algn="ctr"/>
+              <a:r>
+                <a:rPr lang="fr-FR" sz="800" b="1" noProof="1" smtClean="0">
+                  <a:solidFill>
+                    <a:schemeClr val="tx1"/>
+                  </a:solidFill>
+                  <a:latin typeface="Gadugi" panose="020B0502040204020203" pitchFamily="34" charset="0"/>
+                  <a:ea typeface="Gadugi" panose="020B0502040204020203" pitchFamily="34" charset="0"/>
+                  <a:cs typeface="Arial Rounded MT Bold" charset="0"/>
+                </a:rPr>
+                <a:t>tuner</a:t>
+              </a:r>
+              <a:endParaRPr lang="fr-FR" sz="800" b="1" noProof="1">
+                <a:solidFill>
+                  <a:schemeClr val="tx1"/>
+                </a:solidFill>
+                <a:latin typeface="Gadugi" panose="020B0502040204020203" pitchFamily="34" charset="0"/>
+                <a:ea typeface="Gadugi" panose="020B0502040204020203" pitchFamily="34" charset="0"/>
+                <a:cs typeface="Arial Rounded MT Bold" charset="0"/>
+              </a:endParaRPr>
+            </a:p>
+          </p:txBody>
+        </p:sp>
+        <p:cxnSp>
+          <p:nvCxnSpPr>
+            <p:cNvPr id="79" name="Connecteur droit 252">
+              <a:extLst>
+                <a:ext uri="{FF2B5EF4-FFF2-40B4-BE49-F238E27FC236}">
+                  <a16:creationId xmlns:a16="http://schemas.microsoft.com/office/drawing/2014/main" id="{21FEE28B-F787-BA47-B678-2E1BC9B22353}"/>
+                </a:ext>
+              </a:extLst>
+            </p:cNvPr>
+            <p:cNvCxnSpPr/>
+            <p:nvPr/>
+          </p:nvCxnSpPr>
+          <p:spPr>
+            <a:xfrm flipH="1" flipV="1">
+              <a:off x="747546" y="3509141"/>
+              <a:ext cx="417457" cy="6800"/>
+            </a:xfrm>
+            <a:prstGeom prst="line">
+              <a:avLst/>
+            </a:prstGeom>
+            <a:ln w="31750">
+              <a:solidFill>
+                <a:schemeClr val="tx1"/>
+              </a:solidFill>
+              <a:headEnd type="triangle" w="med" len="med"/>
+              <a:tailEnd type="none" w="med" len="med"/>
+            </a:ln>
+          </p:spPr>
+          <p:style>
+            <a:lnRef idx="1">
+              <a:schemeClr val="accent1"/>
+            </a:lnRef>
+            <a:fillRef idx="0">
+              <a:schemeClr val="accent1"/>
+            </a:fillRef>
+            <a:effectRef idx="0">
+              <a:schemeClr val="accent1"/>
+            </a:effectRef>
+            <a:fontRef idx="minor">
+              <a:schemeClr val="tx1"/>
+            </a:fontRef>
+          </p:style>
+        </p:cxnSp>
+        <p:pic>
+          <p:nvPicPr>
+            <p:cNvPr id="80" name="Picture 3">
+              <a:extLst>
+                <a:ext uri="{FF2B5EF4-FFF2-40B4-BE49-F238E27FC236}">
+                  <a16:creationId xmlns:a16="http://schemas.microsoft.com/office/drawing/2014/main" id="{8B89C201-BA7A-3547-9956-97C9C5593DB9}"/>
+                </a:ext>
+              </a:extLst>
+            </p:cNvPr>
+            <p:cNvPicPr>
+              <a:picLocks noChangeAspect="1" noChangeArrowheads="1"/>
+            </p:cNvPicPr>
+            <p:nvPr/>
+          </p:nvPicPr>
+          <p:blipFill>
+            <a:blip r:embed="rId2">
+              <a:extLst>
+                <a:ext uri="{28A0092B-C50C-407E-A947-70E740481C1C}">
+                  <a14:useLocalDpi xmlns:a14="http://schemas.microsoft.com/office/drawing/2010/main" val="0"/>
+                </a:ext>
+              </a:extLst>
+            </a:blip>
+            <a:srcRect/>
+            <a:stretch>
+              <a:fillRect/>
+            </a:stretch>
+          </p:blipFill>
+          <p:spPr bwMode="auto">
+            <a:xfrm flipH="1">
+              <a:off x="652005" y="3123789"/>
+              <a:ext cx="399016" cy="399016"/>
+            </a:xfrm>
+            <a:prstGeom prst="rect">
+              <a:avLst/>
+            </a:prstGeom>
+            <a:noFill/>
+            <a:ln>
+              <a:noFill/>
+            </a:ln>
+            <a:effectLst/>
+            <a:extLst>
+              <a:ext uri="{909E8E84-426E-40DD-AFC4-6F175D3DCCD1}">
+                <a14:hiddenFill xmlns:a14="http://schemas.microsoft.com/office/drawing/2010/main">
+                  <a:solidFill>
+                    <a:schemeClr val="accent1"/>
+                  </a:solidFill>
+                </a14:hiddenFill>
+              </a:ext>
+              <a:ext uri="{91240B29-F687-4F45-9708-019B960494DF}">
+                <a14:hiddenLine xmlns:a14="http://schemas.microsoft.com/office/drawing/2010/main" w="9525">
+                  <a:solidFill>
+                    <a:schemeClr val="tx1"/>
+                  </a:solidFill>
+                  <a:miter lim="800000"/>
+                  <a:headEnd/>
+                  <a:tailEnd/>
+                </a14:hiddenLine>
+              </a:ext>
+              <a:ext uri="{AF507438-7753-43E0-B8FC-AC1667EBCBE1}">
+                <a14:hiddenEffects xmlns:a14="http://schemas.microsoft.com/office/drawing/2010/main">
+                  <a:effectLst>
+                    <a:outerShdw dist="35921" dir="2700000" algn="ctr" rotWithShape="0">
+                      <a:schemeClr val="bg2"/>
+                    </a:outerShdw>
+                  </a:effectLst>
+                </a14:hiddenEffects>
+              </a:ext>
+            </a:extLst>
+          </p:spPr>
+        </p:pic>
+        <p:sp>
+          <p:nvSpPr>
+            <p:cNvPr id="81" name="Rectangle à coins arrondis 268">
+              <a:extLst>
+                <a:ext uri="{FF2B5EF4-FFF2-40B4-BE49-F238E27FC236}">
+                  <a16:creationId xmlns:a16="http://schemas.microsoft.com/office/drawing/2014/main" id="{207176EF-D58B-9F42-B51F-EDF84066C434}"/>
+                </a:ext>
+              </a:extLst>
+            </p:cNvPr>
+            <p:cNvSpPr/>
+            <p:nvPr/>
+          </p:nvSpPr>
+          <p:spPr>
+            <a:xfrm>
+              <a:off x="1822168" y="3213974"/>
+              <a:ext cx="2805836" cy="501844"/>
+            </a:xfrm>
+            <a:prstGeom prst="roundRect">
+              <a:avLst>
+                <a:gd name="adj" fmla="val 3969"/>
+              </a:avLst>
+            </a:prstGeom>
+            <a:solidFill>
+              <a:schemeClr val="accent6"/>
+            </a:solidFill>
+            <a:ln>
+              <a:noFill/>
+            </a:ln>
+          </p:spPr>
+          <p:style>
+            <a:lnRef idx="2">
+              <a:schemeClr val="accent1">
+                <a:shade val="50000"/>
+              </a:schemeClr>
+            </a:lnRef>
+            <a:fillRef idx="1">
+              <a:schemeClr val="accent1"/>
+            </a:fillRef>
+            <a:effectRef idx="0">
+              <a:schemeClr val="accent1"/>
+            </a:effectRef>
+            <a:fontRef idx="minor">
+              <a:schemeClr val="lt1"/>
+            </a:fontRef>
+          </p:style>
+          <p:txBody>
+            <a:bodyPr tIns="0" rtlCol="0" anchor="t" anchorCtr="0"/>
+            <a:lstStyle/>
+            <a:p>
+              <a:pPr algn="ctr"/>
+              <a:r>
+                <a:rPr lang="fr-FR" sz="900" b="1" noProof="1">
+                  <a:solidFill>
+                    <a:schemeClr val="tx1"/>
+                  </a:solidFill>
+                  <a:latin typeface="Gadugi" panose="020B0502040204020203" pitchFamily="34" charset="0"/>
+                  <a:ea typeface="Gadugi" panose="020B0502040204020203" pitchFamily="34" charset="0"/>
+                  <a:cs typeface="Arial Rounded MT Bold" charset="0"/>
+                </a:rPr>
+                <a:t>tsp</a:t>
+              </a:r>
+              <a:endParaRPr lang="fr-FR" sz="800" b="1" noProof="1">
+                <a:solidFill>
+                  <a:schemeClr val="tx1"/>
+                </a:solidFill>
+                <a:latin typeface="Gadugi" panose="020B0502040204020203" pitchFamily="34" charset="0"/>
+                <a:ea typeface="Gadugi" panose="020B0502040204020203" pitchFamily="34" charset="0"/>
+                <a:cs typeface="Arial Rounded MT Bold" charset="0"/>
+              </a:endParaRPr>
+            </a:p>
+          </p:txBody>
+        </p:sp>
+        <p:sp>
+          <p:nvSpPr>
+            <p:cNvPr id="82" name="Rectangle à coins arrondis 269">
+              <a:extLst>
+                <a:ext uri="{FF2B5EF4-FFF2-40B4-BE49-F238E27FC236}">
+                  <a16:creationId xmlns:a16="http://schemas.microsoft.com/office/drawing/2014/main" id="{0EBD748A-8AD9-2C46-89B4-4F6A71D46447}"/>
+                </a:ext>
+              </a:extLst>
+            </p:cNvPr>
+            <p:cNvSpPr/>
+            <p:nvPr/>
+          </p:nvSpPr>
+          <p:spPr>
+            <a:xfrm>
+              <a:off x="1956155" y="3393721"/>
+              <a:ext cx="380241" cy="245199"/>
+            </a:xfrm>
+            <a:prstGeom prst="roundRect">
+              <a:avLst/>
+            </a:prstGeom>
+            <a:solidFill>
+              <a:schemeClr val="accent1"/>
+            </a:solidFill>
+            <a:ln>
+              <a:noFill/>
+            </a:ln>
+          </p:spPr>
+          <p:style>
+            <a:lnRef idx="2">
+              <a:schemeClr val="accent1">
+                <a:shade val="50000"/>
+              </a:schemeClr>
+            </a:lnRef>
+            <a:fillRef idx="1">
+              <a:schemeClr val="accent1"/>
+            </a:fillRef>
+            <a:effectRef idx="0">
+              <a:schemeClr val="accent1"/>
+            </a:effectRef>
+            <a:fontRef idx="minor">
+              <a:schemeClr val="lt1"/>
+            </a:fontRef>
+          </p:style>
+          <p:txBody>
+            <a:bodyPr lIns="36000" rIns="36000" rtlCol="0" anchor="ctr"/>
+            <a:lstStyle/>
+            <a:p>
+              <a:pPr algn="ctr"/>
+              <a:r>
+                <a:rPr lang="fr-FR" sz="800" b="1" noProof="1">
+                  <a:latin typeface="Consolas" panose="020B0609020204030204" pitchFamily="49" charset="0"/>
+                  <a:cs typeface="Consolas" panose="020B0609020204030204" pitchFamily="49" charset="0"/>
+                </a:rPr>
+                <a:t>dvb</a:t>
+              </a:r>
+            </a:p>
+          </p:txBody>
+        </p:sp>
+        <p:sp>
+          <p:nvSpPr>
+            <p:cNvPr id="83" name="Rectangle à coins arrondis 270">
+              <a:extLst>
+                <a:ext uri="{FF2B5EF4-FFF2-40B4-BE49-F238E27FC236}">
+                  <a16:creationId xmlns:a16="http://schemas.microsoft.com/office/drawing/2014/main" id="{FF06C02C-F215-8D4F-A8E5-8095AD1B4B48}"/>
+                </a:ext>
+              </a:extLst>
+            </p:cNvPr>
+            <p:cNvSpPr/>
+            <p:nvPr/>
+          </p:nvSpPr>
+          <p:spPr>
+            <a:xfrm>
+              <a:off x="2483213" y="3393721"/>
+              <a:ext cx="612382" cy="245199"/>
+            </a:xfrm>
+            <a:prstGeom prst="roundRect">
+              <a:avLst/>
+            </a:prstGeom>
+            <a:solidFill>
+              <a:schemeClr val="accent1"/>
+            </a:solidFill>
+            <a:ln>
+              <a:noFill/>
+            </a:ln>
+          </p:spPr>
+          <p:style>
+            <a:lnRef idx="2">
+              <a:schemeClr val="accent1">
+                <a:shade val="50000"/>
+              </a:schemeClr>
+            </a:lnRef>
+            <a:fillRef idx="1">
+              <a:schemeClr val="accent1"/>
+            </a:fillRef>
+            <a:effectRef idx="0">
+              <a:schemeClr val="accent1"/>
+            </a:effectRef>
+            <a:fontRef idx="minor">
+              <a:schemeClr val="lt1"/>
+            </a:fontRef>
+          </p:style>
+          <p:txBody>
+            <a:bodyPr lIns="0" rIns="0" rtlCol="0" anchor="ctr"/>
+            <a:lstStyle/>
+            <a:p>
+              <a:pPr algn="ctr"/>
+              <a:r>
+                <a:rPr lang="fr-FR" sz="800" b="1" noProof="1" smtClean="0">
+                  <a:latin typeface="Consolas" panose="020B0609020204030204" pitchFamily="49" charset="0"/>
+                  <a:cs typeface="Consolas" panose="020B0609020204030204" pitchFamily="49" charset="0"/>
+                </a:rPr>
+                <a:t>scrambler</a:t>
+              </a:r>
+              <a:endParaRPr lang="fr-FR" sz="800" b="1" noProof="1">
+                <a:latin typeface="Consolas" panose="020B0609020204030204" pitchFamily="49" charset="0"/>
+                <a:cs typeface="Consolas" panose="020B0609020204030204" pitchFamily="49" charset="0"/>
+              </a:endParaRPr>
+            </a:p>
+          </p:txBody>
+        </p:sp>
+        <p:sp>
+          <p:nvSpPr>
+            <p:cNvPr id="84" name="Rectangle à coins arrondis 271">
+              <a:extLst>
+                <a:ext uri="{FF2B5EF4-FFF2-40B4-BE49-F238E27FC236}">
+                  <a16:creationId xmlns:a16="http://schemas.microsoft.com/office/drawing/2014/main" id="{DC06761C-E5D6-8C40-8FE7-6EAC716FC474}"/>
+                </a:ext>
+              </a:extLst>
+            </p:cNvPr>
+            <p:cNvSpPr/>
+            <p:nvPr/>
+          </p:nvSpPr>
+          <p:spPr>
+            <a:xfrm>
+              <a:off x="3242412" y="3393721"/>
+              <a:ext cx="684050" cy="245199"/>
+            </a:xfrm>
+            <a:prstGeom prst="roundRect">
+              <a:avLst/>
+            </a:prstGeom>
+            <a:solidFill>
+              <a:schemeClr val="accent1"/>
+            </a:solidFill>
+            <a:ln>
+              <a:noFill/>
+            </a:ln>
+          </p:spPr>
+          <p:style>
+            <a:lnRef idx="2">
+              <a:schemeClr val="accent1">
+                <a:shade val="50000"/>
+              </a:schemeClr>
+            </a:lnRef>
+            <a:fillRef idx="1">
+              <a:schemeClr val="accent1"/>
+            </a:fillRef>
+            <a:effectRef idx="0">
+              <a:schemeClr val="accent1"/>
+            </a:effectRef>
+            <a:fontRef idx="minor">
+              <a:schemeClr val="lt1"/>
+            </a:fontRef>
+          </p:style>
+          <p:txBody>
+            <a:bodyPr lIns="0" rIns="0" rtlCol="0" anchor="ctr"/>
+            <a:lstStyle/>
+            <a:p>
+              <a:pPr algn="ctr"/>
+              <a:r>
+                <a:rPr lang="fr-FR" sz="800" b="1" noProof="1" smtClean="0">
+                  <a:latin typeface="Consolas" panose="020B0609020204030204" pitchFamily="49" charset="0"/>
+                  <a:ea typeface="Arial Rounded MT Bold" charset="0"/>
+                  <a:cs typeface="Consolas" panose="020B0609020204030204" pitchFamily="49" charset="0"/>
+                </a:rPr>
+                <a:t>datainject</a:t>
+              </a:r>
+              <a:endParaRPr lang="fr-FR" sz="800" i="1" noProof="1">
+                <a:latin typeface="Cambria" panose="02040503050406030204" pitchFamily="18" charset="0"/>
+                <a:ea typeface="Arial Rounded MT Bold" charset="0"/>
+                <a:cs typeface="Arial Rounded MT Bold" charset="0"/>
+              </a:endParaRPr>
+            </a:p>
+          </p:txBody>
+        </p:sp>
+        <p:cxnSp>
+          <p:nvCxnSpPr>
+            <p:cNvPr id="85" name="Connecteur droit avec flèche 272">
+              <a:extLst>
+                <a:ext uri="{FF2B5EF4-FFF2-40B4-BE49-F238E27FC236}">
+                  <a16:creationId xmlns:a16="http://schemas.microsoft.com/office/drawing/2014/main" id="{917022DD-9C4E-8C4F-8EF4-DC025172FC05}"/>
+                </a:ext>
+              </a:extLst>
+            </p:cNvPr>
+            <p:cNvCxnSpPr>
+              <a:stCxn id="82" idx="3"/>
+              <a:endCxn id="83" idx="1"/>
+            </p:cNvCxnSpPr>
+            <p:nvPr/>
+          </p:nvCxnSpPr>
+          <p:spPr>
+            <a:xfrm>
+              <a:off x="2336396" y="3516321"/>
+              <a:ext cx="146817" cy="0"/>
+            </a:xfrm>
+            <a:prstGeom prst="straightConnector1">
+              <a:avLst/>
+            </a:prstGeom>
+            <a:ln w="19050">
+              <a:solidFill>
+                <a:schemeClr val="tx1"/>
+              </a:solidFill>
+              <a:prstDash val="sysDash"/>
+              <a:tailEnd type="triangle"/>
+            </a:ln>
+          </p:spPr>
+          <p:style>
+            <a:lnRef idx="1">
+              <a:schemeClr val="accent1"/>
+            </a:lnRef>
+            <a:fillRef idx="0">
+              <a:schemeClr val="accent1"/>
+            </a:fillRef>
+            <a:effectRef idx="0">
+              <a:schemeClr val="accent1"/>
+            </a:effectRef>
+            <a:fontRef idx="minor">
+              <a:schemeClr val="tx1"/>
+            </a:fontRef>
+          </p:style>
+        </p:cxnSp>
+        <p:cxnSp>
+          <p:nvCxnSpPr>
+            <p:cNvPr id="86" name="Connecteur droit avec flèche 273">
+              <a:extLst>
+                <a:ext uri="{FF2B5EF4-FFF2-40B4-BE49-F238E27FC236}">
+                  <a16:creationId xmlns:a16="http://schemas.microsoft.com/office/drawing/2014/main" id="{C8A7163D-1B73-8544-BEB6-5055C4559C5C}"/>
+                </a:ext>
+              </a:extLst>
+            </p:cNvPr>
+            <p:cNvCxnSpPr>
+              <a:cxnSpLocks/>
+              <a:stCxn id="83" idx="3"/>
+              <a:endCxn id="84" idx="1"/>
+            </p:cNvCxnSpPr>
+            <p:nvPr/>
+          </p:nvCxnSpPr>
+          <p:spPr>
+            <a:xfrm>
+              <a:off x="3095595" y="3516321"/>
+              <a:ext cx="146817" cy="0"/>
+            </a:xfrm>
+            <a:prstGeom prst="straightConnector1">
+              <a:avLst/>
+            </a:prstGeom>
+            <a:ln w="19050">
+              <a:solidFill>
+                <a:schemeClr val="tx1"/>
+              </a:solidFill>
+              <a:prstDash val="sysDash"/>
+              <a:tailEnd type="triangle"/>
+            </a:ln>
+          </p:spPr>
+          <p:style>
+            <a:lnRef idx="1">
+              <a:schemeClr val="accent1"/>
+            </a:lnRef>
+            <a:fillRef idx="0">
+              <a:schemeClr val="accent1"/>
+            </a:fillRef>
+            <a:effectRef idx="0">
+              <a:schemeClr val="accent1"/>
+            </a:effectRef>
+            <a:fontRef idx="minor">
+              <a:schemeClr val="tx1"/>
+            </a:fontRef>
+          </p:style>
+        </p:cxnSp>
+        <p:cxnSp>
+          <p:nvCxnSpPr>
+            <p:cNvPr id="87" name="Connecteur droit avec flèche 274">
+              <a:extLst>
+                <a:ext uri="{FF2B5EF4-FFF2-40B4-BE49-F238E27FC236}">
+                  <a16:creationId xmlns:a16="http://schemas.microsoft.com/office/drawing/2014/main" id="{0EB21763-B322-DA48-835F-2AC58953056D}"/>
+                </a:ext>
+              </a:extLst>
+            </p:cNvPr>
+            <p:cNvCxnSpPr>
+              <a:cxnSpLocks/>
+              <a:stCxn id="78" idx="3"/>
+              <a:endCxn id="82" idx="1"/>
+            </p:cNvCxnSpPr>
+            <p:nvPr/>
+          </p:nvCxnSpPr>
+          <p:spPr>
+            <a:xfrm>
+              <a:off x="1657263" y="3515941"/>
+              <a:ext cx="298892" cy="380"/>
+            </a:xfrm>
+            <a:prstGeom prst="straightConnector1">
+              <a:avLst/>
+            </a:prstGeom>
+            <a:ln w="19050">
+              <a:solidFill>
+                <a:schemeClr val="tx1"/>
+              </a:solidFill>
+              <a:prstDash val="sysDash"/>
+              <a:tailEnd type="triangle"/>
+            </a:ln>
+          </p:spPr>
+          <p:style>
+            <a:lnRef idx="1">
+              <a:schemeClr val="accent1"/>
+            </a:lnRef>
+            <a:fillRef idx="0">
+              <a:schemeClr val="accent1"/>
+            </a:fillRef>
+            <a:effectRef idx="0">
+              <a:schemeClr val="accent1"/>
+            </a:effectRef>
+            <a:fontRef idx="minor">
+              <a:schemeClr val="tx1"/>
+            </a:fontRef>
+          </p:style>
+        </p:cxnSp>
+        <p:cxnSp>
+          <p:nvCxnSpPr>
+            <p:cNvPr id="88" name="Connecteur droit avec flèche 276">
+              <a:extLst>
+                <a:ext uri="{FF2B5EF4-FFF2-40B4-BE49-F238E27FC236}">
+                  <a16:creationId xmlns:a16="http://schemas.microsoft.com/office/drawing/2014/main" id="{51025ACC-3151-1E4B-AB8E-659FC8729762}"/>
+                </a:ext>
+              </a:extLst>
+            </p:cNvPr>
+            <p:cNvCxnSpPr>
+              <a:cxnSpLocks/>
+              <a:stCxn id="84" idx="3"/>
+              <a:endCxn id="93" idx="1"/>
+            </p:cNvCxnSpPr>
+            <p:nvPr/>
+          </p:nvCxnSpPr>
+          <p:spPr>
+            <a:xfrm>
+              <a:off x="3926462" y="3516321"/>
+              <a:ext cx="146817" cy="1"/>
+            </a:xfrm>
+            <a:prstGeom prst="straightConnector1">
+              <a:avLst/>
+            </a:prstGeom>
+            <a:ln w="19050">
+              <a:solidFill>
+                <a:schemeClr val="tx1"/>
+              </a:solidFill>
+              <a:prstDash val="sysDash"/>
+              <a:tailEnd type="triangle"/>
+            </a:ln>
+          </p:spPr>
+          <p:style>
+            <a:lnRef idx="1">
+              <a:schemeClr val="accent1"/>
+            </a:lnRef>
+            <a:fillRef idx="0">
+              <a:schemeClr val="accent1"/>
+            </a:fillRef>
+            <a:effectRef idx="0">
+              <a:schemeClr val="accent1"/>
+            </a:effectRef>
+            <a:fontRef idx="minor">
+              <a:schemeClr val="tx1"/>
+            </a:fontRef>
+          </p:style>
+        </p:cxnSp>
+        <p:pic>
+          <p:nvPicPr>
+            <p:cNvPr id="89" name="Picture 88"/>
+            <p:cNvPicPr>
+              <a:picLocks noChangeAspect="1"/>
+            </p:cNvPicPr>
+            <p:nvPr/>
+          </p:nvPicPr>
+          <p:blipFill>
+            <a:blip r:embed="rId3">
+              <a:extLst>
+                <a:ext uri="{28A0092B-C50C-407E-A947-70E740481C1C}">
+                  <a14:useLocalDpi xmlns:a14="http://schemas.microsoft.com/office/drawing/2010/main" val="0"/>
+                </a:ext>
+              </a:extLst>
+            </a:blip>
+            <a:stretch>
+              <a:fillRect/>
+            </a:stretch>
+          </p:blipFill>
+          <p:spPr>
+            <a:xfrm>
+              <a:off x="4827031" y="3720469"/>
+              <a:ext cx="413355" cy="94481"/>
+            </a:xfrm>
+            <a:prstGeom prst="rect">
+              <a:avLst/>
+            </a:prstGeom>
+          </p:spPr>
+        </p:pic>
+        <p:sp>
+          <p:nvSpPr>
+            <p:cNvPr id="90" name="Rectangle à coins arrondis 269">
+              <a:extLst>
+                <a:ext uri="{FF2B5EF4-FFF2-40B4-BE49-F238E27FC236}">
+                  <a16:creationId xmlns:a16="http://schemas.microsoft.com/office/drawing/2014/main" id="{0EBD748A-8AD9-2C46-89B4-4F6A71D46447}"/>
+                </a:ext>
+              </a:extLst>
+            </p:cNvPr>
+            <p:cNvSpPr/>
+            <p:nvPr/>
+          </p:nvSpPr>
+          <p:spPr>
+            <a:xfrm>
+              <a:off x="2559357" y="3959793"/>
+              <a:ext cx="460092" cy="245199"/>
+            </a:xfrm>
+            <a:prstGeom prst="roundRect">
+              <a:avLst/>
+            </a:prstGeom>
+            <a:solidFill>
+              <a:schemeClr val="accent5"/>
+            </a:solidFill>
+            <a:ln>
+              <a:noFill/>
+            </a:ln>
+          </p:spPr>
+          <p:style>
+            <a:lnRef idx="0">
+              <a:scrgbClr r="0" g="0" b="0"/>
+            </a:lnRef>
+            <a:fillRef idx="0">
+              <a:scrgbClr r="0" g="0" b="0"/>
+            </a:fillRef>
+            <a:effectRef idx="0">
+              <a:scrgbClr r="0" g="0" b="0"/>
+            </a:effectRef>
+            <a:fontRef idx="minor">
+              <a:schemeClr val="lt1"/>
+            </a:fontRef>
+          </p:style>
+          <p:txBody>
+            <a:bodyPr lIns="36000" rIns="36000" rtlCol="0" anchor="ctr"/>
+            <a:lstStyle/>
+            <a:p>
+              <a:pPr algn="ctr"/>
+              <a:r>
+                <a:rPr lang="fr-FR" sz="800" b="1" noProof="1" smtClean="0">
+                  <a:solidFill>
+                    <a:schemeClr val="tx1"/>
+                  </a:solidFill>
+                  <a:latin typeface="Gadugi" panose="020B0502040204020203" pitchFamily="34" charset="0"/>
+                  <a:ea typeface="Gadugi" panose="020B0502040204020203" pitchFamily="34" charset="0"/>
+                  <a:cs typeface="Consolas" panose="020B0609020204030204" pitchFamily="49" charset="0"/>
+                </a:rPr>
+                <a:t>ECMG</a:t>
+              </a:r>
+              <a:endParaRPr lang="fr-FR" sz="800" b="1" noProof="1">
+                <a:solidFill>
+                  <a:schemeClr val="tx1"/>
+                </a:solidFill>
+                <a:latin typeface="Gadugi" panose="020B0502040204020203" pitchFamily="34" charset="0"/>
+                <a:ea typeface="Gadugi" panose="020B0502040204020203" pitchFamily="34" charset="0"/>
+                <a:cs typeface="Consolas" panose="020B0609020204030204" pitchFamily="49" charset="0"/>
+              </a:endParaRPr>
+            </a:p>
+          </p:txBody>
+        </p:sp>
+        <p:sp>
+          <p:nvSpPr>
+            <p:cNvPr id="91" name="Rectangle à coins arrondis 269">
+              <a:extLst>
+                <a:ext uri="{FF2B5EF4-FFF2-40B4-BE49-F238E27FC236}">
+                  <a16:creationId xmlns:a16="http://schemas.microsoft.com/office/drawing/2014/main" id="{0EBD748A-8AD9-2C46-89B4-4F6A71D46447}"/>
+                </a:ext>
+              </a:extLst>
+            </p:cNvPr>
+            <p:cNvSpPr/>
+            <p:nvPr/>
+          </p:nvSpPr>
+          <p:spPr>
+            <a:xfrm>
+              <a:off x="3354390" y="3959794"/>
+              <a:ext cx="460092" cy="245199"/>
+            </a:xfrm>
+            <a:prstGeom prst="roundRect">
+              <a:avLst/>
+            </a:prstGeom>
+            <a:solidFill>
+              <a:schemeClr val="accent5"/>
+            </a:solidFill>
+            <a:ln>
+              <a:noFill/>
+            </a:ln>
+          </p:spPr>
+          <p:style>
+            <a:lnRef idx="0">
+              <a:scrgbClr r="0" g="0" b="0"/>
+            </a:lnRef>
+            <a:fillRef idx="0">
+              <a:scrgbClr r="0" g="0" b="0"/>
+            </a:fillRef>
+            <a:effectRef idx="0">
+              <a:scrgbClr r="0" g="0" b="0"/>
+            </a:effectRef>
+            <a:fontRef idx="minor">
+              <a:schemeClr val="lt1"/>
+            </a:fontRef>
+          </p:style>
+          <p:txBody>
+            <a:bodyPr lIns="36000" rIns="36000" rtlCol="0" anchor="ctr"/>
+            <a:lstStyle/>
+            <a:p>
+              <a:pPr algn="ctr"/>
+              <a:r>
+                <a:rPr lang="fr-FR" sz="800" b="1" noProof="1" smtClean="0">
+                  <a:solidFill>
+                    <a:schemeClr val="tx1"/>
+                  </a:solidFill>
+                  <a:latin typeface="Gadugi" panose="020B0502040204020203" pitchFamily="34" charset="0"/>
+                  <a:ea typeface="Gadugi" panose="020B0502040204020203" pitchFamily="34" charset="0"/>
+                  <a:cs typeface="Consolas" panose="020B0609020204030204" pitchFamily="49" charset="0"/>
+                </a:rPr>
+                <a:t>EMMG</a:t>
+              </a:r>
+              <a:endParaRPr lang="fr-FR" sz="800" b="1" noProof="1">
+                <a:solidFill>
+                  <a:schemeClr val="tx1"/>
+                </a:solidFill>
+                <a:latin typeface="Gadugi" panose="020B0502040204020203" pitchFamily="34" charset="0"/>
+                <a:ea typeface="Gadugi" panose="020B0502040204020203" pitchFamily="34" charset="0"/>
+                <a:cs typeface="Consolas" panose="020B0609020204030204" pitchFamily="49" charset="0"/>
+              </a:endParaRPr>
+            </a:p>
+          </p:txBody>
+        </p:sp>
+        <p:sp>
+          <p:nvSpPr>
+            <p:cNvPr id="92" name="Rectangle à coins arrondis 269">
+              <a:extLst>
+                <a:ext uri="{FF2B5EF4-FFF2-40B4-BE49-F238E27FC236}">
+                  <a16:creationId xmlns:a16="http://schemas.microsoft.com/office/drawing/2014/main" id="{0EBD748A-8AD9-2C46-89B4-4F6A71D46447}"/>
+                </a:ext>
+              </a:extLst>
+            </p:cNvPr>
+            <p:cNvSpPr/>
+            <p:nvPr/>
+          </p:nvSpPr>
+          <p:spPr>
+            <a:xfrm>
+              <a:off x="4860145" y="3386541"/>
+              <a:ext cx="380241" cy="245199"/>
+            </a:xfrm>
+            <a:prstGeom prst="roundRect">
+              <a:avLst/>
+            </a:prstGeom>
+            <a:solidFill>
+              <a:schemeClr val="accent5"/>
+            </a:solidFill>
+            <a:ln>
+              <a:noFill/>
+            </a:ln>
+          </p:spPr>
+          <p:style>
+            <a:lnRef idx="0">
+              <a:scrgbClr r="0" g="0" b="0"/>
+            </a:lnRef>
+            <a:fillRef idx="0">
+              <a:scrgbClr r="0" g="0" b="0"/>
+            </a:fillRef>
+            <a:effectRef idx="0">
+              <a:scrgbClr r="0" g="0" b="0"/>
+            </a:effectRef>
+            <a:fontRef idx="minor">
+              <a:schemeClr val="lt1"/>
+            </a:fontRef>
+          </p:style>
+          <p:txBody>
+            <a:bodyPr lIns="36000" rIns="36000" rtlCol="0" anchor="ctr"/>
+            <a:lstStyle/>
+            <a:p>
+              <a:pPr algn="ctr"/>
+              <a:r>
+                <a:rPr lang="fr-FR" sz="800" b="1" noProof="1" smtClean="0">
+                  <a:solidFill>
+                    <a:schemeClr val="tx1"/>
+                  </a:solidFill>
+                  <a:latin typeface="Gadugi" panose="020B0502040204020203" pitchFamily="34" charset="0"/>
+                  <a:ea typeface="Gadugi" panose="020B0502040204020203" pitchFamily="34" charset="0"/>
+                  <a:cs typeface="Consolas" panose="020B0609020204030204" pitchFamily="49" charset="0"/>
+                </a:rPr>
+                <a:t>STB</a:t>
+              </a:r>
+              <a:endParaRPr lang="fr-FR" sz="800" b="1" noProof="1">
+                <a:solidFill>
+                  <a:schemeClr val="tx1"/>
+                </a:solidFill>
+                <a:latin typeface="Gadugi" panose="020B0502040204020203" pitchFamily="34" charset="0"/>
+                <a:ea typeface="Gadugi" panose="020B0502040204020203" pitchFamily="34" charset="0"/>
+                <a:cs typeface="Consolas" panose="020B0609020204030204" pitchFamily="49" charset="0"/>
+              </a:endParaRPr>
+            </a:p>
+          </p:txBody>
+        </p:sp>
+        <p:sp>
+          <p:nvSpPr>
+            <p:cNvPr id="93" name="Rectangle à coins arrondis 271">
+              <a:extLst>
+                <a:ext uri="{FF2B5EF4-FFF2-40B4-BE49-F238E27FC236}">
+                  <a16:creationId xmlns:a16="http://schemas.microsoft.com/office/drawing/2014/main" id="{DC06761C-E5D6-8C40-8FE7-6EAC716FC474}"/>
+                </a:ext>
+              </a:extLst>
+            </p:cNvPr>
+            <p:cNvSpPr/>
+            <p:nvPr/>
+          </p:nvSpPr>
+          <p:spPr>
+            <a:xfrm>
+              <a:off x="4073279" y="3393722"/>
+              <a:ext cx="460092" cy="245199"/>
+            </a:xfrm>
+            <a:prstGeom prst="roundRect">
+              <a:avLst/>
+            </a:prstGeom>
+            <a:solidFill>
+              <a:schemeClr val="accent1"/>
+            </a:solidFill>
+            <a:ln>
+              <a:noFill/>
+            </a:ln>
+          </p:spPr>
+          <p:style>
+            <a:lnRef idx="2">
+              <a:schemeClr val="accent1">
+                <a:shade val="50000"/>
+              </a:schemeClr>
+            </a:lnRef>
+            <a:fillRef idx="1">
+              <a:schemeClr val="accent1"/>
+            </a:fillRef>
+            <a:effectRef idx="0">
+              <a:schemeClr val="accent1"/>
+            </a:effectRef>
+            <a:fontRef idx="minor">
+              <a:schemeClr val="lt1"/>
+            </a:fontRef>
+          </p:style>
+          <p:txBody>
+            <a:bodyPr lIns="0" rIns="0" rtlCol="0" anchor="ctr"/>
+            <a:lstStyle/>
+            <a:p>
+              <a:pPr algn="ctr"/>
+              <a:r>
+                <a:rPr lang="fr-FR" sz="800" b="1" noProof="1" smtClean="0">
+                  <a:latin typeface="Consolas" panose="020B0609020204030204" pitchFamily="49" charset="0"/>
+                  <a:ea typeface="Arial Rounded MT Bold" charset="0"/>
+                  <a:cs typeface="Consolas" panose="020B0609020204030204" pitchFamily="49" charset="0"/>
+                </a:rPr>
+                <a:t>dektec</a:t>
+              </a:r>
+              <a:endParaRPr lang="fr-FR" sz="800" i="1" noProof="1">
+                <a:latin typeface="Cambria" panose="02040503050406030204" pitchFamily="18" charset="0"/>
+                <a:ea typeface="Arial Rounded MT Bold" charset="0"/>
+                <a:cs typeface="Arial Rounded MT Bold" charset="0"/>
+              </a:endParaRPr>
+            </a:p>
+          </p:txBody>
+        </p:sp>
+        <p:cxnSp>
+          <p:nvCxnSpPr>
+            <p:cNvPr id="94" name="Connecteur droit avec flèche 276">
+              <a:extLst>
+                <a:ext uri="{FF2B5EF4-FFF2-40B4-BE49-F238E27FC236}">
+                  <a16:creationId xmlns:a16="http://schemas.microsoft.com/office/drawing/2014/main" id="{51025ACC-3151-1E4B-AB8E-659FC8729762}"/>
+                </a:ext>
+              </a:extLst>
+            </p:cNvPr>
+            <p:cNvCxnSpPr>
+              <a:cxnSpLocks/>
+              <a:stCxn id="93" idx="3"/>
+              <a:endCxn id="92" idx="1"/>
+            </p:cNvCxnSpPr>
+            <p:nvPr/>
+          </p:nvCxnSpPr>
+          <p:spPr>
+            <a:xfrm flipV="1">
+              <a:off x="4533371" y="3509141"/>
+              <a:ext cx="326774" cy="7181"/>
+            </a:xfrm>
+            <a:prstGeom prst="straightConnector1">
+              <a:avLst/>
+            </a:prstGeom>
+            <a:ln w="19050">
+              <a:solidFill>
+                <a:schemeClr val="tx1"/>
+              </a:solidFill>
+              <a:prstDash val="sysDash"/>
+              <a:tailEnd type="triangle"/>
+            </a:ln>
+          </p:spPr>
+          <p:style>
+            <a:lnRef idx="1">
+              <a:schemeClr val="accent1"/>
+            </a:lnRef>
+            <a:fillRef idx="0">
+              <a:schemeClr val="accent1"/>
+            </a:fillRef>
+            <a:effectRef idx="0">
+              <a:schemeClr val="accent1"/>
+            </a:effectRef>
+            <a:fontRef idx="minor">
+              <a:schemeClr val="tx1"/>
+            </a:fontRef>
+          </p:style>
+        </p:cxnSp>
+        <p:cxnSp>
+          <p:nvCxnSpPr>
+            <p:cNvPr id="95" name="Connecteur droit avec flèche 272">
+              <a:extLst>
+                <a:ext uri="{FF2B5EF4-FFF2-40B4-BE49-F238E27FC236}">
+                  <a16:creationId xmlns:a16="http://schemas.microsoft.com/office/drawing/2014/main" id="{917022DD-9C4E-8C4F-8EF4-DC025172FC05}"/>
+                </a:ext>
+              </a:extLst>
+            </p:cNvPr>
+            <p:cNvCxnSpPr>
+              <a:stCxn id="83" idx="2"/>
+              <a:endCxn id="90" idx="0"/>
+            </p:cNvCxnSpPr>
+            <p:nvPr/>
+          </p:nvCxnSpPr>
+          <p:spPr>
+            <a:xfrm flipH="1">
+              <a:off x="2789403" y="3638920"/>
+              <a:ext cx="1" cy="320873"/>
+            </a:xfrm>
+            <a:prstGeom prst="straightConnector1">
+              <a:avLst/>
+            </a:prstGeom>
+            <a:ln w="19050">
+              <a:solidFill>
+                <a:schemeClr val="tx1"/>
+              </a:solidFill>
+              <a:prstDash val="sysDash"/>
+              <a:tailEnd type="triangle"/>
+            </a:ln>
+          </p:spPr>
+          <p:style>
+            <a:lnRef idx="1">
+              <a:schemeClr val="accent1"/>
+            </a:lnRef>
+            <a:fillRef idx="0">
+              <a:schemeClr val="accent1"/>
+            </a:fillRef>
+            <a:effectRef idx="0">
+              <a:schemeClr val="accent1"/>
+            </a:effectRef>
+            <a:fontRef idx="minor">
+              <a:schemeClr val="tx1"/>
+            </a:fontRef>
+          </p:style>
+        </p:cxnSp>
+        <p:cxnSp>
+          <p:nvCxnSpPr>
+            <p:cNvPr id="96" name="Connecteur droit avec flèche 272">
+              <a:extLst>
+                <a:ext uri="{FF2B5EF4-FFF2-40B4-BE49-F238E27FC236}">
+                  <a16:creationId xmlns:a16="http://schemas.microsoft.com/office/drawing/2014/main" id="{917022DD-9C4E-8C4F-8EF4-DC025172FC05}"/>
+                </a:ext>
+              </a:extLst>
+            </p:cNvPr>
+            <p:cNvCxnSpPr>
+              <a:stCxn id="91" idx="0"/>
+              <a:endCxn id="84" idx="2"/>
+            </p:cNvCxnSpPr>
+            <p:nvPr/>
+          </p:nvCxnSpPr>
+          <p:spPr>
+            <a:xfrm flipV="1">
+              <a:off x="3584436" y="3638920"/>
+              <a:ext cx="1" cy="320874"/>
+            </a:xfrm>
+            <a:prstGeom prst="straightConnector1">
+              <a:avLst/>
+            </a:prstGeom>
+            <a:ln w="19050">
+              <a:solidFill>
+                <a:schemeClr val="tx1"/>
+              </a:solidFill>
+              <a:prstDash val="sysDash"/>
+              <a:tailEnd type="triangle"/>
+            </a:ln>
+          </p:spPr>
+          <p:style>
+            <a:lnRef idx="1">
+              <a:schemeClr val="accent1"/>
+            </a:lnRef>
+            <a:fillRef idx="0">
+              <a:schemeClr val="accent1"/>
+            </a:fillRef>
+            <a:effectRef idx="0">
+              <a:schemeClr val="accent1"/>
+            </a:effectRef>
+            <a:fontRef idx="minor">
+              <a:schemeClr val="tx1"/>
+            </a:fontRef>
+          </p:style>
+        </p:cxnSp>
+      </p:grpSp>
+      <p:grpSp>
+        <p:nvGrpSpPr>
+          <p:cNvPr id="17" name="Group 16"/>
+          <p:cNvGrpSpPr/>
+          <p:nvPr/>
+        </p:nvGrpSpPr>
+        <p:grpSpPr>
+          <a:xfrm>
+            <a:off x="780968" y="4786216"/>
+            <a:ext cx="4867202" cy="996486"/>
+            <a:chOff x="780968" y="4786216"/>
+            <a:chExt cx="4867202" cy="996486"/>
+          </a:xfrm>
+        </p:grpSpPr>
+        <p:sp>
+          <p:nvSpPr>
+            <p:cNvPr id="106" name="Rectangle à coins arrondis 251">
+              <a:extLst>
+                <a:ext uri="{FF2B5EF4-FFF2-40B4-BE49-F238E27FC236}">
+                  <a16:creationId xmlns:a16="http://schemas.microsoft.com/office/drawing/2014/main" id="{F16D29F8-F334-CB4D-BFD1-BD53652E3698}"/>
+                </a:ext>
+              </a:extLst>
+            </p:cNvPr>
+            <p:cNvSpPr/>
+            <p:nvPr/>
+          </p:nvSpPr>
+          <p:spPr>
+            <a:xfrm>
+              <a:off x="780968" y="4930470"/>
+              <a:ext cx="506101" cy="326360"/>
+            </a:xfrm>
+            <a:prstGeom prst="roundRect">
+              <a:avLst/>
+            </a:prstGeom>
+            <a:solidFill>
+              <a:schemeClr val="accent5"/>
+            </a:solidFill>
+            <a:ln>
+              <a:noFill/>
+            </a:ln>
+          </p:spPr>
+          <p:style>
+            <a:lnRef idx="0">
+              <a:scrgbClr r="0" g="0" b="0"/>
+            </a:lnRef>
+            <a:fillRef idx="0">
+              <a:scrgbClr r="0" g="0" b="0"/>
+            </a:fillRef>
+            <a:effectRef idx="0">
+              <a:scrgbClr r="0" g="0" b="0"/>
+            </a:effectRef>
+            <a:fontRef idx="minor">
+              <a:schemeClr val="lt1"/>
+            </a:fontRef>
+          </p:style>
+          <p:txBody>
+            <a:bodyPr lIns="36000" rIns="36000" rtlCol="0" anchor="ctr"/>
+            <a:lstStyle/>
+            <a:p>
+              <a:pPr algn="ctr"/>
+              <a:r>
+                <a:rPr lang="fr-FR" sz="800" b="1" noProof="1">
+                  <a:solidFill>
+                    <a:schemeClr val="tx1"/>
+                  </a:solidFill>
+                  <a:latin typeface="Gadugi" panose="020B0502040204020203" pitchFamily="34" charset="0"/>
+                  <a:ea typeface="Gadugi" panose="020B0502040204020203" pitchFamily="34" charset="0"/>
+                  <a:cs typeface="Arial Rounded MT Bold" charset="0"/>
+                </a:rPr>
+                <a:t>Video encoder</a:t>
+              </a:r>
+            </a:p>
+          </p:txBody>
+        </p:sp>
+        <p:sp>
+          <p:nvSpPr>
+            <p:cNvPr id="107" name="Rectangle à coins arrondis 268">
+              <a:extLst>
+                <a:ext uri="{FF2B5EF4-FFF2-40B4-BE49-F238E27FC236}">
+                  <a16:creationId xmlns:a16="http://schemas.microsoft.com/office/drawing/2014/main" id="{207176EF-D58B-9F42-B51F-EDF84066C434}"/>
+                </a:ext>
+              </a:extLst>
+            </p:cNvPr>
+            <p:cNvSpPr/>
+            <p:nvPr/>
+          </p:nvSpPr>
+          <p:spPr>
+            <a:xfrm>
+              <a:off x="1451186" y="4791683"/>
+              <a:ext cx="2172712" cy="501844"/>
+            </a:xfrm>
+            <a:prstGeom prst="roundRect">
+              <a:avLst>
+                <a:gd name="adj" fmla="val 3969"/>
+              </a:avLst>
+            </a:prstGeom>
+            <a:solidFill>
+              <a:schemeClr val="accent5"/>
+            </a:solidFill>
+            <a:ln>
+              <a:noFill/>
+            </a:ln>
+          </p:spPr>
+          <p:style>
+            <a:lnRef idx="0">
+              <a:scrgbClr r="0" g="0" b="0"/>
+            </a:lnRef>
+            <a:fillRef idx="0">
+              <a:scrgbClr r="0" g="0" b="0"/>
+            </a:fillRef>
+            <a:effectRef idx="0">
+              <a:scrgbClr r="0" g="0" b="0"/>
+            </a:effectRef>
+            <a:fontRef idx="minor">
+              <a:schemeClr val="lt1"/>
+            </a:fontRef>
+          </p:style>
+          <p:txBody>
+            <a:bodyPr tIns="0" rtlCol="0" anchor="t" anchorCtr="0"/>
+            <a:lstStyle/>
+            <a:p>
+              <a:pPr algn="ctr"/>
+              <a:r>
+                <a:rPr lang="fr-FR" sz="900" b="1" noProof="1" smtClean="0">
+                  <a:solidFill>
+                    <a:schemeClr val="tx1"/>
+                  </a:solidFill>
+                  <a:latin typeface="Gadugi" panose="020B0502040204020203" pitchFamily="34" charset="0"/>
+                  <a:ea typeface="Gadugi" panose="020B0502040204020203" pitchFamily="34" charset="0"/>
+                  <a:cs typeface="Arial Rounded MT Bold" charset="0"/>
+                </a:rPr>
+                <a:t>DVB SimulCrypt MUX</a:t>
+              </a:r>
+              <a:endParaRPr lang="fr-FR" sz="800" b="1" noProof="1">
+                <a:solidFill>
+                  <a:schemeClr val="tx1"/>
+                </a:solidFill>
+                <a:latin typeface="Gadugi" panose="020B0502040204020203" pitchFamily="34" charset="0"/>
+                <a:ea typeface="Gadugi" panose="020B0502040204020203" pitchFamily="34" charset="0"/>
+                <a:cs typeface="Arial Rounded MT Bold" charset="0"/>
+              </a:endParaRPr>
+            </a:p>
+          </p:txBody>
+        </p:sp>
+        <p:cxnSp>
+          <p:nvCxnSpPr>
+            <p:cNvPr id="108" name="Connecteur droit avec flèche 274">
+              <a:extLst>
+                <a:ext uri="{FF2B5EF4-FFF2-40B4-BE49-F238E27FC236}">
+                  <a16:creationId xmlns:a16="http://schemas.microsoft.com/office/drawing/2014/main" id="{0EB21763-B322-DA48-835F-2AC58953056D}"/>
+                </a:ext>
+              </a:extLst>
+            </p:cNvPr>
+            <p:cNvCxnSpPr>
+              <a:cxnSpLocks/>
+              <a:stCxn id="106" idx="3"/>
+            </p:cNvCxnSpPr>
+            <p:nvPr/>
+          </p:nvCxnSpPr>
+          <p:spPr>
+            <a:xfrm>
+              <a:off x="1287069" y="5093650"/>
+              <a:ext cx="163426" cy="381"/>
+            </a:xfrm>
+            <a:prstGeom prst="straightConnector1">
+              <a:avLst/>
+            </a:prstGeom>
+            <a:ln w="19050">
+              <a:solidFill>
+                <a:schemeClr val="tx1"/>
+              </a:solidFill>
+              <a:prstDash val="sysDash"/>
+              <a:tailEnd type="triangle"/>
+            </a:ln>
+          </p:spPr>
+          <p:style>
+            <a:lnRef idx="1">
+              <a:schemeClr val="accent1"/>
+            </a:lnRef>
+            <a:fillRef idx="0">
+              <a:schemeClr val="accent1"/>
+            </a:fillRef>
+            <a:effectRef idx="0">
+              <a:schemeClr val="accent1"/>
+            </a:effectRef>
+            <a:fontRef idx="minor">
+              <a:schemeClr val="tx1"/>
+            </a:fontRef>
+          </p:style>
+        </p:cxnSp>
+        <p:sp>
+          <p:nvSpPr>
+            <p:cNvPr id="109" name="ZoneTexte 278">
+              <a:extLst>
+                <a:ext uri="{FF2B5EF4-FFF2-40B4-BE49-F238E27FC236}">
+                  <a16:creationId xmlns:a16="http://schemas.microsoft.com/office/drawing/2014/main" id="{CA252A1D-16B0-9A4A-89F5-1189E8A73A99}"/>
+                </a:ext>
+              </a:extLst>
+            </p:cNvPr>
+            <p:cNvSpPr txBox="1"/>
+            <p:nvPr/>
+          </p:nvSpPr>
+          <p:spPr>
+            <a:xfrm>
+              <a:off x="2517738" y="5032904"/>
+              <a:ext cx="903441" cy="252377"/>
+            </a:xfrm>
+            <a:prstGeom prst="rect">
+              <a:avLst/>
+            </a:prstGeom>
+            <a:noFill/>
+          </p:spPr>
+          <p:txBody>
+            <a:bodyPr wrap="square" lIns="0" tIns="18288" rIns="0" bIns="18288" rtlCol="0">
+              <a:spAutoFit/>
+            </a:bodyPr>
+            <a:lstStyle/>
+            <a:p>
+              <a:pPr algn="ctr"/>
+              <a:r>
+                <a:rPr lang="fr-FR" sz="700" b="1" noProof="1" smtClean="0">
+                  <a:latin typeface="Gadugi" panose="020B0502040204020203" pitchFamily="34" charset="0"/>
+                  <a:ea typeface="Gadugi" panose="020B0502040204020203" pitchFamily="34" charset="0"/>
+                  <a:cs typeface="Arial Rounded MT Bold" charset="0"/>
+                </a:rPr>
+                <a:t>EMMG/PDG </a:t>
+              </a:r>
+              <a:r>
+                <a:rPr lang="fr-FR" sz="700" b="1" noProof="1" smtClean="0">
+                  <a:latin typeface="Gadugi" panose="020B0502040204020203" pitchFamily="34" charset="0"/>
+                  <a:ea typeface="Gadugi" panose="020B0502040204020203" pitchFamily="34" charset="0"/>
+                  <a:cs typeface="Arial Rounded MT Bold" charset="0"/>
+                  <a:sym typeface="Wingdings" panose="05000000000000000000" pitchFamily="2" charset="2"/>
+                </a:rPr>
+                <a:t> MUX</a:t>
+              </a:r>
+            </a:p>
+            <a:p>
+              <a:pPr algn="ctr"/>
+              <a:r>
+                <a:rPr lang="fr-FR" sz="700" b="1" noProof="1" smtClean="0">
+                  <a:latin typeface="Gadugi" panose="020B0502040204020203" pitchFamily="34" charset="0"/>
+                  <a:ea typeface="Gadugi" panose="020B0502040204020203" pitchFamily="34" charset="0"/>
+                  <a:cs typeface="Arial Rounded MT Bold" charset="0"/>
+                  <a:sym typeface="Wingdings" panose="05000000000000000000" pitchFamily="2" charset="2"/>
+                </a:rPr>
+                <a:t>protocol</a:t>
+              </a:r>
+              <a:endParaRPr lang="fr-FR" sz="700" b="1" noProof="1">
+                <a:latin typeface="Gadugi" panose="020B0502040204020203" pitchFamily="34" charset="0"/>
+                <a:ea typeface="Gadugi" panose="020B0502040204020203" pitchFamily="34" charset="0"/>
+                <a:cs typeface="Arial Rounded MT Bold" charset="0"/>
+              </a:endParaRPr>
+            </a:p>
+          </p:txBody>
+        </p:sp>
+        <p:pic>
+          <p:nvPicPr>
+            <p:cNvPr id="110" name="Picture 109"/>
+            <p:cNvPicPr>
+              <a:picLocks noChangeAspect="1"/>
+            </p:cNvPicPr>
+            <p:nvPr/>
+          </p:nvPicPr>
+          <p:blipFill>
+            <a:blip r:embed="rId3">
+              <a:extLst>
+                <a:ext uri="{28A0092B-C50C-407E-A947-70E740481C1C}">
+                  <a14:useLocalDpi xmlns:a14="http://schemas.microsoft.com/office/drawing/2010/main" val="0"/>
+                </a:ext>
+              </a:extLst>
+            </a:blip>
+            <a:stretch>
+              <a:fillRect/>
+            </a:stretch>
+          </p:blipFill>
+          <p:spPr>
+            <a:xfrm>
+              <a:off x="5234815" y="5343668"/>
+              <a:ext cx="413355" cy="94481"/>
+            </a:xfrm>
+            <a:prstGeom prst="rect">
+              <a:avLst/>
+            </a:prstGeom>
+          </p:spPr>
+        </p:pic>
+        <p:sp>
+          <p:nvSpPr>
+            <p:cNvPr id="111" name="Rectangle à coins arrondis 269">
+              <a:extLst>
+                <a:ext uri="{FF2B5EF4-FFF2-40B4-BE49-F238E27FC236}">
+                  <a16:creationId xmlns:a16="http://schemas.microsoft.com/office/drawing/2014/main" id="{0EBD748A-8AD9-2C46-89B4-4F6A71D46447}"/>
+                </a:ext>
+              </a:extLst>
+            </p:cNvPr>
+            <p:cNvSpPr/>
+            <p:nvPr/>
+          </p:nvSpPr>
+          <p:spPr>
+            <a:xfrm>
+              <a:off x="1858183" y="5537502"/>
+              <a:ext cx="460092" cy="245199"/>
+            </a:xfrm>
+            <a:prstGeom prst="roundRect">
+              <a:avLst/>
+            </a:prstGeom>
+            <a:solidFill>
+              <a:schemeClr val="accent1"/>
+            </a:solidFill>
+            <a:ln>
+              <a:noFill/>
+            </a:ln>
+          </p:spPr>
+          <p:style>
+            <a:lnRef idx="2">
+              <a:schemeClr val="accent1">
+                <a:shade val="50000"/>
+              </a:schemeClr>
+            </a:lnRef>
+            <a:fillRef idx="1">
+              <a:schemeClr val="accent1"/>
+            </a:fillRef>
+            <a:effectRef idx="0">
+              <a:schemeClr val="accent1"/>
+            </a:effectRef>
+            <a:fontRef idx="minor">
+              <a:schemeClr val="lt1"/>
+            </a:fontRef>
+          </p:style>
+          <p:txBody>
+            <a:bodyPr lIns="36000" rIns="36000" rtlCol="0" anchor="ctr"/>
+            <a:lstStyle/>
+            <a:p>
+              <a:pPr algn="ctr"/>
+              <a:r>
+                <a:rPr lang="fr-FR" sz="800" b="1" noProof="1" smtClean="0">
+                  <a:latin typeface="Consolas" panose="020B0609020204030204" pitchFamily="49" charset="0"/>
+                  <a:cs typeface="Consolas" panose="020B0609020204030204" pitchFamily="49" charset="0"/>
+                </a:rPr>
+                <a:t>tsecmg</a:t>
+              </a:r>
+              <a:endParaRPr lang="fr-FR" sz="800" b="1" noProof="1">
+                <a:latin typeface="Consolas" panose="020B0609020204030204" pitchFamily="49" charset="0"/>
+                <a:cs typeface="Consolas" panose="020B0609020204030204" pitchFamily="49" charset="0"/>
+              </a:endParaRPr>
+            </a:p>
+          </p:txBody>
+        </p:sp>
+        <p:sp>
+          <p:nvSpPr>
+            <p:cNvPr id="112" name="Rectangle à coins arrondis 269">
+              <a:extLst>
+                <a:ext uri="{FF2B5EF4-FFF2-40B4-BE49-F238E27FC236}">
+                  <a16:creationId xmlns:a16="http://schemas.microsoft.com/office/drawing/2014/main" id="{0EBD748A-8AD9-2C46-89B4-4F6A71D46447}"/>
+                </a:ext>
+              </a:extLst>
+            </p:cNvPr>
+            <p:cNvSpPr/>
+            <p:nvPr/>
+          </p:nvSpPr>
+          <p:spPr>
+            <a:xfrm>
+              <a:off x="2737363" y="5537503"/>
+              <a:ext cx="460092" cy="245199"/>
+            </a:xfrm>
+            <a:prstGeom prst="roundRect">
+              <a:avLst/>
+            </a:prstGeom>
+            <a:solidFill>
+              <a:schemeClr val="accent1"/>
+            </a:solidFill>
+            <a:ln>
+              <a:noFill/>
+            </a:ln>
+          </p:spPr>
+          <p:style>
+            <a:lnRef idx="2">
+              <a:schemeClr val="accent1">
+                <a:shade val="50000"/>
+              </a:schemeClr>
+            </a:lnRef>
+            <a:fillRef idx="1">
+              <a:schemeClr val="accent1"/>
+            </a:fillRef>
+            <a:effectRef idx="0">
+              <a:schemeClr val="accent1"/>
+            </a:effectRef>
+            <a:fontRef idx="minor">
+              <a:schemeClr val="lt1"/>
+            </a:fontRef>
+          </p:style>
+          <p:txBody>
+            <a:bodyPr lIns="36000" rIns="36000" rtlCol="0" anchor="ctr"/>
+            <a:lstStyle/>
+            <a:p>
+              <a:pPr algn="ctr"/>
+              <a:r>
+                <a:rPr lang="fr-FR" sz="800" b="1" noProof="1" smtClean="0">
+                  <a:latin typeface="Consolas" panose="020B0609020204030204" pitchFamily="49" charset="0"/>
+                  <a:cs typeface="Consolas" panose="020B0609020204030204" pitchFamily="49" charset="0"/>
+                </a:rPr>
+                <a:t>tsemmg</a:t>
+              </a:r>
+              <a:endParaRPr lang="fr-FR" sz="800" b="1" noProof="1">
+                <a:latin typeface="Consolas" panose="020B0609020204030204" pitchFamily="49" charset="0"/>
+                <a:cs typeface="Consolas" panose="020B0609020204030204" pitchFamily="49" charset="0"/>
+              </a:endParaRPr>
+            </a:p>
+          </p:txBody>
+        </p:sp>
+        <p:cxnSp>
+          <p:nvCxnSpPr>
+            <p:cNvPr id="115" name="Connecteur droit avec flèche 272">
+              <a:extLst>
+                <a:ext uri="{FF2B5EF4-FFF2-40B4-BE49-F238E27FC236}">
+                  <a16:creationId xmlns:a16="http://schemas.microsoft.com/office/drawing/2014/main" id="{917022DD-9C4E-8C4F-8EF4-DC025172FC05}"/>
+                </a:ext>
+              </a:extLst>
+            </p:cNvPr>
+            <p:cNvCxnSpPr>
+              <a:stCxn id="117" idx="2"/>
+              <a:endCxn id="111" idx="0"/>
+            </p:cNvCxnSpPr>
+            <p:nvPr/>
+          </p:nvCxnSpPr>
+          <p:spPr>
+            <a:xfrm>
+              <a:off x="2088229" y="5283071"/>
+              <a:ext cx="0" cy="254431"/>
+            </a:xfrm>
+            <a:prstGeom prst="straightConnector1">
+              <a:avLst/>
+            </a:prstGeom>
+            <a:ln w="19050">
+              <a:solidFill>
+                <a:schemeClr val="tx1"/>
+              </a:solidFill>
+              <a:prstDash val="sysDash"/>
+              <a:tailEnd type="triangle"/>
+            </a:ln>
+          </p:spPr>
+          <p:style>
+            <a:lnRef idx="1">
+              <a:schemeClr val="accent1"/>
+            </a:lnRef>
+            <a:fillRef idx="0">
+              <a:schemeClr val="accent1"/>
+            </a:fillRef>
+            <a:effectRef idx="0">
+              <a:schemeClr val="accent1"/>
+            </a:effectRef>
+            <a:fontRef idx="minor">
+              <a:schemeClr val="tx1"/>
+            </a:fontRef>
+          </p:style>
+        </p:cxnSp>
+        <p:cxnSp>
+          <p:nvCxnSpPr>
+            <p:cNvPr id="116" name="Connecteur droit avec flèche 272">
+              <a:extLst>
+                <a:ext uri="{FF2B5EF4-FFF2-40B4-BE49-F238E27FC236}">
+                  <a16:creationId xmlns:a16="http://schemas.microsoft.com/office/drawing/2014/main" id="{917022DD-9C4E-8C4F-8EF4-DC025172FC05}"/>
+                </a:ext>
+              </a:extLst>
+            </p:cNvPr>
+            <p:cNvCxnSpPr>
+              <a:stCxn id="112" idx="0"/>
+              <a:endCxn id="109" idx="2"/>
+            </p:cNvCxnSpPr>
+            <p:nvPr/>
+          </p:nvCxnSpPr>
+          <p:spPr>
+            <a:xfrm flipV="1">
+              <a:off x="2967409" y="5285281"/>
+              <a:ext cx="2050" cy="252222"/>
+            </a:xfrm>
+            <a:prstGeom prst="straightConnector1">
+              <a:avLst/>
+            </a:prstGeom>
+            <a:ln w="19050">
+              <a:solidFill>
+                <a:schemeClr val="tx1"/>
+              </a:solidFill>
+              <a:prstDash val="sysDash"/>
+              <a:tailEnd type="triangle"/>
+            </a:ln>
+          </p:spPr>
+          <p:style>
+            <a:lnRef idx="1">
+              <a:schemeClr val="accent1"/>
+            </a:lnRef>
+            <a:fillRef idx="0">
+              <a:schemeClr val="accent1"/>
+            </a:fillRef>
+            <a:effectRef idx="0">
+              <a:schemeClr val="accent1"/>
+            </a:effectRef>
+            <a:fontRef idx="minor">
+              <a:schemeClr val="tx1"/>
+            </a:fontRef>
+          </p:style>
+        </p:cxnSp>
+        <p:sp>
+          <p:nvSpPr>
+            <p:cNvPr id="117" name="ZoneTexte 278">
+              <a:extLst>
+                <a:ext uri="{FF2B5EF4-FFF2-40B4-BE49-F238E27FC236}">
+                  <a16:creationId xmlns:a16="http://schemas.microsoft.com/office/drawing/2014/main" id="{CA252A1D-16B0-9A4A-89F5-1189E8A73A99}"/>
+                </a:ext>
+              </a:extLst>
+            </p:cNvPr>
+            <p:cNvSpPr txBox="1"/>
+            <p:nvPr/>
+          </p:nvSpPr>
+          <p:spPr>
+            <a:xfrm>
+              <a:off x="1757304" y="5030694"/>
+              <a:ext cx="661850" cy="252377"/>
+            </a:xfrm>
+            <a:prstGeom prst="rect">
+              <a:avLst/>
+            </a:prstGeom>
+            <a:noFill/>
+          </p:spPr>
+          <p:txBody>
+            <a:bodyPr wrap="square" lIns="0" tIns="18288" rIns="0" bIns="18288" rtlCol="0">
+              <a:spAutoFit/>
+            </a:bodyPr>
+            <a:lstStyle>
+              <a:defPPr>
+                <a:defRPr lang="fr-FR"/>
+              </a:defPPr>
+              <a:lvl1pPr algn="ctr">
+                <a:defRPr sz="700" b="1">
+                  <a:latin typeface="Gadugi" panose="020B0502040204020203" pitchFamily="34" charset="0"/>
+                  <a:ea typeface="Gadugi" panose="020B0502040204020203" pitchFamily="34" charset="0"/>
+                  <a:cs typeface="Arial Rounded MT Bold" charset="0"/>
+                </a:defRPr>
+              </a:lvl1pPr>
+            </a:lstStyle>
+            <a:p>
+              <a:r>
+                <a:rPr lang="fr-FR" noProof="1"/>
+                <a:t>ECMG </a:t>
+              </a:r>
+              <a:r>
+                <a:rPr lang="fr-FR" noProof="1">
+                  <a:sym typeface="Wingdings" panose="05000000000000000000" pitchFamily="2" charset="2"/>
+                </a:rPr>
+                <a:t> SCS</a:t>
+              </a:r>
+            </a:p>
+            <a:p>
+              <a:r>
+                <a:rPr lang="fr-FR" noProof="1">
+                  <a:sym typeface="Wingdings" panose="05000000000000000000" pitchFamily="2" charset="2"/>
+                </a:rPr>
+                <a:t>protocol</a:t>
+              </a:r>
+              <a:endParaRPr lang="fr-FR" noProof="1"/>
+            </a:p>
+          </p:txBody>
+        </p:sp>
+        <p:sp>
+          <p:nvSpPr>
+            <p:cNvPr id="118" name="Rectangle à coins arrondis 268">
+              <a:extLst>
+                <a:ext uri="{FF2B5EF4-FFF2-40B4-BE49-F238E27FC236}">
+                  <a16:creationId xmlns:a16="http://schemas.microsoft.com/office/drawing/2014/main" id="{207176EF-D58B-9F42-B51F-EDF84066C434}"/>
+                </a:ext>
+              </a:extLst>
+            </p:cNvPr>
+            <p:cNvSpPr/>
+            <p:nvPr/>
+          </p:nvSpPr>
+          <p:spPr>
+            <a:xfrm>
+              <a:off x="3764072" y="4786216"/>
+              <a:ext cx="1884098" cy="501844"/>
+            </a:xfrm>
+            <a:prstGeom prst="roundRect">
+              <a:avLst>
+                <a:gd name="adj" fmla="val 3969"/>
+              </a:avLst>
+            </a:prstGeom>
+            <a:solidFill>
+              <a:schemeClr val="accent6"/>
+            </a:solidFill>
+            <a:ln>
+              <a:noFill/>
+            </a:ln>
+          </p:spPr>
+          <p:style>
+            <a:lnRef idx="2">
+              <a:schemeClr val="accent1">
+                <a:shade val="50000"/>
+              </a:schemeClr>
+            </a:lnRef>
+            <a:fillRef idx="1">
+              <a:schemeClr val="accent1"/>
+            </a:fillRef>
+            <a:effectRef idx="0">
+              <a:schemeClr val="accent1"/>
+            </a:effectRef>
+            <a:fontRef idx="minor">
+              <a:schemeClr val="lt1"/>
+            </a:fontRef>
+          </p:style>
+          <p:txBody>
+            <a:bodyPr tIns="0" rtlCol="0" anchor="t" anchorCtr="0"/>
+            <a:lstStyle/>
+            <a:p>
+              <a:pPr algn="ctr"/>
+              <a:r>
+                <a:rPr lang="fr-FR" sz="900" b="1" noProof="1">
+                  <a:solidFill>
+                    <a:schemeClr val="tx1"/>
+                  </a:solidFill>
+                  <a:latin typeface="Gadugi" panose="020B0502040204020203" pitchFamily="34" charset="0"/>
+                  <a:ea typeface="Gadugi" panose="020B0502040204020203" pitchFamily="34" charset="0"/>
+                  <a:cs typeface="Arial Rounded MT Bold" charset="0"/>
+                </a:rPr>
+                <a:t>tsp</a:t>
+              </a:r>
+              <a:endParaRPr lang="fr-FR" sz="800" b="1" noProof="1">
+                <a:solidFill>
+                  <a:schemeClr val="tx1"/>
+                </a:solidFill>
+                <a:latin typeface="Gadugi" panose="020B0502040204020203" pitchFamily="34" charset="0"/>
+                <a:ea typeface="Gadugi" panose="020B0502040204020203" pitchFamily="34" charset="0"/>
+                <a:cs typeface="Arial Rounded MT Bold" charset="0"/>
+              </a:endParaRPr>
+            </a:p>
+          </p:txBody>
+        </p:sp>
+        <p:sp>
+          <p:nvSpPr>
+            <p:cNvPr id="119" name="Rectangle à coins arrondis 269">
+              <a:extLst>
+                <a:ext uri="{FF2B5EF4-FFF2-40B4-BE49-F238E27FC236}">
+                  <a16:creationId xmlns:a16="http://schemas.microsoft.com/office/drawing/2014/main" id="{0EBD748A-8AD9-2C46-89B4-4F6A71D46447}"/>
+                </a:ext>
+              </a:extLst>
+            </p:cNvPr>
+            <p:cNvSpPr/>
+            <p:nvPr/>
+          </p:nvSpPr>
+          <p:spPr>
+            <a:xfrm>
+              <a:off x="3860117" y="4965963"/>
+              <a:ext cx="285681" cy="245199"/>
+            </a:xfrm>
+            <a:prstGeom prst="roundRect">
+              <a:avLst/>
+            </a:prstGeom>
+            <a:solidFill>
+              <a:schemeClr val="accent1"/>
+            </a:solidFill>
+            <a:ln>
+              <a:noFill/>
+            </a:ln>
+          </p:spPr>
+          <p:style>
+            <a:lnRef idx="2">
+              <a:schemeClr val="accent1">
+                <a:shade val="50000"/>
+              </a:schemeClr>
+            </a:lnRef>
+            <a:fillRef idx="1">
+              <a:schemeClr val="accent1"/>
+            </a:fillRef>
+            <a:effectRef idx="0">
+              <a:schemeClr val="accent1"/>
+            </a:effectRef>
+            <a:fontRef idx="minor">
+              <a:schemeClr val="lt1"/>
+            </a:fontRef>
+          </p:style>
+          <p:txBody>
+            <a:bodyPr lIns="36000" rIns="36000" rtlCol="0" anchor="ctr"/>
+            <a:lstStyle/>
+            <a:p>
+              <a:pPr algn="ctr"/>
+              <a:r>
+                <a:rPr lang="fr-FR" sz="800" b="1" noProof="1" smtClean="0">
+                  <a:latin typeface="Consolas" panose="020B0609020204030204" pitchFamily="49" charset="0"/>
+                  <a:cs typeface="Consolas" panose="020B0609020204030204" pitchFamily="49" charset="0"/>
+                </a:rPr>
+                <a:t>ip</a:t>
+              </a:r>
+              <a:endParaRPr lang="fr-FR" sz="800" b="1" noProof="1">
+                <a:latin typeface="Consolas" panose="020B0609020204030204" pitchFamily="49" charset="0"/>
+                <a:cs typeface="Consolas" panose="020B0609020204030204" pitchFamily="49" charset="0"/>
+              </a:endParaRPr>
+            </a:p>
+          </p:txBody>
+        </p:sp>
+        <p:sp>
+          <p:nvSpPr>
+            <p:cNvPr id="120" name="Rectangle à coins arrondis 270">
+              <a:extLst>
+                <a:ext uri="{FF2B5EF4-FFF2-40B4-BE49-F238E27FC236}">
+                  <a16:creationId xmlns:a16="http://schemas.microsoft.com/office/drawing/2014/main" id="{FF06C02C-F215-8D4F-A8E5-8095AD1B4B48}"/>
+                </a:ext>
+              </a:extLst>
+            </p:cNvPr>
+            <p:cNvSpPr/>
+            <p:nvPr/>
+          </p:nvSpPr>
+          <p:spPr>
+            <a:xfrm>
+              <a:off x="4284361" y="4965963"/>
+              <a:ext cx="740982" cy="245199"/>
+            </a:xfrm>
+            <a:prstGeom prst="roundRect">
+              <a:avLst/>
+            </a:prstGeom>
+            <a:solidFill>
+              <a:schemeClr val="accent1"/>
+            </a:solidFill>
+            <a:ln>
+              <a:noFill/>
+            </a:ln>
+          </p:spPr>
+          <p:style>
+            <a:lnRef idx="2">
+              <a:schemeClr val="accent1">
+                <a:shade val="50000"/>
+              </a:schemeClr>
+            </a:lnRef>
+            <a:fillRef idx="1">
+              <a:schemeClr val="accent1"/>
+            </a:fillRef>
+            <a:effectRef idx="0">
+              <a:schemeClr val="accent1"/>
+            </a:effectRef>
+            <a:fontRef idx="minor">
+              <a:schemeClr val="lt1"/>
+            </a:fontRef>
+          </p:style>
+          <p:txBody>
+            <a:bodyPr lIns="0" rIns="0" rtlCol="0" anchor="ctr"/>
+            <a:lstStyle/>
+            <a:p>
+              <a:pPr algn="ctr"/>
+              <a:r>
+                <a:rPr lang="fr-FR" sz="800" b="1" noProof="1" smtClean="0">
+                  <a:latin typeface="Consolas" panose="020B0609020204030204" pitchFamily="49" charset="0"/>
+                  <a:cs typeface="Consolas" panose="020B0609020204030204" pitchFamily="49" charset="0"/>
+                </a:rPr>
+                <a:t>descrambler</a:t>
+              </a:r>
+              <a:endParaRPr lang="fr-FR" sz="800" b="1" noProof="1">
+                <a:latin typeface="Consolas" panose="020B0609020204030204" pitchFamily="49" charset="0"/>
+                <a:cs typeface="Consolas" panose="020B0609020204030204" pitchFamily="49" charset="0"/>
+              </a:endParaRPr>
+            </a:p>
+          </p:txBody>
+        </p:sp>
+        <p:sp>
+          <p:nvSpPr>
+            <p:cNvPr id="121" name="Rectangle à coins arrondis 271">
+              <a:extLst>
+                <a:ext uri="{FF2B5EF4-FFF2-40B4-BE49-F238E27FC236}">
+                  <a16:creationId xmlns:a16="http://schemas.microsoft.com/office/drawing/2014/main" id="{DC06761C-E5D6-8C40-8FE7-6EAC716FC474}"/>
+                </a:ext>
+              </a:extLst>
+            </p:cNvPr>
+            <p:cNvSpPr/>
+            <p:nvPr/>
+          </p:nvSpPr>
+          <p:spPr>
+            <a:xfrm>
+              <a:off x="5163905" y="4965963"/>
+              <a:ext cx="386128" cy="245199"/>
+            </a:xfrm>
+            <a:prstGeom prst="roundRect">
+              <a:avLst/>
+            </a:prstGeom>
+            <a:solidFill>
+              <a:schemeClr val="accent1"/>
+            </a:solidFill>
+            <a:ln>
+              <a:noFill/>
+            </a:ln>
+          </p:spPr>
+          <p:style>
+            <a:lnRef idx="2">
+              <a:schemeClr val="accent1">
+                <a:shade val="50000"/>
+              </a:schemeClr>
+            </a:lnRef>
+            <a:fillRef idx="1">
+              <a:schemeClr val="accent1"/>
+            </a:fillRef>
+            <a:effectRef idx="0">
+              <a:schemeClr val="accent1"/>
+            </a:effectRef>
+            <a:fontRef idx="minor">
+              <a:schemeClr val="lt1"/>
+            </a:fontRef>
+          </p:style>
+          <p:txBody>
+            <a:bodyPr lIns="0" rIns="0" rtlCol="0" anchor="ctr"/>
+            <a:lstStyle/>
+            <a:p>
+              <a:pPr algn="ctr"/>
+              <a:r>
+                <a:rPr lang="fr-FR" sz="800" b="1" noProof="1" smtClean="0">
+                  <a:latin typeface="Consolas" panose="020B0609020204030204" pitchFamily="49" charset="0"/>
+                  <a:ea typeface="Arial Rounded MT Bold" charset="0"/>
+                  <a:cs typeface="Consolas" panose="020B0609020204030204" pitchFamily="49" charset="0"/>
+                </a:rPr>
+                <a:t>play</a:t>
+              </a:r>
+              <a:endParaRPr lang="fr-FR" sz="800" i="1" noProof="1">
+                <a:latin typeface="Cambria" panose="02040503050406030204" pitchFamily="18" charset="0"/>
+                <a:ea typeface="Arial Rounded MT Bold" charset="0"/>
+                <a:cs typeface="Arial Rounded MT Bold" charset="0"/>
+              </a:endParaRPr>
+            </a:p>
+          </p:txBody>
+        </p:sp>
+        <p:cxnSp>
+          <p:nvCxnSpPr>
+            <p:cNvPr id="122" name="Connecteur droit avec flèche 272">
+              <a:extLst>
+                <a:ext uri="{FF2B5EF4-FFF2-40B4-BE49-F238E27FC236}">
+                  <a16:creationId xmlns:a16="http://schemas.microsoft.com/office/drawing/2014/main" id="{917022DD-9C4E-8C4F-8EF4-DC025172FC05}"/>
+                </a:ext>
+              </a:extLst>
+            </p:cNvPr>
+            <p:cNvCxnSpPr>
+              <a:stCxn id="119" idx="3"/>
+              <a:endCxn id="120" idx="1"/>
+            </p:cNvCxnSpPr>
+            <p:nvPr/>
+          </p:nvCxnSpPr>
+          <p:spPr>
+            <a:xfrm>
+              <a:off x="4145798" y="5088563"/>
+              <a:ext cx="138563" cy="0"/>
+            </a:xfrm>
+            <a:prstGeom prst="straightConnector1">
+              <a:avLst/>
+            </a:prstGeom>
+            <a:ln w="19050">
+              <a:solidFill>
+                <a:schemeClr val="tx1"/>
+              </a:solidFill>
+              <a:prstDash val="sysDash"/>
+              <a:tailEnd type="triangle"/>
+            </a:ln>
+          </p:spPr>
+          <p:style>
+            <a:lnRef idx="1">
+              <a:schemeClr val="accent1"/>
+            </a:lnRef>
+            <a:fillRef idx="0">
+              <a:schemeClr val="accent1"/>
+            </a:fillRef>
+            <a:effectRef idx="0">
+              <a:schemeClr val="accent1"/>
+            </a:effectRef>
+            <a:fontRef idx="minor">
+              <a:schemeClr val="tx1"/>
+            </a:fontRef>
+          </p:style>
+        </p:cxnSp>
+        <p:cxnSp>
+          <p:nvCxnSpPr>
+            <p:cNvPr id="123" name="Connecteur droit avec flèche 273">
+              <a:extLst>
+                <a:ext uri="{FF2B5EF4-FFF2-40B4-BE49-F238E27FC236}">
+                  <a16:creationId xmlns:a16="http://schemas.microsoft.com/office/drawing/2014/main" id="{C8A7163D-1B73-8544-BEB6-5055C4559C5C}"/>
+                </a:ext>
+              </a:extLst>
+            </p:cNvPr>
+            <p:cNvCxnSpPr>
+              <a:cxnSpLocks/>
+              <a:stCxn id="120" idx="3"/>
+              <a:endCxn id="121" idx="1"/>
+            </p:cNvCxnSpPr>
+            <p:nvPr/>
+          </p:nvCxnSpPr>
+          <p:spPr>
+            <a:xfrm>
+              <a:off x="5025343" y="5088563"/>
+              <a:ext cx="138562" cy="0"/>
+            </a:xfrm>
+            <a:prstGeom prst="straightConnector1">
+              <a:avLst/>
+            </a:prstGeom>
+            <a:ln w="19050">
+              <a:solidFill>
+                <a:schemeClr val="tx1"/>
+              </a:solidFill>
+              <a:prstDash val="sysDash"/>
+              <a:tailEnd type="triangle"/>
+            </a:ln>
+          </p:spPr>
+          <p:style>
+            <a:lnRef idx="1">
+              <a:schemeClr val="accent1"/>
+            </a:lnRef>
+            <a:fillRef idx="0">
+              <a:schemeClr val="accent1"/>
+            </a:fillRef>
+            <a:effectRef idx="0">
+              <a:schemeClr val="accent1"/>
+            </a:effectRef>
+            <a:fontRef idx="minor">
+              <a:schemeClr val="tx1"/>
+            </a:fontRef>
+          </p:style>
+        </p:cxnSp>
+        <p:cxnSp>
+          <p:nvCxnSpPr>
+            <p:cNvPr id="114" name="Connecteur droit avec flèche 276">
+              <a:extLst>
+                <a:ext uri="{FF2B5EF4-FFF2-40B4-BE49-F238E27FC236}">
+                  <a16:creationId xmlns:a16="http://schemas.microsoft.com/office/drawing/2014/main" id="{51025ACC-3151-1E4B-AB8E-659FC8729762}"/>
+                </a:ext>
+              </a:extLst>
+            </p:cNvPr>
+            <p:cNvCxnSpPr>
+              <a:cxnSpLocks/>
+              <a:endCxn id="119" idx="1"/>
+            </p:cNvCxnSpPr>
+            <p:nvPr/>
+          </p:nvCxnSpPr>
+          <p:spPr>
+            <a:xfrm flipV="1">
+              <a:off x="3616125" y="5088563"/>
+              <a:ext cx="243992" cy="5470"/>
+            </a:xfrm>
+            <a:prstGeom prst="straightConnector1">
+              <a:avLst/>
+            </a:prstGeom>
+            <a:ln w="19050">
+              <a:solidFill>
+                <a:schemeClr val="tx1"/>
+              </a:solidFill>
+              <a:prstDash val="sysDash"/>
+              <a:tailEnd type="triangle"/>
+            </a:ln>
+          </p:spPr>
+          <p:style>
+            <a:lnRef idx="1">
+              <a:schemeClr val="accent1"/>
+            </a:lnRef>
+            <a:fillRef idx="0">
+              <a:schemeClr val="accent1"/>
+            </a:fillRef>
+            <a:effectRef idx="0">
+              <a:schemeClr val="accent1"/>
+            </a:effectRef>
+            <a:fontRef idx="minor">
+              <a:schemeClr val="tx1"/>
+            </a:fontRef>
+          </p:style>
+        </p:cxnSp>
+      </p:grpSp>
+      <p:grpSp>
+        <p:nvGrpSpPr>
+          <p:cNvPr id="15" name="Group 14"/>
+          <p:cNvGrpSpPr/>
+          <p:nvPr/>
+        </p:nvGrpSpPr>
+        <p:grpSpPr>
+          <a:xfrm>
+            <a:off x="1052951" y="1574876"/>
+            <a:ext cx="3466534" cy="991019"/>
+            <a:chOff x="1052951" y="1574876"/>
+            <a:chExt cx="3466534" cy="991019"/>
+          </a:xfrm>
+        </p:grpSpPr>
+        <p:sp>
+          <p:nvSpPr>
+            <p:cNvPr id="13" name="Rectangle à coins arrondis 251">
+              <a:extLst>
+                <a:ext uri="{FF2B5EF4-FFF2-40B4-BE49-F238E27FC236}">
+                  <a16:creationId xmlns:a16="http://schemas.microsoft.com/office/drawing/2014/main" id="{F16D29F8-F334-CB4D-BFD1-BD53652E3698}"/>
+                </a:ext>
+              </a:extLst>
+            </p:cNvPr>
+            <p:cNvSpPr/>
+            <p:nvPr/>
+          </p:nvSpPr>
+          <p:spPr>
+            <a:xfrm>
+              <a:off x="1052951" y="1713663"/>
+              <a:ext cx="506101" cy="326360"/>
+            </a:xfrm>
+            <a:prstGeom prst="roundRect">
+              <a:avLst/>
+            </a:prstGeom>
+            <a:solidFill>
+              <a:schemeClr val="accent5"/>
+            </a:solidFill>
+            <a:ln>
+              <a:noFill/>
+            </a:ln>
+          </p:spPr>
+          <p:style>
+            <a:lnRef idx="0">
+              <a:scrgbClr r="0" g="0" b="0"/>
+            </a:lnRef>
+            <a:fillRef idx="0">
+              <a:scrgbClr r="0" g="0" b="0"/>
+            </a:fillRef>
+            <a:effectRef idx="0">
+              <a:scrgbClr r="0" g="0" b="0"/>
+            </a:effectRef>
+            <a:fontRef idx="minor">
+              <a:schemeClr val="lt1"/>
+            </a:fontRef>
+          </p:style>
+          <p:txBody>
+            <a:bodyPr lIns="36000" rIns="36000" rtlCol="0" anchor="ctr"/>
+            <a:lstStyle/>
+            <a:p>
+              <a:pPr algn="ctr"/>
+              <a:r>
+                <a:rPr lang="fr-FR" sz="800" b="1" noProof="1">
+                  <a:solidFill>
+                    <a:schemeClr val="tx1"/>
+                  </a:solidFill>
+                  <a:latin typeface="Gadugi" panose="020B0502040204020203" pitchFamily="34" charset="0"/>
+                  <a:ea typeface="Gadugi" panose="020B0502040204020203" pitchFamily="34" charset="0"/>
+                  <a:cs typeface="Arial Rounded MT Bold" charset="0"/>
+                </a:rPr>
+                <a:t>Video encoder</a:t>
+              </a:r>
+            </a:p>
+          </p:txBody>
+        </p:sp>
+        <p:cxnSp>
+          <p:nvCxnSpPr>
+            <p:cNvPr id="34" name="Connecteur droit avec flèche 274">
+              <a:extLst>
+                <a:ext uri="{FF2B5EF4-FFF2-40B4-BE49-F238E27FC236}">
+                  <a16:creationId xmlns:a16="http://schemas.microsoft.com/office/drawing/2014/main" id="{0EB21763-B322-DA48-835F-2AC58953056D}"/>
+                </a:ext>
+              </a:extLst>
+            </p:cNvPr>
+            <p:cNvCxnSpPr>
+              <a:cxnSpLocks/>
+              <a:stCxn id="13" idx="3"/>
+            </p:cNvCxnSpPr>
+            <p:nvPr/>
+          </p:nvCxnSpPr>
+          <p:spPr>
+            <a:xfrm>
+              <a:off x="1559052" y="1876843"/>
+              <a:ext cx="163426" cy="381"/>
+            </a:xfrm>
+            <a:prstGeom prst="straightConnector1">
+              <a:avLst/>
+            </a:prstGeom>
+            <a:ln w="19050">
+              <a:solidFill>
+                <a:schemeClr val="tx1"/>
+              </a:solidFill>
+              <a:prstDash val="sysDash"/>
+              <a:tailEnd type="triangle"/>
+            </a:ln>
+          </p:spPr>
+          <p:style>
+            <a:lnRef idx="1">
+              <a:schemeClr val="accent1"/>
+            </a:lnRef>
+            <a:fillRef idx="0">
+              <a:schemeClr val="accent1"/>
+            </a:fillRef>
+            <a:effectRef idx="0">
+              <a:schemeClr val="accent1"/>
+            </a:effectRef>
+            <a:fontRef idx="minor">
+              <a:schemeClr val="tx1"/>
+            </a:fontRef>
+          </p:style>
+        </p:cxnSp>
+        <p:pic>
+          <p:nvPicPr>
+            <p:cNvPr id="55" name="Picture 54"/>
+            <p:cNvPicPr>
+              <a:picLocks noChangeAspect="1"/>
+            </p:cNvPicPr>
+            <p:nvPr/>
+          </p:nvPicPr>
+          <p:blipFill>
+            <a:blip r:embed="rId3">
+              <a:extLst>
+                <a:ext uri="{28A0092B-C50C-407E-A947-70E740481C1C}">
+                  <a14:useLocalDpi xmlns:a14="http://schemas.microsoft.com/office/drawing/2010/main" val="0"/>
+                </a:ext>
+              </a:extLst>
+            </a:blip>
+            <a:stretch>
+              <a:fillRect/>
+            </a:stretch>
+          </p:blipFill>
+          <p:spPr>
+            <a:xfrm>
+              <a:off x="4106130" y="2059898"/>
+              <a:ext cx="413355" cy="94481"/>
+            </a:xfrm>
+            <a:prstGeom prst="rect">
+              <a:avLst/>
+            </a:prstGeom>
+          </p:spPr>
+        </p:pic>
+        <p:sp>
+          <p:nvSpPr>
+            <p:cNvPr id="56" name="Rectangle à coins arrondis 269">
+              <a:extLst>
+                <a:ext uri="{FF2B5EF4-FFF2-40B4-BE49-F238E27FC236}">
+                  <a16:creationId xmlns:a16="http://schemas.microsoft.com/office/drawing/2014/main" id="{0EBD748A-8AD9-2C46-89B4-4F6A71D46447}"/>
+                </a:ext>
+              </a:extLst>
+            </p:cNvPr>
+            <p:cNvSpPr/>
+            <p:nvPr/>
+          </p:nvSpPr>
+          <p:spPr>
+            <a:xfrm>
+              <a:off x="2079682" y="2320695"/>
+              <a:ext cx="460092" cy="245199"/>
+            </a:xfrm>
+            <a:prstGeom prst="roundRect">
+              <a:avLst/>
+            </a:prstGeom>
+            <a:solidFill>
+              <a:schemeClr val="accent5"/>
+            </a:solidFill>
+            <a:ln>
+              <a:noFill/>
+            </a:ln>
+          </p:spPr>
+          <p:style>
+            <a:lnRef idx="0">
+              <a:scrgbClr r="0" g="0" b="0"/>
+            </a:lnRef>
+            <a:fillRef idx="0">
+              <a:scrgbClr r="0" g="0" b="0"/>
+            </a:fillRef>
+            <a:effectRef idx="0">
+              <a:scrgbClr r="0" g="0" b="0"/>
+            </a:effectRef>
+            <a:fontRef idx="minor">
+              <a:schemeClr val="lt1"/>
+            </a:fontRef>
+          </p:style>
+          <p:txBody>
+            <a:bodyPr lIns="36000" rIns="36000" rtlCol="0" anchor="ctr"/>
+            <a:lstStyle/>
+            <a:p>
+              <a:pPr algn="ctr"/>
+              <a:r>
+                <a:rPr lang="fr-FR" sz="800" b="1" noProof="1">
+                  <a:solidFill>
+                    <a:schemeClr val="tx1"/>
+                  </a:solidFill>
+                  <a:latin typeface="Consolas" panose="020B0609020204030204" pitchFamily="49" charset="0"/>
+                  <a:cs typeface="Consolas" panose="020B0609020204030204" pitchFamily="49" charset="0"/>
+                </a:rPr>
+                <a:t>ECMG</a:t>
+              </a:r>
+            </a:p>
+          </p:txBody>
+        </p:sp>
+        <p:sp>
+          <p:nvSpPr>
+            <p:cNvPr id="57" name="Rectangle à coins arrondis 269">
+              <a:extLst>
+                <a:ext uri="{FF2B5EF4-FFF2-40B4-BE49-F238E27FC236}">
+                  <a16:creationId xmlns:a16="http://schemas.microsoft.com/office/drawing/2014/main" id="{0EBD748A-8AD9-2C46-89B4-4F6A71D46447}"/>
+                </a:ext>
+              </a:extLst>
+            </p:cNvPr>
+            <p:cNvSpPr/>
+            <p:nvPr/>
+          </p:nvSpPr>
+          <p:spPr>
+            <a:xfrm>
+              <a:off x="3037395" y="2320696"/>
+              <a:ext cx="460092" cy="245199"/>
+            </a:xfrm>
+            <a:prstGeom prst="roundRect">
+              <a:avLst/>
+            </a:prstGeom>
+            <a:solidFill>
+              <a:schemeClr val="accent5"/>
+            </a:solidFill>
+            <a:ln>
+              <a:noFill/>
+            </a:ln>
+          </p:spPr>
+          <p:style>
+            <a:lnRef idx="0">
+              <a:scrgbClr r="0" g="0" b="0"/>
+            </a:lnRef>
+            <a:fillRef idx="0">
+              <a:scrgbClr r="0" g="0" b="0"/>
+            </a:fillRef>
+            <a:effectRef idx="0">
+              <a:scrgbClr r="0" g="0" b="0"/>
+            </a:effectRef>
+            <a:fontRef idx="minor">
+              <a:schemeClr val="lt1"/>
+            </a:fontRef>
+          </p:style>
+          <p:txBody>
+            <a:bodyPr lIns="36000" rIns="36000" rtlCol="0" anchor="ctr"/>
+            <a:lstStyle/>
+            <a:p>
+              <a:pPr algn="ctr"/>
+              <a:r>
+                <a:rPr lang="fr-FR" sz="800" b="1" noProof="1">
+                  <a:solidFill>
+                    <a:schemeClr val="tx1"/>
+                  </a:solidFill>
+                  <a:latin typeface="Consolas" panose="020B0609020204030204" pitchFamily="49" charset="0"/>
+                  <a:cs typeface="Consolas" panose="020B0609020204030204" pitchFamily="49" charset="0"/>
+                </a:rPr>
+                <a:t>EMMG</a:t>
+              </a:r>
+            </a:p>
+          </p:txBody>
+        </p:sp>
+        <p:sp>
+          <p:nvSpPr>
+            <p:cNvPr id="58" name="Rectangle à coins arrondis 269">
+              <a:extLst>
+                <a:ext uri="{FF2B5EF4-FFF2-40B4-BE49-F238E27FC236}">
+                  <a16:creationId xmlns:a16="http://schemas.microsoft.com/office/drawing/2014/main" id="{0EBD748A-8AD9-2C46-89B4-4F6A71D46447}"/>
+                </a:ext>
+              </a:extLst>
+            </p:cNvPr>
+            <p:cNvSpPr/>
+            <p:nvPr/>
+          </p:nvSpPr>
+          <p:spPr>
+            <a:xfrm>
+              <a:off x="4139244" y="1747443"/>
+              <a:ext cx="380241" cy="245199"/>
+            </a:xfrm>
+            <a:prstGeom prst="roundRect">
+              <a:avLst/>
+            </a:prstGeom>
+            <a:solidFill>
+              <a:schemeClr val="accent5"/>
+            </a:solidFill>
+            <a:ln>
+              <a:noFill/>
+            </a:ln>
+          </p:spPr>
+          <p:style>
+            <a:lnRef idx="0">
+              <a:scrgbClr r="0" g="0" b="0"/>
+            </a:lnRef>
+            <a:fillRef idx="0">
+              <a:scrgbClr r="0" g="0" b="0"/>
+            </a:fillRef>
+            <a:effectRef idx="0">
+              <a:scrgbClr r="0" g="0" b="0"/>
+            </a:effectRef>
+            <a:fontRef idx="minor">
+              <a:schemeClr val="lt1"/>
+            </a:fontRef>
+          </p:style>
+          <p:txBody>
+            <a:bodyPr lIns="36000" rIns="36000" rtlCol="0" anchor="ctr"/>
+            <a:lstStyle/>
+            <a:p>
+              <a:pPr algn="ctr"/>
+              <a:r>
+                <a:rPr lang="fr-FR" sz="800" b="1" noProof="1">
+                  <a:solidFill>
+                    <a:schemeClr val="tx1"/>
+                  </a:solidFill>
+                  <a:latin typeface="Consolas" panose="020B0609020204030204" pitchFamily="49" charset="0"/>
+                  <a:cs typeface="Consolas" panose="020B0609020204030204" pitchFamily="49" charset="0"/>
+                </a:rPr>
+                <a:t>STB</a:t>
+              </a:r>
+            </a:p>
+          </p:txBody>
+        </p:sp>
+        <p:cxnSp>
+          <p:nvCxnSpPr>
+            <p:cNvPr id="66" name="Connecteur droit avec flèche 276">
+              <a:extLst>
+                <a:ext uri="{FF2B5EF4-FFF2-40B4-BE49-F238E27FC236}">
+                  <a16:creationId xmlns:a16="http://schemas.microsoft.com/office/drawing/2014/main" id="{51025ACC-3151-1E4B-AB8E-659FC8729762}"/>
+                </a:ext>
+              </a:extLst>
+            </p:cNvPr>
+            <p:cNvCxnSpPr>
+              <a:cxnSpLocks/>
+              <a:endCxn id="58" idx="1"/>
+            </p:cNvCxnSpPr>
+            <p:nvPr/>
+          </p:nvCxnSpPr>
+          <p:spPr>
+            <a:xfrm flipV="1">
+              <a:off x="3899330" y="1870043"/>
+              <a:ext cx="239914" cy="7182"/>
+            </a:xfrm>
+            <a:prstGeom prst="straightConnector1">
+              <a:avLst/>
+            </a:prstGeom>
+            <a:ln w="19050">
+              <a:solidFill>
+                <a:schemeClr val="tx1"/>
+              </a:solidFill>
+              <a:prstDash val="sysDash"/>
+              <a:tailEnd type="triangle"/>
+            </a:ln>
+          </p:spPr>
+          <p:style>
+            <a:lnRef idx="1">
+              <a:schemeClr val="accent1"/>
+            </a:lnRef>
+            <a:fillRef idx="0">
+              <a:schemeClr val="accent1"/>
+            </a:fillRef>
+            <a:effectRef idx="0">
+              <a:schemeClr val="accent1"/>
+            </a:effectRef>
+            <a:fontRef idx="minor">
+              <a:schemeClr val="tx1"/>
+            </a:fontRef>
+          </p:style>
+        </p:cxnSp>
+        <p:sp>
+          <p:nvSpPr>
+            <p:cNvPr id="28" name="Rectangle à coins arrondis 268">
+              <a:extLst>
+                <a:ext uri="{FF2B5EF4-FFF2-40B4-BE49-F238E27FC236}">
+                  <a16:creationId xmlns:a16="http://schemas.microsoft.com/office/drawing/2014/main" id="{207176EF-D58B-9F42-B51F-EDF84066C434}"/>
+                </a:ext>
+              </a:extLst>
+            </p:cNvPr>
+            <p:cNvSpPr/>
+            <p:nvPr/>
+          </p:nvSpPr>
+          <p:spPr>
+            <a:xfrm>
+              <a:off x="1726799" y="1574876"/>
+              <a:ext cx="2180303" cy="501844"/>
+            </a:xfrm>
+            <a:prstGeom prst="roundRect">
+              <a:avLst>
+                <a:gd name="adj" fmla="val 3969"/>
+              </a:avLst>
+            </a:prstGeom>
+            <a:solidFill>
+              <a:schemeClr val="accent5"/>
+            </a:solidFill>
+            <a:ln>
+              <a:noFill/>
+            </a:ln>
+          </p:spPr>
+          <p:style>
+            <a:lnRef idx="0">
+              <a:scrgbClr r="0" g="0" b="0"/>
+            </a:lnRef>
+            <a:fillRef idx="0">
+              <a:scrgbClr r="0" g="0" b="0"/>
+            </a:fillRef>
+            <a:effectRef idx="0">
+              <a:scrgbClr r="0" g="0" b="0"/>
+            </a:effectRef>
+            <a:fontRef idx="minor">
+              <a:schemeClr val="lt1"/>
+            </a:fontRef>
+          </p:style>
+          <p:txBody>
+            <a:bodyPr tIns="0" rtlCol="0" anchor="t" anchorCtr="0"/>
+            <a:lstStyle/>
+            <a:p>
+              <a:pPr algn="ctr"/>
+              <a:r>
+                <a:rPr lang="fr-FR" sz="900" b="1" noProof="1">
+                  <a:solidFill>
+                    <a:schemeClr val="tx1"/>
+                  </a:solidFill>
+                  <a:latin typeface="Gadugi" panose="020B0502040204020203" pitchFamily="34" charset="0"/>
+                  <a:ea typeface="Gadugi" panose="020B0502040204020203" pitchFamily="34" charset="0"/>
+                  <a:cs typeface="Arial Rounded MT Bold" charset="0"/>
+                </a:rPr>
+                <a:t>DVB SimulCrypt MUX</a:t>
+              </a:r>
+            </a:p>
+          </p:txBody>
+        </p:sp>
+        <p:sp>
+          <p:nvSpPr>
+            <p:cNvPr id="38" name="ZoneTexte 278">
+              <a:extLst>
+                <a:ext uri="{FF2B5EF4-FFF2-40B4-BE49-F238E27FC236}">
+                  <a16:creationId xmlns:a16="http://schemas.microsoft.com/office/drawing/2014/main" id="{CA252A1D-16B0-9A4A-89F5-1189E8A73A99}"/>
+                </a:ext>
+              </a:extLst>
+            </p:cNvPr>
+            <p:cNvSpPr txBox="1"/>
+            <p:nvPr/>
+          </p:nvSpPr>
+          <p:spPr>
+            <a:xfrm>
+              <a:off x="2817770" y="1816097"/>
+              <a:ext cx="903441" cy="252377"/>
+            </a:xfrm>
+            <a:prstGeom prst="rect">
+              <a:avLst/>
+            </a:prstGeom>
+            <a:noFill/>
+          </p:spPr>
+          <p:txBody>
+            <a:bodyPr wrap="square" lIns="0" tIns="18288" rIns="0" bIns="18288" rtlCol="0">
+              <a:spAutoFit/>
+            </a:bodyPr>
+            <a:lstStyle/>
+            <a:p>
+              <a:pPr algn="ctr"/>
+              <a:r>
+                <a:rPr lang="fr-FR" sz="700" b="1" noProof="1" smtClean="0">
+                  <a:latin typeface="Gadugi" panose="020B0502040204020203" pitchFamily="34" charset="0"/>
+                  <a:ea typeface="Gadugi" panose="020B0502040204020203" pitchFamily="34" charset="0"/>
+                  <a:cs typeface="Arial Rounded MT Bold" charset="0"/>
+                </a:rPr>
+                <a:t>EMMG/PDG </a:t>
+              </a:r>
+              <a:r>
+                <a:rPr lang="fr-FR" sz="700" b="1" noProof="1" smtClean="0">
+                  <a:latin typeface="Gadugi" panose="020B0502040204020203" pitchFamily="34" charset="0"/>
+                  <a:ea typeface="Gadugi" panose="020B0502040204020203" pitchFamily="34" charset="0"/>
+                  <a:cs typeface="Arial Rounded MT Bold" charset="0"/>
+                  <a:sym typeface="Wingdings" panose="05000000000000000000" pitchFamily="2" charset="2"/>
+                </a:rPr>
+                <a:t> MUX</a:t>
+              </a:r>
+            </a:p>
+            <a:p>
+              <a:pPr algn="ctr"/>
+              <a:r>
+                <a:rPr lang="fr-FR" sz="700" b="1" noProof="1" smtClean="0">
+                  <a:latin typeface="Gadugi" panose="020B0502040204020203" pitchFamily="34" charset="0"/>
+                  <a:ea typeface="Gadugi" panose="020B0502040204020203" pitchFamily="34" charset="0"/>
+                  <a:cs typeface="Arial Rounded MT Bold" charset="0"/>
+                  <a:sym typeface="Wingdings" panose="05000000000000000000" pitchFamily="2" charset="2"/>
+                </a:rPr>
+                <a:t>protocol</a:t>
+              </a:r>
+              <a:endParaRPr lang="fr-FR" sz="700" b="1" noProof="1">
+                <a:latin typeface="Gadugi" panose="020B0502040204020203" pitchFamily="34" charset="0"/>
+                <a:ea typeface="Gadugi" panose="020B0502040204020203" pitchFamily="34" charset="0"/>
+                <a:cs typeface="Arial Rounded MT Bold" charset="0"/>
+              </a:endParaRPr>
+            </a:p>
+          </p:txBody>
+        </p:sp>
+        <p:cxnSp>
+          <p:nvCxnSpPr>
+            <p:cNvPr id="69" name="Connecteur droit avec flèche 272">
+              <a:extLst>
+                <a:ext uri="{FF2B5EF4-FFF2-40B4-BE49-F238E27FC236}">
+                  <a16:creationId xmlns:a16="http://schemas.microsoft.com/office/drawing/2014/main" id="{917022DD-9C4E-8C4F-8EF4-DC025172FC05}"/>
+                </a:ext>
+              </a:extLst>
+            </p:cNvPr>
+            <p:cNvCxnSpPr>
+              <a:stCxn id="102" idx="2"/>
+              <a:endCxn id="56" idx="0"/>
+            </p:cNvCxnSpPr>
+            <p:nvPr/>
+          </p:nvCxnSpPr>
+          <p:spPr>
+            <a:xfrm>
+              <a:off x="2309728" y="2066264"/>
+              <a:ext cx="0" cy="254431"/>
+            </a:xfrm>
+            <a:prstGeom prst="straightConnector1">
+              <a:avLst/>
+            </a:prstGeom>
+            <a:ln w="19050">
+              <a:solidFill>
+                <a:schemeClr val="tx1"/>
+              </a:solidFill>
+              <a:prstDash val="sysDash"/>
+              <a:tailEnd type="triangle"/>
+            </a:ln>
+          </p:spPr>
+          <p:style>
+            <a:lnRef idx="1">
+              <a:schemeClr val="accent1"/>
+            </a:lnRef>
+            <a:fillRef idx="0">
+              <a:schemeClr val="accent1"/>
+            </a:fillRef>
+            <a:effectRef idx="0">
+              <a:schemeClr val="accent1"/>
+            </a:effectRef>
+            <a:fontRef idx="minor">
+              <a:schemeClr val="tx1"/>
+            </a:fontRef>
+          </p:style>
+        </p:cxnSp>
+        <p:cxnSp>
+          <p:nvCxnSpPr>
+            <p:cNvPr id="72" name="Connecteur droit avec flèche 272">
+              <a:extLst>
+                <a:ext uri="{FF2B5EF4-FFF2-40B4-BE49-F238E27FC236}">
+                  <a16:creationId xmlns:a16="http://schemas.microsoft.com/office/drawing/2014/main" id="{917022DD-9C4E-8C4F-8EF4-DC025172FC05}"/>
+                </a:ext>
+              </a:extLst>
+            </p:cNvPr>
+            <p:cNvCxnSpPr>
+              <a:stCxn id="57" idx="0"/>
+              <a:endCxn id="38" idx="2"/>
+            </p:cNvCxnSpPr>
+            <p:nvPr/>
+          </p:nvCxnSpPr>
+          <p:spPr>
+            <a:xfrm flipV="1">
+              <a:off x="3267441" y="2068474"/>
+              <a:ext cx="2050" cy="252222"/>
+            </a:xfrm>
+            <a:prstGeom prst="straightConnector1">
+              <a:avLst/>
+            </a:prstGeom>
+            <a:ln w="19050">
+              <a:solidFill>
+                <a:schemeClr val="tx1"/>
+              </a:solidFill>
+              <a:prstDash val="sysDash"/>
+              <a:tailEnd type="triangle"/>
+            </a:ln>
+          </p:spPr>
+          <p:style>
+            <a:lnRef idx="1">
+              <a:schemeClr val="accent1"/>
+            </a:lnRef>
+            <a:fillRef idx="0">
+              <a:schemeClr val="accent1"/>
+            </a:fillRef>
+            <a:effectRef idx="0">
+              <a:schemeClr val="accent1"/>
+            </a:effectRef>
+            <a:fontRef idx="minor">
+              <a:schemeClr val="tx1"/>
+            </a:fontRef>
+          </p:style>
+        </p:cxnSp>
+        <p:sp>
+          <p:nvSpPr>
+            <p:cNvPr id="102" name="ZoneTexte 278">
+              <a:extLst>
+                <a:ext uri="{FF2B5EF4-FFF2-40B4-BE49-F238E27FC236}">
+                  <a16:creationId xmlns:a16="http://schemas.microsoft.com/office/drawing/2014/main" id="{CA252A1D-16B0-9A4A-89F5-1189E8A73A99}"/>
+                </a:ext>
+              </a:extLst>
+            </p:cNvPr>
+            <p:cNvSpPr txBox="1"/>
+            <p:nvPr/>
+          </p:nvSpPr>
+          <p:spPr>
+            <a:xfrm>
+              <a:off x="1978803" y="1813887"/>
+              <a:ext cx="661850" cy="252377"/>
+            </a:xfrm>
+            <a:prstGeom prst="rect">
+              <a:avLst/>
+            </a:prstGeom>
+            <a:noFill/>
+          </p:spPr>
+          <p:txBody>
+            <a:bodyPr wrap="square" lIns="0" tIns="18288" rIns="0" bIns="18288" rtlCol="0">
+              <a:spAutoFit/>
+            </a:bodyPr>
+            <a:lstStyle>
+              <a:defPPr>
+                <a:defRPr lang="fr-FR"/>
+              </a:defPPr>
+              <a:lvl1pPr algn="ctr">
+                <a:defRPr sz="700" b="1">
+                  <a:latin typeface="Gadugi" panose="020B0502040204020203" pitchFamily="34" charset="0"/>
+                  <a:ea typeface="Gadugi" panose="020B0502040204020203" pitchFamily="34" charset="0"/>
+                  <a:cs typeface="Arial Rounded MT Bold" charset="0"/>
+                </a:defRPr>
+              </a:lvl1pPr>
+            </a:lstStyle>
+            <a:p>
+              <a:r>
+                <a:rPr lang="fr-FR" noProof="1"/>
+                <a:t>ECMG </a:t>
+              </a:r>
+              <a:r>
+                <a:rPr lang="fr-FR" noProof="1">
+                  <a:sym typeface="Wingdings" panose="05000000000000000000" pitchFamily="2" charset="2"/>
+                </a:rPr>
+                <a:t> SCS</a:t>
+              </a:r>
+            </a:p>
+            <a:p>
+              <a:r>
+                <a:rPr lang="fr-FR" noProof="1">
+                  <a:sym typeface="Wingdings" panose="05000000000000000000" pitchFamily="2" charset="2"/>
+                </a:rPr>
+                <a:t>protocol</a:t>
+              </a:r>
+              <a:endParaRPr lang="fr-FR" noProof="1"/>
+            </a:p>
+          </p:txBody>
+        </p:sp>
+      </p:grpSp>
+      <p:grpSp>
+        <p:nvGrpSpPr>
+          <p:cNvPr id="18" name="Group 17"/>
+          <p:cNvGrpSpPr/>
+          <p:nvPr/>
+        </p:nvGrpSpPr>
+        <p:grpSpPr>
+          <a:xfrm>
+            <a:off x="666455" y="6672027"/>
+            <a:ext cx="5104648" cy="995972"/>
+            <a:chOff x="666455" y="6672027"/>
+            <a:chExt cx="5104648" cy="995972"/>
+          </a:xfrm>
+        </p:grpSpPr>
+        <p:sp>
+          <p:nvSpPr>
+            <p:cNvPr id="67" name="Rectangle à coins arrondis 268">
+              <a:extLst>
+                <a:ext uri="{FF2B5EF4-FFF2-40B4-BE49-F238E27FC236}">
+                  <a16:creationId xmlns:a16="http://schemas.microsoft.com/office/drawing/2014/main" id="{207176EF-D58B-9F42-B51F-EDF84066C434}"/>
+                </a:ext>
+              </a:extLst>
+            </p:cNvPr>
+            <p:cNvSpPr/>
+            <p:nvPr/>
+          </p:nvSpPr>
+          <p:spPr>
+            <a:xfrm>
+              <a:off x="1146328" y="6672027"/>
+              <a:ext cx="4624775" cy="501844"/>
+            </a:xfrm>
+            <a:prstGeom prst="roundRect">
+              <a:avLst>
+                <a:gd name="adj" fmla="val 3969"/>
+              </a:avLst>
+            </a:prstGeom>
+            <a:solidFill>
+              <a:schemeClr val="accent6"/>
+            </a:solidFill>
+            <a:ln>
+              <a:noFill/>
+            </a:ln>
+          </p:spPr>
+          <p:style>
+            <a:lnRef idx="2">
+              <a:schemeClr val="accent1">
+                <a:shade val="50000"/>
+              </a:schemeClr>
+            </a:lnRef>
+            <a:fillRef idx="1">
+              <a:schemeClr val="accent1"/>
+            </a:fillRef>
+            <a:effectRef idx="0">
+              <a:schemeClr val="accent1"/>
+            </a:effectRef>
+            <a:fontRef idx="minor">
+              <a:schemeClr val="lt1"/>
+            </a:fontRef>
+          </p:style>
+          <p:txBody>
+            <a:bodyPr tIns="0" rtlCol="0" anchor="t" anchorCtr="0"/>
+            <a:lstStyle/>
+            <a:p>
+              <a:pPr algn="ctr"/>
+              <a:r>
+                <a:rPr lang="fr-FR" sz="900" b="1" noProof="1">
+                  <a:solidFill>
+                    <a:schemeClr val="tx1"/>
+                  </a:solidFill>
+                  <a:latin typeface="Gadugi" panose="020B0502040204020203" pitchFamily="34" charset="0"/>
+                  <a:ea typeface="Gadugi" panose="020B0502040204020203" pitchFamily="34" charset="0"/>
+                  <a:cs typeface="Arial Rounded MT Bold" charset="0"/>
+                </a:rPr>
+                <a:t>tsp</a:t>
+              </a:r>
+              <a:endParaRPr lang="fr-FR" sz="800" b="1" noProof="1">
+                <a:solidFill>
+                  <a:schemeClr val="tx1"/>
+                </a:solidFill>
+                <a:latin typeface="Gadugi" panose="020B0502040204020203" pitchFamily="34" charset="0"/>
+                <a:ea typeface="Gadugi" panose="020B0502040204020203" pitchFamily="34" charset="0"/>
+                <a:cs typeface="Arial Rounded MT Bold" charset="0"/>
+              </a:endParaRPr>
+            </a:p>
+          </p:txBody>
+        </p:sp>
+        <p:sp>
+          <p:nvSpPr>
+            <p:cNvPr id="68" name="Rectangle à coins arrondis 269">
+              <a:extLst>
+                <a:ext uri="{FF2B5EF4-FFF2-40B4-BE49-F238E27FC236}">
+                  <a16:creationId xmlns:a16="http://schemas.microsoft.com/office/drawing/2014/main" id="{0EBD748A-8AD9-2C46-89B4-4F6A71D46447}"/>
+                </a:ext>
+              </a:extLst>
+            </p:cNvPr>
+            <p:cNvSpPr/>
+            <p:nvPr/>
+          </p:nvSpPr>
+          <p:spPr>
+            <a:xfrm>
+              <a:off x="1268433" y="6851774"/>
+              <a:ext cx="314249" cy="245199"/>
+            </a:xfrm>
+            <a:prstGeom prst="roundRect">
+              <a:avLst/>
+            </a:prstGeom>
+            <a:solidFill>
+              <a:schemeClr val="accent1"/>
+            </a:solidFill>
+            <a:ln>
+              <a:noFill/>
+            </a:ln>
+          </p:spPr>
+          <p:style>
+            <a:lnRef idx="2">
+              <a:schemeClr val="accent1">
+                <a:shade val="50000"/>
+              </a:schemeClr>
+            </a:lnRef>
+            <a:fillRef idx="1">
+              <a:schemeClr val="accent1"/>
+            </a:fillRef>
+            <a:effectRef idx="0">
+              <a:schemeClr val="accent1"/>
+            </a:effectRef>
+            <a:fontRef idx="minor">
+              <a:schemeClr val="lt1"/>
+            </a:fontRef>
+          </p:style>
+          <p:txBody>
+            <a:bodyPr lIns="0" rIns="0" rtlCol="0" anchor="ctr"/>
+            <a:lstStyle/>
+            <a:p>
+              <a:pPr algn="ctr"/>
+              <a:r>
+                <a:rPr lang="fr-FR" sz="800" b="1" noProof="1" smtClean="0">
+                  <a:latin typeface="Consolas" panose="020B0609020204030204" pitchFamily="49" charset="0"/>
+                  <a:cs typeface="Consolas" panose="020B0609020204030204" pitchFamily="49" charset="0"/>
+                </a:rPr>
+                <a:t>file</a:t>
+              </a:r>
+              <a:endParaRPr lang="fr-FR" sz="800" b="1" noProof="1">
+                <a:latin typeface="Consolas" panose="020B0609020204030204" pitchFamily="49" charset="0"/>
+                <a:cs typeface="Consolas" panose="020B0609020204030204" pitchFamily="49" charset="0"/>
+              </a:endParaRPr>
+            </a:p>
+          </p:txBody>
+        </p:sp>
+        <p:sp>
+          <p:nvSpPr>
+            <p:cNvPr id="70" name="Rectangle à coins arrondis 270">
+              <a:extLst>
+                <a:ext uri="{FF2B5EF4-FFF2-40B4-BE49-F238E27FC236}">
+                  <a16:creationId xmlns:a16="http://schemas.microsoft.com/office/drawing/2014/main" id="{FF06C02C-F215-8D4F-A8E5-8095AD1B4B48}"/>
+                </a:ext>
+              </a:extLst>
+            </p:cNvPr>
+            <p:cNvSpPr/>
+            <p:nvPr/>
+          </p:nvSpPr>
+          <p:spPr>
+            <a:xfrm>
+              <a:off x="2371845" y="6851774"/>
+              <a:ext cx="612382" cy="245199"/>
+            </a:xfrm>
+            <a:prstGeom prst="roundRect">
+              <a:avLst/>
+            </a:prstGeom>
+            <a:solidFill>
+              <a:schemeClr val="accent1"/>
+            </a:solidFill>
+            <a:ln>
+              <a:noFill/>
+            </a:ln>
+          </p:spPr>
+          <p:style>
+            <a:lnRef idx="2">
+              <a:schemeClr val="accent1">
+                <a:shade val="50000"/>
+              </a:schemeClr>
+            </a:lnRef>
+            <a:fillRef idx="1">
+              <a:schemeClr val="accent1"/>
+            </a:fillRef>
+            <a:effectRef idx="0">
+              <a:schemeClr val="accent1"/>
+            </a:effectRef>
+            <a:fontRef idx="minor">
+              <a:schemeClr val="lt1"/>
+            </a:fontRef>
+          </p:style>
+          <p:txBody>
+            <a:bodyPr lIns="0" rIns="0" rtlCol="0" anchor="ctr"/>
+            <a:lstStyle/>
+            <a:p>
+              <a:pPr algn="ctr"/>
+              <a:r>
+                <a:rPr lang="fr-FR" sz="800" b="1" noProof="1" smtClean="0">
+                  <a:latin typeface="Consolas" panose="020B0609020204030204" pitchFamily="49" charset="0"/>
+                  <a:cs typeface="Consolas" panose="020B0609020204030204" pitchFamily="49" charset="0"/>
+                </a:rPr>
+                <a:t>scrambler</a:t>
+              </a:r>
+              <a:endParaRPr lang="fr-FR" sz="800" b="1" noProof="1">
+                <a:latin typeface="Consolas" panose="020B0609020204030204" pitchFamily="49" charset="0"/>
+                <a:cs typeface="Consolas" panose="020B0609020204030204" pitchFamily="49" charset="0"/>
+              </a:endParaRPr>
+            </a:p>
+          </p:txBody>
+        </p:sp>
+        <p:cxnSp>
+          <p:nvCxnSpPr>
+            <p:cNvPr id="71" name="Connecteur droit avec flèche 272">
+              <a:extLst>
+                <a:ext uri="{FF2B5EF4-FFF2-40B4-BE49-F238E27FC236}">
+                  <a16:creationId xmlns:a16="http://schemas.microsoft.com/office/drawing/2014/main" id="{917022DD-9C4E-8C4F-8EF4-DC025172FC05}"/>
+                </a:ext>
+              </a:extLst>
+            </p:cNvPr>
+            <p:cNvCxnSpPr>
+              <a:stCxn id="68" idx="3"/>
+              <a:endCxn id="99" idx="1"/>
+            </p:cNvCxnSpPr>
+            <p:nvPr/>
+          </p:nvCxnSpPr>
+          <p:spPr>
+            <a:xfrm flipV="1">
+              <a:off x="1582682" y="6973993"/>
+              <a:ext cx="141198" cy="381"/>
+            </a:xfrm>
+            <a:prstGeom prst="straightConnector1">
+              <a:avLst/>
+            </a:prstGeom>
+            <a:ln w="19050">
+              <a:solidFill>
+                <a:schemeClr val="tx1"/>
+              </a:solidFill>
+              <a:prstDash val="sysDash"/>
+              <a:tailEnd type="triangle"/>
+            </a:ln>
+          </p:spPr>
+          <p:style>
+            <a:lnRef idx="1">
+              <a:schemeClr val="accent1"/>
+            </a:lnRef>
+            <a:fillRef idx="0">
+              <a:schemeClr val="accent1"/>
+            </a:fillRef>
+            <a:effectRef idx="0">
+              <a:schemeClr val="accent1"/>
+            </a:effectRef>
+            <a:fontRef idx="minor">
+              <a:schemeClr val="tx1"/>
+            </a:fontRef>
+          </p:style>
+        </p:cxnSp>
+        <p:cxnSp>
+          <p:nvCxnSpPr>
+            <p:cNvPr id="73" name="Connecteur droit avec flèche 273">
+              <a:extLst>
+                <a:ext uri="{FF2B5EF4-FFF2-40B4-BE49-F238E27FC236}">
+                  <a16:creationId xmlns:a16="http://schemas.microsoft.com/office/drawing/2014/main" id="{C8A7163D-1B73-8544-BEB6-5055C4559C5C}"/>
+                </a:ext>
+              </a:extLst>
+            </p:cNvPr>
+            <p:cNvCxnSpPr>
+              <a:cxnSpLocks/>
+              <a:stCxn id="70" idx="3"/>
+              <a:endCxn id="113" idx="1"/>
+            </p:cNvCxnSpPr>
+            <p:nvPr/>
+          </p:nvCxnSpPr>
+          <p:spPr>
+            <a:xfrm>
+              <a:off x="2984227" y="6974374"/>
+              <a:ext cx="141760" cy="0"/>
+            </a:xfrm>
+            <a:prstGeom prst="straightConnector1">
+              <a:avLst/>
+            </a:prstGeom>
+            <a:ln w="19050">
+              <a:solidFill>
+                <a:schemeClr val="tx1"/>
+              </a:solidFill>
+              <a:prstDash val="sysDash"/>
+              <a:tailEnd type="triangle"/>
+            </a:ln>
+          </p:spPr>
+          <p:style>
+            <a:lnRef idx="1">
+              <a:schemeClr val="accent1"/>
+            </a:lnRef>
+            <a:fillRef idx="0">
+              <a:schemeClr val="accent1"/>
+            </a:fillRef>
+            <a:effectRef idx="0">
+              <a:schemeClr val="accent1"/>
+            </a:effectRef>
+            <a:fontRef idx="minor">
+              <a:schemeClr val="tx1"/>
+            </a:fontRef>
+          </p:style>
+        </p:cxnSp>
+        <p:cxnSp>
+          <p:nvCxnSpPr>
+            <p:cNvPr id="74" name="Connecteur droit avec flèche 274">
+              <a:extLst>
+                <a:ext uri="{FF2B5EF4-FFF2-40B4-BE49-F238E27FC236}">
+                  <a16:creationId xmlns:a16="http://schemas.microsoft.com/office/drawing/2014/main" id="{0EB21763-B322-DA48-835F-2AC58953056D}"/>
+                </a:ext>
+              </a:extLst>
+            </p:cNvPr>
+            <p:cNvCxnSpPr>
+              <a:cxnSpLocks/>
+              <a:stCxn id="104" idx="4"/>
+              <a:endCxn id="68" idx="1"/>
+            </p:cNvCxnSpPr>
+            <p:nvPr/>
+          </p:nvCxnSpPr>
+          <p:spPr>
+            <a:xfrm>
+              <a:off x="979945" y="6974374"/>
+              <a:ext cx="288488" cy="0"/>
+            </a:xfrm>
+            <a:prstGeom prst="straightConnector1">
+              <a:avLst/>
+            </a:prstGeom>
+            <a:ln w="19050">
+              <a:solidFill>
+                <a:schemeClr val="tx1"/>
+              </a:solidFill>
+              <a:prstDash val="sysDash"/>
+              <a:tailEnd type="triangle"/>
+            </a:ln>
+          </p:spPr>
+          <p:style>
+            <a:lnRef idx="1">
+              <a:schemeClr val="accent1"/>
+            </a:lnRef>
+            <a:fillRef idx="0">
+              <a:schemeClr val="accent1"/>
+            </a:fillRef>
+            <a:effectRef idx="0">
+              <a:schemeClr val="accent1"/>
+            </a:effectRef>
+            <a:fontRef idx="minor">
+              <a:schemeClr val="tx1"/>
+            </a:fontRef>
+          </p:style>
+        </p:cxnSp>
+        <p:pic>
+          <p:nvPicPr>
+            <p:cNvPr id="75" name="Picture 74"/>
+            <p:cNvPicPr>
+              <a:picLocks noChangeAspect="1"/>
+            </p:cNvPicPr>
+            <p:nvPr/>
+          </p:nvPicPr>
+          <p:blipFill>
+            <a:blip r:embed="rId3">
+              <a:extLst>
+                <a:ext uri="{28A0092B-C50C-407E-A947-70E740481C1C}">
+                  <a14:useLocalDpi xmlns:a14="http://schemas.microsoft.com/office/drawing/2010/main" val="0"/>
+                </a:ext>
+              </a:extLst>
+            </a:blip>
+            <a:stretch>
+              <a:fillRect/>
+            </a:stretch>
+          </p:blipFill>
+          <p:spPr>
+            <a:xfrm>
+              <a:off x="5357748" y="7215025"/>
+              <a:ext cx="413355" cy="94481"/>
+            </a:xfrm>
+            <a:prstGeom prst="rect">
+              <a:avLst/>
+            </a:prstGeom>
+          </p:spPr>
+        </p:pic>
+        <p:cxnSp>
+          <p:nvCxnSpPr>
+            <p:cNvPr id="77" name="Connecteur droit avec flèche 272">
+              <a:extLst>
+                <a:ext uri="{FF2B5EF4-FFF2-40B4-BE49-F238E27FC236}">
+                  <a16:creationId xmlns:a16="http://schemas.microsoft.com/office/drawing/2014/main" id="{917022DD-9C4E-8C4F-8EF4-DC025172FC05}"/>
+                </a:ext>
+              </a:extLst>
+            </p:cNvPr>
+            <p:cNvCxnSpPr>
+              <a:stCxn id="70" idx="2"/>
+              <a:endCxn id="105" idx="0"/>
+            </p:cNvCxnSpPr>
+            <p:nvPr/>
+          </p:nvCxnSpPr>
+          <p:spPr>
+            <a:xfrm>
+              <a:off x="2678036" y="7096973"/>
+              <a:ext cx="0" cy="325827"/>
+            </a:xfrm>
+            <a:prstGeom prst="straightConnector1">
+              <a:avLst/>
+            </a:prstGeom>
+            <a:ln w="19050">
+              <a:solidFill>
+                <a:schemeClr val="tx1"/>
+              </a:solidFill>
+              <a:prstDash val="sysDash"/>
+              <a:tailEnd type="triangle"/>
+            </a:ln>
+          </p:spPr>
+          <p:style>
+            <a:lnRef idx="1">
+              <a:schemeClr val="accent1"/>
+            </a:lnRef>
+            <a:fillRef idx="0">
+              <a:schemeClr val="accent1"/>
+            </a:fillRef>
+            <a:effectRef idx="0">
+              <a:schemeClr val="accent1"/>
+            </a:effectRef>
+            <a:fontRef idx="minor">
+              <a:schemeClr val="tx1"/>
+            </a:fontRef>
+          </p:style>
+        </p:cxnSp>
+        <p:sp>
+          <p:nvSpPr>
+            <p:cNvPr id="97" name="Rectangle à coins arrondis 271">
+              <a:extLst>
+                <a:ext uri="{FF2B5EF4-FFF2-40B4-BE49-F238E27FC236}">
+                  <a16:creationId xmlns:a16="http://schemas.microsoft.com/office/drawing/2014/main" id="{DC06761C-E5D6-8C40-8FE7-6EAC716FC474}"/>
+                </a:ext>
+              </a:extLst>
+            </p:cNvPr>
+            <p:cNvSpPr/>
+            <p:nvPr/>
+          </p:nvSpPr>
+          <p:spPr>
+            <a:xfrm>
+              <a:off x="5328562" y="6851394"/>
+              <a:ext cx="319114" cy="245199"/>
+            </a:xfrm>
+            <a:prstGeom prst="roundRect">
+              <a:avLst/>
+            </a:prstGeom>
+            <a:solidFill>
+              <a:schemeClr val="accent1"/>
+            </a:solidFill>
+            <a:ln>
+              <a:noFill/>
+            </a:ln>
+          </p:spPr>
+          <p:style>
+            <a:lnRef idx="2">
+              <a:schemeClr val="accent1">
+                <a:shade val="50000"/>
+              </a:schemeClr>
+            </a:lnRef>
+            <a:fillRef idx="1">
+              <a:schemeClr val="accent1"/>
+            </a:fillRef>
+            <a:effectRef idx="0">
+              <a:schemeClr val="accent1"/>
+            </a:effectRef>
+            <a:fontRef idx="minor">
+              <a:schemeClr val="lt1"/>
+            </a:fontRef>
+          </p:style>
+          <p:txBody>
+            <a:bodyPr lIns="0" rIns="0" rtlCol="0" anchor="ctr"/>
+            <a:lstStyle/>
+            <a:p>
+              <a:pPr algn="ctr"/>
+              <a:r>
+                <a:rPr lang="fr-FR" sz="800" b="1" noProof="1" smtClean="0">
+                  <a:latin typeface="Consolas" panose="020B0609020204030204" pitchFamily="49" charset="0"/>
+                  <a:ea typeface="Arial Rounded MT Bold" charset="0"/>
+                  <a:cs typeface="Consolas" panose="020B0609020204030204" pitchFamily="49" charset="0"/>
+                </a:rPr>
+                <a:t>play</a:t>
+              </a:r>
+              <a:endParaRPr lang="fr-FR" sz="800" i="1" noProof="1">
+                <a:latin typeface="Cambria" panose="02040503050406030204" pitchFamily="18" charset="0"/>
+                <a:ea typeface="Arial Rounded MT Bold" charset="0"/>
+                <a:cs typeface="Arial Rounded MT Bold" charset="0"/>
+              </a:endParaRPr>
+            </a:p>
+          </p:txBody>
+        </p:sp>
+        <p:cxnSp>
+          <p:nvCxnSpPr>
+            <p:cNvPr id="98" name="Connecteur droit avec flèche 273">
+              <a:extLst>
+                <a:ext uri="{FF2B5EF4-FFF2-40B4-BE49-F238E27FC236}">
+                  <a16:creationId xmlns:a16="http://schemas.microsoft.com/office/drawing/2014/main" id="{C8A7163D-1B73-8544-BEB6-5055C4559C5C}"/>
+                </a:ext>
+              </a:extLst>
+            </p:cNvPr>
+            <p:cNvCxnSpPr>
+              <a:cxnSpLocks/>
+              <a:stCxn id="103" idx="3"/>
+              <a:endCxn id="97" idx="1"/>
+            </p:cNvCxnSpPr>
+            <p:nvPr/>
+          </p:nvCxnSpPr>
+          <p:spPr>
+            <a:xfrm>
+              <a:off x="5187256" y="6973994"/>
+              <a:ext cx="141306" cy="0"/>
+            </a:xfrm>
+            <a:prstGeom prst="straightConnector1">
+              <a:avLst/>
+            </a:prstGeom>
+            <a:ln w="19050">
+              <a:solidFill>
+                <a:schemeClr val="tx1"/>
+              </a:solidFill>
+              <a:prstDash val="sysDash"/>
+              <a:tailEnd type="triangle"/>
+            </a:ln>
+          </p:spPr>
+          <p:style>
+            <a:lnRef idx="1">
+              <a:schemeClr val="accent1"/>
+            </a:lnRef>
+            <a:fillRef idx="0">
+              <a:schemeClr val="accent1"/>
+            </a:fillRef>
+            <a:effectRef idx="0">
+              <a:schemeClr val="accent1"/>
+            </a:effectRef>
+            <a:fontRef idx="minor">
+              <a:schemeClr val="tx1"/>
+            </a:fontRef>
+          </p:style>
+        </p:cxnSp>
+        <p:sp>
+          <p:nvSpPr>
+            <p:cNvPr id="99" name="Rectangle à coins arrondis 270">
+              <a:extLst>
+                <a:ext uri="{FF2B5EF4-FFF2-40B4-BE49-F238E27FC236}">
+                  <a16:creationId xmlns:a16="http://schemas.microsoft.com/office/drawing/2014/main" id="{FF06C02C-F215-8D4F-A8E5-8095AD1B4B48}"/>
+                </a:ext>
+              </a:extLst>
+            </p:cNvPr>
+            <p:cNvSpPr/>
+            <p:nvPr/>
+          </p:nvSpPr>
+          <p:spPr>
+            <a:xfrm>
+              <a:off x="1723880" y="6851393"/>
+              <a:ext cx="506101" cy="245199"/>
+            </a:xfrm>
+            <a:prstGeom prst="roundRect">
+              <a:avLst/>
+            </a:prstGeom>
+            <a:solidFill>
+              <a:schemeClr val="accent1"/>
+            </a:solidFill>
+            <a:ln>
+              <a:noFill/>
+            </a:ln>
+          </p:spPr>
+          <p:style>
+            <a:lnRef idx="2">
+              <a:schemeClr val="accent1">
+                <a:shade val="50000"/>
+              </a:schemeClr>
+            </a:lnRef>
+            <a:fillRef idx="1">
+              <a:schemeClr val="accent1"/>
+            </a:fillRef>
+            <a:effectRef idx="0">
+              <a:schemeClr val="accent1"/>
+            </a:effectRef>
+            <a:fontRef idx="minor">
+              <a:schemeClr val="lt1"/>
+            </a:fontRef>
+          </p:style>
+          <p:txBody>
+            <a:bodyPr lIns="0" rIns="0" rtlCol="0" anchor="ctr"/>
+            <a:lstStyle/>
+            <a:p>
+              <a:pPr algn="ctr"/>
+              <a:r>
+                <a:rPr lang="fr-FR" sz="800" b="1" noProof="1" smtClean="0">
+                  <a:latin typeface="Consolas" panose="020B0609020204030204" pitchFamily="49" charset="0"/>
+                  <a:cs typeface="Consolas" panose="020B0609020204030204" pitchFamily="49" charset="0"/>
+                </a:rPr>
+                <a:t>regulate</a:t>
+              </a:r>
+              <a:endParaRPr lang="fr-FR" sz="800" b="1" noProof="1">
+                <a:latin typeface="Consolas" panose="020B0609020204030204" pitchFamily="49" charset="0"/>
+                <a:cs typeface="Consolas" panose="020B0609020204030204" pitchFamily="49" charset="0"/>
+              </a:endParaRPr>
+            </a:p>
+          </p:txBody>
+        </p:sp>
+        <p:cxnSp>
+          <p:nvCxnSpPr>
+            <p:cNvPr id="100" name="Connecteur droit avec flèche 272">
+              <a:extLst>
+                <a:ext uri="{FF2B5EF4-FFF2-40B4-BE49-F238E27FC236}">
+                  <a16:creationId xmlns:a16="http://schemas.microsoft.com/office/drawing/2014/main" id="{917022DD-9C4E-8C4F-8EF4-DC025172FC05}"/>
+                </a:ext>
+              </a:extLst>
+            </p:cNvPr>
+            <p:cNvCxnSpPr>
+              <a:stCxn id="99" idx="3"/>
+              <a:endCxn id="70" idx="1"/>
+            </p:cNvCxnSpPr>
+            <p:nvPr/>
+          </p:nvCxnSpPr>
+          <p:spPr>
+            <a:xfrm>
+              <a:off x="2229981" y="6973993"/>
+              <a:ext cx="141864" cy="381"/>
+            </a:xfrm>
+            <a:prstGeom prst="straightConnector1">
+              <a:avLst/>
+            </a:prstGeom>
+            <a:ln w="19050">
+              <a:solidFill>
+                <a:schemeClr val="tx1"/>
+              </a:solidFill>
+              <a:prstDash val="sysDash"/>
+              <a:tailEnd type="triangle"/>
+            </a:ln>
+          </p:spPr>
+          <p:style>
+            <a:lnRef idx="1">
+              <a:schemeClr val="accent1"/>
+            </a:lnRef>
+            <a:fillRef idx="0">
+              <a:schemeClr val="accent1"/>
+            </a:fillRef>
+            <a:effectRef idx="0">
+              <a:schemeClr val="accent1"/>
+            </a:effectRef>
+            <a:fontRef idx="minor">
+              <a:schemeClr val="tx1"/>
+            </a:fontRef>
+          </p:style>
+        </p:cxnSp>
+        <p:sp>
+          <p:nvSpPr>
+            <p:cNvPr id="103" name="Rectangle à coins arrondis 270">
+              <a:extLst>
+                <a:ext uri="{FF2B5EF4-FFF2-40B4-BE49-F238E27FC236}">
+                  <a16:creationId xmlns:a16="http://schemas.microsoft.com/office/drawing/2014/main" id="{FF06C02C-F215-8D4F-A8E5-8095AD1B4B48}"/>
+                </a:ext>
+              </a:extLst>
+            </p:cNvPr>
+            <p:cNvSpPr/>
+            <p:nvPr/>
+          </p:nvSpPr>
+          <p:spPr>
+            <a:xfrm>
+              <a:off x="4500096" y="6851394"/>
+              <a:ext cx="687160" cy="245199"/>
+            </a:xfrm>
+            <a:prstGeom prst="roundRect">
+              <a:avLst/>
+            </a:prstGeom>
+            <a:solidFill>
+              <a:schemeClr val="accent1"/>
+            </a:solidFill>
+            <a:ln>
+              <a:noFill/>
+            </a:ln>
+          </p:spPr>
+          <p:style>
+            <a:lnRef idx="2">
+              <a:schemeClr val="accent1">
+                <a:shade val="50000"/>
+              </a:schemeClr>
+            </a:lnRef>
+            <a:fillRef idx="1">
+              <a:schemeClr val="accent1"/>
+            </a:fillRef>
+            <a:effectRef idx="0">
+              <a:schemeClr val="accent1"/>
+            </a:effectRef>
+            <a:fontRef idx="minor">
+              <a:schemeClr val="lt1"/>
+            </a:fontRef>
+          </p:style>
+          <p:txBody>
+            <a:bodyPr lIns="0" rIns="0" rtlCol="0" anchor="ctr"/>
+            <a:lstStyle/>
+            <a:p>
+              <a:pPr algn="ctr"/>
+              <a:r>
+                <a:rPr lang="fr-FR" sz="800" b="1" noProof="1" smtClean="0">
+                  <a:latin typeface="Consolas" panose="020B0609020204030204" pitchFamily="49" charset="0"/>
+                  <a:cs typeface="Consolas" panose="020B0609020204030204" pitchFamily="49" charset="0"/>
+                </a:rPr>
+                <a:t>descrambler</a:t>
+              </a:r>
+              <a:endParaRPr lang="fr-FR" sz="800" b="1" noProof="1">
+                <a:latin typeface="Consolas" panose="020B0609020204030204" pitchFamily="49" charset="0"/>
+                <a:cs typeface="Consolas" panose="020B0609020204030204" pitchFamily="49" charset="0"/>
+              </a:endParaRPr>
+            </a:p>
+          </p:txBody>
+        </p:sp>
+        <p:sp>
+          <p:nvSpPr>
+            <p:cNvPr id="104" name="Flowchart: Magnetic Disk 103"/>
+            <p:cNvSpPr/>
+            <p:nvPr/>
+          </p:nvSpPr>
+          <p:spPr>
+            <a:xfrm>
+              <a:off x="666455" y="6823221"/>
+              <a:ext cx="313490" cy="302305"/>
+            </a:xfrm>
+            <a:prstGeom prst="flowChartMagneticDisk">
+              <a:avLst/>
+            </a:prstGeom>
+          </p:spPr>
+          <p:style>
+            <a:lnRef idx="2">
+              <a:schemeClr val="accent5">
+                <a:shade val="50000"/>
+              </a:schemeClr>
+            </a:lnRef>
+            <a:fillRef idx="1">
+              <a:schemeClr val="accent5"/>
+            </a:fillRef>
+            <a:effectRef idx="0">
+              <a:schemeClr val="accent5"/>
+            </a:effectRef>
+            <a:fontRef idx="minor">
+              <a:schemeClr val="lt1"/>
+            </a:fontRef>
+          </p:style>
+          <p:txBody>
+            <a:bodyPr rtlCol="0" anchor="ctr"/>
+            <a:lstStyle/>
+            <a:p>
+              <a:pPr algn="ctr"/>
+              <a:r>
+                <a:rPr lang="en-US" sz="900" b="1" dirty="0" smtClean="0">
+                  <a:latin typeface="Gadugi" panose="020B0502040204020203" pitchFamily="34" charset="0"/>
+                  <a:ea typeface="Gadugi" panose="020B0502040204020203" pitchFamily="34" charset="0"/>
+                </a:rPr>
+                <a:t>.</a:t>
+              </a:r>
+              <a:r>
+                <a:rPr lang="en-US" sz="900" b="1" dirty="0" err="1" smtClean="0">
+                  <a:latin typeface="Gadugi" panose="020B0502040204020203" pitchFamily="34" charset="0"/>
+                  <a:ea typeface="Gadugi" panose="020B0502040204020203" pitchFamily="34" charset="0"/>
+                </a:rPr>
+                <a:t>ts</a:t>
+              </a:r>
+              <a:endParaRPr lang="en-US" sz="900" b="1" dirty="0">
+                <a:latin typeface="Gadugi" panose="020B0502040204020203" pitchFamily="34" charset="0"/>
+                <a:ea typeface="Gadugi" panose="020B0502040204020203" pitchFamily="34" charset="0"/>
+              </a:endParaRPr>
+            </a:p>
+          </p:txBody>
+        </p:sp>
+        <p:sp>
+          <p:nvSpPr>
+            <p:cNvPr id="105" name="Rectangle à coins arrondis 269">
+              <a:extLst>
+                <a:ext uri="{FF2B5EF4-FFF2-40B4-BE49-F238E27FC236}">
+                  <a16:creationId xmlns:a16="http://schemas.microsoft.com/office/drawing/2014/main" id="{0EBD748A-8AD9-2C46-89B4-4F6A71D46447}"/>
+                </a:ext>
+              </a:extLst>
+            </p:cNvPr>
+            <p:cNvSpPr/>
+            <p:nvPr/>
+          </p:nvSpPr>
+          <p:spPr>
+            <a:xfrm>
+              <a:off x="2447990" y="7422800"/>
+              <a:ext cx="460092" cy="245199"/>
+            </a:xfrm>
+            <a:prstGeom prst="roundRect">
+              <a:avLst/>
+            </a:prstGeom>
+            <a:solidFill>
+              <a:schemeClr val="accent1"/>
+            </a:solidFill>
+            <a:ln>
+              <a:noFill/>
+            </a:ln>
+          </p:spPr>
+          <p:style>
+            <a:lnRef idx="2">
+              <a:schemeClr val="accent1">
+                <a:shade val="50000"/>
+              </a:schemeClr>
+            </a:lnRef>
+            <a:fillRef idx="1">
+              <a:schemeClr val="accent1"/>
+            </a:fillRef>
+            <a:effectRef idx="0">
+              <a:schemeClr val="accent1"/>
+            </a:effectRef>
+            <a:fontRef idx="minor">
+              <a:schemeClr val="lt1"/>
+            </a:fontRef>
+          </p:style>
+          <p:txBody>
+            <a:bodyPr lIns="36000" rIns="36000" rtlCol="0" anchor="ctr"/>
+            <a:lstStyle/>
+            <a:p>
+              <a:pPr algn="ctr"/>
+              <a:r>
+                <a:rPr lang="fr-FR" sz="800" b="1" noProof="1" smtClean="0">
+                  <a:latin typeface="Consolas" panose="020B0609020204030204" pitchFamily="49" charset="0"/>
+                  <a:cs typeface="Consolas" panose="020B0609020204030204" pitchFamily="49" charset="0"/>
+                </a:rPr>
+                <a:t>tsecmg</a:t>
+              </a:r>
+              <a:endParaRPr lang="fr-FR" sz="800" b="1" noProof="1">
+                <a:latin typeface="Consolas" panose="020B0609020204030204" pitchFamily="49" charset="0"/>
+                <a:cs typeface="Consolas" panose="020B0609020204030204" pitchFamily="49" charset="0"/>
+              </a:endParaRPr>
+            </a:p>
+          </p:txBody>
+        </p:sp>
+        <p:sp>
+          <p:nvSpPr>
+            <p:cNvPr id="113" name="Rectangle à coins arrondis 271">
+              <a:extLst>
+                <a:ext uri="{FF2B5EF4-FFF2-40B4-BE49-F238E27FC236}">
+                  <a16:creationId xmlns:a16="http://schemas.microsoft.com/office/drawing/2014/main" id="{DC06761C-E5D6-8C40-8FE7-6EAC716FC474}"/>
+                </a:ext>
+              </a:extLst>
+            </p:cNvPr>
+            <p:cNvSpPr/>
+            <p:nvPr/>
+          </p:nvSpPr>
+          <p:spPr>
+            <a:xfrm>
+              <a:off x="3125987" y="6851774"/>
+              <a:ext cx="621864" cy="245199"/>
+            </a:xfrm>
+            <a:prstGeom prst="roundRect">
+              <a:avLst/>
+            </a:prstGeom>
+            <a:solidFill>
+              <a:schemeClr val="accent1"/>
+            </a:solidFill>
+            <a:ln>
+              <a:noFill/>
+            </a:ln>
+          </p:spPr>
+          <p:style>
+            <a:lnRef idx="2">
+              <a:schemeClr val="accent1">
+                <a:shade val="50000"/>
+              </a:schemeClr>
+            </a:lnRef>
+            <a:fillRef idx="1">
+              <a:schemeClr val="accent1"/>
+            </a:fillRef>
+            <a:effectRef idx="0">
+              <a:schemeClr val="accent1"/>
+            </a:effectRef>
+            <a:fontRef idx="minor">
+              <a:schemeClr val="lt1"/>
+            </a:fontRef>
+          </p:style>
+          <p:txBody>
+            <a:bodyPr lIns="0" rIns="0" rtlCol="0" anchor="ctr"/>
+            <a:lstStyle/>
+            <a:p>
+              <a:pPr algn="ctr"/>
+              <a:r>
+                <a:rPr lang="fr-FR" sz="800" b="1" noProof="1" smtClean="0">
+                  <a:latin typeface="Consolas" panose="020B0609020204030204" pitchFamily="49" charset="0"/>
+                  <a:ea typeface="Arial Rounded MT Bold" charset="0"/>
+                  <a:cs typeface="Consolas" panose="020B0609020204030204" pitchFamily="49" charset="0"/>
+                </a:rPr>
+                <a:t>datainject</a:t>
+              </a:r>
+              <a:endParaRPr lang="fr-FR" sz="800" i="1" noProof="1">
+                <a:latin typeface="Cambria" panose="02040503050406030204" pitchFamily="18" charset="0"/>
+                <a:ea typeface="Arial Rounded MT Bold" charset="0"/>
+                <a:cs typeface="Arial Rounded MT Bold" charset="0"/>
+              </a:endParaRPr>
+            </a:p>
+          </p:txBody>
+        </p:sp>
+        <p:cxnSp>
+          <p:nvCxnSpPr>
+            <p:cNvPr id="125" name="Connecteur droit avec flèche 272">
+              <a:extLst>
+                <a:ext uri="{FF2B5EF4-FFF2-40B4-BE49-F238E27FC236}">
+                  <a16:creationId xmlns:a16="http://schemas.microsoft.com/office/drawing/2014/main" id="{917022DD-9C4E-8C4F-8EF4-DC025172FC05}"/>
+                </a:ext>
+              </a:extLst>
+            </p:cNvPr>
+            <p:cNvCxnSpPr>
+              <a:stCxn id="126" idx="0"/>
+              <a:endCxn id="113" idx="2"/>
+            </p:cNvCxnSpPr>
+            <p:nvPr/>
+          </p:nvCxnSpPr>
+          <p:spPr>
+            <a:xfrm flipH="1" flipV="1">
+              <a:off x="3436919" y="7096973"/>
+              <a:ext cx="4217" cy="320874"/>
+            </a:xfrm>
+            <a:prstGeom prst="straightConnector1">
+              <a:avLst/>
+            </a:prstGeom>
+            <a:ln w="19050">
+              <a:solidFill>
+                <a:schemeClr val="tx1"/>
+              </a:solidFill>
+              <a:prstDash val="sysDash"/>
+              <a:tailEnd type="triangle"/>
+            </a:ln>
+          </p:spPr>
+          <p:style>
+            <a:lnRef idx="1">
+              <a:schemeClr val="accent1"/>
+            </a:lnRef>
+            <a:fillRef idx="0">
+              <a:schemeClr val="accent1"/>
+            </a:fillRef>
+            <a:effectRef idx="0">
+              <a:schemeClr val="accent1"/>
+            </a:effectRef>
+            <a:fontRef idx="minor">
+              <a:schemeClr val="tx1"/>
+            </a:fontRef>
+          </p:style>
+        </p:cxnSp>
+        <p:sp>
+          <p:nvSpPr>
+            <p:cNvPr id="126" name="Rectangle à coins arrondis 269">
+              <a:extLst>
+                <a:ext uri="{FF2B5EF4-FFF2-40B4-BE49-F238E27FC236}">
+                  <a16:creationId xmlns:a16="http://schemas.microsoft.com/office/drawing/2014/main" id="{0EBD748A-8AD9-2C46-89B4-4F6A71D46447}"/>
+                </a:ext>
+              </a:extLst>
+            </p:cNvPr>
+            <p:cNvSpPr/>
+            <p:nvPr/>
+          </p:nvSpPr>
+          <p:spPr>
+            <a:xfrm>
+              <a:off x="3211090" y="7417847"/>
+              <a:ext cx="460092" cy="245199"/>
+            </a:xfrm>
+            <a:prstGeom prst="roundRect">
+              <a:avLst/>
+            </a:prstGeom>
+            <a:solidFill>
+              <a:schemeClr val="accent1"/>
+            </a:solidFill>
+            <a:ln>
+              <a:noFill/>
+            </a:ln>
+          </p:spPr>
+          <p:style>
+            <a:lnRef idx="2">
+              <a:schemeClr val="accent1">
+                <a:shade val="50000"/>
+              </a:schemeClr>
+            </a:lnRef>
+            <a:fillRef idx="1">
+              <a:schemeClr val="accent1"/>
+            </a:fillRef>
+            <a:effectRef idx="0">
+              <a:schemeClr val="accent1"/>
+            </a:effectRef>
+            <a:fontRef idx="minor">
+              <a:schemeClr val="lt1"/>
+            </a:fontRef>
+          </p:style>
+          <p:txBody>
+            <a:bodyPr lIns="36000" rIns="36000" rtlCol="0" anchor="ctr"/>
+            <a:lstStyle/>
+            <a:p>
+              <a:pPr algn="ctr"/>
+              <a:r>
+                <a:rPr lang="fr-FR" sz="800" b="1" noProof="1" smtClean="0">
+                  <a:latin typeface="Consolas" panose="020B0609020204030204" pitchFamily="49" charset="0"/>
+                  <a:cs typeface="Consolas" panose="020B0609020204030204" pitchFamily="49" charset="0"/>
+                </a:rPr>
+                <a:t>tsemmg</a:t>
+              </a:r>
+              <a:endParaRPr lang="fr-FR" sz="800" b="1" noProof="1">
+                <a:latin typeface="Consolas" panose="020B0609020204030204" pitchFamily="49" charset="0"/>
+                <a:cs typeface="Consolas" panose="020B0609020204030204" pitchFamily="49" charset="0"/>
+              </a:endParaRPr>
+            </a:p>
+          </p:txBody>
+        </p:sp>
+        <p:sp>
+          <p:nvSpPr>
+            <p:cNvPr id="127" name="Rectangle à coins arrondis 270">
+              <a:extLst>
+                <a:ext uri="{FF2B5EF4-FFF2-40B4-BE49-F238E27FC236}">
+                  <a16:creationId xmlns:a16="http://schemas.microsoft.com/office/drawing/2014/main" id="{FF06C02C-F215-8D4F-A8E5-8095AD1B4B48}"/>
+                </a:ext>
+              </a:extLst>
+            </p:cNvPr>
+            <p:cNvSpPr/>
+            <p:nvPr/>
+          </p:nvSpPr>
+          <p:spPr>
+            <a:xfrm>
+              <a:off x="3894197" y="6854967"/>
+              <a:ext cx="460092" cy="245199"/>
+            </a:xfrm>
+            <a:prstGeom prst="roundRect">
+              <a:avLst/>
+            </a:prstGeom>
+            <a:solidFill>
+              <a:schemeClr val="accent1"/>
+            </a:solidFill>
+            <a:ln>
+              <a:noFill/>
+            </a:ln>
+          </p:spPr>
+          <p:style>
+            <a:lnRef idx="2">
+              <a:schemeClr val="accent1">
+                <a:shade val="50000"/>
+              </a:schemeClr>
+            </a:lnRef>
+            <a:fillRef idx="1">
+              <a:schemeClr val="accent1"/>
+            </a:fillRef>
+            <a:effectRef idx="0">
+              <a:schemeClr val="accent1"/>
+            </a:effectRef>
+            <a:fontRef idx="minor">
+              <a:schemeClr val="lt1"/>
+            </a:fontRef>
+          </p:style>
+          <p:txBody>
+            <a:bodyPr lIns="0" rIns="0" rtlCol="0" anchor="ctr"/>
+            <a:lstStyle/>
+            <a:p>
+              <a:pPr algn="ctr"/>
+              <a:r>
+                <a:rPr lang="fr-FR" sz="800" b="1" noProof="1" smtClean="0">
+                  <a:latin typeface="Consolas" panose="020B0609020204030204" pitchFamily="49" charset="0"/>
+                  <a:cs typeface="Consolas" panose="020B0609020204030204" pitchFamily="49" charset="0"/>
+                </a:rPr>
+                <a:t>analyze</a:t>
+              </a:r>
+              <a:endParaRPr lang="fr-FR" sz="800" b="1" noProof="1">
+                <a:latin typeface="Consolas" panose="020B0609020204030204" pitchFamily="49" charset="0"/>
+                <a:cs typeface="Consolas" panose="020B0609020204030204" pitchFamily="49" charset="0"/>
+              </a:endParaRPr>
+            </a:p>
+          </p:txBody>
+        </p:sp>
+        <p:cxnSp>
+          <p:nvCxnSpPr>
+            <p:cNvPr id="128" name="Connecteur droit avec flèche 273">
+              <a:extLst>
+                <a:ext uri="{FF2B5EF4-FFF2-40B4-BE49-F238E27FC236}">
+                  <a16:creationId xmlns:a16="http://schemas.microsoft.com/office/drawing/2014/main" id="{C8A7163D-1B73-8544-BEB6-5055C4559C5C}"/>
+                </a:ext>
+              </a:extLst>
+            </p:cNvPr>
+            <p:cNvCxnSpPr>
+              <a:cxnSpLocks/>
+              <a:stCxn id="113" idx="3"/>
+              <a:endCxn id="127" idx="1"/>
+            </p:cNvCxnSpPr>
+            <p:nvPr/>
+          </p:nvCxnSpPr>
+          <p:spPr>
+            <a:xfrm>
+              <a:off x="3747851" y="6974374"/>
+              <a:ext cx="146346" cy="3193"/>
+            </a:xfrm>
+            <a:prstGeom prst="straightConnector1">
+              <a:avLst/>
+            </a:prstGeom>
+            <a:ln w="19050">
+              <a:solidFill>
+                <a:schemeClr val="tx1"/>
+              </a:solidFill>
+              <a:prstDash val="sysDash"/>
+              <a:tailEnd type="triangle"/>
+            </a:ln>
+          </p:spPr>
+          <p:style>
+            <a:lnRef idx="1">
+              <a:schemeClr val="accent1"/>
+            </a:lnRef>
+            <a:fillRef idx="0">
+              <a:schemeClr val="accent1"/>
+            </a:fillRef>
+            <a:effectRef idx="0">
+              <a:schemeClr val="accent1"/>
+            </a:effectRef>
+            <a:fontRef idx="minor">
+              <a:schemeClr val="tx1"/>
+            </a:fontRef>
+          </p:style>
+        </p:cxnSp>
+        <p:cxnSp>
+          <p:nvCxnSpPr>
+            <p:cNvPr id="129" name="Connecteur droit avec flèche 273">
+              <a:extLst>
+                <a:ext uri="{FF2B5EF4-FFF2-40B4-BE49-F238E27FC236}">
+                  <a16:creationId xmlns:a16="http://schemas.microsoft.com/office/drawing/2014/main" id="{C8A7163D-1B73-8544-BEB6-5055C4559C5C}"/>
+                </a:ext>
+              </a:extLst>
+            </p:cNvPr>
+            <p:cNvCxnSpPr>
+              <a:cxnSpLocks/>
+              <a:stCxn id="127" idx="3"/>
+              <a:endCxn id="103" idx="1"/>
+            </p:cNvCxnSpPr>
+            <p:nvPr/>
+          </p:nvCxnSpPr>
+          <p:spPr>
+            <a:xfrm flipV="1">
+              <a:off x="4354289" y="6973994"/>
+              <a:ext cx="145807" cy="3573"/>
+            </a:xfrm>
+            <a:prstGeom prst="straightConnector1">
+              <a:avLst/>
+            </a:prstGeom>
+            <a:ln w="19050">
+              <a:solidFill>
+                <a:schemeClr val="tx1"/>
+              </a:solidFill>
+              <a:prstDash val="sysDash"/>
+              <a:tailEnd type="triangle"/>
+            </a:ln>
+          </p:spPr>
+          <p:style>
+            <a:lnRef idx="1">
+              <a:schemeClr val="accent1"/>
+            </a:lnRef>
+            <a:fillRef idx="0">
+              <a:schemeClr val="accent1"/>
+            </a:fillRef>
+            <a:effectRef idx="0">
+              <a:schemeClr val="accent1"/>
+            </a:effectRef>
+            <a:fontRef idx="minor">
+              <a:schemeClr val="tx1"/>
+            </a:fontRef>
+          </p:style>
+        </p:cxnSp>
+        <p:sp>
+          <p:nvSpPr>
+            <p:cNvPr id="130" name="Flowchart: Magnetic Disk 129"/>
+            <p:cNvSpPr/>
+            <p:nvPr/>
+          </p:nvSpPr>
+          <p:spPr>
+            <a:xfrm>
+              <a:off x="3975998" y="7415526"/>
+              <a:ext cx="313490" cy="249839"/>
+            </a:xfrm>
+            <a:prstGeom prst="flowChartMagneticDisk">
+              <a:avLst/>
+            </a:prstGeom>
+          </p:spPr>
+          <p:style>
+            <a:lnRef idx="2">
+              <a:schemeClr val="accent5">
+                <a:shade val="50000"/>
+              </a:schemeClr>
+            </a:lnRef>
+            <a:fillRef idx="1">
+              <a:schemeClr val="accent5"/>
+            </a:fillRef>
+            <a:effectRef idx="0">
+              <a:schemeClr val="accent5"/>
+            </a:effectRef>
+            <a:fontRef idx="minor">
+              <a:schemeClr val="lt1"/>
+            </a:fontRef>
+          </p:style>
+          <p:txBody>
+            <a:bodyPr lIns="0" rIns="0" rtlCol="0" anchor="ctr"/>
+            <a:lstStyle/>
+            <a:p>
+              <a:pPr algn="ctr"/>
+              <a:r>
+                <a:rPr lang="en-US" sz="900" b="1" dirty="0" smtClean="0">
+                  <a:latin typeface="Gadugi" panose="020B0502040204020203" pitchFamily="34" charset="0"/>
+                  <a:ea typeface="Gadugi" panose="020B0502040204020203" pitchFamily="34" charset="0"/>
+                </a:rPr>
+                <a:t>.</a:t>
+              </a:r>
+              <a:r>
+                <a:rPr lang="en-US" sz="900" b="1" dirty="0" smtClean="0">
+                  <a:latin typeface="Gadugi" panose="020B0502040204020203" pitchFamily="34" charset="0"/>
+                  <a:ea typeface="Gadugi" panose="020B0502040204020203" pitchFamily="34" charset="0"/>
+                </a:rPr>
+                <a:t>txt</a:t>
+              </a:r>
+              <a:endParaRPr lang="en-US" sz="900" b="1" dirty="0">
+                <a:latin typeface="Gadugi" panose="020B0502040204020203" pitchFamily="34" charset="0"/>
+                <a:ea typeface="Gadugi" panose="020B0502040204020203" pitchFamily="34" charset="0"/>
+              </a:endParaRPr>
+            </a:p>
+          </p:txBody>
+        </p:sp>
+        <p:cxnSp>
+          <p:nvCxnSpPr>
+            <p:cNvPr id="131" name="Connecteur droit avec flèche 272">
+              <a:extLst>
+                <a:ext uri="{FF2B5EF4-FFF2-40B4-BE49-F238E27FC236}">
+                  <a16:creationId xmlns:a16="http://schemas.microsoft.com/office/drawing/2014/main" id="{917022DD-9C4E-8C4F-8EF4-DC025172FC05}"/>
+                </a:ext>
+              </a:extLst>
+            </p:cNvPr>
+            <p:cNvCxnSpPr>
+              <a:stCxn id="127" idx="2"/>
+              <a:endCxn id="130" idx="1"/>
+            </p:cNvCxnSpPr>
+            <p:nvPr/>
+          </p:nvCxnSpPr>
+          <p:spPr>
+            <a:xfrm>
+              <a:off x="4124243" y="7100166"/>
+              <a:ext cx="8500" cy="315360"/>
+            </a:xfrm>
+            <a:prstGeom prst="straightConnector1">
+              <a:avLst/>
+            </a:prstGeom>
+            <a:ln w="19050">
+              <a:solidFill>
+                <a:schemeClr val="tx1"/>
+              </a:solidFill>
+              <a:prstDash val="sysDash"/>
+              <a:tailEnd type="triangle"/>
+            </a:ln>
+          </p:spPr>
+          <p:style>
+            <a:lnRef idx="1">
+              <a:schemeClr val="accent1"/>
+            </a:lnRef>
+            <a:fillRef idx="0">
+              <a:schemeClr val="accent1"/>
+            </a:fillRef>
+            <a:effectRef idx="0">
+              <a:schemeClr val="accent1"/>
+            </a:effectRef>
+            <a:fontRef idx="minor">
+              <a:schemeClr val="tx1"/>
+            </a:fontRef>
+          </p:style>
+        </p:cxnSp>
+      </p:grpSp>
+    </p:spTree>
+    <p:extLst>
+      <p:ext uri="{BB962C8B-B14F-4D97-AF65-F5344CB8AC3E}">
+        <p14:creationId xmlns:p14="http://schemas.microsoft.com/office/powerpoint/2010/main" val="3234815705"/>
+      </p:ext>
+    </p:extLst>
+  </p:cSld>
+  <p:clrMapOvr>
+    <a:masterClrMapping/>
+  </p:clrMapOvr>
+</p:sld>
+</file>
+
+<file path=ppt/slides/slide5.xml><?xml version="1.0" encoding="utf-8"?>
+<p:sld xmlns:a="http://schemas.openxmlformats.org/drawingml/2006/main" xmlns:r="http://schemas.openxmlformats.org/officeDocument/2006/relationships" xmlns:p="http://schemas.openxmlformats.org/presentationml/2006/main">
+  <p:cSld>
+    <p:spTree>
+      <p:nvGrpSpPr>
+        <p:cNvPr id="1" name=""/>
+        <p:cNvGrpSpPr/>
+        <p:nvPr/>
+      </p:nvGrpSpPr>
+      <p:grpSpPr>
+        <a:xfrm>
+          <a:off x="0" y="0"/>
+          <a:ext cx="0" cy="0"/>
+          <a:chOff x="0" y="0"/>
+          <a:chExt cx="0" cy="0"/>
+        </a:xfrm>
+      </p:grpSpPr>
       <p:sp>
         <p:nvSpPr>
           <p:cNvPr id="4" name="Rectangle à coins arrondis 40"/>

--- a/doc/tsduck-diagrams.pptx
+++ b/doc/tsduck-diagrams.pptx
@@ -258,7 +258,7 @@
           <a:p>
             <a:fld id="{58A7CDC3-5B40-B341-B3D1-EE720DBB9E8A}" type="datetimeFigureOut">
               <a:rPr lang="fr-FR" smtClean="0"/>
-              <a:t>13/12/2021</a:t>
+              <a:t>03/01/2022</a:t>
             </a:fld>
             <a:endParaRPr lang="fr-FR"/>
           </a:p>
@@ -423,7 +423,7 @@
           <a:p>
             <a:fld id="{58A7CDC3-5B40-B341-B3D1-EE720DBB9E8A}" type="datetimeFigureOut">
               <a:rPr lang="fr-FR" smtClean="0"/>
-              <a:t>13/12/2021</a:t>
+              <a:t>03/01/2022</a:t>
             </a:fld>
             <a:endParaRPr lang="fr-FR"/>
           </a:p>
@@ -598,7 +598,7 @@
           <a:p>
             <a:fld id="{58A7CDC3-5B40-B341-B3D1-EE720DBB9E8A}" type="datetimeFigureOut">
               <a:rPr lang="fr-FR" smtClean="0"/>
-              <a:t>13/12/2021</a:t>
+              <a:t>03/01/2022</a:t>
             </a:fld>
             <a:endParaRPr lang="fr-FR"/>
           </a:p>
@@ -763,7 +763,7 @@
           <a:p>
             <a:fld id="{58A7CDC3-5B40-B341-B3D1-EE720DBB9E8A}" type="datetimeFigureOut">
               <a:rPr lang="fr-FR" smtClean="0"/>
-              <a:t>13/12/2021</a:t>
+              <a:t>03/01/2022</a:t>
             </a:fld>
             <a:endParaRPr lang="fr-FR"/>
           </a:p>
@@ -1002,7 +1002,7 @@
           <a:p>
             <a:fld id="{58A7CDC3-5B40-B341-B3D1-EE720DBB9E8A}" type="datetimeFigureOut">
               <a:rPr lang="fr-FR" smtClean="0"/>
-              <a:t>13/12/2021</a:t>
+              <a:t>03/01/2022</a:t>
             </a:fld>
             <a:endParaRPr lang="fr-FR"/>
           </a:p>
@@ -1229,7 +1229,7 @@
           <a:p>
             <a:fld id="{58A7CDC3-5B40-B341-B3D1-EE720DBB9E8A}" type="datetimeFigureOut">
               <a:rPr lang="fr-FR" smtClean="0"/>
-              <a:t>13/12/2021</a:t>
+              <a:t>03/01/2022</a:t>
             </a:fld>
             <a:endParaRPr lang="fr-FR"/>
           </a:p>
@@ -1591,7 +1591,7 @@
           <a:p>
             <a:fld id="{58A7CDC3-5B40-B341-B3D1-EE720DBB9E8A}" type="datetimeFigureOut">
               <a:rPr lang="fr-FR" smtClean="0"/>
-              <a:t>13/12/2021</a:t>
+              <a:t>03/01/2022</a:t>
             </a:fld>
             <a:endParaRPr lang="fr-FR"/>
           </a:p>
@@ -1704,7 +1704,7 @@
           <a:p>
             <a:fld id="{58A7CDC3-5B40-B341-B3D1-EE720DBB9E8A}" type="datetimeFigureOut">
               <a:rPr lang="fr-FR" smtClean="0"/>
-              <a:t>13/12/2021</a:t>
+              <a:t>03/01/2022</a:t>
             </a:fld>
             <a:endParaRPr lang="fr-FR"/>
           </a:p>
@@ -1794,7 +1794,7 @@
           <a:p>
             <a:fld id="{58A7CDC3-5B40-B341-B3D1-EE720DBB9E8A}" type="datetimeFigureOut">
               <a:rPr lang="fr-FR" smtClean="0"/>
-              <a:t>13/12/2021</a:t>
+              <a:t>03/01/2022</a:t>
             </a:fld>
             <a:endParaRPr lang="fr-FR"/>
           </a:p>
@@ -2066,7 +2066,7 @@
           <a:p>
             <a:fld id="{58A7CDC3-5B40-B341-B3D1-EE720DBB9E8A}" type="datetimeFigureOut">
               <a:rPr lang="fr-FR" smtClean="0"/>
-              <a:t>13/12/2021</a:t>
+              <a:t>03/01/2022</a:t>
             </a:fld>
             <a:endParaRPr lang="fr-FR"/>
           </a:p>
@@ -2318,7 +2318,7 @@
           <a:p>
             <a:fld id="{58A7CDC3-5B40-B341-B3D1-EE720DBB9E8A}" type="datetimeFigureOut">
               <a:rPr lang="fr-FR" smtClean="0"/>
-              <a:t>13/12/2021</a:t>
+              <a:t>03/01/2022</a:t>
             </a:fld>
             <a:endParaRPr lang="fr-FR"/>
           </a:p>
@@ -2526,7 +2526,7 @@
           <a:p>
             <a:fld id="{58A7CDC3-5B40-B341-B3D1-EE720DBB9E8A}" type="datetimeFigureOut">
               <a:rPr lang="fr-FR" smtClean="0"/>
-              <a:t>13/12/2021</a:t>
+              <a:t>03/01/2022</a:t>
             </a:fld>
             <a:endParaRPr lang="fr-FR"/>
           </a:p>
@@ -18379,16 +18379,16 @@
       </p:grpSp>
       <p:grpSp>
         <p:nvGrpSpPr>
-          <p:cNvPr id="18" name="Group 17"/>
+          <p:cNvPr id="4" name="Group 3"/>
           <p:cNvGrpSpPr/>
           <p:nvPr/>
         </p:nvGrpSpPr>
         <p:grpSpPr>
           <a:xfrm>
-            <a:off x="666455" y="6672027"/>
-            <a:ext cx="5104648" cy="995972"/>
-            <a:chOff x="666455" y="6672027"/>
-            <a:chExt cx="5104648" cy="995972"/>
+            <a:off x="597257" y="6442535"/>
+            <a:ext cx="5173846" cy="1415037"/>
+            <a:chOff x="597257" y="6442535"/>
+            <a:chExt cx="5173846" cy="1415037"/>
           </a:xfrm>
         </p:grpSpPr>
         <p:sp>
@@ -18477,7 +18477,7 @@
           </p:nvSpPr>
           <p:spPr>
             <a:xfrm>
-              <a:off x="1268433" y="6851774"/>
+              <a:off x="1268433" y="6853180"/>
               <a:ext cx="314249" cy="245199"/>
             </a:xfrm>
             <a:prstGeom prst="roundRect">
@@ -18539,7 +18539,7 @@
           </p:nvSpPr>
           <p:spPr>
             <a:xfrm>
-              <a:off x="2371845" y="6851774"/>
+              <a:off x="2371845" y="6853180"/>
               <a:ext cx="612382" cy="245199"/>
             </a:xfrm>
             <a:prstGeom prst="roundRect">
@@ -18596,16 +18596,13 @@
                 </a:ext>
               </a:extLst>
             </p:cNvPr>
-            <p:cNvCxnSpPr>
-              <a:stCxn id="68" idx="3"/>
-              <a:endCxn id="99" idx="1"/>
-            </p:cNvCxnSpPr>
+            <p:cNvCxnSpPr/>
             <p:nvPr/>
           </p:nvCxnSpPr>
           <p:spPr>
             <a:xfrm flipV="1">
-              <a:off x="1582682" y="6973993"/>
-              <a:ext cx="141198" cy="381"/>
+              <a:off x="1582682" y="6974886"/>
+              <a:ext cx="141198" cy="1787"/>
             </a:xfrm>
             <a:prstGeom prst="straightConnector1">
               <a:avLst/>
@@ -18644,15 +18641,13 @@
             </p:cNvPr>
             <p:cNvCxnSpPr>
               <a:cxnSpLocks/>
-              <a:stCxn id="70" idx="3"/>
-              <a:endCxn id="113" idx="1"/>
             </p:cNvCxnSpPr>
             <p:nvPr/>
           </p:nvCxnSpPr>
           <p:spPr>
-            <a:xfrm>
-              <a:off x="2984227" y="6974374"/>
-              <a:ext cx="141760" cy="0"/>
+            <a:xfrm flipV="1">
+              <a:off x="2984227" y="6975076"/>
+              <a:ext cx="141760" cy="1406"/>
             </a:xfrm>
             <a:prstGeom prst="straightConnector1">
               <a:avLst/>
@@ -18699,7 +18694,7 @@
           <p:spPr>
             <a:xfrm>
               <a:off x="979945" y="6974374"/>
-              <a:ext cx="288488" cy="0"/>
+              <a:ext cx="288488" cy="1406"/>
             </a:xfrm>
             <a:prstGeom prst="straightConnector1">
               <a:avLst/>
@@ -18749,7 +18744,7 @@
           </p:blipFill>
           <p:spPr>
             <a:xfrm>
-              <a:off x="5357748" y="7215025"/>
+              <a:off x="5357748" y="7291225"/>
               <a:ext cx="413355" cy="94481"/>
             </a:xfrm>
             <a:prstGeom prst="rect">
@@ -18757,52 +18752,6 @@
             </a:prstGeom>
           </p:spPr>
         </p:pic>
-        <p:cxnSp>
-          <p:nvCxnSpPr>
-            <p:cNvPr id="77" name="Connecteur droit avec flèche 272">
-              <a:extLst>
-                <a:ext uri="{FF2B5EF4-FFF2-40B4-BE49-F238E27FC236}">
-                  <a16:creationId xmlns:a16="http://schemas.microsoft.com/office/drawing/2014/main" id="{917022DD-9C4E-8C4F-8EF4-DC025172FC05}"/>
-                </a:ext>
-              </a:extLst>
-            </p:cNvPr>
-            <p:cNvCxnSpPr>
-              <a:stCxn id="70" idx="2"/>
-              <a:endCxn id="105" idx="0"/>
-            </p:cNvCxnSpPr>
-            <p:nvPr/>
-          </p:nvCxnSpPr>
-          <p:spPr>
-            <a:xfrm>
-              <a:off x="2678036" y="7096973"/>
-              <a:ext cx="0" cy="325827"/>
-            </a:xfrm>
-            <a:prstGeom prst="straightConnector1">
-              <a:avLst/>
-            </a:prstGeom>
-            <a:ln w="19050">
-              <a:solidFill>
-                <a:schemeClr val="tx1"/>
-              </a:solidFill>
-              <a:prstDash val="sysDash"/>
-              <a:tailEnd type="triangle"/>
-            </a:ln>
-          </p:spPr>
-          <p:style>
-            <a:lnRef idx="1">
-              <a:schemeClr val="accent1"/>
-            </a:lnRef>
-            <a:fillRef idx="0">
-              <a:schemeClr val="accent1"/>
-            </a:fillRef>
-            <a:effectRef idx="0">
-              <a:schemeClr val="accent1"/>
-            </a:effectRef>
-            <a:fontRef idx="minor">
-              <a:schemeClr val="tx1"/>
-            </a:fontRef>
-          </p:style>
-        </p:cxnSp>
         <p:sp>
           <p:nvSpPr>
             <p:cNvPr id="97" name="Rectangle à coins arrondis 271">
@@ -18817,7 +18766,7 @@
           </p:nvSpPr>
           <p:spPr>
             <a:xfrm>
-              <a:off x="5328562" y="6851394"/>
+              <a:off x="5328562" y="6853180"/>
               <a:ext cx="319114" cy="245199"/>
             </a:xfrm>
             <a:prstGeom prst="roundRect">
@@ -18878,15 +18827,13 @@
             </p:cNvPr>
             <p:cNvCxnSpPr>
               <a:cxnSpLocks/>
-              <a:stCxn id="103" idx="3"/>
-              <a:endCxn id="97" idx="1"/>
             </p:cNvCxnSpPr>
             <p:nvPr/>
           </p:nvCxnSpPr>
           <p:spPr>
             <a:xfrm>
-              <a:off x="5187256" y="6973994"/>
-              <a:ext cx="141306" cy="0"/>
+              <a:off x="5187256" y="6974886"/>
+              <a:ext cx="141306" cy="1786"/>
             </a:xfrm>
             <a:prstGeom prst="straightConnector1">
               <a:avLst/>
@@ -18928,7 +18875,7 @@
           </p:nvSpPr>
           <p:spPr>
             <a:xfrm>
-              <a:off x="1723880" y="6851393"/>
+              <a:off x="1723880" y="6853180"/>
               <a:ext cx="506101" cy="245199"/>
             </a:xfrm>
             <a:prstGeom prst="roundRect">
@@ -18976,52 +18923,6 @@
             </a:p>
           </p:txBody>
         </p:sp>
-        <p:cxnSp>
-          <p:nvCxnSpPr>
-            <p:cNvPr id="100" name="Connecteur droit avec flèche 272">
-              <a:extLst>
-                <a:ext uri="{FF2B5EF4-FFF2-40B4-BE49-F238E27FC236}">
-                  <a16:creationId xmlns:a16="http://schemas.microsoft.com/office/drawing/2014/main" id="{917022DD-9C4E-8C4F-8EF4-DC025172FC05}"/>
-                </a:ext>
-              </a:extLst>
-            </p:cNvPr>
-            <p:cNvCxnSpPr>
-              <a:stCxn id="99" idx="3"/>
-              <a:endCxn id="70" idx="1"/>
-            </p:cNvCxnSpPr>
-            <p:nvPr/>
-          </p:nvCxnSpPr>
-          <p:spPr>
-            <a:xfrm>
-              <a:off x="2229981" y="6973993"/>
-              <a:ext cx="141864" cy="381"/>
-            </a:xfrm>
-            <a:prstGeom prst="straightConnector1">
-              <a:avLst/>
-            </a:prstGeom>
-            <a:ln w="19050">
-              <a:solidFill>
-                <a:schemeClr val="tx1"/>
-              </a:solidFill>
-              <a:prstDash val="sysDash"/>
-              <a:tailEnd type="triangle"/>
-            </a:ln>
-          </p:spPr>
-          <p:style>
-            <a:lnRef idx="1">
-              <a:schemeClr val="accent1"/>
-            </a:lnRef>
-            <a:fillRef idx="0">
-              <a:schemeClr val="accent1"/>
-            </a:fillRef>
-            <a:effectRef idx="0">
-              <a:schemeClr val="accent1"/>
-            </a:effectRef>
-            <a:fontRef idx="minor">
-              <a:schemeClr val="tx1"/>
-            </a:fontRef>
-          </p:style>
-        </p:cxnSp>
         <p:sp>
           <p:nvSpPr>
             <p:cNvPr id="103" name="Rectangle à coins arrondis 270">
@@ -19036,7 +18937,7 @@
           </p:nvSpPr>
           <p:spPr>
             <a:xfrm>
-              <a:off x="4500096" y="6851394"/>
+              <a:off x="4500096" y="6853180"/>
               <a:ext cx="687160" cy="245199"/>
             </a:xfrm>
             <a:prstGeom prst="roundRect">
@@ -19217,7 +19118,7 @@
           </p:nvSpPr>
           <p:spPr>
             <a:xfrm>
-              <a:off x="3125987" y="6851774"/>
+              <a:off x="3125987" y="6853180"/>
               <a:ext cx="621864" cy="245199"/>
             </a:xfrm>
             <a:prstGeom prst="roundRect">
@@ -19267,52 +19168,6 @@
             </a:p>
           </p:txBody>
         </p:sp>
-        <p:cxnSp>
-          <p:nvCxnSpPr>
-            <p:cNvPr id="125" name="Connecteur droit avec flèche 272">
-              <a:extLst>
-                <a:ext uri="{FF2B5EF4-FFF2-40B4-BE49-F238E27FC236}">
-                  <a16:creationId xmlns:a16="http://schemas.microsoft.com/office/drawing/2014/main" id="{917022DD-9C4E-8C4F-8EF4-DC025172FC05}"/>
-                </a:ext>
-              </a:extLst>
-            </p:cNvPr>
-            <p:cNvCxnSpPr>
-              <a:stCxn id="126" idx="0"/>
-              <a:endCxn id="113" idx="2"/>
-            </p:cNvCxnSpPr>
-            <p:nvPr/>
-          </p:nvCxnSpPr>
-          <p:spPr>
-            <a:xfrm flipH="1" flipV="1">
-              <a:off x="3436919" y="7096973"/>
-              <a:ext cx="4217" cy="320874"/>
-            </a:xfrm>
-            <a:prstGeom prst="straightConnector1">
-              <a:avLst/>
-            </a:prstGeom>
-            <a:ln w="19050">
-              <a:solidFill>
-                <a:schemeClr val="tx1"/>
-              </a:solidFill>
-              <a:prstDash val="sysDash"/>
-              <a:tailEnd type="triangle"/>
-            </a:ln>
-          </p:spPr>
-          <p:style>
-            <a:lnRef idx="1">
-              <a:schemeClr val="accent1"/>
-            </a:lnRef>
-            <a:fillRef idx="0">
-              <a:schemeClr val="accent1"/>
-            </a:fillRef>
-            <a:effectRef idx="0">
-              <a:schemeClr val="accent1"/>
-            </a:effectRef>
-            <a:fontRef idx="minor">
-              <a:schemeClr val="tx1"/>
-            </a:fontRef>
-          </p:style>
-        </p:cxnSp>
         <p:sp>
           <p:nvSpPr>
             <p:cNvPr id="126" name="Rectangle à coins arrondis 269">
@@ -19389,7 +19244,7 @@
           </p:nvSpPr>
           <p:spPr>
             <a:xfrm>
-              <a:off x="3894197" y="6854967"/>
+              <a:off x="3894197" y="6853180"/>
               <a:ext cx="460092" cy="245199"/>
             </a:xfrm>
             <a:prstGeom prst="roundRect">
@@ -19437,100 +19292,6 @@
             </a:p>
           </p:txBody>
         </p:sp>
-        <p:cxnSp>
-          <p:nvCxnSpPr>
-            <p:cNvPr id="128" name="Connecteur droit avec flèche 273">
-              <a:extLst>
-                <a:ext uri="{FF2B5EF4-FFF2-40B4-BE49-F238E27FC236}">
-                  <a16:creationId xmlns:a16="http://schemas.microsoft.com/office/drawing/2014/main" id="{C8A7163D-1B73-8544-BEB6-5055C4559C5C}"/>
-                </a:ext>
-              </a:extLst>
-            </p:cNvPr>
-            <p:cNvCxnSpPr>
-              <a:cxnSpLocks/>
-              <a:stCxn id="113" idx="3"/>
-              <a:endCxn id="127" idx="1"/>
-            </p:cNvCxnSpPr>
-            <p:nvPr/>
-          </p:nvCxnSpPr>
-          <p:spPr>
-            <a:xfrm>
-              <a:off x="3747851" y="6974374"/>
-              <a:ext cx="146346" cy="3193"/>
-            </a:xfrm>
-            <a:prstGeom prst="straightConnector1">
-              <a:avLst/>
-            </a:prstGeom>
-            <a:ln w="19050">
-              <a:solidFill>
-                <a:schemeClr val="tx1"/>
-              </a:solidFill>
-              <a:prstDash val="sysDash"/>
-              <a:tailEnd type="triangle"/>
-            </a:ln>
-          </p:spPr>
-          <p:style>
-            <a:lnRef idx="1">
-              <a:schemeClr val="accent1"/>
-            </a:lnRef>
-            <a:fillRef idx="0">
-              <a:schemeClr val="accent1"/>
-            </a:fillRef>
-            <a:effectRef idx="0">
-              <a:schemeClr val="accent1"/>
-            </a:effectRef>
-            <a:fontRef idx="minor">
-              <a:schemeClr val="tx1"/>
-            </a:fontRef>
-          </p:style>
-        </p:cxnSp>
-        <p:cxnSp>
-          <p:nvCxnSpPr>
-            <p:cNvPr id="129" name="Connecteur droit avec flèche 273">
-              <a:extLst>
-                <a:ext uri="{FF2B5EF4-FFF2-40B4-BE49-F238E27FC236}">
-                  <a16:creationId xmlns:a16="http://schemas.microsoft.com/office/drawing/2014/main" id="{C8A7163D-1B73-8544-BEB6-5055C4559C5C}"/>
-                </a:ext>
-              </a:extLst>
-            </p:cNvPr>
-            <p:cNvCxnSpPr>
-              <a:cxnSpLocks/>
-              <a:stCxn id="127" idx="3"/>
-              <a:endCxn id="103" idx="1"/>
-            </p:cNvCxnSpPr>
-            <p:nvPr/>
-          </p:nvCxnSpPr>
-          <p:spPr>
-            <a:xfrm flipV="1">
-              <a:off x="4354289" y="6973994"/>
-              <a:ext cx="145807" cy="3573"/>
-            </a:xfrm>
-            <a:prstGeom prst="straightConnector1">
-              <a:avLst/>
-            </a:prstGeom>
-            <a:ln w="19050">
-              <a:solidFill>
-                <a:schemeClr val="tx1"/>
-              </a:solidFill>
-              <a:prstDash val="sysDash"/>
-              <a:tailEnd type="triangle"/>
-            </a:ln>
-          </p:spPr>
-          <p:style>
-            <a:lnRef idx="1">
-              <a:schemeClr val="accent1"/>
-            </a:lnRef>
-            <a:fillRef idx="0">
-              <a:schemeClr val="accent1"/>
-            </a:fillRef>
-            <a:effectRef idx="0">
-              <a:schemeClr val="accent1"/>
-            </a:effectRef>
-            <a:fontRef idx="minor">
-              <a:schemeClr val="tx1"/>
-            </a:fontRef>
-          </p:style>
-        </p:cxnSp>
         <p:sp>
           <p:nvSpPr>
             <p:cNvPr id="130" name="Flowchart: Magnetic Disk 129"/>
@@ -19572,14 +19333,7 @@
                   <a:latin typeface="Gadugi" panose="020B0502040204020203" pitchFamily="34" charset="0"/>
                   <a:ea typeface="Gadugi" panose="020B0502040204020203" pitchFamily="34" charset="0"/>
                 </a:rPr>
-                <a:t>.</a:t>
-              </a:r>
-              <a:r>
-                <a:rPr lang="en-US" sz="900" b="1" dirty="0" smtClean="0">
-                  <a:latin typeface="Gadugi" panose="020B0502040204020203" pitchFamily="34" charset="0"/>
-                  <a:ea typeface="Gadugi" panose="020B0502040204020203" pitchFamily="34" charset="0"/>
-                </a:rPr>
-                <a:t>txt</a:t>
+                <a:t>.txt</a:t>
               </a:r>
               <a:endParaRPr lang="en-US" sz="900" b="1" dirty="0">
                 <a:latin typeface="Gadugi" panose="020B0502040204020203" pitchFamily="34" charset="0"/>
@@ -19605,8 +19359,550 @@
           </p:nvCxnSpPr>
           <p:spPr>
             <a:xfrm>
-              <a:off x="4124243" y="7100166"/>
-              <a:ext cx="8500" cy="315360"/>
+              <a:off x="4124243" y="7098379"/>
+              <a:ext cx="8500" cy="317147"/>
+            </a:xfrm>
+            <a:prstGeom prst="straightConnector1">
+              <a:avLst/>
+            </a:prstGeom>
+            <a:ln w="19050">
+              <a:solidFill>
+                <a:schemeClr val="tx1"/>
+              </a:solidFill>
+              <a:prstDash val="sysDash"/>
+              <a:tailEnd type="triangle"/>
+            </a:ln>
+          </p:spPr>
+          <p:style>
+            <a:lnRef idx="1">
+              <a:schemeClr val="accent1"/>
+            </a:lnRef>
+            <a:fillRef idx="0">
+              <a:schemeClr val="accent1"/>
+            </a:fillRef>
+            <a:effectRef idx="0">
+              <a:schemeClr val="accent1"/>
+            </a:effectRef>
+            <a:fontRef idx="minor">
+              <a:schemeClr val="tx1"/>
+            </a:fontRef>
+          </p:style>
+        </p:cxnSp>
+        <p:sp>
+          <p:nvSpPr>
+            <p:cNvPr id="2" name="Rounded Rectangle 1"/>
+            <p:cNvSpPr/>
+            <p:nvPr/>
+          </p:nvSpPr>
+          <p:spPr>
+            <a:xfrm>
+              <a:off x="597257" y="6442535"/>
+              <a:ext cx="1658139" cy="773331"/>
+            </a:xfrm>
+            <a:prstGeom prst="roundRect">
+              <a:avLst>
+                <a:gd name="adj" fmla="val 7914"/>
+              </a:avLst>
+            </a:prstGeom>
+            <a:noFill/>
+            <a:ln w="19050">
+              <a:solidFill>
+                <a:schemeClr val="accent5"/>
+              </a:solidFill>
+              <a:prstDash val="sysDash"/>
+            </a:ln>
+          </p:spPr>
+          <p:style>
+            <a:lnRef idx="2">
+              <a:schemeClr val="accent1">
+                <a:shade val="50000"/>
+              </a:schemeClr>
+            </a:lnRef>
+            <a:fillRef idx="1">
+              <a:schemeClr val="accent1"/>
+            </a:fillRef>
+            <a:effectRef idx="0">
+              <a:schemeClr val="accent1"/>
+            </a:effectRef>
+            <a:fontRef idx="minor">
+              <a:schemeClr val="lt1"/>
+            </a:fontRef>
+          </p:style>
+          <p:txBody>
+            <a:bodyPr tIns="27432" bIns="27432" rtlCol="0" anchor="t" anchorCtr="0"/>
+            <a:lstStyle/>
+            <a:p>
+              <a:r>
+                <a:rPr lang="en-US" sz="800" b="1" dirty="0" smtClean="0">
+                  <a:solidFill>
+                    <a:schemeClr val="tx1"/>
+                  </a:solidFill>
+                  <a:latin typeface="Gadugi" panose="020B0502040204020203" pitchFamily="34" charset="0"/>
+                  <a:ea typeface="Gadugi" panose="020B0502040204020203" pitchFamily="34" charset="0"/>
+                </a:rPr>
+                <a:t>Video source</a:t>
+              </a:r>
+              <a:endParaRPr lang="en-US" sz="800" b="1" dirty="0">
+                <a:solidFill>
+                  <a:schemeClr val="tx1"/>
+                </a:solidFill>
+                <a:latin typeface="Gadugi" panose="020B0502040204020203" pitchFamily="34" charset="0"/>
+                <a:ea typeface="Gadugi" panose="020B0502040204020203" pitchFamily="34" charset="0"/>
+              </a:endParaRPr>
+            </a:p>
+          </p:txBody>
+        </p:sp>
+        <p:sp>
+          <p:nvSpPr>
+            <p:cNvPr id="101" name="Rounded Rectangle 100"/>
+            <p:cNvSpPr/>
+            <p:nvPr/>
+          </p:nvSpPr>
+          <p:spPr>
+            <a:xfrm>
+              <a:off x="2333984" y="6442535"/>
+              <a:ext cx="1477697" cy="773331"/>
+            </a:xfrm>
+            <a:prstGeom prst="roundRect">
+              <a:avLst>
+                <a:gd name="adj" fmla="val 7914"/>
+              </a:avLst>
+            </a:prstGeom>
+            <a:noFill/>
+            <a:ln w="19050">
+              <a:solidFill>
+                <a:schemeClr val="accent5"/>
+              </a:solidFill>
+              <a:prstDash val="sysDash"/>
+            </a:ln>
+          </p:spPr>
+          <p:style>
+            <a:lnRef idx="2">
+              <a:schemeClr val="accent1">
+                <a:shade val="50000"/>
+              </a:schemeClr>
+            </a:lnRef>
+            <a:fillRef idx="1">
+              <a:schemeClr val="accent1"/>
+            </a:fillRef>
+            <a:effectRef idx="0">
+              <a:schemeClr val="accent1"/>
+            </a:effectRef>
+            <a:fontRef idx="minor">
+              <a:schemeClr val="lt1"/>
+            </a:fontRef>
+          </p:style>
+          <p:txBody>
+            <a:bodyPr tIns="27432" bIns="27432" rtlCol="0" anchor="t" anchorCtr="0"/>
+            <a:lstStyle/>
+            <a:p>
+              <a:r>
+                <a:rPr lang="en-US" sz="800" b="1" dirty="0" smtClean="0">
+                  <a:solidFill>
+                    <a:schemeClr val="tx1"/>
+                  </a:solidFill>
+                  <a:latin typeface="Gadugi" panose="020B0502040204020203" pitchFamily="34" charset="0"/>
+                  <a:ea typeface="Gadugi" panose="020B0502040204020203" pitchFamily="34" charset="0"/>
+                </a:rPr>
+                <a:t>MUX</a:t>
+              </a:r>
+              <a:endParaRPr lang="en-US" sz="800" b="1" dirty="0">
+                <a:solidFill>
+                  <a:schemeClr val="tx1"/>
+                </a:solidFill>
+                <a:latin typeface="Gadugi" panose="020B0502040204020203" pitchFamily="34" charset="0"/>
+                <a:ea typeface="Gadugi" panose="020B0502040204020203" pitchFamily="34" charset="0"/>
+              </a:endParaRPr>
+            </a:p>
+          </p:txBody>
+        </p:sp>
+        <p:cxnSp>
+          <p:nvCxnSpPr>
+            <p:cNvPr id="100" name="Connecteur droit avec flèche 272">
+              <a:extLst>
+                <a:ext uri="{FF2B5EF4-FFF2-40B4-BE49-F238E27FC236}">
+                  <a16:creationId xmlns:a16="http://schemas.microsoft.com/office/drawing/2014/main" id="{917022DD-9C4E-8C4F-8EF4-DC025172FC05}"/>
+                </a:ext>
+              </a:extLst>
+            </p:cNvPr>
+            <p:cNvCxnSpPr/>
+            <p:nvPr/>
+          </p:nvCxnSpPr>
+          <p:spPr>
+            <a:xfrm>
+              <a:off x="2229981" y="6975779"/>
+              <a:ext cx="141864" cy="0"/>
+            </a:xfrm>
+            <a:prstGeom prst="straightConnector1">
+              <a:avLst/>
+            </a:prstGeom>
+            <a:ln w="19050">
+              <a:solidFill>
+                <a:schemeClr val="tx1"/>
+              </a:solidFill>
+              <a:prstDash val="sysDash"/>
+              <a:tailEnd type="triangle"/>
+            </a:ln>
+          </p:spPr>
+          <p:style>
+            <a:lnRef idx="1">
+              <a:schemeClr val="accent1"/>
+            </a:lnRef>
+            <a:fillRef idx="0">
+              <a:schemeClr val="accent1"/>
+            </a:fillRef>
+            <a:effectRef idx="0">
+              <a:schemeClr val="accent1"/>
+            </a:effectRef>
+            <a:fontRef idx="minor">
+              <a:schemeClr val="tx1"/>
+            </a:fontRef>
+          </p:style>
+        </p:cxnSp>
+        <p:sp>
+          <p:nvSpPr>
+            <p:cNvPr id="124" name="Rounded Rectangle 123"/>
+            <p:cNvSpPr/>
+            <p:nvPr/>
+          </p:nvSpPr>
+          <p:spPr>
+            <a:xfrm>
+              <a:off x="4447899" y="6442535"/>
+              <a:ext cx="1245783" cy="773331"/>
+            </a:xfrm>
+            <a:prstGeom prst="roundRect">
+              <a:avLst>
+                <a:gd name="adj" fmla="val 7914"/>
+              </a:avLst>
+            </a:prstGeom>
+            <a:noFill/>
+            <a:ln w="19050">
+              <a:solidFill>
+                <a:schemeClr val="accent5"/>
+              </a:solidFill>
+              <a:prstDash val="sysDash"/>
+            </a:ln>
+          </p:spPr>
+          <p:style>
+            <a:lnRef idx="2">
+              <a:schemeClr val="accent1">
+                <a:shade val="50000"/>
+              </a:schemeClr>
+            </a:lnRef>
+            <a:fillRef idx="1">
+              <a:schemeClr val="accent1"/>
+            </a:fillRef>
+            <a:effectRef idx="0">
+              <a:schemeClr val="accent1"/>
+            </a:effectRef>
+            <a:fontRef idx="minor">
+              <a:schemeClr val="lt1"/>
+            </a:fontRef>
+          </p:style>
+          <p:txBody>
+            <a:bodyPr tIns="27432" bIns="27432" rtlCol="0" anchor="t" anchorCtr="0"/>
+            <a:lstStyle/>
+            <a:p>
+              <a:r>
+                <a:rPr lang="en-US" sz="800" b="1" dirty="0" smtClean="0">
+                  <a:solidFill>
+                    <a:schemeClr val="tx1"/>
+                  </a:solidFill>
+                  <a:latin typeface="Gadugi" panose="020B0502040204020203" pitchFamily="34" charset="0"/>
+                  <a:ea typeface="Gadugi" panose="020B0502040204020203" pitchFamily="34" charset="0"/>
+                </a:rPr>
+                <a:t>STB</a:t>
+              </a:r>
+              <a:endParaRPr lang="en-US" sz="800" b="1" dirty="0">
+                <a:solidFill>
+                  <a:schemeClr val="tx1"/>
+                </a:solidFill>
+                <a:latin typeface="Gadugi" panose="020B0502040204020203" pitchFamily="34" charset="0"/>
+                <a:ea typeface="Gadugi" panose="020B0502040204020203" pitchFamily="34" charset="0"/>
+              </a:endParaRPr>
+            </a:p>
+          </p:txBody>
+        </p:sp>
+        <p:cxnSp>
+          <p:nvCxnSpPr>
+            <p:cNvPr id="129" name="Connecteur droit avec flèche 273">
+              <a:extLst>
+                <a:ext uri="{FF2B5EF4-FFF2-40B4-BE49-F238E27FC236}">
+                  <a16:creationId xmlns:a16="http://schemas.microsoft.com/office/drawing/2014/main" id="{C8A7163D-1B73-8544-BEB6-5055C4559C5C}"/>
+                </a:ext>
+              </a:extLst>
+            </p:cNvPr>
+            <p:cNvCxnSpPr>
+              <a:cxnSpLocks/>
+            </p:cNvCxnSpPr>
+            <p:nvPr/>
+          </p:nvCxnSpPr>
+          <p:spPr>
+            <a:xfrm>
+              <a:off x="4354289" y="6975779"/>
+              <a:ext cx="145807" cy="0"/>
+            </a:xfrm>
+            <a:prstGeom prst="straightConnector1">
+              <a:avLst/>
+            </a:prstGeom>
+            <a:ln w="19050">
+              <a:solidFill>
+                <a:schemeClr val="tx1"/>
+              </a:solidFill>
+              <a:prstDash val="sysDash"/>
+              <a:tailEnd type="triangle"/>
+            </a:ln>
+          </p:spPr>
+          <p:style>
+            <a:lnRef idx="1">
+              <a:schemeClr val="accent1"/>
+            </a:lnRef>
+            <a:fillRef idx="0">
+              <a:schemeClr val="accent1"/>
+            </a:fillRef>
+            <a:effectRef idx="0">
+              <a:schemeClr val="accent1"/>
+            </a:effectRef>
+            <a:fontRef idx="minor">
+              <a:schemeClr val="tx1"/>
+            </a:fontRef>
+          </p:style>
+        </p:cxnSp>
+        <p:cxnSp>
+          <p:nvCxnSpPr>
+            <p:cNvPr id="128" name="Connecteur droit avec flèche 273">
+              <a:extLst>
+                <a:ext uri="{FF2B5EF4-FFF2-40B4-BE49-F238E27FC236}">
+                  <a16:creationId xmlns:a16="http://schemas.microsoft.com/office/drawing/2014/main" id="{C8A7163D-1B73-8544-BEB6-5055C4559C5C}"/>
+                </a:ext>
+              </a:extLst>
+            </p:cNvPr>
+            <p:cNvCxnSpPr>
+              <a:cxnSpLocks/>
+            </p:cNvCxnSpPr>
+            <p:nvPr/>
+          </p:nvCxnSpPr>
+          <p:spPr>
+            <a:xfrm>
+              <a:off x="3747851" y="6975779"/>
+              <a:ext cx="146346" cy="0"/>
+            </a:xfrm>
+            <a:prstGeom prst="straightConnector1">
+              <a:avLst/>
+            </a:prstGeom>
+            <a:ln w="19050">
+              <a:solidFill>
+                <a:schemeClr val="tx1"/>
+              </a:solidFill>
+              <a:prstDash val="sysDash"/>
+              <a:tailEnd type="triangle"/>
+            </a:ln>
+          </p:spPr>
+          <p:style>
+            <a:lnRef idx="1">
+              <a:schemeClr val="accent1"/>
+            </a:lnRef>
+            <a:fillRef idx="0">
+              <a:schemeClr val="accent1"/>
+            </a:fillRef>
+            <a:effectRef idx="0">
+              <a:schemeClr val="accent1"/>
+            </a:effectRef>
+            <a:fontRef idx="minor">
+              <a:schemeClr val="tx1"/>
+            </a:fontRef>
+          </p:style>
+        </p:cxnSp>
+        <p:sp>
+          <p:nvSpPr>
+            <p:cNvPr id="132" name="Rounded Rectangle 131"/>
+            <p:cNvSpPr/>
+            <p:nvPr/>
+          </p:nvSpPr>
+          <p:spPr>
+            <a:xfrm>
+              <a:off x="2229981" y="7368267"/>
+              <a:ext cx="739478" cy="489305"/>
+            </a:xfrm>
+            <a:prstGeom prst="roundRect">
+              <a:avLst>
+                <a:gd name="adj" fmla="val 7914"/>
+              </a:avLst>
+            </a:prstGeom>
+            <a:noFill/>
+            <a:ln w="19050">
+              <a:solidFill>
+                <a:schemeClr val="accent5"/>
+              </a:solidFill>
+              <a:prstDash val="sysDash"/>
+            </a:ln>
+          </p:spPr>
+          <p:style>
+            <a:lnRef idx="2">
+              <a:schemeClr val="accent1">
+                <a:shade val="50000"/>
+              </a:schemeClr>
+            </a:lnRef>
+            <a:fillRef idx="1">
+              <a:schemeClr val="accent1"/>
+            </a:fillRef>
+            <a:effectRef idx="0">
+              <a:schemeClr val="accent1"/>
+            </a:effectRef>
+            <a:fontRef idx="minor">
+              <a:schemeClr val="lt1"/>
+            </a:fontRef>
+          </p:style>
+          <p:txBody>
+            <a:bodyPr tIns="27432" bIns="27432" rtlCol="0" anchor="b" anchorCtr="0"/>
+            <a:lstStyle/>
+            <a:p>
+              <a:r>
+                <a:rPr lang="en-US" sz="800" b="1" dirty="0" smtClean="0">
+                  <a:solidFill>
+                    <a:schemeClr val="tx1"/>
+                  </a:solidFill>
+                  <a:latin typeface="Gadugi" panose="020B0502040204020203" pitchFamily="34" charset="0"/>
+                  <a:ea typeface="Gadugi" panose="020B0502040204020203" pitchFamily="34" charset="0"/>
+                </a:rPr>
+                <a:t>ECMG</a:t>
+              </a:r>
+              <a:endParaRPr lang="en-US" sz="800" b="1" dirty="0">
+                <a:solidFill>
+                  <a:schemeClr val="tx1"/>
+                </a:solidFill>
+                <a:latin typeface="Gadugi" panose="020B0502040204020203" pitchFamily="34" charset="0"/>
+                <a:ea typeface="Gadugi" panose="020B0502040204020203" pitchFamily="34" charset="0"/>
+              </a:endParaRPr>
+            </a:p>
+          </p:txBody>
+        </p:sp>
+        <p:sp>
+          <p:nvSpPr>
+            <p:cNvPr id="133" name="Rounded Rectangle 132"/>
+            <p:cNvSpPr/>
+            <p:nvPr/>
+          </p:nvSpPr>
+          <p:spPr>
+            <a:xfrm>
+              <a:off x="3040352" y="7368267"/>
+              <a:ext cx="739478" cy="489305"/>
+            </a:xfrm>
+            <a:prstGeom prst="roundRect">
+              <a:avLst>
+                <a:gd name="adj" fmla="val 7914"/>
+              </a:avLst>
+            </a:prstGeom>
+            <a:noFill/>
+            <a:ln w="19050">
+              <a:solidFill>
+                <a:schemeClr val="accent5"/>
+              </a:solidFill>
+              <a:prstDash val="sysDash"/>
+            </a:ln>
+          </p:spPr>
+          <p:style>
+            <a:lnRef idx="2">
+              <a:schemeClr val="accent1">
+                <a:shade val="50000"/>
+              </a:schemeClr>
+            </a:lnRef>
+            <a:fillRef idx="1">
+              <a:schemeClr val="accent1"/>
+            </a:fillRef>
+            <a:effectRef idx="0">
+              <a:schemeClr val="accent1"/>
+            </a:effectRef>
+            <a:fontRef idx="minor">
+              <a:schemeClr val="lt1"/>
+            </a:fontRef>
+          </p:style>
+          <p:txBody>
+            <a:bodyPr tIns="27432" bIns="27432" rtlCol="0" anchor="b" anchorCtr="0"/>
+            <a:lstStyle/>
+            <a:p>
+              <a:r>
+                <a:rPr lang="en-US" sz="800" b="1" dirty="0" smtClean="0">
+                  <a:solidFill>
+                    <a:schemeClr val="tx1"/>
+                  </a:solidFill>
+                  <a:latin typeface="Gadugi" panose="020B0502040204020203" pitchFamily="34" charset="0"/>
+                  <a:ea typeface="Gadugi" panose="020B0502040204020203" pitchFamily="34" charset="0"/>
+                </a:rPr>
+                <a:t>EMMG</a:t>
+              </a:r>
+              <a:endParaRPr lang="en-US" sz="800" b="1" dirty="0">
+                <a:solidFill>
+                  <a:schemeClr val="tx1"/>
+                </a:solidFill>
+                <a:latin typeface="Gadugi" panose="020B0502040204020203" pitchFamily="34" charset="0"/>
+                <a:ea typeface="Gadugi" panose="020B0502040204020203" pitchFamily="34" charset="0"/>
+              </a:endParaRPr>
+            </a:p>
+          </p:txBody>
+        </p:sp>
+        <p:cxnSp>
+          <p:nvCxnSpPr>
+            <p:cNvPr id="77" name="Connecteur droit avec flèche 272">
+              <a:extLst>
+                <a:ext uri="{FF2B5EF4-FFF2-40B4-BE49-F238E27FC236}">
+                  <a16:creationId xmlns:a16="http://schemas.microsoft.com/office/drawing/2014/main" id="{917022DD-9C4E-8C4F-8EF4-DC025172FC05}"/>
+                </a:ext>
+              </a:extLst>
+            </p:cNvPr>
+            <p:cNvCxnSpPr>
+              <a:stCxn id="70" idx="2"/>
+              <a:endCxn id="105" idx="0"/>
+            </p:cNvCxnSpPr>
+            <p:nvPr/>
+          </p:nvCxnSpPr>
+          <p:spPr>
+            <a:xfrm>
+              <a:off x="2678036" y="7098379"/>
+              <a:ext cx="0" cy="324421"/>
+            </a:xfrm>
+            <a:prstGeom prst="straightConnector1">
+              <a:avLst/>
+            </a:prstGeom>
+            <a:ln w="19050">
+              <a:solidFill>
+                <a:schemeClr val="tx1"/>
+              </a:solidFill>
+              <a:prstDash val="sysDash"/>
+              <a:tailEnd type="triangle"/>
+            </a:ln>
+          </p:spPr>
+          <p:style>
+            <a:lnRef idx="1">
+              <a:schemeClr val="accent1"/>
+            </a:lnRef>
+            <a:fillRef idx="0">
+              <a:schemeClr val="accent1"/>
+            </a:fillRef>
+            <a:effectRef idx="0">
+              <a:schemeClr val="accent1"/>
+            </a:effectRef>
+            <a:fontRef idx="minor">
+              <a:schemeClr val="tx1"/>
+            </a:fontRef>
+          </p:style>
+        </p:cxnSp>
+        <p:cxnSp>
+          <p:nvCxnSpPr>
+            <p:cNvPr id="125" name="Connecteur droit avec flèche 272">
+              <a:extLst>
+                <a:ext uri="{FF2B5EF4-FFF2-40B4-BE49-F238E27FC236}">
+                  <a16:creationId xmlns:a16="http://schemas.microsoft.com/office/drawing/2014/main" id="{917022DD-9C4E-8C4F-8EF4-DC025172FC05}"/>
+                </a:ext>
+              </a:extLst>
+            </p:cNvPr>
+            <p:cNvCxnSpPr/>
+            <p:nvPr/>
+          </p:nvCxnSpPr>
+          <p:spPr>
+            <a:xfrm flipH="1" flipV="1">
+              <a:off x="3468578" y="7098379"/>
+              <a:ext cx="4217" cy="319468"/>
             </a:xfrm>
             <a:prstGeom prst="straightConnector1">
               <a:avLst/>

--- a/doc/tsduck-diagrams.pptx
+++ b/doc/tsduck-diagrams.pptx
@@ -258,7 +258,7 @@
           <a:p>
             <a:fld id="{58A7CDC3-5B40-B341-B3D1-EE720DBB9E8A}" type="datetimeFigureOut">
               <a:rPr lang="fr-FR" smtClean="0"/>
-              <a:t>03/01/2022</a:t>
+              <a:t>04/01/2022</a:t>
             </a:fld>
             <a:endParaRPr lang="fr-FR"/>
           </a:p>
@@ -423,7 +423,7 @@
           <a:p>
             <a:fld id="{58A7CDC3-5B40-B341-B3D1-EE720DBB9E8A}" type="datetimeFigureOut">
               <a:rPr lang="fr-FR" smtClean="0"/>
-              <a:t>03/01/2022</a:t>
+              <a:t>04/01/2022</a:t>
             </a:fld>
             <a:endParaRPr lang="fr-FR"/>
           </a:p>
@@ -598,7 +598,7 @@
           <a:p>
             <a:fld id="{58A7CDC3-5B40-B341-B3D1-EE720DBB9E8A}" type="datetimeFigureOut">
               <a:rPr lang="fr-FR" smtClean="0"/>
-              <a:t>03/01/2022</a:t>
+              <a:t>04/01/2022</a:t>
             </a:fld>
             <a:endParaRPr lang="fr-FR"/>
           </a:p>
@@ -763,7 +763,7 @@
           <a:p>
             <a:fld id="{58A7CDC3-5B40-B341-B3D1-EE720DBB9E8A}" type="datetimeFigureOut">
               <a:rPr lang="fr-FR" smtClean="0"/>
-              <a:t>03/01/2022</a:t>
+              <a:t>04/01/2022</a:t>
             </a:fld>
             <a:endParaRPr lang="fr-FR"/>
           </a:p>
@@ -1002,7 +1002,7 @@
           <a:p>
             <a:fld id="{58A7CDC3-5B40-B341-B3D1-EE720DBB9E8A}" type="datetimeFigureOut">
               <a:rPr lang="fr-FR" smtClean="0"/>
-              <a:t>03/01/2022</a:t>
+              <a:t>04/01/2022</a:t>
             </a:fld>
             <a:endParaRPr lang="fr-FR"/>
           </a:p>
@@ -1229,7 +1229,7 @@
           <a:p>
             <a:fld id="{58A7CDC3-5B40-B341-B3D1-EE720DBB9E8A}" type="datetimeFigureOut">
               <a:rPr lang="fr-FR" smtClean="0"/>
-              <a:t>03/01/2022</a:t>
+              <a:t>04/01/2022</a:t>
             </a:fld>
             <a:endParaRPr lang="fr-FR"/>
           </a:p>
@@ -1591,7 +1591,7 @@
           <a:p>
             <a:fld id="{58A7CDC3-5B40-B341-B3D1-EE720DBB9E8A}" type="datetimeFigureOut">
               <a:rPr lang="fr-FR" smtClean="0"/>
-              <a:t>03/01/2022</a:t>
+              <a:t>04/01/2022</a:t>
             </a:fld>
             <a:endParaRPr lang="fr-FR"/>
           </a:p>
@@ -1704,7 +1704,7 @@
           <a:p>
             <a:fld id="{58A7CDC3-5B40-B341-B3D1-EE720DBB9E8A}" type="datetimeFigureOut">
               <a:rPr lang="fr-FR" smtClean="0"/>
-              <a:t>03/01/2022</a:t>
+              <a:t>04/01/2022</a:t>
             </a:fld>
             <a:endParaRPr lang="fr-FR"/>
           </a:p>
@@ -1794,7 +1794,7 @@
           <a:p>
             <a:fld id="{58A7CDC3-5B40-B341-B3D1-EE720DBB9E8A}" type="datetimeFigureOut">
               <a:rPr lang="fr-FR" smtClean="0"/>
-              <a:t>03/01/2022</a:t>
+              <a:t>04/01/2022</a:t>
             </a:fld>
             <a:endParaRPr lang="fr-FR"/>
           </a:p>
@@ -2066,7 +2066,7 @@
           <a:p>
             <a:fld id="{58A7CDC3-5B40-B341-B3D1-EE720DBB9E8A}" type="datetimeFigureOut">
               <a:rPr lang="fr-FR" smtClean="0"/>
-              <a:t>03/01/2022</a:t>
+              <a:t>04/01/2022</a:t>
             </a:fld>
             <a:endParaRPr lang="fr-FR"/>
           </a:p>
@@ -2318,7 +2318,7 @@
           <a:p>
             <a:fld id="{58A7CDC3-5B40-B341-B3D1-EE720DBB9E8A}" type="datetimeFigureOut">
               <a:rPr lang="fr-FR" smtClean="0"/>
-              <a:t>03/01/2022</a:t>
+              <a:t>04/01/2022</a:t>
             </a:fld>
             <a:endParaRPr lang="fr-FR"/>
           </a:p>
@@ -2526,7 +2526,7 @@
           <a:p>
             <a:fld id="{58A7CDC3-5B40-B341-B3D1-EE720DBB9E8A}" type="datetimeFigureOut">
               <a:rPr lang="fr-FR" smtClean="0"/>
-              <a:t>03/01/2022</a:t>
+              <a:t>04/01/2022</a:t>
             </a:fld>
             <a:endParaRPr lang="fr-FR"/>
           </a:p>
@@ -15671,16 +15671,2533 @@
       </p:grpSpPr>
       <p:grpSp>
         <p:nvGrpSpPr>
-          <p:cNvPr id="16" name="Group 15"/>
+          <p:cNvPr id="17" name="Group 16"/>
+          <p:cNvGrpSpPr/>
+          <p:nvPr/>
+        </p:nvGrpSpPr>
+        <p:grpSpPr>
+          <a:xfrm>
+            <a:off x="780968" y="4786216"/>
+            <a:ext cx="4867202" cy="996486"/>
+            <a:chOff x="780968" y="4786216"/>
+            <a:chExt cx="4867202" cy="996486"/>
+          </a:xfrm>
+        </p:grpSpPr>
+        <p:sp>
+          <p:nvSpPr>
+            <p:cNvPr id="106" name="Rectangle à coins arrondis 251">
+              <a:extLst>
+                <a:ext uri="{FF2B5EF4-FFF2-40B4-BE49-F238E27FC236}">
+                  <a16:creationId xmlns:a16="http://schemas.microsoft.com/office/drawing/2014/main" id="{F16D29F8-F334-CB4D-BFD1-BD53652E3698}"/>
+                </a:ext>
+              </a:extLst>
+            </p:cNvPr>
+            <p:cNvSpPr/>
+            <p:nvPr/>
+          </p:nvSpPr>
+          <p:spPr>
+            <a:xfrm>
+              <a:off x="780968" y="4930470"/>
+              <a:ext cx="506101" cy="326360"/>
+            </a:xfrm>
+            <a:prstGeom prst="roundRect">
+              <a:avLst/>
+            </a:prstGeom>
+            <a:solidFill>
+              <a:schemeClr val="accent5"/>
+            </a:solidFill>
+            <a:ln>
+              <a:noFill/>
+            </a:ln>
+          </p:spPr>
+          <p:style>
+            <a:lnRef idx="0">
+              <a:scrgbClr r="0" g="0" b="0"/>
+            </a:lnRef>
+            <a:fillRef idx="0">
+              <a:scrgbClr r="0" g="0" b="0"/>
+            </a:fillRef>
+            <a:effectRef idx="0">
+              <a:scrgbClr r="0" g="0" b="0"/>
+            </a:effectRef>
+            <a:fontRef idx="minor">
+              <a:schemeClr val="lt1"/>
+            </a:fontRef>
+          </p:style>
+          <p:txBody>
+            <a:bodyPr lIns="36000" rIns="36000" rtlCol="0" anchor="ctr"/>
+            <a:lstStyle/>
+            <a:p>
+              <a:pPr algn="ctr"/>
+              <a:r>
+                <a:rPr lang="fr-FR" sz="800" b="1" noProof="1">
+                  <a:solidFill>
+                    <a:schemeClr val="tx1"/>
+                  </a:solidFill>
+                  <a:latin typeface="Gadugi" panose="020B0502040204020203" pitchFamily="34" charset="0"/>
+                  <a:ea typeface="Gadugi" panose="020B0502040204020203" pitchFamily="34" charset="0"/>
+                  <a:cs typeface="Arial Rounded MT Bold" charset="0"/>
+                </a:rPr>
+                <a:t>Video encoder</a:t>
+              </a:r>
+            </a:p>
+          </p:txBody>
+        </p:sp>
+        <p:sp>
+          <p:nvSpPr>
+            <p:cNvPr id="107" name="Rectangle à coins arrondis 268">
+              <a:extLst>
+                <a:ext uri="{FF2B5EF4-FFF2-40B4-BE49-F238E27FC236}">
+                  <a16:creationId xmlns:a16="http://schemas.microsoft.com/office/drawing/2014/main" id="{207176EF-D58B-9F42-B51F-EDF84066C434}"/>
+                </a:ext>
+              </a:extLst>
+            </p:cNvPr>
+            <p:cNvSpPr/>
+            <p:nvPr/>
+          </p:nvSpPr>
+          <p:spPr>
+            <a:xfrm>
+              <a:off x="1451186" y="4791683"/>
+              <a:ext cx="2172712" cy="501844"/>
+            </a:xfrm>
+            <a:prstGeom prst="roundRect">
+              <a:avLst>
+                <a:gd name="adj" fmla="val 3969"/>
+              </a:avLst>
+            </a:prstGeom>
+            <a:solidFill>
+              <a:schemeClr val="accent5"/>
+            </a:solidFill>
+            <a:ln>
+              <a:noFill/>
+            </a:ln>
+          </p:spPr>
+          <p:style>
+            <a:lnRef idx="0">
+              <a:scrgbClr r="0" g="0" b="0"/>
+            </a:lnRef>
+            <a:fillRef idx="0">
+              <a:scrgbClr r="0" g="0" b="0"/>
+            </a:fillRef>
+            <a:effectRef idx="0">
+              <a:scrgbClr r="0" g="0" b="0"/>
+            </a:effectRef>
+            <a:fontRef idx="minor">
+              <a:schemeClr val="lt1"/>
+            </a:fontRef>
+          </p:style>
+          <p:txBody>
+            <a:bodyPr tIns="0" rtlCol="0" anchor="t" anchorCtr="0"/>
+            <a:lstStyle/>
+            <a:p>
+              <a:pPr algn="ctr"/>
+              <a:r>
+                <a:rPr lang="fr-FR" sz="900" b="1" noProof="1" smtClean="0">
+                  <a:solidFill>
+                    <a:schemeClr val="tx1"/>
+                  </a:solidFill>
+                  <a:latin typeface="Gadugi" panose="020B0502040204020203" pitchFamily="34" charset="0"/>
+                  <a:ea typeface="Gadugi" panose="020B0502040204020203" pitchFamily="34" charset="0"/>
+                  <a:cs typeface="Arial Rounded MT Bold" charset="0"/>
+                </a:rPr>
+                <a:t>DVB SimulCrypt MUX</a:t>
+              </a:r>
+              <a:endParaRPr lang="fr-FR" sz="800" b="1" noProof="1">
+                <a:solidFill>
+                  <a:schemeClr val="tx1"/>
+                </a:solidFill>
+                <a:latin typeface="Gadugi" panose="020B0502040204020203" pitchFamily="34" charset="0"/>
+                <a:ea typeface="Gadugi" panose="020B0502040204020203" pitchFamily="34" charset="0"/>
+                <a:cs typeface="Arial Rounded MT Bold" charset="0"/>
+              </a:endParaRPr>
+            </a:p>
+          </p:txBody>
+        </p:sp>
+        <p:cxnSp>
+          <p:nvCxnSpPr>
+            <p:cNvPr id="108" name="Connecteur droit avec flèche 274">
+              <a:extLst>
+                <a:ext uri="{FF2B5EF4-FFF2-40B4-BE49-F238E27FC236}">
+                  <a16:creationId xmlns:a16="http://schemas.microsoft.com/office/drawing/2014/main" id="{0EB21763-B322-DA48-835F-2AC58953056D}"/>
+                </a:ext>
+              </a:extLst>
+            </p:cNvPr>
+            <p:cNvCxnSpPr>
+              <a:cxnSpLocks/>
+              <a:stCxn id="106" idx="3"/>
+            </p:cNvCxnSpPr>
+            <p:nvPr/>
+          </p:nvCxnSpPr>
+          <p:spPr>
+            <a:xfrm>
+              <a:off x="1287069" y="5093650"/>
+              <a:ext cx="163426" cy="381"/>
+            </a:xfrm>
+            <a:prstGeom prst="straightConnector1">
+              <a:avLst/>
+            </a:prstGeom>
+            <a:ln w="19050">
+              <a:solidFill>
+                <a:schemeClr val="tx1"/>
+              </a:solidFill>
+              <a:prstDash val="sysDash"/>
+              <a:tailEnd type="triangle"/>
+            </a:ln>
+          </p:spPr>
+          <p:style>
+            <a:lnRef idx="1">
+              <a:schemeClr val="accent1"/>
+            </a:lnRef>
+            <a:fillRef idx="0">
+              <a:schemeClr val="accent1"/>
+            </a:fillRef>
+            <a:effectRef idx="0">
+              <a:schemeClr val="accent1"/>
+            </a:effectRef>
+            <a:fontRef idx="minor">
+              <a:schemeClr val="tx1"/>
+            </a:fontRef>
+          </p:style>
+        </p:cxnSp>
+        <p:sp>
+          <p:nvSpPr>
+            <p:cNvPr id="109" name="ZoneTexte 278">
+              <a:extLst>
+                <a:ext uri="{FF2B5EF4-FFF2-40B4-BE49-F238E27FC236}">
+                  <a16:creationId xmlns:a16="http://schemas.microsoft.com/office/drawing/2014/main" id="{CA252A1D-16B0-9A4A-89F5-1189E8A73A99}"/>
+                </a:ext>
+              </a:extLst>
+            </p:cNvPr>
+            <p:cNvSpPr txBox="1"/>
+            <p:nvPr/>
+          </p:nvSpPr>
+          <p:spPr>
+            <a:xfrm>
+              <a:off x="2517738" y="5032904"/>
+              <a:ext cx="903441" cy="252377"/>
+            </a:xfrm>
+            <a:prstGeom prst="rect">
+              <a:avLst/>
+            </a:prstGeom>
+            <a:noFill/>
+          </p:spPr>
+          <p:txBody>
+            <a:bodyPr wrap="square" lIns="0" tIns="18288" rIns="0" bIns="18288" rtlCol="0">
+              <a:spAutoFit/>
+            </a:bodyPr>
+            <a:lstStyle/>
+            <a:p>
+              <a:pPr algn="ctr"/>
+              <a:r>
+                <a:rPr lang="fr-FR" sz="700" b="1" noProof="1" smtClean="0">
+                  <a:latin typeface="Gadugi" panose="020B0502040204020203" pitchFamily="34" charset="0"/>
+                  <a:ea typeface="Gadugi" panose="020B0502040204020203" pitchFamily="34" charset="0"/>
+                  <a:cs typeface="Arial Rounded MT Bold" charset="0"/>
+                </a:rPr>
+                <a:t>EMMG/PDG </a:t>
+              </a:r>
+              <a:r>
+                <a:rPr lang="fr-FR" sz="700" b="1" noProof="1" smtClean="0">
+                  <a:latin typeface="Gadugi" panose="020B0502040204020203" pitchFamily="34" charset="0"/>
+                  <a:ea typeface="Gadugi" panose="020B0502040204020203" pitchFamily="34" charset="0"/>
+                  <a:cs typeface="Arial Rounded MT Bold" charset="0"/>
+                  <a:sym typeface="Wingdings" panose="05000000000000000000" pitchFamily="2" charset="2"/>
+                </a:rPr>
+                <a:t> MUX</a:t>
+              </a:r>
+            </a:p>
+            <a:p>
+              <a:pPr algn="ctr"/>
+              <a:r>
+                <a:rPr lang="fr-FR" sz="700" b="1" noProof="1" smtClean="0">
+                  <a:latin typeface="Gadugi" panose="020B0502040204020203" pitchFamily="34" charset="0"/>
+                  <a:ea typeface="Gadugi" panose="020B0502040204020203" pitchFamily="34" charset="0"/>
+                  <a:cs typeface="Arial Rounded MT Bold" charset="0"/>
+                  <a:sym typeface="Wingdings" panose="05000000000000000000" pitchFamily="2" charset="2"/>
+                </a:rPr>
+                <a:t>protocol</a:t>
+              </a:r>
+              <a:endParaRPr lang="fr-FR" sz="700" b="1" noProof="1">
+                <a:latin typeface="Gadugi" panose="020B0502040204020203" pitchFamily="34" charset="0"/>
+                <a:ea typeface="Gadugi" panose="020B0502040204020203" pitchFamily="34" charset="0"/>
+                <a:cs typeface="Arial Rounded MT Bold" charset="0"/>
+              </a:endParaRPr>
+            </a:p>
+          </p:txBody>
+        </p:sp>
+        <p:pic>
+          <p:nvPicPr>
+            <p:cNvPr id="110" name="Picture 109"/>
+            <p:cNvPicPr>
+              <a:picLocks noChangeAspect="1"/>
+            </p:cNvPicPr>
+            <p:nvPr/>
+          </p:nvPicPr>
+          <p:blipFill>
+            <a:blip r:embed="rId2">
+              <a:extLst>
+                <a:ext uri="{28A0092B-C50C-407E-A947-70E740481C1C}">
+                  <a14:useLocalDpi xmlns:a14="http://schemas.microsoft.com/office/drawing/2010/main" val="0"/>
+                </a:ext>
+              </a:extLst>
+            </a:blip>
+            <a:stretch>
+              <a:fillRect/>
+            </a:stretch>
+          </p:blipFill>
+          <p:spPr>
+            <a:xfrm>
+              <a:off x="5234815" y="5343668"/>
+              <a:ext cx="413355" cy="94481"/>
+            </a:xfrm>
+            <a:prstGeom prst="rect">
+              <a:avLst/>
+            </a:prstGeom>
+          </p:spPr>
+        </p:pic>
+        <p:sp>
+          <p:nvSpPr>
+            <p:cNvPr id="111" name="Rectangle à coins arrondis 269">
+              <a:extLst>
+                <a:ext uri="{FF2B5EF4-FFF2-40B4-BE49-F238E27FC236}">
+                  <a16:creationId xmlns:a16="http://schemas.microsoft.com/office/drawing/2014/main" id="{0EBD748A-8AD9-2C46-89B4-4F6A71D46447}"/>
+                </a:ext>
+              </a:extLst>
+            </p:cNvPr>
+            <p:cNvSpPr/>
+            <p:nvPr/>
+          </p:nvSpPr>
+          <p:spPr>
+            <a:xfrm>
+              <a:off x="1858183" y="5537502"/>
+              <a:ext cx="460092" cy="245199"/>
+            </a:xfrm>
+            <a:prstGeom prst="roundRect">
+              <a:avLst/>
+            </a:prstGeom>
+            <a:solidFill>
+              <a:schemeClr val="accent1"/>
+            </a:solidFill>
+            <a:ln>
+              <a:noFill/>
+            </a:ln>
+          </p:spPr>
+          <p:style>
+            <a:lnRef idx="2">
+              <a:schemeClr val="accent1">
+                <a:shade val="50000"/>
+              </a:schemeClr>
+            </a:lnRef>
+            <a:fillRef idx="1">
+              <a:schemeClr val="accent1"/>
+            </a:fillRef>
+            <a:effectRef idx="0">
+              <a:schemeClr val="accent1"/>
+            </a:effectRef>
+            <a:fontRef idx="minor">
+              <a:schemeClr val="lt1"/>
+            </a:fontRef>
+          </p:style>
+          <p:txBody>
+            <a:bodyPr lIns="36000" rIns="36000" rtlCol="0" anchor="ctr"/>
+            <a:lstStyle/>
+            <a:p>
+              <a:pPr algn="ctr"/>
+              <a:r>
+                <a:rPr lang="fr-FR" sz="800" b="1" noProof="1" smtClean="0">
+                  <a:latin typeface="Consolas" panose="020B0609020204030204" pitchFamily="49" charset="0"/>
+                  <a:cs typeface="Consolas" panose="020B0609020204030204" pitchFamily="49" charset="0"/>
+                </a:rPr>
+                <a:t>tsecmg</a:t>
+              </a:r>
+              <a:endParaRPr lang="fr-FR" sz="800" b="1" noProof="1">
+                <a:latin typeface="Consolas" panose="020B0609020204030204" pitchFamily="49" charset="0"/>
+                <a:cs typeface="Consolas" panose="020B0609020204030204" pitchFamily="49" charset="0"/>
+              </a:endParaRPr>
+            </a:p>
+          </p:txBody>
+        </p:sp>
+        <p:sp>
+          <p:nvSpPr>
+            <p:cNvPr id="112" name="Rectangle à coins arrondis 269">
+              <a:extLst>
+                <a:ext uri="{FF2B5EF4-FFF2-40B4-BE49-F238E27FC236}">
+                  <a16:creationId xmlns:a16="http://schemas.microsoft.com/office/drawing/2014/main" id="{0EBD748A-8AD9-2C46-89B4-4F6A71D46447}"/>
+                </a:ext>
+              </a:extLst>
+            </p:cNvPr>
+            <p:cNvSpPr/>
+            <p:nvPr/>
+          </p:nvSpPr>
+          <p:spPr>
+            <a:xfrm>
+              <a:off x="2737363" y="5537503"/>
+              <a:ext cx="460092" cy="245199"/>
+            </a:xfrm>
+            <a:prstGeom prst="roundRect">
+              <a:avLst/>
+            </a:prstGeom>
+            <a:solidFill>
+              <a:schemeClr val="accent1"/>
+            </a:solidFill>
+            <a:ln>
+              <a:noFill/>
+            </a:ln>
+          </p:spPr>
+          <p:style>
+            <a:lnRef idx="2">
+              <a:schemeClr val="accent1">
+                <a:shade val="50000"/>
+              </a:schemeClr>
+            </a:lnRef>
+            <a:fillRef idx="1">
+              <a:schemeClr val="accent1"/>
+            </a:fillRef>
+            <a:effectRef idx="0">
+              <a:schemeClr val="accent1"/>
+            </a:effectRef>
+            <a:fontRef idx="minor">
+              <a:schemeClr val="lt1"/>
+            </a:fontRef>
+          </p:style>
+          <p:txBody>
+            <a:bodyPr lIns="36000" rIns="36000" rtlCol="0" anchor="ctr"/>
+            <a:lstStyle/>
+            <a:p>
+              <a:pPr algn="ctr"/>
+              <a:r>
+                <a:rPr lang="fr-FR" sz="800" b="1" noProof="1" smtClean="0">
+                  <a:latin typeface="Consolas" panose="020B0609020204030204" pitchFamily="49" charset="0"/>
+                  <a:cs typeface="Consolas" panose="020B0609020204030204" pitchFamily="49" charset="0"/>
+                </a:rPr>
+                <a:t>tsemmg</a:t>
+              </a:r>
+              <a:endParaRPr lang="fr-FR" sz="800" b="1" noProof="1">
+                <a:latin typeface="Consolas" panose="020B0609020204030204" pitchFamily="49" charset="0"/>
+                <a:cs typeface="Consolas" panose="020B0609020204030204" pitchFamily="49" charset="0"/>
+              </a:endParaRPr>
+            </a:p>
+          </p:txBody>
+        </p:sp>
+        <p:cxnSp>
+          <p:nvCxnSpPr>
+            <p:cNvPr id="115" name="Connecteur droit avec flèche 272">
+              <a:extLst>
+                <a:ext uri="{FF2B5EF4-FFF2-40B4-BE49-F238E27FC236}">
+                  <a16:creationId xmlns:a16="http://schemas.microsoft.com/office/drawing/2014/main" id="{917022DD-9C4E-8C4F-8EF4-DC025172FC05}"/>
+                </a:ext>
+              </a:extLst>
+            </p:cNvPr>
+            <p:cNvCxnSpPr>
+              <a:stCxn id="117" idx="2"/>
+              <a:endCxn id="111" idx="0"/>
+            </p:cNvCxnSpPr>
+            <p:nvPr/>
+          </p:nvCxnSpPr>
+          <p:spPr>
+            <a:xfrm>
+              <a:off x="2088229" y="5283071"/>
+              <a:ext cx="0" cy="254431"/>
+            </a:xfrm>
+            <a:prstGeom prst="straightConnector1">
+              <a:avLst/>
+            </a:prstGeom>
+            <a:ln w="19050">
+              <a:solidFill>
+                <a:schemeClr val="tx1"/>
+              </a:solidFill>
+              <a:prstDash val="sysDash"/>
+              <a:tailEnd type="triangle"/>
+            </a:ln>
+          </p:spPr>
+          <p:style>
+            <a:lnRef idx="1">
+              <a:schemeClr val="accent1"/>
+            </a:lnRef>
+            <a:fillRef idx="0">
+              <a:schemeClr val="accent1"/>
+            </a:fillRef>
+            <a:effectRef idx="0">
+              <a:schemeClr val="accent1"/>
+            </a:effectRef>
+            <a:fontRef idx="minor">
+              <a:schemeClr val="tx1"/>
+            </a:fontRef>
+          </p:style>
+        </p:cxnSp>
+        <p:cxnSp>
+          <p:nvCxnSpPr>
+            <p:cNvPr id="116" name="Connecteur droit avec flèche 272">
+              <a:extLst>
+                <a:ext uri="{FF2B5EF4-FFF2-40B4-BE49-F238E27FC236}">
+                  <a16:creationId xmlns:a16="http://schemas.microsoft.com/office/drawing/2014/main" id="{917022DD-9C4E-8C4F-8EF4-DC025172FC05}"/>
+                </a:ext>
+              </a:extLst>
+            </p:cNvPr>
+            <p:cNvCxnSpPr>
+              <a:stCxn id="112" idx="0"/>
+              <a:endCxn id="109" idx="2"/>
+            </p:cNvCxnSpPr>
+            <p:nvPr/>
+          </p:nvCxnSpPr>
+          <p:spPr>
+            <a:xfrm flipV="1">
+              <a:off x="2967409" y="5285281"/>
+              <a:ext cx="2050" cy="252222"/>
+            </a:xfrm>
+            <a:prstGeom prst="straightConnector1">
+              <a:avLst/>
+            </a:prstGeom>
+            <a:ln w="19050">
+              <a:solidFill>
+                <a:schemeClr val="tx1"/>
+              </a:solidFill>
+              <a:prstDash val="sysDash"/>
+              <a:tailEnd type="triangle"/>
+            </a:ln>
+          </p:spPr>
+          <p:style>
+            <a:lnRef idx="1">
+              <a:schemeClr val="accent1"/>
+            </a:lnRef>
+            <a:fillRef idx="0">
+              <a:schemeClr val="accent1"/>
+            </a:fillRef>
+            <a:effectRef idx="0">
+              <a:schemeClr val="accent1"/>
+            </a:effectRef>
+            <a:fontRef idx="minor">
+              <a:schemeClr val="tx1"/>
+            </a:fontRef>
+          </p:style>
+        </p:cxnSp>
+        <p:sp>
+          <p:nvSpPr>
+            <p:cNvPr id="117" name="ZoneTexte 278">
+              <a:extLst>
+                <a:ext uri="{FF2B5EF4-FFF2-40B4-BE49-F238E27FC236}">
+                  <a16:creationId xmlns:a16="http://schemas.microsoft.com/office/drawing/2014/main" id="{CA252A1D-16B0-9A4A-89F5-1189E8A73A99}"/>
+                </a:ext>
+              </a:extLst>
+            </p:cNvPr>
+            <p:cNvSpPr txBox="1"/>
+            <p:nvPr/>
+          </p:nvSpPr>
+          <p:spPr>
+            <a:xfrm>
+              <a:off x="1757304" y="5030694"/>
+              <a:ext cx="661850" cy="252377"/>
+            </a:xfrm>
+            <a:prstGeom prst="rect">
+              <a:avLst/>
+            </a:prstGeom>
+            <a:noFill/>
+          </p:spPr>
+          <p:txBody>
+            <a:bodyPr wrap="square" lIns="0" tIns="18288" rIns="0" bIns="18288" rtlCol="0">
+              <a:spAutoFit/>
+            </a:bodyPr>
+            <a:lstStyle>
+              <a:defPPr>
+                <a:defRPr lang="fr-FR"/>
+              </a:defPPr>
+              <a:lvl1pPr algn="ctr">
+                <a:defRPr sz="700" b="1">
+                  <a:latin typeface="Gadugi" panose="020B0502040204020203" pitchFamily="34" charset="0"/>
+                  <a:ea typeface="Gadugi" panose="020B0502040204020203" pitchFamily="34" charset="0"/>
+                  <a:cs typeface="Arial Rounded MT Bold" charset="0"/>
+                </a:defRPr>
+              </a:lvl1pPr>
+            </a:lstStyle>
+            <a:p>
+              <a:r>
+                <a:rPr lang="fr-FR" noProof="1"/>
+                <a:t>ECMG </a:t>
+              </a:r>
+              <a:r>
+                <a:rPr lang="fr-FR" noProof="1">
+                  <a:sym typeface="Wingdings" panose="05000000000000000000" pitchFamily="2" charset="2"/>
+                </a:rPr>
+                <a:t> SCS</a:t>
+              </a:r>
+            </a:p>
+            <a:p>
+              <a:r>
+                <a:rPr lang="fr-FR" noProof="1">
+                  <a:sym typeface="Wingdings" panose="05000000000000000000" pitchFamily="2" charset="2"/>
+                </a:rPr>
+                <a:t>protocol</a:t>
+              </a:r>
+              <a:endParaRPr lang="fr-FR" noProof="1"/>
+            </a:p>
+          </p:txBody>
+        </p:sp>
+        <p:sp>
+          <p:nvSpPr>
+            <p:cNvPr id="118" name="Rectangle à coins arrondis 268">
+              <a:extLst>
+                <a:ext uri="{FF2B5EF4-FFF2-40B4-BE49-F238E27FC236}">
+                  <a16:creationId xmlns:a16="http://schemas.microsoft.com/office/drawing/2014/main" id="{207176EF-D58B-9F42-B51F-EDF84066C434}"/>
+                </a:ext>
+              </a:extLst>
+            </p:cNvPr>
+            <p:cNvSpPr/>
+            <p:nvPr/>
+          </p:nvSpPr>
+          <p:spPr>
+            <a:xfrm>
+              <a:off x="3764072" y="4786216"/>
+              <a:ext cx="1884098" cy="501844"/>
+            </a:xfrm>
+            <a:prstGeom prst="roundRect">
+              <a:avLst>
+                <a:gd name="adj" fmla="val 3969"/>
+              </a:avLst>
+            </a:prstGeom>
+            <a:solidFill>
+              <a:schemeClr val="accent6"/>
+            </a:solidFill>
+            <a:ln>
+              <a:noFill/>
+            </a:ln>
+          </p:spPr>
+          <p:style>
+            <a:lnRef idx="2">
+              <a:schemeClr val="accent1">
+                <a:shade val="50000"/>
+              </a:schemeClr>
+            </a:lnRef>
+            <a:fillRef idx="1">
+              <a:schemeClr val="accent1"/>
+            </a:fillRef>
+            <a:effectRef idx="0">
+              <a:schemeClr val="accent1"/>
+            </a:effectRef>
+            <a:fontRef idx="minor">
+              <a:schemeClr val="lt1"/>
+            </a:fontRef>
+          </p:style>
+          <p:txBody>
+            <a:bodyPr tIns="0" rtlCol="0" anchor="t" anchorCtr="0"/>
+            <a:lstStyle/>
+            <a:p>
+              <a:pPr algn="ctr"/>
+              <a:r>
+                <a:rPr lang="fr-FR" sz="900" b="1" noProof="1">
+                  <a:solidFill>
+                    <a:schemeClr val="tx1"/>
+                  </a:solidFill>
+                  <a:latin typeface="Gadugi" panose="020B0502040204020203" pitchFamily="34" charset="0"/>
+                  <a:ea typeface="Gadugi" panose="020B0502040204020203" pitchFamily="34" charset="0"/>
+                  <a:cs typeface="Arial Rounded MT Bold" charset="0"/>
+                </a:rPr>
+                <a:t>tsp</a:t>
+              </a:r>
+              <a:endParaRPr lang="fr-FR" sz="800" b="1" noProof="1">
+                <a:solidFill>
+                  <a:schemeClr val="tx1"/>
+                </a:solidFill>
+                <a:latin typeface="Gadugi" panose="020B0502040204020203" pitchFamily="34" charset="0"/>
+                <a:ea typeface="Gadugi" panose="020B0502040204020203" pitchFamily="34" charset="0"/>
+                <a:cs typeface="Arial Rounded MT Bold" charset="0"/>
+              </a:endParaRPr>
+            </a:p>
+          </p:txBody>
+        </p:sp>
+        <p:sp>
+          <p:nvSpPr>
+            <p:cNvPr id="119" name="Rectangle à coins arrondis 269">
+              <a:extLst>
+                <a:ext uri="{FF2B5EF4-FFF2-40B4-BE49-F238E27FC236}">
+                  <a16:creationId xmlns:a16="http://schemas.microsoft.com/office/drawing/2014/main" id="{0EBD748A-8AD9-2C46-89B4-4F6A71D46447}"/>
+                </a:ext>
+              </a:extLst>
+            </p:cNvPr>
+            <p:cNvSpPr/>
+            <p:nvPr/>
+          </p:nvSpPr>
+          <p:spPr>
+            <a:xfrm>
+              <a:off x="3860117" y="4965963"/>
+              <a:ext cx="285681" cy="245199"/>
+            </a:xfrm>
+            <a:prstGeom prst="roundRect">
+              <a:avLst/>
+            </a:prstGeom>
+            <a:solidFill>
+              <a:schemeClr val="accent1"/>
+            </a:solidFill>
+            <a:ln>
+              <a:noFill/>
+            </a:ln>
+          </p:spPr>
+          <p:style>
+            <a:lnRef idx="2">
+              <a:schemeClr val="accent1">
+                <a:shade val="50000"/>
+              </a:schemeClr>
+            </a:lnRef>
+            <a:fillRef idx="1">
+              <a:schemeClr val="accent1"/>
+            </a:fillRef>
+            <a:effectRef idx="0">
+              <a:schemeClr val="accent1"/>
+            </a:effectRef>
+            <a:fontRef idx="minor">
+              <a:schemeClr val="lt1"/>
+            </a:fontRef>
+          </p:style>
+          <p:txBody>
+            <a:bodyPr lIns="36000" rIns="36000" rtlCol="0" anchor="ctr"/>
+            <a:lstStyle/>
+            <a:p>
+              <a:pPr algn="ctr"/>
+              <a:r>
+                <a:rPr lang="fr-FR" sz="800" b="1" noProof="1" smtClean="0">
+                  <a:latin typeface="Consolas" panose="020B0609020204030204" pitchFamily="49" charset="0"/>
+                  <a:cs typeface="Consolas" panose="020B0609020204030204" pitchFamily="49" charset="0"/>
+                </a:rPr>
+                <a:t>ip</a:t>
+              </a:r>
+              <a:endParaRPr lang="fr-FR" sz="800" b="1" noProof="1">
+                <a:latin typeface="Consolas" panose="020B0609020204030204" pitchFamily="49" charset="0"/>
+                <a:cs typeface="Consolas" panose="020B0609020204030204" pitchFamily="49" charset="0"/>
+              </a:endParaRPr>
+            </a:p>
+          </p:txBody>
+        </p:sp>
+        <p:sp>
+          <p:nvSpPr>
+            <p:cNvPr id="120" name="Rectangle à coins arrondis 270">
+              <a:extLst>
+                <a:ext uri="{FF2B5EF4-FFF2-40B4-BE49-F238E27FC236}">
+                  <a16:creationId xmlns:a16="http://schemas.microsoft.com/office/drawing/2014/main" id="{FF06C02C-F215-8D4F-A8E5-8095AD1B4B48}"/>
+                </a:ext>
+              </a:extLst>
+            </p:cNvPr>
+            <p:cNvSpPr/>
+            <p:nvPr/>
+          </p:nvSpPr>
+          <p:spPr>
+            <a:xfrm>
+              <a:off x="4284361" y="4965963"/>
+              <a:ext cx="740982" cy="245199"/>
+            </a:xfrm>
+            <a:prstGeom prst="roundRect">
+              <a:avLst/>
+            </a:prstGeom>
+            <a:solidFill>
+              <a:schemeClr val="accent1"/>
+            </a:solidFill>
+            <a:ln>
+              <a:noFill/>
+            </a:ln>
+          </p:spPr>
+          <p:style>
+            <a:lnRef idx="2">
+              <a:schemeClr val="accent1">
+                <a:shade val="50000"/>
+              </a:schemeClr>
+            </a:lnRef>
+            <a:fillRef idx="1">
+              <a:schemeClr val="accent1"/>
+            </a:fillRef>
+            <a:effectRef idx="0">
+              <a:schemeClr val="accent1"/>
+            </a:effectRef>
+            <a:fontRef idx="minor">
+              <a:schemeClr val="lt1"/>
+            </a:fontRef>
+          </p:style>
+          <p:txBody>
+            <a:bodyPr lIns="0" rIns="0" rtlCol="0" anchor="ctr"/>
+            <a:lstStyle/>
+            <a:p>
+              <a:pPr algn="ctr"/>
+              <a:r>
+                <a:rPr lang="fr-FR" sz="800" b="1" noProof="1" smtClean="0">
+                  <a:latin typeface="Consolas" panose="020B0609020204030204" pitchFamily="49" charset="0"/>
+                  <a:cs typeface="Consolas" panose="020B0609020204030204" pitchFamily="49" charset="0"/>
+                </a:rPr>
+                <a:t>descrambler</a:t>
+              </a:r>
+              <a:endParaRPr lang="fr-FR" sz="800" b="1" noProof="1">
+                <a:latin typeface="Consolas" panose="020B0609020204030204" pitchFamily="49" charset="0"/>
+                <a:cs typeface="Consolas" panose="020B0609020204030204" pitchFamily="49" charset="0"/>
+              </a:endParaRPr>
+            </a:p>
+          </p:txBody>
+        </p:sp>
+        <p:sp>
+          <p:nvSpPr>
+            <p:cNvPr id="121" name="Rectangle à coins arrondis 271">
+              <a:extLst>
+                <a:ext uri="{FF2B5EF4-FFF2-40B4-BE49-F238E27FC236}">
+                  <a16:creationId xmlns:a16="http://schemas.microsoft.com/office/drawing/2014/main" id="{DC06761C-E5D6-8C40-8FE7-6EAC716FC474}"/>
+                </a:ext>
+              </a:extLst>
+            </p:cNvPr>
+            <p:cNvSpPr/>
+            <p:nvPr/>
+          </p:nvSpPr>
+          <p:spPr>
+            <a:xfrm>
+              <a:off x="5163905" y="4965963"/>
+              <a:ext cx="386128" cy="245199"/>
+            </a:xfrm>
+            <a:prstGeom prst="roundRect">
+              <a:avLst/>
+            </a:prstGeom>
+            <a:solidFill>
+              <a:schemeClr val="accent1"/>
+            </a:solidFill>
+            <a:ln>
+              <a:noFill/>
+            </a:ln>
+          </p:spPr>
+          <p:style>
+            <a:lnRef idx="2">
+              <a:schemeClr val="accent1">
+                <a:shade val="50000"/>
+              </a:schemeClr>
+            </a:lnRef>
+            <a:fillRef idx="1">
+              <a:schemeClr val="accent1"/>
+            </a:fillRef>
+            <a:effectRef idx="0">
+              <a:schemeClr val="accent1"/>
+            </a:effectRef>
+            <a:fontRef idx="minor">
+              <a:schemeClr val="lt1"/>
+            </a:fontRef>
+          </p:style>
+          <p:txBody>
+            <a:bodyPr lIns="0" rIns="0" rtlCol="0" anchor="ctr"/>
+            <a:lstStyle/>
+            <a:p>
+              <a:pPr algn="ctr"/>
+              <a:r>
+                <a:rPr lang="fr-FR" sz="800" b="1" noProof="1" smtClean="0">
+                  <a:latin typeface="Consolas" panose="020B0609020204030204" pitchFamily="49" charset="0"/>
+                  <a:ea typeface="Arial Rounded MT Bold" charset="0"/>
+                  <a:cs typeface="Consolas" panose="020B0609020204030204" pitchFamily="49" charset="0"/>
+                </a:rPr>
+                <a:t>play</a:t>
+              </a:r>
+              <a:endParaRPr lang="fr-FR" sz="800" i="1" noProof="1">
+                <a:latin typeface="Cambria" panose="02040503050406030204" pitchFamily="18" charset="0"/>
+                <a:ea typeface="Arial Rounded MT Bold" charset="0"/>
+                <a:cs typeface="Arial Rounded MT Bold" charset="0"/>
+              </a:endParaRPr>
+            </a:p>
+          </p:txBody>
+        </p:sp>
+        <p:cxnSp>
+          <p:nvCxnSpPr>
+            <p:cNvPr id="122" name="Connecteur droit avec flèche 272">
+              <a:extLst>
+                <a:ext uri="{FF2B5EF4-FFF2-40B4-BE49-F238E27FC236}">
+                  <a16:creationId xmlns:a16="http://schemas.microsoft.com/office/drawing/2014/main" id="{917022DD-9C4E-8C4F-8EF4-DC025172FC05}"/>
+                </a:ext>
+              </a:extLst>
+            </p:cNvPr>
+            <p:cNvCxnSpPr>
+              <a:stCxn id="119" idx="3"/>
+              <a:endCxn id="120" idx="1"/>
+            </p:cNvCxnSpPr>
+            <p:nvPr/>
+          </p:nvCxnSpPr>
+          <p:spPr>
+            <a:xfrm>
+              <a:off x="4145798" y="5088563"/>
+              <a:ext cx="138563" cy="0"/>
+            </a:xfrm>
+            <a:prstGeom prst="straightConnector1">
+              <a:avLst/>
+            </a:prstGeom>
+            <a:ln w="19050">
+              <a:solidFill>
+                <a:schemeClr val="tx1"/>
+              </a:solidFill>
+              <a:prstDash val="sysDash"/>
+              <a:tailEnd type="triangle"/>
+            </a:ln>
+          </p:spPr>
+          <p:style>
+            <a:lnRef idx="1">
+              <a:schemeClr val="accent1"/>
+            </a:lnRef>
+            <a:fillRef idx="0">
+              <a:schemeClr val="accent1"/>
+            </a:fillRef>
+            <a:effectRef idx="0">
+              <a:schemeClr val="accent1"/>
+            </a:effectRef>
+            <a:fontRef idx="minor">
+              <a:schemeClr val="tx1"/>
+            </a:fontRef>
+          </p:style>
+        </p:cxnSp>
+        <p:cxnSp>
+          <p:nvCxnSpPr>
+            <p:cNvPr id="123" name="Connecteur droit avec flèche 273">
+              <a:extLst>
+                <a:ext uri="{FF2B5EF4-FFF2-40B4-BE49-F238E27FC236}">
+                  <a16:creationId xmlns:a16="http://schemas.microsoft.com/office/drawing/2014/main" id="{C8A7163D-1B73-8544-BEB6-5055C4559C5C}"/>
+                </a:ext>
+              </a:extLst>
+            </p:cNvPr>
+            <p:cNvCxnSpPr>
+              <a:cxnSpLocks/>
+              <a:stCxn id="120" idx="3"/>
+              <a:endCxn id="121" idx="1"/>
+            </p:cNvCxnSpPr>
+            <p:nvPr/>
+          </p:nvCxnSpPr>
+          <p:spPr>
+            <a:xfrm>
+              <a:off x="5025343" y="5088563"/>
+              <a:ext cx="138562" cy="0"/>
+            </a:xfrm>
+            <a:prstGeom prst="straightConnector1">
+              <a:avLst/>
+            </a:prstGeom>
+            <a:ln w="19050">
+              <a:solidFill>
+                <a:schemeClr val="tx1"/>
+              </a:solidFill>
+              <a:prstDash val="sysDash"/>
+              <a:tailEnd type="triangle"/>
+            </a:ln>
+          </p:spPr>
+          <p:style>
+            <a:lnRef idx="1">
+              <a:schemeClr val="accent1"/>
+            </a:lnRef>
+            <a:fillRef idx="0">
+              <a:schemeClr val="accent1"/>
+            </a:fillRef>
+            <a:effectRef idx="0">
+              <a:schemeClr val="accent1"/>
+            </a:effectRef>
+            <a:fontRef idx="minor">
+              <a:schemeClr val="tx1"/>
+            </a:fontRef>
+          </p:style>
+        </p:cxnSp>
+        <p:cxnSp>
+          <p:nvCxnSpPr>
+            <p:cNvPr id="114" name="Connecteur droit avec flèche 276">
+              <a:extLst>
+                <a:ext uri="{FF2B5EF4-FFF2-40B4-BE49-F238E27FC236}">
+                  <a16:creationId xmlns:a16="http://schemas.microsoft.com/office/drawing/2014/main" id="{51025ACC-3151-1E4B-AB8E-659FC8729762}"/>
+                </a:ext>
+              </a:extLst>
+            </p:cNvPr>
+            <p:cNvCxnSpPr>
+              <a:cxnSpLocks/>
+              <a:endCxn id="119" idx="1"/>
+            </p:cNvCxnSpPr>
+            <p:nvPr/>
+          </p:nvCxnSpPr>
+          <p:spPr>
+            <a:xfrm flipV="1">
+              <a:off x="3616125" y="5088563"/>
+              <a:ext cx="243992" cy="5470"/>
+            </a:xfrm>
+            <a:prstGeom prst="straightConnector1">
+              <a:avLst/>
+            </a:prstGeom>
+            <a:ln w="19050">
+              <a:solidFill>
+                <a:schemeClr val="tx1"/>
+              </a:solidFill>
+              <a:prstDash val="sysDash"/>
+              <a:tailEnd type="triangle"/>
+            </a:ln>
+          </p:spPr>
+          <p:style>
+            <a:lnRef idx="1">
+              <a:schemeClr val="accent1"/>
+            </a:lnRef>
+            <a:fillRef idx="0">
+              <a:schemeClr val="accent1"/>
+            </a:fillRef>
+            <a:effectRef idx="0">
+              <a:schemeClr val="accent1"/>
+            </a:effectRef>
+            <a:fontRef idx="minor">
+              <a:schemeClr val="tx1"/>
+            </a:fontRef>
+          </p:style>
+        </p:cxnSp>
+      </p:grpSp>
+      <p:grpSp>
+        <p:nvGrpSpPr>
+          <p:cNvPr id="4" name="Group 3"/>
+          <p:cNvGrpSpPr/>
+          <p:nvPr/>
+        </p:nvGrpSpPr>
+        <p:grpSpPr>
+          <a:xfrm>
+            <a:off x="597257" y="6442535"/>
+            <a:ext cx="5173846" cy="1415037"/>
+            <a:chOff x="597257" y="6442535"/>
+            <a:chExt cx="5173846" cy="1415037"/>
+          </a:xfrm>
+        </p:grpSpPr>
+        <p:sp>
+          <p:nvSpPr>
+            <p:cNvPr id="67" name="Rectangle à coins arrondis 268">
+              <a:extLst>
+                <a:ext uri="{FF2B5EF4-FFF2-40B4-BE49-F238E27FC236}">
+                  <a16:creationId xmlns:a16="http://schemas.microsoft.com/office/drawing/2014/main" id="{207176EF-D58B-9F42-B51F-EDF84066C434}"/>
+                </a:ext>
+              </a:extLst>
+            </p:cNvPr>
+            <p:cNvSpPr/>
+            <p:nvPr/>
+          </p:nvSpPr>
+          <p:spPr>
+            <a:xfrm>
+              <a:off x="1146328" y="6672027"/>
+              <a:ext cx="4624775" cy="501844"/>
+            </a:xfrm>
+            <a:prstGeom prst="roundRect">
+              <a:avLst>
+                <a:gd name="adj" fmla="val 3969"/>
+              </a:avLst>
+            </a:prstGeom>
+            <a:solidFill>
+              <a:schemeClr val="accent6"/>
+            </a:solidFill>
+            <a:ln>
+              <a:noFill/>
+            </a:ln>
+          </p:spPr>
+          <p:style>
+            <a:lnRef idx="2">
+              <a:schemeClr val="accent1">
+                <a:shade val="50000"/>
+              </a:schemeClr>
+            </a:lnRef>
+            <a:fillRef idx="1">
+              <a:schemeClr val="accent1"/>
+            </a:fillRef>
+            <a:effectRef idx="0">
+              <a:schemeClr val="accent1"/>
+            </a:effectRef>
+            <a:fontRef idx="minor">
+              <a:schemeClr val="lt1"/>
+            </a:fontRef>
+          </p:style>
+          <p:txBody>
+            <a:bodyPr tIns="0" rtlCol="0" anchor="t" anchorCtr="0"/>
+            <a:lstStyle/>
+            <a:p>
+              <a:pPr algn="ctr"/>
+              <a:r>
+                <a:rPr lang="fr-FR" sz="900" b="1" noProof="1">
+                  <a:solidFill>
+                    <a:schemeClr val="tx1"/>
+                  </a:solidFill>
+                  <a:latin typeface="Gadugi" panose="020B0502040204020203" pitchFamily="34" charset="0"/>
+                  <a:ea typeface="Gadugi" panose="020B0502040204020203" pitchFamily="34" charset="0"/>
+                  <a:cs typeface="Arial Rounded MT Bold" charset="0"/>
+                </a:rPr>
+                <a:t>tsp</a:t>
+              </a:r>
+              <a:endParaRPr lang="fr-FR" sz="800" b="1" noProof="1">
+                <a:solidFill>
+                  <a:schemeClr val="tx1"/>
+                </a:solidFill>
+                <a:latin typeface="Gadugi" panose="020B0502040204020203" pitchFamily="34" charset="0"/>
+                <a:ea typeface="Gadugi" panose="020B0502040204020203" pitchFamily="34" charset="0"/>
+                <a:cs typeface="Arial Rounded MT Bold" charset="0"/>
+              </a:endParaRPr>
+            </a:p>
+          </p:txBody>
+        </p:sp>
+        <p:sp>
+          <p:nvSpPr>
+            <p:cNvPr id="68" name="Rectangle à coins arrondis 269">
+              <a:extLst>
+                <a:ext uri="{FF2B5EF4-FFF2-40B4-BE49-F238E27FC236}">
+                  <a16:creationId xmlns:a16="http://schemas.microsoft.com/office/drawing/2014/main" id="{0EBD748A-8AD9-2C46-89B4-4F6A71D46447}"/>
+                </a:ext>
+              </a:extLst>
+            </p:cNvPr>
+            <p:cNvSpPr/>
+            <p:nvPr/>
+          </p:nvSpPr>
+          <p:spPr>
+            <a:xfrm>
+              <a:off x="1268433" y="6853180"/>
+              <a:ext cx="314249" cy="245199"/>
+            </a:xfrm>
+            <a:prstGeom prst="roundRect">
+              <a:avLst/>
+            </a:prstGeom>
+            <a:solidFill>
+              <a:schemeClr val="accent1"/>
+            </a:solidFill>
+            <a:ln>
+              <a:noFill/>
+            </a:ln>
+          </p:spPr>
+          <p:style>
+            <a:lnRef idx="2">
+              <a:schemeClr val="accent1">
+                <a:shade val="50000"/>
+              </a:schemeClr>
+            </a:lnRef>
+            <a:fillRef idx="1">
+              <a:schemeClr val="accent1"/>
+            </a:fillRef>
+            <a:effectRef idx="0">
+              <a:schemeClr val="accent1"/>
+            </a:effectRef>
+            <a:fontRef idx="minor">
+              <a:schemeClr val="lt1"/>
+            </a:fontRef>
+          </p:style>
+          <p:txBody>
+            <a:bodyPr lIns="0" rIns="0" rtlCol="0" anchor="ctr"/>
+            <a:lstStyle/>
+            <a:p>
+              <a:pPr algn="ctr"/>
+              <a:r>
+                <a:rPr lang="fr-FR" sz="800" b="1" noProof="1" smtClean="0">
+                  <a:latin typeface="Consolas" panose="020B0609020204030204" pitchFamily="49" charset="0"/>
+                  <a:cs typeface="Consolas" panose="020B0609020204030204" pitchFamily="49" charset="0"/>
+                </a:rPr>
+                <a:t>file</a:t>
+              </a:r>
+              <a:endParaRPr lang="fr-FR" sz="800" b="1" noProof="1">
+                <a:latin typeface="Consolas" panose="020B0609020204030204" pitchFamily="49" charset="0"/>
+                <a:cs typeface="Consolas" panose="020B0609020204030204" pitchFamily="49" charset="0"/>
+              </a:endParaRPr>
+            </a:p>
+          </p:txBody>
+        </p:sp>
+        <p:sp>
+          <p:nvSpPr>
+            <p:cNvPr id="70" name="Rectangle à coins arrondis 270">
+              <a:extLst>
+                <a:ext uri="{FF2B5EF4-FFF2-40B4-BE49-F238E27FC236}">
+                  <a16:creationId xmlns:a16="http://schemas.microsoft.com/office/drawing/2014/main" id="{FF06C02C-F215-8D4F-A8E5-8095AD1B4B48}"/>
+                </a:ext>
+              </a:extLst>
+            </p:cNvPr>
+            <p:cNvSpPr/>
+            <p:nvPr/>
+          </p:nvSpPr>
+          <p:spPr>
+            <a:xfrm>
+              <a:off x="2371845" y="6853180"/>
+              <a:ext cx="612382" cy="245199"/>
+            </a:xfrm>
+            <a:prstGeom prst="roundRect">
+              <a:avLst/>
+            </a:prstGeom>
+            <a:solidFill>
+              <a:schemeClr val="accent1"/>
+            </a:solidFill>
+            <a:ln>
+              <a:noFill/>
+            </a:ln>
+          </p:spPr>
+          <p:style>
+            <a:lnRef idx="2">
+              <a:schemeClr val="accent1">
+                <a:shade val="50000"/>
+              </a:schemeClr>
+            </a:lnRef>
+            <a:fillRef idx="1">
+              <a:schemeClr val="accent1"/>
+            </a:fillRef>
+            <a:effectRef idx="0">
+              <a:schemeClr val="accent1"/>
+            </a:effectRef>
+            <a:fontRef idx="minor">
+              <a:schemeClr val="lt1"/>
+            </a:fontRef>
+          </p:style>
+          <p:txBody>
+            <a:bodyPr lIns="0" rIns="0" rtlCol="0" anchor="ctr"/>
+            <a:lstStyle/>
+            <a:p>
+              <a:pPr algn="ctr"/>
+              <a:r>
+                <a:rPr lang="fr-FR" sz="800" b="1" noProof="1" smtClean="0">
+                  <a:latin typeface="Consolas" panose="020B0609020204030204" pitchFamily="49" charset="0"/>
+                  <a:cs typeface="Consolas" panose="020B0609020204030204" pitchFamily="49" charset="0"/>
+                </a:rPr>
+                <a:t>scrambler</a:t>
+              </a:r>
+              <a:endParaRPr lang="fr-FR" sz="800" b="1" noProof="1">
+                <a:latin typeface="Consolas" panose="020B0609020204030204" pitchFamily="49" charset="0"/>
+                <a:cs typeface="Consolas" panose="020B0609020204030204" pitchFamily="49" charset="0"/>
+              </a:endParaRPr>
+            </a:p>
+          </p:txBody>
+        </p:sp>
+        <p:cxnSp>
+          <p:nvCxnSpPr>
+            <p:cNvPr id="71" name="Connecteur droit avec flèche 272">
+              <a:extLst>
+                <a:ext uri="{FF2B5EF4-FFF2-40B4-BE49-F238E27FC236}">
+                  <a16:creationId xmlns:a16="http://schemas.microsoft.com/office/drawing/2014/main" id="{917022DD-9C4E-8C4F-8EF4-DC025172FC05}"/>
+                </a:ext>
+              </a:extLst>
+            </p:cNvPr>
+            <p:cNvCxnSpPr/>
+            <p:nvPr/>
+          </p:nvCxnSpPr>
+          <p:spPr>
+            <a:xfrm flipV="1">
+              <a:off x="1582682" y="6974886"/>
+              <a:ext cx="141198" cy="1787"/>
+            </a:xfrm>
+            <a:prstGeom prst="straightConnector1">
+              <a:avLst/>
+            </a:prstGeom>
+            <a:ln w="19050">
+              <a:solidFill>
+                <a:schemeClr val="tx1"/>
+              </a:solidFill>
+              <a:prstDash val="sysDash"/>
+              <a:tailEnd type="triangle"/>
+            </a:ln>
+          </p:spPr>
+          <p:style>
+            <a:lnRef idx="1">
+              <a:schemeClr val="accent1"/>
+            </a:lnRef>
+            <a:fillRef idx="0">
+              <a:schemeClr val="accent1"/>
+            </a:fillRef>
+            <a:effectRef idx="0">
+              <a:schemeClr val="accent1"/>
+            </a:effectRef>
+            <a:fontRef idx="minor">
+              <a:schemeClr val="tx1"/>
+            </a:fontRef>
+          </p:style>
+        </p:cxnSp>
+        <p:cxnSp>
+          <p:nvCxnSpPr>
+            <p:cNvPr id="73" name="Connecteur droit avec flèche 273">
+              <a:extLst>
+                <a:ext uri="{FF2B5EF4-FFF2-40B4-BE49-F238E27FC236}">
+                  <a16:creationId xmlns:a16="http://schemas.microsoft.com/office/drawing/2014/main" id="{C8A7163D-1B73-8544-BEB6-5055C4559C5C}"/>
+                </a:ext>
+              </a:extLst>
+            </p:cNvPr>
+            <p:cNvCxnSpPr>
+              <a:cxnSpLocks/>
+            </p:cNvCxnSpPr>
+            <p:nvPr/>
+          </p:nvCxnSpPr>
+          <p:spPr>
+            <a:xfrm flipV="1">
+              <a:off x="2984227" y="6975076"/>
+              <a:ext cx="141760" cy="1406"/>
+            </a:xfrm>
+            <a:prstGeom prst="straightConnector1">
+              <a:avLst/>
+            </a:prstGeom>
+            <a:ln w="19050">
+              <a:solidFill>
+                <a:schemeClr val="tx1"/>
+              </a:solidFill>
+              <a:prstDash val="sysDash"/>
+              <a:tailEnd type="triangle"/>
+            </a:ln>
+          </p:spPr>
+          <p:style>
+            <a:lnRef idx="1">
+              <a:schemeClr val="accent1"/>
+            </a:lnRef>
+            <a:fillRef idx="0">
+              <a:schemeClr val="accent1"/>
+            </a:fillRef>
+            <a:effectRef idx="0">
+              <a:schemeClr val="accent1"/>
+            </a:effectRef>
+            <a:fontRef idx="minor">
+              <a:schemeClr val="tx1"/>
+            </a:fontRef>
+          </p:style>
+        </p:cxnSp>
+        <p:cxnSp>
+          <p:nvCxnSpPr>
+            <p:cNvPr id="74" name="Connecteur droit avec flèche 274">
+              <a:extLst>
+                <a:ext uri="{FF2B5EF4-FFF2-40B4-BE49-F238E27FC236}">
+                  <a16:creationId xmlns:a16="http://schemas.microsoft.com/office/drawing/2014/main" id="{0EB21763-B322-DA48-835F-2AC58953056D}"/>
+                </a:ext>
+              </a:extLst>
+            </p:cNvPr>
+            <p:cNvCxnSpPr>
+              <a:cxnSpLocks/>
+              <a:stCxn id="104" idx="4"/>
+              <a:endCxn id="68" idx="1"/>
+            </p:cNvCxnSpPr>
+            <p:nvPr/>
+          </p:nvCxnSpPr>
+          <p:spPr>
+            <a:xfrm>
+              <a:off x="979945" y="6974374"/>
+              <a:ext cx="288488" cy="1406"/>
+            </a:xfrm>
+            <a:prstGeom prst="straightConnector1">
+              <a:avLst/>
+            </a:prstGeom>
+            <a:ln w="19050">
+              <a:solidFill>
+                <a:schemeClr val="tx1"/>
+              </a:solidFill>
+              <a:prstDash val="sysDash"/>
+              <a:tailEnd type="triangle"/>
+            </a:ln>
+          </p:spPr>
+          <p:style>
+            <a:lnRef idx="1">
+              <a:schemeClr val="accent1"/>
+            </a:lnRef>
+            <a:fillRef idx="0">
+              <a:schemeClr val="accent1"/>
+            </a:fillRef>
+            <a:effectRef idx="0">
+              <a:schemeClr val="accent1"/>
+            </a:effectRef>
+            <a:fontRef idx="minor">
+              <a:schemeClr val="tx1"/>
+            </a:fontRef>
+          </p:style>
+        </p:cxnSp>
+        <p:pic>
+          <p:nvPicPr>
+            <p:cNvPr id="75" name="Picture 74"/>
+            <p:cNvPicPr>
+              <a:picLocks noChangeAspect="1"/>
+            </p:cNvPicPr>
+            <p:nvPr/>
+          </p:nvPicPr>
+          <p:blipFill>
+            <a:blip r:embed="rId2">
+              <a:extLst>
+                <a:ext uri="{28A0092B-C50C-407E-A947-70E740481C1C}">
+                  <a14:useLocalDpi xmlns:a14="http://schemas.microsoft.com/office/drawing/2010/main" val="0"/>
+                </a:ext>
+              </a:extLst>
+            </a:blip>
+            <a:stretch>
+              <a:fillRect/>
+            </a:stretch>
+          </p:blipFill>
+          <p:spPr>
+            <a:xfrm>
+              <a:off x="5357748" y="7291225"/>
+              <a:ext cx="413355" cy="94481"/>
+            </a:xfrm>
+            <a:prstGeom prst="rect">
+              <a:avLst/>
+            </a:prstGeom>
+          </p:spPr>
+        </p:pic>
+        <p:sp>
+          <p:nvSpPr>
+            <p:cNvPr id="97" name="Rectangle à coins arrondis 271">
+              <a:extLst>
+                <a:ext uri="{FF2B5EF4-FFF2-40B4-BE49-F238E27FC236}">
+                  <a16:creationId xmlns:a16="http://schemas.microsoft.com/office/drawing/2014/main" id="{DC06761C-E5D6-8C40-8FE7-6EAC716FC474}"/>
+                </a:ext>
+              </a:extLst>
+            </p:cNvPr>
+            <p:cNvSpPr/>
+            <p:nvPr/>
+          </p:nvSpPr>
+          <p:spPr>
+            <a:xfrm>
+              <a:off x="5328562" y="6853180"/>
+              <a:ext cx="319114" cy="245199"/>
+            </a:xfrm>
+            <a:prstGeom prst="roundRect">
+              <a:avLst/>
+            </a:prstGeom>
+            <a:solidFill>
+              <a:schemeClr val="accent1"/>
+            </a:solidFill>
+            <a:ln>
+              <a:noFill/>
+            </a:ln>
+          </p:spPr>
+          <p:style>
+            <a:lnRef idx="2">
+              <a:schemeClr val="accent1">
+                <a:shade val="50000"/>
+              </a:schemeClr>
+            </a:lnRef>
+            <a:fillRef idx="1">
+              <a:schemeClr val="accent1"/>
+            </a:fillRef>
+            <a:effectRef idx="0">
+              <a:schemeClr val="accent1"/>
+            </a:effectRef>
+            <a:fontRef idx="minor">
+              <a:schemeClr val="lt1"/>
+            </a:fontRef>
+          </p:style>
+          <p:txBody>
+            <a:bodyPr lIns="0" rIns="0" rtlCol="0" anchor="ctr"/>
+            <a:lstStyle/>
+            <a:p>
+              <a:pPr algn="ctr"/>
+              <a:r>
+                <a:rPr lang="fr-FR" sz="800" b="1" noProof="1" smtClean="0">
+                  <a:latin typeface="Consolas" panose="020B0609020204030204" pitchFamily="49" charset="0"/>
+                  <a:ea typeface="Arial Rounded MT Bold" charset="0"/>
+                  <a:cs typeface="Consolas" panose="020B0609020204030204" pitchFamily="49" charset="0"/>
+                </a:rPr>
+                <a:t>play</a:t>
+              </a:r>
+              <a:endParaRPr lang="fr-FR" sz="800" i="1" noProof="1">
+                <a:latin typeface="Cambria" panose="02040503050406030204" pitchFamily="18" charset="0"/>
+                <a:ea typeface="Arial Rounded MT Bold" charset="0"/>
+                <a:cs typeface="Arial Rounded MT Bold" charset="0"/>
+              </a:endParaRPr>
+            </a:p>
+          </p:txBody>
+        </p:sp>
+        <p:cxnSp>
+          <p:nvCxnSpPr>
+            <p:cNvPr id="98" name="Connecteur droit avec flèche 273">
+              <a:extLst>
+                <a:ext uri="{FF2B5EF4-FFF2-40B4-BE49-F238E27FC236}">
+                  <a16:creationId xmlns:a16="http://schemas.microsoft.com/office/drawing/2014/main" id="{C8A7163D-1B73-8544-BEB6-5055C4559C5C}"/>
+                </a:ext>
+              </a:extLst>
+            </p:cNvPr>
+            <p:cNvCxnSpPr>
+              <a:cxnSpLocks/>
+            </p:cNvCxnSpPr>
+            <p:nvPr/>
+          </p:nvCxnSpPr>
+          <p:spPr>
+            <a:xfrm>
+              <a:off x="5187256" y="6974886"/>
+              <a:ext cx="141306" cy="1786"/>
+            </a:xfrm>
+            <a:prstGeom prst="straightConnector1">
+              <a:avLst/>
+            </a:prstGeom>
+            <a:ln w="19050">
+              <a:solidFill>
+                <a:schemeClr val="tx1"/>
+              </a:solidFill>
+              <a:prstDash val="sysDash"/>
+              <a:tailEnd type="triangle"/>
+            </a:ln>
+          </p:spPr>
+          <p:style>
+            <a:lnRef idx="1">
+              <a:schemeClr val="accent1"/>
+            </a:lnRef>
+            <a:fillRef idx="0">
+              <a:schemeClr val="accent1"/>
+            </a:fillRef>
+            <a:effectRef idx="0">
+              <a:schemeClr val="accent1"/>
+            </a:effectRef>
+            <a:fontRef idx="minor">
+              <a:schemeClr val="tx1"/>
+            </a:fontRef>
+          </p:style>
+        </p:cxnSp>
+        <p:sp>
+          <p:nvSpPr>
+            <p:cNvPr id="99" name="Rectangle à coins arrondis 270">
+              <a:extLst>
+                <a:ext uri="{FF2B5EF4-FFF2-40B4-BE49-F238E27FC236}">
+                  <a16:creationId xmlns:a16="http://schemas.microsoft.com/office/drawing/2014/main" id="{FF06C02C-F215-8D4F-A8E5-8095AD1B4B48}"/>
+                </a:ext>
+              </a:extLst>
+            </p:cNvPr>
+            <p:cNvSpPr/>
+            <p:nvPr/>
+          </p:nvSpPr>
+          <p:spPr>
+            <a:xfrm>
+              <a:off x="1723880" y="6853180"/>
+              <a:ext cx="506101" cy="245199"/>
+            </a:xfrm>
+            <a:prstGeom prst="roundRect">
+              <a:avLst/>
+            </a:prstGeom>
+            <a:solidFill>
+              <a:schemeClr val="accent1"/>
+            </a:solidFill>
+            <a:ln>
+              <a:noFill/>
+            </a:ln>
+          </p:spPr>
+          <p:style>
+            <a:lnRef idx="2">
+              <a:schemeClr val="accent1">
+                <a:shade val="50000"/>
+              </a:schemeClr>
+            </a:lnRef>
+            <a:fillRef idx="1">
+              <a:schemeClr val="accent1"/>
+            </a:fillRef>
+            <a:effectRef idx="0">
+              <a:schemeClr val="accent1"/>
+            </a:effectRef>
+            <a:fontRef idx="minor">
+              <a:schemeClr val="lt1"/>
+            </a:fontRef>
+          </p:style>
+          <p:txBody>
+            <a:bodyPr lIns="0" rIns="0" rtlCol="0" anchor="ctr"/>
+            <a:lstStyle/>
+            <a:p>
+              <a:pPr algn="ctr"/>
+              <a:r>
+                <a:rPr lang="fr-FR" sz="800" b="1" noProof="1" smtClean="0">
+                  <a:latin typeface="Consolas" panose="020B0609020204030204" pitchFamily="49" charset="0"/>
+                  <a:cs typeface="Consolas" panose="020B0609020204030204" pitchFamily="49" charset="0"/>
+                </a:rPr>
+                <a:t>regulate</a:t>
+              </a:r>
+              <a:endParaRPr lang="fr-FR" sz="800" b="1" noProof="1">
+                <a:latin typeface="Consolas" panose="020B0609020204030204" pitchFamily="49" charset="0"/>
+                <a:cs typeface="Consolas" panose="020B0609020204030204" pitchFamily="49" charset="0"/>
+              </a:endParaRPr>
+            </a:p>
+          </p:txBody>
+        </p:sp>
+        <p:sp>
+          <p:nvSpPr>
+            <p:cNvPr id="103" name="Rectangle à coins arrondis 270">
+              <a:extLst>
+                <a:ext uri="{FF2B5EF4-FFF2-40B4-BE49-F238E27FC236}">
+                  <a16:creationId xmlns:a16="http://schemas.microsoft.com/office/drawing/2014/main" id="{FF06C02C-F215-8D4F-A8E5-8095AD1B4B48}"/>
+                </a:ext>
+              </a:extLst>
+            </p:cNvPr>
+            <p:cNvSpPr/>
+            <p:nvPr/>
+          </p:nvSpPr>
+          <p:spPr>
+            <a:xfrm>
+              <a:off x="4500096" y="6853180"/>
+              <a:ext cx="687160" cy="245199"/>
+            </a:xfrm>
+            <a:prstGeom prst="roundRect">
+              <a:avLst/>
+            </a:prstGeom>
+            <a:solidFill>
+              <a:schemeClr val="accent1"/>
+            </a:solidFill>
+            <a:ln>
+              <a:noFill/>
+            </a:ln>
+          </p:spPr>
+          <p:style>
+            <a:lnRef idx="2">
+              <a:schemeClr val="accent1">
+                <a:shade val="50000"/>
+              </a:schemeClr>
+            </a:lnRef>
+            <a:fillRef idx="1">
+              <a:schemeClr val="accent1"/>
+            </a:fillRef>
+            <a:effectRef idx="0">
+              <a:schemeClr val="accent1"/>
+            </a:effectRef>
+            <a:fontRef idx="minor">
+              <a:schemeClr val="lt1"/>
+            </a:fontRef>
+          </p:style>
+          <p:txBody>
+            <a:bodyPr lIns="0" rIns="0" rtlCol="0" anchor="ctr"/>
+            <a:lstStyle/>
+            <a:p>
+              <a:pPr algn="ctr"/>
+              <a:r>
+                <a:rPr lang="fr-FR" sz="800" b="1" noProof="1" smtClean="0">
+                  <a:latin typeface="Consolas" panose="020B0609020204030204" pitchFamily="49" charset="0"/>
+                  <a:cs typeface="Consolas" panose="020B0609020204030204" pitchFamily="49" charset="0"/>
+                </a:rPr>
+                <a:t>descrambler</a:t>
+              </a:r>
+              <a:endParaRPr lang="fr-FR" sz="800" b="1" noProof="1">
+                <a:latin typeface="Consolas" panose="020B0609020204030204" pitchFamily="49" charset="0"/>
+                <a:cs typeface="Consolas" panose="020B0609020204030204" pitchFamily="49" charset="0"/>
+              </a:endParaRPr>
+            </a:p>
+          </p:txBody>
+        </p:sp>
+        <p:sp>
+          <p:nvSpPr>
+            <p:cNvPr id="104" name="Flowchart: Magnetic Disk 103"/>
+            <p:cNvSpPr/>
+            <p:nvPr/>
+          </p:nvSpPr>
+          <p:spPr>
+            <a:xfrm>
+              <a:off x="666455" y="6823221"/>
+              <a:ext cx="313490" cy="302305"/>
+            </a:xfrm>
+            <a:prstGeom prst="flowChartMagneticDisk">
+              <a:avLst/>
+            </a:prstGeom>
+          </p:spPr>
+          <p:style>
+            <a:lnRef idx="2">
+              <a:schemeClr val="accent5">
+                <a:shade val="50000"/>
+              </a:schemeClr>
+            </a:lnRef>
+            <a:fillRef idx="1">
+              <a:schemeClr val="accent5"/>
+            </a:fillRef>
+            <a:effectRef idx="0">
+              <a:schemeClr val="accent5"/>
+            </a:effectRef>
+            <a:fontRef idx="minor">
+              <a:schemeClr val="lt1"/>
+            </a:fontRef>
+          </p:style>
+          <p:txBody>
+            <a:bodyPr rtlCol="0" anchor="ctr"/>
+            <a:lstStyle/>
+            <a:p>
+              <a:pPr algn="ctr"/>
+              <a:r>
+                <a:rPr lang="en-US" sz="900" b="1" dirty="0" smtClean="0">
+                  <a:latin typeface="Gadugi" panose="020B0502040204020203" pitchFamily="34" charset="0"/>
+                  <a:ea typeface="Gadugi" panose="020B0502040204020203" pitchFamily="34" charset="0"/>
+                </a:rPr>
+                <a:t>.</a:t>
+              </a:r>
+              <a:r>
+                <a:rPr lang="en-US" sz="900" b="1" dirty="0" err="1" smtClean="0">
+                  <a:latin typeface="Gadugi" panose="020B0502040204020203" pitchFamily="34" charset="0"/>
+                  <a:ea typeface="Gadugi" panose="020B0502040204020203" pitchFamily="34" charset="0"/>
+                </a:rPr>
+                <a:t>ts</a:t>
+              </a:r>
+              <a:endParaRPr lang="en-US" sz="900" b="1" dirty="0">
+                <a:latin typeface="Gadugi" panose="020B0502040204020203" pitchFamily="34" charset="0"/>
+                <a:ea typeface="Gadugi" panose="020B0502040204020203" pitchFamily="34" charset="0"/>
+              </a:endParaRPr>
+            </a:p>
+          </p:txBody>
+        </p:sp>
+        <p:sp>
+          <p:nvSpPr>
+            <p:cNvPr id="105" name="Rectangle à coins arrondis 269">
+              <a:extLst>
+                <a:ext uri="{FF2B5EF4-FFF2-40B4-BE49-F238E27FC236}">
+                  <a16:creationId xmlns:a16="http://schemas.microsoft.com/office/drawing/2014/main" id="{0EBD748A-8AD9-2C46-89B4-4F6A71D46447}"/>
+                </a:ext>
+              </a:extLst>
+            </p:cNvPr>
+            <p:cNvSpPr/>
+            <p:nvPr/>
+          </p:nvSpPr>
+          <p:spPr>
+            <a:xfrm>
+              <a:off x="2447990" y="7422800"/>
+              <a:ext cx="460092" cy="245199"/>
+            </a:xfrm>
+            <a:prstGeom prst="roundRect">
+              <a:avLst/>
+            </a:prstGeom>
+            <a:solidFill>
+              <a:schemeClr val="accent1"/>
+            </a:solidFill>
+            <a:ln>
+              <a:noFill/>
+            </a:ln>
+          </p:spPr>
+          <p:style>
+            <a:lnRef idx="2">
+              <a:schemeClr val="accent1">
+                <a:shade val="50000"/>
+              </a:schemeClr>
+            </a:lnRef>
+            <a:fillRef idx="1">
+              <a:schemeClr val="accent1"/>
+            </a:fillRef>
+            <a:effectRef idx="0">
+              <a:schemeClr val="accent1"/>
+            </a:effectRef>
+            <a:fontRef idx="minor">
+              <a:schemeClr val="lt1"/>
+            </a:fontRef>
+          </p:style>
+          <p:txBody>
+            <a:bodyPr lIns="36000" rIns="36000" rtlCol="0" anchor="ctr"/>
+            <a:lstStyle/>
+            <a:p>
+              <a:pPr algn="ctr"/>
+              <a:r>
+                <a:rPr lang="fr-FR" sz="800" b="1" noProof="1" smtClean="0">
+                  <a:latin typeface="Consolas" panose="020B0609020204030204" pitchFamily="49" charset="0"/>
+                  <a:cs typeface="Consolas" panose="020B0609020204030204" pitchFamily="49" charset="0"/>
+                </a:rPr>
+                <a:t>tsecmg</a:t>
+              </a:r>
+              <a:endParaRPr lang="fr-FR" sz="800" b="1" noProof="1">
+                <a:latin typeface="Consolas" panose="020B0609020204030204" pitchFamily="49" charset="0"/>
+                <a:cs typeface="Consolas" panose="020B0609020204030204" pitchFamily="49" charset="0"/>
+              </a:endParaRPr>
+            </a:p>
+          </p:txBody>
+        </p:sp>
+        <p:sp>
+          <p:nvSpPr>
+            <p:cNvPr id="113" name="Rectangle à coins arrondis 271">
+              <a:extLst>
+                <a:ext uri="{FF2B5EF4-FFF2-40B4-BE49-F238E27FC236}">
+                  <a16:creationId xmlns:a16="http://schemas.microsoft.com/office/drawing/2014/main" id="{DC06761C-E5D6-8C40-8FE7-6EAC716FC474}"/>
+                </a:ext>
+              </a:extLst>
+            </p:cNvPr>
+            <p:cNvSpPr/>
+            <p:nvPr/>
+          </p:nvSpPr>
+          <p:spPr>
+            <a:xfrm>
+              <a:off x="3125987" y="6853180"/>
+              <a:ext cx="621864" cy="245199"/>
+            </a:xfrm>
+            <a:prstGeom prst="roundRect">
+              <a:avLst/>
+            </a:prstGeom>
+            <a:solidFill>
+              <a:schemeClr val="accent1"/>
+            </a:solidFill>
+            <a:ln>
+              <a:noFill/>
+            </a:ln>
+          </p:spPr>
+          <p:style>
+            <a:lnRef idx="2">
+              <a:schemeClr val="accent1">
+                <a:shade val="50000"/>
+              </a:schemeClr>
+            </a:lnRef>
+            <a:fillRef idx="1">
+              <a:schemeClr val="accent1"/>
+            </a:fillRef>
+            <a:effectRef idx="0">
+              <a:schemeClr val="accent1"/>
+            </a:effectRef>
+            <a:fontRef idx="minor">
+              <a:schemeClr val="lt1"/>
+            </a:fontRef>
+          </p:style>
+          <p:txBody>
+            <a:bodyPr lIns="0" rIns="0" rtlCol="0" anchor="ctr"/>
+            <a:lstStyle/>
+            <a:p>
+              <a:pPr algn="ctr"/>
+              <a:r>
+                <a:rPr lang="fr-FR" sz="800" b="1" noProof="1" smtClean="0">
+                  <a:latin typeface="Consolas" panose="020B0609020204030204" pitchFamily="49" charset="0"/>
+                  <a:ea typeface="Arial Rounded MT Bold" charset="0"/>
+                  <a:cs typeface="Consolas" panose="020B0609020204030204" pitchFamily="49" charset="0"/>
+                </a:rPr>
+                <a:t>datainject</a:t>
+              </a:r>
+              <a:endParaRPr lang="fr-FR" sz="800" i="1" noProof="1">
+                <a:latin typeface="Cambria" panose="02040503050406030204" pitchFamily="18" charset="0"/>
+                <a:ea typeface="Arial Rounded MT Bold" charset="0"/>
+                <a:cs typeface="Arial Rounded MT Bold" charset="0"/>
+              </a:endParaRPr>
+            </a:p>
+          </p:txBody>
+        </p:sp>
+        <p:sp>
+          <p:nvSpPr>
+            <p:cNvPr id="126" name="Rectangle à coins arrondis 269">
+              <a:extLst>
+                <a:ext uri="{FF2B5EF4-FFF2-40B4-BE49-F238E27FC236}">
+                  <a16:creationId xmlns:a16="http://schemas.microsoft.com/office/drawing/2014/main" id="{0EBD748A-8AD9-2C46-89B4-4F6A71D46447}"/>
+                </a:ext>
+              </a:extLst>
+            </p:cNvPr>
+            <p:cNvSpPr/>
+            <p:nvPr/>
+          </p:nvSpPr>
+          <p:spPr>
+            <a:xfrm>
+              <a:off x="3211090" y="7417847"/>
+              <a:ext cx="460092" cy="245199"/>
+            </a:xfrm>
+            <a:prstGeom prst="roundRect">
+              <a:avLst/>
+            </a:prstGeom>
+            <a:solidFill>
+              <a:schemeClr val="accent1"/>
+            </a:solidFill>
+            <a:ln>
+              <a:noFill/>
+            </a:ln>
+          </p:spPr>
+          <p:style>
+            <a:lnRef idx="2">
+              <a:schemeClr val="accent1">
+                <a:shade val="50000"/>
+              </a:schemeClr>
+            </a:lnRef>
+            <a:fillRef idx="1">
+              <a:schemeClr val="accent1"/>
+            </a:fillRef>
+            <a:effectRef idx="0">
+              <a:schemeClr val="accent1"/>
+            </a:effectRef>
+            <a:fontRef idx="minor">
+              <a:schemeClr val="lt1"/>
+            </a:fontRef>
+          </p:style>
+          <p:txBody>
+            <a:bodyPr lIns="36000" rIns="36000" rtlCol="0" anchor="ctr"/>
+            <a:lstStyle/>
+            <a:p>
+              <a:pPr algn="ctr"/>
+              <a:r>
+                <a:rPr lang="fr-FR" sz="800" b="1" noProof="1" smtClean="0">
+                  <a:latin typeface="Consolas" panose="020B0609020204030204" pitchFamily="49" charset="0"/>
+                  <a:cs typeface="Consolas" panose="020B0609020204030204" pitchFamily="49" charset="0"/>
+                </a:rPr>
+                <a:t>tsemmg</a:t>
+              </a:r>
+              <a:endParaRPr lang="fr-FR" sz="800" b="1" noProof="1">
+                <a:latin typeface="Consolas" panose="020B0609020204030204" pitchFamily="49" charset="0"/>
+                <a:cs typeface="Consolas" panose="020B0609020204030204" pitchFamily="49" charset="0"/>
+              </a:endParaRPr>
+            </a:p>
+          </p:txBody>
+        </p:sp>
+        <p:sp>
+          <p:nvSpPr>
+            <p:cNvPr id="127" name="Rectangle à coins arrondis 270">
+              <a:extLst>
+                <a:ext uri="{FF2B5EF4-FFF2-40B4-BE49-F238E27FC236}">
+                  <a16:creationId xmlns:a16="http://schemas.microsoft.com/office/drawing/2014/main" id="{FF06C02C-F215-8D4F-A8E5-8095AD1B4B48}"/>
+                </a:ext>
+              </a:extLst>
+            </p:cNvPr>
+            <p:cNvSpPr/>
+            <p:nvPr/>
+          </p:nvSpPr>
+          <p:spPr>
+            <a:xfrm>
+              <a:off x="3894197" y="6853180"/>
+              <a:ext cx="460092" cy="245199"/>
+            </a:xfrm>
+            <a:prstGeom prst="roundRect">
+              <a:avLst/>
+            </a:prstGeom>
+            <a:solidFill>
+              <a:schemeClr val="accent1"/>
+            </a:solidFill>
+            <a:ln>
+              <a:noFill/>
+            </a:ln>
+          </p:spPr>
+          <p:style>
+            <a:lnRef idx="2">
+              <a:schemeClr val="accent1">
+                <a:shade val="50000"/>
+              </a:schemeClr>
+            </a:lnRef>
+            <a:fillRef idx="1">
+              <a:schemeClr val="accent1"/>
+            </a:fillRef>
+            <a:effectRef idx="0">
+              <a:schemeClr val="accent1"/>
+            </a:effectRef>
+            <a:fontRef idx="minor">
+              <a:schemeClr val="lt1"/>
+            </a:fontRef>
+          </p:style>
+          <p:txBody>
+            <a:bodyPr lIns="0" rIns="0" rtlCol="0" anchor="ctr"/>
+            <a:lstStyle/>
+            <a:p>
+              <a:pPr algn="ctr"/>
+              <a:r>
+                <a:rPr lang="fr-FR" sz="800" b="1" noProof="1" smtClean="0">
+                  <a:latin typeface="Consolas" panose="020B0609020204030204" pitchFamily="49" charset="0"/>
+                  <a:cs typeface="Consolas" panose="020B0609020204030204" pitchFamily="49" charset="0"/>
+                </a:rPr>
+                <a:t>analyze</a:t>
+              </a:r>
+              <a:endParaRPr lang="fr-FR" sz="800" b="1" noProof="1">
+                <a:latin typeface="Consolas" panose="020B0609020204030204" pitchFamily="49" charset="0"/>
+                <a:cs typeface="Consolas" panose="020B0609020204030204" pitchFamily="49" charset="0"/>
+              </a:endParaRPr>
+            </a:p>
+          </p:txBody>
+        </p:sp>
+        <p:sp>
+          <p:nvSpPr>
+            <p:cNvPr id="130" name="Flowchart: Magnetic Disk 129"/>
+            <p:cNvSpPr/>
+            <p:nvPr/>
+          </p:nvSpPr>
+          <p:spPr>
+            <a:xfrm>
+              <a:off x="3975998" y="7415526"/>
+              <a:ext cx="313490" cy="249839"/>
+            </a:xfrm>
+            <a:prstGeom prst="flowChartMagneticDisk">
+              <a:avLst/>
+            </a:prstGeom>
+          </p:spPr>
+          <p:style>
+            <a:lnRef idx="2">
+              <a:schemeClr val="accent5">
+                <a:shade val="50000"/>
+              </a:schemeClr>
+            </a:lnRef>
+            <a:fillRef idx="1">
+              <a:schemeClr val="accent5"/>
+            </a:fillRef>
+            <a:effectRef idx="0">
+              <a:schemeClr val="accent5"/>
+            </a:effectRef>
+            <a:fontRef idx="minor">
+              <a:schemeClr val="lt1"/>
+            </a:fontRef>
+          </p:style>
+          <p:txBody>
+            <a:bodyPr lIns="0" rIns="0" rtlCol="0" anchor="ctr"/>
+            <a:lstStyle/>
+            <a:p>
+              <a:pPr algn="ctr"/>
+              <a:r>
+                <a:rPr lang="en-US" sz="900" b="1" dirty="0" smtClean="0">
+                  <a:latin typeface="Gadugi" panose="020B0502040204020203" pitchFamily="34" charset="0"/>
+                  <a:ea typeface="Gadugi" panose="020B0502040204020203" pitchFamily="34" charset="0"/>
+                </a:rPr>
+                <a:t>.txt</a:t>
+              </a:r>
+              <a:endParaRPr lang="en-US" sz="900" b="1" dirty="0">
+                <a:latin typeface="Gadugi" panose="020B0502040204020203" pitchFamily="34" charset="0"/>
+                <a:ea typeface="Gadugi" panose="020B0502040204020203" pitchFamily="34" charset="0"/>
+              </a:endParaRPr>
+            </a:p>
+          </p:txBody>
+        </p:sp>
+        <p:cxnSp>
+          <p:nvCxnSpPr>
+            <p:cNvPr id="131" name="Connecteur droit avec flèche 272">
+              <a:extLst>
+                <a:ext uri="{FF2B5EF4-FFF2-40B4-BE49-F238E27FC236}">
+                  <a16:creationId xmlns:a16="http://schemas.microsoft.com/office/drawing/2014/main" id="{917022DD-9C4E-8C4F-8EF4-DC025172FC05}"/>
+                </a:ext>
+              </a:extLst>
+            </p:cNvPr>
+            <p:cNvCxnSpPr>
+              <a:stCxn id="127" idx="2"/>
+              <a:endCxn id="130" idx="1"/>
+            </p:cNvCxnSpPr>
+            <p:nvPr/>
+          </p:nvCxnSpPr>
+          <p:spPr>
+            <a:xfrm>
+              <a:off x="4124243" y="7098379"/>
+              <a:ext cx="8500" cy="317147"/>
+            </a:xfrm>
+            <a:prstGeom prst="straightConnector1">
+              <a:avLst/>
+            </a:prstGeom>
+            <a:ln w="19050">
+              <a:solidFill>
+                <a:schemeClr val="tx1"/>
+              </a:solidFill>
+              <a:prstDash val="sysDash"/>
+              <a:tailEnd type="triangle"/>
+            </a:ln>
+          </p:spPr>
+          <p:style>
+            <a:lnRef idx="1">
+              <a:schemeClr val="accent1"/>
+            </a:lnRef>
+            <a:fillRef idx="0">
+              <a:schemeClr val="accent1"/>
+            </a:fillRef>
+            <a:effectRef idx="0">
+              <a:schemeClr val="accent1"/>
+            </a:effectRef>
+            <a:fontRef idx="minor">
+              <a:schemeClr val="tx1"/>
+            </a:fontRef>
+          </p:style>
+        </p:cxnSp>
+        <p:sp>
+          <p:nvSpPr>
+            <p:cNvPr id="2" name="Rounded Rectangle 1"/>
+            <p:cNvSpPr/>
+            <p:nvPr/>
+          </p:nvSpPr>
+          <p:spPr>
+            <a:xfrm>
+              <a:off x="597257" y="6442535"/>
+              <a:ext cx="1658139" cy="773331"/>
+            </a:xfrm>
+            <a:prstGeom prst="roundRect">
+              <a:avLst>
+                <a:gd name="adj" fmla="val 7914"/>
+              </a:avLst>
+            </a:prstGeom>
+            <a:noFill/>
+            <a:ln w="19050">
+              <a:solidFill>
+                <a:schemeClr val="accent5"/>
+              </a:solidFill>
+              <a:prstDash val="sysDash"/>
+            </a:ln>
+          </p:spPr>
+          <p:style>
+            <a:lnRef idx="2">
+              <a:schemeClr val="accent1">
+                <a:shade val="50000"/>
+              </a:schemeClr>
+            </a:lnRef>
+            <a:fillRef idx="1">
+              <a:schemeClr val="accent1"/>
+            </a:fillRef>
+            <a:effectRef idx="0">
+              <a:schemeClr val="accent1"/>
+            </a:effectRef>
+            <a:fontRef idx="minor">
+              <a:schemeClr val="lt1"/>
+            </a:fontRef>
+          </p:style>
+          <p:txBody>
+            <a:bodyPr tIns="27432" bIns="27432" rtlCol="0" anchor="t" anchorCtr="0"/>
+            <a:lstStyle/>
+            <a:p>
+              <a:r>
+                <a:rPr lang="en-US" sz="800" b="1" dirty="0" smtClean="0">
+                  <a:solidFill>
+                    <a:schemeClr val="tx1"/>
+                  </a:solidFill>
+                  <a:latin typeface="Gadugi" panose="020B0502040204020203" pitchFamily="34" charset="0"/>
+                  <a:ea typeface="Gadugi" panose="020B0502040204020203" pitchFamily="34" charset="0"/>
+                </a:rPr>
+                <a:t>Video source</a:t>
+              </a:r>
+              <a:endParaRPr lang="en-US" sz="800" b="1" dirty="0">
+                <a:solidFill>
+                  <a:schemeClr val="tx1"/>
+                </a:solidFill>
+                <a:latin typeface="Gadugi" panose="020B0502040204020203" pitchFamily="34" charset="0"/>
+                <a:ea typeface="Gadugi" panose="020B0502040204020203" pitchFamily="34" charset="0"/>
+              </a:endParaRPr>
+            </a:p>
+          </p:txBody>
+        </p:sp>
+        <p:sp>
+          <p:nvSpPr>
+            <p:cNvPr id="101" name="Rounded Rectangle 100"/>
+            <p:cNvSpPr/>
+            <p:nvPr/>
+          </p:nvSpPr>
+          <p:spPr>
+            <a:xfrm>
+              <a:off x="2333984" y="6442535"/>
+              <a:ext cx="1477697" cy="773331"/>
+            </a:xfrm>
+            <a:prstGeom prst="roundRect">
+              <a:avLst>
+                <a:gd name="adj" fmla="val 7914"/>
+              </a:avLst>
+            </a:prstGeom>
+            <a:noFill/>
+            <a:ln w="19050">
+              <a:solidFill>
+                <a:schemeClr val="accent5"/>
+              </a:solidFill>
+              <a:prstDash val="sysDash"/>
+            </a:ln>
+          </p:spPr>
+          <p:style>
+            <a:lnRef idx="2">
+              <a:schemeClr val="accent1">
+                <a:shade val="50000"/>
+              </a:schemeClr>
+            </a:lnRef>
+            <a:fillRef idx="1">
+              <a:schemeClr val="accent1"/>
+            </a:fillRef>
+            <a:effectRef idx="0">
+              <a:schemeClr val="accent1"/>
+            </a:effectRef>
+            <a:fontRef idx="minor">
+              <a:schemeClr val="lt1"/>
+            </a:fontRef>
+          </p:style>
+          <p:txBody>
+            <a:bodyPr tIns="27432" bIns="27432" rtlCol="0" anchor="t" anchorCtr="0"/>
+            <a:lstStyle/>
+            <a:p>
+              <a:r>
+                <a:rPr lang="en-US" sz="800" b="1" dirty="0" smtClean="0">
+                  <a:solidFill>
+                    <a:schemeClr val="tx1"/>
+                  </a:solidFill>
+                  <a:latin typeface="Gadugi" panose="020B0502040204020203" pitchFamily="34" charset="0"/>
+                  <a:ea typeface="Gadugi" panose="020B0502040204020203" pitchFamily="34" charset="0"/>
+                </a:rPr>
+                <a:t>MUX</a:t>
+              </a:r>
+              <a:endParaRPr lang="en-US" sz="800" b="1" dirty="0">
+                <a:solidFill>
+                  <a:schemeClr val="tx1"/>
+                </a:solidFill>
+                <a:latin typeface="Gadugi" panose="020B0502040204020203" pitchFamily="34" charset="0"/>
+                <a:ea typeface="Gadugi" panose="020B0502040204020203" pitchFamily="34" charset="0"/>
+              </a:endParaRPr>
+            </a:p>
+          </p:txBody>
+        </p:sp>
+        <p:cxnSp>
+          <p:nvCxnSpPr>
+            <p:cNvPr id="100" name="Connecteur droit avec flèche 272">
+              <a:extLst>
+                <a:ext uri="{FF2B5EF4-FFF2-40B4-BE49-F238E27FC236}">
+                  <a16:creationId xmlns:a16="http://schemas.microsoft.com/office/drawing/2014/main" id="{917022DD-9C4E-8C4F-8EF4-DC025172FC05}"/>
+                </a:ext>
+              </a:extLst>
+            </p:cNvPr>
+            <p:cNvCxnSpPr/>
+            <p:nvPr/>
+          </p:nvCxnSpPr>
+          <p:spPr>
+            <a:xfrm>
+              <a:off x="2229981" y="6975779"/>
+              <a:ext cx="141864" cy="0"/>
+            </a:xfrm>
+            <a:prstGeom prst="straightConnector1">
+              <a:avLst/>
+            </a:prstGeom>
+            <a:ln w="19050">
+              <a:solidFill>
+                <a:schemeClr val="tx1"/>
+              </a:solidFill>
+              <a:prstDash val="sysDash"/>
+              <a:tailEnd type="triangle"/>
+            </a:ln>
+          </p:spPr>
+          <p:style>
+            <a:lnRef idx="1">
+              <a:schemeClr val="accent1"/>
+            </a:lnRef>
+            <a:fillRef idx="0">
+              <a:schemeClr val="accent1"/>
+            </a:fillRef>
+            <a:effectRef idx="0">
+              <a:schemeClr val="accent1"/>
+            </a:effectRef>
+            <a:fontRef idx="minor">
+              <a:schemeClr val="tx1"/>
+            </a:fontRef>
+          </p:style>
+        </p:cxnSp>
+        <p:sp>
+          <p:nvSpPr>
+            <p:cNvPr id="124" name="Rounded Rectangle 123"/>
+            <p:cNvSpPr/>
+            <p:nvPr/>
+          </p:nvSpPr>
+          <p:spPr>
+            <a:xfrm>
+              <a:off x="4447899" y="6442535"/>
+              <a:ext cx="1245783" cy="773331"/>
+            </a:xfrm>
+            <a:prstGeom prst="roundRect">
+              <a:avLst>
+                <a:gd name="adj" fmla="val 7914"/>
+              </a:avLst>
+            </a:prstGeom>
+            <a:noFill/>
+            <a:ln w="19050">
+              <a:solidFill>
+                <a:schemeClr val="accent5"/>
+              </a:solidFill>
+              <a:prstDash val="sysDash"/>
+            </a:ln>
+          </p:spPr>
+          <p:style>
+            <a:lnRef idx="2">
+              <a:schemeClr val="accent1">
+                <a:shade val="50000"/>
+              </a:schemeClr>
+            </a:lnRef>
+            <a:fillRef idx="1">
+              <a:schemeClr val="accent1"/>
+            </a:fillRef>
+            <a:effectRef idx="0">
+              <a:schemeClr val="accent1"/>
+            </a:effectRef>
+            <a:fontRef idx="minor">
+              <a:schemeClr val="lt1"/>
+            </a:fontRef>
+          </p:style>
+          <p:txBody>
+            <a:bodyPr tIns="27432" bIns="27432" rtlCol="0" anchor="t" anchorCtr="0"/>
+            <a:lstStyle/>
+            <a:p>
+              <a:r>
+                <a:rPr lang="en-US" sz="800" b="1" dirty="0" smtClean="0">
+                  <a:solidFill>
+                    <a:schemeClr val="tx1"/>
+                  </a:solidFill>
+                  <a:latin typeface="Gadugi" panose="020B0502040204020203" pitchFamily="34" charset="0"/>
+                  <a:ea typeface="Gadugi" panose="020B0502040204020203" pitchFamily="34" charset="0"/>
+                </a:rPr>
+                <a:t>STB</a:t>
+              </a:r>
+              <a:endParaRPr lang="en-US" sz="800" b="1" dirty="0">
+                <a:solidFill>
+                  <a:schemeClr val="tx1"/>
+                </a:solidFill>
+                <a:latin typeface="Gadugi" panose="020B0502040204020203" pitchFamily="34" charset="0"/>
+                <a:ea typeface="Gadugi" panose="020B0502040204020203" pitchFamily="34" charset="0"/>
+              </a:endParaRPr>
+            </a:p>
+          </p:txBody>
+        </p:sp>
+        <p:cxnSp>
+          <p:nvCxnSpPr>
+            <p:cNvPr id="129" name="Connecteur droit avec flèche 273">
+              <a:extLst>
+                <a:ext uri="{FF2B5EF4-FFF2-40B4-BE49-F238E27FC236}">
+                  <a16:creationId xmlns:a16="http://schemas.microsoft.com/office/drawing/2014/main" id="{C8A7163D-1B73-8544-BEB6-5055C4559C5C}"/>
+                </a:ext>
+              </a:extLst>
+            </p:cNvPr>
+            <p:cNvCxnSpPr>
+              <a:cxnSpLocks/>
+            </p:cNvCxnSpPr>
+            <p:nvPr/>
+          </p:nvCxnSpPr>
+          <p:spPr>
+            <a:xfrm>
+              <a:off x="4354289" y="6975779"/>
+              <a:ext cx="145807" cy="0"/>
+            </a:xfrm>
+            <a:prstGeom prst="straightConnector1">
+              <a:avLst/>
+            </a:prstGeom>
+            <a:ln w="19050">
+              <a:solidFill>
+                <a:schemeClr val="tx1"/>
+              </a:solidFill>
+              <a:prstDash val="sysDash"/>
+              <a:tailEnd type="triangle"/>
+            </a:ln>
+          </p:spPr>
+          <p:style>
+            <a:lnRef idx="1">
+              <a:schemeClr val="accent1"/>
+            </a:lnRef>
+            <a:fillRef idx="0">
+              <a:schemeClr val="accent1"/>
+            </a:fillRef>
+            <a:effectRef idx="0">
+              <a:schemeClr val="accent1"/>
+            </a:effectRef>
+            <a:fontRef idx="minor">
+              <a:schemeClr val="tx1"/>
+            </a:fontRef>
+          </p:style>
+        </p:cxnSp>
+        <p:cxnSp>
+          <p:nvCxnSpPr>
+            <p:cNvPr id="128" name="Connecteur droit avec flèche 273">
+              <a:extLst>
+                <a:ext uri="{FF2B5EF4-FFF2-40B4-BE49-F238E27FC236}">
+                  <a16:creationId xmlns:a16="http://schemas.microsoft.com/office/drawing/2014/main" id="{C8A7163D-1B73-8544-BEB6-5055C4559C5C}"/>
+                </a:ext>
+              </a:extLst>
+            </p:cNvPr>
+            <p:cNvCxnSpPr>
+              <a:cxnSpLocks/>
+            </p:cNvCxnSpPr>
+            <p:nvPr/>
+          </p:nvCxnSpPr>
+          <p:spPr>
+            <a:xfrm>
+              <a:off x="3747851" y="6975779"/>
+              <a:ext cx="146346" cy="0"/>
+            </a:xfrm>
+            <a:prstGeom prst="straightConnector1">
+              <a:avLst/>
+            </a:prstGeom>
+            <a:ln w="19050">
+              <a:solidFill>
+                <a:schemeClr val="tx1"/>
+              </a:solidFill>
+              <a:prstDash val="sysDash"/>
+              <a:tailEnd type="triangle"/>
+            </a:ln>
+          </p:spPr>
+          <p:style>
+            <a:lnRef idx="1">
+              <a:schemeClr val="accent1"/>
+            </a:lnRef>
+            <a:fillRef idx="0">
+              <a:schemeClr val="accent1"/>
+            </a:fillRef>
+            <a:effectRef idx="0">
+              <a:schemeClr val="accent1"/>
+            </a:effectRef>
+            <a:fontRef idx="minor">
+              <a:schemeClr val="tx1"/>
+            </a:fontRef>
+          </p:style>
+        </p:cxnSp>
+        <p:sp>
+          <p:nvSpPr>
+            <p:cNvPr id="132" name="Rounded Rectangle 131"/>
+            <p:cNvSpPr/>
+            <p:nvPr/>
+          </p:nvSpPr>
+          <p:spPr>
+            <a:xfrm>
+              <a:off x="2229981" y="7368267"/>
+              <a:ext cx="739478" cy="489305"/>
+            </a:xfrm>
+            <a:prstGeom prst="roundRect">
+              <a:avLst>
+                <a:gd name="adj" fmla="val 7914"/>
+              </a:avLst>
+            </a:prstGeom>
+            <a:noFill/>
+            <a:ln w="19050">
+              <a:solidFill>
+                <a:schemeClr val="accent5"/>
+              </a:solidFill>
+              <a:prstDash val="sysDash"/>
+            </a:ln>
+          </p:spPr>
+          <p:style>
+            <a:lnRef idx="2">
+              <a:schemeClr val="accent1">
+                <a:shade val="50000"/>
+              </a:schemeClr>
+            </a:lnRef>
+            <a:fillRef idx="1">
+              <a:schemeClr val="accent1"/>
+            </a:fillRef>
+            <a:effectRef idx="0">
+              <a:schemeClr val="accent1"/>
+            </a:effectRef>
+            <a:fontRef idx="minor">
+              <a:schemeClr val="lt1"/>
+            </a:fontRef>
+          </p:style>
+          <p:txBody>
+            <a:bodyPr tIns="27432" bIns="27432" rtlCol="0" anchor="b" anchorCtr="0"/>
+            <a:lstStyle/>
+            <a:p>
+              <a:r>
+                <a:rPr lang="en-US" sz="800" b="1" dirty="0" smtClean="0">
+                  <a:solidFill>
+                    <a:schemeClr val="tx1"/>
+                  </a:solidFill>
+                  <a:latin typeface="Gadugi" panose="020B0502040204020203" pitchFamily="34" charset="0"/>
+                  <a:ea typeface="Gadugi" panose="020B0502040204020203" pitchFamily="34" charset="0"/>
+                </a:rPr>
+                <a:t>ECMG</a:t>
+              </a:r>
+              <a:endParaRPr lang="en-US" sz="800" b="1" dirty="0">
+                <a:solidFill>
+                  <a:schemeClr val="tx1"/>
+                </a:solidFill>
+                <a:latin typeface="Gadugi" panose="020B0502040204020203" pitchFamily="34" charset="0"/>
+                <a:ea typeface="Gadugi" panose="020B0502040204020203" pitchFamily="34" charset="0"/>
+              </a:endParaRPr>
+            </a:p>
+          </p:txBody>
+        </p:sp>
+        <p:sp>
+          <p:nvSpPr>
+            <p:cNvPr id="133" name="Rounded Rectangle 132"/>
+            <p:cNvSpPr/>
+            <p:nvPr/>
+          </p:nvSpPr>
+          <p:spPr>
+            <a:xfrm>
+              <a:off x="3040352" y="7368267"/>
+              <a:ext cx="739478" cy="489305"/>
+            </a:xfrm>
+            <a:prstGeom prst="roundRect">
+              <a:avLst>
+                <a:gd name="adj" fmla="val 7914"/>
+              </a:avLst>
+            </a:prstGeom>
+            <a:noFill/>
+            <a:ln w="19050">
+              <a:solidFill>
+                <a:schemeClr val="accent5"/>
+              </a:solidFill>
+              <a:prstDash val="sysDash"/>
+            </a:ln>
+          </p:spPr>
+          <p:style>
+            <a:lnRef idx="2">
+              <a:schemeClr val="accent1">
+                <a:shade val="50000"/>
+              </a:schemeClr>
+            </a:lnRef>
+            <a:fillRef idx="1">
+              <a:schemeClr val="accent1"/>
+            </a:fillRef>
+            <a:effectRef idx="0">
+              <a:schemeClr val="accent1"/>
+            </a:effectRef>
+            <a:fontRef idx="minor">
+              <a:schemeClr val="lt1"/>
+            </a:fontRef>
+          </p:style>
+          <p:txBody>
+            <a:bodyPr tIns="27432" bIns="27432" rtlCol="0" anchor="b" anchorCtr="0"/>
+            <a:lstStyle/>
+            <a:p>
+              <a:r>
+                <a:rPr lang="en-US" sz="800" b="1" dirty="0" smtClean="0">
+                  <a:solidFill>
+                    <a:schemeClr val="tx1"/>
+                  </a:solidFill>
+                  <a:latin typeface="Gadugi" panose="020B0502040204020203" pitchFamily="34" charset="0"/>
+                  <a:ea typeface="Gadugi" panose="020B0502040204020203" pitchFamily="34" charset="0"/>
+                </a:rPr>
+                <a:t>EMMG</a:t>
+              </a:r>
+              <a:endParaRPr lang="en-US" sz="800" b="1" dirty="0">
+                <a:solidFill>
+                  <a:schemeClr val="tx1"/>
+                </a:solidFill>
+                <a:latin typeface="Gadugi" panose="020B0502040204020203" pitchFamily="34" charset="0"/>
+                <a:ea typeface="Gadugi" panose="020B0502040204020203" pitchFamily="34" charset="0"/>
+              </a:endParaRPr>
+            </a:p>
+          </p:txBody>
+        </p:sp>
+        <p:cxnSp>
+          <p:nvCxnSpPr>
+            <p:cNvPr id="77" name="Connecteur droit avec flèche 272">
+              <a:extLst>
+                <a:ext uri="{FF2B5EF4-FFF2-40B4-BE49-F238E27FC236}">
+                  <a16:creationId xmlns:a16="http://schemas.microsoft.com/office/drawing/2014/main" id="{917022DD-9C4E-8C4F-8EF4-DC025172FC05}"/>
+                </a:ext>
+              </a:extLst>
+            </p:cNvPr>
+            <p:cNvCxnSpPr>
+              <a:stCxn id="70" idx="2"/>
+              <a:endCxn id="105" idx="0"/>
+            </p:cNvCxnSpPr>
+            <p:nvPr/>
+          </p:nvCxnSpPr>
+          <p:spPr>
+            <a:xfrm>
+              <a:off x="2678036" y="7098379"/>
+              <a:ext cx="0" cy="324421"/>
+            </a:xfrm>
+            <a:prstGeom prst="straightConnector1">
+              <a:avLst/>
+            </a:prstGeom>
+            <a:ln w="19050">
+              <a:solidFill>
+                <a:schemeClr val="tx1"/>
+              </a:solidFill>
+              <a:prstDash val="sysDash"/>
+              <a:tailEnd type="triangle"/>
+            </a:ln>
+          </p:spPr>
+          <p:style>
+            <a:lnRef idx="1">
+              <a:schemeClr val="accent1"/>
+            </a:lnRef>
+            <a:fillRef idx="0">
+              <a:schemeClr val="accent1"/>
+            </a:fillRef>
+            <a:effectRef idx="0">
+              <a:schemeClr val="accent1"/>
+            </a:effectRef>
+            <a:fontRef idx="minor">
+              <a:schemeClr val="tx1"/>
+            </a:fontRef>
+          </p:style>
+        </p:cxnSp>
+        <p:cxnSp>
+          <p:nvCxnSpPr>
+            <p:cNvPr id="125" name="Connecteur droit avec flèche 272">
+              <a:extLst>
+                <a:ext uri="{FF2B5EF4-FFF2-40B4-BE49-F238E27FC236}">
+                  <a16:creationId xmlns:a16="http://schemas.microsoft.com/office/drawing/2014/main" id="{917022DD-9C4E-8C4F-8EF4-DC025172FC05}"/>
+                </a:ext>
+              </a:extLst>
+            </p:cNvPr>
+            <p:cNvCxnSpPr/>
+            <p:nvPr/>
+          </p:nvCxnSpPr>
+          <p:spPr>
+            <a:xfrm flipH="1" flipV="1">
+              <a:off x="3468578" y="7098379"/>
+              <a:ext cx="4217" cy="319468"/>
+            </a:xfrm>
+            <a:prstGeom prst="straightConnector1">
+              <a:avLst/>
+            </a:prstGeom>
+            <a:ln w="19050">
+              <a:solidFill>
+                <a:schemeClr val="tx1"/>
+              </a:solidFill>
+              <a:prstDash val="sysDash"/>
+              <a:tailEnd type="triangle"/>
+            </a:ln>
+          </p:spPr>
+          <p:style>
+            <a:lnRef idx="1">
+              <a:schemeClr val="accent1"/>
+            </a:lnRef>
+            <a:fillRef idx="0">
+              <a:schemeClr val="accent1"/>
+            </a:fillRef>
+            <a:effectRef idx="0">
+              <a:schemeClr val="accent1"/>
+            </a:effectRef>
+            <a:fontRef idx="minor">
+              <a:schemeClr val="tx1"/>
+            </a:fontRef>
+          </p:style>
+        </p:cxnSp>
+      </p:grpSp>
+      <p:grpSp>
+        <p:nvGrpSpPr>
+          <p:cNvPr id="5" name="Group 4"/>
           <p:cNvGrpSpPr/>
           <p:nvPr/>
         </p:nvGrpSpPr>
         <p:grpSpPr>
           <a:xfrm>
             <a:off x="652005" y="3123789"/>
-            <a:ext cx="4588381" cy="1081204"/>
+            <a:ext cx="5436106" cy="1081204"/>
             <a:chOff x="652005" y="3123789"/>
-            <a:chExt cx="4588381" cy="1081204"/>
+            <a:chExt cx="5436106" cy="1081204"/>
           </a:xfrm>
         </p:grpSpPr>
         <p:sp>
@@ -15823,7 +18340,7 @@
             <p:nvPr/>
           </p:nvPicPr>
           <p:blipFill>
-            <a:blip r:embed="rId2">
+            <a:blip r:embed="rId3">
               <a:extLst>
                 <a:ext uri="{28A0092B-C50C-407E-A947-70E740481C1C}">
                   <a14:useLocalDpi xmlns:a14="http://schemas.microsoft.com/office/drawing/2010/main" val="0"/>
@@ -16330,7 +18847,7 @@
             <p:nvPr/>
           </p:nvPicPr>
           <p:blipFill>
-            <a:blip r:embed="rId3">
+            <a:blip r:embed="rId2">
               <a:extLst>
                 <a:ext uri="{28A0092B-C50C-407E-A947-70E740481C1C}">
                   <a14:useLocalDpi xmlns:a14="http://schemas.microsoft.com/office/drawing/2010/main" val="0"/>
@@ -16343,7 +18860,7 @@
           </p:blipFill>
           <p:spPr>
             <a:xfrm>
-              <a:off x="4827031" y="3720469"/>
+              <a:off x="5674756" y="3720469"/>
               <a:ext cx="413355" cy="94481"/>
             </a:xfrm>
             <a:prstGeom prst="rect">
@@ -16489,74 +19006,6 @@
         </p:sp>
         <p:sp>
           <p:nvSpPr>
-            <p:cNvPr id="92" name="Rectangle à coins arrondis 269">
-              <a:extLst>
-                <a:ext uri="{FF2B5EF4-FFF2-40B4-BE49-F238E27FC236}">
-                  <a16:creationId xmlns:a16="http://schemas.microsoft.com/office/drawing/2014/main" id="{0EBD748A-8AD9-2C46-89B4-4F6A71D46447}"/>
-                </a:ext>
-              </a:extLst>
-            </p:cNvPr>
-            <p:cNvSpPr/>
-            <p:nvPr/>
-          </p:nvSpPr>
-          <p:spPr>
-            <a:xfrm>
-              <a:off x="4860145" y="3386541"/>
-              <a:ext cx="380241" cy="245199"/>
-            </a:xfrm>
-            <a:prstGeom prst="roundRect">
-              <a:avLst/>
-            </a:prstGeom>
-            <a:solidFill>
-              <a:schemeClr val="accent5"/>
-            </a:solidFill>
-            <a:ln>
-              <a:noFill/>
-            </a:ln>
-          </p:spPr>
-          <p:style>
-            <a:lnRef idx="0">
-              <a:scrgbClr r="0" g="0" b="0"/>
-            </a:lnRef>
-            <a:fillRef idx="0">
-              <a:scrgbClr r="0" g="0" b="0"/>
-            </a:fillRef>
-            <a:effectRef idx="0">
-              <a:scrgbClr r="0" g="0" b="0"/>
-            </a:effectRef>
-            <a:fontRef idx="minor">
-              <a:schemeClr val="lt1"/>
-            </a:fontRef>
-          </p:style>
-          <p:txBody>
-            <a:bodyPr lIns="36000" rIns="36000" rtlCol="0" anchor="ctr"/>
-            <a:lstStyle/>
-            <a:p>
-              <a:pPr algn="ctr"/>
-              <a:r>
-                <a:rPr lang="fr-FR" sz="800" b="1" noProof="1" smtClean="0">
-                  <a:solidFill>
-                    <a:schemeClr val="tx1"/>
-                  </a:solidFill>
-                  <a:latin typeface="Gadugi" panose="020B0502040204020203" pitchFamily="34" charset="0"/>
-                  <a:ea typeface="Gadugi" panose="020B0502040204020203" pitchFamily="34" charset="0"/>
-                  <a:cs typeface="Consolas" panose="020B0609020204030204" pitchFamily="49" charset="0"/>
-                </a:rPr>
-                <a:t>STB</a:t>
-              </a:r>
-              <a:endParaRPr lang="fr-FR" sz="800" b="1" noProof="1">
-                <a:solidFill>
-                  <a:schemeClr val="tx1"/>
-                </a:solidFill>
-                <a:latin typeface="Gadugi" panose="020B0502040204020203" pitchFamily="34" charset="0"/>
-                <a:ea typeface="Gadugi" panose="020B0502040204020203" pitchFamily="34" charset="0"/>
-                <a:cs typeface="Consolas" panose="020B0609020204030204" pitchFamily="49" charset="0"/>
-              </a:endParaRPr>
-            </a:p>
-          </p:txBody>
-        </p:sp>
-        <p:sp>
-          <p:nvSpPr>
             <p:cNvPr id="93" name="Rectangle à coins arrondis 271">
               <a:extLst>
                 <a:ext uri="{FF2B5EF4-FFF2-40B4-BE49-F238E27FC236}">
@@ -16631,14 +19080,14 @@
             <p:cNvCxnSpPr>
               <a:cxnSpLocks/>
               <a:stCxn id="93" idx="3"/>
-              <a:endCxn id="92" idx="1"/>
+              <a:endCxn id="134" idx="1"/>
             </p:cNvCxnSpPr>
             <p:nvPr/>
           </p:nvCxnSpPr>
           <p:spPr>
             <a:xfrm flipV="1">
-              <a:off x="4533371" y="3509141"/>
-              <a:ext cx="326774" cy="7181"/>
+              <a:off x="4533371" y="3515571"/>
+              <a:ext cx="293660" cy="751"/>
             </a:xfrm>
             <a:prstGeom prst="straightConnector1">
               <a:avLst/>
@@ -16758,27 +19207,12 @@
             </a:fontRef>
           </p:style>
         </p:cxnSp>
-      </p:grpSp>
-      <p:grpSp>
-        <p:nvGrpSpPr>
-          <p:cNvPr id="17" name="Group 16"/>
-          <p:cNvGrpSpPr/>
-          <p:nvPr/>
-        </p:nvGrpSpPr>
-        <p:grpSpPr>
-          <a:xfrm>
-            <a:off x="780968" y="4786216"/>
-            <a:ext cx="4867202" cy="996486"/>
-            <a:chOff x="780968" y="4786216"/>
-            <a:chExt cx="4867202" cy="996486"/>
-          </a:xfrm>
-        </p:grpSpPr>
         <p:sp>
           <p:nvSpPr>
-            <p:cNvPr id="106" name="Rectangle à coins arrondis 251">
+            <p:cNvPr id="134" name="Rectangle à coins arrondis 269">
               <a:extLst>
                 <a:ext uri="{FF2B5EF4-FFF2-40B4-BE49-F238E27FC236}">
-                  <a16:creationId xmlns:a16="http://schemas.microsoft.com/office/drawing/2014/main" id="{F16D29F8-F334-CB4D-BFD1-BD53652E3698}"/>
+                  <a16:creationId xmlns:a16="http://schemas.microsoft.com/office/drawing/2014/main" id="{0EBD748A-8AD9-2C46-89B4-4F6A71D46447}"/>
                 </a:ext>
               </a:extLst>
             </p:cNvPr>
@@ -16787,8 +19221,8 @@
           </p:nvSpPr>
           <p:spPr>
             <a:xfrm>
-              <a:off x="780968" y="4930470"/>
-              <a:ext cx="506101" cy="326360"/>
+              <a:off x="4827031" y="3352391"/>
+              <a:ext cx="612382" cy="326360"/>
             </a:xfrm>
             <a:prstGeom prst="roundRect">
               <a:avLst/>
@@ -16820,77 +19254,15 @@
             <a:p>
               <a:pPr algn="ctr"/>
               <a:r>
-                <a:rPr lang="fr-FR" sz="800" b="1" noProof="1">
+                <a:rPr lang="fr-FR" sz="800" b="1" noProof="1" smtClean="0">
                   <a:solidFill>
                     <a:schemeClr val="tx1"/>
                   </a:solidFill>
                   <a:latin typeface="Gadugi" panose="020B0502040204020203" pitchFamily="34" charset="0"/>
                   <a:ea typeface="Gadugi" panose="020B0502040204020203" pitchFamily="34" charset="0"/>
-                  <a:cs typeface="Arial Rounded MT Bold" charset="0"/>
+                  <a:cs typeface="Consolas" panose="020B0609020204030204" pitchFamily="49" charset="0"/>
                 </a:rPr>
-                <a:t>Video encoder</a:t>
-              </a:r>
-            </a:p>
-          </p:txBody>
-        </p:sp>
-        <p:sp>
-          <p:nvSpPr>
-            <p:cNvPr id="107" name="Rectangle à coins arrondis 268">
-              <a:extLst>
-                <a:ext uri="{FF2B5EF4-FFF2-40B4-BE49-F238E27FC236}">
-                  <a16:creationId xmlns:a16="http://schemas.microsoft.com/office/drawing/2014/main" id="{207176EF-D58B-9F42-B51F-EDF84066C434}"/>
-                </a:ext>
-              </a:extLst>
-            </p:cNvPr>
-            <p:cNvSpPr/>
-            <p:nvPr/>
-          </p:nvSpPr>
-          <p:spPr>
-            <a:xfrm>
-              <a:off x="1451186" y="4791683"/>
-              <a:ext cx="2172712" cy="501844"/>
-            </a:xfrm>
-            <a:prstGeom prst="roundRect">
-              <a:avLst>
-                <a:gd name="adj" fmla="val 3969"/>
-              </a:avLst>
-            </a:prstGeom>
-            <a:solidFill>
-              <a:schemeClr val="accent5"/>
-            </a:solidFill>
-            <a:ln>
-              <a:noFill/>
-            </a:ln>
-          </p:spPr>
-          <p:style>
-            <a:lnRef idx="0">
-              <a:scrgbClr r="0" g="0" b="0"/>
-            </a:lnRef>
-            <a:fillRef idx="0">
-              <a:scrgbClr r="0" g="0" b="0"/>
-            </a:fillRef>
-            <a:effectRef idx="0">
-              <a:scrgbClr r="0" g="0" b="0"/>
-            </a:effectRef>
-            <a:fontRef idx="minor">
-              <a:schemeClr val="lt1"/>
-            </a:fontRef>
-          </p:style>
-          <p:txBody>
-            <a:bodyPr tIns="0" rtlCol="0" anchor="t" anchorCtr="0"/>
-            <a:lstStyle/>
-            <a:p>
-              <a:pPr algn="ctr"/>
-              <a:r>
-                <a:rPr lang="fr-FR" sz="900" b="1" noProof="1" smtClean="0">
-                  <a:solidFill>
-                    <a:schemeClr val="tx1"/>
-                  </a:solidFill>
-                  <a:latin typeface="Gadugi" panose="020B0502040204020203" pitchFamily="34" charset="0"/>
-                  <a:ea typeface="Gadugi" panose="020B0502040204020203" pitchFamily="34" charset="0"/>
-                  <a:cs typeface="Arial Rounded MT Bold" charset="0"/>
-                </a:rPr>
-                <a:t>DVB SimulCrypt MUX</a:t>
+                <a:t>Dektec modulator</a:t>
               </a:r>
               <a:endParaRPr lang="fr-FR" sz="800" b="1" noProof="1">
                 <a:solidFill>
@@ -16898,156 +19270,14 @@
                 </a:solidFill>
                 <a:latin typeface="Gadugi" panose="020B0502040204020203" pitchFamily="34" charset="0"/>
                 <a:ea typeface="Gadugi" panose="020B0502040204020203" pitchFamily="34" charset="0"/>
-                <a:cs typeface="Arial Rounded MT Bold" charset="0"/>
+                <a:cs typeface="Consolas" panose="020B0609020204030204" pitchFamily="49" charset="0"/>
               </a:endParaRPr>
             </a:p>
           </p:txBody>
         </p:sp>
-        <p:cxnSp>
-          <p:nvCxnSpPr>
-            <p:cNvPr id="108" name="Connecteur droit avec flèche 274">
-              <a:extLst>
-                <a:ext uri="{FF2B5EF4-FFF2-40B4-BE49-F238E27FC236}">
-                  <a16:creationId xmlns:a16="http://schemas.microsoft.com/office/drawing/2014/main" id="{0EB21763-B322-DA48-835F-2AC58953056D}"/>
-                </a:ext>
-              </a:extLst>
-            </p:cNvPr>
-            <p:cNvCxnSpPr>
-              <a:cxnSpLocks/>
-              <a:stCxn id="106" idx="3"/>
-            </p:cNvCxnSpPr>
-            <p:nvPr/>
-          </p:nvCxnSpPr>
-          <p:spPr>
-            <a:xfrm>
-              <a:off x="1287069" y="5093650"/>
-              <a:ext cx="163426" cy="381"/>
-            </a:xfrm>
-            <a:prstGeom prst="straightConnector1">
-              <a:avLst/>
-            </a:prstGeom>
-            <a:ln w="19050">
-              <a:solidFill>
-                <a:schemeClr val="tx1"/>
-              </a:solidFill>
-              <a:prstDash val="sysDash"/>
-              <a:tailEnd type="triangle"/>
-            </a:ln>
-          </p:spPr>
-          <p:style>
-            <a:lnRef idx="1">
-              <a:schemeClr val="accent1"/>
-            </a:lnRef>
-            <a:fillRef idx="0">
-              <a:schemeClr val="accent1"/>
-            </a:fillRef>
-            <a:effectRef idx="0">
-              <a:schemeClr val="accent1"/>
-            </a:effectRef>
-            <a:fontRef idx="minor">
-              <a:schemeClr val="tx1"/>
-            </a:fontRef>
-          </p:style>
-        </p:cxnSp>
         <p:sp>
           <p:nvSpPr>
-            <p:cNvPr id="109" name="ZoneTexte 278">
-              <a:extLst>
-                <a:ext uri="{FF2B5EF4-FFF2-40B4-BE49-F238E27FC236}">
-                  <a16:creationId xmlns:a16="http://schemas.microsoft.com/office/drawing/2014/main" id="{CA252A1D-16B0-9A4A-89F5-1189E8A73A99}"/>
-                </a:ext>
-              </a:extLst>
-            </p:cNvPr>
-            <p:cNvSpPr txBox="1"/>
-            <p:nvPr/>
-          </p:nvSpPr>
-          <p:spPr>
-            <a:xfrm>
-              <a:off x="2517738" y="5032904"/>
-              <a:ext cx="903441" cy="252377"/>
-            </a:xfrm>
-            <a:prstGeom prst="rect">
-              <a:avLst/>
-            </a:prstGeom>
-            <a:noFill/>
-          </p:spPr>
-          <p:txBody>
-            <a:bodyPr wrap="square" lIns="0" tIns="18288" rIns="0" bIns="18288" rtlCol="0">
-              <a:spAutoFit/>
-            </a:bodyPr>
-            <a:lstStyle/>
-            <a:p>
-              <a:pPr algn="ctr"/>
-              <a:r>
-                <a:rPr lang="fr-FR" sz="700" b="1" noProof="1" smtClean="0">
-                  <a:latin typeface="Gadugi" panose="020B0502040204020203" pitchFamily="34" charset="0"/>
-                  <a:ea typeface="Gadugi" panose="020B0502040204020203" pitchFamily="34" charset="0"/>
-                  <a:cs typeface="Arial Rounded MT Bold" charset="0"/>
-                </a:rPr>
-                <a:t>EMMG/PDG </a:t>
-              </a:r>
-              <a:r>
-                <a:rPr lang="fr-FR" sz="700" b="1" noProof="1" smtClean="0">
-                  <a:latin typeface="Gadugi" panose="020B0502040204020203" pitchFamily="34" charset="0"/>
-                  <a:ea typeface="Gadugi" panose="020B0502040204020203" pitchFamily="34" charset="0"/>
-                  <a:cs typeface="Arial Rounded MT Bold" charset="0"/>
-                  <a:sym typeface="Wingdings" panose="05000000000000000000" pitchFamily="2" charset="2"/>
-                </a:rPr>
-                <a:t> MUX</a:t>
-              </a:r>
-            </a:p>
-            <a:p>
-              <a:pPr algn="ctr"/>
-              <a:r>
-                <a:rPr lang="fr-FR" sz="700" b="1" noProof="1" smtClean="0">
-                  <a:latin typeface="Gadugi" panose="020B0502040204020203" pitchFamily="34" charset="0"/>
-                  <a:ea typeface="Gadugi" panose="020B0502040204020203" pitchFamily="34" charset="0"/>
-                  <a:cs typeface="Arial Rounded MT Bold" charset="0"/>
-                  <a:sym typeface="Wingdings" panose="05000000000000000000" pitchFamily="2" charset="2"/>
-                </a:rPr>
-                <a:t>protocol</a:t>
-              </a:r>
-              <a:endParaRPr lang="fr-FR" sz="700" b="1" noProof="1">
-                <a:latin typeface="Gadugi" panose="020B0502040204020203" pitchFamily="34" charset="0"/>
-                <a:ea typeface="Gadugi" panose="020B0502040204020203" pitchFamily="34" charset="0"/>
-                <a:cs typeface="Arial Rounded MT Bold" charset="0"/>
-              </a:endParaRPr>
-            </a:p>
-          </p:txBody>
-        </p:sp>
-        <p:pic>
-          <p:nvPicPr>
-            <p:cNvPr id="110" name="Picture 109"/>
-            <p:cNvPicPr>
-              <a:picLocks noChangeAspect="1"/>
-            </p:cNvPicPr>
-            <p:nvPr/>
-          </p:nvPicPr>
-          <p:blipFill>
-            <a:blip r:embed="rId3">
-              <a:extLst>
-                <a:ext uri="{28A0092B-C50C-407E-A947-70E740481C1C}">
-                  <a14:useLocalDpi xmlns:a14="http://schemas.microsoft.com/office/drawing/2010/main" val="0"/>
-                </a:ext>
-              </a:extLst>
-            </a:blip>
-            <a:stretch>
-              <a:fillRect/>
-            </a:stretch>
-          </p:blipFill>
-          <p:spPr>
-            <a:xfrm>
-              <a:off x="5234815" y="5343668"/>
-              <a:ext cx="413355" cy="94481"/>
-            </a:xfrm>
-            <a:prstGeom prst="rect">
-              <a:avLst/>
-            </a:prstGeom>
-          </p:spPr>
-        </p:pic>
-        <p:sp>
-          <p:nvSpPr>
-            <p:cNvPr id="111" name="Rectangle à coins arrondis 269">
+            <p:cNvPr id="135" name="Rectangle à coins arrondis 269">
               <a:extLst>
                 <a:ext uri="{FF2B5EF4-FFF2-40B4-BE49-F238E27FC236}">
                   <a16:creationId xmlns:a16="http://schemas.microsoft.com/office/drawing/2014/main" id="{0EBD748A-8AD9-2C46-89B4-4F6A71D46447}"/>
@@ -17059,30 +19289,28 @@
           </p:nvSpPr>
           <p:spPr>
             <a:xfrm>
-              <a:off x="1858183" y="5537502"/>
-              <a:ext cx="460092" cy="245199"/>
+              <a:off x="5692653" y="3386171"/>
+              <a:ext cx="380241" cy="245199"/>
             </a:xfrm>
             <a:prstGeom prst="roundRect">
               <a:avLst/>
             </a:prstGeom>
             <a:solidFill>
-              <a:schemeClr val="accent1"/>
+              <a:schemeClr val="accent5"/>
             </a:solidFill>
             <a:ln>
               <a:noFill/>
             </a:ln>
           </p:spPr>
           <p:style>
-            <a:lnRef idx="2">
-              <a:schemeClr val="accent1">
-                <a:shade val="50000"/>
-              </a:schemeClr>
-            </a:lnRef>
-            <a:fillRef idx="1">
-              <a:schemeClr val="accent1"/>
-            </a:fillRef>
-            <a:effectRef idx="0">
-              <a:schemeClr val="accent1"/>
+            <a:lnRef idx="0">
+              <a:scrgbClr r="0" g="0" b="0"/>
+            </a:lnRef>
+            <a:fillRef idx="0">
+              <a:scrgbClr r="0" g="0" b="0"/>
+            </a:fillRef>
+            <a:effectRef idx="0">
+              <a:scrgbClr r="0" g="0" b="0"/>
             </a:effectRef>
             <a:fontRef idx="minor">
               <a:schemeClr val="lt1"/>
@@ -17095,75 +19323,21 @@
               <a:pPr algn="ctr"/>
               <a:r>
                 <a:rPr lang="fr-FR" sz="800" b="1" noProof="1" smtClean="0">
-                  <a:latin typeface="Consolas" panose="020B0609020204030204" pitchFamily="49" charset="0"/>
+                  <a:solidFill>
+                    <a:schemeClr val="tx1"/>
+                  </a:solidFill>
+                  <a:latin typeface="Gadugi" panose="020B0502040204020203" pitchFamily="34" charset="0"/>
+                  <a:ea typeface="Gadugi" panose="020B0502040204020203" pitchFamily="34" charset="0"/>
                   <a:cs typeface="Consolas" panose="020B0609020204030204" pitchFamily="49" charset="0"/>
                 </a:rPr>
-                <a:t>tsecmg</a:t>
+                <a:t>STB</a:t>
               </a:r>
               <a:endParaRPr lang="fr-FR" sz="800" b="1" noProof="1">
-                <a:latin typeface="Consolas" panose="020B0609020204030204" pitchFamily="49" charset="0"/>
-                <a:cs typeface="Consolas" panose="020B0609020204030204" pitchFamily="49" charset="0"/>
-              </a:endParaRPr>
-            </a:p>
-          </p:txBody>
-        </p:sp>
-        <p:sp>
-          <p:nvSpPr>
-            <p:cNvPr id="112" name="Rectangle à coins arrondis 269">
-              <a:extLst>
-                <a:ext uri="{FF2B5EF4-FFF2-40B4-BE49-F238E27FC236}">
-                  <a16:creationId xmlns:a16="http://schemas.microsoft.com/office/drawing/2014/main" id="{0EBD748A-8AD9-2C46-89B4-4F6A71D46447}"/>
-                </a:ext>
-              </a:extLst>
-            </p:cNvPr>
-            <p:cNvSpPr/>
-            <p:nvPr/>
-          </p:nvSpPr>
-          <p:spPr>
-            <a:xfrm>
-              <a:off x="2737363" y="5537503"/>
-              <a:ext cx="460092" cy="245199"/>
-            </a:xfrm>
-            <a:prstGeom prst="roundRect">
-              <a:avLst/>
-            </a:prstGeom>
-            <a:solidFill>
-              <a:schemeClr val="accent1"/>
-            </a:solidFill>
-            <a:ln>
-              <a:noFill/>
-            </a:ln>
-          </p:spPr>
-          <p:style>
-            <a:lnRef idx="2">
-              <a:schemeClr val="accent1">
-                <a:shade val="50000"/>
-              </a:schemeClr>
-            </a:lnRef>
-            <a:fillRef idx="1">
-              <a:schemeClr val="accent1"/>
-            </a:fillRef>
-            <a:effectRef idx="0">
-              <a:schemeClr val="accent1"/>
-            </a:effectRef>
-            <a:fontRef idx="minor">
-              <a:schemeClr val="lt1"/>
-            </a:fontRef>
-          </p:style>
-          <p:txBody>
-            <a:bodyPr lIns="36000" rIns="36000" rtlCol="0" anchor="ctr"/>
-            <a:lstStyle/>
-            <a:p>
-              <a:pPr algn="ctr"/>
-              <a:r>
-                <a:rPr lang="fr-FR" sz="800" b="1" noProof="1" smtClean="0">
-                  <a:latin typeface="Consolas" panose="020B0609020204030204" pitchFamily="49" charset="0"/>
-                  <a:cs typeface="Consolas" panose="020B0609020204030204" pitchFamily="49" charset="0"/>
-                </a:rPr>
-                <a:t>tsemmg</a:t>
-              </a:r>
-              <a:endParaRPr lang="fr-FR" sz="800" b="1" noProof="1">
-                <a:latin typeface="Consolas" panose="020B0609020204030204" pitchFamily="49" charset="0"/>
+                <a:solidFill>
+                  <a:schemeClr val="tx1"/>
+                </a:solidFill>
+                <a:latin typeface="Gadugi" panose="020B0502040204020203" pitchFamily="34" charset="0"/>
+                <a:ea typeface="Gadugi" panose="020B0502040204020203" pitchFamily="34" charset="0"/>
                 <a:cs typeface="Consolas" panose="020B0609020204030204" pitchFamily="49" charset="0"/>
               </a:endParaRPr>
             </a:p>
@@ -17171,513 +19345,7 @@
         </p:sp>
         <p:cxnSp>
           <p:nvCxnSpPr>
-            <p:cNvPr id="115" name="Connecteur droit avec flèche 272">
-              <a:extLst>
-                <a:ext uri="{FF2B5EF4-FFF2-40B4-BE49-F238E27FC236}">
-                  <a16:creationId xmlns:a16="http://schemas.microsoft.com/office/drawing/2014/main" id="{917022DD-9C4E-8C4F-8EF4-DC025172FC05}"/>
-                </a:ext>
-              </a:extLst>
-            </p:cNvPr>
-            <p:cNvCxnSpPr>
-              <a:stCxn id="117" idx="2"/>
-              <a:endCxn id="111" idx="0"/>
-            </p:cNvCxnSpPr>
-            <p:nvPr/>
-          </p:nvCxnSpPr>
-          <p:spPr>
-            <a:xfrm>
-              <a:off x="2088229" y="5283071"/>
-              <a:ext cx="0" cy="254431"/>
-            </a:xfrm>
-            <a:prstGeom prst="straightConnector1">
-              <a:avLst/>
-            </a:prstGeom>
-            <a:ln w="19050">
-              <a:solidFill>
-                <a:schemeClr val="tx1"/>
-              </a:solidFill>
-              <a:prstDash val="sysDash"/>
-              <a:tailEnd type="triangle"/>
-            </a:ln>
-          </p:spPr>
-          <p:style>
-            <a:lnRef idx="1">
-              <a:schemeClr val="accent1"/>
-            </a:lnRef>
-            <a:fillRef idx="0">
-              <a:schemeClr val="accent1"/>
-            </a:fillRef>
-            <a:effectRef idx="0">
-              <a:schemeClr val="accent1"/>
-            </a:effectRef>
-            <a:fontRef idx="minor">
-              <a:schemeClr val="tx1"/>
-            </a:fontRef>
-          </p:style>
-        </p:cxnSp>
-        <p:cxnSp>
-          <p:nvCxnSpPr>
-            <p:cNvPr id="116" name="Connecteur droit avec flèche 272">
-              <a:extLst>
-                <a:ext uri="{FF2B5EF4-FFF2-40B4-BE49-F238E27FC236}">
-                  <a16:creationId xmlns:a16="http://schemas.microsoft.com/office/drawing/2014/main" id="{917022DD-9C4E-8C4F-8EF4-DC025172FC05}"/>
-                </a:ext>
-              </a:extLst>
-            </p:cNvPr>
-            <p:cNvCxnSpPr>
-              <a:stCxn id="112" idx="0"/>
-              <a:endCxn id="109" idx="2"/>
-            </p:cNvCxnSpPr>
-            <p:nvPr/>
-          </p:nvCxnSpPr>
-          <p:spPr>
-            <a:xfrm flipV="1">
-              <a:off x="2967409" y="5285281"/>
-              <a:ext cx="2050" cy="252222"/>
-            </a:xfrm>
-            <a:prstGeom prst="straightConnector1">
-              <a:avLst/>
-            </a:prstGeom>
-            <a:ln w="19050">
-              <a:solidFill>
-                <a:schemeClr val="tx1"/>
-              </a:solidFill>
-              <a:prstDash val="sysDash"/>
-              <a:tailEnd type="triangle"/>
-            </a:ln>
-          </p:spPr>
-          <p:style>
-            <a:lnRef idx="1">
-              <a:schemeClr val="accent1"/>
-            </a:lnRef>
-            <a:fillRef idx="0">
-              <a:schemeClr val="accent1"/>
-            </a:fillRef>
-            <a:effectRef idx="0">
-              <a:schemeClr val="accent1"/>
-            </a:effectRef>
-            <a:fontRef idx="minor">
-              <a:schemeClr val="tx1"/>
-            </a:fontRef>
-          </p:style>
-        </p:cxnSp>
-        <p:sp>
-          <p:nvSpPr>
-            <p:cNvPr id="117" name="ZoneTexte 278">
-              <a:extLst>
-                <a:ext uri="{FF2B5EF4-FFF2-40B4-BE49-F238E27FC236}">
-                  <a16:creationId xmlns:a16="http://schemas.microsoft.com/office/drawing/2014/main" id="{CA252A1D-16B0-9A4A-89F5-1189E8A73A99}"/>
-                </a:ext>
-              </a:extLst>
-            </p:cNvPr>
-            <p:cNvSpPr txBox="1"/>
-            <p:nvPr/>
-          </p:nvSpPr>
-          <p:spPr>
-            <a:xfrm>
-              <a:off x="1757304" y="5030694"/>
-              <a:ext cx="661850" cy="252377"/>
-            </a:xfrm>
-            <a:prstGeom prst="rect">
-              <a:avLst/>
-            </a:prstGeom>
-            <a:noFill/>
-          </p:spPr>
-          <p:txBody>
-            <a:bodyPr wrap="square" lIns="0" tIns="18288" rIns="0" bIns="18288" rtlCol="0">
-              <a:spAutoFit/>
-            </a:bodyPr>
-            <a:lstStyle>
-              <a:defPPr>
-                <a:defRPr lang="fr-FR"/>
-              </a:defPPr>
-              <a:lvl1pPr algn="ctr">
-                <a:defRPr sz="700" b="1">
-                  <a:latin typeface="Gadugi" panose="020B0502040204020203" pitchFamily="34" charset="0"/>
-                  <a:ea typeface="Gadugi" panose="020B0502040204020203" pitchFamily="34" charset="0"/>
-                  <a:cs typeface="Arial Rounded MT Bold" charset="0"/>
-                </a:defRPr>
-              </a:lvl1pPr>
-            </a:lstStyle>
-            <a:p>
-              <a:r>
-                <a:rPr lang="fr-FR" noProof="1"/>
-                <a:t>ECMG </a:t>
-              </a:r>
-              <a:r>
-                <a:rPr lang="fr-FR" noProof="1">
-                  <a:sym typeface="Wingdings" panose="05000000000000000000" pitchFamily="2" charset="2"/>
-                </a:rPr>
-                <a:t> SCS</a:t>
-              </a:r>
-            </a:p>
-            <a:p>
-              <a:r>
-                <a:rPr lang="fr-FR" noProof="1">
-                  <a:sym typeface="Wingdings" panose="05000000000000000000" pitchFamily="2" charset="2"/>
-                </a:rPr>
-                <a:t>protocol</a:t>
-              </a:r>
-              <a:endParaRPr lang="fr-FR" noProof="1"/>
-            </a:p>
-          </p:txBody>
-        </p:sp>
-        <p:sp>
-          <p:nvSpPr>
-            <p:cNvPr id="118" name="Rectangle à coins arrondis 268">
-              <a:extLst>
-                <a:ext uri="{FF2B5EF4-FFF2-40B4-BE49-F238E27FC236}">
-                  <a16:creationId xmlns:a16="http://schemas.microsoft.com/office/drawing/2014/main" id="{207176EF-D58B-9F42-B51F-EDF84066C434}"/>
-                </a:ext>
-              </a:extLst>
-            </p:cNvPr>
-            <p:cNvSpPr/>
-            <p:nvPr/>
-          </p:nvSpPr>
-          <p:spPr>
-            <a:xfrm>
-              <a:off x="3764072" y="4786216"/>
-              <a:ext cx="1884098" cy="501844"/>
-            </a:xfrm>
-            <a:prstGeom prst="roundRect">
-              <a:avLst>
-                <a:gd name="adj" fmla="val 3969"/>
-              </a:avLst>
-            </a:prstGeom>
-            <a:solidFill>
-              <a:schemeClr val="accent6"/>
-            </a:solidFill>
-            <a:ln>
-              <a:noFill/>
-            </a:ln>
-          </p:spPr>
-          <p:style>
-            <a:lnRef idx="2">
-              <a:schemeClr val="accent1">
-                <a:shade val="50000"/>
-              </a:schemeClr>
-            </a:lnRef>
-            <a:fillRef idx="1">
-              <a:schemeClr val="accent1"/>
-            </a:fillRef>
-            <a:effectRef idx="0">
-              <a:schemeClr val="accent1"/>
-            </a:effectRef>
-            <a:fontRef idx="minor">
-              <a:schemeClr val="lt1"/>
-            </a:fontRef>
-          </p:style>
-          <p:txBody>
-            <a:bodyPr tIns="0" rtlCol="0" anchor="t" anchorCtr="0"/>
-            <a:lstStyle/>
-            <a:p>
-              <a:pPr algn="ctr"/>
-              <a:r>
-                <a:rPr lang="fr-FR" sz="900" b="1" noProof="1">
-                  <a:solidFill>
-                    <a:schemeClr val="tx1"/>
-                  </a:solidFill>
-                  <a:latin typeface="Gadugi" panose="020B0502040204020203" pitchFamily="34" charset="0"/>
-                  <a:ea typeface="Gadugi" panose="020B0502040204020203" pitchFamily="34" charset="0"/>
-                  <a:cs typeface="Arial Rounded MT Bold" charset="0"/>
-                </a:rPr>
-                <a:t>tsp</a:t>
-              </a:r>
-              <a:endParaRPr lang="fr-FR" sz="800" b="1" noProof="1">
-                <a:solidFill>
-                  <a:schemeClr val="tx1"/>
-                </a:solidFill>
-                <a:latin typeface="Gadugi" panose="020B0502040204020203" pitchFamily="34" charset="0"/>
-                <a:ea typeface="Gadugi" panose="020B0502040204020203" pitchFamily="34" charset="0"/>
-                <a:cs typeface="Arial Rounded MT Bold" charset="0"/>
-              </a:endParaRPr>
-            </a:p>
-          </p:txBody>
-        </p:sp>
-        <p:sp>
-          <p:nvSpPr>
-            <p:cNvPr id="119" name="Rectangle à coins arrondis 269">
-              <a:extLst>
-                <a:ext uri="{FF2B5EF4-FFF2-40B4-BE49-F238E27FC236}">
-                  <a16:creationId xmlns:a16="http://schemas.microsoft.com/office/drawing/2014/main" id="{0EBD748A-8AD9-2C46-89B4-4F6A71D46447}"/>
-                </a:ext>
-              </a:extLst>
-            </p:cNvPr>
-            <p:cNvSpPr/>
-            <p:nvPr/>
-          </p:nvSpPr>
-          <p:spPr>
-            <a:xfrm>
-              <a:off x="3860117" y="4965963"/>
-              <a:ext cx="285681" cy="245199"/>
-            </a:xfrm>
-            <a:prstGeom prst="roundRect">
-              <a:avLst/>
-            </a:prstGeom>
-            <a:solidFill>
-              <a:schemeClr val="accent1"/>
-            </a:solidFill>
-            <a:ln>
-              <a:noFill/>
-            </a:ln>
-          </p:spPr>
-          <p:style>
-            <a:lnRef idx="2">
-              <a:schemeClr val="accent1">
-                <a:shade val="50000"/>
-              </a:schemeClr>
-            </a:lnRef>
-            <a:fillRef idx="1">
-              <a:schemeClr val="accent1"/>
-            </a:fillRef>
-            <a:effectRef idx="0">
-              <a:schemeClr val="accent1"/>
-            </a:effectRef>
-            <a:fontRef idx="minor">
-              <a:schemeClr val="lt1"/>
-            </a:fontRef>
-          </p:style>
-          <p:txBody>
-            <a:bodyPr lIns="36000" rIns="36000" rtlCol="0" anchor="ctr"/>
-            <a:lstStyle/>
-            <a:p>
-              <a:pPr algn="ctr"/>
-              <a:r>
-                <a:rPr lang="fr-FR" sz="800" b="1" noProof="1" smtClean="0">
-                  <a:latin typeface="Consolas" panose="020B0609020204030204" pitchFamily="49" charset="0"/>
-                  <a:cs typeface="Consolas" panose="020B0609020204030204" pitchFamily="49" charset="0"/>
-                </a:rPr>
-                <a:t>ip</a:t>
-              </a:r>
-              <a:endParaRPr lang="fr-FR" sz="800" b="1" noProof="1">
-                <a:latin typeface="Consolas" panose="020B0609020204030204" pitchFamily="49" charset="0"/>
-                <a:cs typeface="Consolas" panose="020B0609020204030204" pitchFamily="49" charset="0"/>
-              </a:endParaRPr>
-            </a:p>
-          </p:txBody>
-        </p:sp>
-        <p:sp>
-          <p:nvSpPr>
-            <p:cNvPr id="120" name="Rectangle à coins arrondis 270">
-              <a:extLst>
-                <a:ext uri="{FF2B5EF4-FFF2-40B4-BE49-F238E27FC236}">
-                  <a16:creationId xmlns:a16="http://schemas.microsoft.com/office/drawing/2014/main" id="{FF06C02C-F215-8D4F-A8E5-8095AD1B4B48}"/>
-                </a:ext>
-              </a:extLst>
-            </p:cNvPr>
-            <p:cNvSpPr/>
-            <p:nvPr/>
-          </p:nvSpPr>
-          <p:spPr>
-            <a:xfrm>
-              <a:off x="4284361" y="4965963"/>
-              <a:ext cx="740982" cy="245199"/>
-            </a:xfrm>
-            <a:prstGeom prst="roundRect">
-              <a:avLst/>
-            </a:prstGeom>
-            <a:solidFill>
-              <a:schemeClr val="accent1"/>
-            </a:solidFill>
-            <a:ln>
-              <a:noFill/>
-            </a:ln>
-          </p:spPr>
-          <p:style>
-            <a:lnRef idx="2">
-              <a:schemeClr val="accent1">
-                <a:shade val="50000"/>
-              </a:schemeClr>
-            </a:lnRef>
-            <a:fillRef idx="1">
-              <a:schemeClr val="accent1"/>
-            </a:fillRef>
-            <a:effectRef idx="0">
-              <a:schemeClr val="accent1"/>
-            </a:effectRef>
-            <a:fontRef idx="minor">
-              <a:schemeClr val="lt1"/>
-            </a:fontRef>
-          </p:style>
-          <p:txBody>
-            <a:bodyPr lIns="0" rIns="0" rtlCol="0" anchor="ctr"/>
-            <a:lstStyle/>
-            <a:p>
-              <a:pPr algn="ctr"/>
-              <a:r>
-                <a:rPr lang="fr-FR" sz="800" b="1" noProof="1" smtClean="0">
-                  <a:latin typeface="Consolas" panose="020B0609020204030204" pitchFamily="49" charset="0"/>
-                  <a:cs typeface="Consolas" panose="020B0609020204030204" pitchFamily="49" charset="0"/>
-                </a:rPr>
-                <a:t>descrambler</a:t>
-              </a:r>
-              <a:endParaRPr lang="fr-FR" sz="800" b="1" noProof="1">
-                <a:latin typeface="Consolas" panose="020B0609020204030204" pitchFamily="49" charset="0"/>
-                <a:cs typeface="Consolas" panose="020B0609020204030204" pitchFamily="49" charset="0"/>
-              </a:endParaRPr>
-            </a:p>
-          </p:txBody>
-        </p:sp>
-        <p:sp>
-          <p:nvSpPr>
-            <p:cNvPr id="121" name="Rectangle à coins arrondis 271">
-              <a:extLst>
-                <a:ext uri="{FF2B5EF4-FFF2-40B4-BE49-F238E27FC236}">
-                  <a16:creationId xmlns:a16="http://schemas.microsoft.com/office/drawing/2014/main" id="{DC06761C-E5D6-8C40-8FE7-6EAC716FC474}"/>
-                </a:ext>
-              </a:extLst>
-            </p:cNvPr>
-            <p:cNvSpPr/>
-            <p:nvPr/>
-          </p:nvSpPr>
-          <p:spPr>
-            <a:xfrm>
-              <a:off x="5163905" y="4965963"/>
-              <a:ext cx="386128" cy="245199"/>
-            </a:xfrm>
-            <a:prstGeom prst="roundRect">
-              <a:avLst/>
-            </a:prstGeom>
-            <a:solidFill>
-              <a:schemeClr val="accent1"/>
-            </a:solidFill>
-            <a:ln>
-              <a:noFill/>
-            </a:ln>
-          </p:spPr>
-          <p:style>
-            <a:lnRef idx="2">
-              <a:schemeClr val="accent1">
-                <a:shade val="50000"/>
-              </a:schemeClr>
-            </a:lnRef>
-            <a:fillRef idx="1">
-              <a:schemeClr val="accent1"/>
-            </a:fillRef>
-            <a:effectRef idx="0">
-              <a:schemeClr val="accent1"/>
-            </a:effectRef>
-            <a:fontRef idx="minor">
-              <a:schemeClr val="lt1"/>
-            </a:fontRef>
-          </p:style>
-          <p:txBody>
-            <a:bodyPr lIns="0" rIns="0" rtlCol="0" anchor="ctr"/>
-            <a:lstStyle/>
-            <a:p>
-              <a:pPr algn="ctr"/>
-              <a:r>
-                <a:rPr lang="fr-FR" sz="800" b="1" noProof="1" smtClean="0">
-                  <a:latin typeface="Consolas" panose="020B0609020204030204" pitchFamily="49" charset="0"/>
-                  <a:ea typeface="Arial Rounded MT Bold" charset="0"/>
-                  <a:cs typeface="Consolas" panose="020B0609020204030204" pitchFamily="49" charset="0"/>
-                </a:rPr>
-                <a:t>play</a:t>
-              </a:r>
-              <a:endParaRPr lang="fr-FR" sz="800" i="1" noProof="1">
-                <a:latin typeface="Cambria" panose="02040503050406030204" pitchFamily="18" charset="0"/>
-                <a:ea typeface="Arial Rounded MT Bold" charset="0"/>
-                <a:cs typeface="Arial Rounded MT Bold" charset="0"/>
-              </a:endParaRPr>
-            </a:p>
-          </p:txBody>
-        </p:sp>
-        <p:cxnSp>
-          <p:nvCxnSpPr>
-            <p:cNvPr id="122" name="Connecteur droit avec flèche 272">
-              <a:extLst>
-                <a:ext uri="{FF2B5EF4-FFF2-40B4-BE49-F238E27FC236}">
-                  <a16:creationId xmlns:a16="http://schemas.microsoft.com/office/drawing/2014/main" id="{917022DD-9C4E-8C4F-8EF4-DC025172FC05}"/>
-                </a:ext>
-              </a:extLst>
-            </p:cNvPr>
-            <p:cNvCxnSpPr>
-              <a:stCxn id="119" idx="3"/>
-              <a:endCxn id="120" idx="1"/>
-            </p:cNvCxnSpPr>
-            <p:nvPr/>
-          </p:nvCxnSpPr>
-          <p:spPr>
-            <a:xfrm>
-              <a:off x="4145798" y="5088563"/>
-              <a:ext cx="138563" cy="0"/>
-            </a:xfrm>
-            <a:prstGeom prst="straightConnector1">
-              <a:avLst/>
-            </a:prstGeom>
-            <a:ln w="19050">
-              <a:solidFill>
-                <a:schemeClr val="tx1"/>
-              </a:solidFill>
-              <a:prstDash val="sysDash"/>
-              <a:tailEnd type="triangle"/>
-            </a:ln>
-          </p:spPr>
-          <p:style>
-            <a:lnRef idx="1">
-              <a:schemeClr val="accent1"/>
-            </a:lnRef>
-            <a:fillRef idx="0">
-              <a:schemeClr val="accent1"/>
-            </a:fillRef>
-            <a:effectRef idx="0">
-              <a:schemeClr val="accent1"/>
-            </a:effectRef>
-            <a:fontRef idx="minor">
-              <a:schemeClr val="tx1"/>
-            </a:fontRef>
-          </p:style>
-        </p:cxnSp>
-        <p:cxnSp>
-          <p:nvCxnSpPr>
-            <p:cNvPr id="123" name="Connecteur droit avec flèche 273">
-              <a:extLst>
-                <a:ext uri="{FF2B5EF4-FFF2-40B4-BE49-F238E27FC236}">
-                  <a16:creationId xmlns:a16="http://schemas.microsoft.com/office/drawing/2014/main" id="{C8A7163D-1B73-8544-BEB6-5055C4559C5C}"/>
-                </a:ext>
-              </a:extLst>
-            </p:cNvPr>
-            <p:cNvCxnSpPr>
-              <a:cxnSpLocks/>
-              <a:stCxn id="120" idx="3"/>
-              <a:endCxn id="121" idx="1"/>
-            </p:cNvCxnSpPr>
-            <p:nvPr/>
-          </p:nvCxnSpPr>
-          <p:spPr>
-            <a:xfrm>
-              <a:off x="5025343" y="5088563"/>
-              <a:ext cx="138562" cy="0"/>
-            </a:xfrm>
-            <a:prstGeom prst="straightConnector1">
-              <a:avLst/>
-            </a:prstGeom>
-            <a:ln w="19050">
-              <a:solidFill>
-                <a:schemeClr val="tx1"/>
-              </a:solidFill>
-              <a:prstDash val="sysDash"/>
-              <a:tailEnd type="triangle"/>
-            </a:ln>
-          </p:spPr>
-          <p:style>
-            <a:lnRef idx="1">
-              <a:schemeClr val="accent1"/>
-            </a:lnRef>
-            <a:fillRef idx="0">
-              <a:schemeClr val="accent1"/>
-            </a:fillRef>
-            <a:effectRef idx="0">
-              <a:schemeClr val="accent1"/>
-            </a:effectRef>
-            <a:fontRef idx="minor">
-              <a:schemeClr val="tx1"/>
-            </a:fontRef>
-          </p:style>
-        </p:cxnSp>
-        <p:cxnSp>
-          <p:nvCxnSpPr>
-            <p:cNvPr id="114" name="Connecteur droit avec flèche 276">
+            <p:cNvPr id="136" name="Connecteur droit avec flèche 276">
               <a:extLst>
                 <a:ext uri="{FF2B5EF4-FFF2-40B4-BE49-F238E27FC236}">
                   <a16:creationId xmlns:a16="http://schemas.microsoft.com/office/drawing/2014/main" id="{51025ACC-3151-1E4B-AB8E-659FC8729762}"/>
@@ -17686,14 +19354,15 @@
             </p:cNvPr>
             <p:cNvCxnSpPr>
               <a:cxnSpLocks/>
-              <a:endCxn id="119" idx="1"/>
+              <a:stCxn id="134" idx="3"/>
+              <a:endCxn id="135" idx="1"/>
             </p:cNvCxnSpPr>
             <p:nvPr/>
           </p:nvCxnSpPr>
           <p:spPr>
             <a:xfrm flipV="1">
-              <a:off x="3616125" y="5088563"/>
-              <a:ext cx="243992" cy="5470"/>
+              <a:off x="5439413" y="3508771"/>
+              <a:ext cx="253240" cy="6800"/>
             </a:xfrm>
             <a:prstGeom prst="straightConnector1">
               <a:avLst/>
@@ -17724,16 +19393,16 @@
       </p:grpSp>
       <p:grpSp>
         <p:nvGrpSpPr>
-          <p:cNvPr id="15" name="Group 14"/>
+          <p:cNvPr id="11" name="Group 10"/>
           <p:cNvGrpSpPr/>
           <p:nvPr/>
         </p:nvGrpSpPr>
         <p:grpSpPr>
           <a:xfrm>
             <a:off x="1052951" y="1574876"/>
-            <a:ext cx="3466534" cy="991019"/>
+            <a:ext cx="4295209" cy="991019"/>
             <a:chOff x="1052951" y="1574876"/>
-            <a:chExt cx="3466534" cy="991019"/>
+            <a:chExt cx="4295209" cy="991019"/>
           </a:xfrm>
         </p:grpSpPr>
         <p:sp>
@@ -17851,7 +19520,7 @@
             <p:nvPr/>
           </p:nvPicPr>
           <p:blipFill>
-            <a:blip r:embed="rId3">
+            <a:blip r:embed="rId2">
               <a:extLst>
                 <a:ext uri="{28A0092B-C50C-407E-A947-70E740481C1C}">
                   <a14:useLocalDpi xmlns:a14="http://schemas.microsoft.com/office/drawing/2010/main" val="0"/>
@@ -17864,7 +19533,7 @@
           </p:blipFill>
           <p:spPr>
             <a:xfrm>
-              <a:off x="4106130" y="2059898"/>
+              <a:off x="4934805" y="2059898"/>
               <a:ext cx="413355" cy="94481"/>
             </a:xfrm>
             <a:prstGeom prst="rect">
@@ -18004,7 +19673,75 @@
           </p:nvSpPr>
           <p:spPr>
             <a:xfrm>
-              <a:off x="4139244" y="1747443"/>
+              <a:off x="4089848" y="1747443"/>
+              <a:ext cx="612382" cy="245199"/>
+            </a:xfrm>
+            <a:prstGeom prst="roundRect">
+              <a:avLst/>
+            </a:prstGeom>
+            <a:solidFill>
+              <a:schemeClr val="accent5"/>
+            </a:solidFill>
+            <a:ln>
+              <a:noFill/>
+            </a:ln>
+          </p:spPr>
+          <p:style>
+            <a:lnRef idx="0">
+              <a:scrgbClr r="0" g="0" b="0"/>
+            </a:lnRef>
+            <a:fillRef idx="0">
+              <a:scrgbClr r="0" g="0" b="0"/>
+            </a:fillRef>
+            <a:effectRef idx="0">
+              <a:scrgbClr r="0" g="0" b="0"/>
+            </a:effectRef>
+            <a:fontRef idx="minor">
+              <a:schemeClr val="lt1"/>
+            </a:fontRef>
+          </p:style>
+          <p:txBody>
+            <a:bodyPr lIns="36000" rIns="36000" rtlCol="0" anchor="ctr"/>
+            <a:lstStyle/>
+            <a:p>
+              <a:pPr algn="ctr"/>
+              <a:r>
+                <a:rPr lang="fr-FR" sz="800" b="1" noProof="1" smtClean="0">
+                  <a:solidFill>
+                    <a:schemeClr val="tx1"/>
+                  </a:solidFill>
+                  <a:latin typeface="Gadugi" panose="020B0502040204020203" pitchFamily="34" charset="0"/>
+                  <a:ea typeface="Gadugi" panose="020B0502040204020203" pitchFamily="34" charset="0"/>
+                  <a:cs typeface="Consolas" panose="020B0609020204030204" pitchFamily="49" charset="0"/>
+                </a:rPr>
+                <a:t>Modulator</a:t>
+              </a:r>
+              <a:endParaRPr lang="fr-FR" sz="800" b="1" noProof="1">
+                <a:solidFill>
+                  <a:schemeClr val="tx1"/>
+                </a:solidFill>
+                <a:latin typeface="Gadugi" panose="020B0502040204020203" pitchFamily="34" charset="0"/>
+                <a:ea typeface="Gadugi" panose="020B0502040204020203" pitchFamily="34" charset="0"/>
+                <a:cs typeface="Consolas" panose="020B0609020204030204" pitchFamily="49" charset="0"/>
+              </a:endParaRPr>
+            </a:p>
+          </p:txBody>
+        </p:sp>
+        <p:sp>
+          <p:nvSpPr>
+            <p:cNvPr id="137" name="Rectangle à coins arrondis 269">
+              <a:extLst>
+                <a:ext uri="{FF2B5EF4-FFF2-40B4-BE49-F238E27FC236}">
+                  <a16:creationId xmlns:a16="http://schemas.microsoft.com/office/drawing/2014/main" id="{0EBD748A-8AD9-2C46-89B4-4F6A71D46447}"/>
+                </a:ext>
+              </a:extLst>
+            </p:cNvPr>
+            <p:cNvSpPr/>
+            <p:nvPr/>
+          </p:nvSpPr>
+          <p:spPr>
+            <a:xfrm>
+              <a:off x="4949510" y="1747443"/>
               <a:ext cx="380241" cy="245199"/>
             </a:xfrm>
             <a:prstGeom prst="roundRect">
@@ -18041,7 +19778,8 @@
                   <a:solidFill>
                     <a:schemeClr val="tx1"/>
                   </a:solidFill>
-                  <a:latin typeface="Consolas" panose="020B0609020204030204" pitchFamily="49" charset="0"/>
+                  <a:latin typeface="Gadugi" panose="020B0502040204020203" pitchFamily="34" charset="0"/>
+                  <a:ea typeface="Gadugi" panose="020B0502040204020203" pitchFamily="34" charset="0"/>
                   <a:cs typeface="Consolas" panose="020B0609020204030204" pitchFamily="49" charset="0"/>
                 </a:rPr>
                 <a:t>STB</a:t>
@@ -18051,7 +19789,54 @@
         </p:sp>
         <p:cxnSp>
           <p:nvCxnSpPr>
-            <p:cNvPr id="66" name="Connecteur droit avec flèche 276">
+            <p:cNvPr id="138" name="Connecteur droit avec flèche 276">
+              <a:extLst>
+                <a:ext uri="{FF2B5EF4-FFF2-40B4-BE49-F238E27FC236}">
+                  <a16:creationId xmlns:a16="http://schemas.microsoft.com/office/drawing/2014/main" id="{51025ACC-3151-1E4B-AB8E-659FC8729762}"/>
+                </a:ext>
+              </a:extLst>
+            </p:cNvPr>
+            <p:cNvCxnSpPr>
+              <a:cxnSpLocks/>
+              <a:stCxn id="58" idx="3"/>
+              <a:endCxn id="137" idx="1"/>
+            </p:cNvCxnSpPr>
+            <p:nvPr/>
+          </p:nvCxnSpPr>
+          <p:spPr>
+            <a:xfrm>
+              <a:off x="4702230" y="1870043"/>
+              <a:ext cx="247280" cy="0"/>
+            </a:xfrm>
+            <a:prstGeom prst="straightConnector1">
+              <a:avLst/>
+            </a:prstGeom>
+            <a:ln w="19050">
+              <a:solidFill>
+                <a:schemeClr val="tx1"/>
+              </a:solidFill>
+              <a:prstDash val="sysDash"/>
+              <a:tailEnd type="triangle"/>
+            </a:ln>
+          </p:spPr>
+          <p:style>
+            <a:lnRef idx="1">
+              <a:schemeClr val="accent1"/>
+            </a:lnRef>
+            <a:fillRef idx="0">
+              <a:schemeClr val="accent1"/>
+            </a:fillRef>
+            <a:effectRef idx="0">
+              <a:schemeClr val="accent1"/>
+            </a:effectRef>
+            <a:fontRef idx="minor">
+              <a:schemeClr val="tx1"/>
+            </a:fontRef>
+          </p:style>
+        </p:cxnSp>
+        <p:cxnSp>
+          <p:nvCxnSpPr>
+            <p:cNvPr id="141" name="Connecteur droit avec flèche 276">
               <a:extLst>
                 <a:ext uri="{FF2B5EF4-FFF2-40B4-BE49-F238E27FC236}">
                   <a16:creationId xmlns:a16="http://schemas.microsoft.com/office/drawing/2014/main" id="{51025ACC-3151-1E4B-AB8E-659FC8729762}"/>
@@ -18065,9 +19850,9 @@
             <p:nvPr/>
           </p:nvCxnSpPr>
           <p:spPr>
-            <a:xfrm flipV="1">
-              <a:off x="3899330" y="1870043"/>
-              <a:ext cx="239914" cy="7182"/>
+            <a:xfrm>
+              <a:off x="3832071" y="1870043"/>
+              <a:ext cx="257777" cy="0"/>
             </a:xfrm>
             <a:prstGeom prst="straightConnector1">
               <a:avLst/>
@@ -18376,1560 +20161,6 @@
             </a:p>
           </p:txBody>
         </p:sp>
-      </p:grpSp>
-      <p:grpSp>
-        <p:nvGrpSpPr>
-          <p:cNvPr id="4" name="Group 3"/>
-          <p:cNvGrpSpPr/>
-          <p:nvPr/>
-        </p:nvGrpSpPr>
-        <p:grpSpPr>
-          <a:xfrm>
-            <a:off x="597257" y="6442535"/>
-            <a:ext cx="5173846" cy="1415037"/>
-            <a:chOff x="597257" y="6442535"/>
-            <a:chExt cx="5173846" cy="1415037"/>
-          </a:xfrm>
-        </p:grpSpPr>
-        <p:sp>
-          <p:nvSpPr>
-            <p:cNvPr id="67" name="Rectangle à coins arrondis 268">
-              <a:extLst>
-                <a:ext uri="{FF2B5EF4-FFF2-40B4-BE49-F238E27FC236}">
-                  <a16:creationId xmlns:a16="http://schemas.microsoft.com/office/drawing/2014/main" id="{207176EF-D58B-9F42-B51F-EDF84066C434}"/>
-                </a:ext>
-              </a:extLst>
-            </p:cNvPr>
-            <p:cNvSpPr/>
-            <p:nvPr/>
-          </p:nvSpPr>
-          <p:spPr>
-            <a:xfrm>
-              <a:off x="1146328" y="6672027"/>
-              <a:ext cx="4624775" cy="501844"/>
-            </a:xfrm>
-            <a:prstGeom prst="roundRect">
-              <a:avLst>
-                <a:gd name="adj" fmla="val 3969"/>
-              </a:avLst>
-            </a:prstGeom>
-            <a:solidFill>
-              <a:schemeClr val="accent6"/>
-            </a:solidFill>
-            <a:ln>
-              <a:noFill/>
-            </a:ln>
-          </p:spPr>
-          <p:style>
-            <a:lnRef idx="2">
-              <a:schemeClr val="accent1">
-                <a:shade val="50000"/>
-              </a:schemeClr>
-            </a:lnRef>
-            <a:fillRef idx="1">
-              <a:schemeClr val="accent1"/>
-            </a:fillRef>
-            <a:effectRef idx="0">
-              <a:schemeClr val="accent1"/>
-            </a:effectRef>
-            <a:fontRef idx="minor">
-              <a:schemeClr val="lt1"/>
-            </a:fontRef>
-          </p:style>
-          <p:txBody>
-            <a:bodyPr tIns="0" rtlCol="0" anchor="t" anchorCtr="0"/>
-            <a:lstStyle/>
-            <a:p>
-              <a:pPr algn="ctr"/>
-              <a:r>
-                <a:rPr lang="fr-FR" sz="900" b="1" noProof="1">
-                  <a:solidFill>
-                    <a:schemeClr val="tx1"/>
-                  </a:solidFill>
-                  <a:latin typeface="Gadugi" panose="020B0502040204020203" pitchFamily="34" charset="0"/>
-                  <a:ea typeface="Gadugi" panose="020B0502040204020203" pitchFamily="34" charset="0"/>
-                  <a:cs typeface="Arial Rounded MT Bold" charset="0"/>
-                </a:rPr>
-                <a:t>tsp</a:t>
-              </a:r>
-              <a:endParaRPr lang="fr-FR" sz="800" b="1" noProof="1">
-                <a:solidFill>
-                  <a:schemeClr val="tx1"/>
-                </a:solidFill>
-                <a:latin typeface="Gadugi" panose="020B0502040204020203" pitchFamily="34" charset="0"/>
-                <a:ea typeface="Gadugi" panose="020B0502040204020203" pitchFamily="34" charset="0"/>
-                <a:cs typeface="Arial Rounded MT Bold" charset="0"/>
-              </a:endParaRPr>
-            </a:p>
-          </p:txBody>
-        </p:sp>
-        <p:sp>
-          <p:nvSpPr>
-            <p:cNvPr id="68" name="Rectangle à coins arrondis 269">
-              <a:extLst>
-                <a:ext uri="{FF2B5EF4-FFF2-40B4-BE49-F238E27FC236}">
-                  <a16:creationId xmlns:a16="http://schemas.microsoft.com/office/drawing/2014/main" id="{0EBD748A-8AD9-2C46-89B4-4F6A71D46447}"/>
-                </a:ext>
-              </a:extLst>
-            </p:cNvPr>
-            <p:cNvSpPr/>
-            <p:nvPr/>
-          </p:nvSpPr>
-          <p:spPr>
-            <a:xfrm>
-              <a:off x="1268433" y="6853180"/>
-              <a:ext cx="314249" cy="245199"/>
-            </a:xfrm>
-            <a:prstGeom prst="roundRect">
-              <a:avLst/>
-            </a:prstGeom>
-            <a:solidFill>
-              <a:schemeClr val="accent1"/>
-            </a:solidFill>
-            <a:ln>
-              <a:noFill/>
-            </a:ln>
-          </p:spPr>
-          <p:style>
-            <a:lnRef idx="2">
-              <a:schemeClr val="accent1">
-                <a:shade val="50000"/>
-              </a:schemeClr>
-            </a:lnRef>
-            <a:fillRef idx="1">
-              <a:schemeClr val="accent1"/>
-            </a:fillRef>
-            <a:effectRef idx="0">
-              <a:schemeClr val="accent1"/>
-            </a:effectRef>
-            <a:fontRef idx="minor">
-              <a:schemeClr val="lt1"/>
-            </a:fontRef>
-          </p:style>
-          <p:txBody>
-            <a:bodyPr lIns="0" rIns="0" rtlCol="0" anchor="ctr"/>
-            <a:lstStyle/>
-            <a:p>
-              <a:pPr algn="ctr"/>
-              <a:r>
-                <a:rPr lang="fr-FR" sz="800" b="1" noProof="1" smtClean="0">
-                  <a:latin typeface="Consolas" panose="020B0609020204030204" pitchFamily="49" charset="0"/>
-                  <a:cs typeface="Consolas" panose="020B0609020204030204" pitchFamily="49" charset="0"/>
-                </a:rPr>
-                <a:t>file</a:t>
-              </a:r>
-              <a:endParaRPr lang="fr-FR" sz="800" b="1" noProof="1">
-                <a:latin typeface="Consolas" panose="020B0609020204030204" pitchFamily="49" charset="0"/>
-                <a:cs typeface="Consolas" panose="020B0609020204030204" pitchFamily="49" charset="0"/>
-              </a:endParaRPr>
-            </a:p>
-          </p:txBody>
-        </p:sp>
-        <p:sp>
-          <p:nvSpPr>
-            <p:cNvPr id="70" name="Rectangle à coins arrondis 270">
-              <a:extLst>
-                <a:ext uri="{FF2B5EF4-FFF2-40B4-BE49-F238E27FC236}">
-                  <a16:creationId xmlns:a16="http://schemas.microsoft.com/office/drawing/2014/main" id="{FF06C02C-F215-8D4F-A8E5-8095AD1B4B48}"/>
-                </a:ext>
-              </a:extLst>
-            </p:cNvPr>
-            <p:cNvSpPr/>
-            <p:nvPr/>
-          </p:nvSpPr>
-          <p:spPr>
-            <a:xfrm>
-              <a:off x="2371845" y="6853180"/>
-              <a:ext cx="612382" cy="245199"/>
-            </a:xfrm>
-            <a:prstGeom prst="roundRect">
-              <a:avLst/>
-            </a:prstGeom>
-            <a:solidFill>
-              <a:schemeClr val="accent1"/>
-            </a:solidFill>
-            <a:ln>
-              <a:noFill/>
-            </a:ln>
-          </p:spPr>
-          <p:style>
-            <a:lnRef idx="2">
-              <a:schemeClr val="accent1">
-                <a:shade val="50000"/>
-              </a:schemeClr>
-            </a:lnRef>
-            <a:fillRef idx="1">
-              <a:schemeClr val="accent1"/>
-            </a:fillRef>
-            <a:effectRef idx="0">
-              <a:schemeClr val="accent1"/>
-            </a:effectRef>
-            <a:fontRef idx="minor">
-              <a:schemeClr val="lt1"/>
-            </a:fontRef>
-          </p:style>
-          <p:txBody>
-            <a:bodyPr lIns="0" rIns="0" rtlCol="0" anchor="ctr"/>
-            <a:lstStyle/>
-            <a:p>
-              <a:pPr algn="ctr"/>
-              <a:r>
-                <a:rPr lang="fr-FR" sz="800" b="1" noProof="1" smtClean="0">
-                  <a:latin typeface="Consolas" panose="020B0609020204030204" pitchFamily="49" charset="0"/>
-                  <a:cs typeface="Consolas" panose="020B0609020204030204" pitchFamily="49" charset="0"/>
-                </a:rPr>
-                <a:t>scrambler</a:t>
-              </a:r>
-              <a:endParaRPr lang="fr-FR" sz="800" b="1" noProof="1">
-                <a:latin typeface="Consolas" panose="020B0609020204030204" pitchFamily="49" charset="0"/>
-                <a:cs typeface="Consolas" panose="020B0609020204030204" pitchFamily="49" charset="0"/>
-              </a:endParaRPr>
-            </a:p>
-          </p:txBody>
-        </p:sp>
-        <p:cxnSp>
-          <p:nvCxnSpPr>
-            <p:cNvPr id="71" name="Connecteur droit avec flèche 272">
-              <a:extLst>
-                <a:ext uri="{FF2B5EF4-FFF2-40B4-BE49-F238E27FC236}">
-                  <a16:creationId xmlns:a16="http://schemas.microsoft.com/office/drawing/2014/main" id="{917022DD-9C4E-8C4F-8EF4-DC025172FC05}"/>
-                </a:ext>
-              </a:extLst>
-            </p:cNvPr>
-            <p:cNvCxnSpPr/>
-            <p:nvPr/>
-          </p:nvCxnSpPr>
-          <p:spPr>
-            <a:xfrm flipV="1">
-              <a:off x="1582682" y="6974886"/>
-              <a:ext cx="141198" cy="1787"/>
-            </a:xfrm>
-            <a:prstGeom prst="straightConnector1">
-              <a:avLst/>
-            </a:prstGeom>
-            <a:ln w="19050">
-              <a:solidFill>
-                <a:schemeClr val="tx1"/>
-              </a:solidFill>
-              <a:prstDash val="sysDash"/>
-              <a:tailEnd type="triangle"/>
-            </a:ln>
-          </p:spPr>
-          <p:style>
-            <a:lnRef idx="1">
-              <a:schemeClr val="accent1"/>
-            </a:lnRef>
-            <a:fillRef idx="0">
-              <a:schemeClr val="accent1"/>
-            </a:fillRef>
-            <a:effectRef idx="0">
-              <a:schemeClr val="accent1"/>
-            </a:effectRef>
-            <a:fontRef idx="minor">
-              <a:schemeClr val="tx1"/>
-            </a:fontRef>
-          </p:style>
-        </p:cxnSp>
-        <p:cxnSp>
-          <p:nvCxnSpPr>
-            <p:cNvPr id="73" name="Connecteur droit avec flèche 273">
-              <a:extLst>
-                <a:ext uri="{FF2B5EF4-FFF2-40B4-BE49-F238E27FC236}">
-                  <a16:creationId xmlns:a16="http://schemas.microsoft.com/office/drawing/2014/main" id="{C8A7163D-1B73-8544-BEB6-5055C4559C5C}"/>
-                </a:ext>
-              </a:extLst>
-            </p:cNvPr>
-            <p:cNvCxnSpPr>
-              <a:cxnSpLocks/>
-            </p:cNvCxnSpPr>
-            <p:nvPr/>
-          </p:nvCxnSpPr>
-          <p:spPr>
-            <a:xfrm flipV="1">
-              <a:off x="2984227" y="6975076"/>
-              <a:ext cx="141760" cy="1406"/>
-            </a:xfrm>
-            <a:prstGeom prst="straightConnector1">
-              <a:avLst/>
-            </a:prstGeom>
-            <a:ln w="19050">
-              <a:solidFill>
-                <a:schemeClr val="tx1"/>
-              </a:solidFill>
-              <a:prstDash val="sysDash"/>
-              <a:tailEnd type="triangle"/>
-            </a:ln>
-          </p:spPr>
-          <p:style>
-            <a:lnRef idx="1">
-              <a:schemeClr val="accent1"/>
-            </a:lnRef>
-            <a:fillRef idx="0">
-              <a:schemeClr val="accent1"/>
-            </a:fillRef>
-            <a:effectRef idx="0">
-              <a:schemeClr val="accent1"/>
-            </a:effectRef>
-            <a:fontRef idx="minor">
-              <a:schemeClr val="tx1"/>
-            </a:fontRef>
-          </p:style>
-        </p:cxnSp>
-        <p:cxnSp>
-          <p:nvCxnSpPr>
-            <p:cNvPr id="74" name="Connecteur droit avec flèche 274">
-              <a:extLst>
-                <a:ext uri="{FF2B5EF4-FFF2-40B4-BE49-F238E27FC236}">
-                  <a16:creationId xmlns:a16="http://schemas.microsoft.com/office/drawing/2014/main" id="{0EB21763-B322-DA48-835F-2AC58953056D}"/>
-                </a:ext>
-              </a:extLst>
-            </p:cNvPr>
-            <p:cNvCxnSpPr>
-              <a:cxnSpLocks/>
-              <a:stCxn id="104" idx="4"/>
-              <a:endCxn id="68" idx="1"/>
-            </p:cNvCxnSpPr>
-            <p:nvPr/>
-          </p:nvCxnSpPr>
-          <p:spPr>
-            <a:xfrm>
-              <a:off x="979945" y="6974374"/>
-              <a:ext cx="288488" cy="1406"/>
-            </a:xfrm>
-            <a:prstGeom prst="straightConnector1">
-              <a:avLst/>
-            </a:prstGeom>
-            <a:ln w="19050">
-              <a:solidFill>
-                <a:schemeClr val="tx1"/>
-              </a:solidFill>
-              <a:prstDash val="sysDash"/>
-              <a:tailEnd type="triangle"/>
-            </a:ln>
-          </p:spPr>
-          <p:style>
-            <a:lnRef idx="1">
-              <a:schemeClr val="accent1"/>
-            </a:lnRef>
-            <a:fillRef idx="0">
-              <a:schemeClr val="accent1"/>
-            </a:fillRef>
-            <a:effectRef idx="0">
-              <a:schemeClr val="accent1"/>
-            </a:effectRef>
-            <a:fontRef idx="minor">
-              <a:schemeClr val="tx1"/>
-            </a:fontRef>
-          </p:style>
-        </p:cxnSp>
-        <p:pic>
-          <p:nvPicPr>
-            <p:cNvPr id="75" name="Picture 74"/>
-            <p:cNvPicPr>
-              <a:picLocks noChangeAspect="1"/>
-            </p:cNvPicPr>
-            <p:nvPr/>
-          </p:nvPicPr>
-          <p:blipFill>
-            <a:blip r:embed="rId3">
-              <a:extLst>
-                <a:ext uri="{28A0092B-C50C-407E-A947-70E740481C1C}">
-                  <a14:useLocalDpi xmlns:a14="http://schemas.microsoft.com/office/drawing/2010/main" val="0"/>
-                </a:ext>
-              </a:extLst>
-            </a:blip>
-            <a:stretch>
-              <a:fillRect/>
-            </a:stretch>
-          </p:blipFill>
-          <p:spPr>
-            <a:xfrm>
-              <a:off x="5357748" y="7291225"/>
-              <a:ext cx="413355" cy="94481"/>
-            </a:xfrm>
-            <a:prstGeom prst="rect">
-              <a:avLst/>
-            </a:prstGeom>
-          </p:spPr>
-        </p:pic>
-        <p:sp>
-          <p:nvSpPr>
-            <p:cNvPr id="97" name="Rectangle à coins arrondis 271">
-              <a:extLst>
-                <a:ext uri="{FF2B5EF4-FFF2-40B4-BE49-F238E27FC236}">
-                  <a16:creationId xmlns:a16="http://schemas.microsoft.com/office/drawing/2014/main" id="{DC06761C-E5D6-8C40-8FE7-6EAC716FC474}"/>
-                </a:ext>
-              </a:extLst>
-            </p:cNvPr>
-            <p:cNvSpPr/>
-            <p:nvPr/>
-          </p:nvSpPr>
-          <p:spPr>
-            <a:xfrm>
-              <a:off x="5328562" y="6853180"/>
-              <a:ext cx="319114" cy="245199"/>
-            </a:xfrm>
-            <a:prstGeom prst="roundRect">
-              <a:avLst/>
-            </a:prstGeom>
-            <a:solidFill>
-              <a:schemeClr val="accent1"/>
-            </a:solidFill>
-            <a:ln>
-              <a:noFill/>
-            </a:ln>
-          </p:spPr>
-          <p:style>
-            <a:lnRef idx="2">
-              <a:schemeClr val="accent1">
-                <a:shade val="50000"/>
-              </a:schemeClr>
-            </a:lnRef>
-            <a:fillRef idx="1">
-              <a:schemeClr val="accent1"/>
-            </a:fillRef>
-            <a:effectRef idx="0">
-              <a:schemeClr val="accent1"/>
-            </a:effectRef>
-            <a:fontRef idx="minor">
-              <a:schemeClr val="lt1"/>
-            </a:fontRef>
-          </p:style>
-          <p:txBody>
-            <a:bodyPr lIns="0" rIns="0" rtlCol="0" anchor="ctr"/>
-            <a:lstStyle/>
-            <a:p>
-              <a:pPr algn="ctr"/>
-              <a:r>
-                <a:rPr lang="fr-FR" sz="800" b="1" noProof="1" smtClean="0">
-                  <a:latin typeface="Consolas" panose="020B0609020204030204" pitchFamily="49" charset="0"/>
-                  <a:ea typeface="Arial Rounded MT Bold" charset="0"/>
-                  <a:cs typeface="Consolas" panose="020B0609020204030204" pitchFamily="49" charset="0"/>
-                </a:rPr>
-                <a:t>play</a:t>
-              </a:r>
-              <a:endParaRPr lang="fr-FR" sz="800" i="1" noProof="1">
-                <a:latin typeface="Cambria" panose="02040503050406030204" pitchFamily="18" charset="0"/>
-                <a:ea typeface="Arial Rounded MT Bold" charset="0"/>
-                <a:cs typeface="Arial Rounded MT Bold" charset="0"/>
-              </a:endParaRPr>
-            </a:p>
-          </p:txBody>
-        </p:sp>
-        <p:cxnSp>
-          <p:nvCxnSpPr>
-            <p:cNvPr id="98" name="Connecteur droit avec flèche 273">
-              <a:extLst>
-                <a:ext uri="{FF2B5EF4-FFF2-40B4-BE49-F238E27FC236}">
-                  <a16:creationId xmlns:a16="http://schemas.microsoft.com/office/drawing/2014/main" id="{C8A7163D-1B73-8544-BEB6-5055C4559C5C}"/>
-                </a:ext>
-              </a:extLst>
-            </p:cNvPr>
-            <p:cNvCxnSpPr>
-              <a:cxnSpLocks/>
-            </p:cNvCxnSpPr>
-            <p:nvPr/>
-          </p:nvCxnSpPr>
-          <p:spPr>
-            <a:xfrm>
-              <a:off x="5187256" y="6974886"/>
-              <a:ext cx="141306" cy="1786"/>
-            </a:xfrm>
-            <a:prstGeom prst="straightConnector1">
-              <a:avLst/>
-            </a:prstGeom>
-            <a:ln w="19050">
-              <a:solidFill>
-                <a:schemeClr val="tx1"/>
-              </a:solidFill>
-              <a:prstDash val="sysDash"/>
-              <a:tailEnd type="triangle"/>
-            </a:ln>
-          </p:spPr>
-          <p:style>
-            <a:lnRef idx="1">
-              <a:schemeClr val="accent1"/>
-            </a:lnRef>
-            <a:fillRef idx="0">
-              <a:schemeClr val="accent1"/>
-            </a:fillRef>
-            <a:effectRef idx="0">
-              <a:schemeClr val="accent1"/>
-            </a:effectRef>
-            <a:fontRef idx="minor">
-              <a:schemeClr val="tx1"/>
-            </a:fontRef>
-          </p:style>
-        </p:cxnSp>
-        <p:sp>
-          <p:nvSpPr>
-            <p:cNvPr id="99" name="Rectangle à coins arrondis 270">
-              <a:extLst>
-                <a:ext uri="{FF2B5EF4-FFF2-40B4-BE49-F238E27FC236}">
-                  <a16:creationId xmlns:a16="http://schemas.microsoft.com/office/drawing/2014/main" id="{FF06C02C-F215-8D4F-A8E5-8095AD1B4B48}"/>
-                </a:ext>
-              </a:extLst>
-            </p:cNvPr>
-            <p:cNvSpPr/>
-            <p:nvPr/>
-          </p:nvSpPr>
-          <p:spPr>
-            <a:xfrm>
-              <a:off x="1723880" y="6853180"/>
-              <a:ext cx="506101" cy="245199"/>
-            </a:xfrm>
-            <a:prstGeom prst="roundRect">
-              <a:avLst/>
-            </a:prstGeom>
-            <a:solidFill>
-              <a:schemeClr val="accent1"/>
-            </a:solidFill>
-            <a:ln>
-              <a:noFill/>
-            </a:ln>
-          </p:spPr>
-          <p:style>
-            <a:lnRef idx="2">
-              <a:schemeClr val="accent1">
-                <a:shade val="50000"/>
-              </a:schemeClr>
-            </a:lnRef>
-            <a:fillRef idx="1">
-              <a:schemeClr val="accent1"/>
-            </a:fillRef>
-            <a:effectRef idx="0">
-              <a:schemeClr val="accent1"/>
-            </a:effectRef>
-            <a:fontRef idx="minor">
-              <a:schemeClr val="lt1"/>
-            </a:fontRef>
-          </p:style>
-          <p:txBody>
-            <a:bodyPr lIns="0" rIns="0" rtlCol="0" anchor="ctr"/>
-            <a:lstStyle/>
-            <a:p>
-              <a:pPr algn="ctr"/>
-              <a:r>
-                <a:rPr lang="fr-FR" sz="800" b="1" noProof="1" smtClean="0">
-                  <a:latin typeface="Consolas" panose="020B0609020204030204" pitchFamily="49" charset="0"/>
-                  <a:cs typeface="Consolas" panose="020B0609020204030204" pitchFamily="49" charset="0"/>
-                </a:rPr>
-                <a:t>regulate</a:t>
-              </a:r>
-              <a:endParaRPr lang="fr-FR" sz="800" b="1" noProof="1">
-                <a:latin typeface="Consolas" panose="020B0609020204030204" pitchFamily="49" charset="0"/>
-                <a:cs typeface="Consolas" panose="020B0609020204030204" pitchFamily="49" charset="0"/>
-              </a:endParaRPr>
-            </a:p>
-          </p:txBody>
-        </p:sp>
-        <p:sp>
-          <p:nvSpPr>
-            <p:cNvPr id="103" name="Rectangle à coins arrondis 270">
-              <a:extLst>
-                <a:ext uri="{FF2B5EF4-FFF2-40B4-BE49-F238E27FC236}">
-                  <a16:creationId xmlns:a16="http://schemas.microsoft.com/office/drawing/2014/main" id="{FF06C02C-F215-8D4F-A8E5-8095AD1B4B48}"/>
-                </a:ext>
-              </a:extLst>
-            </p:cNvPr>
-            <p:cNvSpPr/>
-            <p:nvPr/>
-          </p:nvSpPr>
-          <p:spPr>
-            <a:xfrm>
-              <a:off x="4500096" y="6853180"/>
-              <a:ext cx="687160" cy="245199"/>
-            </a:xfrm>
-            <a:prstGeom prst="roundRect">
-              <a:avLst/>
-            </a:prstGeom>
-            <a:solidFill>
-              <a:schemeClr val="accent1"/>
-            </a:solidFill>
-            <a:ln>
-              <a:noFill/>
-            </a:ln>
-          </p:spPr>
-          <p:style>
-            <a:lnRef idx="2">
-              <a:schemeClr val="accent1">
-                <a:shade val="50000"/>
-              </a:schemeClr>
-            </a:lnRef>
-            <a:fillRef idx="1">
-              <a:schemeClr val="accent1"/>
-            </a:fillRef>
-            <a:effectRef idx="0">
-              <a:schemeClr val="accent1"/>
-            </a:effectRef>
-            <a:fontRef idx="minor">
-              <a:schemeClr val="lt1"/>
-            </a:fontRef>
-          </p:style>
-          <p:txBody>
-            <a:bodyPr lIns="0" rIns="0" rtlCol="0" anchor="ctr"/>
-            <a:lstStyle/>
-            <a:p>
-              <a:pPr algn="ctr"/>
-              <a:r>
-                <a:rPr lang="fr-FR" sz="800" b="1" noProof="1" smtClean="0">
-                  <a:latin typeface="Consolas" panose="020B0609020204030204" pitchFamily="49" charset="0"/>
-                  <a:cs typeface="Consolas" panose="020B0609020204030204" pitchFamily="49" charset="0"/>
-                </a:rPr>
-                <a:t>descrambler</a:t>
-              </a:r>
-              <a:endParaRPr lang="fr-FR" sz="800" b="1" noProof="1">
-                <a:latin typeface="Consolas" panose="020B0609020204030204" pitchFamily="49" charset="0"/>
-                <a:cs typeface="Consolas" panose="020B0609020204030204" pitchFamily="49" charset="0"/>
-              </a:endParaRPr>
-            </a:p>
-          </p:txBody>
-        </p:sp>
-        <p:sp>
-          <p:nvSpPr>
-            <p:cNvPr id="104" name="Flowchart: Magnetic Disk 103"/>
-            <p:cNvSpPr/>
-            <p:nvPr/>
-          </p:nvSpPr>
-          <p:spPr>
-            <a:xfrm>
-              <a:off x="666455" y="6823221"/>
-              <a:ext cx="313490" cy="302305"/>
-            </a:xfrm>
-            <a:prstGeom prst="flowChartMagneticDisk">
-              <a:avLst/>
-            </a:prstGeom>
-          </p:spPr>
-          <p:style>
-            <a:lnRef idx="2">
-              <a:schemeClr val="accent5">
-                <a:shade val="50000"/>
-              </a:schemeClr>
-            </a:lnRef>
-            <a:fillRef idx="1">
-              <a:schemeClr val="accent5"/>
-            </a:fillRef>
-            <a:effectRef idx="0">
-              <a:schemeClr val="accent5"/>
-            </a:effectRef>
-            <a:fontRef idx="minor">
-              <a:schemeClr val="lt1"/>
-            </a:fontRef>
-          </p:style>
-          <p:txBody>
-            <a:bodyPr rtlCol="0" anchor="ctr"/>
-            <a:lstStyle/>
-            <a:p>
-              <a:pPr algn="ctr"/>
-              <a:r>
-                <a:rPr lang="en-US" sz="900" b="1" dirty="0" smtClean="0">
-                  <a:latin typeface="Gadugi" panose="020B0502040204020203" pitchFamily="34" charset="0"/>
-                  <a:ea typeface="Gadugi" panose="020B0502040204020203" pitchFamily="34" charset="0"/>
-                </a:rPr>
-                <a:t>.</a:t>
-              </a:r>
-              <a:r>
-                <a:rPr lang="en-US" sz="900" b="1" dirty="0" err="1" smtClean="0">
-                  <a:latin typeface="Gadugi" panose="020B0502040204020203" pitchFamily="34" charset="0"/>
-                  <a:ea typeface="Gadugi" panose="020B0502040204020203" pitchFamily="34" charset="0"/>
-                </a:rPr>
-                <a:t>ts</a:t>
-              </a:r>
-              <a:endParaRPr lang="en-US" sz="900" b="1" dirty="0">
-                <a:latin typeface="Gadugi" panose="020B0502040204020203" pitchFamily="34" charset="0"/>
-                <a:ea typeface="Gadugi" panose="020B0502040204020203" pitchFamily="34" charset="0"/>
-              </a:endParaRPr>
-            </a:p>
-          </p:txBody>
-        </p:sp>
-        <p:sp>
-          <p:nvSpPr>
-            <p:cNvPr id="105" name="Rectangle à coins arrondis 269">
-              <a:extLst>
-                <a:ext uri="{FF2B5EF4-FFF2-40B4-BE49-F238E27FC236}">
-                  <a16:creationId xmlns:a16="http://schemas.microsoft.com/office/drawing/2014/main" id="{0EBD748A-8AD9-2C46-89B4-4F6A71D46447}"/>
-                </a:ext>
-              </a:extLst>
-            </p:cNvPr>
-            <p:cNvSpPr/>
-            <p:nvPr/>
-          </p:nvSpPr>
-          <p:spPr>
-            <a:xfrm>
-              <a:off x="2447990" y="7422800"/>
-              <a:ext cx="460092" cy="245199"/>
-            </a:xfrm>
-            <a:prstGeom prst="roundRect">
-              <a:avLst/>
-            </a:prstGeom>
-            <a:solidFill>
-              <a:schemeClr val="accent1"/>
-            </a:solidFill>
-            <a:ln>
-              <a:noFill/>
-            </a:ln>
-          </p:spPr>
-          <p:style>
-            <a:lnRef idx="2">
-              <a:schemeClr val="accent1">
-                <a:shade val="50000"/>
-              </a:schemeClr>
-            </a:lnRef>
-            <a:fillRef idx="1">
-              <a:schemeClr val="accent1"/>
-            </a:fillRef>
-            <a:effectRef idx="0">
-              <a:schemeClr val="accent1"/>
-            </a:effectRef>
-            <a:fontRef idx="minor">
-              <a:schemeClr val="lt1"/>
-            </a:fontRef>
-          </p:style>
-          <p:txBody>
-            <a:bodyPr lIns="36000" rIns="36000" rtlCol="0" anchor="ctr"/>
-            <a:lstStyle/>
-            <a:p>
-              <a:pPr algn="ctr"/>
-              <a:r>
-                <a:rPr lang="fr-FR" sz="800" b="1" noProof="1" smtClean="0">
-                  <a:latin typeface="Consolas" panose="020B0609020204030204" pitchFamily="49" charset="0"/>
-                  <a:cs typeface="Consolas" panose="020B0609020204030204" pitchFamily="49" charset="0"/>
-                </a:rPr>
-                <a:t>tsecmg</a:t>
-              </a:r>
-              <a:endParaRPr lang="fr-FR" sz="800" b="1" noProof="1">
-                <a:latin typeface="Consolas" panose="020B0609020204030204" pitchFamily="49" charset="0"/>
-                <a:cs typeface="Consolas" panose="020B0609020204030204" pitchFamily="49" charset="0"/>
-              </a:endParaRPr>
-            </a:p>
-          </p:txBody>
-        </p:sp>
-        <p:sp>
-          <p:nvSpPr>
-            <p:cNvPr id="113" name="Rectangle à coins arrondis 271">
-              <a:extLst>
-                <a:ext uri="{FF2B5EF4-FFF2-40B4-BE49-F238E27FC236}">
-                  <a16:creationId xmlns:a16="http://schemas.microsoft.com/office/drawing/2014/main" id="{DC06761C-E5D6-8C40-8FE7-6EAC716FC474}"/>
-                </a:ext>
-              </a:extLst>
-            </p:cNvPr>
-            <p:cNvSpPr/>
-            <p:nvPr/>
-          </p:nvSpPr>
-          <p:spPr>
-            <a:xfrm>
-              <a:off x="3125987" y="6853180"/>
-              <a:ext cx="621864" cy="245199"/>
-            </a:xfrm>
-            <a:prstGeom prst="roundRect">
-              <a:avLst/>
-            </a:prstGeom>
-            <a:solidFill>
-              <a:schemeClr val="accent1"/>
-            </a:solidFill>
-            <a:ln>
-              <a:noFill/>
-            </a:ln>
-          </p:spPr>
-          <p:style>
-            <a:lnRef idx="2">
-              <a:schemeClr val="accent1">
-                <a:shade val="50000"/>
-              </a:schemeClr>
-            </a:lnRef>
-            <a:fillRef idx="1">
-              <a:schemeClr val="accent1"/>
-            </a:fillRef>
-            <a:effectRef idx="0">
-              <a:schemeClr val="accent1"/>
-            </a:effectRef>
-            <a:fontRef idx="minor">
-              <a:schemeClr val="lt1"/>
-            </a:fontRef>
-          </p:style>
-          <p:txBody>
-            <a:bodyPr lIns="0" rIns="0" rtlCol="0" anchor="ctr"/>
-            <a:lstStyle/>
-            <a:p>
-              <a:pPr algn="ctr"/>
-              <a:r>
-                <a:rPr lang="fr-FR" sz="800" b="1" noProof="1" smtClean="0">
-                  <a:latin typeface="Consolas" panose="020B0609020204030204" pitchFamily="49" charset="0"/>
-                  <a:ea typeface="Arial Rounded MT Bold" charset="0"/>
-                  <a:cs typeface="Consolas" panose="020B0609020204030204" pitchFamily="49" charset="0"/>
-                </a:rPr>
-                <a:t>datainject</a:t>
-              </a:r>
-              <a:endParaRPr lang="fr-FR" sz="800" i="1" noProof="1">
-                <a:latin typeface="Cambria" panose="02040503050406030204" pitchFamily="18" charset="0"/>
-                <a:ea typeface="Arial Rounded MT Bold" charset="0"/>
-                <a:cs typeface="Arial Rounded MT Bold" charset="0"/>
-              </a:endParaRPr>
-            </a:p>
-          </p:txBody>
-        </p:sp>
-        <p:sp>
-          <p:nvSpPr>
-            <p:cNvPr id="126" name="Rectangle à coins arrondis 269">
-              <a:extLst>
-                <a:ext uri="{FF2B5EF4-FFF2-40B4-BE49-F238E27FC236}">
-                  <a16:creationId xmlns:a16="http://schemas.microsoft.com/office/drawing/2014/main" id="{0EBD748A-8AD9-2C46-89B4-4F6A71D46447}"/>
-                </a:ext>
-              </a:extLst>
-            </p:cNvPr>
-            <p:cNvSpPr/>
-            <p:nvPr/>
-          </p:nvSpPr>
-          <p:spPr>
-            <a:xfrm>
-              <a:off x="3211090" y="7417847"/>
-              <a:ext cx="460092" cy="245199"/>
-            </a:xfrm>
-            <a:prstGeom prst="roundRect">
-              <a:avLst/>
-            </a:prstGeom>
-            <a:solidFill>
-              <a:schemeClr val="accent1"/>
-            </a:solidFill>
-            <a:ln>
-              <a:noFill/>
-            </a:ln>
-          </p:spPr>
-          <p:style>
-            <a:lnRef idx="2">
-              <a:schemeClr val="accent1">
-                <a:shade val="50000"/>
-              </a:schemeClr>
-            </a:lnRef>
-            <a:fillRef idx="1">
-              <a:schemeClr val="accent1"/>
-            </a:fillRef>
-            <a:effectRef idx="0">
-              <a:schemeClr val="accent1"/>
-            </a:effectRef>
-            <a:fontRef idx="minor">
-              <a:schemeClr val="lt1"/>
-            </a:fontRef>
-          </p:style>
-          <p:txBody>
-            <a:bodyPr lIns="36000" rIns="36000" rtlCol="0" anchor="ctr"/>
-            <a:lstStyle/>
-            <a:p>
-              <a:pPr algn="ctr"/>
-              <a:r>
-                <a:rPr lang="fr-FR" sz="800" b="1" noProof="1" smtClean="0">
-                  <a:latin typeface="Consolas" panose="020B0609020204030204" pitchFamily="49" charset="0"/>
-                  <a:cs typeface="Consolas" panose="020B0609020204030204" pitchFamily="49" charset="0"/>
-                </a:rPr>
-                <a:t>tsemmg</a:t>
-              </a:r>
-              <a:endParaRPr lang="fr-FR" sz="800" b="1" noProof="1">
-                <a:latin typeface="Consolas" panose="020B0609020204030204" pitchFamily="49" charset="0"/>
-                <a:cs typeface="Consolas" panose="020B0609020204030204" pitchFamily="49" charset="0"/>
-              </a:endParaRPr>
-            </a:p>
-          </p:txBody>
-        </p:sp>
-        <p:sp>
-          <p:nvSpPr>
-            <p:cNvPr id="127" name="Rectangle à coins arrondis 270">
-              <a:extLst>
-                <a:ext uri="{FF2B5EF4-FFF2-40B4-BE49-F238E27FC236}">
-                  <a16:creationId xmlns:a16="http://schemas.microsoft.com/office/drawing/2014/main" id="{FF06C02C-F215-8D4F-A8E5-8095AD1B4B48}"/>
-                </a:ext>
-              </a:extLst>
-            </p:cNvPr>
-            <p:cNvSpPr/>
-            <p:nvPr/>
-          </p:nvSpPr>
-          <p:spPr>
-            <a:xfrm>
-              <a:off x="3894197" y="6853180"/>
-              <a:ext cx="460092" cy="245199"/>
-            </a:xfrm>
-            <a:prstGeom prst="roundRect">
-              <a:avLst/>
-            </a:prstGeom>
-            <a:solidFill>
-              <a:schemeClr val="accent1"/>
-            </a:solidFill>
-            <a:ln>
-              <a:noFill/>
-            </a:ln>
-          </p:spPr>
-          <p:style>
-            <a:lnRef idx="2">
-              <a:schemeClr val="accent1">
-                <a:shade val="50000"/>
-              </a:schemeClr>
-            </a:lnRef>
-            <a:fillRef idx="1">
-              <a:schemeClr val="accent1"/>
-            </a:fillRef>
-            <a:effectRef idx="0">
-              <a:schemeClr val="accent1"/>
-            </a:effectRef>
-            <a:fontRef idx="minor">
-              <a:schemeClr val="lt1"/>
-            </a:fontRef>
-          </p:style>
-          <p:txBody>
-            <a:bodyPr lIns="0" rIns="0" rtlCol="0" anchor="ctr"/>
-            <a:lstStyle/>
-            <a:p>
-              <a:pPr algn="ctr"/>
-              <a:r>
-                <a:rPr lang="fr-FR" sz="800" b="1" noProof="1" smtClean="0">
-                  <a:latin typeface="Consolas" panose="020B0609020204030204" pitchFamily="49" charset="0"/>
-                  <a:cs typeface="Consolas" panose="020B0609020204030204" pitchFamily="49" charset="0"/>
-                </a:rPr>
-                <a:t>analyze</a:t>
-              </a:r>
-              <a:endParaRPr lang="fr-FR" sz="800" b="1" noProof="1">
-                <a:latin typeface="Consolas" panose="020B0609020204030204" pitchFamily="49" charset="0"/>
-                <a:cs typeface="Consolas" panose="020B0609020204030204" pitchFamily="49" charset="0"/>
-              </a:endParaRPr>
-            </a:p>
-          </p:txBody>
-        </p:sp>
-        <p:sp>
-          <p:nvSpPr>
-            <p:cNvPr id="130" name="Flowchart: Magnetic Disk 129"/>
-            <p:cNvSpPr/>
-            <p:nvPr/>
-          </p:nvSpPr>
-          <p:spPr>
-            <a:xfrm>
-              <a:off x="3975998" y="7415526"/>
-              <a:ext cx="313490" cy="249839"/>
-            </a:xfrm>
-            <a:prstGeom prst="flowChartMagneticDisk">
-              <a:avLst/>
-            </a:prstGeom>
-          </p:spPr>
-          <p:style>
-            <a:lnRef idx="2">
-              <a:schemeClr val="accent5">
-                <a:shade val="50000"/>
-              </a:schemeClr>
-            </a:lnRef>
-            <a:fillRef idx="1">
-              <a:schemeClr val="accent5"/>
-            </a:fillRef>
-            <a:effectRef idx="0">
-              <a:schemeClr val="accent5"/>
-            </a:effectRef>
-            <a:fontRef idx="minor">
-              <a:schemeClr val="lt1"/>
-            </a:fontRef>
-          </p:style>
-          <p:txBody>
-            <a:bodyPr lIns="0" rIns="0" rtlCol="0" anchor="ctr"/>
-            <a:lstStyle/>
-            <a:p>
-              <a:pPr algn="ctr"/>
-              <a:r>
-                <a:rPr lang="en-US" sz="900" b="1" dirty="0" smtClean="0">
-                  <a:latin typeface="Gadugi" panose="020B0502040204020203" pitchFamily="34" charset="0"/>
-                  <a:ea typeface="Gadugi" panose="020B0502040204020203" pitchFamily="34" charset="0"/>
-                </a:rPr>
-                <a:t>.txt</a:t>
-              </a:r>
-              <a:endParaRPr lang="en-US" sz="900" b="1" dirty="0">
-                <a:latin typeface="Gadugi" panose="020B0502040204020203" pitchFamily="34" charset="0"/>
-                <a:ea typeface="Gadugi" panose="020B0502040204020203" pitchFamily="34" charset="0"/>
-              </a:endParaRPr>
-            </a:p>
-          </p:txBody>
-        </p:sp>
-        <p:cxnSp>
-          <p:nvCxnSpPr>
-            <p:cNvPr id="131" name="Connecteur droit avec flèche 272">
-              <a:extLst>
-                <a:ext uri="{FF2B5EF4-FFF2-40B4-BE49-F238E27FC236}">
-                  <a16:creationId xmlns:a16="http://schemas.microsoft.com/office/drawing/2014/main" id="{917022DD-9C4E-8C4F-8EF4-DC025172FC05}"/>
-                </a:ext>
-              </a:extLst>
-            </p:cNvPr>
-            <p:cNvCxnSpPr>
-              <a:stCxn id="127" idx="2"/>
-              <a:endCxn id="130" idx="1"/>
-            </p:cNvCxnSpPr>
-            <p:nvPr/>
-          </p:nvCxnSpPr>
-          <p:spPr>
-            <a:xfrm>
-              <a:off x="4124243" y="7098379"/>
-              <a:ext cx="8500" cy="317147"/>
-            </a:xfrm>
-            <a:prstGeom prst="straightConnector1">
-              <a:avLst/>
-            </a:prstGeom>
-            <a:ln w="19050">
-              <a:solidFill>
-                <a:schemeClr val="tx1"/>
-              </a:solidFill>
-              <a:prstDash val="sysDash"/>
-              <a:tailEnd type="triangle"/>
-            </a:ln>
-          </p:spPr>
-          <p:style>
-            <a:lnRef idx="1">
-              <a:schemeClr val="accent1"/>
-            </a:lnRef>
-            <a:fillRef idx="0">
-              <a:schemeClr val="accent1"/>
-            </a:fillRef>
-            <a:effectRef idx="0">
-              <a:schemeClr val="accent1"/>
-            </a:effectRef>
-            <a:fontRef idx="minor">
-              <a:schemeClr val="tx1"/>
-            </a:fontRef>
-          </p:style>
-        </p:cxnSp>
-        <p:sp>
-          <p:nvSpPr>
-            <p:cNvPr id="2" name="Rounded Rectangle 1"/>
-            <p:cNvSpPr/>
-            <p:nvPr/>
-          </p:nvSpPr>
-          <p:spPr>
-            <a:xfrm>
-              <a:off x="597257" y="6442535"/>
-              <a:ext cx="1658139" cy="773331"/>
-            </a:xfrm>
-            <a:prstGeom prst="roundRect">
-              <a:avLst>
-                <a:gd name="adj" fmla="val 7914"/>
-              </a:avLst>
-            </a:prstGeom>
-            <a:noFill/>
-            <a:ln w="19050">
-              <a:solidFill>
-                <a:schemeClr val="accent5"/>
-              </a:solidFill>
-              <a:prstDash val="sysDash"/>
-            </a:ln>
-          </p:spPr>
-          <p:style>
-            <a:lnRef idx="2">
-              <a:schemeClr val="accent1">
-                <a:shade val="50000"/>
-              </a:schemeClr>
-            </a:lnRef>
-            <a:fillRef idx="1">
-              <a:schemeClr val="accent1"/>
-            </a:fillRef>
-            <a:effectRef idx="0">
-              <a:schemeClr val="accent1"/>
-            </a:effectRef>
-            <a:fontRef idx="minor">
-              <a:schemeClr val="lt1"/>
-            </a:fontRef>
-          </p:style>
-          <p:txBody>
-            <a:bodyPr tIns="27432" bIns="27432" rtlCol="0" anchor="t" anchorCtr="0"/>
-            <a:lstStyle/>
-            <a:p>
-              <a:r>
-                <a:rPr lang="en-US" sz="800" b="1" dirty="0" smtClean="0">
-                  <a:solidFill>
-                    <a:schemeClr val="tx1"/>
-                  </a:solidFill>
-                  <a:latin typeface="Gadugi" panose="020B0502040204020203" pitchFamily="34" charset="0"/>
-                  <a:ea typeface="Gadugi" panose="020B0502040204020203" pitchFamily="34" charset="0"/>
-                </a:rPr>
-                <a:t>Video source</a:t>
-              </a:r>
-              <a:endParaRPr lang="en-US" sz="800" b="1" dirty="0">
-                <a:solidFill>
-                  <a:schemeClr val="tx1"/>
-                </a:solidFill>
-                <a:latin typeface="Gadugi" panose="020B0502040204020203" pitchFamily="34" charset="0"/>
-                <a:ea typeface="Gadugi" panose="020B0502040204020203" pitchFamily="34" charset="0"/>
-              </a:endParaRPr>
-            </a:p>
-          </p:txBody>
-        </p:sp>
-        <p:sp>
-          <p:nvSpPr>
-            <p:cNvPr id="101" name="Rounded Rectangle 100"/>
-            <p:cNvSpPr/>
-            <p:nvPr/>
-          </p:nvSpPr>
-          <p:spPr>
-            <a:xfrm>
-              <a:off x="2333984" y="6442535"/>
-              <a:ext cx="1477697" cy="773331"/>
-            </a:xfrm>
-            <a:prstGeom prst="roundRect">
-              <a:avLst>
-                <a:gd name="adj" fmla="val 7914"/>
-              </a:avLst>
-            </a:prstGeom>
-            <a:noFill/>
-            <a:ln w="19050">
-              <a:solidFill>
-                <a:schemeClr val="accent5"/>
-              </a:solidFill>
-              <a:prstDash val="sysDash"/>
-            </a:ln>
-          </p:spPr>
-          <p:style>
-            <a:lnRef idx="2">
-              <a:schemeClr val="accent1">
-                <a:shade val="50000"/>
-              </a:schemeClr>
-            </a:lnRef>
-            <a:fillRef idx="1">
-              <a:schemeClr val="accent1"/>
-            </a:fillRef>
-            <a:effectRef idx="0">
-              <a:schemeClr val="accent1"/>
-            </a:effectRef>
-            <a:fontRef idx="minor">
-              <a:schemeClr val="lt1"/>
-            </a:fontRef>
-          </p:style>
-          <p:txBody>
-            <a:bodyPr tIns="27432" bIns="27432" rtlCol="0" anchor="t" anchorCtr="0"/>
-            <a:lstStyle/>
-            <a:p>
-              <a:r>
-                <a:rPr lang="en-US" sz="800" b="1" dirty="0" smtClean="0">
-                  <a:solidFill>
-                    <a:schemeClr val="tx1"/>
-                  </a:solidFill>
-                  <a:latin typeface="Gadugi" panose="020B0502040204020203" pitchFamily="34" charset="0"/>
-                  <a:ea typeface="Gadugi" panose="020B0502040204020203" pitchFamily="34" charset="0"/>
-                </a:rPr>
-                <a:t>MUX</a:t>
-              </a:r>
-              <a:endParaRPr lang="en-US" sz="800" b="1" dirty="0">
-                <a:solidFill>
-                  <a:schemeClr val="tx1"/>
-                </a:solidFill>
-                <a:latin typeface="Gadugi" panose="020B0502040204020203" pitchFamily="34" charset="0"/>
-                <a:ea typeface="Gadugi" panose="020B0502040204020203" pitchFamily="34" charset="0"/>
-              </a:endParaRPr>
-            </a:p>
-          </p:txBody>
-        </p:sp>
-        <p:cxnSp>
-          <p:nvCxnSpPr>
-            <p:cNvPr id="100" name="Connecteur droit avec flèche 272">
-              <a:extLst>
-                <a:ext uri="{FF2B5EF4-FFF2-40B4-BE49-F238E27FC236}">
-                  <a16:creationId xmlns:a16="http://schemas.microsoft.com/office/drawing/2014/main" id="{917022DD-9C4E-8C4F-8EF4-DC025172FC05}"/>
-                </a:ext>
-              </a:extLst>
-            </p:cNvPr>
-            <p:cNvCxnSpPr/>
-            <p:nvPr/>
-          </p:nvCxnSpPr>
-          <p:spPr>
-            <a:xfrm>
-              <a:off x="2229981" y="6975779"/>
-              <a:ext cx="141864" cy="0"/>
-            </a:xfrm>
-            <a:prstGeom prst="straightConnector1">
-              <a:avLst/>
-            </a:prstGeom>
-            <a:ln w="19050">
-              <a:solidFill>
-                <a:schemeClr val="tx1"/>
-              </a:solidFill>
-              <a:prstDash val="sysDash"/>
-              <a:tailEnd type="triangle"/>
-            </a:ln>
-          </p:spPr>
-          <p:style>
-            <a:lnRef idx="1">
-              <a:schemeClr val="accent1"/>
-            </a:lnRef>
-            <a:fillRef idx="0">
-              <a:schemeClr val="accent1"/>
-            </a:fillRef>
-            <a:effectRef idx="0">
-              <a:schemeClr val="accent1"/>
-            </a:effectRef>
-            <a:fontRef idx="minor">
-              <a:schemeClr val="tx1"/>
-            </a:fontRef>
-          </p:style>
-        </p:cxnSp>
-        <p:sp>
-          <p:nvSpPr>
-            <p:cNvPr id="124" name="Rounded Rectangle 123"/>
-            <p:cNvSpPr/>
-            <p:nvPr/>
-          </p:nvSpPr>
-          <p:spPr>
-            <a:xfrm>
-              <a:off x="4447899" y="6442535"/>
-              <a:ext cx="1245783" cy="773331"/>
-            </a:xfrm>
-            <a:prstGeom prst="roundRect">
-              <a:avLst>
-                <a:gd name="adj" fmla="val 7914"/>
-              </a:avLst>
-            </a:prstGeom>
-            <a:noFill/>
-            <a:ln w="19050">
-              <a:solidFill>
-                <a:schemeClr val="accent5"/>
-              </a:solidFill>
-              <a:prstDash val="sysDash"/>
-            </a:ln>
-          </p:spPr>
-          <p:style>
-            <a:lnRef idx="2">
-              <a:schemeClr val="accent1">
-                <a:shade val="50000"/>
-              </a:schemeClr>
-            </a:lnRef>
-            <a:fillRef idx="1">
-              <a:schemeClr val="accent1"/>
-            </a:fillRef>
-            <a:effectRef idx="0">
-              <a:schemeClr val="accent1"/>
-            </a:effectRef>
-            <a:fontRef idx="minor">
-              <a:schemeClr val="lt1"/>
-            </a:fontRef>
-          </p:style>
-          <p:txBody>
-            <a:bodyPr tIns="27432" bIns="27432" rtlCol="0" anchor="t" anchorCtr="0"/>
-            <a:lstStyle/>
-            <a:p>
-              <a:r>
-                <a:rPr lang="en-US" sz="800" b="1" dirty="0" smtClean="0">
-                  <a:solidFill>
-                    <a:schemeClr val="tx1"/>
-                  </a:solidFill>
-                  <a:latin typeface="Gadugi" panose="020B0502040204020203" pitchFamily="34" charset="0"/>
-                  <a:ea typeface="Gadugi" panose="020B0502040204020203" pitchFamily="34" charset="0"/>
-                </a:rPr>
-                <a:t>STB</a:t>
-              </a:r>
-              <a:endParaRPr lang="en-US" sz="800" b="1" dirty="0">
-                <a:solidFill>
-                  <a:schemeClr val="tx1"/>
-                </a:solidFill>
-                <a:latin typeface="Gadugi" panose="020B0502040204020203" pitchFamily="34" charset="0"/>
-                <a:ea typeface="Gadugi" panose="020B0502040204020203" pitchFamily="34" charset="0"/>
-              </a:endParaRPr>
-            </a:p>
-          </p:txBody>
-        </p:sp>
-        <p:cxnSp>
-          <p:nvCxnSpPr>
-            <p:cNvPr id="129" name="Connecteur droit avec flèche 273">
-              <a:extLst>
-                <a:ext uri="{FF2B5EF4-FFF2-40B4-BE49-F238E27FC236}">
-                  <a16:creationId xmlns:a16="http://schemas.microsoft.com/office/drawing/2014/main" id="{C8A7163D-1B73-8544-BEB6-5055C4559C5C}"/>
-                </a:ext>
-              </a:extLst>
-            </p:cNvPr>
-            <p:cNvCxnSpPr>
-              <a:cxnSpLocks/>
-            </p:cNvCxnSpPr>
-            <p:nvPr/>
-          </p:nvCxnSpPr>
-          <p:spPr>
-            <a:xfrm>
-              <a:off x="4354289" y="6975779"/>
-              <a:ext cx="145807" cy="0"/>
-            </a:xfrm>
-            <a:prstGeom prst="straightConnector1">
-              <a:avLst/>
-            </a:prstGeom>
-            <a:ln w="19050">
-              <a:solidFill>
-                <a:schemeClr val="tx1"/>
-              </a:solidFill>
-              <a:prstDash val="sysDash"/>
-              <a:tailEnd type="triangle"/>
-            </a:ln>
-          </p:spPr>
-          <p:style>
-            <a:lnRef idx="1">
-              <a:schemeClr val="accent1"/>
-            </a:lnRef>
-            <a:fillRef idx="0">
-              <a:schemeClr val="accent1"/>
-            </a:fillRef>
-            <a:effectRef idx="0">
-              <a:schemeClr val="accent1"/>
-            </a:effectRef>
-            <a:fontRef idx="minor">
-              <a:schemeClr val="tx1"/>
-            </a:fontRef>
-          </p:style>
-        </p:cxnSp>
-        <p:cxnSp>
-          <p:nvCxnSpPr>
-            <p:cNvPr id="128" name="Connecteur droit avec flèche 273">
-              <a:extLst>
-                <a:ext uri="{FF2B5EF4-FFF2-40B4-BE49-F238E27FC236}">
-                  <a16:creationId xmlns:a16="http://schemas.microsoft.com/office/drawing/2014/main" id="{C8A7163D-1B73-8544-BEB6-5055C4559C5C}"/>
-                </a:ext>
-              </a:extLst>
-            </p:cNvPr>
-            <p:cNvCxnSpPr>
-              <a:cxnSpLocks/>
-            </p:cNvCxnSpPr>
-            <p:nvPr/>
-          </p:nvCxnSpPr>
-          <p:spPr>
-            <a:xfrm>
-              <a:off x="3747851" y="6975779"/>
-              <a:ext cx="146346" cy="0"/>
-            </a:xfrm>
-            <a:prstGeom prst="straightConnector1">
-              <a:avLst/>
-            </a:prstGeom>
-            <a:ln w="19050">
-              <a:solidFill>
-                <a:schemeClr val="tx1"/>
-              </a:solidFill>
-              <a:prstDash val="sysDash"/>
-              <a:tailEnd type="triangle"/>
-            </a:ln>
-          </p:spPr>
-          <p:style>
-            <a:lnRef idx="1">
-              <a:schemeClr val="accent1"/>
-            </a:lnRef>
-            <a:fillRef idx="0">
-              <a:schemeClr val="accent1"/>
-            </a:fillRef>
-            <a:effectRef idx="0">
-              <a:schemeClr val="accent1"/>
-            </a:effectRef>
-            <a:fontRef idx="minor">
-              <a:schemeClr val="tx1"/>
-            </a:fontRef>
-          </p:style>
-        </p:cxnSp>
-        <p:sp>
-          <p:nvSpPr>
-            <p:cNvPr id="132" name="Rounded Rectangle 131"/>
-            <p:cNvSpPr/>
-            <p:nvPr/>
-          </p:nvSpPr>
-          <p:spPr>
-            <a:xfrm>
-              <a:off x="2229981" y="7368267"/>
-              <a:ext cx="739478" cy="489305"/>
-            </a:xfrm>
-            <a:prstGeom prst="roundRect">
-              <a:avLst>
-                <a:gd name="adj" fmla="val 7914"/>
-              </a:avLst>
-            </a:prstGeom>
-            <a:noFill/>
-            <a:ln w="19050">
-              <a:solidFill>
-                <a:schemeClr val="accent5"/>
-              </a:solidFill>
-              <a:prstDash val="sysDash"/>
-            </a:ln>
-          </p:spPr>
-          <p:style>
-            <a:lnRef idx="2">
-              <a:schemeClr val="accent1">
-                <a:shade val="50000"/>
-              </a:schemeClr>
-            </a:lnRef>
-            <a:fillRef idx="1">
-              <a:schemeClr val="accent1"/>
-            </a:fillRef>
-            <a:effectRef idx="0">
-              <a:schemeClr val="accent1"/>
-            </a:effectRef>
-            <a:fontRef idx="minor">
-              <a:schemeClr val="lt1"/>
-            </a:fontRef>
-          </p:style>
-          <p:txBody>
-            <a:bodyPr tIns="27432" bIns="27432" rtlCol="0" anchor="b" anchorCtr="0"/>
-            <a:lstStyle/>
-            <a:p>
-              <a:r>
-                <a:rPr lang="en-US" sz="800" b="1" dirty="0" smtClean="0">
-                  <a:solidFill>
-                    <a:schemeClr val="tx1"/>
-                  </a:solidFill>
-                  <a:latin typeface="Gadugi" panose="020B0502040204020203" pitchFamily="34" charset="0"/>
-                  <a:ea typeface="Gadugi" panose="020B0502040204020203" pitchFamily="34" charset="0"/>
-                </a:rPr>
-                <a:t>ECMG</a:t>
-              </a:r>
-              <a:endParaRPr lang="en-US" sz="800" b="1" dirty="0">
-                <a:solidFill>
-                  <a:schemeClr val="tx1"/>
-                </a:solidFill>
-                <a:latin typeface="Gadugi" panose="020B0502040204020203" pitchFamily="34" charset="0"/>
-                <a:ea typeface="Gadugi" panose="020B0502040204020203" pitchFamily="34" charset="0"/>
-              </a:endParaRPr>
-            </a:p>
-          </p:txBody>
-        </p:sp>
-        <p:sp>
-          <p:nvSpPr>
-            <p:cNvPr id="133" name="Rounded Rectangle 132"/>
-            <p:cNvSpPr/>
-            <p:nvPr/>
-          </p:nvSpPr>
-          <p:spPr>
-            <a:xfrm>
-              <a:off x="3040352" y="7368267"/>
-              <a:ext cx="739478" cy="489305"/>
-            </a:xfrm>
-            <a:prstGeom prst="roundRect">
-              <a:avLst>
-                <a:gd name="adj" fmla="val 7914"/>
-              </a:avLst>
-            </a:prstGeom>
-            <a:noFill/>
-            <a:ln w="19050">
-              <a:solidFill>
-                <a:schemeClr val="accent5"/>
-              </a:solidFill>
-              <a:prstDash val="sysDash"/>
-            </a:ln>
-          </p:spPr>
-          <p:style>
-            <a:lnRef idx="2">
-              <a:schemeClr val="accent1">
-                <a:shade val="50000"/>
-              </a:schemeClr>
-            </a:lnRef>
-            <a:fillRef idx="1">
-              <a:schemeClr val="accent1"/>
-            </a:fillRef>
-            <a:effectRef idx="0">
-              <a:schemeClr val="accent1"/>
-            </a:effectRef>
-            <a:fontRef idx="minor">
-              <a:schemeClr val="lt1"/>
-            </a:fontRef>
-          </p:style>
-          <p:txBody>
-            <a:bodyPr tIns="27432" bIns="27432" rtlCol="0" anchor="b" anchorCtr="0"/>
-            <a:lstStyle/>
-            <a:p>
-              <a:r>
-                <a:rPr lang="en-US" sz="800" b="1" dirty="0" smtClean="0">
-                  <a:solidFill>
-                    <a:schemeClr val="tx1"/>
-                  </a:solidFill>
-                  <a:latin typeface="Gadugi" panose="020B0502040204020203" pitchFamily="34" charset="0"/>
-                  <a:ea typeface="Gadugi" panose="020B0502040204020203" pitchFamily="34" charset="0"/>
-                </a:rPr>
-                <a:t>EMMG</a:t>
-              </a:r>
-              <a:endParaRPr lang="en-US" sz="800" b="1" dirty="0">
-                <a:solidFill>
-                  <a:schemeClr val="tx1"/>
-                </a:solidFill>
-                <a:latin typeface="Gadugi" panose="020B0502040204020203" pitchFamily="34" charset="0"/>
-                <a:ea typeface="Gadugi" panose="020B0502040204020203" pitchFamily="34" charset="0"/>
-              </a:endParaRPr>
-            </a:p>
-          </p:txBody>
-        </p:sp>
-        <p:cxnSp>
-          <p:nvCxnSpPr>
-            <p:cNvPr id="77" name="Connecteur droit avec flèche 272">
-              <a:extLst>
-                <a:ext uri="{FF2B5EF4-FFF2-40B4-BE49-F238E27FC236}">
-                  <a16:creationId xmlns:a16="http://schemas.microsoft.com/office/drawing/2014/main" id="{917022DD-9C4E-8C4F-8EF4-DC025172FC05}"/>
-                </a:ext>
-              </a:extLst>
-            </p:cNvPr>
-            <p:cNvCxnSpPr>
-              <a:stCxn id="70" idx="2"/>
-              <a:endCxn id="105" idx="0"/>
-            </p:cNvCxnSpPr>
-            <p:nvPr/>
-          </p:nvCxnSpPr>
-          <p:spPr>
-            <a:xfrm>
-              <a:off x="2678036" y="7098379"/>
-              <a:ext cx="0" cy="324421"/>
-            </a:xfrm>
-            <a:prstGeom prst="straightConnector1">
-              <a:avLst/>
-            </a:prstGeom>
-            <a:ln w="19050">
-              <a:solidFill>
-                <a:schemeClr val="tx1"/>
-              </a:solidFill>
-              <a:prstDash val="sysDash"/>
-              <a:tailEnd type="triangle"/>
-            </a:ln>
-          </p:spPr>
-          <p:style>
-            <a:lnRef idx="1">
-              <a:schemeClr val="accent1"/>
-            </a:lnRef>
-            <a:fillRef idx="0">
-              <a:schemeClr val="accent1"/>
-            </a:fillRef>
-            <a:effectRef idx="0">
-              <a:schemeClr val="accent1"/>
-            </a:effectRef>
-            <a:fontRef idx="minor">
-              <a:schemeClr val="tx1"/>
-            </a:fontRef>
-          </p:style>
-        </p:cxnSp>
-        <p:cxnSp>
-          <p:nvCxnSpPr>
-            <p:cNvPr id="125" name="Connecteur droit avec flèche 272">
-              <a:extLst>
-                <a:ext uri="{FF2B5EF4-FFF2-40B4-BE49-F238E27FC236}">
-                  <a16:creationId xmlns:a16="http://schemas.microsoft.com/office/drawing/2014/main" id="{917022DD-9C4E-8C4F-8EF4-DC025172FC05}"/>
-                </a:ext>
-              </a:extLst>
-            </p:cNvPr>
-            <p:cNvCxnSpPr/>
-            <p:nvPr/>
-          </p:nvCxnSpPr>
-          <p:spPr>
-            <a:xfrm flipH="1" flipV="1">
-              <a:off x="3468578" y="7098379"/>
-              <a:ext cx="4217" cy="319468"/>
-            </a:xfrm>
-            <a:prstGeom prst="straightConnector1">
-              <a:avLst/>
-            </a:prstGeom>
-            <a:ln w="19050">
-              <a:solidFill>
-                <a:schemeClr val="tx1"/>
-              </a:solidFill>
-              <a:prstDash val="sysDash"/>
-              <a:tailEnd type="triangle"/>
-            </a:ln>
-          </p:spPr>
-          <p:style>
-            <a:lnRef idx="1">
-              <a:schemeClr val="accent1"/>
-            </a:lnRef>
-            <a:fillRef idx="0">
-              <a:schemeClr val="accent1"/>
-            </a:fillRef>
-            <a:effectRef idx="0">
-              <a:schemeClr val="accent1"/>
-            </a:effectRef>
-            <a:fontRef idx="minor">
-              <a:schemeClr val="tx1"/>
-            </a:fontRef>
-          </p:style>
-        </p:cxnSp>
       </p:grpSp>
     </p:spTree>
     <p:extLst>
